--- a/readme/Python3.pptx
+++ b/readme/Python3.pptx
@@ -18,6 +18,23 @@
     <p:sldId id="268" r:id="rId12"/>
     <p:sldId id="269" r:id="rId13"/>
     <p:sldId id="270" r:id="rId14"/>
+    <p:sldId id="272" r:id="rId15"/>
+    <p:sldId id="273" r:id="rId16"/>
+    <p:sldId id="274" r:id="rId17"/>
+    <p:sldId id="275" r:id="rId18"/>
+    <p:sldId id="276" r:id="rId19"/>
+    <p:sldId id="277" r:id="rId20"/>
+    <p:sldId id="278" r:id="rId21"/>
+    <p:sldId id="279" r:id="rId22"/>
+    <p:sldId id="280" r:id="rId23"/>
+    <p:sldId id="281" r:id="rId24"/>
+    <p:sldId id="282" r:id="rId25"/>
+    <p:sldId id="283" r:id="rId26"/>
+    <p:sldId id="284" r:id="rId27"/>
+    <p:sldId id="285" r:id="rId28"/>
+    <p:sldId id="286" r:id="rId29"/>
+    <p:sldId id="287" r:id="rId30"/>
+    <p:sldId id="288" r:id="rId31"/>
   </p:sldIdLst>
   <p:sldSz cx="9144000" cy="6858000" type="screen4x3"/>
   <p:notesSz cx="6858000" cy="9144000"/>
@@ -301,7 +318,7 @@
             <a:fld id="{530820CF-B880-4189-942D-D702A7CBA730}" type="datetimeFigureOut">
               <a:rPr lang="zh-CN" altLang="en-US" smtClean="0"/>
               <a:pPr/>
-              <a:t>2018/6/10</a:t>
+              <a:t>2018-10-14</a:t>
             </a:fld>
             <a:endParaRPr lang="zh-CN" altLang="en-US"/>
           </a:p>
@@ -468,7 +485,7 @@
             <a:fld id="{530820CF-B880-4189-942D-D702A7CBA730}" type="datetimeFigureOut">
               <a:rPr lang="zh-CN" altLang="en-US" smtClean="0"/>
               <a:pPr/>
-              <a:t>2018/6/10</a:t>
+              <a:t>2018-10-14</a:t>
             </a:fld>
             <a:endParaRPr lang="zh-CN" altLang="en-US"/>
           </a:p>
@@ -645,7 +662,7 @@
             <a:fld id="{530820CF-B880-4189-942D-D702A7CBA730}" type="datetimeFigureOut">
               <a:rPr lang="zh-CN" altLang="en-US" smtClean="0"/>
               <a:pPr/>
-              <a:t>2018/6/10</a:t>
+              <a:t>2018-10-14</a:t>
             </a:fld>
             <a:endParaRPr lang="zh-CN" altLang="en-US"/>
           </a:p>
@@ -812,7 +829,7 @@
             <a:fld id="{530820CF-B880-4189-942D-D702A7CBA730}" type="datetimeFigureOut">
               <a:rPr lang="zh-CN" altLang="en-US" smtClean="0"/>
               <a:pPr/>
-              <a:t>2018/6/10</a:t>
+              <a:t>2018-10-14</a:t>
             </a:fld>
             <a:endParaRPr lang="zh-CN" altLang="en-US"/>
           </a:p>
@@ -1055,7 +1072,7 @@
             <a:fld id="{530820CF-B880-4189-942D-D702A7CBA730}" type="datetimeFigureOut">
               <a:rPr lang="zh-CN" altLang="en-US" smtClean="0"/>
               <a:pPr/>
-              <a:t>2018/6/10</a:t>
+              <a:t>2018-10-14</a:t>
             </a:fld>
             <a:endParaRPr lang="zh-CN" altLang="en-US"/>
           </a:p>
@@ -1340,7 +1357,7 @@
             <a:fld id="{530820CF-B880-4189-942D-D702A7CBA730}" type="datetimeFigureOut">
               <a:rPr lang="zh-CN" altLang="en-US" smtClean="0"/>
               <a:pPr/>
-              <a:t>2018/6/10</a:t>
+              <a:t>2018-10-14</a:t>
             </a:fld>
             <a:endParaRPr lang="zh-CN" altLang="en-US"/>
           </a:p>
@@ -1759,7 +1776,7 @@
             <a:fld id="{530820CF-B880-4189-942D-D702A7CBA730}" type="datetimeFigureOut">
               <a:rPr lang="zh-CN" altLang="en-US" smtClean="0"/>
               <a:pPr/>
-              <a:t>2018/6/10</a:t>
+              <a:t>2018-10-14</a:t>
             </a:fld>
             <a:endParaRPr lang="zh-CN" altLang="en-US"/>
           </a:p>
@@ -1874,7 +1891,7 @@
             <a:fld id="{530820CF-B880-4189-942D-D702A7CBA730}" type="datetimeFigureOut">
               <a:rPr lang="zh-CN" altLang="en-US" smtClean="0"/>
               <a:pPr/>
-              <a:t>2018/6/10</a:t>
+              <a:t>2018-10-14</a:t>
             </a:fld>
             <a:endParaRPr lang="zh-CN" altLang="en-US"/>
           </a:p>
@@ -1966,7 +1983,7 @@
             <a:fld id="{530820CF-B880-4189-942D-D702A7CBA730}" type="datetimeFigureOut">
               <a:rPr lang="zh-CN" altLang="en-US" smtClean="0"/>
               <a:pPr/>
-              <a:t>2018/6/10</a:t>
+              <a:t>2018-10-14</a:t>
             </a:fld>
             <a:endParaRPr lang="zh-CN" altLang="en-US"/>
           </a:p>
@@ -2240,7 +2257,7 @@
             <a:fld id="{530820CF-B880-4189-942D-D702A7CBA730}" type="datetimeFigureOut">
               <a:rPr lang="zh-CN" altLang="en-US" smtClean="0"/>
               <a:pPr/>
-              <a:t>2018/6/10</a:t>
+              <a:t>2018-10-14</a:t>
             </a:fld>
             <a:endParaRPr lang="zh-CN" altLang="en-US"/>
           </a:p>
@@ -2490,7 +2507,7 @@
             <a:fld id="{530820CF-B880-4189-942D-D702A7CBA730}" type="datetimeFigureOut">
               <a:rPr lang="zh-CN" altLang="en-US" smtClean="0"/>
               <a:pPr/>
-              <a:t>2018/6/10</a:t>
+              <a:t>2018-10-14</a:t>
             </a:fld>
             <a:endParaRPr lang="zh-CN" altLang="en-US"/>
           </a:p>
@@ -2700,7 +2717,7 @@
             <a:fld id="{530820CF-B880-4189-942D-D702A7CBA730}" type="datetimeFigureOut">
               <a:rPr lang="zh-CN" altLang="en-US" smtClean="0"/>
               <a:pPr/>
-              <a:t>2018/6/10</a:t>
+              <a:t>2018-10-14</a:t>
             </a:fld>
             <a:endParaRPr lang="zh-CN" altLang="en-US"/>
           </a:p>
@@ -3593,11 +3610,7 @@
           <a:p>
             <a:r>
               <a:rPr lang="en-US" altLang="zh-CN" dirty="0" smtClean="0"/>
-              <a:t>1</a:t>
-            </a:r>
-            <a:r>
-              <a:rPr lang="en-US" altLang="zh-CN" dirty="0" smtClean="0"/>
-              <a:t>. </a:t>
+              <a:t>1. </a:t>
             </a:r>
             <a:r>
               <a:rPr lang="zh-CN" altLang="en-US" dirty="0" smtClean="0"/>
@@ -3616,11 +3629,7 @@
           <a:p>
             <a:r>
               <a:rPr lang="en-US" altLang="zh-CN" dirty="0" smtClean="0"/>
-              <a:t>2</a:t>
-            </a:r>
-            <a:r>
-              <a:rPr lang="en-US" altLang="zh-CN" dirty="0" smtClean="0"/>
-              <a:t>. </a:t>
+              <a:t>2. </a:t>
             </a:r>
             <a:r>
               <a:rPr lang="zh-CN" altLang="en-US" dirty="0" smtClean="0"/>
@@ -3631,11 +3640,7 @@
           <a:p>
             <a:r>
               <a:rPr lang="en-US" altLang="zh-CN" dirty="0" smtClean="0"/>
-              <a:t>3</a:t>
-            </a:r>
-            <a:r>
-              <a:rPr lang="en-US" altLang="zh-CN" dirty="0" smtClean="0"/>
-              <a:t>. </a:t>
+              <a:t>3. </a:t>
             </a:r>
             <a:r>
               <a:rPr lang="zh-CN" altLang="en-US" dirty="0" smtClean="0"/>
@@ -3666,11 +3671,7 @@
           <a:p>
             <a:r>
               <a:rPr lang="en-US" altLang="zh-CN" dirty="0" smtClean="0"/>
-              <a:t>4</a:t>
-            </a:r>
-            <a:r>
-              <a:rPr lang="en-US" altLang="zh-CN" dirty="0" smtClean="0"/>
-              <a:t>. </a:t>
+              <a:t>4. </a:t>
             </a:r>
             <a:r>
               <a:rPr lang="zh-CN" altLang="en-US" dirty="0" smtClean="0"/>
@@ -3705,11 +3706,7 @@
           <a:p>
             <a:r>
               <a:rPr lang="en-US" altLang="zh-CN" dirty="0" smtClean="0"/>
-              <a:t>5</a:t>
-            </a:r>
-            <a:r>
-              <a:rPr lang="en-US" altLang="zh-CN" dirty="0" smtClean="0"/>
-              <a:t>. </a:t>
+              <a:t>5. </a:t>
             </a:r>
             <a:r>
               <a:rPr lang="zh-CN" altLang="en-US" dirty="0" smtClean="0"/>
@@ -3744,19 +3741,11 @@
           <a:p>
             <a:r>
               <a:rPr lang="en-US" altLang="zh-CN" dirty="0" smtClean="0"/>
-              <a:t>6</a:t>
-            </a:r>
-            <a:r>
-              <a:rPr lang="en-US" altLang="zh-CN" dirty="0" smtClean="0"/>
-              <a:t>. </a:t>
-            </a:r>
-            <a:r>
-              <a:rPr lang="zh-CN" altLang="en-US" dirty="0" smtClean="0"/>
-              <a:t>下面哪个变量名不正确？为什么</a:t>
-            </a:r>
-            <a:r>
-              <a:rPr lang="zh-CN" altLang="en-US" dirty="0" smtClean="0"/>
-              <a:t>？</a:t>
+              <a:t>6. </a:t>
+            </a:r>
+            <a:r>
+              <a:rPr lang="zh-CN" altLang="en-US" dirty="0" smtClean="0"/>
+              <a:t>下面哪个变量名不正确？为什么？</a:t>
             </a:r>
             <a:endParaRPr lang="en-US" altLang="zh-CN" dirty="0" smtClean="0"/>
           </a:p>
@@ -3787,11 +3776,7 @@
             </a:r>
             <a:r>
               <a:rPr lang="zh-CN" altLang="en-US" dirty="0" smtClean="0"/>
-              <a:t>人们</a:t>
-            </a:r>
-            <a:r>
-              <a:rPr lang="zh-CN" altLang="en-US" dirty="0" smtClean="0"/>
-              <a:t>总是说没有足够的时间做到尽善尽美。如果一天有 </a:t>
+              <a:t>人们总是说没有足够的时间做到尽善尽美。如果一天有 </a:t>
             </a:r>
             <a:r>
               <a:rPr lang="en-US" altLang="zh-CN" dirty="0" smtClean="0"/>
@@ -3799,15 +3784,7 @@
             </a:r>
             <a:r>
               <a:rPr lang="zh-CN" altLang="en-US" dirty="0" smtClean="0"/>
-              <a:t>个小时，</a:t>
-            </a:r>
-            <a:r>
-              <a:rPr lang="zh-CN" altLang="en-US" dirty="0" smtClean="0"/>
-              <a:t>那么每周喝多少升？</a:t>
-            </a:r>
-            <a:r>
-              <a:rPr lang="zh-CN" altLang="en-US" dirty="0" smtClean="0"/>
-              <a:t>（提示：改变 </a:t>
+              <a:t>个小时，那么每周喝多少升？（提示：改变 </a:t>
             </a:r>
             <a:r>
               <a:rPr lang="en-US" altLang="zh-CN" dirty="0" err="1" smtClean="0"/>
@@ -3819,11 +3796,7 @@
             </a:r>
             <a:r>
               <a:rPr lang="zh-CN" altLang="en-US" dirty="0" smtClean="0"/>
-              <a:t>变量。</a:t>
-            </a:r>
-            <a:r>
-              <a:rPr lang="zh-CN" altLang="en-US" dirty="0" smtClean="0"/>
-              <a:t>）</a:t>
+              <a:t>变量。）</a:t>
             </a:r>
             <a:endParaRPr lang="en-US" altLang="zh-CN" dirty="0" smtClean="0"/>
           </a:p>
@@ -3834,6 +3807,860 @@
   <p:clrMapOvr>
     <a:masterClrMapping/>
   </p:clrMapOvr>
+</p:sld>
+</file>
+
+<file path=ppt/slides/slide14.xml><?xml version="1.0" encoding="utf-8"?>
+<p:sld xmlns:a="http://schemas.openxmlformats.org/drawingml/2006/main" xmlns:r="http://schemas.openxmlformats.org/officeDocument/2006/relationships" xmlns:p="http://schemas.openxmlformats.org/presentationml/2006/main">
+  <p:cSld>
+    <p:spTree>
+      <p:nvGrpSpPr>
+        <p:cNvPr id="1" name=""/>
+        <p:cNvGrpSpPr/>
+        <p:nvPr/>
+      </p:nvGrpSpPr>
+      <p:grpSpPr>
+        <a:xfrm>
+          <a:off x="0" y="0"/>
+          <a:ext cx="0" cy="0"/>
+          <a:chOff x="0" y="0"/>
+          <a:chExt cx="0" cy="0"/>
+        </a:xfrm>
+      </p:grpSpPr>
+      <p:sp>
+        <p:nvSpPr>
+          <p:cNvPr id="2" name="标题 1"/>
+          <p:cNvSpPr>
+            <a:spLocks noGrp="1"/>
+          </p:cNvSpPr>
+          <p:nvPr>
+            <p:ph type="title"/>
+          </p:nvPr>
+        </p:nvSpPr>
+        <p:spPr/>
+        <p:txBody>
+          <a:bodyPr/>
+          <a:lstStyle/>
+          <a:p>
+            <a:r>
+              <a:rPr lang="zh-CN" altLang="en-US" dirty="0" smtClean="0"/>
+              <a:t>第四章：</a:t>
+            </a:r>
+            <a:r>
+              <a:rPr lang="zh-CN" altLang="en-US" dirty="0" smtClean="0"/>
+              <a:t>数据的类型</a:t>
+            </a:r>
+            <a:endParaRPr lang="zh-CN" altLang="en-US" dirty="0"/>
+          </a:p>
+        </p:txBody>
+      </p:sp>
+      <p:sp>
+        <p:nvSpPr>
+          <p:cNvPr id="3" name="内容占位符 2"/>
+          <p:cNvSpPr>
+            <a:spLocks noGrp="1"/>
+          </p:cNvSpPr>
+          <p:nvPr>
+            <p:ph idx="1"/>
+          </p:nvPr>
+        </p:nvSpPr>
+        <p:spPr/>
+        <p:txBody>
+          <a:bodyPr/>
+          <a:lstStyle/>
+          <a:p>
+            <a:endParaRPr lang="zh-CN" altLang="en-US" dirty="0"/>
+          </a:p>
+        </p:txBody>
+      </p:sp>
+    </p:spTree>
+  </p:cSld>
+  <p:clrMapOvr>
+    <a:masterClrMapping/>
+  </p:clrMapOvr>
+  <p:timing>
+    <p:tnLst>
+      <p:par>
+        <p:cTn id="1" dur="indefinite" restart="never" nodeType="tmRoot"/>
+      </p:par>
+    </p:tnLst>
+  </p:timing>
+</p:sld>
+</file>
+
+<file path=ppt/slides/slide15.xml><?xml version="1.0" encoding="utf-8"?>
+<p:sld xmlns:a="http://schemas.openxmlformats.org/drawingml/2006/main" xmlns:r="http://schemas.openxmlformats.org/officeDocument/2006/relationships" xmlns:p="http://schemas.openxmlformats.org/presentationml/2006/main">
+  <p:cSld>
+    <p:spTree>
+      <p:nvGrpSpPr>
+        <p:cNvPr id="1" name=""/>
+        <p:cNvGrpSpPr/>
+        <p:nvPr/>
+      </p:nvGrpSpPr>
+      <p:grpSpPr>
+        <a:xfrm>
+          <a:off x="0" y="0"/>
+          <a:ext cx="0" cy="0"/>
+          <a:chOff x="0" y="0"/>
+          <a:chExt cx="0" cy="0"/>
+        </a:xfrm>
+      </p:grpSpPr>
+      <p:sp>
+        <p:nvSpPr>
+          <p:cNvPr id="2" name="标题 1"/>
+          <p:cNvSpPr>
+            <a:spLocks noGrp="1"/>
+          </p:cNvSpPr>
+          <p:nvPr>
+            <p:ph type="title"/>
+          </p:nvPr>
+        </p:nvSpPr>
+        <p:spPr/>
+        <p:txBody>
+          <a:bodyPr>
+            <a:normAutofit/>
+          </a:bodyPr>
+          <a:lstStyle/>
+          <a:p>
+            <a:pPr algn="l"/>
+            <a:r>
+              <a:rPr lang="en-US" altLang="zh-CN" dirty="0" smtClean="0"/>
+              <a:t>4</a:t>
+            </a:r>
+            <a:r>
+              <a:rPr lang="en-US" altLang="zh-CN" dirty="0" smtClean="0"/>
+              <a:t>.1 </a:t>
+            </a:r>
+            <a:r>
+              <a:rPr lang="zh-CN" altLang="en-US" dirty="0" smtClean="0"/>
+              <a:t>改变</a:t>
+            </a:r>
+            <a:r>
+              <a:rPr lang="zh-CN" altLang="en-US" dirty="0" smtClean="0"/>
+              <a:t>类型</a:t>
+            </a:r>
+            <a:endParaRPr lang="zh-CN" altLang="en-US" dirty="0"/>
+          </a:p>
+        </p:txBody>
+      </p:sp>
+      <p:sp>
+        <p:nvSpPr>
+          <p:cNvPr id="3" name="内容占位符 2"/>
+          <p:cNvSpPr>
+            <a:spLocks noGrp="1"/>
+          </p:cNvSpPr>
+          <p:nvPr>
+            <p:ph idx="1"/>
+          </p:nvPr>
+        </p:nvSpPr>
+        <p:spPr/>
+        <p:txBody>
+          <a:bodyPr>
+            <a:normAutofit lnSpcReduction="10000"/>
+          </a:bodyPr>
+          <a:lstStyle/>
+          <a:p>
+            <a:r>
+              <a:rPr lang="en-US" altLang="zh-CN" dirty="0" smtClean="0"/>
+              <a:t>float() </a:t>
+            </a:r>
+            <a:r>
+              <a:rPr lang="zh-CN" altLang="en-US" dirty="0" smtClean="0"/>
+              <a:t>从一个字符串或整数创建一个新的浮点数（小数</a:t>
+            </a:r>
+            <a:r>
+              <a:rPr lang="zh-CN" altLang="en-US" dirty="0" smtClean="0"/>
+              <a:t>）</a:t>
+            </a:r>
+            <a:r>
+              <a:rPr lang="zh-CN" altLang="en-US" dirty="0" smtClean="0"/>
+              <a:t>。</a:t>
+            </a:r>
+            <a:endParaRPr lang="zh-CN" altLang="en-US" dirty="0" smtClean="0"/>
+          </a:p>
+          <a:p>
+            <a:r>
+              <a:rPr lang="en-US" altLang="zh-CN" dirty="0" err="1" smtClean="0"/>
+              <a:t>int</a:t>
+            </a:r>
+            <a:r>
+              <a:rPr lang="en-US" altLang="zh-CN" dirty="0" smtClean="0"/>
+              <a:t>() </a:t>
+            </a:r>
+            <a:r>
+              <a:rPr lang="zh-CN" altLang="en-US" dirty="0" smtClean="0"/>
+              <a:t>从一个字符串或浮点数创建一个新的</a:t>
+            </a:r>
+            <a:r>
+              <a:rPr lang="zh-CN" altLang="en-US" dirty="0" smtClean="0"/>
+              <a:t>整数。 </a:t>
+            </a:r>
+            <a:endParaRPr lang="zh-CN" altLang="en-US" dirty="0" smtClean="0"/>
+          </a:p>
+          <a:p>
+            <a:r>
+              <a:rPr lang="en-US" altLang="zh-CN" dirty="0" err="1" smtClean="0"/>
+              <a:t>str</a:t>
+            </a:r>
+            <a:r>
+              <a:rPr lang="en-US" altLang="zh-CN" dirty="0" smtClean="0"/>
+              <a:t>() </a:t>
+            </a:r>
+            <a:r>
+              <a:rPr lang="zh-CN" altLang="en-US" dirty="0" smtClean="0"/>
+              <a:t>从一个数（可以是任何其他类型）创建一个新的字符串</a:t>
+            </a:r>
+            <a:r>
+              <a:rPr lang="zh-CN" altLang="en-US" dirty="0" smtClean="0"/>
+              <a:t>。</a:t>
+            </a:r>
+            <a:endParaRPr lang="en-US" altLang="zh-CN" dirty="0" smtClean="0"/>
+          </a:p>
+          <a:p>
+            <a:pPr>
+              <a:buNone/>
+            </a:pPr>
+            <a:r>
+              <a:rPr lang="en-US" altLang="zh-CN" dirty="0" smtClean="0"/>
+              <a:t>		float</a:t>
+            </a:r>
+            <a:r>
+              <a:rPr lang="en-US" altLang="zh-CN" dirty="0" smtClean="0"/>
+              <a:t>()</a:t>
+            </a:r>
+            <a:r>
+              <a:rPr lang="zh-CN" altLang="en-US" dirty="0" smtClean="0"/>
+              <a:t>、</a:t>
+            </a:r>
+            <a:r>
+              <a:rPr lang="en-US" altLang="zh-CN" dirty="0" err="1" smtClean="0"/>
+              <a:t>int</a:t>
+            </a:r>
+            <a:r>
+              <a:rPr lang="en-US" altLang="zh-CN" dirty="0" smtClean="0"/>
+              <a:t>() </a:t>
+            </a:r>
+            <a:r>
+              <a:rPr lang="zh-CN" altLang="en-US" dirty="0" smtClean="0"/>
+              <a:t>和</a:t>
+            </a:r>
+            <a:r>
+              <a:rPr lang="en-US" altLang="zh-CN" dirty="0" err="1" smtClean="0"/>
+              <a:t>str</a:t>
+            </a:r>
+            <a:r>
+              <a:rPr lang="en-US" altLang="zh-CN" dirty="0" smtClean="0"/>
+              <a:t>() </a:t>
+            </a:r>
+            <a:r>
+              <a:rPr lang="zh-CN" altLang="en-US" dirty="0" smtClean="0"/>
+              <a:t>后面有小括号， 因为它们不是</a:t>
+            </a:r>
+            <a:r>
+              <a:rPr lang="en-US" altLang="zh-CN" dirty="0" smtClean="0"/>
+              <a:t>Python </a:t>
+            </a:r>
+            <a:r>
+              <a:rPr lang="zh-CN" altLang="en-US" dirty="0" smtClean="0"/>
+              <a:t>关键字</a:t>
+            </a:r>
+            <a:r>
+              <a:rPr lang="en-US" altLang="zh-CN" dirty="0" smtClean="0"/>
+              <a:t>—</a:t>
+            </a:r>
+            <a:r>
+              <a:rPr lang="zh-CN" altLang="en-US" dirty="0" smtClean="0"/>
+              <a:t>它们只是</a:t>
+            </a:r>
+            <a:r>
+              <a:rPr lang="en-US" altLang="zh-CN" dirty="0" smtClean="0"/>
+              <a:t>Python </a:t>
+            </a:r>
+            <a:r>
+              <a:rPr lang="zh-CN" altLang="en-US" dirty="0" smtClean="0"/>
+              <a:t>的内置函数（</a:t>
+            </a:r>
+            <a:r>
+              <a:rPr lang="en-US" altLang="zh-CN" dirty="0" smtClean="0"/>
+              <a:t>function</a:t>
+            </a:r>
+            <a:r>
+              <a:rPr lang="zh-CN" altLang="en-US" dirty="0" smtClean="0"/>
+              <a:t>）。</a:t>
+            </a:r>
+            <a:endParaRPr lang="zh-CN" altLang="en-US" dirty="0"/>
+          </a:p>
+        </p:txBody>
+      </p:sp>
+    </p:spTree>
+  </p:cSld>
+  <p:clrMapOvr>
+    <a:masterClrMapping/>
+  </p:clrMapOvr>
+</p:sld>
+</file>
+
+<file path=ppt/slides/slide16.xml><?xml version="1.0" encoding="utf-8"?>
+<p:sld xmlns:a="http://schemas.openxmlformats.org/drawingml/2006/main" xmlns:r="http://schemas.openxmlformats.org/officeDocument/2006/relationships" xmlns:p="http://schemas.openxmlformats.org/presentationml/2006/main">
+  <p:cSld>
+    <p:spTree>
+      <p:nvGrpSpPr>
+        <p:cNvPr id="1" name=""/>
+        <p:cNvGrpSpPr/>
+        <p:nvPr/>
+      </p:nvGrpSpPr>
+      <p:grpSpPr>
+        <a:xfrm>
+          <a:off x="0" y="0"/>
+          <a:ext cx="0" cy="0"/>
+          <a:chOff x="0" y="0"/>
+          <a:chExt cx="0" cy="0"/>
+        </a:xfrm>
+      </p:grpSpPr>
+      <p:sp>
+        <p:nvSpPr>
+          <p:cNvPr id="2" name="标题 1"/>
+          <p:cNvSpPr>
+            <a:spLocks noGrp="1"/>
+          </p:cNvSpPr>
+          <p:nvPr>
+            <p:ph type="title"/>
+          </p:nvPr>
+        </p:nvSpPr>
+        <p:spPr/>
+        <p:txBody>
+          <a:bodyPr>
+            <a:normAutofit/>
+          </a:bodyPr>
+          <a:lstStyle/>
+          <a:p>
+            <a:pPr algn="l"/>
+            <a:r>
+              <a:rPr lang="en-US" altLang="zh-CN" dirty="0" smtClean="0"/>
+              <a:t>4</a:t>
+            </a:r>
+            <a:r>
+              <a:rPr lang="en-US" altLang="zh-CN" dirty="0" smtClean="0"/>
+              <a:t>.1 </a:t>
+            </a:r>
+            <a:r>
+              <a:rPr lang="zh-CN" altLang="en-US" dirty="0" smtClean="0"/>
+              <a:t>改变</a:t>
+            </a:r>
+            <a:r>
+              <a:rPr lang="zh-CN" altLang="en-US" dirty="0" smtClean="0"/>
+              <a:t>类型</a:t>
+            </a:r>
+            <a:endParaRPr lang="zh-CN" altLang="en-US" dirty="0"/>
+          </a:p>
+        </p:txBody>
+      </p:sp>
+      <p:sp>
+        <p:nvSpPr>
+          <p:cNvPr id="3" name="内容占位符 2"/>
+          <p:cNvSpPr>
+            <a:spLocks noGrp="1"/>
+          </p:cNvSpPr>
+          <p:nvPr>
+            <p:ph idx="1"/>
+          </p:nvPr>
+        </p:nvSpPr>
+        <p:spPr/>
+        <p:txBody>
+          <a:bodyPr>
+            <a:normAutofit lnSpcReduction="10000"/>
+          </a:bodyPr>
+          <a:lstStyle/>
+          <a:p>
+            <a:r>
+              <a:rPr lang="zh-CN" altLang="en-US" dirty="0" smtClean="0"/>
+              <a:t>将整数转换为</a:t>
+            </a:r>
+            <a:r>
+              <a:rPr lang="zh-CN" altLang="en-US" dirty="0" smtClean="0"/>
+              <a:t>浮点数</a:t>
+            </a:r>
+            <a:endParaRPr lang="en-US" altLang="zh-CN" dirty="0" smtClean="0"/>
+          </a:p>
+          <a:p>
+            <a:pPr lvl="1"/>
+            <a:r>
+              <a:rPr lang="en-US" altLang="zh-CN" dirty="0" smtClean="0"/>
+              <a:t>a = </a:t>
+            </a:r>
+            <a:r>
+              <a:rPr lang="en-US" altLang="zh-CN" dirty="0" smtClean="0"/>
+              <a:t>24</a:t>
+            </a:r>
+          </a:p>
+          <a:p>
+            <a:pPr lvl="1"/>
+            <a:r>
+              <a:rPr lang="en-US" altLang="zh-CN" dirty="0" smtClean="0"/>
+              <a:t>b = float(a</a:t>
+            </a:r>
+            <a:r>
+              <a:rPr lang="en-US" altLang="zh-CN" dirty="0" smtClean="0"/>
+              <a:t>)</a:t>
+            </a:r>
+            <a:endParaRPr lang="en-US" altLang="zh-CN" dirty="0" smtClean="0"/>
+          </a:p>
+          <a:p>
+            <a:r>
+              <a:rPr lang="zh-CN" altLang="en-US" dirty="0" smtClean="0"/>
+              <a:t>将浮点数转换为</a:t>
+            </a:r>
+            <a:r>
+              <a:rPr lang="zh-CN" altLang="en-US" dirty="0" smtClean="0"/>
+              <a:t>整数</a:t>
+            </a:r>
+            <a:endParaRPr lang="en-US" altLang="zh-CN" dirty="0" smtClean="0"/>
+          </a:p>
+          <a:p>
+            <a:pPr lvl="1"/>
+            <a:r>
+              <a:rPr lang="en-US" altLang="zh-CN" dirty="0" smtClean="0"/>
+              <a:t>c = </a:t>
+            </a:r>
+            <a:r>
+              <a:rPr lang="en-US" altLang="zh-CN" dirty="0" smtClean="0"/>
+              <a:t>38.0</a:t>
+            </a:r>
+          </a:p>
+          <a:p>
+            <a:pPr lvl="1"/>
+            <a:r>
+              <a:rPr lang="en-US" altLang="zh-CN" dirty="0" smtClean="0"/>
+              <a:t>d = </a:t>
+            </a:r>
+            <a:r>
+              <a:rPr lang="en-US" altLang="zh-CN" dirty="0" err="1" smtClean="0"/>
+              <a:t>int</a:t>
+            </a:r>
+            <a:r>
+              <a:rPr lang="en-US" altLang="zh-CN" dirty="0" smtClean="0"/>
+              <a:t>(c</a:t>
+            </a:r>
+            <a:r>
+              <a:rPr lang="en-US" altLang="zh-CN" dirty="0" smtClean="0"/>
+              <a:t>)</a:t>
+            </a:r>
+          </a:p>
+          <a:p>
+            <a:r>
+              <a:rPr lang="zh-CN" altLang="en-US" dirty="0" smtClean="0"/>
+              <a:t>将字符串转换为</a:t>
+            </a:r>
+            <a:r>
+              <a:rPr lang="zh-CN" altLang="en-US" dirty="0" smtClean="0"/>
+              <a:t>浮点数</a:t>
+            </a:r>
+            <a:endParaRPr lang="en-US" altLang="zh-CN" dirty="0" smtClean="0"/>
+          </a:p>
+          <a:p>
+            <a:pPr lvl="1"/>
+            <a:r>
+              <a:rPr lang="en-US" altLang="zh-CN" dirty="0" smtClean="0"/>
+              <a:t>a = </a:t>
+            </a:r>
+            <a:r>
+              <a:rPr lang="en-US" altLang="zh-CN" dirty="0" smtClean="0"/>
+              <a:t>'76.3‘</a:t>
+            </a:r>
+          </a:p>
+          <a:p>
+            <a:pPr lvl="1"/>
+            <a:r>
+              <a:rPr lang="en-US" altLang="zh-CN" dirty="0" smtClean="0"/>
+              <a:t>b = float(a</a:t>
+            </a:r>
+            <a:r>
+              <a:rPr lang="en-US" altLang="zh-CN" dirty="0" smtClean="0"/>
+              <a:t>)</a:t>
+            </a:r>
+            <a:endParaRPr lang="en-US" altLang="zh-CN" dirty="0" smtClean="0"/>
+          </a:p>
+        </p:txBody>
+      </p:sp>
+    </p:spTree>
+  </p:cSld>
+  <p:clrMapOvr>
+    <a:masterClrMapping/>
+  </p:clrMapOvr>
+</p:sld>
+</file>
+
+<file path=ppt/slides/slide17.xml><?xml version="1.0" encoding="utf-8"?>
+<p:sld xmlns:a="http://schemas.openxmlformats.org/drawingml/2006/main" xmlns:r="http://schemas.openxmlformats.org/officeDocument/2006/relationships" xmlns:p="http://schemas.openxmlformats.org/presentationml/2006/main">
+  <p:cSld>
+    <p:spTree>
+      <p:nvGrpSpPr>
+        <p:cNvPr id="1" name=""/>
+        <p:cNvGrpSpPr/>
+        <p:nvPr/>
+      </p:nvGrpSpPr>
+      <p:grpSpPr>
+        <a:xfrm>
+          <a:off x="0" y="0"/>
+          <a:ext cx="0" cy="0"/>
+          <a:chOff x="0" y="0"/>
+          <a:chExt cx="0" cy="0"/>
+        </a:xfrm>
+      </p:grpSpPr>
+      <p:sp>
+        <p:nvSpPr>
+          <p:cNvPr id="2" name="标题 1"/>
+          <p:cNvSpPr>
+            <a:spLocks noGrp="1"/>
+          </p:cNvSpPr>
+          <p:nvPr>
+            <p:ph type="title"/>
+          </p:nvPr>
+        </p:nvSpPr>
+        <p:spPr/>
+        <p:txBody>
+          <a:bodyPr>
+            <a:normAutofit/>
+          </a:bodyPr>
+          <a:lstStyle/>
+          <a:p>
+            <a:pPr algn="l"/>
+            <a:r>
+              <a:rPr lang="en-US" altLang="zh-CN" dirty="0" smtClean="0"/>
+              <a:t>4</a:t>
+            </a:r>
+            <a:r>
+              <a:rPr lang="en-US" altLang="zh-CN" dirty="0" smtClean="0"/>
+              <a:t>.2  </a:t>
+            </a:r>
+            <a:r>
+              <a:rPr lang="zh-CN" altLang="en-US" dirty="0" smtClean="0"/>
+              <a:t>得到</a:t>
+            </a:r>
+            <a:r>
+              <a:rPr lang="zh-CN" altLang="en-US" dirty="0" smtClean="0"/>
+              <a:t>更多</a:t>
+            </a:r>
+            <a:r>
+              <a:rPr lang="zh-CN" altLang="en-US" dirty="0" smtClean="0"/>
+              <a:t>信息</a:t>
+            </a:r>
+            <a:r>
+              <a:rPr lang="en-US" altLang="zh-CN" b="1" dirty="0" smtClean="0"/>
+              <a:t>type</a:t>
+            </a:r>
+            <a:r>
+              <a:rPr lang="en-US" altLang="zh-CN" b="1" dirty="0" smtClean="0"/>
+              <a:t>()</a:t>
+            </a:r>
+            <a:endParaRPr lang="zh-CN" altLang="en-US" dirty="0"/>
+          </a:p>
+        </p:txBody>
+      </p:sp>
+      <p:sp>
+        <p:nvSpPr>
+          <p:cNvPr id="3" name="内容占位符 2"/>
+          <p:cNvSpPr>
+            <a:spLocks noGrp="1"/>
+          </p:cNvSpPr>
+          <p:nvPr>
+            <p:ph idx="1"/>
+          </p:nvPr>
+        </p:nvSpPr>
+        <p:spPr/>
+        <p:txBody>
+          <a:bodyPr>
+            <a:normAutofit/>
+          </a:bodyPr>
+          <a:lstStyle/>
+          <a:p>
+            <a:r>
+              <a:rPr lang="en-US" altLang="zh-CN" dirty="0" smtClean="0"/>
+              <a:t>Python </a:t>
+            </a:r>
+            <a:r>
+              <a:rPr lang="zh-CN" altLang="en-US" dirty="0" smtClean="0"/>
+              <a:t>还提供了函数</a:t>
+            </a:r>
+            <a:r>
+              <a:rPr lang="en-US" altLang="zh-CN" dirty="0" smtClean="0"/>
+              <a:t>type()</a:t>
+            </a:r>
+            <a:r>
+              <a:rPr lang="zh-CN" altLang="en-US" dirty="0" smtClean="0"/>
+              <a:t>，它可以明确地告诉我们变量的类型</a:t>
+            </a:r>
+            <a:r>
+              <a:rPr lang="zh-CN" altLang="en-US" dirty="0" smtClean="0"/>
+              <a:t>。</a:t>
+            </a:r>
+            <a:endParaRPr lang="en-US" altLang="zh-CN" dirty="0" smtClean="0"/>
+          </a:p>
+          <a:p>
+            <a:pPr lvl="1"/>
+            <a:r>
+              <a:rPr lang="en-US" altLang="zh-CN" dirty="0" smtClean="0"/>
+              <a:t>a = </a:t>
+            </a:r>
+            <a:r>
+              <a:rPr lang="en-US" altLang="zh-CN" dirty="0" smtClean="0"/>
+              <a:t>'44.2‘</a:t>
+            </a:r>
+          </a:p>
+          <a:p>
+            <a:pPr lvl="1"/>
+            <a:r>
+              <a:rPr lang="en-US" altLang="zh-CN" dirty="0" smtClean="0"/>
+              <a:t>b = </a:t>
+            </a:r>
+            <a:r>
+              <a:rPr lang="en-US" altLang="zh-CN" dirty="0" smtClean="0"/>
+              <a:t>44.2</a:t>
+            </a:r>
+          </a:p>
+          <a:p>
+            <a:pPr lvl="1"/>
+            <a:r>
+              <a:rPr lang="en-US" altLang="zh-CN" dirty="0" smtClean="0"/>
+              <a:t>type(a</a:t>
+            </a:r>
+            <a:r>
+              <a:rPr lang="en-US" altLang="zh-CN" dirty="0" smtClean="0"/>
+              <a:t>)</a:t>
+            </a:r>
+          </a:p>
+          <a:p>
+            <a:pPr lvl="1"/>
+            <a:r>
+              <a:rPr lang="en-US" altLang="zh-CN" dirty="0" smtClean="0"/>
+              <a:t>type(b)</a:t>
+            </a:r>
+          </a:p>
+        </p:txBody>
+      </p:sp>
+    </p:spTree>
+  </p:cSld>
+  <p:clrMapOvr>
+    <a:masterClrMapping/>
+  </p:clrMapOvr>
+</p:sld>
+</file>
+
+<file path=ppt/slides/slide18.xml><?xml version="1.0" encoding="utf-8"?>
+<p:sld xmlns:a="http://schemas.openxmlformats.org/drawingml/2006/main" xmlns:r="http://schemas.openxmlformats.org/officeDocument/2006/relationships" xmlns:p="http://schemas.openxmlformats.org/presentationml/2006/main">
+  <p:cSld>
+    <p:spTree>
+      <p:nvGrpSpPr>
+        <p:cNvPr id="1" name=""/>
+        <p:cNvGrpSpPr/>
+        <p:nvPr/>
+      </p:nvGrpSpPr>
+      <p:grpSpPr>
+        <a:xfrm>
+          <a:off x="0" y="0"/>
+          <a:ext cx="0" cy="0"/>
+          <a:chOff x="0" y="0"/>
+          <a:chExt cx="0" cy="0"/>
+        </a:xfrm>
+      </p:grpSpPr>
+      <p:sp>
+        <p:nvSpPr>
+          <p:cNvPr id="2" name="标题 1"/>
+          <p:cNvSpPr>
+            <a:spLocks noGrp="1"/>
+          </p:cNvSpPr>
+          <p:nvPr>
+            <p:ph type="title"/>
+          </p:nvPr>
+        </p:nvSpPr>
+        <p:spPr/>
+        <p:txBody>
+          <a:bodyPr>
+            <a:normAutofit/>
+          </a:bodyPr>
+          <a:lstStyle/>
+          <a:p>
+            <a:pPr algn="l"/>
+            <a:r>
+              <a:rPr lang="en-US" altLang="zh-CN" dirty="0" smtClean="0"/>
+              <a:t>4</a:t>
+            </a:r>
+            <a:r>
+              <a:rPr lang="en-US" altLang="zh-CN" dirty="0" smtClean="0"/>
+              <a:t>.3 </a:t>
+            </a:r>
+            <a:r>
+              <a:rPr lang="zh-CN" altLang="en-US" dirty="0" smtClean="0"/>
+              <a:t>类型</a:t>
+            </a:r>
+            <a:r>
+              <a:rPr lang="zh-CN" altLang="en-US" dirty="0" smtClean="0"/>
+              <a:t>转换错误</a:t>
+            </a:r>
+            <a:endParaRPr lang="zh-CN" altLang="en-US" dirty="0"/>
+          </a:p>
+        </p:txBody>
+      </p:sp>
+      <p:sp>
+        <p:nvSpPr>
+          <p:cNvPr id="3" name="内容占位符 2"/>
+          <p:cNvSpPr>
+            <a:spLocks noGrp="1"/>
+          </p:cNvSpPr>
+          <p:nvPr>
+            <p:ph idx="1"/>
+          </p:nvPr>
+        </p:nvSpPr>
+        <p:spPr/>
+        <p:txBody>
+          <a:bodyPr>
+            <a:normAutofit/>
+          </a:bodyPr>
+          <a:lstStyle/>
+          <a:p>
+            <a:r>
+              <a:rPr lang="en-US" altLang="zh-CN" dirty="0" smtClean="0"/>
+              <a:t>Python </a:t>
+            </a:r>
+            <a:r>
+              <a:rPr lang="zh-CN" altLang="en-US" dirty="0" smtClean="0"/>
+              <a:t>还提供了函数</a:t>
+            </a:r>
+            <a:r>
+              <a:rPr lang="en-US" altLang="zh-CN" dirty="0" smtClean="0"/>
+              <a:t>type()</a:t>
+            </a:r>
+            <a:r>
+              <a:rPr lang="zh-CN" altLang="en-US" dirty="0" smtClean="0"/>
+              <a:t>，它可以明确地告诉我们变量的类型</a:t>
+            </a:r>
+            <a:r>
+              <a:rPr lang="zh-CN" altLang="en-US" dirty="0" smtClean="0"/>
+              <a:t>。</a:t>
+            </a:r>
+            <a:endParaRPr lang="en-US" altLang="zh-CN" dirty="0" smtClean="0"/>
+          </a:p>
+          <a:p>
+            <a:pPr lvl="1"/>
+            <a:r>
+              <a:rPr lang="en-US" altLang="zh-CN" dirty="0" smtClean="0"/>
+              <a:t>a = </a:t>
+            </a:r>
+            <a:r>
+              <a:rPr lang="en-US" altLang="zh-CN" dirty="0" smtClean="0"/>
+              <a:t>'44.2‘</a:t>
+            </a:r>
+          </a:p>
+          <a:p>
+            <a:pPr lvl="1"/>
+            <a:r>
+              <a:rPr lang="en-US" altLang="zh-CN" dirty="0" smtClean="0"/>
+              <a:t>b = </a:t>
+            </a:r>
+            <a:r>
+              <a:rPr lang="en-US" altLang="zh-CN" dirty="0" smtClean="0"/>
+              <a:t>44.2</a:t>
+            </a:r>
+          </a:p>
+          <a:p>
+            <a:pPr lvl="1"/>
+            <a:r>
+              <a:rPr lang="en-US" altLang="zh-CN" dirty="0" smtClean="0"/>
+              <a:t>type(a</a:t>
+            </a:r>
+            <a:r>
+              <a:rPr lang="en-US" altLang="zh-CN" dirty="0" smtClean="0"/>
+              <a:t>)</a:t>
+            </a:r>
+          </a:p>
+          <a:p>
+            <a:pPr lvl="1"/>
+            <a:r>
+              <a:rPr lang="en-US" altLang="zh-CN" dirty="0" smtClean="0"/>
+              <a:t>type(b)</a:t>
+            </a:r>
+          </a:p>
+        </p:txBody>
+      </p:sp>
+    </p:spTree>
+  </p:cSld>
+  <p:clrMapOvr>
+    <a:masterClrMapping/>
+  </p:clrMapOvr>
+</p:sld>
+</file>
+
+<file path=ppt/slides/slide19.xml><?xml version="1.0" encoding="utf-8"?>
+<p:sld xmlns:a="http://schemas.openxmlformats.org/drawingml/2006/main" xmlns:r="http://schemas.openxmlformats.org/officeDocument/2006/relationships" xmlns:p="http://schemas.openxmlformats.org/presentationml/2006/main">
+  <p:cSld>
+    <p:spTree>
+      <p:nvGrpSpPr>
+        <p:cNvPr id="1" name=""/>
+        <p:cNvGrpSpPr/>
+        <p:nvPr/>
+      </p:nvGrpSpPr>
+      <p:grpSpPr>
+        <a:xfrm>
+          <a:off x="0" y="0"/>
+          <a:ext cx="0" cy="0"/>
+          <a:chOff x="0" y="0"/>
+          <a:chExt cx="0" cy="0"/>
+        </a:xfrm>
+      </p:grpSpPr>
+      <p:sp>
+        <p:nvSpPr>
+          <p:cNvPr id="2" name="标题 1"/>
+          <p:cNvSpPr>
+            <a:spLocks noGrp="1"/>
+          </p:cNvSpPr>
+          <p:nvPr>
+            <p:ph type="title"/>
+          </p:nvPr>
+        </p:nvSpPr>
+        <p:spPr/>
+        <p:txBody>
+          <a:bodyPr/>
+          <a:lstStyle/>
+          <a:p>
+            <a:r>
+              <a:rPr lang="zh-CN" altLang="en-US" dirty="0" smtClean="0"/>
+              <a:t>第五章：输入</a:t>
+            </a:r>
+            <a:endParaRPr lang="zh-CN" altLang="en-US" dirty="0"/>
+          </a:p>
+        </p:txBody>
+      </p:sp>
+      <p:sp>
+        <p:nvSpPr>
+          <p:cNvPr id="3" name="内容占位符 2"/>
+          <p:cNvSpPr>
+            <a:spLocks noGrp="1"/>
+          </p:cNvSpPr>
+          <p:nvPr>
+            <p:ph idx="1"/>
+          </p:nvPr>
+        </p:nvSpPr>
+        <p:spPr/>
+        <p:txBody>
+          <a:bodyPr/>
+          <a:lstStyle/>
+          <a:p>
+            <a:endParaRPr lang="zh-CN" altLang="en-US" dirty="0"/>
+          </a:p>
+        </p:txBody>
+      </p:sp>
+    </p:spTree>
+  </p:cSld>
+  <p:clrMapOvr>
+    <a:masterClrMapping/>
+  </p:clrMapOvr>
+  <p:timing>
+    <p:tnLst>
+      <p:par>
+        <p:cTn id="1" dur="indefinite" restart="never" nodeType="tmRoot"/>
+      </p:par>
+    </p:tnLst>
+  </p:timing>
 </p:sld>
 </file>
 
@@ -3973,6 +4800,1598 @@
 </p:sld>
 </file>
 
+<file path=ppt/slides/slide20.xml><?xml version="1.0" encoding="utf-8"?>
+<p:sld xmlns:a="http://schemas.openxmlformats.org/drawingml/2006/main" xmlns:r="http://schemas.openxmlformats.org/officeDocument/2006/relationships" xmlns:p="http://schemas.openxmlformats.org/presentationml/2006/main">
+  <p:cSld>
+    <p:spTree>
+      <p:nvGrpSpPr>
+        <p:cNvPr id="1" name=""/>
+        <p:cNvGrpSpPr/>
+        <p:nvPr/>
+      </p:nvGrpSpPr>
+      <p:grpSpPr>
+        <a:xfrm>
+          <a:off x="0" y="0"/>
+          <a:ext cx="0" cy="0"/>
+          <a:chOff x="0" y="0"/>
+          <a:chExt cx="0" cy="0"/>
+        </a:xfrm>
+      </p:grpSpPr>
+      <p:sp>
+        <p:nvSpPr>
+          <p:cNvPr id="2" name="标题 1"/>
+          <p:cNvSpPr>
+            <a:spLocks noGrp="1"/>
+          </p:cNvSpPr>
+          <p:nvPr>
+            <p:ph type="title"/>
+          </p:nvPr>
+        </p:nvSpPr>
+        <p:spPr/>
+        <p:txBody>
+          <a:bodyPr>
+            <a:normAutofit/>
+          </a:bodyPr>
+          <a:lstStyle/>
+          <a:p>
+            <a:pPr algn="l"/>
+            <a:r>
+              <a:rPr lang="en-US" altLang="zh-CN" dirty="0" smtClean="0"/>
+              <a:t>5.1  input</a:t>
+            </a:r>
+            <a:endParaRPr lang="zh-CN" altLang="en-US" dirty="0"/>
+          </a:p>
+        </p:txBody>
+      </p:sp>
+      <p:sp>
+        <p:nvSpPr>
+          <p:cNvPr id="3" name="内容占位符 2"/>
+          <p:cNvSpPr>
+            <a:spLocks noGrp="1"/>
+          </p:cNvSpPr>
+          <p:nvPr>
+            <p:ph idx="1"/>
+          </p:nvPr>
+        </p:nvSpPr>
+        <p:spPr>
+          <a:xfrm>
+            <a:off x="457200" y="1600201"/>
+            <a:ext cx="8229600" cy="1540768"/>
+          </a:xfrm>
+        </p:spPr>
+        <p:txBody>
+          <a:bodyPr>
+            <a:normAutofit lnSpcReduction="10000"/>
+          </a:bodyPr>
+          <a:lstStyle/>
+          <a:p>
+            <a:r>
+              <a:rPr lang="zh-CN" altLang="en-US" dirty="0" smtClean="0"/>
+              <a:t>写出与</a:t>
+            </a:r>
+            <a:r>
+              <a:rPr lang="zh-CN" altLang="en-US" dirty="0" smtClean="0"/>
+              <a:t>用户交互的程序，这就</a:t>
+            </a:r>
+            <a:r>
+              <a:rPr lang="zh-CN" altLang="en-US" dirty="0" smtClean="0"/>
+              <a:t>有趣</a:t>
+            </a:r>
+            <a:r>
+              <a:rPr lang="zh-CN" altLang="en-US" dirty="0" smtClean="0"/>
+              <a:t>多了</a:t>
+            </a:r>
+            <a:r>
+              <a:rPr lang="zh-CN" altLang="en-US" dirty="0" smtClean="0"/>
+              <a:t>。</a:t>
+            </a:r>
+            <a:r>
+              <a:rPr lang="en-US" altLang="zh-CN" dirty="0" smtClean="0"/>
+              <a:t>Python </a:t>
+            </a:r>
+            <a:r>
+              <a:rPr lang="zh-CN" altLang="en-US" dirty="0" smtClean="0"/>
+              <a:t>有一个内置</a:t>
+            </a:r>
+            <a:r>
+              <a:rPr lang="zh-CN" altLang="en-US" dirty="0" smtClean="0"/>
+              <a:t>函数</a:t>
+            </a:r>
+            <a:r>
+              <a:rPr lang="zh-CN" altLang="en-US" dirty="0" smtClean="0"/>
+              <a:t>， 名</a:t>
+            </a:r>
+            <a:r>
+              <a:rPr lang="zh-CN" altLang="en-US" dirty="0" smtClean="0"/>
+              <a:t>为</a:t>
+            </a:r>
+            <a:r>
+              <a:rPr lang="en-US" altLang="zh-CN" dirty="0" smtClean="0"/>
+              <a:t>input</a:t>
+            </a:r>
+            <a:r>
+              <a:rPr lang="en-US" altLang="zh-CN" dirty="0" smtClean="0"/>
+              <a:t>()</a:t>
+            </a:r>
+            <a:r>
+              <a:rPr lang="zh-CN" altLang="en-US" dirty="0" smtClean="0"/>
+              <a:t>，可以</a:t>
+            </a:r>
+            <a:r>
+              <a:rPr lang="zh-CN" altLang="en-US" dirty="0" smtClean="0"/>
+              <a:t>用这个函数从用户</a:t>
+            </a:r>
+            <a:r>
+              <a:rPr lang="zh-CN" altLang="en-US" dirty="0" smtClean="0"/>
+              <a:t>那里</a:t>
+            </a:r>
+            <a:r>
+              <a:rPr lang="zh-CN" altLang="en-US" dirty="0" smtClean="0"/>
+              <a:t>得到</a:t>
+            </a:r>
+            <a:r>
+              <a:rPr lang="zh-CN" altLang="en-US" dirty="0" smtClean="0"/>
+              <a:t>输入</a:t>
+            </a:r>
+            <a:endParaRPr lang="en-US" altLang="zh-CN" dirty="0" smtClean="0"/>
+          </a:p>
+        </p:txBody>
+      </p:sp>
+      <p:pic>
+        <p:nvPicPr>
+          <p:cNvPr id="1028" name="Picture 4"/>
+          <p:cNvPicPr>
+            <a:picLocks noChangeAspect="1" noChangeArrowheads="1"/>
+          </p:cNvPicPr>
+          <p:nvPr/>
+        </p:nvPicPr>
+        <p:blipFill>
+          <a:blip r:embed="rId2" cstate="print"/>
+          <a:srcRect/>
+          <a:stretch>
+            <a:fillRect/>
+          </a:stretch>
+        </p:blipFill>
+        <p:spPr bwMode="auto">
+          <a:xfrm>
+            <a:off x="2195736" y="3501008"/>
+            <a:ext cx="4276725" cy="2581275"/>
+          </a:xfrm>
+          <a:prstGeom prst="rect">
+            <a:avLst/>
+          </a:prstGeom>
+          <a:noFill/>
+          <a:ln w="9525">
+            <a:noFill/>
+            <a:miter lim="800000"/>
+            <a:headEnd/>
+            <a:tailEnd/>
+          </a:ln>
+        </p:spPr>
+      </p:pic>
+    </p:spTree>
+  </p:cSld>
+  <p:clrMapOvr>
+    <a:masterClrMapping/>
+  </p:clrMapOvr>
+</p:sld>
+</file>
+
+<file path=ppt/slides/slide21.xml><?xml version="1.0" encoding="utf-8"?>
+<p:sld xmlns:a="http://schemas.openxmlformats.org/drawingml/2006/main" xmlns:r="http://schemas.openxmlformats.org/officeDocument/2006/relationships" xmlns:p="http://schemas.openxmlformats.org/presentationml/2006/main">
+  <p:cSld>
+    <p:spTree>
+      <p:nvGrpSpPr>
+        <p:cNvPr id="1" name=""/>
+        <p:cNvGrpSpPr/>
+        <p:nvPr/>
+      </p:nvGrpSpPr>
+      <p:grpSpPr>
+        <a:xfrm>
+          <a:off x="0" y="0"/>
+          <a:ext cx="0" cy="0"/>
+          <a:chOff x="0" y="0"/>
+          <a:chExt cx="0" cy="0"/>
+        </a:xfrm>
+      </p:grpSpPr>
+      <p:sp>
+        <p:nvSpPr>
+          <p:cNvPr id="2" name="标题 1"/>
+          <p:cNvSpPr>
+            <a:spLocks noGrp="1"/>
+          </p:cNvSpPr>
+          <p:nvPr>
+            <p:ph type="title"/>
+          </p:nvPr>
+        </p:nvSpPr>
+        <p:spPr/>
+        <p:txBody>
+          <a:bodyPr>
+            <a:normAutofit/>
+          </a:bodyPr>
+          <a:lstStyle/>
+          <a:p>
+            <a:pPr algn="l"/>
+            <a:r>
+              <a:rPr lang="en-US" altLang="zh-CN" dirty="0" smtClean="0"/>
+              <a:t>5.1  input</a:t>
+            </a:r>
+            <a:endParaRPr lang="zh-CN" altLang="en-US" dirty="0"/>
+          </a:p>
+        </p:txBody>
+      </p:sp>
+      <p:sp>
+        <p:nvSpPr>
+          <p:cNvPr id="3" name="内容占位符 2"/>
+          <p:cNvSpPr>
+            <a:spLocks noGrp="1"/>
+          </p:cNvSpPr>
+          <p:nvPr>
+            <p:ph idx="1"/>
+          </p:nvPr>
+        </p:nvSpPr>
+        <p:spPr>
+          <a:xfrm>
+            <a:off x="457200" y="1600201"/>
+            <a:ext cx="8229600" cy="1972816"/>
+          </a:xfrm>
+        </p:spPr>
+        <p:txBody>
+          <a:bodyPr>
+            <a:normAutofit/>
+          </a:bodyPr>
+          <a:lstStyle/>
+          <a:p>
+            <a:r>
+              <a:rPr lang="en-US" altLang="zh-CN" dirty="0" smtClean="0"/>
+              <a:t>p</a:t>
+            </a:r>
+            <a:r>
+              <a:rPr lang="en-US" altLang="zh-CN" dirty="0" smtClean="0"/>
+              <a:t>rint( “Enter </a:t>
+            </a:r>
+            <a:r>
+              <a:rPr lang="en-US" altLang="zh-CN" dirty="0" smtClean="0"/>
+              <a:t>your name: </a:t>
+            </a:r>
+            <a:r>
+              <a:rPr lang="en-US" altLang="zh-CN" dirty="0" smtClean="0"/>
+              <a:t>“)</a:t>
+            </a:r>
+            <a:endParaRPr lang="en-US" altLang="zh-CN" dirty="0" smtClean="0"/>
+          </a:p>
+          <a:p>
+            <a:r>
+              <a:rPr lang="en-US" altLang="zh-CN" dirty="0" smtClean="0"/>
+              <a:t>somebody = </a:t>
+            </a:r>
+            <a:r>
+              <a:rPr lang="en-US" altLang="zh-CN" dirty="0" smtClean="0"/>
+              <a:t>input</a:t>
+            </a:r>
+            <a:r>
+              <a:rPr lang="en-US" altLang="zh-CN" dirty="0" smtClean="0"/>
+              <a:t>()</a:t>
+            </a:r>
+          </a:p>
+          <a:p>
+            <a:r>
+              <a:rPr lang="en-US" altLang="zh-CN" dirty="0" smtClean="0"/>
+              <a:t>p</a:t>
+            </a:r>
+            <a:r>
+              <a:rPr lang="en-US" altLang="zh-CN" dirty="0" smtClean="0"/>
+              <a:t>rint( </a:t>
+            </a:r>
+            <a:r>
+              <a:rPr lang="en-US" altLang="zh-CN" dirty="0" smtClean="0"/>
+              <a:t>"Hi", somebody, "how are you today</a:t>
+            </a:r>
+            <a:r>
+              <a:rPr lang="en-US" altLang="zh-CN" dirty="0" smtClean="0"/>
+              <a:t>?“)</a:t>
+            </a:r>
+            <a:endParaRPr lang="zh-CN" altLang="en-US" dirty="0" smtClean="0"/>
+          </a:p>
+        </p:txBody>
+      </p:sp>
+      <p:sp>
+        <p:nvSpPr>
+          <p:cNvPr id="6" name="矩形 5"/>
+          <p:cNvSpPr/>
+          <p:nvPr/>
+        </p:nvSpPr>
+        <p:spPr>
+          <a:xfrm>
+            <a:off x="755576" y="3789040"/>
+            <a:ext cx="4572000" cy="923330"/>
+          </a:xfrm>
+          <a:prstGeom prst="rect">
+            <a:avLst/>
+          </a:prstGeom>
+        </p:spPr>
+        <p:txBody>
+          <a:bodyPr>
+            <a:spAutoFit/>
+          </a:bodyPr>
+          <a:lstStyle/>
+          <a:p>
+            <a:r>
+              <a:rPr lang="en-US" altLang="zh-CN" dirty="0" smtClean="0"/>
+              <a:t>Enter your name:</a:t>
+            </a:r>
+          </a:p>
+          <a:p>
+            <a:r>
+              <a:rPr lang="en-US" altLang="zh-CN" dirty="0" smtClean="0"/>
+              <a:t>Warren</a:t>
+            </a:r>
+          </a:p>
+          <a:p>
+            <a:r>
+              <a:rPr lang="en-US" altLang="zh-CN" dirty="0" smtClean="0"/>
+              <a:t>Hi Warren how are you today?</a:t>
+            </a:r>
+            <a:endParaRPr lang="zh-CN" altLang="en-US" dirty="0"/>
+          </a:p>
+        </p:txBody>
+      </p:sp>
+    </p:spTree>
+  </p:cSld>
+  <p:clrMapOvr>
+    <a:masterClrMapping/>
+  </p:clrMapOvr>
+</p:sld>
+</file>
+
+<file path=ppt/slides/slide22.xml><?xml version="1.0" encoding="utf-8"?>
+<p:sld xmlns:a="http://schemas.openxmlformats.org/drawingml/2006/main" xmlns:r="http://schemas.openxmlformats.org/officeDocument/2006/relationships" xmlns:p="http://schemas.openxmlformats.org/presentationml/2006/main">
+  <p:cSld>
+    <p:spTree>
+      <p:nvGrpSpPr>
+        <p:cNvPr id="1" name=""/>
+        <p:cNvGrpSpPr/>
+        <p:nvPr/>
+      </p:nvGrpSpPr>
+      <p:grpSpPr>
+        <a:xfrm>
+          <a:off x="0" y="0"/>
+          <a:ext cx="0" cy="0"/>
+          <a:chOff x="0" y="0"/>
+          <a:chExt cx="0" cy="0"/>
+        </a:xfrm>
+      </p:grpSpPr>
+      <p:sp>
+        <p:nvSpPr>
+          <p:cNvPr id="2" name="标题 1"/>
+          <p:cNvSpPr>
+            <a:spLocks noGrp="1"/>
+          </p:cNvSpPr>
+          <p:nvPr>
+            <p:ph type="title"/>
+          </p:nvPr>
+        </p:nvSpPr>
+        <p:spPr/>
+        <p:txBody>
+          <a:bodyPr>
+            <a:normAutofit/>
+          </a:bodyPr>
+          <a:lstStyle/>
+          <a:p>
+            <a:pPr algn="l"/>
+            <a:r>
+              <a:rPr lang="en-US" altLang="zh-CN" b="1" dirty="0" smtClean="0"/>
+              <a:t>5.2 </a:t>
+            </a:r>
+            <a:r>
+              <a:rPr lang="zh-CN" altLang="en-US" dirty="0" smtClean="0"/>
+              <a:t>输入</a:t>
+            </a:r>
+            <a:r>
+              <a:rPr lang="zh-CN" altLang="en-US" dirty="0" smtClean="0"/>
+              <a:t>数字</a:t>
+            </a:r>
+            <a:endParaRPr lang="zh-CN" altLang="en-US" dirty="0"/>
+          </a:p>
+        </p:txBody>
+      </p:sp>
+      <p:sp>
+        <p:nvSpPr>
+          <p:cNvPr id="3" name="内容占位符 2"/>
+          <p:cNvSpPr>
+            <a:spLocks noGrp="1"/>
+          </p:cNvSpPr>
+          <p:nvPr>
+            <p:ph idx="1"/>
+          </p:nvPr>
+        </p:nvSpPr>
+        <p:spPr/>
+        <p:txBody>
+          <a:bodyPr/>
+          <a:lstStyle/>
+          <a:p>
+            <a:r>
+              <a:rPr lang="zh-CN" altLang="en-US" dirty="0" smtClean="0"/>
+              <a:t>可以从</a:t>
+            </a:r>
+            <a:r>
+              <a:rPr lang="en-US" altLang="zh-CN" dirty="0" err="1" smtClean="0"/>
+              <a:t>raw_input</a:t>
+            </a:r>
+            <a:r>
+              <a:rPr lang="en-US" altLang="zh-CN" dirty="0" smtClean="0"/>
+              <a:t>() </a:t>
+            </a:r>
+            <a:r>
+              <a:rPr lang="zh-CN" altLang="en-US" dirty="0" smtClean="0"/>
+              <a:t>给我们的</a:t>
+            </a:r>
+            <a:r>
+              <a:rPr lang="zh-CN" altLang="en-US" dirty="0" smtClean="0"/>
+              <a:t>字符串</a:t>
+            </a:r>
+            <a:r>
+              <a:rPr lang="zh-CN" altLang="en-US" dirty="0" smtClean="0"/>
+              <a:t>使用</a:t>
+            </a:r>
+            <a:r>
+              <a:rPr lang="en-US" altLang="zh-CN" dirty="0" err="1" smtClean="0"/>
+              <a:t>int</a:t>
+            </a:r>
+            <a:r>
+              <a:rPr lang="en-US" altLang="zh-CN" dirty="0" smtClean="0"/>
+              <a:t>() </a:t>
+            </a:r>
+            <a:r>
+              <a:rPr lang="zh-CN" altLang="en-US" dirty="0" smtClean="0"/>
+              <a:t>或</a:t>
+            </a:r>
+            <a:r>
+              <a:rPr lang="en-US" altLang="zh-CN" dirty="0" smtClean="0"/>
+              <a:t>float() </a:t>
+            </a:r>
+            <a:r>
+              <a:rPr lang="zh-CN" altLang="en-US" dirty="0" smtClean="0"/>
+              <a:t>函数创建一个数。可以像这样</a:t>
+            </a:r>
+            <a:r>
+              <a:rPr lang="zh-CN" altLang="en-US" dirty="0" smtClean="0"/>
+              <a:t>：</a:t>
+            </a:r>
+            <a:r>
+              <a:rPr lang="zh-CN" altLang="en-US" dirty="0" smtClean="0"/>
+              <a:t>可以从</a:t>
+            </a:r>
+            <a:r>
+              <a:rPr lang="en-US" altLang="zh-CN" dirty="0" err="1" smtClean="0"/>
+              <a:t>raw_input</a:t>
+            </a:r>
+            <a:r>
+              <a:rPr lang="en-US" altLang="zh-CN" dirty="0" smtClean="0"/>
+              <a:t>() </a:t>
+            </a:r>
+            <a:r>
+              <a:rPr lang="zh-CN" altLang="en-US" dirty="0" smtClean="0"/>
+              <a:t>给我们的</a:t>
+            </a:r>
+            <a:r>
+              <a:rPr lang="zh-CN" altLang="en-US" dirty="0" smtClean="0"/>
+              <a:t>字符串</a:t>
+            </a:r>
+            <a:r>
+              <a:rPr lang="zh-CN" altLang="en-US" dirty="0" smtClean="0"/>
+              <a:t>使用</a:t>
+            </a:r>
+            <a:r>
+              <a:rPr lang="en-US" altLang="zh-CN" dirty="0" err="1" smtClean="0"/>
+              <a:t>int</a:t>
+            </a:r>
+            <a:r>
+              <a:rPr lang="en-US" altLang="zh-CN" dirty="0" smtClean="0"/>
+              <a:t>() </a:t>
+            </a:r>
+            <a:r>
+              <a:rPr lang="zh-CN" altLang="en-US" dirty="0" smtClean="0"/>
+              <a:t>或</a:t>
+            </a:r>
+            <a:r>
+              <a:rPr lang="en-US" altLang="zh-CN" dirty="0" smtClean="0"/>
+              <a:t>float() </a:t>
+            </a:r>
+            <a:r>
+              <a:rPr lang="zh-CN" altLang="en-US" dirty="0" smtClean="0"/>
+              <a:t>函数创建一个数。可以像这样</a:t>
+            </a:r>
+            <a:r>
+              <a:rPr lang="zh-CN" altLang="en-US" dirty="0" smtClean="0"/>
+              <a:t>：</a:t>
+            </a:r>
+            <a:endParaRPr lang="en-US" altLang="zh-CN" dirty="0" smtClean="0"/>
+          </a:p>
+          <a:p>
+            <a:pPr lvl="1"/>
+            <a:r>
+              <a:rPr lang="en-US" altLang="zh-CN" dirty="0" err="1" smtClean="0"/>
+              <a:t>temp_string</a:t>
+            </a:r>
+            <a:r>
+              <a:rPr lang="en-US" altLang="zh-CN" dirty="0" smtClean="0"/>
+              <a:t> = </a:t>
+            </a:r>
+            <a:r>
+              <a:rPr lang="en-US" altLang="zh-CN" dirty="0" smtClean="0"/>
+              <a:t>input</a:t>
+            </a:r>
+            <a:r>
+              <a:rPr lang="en-US" altLang="zh-CN" dirty="0" smtClean="0"/>
+              <a:t>()</a:t>
+            </a:r>
+          </a:p>
+          <a:p>
+            <a:pPr lvl="1"/>
+            <a:r>
+              <a:rPr lang="en-US" altLang="zh-CN" dirty="0" err="1" smtClean="0"/>
+              <a:t>fahrenheit</a:t>
+            </a:r>
+            <a:r>
+              <a:rPr lang="en-US" altLang="zh-CN" dirty="0" smtClean="0"/>
+              <a:t> = float(</a:t>
+            </a:r>
+            <a:r>
+              <a:rPr lang="en-US" altLang="zh-CN" dirty="0" err="1" smtClean="0"/>
+              <a:t>temp_string</a:t>
+            </a:r>
+            <a:r>
+              <a:rPr lang="en-US" altLang="zh-CN" dirty="0" smtClean="0"/>
+              <a:t>)</a:t>
+            </a:r>
+            <a:endParaRPr lang="zh-CN" altLang="en-US" dirty="0"/>
+          </a:p>
+        </p:txBody>
+      </p:sp>
+    </p:spTree>
+  </p:cSld>
+  <p:clrMapOvr>
+    <a:masterClrMapping/>
+  </p:clrMapOvr>
+</p:sld>
+</file>
+
+<file path=ppt/slides/slide23.xml><?xml version="1.0" encoding="utf-8"?>
+<p:sld xmlns:a="http://schemas.openxmlformats.org/drawingml/2006/main" xmlns:r="http://schemas.openxmlformats.org/officeDocument/2006/relationships" xmlns:p="http://schemas.openxmlformats.org/presentationml/2006/main">
+  <p:cSld>
+    <p:spTree>
+      <p:nvGrpSpPr>
+        <p:cNvPr id="1" name=""/>
+        <p:cNvGrpSpPr/>
+        <p:nvPr/>
+      </p:nvGrpSpPr>
+      <p:grpSpPr>
+        <a:xfrm>
+          <a:off x="0" y="0"/>
+          <a:ext cx="0" cy="0"/>
+          <a:chOff x="0" y="0"/>
+          <a:chExt cx="0" cy="0"/>
+        </a:xfrm>
+      </p:grpSpPr>
+      <p:sp>
+        <p:nvSpPr>
+          <p:cNvPr id="2" name="标题 1"/>
+          <p:cNvSpPr>
+            <a:spLocks noGrp="1"/>
+          </p:cNvSpPr>
+          <p:nvPr>
+            <p:ph type="title"/>
+          </p:nvPr>
+        </p:nvSpPr>
+        <p:spPr/>
+        <p:txBody>
+          <a:bodyPr>
+            <a:normAutofit/>
+          </a:bodyPr>
+          <a:lstStyle/>
+          <a:p>
+            <a:pPr algn="l"/>
+            <a:r>
+              <a:rPr lang="en-US" altLang="zh-CN" b="1" dirty="0" smtClean="0"/>
+              <a:t>5.3 </a:t>
+            </a:r>
+            <a:r>
+              <a:rPr lang="zh-CN" altLang="en-US" b="1" dirty="0" smtClean="0"/>
+              <a:t>来自</a:t>
+            </a:r>
+            <a:r>
+              <a:rPr lang="zh-CN" altLang="en-US" b="1" dirty="0" smtClean="0"/>
+              <a:t>互联网的输入</a:t>
+            </a:r>
+            <a:endParaRPr lang="zh-CN" altLang="en-US" dirty="0"/>
+          </a:p>
+        </p:txBody>
+      </p:sp>
+      <p:sp>
+        <p:nvSpPr>
+          <p:cNvPr id="3" name="内容占位符 2"/>
+          <p:cNvSpPr>
+            <a:spLocks noGrp="1"/>
+          </p:cNvSpPr>
+          <p:nvPr>
+            <p:ph idx="1"/>
+          </p:nvPr>
+        </p:nvSpPr>
+        <p:spPr/>
+        <p:txBody>
+          <a:bodyPr>
+            <a:normAutofit lnSpcReduction="10000"/>
+          </a:bodyPr>
+          <a:lstStyle/>
+          <a:p>
+            <a:r>
+              <a:rPr lang="zh-CN" altLang="en-US" dirty="0" smtClean="0"/>
+              <a:t>程序的输入都来自用户。不过还有其他一些方法得到输入。可以从</a:t>
+            </a:r>
+            <a:r>
+              <a:rPr lang="zh-CN" altLang="en-US" dirty="0" smtClean="0"/>
+              <a:t>计算机</a:t>
+            </a:r>
+            <a:r>
+              <a:rPr lang="zh-CN" altLang="en-US" dirty="0" smtClean="0"/>
+              <a:t>硬盘上的文件中得到</a:t>
+            </a:r>
+            <a:r>
+              <a:rPr lang="zh-CN" altLang="en-US" dirty="0" smtClean="0"/>
+              <a:t>输入或者</a:t>
+            </a:r>
+            <a:r>
+              <a:rPr lang="zh-CN" altLang="en-US" dirty="0" smtClean="0"/>
+              <a:t>也可以从互联网</a:t>
+            </a:r>
+            <a:r>
+              <a:rPr lang="zh-CN" altLang="en-US" dirty="0" smtClean="0"/>
+              <a:t>获取</a:t>
+            </a:r>
+            <a:r>
+              <a:rPr lang="zh-CN" altLang="en-US" dirty="0" smtClean="0"/>
+              <a:t>输入</a:t>
+            </a:r>
+            <a:r>
+              <a:rPr lang="zh-CN" altLang="en-US" dirty="0" smtClean="0"/>
+              <a:t>。</a:t>
+            </a:r>
+            <a:endParaRPr lang="en-US" altLang="zh-CN" dirty="0" smtClean="0"/>
+          </a:p>
+          <a:p>
+            <a:pPr lvl="1"/>
+            <a:r>
+              <a:rPr lang="en-US" altLang="zh-CN" dirty="0" smtClean="0"/>
+              <a:t>import </a:t>
+            </a:r>
+            <a:r>
+              <a:rPr lang="en-US" altLang="zh-CN" dirty="0" smtClean="0"/>
+              <a:t>urllib2</a:t>
+            </a:r>
+          </a:p>
+          <a:p>
+            <a:pPr lvl="1"/>
+            <a:r>
+              <a:rPr lang="en-US" altLang="zh-CN" dirty="0" smtClean="0"/>
+              <a:t>file = urllib2.urlopen('http://helloworldbook2.com/data/message.txt</a:t>
+            </a:r>
+            <a:r>
+              <a:rPr lang="en-US" altLang="zh-CN" dirty="0" smtClean="0"/>
+              <a:t>')</a:t>
+            </a:r>
+          </a:p>
+          <a:p>
+            <a:pPr lvl="1"/>
+            <a:r>
+              <a:rPr lang="en-US" altLang="zh-CN" dirty="0" smtClean="0"/>
+              <a:t>message </a:t>
+            </a:r>
+            <a:r>
+              <a:rPr lang="en-US" altLang="zh-CN" dirty="0" smtClean="0"/>
+              <a:t>= </a:t>
+            </a:r>
+            <a:r>
+              <a:rPr lang="en-US" altLang="zh-CN" dirty="0" err="1" smtClean="0"/>
+              <a:t>file.read</a:t>
+            </a:r>
+            <a:r>
+              <a:rPr lang="en-US" altLang="zh-CN" dirty="0" smtClean="0"/>
+              <a:t>()</a:t>
+            </a:r>
+          </a:p>
+          <a:p>
+            <a:pPr lvl="1"/>
+            <a:r>
+              <a:rPr lang="en-US" altLang="zh-CN" dirty="0" smtClean="0"/>
+              <a:t>print(message)</a:t>
+            </a:r>
+          </a:p>
+        </p:txBody>
+      </p:sp>
+    </p:spTree>
+  </p:cSld>
+  <p:clrMapOvr>
+    <a:masterClrMapping/>
+  </p:clrMapOvr>
+</p:sld>
+</file>
+
+<file path=ppt/slides/slide24.xml><?xml version="1.0" encoding="utf-8"?>
+<p:sld xmlns:a="http://schemas.openxmlformats.org/drawingml/2006/main" xmlns:r="http://schemas.openxmlformats.org/officeDocument/2006/relationships" xmlns:p="http://schemas.openxmlformats.org/presentationml/2006/main">
+  <p:cSld>
+    <p:spTree>
+      <p:nvGrpSpPr>
+        <p:cNvPr id="1" name=""/>
+        <p:cNvGrpSpPr/>
+        <p:nvPr/>
+      </p:nvGrpSpPr>
+      <p:grpSpPr>
+        <a:xfrm>
+          <a:off x="0" y="0"/>
+          <a:ext cx="0" cy="0"/>
+          <a:chOff x="0" y="0"/>
+          <a:chExt cx="0" cy="0"/>
+        </a:xfrm>
+      </p:grpSpPr>
+      <p:sp>
+        <p:nvSpPr>
+          <p:cNvPr id="2" name="标题 1"/>
+          <p:cNvSpPr>
+            <a:spLocks noGrp="1"/>
+          </p:cNvSpPr>
+          <p:nvPr>
+            <p:ph type="title"/>
+          </p:nvPr>
+        </p:nvSpPr>
+        <p:spPr/>
+        <p:txBody>
+          <a:bodyPr/>
+          <a:lstStyle/>
+          <a:p>
+            <a:r>
+              <a:rPr lang="zh-CN" altLang="en-US" dirty="0" smtClean="0"/>
+              <a:t>第</a:t>
+            </a:r>
+            <a:r>
+              <a:rPr lang="zh-CN" altLang="en-US" dirty="0" smtClean="0"/>
+              <a:t>六</a:t>
+            </a:r>
+            <a:r>
+              <a:rPr lang="zh-CN" altLang="en-US" dirty="0" smtClean="0"/>
+              <a:t>章：</a:t>
+            </a:r>
+            <a:r>
+              <a:rPr lang="en-US" altLang="zh-CN" dirty="0" smtClean="0"/>
+              <a:t>GUI—</a:t>
+            </a:r>
+            <a:r>
+              <a:rPr lang="zh-CN" altLang="en-US" dirty="0" smtClean="0"/>
+              <a:t>图形用户界面</a:t>
+            </a:r>
+            <a:endParaRPr lang="zh-CN" altLang="en-US" dirty="0"/>
+          </a:p>
+        </p:txBody>
+      </p:sp>
+      <p:sp>
+        <p:nvSpPr>
+          <p:cNvPr id="3" name="内容占位符 2"/>
+          <p:cNvSpPr>
+            <a:spLocks noGrp="1"/>
+          </p:cNvSpPr>
+          <p:nvPr>
+            <p:ph idx="1"/>
+          </p:nvPr>
+        </p:nvSpPr>
+        <p:spPr/>
+        <p:txBody>
+          <a:bodyPr/>
+          <a:lstStyle/>
+          <a:p>
+            <a:endParaRPr lang="zh-CN" altLang="en-US" dirty="0"/>
+          </a:p>
+        </p:txBody>
+      </p:sp>
+    </p:spTree>
+  </p:cSld>
+  <p:clrMapOvr>
+    <a:masterClrMapping/>
+  </p:clrMapOvr>
+  <p:timing>
+    <p:tnLst>
+      <p:par>
+        <p:cTn id="1" dur="indefinite" restart="never" nodeType="tmRoot"/>
+      </p:par>
+    </p:tnLst>
+  </p:timing>
+</p:sld>
+</file>
+
+<file path=ppt/slides/slide25.xml><?xml version="1.0" encoding="utf-8"?>
+<p:sld xmlns:a="http://schemas.openxmlformats.org/drawingml/2006/main" xmlns:r="http://schemas.openxmlformats.org/officeDocument/2006/relationships" xmlns:p="http://schemas.openxmlformats.org/presentationml/2006/main">
+  <p:cSld>
+    <p:spTree>
+      <p:nvGrpSpPr>
+        <p:cNvPr id="1" name=""/>
+        <p:cNvGrpSpPr/>
+        <p:nvPr/>
+      </p:nvGrpSpPr>
+      <p:grpSpPr>
+        <a:xfrm>
+          <a:off x="0" y="0"/>
+          <a:ext cx="0" cy="0"/>
+          <a:chOff x="0" y="0"/>
+          <a:chExt cx="0" cy="0"/>
+        </a:xfrm>
+      </p:grpSpPr>
+      <p:sp>
+        <p:nvSpPr>
+          <p:cNvPr id="2" name="标题 1"/>
+          <p:cNvSpPr>
+            <a:spLocks noGrp="1"/>
+          </p:cNvSpPr>
+          <p:nvPr>
+            <p:ph type="title"/>
+          </p:nvPr>
+        </p:nvSpPr>
+        <p:spPr/>
+        <p:txBody>
+          <a:bodyPr>
+            <a:normAutofit/>
+          </a:bodyPr>
+          <a:lstStyle/>
+          <a:p>
+            <a:pPr algn="l"/>
+            <a:r>
+              <a:rPr lang="en-US" altLang="zh-CN" b="1" dirty="0" smtClean="0"/>
+              <a:t>6.1</a:t>
+            </a:r>
+            <a:r>
+              <a:rPr lang="zh-CN" altLang="en-US" b="1" dirty="0" smtClean="0"/>
+              <a:t> 什么</a:t>
+            </a:r>
+            <a:r>
+              <a:rPr lang="zh-CN" altLang="en-US" b="1" dirty="0" smtClean="0"/>
+              <a:t>是</a:t>
+            </a:r>
+            <a:r>
+              <a:rPr lang="en-US" altLang="zh-CN" b="1" dirty="0" smtClean="0"/>
+              <a:t>GUI</a:t>
+            </a:r>
+            <a:endParaRPr lang="zh-CN" altLang="en-US" dirty="0"/>
+          </a:p>
+        </p:txBody>
+      </p:sp>
+      <p:sp>
+        <p:nvSpPr>
+          <p:cNvPr id="3" name="内容占位符 2"/>
+          <p:cNvSpPr>
+            <a:spLocks noGrp="1"/>
+          </p:cNvSpPr>
+          <p:nvPr>
+            <p:ph idx="1"/>
+          </p:nvPr>
+        </p:nvSpPr>
+        <p:spPr>
+          <a:xfrm>
+            <a:off x="457200" y="1600201"/>
+            <a:ext cx="8229600" cy="2188839"/>
+          </a:xfrm>
+        </p:spPr>
+        <p:txBody>
+          <a:bodyPr>
+            <a:normAutofit fontScale="92500" lnSpcReduction="10000"/>
+          </a:bodyPr>
+          <a:lstStyle/>
+          <a:p>
+            <a:r>
+              <a:rPr lang="en-US" altLang="zh-CN" dirty="0" smtClean="0"/>
+              <a:t>GUI </a:t>
+            </a:r>
+            <a:r>
+              <a:rPr lang="zh-CN" altLang="en-US" dirty="0" smtClean="0"/>
+              <a:t>是</a:t>
+            </a:r>
+            <a:r>
+              <a:rPr lang="en-US" altLang="zh-CN" dirty="0" smtClean="0"/>
+              <a:t>Graphical User Interface</a:t>
+            </a:r>
+            <a:r>
+              <a:rPr lang="zh-CN" altLang="en-US" dirty="0" smtClean="0"/>
+              <a:t>（图形用户界面）的缩写。在</a:t>
+            </a:r>
+            <a:r>
+              <a:rPr lang="en-US" altLang="zh-CN" dirty="0" smtClean="0"/>
+              <a:t>GUI </a:t>
+            </a:r>
+            <a:r>
+              <a:rPr lang="zh-CN" altLang="en-US" dirty="0" smtClean="0"/>
+              <a:t>中，并</a:t>
+            </a:r>
+            <a:r>
+              <a:rPr lang="zh-CN" altLang="en-US" dirty="0" smtClean="0"/>
+              <a:t>不只是键入</a:t>
+            </a:r>
+            <a:r>
+              <a:rPr lang="zh-CN" altLang="en-US" dirty="0" smtClean="0"/>
+              <a:t>文本和返回文本，用户可以看到窗口、按钮、文本框等图形，而且可以用</a:t>
+            </a:r>
+            <a:r>
+              <a:rPr lang="zh-CN" altLang="en-US" dirty="0" smtClean="0"/>
+              <a:t>鼠标点击</a:t>
+            </a:r>
+            <a:r>
+              <a:rPr lang="zh-CN" altLang="en-US" dirty="0" smtClean="0"/>
+              <a:t>，还可以通过键盘键入</a:t>
+            </a:r>
+            <a:r>
+              <a:rPr lang="zh-CN" altLang="en-US" dirty="0" smtClean="0"/>
+              <a:t>。</a:t>
+            </a:r>
+            <a:endParaRPr lang="en-US" altLang="zh-CN" dirty="0" smtClean="0"/>
+          </a:p>
+        </p:txBody>
+      </p:sp>
+      <p:pic>
+        <p:nvPicPr>
+          <p:cNvPr id="2050" name="Picture 2"/>
+          <p:cNvPicPr>
+            <a:picLocks noChangeAspect="1" noChangeArrowheads="1"/>
+          </p:cNvPicPr>
+          <p:nvPr/>
+        </p:nvPicPr>
+        <p:blipFill>
+          <a:blip r:embed="rId2" cstate="print"/>
+          <a:srcRect/>
+          <a:stretch>
+            <a:fillRect/>
+          </a:stretch>
+        </p:blipFill>
+        <p:spPr bwMode="auto">
+          <a:xfrm>
+            <a:off x="3923928" y="3717032"/>
+            <a:ext cx="3533775" cy="2447925"/>
+          </a:xfrm>
+          <a:prstGeom prst="rect">
+            <a:avLst/>
+          </a:prstGeom>
+          <a:noFill/>
+          <a:ln w="9525">
+            <a:noFill/>
+            <a:miter lim="800000"/>
+            <a:headEnd/>
+            <a:tailEnd/>
+          </a:ln>
+        </p:spPr>
+      </p:pic>
+    </p:spTree>
+  </p:cSld>
+  <p:clrMapOvr>
+    <a:masterClrMapping/>
+  </p:clrMapOvr>
+</p:sld>
+</file>
+
+<file path=ppt/slides/slide26.xml><?xml version="1.0" encoding="utf-8"?>
+<p:sld xmlns:a="http://schemas.openxmlformats.org/drawingml/2006/main" xmlns:r="http://schemas.openxmlformats.org/officeDocument/2006/relationships" xmlns:p="http://schemas.openxmlformats.org/presentationml/2006/main">
+  <p:cSld>
+    <p:spTree>
+      <p:nvGrpSpPr>
+        <p:cNvPr id="1" name=""/>
+        <p:cNvGrpSpPr/>
+        <p:nvPr/>
+      </p:nvGrpSpPr>
+      <p:grpSpPr>
+        <a:xfrm>
+          <a:off x="0" y="0"/>
+          <a:ext cx="0" cy="0"/>
+          <a:chOff x="0" y="0"/>
+          <a:chExt cx="0" cy="0"/>
+        </a:xfrm>
+      </p:grpSpPr>
+      <p:sp>
+        <p:nvSpPr>
+          <p:cNvPr id="2" name="标题 1"/>
+          <p:cNvSpPr>
+            <a:spLocks noGrp="1"/>
+          </p:cNvSpPr>
+          <p:nvPr>
+            <p:ph type="title"/>
+          </p:nvPr>
+        </p:nvSpPr>
+        <p:spPr/>
+        <p:txBody>
+          <a:bodyPr>
+            <a:normAutofit/>
+          </a:bodyPr>
+          <a:lstStyle/>
+          <a:p>
+            <a:pPr algn="l"/>
+            <a:r>
+              <a:rPr lang="en-US" altLang="zh-CN" b="1" dirty="0" smtClean="0"/>
+              <a:t>6.2</a:t>
+            </a:r>
+            <a:r>
+              <a:rPr lang="zh-CN" altLang="en-US" b="1" dirty="0" smtClean="0"/>
+              <a:t> 第一</a:t>
+            </a:r>
+            <a:r>
+              <a:rPr lang="zh-CN" altLang="en-US" b="1" dirty="0" smtClean="0"/>
+              <a:t>个</a:t>
+            </a:r>
+            <a:r>
+              <a:rPr lang="en-US" altLang="zh-CN" b="1" dirty="0" smtClean="0"/>
+              <a:t>GUI</a:t>
+            </a:r>
+            <a:endParaRPr lang="zh-CN" altLang="en-US" dirty="0"/>
+          </a:p>
+        </p:txBody>
+      </p:sp>
+      <p:sp>
+        <p:nvSpPr>
+          <p:cNvPr id="3" name="内容占位符 2"/>
+          <p:cNvSpPr>
+            <a:spLocks noGrp="1"/>
+          </p:cNvSpPr>
+          <p:nvPr>
+            <p:ph idx="1"/>
+          </p:nvPr>
+        </p:nvSpPr>
+        <p:spPr>
+          <a:xfrm>
+            <a:off x="457200" y="1600200"/>
+            <a:ext cx="8229600" cy="4133055"/>
+          </a:xfrm>
+        </p:spPr>
+        <p:txBody>
+          <a:bodyPr>
+            <a:normAutofit/>
+          </a:bodyPr>
+          <a:lstStyle/>
+          <a:p>
+            <a:r>
+              <a:rPr lang="zh-CN" altLang="en-US" dirty="0" smtClean="0"/>
+              <a:t>安装</a:t>
+            </a:r>
+            <a:r>
+              <a:rPr lang="en-US" altLang="zh-CN" dirty="0" err="1" smtClean="0"/>
+              <a:t>EasyGui</a:t>
+            </a:r>
+            <a:endParaRPr lang="en-US" altLang="zh-CN" dirty="0" smtClean="0"/>
+          </a:p>
+          <a:p>
+            <a:pPr lvl="1"/>
+            <a:r>
+              <a:rPr lang="en-US" altLang="zh-CN" dirty="0" smtClean="0"/>
+              <a:t>File-&gt;settings-&gt;project </a:t>
+            </a:r>
+            <a:r>
+              <a:rPr lang="en-US" altLang="zh-CN" dirty="0" smtClean="0"/>
+              <a:t>interpreter-&gt;</a:t>
+            </a:r>
+            <a:r>
+              <a:rPr lang="en-US" altLang="zh-CN" dirty="0" err="1" smtClean="0"/>
+              <a:t>easygui</a:t>
+            </a:r>
+            <a:endParaRPr lang="en-US" altLang="zh-CN" dirty="0" smtClean="0"/>
+          </a:p>
+          <a:p>
+            <a:r>
+              <a:rPr lang="zh-CN" altLang="en-US" dirty="0" smtClean="0"/>
+              <a:t>建立</a:t>
+            </a:r>
+            <a:r>
+              <a:rPr lang="en-US" altLang="zh-CN" dirty="0" smtClean="0"/>
+              <a:t>GUI</a:t>
+            </a:r>
+          </a:p>
+          <a:p>
+            <a:pPr lvl="1"/>
+            <a:r>
+              <a:rPr lang="en-US" altLang="zh-CN" dirty="0" smtClean="0"/>
+              <a:t>import </a:t>
+            </a:r>
+            <a:r>
+              <a:rPr lang="en-US" altLang="zh-CN" dirty="0" err="1" smtClean="0"/>
+              <a:t>easygui</a:t>
+            </a:r>
+            <a:endParaRPr lang="en-US" altLang="zh-CN" dirty="0" smtClean="0"/>
+          </a:p>
+          <a:p>
+            <a:pPr lvl="1"/>
+            <a:r>
+              <a:rPr lang="en-US" altLang="zh-CN" dirty="0" err="1" smtClean="0"/>
+              <a:t>easygui.msgbox</a:t>
+            </a:r>
+            <a:r>
+              <a:rPr lang="en-US" altLang="zh-CN" dirty="0" smtClean="0"/>
+              <a:t>("Hello There!")</a:t>
+            </a:r>
+            <a:endParaRPr lang="en-US" altLang="zh-CN" dirty="0" smtClean="0"/>
+          </a:p>
+        </p:txBody>
+      </p:sp>
+    </p:spTree>
+  </p:cSld>
+  <p:clrMapOvr>
+    <a:masterClrMapping/>
+  </p:clrMapOvr>
+</p:sld>
+</file>
+
+<file path=ppt/slides/slide27.xml><?xml version="1.0" encoding="utf-8"?>
+<p:sld xmlns:a="http://schemas.openxmlformats.org/drawingml/2006/main" xmlns:r="http://schemas.openxmlformats.org/officeDocument/2006/relationships" xmlns:p="http://schemas.openxmlformats.org/presentationml/2006/main">
+  <p:cSld>
+    <p:spTree>
+      <p:nvGrpSpPr>
+        <p:cNvPr id="1" name=""/>
+        <p:cNvGrpSpPr/>
+        <p:nvPr/>
+      </p:nvGrpSpPr>
+      <p:grpSpPr>
+        <a:xfrm>
+          <a:off x="0" y="0"/>
+          <a:ext cx="0" cy="0"/>
+          <a:chOff x="0" y="0"/>
+          <a:chExt cx="0" cy="0"/>
+        </a:xfrm>
+      </p:grpSpPr>
+      <p:sp>
+        <p:nvSpPr>
+          <p:cNvPr id="2" name="标题 1"/>
+          <p:cNvSpPr>
+            <a:spLocks noGrp="1"/>
+          </p:cNvSpPr>
+          <p:nvPr>
+            <p:ph type="title"/>
+          </p:nvPr>
+        </p:nvSpPr>
+        <p:spPr/>
+        <p:txBody>
+          <a:bodyPr>
+            <a:normAutofit/>
+          </a:bodyPr>
+          <a:lstStyle/>
+          <a:p>
+            <a:pPr algn="l"/>
+            <a:r>
+              <a:rPr lang="en-US" altLang="zh-CN" b="1" dirty="0" smtClean="0"/>
+              <a:t>6.3</a:t>
+            </a:r>
+            <a:r>
+              <a:rPr lang="zh-CN" altLang="en-US" b="1" dirty="0" smtClean="0"/>
+              <a:t>　</a:t>
+            </a:r>
+            <a:r>
+              <a:rPr lang="en-US" altLang="zh-CN" b="1" dirty="0" smtClean="0"/>
+              <a:t>GUI </a:t>
+            </a:r>
+            <a:r>
+              <a:rPr lang="zh-CN" altLang="en-US" b="1" dirty="0" smtClean="0"/>
+              <a:t>输入</a:t>
+            </a:r>
+            <a:endParaRPr lang="zh-CN" altLang="en-US" dirty="0"/>
+          </a:p>
+        </p:txBody>
+      </p:sp>
+      <p:sp>
+        <p:nvSpPr>
+          <p:cNvPr id="3" name="内容占位符 2"/>
+          <p:cNvSpPr>
+            <a:spLocks noGrp="1"/>
+          </p:cNvSpPr>
+          <p:nvPr>
+            <p:ph idx="1"/>
+          </p:nvPr>
+        </p:nvSpPr>
+        <p:spPr/>
+        <p:txBody>
+          <a:bodyPr/>
+          <a:lstStyle/>
+          <a:p>
+            <a:r>
+              <a:rPr lang="zh-CN" altLang="en-US" dirty="0" smtClean="0"/>
+              <a:t>在交互模式中运行前面的例子时，你点击</a:t>
+            </a:r>
+            <a:r>
+              <a:rPr lang="en-US" altLang="zh-CN" dirty="0" smtClean="0"/>
+              <a:t>OK </a:t>
+            </a:r>
+            <a:r>
+              <a:rPr lang="zh-CN" altLang="en-US" dirty="0" smtClean="0"/>
+              <a:t>按钮了吗？如果点击了这个按钮</a:t>
+            </a:r>
+            <a:r>
+              <a:rPr lang="zh-CN" altLang="en-US" dirty="0" smtClean="0"/>
+              <a:t>，应该</a:t>
+            </a:r>
+            <a:r>
+              <a:rPr lang="zh-CN" altLang="en-US" dirty="0" smtClean="0"/>
+              <a:t>已经在</a:t>
+            </a:r>
+            <a:r>
+              <a:rPr lang="en-US" altLang="zh-CN" dirty="0" smtClean="0"/>
+              <a:t>shell </a:t>
+            </a:r>
+            <a:r>
+              <a:rPr lang="zh-CN" altLang="en-US" dirty="0" smtClean="0"/>
+              <a:t>或终端或命令窗口中见过这样的结果</a:t>
+            </a:r>
+            <a:r>
+              <a:rPr lang="zh-CN" altLang="en-US" dirty="0" smtClean="0"/>
+              <a:t>：</a:t>
+            </a:r>
+            <a:endParaRPr lang="en-US" altLang="zh-CN" dirty="0" smtClean="0"/>
+          </a:p>
+          <a:p>
+            <a:pPr lvl="1"/>
+            <a:r>
+              <a:rPr lang="en-US" altLang="zh-CN" dirty="0" smtClean="0"/>
+              <a:t>D:\home\python\Python3\code\base\venv\Scripts\python.exe D:/home/python/Python3/code/base/gui.py</a:t>
+            </a:r>
+          </a:p>
+          <a:p>
+            <a:pPr lvl="1"/>
+            <a:r>
+              <a:rPr lang="en-US" altLang="zh-CN" dirty="0" smtClean="0"/>
+              <a:t>OK</a:t>
+            </a:r>
+            <a:endParaRPr lang="zh-CN" altLang="en-US" dirty="0"/>
+          </a:p>
+        </p:txBody>
+      </p:sp>
+    </p:spTree>
+  </p:cSld>
+  <p:clrMapOvr>
+    <a:masterClrMapping/>
+  </p:clrMapOvr>
+</p:sld>
+</file>
+
+<file path=ppt/slides/slide28.xml><?xml version="1.0" encoding="utf-8"?>
+<p:sld xmlns:a="http://schemas.openxmlformats.org/drawingml/2006/main" xmlns:r="http://schemas.openxmlformats.org/officeDocument/2006/relationships" xmlns:p="http://schemas.openxmlformats.org/presentationml/2006/main">
+  <p:cSld>
+    <p:spTree>
+      <p:nvGrpSpPr>
+        <p:cNvPr id="1" name=""/>
+        <p:cNvGrpSpPr/>
+        <p:nvPr/>
+      </p:nvGrpSpPr>
+      <p:grpSpPr>
+        <a:xfrm>
+          <a:off x="0" y="0"/>
+          <a:ext cx="0" cy="0"/>
+          <a:chOff x="0" y="0"/>
+          <a:chExt cx="0" cy="0"/>
+        </a:xfrm>
+      </p:grpSpPr>
+      <p:sp>
+        <p:nvSpPr>
+          <p:cNvPr id="2" name="标题 1"/>
+          <p:cNvSpPr>
+            <a:spLocks noGrp="1"/>
+          </p:cNvSpPr>
+          <p:nvPr>
+            <p:ph type="title"/>
+          </p:nvPr>
+        </p:nvSpPr>
+        <p:spPr/>
+        <p:txBody>
+          <a:bodyPr>
+            <a:normAutofit/>
+          </a:bodyPr>
+          <a:lstStyle/>
+          <a:p>
+            <a:pPr algn="l"/>
+            <a:r>
+              <a:rPr lang="en-US" altLang="zh-CN" b="1" dirty="0" smtClean="0"/>
+              <a:t>6.4</a:t>
+            </a:r>
+            <a:r>
+              <a:rPr lang="zh-CN" altLang="en-US" dirty="0" smtClean="0"/>
+              <a:t>其他</a:t>
+            </a:r>
+            <a:r>
+              <a:rPr lang="en-US" altLang="zh-CN" b="1" dirty="0" smtClean="0"/>
+              <a:t>GUI </a:t>
+            </a:r>
+            <a:r>
+              <a:rPr lang="zh-CN" altLang="en-US" b="1" dirty="0" smtClean="0"/>
+              <a:t>组件</a:t>
+            </a:r>
+            <a:endParaRPr lang="zh-CN" altLang="en-US" dirty="0"/>
+          </a:p>
+        </p:txBody>
+      </p:sp>
+      <p:sp>
+        <p:nvSpPr>
+          <p:cNvPr id="3" name="内容占位符 2"/>
+          <p:cNvSpPr>
+            <a:spLocks noGrp="1"/>
+          </p:cNvSpPr>
+          <p:nvPr>
+            <p:ph idx="1"/>
+          </p:nvPr>
+        </p:nvSpPr>
+        <p:spPr/>
+        <p:txBody>
+          <a:bodyPr>
+            <a:normAutofit/>
+          </a:bodyPr>
+          <a:lstStyle/>
+          <a:p>
+            <a:r>
+              <a:rPr lang="en-US" altLang="zh-CN" dirty="0" err="1" smtClean="0"/>
+              <a:t>EasyGui</a:t>
+            </a:r>
+            <a:r>
+              <a:rPr lang="en-US" altLang="zh-CN" dirty="0" smtClean="0"/>
+              <a:t> </a:t>
+            </a:r>
+            <a:r>
+              <a:rPr lang="zh-CN" altLang="en-US" dirty="0" smtClean="0"/>
+              <a:t>还提供了另外一些</a:t>
+            </a:r>
+            <a:r>
+              <a:rPr lang="en-US" altLang="zh-CN" dirty="0" smtClean="0"/>
+              <a:t>GUI </a:t>
+            </a:r>
+            <a:r>
+              <a:rPr lang="zh-CN" altLang="en-US" dirty="0" smtClean="0"/>
+              <a:t>组件，包括允许多重选择（而不是只选择一项</a:t>
+            </a:r>
+            <a:r>
+              <a:rPr lang="zh-CN" altLang="en-US" dirty="0" smtClean="0"/>
+              <a:t>）的选择框</a:t>
+            </a:r>
+            <a:r>
+              <a:rPr lang="zh-CN" altLang="en-US" dirty="0" smtClean="0"/>
+              <a:t>，还有一些特殊的对话框用来得到文件名等内容。不过，对现在来说，</a:t>
+            </a:r>
+            <a:r>
+              <a:rPr lang="zh-CN" altLang="en-US" dirty="0" smtClean="0"/>
+              <a:t>前面</a:t>
+            </a:r>
+            <a:r>
+              <a:rPr lang="zh-CN" altLang="en-US" dirty="0" smtClean="0"/>
+              <a:t>介绍的</a:t>
+            </a:r>
+            <a:r>
+              <a:rPr lang="en-US" altLang="zh-CN" dirty="0" smtClean="0"/>
+              <a:t>GUI </a:t>
+            </a:r>
+            <a:r>
+              <a:rPr lang="zh-CN" altLang="en-US" dirty="0" smtClean="0"/>
+              <a:t>组件已经足够了</a:t>
+            </a:r>
+            <a:r>
+              <a:rPr lang="zh-CN" altLang="en-US" dirty="0" smtClean="0"/>
+              <a:t>。</a:t>
+            </a:r>
+            <a:endParaRPr lang="en-US" altLang="zh-CN" dirty="0" smtClean="0"/>
+          </a:p>
+          <a:p>
+            <a:r>
+              <a:rPr lang="zh-CN" altLang="en-US" dirty="0" smtClean="0"/>
+              <a:t>如果你想更多地了解</a:t>
+            </a:r>
+            <a:r>
+              <a:rPr lang="en-US" altLang="zh-CN" dirty="0" err="1" smtClean="0"/>
+              <a:t>EasyGui</a:t>
+            </a:r>
+            <a:r>
+              <a:rPr lang="zh-CN" altLang="en-US" dirty="0" smtClean="0"/>
+              <a:t>，可以访问</a:t>
+            </a:r>
+            <a:r>
+              <a:rPr lang="en-US" altLang="zh-CN" dirty="0" err="1" smtClean="0"/>
+              <a:t>EasyGui</a:t>
+            </a:r>
+            <a:r>
+              <a:rPr lang="en-US" altLang="zh-CN" dirty="0" smtClean="0"/>
+              <a:t> </a:t>
+            </a:r>
+            <a:r>
+              <a:rPr lang="zh-CN" altLang="en-US" dirty="0" smtClean="0"/>
+              <a:t>主页</a:t>
+            </a:r>
+            <a:endParaRPr lang="en-US" altLang="zh-CN" dirty="0" smtClean="0"/>
+          </a:p>
+          <a:p>
+            <a:pPr lvl="1"/>
+            <a:r>
+              <a:rPr lang="en-US" altLang="zh-CN" dirty="0" smtClean="0"/>
+              <a:t>easygui.sourceforge.net</a:t>
+            </a:r>
+          </a:p>
+        </p:txBody>
+      </p:sp>
+    </p:spTree>
+  </p:cSld>
+  <p:clrMapOvr>
+    <a:masterClrMapping/>
+  </p:clrMapOvr>
+</p:sld>
+</file>
+
+<file path=ppt/slides/slide29.xml><?xml version="1.0" encoding="utf-8"?>
+<p:sld xmlns:a="http://schemas.openxmlformats.org/drawingml/2006/main" xmlns:r="http://schemas.openxmlformats.org/officeDocument/2006/relationships" xmlns:p="http://schemas.openxmlformats.org/presentationml/2006/main">
+  <p:cSld>
+    <p:spTree>
+      <p:nvGrpSpPr>
+        <p:cNvPr id="1" name=""/>
+        <p:cNvGrpSpPr/>
+        <p:nvPr/>
+      </p:nvGrpSpPr>
+      <p:grpSpPr>
+        <a:xfrm>
+          <a:off x="0" y="0"/>
+          <a:ext cx="0" cy="0"/>
+          <a:chOff x="0" y="0"/>
+          <a:chExt cx="0" cy="0"/>
+        </a:xfrm>
+      </p:grpSpPr>
+      <p:sp>
+        <p:nvSpPr>
+          <p:cNvPr id="2" name="标题 1"/>
+          <p:cNvSpPr>
+            <a:spLocks noGrp="1"/>
+          </p:cNvSpPr>
+          <p:nvPr>
+            <p:ph type="title"/>
+          </p:nvPr>
+        </p:nvSpPr>
+        <p:spPr/>
+        <p:txBody>
+          <a:bodyPr/>
+          <a:lstStyle/>
+          <a:p>
+            <a:pPr algn="l"/>
+            <a:r>
+              <a:rPr lang="zh-CN" altLang="en-US" b="1" dirty="0" smtClean="0"/>
+              <a:t>学到了什么</a:t>
+            </a:r>
+            <a:endParaRPr lang="zh-CN" altLang="en-US" b="1" dirty="0"/>
+          </a:p>
+        </p:txBody>
+      </p:sp>
+      <p:sp>
+        <p:nvSpPr>
+          <p:cNvPr id="3" name="内容占位符 2"/>
+          <p:cNvSpPr>
+            <a:spLocks noGrp="1"/>
+          </p:cNvSpPr>
+          <p:nvPr>
+            <p:ph idx="1"/>
+          </p:nvPr>
+        </p:nvSpPr>
+        <p:spPr/>
+        <p:txBody>
+          <a:bodyPr>
+            <a:normAutofit/>
+          </a:bodyPr>
+          <a:lstStyle/>
+          <a:p>
+            <a:r>
+              <a:rPr lang="zh-CN" altLang="en-US" dirty="0" smtClean="0"/>
+              <a:t>如何利用 </a:t>
+            </a:r>
+            <a:r>
+              <a:rPr lang="en-US" altLang="zh-CN" dirty="0" err="1" smtClean="0"/>
+              <a:t>EasyGui</a:t>
+            </a:r>
+            <a:r>
+              <a:rPr lang="zh-CN" altLang="en-US" dirty="0" smtClean="0"/>
+              <a:t>建立简单的 </a:t>
+            </a:r>
+            <a:r>
+              <a:rPr lang="en-US" altLang="zh-CN" dirty="0" smtClean="0"/>
+              <a:t>GUI</a:t>
+            </a:r>
+            <a:r>
+              <a:rPr lang="zh-CN" altLang="en-US" dirty="0" smtClean="0"/>
+              <a:t>。</a:t>
+            </a:r>
+            <a:endParaRPr lang="en-US" altLang="zh-CN" dirty="0" smtClean="0"/>
+          </a:p>
+          <a:p>
+            <a:r>
+              <a:rPr lang="zh-CN" altLang="en-US" dirty="0" smtClean="0"/>
+              <a:t>如何使用消息框 </a:t>
+            </a:r>
+            <a:r>
+              <a:rPr lang="en-US" altLang="zh-CN" dirty="0" err="1" smtClean="0"/>
+              <a:t>msgbox</a:t>
+            </a:r>
+            <a:r>
+              <a:rPr lang="zh-CN" altLang="en-US" dirty="0" smtClean="0"/>
+              <a:t>显示</a:t>
+            </a:r>
+            <a:r>
+              <a:rPr lang="zh-CN" altLang="en-US" dirty="0" smtClean="0"/>
+              <a:t>消息。</a:t>
+            </a:r>
+            <a:endParaRPr lang="en-US" altLang="zh-CN" dirty="0" smtClean="0"/>
+          </a:p>
+          <a:p>
+            <a:r>
+              <a:rPr lang="zh-CN" altLang="en-US" dirty="0" smtClean="0"/>
+              <a:t>如何使用按钮、选择框和文本输入框（</a:t>
+            </a:r>
+            <a:r>
+              <a:rPr lang="en-US" altLang="zh-CN" dirty="0" err="1" smtClean="0"/>
+              <a:t>buttonbox</a:t>
+            </a:r>
+            <a:r>
+              <a:rPr lang="zh-CN" altLang="en-US" dirty="0" smtClean="0"/>
+              <a:t>、</a:t>
+            </a:r>
+            <a:r>
+              <a:rPr lang="en-US" altLang="zh-CN" dirty="0" err="1" smtClean="0"/>
+              <a:t>choicebox</a:t>
+            </a:r>
+            <a:r>
+              <a:rPr lang="zh-CN" altLang="en-US" dirty="0" smtClean="0"/>
+              <a:t>、</a:t>
+            </a:r>
+            <a:r>
+              <a:rPr lang="en-US" altLang="zh-CN" dirty="0" err="1" smtClean="0"/>
+              <a:t>enterbox</a:t>
+            </a:r>
+            <a:r>
+              <a:rPr lang="zh-CN" altLang="en-US" dirty="0" smtClean="0"/>
+              <a:t>、</a:t>
+            </a:r>
+            <a:r>
+              <a:rPr lang="en-US" altLang="zh-CN" dirty="0" err="1" smtClean="0"/>
+              <a:t>integerbox</a:t>
+            </a:r>
+            <a:r>
+              <a:rPr lang="zh-CN" altLang="en-US" dirty="0" smtClean="0"/>
+              <a:t>）得到输入</a:t>
+            </a:r>
+            <a:r>
+              <a:rPr lang="zh-CN" altLang="en-US" dirty="0" smtClean="0"/>
+              <a:t>。</a:t>
+            </a:r>
+            <a:endParaRPr lang="en-US" altLang="zh-CN" dirty="0" smtClean="0"/>
+          </a:p>
+          <a:p>
+            <a:r>
+              <a:rPr lang="zh-CN" altLang="en-US" dirty="0" smtClean="0"/>
+              <a:t>如何为一个文本框设置默认输入</a:t>
+            </a:r>
+            <a:r>
+              <a:rPr lang="zh-CN" altLang="en-US" dirty="0" smtClean="0"/>
+              <a:t>。</a:t>
+            </a:r>
+            <a:endParaRPr lang="en-US" altLang="zh-CN" dirty="0" smtClean="0"/>
+          </a:p>
+          <a:p>
+            <a:r>
+              <a:rPr lang="zh-CN" altLang="en-US" dirty="0" smtClean="0"/>
+              <a:t>如何使用 </a:t>
+            </a:r>
+            <a:r>
+              <a:rPr lang="en-US" altLang="zh-CN" dirty="0" smtClean="0"/>
+              <a:t>Python </a:t>
+            </a:r>
+            <a:r>
+              <a:rPr lang="zh-CN" altLang="en-US" dirty="0" smtClean="0"/>
+              <a:t>的内置帮助系统。</a:t>
+            </a:r>
+            <a:endParaRPr lang="zh-CN" altLang="en-US" dirty="0"/>
+          </a:p>
+        </p:txBody>
+      </p:sp>
+    </p:spTree>
+  </p:cSld>
+  <p:clrMapOvr>
+    <a:masterClrMapping/>
+  </p:clrMapOvr>
+</p:sld>
+</file>
+
 <file path=ppt/slides/slide3.xml><?xml version="1.0" encoding="utf-8"?>
 <p:sld xmlns:a="http://schemas.openxmlformats.org/drawingml/2006/main" xmlns:r="http://schemas.openxmlformats.org/officeDocument/2006/relationships" xmlns:p="http://schemas.openxmlformats.org/presentationml/2006/main">
   <p:cSld>
@@ -4159,6 +6578,182 @@
       </p:par>
     </p:tnLst>
   </p:timing>
+</p:sld>
+</file>
+
+<file path=ppt/slides/slide30.xml><?xml version="1.0" encoding="utf-8"?>
+<p:sld xmlns:a="http://schemas.openxmlformats.org/drawingml/2006/main" xmlns:r="http://schemas.openxmlformats.org/officeDocument/2006/relationships" xmlns:p="http://schemas.openxmlformats.org/presentationml/2006/main">
+  <p:cSld>
+    <p:spTree>
+      <p:nvGrpSpPr>
+        <p:cNvPr id="1" name=""/>
+        <p:cNvGrpSpPr/>
+        <p:nvPr/>
+      </p:nvGrpSpPr>
+      <p:grpSpPr>
+        <a:xfrm>
+          <a:off x="0" y="0"/>
+          <a:ext cx="0" cy="0"/>
+          <a:chOff x="0" y="0"/>
+          <a:chExt cx="0" cy="0"/>
+        </a:xfrm>
+      </p:grpSpPr>
+      <p:sp>
+        <p:nvSpPr>
+          <p:cNvPr id="2" name="标题 1"/>
+          <p:cNvSpPr>
+            <a:spLocks noGrp="1"/>
+          </p:cNvSpPr>
+          <p:nvPr>
+            <p:ph type="title"/>
+          </p:nvPr>
+        </p:nvSpPr>
+        <p:spPr/>
+        <p:txBody>
+          <a:bodyPr>
+            <a:normAutofit/>
+          </a:bodyPr>
+          <a:lstStyle/>
+          <a:p>
+            <a:pPr algn="l"/>
+            <a:r>
+              <a:rPr lang="zh-CN" altLang="en-US" b="1" dirty="0" smtClean="0"/>
+              <a:t>测试</a:t>
+            </a:r>
+            <a:r>
+              <a:rPr lang="zh-CN" altLang="en-US" b="1" dirty="0" smtClean="0"/>
+              <a:t>题</a:t>
+            </a:r>
+            <a:endParaRPr lang="zh-CN" altLang="en-US" b="1" dirty="0"/>
+          </a:p>
+        </p:txBody>
+      </p:sp>
+      <p:sp>
+        <p:nvSpPr>
+          <p:cNvPr id="3" name="内容占位符 2"/>
+          <p:cNvSpPr>
+            <a:spLocks noGrp="1"/>
+          </p:cNvSpPr>
+          <p:nvPr>
+            <p:ph idx="1"/>
+          </p:nvPr>
+        </p:nvSpPr>
+        <p:spPr/>
+        <p:txBody>
+          <a:bodyPr>
+            <a:normAutofit/>
+          </a:bodyPr>
+          <a:lstStyle/>
+          <a:p>
+            <a:r>
+              <a:rPr lang="en-US" altLang="zh-CN" dirty="0" smtClean="0"/>
+              <a:t>1</a:t>
+            </a:r>
+            <a:r>
+              <a:rPr lang="en-US" altLang="zh-CN" dirty="0" smtClean="0"/>
+              <a:t>. </a:t>
+            </a:r>
+            <a:r>
+              <a:rPr lang="zh-CN" altLang="en-US" dirty="0" smtClean="0"/>
+              <a:t>如何使用</a:t>
+            </a:r>
+            <a:r>
+              <a:rPr lang="en-US" altLang="zh-CN" dirty="0" err="1" smtClean="0"/>
+              <a:t>EasyGui</a:t>
+            </a:r>
+            <a:r>
+              <a:rPr lang="en-US" altLang="zh-CN" dirty="0" smtClean="0"/>
+              <a:t> </a:t>
+            </a:r>
+            <a:r>
+              <a:rPr lang="zh-CN" altLang="en-US" dirty="0" smtClean="0"/>
+              <a:t>生成消息框？</a:t>
+            </a:r>
+          </a:p>
+          <a:p>
+            <a:r>
+              <a:rPr lang="en-US" altLang="zh-CN" dirty="0" smtClean="0"/>
+              <a:t>2. </a:t>
+            </a:r>
+            <a:r>
+              <a:rPr lang="zh-CN" altLang="en-US" dirty="0" smtClean="0"/>
+              <a:t>如何使用</a:t>
+            </a:r>
+            <a:r>
+              <a:rPr lang="en-US" altLang="zh-CN" dirty="0" err="1" smtClean="0"/>
+              <a:t>EasyGui</a:t>
+            </a:r>
+            <a:r>
+              <a:rPr lang="en-US" altLang="zh-CN" dirty="0" smtClean="0"/>
+              <a:t> </a:t>
+            </a:r>
+            <a:r>
+              <a:rPr lang="zh-CN" altLang="en-US" dirty="0" smtClean="0"/>
+              <a:t>得到字符串（一些文本）输入？</a:t>
+            </a:r>
+          </a:p>
+          <a:p>
+            <a:r>
+              <a:rPr lang="en-US" altLang="zh-CN" dirty="0" smtClean="0"/>
+              <a:t>3. </a:t>
+            </a:r>
+            <a:r>
+              <a:rPr lang="zh-CN" altLang="en-US" dirty="0" smtClean="0"/>
+              <a:t>如何使用</a:t>
+            </a:r>
+            <a:r>
+              <a:rPr lang="en-US" altLang="zh-CN" dirty="0" err="1" smtClean="0"/>
+              <a:t>EasyGui</a:t>
+            </a:r>
+            <a:r>
+              <a:rPr lang="en-US" altLang="zh-CN" dirty="0" smtClean="0"/>
+              <a:t> </a:t>
+            </a:r>
+            <a:r>
+              <a:rPr lang="zh-CN" altLang="en-US" dirty="0" smtClean="0"/>
+              <a:t>得到整数输入？</a:t>
+            </a:r>
+          </a:p>
+          <a:p>
+            <a:r>
+              <a:rPr lang="en-US" altLang="zh-CN" dirty="0" smtClean="0"/>
+              <a:t>4. </a:t>
+            </a:r>
+            <a:r>
+              <a:rPr lang="zh-CN" altLang="en-US" dirty="0" smtClean="0"/>
+              <a:t>如何使用</a:t>
+            </a:r>
+            <a:r>
+              <a:rPr lang="en-US" altLang="zh-CN" dirty="0" err="1" smtClean="0"/>
+              <a:t>EasyGui</a:t>
+            </a:r>
+            <a:r>
+              <a:rPr lang="en-US" altLang="zh-CN" dirty="0" smtClean="0"/>
+              <a:t> </a:t>
+            </a:r>
+            <a:r>
+              <a:rPr lang="zh-CN" altLang="en-US" dirty="0" smtClean="0"/>
+              <a:t>得到浮点数（小数）输入？</a:t>
+            </a:r>
+          </a:p>
+          <a:p>
+            <a:r>
+              <a:rPr lang="en-US" altLang="zh-CN" dirty="0" smtClean="0"/>
+              <a:t>5. </a:t>
+            </a:r>
+            <a:r>
+              <a:rPr lang="zh-CN" altLang="en-US" dirty="0" smtClean="0"/>
+              <a:t>什么是默认值？给出一个可能使用默认值的例子。</a:t>
+            </a:r>
+            <a:endParaRPr lang="zh-CN" altLang="en-US" dirty="0"/>
+          </a:p>
+        </p:txBody>
+      </p:sp>
+    </p:spTree>
+  </p:cSld>
+  <p:clrMapOvr>
+    <a:masterClrMapping/>
+  </p:clrMapOvr>
 </p:sld>
 </file>
 

--- a/readme/Python3.pptx
+++ b/readme/Python3.pptx
@@ -45,6 +45,27 @@
     <p:sldId id="297" r:id="rId39"/>
     <p:sldId id="298" r:id="rId40"/>
     <p:sldId id="299" r:id="rId41"/>
+    <p:sldId id="300" r:id="rId42"/>
+    <p:sldId id="301" r:id="rId43"/>
+    <p:sldId id="302" r:id="rId44"/>
+    <p:sldId id="303" r:id="rId45"/>
+    <p:sldId id="304" r:id="rId46"/>
+    <p:sldId id="305" r:id="rId47"/>
+    <p:sldId id="306" r:id="rId48"/>
+    <p:sldId id="307" r:id="rId49"/>
+    <p:sldId id="308" r:id="rId50"/>
+    <p:sldId id="309" r:id="rId51"/>
+    <p:sldId id="310" r:id="rId52"/>
+    <p:sldId id="311" r:id="rId53"/>
+    <p:sldId id="312" r:id="rId54"/>
+    <p:sldId id="313" r:id="rId55"/>
+    <p:sldId id="314" r:id="rId56"/>
+    <p:sldId id="315" r:id="rId57"/>
+    <p:sldId id="316" r:id="rId58"/>
+    <p:sldId id="317" r:id="rId59"/>
+    <p:sldId id="318" r:id="rId60"/>
+    <p:sldId id="319" r:id="rId61"/>
+    <p:sldId id="320" r:id="rId62"/>
   </p:sldIdLst>
   <p:sldSz cx="9144000" cy="6858000" type="screen4x3"/>
   <p:notesSz cx="6858000" cy="9144000"/>
@@ -328,7 +349,7 @@
             <a:fld id="{530820CF-B880-4189-942D-D702A7CBA730}" type="datetimeFigureOut">
               <a:rPr lang="zh-CN" altLang="en-US" smtClean="0"/>
               <a:pPr/>
-              <a:t>2018/10/21</a:t>
+              <a:t>2018/10/28</a:t>
             </a:fld>
             <a:endParaRPr lang="zh-CN" altLang="en-US"/>
           </a:p>
@@ -495,7 +516,7 @@
             <a:fld id="{530820CF-B880-4189-942D-D702A7CBA730}" type="datetimeFigureOut">
               <a:rPr lang="zh-CN" altLang="en-US" smtClean="0"/>
               <a:pPr/>
-              <a:t>2018/10/21</a:t>
+              <a:t>2018/10/28</a:t>
             </a:fld>
             <a:endParaRPr lang="zh-CN" altLang="en-US"/>
           </a:p>
@@ -672,7 +693,7 @@
             <a:fld id="{530820CF-B880-4189-942D-D702A7CBA730}" type="datetimeFigureOut">
               <a:rPr lang="zh-CN" altLang="en-US" smtClean="0"/>
               <a:pPr/>
-              <a:t>2018/10/21</a:t>
+              <a:t>2018/10/28</a:t>
             </a:fld>
             <a:endParaRPr lang="zh-CN" altLang="en-US"/>
           </a:p>
@@ -839,7 +860,7 @@
             <a:fld id="{530820CF-B880-4189-942D-D702A7CBA730}" type="datetimeFigureOut">
               <a:rPr lang="zh-CN" altLang="en-US" smtClean="0"/>
               <a:pPr/>
-              <a:t>2018/10/21</a:t>
+              <a:t>2018/10/28</a:t>
             </a:fld>
             <a:endParaRPr lang="zh-CN" altLang="en-US"/>
           </a:p>
@@ -1082,7 +1103,7 @@
             <a:fld id="{530820CF-B880-4189-942D-D702A7CBA730}" type="datetimeFigureOut">
               <a:rPr lang="zh-CN" altLang="en-US" smtClean="0"/>
               <a:pPr/>
-              <a:t>2018/10/21</a:t>
+              <a:t>2018/10/28</a:t>
             </a:fld>
             <a:endParaRPr lang="zh-CN" altLang="en-US"/>
           </a:p>
@@ -1367,7 +1388,7 @@
             <a:fld id="{530820CF-B880-4189-942D-D702A7CBA730}" type="datetimeFigureOut">
               <a:rPr lang="zh-CN" altLang="en-US" smtClean="0"/>
               <a:pPr/>
-              <a:t>2018/10/21</a:t>
+              <a:t>2018/10/28</a:t>
             </a:fld>
             <a:endParaRPr lang="zh-CN" altLang="en-US"/>
           </a:p>
@@ -1786,7 +1807,7 @@
             <a:fld id="{530820CF-B880-4189-942D-D702A7CBA730}" type="datetimeFigureOut">
               <a:rPr lang="zh-CN" altLang="en-US" smtClean="0"/>
               <a:pPr/>
-              <a:t>2018/10/21</a:t>
+              <a:t>2018/10/28</a:t>
             </a:fld>
             <a:endParaRPr lang="zh-CN" altLang="en-US"/>
           </a:p>
@@ -1901,7 +1922,7 @@
             <a:fld id="{530820CF-B880-4189-942D-D702A7CBA730}" type="datetimeFigureOut">
               <a:rPr lang="zh-CN" altLang="en-US" smtClean="0"/>
               <a:pPr/>
-              <a:t>2018/10/21</a:t>
+              <a:t>2018/10/28</a:t>
             </a:fld>
             <a:endParaRPr lang="zh-CN" altLang="en-US"/>
           </a:p>
@@ -1993,7 +2014,7 @@
             <a:fld id="{530820CF-B880-4189-942D-D702A7CBA730}" type="datetimeFigureOut">
               <a:rPr lang="zh-CN" altLang="en-US" smtClean="0"/>
               <a:pPr/>
-              <a:t>2018/10/21</a:t>
+              <a:t>2018/10/28</a:t>
             </a:fld>
             <a:endParaRPr lang="zh-CN" altLang="en-US"/>
           </a:p>
@@ -2267,7 +2288,7 @@
             <a:fld id="{530820CF-B880-4189-942D-D702A7CBA730}" type="datetimeFigureOut">
               <a:rPr lang="zh-CN" altLang="en-US" smtClean="0"/>
               <a:pPr/>
-              <a:t>2018/10/21</a:t>
+              <a:t>2018/10/28</a:t>
             </a:fld>
             <a:endParaRPr lang="zh-CN" altLang="en-US"/>
           </a:p>
@@ -2517,7 +2538,7 @@
             <a:fld id="{530820CF-B880-4189-942D-D702A7CBA730}" type="datetimeFigureOut">
               <a:rPr lang="zh-CN" altLang="en-US" smtClean="0"/>
               <a:pPr/>
-              <a:t>2018/10/21</a:t>
+              <a:t>2018/10/28</a:t>
             </a:fld>
             <a:endParaRPr lang="zh-CN" altLang="en-US"/>
           </a:p>
@@ -2727,7 +2748,7 @@
             <a:fld id="{530820CF-B880-4189-942D-D702A7CBA730}" type="datetimeFigureOut">
               <a:rPr lang="zh-CN" altLang="en-US" smtClean="0"/>
               <a:pPr/>
-              <a:t>2018/10/21</a:t>
+              <a:t>2018/10/28</a:t>
             </a:fld>
             <a:endParaRPr lang="zh-CN" altLang="en-US"/>
           </a:p>
@@ -6220,6 +6241,13 @@
   <p:clrMapOvr>
     <a:masterClrMapping/>
   </p:clrMapOvr>
+  <p:timing>
+    <p:tnLst>
+      <p:par>
+        <p:cTn id="1" dur="indefinite" restart="never" nodeType="tmRoot"/>
+      </p:par>
+    </p:tnLst>
+  </p:timing>
 </p:sld>
 </file>
 
@@ -6312,6 +6340,13 @@
   <p:clrMapOvr>
     <a:masterClrMapping/>
   </p:clrMapOvr>
+  <p:timing>
+    <p:tnLst>
+      <p:par>
+        <p:cTn id="1" dur="indefinite" restart="never" nodeType="tmRoot"/>
+      </p:par>
+    </p:tnLst>
+  </p:timing>
 </p:sld>
 </file>
 
@@ -6462,6 +6497,13 @@
   <p:clrMapOvr>
     <a:masterClrMapping/>
   </p:clrMapOvr>
+  <p:timing>
+    <p:tnLst>
+      <p:par>
+        <p:cTn id="1" dur="indefinite" restart="never" nodeType="tmRoot"/>
+      </p:par>
+    </p:tnLst>
+  </p:timing>
 </p:sld>
 </file>
 
@@ -6708,6 +6750,13 @@
   <p:clrMapOvr>
     <a:masterClrMapping/>
   </p:clrMapOvr>
+  <p:timing>
+    <p:tnLst>
+      <p:par>
+        <p:cTn id="1" dur="indefinite" restart="never" nodeType="tmRoot"/>
+      </p:par>
+    </p:tnLst>
+  </p:timing>
 </p:sld>
 </file>
 
@@ -6791,6 +6840,13 @@
   <p:clrMapOvr>
     <a:masterClrMapping/>
   </p:clrMapOvr>
+  <p:timing>
+    <p:tnLst>
+      <p:par>
+        <p:cTn id="1" dur="indefinite" restart="never" nodeType="tmRoot"/>
+      </p:par>
+    </p:tnLst>
+  </p:timing>
 </p:sld>
 </file>
 
@@ -6875,6 +6931,13 @@
   <p:clrMapOvr>
     <a:masterClrMapping/>
   </p:clrMapOvr>
+  <p:timing>
+    <p:tnLst>
+      <p:par>
+        <p:cTn id="1" dur="indefinite" restart="never" nodeType="tmRoot"/>
+      </p:par>
+    </p:tnLst>
+  </p:timing>
 </p:sld>
 </file>
 
@@ -6993,6 +7056,13 @@
   <p:clrMapOvr>
     <a:masterClrMapping/>
   </p:clrMapOvr>
+  <p:timing>
+    <p:tnLst>
+      <p:par>
+        <p:cTn id="1" dur="indefinite" restart="never" nodeType="tmRoot"/>
+      </p:par>
+    </p:tnLst>
+  </p:timing>
 </p:sld>
 </file>
 
@@ -7103,6 +7173,13 @@
   <p:clrMapOvr>
     <a:masterClrMapping/>
   </p:clrMapOvr>
+  <p:timing>
+    <p:tnLst>
+      <p:par>
+        <p:cTn id="1" dur="indefinite" restart="never" nodeType="tmRoot"/>
+      </p:par>
+    </p:tnLst>
+  </p:timing>
 </p:sld>
 </file>
 
@@ -7174,6 +7251,13 @@
   <p:clrMapOvr>
     <a:masterClrMapping/>
   </p:clrMapOvr>
+  <p:timing>
+    <p:tnLst>
+      <p:par>
+        <p:cTn id="1" dur="indefinite" restart="never" nodeType="tmRoot"/>
+      </p:par>
+    </p:tnLst>
+  </p:timing>
 </p:sld>
 </file>
 
@@ -7334,6 +7418,13 @@
   <p:clrMapOvr>
     <a:masterClrMapping/>
   </p:clrMapOvr>
+  <p:timing>
+    <p:tnLst>
+      <p:par>
+        <p:cTn id="1" dur="indefinite" restart="never" nodeType="tmRoot"/>
+      </p:par>
+    </p:tnLst>
+  </p:timing>
 </p:sld>
 </file>
 
@@ -7517,6 +7608,13 @@
   <p:clrMapOvr>
     <a:masterClrMapping/>
   </p:clrMapOvr>
+  <p:timing>
+    <p:tnLst>
+      <p:par>
+        <p:cTn id="1" dur="indefinite" restart="never" nodeType="tmRoot"/>
+      </p:par>
+    </p:tnLst>
+  </p:timing>
 </p:sld>
 </file>
 
@@ -7657,6 +7755,13 @@
   <p:clrMapOvr>
     <a:masterClrMapping/>
   </p:clrMapOvr>
+  <p:timing>
+    <p:tnLst>
+      <p:par>
+        <p:cTn id="1" dur="indefinite" restart="never" nodeType="tmRoot"/>
+      </p:par>
+    </p:tnLst>
+  </p:timing>
 </p:sld>
 </file>
 
@@ -7751,11 +7856,7 @@
             </a:r>
             <a:r>
               <a:rPr lang="zh-CN" altLang="en-US" dirty="0" smtClean="0"/>
-              <a:t>完成输入和输出</a:t>
-            </a:r>
-            <a:r>
-              <a:rPr lang="zh-CN" altLang="en-US" dirty="0" smtClean="0"/>
-              <a:t>。</a:t>
+              <a:t>完成输入和输出。</a:t>
             </a:r>
             <a:endParaRPr lang="en-US" altLang="zh-CN" dirty="0" smtClean="0"/>
           </a:p>
@@ -7772,6 +7873,13 @@
   <p:clrMapOvr>
     <a:masterClrMapping/>
   </p:clrMapOvr>
+  <p:timing>
+    <p:tnLst>
+      <p:par>
+        <p:cTn id="1" dur="indefinite" restart="never" nodeType="tmRoot"/>
+      </p:par>
+    </p:tnLst>
+  </p:timing>
 </p:sld>
 </file>
 
@@ -8066,11 +8174,7 @@
           <a:p>
             <a:r>
               <a:rPr lang="en-US" altLang="zh-CN" dirty="0" smtClean="0"/>
-              <a:t>1</a:t>
-            </a:r>
-            <a:r>
-              <a:rPr lang="en-US" altLang="zh-CN" dirty="0" smtClean="0"/>
-              <a:t>. </a:t>
+              <a:t>1. </a:t>
             </a:r>
             <a:r>
               <a:rPr lang="zh-CN" altLang="en-US" dirty="0" smtClean="0"/>
@@ -8113,11 +8217,7 @@
           <a:p>
             <a:r>
               <a:rPr lang="en-US" altLang="zh-CN" dirty="0" smtClean="0"/>
-              <a:t>2</a:t>
-            </a:r>
-            <a:r>
-              <a:rPr lang="en-US" altLang="zh-CN" dirty="0" smtClean="0"/>
-              <a:t>. </a:t>
+              <a:t>2. </a:t>
             </a:r>
             <a:r>
               <a:rPr lang="zh-CN" altLang="en-US" dirty="0" smtClean="0"/>
@@ -8149,11 +8249,7 @@
             </a:r>
             <a:r>
               <a:rPr lang="zh-CN" altLang="en-US" dirty="0" smtClean="0"/>
-              <a:t>对话框中）。然后这个程 序要显示一个寄信格式的完整地址，类似于</a:t>
-            </a:r>
-            <a:r>
-              <a:rPr lang="zh-CN" altLang="en-US" dirty="0" smtClean="0"/>
-              <a:t>：</a:t>
+              <a:t>对话框中）。然后这个程 序要显示一个寄信格式的完整地址，类似于：</a:t>
             </a:r>
             <a:endParaRPr lang="en-US" altLang="zh-CN" dirty="0" smtClean="0"/>
           </a:p>
@@ -8188,7 +8284,7 @@
               <a:t>c</a:t>
             </a:r>
             <a:r>
-              <a:rPr lang="zh-CN" altLang="en-US" smtClean="0"/>
+              <a:rPr lang="zh-CN" altLang="en-US" dirty="0" smtClean="0"/>
               <a:t>座</a:t>
             </a:r>
             <a:endParaRPr lang="en-US" altLang="zh-CN" dirty="0" smtClean="0"/>
@@ -8208,6 +8304,917 @@
   <p:clrMapOvr>
     <a:masterClrMapping/>
   </p:clrMapOvr>
+  <p:timing>
+    <p:tnLst>
+      <p:par>
+        <p:cTn id="1" dur="indefinite" restart="never" nodeType="tmRoot"/>
+      </p:par>
+    </p:tnLst>
+  </p:timing>
+</p:sld>
+</file>
+
+<file path=ppt/slides/slide41.xml><?xml version="1.0" encoding="utf-8"?>
+<p:sld xmlns:a="http://schemas.openxmlformats.org/drawingml/2006/main" xmlns:r="http://schemas.openxmlformats.org/officeDocument/2006/relationships" xmlns:p="http://schemas.openxmlformats.org/presentationml/2006/main">
+  <p:cSld>
+    <p:spTree>
+      <p:nvGrpSpPr>
+        <p:cNvPr id="1" name=""/>
+        <p:cNvGrpSpPr/>
+        <p:nvPr/>
+      </p:nvGrpSpPr>
+      <p:grpSpPr>
+        <a:xfrm>
+          <a:off x="0" y="0"/>
+          <a:ext cx="0" cy="0"/>
+          <a:chOff x="0" y="0"/>
+          <a:chExt cx="0" cy="0"/>
+        </a:xfrm>
+      </p:grpSpPr>
+      <p:sp>
+        <p:nvSpPr>
+          <p:cNvPr id="2" name="标题 1"/>
+          <p:cNvSpPr>
+            <a:spLocks noGrp="1"/>
+          </p:cNvSpPr>
+          <p:nvPr>
+            <p:ph type="title"/>
+          </p:nvPr>
+        </p:nvSpPr>
+        <p:spPr/>
+        <p:txBody>
+          <a:bodyPr/>
+          <a:lstStyle/>
+          <a:p>
+            <a:pPr algn="l"/>
+            <a:r>
+              <a:rPr lang="en-US" altLang="zh-CN" dirty="0" smtClean="0"/>
+              <a:t>7</a:t>
+            </a:r>
+            <a:r>
+              <a:rPr lang="zh-CN" altLang="en-US" dirty="0" smtClean="0"/>
+              <a:t>控制语句</a:t>
+            </a:r>
+            <a:endParaRPr lang="zh-CN" altLang="en-US" dirty="0"/>
+          </a:p>
+        </p:txBody>
+      </p:sp>
+      <p:sp>
+        <p:nvSpPr>
+          <p:cNvPr id="3" name="内容占位符 2"/>
+          <p:cNvSpPr>
+            <a:spLocks noGrp="1"/>
+          </p:cNvSpPr>
+          <p:nvPr>
+            <p:ph idx="1"/>
+          </p:nvPr>
+        </p:nvSpPr>
+        <p:spPr/>
+        <p:txBody>
+          <a:bodyPr/>
+          <a:lstStyle/>
+          <a:p>
+            <a:endParaRPr lang="zh-CN" altLang="en-US" dirty="0"/>
+          </a:p>
+        </p:txBody>
+      </p:sp>
+    </p:spTree>
+  </p:cSld>
+  <p:clrMapOvr>
+    <a:masterClrMapping/>
+  </p:clrMapOvr>
+  <p:timing>
+    <p:tnLst>
+      <p:par>
+        <p:cTn id="1" dur="indefinite" restart="never" nodeType="tmRoot"/>
+      </p:par>
+    </p:tnLst>
+  </p:timing>
+</p:sld>
+</file>
+
+<file path=ppt/slides/slide42.xml><?xml version="1.0" encoding="utf-8"?>
+<p:sld xmlns:a="http://schemas.openxmlformats.org/drawingml/2006/main" xmlns:r="http://schemas.openxmlformats.org/officeDocument/2006/relationships" xmlns:p="http://schemas.openxmlformats.org/presentationml/2006/main">
+  <p:cSld>
+    <p:spTree>
+      <p:nvGrpSpPr>
+        <p:cNvPr id="1" name=""/>
+        <p:cNvGrpSpPr/>
+        <p:nvPr/>
+      </p:nvGrpSpPr>
+      <p:grpSpPr>
+        <a:xfrm>
+          <a:off x="0" y="0"/>
+          <a:ext cx="0" cy="0"/>
+          <a:chOff x="0" y="0"/>
+          <a:chExt cx="0" cy="0"/>
+        </a:xfrm>
+      </p:grpSpPr>
+      <p:sp>
+        <p:nvSpPr>
+          <p:cNvPr id="2" name="标题 1"/>
+          <p:cNvSpPr>
+            <a:spLocks noGrp="1"/>
+          </p:cNvSpPr>
+          <p:nvPr>
+            <p:ph type="title"/>
+          </p:nvPr>
+        </p:nvSpPr>
+        <p:spPr/>
+        <p:txBody>
+          <a:bodyPr/>
+          <a:lstStyle/>
+          <a:p>
+            <a:pPr algn="l"/>
+            <a:r>
+              <a:rPr lang="en-US" altLang="zh-CN" dirty="0" smtClean="0"/>
+              <a:t>7.1 </a:t>
+            </a:r>
+            <a:r>
+              <a:rPr lang="zh-CN" altLang="en-US" dirty="0" smtClean="0"/>
+              <a:t>判断</a:t>
+            </a:r>
+            <a:endParaRPr lang="zh-CN" altLang="en-US" dirty="0"/>
+          </a:p>
+        </p:txBody>
+      </p:sp>
+      <p:sp>
+        <p:nvSpPr>
+          <p:cNvPr id="3" name="内容占位符 2"/>
+          <p:cNvSpPr>
+            <a:spLocks noGrp="1"/>
+          </p:cNvSpPr>
+          <p:nvPr>
+            <p:ph idx="1"/>
+          </p:nvPr>
+        </p:nvSpPr>
+        <p:spPr/>
+        <p:txBody>
+          <a:bodyPr/>
+          <a:lstStyle/>
+          <a:p>
+            <a:r>
+              <a:rPr lang="en-US" altLang="zh-CN" dirty="0" smtClean="0"/>
+              <a:t>1. if</a:t>
+            </a:r>
+          </a:p>
+          <a:p>
+            <a:r>
+              <a:rPr lang="en-US" altLang="zh-CN" dirty="0" smtClean="0"/>
+              <a:t>2. if </a:t>
+            </a:r>
+            <a:r>
+              <a:rPr lang="en-US" altLang="zh-CN" dirty="0" err="1" smtClean="0"/>
+              <a:t>elif</a:t>
+            </a:r>
+            <a:endParaRPr lang="en-US" altLang="zh-CN" dirty="0" smtClean="0"/>
+          </a:p>
+          <a:p>
+            <a:r>
+              <a:rPr lang="en-US" altLang="zh-CN" dirty="0" smtClean="0"/>
+              <a:t>3. </a:t>
+            </a:r>
+            <a:r>
+              <a:rPr lang="zh-CN" altLang="en-US" dirty="0" smtClean="0"/>
+              <a:t>测试多个条件</a:t>
+            </a:r>
+            <a:endParaRPr lang="en-US" altLang="zh-CN" dirty="0" smtClean="0"/>
+          </a:p>
+          <a:p>
+            <a:r>
+              <a:rPr lang="en-US" altLang="zh-CN" dirty="0" smtClean="0"/>
+              <a:t>4. and</a:t>
+            </a:r>
+          </a:p>
+          <a:p>
+            <a:r>
+              <a:rPr lang="en-US" altLang="zh-CN" dirty="0" smtClean="0"/>
+              <a:t>5. or</a:t>
+            </a:r>
+          </a:p>
+          <a:p>
+            <a:r>
+              <a:rPr lang="en-US" altLang="zh-CN" dirty="0" smtClean="0"/>
+              <a:t>6. not</a:t>
+            </a:r>
+            <a:endParaRPr lang="zh-CN" altLang="en-US" dirty="0"/>
+          </a:p>
+        </p:txBody>
+      </p:sp>
+    </p:spTree>
+  </p:cSld>
+  <p:clrMapOvr>
+    <a:masterClrMapping/>
+  </p:clrMapOvr>
+  <p:timing>
+    <p:tnLst>
+      <p:par>
+        <p:cTn id="1" dur="indefinite" restart="never" nodeType="tmRoot"/>
+      </p:par>
+    </p:tnLst>
+  </p:timing>
+</p:sld>
+</file>
+
+<file path=ppt/slides/slide43.xml><?xml version="1.0" encoding="utf-8"?>
+<p:sld xmlns:a="http://schemas.openxmlformats.org/drawingml/2006/main" xmlns:r="http://schemas.openxmlformats.org/officeDocument/2006/relationships" xmlns:p="http://schemas.openxmlformats.org/presentationml/2006/main">
+  <p:cSld>
+    <p:spTree>
+      <p:nvGrpSpPr>
+        <p:cNvPr id="1" name=""/>
+        <p:cNvGrpSpPr/>
+        <p:nvPr/>
+      </p:nvGrpSpPr>
+      <p:grpSpPr>
+        <a:xfrm>
+          <a:off x="0" y="0"/>
+          <a:ext cx="0" cy="0"/>
+          <a:chOff x="0" y="0"/>
+          <a:chExt cx="0" cy="0"/>
+        </a:xfrm>
+      </p:grpSpPr>
+      <p:sp>
+        <p:nvSpPr>
+          <p:cNvPr id="2" name="标题 1"/>
+          <p:cNvSpPr>
+            <a:spLocks noGrp="1"/>
+          </p:cNvSpPr>
+          <p:nvPr>
+            <p:ph type="title"/>
+          </p:nvPr>
+        </p:nvSpPr>
+        <p:spPr/>
+        <p:txBody>
+          <a:bodyPr/>
+          <a:lstStyle/>
+          <a:p>
+            <a:pPr algn="l"/>
+            <a:r>
+              <a:rPr lang="en-US" altLang="zh-CN" dirty="0" smtClean="0"/>
+              <a:t>7.1 </a:t>
+            </a:r>
+            <a:r>
+              <a:rPr lang="zh-CN" altLang="en-US" dirty="0" smtClean="0"/>
+              <a:t> </a:t>
+            </a:r>
+            <a:r>
+              <a:rPr lang="en-US" altLang="zh-CN" dirty="0" smtClean="0"/>
+              <a:t>and </a:t>
+            </a:r>
+            <a:r>
+              <a:rPr lang="zh-CN" altLang="en-US" dirty="0" smtClean="0"/>
+              <a:t>说明</a:t>
+            </a:r>
+            <a:endParaRPr lang="zh-CN" altLang="en-US" dirty="0"/>
+          </a:p>
+        </p:txBody>
+      </p:sp>
+      <p:pic>
+        <p:nvPicPr>
+          <p:cNvPr id="1026" name="Picture 2"/>
+          <p:cNvPicPr>
+            <a:picLocks noChangeAspect="1" noChangeArrowheads="1"/>
+          </p:cNvPicPr>
+          <p:nvPr/>
+        </p:nvPicPr>
+        <p:blipFill>
+          <a:blip r:embed="rId2" cstate="print"/>
+          <a:srcRect/>
+          <a:stretch>
+            <a:fillRect/>
+          </a:stretch>
+        </p:blipFill>
+        <p:spPr bwMode="auto">
+          <a:xfrm>
+            <a:off x="1" y="1233488"/>
+            <a:ext cx="8964488" cy="4391025"/>
+          </a:xfrm>
+          <a:prstGeom prst="rect">
+            <a:avLst/>
+          </a:prstGeom>
+          <a:noFill/>
+          <a:ln w="9525">
+            <a:noFill/>
+            <a:miter lim="800000"/>
+            <a:headEnd/>
+            <a:tailEnd/>
+          </a:ln>
+        </p:spPr>
+      </p:pic>
+    </p:spTree>
+  </p:cSld>
+  <p:clrMapOvr>
+    <a:masterClrMapping/>
+  </p:clrMapOvr>
+  <p:timing>
+    <p:tnLst>
+      <p:par>
+        <p:cTn id="1" dur="indefinite" restart="never" nodeType="tmRoot"/>
+      </p:par>
+    </p:tnLst>
+  </p:timing>
+</p:sld>
+</file>
+
+<file path=ppt/slides/slide44.xml><?xml version="1.0" encoding="utf-8"?>
+<p:sld xmlns:a="http://schemas.openxmlformats.org/drawingml/2006/main" xmlns:r="http://schemas.openxmlformats.org/officeDocument/2006/relationships" xmlns:p="http://schemas.openxmlformats.org/presentationml/2006/main">
+  <p:cSld>
+    <p:spTree>
+      <p:nvGrpSpPr>
+        <p:cNvPr id="1" name=""/>
+        <p:cNvGrpSpPr/>
+        <p:nvPr/>
+      </p:nvGrpSpPr>
+      <p:grpSpPr>
+        <a:xfrm>
+          <a:off x="0" y="0"/>
+          <a:ext cx="0" cy="0"/>
+          <a:chOff x="0" y="0"/>
+          <a:chExt cx="0" cy="0"/>
+        </a:xfrm>
+      </p:grpSpPr>
+      <p:sp>
+        <p:nvSpPr>
+          <p:cNvPr id="2" name="标题 1"/>
+          <p:cNvSpPr>
+            <a:spLocks noGrp="1"/>
+          </p:cNvSpPr>
+          <p:nvPr>
+            <p:ph type="title"/>
+          </p:nvPr>
+        </p:nvSpPr>
+        <p:spPr/>
+        <p:txBody>
+          <a:bodyPr/>
+          <a:lstStyle/>
+          <a:p>
+            <a:pPr algn="l"/>
+            <a:r>
+              <a:rPr lang="en-US" altLang="zh-CN" dirty="0" smtClean="0"/>
+              <a:t>7.1 or </a:t>
+            </a:r>
+            <a:r>
+              <a:rPr lang="zh-CN" altLang="en-US" dirty="0" smtClean="0"/>
+              <a:t>说明</a:t>
+            </a:r>
+            <a:endParaRPr lang="zh-CN" altLang="en-US" dirty="0"/>
+          </a:p>
+        </p:txBody>
+      </p:sp>
+      <p:pic>
+        <p:nvPicPr>
+          <p:cNvPr id="2050" name="Picture 2"/>
+          <p:cNvPicPr>
+            <a:picLocks noChangeAspect="1" noChangeArrowheads="1"/>
+          </p:cNvPicPr>
+          <p:nvPr/>
+        </p:nvPicPr>
+        <p:blipFill>
+          <a:blip r:embed="rId2" cstate="print"/>
+          <a:srcRect/>
+          <a:stretch>
+            <a:fillRect/>
+          </a:stretch>
+        </p:blipFill>
+        <p:spPr bwMode="auto">
+          <a:xfrm>
+            <a:off x="0" y="1109663"/>
+            <a:ext cx="9144000" cy="4638675"/>
+          </a:xfrm>
+          <a:prstGeom prst="rect">
+            <a:avLst/>
+          </a:prstGeom>
+          <a:noFill/>
+          <a:ln w="9525">
+            <a:noFill/>
+            <a:miter lim="800000"/>
+            <a:headEnd/>
+            <a:tailEnd/>
+          </a:ln>
+        </p:spPr>
+      </p:pic>
+    </p:spTree>
+  </p:cSld>
+  <p:clrMapOvr>
+    <a:masterClrMapping/>
+  </p:clrMapOvr>
+  <p:timing>
+    <p:tnLst>
+      <p:par>
+        <p:cTn id="1" dur="indefinite" restart="never" nodeType="tmRoot"/>
+      </p:par>
+    </p:tnLst>
+  </p:timing>
+</p:sld>
+</file>
+
+<file path=ppt/slides/slide45.xml><?xml version="1.0" encoding="utf-8"?>
+<p:sld xmlns:a="http://schemas.openxmlformats.org/drawingml/2006/main" xmlns:r="http://schemas.openxmlformats.org/officeDocument/2006/relationships" xmlns:p="http://schemas.openxmlformats.org/presentationml/2006/main">
+  <p:cSld>
+    <p:spTree>
+      <p:nvGrpSpPr>
+        <p:cNvPr id="1" name=""/>
+        <p:cNvGrpSpPr/>
+        <p:nvPr/>
+      </p:nvGrpSpPr>
+      <p:grpSpPr>
+        <a:xfrm>
+          <a:off x="0" y="0"/>
+          <a:ext cx="0" cy="0"/>
+          <a:chOff x="0" y="0"/>
+          <a:chExt cx="0" cy="0"/>
+        </a:xfrm>
+      </p:grpSpPr>
+      <p:sp>
+        <p:nvSpPr>
+          <p:cNvPr id="2" name="标题 1"/>
+          <p:cNvSpPr>
+            <a:spLocks noGrp="1"/>
+          </p:cNvSpPr>
+          <p:nvPr>
+            <p:ph type="title"/>
+          </p:nvPr>
+        </p:nvSpPr>
+        <p:spPr/>
+        <p:txBody>
+          <a:bodyPr/>
+          <a:lstStyle/>
+          <a:p>
+            <a:pPr algn="l"/>
+            <a:r>
+              <a:rPr lang="en-US" altLang="zh-CN" dirty="0" smtClean="0"/>
+              <a:t>7.1 not </a:t>
+            </a:r>
+            <a:r>
+              <a:rPr lang="zh-CN" altLang="en-US" dirty="0" smtClean="0"/>
+              <a:t>说明</a:t>
+            </a:r>
+            <a:endParaRPr lang="zh-CN" altLang="en-US" dirty="0"/>
+          </a:p>
+        </p:txBody>
+      </p:sp>
+    </p:spTree>
+  </p:cSld>
+  <p:clrMapOvr>
+    <a:masterClrMapping/>
+  </p:clrMapOvr>
+  <p:timing>
+    <p:tnLst>
+      <p:par>
+        <p:cTn id="1" dur="indefinite" restart="never" nodeType="tmRoot"/>
+      </p:par>
+    </p:tnLst>
+  </p:timing>
+</p:sld>
+</file>
+
+<file path=ppt/slides/slide46.xml><?xml version="1.0" encoding="utf-8"?>
+<p:sld xmlns:a="http://schemas.openxmlformats.org/drawingml/2006/main" xmlns:r="http://schemas.openxmlformats.org/officeDocument/2006/relationships" xmlns:p="http://schemas.openxmlformats.org/presentationml/2006/main">
+  <p:cSld>
+    <p:spTree>
+      <p:nvGrpSpPr>
+        <p:cNvPr id="1" name=""/>
+        <p:cNvGrpSpPr/>
+        <p:nvPr/>
+      </p:nvGrpSpPr>
+      <p:grpSpPr>
+        <a:xfrm>
+          <a:off x="0" y="0"/>
+          <a:ext cx="0" cy="0"/>
+          <a:chOff x="0" y="0"/>
+          <a:chExt cx="0" cy="0"/>
+        </a:xfrm>
+      </p:grpSpPr>
+      <p:sp>
+        <p:nvSpPr>
+          <p:cNvPr id="2" name="标题 1"/>
+          <p:cNvSpPr>
+            <a:spLocks noGrp="1"/>
+          </p:cNvSpPr>
+          <p:nvPr>
+            <p:ph type="title"/>
+          </p:nvPr>
+        </p:nvSpPr>
+        <p:spPr/>
+        <p:txBody>
+          <a:bodyPr/>
+          <a:lstStyle/>
+          <a:p>
+            <a:pPr algn="l"/>
+            <a:r>
+              <a:rPr lang="zh-CN" altLang="en-US" dirty="0" smtClean="0"/>
+              <a:t>动手试一试</a:t>
+            </a:r>
+            <a:endParaRPr lang="zh-CN" altLang="en-US" dirty="0"/>
+          </a:p>
+        </p:txBody>
+      </p:sp>
+      <p:sp>
+        <p:nvSpPr>
+          <p:cNvPr id="3" name="内容占位符 2"/>
+          <p:cNvSpPr>
+            <a:spLocks noGrp="1"/>
+          </p:cNvSpPr>
+          <p:nvPr>
+            <p:ph idx="1"/>
+          </p:nvPr>
+        </p:nvSpPr>
+        <p:spPr/>
+        <p:txBody>
+          <a:bodyPr/>
+          <a:lstStyle/>
+          <a:p>
+            <a:r>
+              <a:rPr lang="zh-CN" altLang="en-US" dirty="0" smtClean="0"/>
+              <a:t>一家商场在降价促销。如果购买金额低于或等于 </a:t>
+            </a:r>
+            <a:r>
+              <a:rPr lang="en-US" altLang="zh-CN" dirty="0" smtClean="0"/>
+              <a:t>10 </a:t>
+            </a:r>
+            <a:r>
+              <a:rPr lang="zh-CN" altLang="en-US" dirty="0" smtClean="0"/>
+              <a:t>元，会给 </a:t>
+            </a:r>
+            <a:r>
+              <a:rPr lang="en-US" altLang="zh-CN" dirty="0" smtClean="0"/>
+              <a:t>10% </a:t>
+            </a:r>
+            <a:r>
+              <a:rPr lang="zh-CN" altLang="en-US" dirty="0" smtClean="0"/>
+              <a:t>的折扣， 如果购买金额大于 </a:t>
+            </a:r>
+            <a:r>
+              <a:rPr lang="en-US" altLang="zh-CN" dirty="0" smtClean="0"/>
+              <a:t>10 </a:t>
+            </a:r>
+            <a:r>
+              <a:rPr lang="zh-CN" altLang="en-US" dirty="0" smtClean="0"/>
+              <a:t>元，会给 </a:t>
+            </a:r>
+            <a:r>
+              <a:rPr lang="en-US" altLang="zh-CN" dirty="0" smtClean="0"/>
+              <a:t>20% </a:t>
+            </a:r>
+            <a:r>
+              <a:rPr lang="zh-CN" altLang="en-US" dirty="0" smtClean="0"/>
+              <a:t>的折扣。编写一个程序，询问购买价格， 再显示折扣（</a:t>
+            </a:r>
+            <a:r>
+              <a:rPr lang="en-US" altLang="zh-CN" dirty="0" smtClean="0"/>
+              <a:t>10% </a:t>
+            </a:r>
+            <a:r>
+              <a:rPr lang="zh-CN" altLang="en-US" dirty="0" smtClean="0"/>
+              <a:t>或 </a:t>
+            </a:r>
+            <a:r>
+              <a:rPr lang="en-US" altLang="zh-CN" dirty="0" smtClean="0"/>
+              <a:t>20%</a:t>
+            </a:r>
+            <a:r>
+              <a:rPr lang="zh-CN" altLang="en-US" dirty="0" smtClean="0"/>
+              <a:t>）和最终价格</a:t>
+            </a:r>
+            <a:endParaRPr lang="zh-CN" altLang="en-US" dirty="0"/>
+          </a:p>
+        </p:txBody>
+      </p:sp>
+    </p:spTree>
+  </p:cSld>
+  <p:clrMapOvr>
+    <a:masterClrMapping/>
+  </p:clrMapOvr>
+  <p:timing>
+    <p:tnLst>
+      <p:par>
+        <p:cTn id="1" dur="indefinite" restart="never" nodeType="tmRoot"/>
+      </p:par>
+    </p:tnLst>
+  </p:timing>
+</p:sld>
+</file>
+
+<file path=ppt/slides/slide47.xml><?xml version="1.0" encoding="utf-8"?>
+<p:sld xmlns:a="http://schemas.openxmlformats.org/drawingml/2006/main" xmlns:r="http://schemas.openxmlformats.org/officeDocument/2006/relationships" xmlns:p="http://schemas.openxmlformats.org/presentationml/2006/main">
+  <p:cSld>
+    <p:spTree>
+      <p:nvGrpSpPr>
+        <p:cNvPr id="1" name=""/>
+        <p:cNvGrpSpPr/>
+        <p:nvPr/>
+      </p:nvGrpSpPr>
+      <p:grpSpPr>
+        <a:xfrm>
+          <a:off x="0" y="0"/>
+          <a:ext cx="0" cy="0"/>
+          <a:chOff x="0" y="0"/>
+          <a:chExt cx="0" cy="0"/>
+        </a:xfrm>
+      </p:grpSpPr>
+      <p:sp>
+        <p:nvSpPr>
+          <p:cNvPr id="2" name="标题 1"/>
+          <p:cNvSpPr>
+            <a:spLocks noGrp="1"/>
+          </p:cNvSpPr>
+          <p:nvPr>
+            <p:ph type="title"/>
+          </p:nvPr>
+        </p:nvSpPr>
+        <p:spPr/>
+        <p:txBody>
+          <a:bodyPr/>
+          <a:lstStyle/>
+          <a:p>
+            <a:pPr algn="l"/>
+            <a:r>
+              <a:rPr lang="en-US" altLang="zh-CN" dirty="0" smtClean="0"/>
+              <a:t>8 </a:t>
+            </a:r>
+            <a:r>
+              <a:rPr lang="zh-CN" altLang="en-US" dirty="0" smtClean="0"/>
+              <a:t>循环</a:t>
+            </a:r>
+            <a:endParaRPr lang="zh-CN" altLang="en-US" dirty="0"/>
+          </a:p>
+        </p:txBody>
+      </p:sp>
+    </p:spTree>
+  </p:cSld>
+  <p:clrMapOvr>
+    <a:masterClrMapping/>
+  </p:clrMapOvr>
+  <p:timing>
+    <p:tnLst>
+      <p:par>
+        <p:cTn id="1" dur="indefinite" restart="never" nodeType="tmRoot"/>
+      </p:par>
+    </p:tnLst>
+  </p:timing>
+</p:sld>
+</file>
+
+<file path=ppt/slides/slide48.xml><?xml version="1.0" encoding="utf-8"?>
+<p:sld xmlns:a="http://schemas.openxmlformats.org/drawingml/2006/main" xmlns:r="http://schemas.openxmlformats.org/officeDocument/2006/relationships" xmlns:p="http://schemas.openxmlformats.org/presentationml/2006/main">
+  <p:cSld>
+    <p:spTree>
+      <p:nvGrpSpPr>
+        <p:cNvPr id="1" name=""/>
+        <p:cNvGrpSpPr/>
+        <p:nvPr/>
+      </p:nvGrpSpPr>
+      <p:grpSpPr>
+        <a:xfrm>
+          <a:off x="0" y="0"/>
+          <a:ext cx="0" cy="0"/>
+          <a:chOff x="0" y="0"/>
+          <a:chExt cx="0" cy="0"/>
+        </a:xfrm>
+      </p:grpSpPr>
+      <p:sp>
+        <p:nvSpPr>
+          <p:cNvPr id="2" name="标题 1"/>
+          <p:cNvSpPr>
+            <a:spLocks noGrp="1"/>
+          </p:cNvSpPr>
+          <p:nvPr>
+            <p:ph type="title"/>
+          </p:nvPr>
+        </p:nvSpPr>
+        <p:spPr/>
+        <p:txBody>
+          <a:bodyPr/>
+          <a:lstStyle/>
+          <a:p>
+            <a:pPr algn="l"/>
+            <a:r>
+              <a:rPr lang="en-US" altLang="zh-CN" dirty="0" smtClean="0"/>
+              <a:t>8.1 </a:t>
+            </a:r>
+            <a:r>
+              <a:rPr lang="zh-CN" altLang="en-US" dirty="0" smtClean="0"/>
+              <a:t>计数循环</a:t>
+            </a:r>
+            <a:endParaRPr lang="zh-CN" altLang="en-US" dirty="0"/>
+          </a:p>
+        </p:txBody>
+      </p:sp>
+      <p:sp>
+        <p:nvSpPr>
+          <p:cNvPr id="3" name="内容占位符 2"/>
+          <p:cNvSpPr>
+            <a:spLocks noGrp="1"/>
+          </p:cNvSpPr>
+          <p:nvPr>
+            <p:ph idx="1"/>
+          </p:nvPr>
+        </p:nvSpPr>
+        <p:spPr>
+          <a:xfrm>
+            <a:off x="457200" y="1600201"/>
+            <a:ext cx="8229600" cy="1972815"/>
+          </a:xfrm>
+        </p:spPr>
+        <p:txBody>
+          <a:bodyPr/>
+          <a:lstStyle/>
+          <a:p>
+            <a:r>
+              <a:rPr lang="zh-CN" altLang="en-US" dirty="0" smtClean="0"/>
+              <a:t>重复一定次数的循环，称为计数循环（</a:t>
+            </a:r>
+            <a:r>
+              <a:rPr lang="en-US" altLang="zh-CN" dirty="0" smtClean="0"/>
+              <a:t>counting loop</a:t>
+            </a:r>
+            <a:r>
+              <a:rPr lang="zh-CN" altLang="en-US" dirty="0" smtClean="0"/>
+              <a:t>）；</a:t>
+            </a:r>
+            <a:endParaRPr lang="en-US" altLang="zh-CN" dirty="0" smtClean="0"/>
+          </a:p>
+          <a:p>
+            <a:endParaRPr lang="zh-CN" altLang="en-US" dirty="0"/>
+          </a:p>
+        </p:txBody>
+      </p:sp>
+      <p:pic>
+        <p:nvPicPr>
+          <p:cNvPr id="1027" name="Picture 3"/>
+          <p:cNvPicPr>
+            <a:picLocks noChangeAspect="1" noChangeArrowheads="1"/>
+          </p:cNvPicPr>
+          <p:nvPr/>
+        </p:nvPicPr>
+        <p:blipFill>
+          <a:blip r:embed="rId2" cstate="print"/>
+          <a:srcRect/>
+          <a:stretch>
+            <a:fillRect/>
+          </a:stretch>
+        </p:blipFill>
+        <p:spPr bwMode="auto">
+          <a:xfrm>
+            <a:off x="755576" y="3212976"/>
+            <a:ext cx="3790950" cy="2190750"/>
+          </a:xfrm>
+          <a:prstGeom prst="rect">
+            <a:avLst/>
+          </a:prstGeom>
+          <a:noFill/>
+          <a:ln w="9525">
+            <a:noFill/>
+            <a:miter lim="800000"/>
+            <a:headEnd/>
+            <a:tailEnd/>
+          </a:ln>
+        </p:spPr>
+      </p:pic>
+      <p:pic>
+        <p:nvPicPr>
+          <p:cNvPr id="1029" name="Picture 5"/>
+          <p:cNvPicPr>
+            <a:picLocks noChangeAspect="1" noChangeArrowheads="1"/>
+          </p:cNvPicPr>
+          <p:nvPr/>
+        </p:nvPicPr>
+        <p:blipFill>
+          <a:blip r:embed="rId3" cstate="print"/>
+          <a:srcRect/>
+          <a:stretch>
+            <a:fillRect/>
+          </a:stretch>
+        </p:blipFill>
+        <p:spPr bwMode="auto">
+          <a:xfrm>
+            <a:off x="4499992" y="3212976"/>
+            <a:ext cx="3905250" cy="2057400"/>
+          </a:xfrm>
+          <a:prstGeom prst="rect">
+            <a:avLst/>
+          </a:prstGeom>
+          <a:noFill/>
+          <a:ln w="9525">
+            <a:noFill/>
+            <a:miter lim="800000"/>
+            <a:headEnd/>
+            <a:tailEnd/>
+          </a:ln>
+        </p:spPr>
+      </p:pic>
+    </p:spTree>
+  </p:cSld>
+  <p:clrMapOvr>
+    <a:masterClrMapping/>
+  </p:clrMapOvr>
+  <p:timing>
+    <p:tnLst>
+      <p:par>
+        <p:cTn id="1" dur="indefinite" restart="never" nodeType="tmRoot"/>
+      </p:par>
+    </p:tnLst>
+  </p:timing>
+</p:sld>
+</file>
+
+<file path=ppt/slides/slide49.xml><?xml version="1.0" encoding="utf-8"?>
+<p:sld xmlns:a="http://schemas.openxmlformats.org/drawingml/2006/main" xmlns:r="http://schemas.openxmlformats.org/officeDocument/2006/relationships" xmlns:p="http://schemas.openxmlformats.org/presentationml/2006/main">
+  <p:cSld>
+    <p:spTree>
+      <p:nvGrpSpPr>
+        <p:cNvPr id="1" name=""/>
+        <p:cNvGrpSpPr/>
+        <p:nvPr/>
+      </p:nvGrpSpPr>
+      <p:grpSpPr>
+        <a:xfrm>
+          <a:off x="0" y="0"/>
+          <a:ext cx="0" cy="0"/>
+          <a:chOff x="0" y="0"/>
+          <a:chExt cx="0" cy="0"/>
+        </a:xfrm>
+      </p:grpSpPr>
+      <p:sp>
+        <p:nvSpPr>
+          <p:cNvPr id="2" name="标题 1"/>
+          <p:cNvSpPr>
+            <a:spLocks noGrp="1"/>
+          </p:cNvSpPr>
+          <p:nvPr>
+            <p:ph type="title"/>
+          </p:nvPr>
+        </p:nvSpPr>
+        <p:spPr/>
+        <p:txBody>
+          <a:bodyPr/>
+          <a:lstStyle/>
+          <a:p>
+            <a:pPr algn="l"/>
+            <a:r>
+              <a:rPr lang="en-US" altLang="zh-CN" dirty="0" smtClean="0"/>
+              <a:t>8.1 </a:t>
+            </a:r>
+            <a:r>
+              <a:rPr lang="zh-CN" altLang="en-US" dirty="0" smtClean="0"/>
+              <a:t>计数循环</a:t>
+            </a:r>
+            <a:r>
+              <a:rPr lang="en-US" altLang="zh-CN" dirty="0" smtClean="0"/>
+              <a:t>-</a:t>
+            </a:r>
+            <a:r>
+              <a:rPr lang="zh-CN" altLang="en-US" dirty="0" smtClean="0"/>
+              <a:t>死循环</a:t>
+            </a:r>
+            <a:endParaRPr lang="zh-CN" altLang="en-US" dirty="0"/>
+          </a:p>
+        </p:txBody>
+      </p:sp>
+      <p:pic>
+        <p:nvPicPr>
+          <p:cNvPr id="2050" name="Picture 2"/>
+          <p:cNvPicPr>
+            <a:picLocks noChangeAspect="1" noChangeArrowheads="1"/>
+          </p:cNvPicPr>
+          <p:nvPr/>
+        </p:nvPicPr>
+        <p:blipFill>
+          <a:blip r:embed="rId2" cstate="print"/>
+          <a:srcRect/>
+          <a:stretch>
+            <a:fillRect/>
+          </a:stretch>
+        </p:blipFill>
+        <p:spPr bwMode="auto">
+          <a:xfrm>
+            <a:off x="2843808" y="2060848"/>
+            <a:ext cx="5410200" cy="3924300"/>
+          </a:xfrm>
+          <a:prstGeom prst="rect">
+            <a:avLst/>
+          </a:prstGeom>
+          <a:noFill/>
+          <a:ln w="9525">
+            <a:noFill/>
+            <a:miter lim="800000"/>
+            <a:headEnd/>
+            <a:tailEnd/>
+          </a:ln>
+        </p:spPr>
+      </p:pic>
+    </p:spTree>
+  </p:cSld>
+  <p:clrMapOvr>
+    <a:masterClrMapping/>
+  </p:clrMapOvr>
+  <p:timing>
+    <p:tnLst>
+      <p:par>
+        <p:cTn id="1" dur="indefinite" restart="never" nodeType="tmRoot"/>
+      </p:par>
+    </p:tnLst>
+  </p:timing>
 </p:sld>
 </file>
 
@@ -8355,6 +9362,1468 @@
 </p:sld>
 </file>
 
+<file path=ppt/slides/slide50.xml><?xml version="1.0" encoding="utf-8"?>
+<p:sld xmlns:a="http://schemas.openxmlformats.org/drawingml/2006/main" xmlns:r="http://schemas.openxmlformats.org/officeDocument/2006/relationships" xmlns:p="http://schemas.openxmlformats.org/presentationml/2006/main">
+  <p:cSld>
+    <p:spTree>
+      <p:nvGrpSpPr>
+        <p:cNvPr id="1" name=""/>
+        <p:cNvGrpSpPr/>
+        <p:nvPr/>
+      </p:nvGrpSpPr>
+      <p:grpSpPr>
+        <a:xfrm>
+          <a:off x="0" y="0"/>
+          <a:ext cx="0" cy="0"/>
+          <a:chOff x="0" y="0"/>
+          <a:chExt cx="0" cy="0"/>
+        </a:xfrm>
+      </p:grpSpPr>
+      <p:sp>
+        <p:nvSpPr>
+          <p:cNvPr id="2" name="标题 1"/>
+          <p:cNvSpPr>
+            <a:spLocks noGrp="1"/>
+          </p:cNvSpPr>
+          <p:nvPr>
+            <p:ph type="title"/>
+          </p:nvPr>
+        </p:nvSpPr>
+        <p:spPr/>
+        <p:txBody>
+          <a:bodyPr/>
+          <a:lstStyle/>
+          <a:p>
+            <a:pPr algn="l"/>
+            <a:r>
+              <a:rPr lang="en-US" altLang="zh-CN" dirty="0" smtClean="0"/>
+              <a:t>8.2 </a:t>
+            </a:r>
+            <a:r>
+              <a:rPr lang="zh-CN" altLang="en-US" dirty="0" smtClean="0"/>
+              <a:t>使用计数循环</a:t>
+            </a:r>
+            <a:endParaRPr lang="zh-CN" altLang="en-US" dirty="0"/>
+          </a:p>
+        </p:txBody>
+      </p:sp>
+      <p:sp>
+        <p:nvSpPr>
+          <p:cNvPr id="3" name="内容占位符 2"/>
+          <p:cNvSpPr>
+            <a:spLocks noGrp="1"/>
+          </p:cNvSpPr>
+          <p:nvPr>
+            <p:ph idx="1"/>
+          </p:nvPr>
+        </p:nvSpPr>
+        <p:spPr>
+          <a:xfrm>
+            <a:off x="457200" y="1600201"/>
+            <a:ext cx="8229600" cy="3052935"/>
+          </a:xfrm>
+        </p:spPr>
+        <p:txBody>
+          <a:bodyPr/>
+          <a:lstStyle/>
+          <a:p>
+            <a:pPr>
+              <a:buNone/>
+            </a:pPr>
+            <a:r>
+              <a:rPr lang="en-US" altLang="zh-CN" dirty="0" smtClean="0"/>
+              <a:t>for </a:t>
+            </a:r>
+            <a:r>
+              <a:rPr lang="en-US" altLang="zh-CN" dirty="0" err="1" smtClean="0"/>
+              <a:t>looper</a:t>
+            </a:r>
+            <a:r>
+              <a:rPr lang="en-US" altLang="zh-CN" dirty="0" smtClean="0"/>
+              <a:t> in [1, 2, 3, 4, 5]:</a:t>
+            </a:r>
+          </a:p>
+          <a:p>
+            <a:pPr>
+              <a:buNone/>
+            </a:pPr>
+            <a:r>
+              <a:rPr lang="en-US" altLang="zh-CN" dirty="0" smtClean="0"/>
+              <a:t>       print(</a:t>
+            </a:r>
+            <a:r>
+              <a:rPr lang="en-US" altLang="zh-CN" dirty="0" err="1" smtClean="0"/>
+              <a:t>looper</a:t>
+            </a:r>
+            <a:r>
+              <a:rPr lang="en-US" altLang="zh-CN" dirty="0" smtClean="0"/>
+              <a:t>, "times 8 =", </a:t>
+            </a:r>
+            <a:r>
+              <a:rPr lang="en-US" altLang="zh-CN" dirty="0" err="1" smtClean="0"/>
+              <a:t>looper</a:t>
+            </a:r>
+            <a:r>
+              <a:rPr lang="en-US" altLang="zh-CN" dirty="0" smtClean="0"/>
+              <a:t> * 8)</a:t>
+            </a:r>
+          </a:p>
+          <a:p>
+            <a:r>
+              <a:rPr lang="zh-CN" altLang="en-US" dirty="0" smtClean="0"/>
+              <a:t>一条捷径</a:t>
+            </a:r>
+            <a:r>
+              <a:rPr lang="en-US" altLang="zh-CN" dirty="0" smtClean="0"/>
+              <a:t>——range()</a:t>
+            </a:r>
+          </a:p>
+          <a:p>
+            <a:pPr>
+              <a:buNone/>
+            </a:pPr>
+            <a:r>
+              <a:rPr lang="en-US" altLang="zh-CN" dirty="0" smtClean="0"/>
+              <a:t>for </a:t>
+            </a:r>
+            <a:r>
+              <a:rPr lang="en-US" altLang="zh-CN" dirty="0" err="1" smtClean="0"/>
+              <a:t>looper</a:t>
+            </a:r>
+            <a:r>
+              <a:rPr lang="en-US" altLang="zh-CN" dirty="0" smtClean="0"/>
+              <a:t> in range (1, 5):</a:t>
+            </a:r>
+          </a:p>
+          <a:p>
+            <a:pPr>
+              <a:buNone/>
+            </a:pPr>
+            <a:r>
+              <a:rPr lang="en-US" altLang="zh-CN" dirty="0" smtClean="0"/>
+              <a:t>    print(</a:t>
+            </a:r>
+            <a:r>
+              <a:rPr lang="en-US" altLang="zh-CN" dirty="0" err="1" smtClean="0"/>
+              <a:t>looper</a:t>
+            </a:r>
+            <a:r>
+              <a:rPr lang="en-US" altLang="zh-CN" dirty="0" smtClean="0"/>
+              <a:t>, "times 8 =", </a:t>
+            </a:r>
+            <a:r>
+              <a:rPr lang="en-US" altLang="zh-CN" dirty="0" err="1" smtClean="0"/>
+              <a:t>looper</a:t>
+            </a:r>
+            <a:r>
+              <a:rPr lang="en-US" altLang="zh-CN" dirty="0" smtClean="0"/>
+              <a:t> * 8)</a:t>
+            </a:r>
+          </a:p>
+          <a:p>
+            <a:endParaRPr lang="zh-CN" altLang="en-US" dirty="0"/>
+          </a:p>
+        </p:txBody>
+      </p:sp>
+    </p:spTree>
+  </p:cSld>
+  <p:clrMapOvr>
+    <a:masterClrMapping/>
+  </p:clrMapOvr>
+  <p:timing>
+    <p:tnLst>
+      <p:par>
+        <p:cTn id="1" dur="indefinite" restart="never" nodeType="tmRoot"/>
+      </p:par>
+    </p:tnLst>
+  </p:timing>
+</p:sld>
+</file>
+
+<file path=ppt/slides/slide51.xml><?xml version="1.0" encoding="utf-8"?>
+<p:sld xmlns:a="http://schemas.openxmlformats.org/drawingml/2006/main" xmlns:r="http://schemas.openxmlformats.org/officeDocument/2006/relationships" xmlns:p="http://schemas.openxmlformats.org/presentationml/2006/main">
+  <p:cSld>
+    <p:spTree>
+      <p:nvGrpSpPr>
+        <p:cNvPr id="1" name=""/>
+        <p:cNvGrpSpPr/>
+        <p:nvPr/>
+      </p:nvGrpSpPr>
+      <p:grpSpPr>
+        <a:xfrm>
+          <a:off x="0" y="0"/>
+          <a:ext cx="0" cy="0"/>
+          <a:chOff x="0" y="0"/>
+          <a:chExt cx="0" cy="0"/>
+        </a:xfrm>
+      </p:grpSpPr>
+      <p:sp>
+        <p:nvSpPr>
+          <p:cNvPr id="2" name="标题 1"/>
+          <p:cNvSpPr>
+            <a:spLocks noGrp="1"/>
+          </p:cNvSpPr>
+          <p:nvPr>
+            <p:ph type="title"/>
+          </p:nvPr>
+        </p:nvSpPr>
+        <p:spPr/>
+        <p:txBody>
+          <a:bodyPr/>
+          <a:lstStyle/>
+          <a:p>
+            <a:pPr algn="l"/>
+            <a:r>
+              <a:rPr lang="en-US" altLang="zh-CN" dirty="0" smtClean="0"/>
+              <a:t>8.3 </a:t>
+            </a:r>
+            <a:r>
+              <a:rPr lang="zh-CN" altLang="en-US" dirty="0" smtClean="0"/>
+              <a:t>风格问题</a:t>
+            </a:r>
+            <a:r>
+              <a:rPr lang="en-US" altLang="zh-CN" dirty="0" smtClean="0"/>
+              <a:t>—</a:t>
+            </a:r>
+            <a:r>
+              <a:rPr lang="zh-CN" altLang="en-US" dirty="0" smtClean="0"/>
+              <a:t>循环变量名</a:t>
+            </a:r>
+            <a:endParaRPr lang="zh-CN" altLang="en-US" dirty="0"/>
+          </a:p>
+        </p:txBody>
+      </p:sp>
+      <p:sp>
+        <p:nvSpPr>
+          <p:cNvPr id="3" name="内容占位符 2"/>
+          <p:cNvSpPr>
+            <a:spLocks noGrp="1"/>
+          </p:cNvSpPr>
+          <p:nvPr>
+            <p:ph idx="1"/>
+          </p:nvPr>
+        </p:nvSpPr>
+        <p:spPr>
+          <a:xfrm>
+            <a:off x="457200" y="1600201"/>
+            <a:ext cx="8229600" cy="3340967"/>
+          </a:xfrm>
+        </p:spPr>
+        <p:txBody>
+          <a:bodyPr>
+            <a:normAutofit fontScale="85000" lnSpcReduction="10000"/>
+          </a:bodyPr>
+          <a:lstStyle/>
+          <a:p>
+            <a:r>
+              <a:rPr lang="zh-CN" altLang="en-US" dirty="0" smtClean="0"/>
+              <a:t>之前我们说过，要使用能够描述变量用途的变量名。正是这个原因，我们在前 一个例子中选择了 </a:t>
+            </a:r>
+            <a:r>
+              <a:rPr lang="en-US" altLang="zh-CN" dirty="0" err="1" smtClean="0"/>
+              <a:t>looper</a:t>
+            </a:r>
+            <a:r>
+              <a:rPr lang="en-US" altLang="zh-CN" dirty="0" smtClean="0"/>
+              <a:t> </a:t>
+            </a:r>
+            <a:r>
+              <a:rPr lang="zh-CN" altLang="en-US" dirty="0" smtClean="0"/>
+              <a:t>这个名字。不过，有时可以有些例外，循环变量就属于这 种例外。这是因为，编程中有一个惯例（应该记得，惯例就是表示通用的做法），通 常使用字母 </a:t>
+            </a:r>
+            <a:r>
+              <a:rPr lang="en-US" altLang="zh-CN" dirty="0" err="1" smtClean="0"/>
+              <a:t>i</a:t>
+            </a:r>
+            <a:r>
+              <a:rPr lang="zh-CN" altLang="en-US" dirty="0" smtClean="0"/>
+              <a:t>、</a:t>
+            </a:r>
+            <a:r>
+              <a:rPr lang="en-US" altLang="zh-CN" dirty="0" smtClean="0"/>
+              <a:t>j</a:t>
+            </a:r>
+            <a:r>
+              <a:rPr lang="zh-CN" altLang="en-US" dirty="0" smtClean="0"/>
+              <a:t>、</a:t>
+            </a:r>
+            <a:r>
+              <a:rPr lang="en-US" altLang="zh-CN" dirty="0" smtClean="0"/>
+              <a:t>k </a:t>
+            </a:r>
+            <a:r>
+              <a:rPr lang="zh-CN" altLang="en-US" dirty="0" smtClean="0"/>
+              <a:t>等作为循环变量。</a:t>
+            </a:r>
+            <a:endParaRPr lang="en-US" altLang="zh-CN" dirty="0" smtClean="0"/>
+          </a:p>
+          <a:p>
+            <a:r>
+              <a:rPr lang="zh-CN" altLang="en-US" dirty="0" smtClean="0"/>
+              <a:t>为什么是</a:t>
+            </a:r>
+            <a:r>
+              <a:rPr lang="en-US" altLang="zh-CN" dirty="0" err="1" smtClean="0"/>
+              <a:t>i,j,k</a:t>
+            </a:r>
+            <a:r>
+              <a:rPr lang="en-US" altLang="zh-CN" dirty="0" smtClean="0"/>
+              <a:t> </a:t>
+            </a:r>
+            <a:r>
+              <a:rPr lang="zh-CN" altLang="en-US" dirty="0" smtClean="0"/>
+              <a:t>？</a:t>
+            </a:r>
+            <a:endParaRPr lang="en-US" altLang="zh-CN" dirty="0" smtClean="0"/>
+          </a:p>
+          <a:p>
+            <a:r>
+              <a:rPr lang="zh-CN" altLang="en-US" dirty="0" smtClean="0"/>
+              <a:t>为什么是从</a:t>
+            </a:r>
+            <a:r>
+              <a:rPr lang="en-US" altLang="zh-CN" dirty="0" smtClean="0"/>
+              <a:t>0</a:t>
+            </a:r>
+            <a:r>
+              <a:rPr lang="zh-CN" altLang="en-US" dirty="0" smtClean="0"/>
+              <a:t>开始？</a:t>
+            </a:r>
+            <a:endParaRPr lang="zh-CN" altLang="en-US" dirty="0"/>
+          </a:p>
+        </p:txBody>
+      </p:sp>
+    </p:spTree>
+  </p:cSld>
+  <p:clrMapOvr>
+    <a:masterClrMapping/>
+  </p:clrMapOvr>
+  <p:timing>
+    <p:tnLst>
+      <p:par>
+        <p:cTn id="1" dur="indefinite" restart="never" nodeType="tmRoot"/>
+      </p:par>
+    </p:tnLst>
+  </p:timing>
+</p:sld>
+</file>
+
+<file path=ppt/slides/slide52.xml><?xml version="1.0" encoding="utf-8"?>
+<p:sld xmlns:a="http://schemas.openxmlformats.org/drawingml/2006/main" xmlns:r="http://schemas.openxmlformats.org/officeDocument/2006/relationships" xmlns:p="http://schemas.openxmlformats.org/presentationml/2006/main">
+  <p:cSld>
+    <p:spTree>
+      <p:nvGrpSpPr>
+        <p:cNvPr id="1" name=""/>
+        <p:cNvGrpSpPr/>
+        <p:nvPr/>
+      </p:nvGrpSpPr>
+      <p:grpSpPr>
+        <a:xfrm>
+          <a:off x="0" y="0"/>
+          <a:ext cx="0" cy="0"/>
+          <a:chOff x="0" y="0"/>
+          <a:chExt cx="0" cy="0"/>
+        </a:xfrm>
+      </p:grpSpPr>
+      <p:sp>
+        <p:nvSpPr>
+          <p:cNvPr id="2" name="标题 1"/>
+          <p:cNvSpPr>
+            <a:spLocks noGrp="1"/>
+          </p:cNvSpPr>
+          <p:nvPr>
+            <p:ph type="title"/>
+          </p:nvPr>
+        </p:nvSpPr>
+        <p:spPr/>
+        <p:txBody>
+          <a:bodyPr/>
+          <a:lstStyle/>
+          <a:p>
+            <a:pPr algn="l"/>
+            <a:r>
+              <a:rPr lang="en-US" altLang="zh-CN" dirty="0" smtClean="0"/>
+              <a:t>8.4 </a:t>
+            </a:r>
+            <a:r>
+              <a:rPr lang="zh-CN" altLang="en-US" dirty="0" smtClean="0"/>
+              <a:t>按步长计数</a:t>
+            </a:r>
+            <a:endParaRPr lang="zh-CN" altLang="en-US" dirty="0"/>
+          </a:p>
+        </p:txBody>
+      </p:sp>
+      <p:sp>
+        <p:nvSpPr>
+          <p:cNvPr id="3" name="内容占位符 2"/>
+          <p:cNvSpPr>
+            <a:spLocks noGrp="1"/>
+          </p:cNvSpPr>
+          <p:nvPr>
+            <p:ph idx="1"/>
+          </p:nvPr>
+        </p:nvSpPr>
+        <p:spPr>
+          <a:xfrm>
+            <a:off x="457200" y="1600201"/>
+            <a:ext cx="8229600" cy="3340967"/>
+          </a:xfrm>
+        </p:spPr>
+        <p:txBody>
+          <a:bodyPr>
+            <a:normAutofit/>
+          </a:bodyPr>
+          <a:lstStyle/>
+          <a:p>
+            <a:pPr>
+              <a:buNone/>
+            </a:pPr>
+            <a:r>
+              <a:rPr lang="en-US" altLang="zh-CN" dirty="0" smtClean="0"/>
+              <a:t>import time</a:t>
+            </a:r>
+          </a:p>
+          <a:p>
+            <a:pPr>
+              <a:buNone/>
+            </a:pPr>
+            <a:r>
+              <a:rPr lang="en-US" altLang="zh-CN" dirty="0" smtClean="0"/>
+              <a:t>for </a:t>
+            </a:r>
+            <a:r>
+              <a:rPr lang="en-US" altLang="zh-CN" dirty="0" err="1" smtClean="0"/>
+              <a:t>i</a:t>
+            </a:r>
+            <a:r>
+              <a:rPr lang="en-US" altLang="zh-CN" dirty="0" smtClean="0"/>
+              <a:t> in range (10, 0, -1):         #Counts backward</a:t>
+            </a:r>
+          </a:p>
+          <a:p>
+            <a:pPr>
+              <a:buNone/>
+            </a:pPr>
+            <a:r>
+              <a:rPr lang="en-US" altLang="zh-CN" dirty="0" smtClean="0"/>
+              <a:t>    print(</a:t>
+            </a:r>
+            <a:r>
+              <a:rPr lang="en-US" altLang="zh-CN" dirty="0" err="1" smtClean="0"/>
+              <a:t>i</a:t>
+            </a:r>
+            <a:r>
+              <a:rPr lang="en-US" altLang="zh-CN" dirty="0" smtClean="0"/>
+              <a:t>)</a:t>
+            </a:r>
+          </a:p>
+          <a:p>
+            <a:pPr>
+              <a:buNone/>
+            </a:pPr>
+            <a:r>
+              <a:rPr lang="en-US" altLang="zh-CN" dirty="0" smtClean="0"/>
+              <a:t>    </a:t>
+            </a:r>
+            <a:r>
+              <a:rPr lang="en-US" altLang="zh-CN" dirty="0" err="1" smtClean="0"/>
+              <a:t>time.sleep</a:t>
+            </a:r>
+            <a:r>
+              <a:rPr lang="en-US" altLang="zh-CN" dirty="0" smtClean="0"/>
+              <a:t>(1)                   #Waits one second</a:t>
+            </a:r>
+          </a:p>
+          <a:p>
+            <a:pPr>
+              <a:buNone/>
+            </a:pPr>
+            <a:r>
+              <a:rPr lang="en-US" altLang="zh-CN" dirty="0" smtClean="0"/>
+              <a:t>print("BLAST OFF!")</a:t>
+            </a:r>
+            <a:endParaRPr lang="zh-CN" altLang="en-US" dirty="0"/>
+          </a:p>
+        </p:txBody>
+      </p:sp>
+    </p:spTree>
+  </p:cSld>
+  <p:clrMapOvr>
+    <a:masterClrMapping/>
+  </p:clrMapOvr>
+  <p:timing>
+    <p:tnLst>
+      <p:par>
+        <p:cTn id="1" dur="indefinite" restart="never" nodeType="tmRoot"/>
+      </p:par>
+    </p:tnLst>
+  </p:timing>
+</p:sld>
+</file>
+
+<file path=ppt/slides/slide53.xml><?xml version="1.0" encoding="utf-8"?>
+<p:sld xmlns:a="http://schemas.openxmlformats.org/drawingml/2006/main" xmlns:r="http://schemas.openxmlformats.org/officeDocument/2006/relationships" xmlns:p="http://schemas.openxmlformats.org/presentationml/2006/main">
+  <p:cSld>
+    <p:spTree>
+      <p:nvGrpSpPr>
+        <p:cNvPr id="1" name=""/>
+        <p:cNvGrpSpPr/>
+        <p:nvPr/>
+      </p:nvGrpSpPr>
+      <p:grpSpPr>
+        <a:xfrm>
+          <a:off x="0" y="0"/>
+          <a:ext cx="0" cy="0"/>
+          <a:chOff x="0" y="0"/>
+          <a:chExt cx="0" cy="0"/>
+        </a:xfrm>
+      </p:grpSpPr>
+      <p:sp>
+        <p:nvSpPr>
+          <p:cNvPr id="2" name="标题 1"/>
+          <p:cNvSpPr>
+            <a:spLocks noGrp="1"/>
+          </p:cNvSpPr>
+          <p:nvPr>
+            <p:ph type="title"/>
+          </p:nvPr>
+        </p:nvSpPr>
+        <p:spPr/>
+        <p:txBody>
+          <a:bodyPr/>
+          <a:lstStyle/>
+          <a:p>
+            <a:pPr algn="l"/>
+            <a:r>
+              <a:rPr lang="en-US" altLang="zh-CN" dirty="0" smtClean="0"/>
+              <a:t>8.5 </a:t>
+            </a:r>
+            <a:r>
+              <a:rPr lang="zh-CN" altLang="en-US" dirty="0" smtClean="0"/>
+              <a:t>条件循环</a:t>
+            </a:r>
+            <a:endParaRPr lang="zh-CN" altLang="en-US" dirty="0"/>
+          </a:p>
+        </p:txBody>
+      </p:sp>
+      <p:sp>
+        <p:nvSpPr>
+          <p:cNvPr id="3" name="内容占位符 2"/>
+          <p:cNvSpPr>
+            <a:spLocks noGrp="1"/>
+          </p:cNvSpPr>
+          <p:nvPr>
+            <p:ph idx="1"/>
+          </p:nvPr>
+        </p:nvSpPr>
+        <p:spPr>
+          <a:xfrm>
+            <a:off x="457200" y="1600201"/>
+            <a:ext cx="8229600" cy="2548879"/>
+          </a:xfrm>
+        </p:spPr>
+        <p:txBody>
+          <a:bodyPr>
+            <a:normAutofit fontScale="62500" lnSpcReduction="20000"/>
+          </a:bodyPr>
+          <a:lstStyle/>
+          <a:p>
+            <a:pPr>
+              <a:buNone/>
+            </a:pPr>
+            <a:r>
+              <a:rPr lang="en-US" altLang="zh-CN" dirty="0" smtClean="0"/>
+              <a:t>print "Type 3 to continue, anything else to quit."</a:t>
+            </a:r>
+          </a:p>
+          <a:p>
+            <a:pPr>
+              <a:buNone/>
+            </a:pPr>
+            <a:r>
+              <a:rPr lang="en-US" altLang="zh-CN" dirty="0" err="1" smtClean="0"/>
+              <a:t>someInput</a:t>
+            </a:r>
+            <a:r>
+              <a:rPr lang="en-US" altLang="zh-CN" dirty="0" smtClean="0"/>
+              <a:t> = </a:t>
+            </a:r>
+            <a:r>
+              <a:rPr lang="en-US" altLang="zh-CN" dirty="0" err="1" smtClean="0"/>
+              <a:t>raw_input</a:t>
+            </a:r>
+            <a:r>
+              <a:rPr lang="en-US" altLang="zh-CN" dirty="0" smtClean="0"/>
+              <a:t>()</a:t>
+            </a:r>
+          </a:p>
+          <a:p>
+            <a:pPr>
+              <a:buNone/>
+            </a:pPr>
+            <a:endParaRPr lang="en-US" altLang="zh-CN" dirty="0" smtClean="0"/>
+          </a:p>
+          <a:p>
+            <a:pPr>
+              <a:buNone/>
+            </a:pPr>
+            <a:r>
+              <a:rPr lang="en-US" altLang="zh-CN" dirty="0" smtClean="0"/>
+              <a:t>while </a:t>
+            </a:r>
+            <a:r>
+              <a:rPr lang="en-US" altLang="zh-CN" dirty="0" err="1" smtClean="0"/>
+              <a:t>someInput</a:t>
+            </a:r>
+            <a:r>
+              <a:rPr lang="en-US" altLang="zh-CN" dirty="0" smtClean="0"/>
+              <a:t> == '3':</a:t>
+            </a:r>
+          </a:p>
+          <a:p>
+            <a:pPr>
+              <a:buNone/>
+            </a:pPr>
+            <a:r>
+              <a:rPr lang="en-US" altLang="zh-CN" dirty="0" smtClean="0"/>
+              <a:t>    print "Thank you for the 3.  Very kind of you."</a:t>
+            </a:r>
+          </a:p>
+          <a:p>
+            <a:pPr>
+              <a:buNone/>
+            </a:pPr>
+            <a:r>
+              <a:rPr lang="en-US" altLang="zh-CN" dirty="0" smtClean="0"/>
+              <a:t>    print "Type 3 to continue, anything else to quit."    </a:t>
+            </a:r>
+            <a:r>
+              <a:rPr lang="en-US" altLang="zh-CN" dirty="0" err="1" smtClean="0"/>
+              <a:t>someInput</a:t>
+            </a:r>
+            <a:r>
+              <a:rPr lang="en-US" altLang="zh-CN" dirty="0" smtClean="0"/>
+              <a:t> = </a:t>
+            </a:r>
+            <a:r>
+              <a:rPr lang="en-US" altLang="zh-CN" dirty="0" err="1" smtClean="0"/>
+              <a:t>raw_input</a:t>
+            </a:r>
+            <a:r>
+              <a:rPr lang="en-US" altLang="zh-CN" dirty="0" smtClean="0"/>
+              <a:t>()                         </a:t>
+            </a:r>
+          </a:p>
+          <a:p>
+            <a:pPr>
+              <a:buNone/>
+            </a:pPr>
+            <a:r>
+              <a:rPr lang="en-US" altLang="zh-CN" dirty="0" smtClean="0"/>
+              <a:t>print "That's not 3, so I'm quitting now."</a:t>
+            </a:r>
+            <a:endParaRPr lang="zh-CN" altLang="en-US" dirty="0"/>
+          </a:p>
+        </p:txBody>
+      </p:sp>
+      <p:pic>
+        <p:nvPicPr>
+          <p:cNvPr id="3074" name="Picture 2"/>
+          <p:cNvPicPr>
+            <a:picLocks noChangeAspect="1" noChangeArrowheads="1"/>
+          </p:cNvPicPr>
+          <p:nvPr/>
+        </p:nvPicPr>
+        <p:blipFill>
+          <a:blip r:embed="rId2" cstate="print"/>
+          <a:srcRect/>
+          <a:stretch>
+            <a:fillRect/>
+          </a:stretch>
+        </p:blipFill>
+        <p:spPr bwMode="auto">
+          <a:xfrm>
+            <a:off x="3779912" y="3861048"/>
+            <a:ext cx="4876800" cy="2095500"/>
+          </a:xfrm>
+          <a:prstGeom prst="rect">
+            <a:avLst/>
+          </a:prstGeom>
+          <a:noFill/>
+          <a:ln w="9525">
+            <a:noFill/>
+            <a:miter lim="800000"/>
+            <a:headEnd/>
+            <a:tailEnd/>
+          </a:ln>
+        </p:spPr>
+      </p:pic>
+    </p:spTree>
+  </p:cSld>
+  <p:clrMapOvr>
+    <a:masterClrMapping/>
+  </p:clrMapOvr>
+  <p:timing>
+    <p:tnLst>
+      <p:par>
+        <p:cTn id="1" dur="indefinite" restart="never" nodeType="tmRoot"/>
+      </p:par>
+    </p:tnLst>
+  </p:timing>
+</p:sld>
+</file>
+
+<file path=ppt/slides/slide54.xml><?xml version="1.0" encoding="utf-8"?>
+<p:sld xmlns:a="http://schemas.openxmlformats.org/drawingml/2006/main" xmlns:r="http://schemas.openxmlformats.org/officeDocument/2006/relationships" xmlns:p="http://schemas.openxmlformats.org/presentationml/2006/main">
+  <p:cSld>
+    <p:spTree>
+      <p:nvGrpSpPr>
+        <p:cNvPr id="1" name=""/>
+        <p:cNvGrpSpPr/>
+        <p:nvPr/>
+      </p:nvGrpSpPr>
+      <p:grpSpPr>
+        <a:xfrm>
+          <a:off x="0" y="0"/>
+          <a:ext cx="0" cy="0"/>
+          <a:chOff x="0" y="0"/>
+          <a:chExt cx="0" cy="0"/>
+        </a:xfrm>
+      </p:grpSpPr>
+      <p:sp>
+        <p:nvSpPr>
+          <p:cNvPr id="2" name="标题 1"/>
+          <p:cNvSpPr>
+            <a:spLocks noGrp="1"/>
+          </p:cNvSpPr>
+          <p:nvPr>
+            <p:ph type="title"/>
+          </p:nvPr>
+        </p:nvSpPr>
+        <p:spPr/>
+        <p:txBody>
+          <a:bodyPr>
+            <a:normAutofit fontScale="90000"/>
+          </a:bodyPr>
+          <a:lstStyle/>
+          <a:p>
+            <a:pPr algn="l"/>
+            <a:r>
+              <a:rPr lang="en-US" altLang="zh-CN" dirty="0" smtClean="0"/>
+              <a:t>8.6 </a:t>
+            </a:r>
+            <a:r>
+              <a:rPr lang="zh-CN" altLang="en-US" dirty="0" smtClean="0"/>
+              <a:t>跳出循环</a:t>
+            </a:r>
+            <a:r>
+              <a:rPr lang="en-US" altLang="zh-CN" dirty="0" smtClean="0"/>
+              <a:t>——break </a:t>
+            </a:r>
+            <a:r>
+              <a:rPr lang="zh-CN" altLang="en-US" dirty="0" smtClean="0"/>
+              <a:t>和 </a:t>
+            </a:r>
+            <a:r>
+              <a:rPr lang="en-US" altLang="zh-CN" dirty="0" smtClean="0"/>
+              <a:t>continue</a:t>
+            </a:r>
+            <a:endParaRPr lang="zh-CN" altLang="en-US" dirty="0"/>
+          </a:p>
+        </p:txBody>
+      </p:sp>
+      <p:sp>
+        <p:nvSpPr>
+          <p:cNvPr id="3" name="内容占位符 2"/>
+          <p:cNvSpPr>
+            <a:spLocks noGrp="1"/>
+          </p:cNvSpPr>
+          <p:nvPr>
+            <p:ph idx="1"/>
+          </p:nvPr>
+        </p:nvSpPr>
+        <p:spPr>
+          <a:xfrm>
+            <a:off x="457200" y="1600201"/>
+            <a:ext cx="8229600" cy="2548879"/>
+          </a:xfrm>
+        </p:spPr>
+        <p:txBody>
+          <a:bodyPr>
+            <a:normAutofit/>
+          </a:bodyPr>
+          <a:lstStyle/>
+          <a:p>
+            <a:pPr>
+              <a:buNone/>
+            </a:pPr>
+            <a:endParaRPr lang="zh-CN" altLang="en-US" dirty="0"/>
+          </a:p>
+        </p:txBody>
+      </p:sp>
+    </p:spTree>
+  </p:cSld>
+  <p:clrMapOvr>
+    <a:masterClrMapping/>
+  </p:clrMapOvr>
+  <p:timing>
+    <p:tnLst>
+      <p:par>
+        <p:cTn id="1" dur="indefinite" restart="never" nodeType="tmRoot"/>
+      </p:par>
+    </p:tnLst>
+  </p:timing>
+</p:sld>
+</file>
+
+<file path=ppt/slides/slide55.xml><?xml version="1.0" encoding="utf-8"?>
+<p:sld xmlns:a="http://schemas.openxmlformats.org/drawingml/2006/main" xmlns:r="http://schemas.openxmlformats.org/officeDocument/2006/relationships" xmlns:p="http://schemas.openxmlformats.org/presentationml/2006/main">
+  <p:cSld>
+    <p:spTree>
+      <p:nvGrpSpPr>
+        <p:cNvPr id="1" name=""/>
+        <p:cNvGrpSpPr/>
+        <p:nvPr/>
+      </p:nvGrpSpPr>
+      <p:grpSpPr>
+        <a:xfrm>
+          <a:off x="0" y="0"/>
+          <a:ext cx="0" cy="0"/>
+          <a:chOff x="0" y="0"/>
+          <a:chExt cx="0" cy="0"/>
+        </a:xfrm>
+      </p:grpSpPr>
+      <p:sp>
+        <p:nvSpPr>
+          <p:cNvPr id="2" name="标题 1"/>
+          <p:cNvSpPr>
+            <a:spLocks noGrp="1"/>
+          </p:cNvSpPr>
+          <p:nvPr>
+            <p:ph type="title"/>
+          </p:nvPr>
+        </p:nvSpPr>
+        <p:spPr/>
+        <p:txBody>
+          <a:bodyPr/>
+          <a:lstStyle/>
+          <a:p>
+            <a:pPr algn="l"/>
+            <a:r>
+              <a:rPr lang="zh-CN" altLang="en-US" dirty="0" smtClean="0"/>
+              <a:t>你学到了什么</a:t>
+            </a:r>
+            <a:endParaRPr lang="zh-CN" altLang="en-US" dirty="0"/>
+          </a:p>
+        </p:txBody>
+      </p:sp>
+      <p:sp>
+        <p:nvSpPr>
+          <p:cNvPr id="3" name="内容占位符 2"/>
+          <p:cNvSpPr>
+            <a:spLocks noGrp="1"/>
+          </p:cNvSpPr>
+          <p:nvPr>
+            <p:ph idx="1"/>
+          </p:nvPr>
+        </p:nvSpPr>
+        <p:spPr/>
+        <p:txBody>
+          <a:bodyPr/>
+          <a:lstStyle/>
+          <a:p>
+            <a:r>
+              <a:rPr lang="en-US" altLang="zh-CN" dirty="0" smtClean="0"/>
+              <a:t>for </a:t>
+            </a:r>
+            <a:r>
+              <a:rPr lang="zh-CN" altLang="en-US" dirty="0" smtClean="0"/>
+              <a:t>循环（也称为计数循环）。</a:t>
+            </a:r>
+            <a:endParaRPr lang="en-US" altLang="zh-CN" dirty="0" smtClean="0"/>
+          </a:p>
+          <a:p>
+            <a:r>
+              <a:rPr lang="en-US" altLang="zh-CN" dirty="0" smtClean="0"/>
+              <a:t>range() </a:t>
+            </a:r>
+            <a:r>
+              <a:rPr lang="zh-CN" altLang="en-US" dirty="0" smtClean="0"/>
+              <a:t>函数</a:t>
+            </a:r>
+            <a:r>
+              <a:rPr lang="en-US" altLang="zh-CN" dirty="0" smtClean="0"/>
+              <a:t>—</a:t>
+            </a:r>
+            <a:r>
+              <a:rPr lang="zh-CN" altLang="en-US" dirty="0" smtClean="0"/>
+              <a:t>计数循环的一个捷径。  </a:t>
+            </a:r>
+            <a:endParaRPr lang="en-US" altLang="zh-CN" dirty="0" smtClean="0"/>
+          </a:p>
+          <a:p>
+            <a:r>
+              <a:rPr lang="en-US" altLang="zh-CN" dirty="0" smtClean="0"/>
+              <a:t>range() </a:t>
+            </a:r>
+            <a:r>
+              <a:rPr lang="zh-CN" altLang="en-US" dirty="0" smtClean="0"/>
+              <a:t>的不同步长大小。  </a:t>
+            </a:r>
+            <a:endParaRPr lang="en-US" altLang="zh-CN" dirty="0" smtClean="0"/>
+          </a:p>
+          <a:p>
+            <a:r>
+              <a:rPr lang="en-US" altLang="zh-CN" dirty="0" smtClean="0"/>
+              <a:t>while </a:t>
+            </a:r>
+            <a:r>
+              <a:rPr lang="zh-CN" altLang="en-US" dirty="0" smtClean="0"/>
+              <a:t>循环（也称为条件循环）。 </a:t>
+            </a:r>
+            <a:endParaRPr lang="en-US" altLang="zh-CN" dirty="0" smtClean="0"/>
+          </a:p>
+          <a:p>
+            <a:r>
+              <a:rPr lang="zh-CN" altLang="fr-FR" dirty="0" smtClean="0"/>
+              <a:t>用 </a:t>
+            </a:r>
+            <a:r>
+              <a:rPr lang="fr-FR" altLang="zh-CN" dirty="0" smtClean="0"/>
+              <a:t>continue </a:t>
+            </a:r>
+            <a:r>
+              <a:rPr lang="zh-CN" altLang="fr-FR" dirty="0" smtClean="0"/>
+              <a:t>跳到下一次迭代</a:t>
+            </a:r>
+            <a:r>
+              <a:rPr lang="zh-CN" altLang="en-US" dirty="0" smtClean="0"/>
+              <a:t>。</a:t>
+            </a:r>
+            <a:endParaRPr lang="en-US" altLang="zh-CN" dirty="0" smtClean="0"/>
+          </a:p>
+          <a:p>
+            <a:r>
+              <a:rPr lang="zh-CN" altLang="en-US" dirty="0" smtClean="0"/>
+              <a:t>用 </a:t>
+            </a:r>
+            <a:r>
+              <a:rPr lang="en-US" altLang="zh-CN" dirty="0" smtClean="0"/>
+              <a:t>break </a:t>
+            </a:r>
+            <a:r>
+              <a:rPr lang="zh-CN" altLang="en-US" dirty="0" smtClean="0"/>
+              <a:t>跳出循环。</a:t>
+            </a:r>
+            <a:endParaRPr lang="zh-CN" altLang="en-US" dirty="0"/>
+          </a:p>
+        </p:txBody>
+      </p:sp>
+    </p:spTree>
+  </p:cSld>
+  <p:clrMapOvr>
+    <a:masterClrMapping/>
+  </p:clrMapOvr>
+</p:sld>
+</file>
+
+<file path=ppt/slides/slide56.xml><?xml version="1.0" encoding="utf-8"?>
+<p:sld xmlns:a="http://schemas.openxmlformats.org/drawingml/2006/main" xmlns:r="http://schemas.openxmlformats.org/officeDocument/2006/relationships" xmlns:p="http://schemas.openxmlformats.org/presentationml/2006/main">
+  <p:cSld>
+    <p:spTree>
+      <p:nvGrpSpPr>
+        <p:cNvPr id="1" name=""/>
+        <p:cNvGrpSpPr/>
+        <p:nvPr/>
+      </p:nvGrpSpPr>
+      <p:grpSpPr>
+        <a:xfrm>
+          <a:off x="0" y="0"/>
+          <a:ext cx="0" cy="0"/>
+          <a:chOff x="0" y="0"/>
+          <a:chExt cx="0" cy="0"/>
+        </a:xfrm>
+      </p:grpSpPr>
+      <p:sp>
+        <p:nvSpPr>
+          <p:cNvPr id="2" name="标题 1"/>
+          <p:cNvSpPr>
+            <a:spLocks noGrp="1"/>
+          </p:cNvSpPr>
+          <p:nvPr>
+            <p:ph type="title"/>
+          </p:nvPr>
+        </p:nvSpPr>
+        <p:spPr/>
+        <p:txBody>
+          <a:bodyPr/>
+          <a:lstStyle/>
+          <a:p>
+            <a:pPr algn="l"/>
+            <a:r>
+              <a:rPr lang="zh-CN" altLang="en-US" dirty="0" smtClean="0"/>
+              <a:t>动手试一试</a:t>
+            </a:r>
+            <a:endParaRPr lang="zh-CN" altLang="en-US" dirty="0"/>
+          </a:p>
+        </p:txBody>
+      </p:sp>
+      <p:sp>
+        <p:nvSpPr>
+          <p:cNvPr id="3" name="内容占位符 2"/>
+          <p:cNvSpPr>
+            <a:spLocks noGrp="1"/>
+          </p:cNvSpPr>
+          <p:nvPr>
+            <p:ph idx="1"/>
+          </p:nvPr>
+        </p:nvSpPr>
+        <p:spPr>
+          <a:xfrm>
+            <a:off x="457200" y="1600201"/>
+            <a:ext cx="8229600" cy="1180727"/>
+          </a:xfrm>
+        </p:spPr>
+        <p:txBody>
+          <a:bodyPr>
+            <a:normAutofit fontScale="85000" lnSpcReduction="10000"/>
+          </a:bodyPr>
+          <a:lstStyle/>
+          <a:p>
+            <a:r>
+              <a:rPr lang="zh-CN" altLang="en-US" dirty="0" smtClean="0"/>
+              <a:t>编写一个程序，显示一个乘法表。开始时要询问用户显示哪个数的乘法表。输出应该如下所示：</a:t>
+            </a:r>
+            <a:endParaRPr lang="en-US" altLang="zh-CN" dirty="0" smtClean="0"/>
+          </a:p>
+          <a:p>
+            <a:endParaRPr lang="en-US" altLang="zh-CN" dirty="0" smtClean="0"/>
+          </a:p>
+        </p:txBody>
+      </p:sp>
+      <p:pic>
+        <p:nvPicPr>
+          <p:cNvPr id="4099" name="Picture 3"/>
+          <p:cNvPicPr>
+            <a:picLocks noChangeAspect="1" noChangeArrowheads="1"/>
+          </p:cNvPicPr>
+          <p:nvPr/>
+        </p:nvPicPr>
+        <p:blipFill>
+          <a:blip r:embed="rId2" cstate="print"/>
+          <a:srcRect/>
+          <a:stretch>
+            <a:fillRect/>
+          </a:stretch>
+        </p:blipFill>
+        <p:spPr bwMode="auto">
+          <a:xfrm>
+            <a:off x="1043608" y="2636912"/>
+            <a:ext cx="4895850" cy="2762250"/>
+          </a:xfrm>
+          <a:prstGeom prst="rect">
+            <a:avLst/>
+          </a:prstGeom>
+          <a:noFill/>
+          <a:ln w="9525">
+            <a:noFill/>
+            <a:miter lim="800000"/>
+            <a:headEnd/>
+            <a:tailEnd/>
+          </a:ln>
+        </p:spPr>
+      </p:pic>
+    </p:spTree>
+  </p:cSld>
+  <p:clrMapOvr>
+    <a:masterClrMapping/>
+  </p:clrMapOvr>
+</p:sld>
+</file>
+
+<file path=ppt/slides/slide57.xml><?xml version="1.0" encoding="utf-8"?>
+<p:sld xmlns:a="http://schemas.openxmlformats.org/drawingml/2006/main" xmlns:r="http://schemas.openxmlformats.org/officeDocument/2006/relationships" xmlns:p="http://schemas.openxmlformats.org/presentationml/2006/main">
+  <p:cSld>
+    <p:spTree>
+      <p:nvGrpSpPr>
+        <p:cNvPr id="1" name=""/>
+        <p:cNvGrpSpPr/>
+        <p:nvPr/>
+      </p:nvGrpSpPr>
+      <p:grpSpPr>
+        <a:xfrm>
+          <a:off x="0" y="0"/>
+          <a:ext cx="0" cy="0"/>
+          <a:chOff x="0" y="0"/>
+          <a:chExt cx="0" cy="0"/>
+        </a:xfrm>
+      </p:grpSpPr>
+      <p:sp>
+        <p:nvSpPr>
+          <p:cNvPr id="2" name="标题 1"/>
+          <p:cNvSpPr>
+            <a:spLocks noGrp="1"/>
+          </p:cNvSpPr>
+          <p:nvPr>
+            <p:ph type="title"/>
+          </p:nvPr>
+        </p:nvSpPr>
+        <p:spPr/>
+        <p:txBody>
+          <a:bodyPr/>
+          <a:lstStyle/>
+          <a:p>
+            <a:r>
+              <a:rPr lang="en-US" altLang="zh-CN" dirty="0" smtClean="0"/>
+              <a:t>9 </a:t>
+            </a:r>
+            <a:r>
+              <a:rPr lang="zh-CN" altLang="en-US" dirty="0" smtClean="0"/>
+              <a:t>注释</a:t>
+            </a:r>
+            <a:endParaRPr lang="zh-CN" altLang="en-US" dirty="0"/>
+          </a:p>
+        </p:txBody>
+      </p:sp>
+    </p:spTree>
+  </p:cSld>
+  <p:clrMapOvr>
+    <a:masterClrMapping/>
+  </p:clrMapOvr>
+</p:sld>
+</file>
+
+<file path=ppt/slides/slide58.xml><?xml version="1.0" encoding="utf-8"?>
+<p:sld xmlns:a="http://schemas.openxmlformats.org/drawingml/2006/main" xmlns:r="http://schemas.openxmlformats.org/officeDocument/2006/relationships" xmlns:p="http://schemas.openxmlformats.org/presentationml/2006/main">
+  <p:cSld>
+    <p:spTree>
+      <p:nvGrpSpPr>
+        <p:cNvPr id="1" name=""/>
+        <p:cNvGrpSpPr/>
+        <p:nvPr/>
+      </p:nvGrpSpPr>
+      <p:grpSpPr>
+        <a:xfrm>
+          <a:off x="0" y="0"/>
+          <a:ext cx="0" cy="0"/>
+          <a:chOff x="0" y="0"/>
+          <a:chExt cx="0" cy="0"/>
+        </a:xfrm>
+      </p:grpSpPr>
+      <p:sp>
+        <p:nvSpPr>
+          <p:cNvPr id="2" name="标题 1"/>
+          <p:cNvSpPr>
+            <a:spLocks noGrp="1"/>
+          </p:cNvSpPr>
+          <p:nvPr>
+            <p:ph type="title"/>
+          </p:nvPr>
+        </p:nvSpPr>
+        <p:spPr/>
+        <p:txBody>
+          <a:bodyPr/>
+          <a:lstStyle/>
+          <a:p>
+            <a:pPr algn="l"/>
+            <a:r>
+              <a:rPr lang="en-US" altLang="zh-CN" dirty="0" smtClean="0"/>
+              <a:t>9.1</a:t>
+            </a:r>
+            <a:r>
+              <a:rPr lang="zh-CN" altLang="en-US" dirty="0" smtClean="0"/>
+              <a:t>　增加注释</a:t>
+            </a:r>
+            <a:endParaRPr lang="zh-CN" altLang="en-US" dirty="0"/>
+          </a:p>
+        </p:txBody>
+      </p:sp>
+      <p:sp>
+        <p:nvSpPr>
+          <p:cNvPr id="3" name="内容占位符 2"/>
+          <p:cNvSpPr>
+            <a:spLocks noGrp="1"/>
+          </p:cNvSpPr>
+          <p:nvPr>
+            <p:ph idx="1"/>
+          </p:nvPr>
+        </p:nvSpPr>
+        <p:spPr>
+          <a:xfrm>
+            <a:off x="457200" y="1600201"/>
+            <a:ext cx="8229600" cy="4277071"/>
+          </a:xfrm>
+        </p:spPr>
+        <p:txBody>
+          <a:bodyPr>
+            <a:normAutofit fontScale="85000" lnSpcReduction="20000"/>
+          </a:bodyPr>
+          <a:lstStyle/>
+          <a:p>
+            <a:r>
+              <a:rPr lang="zh-CN" altLang="en-US" dirty="0" smtClean="0"/>
+              <a:t>注释是给你看的，而不是让计算机执行 的。注释是程序文档的一部分，计算机运行程 序时会忽略这些注释。</a:t>
+            </a:r>
+            <a:endParaRPr lang="en-US" altLang="zh-CN" dirty="0" smtClean="0"/>
+          </a:p>
+          <a:p>
+            <a:r>
+              <a:rPr lang="zh-CN" altLang="en-US" dirty="0" smtClean="0"/>
+              <a:t>文档（</a:t>
+            </a:r>
+            <a:r>
+              <a:rPr lang="en-US" altLang="zh-CN" dirty="0" smtClean="0"/>
+              <a:t>documentation</a:t>
+            </a:r>
+            <a:r>
+              <a:rPr lang="zh-CN" altLang="en-US" dirty="0" smtClean="0"/>
+              <a:t>）就是关于一个程序的信息，描述了程序并说明它是如何工 作的。注释是程序文档的一部分，不过在代码本身以外，文档还包括其他部分，文档描 述以下内容：  </a:t>
+            </a:r>
+            <a:endParaRPr lang="en-US" altLang="zh-CN" dirty="0" smtClean="0"/>
+          </a:p>
+          <a:p>
+            <a:pPr lvl="1"/>
+            <a:r>
+              <a:rPr lang="zh-CN" altLang="en-US" dirty="0" smtClean="0"/>
+              <a:t>为什么写这个程序（它的用途）</a:t>
+            </a:r>
+            <a:endParaRPr lang="en-US" altLang="zh-CN" dirty="0" smtClean="0"/>
+          </a:p>
+          <a:p>
+            <a:pPr lvl="1"/>
+            <a:r>
+              <a:rPr lang="zh-CN" altLang="en-US" dirty="0" smtClean="0"/>
+              <a:t> 这个程序是谁写的  这个程序面向什么人（它的用户）</a:t>
+            </a:r>
+            <a:endParaRPr lang="en-US" altLang="zh-CN" dirty="0" smtClean="0"/>
+          </a:p>
+          <a:p>
+            <a:pPr lvl="1"/>
+            <a:r>
+              <a:rPr lang="zh-CN" altLang="en-US" dirty="0" smtClean="0"/>
+              <a:t> 如何组织 </a:t>
+            </a:r>
+            <a:endParaRPr lang="en-US" altLang="zh-CN" dirty="0" smtClean="0"/>
+          </a:p>
+          <a:p>
+            <a:pPr lvl="1">
+              <a:buNone/>
+            </a:pPr>
+            <a:r>
+              <a:rPr lang="zh-CN" altLang="en-US" dirty="0" smtClean="0"/>
+              <a:t>更大、更复杂的程序往往有更多文档。</a:t>
+            </a:r>
+            <a:endParaRPr lang="zh-CN" altLang="en-US" dirty="0"/>
+          </a:p>
+        </p:txBody>
+      </p:sp>
+    </p:spTree>
+  </p:cSld>
+  <p:clrMapOvr>
+    <a:masterClrMapping/>
+  </p:clrMapOvr>
+</p:sld>
+</file>
+
+<file path=ppt/slides/slide59.xml><?xml version="1.0" encoding="utf-8"?>
+<p:sld xmlns:a="http://schemas.openxmlformats.org/drawingml/2006/main" xmlns:r="http://schemas.openxmlformats.org/officeDocument/2006/relationships" xmlns:p="http://schemas.openxmlformats.org/presentationml/2006/main">
+  <p:cSld>
+    <p:spTree>
+      <p:nvGrpSpPr>
+        <p:cNvPr id="1" name=""/>
+        <p:cNvGrpSpPr/>
+        <p:nvPr/>
+      </p:nvGrpSpPr>
+      <p:grpSpPr>
+        <a:xfrm>
+          <a:off x="0" y="0"/>
+          <a:ext cx="0" cy="0"/>
+          <a:chOff x="0" y="0"/>
+          <a:chExt cx="0" cy="0"/>
+        </a:xfrm>
+      </p:grpSpPr>
+      <p:sp>
+        <p:nvSpPr>
+          <p:cNvPr id="2" name="标题 1"/>
+          <p:cNvSpPr>
+            <a:spLocks noGrp="1"/>
+          </p:cNvSpPr>
+          <p:nvPr>
+            <p:ph type="title"/>
+          </p:nvPr>
+        </p:nvSpPr>
+        <p:spPr/>
+        <p:txBody>
+          <a:bodyPr/>
+          <a:lstStyle/>
+          <a:p>
+            <a:pPr algn="l"/>
+            <a:r>
+              <a:rPr lang="en-US" altLang="zh-CN" dirty="0" smtClean="0"/>
+              <a:t>9.2</a:t>
+            </a:r>
+            <a:r>
+              <a:rPr lang="zh-CN" altLang="en-US" dirty="0" smtClean="0"/>
+              <a:t> 注释的类型</a:t>
+            </a:r>
+            <a:endParaRPr lang="zh-CN" altLang="en-US" dirty="0"/>
+          </a:p>
+        </p:txBody>
+      </p:sp>
+      <p:sp>
+        <p:nvSpPr>
+          <p:cNvPr id="3" name="内容占位符 2"/>
+          <p:cNvSpPr>
+            <a:spLocks noGrp="1"/>
+          </p:cNvSpPr>
+          <p:nvPr>
+            <p:ph idx="1"/>
+          </p:nvPr>
+        </p:nvSpPr>
+        <p:spPr>
+          <a:xfrm>
+            <a:off x="457200" y="1600201"/>
+            <a:ext cx="8229600" cy="4277071"/>
+          </a:xfrm>
+        </p:spPr>
+        <p:txBody>
+          <a:bodyPr>
+            <a:normAutofit fontScale="85000" lnSpcReduction="20000"/>
+          </a:bodyPr>
+          <a:lstStyle/>
+          <a:p>
+            <a:r>
+              <a:rPr lang="zh-CN" altLang="en-US" dirty="0" smtClean="0"/>
+              <a:t>单行注释</a:t>
+            </a:r>
+            <a:endParaRPr lang="en-US" altLang="zh-CN" dirty="0" smtClean="0"/>
+          </a:p>
+          <a:p>
+            <a:pPr lvl="1"/>
+            <a:r>
+              <a:rPr lang="en-US" altLang="zh-CN" dirty="0" smtClean="0"/>
+              <a:t># </a:t>
+            </a:r>
+            <a:r>
+              <a:rPr lang="zh-CN" altLang="en-US" dirty="0" smtClean="0"/>
+              <a:t>这是 </a:t>
+            </a:r>
+            <a:r>
+              <a:rPr lang="en-US" altLang="zh-CN" dirty="0" smtClean="0"/>
+              <a:t>Python </a:t>
+            </a:r>
+            <a:r>
+              <a:rPr lang="zh-CN" altLang="en-US" dirty="0" smtClean="0"/>
+              <a:t>程序中的一个注释 </a:t>
+            </a:r>
+            <a:endParaRPr lang="en-US" altLang="zh-CN" dirty="0" smtClean="0"/>
+          </a:p>
+          <a:p>
+            <a:pPr lvl="1"/>
+            <a:r>
+              <a:rPr lang="en-US" altLang="zh-CN" dirty="0" smtClean="0"/>
+              <a:t>print ('This is not a comment‘)</a:t>
+            </a:r>
+          </a:p>
+          <a:p>
+            <a:r>
+              <a:rPr lang="zh-CN" altLang="en-US" dirty="0" smtClean="0"/>
+              <a:t>行末注释</a:t>
+            </a:r>
+            <a:endParaRPr lang="en-US" altLang="zh-CN" dirty="0" smtClean="0"/>
+          </a:p>
+          <a:p>
+            <a:pPr lvl="1"/>
+            <a:r>
+              <a:rPr lang="en-US" altLang="zh-CN" dirty="0" smtClean="0"/>
+              <a:t>area = length * width # </a:t>
+            </a:r>
+            <a:r>
+              <a:rPr lang="zh-CN" altLang="en-US" dirty="0" smtClean="0"/>
+              <a:t>计算矩形的面积</a:t>
+            </a:r>
+            <a:endParaRPr lang="en-US" altLang="zh-CN" dirty="0" smtClean="0"/>
+          </a:p>
+          <a:p>
+            <a:r>
+              <a:rPr lang="zh-CN" altLang="en-US" dirty="0" smtClean="0"/>
+              <a:t>多行注释</a:t>
+            </a:r>
+            <a:endParaRPr lang="en-US" altLang="zh-CN" dirty="0" smtClean="0"/>
+          </a:p>
+          <a:p>
+            <a:pPr lvl="1"/>
+            <a:r>
+              <a:rPr lang="zh-CN" altLang="en-US" dirty="0" smtClean="0"/>
+              <a:t> </a:t>
+            </a:r>
+            <a:r>
+              <a:rPr lang="en-US" altLang="zh-CN" dirty="0" smtClean="0"/>
+              <a:t># *************** </a:t>
+            </a:r>
+          </a:p>
+          <a:p>
+            <a:pPr lvl="1"/>
+            <a:r>
+              <a:rPr lang="en-US" altLang="zh-CN" dirty="0" smtClean="0"/>
+              <a:t>#</a:t>
+            </a:r>
+            <a:r>
+              <a:rPr lang="zh-CN" altLang="en-US" dirty="0" smtClean="0"/>
+              <a:t>这个程序用来说明 </a:t>
+            </a:r>
+            <a:r>
+              <a:rPr lang="en-US" altLang="zh-CN" dirty="0" smtClean="0"/>
+              <a:t>Python </a:t>
+            </a:r>
+            <a:r>
+              <a:rPr lang="zh-CN" altLang="en-US" dirty="0" smtClean="0"/>
+              <a:t>中如何使用注释</a:t>
+            </a:r>
+            <a:endParaRPr lang="en-US" altLang="zh-CN" dirty="0" smtClean="0"/>
+          </a:p>
+          <a:p>
+            <a:pPr lvl="1"/>
+            <a:r>
+              <a:rPr lang="en-US" altLang="zh-CN" dirty="0" smtClean="0"/>
+              <a:t># </a:t>
+            </a:r>
+            <a:r>
+              <a:rPr lang="zh-CN" altLang="en-US" dirty="0" smtClean="0"/>
+              <a:t>星号所在的行只为将注释</a:t>
+            </a:r>
+            <a:endParaRPr lang="en-US" altLang="zh-CN" dirty="0" smtClean="0"/>
+          </a:p>
+          <a:p>
+            <a:pPr lvl="1"/>
+            <a:r>
+              <a:rPr lang="en-US" altLang="zh-CN" dirty="0" smtClean="0"/>
+              <a:t># </a:t>
+            </a:r>
+            <a:r>
+              <a:rPr lang="zh-CN" altLang="en-US" dirty="0" smtClean="0"/>
+              <a:t>与其余代码清楚地区分开 </a:t>
+            </a:r>
+            <a:endParaRPr lang="en-US" altLang="zh-CN" dirty="0" smtClean="0"/>
+          </a:p>
+          <a:p>
+            <a:pPr lvl="1"/>
+            <a:r>
+              <a:rPr lang="en-US" altLang="zh-CN" dirty="0" smtClean="0"/>
+              <a:t># ***************</a:t>
+            </a:r>
+            <a:endParaRPr lang="zh-CN" altLang="en-US" dirty="0"/>
+          </a:p>
+        </p:txBody>
+      </p:sp>
+    </p:spTree>
+  </p:cSld>
+  <p:clrMapOvr>
+    <a:masterClrMapping/>
+  </p:clrMapOvr>
+</p:sld>
+</file>
+
 <file path=ppt/slides/slide6.xml><?xml version="1.0" encoding="utf-8"?>
 <p:sld xmlns:a="http://schemas.openxmlformats.org/drawingml/2006/main" xmlns:r="http://schemas.openxmlformats.org/officeDocument/2006/relationships" xmlns:p="http://schemas.openxmlformats.org/presentationml/2006/main">
   <p:cSld>
@@ -8460,6 +10929,170 @@
       </p:par>
     </p:tnLst>
   </p:timing>
+</p:sld>
+</file>
+
+<file path=ppt/slides/slide60.xml><?xml version="1.0" encoding="utf-8"?>
+<p:sld xmlns:a="http://schemas.openxmlformats.org/drawingml/2006/main" xmlns:r="http://schemas.openxmlformats.org/officeDocument/2006/relationships" xmlns:p="http://schemas.openxmlformats.org/presentationml/2006/main">
+  <p:cSld>
+    <p:spTree>
+      <p:nvGrpSpPr>
+        <p:cNvPr id="1" name=""/>
+        <p:cNvGrpSpPr/>
+        <p:nvPr/>
+      </p:nvGrpSpPr>
+      <p:grpSpPr>
+        <a:xfrm>
+          <a:off x="0" y="0"/>
+          <a:ext cx="0" cy="0"/>
+          <a:chOff x="0" y="0"/>
+          <a:chExt cx="0" cy="0"/>
+        </a:xfrm>
+      </p:grpSpPr>
+      <p:sp>
+        <p:nvSpPr>
+          <p:cNvPr id="2" name="标题 1"/>
+          <p:cNvSpPr>
+            <a:spLocks noGrp="1"/>
+          </p:cNvSpPr>
+          <p:nvPr>
+            <p:ph type="title"/>
+          </p:nvPr>
+        </p:nvSpPr>
+        <p:spPr/>
+        <p:txBody>
+          <a:bodyPr/>
+          <a:lstStyle/>
+          <a:p>
+            <a:r>
+              <a:rPr lang="en-US" altLang="zh-CN" dirty="0" smtClean="0"/>
+              <a:t>9.3</a:t>
+            </a:r>
+            <a:r>
+              <a:rPr lang="zh-CN" altLang="en-US" dirty="0" smtClean="0"/>
+              <a:t>　注释掉</a:t>
+            </a:r>
+            <a:endParaRPr lang="zh-CN" altLang="en-US" dirty="0"/>
+          </a:p>
+        </p:txBody>
+      </p:sp>
+      <p:sp>
+        <p:nvSpPr>
+          <p:cNvPr id="3" name="内容占位符 2"/>
+          <p:cNvSpPr>
+            <a:spLocks noGrp="1"/>
+          </p:cNvSpPr>
+          <p:nvPr>
+            <p:ph idx="1"/>
+          </p:nvPr>
+        </p:nvSpPr>
+        <p:spPr/>
+        <p:txBody>
+          <a:bodyPr/>
+          <a:lstStyle/>
+          <a:p>
+            <a:r>
+              <a:rPr lang="zh-CN" altLang="en-US" dirty="0" smtClean="0"/>
+              <a:t>还可以使用注释临时跳过程序中的某些部分。作为注释的所有内容都会被忽略。</a:t>
+            </a:r>
+            <a:endParaRPr lang="en-US" altLang="zh-CN" dirty="0" smtClean="0"/>
+          </a:p>
+          <a:p>
+            <a:pPr lvl="1"/>
+            <a:r>
+              <a:rPr lang="en-US" altLang="zh-CN" smtClean="0"/>
+              <a:t>#Print</a:t>
+            </a:r>
+            <a:r>
+              <a:rPr lang="en-US" altLang="zh-CN" dirty="0" smtClean="0"/>
+              <a:t>(“hello”)</a:t>
+            </a:r>
+          </a:p>
+          <a:p>
+            <a:pPr lvl="1"/>
+            <a:r>
+              <a:rPr lang="en-US" altLang="zh-CN" dirty="0" smtClean="0"/>
+              <a:t>Print(“world”)</a:t>
+            </a:r>
+          </a:p>
+        </p:txBody>
+      </p:sp>
+    </p:spTree>
+  </p:cSld>
+  <p:clrMapOvr>
+    <a:masterClrMapping/>
+  </p:clrMapOvr>
+</p:sld>
+</file>
+
+<file path=ppt/slides/slide61.xml><?xml version="1.0" encoding="utf-8"?>
+<p:sld xmlns:a="http://schemas.openxmlformats.org/drawingml/2006/main" xmlns:r="http://schemas.openxmlformats.org/officeDocument/2006/relationships" xmlns:p="http://schemas.openxmlformats.org/presentationml/2006/main">
+  <p:cSld>
+    <p:spTree>
+      <p:nvGrpSpPr>
+        <p:cNvPr id="1" name=""/>
+        <p:cNvGrpSpPr/>
+        <p:nvPr/>
+      </p:nvGrpSpPr>
+      <p:grpSpPr>
+        <a:xfrm>
+          <a:off x="0" y="0"/>
+          <a:ext cx="0" cy="0"/>
+          <a:chOff x="0" y="0"/>
+          <a:chExt cx="0" cy="0"/>
+        </a:xfrm>
+      </p:grpSpPr>
+      <p:sp>
+        <p:nvSpPr>
+          <p:cNvPr id="2" name="标题 1"/>
+          <p:cNvSpPr>
+            <a:spLocks noGrp="1"/>
+          </p:cNvSpPr>
+          <p:nvPr>
+            <p:ph type="title"/>
+          </p:nvPr>
+        </p:nvSpPr>
+        <p:spPr/>
+        <p:txBody>
+          <a:bodyPr/>
+          <a:lstStyle/>
+          <a:p>
+            <a:r>
+              <a:rPr lang="en-US" altLang="zh-CN" dirty="0" smtClean="0"/>
+              <a:t>10 </a:t>
+            </a:r>
+            <a:r>
+              <a:rPr lang="zh-CN" altLang="en-US" dirty="0" smtClean="0"/>
+              <a:t>游戏时间到</a:t>
+            </a:r>
+            <a:endParaRPr lang="zh-CN" altLang="en-US" dirty="0"/>
+          </a:p>
+        </p:txBody>
+      </p:sp>
+      <p:sp>
+        <p:nvSpPr>
+          <p:cNvPr id="3" name="内容占位符 2"/>
+          <p:cNvSpPr>
+            <a:spLocks noGrp="1"/>
+          </p:cNvSpPr>
+          <p:nvPr>
+            <p:ph idx="1"/>
+          </p:nvPr>
+        </p:nvSpPr>
+        <p:spPr/>
+        <p:txBody>
+          <a:bodyPr/>
+          <a:lstStyle/>
+          <a:p>
+            <a:endParaRPr lang="zh-CN" altLang="en-US"/>
+          </a:p>
+        </p:txBody>
+      </p:sp>
+    </p:spTree>
+  </p:cSld>
+  <p:clrMapOvr>
+    <a:masterClrMapping/>
+  </p:clrMapOvr>
 </p:sld>
 </file>
 

--- a/readme/Python3.pptx
+++ b/readme/Python3.pptx
@@ -83,6 +83,28 @@
     <p:sldId id="336" r:id="rId77"/>
     <p:sldId id="337" r:id="rId78"/>
     <p:sldId id="338" r:id="rId79"/>
+    <p:sldId id="339" r:id="rId80"/>
+    <p:sldId id="340" r:id="rId81"/>
+    <p:sldId id="341" r:id="rId82"/>
+    <p:sldId id="343" r:id="rId83"/>
+    <p:sldId id="344" r:id="rId84"/>
+    <p:sldId id="345" r:id="rId85"/>
+    <p:sldId id="346" r:id="rId86"/>
+    <p:sldId id="347" r:id="rId87"/>
+    <p:sldId id="348" r:id="rId88"/>
+    <p:sldId id="349" r:id="rId89"/>
+    <p:sldId id="350" r:id="rId90"/>
+    <p:sldId id="351" r:id="rId91"/>
+    <p:sldId id="352" r:id="rId92"/>
+    <p:sldId id="353" r:id="rId93"/>
+    <p:sldId id="354" r:id="rId94"/>
+    <p:sldId id="355" r:id="rId95"/>
+    <p:sldId id="356" r:id="rId96"/>
+    <p:sldId id="357" r:id="rId97"/>
+    <p:sldId id="358" r:id="rId98"/>
+    <p:sldId id="359" r:id="rId99"/>
+    <p:sldId id="360" r:id="rId100"/>
+    <p:sldId id="361" r:id="rId101"/>
   </p:sldIdLst>
   <p:sldSz cx="9144000" cy="6858000" type="screen4x3"/>
   <p:notesSz cx="6858000" cy="9144000"/>
@@ -366,7 +388,7 @@
             <a:fld id="{530820CF-B880-4189-942D-D702A7CBA730}" type="datetimeFigureOut">
               <a:rPr lang="zh-CN" altLang="en-US" smtClean="0"/>
               <a:pPr/>
-              <a:t>2018/11/4</a:t>
+              <a:t>2018/11/11</a:t>
             </a:fld>
             <a:endParaRPr lang="zh-CN" altLang="en-US"/>
           </a:p>
@@ -533,7 +555,7 @@
             <a:fld id="{530820CF-B880-4189-942D-D702A7CBA730}" type="datetimeFigureOut">
               <a:rPr lang="zh-CN" altLang="en-US" smtClean="0"/>
               <a:pPr/>
-              <a:t>2018/11/4</a:t>
+              <a:t>2018/11/11</a:t>
             </a:fld>
             <a:endParaRPr lang="zh-CN" altLang="en-US"/>
           </a:p>
@@ -710,7 +732,7 @@
             <a:fld id="{530820CF-B880-4189-942D-D702A7CBA730}" type="datetimeFigureOut">
               <a:rPr lang="zh-CN" altLang="en-US" smtClean="0"/>
               <a:pPr/>
-              <a:t>2018/11/4</a:t>
+              <a:t>2018/11/11</a:t>
             </a:fld>
             <a:endParaRPr lang="zh-CN" altLang="en-US"/>
           </a:p>
@@ -877,7 +899,7 @@
             <a:fld id="{530820CF-B880-4189-942D-D702A7CBA730}" type="datetimeFigureOut">
               <a:rPr lang="zh-CN" altLang="en-US" smtClean="0"/>
               <a:pPr/>
-              <a:t>2018/11/4</a:t>
+              <a:t>2018/11/11</a:t>
             </a:fld>
             <a:endParaRPr lang="zh-CN" altLang="en-US"/>
           </a:p>
@@ -1120,7 +1142,7 @@
             <a:fld id="{530820CF-B880-4189-942D-D702A7CBA730}" type="datetimeFigureOut">
               <a:rPr lang="zh-CN" altLang="en-US" smtClean="0"/>
               <a:pPr/>
-              <a:t>2018/11/4</a:t>
+              <a:t>2018/11/11</a:t>
             </a:fld>
             <a:endParaRPr lang="zh-CN" altLang="en-US"/>
           </a:p>
@@ -1405,7 +1427,7 @@
             <a:fld id="{530820CF-B880-4189-942D-D702A7CBA730}" type="datetimeFigureOut">
               <a:rPr lang="zh-CN" altLang="en-US" smtClean="0"/>
               <a:pPr/>
-              <a:t>2018/11/4</a:t>
+              <a:t>2018/11/11</a:t>
             </a:fld>
             <a:endParaRPr lang="zh-CN" altLang="en-US"/>
           </a:p>
@@ -1824,7 +1846,7 @@
             <a:fld id="{530820CF-B880-4189-942D-D702A7CBA730}" type="datetimeFigureOut">
               <a:rPr lang="zh-CN" altLang="en-US" smtClean="0"/>
               <a:pPr/>
-              <a:t>2018/11/4</a:t>
+              <a:t>2018/11/11</a:t>
             </a:fld>
             <a:endParaRPr lang="zh-CN" altLang="en-US"/>
           </a:p>
@@ -1939,7 +1961,7 @@
             <a:fld id="{530820CF-B880-4189-942D-D702A7CBA730}" type="datetimeFigureOut">
               <a:rPr lang="zh-CN" altLang="en-US" smtClean="0"/>
               <a:pPr/>
-              <a:t>2018/11/4</a:t>
+              <a:t>2018/11/11</a:t>
             </a:fld>
             <a:endParaRPr lang="zh-CN" altLang="en-US"/>
           </a:p>
@@ -2031,7 +2053,7 @@
             <a:fld id="{530820CF-B880-4189-942D-D702A7CBA730}" type="datetimeFigureOut">
               <a:rPr lang="zh-CN" altLang="en-US" smtClean="0"/>
               <a:pPr/>
-              <a:t>2018/11/4</a:t>
+              <a:t>2018/11/11</a:t>
             </a:fld>
             <a:endParaRPr lang="zh-CN" altLang="en-US"/>
           </a:p>
@@ -2305,7 +2327,7 @@
             <a:fld id="{530820CF-B880-4189-942D-D702A7CBA730}" type="datetimeFigureOut">
               <a:rPr lang="zh-CN" altLang="en-US" smtClean="0"/>
               <a:pPr/>
-              <a:t>2018/11/4</a:t>
+              <a:t>2018/11/11</a:t>
             </a:fld>
             <a:endParaRPr lang="zh-CN" altLang="en-US"/>
           </a:p>
@@ -2555,7 +2577,7 @@
             <a:fld id="{530820CF-B880-4189-942D-D702A7CBA730}" type="datetimeFigureOut">
               <a:rPr lang="zh-CN" altLang="en-US" smtClean="0"/>
               <a:pPr/>
-              <a:t>2018/11/4</a:t>
+              <a:t>2018/11/11</a:t>
             </a:fld>
             <a:endParaRPr lang="zh-CN" altLang="en-US"/>
           </a:p>
@@ -2765,7 +2787,7 @@
             <a:fld id="{530820CF-B880-4189-942D-D702A7CBA730}" type="datetimeFigureOut">
               <a:rPr lang="zh-CN" altLang="en-US" smtClean="0"/>
               <a:pPr/>
-              <a:t>2018/11/4</a:t>
+              <a:t>2018/11/11</a:t>
             </a:fld>
             <a:endParaRPr lang="zh-CN" altLang="en-US"/>
           </a:p>
@@ -3360,6 +3382,180 @@
 </p:sld>
 </file>
 
+<file path=ppt/slides/slide100.xml><?xml version="1.0" encoding="utf-8"?>
+<p:sld xmlns:a="http://schemas.openxmlformats.org/drawingml/2006/main" xmlns:r="http://schemas.openxmlformats.org/officeDocument/2006/relationships" xmlns:p="http://schemas.openxmlformats.org/presentationml/2006/main">
+  <p:cSld>
+    <p:spTree>
+      <p:nvGrpSpPr>
+        <p:cNvPr id="1" name=""/>
+        <p:cNvGrpSpPr/>
+        <p:nvPr/>
+      </p:nvGrpSpPr>
+      <p:grpSpPr>
+        <a:xfrm>
+          <a:off x="0" y="0"/>
+          <a:ext cx="0" cy="0"/>
+          <a:chOff x="0" y="0"/>
+          <a:chExt cx="0" cy="0"/>
+        </a:xfrm>
+      </p:grpSpPr>
+      <p:sp>
+        <p:nvSpPr>
+          <p:cNvPr id="2" name="标题 1"/>
+          <p:cNvSpPr>
+            <a:spLocks noGrp="1"/>
+          </p:cNvSpPr>
+          <p:nvPr>
+            <p:ph type="title"/>
+          </p:nvPr>
+        </p:nvSpPr>
+        <p:spPr/>
+        <p:txBody>
+          <a:bodyPr/>
+          <a:lstStyle/>
+          <a:p>
+            <a:pPr algn="l"/>
+            <a:r>
+              <a:rPr lang="zh-CN" altLang="en-US" dirty="0" smtClean="0"/>
+              <a:t>动手试一试</a:t>
+            </a:r>
+            <a:endParaRPr lang="zh-CN" altLang="en-US" dirty="0"/>
+          </a:p>
+        </p:txBody>
+      </p:sp>
+      <p:sp>
+        <p:nvSpPr>
+          <p:cNvPr id="3" name="内容占位符 2"/>
+          <p:cNvSpPr>
+            <a:spLocks noGrp="1"/>
+          </p:cNvSpPr>
+          <p:nvPr>
+            <p:ph idx="1"/>
+          </p:nvPr>
+        </p:nvSpPr>
+        <p:spPr/>
+        <p:txBody>
+          <a:bodyPr>
+            <a:normAutofit fontScale="92500" lnSpcReduction="10000"/>
+          </a:bodyPr>
+          <a:lstStyle/>
+          <a:p>
+            <a:r>
+              <a:rPr lang="en-US" altLang="zh-CN" dirty="0" smtClean="0"/>
+              <a:t>1. </a:t>
+            </a:r>
+            <a:r>
+              <a:rPr lang="zh-CN" altLang="en-US" dirty="0" smtClean="0"/>
+              <a:t>写一个程序，让用户提供 </a:t>
+            </a:r>
+            <a:r>
+              <a:rPr lang="en-US" altLang="zh-CN" dirty="0" smtClean="0"/>
+              <a:t>5 </a:t>
+            </a:r>
+            <a:r>
+              <a:rPr lang="zh-CN" altLang="en-US" dirty="0" smtClean="0"/>
+              <a:t>个名字。程序要把这 </a:t>
+            </a:r>
+            <a:r>
+              <a:rPr lang="en-US" altLang="zh-CN" dirty="0" smtClean="0"/>
+              <a:t>5 </a:t>
+            </a:r>
+            <a:r>
+              <a:rPr lang="zh-CN" altLang="en-US" dirty="0" smtClean="0"/>
+              <a:t>个名字保存在一个列表中， 最后打印出来。就像这样</a:t>
+            </a:r>
+            <a:r>
+              <a:rPr lang="zh-CN" altLang="en-US" dirty="0" smtClean="0"/>
+              <a:t>：</a:t>
+            </a:r>
+            <a:endParaRPr lang="en-US" altLang="zh-CN" dirty="0" smtClean="0"/>
+          </a:p>
+          <a:p>
+            <a:pPr lvl="1">
+              <a:buNone/>
+            </a:pPr>
+            <a:r>
+              <a:rPr lang="en-US" altLang="zh-CN" dirty="0" smtClean="0"/>
+              <a:t>Enter 5 names: </a:t>
+            </a:r>
+            <a:endParaRPr lang="en-US" altLang="zh-CN" dirty="0" smtClean="0"/>
+          </a:p>
+          <a:p>
+            <a:pPr lvl="1">
+              <a:buNone/>
+            </a:pPr>
+            <a:r>
+              <a:rPr lang="en-US" altLang="zh-CN" dirty="0" smtClean="0"/>
+              <a:t>Tony </a:t>
+            </a:r>
+          </a:p>
+          <a:p>
+            <a:pPr lvl="1">
+              <a:buNone/>
+            </a:pPr>
+            <a:r>
+              <a:rPr lang="en-US" altLang="zh-CN" dirty="0" smtClean="0"/>
+              <a:t>Paul </a:t>
+            </a:r>
+          </a:p>
+          <a:p>
+            <a:pPr lvl="1">
+              <a:buNone/>
+            </a:pPr>
+            <a:r>
+              <a:rPr lang="en-US" altLang="zh-CN" dirty="0" smtClean="0"/>
+              <a:t>Nick </a:t>
+            </a:r>
+          </a:p>
+          <a:p>
+            <a:pPr lvl="1">
+              <a:buNone/>
+            </a:pPr>
+            <a:r>
+              <a:rPr lang="en-US" altLang="zh-CN" dirty="0" smtClean="0"/>
+              <a:t>Michel </a:t>
+            </a:r>
+          </a:p>
+          <a:p>
+            <a:pPr lvl="1">
+              <a:buNone/>
+            </a:pPr>
+            <a:r>
+              <a:rPr lang="en-US" altLang="zh-CN" dirty="0" smtClean="0"/>
+              <a:t>Kevin </a:t>
+            </a:r>
+          </a:p>
+          <a:p>
+            <a:pPr lvl="1">
+              <a:buNone/>
+            </a:pPr>
+            <a:r>
+              <a:rPr lang="en-US" altLang="zh-CN" dirty="0" smtClean="0"/>
+              <a:t>The </a:t>
+            </a:r>
+            <a:r>
+              <a:rPr lang="en-US" altLang="zh-CN" dirty="0" smtClean="0"/>
+              <a:t>names are Tony Paul Nick Michel Kevin</a:t>
+            </a:r>
+            <a:endParaRPr lang="zh-CN" altLang="en-US" dirty="0"/>
+          </a:p>
+        </p:txBody>
+      </p:sp>
+    </p:spTree>
+  </p:cSld>
+  <p:clrMapOvr>
+    <a:masterClrMapping/>
+  </p:clrMapOvr>
+  <p:timing>
+    <p:tnLst>
+      <p:par>
+        <p:cTn id="1" dur="indefinite" restart="never" nodeType="tmRoot"/>
+      </p:par>
+    </p:tnLst>
+  </p:timing>
+</p:sld>
+</file>
+
 <file path=ppt/slides/slide11.xml><?xml version="1.0" encoding="utf-8"?>
 <p:sld xmlns:a="http://schemas.openxmlformats.org/drawingml/2006/main" xmlns:r="http://schemas.openxmlformats.org/officeDocument/2006/relationships" xmlns:p="http://schemas.openxmlformats.org/presentationml/2006/main">
   <p:cSld>
@@ -11608,7 +11804,12 @@
             <p:ph idx="1"/>
           </p:nvPr>
         </p:nvSpPr>
-        <p:spPr/>
+        <p:spPr>
+          <a:xfrm>
+            <a:off x="518864" y="1600200"/>
+            <a:ext cx="8229600" cy="4525963"/>
+          </a:xfrm>
+        </p:spPr>
         <p:txBody>
           <a:bodyPr/>
           <a:lstStyle/>
@@ -12005,6 +12206,13 @@
   <p:clrMapOvr>
     <a:masterClrMapping/>
   </p:clrMapOvr>
+  <p:timing>
+    <p:tnLst>
+      <p:par>
+        <p:cTn id="1" dur="indefinite" restart="never" nodeType="tmRoot"/>
+      </p:par>
+    </p:tnLst>
+  </p:timing>
 </p:sld>
 </file>
 
@@ -12047,11 +12255,7 @@
             </a:r>
             <a:r>
               <a:rPr lang="zh-CN" altLang="en-US" dirty="0" smtClean="0"/>
-              <a:t>　可变</a:t>
-            </a:r>
-            <a:r>
-              <a:rPr lang="zh-CN" altLang="en-US" dirty="0" smtClean="0"/>
-              <a:t>循环</a:t>
+              <a:t>　可变循环</a:t>
             </a:r>
             <a:endParaRPr lang="zh-CN" altLang="en-US" dirty="0"/>
           </a:p>
@@ -12081,11 +12285,7 @@
             </a:r>
             <a:r>
               <a:rPr lang="en-US" altLang="zh-CN" dirty="0" smtClean="0"/>
-              <a:t> </a:t>
-            </a:r>
-            <a:r>
-              <a:rPr lang="en-US" altLang="zh-CN" dirty="0" smtClean="0"/>
-              <a:t>= </a:t>
+              <a:t> = </a:t>
             </a:r>
             <a:r>
               <a:rPr lang="en-US" altLang="zh-CN" dirty="0" err="1" smtClean="0"/>
@@ -12102,11 +12302,7 @@
             </a:pPr>
             <a:r>
               <a:rPr lang="en-US" altLang="zh-CN" dirty="0" smtClean="0"/>
-              <a:t>for </a:t>
-            </a:r>
-            <a:r>
-              <a:rPr lang="en-US" altLang="zh-CN" dirty="0" smtClean="0"/>
-              <a:t>star in range(0, </a:t>
+              <a:t>for star in range(0, </a:t>
             </a:r>
             <a:r>
               <a:rPr lang="en-US" altLang="zh-CN" dirty="0" err="1" smtClean="0"/>
@@ -12123,11 +12319,7 @@
             </a:pPr>
             <a:r>
               <a:rPr lang="en-US" altLang="zh-CN" dirty="0" smtClean="0"/>
-              <a:t>        print('*', end</a:t>
-            </a:r>
-            <a:r>
-              <a:rPr lang="en-US" altLang="zh-CN" dirty="0" smtClean="0"/>
-              <a:t>="“)</a:t>
+              <a:t>        print('*', end="“)</a:t>
             </a:r>
           </a:p>
         </p:txBody>
@@ -12137,6 +12329,13 @@
   <p:clrMapOvr>
     <a:masterClrMapping/>
   </p:clrMapOvr>
+  <p:timing>
+    <p:tnLst>
+      <p:par>
+        <p:cTn id="1" dur="indefinite" restart="never" nodeType="tmRoot"/>
+      </p:par>
+    </p:tnLst>
+  </p:timing>
 </p:sld>
 </file>
 
@@ -12292,7 +12491,6 @@
               <a:rPr lang="en-US" altLang="zh-CN" dirty="0" smtClean="0"/>
               <a:t>    print("")</a:t>
             </a:r>
-            <a:endParaRPr lang="en-US" altLang="zh-CN" dirty="0" smtClean="0"/>
           </a:p>
         </p:txBody>
       </p:sp>
@@ -12301,6 +12499,13 @@
   <p:clrMapOvr>
     <a:masterClrMapping/>
   </p:clrMapOvr>
+  <p:timing>
+    <p:tnLst>
+      <p:par>
+        <p:cTn id="1" dur="indefinite" restart="never" nodeType="tmRoot"/>
+      </p:par>
+    </p:tnLst>
+  </p:timing>
 </p:sld>
 </file>
 
@@ -12362,7 +12567,7 @@
         <p:spPr/>
         <p:txBody>
           <a:bodyPr>
-            <a:normAutofit fontScale="92500" lnSpcReduction="20000"/>
+            <a:normAutofit lnSpcReduction="10000"/>
           </a:bodyPr>
           <a:lstStyle/>
           <a:p>
@@ -12409,7 +12614,7 @@
             </a:pPr>
             <a:r>
               <a:rPr lang="en-US" altLang="zh-CN" dirty="0" smtClean="0"/>
-              <a:t>    for line in range(1, block * 2 ):                # Formulas for number of lines </a:t>
+              <a:t>    for line in range(1, block * 2 ):          </a:t>
             </a:r>
           </a:p>
           <a:p>
@@ -12418,7 +12623,7 @@
             </a:pPr>
             <a:r>
               <a:rPr lang="en-US" altLang="zh-CN" dirty="0" smtClean="0"/>
-              <a:t>        for star in range(1, (block + line) * 2):    #   and stars</a:t>
+              <a:t>        for star in range(1, (block + line) * 2):                 </a:t>
             </a:r>
           </a:p>
           <a:p>
@@ -12427,7 +12632,7 @@
             </a:pPr>
             <a:r>
               <a:rPr lang="en-US" altLang="zh-CN" dirty="0" smtClean="0"/>
-              <a:t>            print('*', end="")</a:t>
+              <a:t>		   print('*', end="")</a:t>
             </a:r>
           </a:p>
           <a:p>
@@ -12467,6 +12672,13 @@
   <p:clrMapOvr>
     <a:masterClrMapping/>
   </p:clrMapOvr>
+  <p:timing>
+    <p:tnLst>
+      <p:par>
+        <p:cTn id="1" dur="indefinite" restart="never" nodeType="tmRoot"/>
+      </p:par>
+    </p:tnLst>
+  </p:timing>
 </p:sld>
 </file>
 
@@ -12532,15 +12744,7 @@
           <a:p>
             <a:r>
               <a:rPr lang="zh-CN" altLang="en-US" dirty="0" smtClean="0"/>
-              <a:t>那么</a:t>
-            </a:r>
-            <a:r>
-              <a:rPr lang="zh-CN" altLang="en-US" dirty="0" smtClean="0"/>
-              <a:t>我们能够用嵌套循环做些什么呢</a:t>
-            </a:r>
-            <a:r>
-              <a:rPr lang="zh-CN" altLang="en-US" dirty="0" smtClean="0"/>
-              <a:t>？</a:t>
+              <a:t>那么我们能够用嵌套循环做些什么呢？</a:t>
             </a:r>
             <a:endParaRPr lang="en-US" altLang="zh-CN" dirty="0" smtClean="0"/>
           </a:p>
@@ -12569,6 +12773,13 @@
   <p:clrMapOvr>
     <a:masterClrMapping/>
   </p:clrMapOvr>
+  <p:timing>
+    <p:tnLst>
+      <p:par>
+        <p:cTn id="1" dur="indefinite" restart="never" nodeType="tmRoot"/>
+      </p:par>
+    </p:tnLst>
+  </p:timing>
 </p:sld>
 </file>
 
@@ -12664,6 +12875,13 @@
   <p:clrMapOvr>
     <a:masterClrMapping/>
   </p:clrMapOvr>
+  <p:timing>
+    <p:tnLst>
+      <p:par>
+        <p:cTn id="1" dur="indefinite" restart="never" nodeType="tmRoot"/>
+      </p:par>
+    </p:tnLst>
+  </p:timing>
 </p:sld>
 </file>
 
@@ -12739,26 +12957,14 @@
           <a:p>
             <a:r>
               <a:rPr lang="zh-CN" altLang="en-US" dirty="0" smtClean="0"/>
-              <a:t>排列</a:t>
-            </a:r>
-            <a:r>
-              <a:rPr lang="zh-CN" altLang="en-US" dirty="0" smtClean="0"/>
-              <a:t>和</a:t>
-            </a:r>
-            <a:r>
-              <a:rPr lang="zh-CN" altLang="en-US" dirty="0" smtClean="0"/>
-              <a:t>组合</a:t>
+              <a:t>排列和组合</a:t>
             </a:r>
             <a:endParaRPr lang="en-US" altLang="zh-CN" dirty="0" smtClean="0"/>
           </a:p>
           <a:p>
             <a:r>
               <a:rPr lang="zh-CN" altLang="en-US" dirty="0" smtClean="0"/>
-              <a:t>决策树</a:t>
-            </a:r>
-            <a:r>
-              <a:rPr lang="zh-CN" altLang="en-US" dirty="0" smtClean="0"/>
-              <a:t>。</a:t>
+              <a:t>决策树。</a:t>
             </a:r>
             <a:endParaRPr lang="zh-CN" altLang="en-US" dirty="0"/>
           </a:p>
@@ -12769,6 +12975,13 @@
   <p:clrMapOvr>
     <a:masterClrMapping/>
   </p:clrMapOvr>
+  <p:timing>
+    <p:tnLst>
+      <p:par>
+        <p:cTn id="1" dur="indefinite" restart="never" nodeType="tmRoot"/>
+      </p:par>
+    </p:tnLst>
+  </p:timing>
 </p:sld>
 </file>
 
@@ -12841,11 +13054,7 @@
           <a:p>
             <a:r>
               <a:rPr lang="en-US" altLang="zh-CN" dirty="0" smtClean="0"/>
-              <a:t>2</a:t>
-            </a:r>
-            <a:r>
-              <a:rPr lang="en-US" altLang="zh-CN" dirty="0" smtClean="0"/>
-              <a:t>. Python </a:t>
+              <a:t>2. Python </a:t>
             </a:r>
             <a:r>
               <a:rPr lang="zh-CN" altLang="en-US" dirty="0" smtClean="0"/>
@@ -12860,11 +13069,7 @@
             </a:r>
             <a:r>
               <a:rPr lang="zh-CN" altLang="en-US" dirty="0" smtClean="0"/>
-              <a:t>如果</a:t>
-            </a:r>
-            <a:r>
-              <a:rPr lang="zh-CN" altLang="en-US" dirty="0" smtClean="0"/>
-              <a:t>一个决策树有 </a:t>
+              <a:t>如果一个决策树有 </a:t>
             </a:r>
             <a:r>
               <a:rPr lang="en-US" altLang="zh-CN" dirty="0" smtClean="0"/>
@@ -12872,11 +13077,7 @@
             </a:r>
             <a:r>
               <a:rPr lang="zh-CN" altLang="en-US" dirty="0" smtClean="0"/>
-              <a:t>层，每层有两个选择，共有多少种可能的选择（决策树 有多少条路径）</a:t>
-            </a:r>
-            <a:r>
-              <a:rPr lang="zh-CN" altLang="en-US" dirty="0" smtClean="0"/>
-              <a:t>？</a:t>
+              <a:t>层，每层有两个选择，共有多少种可能的选择（决策树 有多少条路径）？</a:t>
             </a:r>
             <a:endParaRPr lang="zh-CN" altLang="en-US" dirty="0"/>
           </a:p>
@@ -12887,6 +13088,13 @@
   <p:clrMapOvr>
     <a:masterClrMapping/>
   </p:clrMapOvr>
+  <p:timing>
+    <p:tnLst>
+      <p:par>
+        <p:cTn id="1" dur="indefinite" restart="never" nodeType="tmRoot"/>
+      </p:par>
+    </p:tnLst>
+  </p:timing>
 </p:sld>
 </file>
 
@@ -12956,11 +13164,7 @@
             </a:r>
             <a:r>
               <a:rPr lang="zh-CN" altLang="en-US" dirty="0" smtClean="0"/>
-              <a:t>章创建的倒计时定时器程序吗？在这儿呢，提醒你一下</a:t>
-            </a:r>
-            <a:r>
-              <a:rPr lang="zh-CN" altLang="en-US" dirty="0" smtClean="0"/>
-              <a:t>：</a:t>
+              <a:t>章创建的倒计时定时器程序吗？在这儿呢，提醒你一下：</a:t>
             </a:r>
             <a:endParaRPr lang="en-US" altLang="zh-CN" dirty="0" smtClean="0"/>
           </a:p>
@@ -12970,11 +13174,7 @@
             </a:pPr>
             <a:r>
               <a:rPr lang="en-US" altLang="zh-CN" dirty="0" smtClean="0"/>
-              <a:t>import </a:t>
-            </a:r>
-            <a:r>
-              <a:rPr lang="en-US" altLang="zh-CN" dirty="0" smtClean="0"/>
-              <a:t>time</a:t>
+              <a:t>import time</a:t>
             </a:r>
           </a:p>
           <a:p>
@@ -12991,11 +13191,7 @@
             </a:r>
             <a:r>
               <a:rPr lang="en-US" altLang="zh-CN" dirty="0" smtClean="0"/>
-              <a:t> in range (10, 0, -1</a:t>
-            </a:r>
-            <a:r>
-              <a:rPr lang="en-US" altLang="zh-CN" dirty="0" smtClean="0"/>
-              <a:t>):</a:t>
+              <a:t> in range (10, 0, -1):</a:t>
             </a:r>
           </a:p>
           <a:p>
@@ -13029,11 +13225,7 @@
             </a:r>
             <a:r>
               <a:rPr lang="en-US" altLang="zh-CN" dirty="0" smtClean="0"/>
-              <a:t>(1</a:t>
-            </a:r>
-            <a:r>
-              <a:rPr lang="en-US" altLang="zh-CN" dirty="0" smtClean="0"/>
-              <a:t>)</a:t>
+              <a:t>(1)</a:t>
             </a:r>
           </a:p>
           <a:p>
@@ -13042,13 +13234,8 @@
             </a:pPr>
             <a:r>
               <a:rPr lang="en-US" altLang="zh-CN" dirty="0" smtClean="0"/>
-              <a:t> </a:t>
-            </a:r>
-            <a:r>
-              <a:rPr lang="en-US" altLang="zh-CN" dirty="0" smtClean="0"/>
-              <a:t>print "BLAST OFF!" </a:t>
-            </a:r>
-            <a:endParaRPr lang="en-US" altLang="zh-CN" dirty="0" smtClean="0"/>
+              <a:t> print "BLAST OFF!" </a:t>
+            </a:r>
           </a:p>
           <a:p>
             <a:pPr lvl="1">
@@ -13056,11 +13243,7 @@
             </a:pPr>
             <a:r>
               <a:rPr lang="zh-CN" altLang="en-US" dirty="0" smtClean="0"/>
-              <a:t>使用一个可变循环修改程序。这个程序要询问用户向下计数应当从哪里</a:t>
-            </a:r>
-            <a:r>
-              <a:rPr lang="zh-CN" altLang="en-US" dirty="0" smtClean="0"/>
-              <a:t>开始</a:t>
+              <a:t>使用一个可变循环修改程序。这个程序要询问用户向下计数应当从哪里开始</a:t>
             </a:r>
             <a:r>
               <a:rPr lang="en-US" altLang="zh-CN" smtClean="0"/>
@@ -13075,6 +13258,155 @@
   <p:clrMapOvr>
     <a:masterClrMapping/>
   </p:clrMapOvr>
+  <p:timing>
+    <p:tnLst>
+      <p:par>
+        <p:cTn id="1" dur="indefinite" restart="never" nodeType="tmRoot"/>
+      </p:par>
+    </p:tnLst>
+  </p:timing>
+</p:sld>
+</file>
+
+<file path=ppt/slides/slide79.xml><?xml version="1.0" encoding="utf-8"?>
+<p:sld xmlns:a="http://schemas.openxmlformats.org/drawingml/2006/main" xmlns:r="http://schemas.openxmlformats.org/officeDocument/2006/relationships" xmlns:p="http://schemas.openxmlformats.org/presentationml/2006/main">
+  <p:cSld>
+    <p:spTree>
+      <p:nvGrpSpPr>
+        <p:cNvPr id="1" name=""/>
+        <p:cNvGrpSpPr/>
+        <p:nvPr/>
+      </p:nvGrpSpPr>
+      <p:grpSpPr>
+        <a:xfrm>
+          <a:off x="0" y="0"/>
+          <a:ext cx="0" cy="0"/>
+          <a:chOff x="0" y="0"/>
+          <a:chExt cx="0" cy="0"/>
+        </a:xfrm>
+      </p:grpSpPr>
+      <p:sp>
+        <p:nvSpPr>
+          <p:cNvPr id="2" name="标题 1"/>
+          <p:cNvSpPr>
+            <a:spLocks noGrp="1"/>
+          </p:cNvSpPr>
+          <p:nvPr>
+            <p:ph type="title"/>
+          </p:nvPr>
+        </p:nvSpPr>
+        <p:spPr/>
+        <p:txBody>
+          <a:bodyPr/>
+          <a:lstStyle/>
+          <a:p>
+            <a:pPr algn="l"/>
+            <a:r>
+              <a:rPr lang="zh-CN" altLang="en-US" dirty="0" smtClean="0"/>
+              <a:t>动手试一试</a:t>
+            </a:r>
+            <a:endParaRPr lang="zh-CN" altLang="en-US" dirty="0"/>
+          </a:p>
+        </p:txBody>
+      </p:sp>
+      <p:sp>
+        <p:nvSpPr>
+          <p:cNvPr id="3" name="内容占位符 2"/>
+          <p:cNvSpPr>
+            <a:spLocks noGrp="1"/>
+          </p:cNvSpPr>
+          <p:nvPr>
+            <p:ph idx="1"/>
+          </p:nvPr>
+        </p:nvSpPr>
+        <p:spPr/>
+        <p:txBody>
+          <a:bodyPr/>
+          <a:lstStyle/>
+          <a:p>
+            <a:r>
+              <a:rPr lang="zh-CN" altLang="en-US" dirty="0" smtClean="0"/>
+              <a:t> 根据第 </a:t>
+            </a:r>
+            <a:r>
+              <a:rPr lang="en-US" altLang="zh-CN" dirty="0" smtClean="0"/>
+              <a:t>1 </a:t>
+            </a:r>
+            <a:r>
+              <a:rPr lang="zh-CN" altLang="en-US" dirty="0" smtClean="0"/>
+              <a:t>题写的程序，让它除了打印各个数之外还要打印一行星号，如下： ：</a:t>
+            </a:r>
+            <a:endParaRPr lang="en-US" altLang="zh-CN" dirty="0" smtClean="0"/>
+          </a:p>
+          <a:p>
+            <a:pPr lvl="1">
+              <a:buNone/>
+            </a:pPr>
+            <a:r>
+              <a:rPr lang="en-US" altLang="zh-CN" dirty="0" smtClean="0"/>
+              <a:t>Countdown timer:  How many seconds?  4 </a:t>
+            </a:r>
+          </a:p>
+          <a:p>
+            <a:pPr lvl="1">
+              <a:buNone/>
+            </a:pPr>
+            <a:r>
+              <a:rPr lang="en-US" altLang="zh-CN" dirty="0" smtClean="0"/>
+              <a:t>4 * * * * </a:t>
+            </a:r>
+          </a:p>
+          <a:p>
+            <a:pPr lvl="1">
+              <a:buNone/>
+            </a:pPr>
+            <a:r>
+              <a:rPr lang="en-US" altLang="zh-CN" dirty="0" smtClean="0"/>
+              <a:t>3 * * * </a:t>
+            </a:r>
+          </a:p>
+          <a:p>
+            <a:pPr lvl="1">
+              <a:buNone/>
+            </a:pPr>
+            <a:r>
+              <a:rPr lang="en-US" altLang="zh-CN" dirty="0" smtClean="0"/>
+              <a:t>2 * * </a:t>
+            </a:r>
+          </a:p>
+          <a:p>
+            <a:pPr lvl="1">
+              <a:buNone/>
+            </a:pPr>
+            <a:r>
+              <a:rPr lang="en-US" altLang="zh-CN" dirty="0" smtClean="0"/>
+              <a:t>1 * </a:t>
+            </a:r>
+          </a:p>
+          <a:p>
+            <a:pPr lvl="1">
+              <a:buNone/>
+            </a:pPr>
+            <a:r>
+              <a:rPr lang="en-US" altLang="zh-CN" dirty="0" smtClean="0"/>
+              <a:t>BLAST OFF!</a:t>
+            </a:r>
+            <a:endParaRPr lang="zh-CN" altLang="en-US" dirty="0"/>
+          </a:p>
+        </p:txBody>
+      </p:sp>
+    </p:spTree>
+  </p:cSld>
+  <p:clrMapOvr>
+    <a:masterClrMapping/>
+  </p:clrMapOvr>
+  <p:timing>
+    <p:tnLst>
+      <p:par>
+        <p:cTn id="1" dur="indefinite" restart="never" nodeType="tmRoot"/>
+      </p:par>
+    </p:tnLst>
+  </p:timing>
 </p:sld>
 </file>
 
@@ -13145,6 +13477,1299 @@
 </p:sld>
 </file>
 
+<file path=ppt/slides/slide80.xml><?xml version="1.0" encoding="utf-8"?>
+<p:sld xmlns:a="http://schemas.openxmlformats.org/drawingml/2006/main" xmlns:r="http://schemas.openxmlformats.org/officeDocument/2006/relationships" xmlns:p="http://schemas.openxmlformats.org/presentationml/2006/main">
+  <p:cSld>
+    <p:spTree>
+      <p:nvGrpSpPr>
+        <p:cNvPr id="1" name=""/>
+        <p:cNvGrpSpPr/>
+        <p:nvPr/>
+      </p:nvGrpSpPr>
+      <p:grpSpPr>
+        <a:xfrm>
+          <a:off x="0" y="0"/>
+          <a:ext cx="0" cy="0"/>
+          <a:chOff x="0" y="0"/>
+          <a:chExt cx="0" cy="0"/>
+        </a:xfrm>
+      </p:grpSpPr>
+      <p:sp>
+        <p:nvSpPr>
+          <p:cNvPr id="2" name="标题 1"/>
+          <p:cNvSpPr>
+            <a:spLocks noGrp="1"/>
+          </p:cNvSpPr>
+          <p:nvPr>
+            <p:ph type="title"/>
+          </p:nvPr>
+        </p:nvSpPr>
+        <p:spPr/>
+        <p:txBody>
+          <a:bodyPr/>
+          <a:lstStyle/>
+          <a:p>
+            <a:pPr algn="l"/>
+            <a:r>
+              <a:rPr lang="zh-CN" altLang="en-US" dirty="0" smtClean="0"/>
+              <a:t>动手试一试</a:t>
+            </a:r>
+            <a:endParaRPr lang="zh-CN" altLang="en-US" dirty="0"/>
+          </a:p>
+        </p:txBody>
+      </p:sp>
+      <p:sp>
+        <p:nvSpPr>
+          <p:cNvPr id="3" name="内容占位符 2"/>
+          <p:cNvSpPr>
+            <a:spLocks noGrp="1"/>
+          </p:cNvSpPr>
+          <p:nvPr>
+            <p:ph idx="1"/>
+          </p:nvPr>
+        </p:nvSpPr>
+        <p:spPr/>
+        <p:txBody>
+          <a:bodyPr/>
+          <a:lstStyle/>
+          <a:p>
+            <a:r>
+              <a:rPr lang="zh-CN" altLang="en-US" dirty="0" smtClean="0"/>
+              <a:t>还记得第 </a:t>
+            </a:r>
+            <a:r>
+              <a:rPr lang="en-US" altLang="zh-CN" dirty="0" smtClean="0"/>
+              <a:t>8 </a:t>
+            </a:r>
+            <a:r>
+              <a:rPr lang="zh-CN" altLang="en-US" dirty="0" smtClean="0"/>
+              <a:t>章创建的倒计时定时器程序吗？在这儿呢，提醒你一下：</a:t>
+            </a:r>
+            <a:endParaRPr lang="en-US" altLang="zh-CN" dirty="0" smtClean="0"/>
+          </a:p>
+          <a:p>
+            <a:pPr lvl="1">
+              <a:buNone/>
+            </a:pPr>
+            <a:r>
+              <a:rPr lang="en-US" altLang="zh-CN" dirty="0" smtClean="0"/>
+              <a:t>import time</a:t>
+            </a:r>
+          </a:p>
+          <a:p>
+            <a:pPr lvl="1">
+              <a:buNone/>
+            </a:pPr>
+            <a:r>
+              <a:rPr lang="en-US" altLang="zh-CN" dirty="0" smtClean="0"/>
+              <a:t>for </a:t>
+            </a:r>
+            <a:r>
+              <a:rPr lang="en-US" altLang="zh-CN" dirty="0" err="1" smtClean="0"/>
+              <a:t>i</a:t>
+            </a:r>
+            <a:r>
+              <a:rPr lang="en-US" altLang="zh-CN" dirty="0" smtClean="0"/>
+              <a:t> in range (10, 0, -1):</a:t>
+            </a:r>
+          </a:p>
+          <a:p>
+            <a:pPr lvl="2">
+              <a:buNone/>
+            </a:pPr>
+            <a:r>
+              <a:rPr lang="en-US" altLang="zh-CN" dirty="0" smtClean="0"/>
+              <a:t> print( </a:t>
+            </a:r>
+            <a:r>
+              <a:rPr lang="en-US" altLang="zh-CN" dirty="0" err="1" smtClean="0"/>
+              <a:t>i</a:t>
+            </a:r>
+            <a:r>
+              <a:rPr lang="en-US" altLang="zh-CN" dirty="0" smtClean="0"/>
+              <a:t>)</a:t>
+            </a:r>
+          </a:p>
+          <a:p>
+            <a:pPr lvl="2">
+              <a:buNone/>
+            </a:pPr>
+            <a:r>
+              <a:rPr lang="en-US" altLang="zh-CN" dirty="0" smtClean="0"/>
+              <a:t> </a:t>
+            </a:r>
+            <a:r>
+              <a:rPr lang="en-US" altLang="zh-CN" dirty="0" err="1" smtClean="0"/>
+              <a:t>time.sleep</a:t>
+            </a:r>
+            <a:r>
+              <a:rPr lang="en-US" altLang="zh-CN" dirty="0" smtClean="0"/>
+              <a:t>(1)</a:t>
+            </a:r>
+          </a:p>
+          <a:p>
+            <a:pPr lvl="1">
+              <a:buNone/>
+            </a:pPr>
+            <a:r>
+              <a:rPr lang="en-US" altLang="zh-CN" dirty="0" smtClean="0"/>
+              <a:t> print "BLAST OFF!" </a:t>
+            </a:r>
+          </a:p>
+          <a:p>
+            <a:pPr lvl="1">
+              <a:buNone/>
+            </a:pPr>
+            <a:r>
+              <a:rPr lang="zh-CN" altLang="en-US" dirty="0" smtClean="0"/>
+              <a:t>使用一个可变循环修改程序。这个程序要询问用户向下计数应当从哪里开始</a:t>
+            </a:r>
+            <a:r>
+              <a:rPr lang="en-US" altLang="zh-CN" smtClean="0"/>
+              <a:t>.</a:t>
+            </a:r>
+            <a:endParaRPr lang="zh-CN" altLang="en-US" dirty="0"/>
+          </a:p>
+        </p:txBody>
+      </p:sp>
+    </p:spTree>
+  </p:cSld>
+  <p:clrMapOvr>
+    <a:masterClrMapping/>
+  </p:clrMapOvr>
+  <p:timing>
+    <p:tnLst>
+      <p:par>
+        <p:cTn id="1" dur="indefinite" restart="never" nodeType="tmRoot"/>
+      </p:par>
+    </p:tnLst>
+  </p:timing>
+</p:sld>
+</file>
+
+<file path=ppt/slides/slide81.xml><?xml version="1.0" encoding="utf-8"?>
+<p:sld xmlns:a="http://schemas.openxmlformats.org/drawingml/2006/main" xmlns:r="http://schemas.openxmlformats.org/officeDocument/2006/relationships" xmlns:p="http://schemas.openxmlformats.org/presentationml/2006/main">
+  <p:cSld>
+    <p:spTree>
+      <p:nvGrpSpPr>
+        <p:cNvPr id="1" name=""/>
+        <p:cNvGrpSpPr/>
+        <p:nvPr/>
+      </p:nvGrpSpPr>
+      <p:grpSpPr>
+        <a:xfrm>
+          <a:off x="0" y="0"/>
+          <a:ext cx="0" cy="0"/>
+          <a:chOff x="0" y="0"/>
+          <a:chExt cx="0" cy="0"/>
+        </a:xfrm>
+      </p:grpSpPr>
+      <p:sp>
+        <p:nvSpPr>
+          <p:cNvPr id="2" name="标题 1"/>
+          <p:cNvSpPr>
+            <a:spLocks noGrp="1"/>
+          </p:cNvSpPr>
+          <p:nvPr>
+            <p:ph type="title"/>
+          </p:nvPr>
+        </p:nvSpPr>
+        <p:spPr/>
+        <p:txBody>
+          <a:bodyPr/>
+          <a:lstStyle/>
+          <a:p>
+            <a:r>
+              <a:rPr lang="en-US" altLang="zh-CN" dirty="0" smtClean="0"/>
+              <a:t>8</a:t>
+            </a:r>
+            <a:endParaRPr lang="zh-CN" altLang="en-US" dirty="0"/>
+          </a:p>
+        </p:txBody>
+      </p:sp>
+      <p:sp>
+        <p:nvSpPr>
+          <p:cNvPr id="3" name="内容占位符 2"/>
+          <p:cNvSpPr>
+            <a:spLocks noGrp="1"/>
+          </p:cNvSpPr>
+          <p:nvPr>
+            <p:ph idx="1"/>
+          </p:nvPr>
+        </p:nvSpPr>
+        <p:spPr/>
+        <p:txBody>
+          <a:bodyPr/>
+          <a:lstStyle/>
+          <a:p>
+            <a:endParaRPr lang="zh-CN" altLang="en-US"/>
+          </a:p>
+        </p:txBody>
+      </p:sp>
+    </p:spTree>
+  </p:cSld>
+  <p:clrMapOvr>
+    <a:masterClrMapping/>
+  </p:clrMapOvr>
+  <p:timing>
+    <p:tnLst>
+      <p:par>
+        <p:cTn id="1" dur="indefinite" restart="never" nodeType="tmRoot"/>
+      </p:par>
+    </p:tnLst>
+  </p:timing>
+</p:sld>
+</file>
+
+<file path=ppt/slides/slide82.xml><?xml version="1.0" encoding="utf-8"?>
+<p:sld xmlns:a="http://schemas.openxmlformats.org/drawingml/2006/main" xmlns:r="http://schemas.openxmlformats.org/officeDocument/2006/relationships" xmlns:p="http://schemas.openxmlformats.org/presentationml/2006/main">
+  <p:cSld>
+    <p:spTree>
+      <p:nvGrpSpPr>
+        <p:cNvPr id="1" name=""/>
+        <p:cNvGrpSpPr/>
+        <p:nvPr/>
+      </p:nvGrpSpPr>
+      <p:grpSpPr>
+        <a:xfrm>
+          <a:off x="0" y="0"/>
+          <a:ext cx="0" cy="0"/>
+          <a:chOff x="0" y="0"/>
+          <a:chExt cx="0" cy="0"/>
+        </a:xfrm>
+      </p:grpSpPr>
+      <p:sp>
+        <p:nvSpPr>
+          <p:cNvPr id="2" name="标题 1"/>
+          <p:cNvSpPr>
+            <a:spLocks noGrp="1"/>
+          </p:cNvSpPr>
+          <p:nvPr>
+            <p:ph type="title"/>
+          </p:nvPr>
+        </p:nvSpPr>
+        <p:spPr/>
+        <p:txBody>
+          <a:bodyPr>
+            <a:normAutofit/>
+          </a:bodyPr>
+          <a:lstStyle/>
+          <a:p>
+            <a:pPr algn="l"/>
+            <a:r>
+              <a:rPr lang="en-US" altLang="zh-CN" dirty="0" smtClean="0"/>
+              <a:t>12 </a:t>
+            </a:r>
+            <a:r>
+              <a:rPr lang="zh-CN" altLang="en-US" dirty="0" smtClean="0"/>
+              <a:t>收集起来</a:t>
+            </a:r>
+            <a:r>
+              <a:rPr lang="en-US" altLang="zh-CN" dirty="0" smtClean="0"/>
+              <a:t>—</a:t>
+            </a:r>
+            <a:r>
+              <a:rPr lang="zh-CN" altLang="en-US" dirty="0" smtClean="0"/>
+              <a:t>列表与字典</a:t>
+            </a:r>
+            <a:endParaRPr lang="zh-CN" altLang="en-US" dirty="0"/>
+          </a:p>
+        </p:txBody>
+      </p:sp>
+      <p:sp>
+        <p:nvSpPr>
+          <p:cNvPr id="3" name="内容占位符 2"/>
+          <p:cNvSpPr>
+            <a:spLocks noGrp="1"/>
+          </p:cNvSpPr>
+          <p:nvPr>
+            <p:ph idx="1"/>
+          </p:nvPr>
+        </p:nvSpPr>
+        <p:spPr/>
+        <p:txBody>
+          <a:bodyPr/>
+          <a:lstStyle/>
+          <a:p>
+            <a:endParaRPr lang="zh-CN" altLang="en-US" dirty="0"/>
+          </a:p>
+        </p:txBody>
+      </p:sp>
+    </p:spTree>
+  </p:cSld>
+  <p:clrMapOvr>
+    <a:masterClrMapping/>
+  </p:clrMapOvr>
+  <p:timing>
+    <p:tnLst>
+      <p:par>
+        <p:cTn id="1" dur="indefinite" restart="never" nodeType="tmRoot"/>
+      </p:par>
+    </p:tnLst>
+  </p:timing>
+</p:sld>
+</file>
+
+<file path=ppt/slides/slide83.xml><?xml version="1.0" encoding="utf-8"?>
+<p:sld xmlns:a="http://schemas.openxmlformats.org/drawingml/2006/main" xmlns:r="http://schemas.openxmlformats.org/officeDocument/2006/relationships" xmlns:p="http://schemas.openxmlformats.org/presentationml/2006/main">
+  <p:cSld>
+    <p:spTree>
+      <p:nvGrpSpPr>
+        <p:cNvPr id="1" name=""/>
+        <p:cNvGrpSpPr/>
+        <p:nvPr/>
+      </p:nvGrpSpPr>
+      <p:grpSpPr>
+        <a:xfrm>
+          <a:off x="0" y="0"/>
+          <a:ext cx="0" cy="0"/>
+          <a:chOff x="0" y="0"/>
+          <a:chExt cx="0" cy="0"/>
+        </a:xfrm>
+      </p:grpSpPr>
+      <p:sp>
+        <p:nvSpPr>
+          <p:cNvPr id="2" name="标题 1"/>
+          <p:cNvSpPr>
+            <a:spLocks noGrp="1"/>
+          </p:cNvSpPr>
+          <p:nvPr>
+            <p:ph type="title"/>
+          </p:nvPr>
+        </p:nvSpPr>
+        <p:spPr/>
+        <p:txBody>
+          <a:bodyPr/>
+          <a:lstStyle/>
+          <a:p>
+            <a:pPr algn="l"/>
+            <a:r>
+              <a:rPr lang="en-US" altLang="zh-CN" dirty="0" smtClean="0"/>
+              <a:t>12.1</a:t>
+            </a:r>
+            <a:r>
+              <a:rPr lang="zh-CN" altLang="en-US" dirty="0" smtClean="0"/>
+              <a:t>　什么是列表</a:t>
+            </a:r>
+            <a:endParaRPr lang="zh-CN" altLang="en-US" dirty="0"/>
+          </a:p>
+        </p:txBody>
+      </p:sp>
+      <p:sp>
+        <p:nvSpPr>
+          <p:cNvPr id="3" name="内容占位符 2"/>
+          <p:cNvSpPr>
+            <a:spLocks noGrp="1"/>
+          </p:cNvSpPr>
+          <p:nvPr>
+            <p:ph idx="1"/>
+          </p:nvPr>
+        </p:nvSpPr>
+        <p:spPr/>
+        <p:txBody>
+          <a:bodyPr>
+            <a:normAutofit lnSpcReduction="10000"/>
+          </a:bodyPr>
+          <a:lstStyle/>
+          <a:p>
+            <a:r>
+              <a:rPr lang="zh-CN" altLang="en-US" dirty="0" smtClean="0"/>
+              <a:t>如果我让你建一个家庭成员列表，你可能会像 右图这样写</a:t>
+            </a:r>
+            <a:endParaRPr lang="en-US" altLang="zh-CN" dirty="0" smtClean="0"/>
+          </a:p>
+          <a:p>
+            <a:pPr lvl="1"/>
+            <a:r>
+              <a:rPr lang="zh-CN" altLang="en-US" dirty="0" smtClean="0"/>
+              <a:t>在 </a:t>
+            </a:r>
+            <a:r>
+              <a:rPr lang="en-US" altLang="zh-CN" dirty="0" smtClean="0"/>
+              <a:t>Python </a:t>
+            </a:r>
+            <a:r>
+              <a:rPr lang="zh-CN" altLang="en-US" dirty="0" smtClean="0"/>
+              <a:t>中，就要写成：</a:t>
+            </a:r>
+          </a:p>
+          <a:p>
+            <a:pPr lvl="1"/>
+            <a:r>
+              <a:rPr lang="en-US" altLang="zh-CN" dirty="0" smtClean="0"/>
+              <a:t>family = ['Mom', 'Dad', 'Junior', 'Baby']</a:t>
+            </a:r>
+          </a:p>
+          <a:p>
+            <a:r>
+              <a:rPr lang="zh-CN" altLang="en-US" dirty="0" smtClean="0"/>
+              <a:t>如果我让你写下你的幸运数字，你可能会这样写：</a:t>
+            </a:r>
+            <a:endParaRPr lang="en-US" altLang="zh-CN" dirty="0" smtClean="0"/>
+          </a:p>
+          <a:p>
+            <a:pPr lvl="1"/>
+            <a:r>
+              <a:rPr lang="en-US" altLang="zh-CN" dirty="0" err="1" smtClean="0"/>
+              <a:t>luckyNumbers</a:t>
+            </a:r>
+            <a:r>
+              <a:rPr lang="en-US" altLang="zh-CN" dirty="0" smtClean="0"/>
+              <a:t> = [2, 7, 14, 26, 30]</a:t>
+            </a:r>
+          </a:p>
+          <a:p>
+            <a:r>
+              <a:rPr lang="zh-CN" altLang="en-US" dirty="0" smtClean="0"/>
+              <a:t>列表中的单个元素就叫做项 或者元素（</a:t>
+            </a:r>
+            <a:r>
+              <a:rPr lang="en-US" altLang="zh-CN" dirty="0" smtClean="0"/>
+              <a:t>item</a:t>
+            </a:r>
+            <a:r>
+              <a:rPr lang="zh-CN" altLang="en-US" dirty="0" smtClean="0"/>
+              <a:t>）</a:t>
+            </a:r>
+          </a:p>
+          <a:p>
+            <a:pPr lvl="1"/>
+            <a:endParaRPr lang="en-US" altLang="zh-CN" dirty="0" smtClean="0"/>
+          </a:p>
+        </p:txBody>
+      </p:sp>
+    </p:spTree>
+  </p:cSld>
+  <p:clrMapOvr>
+    <a:masterClrMapping/>
+  </p:clrMapOvr>
+  <p:timing>
+    <p:tnLst>
+      <p:par>
+        <p:cTn id="1" dur="indefinite" restart="never" nodeType="tmRoot"/>
+      </p:par>
+    </p:tnLst>
+  </p:timing>
+</p:sld>
+</file>
+
+<file path=ppt/slides/slide84.xml><?xml version="1.0" encoding="utf-8"?>
+<p:sld xmlns:a="http://schemas.openxmlformats.org/drawingml/2006/main" xmlns:r="http://schemas.openxmlformats.org/officeDocument/2006/relationships" xmlns:p="http://schemas.openxmlformats.org/presentationml/2006/main">
+  <p:cSld>
+    <p:spTree>
+      <p:nvGrpSpPr>
+        <p:cNvPr id="1" name=""/>
+        <p:cNvGrpSpPr/>
+        <p:nvPr/>
+      </p:nvGrpSpPr>
+      <p:grpSpPr>
+        <a:xfrm>
+          <a:off x="0" y="0"/>
+          <a:ext cx="0" cy="0"/>
+          <a:chOff x="0" y="0"/>
+          <a:chExt cx="0" cy="0"/>
+        </a:xfrm>
+      </p:grpSpPr>
+      <p:sp>
+        <p:nvSpPr>
+          <p:cNvPr id="2" name="标题 1"/>
+          <p:cNvSpPr>
+            <a:spLocks noGrp="1"/>
+          </p:cNvSpPr>
+          <p:nvPr>
+            <p:ph type="title"/>
+          </p:nvPr>
+        </p:nvSpPr>
+        <p:spPr/>
+        <p:txBody>
+          <a:bodyPr/>
+          <a:lstStyle/>
+          <a:p>
+            <a:pPr algn="l"/>
+            <a:r>
+              <a:rPr lang="en-US" altLang="zh-CN" dirty="0" smtClean="0"/>
+              <a:t>12.2</a:t>
+            </a:r>
+            <a:r>
+              <a:rPr lang="zh-CN" altLang="en-US" dirty="0" smtClean="0"/>
+              <a:t>　创建列表</a:t>
+            </a:r>
+            <a:endParaRPr lang="zh-CN" altLang="en-US" dirty="0"/>
+          </a:p>
+        </p:txBody>
+      </p:sp>
+      <p:sp>
+        <p:nvSpPr>
+          <p:cNvPr id="3" name="内容占位符 2"/>
+          <p:cNvSpPr>
+            <a:spLocks noGrp="1"/>
+          </p:cNvSpPr>
+          <p:nvPr>
+            <p:ph idx="1"/>
+          </p:nvPr>
+        </p:nvSpPr>
+        <p:spPr/>
+        <p:txBody>
+          <a:bodyPr/>
+          <a:lstStyle/>
+          <a:p>
+            <a:r>
+              <a:rPr lang="en-US" altLang="zh-CN" dirty="0" smtClean="0"/>
+              <a:t>family</a:t>
+            </a:r>
+            <a:r>
+              <a:rPr lang="zh-CN" altLang="en-US" dirty="0" smtClean="0"/>
+              <a:t>和 </a:t>
+            </a:r>
+            <a:r>
+              <a:rPr lang="en-US" altLang="zh-CN" dirty="0" err="1" smtClean="0"/>
+              <a:t>luckyNumbers</a:t>
+            </a:r>
+            <a:r>
+              <a:rPr lang="zh-CN" altLang="en-US" dirty="0" smtClean="0"/>
+              <a:t>都是变量。前面曾经说过，可以为变量赋不同类型的 值。我们已经为变量赋过数和字符串，还可以为变量赋一个列表</a:t>
+            </a:r>
+            <a:endParaRPr lang="en-US" altLang="zh-CN" dirty="0" smtClean="0"/>
+          </a:p>
+          <a:p>
+            <a:r>
+              <a:rPr lang="zh-CN" altLang="en-US" dirty="0" smtClean="0"/>
+              <a:t>另外还可以创建一个空的列表，如下： </a:t>
+            </a:r>
+            <a:r>
+              <a:rPr lang="en-US" altLang="zh-CN" dirty="0" err="1" smtClean="0"/>
+              <a:t>newList</a:t>
+            </a:r>
+            <a:r>
+              <a:rPr lang="en-US" altLang="zh-CN" dirty="0" smtClean="0"/>
+              <a:t> = []</a:t>
+            </a:r>
+          </a:p>
+          <a:p>
+            <a:endParaRPr lang="zh-CN" altLang="en-US" dirty="0"/>
+          </a:p>
+        </p:txBody>
+      </p:sp>
+    </p:spTree>
+  </p:cSld>
+  <p:clrMapOvr>
+    <a:masterClrMapping/>
+  </p:clrMapOvr>
+  <p:timing>
+    <p:tnLst>
+      <p:par>
+        <p:cTn id="1" dur="indefinite" restart="never" nodeType="tmRoot"/>
+      </p:par>
+    </p:tnLst>
+  </p:timing>
+</p:sld>
+</file>
+
+<file path=ppt/slides/slide85.xml><?xml version="1.0" encoding="utf-8"?>
+<p:sld xmlns:a="http://schemas.openxmlformats.org/drawingml/2006/main" xmlns:r="http://schemas.openxmlformats.org/officeDocument/2006/relationships" xmlns:p="http://schemas.openxmlformats.org/presentationml/2006/main">
+  <p:cSld>
+    <p:spTree>
+      <p:nvGrpSpPr>
+        <p:cNvPr id="1" name=""/>
+        <p:cNvGrpSpPr/>
+        <p:nvPr/>
+      </p:nvGrpSpPr>
+      <p:grpSpPr>
+        <a:xfrm>
+          <a:off x="0" y="0"/>
+          <a:ext cx="0" cy="0"/>
+          <a:chOff x="0" y="0"/>
+          <a:chExt cx="0" cy="0"/>
+        </a:xfrm>
+      </p:grpSpPr>
+      <p:sp>
+        <p:nvSpPr>
+          <p:cNvPr id="2" name="标题 1"/>
+          <p:cNvSpPr>
+            <a:spLocks noGrp="1"/>
+          </p:cNvSpPr>
+          <p:nvPr>
+            <p:ph type="title"/>
+          </p:nvPr>
+        </p:nvSpPr>
+        <p:spPr/>
+        <p:txBody>
+          <a:bodyPr>
+            <a:normAutofit/>
+          </a:bodyPr>
+          <a:lstStyle/>
+          <a:p>
+            <a:pPr algn="l"/>
+            <a:r>
+              <a:rPr lang="en-US" altLang="zh-CN" dirty="0" smtClean="0"/>
+              <a:t>12.3</a:t>
+            </a:r>
+            <a:r>
+              <a:rPr lang="zh-CN" altLang="en-US" dirty="0" smtClean="0"/>
+              <a:t>　向列表增加元素</a:t>
+            </a:r>
+            <a:endParaRPr lang="zh-CN" altLang="en-US" dirty="0"/>
+          </a:p>
+        </p:txBody>
+      </p:sp>
+      <p:sp>
+        <p:nvSpPr>
+          <p:cNvPr id="3" name="内容占位符 2"/>
+          <p:cNvSpPr>
+            <a:spLocks noGrp="1"/>
+          </p:cNvSpPr>
+          <p:nvPr>
+            <p:ph idx="1"/>
+          </p:nvPr>
+        </p:nvSpPr>
+        <p:spPr/>
+        <p:txBody>
+          <a:bodyPr/>
+          <a:lstStyle/>
+          <a:p>
+            <a:r>
+              <a:rPr lang="zh-CN" altLang="en-US" dirty="0" smtClean="0"/>
+              <a:t>要向列表增加元素，需要使用 </a:t>
+            </a:r>
+            <a:r>
+              <a:rPr lang="en-US" altLang="zh-CN" dirty="0" smtClean="0"/>
+              <a:t>append().</a:t>
+            </a:r>
+          </a:p>
+          <a:p>
+            <a:pPr lvl="1"/>
+            <a:r>
+              <a:rPr lang="en-US" altLang="zh-CN" dirty="0" smtClean="0"/>
+              <a:t> friends = []</a:t>
+            </a:r>
+          </a:p>
+          <a:p>
+            <a:pPr lvl="1"/>
+            <a:r>
+              <a:rPr lang="en-US" altLang="zh-CN" dirty="0" err="1" smtClean="0"/>
+              <a:t>friends.append</a:t>
+            </a:r>
+            <a:r>
+              <a:rPr lang="en-US" altLang="zh-CN" dirty="0" smtClean="0"/>
+              <a:t>('David‘)</a:t>
+            </a:r>
+          </a:p>
+          <a:p>
+            <a:r>
+              <a:rPr lang="zh-CN" altLang="en-US" dirty="0" smtClean="0"/>
+              <a:t>记住，向列表增加元素之前，必须先创建列表（可以是空列表，也可以非空</a:t>
+            </a:r>
+            <a:r>
+              <a:rPr lang="en-US" altLang="zh-CN" dirty="0" smtClean="0"/>
+              <a:t>).</a:t>
+            </a:r>
+          </a:p>
+        </p:txBody>
+      </p:sp>
+    </p:spTree>
+  </p:cSld>
+  <p:clrMapOvr>
+    <a:masterClrMapping/>
+  </p:clrMapOvr>
+  <p:timing>
+    <p:tnLst>
+      <p:par>
+        <p:cTn id="1" dur="indefinite" restart="never" nodeType="tmRoot"/>
+      </p:par>
+    </p:tnLst>
+  </p:timing>
+</p:sld>
+</file>
+
+<file path=ppt/slides/slide86.xml><?xml version="1.0" encoding="utf-8"?>
+<p:sld xmlns:a="http://schemas.openxmlformats.org/drawingml/2006/main" xmlns:r="http://schemas.openxmlformats.org/officeDocument/2006/relationships" xmlns:p="http://schemas.openxmlformats.org/presentationml/2006/main">
+  <p:cSld>
+    <p:spTree>
+      <p:nvGrpSpPr>
+        <p:cNvPr id="1" name=""/>
+        <p:cNvGrpSpPr/>
+        <p:nvPr/>
+      </p:nvGrpSpPr>
+      <p:grpSpPr>
+        <a:xfrm>
+          <a:off x="0" y="0"/>
+          <a:ext cx="0" cy="0"/>
+          <a:chOff x="0" y="0"/>
+          <a:chExt cx="0" cy="0"/>
+        </a:xfrm>
+      </p:grpSpPr>
+      <p:sp>
+        <p:nvSpPr>
+          <p:cNvPr id="2" name="标题 1"/>
+          <p:cNvSpPr>
+            <a:spLocks noGrp="1"/>
+          </p:cNvSpPr>
+          <p:nvPr>
+            <p:ph type="title"/>
+          </p:nvPr>
+        </p:nvSpPr>
+        <p:spPr/>
+        <p:txBody>
+          <a:bodyPr>
+            <a:normAutofit/>
+          </a:bodyPr>
+          <a:lstStyle/>
+          <a:p>
+            <a:pPr algn="l"/>
+            <a:r>
+              <a:rPr lang="en-US" altLang="zh-CN" dirty="0" smtClean="0"/>
+              <a:t>12.4 </a:t>
+            </a:r>
+            <a:r>
+              <a:rPr lang="zh-CN" altLang="en-US" dirty="0" smtClean="0"/>
+              <a:t>列表可以包含任何内容</a:t>
+            </a:r>
+            <a:endParaRPr lang="zh-CN" altLang="en-US" dirty="0"/>
+          </a:p>
+        </p:txBody>
+      </p:sp>
+      <p:sp>
+        <p:nvSpPr>
+          <p:cNvPr id="3" name="内容占位符 2"/>
+          <p:cNvSpPr>
+            <a:spLocks noGrp="1"/>
+          </p:cNvSpPr>
+          <p:nvPr>
+            <p:ph idx="1"/>
+          </p:nvPr>
+        </p:nvSpPr>
+        <p:spPr/>
+        <p:txBody>
+          <a:bodyPr/>
+          <a:lstStyle/>
+          <a:p>
+            <a:r>
+              <a:rPr lang="zh-CN" altLang="en-US" dirty="0" smtClean="0"/>
+              <a:t>列表可以包含 </a:t>
+            </a:r>
+            <a:r>
+              <a:rPr lang="en-US" altLang="zh-CN" dirty="0" smtClean="0"/>
+              <a:t>Python </a:t>
+            </a:r>
+            <a:r>
+              <a:rPr lang="zh-CN" altLang="en-US" dirty="0" smtClean="0"/>
+              <a:t>能存储的任何类型的数据，这包括数字、字符串、对象， 甚至可以包含其他列表。并不要求列表中的元素是同种类型或同一种东西。可能像这样： </a:t>
+            </a:r>
+            <a:endParaRPr lang="en-US" altLang="zh-CN" dirty="0" smtClean="0"/>
+          </a:p>
+          <a:p>
+            <a:pPr lvl="1"/>
+            <a:r>
+              <a:rPr lang="en-US" altLang="zh-CN" dirty="0" err="1" smtClean="0"/>
+              <a:t>my_list</a:t>
+            </a:r>
+            <a:r>
+              <a:rPr lang="en-US" altLang="zh-CN" dirty="0" smtClean="0"/>
+              <a:t> = [5, 10, 23.76, 'Hello', </a:t>
+            </a:r>
+            <a:r>
+              <a:rPr lang="en-US" altLang="zh-CN" dirty="0" err="1" smtClean="0"/>
+              <a:t>myTeacher</a:t>
+            </a:r>
+            <a:r>
+              <a:rPr lang="en-US" altLang="zh-CN" dirty="0" smtClean="0"/>
+              <a:t>, 7, </a:t>
+            </a:r>
+            <a:r>
+              <a:rPr lang="en-US" altLang="zh-CN" dirty="0" err="1" smtClean="0"/>
+              <a:t>another_list</a:t>
+            </a:r>
+            <a:r>
+              <a:rPr lang="en-US" altLang="zh-CN" dirty="0" smtClean="0"/>
+              <a:t>]</a:t>
+            </a:r>
+          </a:p>
+          <a:p>
+            <a:pPr lvl="1"/>
+            <a:endParaRPr lang="en-US" altLang="zh-CN" dirty="0" smtClean="0"/>
+          </a:p>
+        </p:txBody>
+      </p:sp>
+    </p:spTree>
+  </p:cSld>
+  <p:clrMapOvr>
+    <a:masterClrMapping/>
+  </p:clrMapOvr>
+  <p:timing>
+    <p:tnLst>
+      <p:par>
+        <p:cTn id="1" dur="indefinite" restart="never" nodeType="tmRoot"/>
+      </p:par>
+    </p:tnLst>
+  </p:timing>
+</p:sld>
+</file>
+
+<file path=ppt/slides/slide87.xml><?xml version="1.0" encoding="utf-8"?>
+<p:sld xmlns:a="http://schemas.openxmlformats.org/drawingml/2006/main" xmlns:r="http://schemas.openxmlformats.org/officeDocument/2006/relationships" xmlns:p="http://schemas.openxmlformats.org/presentationml/2006/main">
+  <p:cSld>
+    <p:spTree>
+      <p:nvGrpSpPr>
+        <p:cNvPr id="1" name=""/>
+        <p:cNvGrpSpPr/>
+        <p:nvPr/>
+      </p:nvGrpSpPr>
+      <p:grpSpPr>
+        <a:xfrm>
+          <a:off x="0" y="0"/>
+          <a:ext cx="0" cy="0"/>
+          <a:chOff x="0" y="0"/>
+          <a:chExt cx="0" cy="0"/>
+        </a:xfrm>
+      </p:grpSpPr>
+      <p:sp>
+        <p:nvSpPr>
+          <p:cNvPr id="2" name="标题 1"/>
+          <p:cNvSpPr>
+            <a:spLocks noGrp="1"/>
+          </p:cNvSpPr>
+          <p:nvPr>
+            <p:ph type="title"/>
+          </p:nvPr>
+        </p:nvSpPr>
+        <p:spPr/>
+        <p:txBody>
+          <a:bodyPr>
+            <a:normAutofit/>
+          </a:bodyPr>
+          <a:lstStyle/>
+          <a:p>
+            <a:pPr algn="l"/>
+            <a:r>
+              <a:rPr lang="en-US" altLang="zh-CN" dirty="0" smtClean="0"/>
+              <a:t>12.5</a:t>
+            </a:r>
+            <a:r>
+              <a:rPr lang="zh-CN" altLang="en-US" dirty="0" smtClean="0"/>
+              <a:t>从列表获取元素</a:t>
+            </a:r>
+            <a:endParaRPr lang="zh-CN" altLang="en-US" dirty="0"/>
+          </a:p>
+        </p:txBody>
+      </p:sp>
+      <p:sp>
+        <p:nvSpPr>
+          <p:cNvPr id="3" name="内容占位符 2"/>
+          <p:cNvSpPr>
+            <a:spLocks noGrp="1"/>
+          </p:cNvSpPr>
+          <p:nvPr>
+            <p:ph idx="1"/>
+          </p:nvPr>
+        </p:nvSpPr>
+        <p:spPr/>
+        <p:txBody>
+          <a:bodyPr>
+            <a:normAutofit/>
+          </a:bodyPr>
+          <a:lstStyle/>
+          <a:p>
+            <a:r>
+              <a:rPr lang="zh-CN" altLang="en-US" dirty="0" smtClean="0"/>
+              <a:t>可以按元素的</a:t>
+            </a:r>
+            <a:r>
+              <a:rPr lang="zh-CN" altLang="en-US" b="1" dirty="0" smtClean="0"/>
+              <a:t>索引（</a:t>
+            </a:r>
+            <a:r>
+              <a:rPr lang="en-US" altLang="zh-CN" b="1" dirty="0" smtClean="0"/>
+              <a:t>index</a:t>
+            </a:r>
+            <a:r>
+              <a:rPr lang="zh-CN" altLang="en-US" b="1" dirty="0" smtClean="0"/>
+              <a:t>）</a:t>
+            </a:r>
+            <a:r>
+              <a:rPr lang="zh-CN" altLang="en-US" dirty="0" smtClean="0"/>
+              <a:t>号从列表获取单个元素。列表索引从 </a:t>
+            </a:r>
+            <a:r>
+              <a:rPr lang="en-US" altLang="zh-CN" dirty="0" smtClean="0"/>
+              <a:t>0 </a:t>
+            </a:r>
+            <a:r>
+              <a:rPr lang="zh-CN" altLang="en-US" dirty="0" smtClean="0"/>
+              <a:t>开始，所以 这个列表中的第一项就是 </a:t>
+            </a:r>
+            <a:r>
+              <a:rPr lang="en-US" altLang="zh-CN" dirty="0" smtClean="0"/>
+              <a:t>letters[0]</a:t>
+            </a:r>
+          </a:p>
+          <a:p>
+            <a:pPr lvl="1"/>
+            <a:r>
+              <a:rPr lang="en-US" altLang="zh-CN" dirty="0" smtClean="0"/>
+              <a:t>print letters[0]</a:t>
+            </a:r>
+          </a:p>
+          <a:p>
+            <a:r>
+              <a:rPr lang="zh-CN" altLang="en-US" dirty="0" smtClean="0"/>
+              <a:t>再来一个</a:t>
+            </a:r>
+            <a:endParaRPr lang="en-US" altLang="zh-CN" dirty="0" smtClean="0"/>
+          </a:p>
+          <a:p>
+            <a:pPr lvl="1"/>
+            <a:r>
+              <a:rPr lang="en-US" altLang="zh-CN" dirty="0" smtClean="0"/>
+              <a:t> print letters[3]</a:t>
+            </a:r>
+          </a:p>
+          <a:p>
+            <a:r>
+              <a:rPr lang="zh-CN" altLang="en-US" dirty="0" smtClean="0"/>
+              <a:t>为什么索引从 </a:t>
+            </a:r>
+            <a:r>
+              <a:rPr lang="en-US" altLang="zh-CN" dirty="0" smtClean="0"/>
+              <a:t>0 </a:t>
+            </a:r>
+            <a:r>
+              <a:rPr lang="zh-CN" altLang="en-US" dirty="0" smtClean="0"/>
+              <a:t>而不是 </a:t>
+            </a:r>
+            <a:r>
+              <a:rPr lang="en-US" altLang="zh-CN" dirty="0" smtClean="0"/>
+              <a:t>1 </a:t>
+            </a:r>
+            <a:r>
+              <a:rPr lang="zh-CN" altLang="en-US" dirty="0" smtClean="0"/>
+              <a:t>开始？</a:t>
+            </a:r>
+          </a:p>
+          <a:p>
+            <a:pPr lvl="1"/>
+            <a:endParaRPr lang="en-US" altLang="zh-CN" dirty="0" smtClean="0"/>
+          </a:p>
+          <a:p>
+            <a:pPr lvl="1"/>
+            <a:endParaRPr lang="en-US" altLang="zh-CN" dirty="0" smtClean="0"/>
+          </a:p>
+        </p:txBody>
+      </p:sp>
+    </p:spTree>
+  </p:cSld>
+  <p:clrMapOvr>
+    <a:masterClrMapping/>
+  </p:clrMapOvr>
+  <p:timing>
+    <p:tnLst>
+      <p:par>
+        <p:cTn id="1" dur="indefinite" restart="never" nodeType="tmRoot"/>
+      </p:par>
+    </p:tnLst>
+  </p:timing>
+</p:sld>
+</file>
+
+<file path=ppt/slides/slide88.xml><?xml version="1.0" encoding="utf-8"?>
+<p:sld xmlns:a="http://schemas.openxmlformats.org/drawingml/2006/main" xmlns:r="http://schemas.openxmlformats.org/officeDocument/2006/relationships" xmlns:p="http://schemas.openxmlformats.org/presentationml/2006/main">
+  <p:cSld>
+    <p:spTree>
+      <p:nvGrpSpPr>
+        <p:cNvPr id="1" name=""/>
+        <p:cNvGrpSpPr/>
+        <p:nvPr/>
+      </p:nvGrpSpPr>
+      <p:grpSpPr>
+        <a:xfrm>
+          <a:off x="0" y="0"/>
+          <a:ext cx="0" cy="0"/>
+          <a:chOff x="0" y="0"/>
+          <a:chExt cx="0" cy="0"/>
+        </a:xfrm>
+      </p:grpSpPr>
+      <p:sp>
+        <p:nvSpPr>
+          <p:cNvPr id="2" name="标题 1"/>
+          <p:cNvSpPr>
+            <a:spLocks noGrp="1"/>
+          </p:cNvSpPr>
+          <p:nvPr>
+            <p:ph type="title"/>
+          </p:nvPr>
+        </p:nvSpPr>
+        <p:spPr/>
+        <p:txBody>
+          <a:bodyPr>
+            <a:normAutofit/>
+          </a:bodyPr>
+          <a:lstStyle/>
+          <a:p>
+            <a:pPr algn="l"/>
+            <a:r>
+              <a:rPr lang="en-US" altLang="zh-CN" dirty="0" smtClean="0"/>
+              <a:t>12.6 </a:t>
+            </a:r>
+            <a:r>
+              <a:rPr lang="zh-CN" altLang="en-US" dirty="0" smtClean="0"/>
+              <a:t>列表“分片”</a:t>
+            </a:r>
+            <a:endParaRPr lang="zh-CN" altLang="en-US" dirty="0"/>
+          </a:p>
+        </p:txBody>
+      </p:sp>
+      <p:sp>
+        <p:nvSpPr>
+          <p:cNvPr id="3" name="内容占位符 2"/>
+          <p:cNvSpPr>
+            <a:spLocks noGrp="1"/>
+          </p:cNvSpPr>
+          <p:nvPr>
+            <p:ph idx="1"/>
+          </p:nvPr>
+        </p:nvSpPr>
+        <p:spPr/>
+        <p:txBody>
+          <a:bodyPr>
+            <a:normAutofit fontScale="85000" lnSpcReduction="10000"/>
+          </a:bodyPr>
+          <a:lstStyle/>
+          <a:p>
+            <a:r>
+              <a:rPr lang="zh-CN" altLang="en-US" dirty="0" smtClean="0"/>
+              <a:t>还可以使用索引从列表一次获取多个元素。这叫做列表分片（</a:t>
+            </a:r>
+            <a:r>
+              <a:rPr lang="en-US" altLang="zh-CN" dirty="0" smtClean="0"/>
+              <a:t>slicing</a:t>
+            </a:r>
+            <a:r>
+              <a:rPr lang="zh-CN" altLang="en-US" dirty="0" smtClean="0"/>
+              <a:t>）。</a:t>
+            </a:r>
+          </a:p>
+          <a:p>
+            <a:pPr lvl="1"/>
+            <a:r>
+              <a:rPr lang="en-US" altLang="zh-CN" dirty="0" smtClean="0"/>
+              <a:t>print letters[1:4]</a:t>
+            </a:r>
+          </a:p>
+          <a:p>
+            <a:pPr lvl="1"/>
+            <a:r>
+              <a:rPr lang="en-US" altLang="zh-CN" dirty="0" smtClean="0"/>
+              <a:t>     ['b', 'c', 'd']</a:t>
+            </a:r>
+          </a:p>
+          <a:p>
+            <a:r>
+              <a:rPr lang="zh-CN" altLang="en-US" dirty="0" smtClean="0"/>
+              <a:t>与 </a:t>
+            </a:r>
+            <a:r>
+              <a:rPr lang="en-US" altLang="zh-CN" dirty="0" smtClean="0"/>
+              <a:t>for</a:t>
+            </a:r>
+            <a:r>
+              <a:rPr lang="zh-CN" altLang="en-US" dirty="0" smtClean="0"/>
+              <a:t>循环中的 </a:t>
+            </a:r>
+            <a:r>
+              <a:rPr lang="en-US" altLang="zh-CN" dirty="0" smtClean="0"/>
+              <a:t>range()</a:t>
+            </a:r>
+            <a:r>
+              <a:rPr lang="zh-CN" altLang="en-US" dirty="0" smtClean="0"/>
+              <a:t>类似，分片获取元素时，会从第一个索引开始，不过 在达到第二个索引之前停止。 </a:t>
+            </a:r>
+            <a:endParaRPr lang="en-US" altLang="zh-CN" dirty="0" smtClean="0"/>
+          </a:p>
+          <a:p>
+            <a:r>
+              <a:rPr lang="zh-CN" altLang="en-US" dirty="0" smtClean="0"/>
+              <a:t>还有一个重要的问题需要记住：对列表分片时取回的是另一个 （通常更小的）列表。这个更小的列表称为原列表的一个分片（</a:t>
+            </a:r>
+            <a:r>
+              <a:rPr lang="en-US" altLang="zh-CN" dirty="0" smtClean="0"/>
+              <a:t>slice</a:t>
+            </a:r>
+            <a:r>
+              <a:rPr lang="zh-CN" altLang="en-US" dirty="0" smtClean="0"/>
+              <a:t>）。原来的列表并没有改变。这个分片是原列表的部分副本（</a:t>
+            </a:r>
+            <a:r>
+              <a:rPr lang="en-US" altLang="zh-CN" dirty="0" smtClean="0"/>
+              <a:t>copy</a:t>
+            </a:r>
+            <a:r>
+              <a:rPr lang="zh-CN" altLang="en-US" dirty="0" smtClean="0"/>
+              <a:t>）。</a:t>
+            </a:r>
+            <a:endParaRPr lang="en-US" altLang="zh-CN" dirty="0" smtClean="0"/>
+          </a:p>
+          <a:p>
+            <a:pPr lvl="1"/>
+            <a:endParaRPr lang="en-US" altLang="zh-CN" dirty="0" smtClean="0"/>
+          </a:p>
+        </p:txBody>
+      </p:sp>
+    </p:spTree>
+  </p:cSld>
+  <p:clrMapOvr>
+    <a:masterClrMapping/>
+  </p:clrMapOvr>
+  <p:timing>
+    <p:tnLst>
+      <p:par>
+        <p:cTn id="1" dur="indefinite" restart="never" nodeType="tmRoot"/>
+      </p:par>
+    </p:tnLst>
+  </p:timing>
+</p:sld>
+</file>
+
+<file path=ppt/slides/slide89.xml><?xml version="1.0" encoding="utf-8"?>
+<p:sld xmlns:a="http://schemas.openxmlformats.org/drawingml/2006/main" xmlns:r="http://schemas.openxmlformats.org/officeDocument/2006/relationships" xmlns:p="http://schemas.openxmlformats.org/presentationml/2006/main">
+  <p:cSld>
+    <p:spTree>
+      <p:nvGrpSpPr>
+        <p:cNvPr id="1" name=""/>
+        <p:cNvGrpSpPr/>
+        <p:nvPr/>
+      </p:nvGrpSpPr>
+      <p:grpSpPr>
+        <a:xfrm>
+          <a:off x="0" y="0"/>
+          <a:ext cx="0" cy="0"/>
+          <a:chOff x="0" y="0"/>
+          <a:chExt cx="0" cy="0"/>
+        </a:xfrm>
+      </p:grpSpPr>
+      <p:sp>
+        <p:nvSpPr>
+          <p:cNvPr id="2" name="标题 1"/>
+          <p:cNvSpPr>
+            <a:spLocks noGrp="1"/>
+          </p:cNvSpPr>
+          <p:nvPr>
+            <p:ph type="title"/>
+          </p:nvPr>
+        </p:nvSpPr>
+        <p:spPr/>
+        <p:txBody>
+          <a:bodyPr>
+            <a:normAutofit/>
+          </a:bodyPr>
+          <a:lstStyle/>
+          <a:p>
+            <a:pPr algn="l"/>
+            <a:r>
+              <a:rPr lang="en-US" altLang="zh-CN" dirty="0" smtClean="0"/>
+              <a:t>12.6 </a:t>
+            </a:r>
+            <a:r>
+              <a:rPr lang="zh-CN" altLang="en-US" dirty="0" smtClean="0"/>
+              <a:t>列表“分片”</a:t>
+            </a:r>
+            <a:endParaRPr lang="zh-CN" altLang="en-US" dirty="0"/>
+          </a:p>
+        </p:txBody>
+      </p:sp>
+      <p:sp>
+        <p:nvSpPr>
+          <p:cNvPr id="3" name="内容占位符 2"/>
+          <p:cNvSpPr>
+            <a:spLocks noGrp="1"/>
+          </p:cNvSpPr>
+          <p:nvPr>
+            <p:ph idx="1"/>
+          </p:nvPr>
+        </p:nvSpPr>
+        <p:spPr/>
+        <p:txBody>
+          <a:bodyPr>
+            <a:normAutofit lnSpcReduction="10000"/>
+          </a:bodyPr>
+          <a:lstStyle/>
+          <a:p>
+            <a:r>
+              <a:rPr lang="zh-CN" altLang="en-US" dirty="0" smtClean="0"/>
+              <a:t>要真正了解二者的区别，可以试试这些命令：</a:t>
+            </a:r>
+          </a:p>
+          <a:p>
+            <a:pPr lvl="1"/>
+            <a:r>
+              <a:rPr lang="en-US" altLang="zh-CN" dirty="0" smtClean="0"/>
+              <a:t>&gt;&gt;&gt; print type(letters[1])</a:t>
+            </a:r>
+          </a:p>
+          <a:p>
+            <a:pPr lvl="1"/>
+            <a:r>
+              <a:rPr lang="en-US" altLang="zh-CN" dirty="0" smtClean="0"/>
+              <a:t>       &lt;type '</a:t>
+            </a:r>
+            <a:r>
+              <a:rPr lang="en-US" altLang="zh-CN" dirty="0" err="1" smtClean="0"/>
+              <a:t>str</a:t>
+            </a:r>
+            <a:r>
+              <a:rPr lang="en-US" altLang="zh-CN" dirty="0" smtClean="0"/>
+              <a:t>'&gt;</a:t>
+            </a:r>
+          </a:p>
+          <a:p>
+            <a:pPr lvl="1"/>
+            <a:r>
+              <a:rPr lang="en-US" altLang="zh-CN" dirty="0" smtClean="0"/>
+              <a:t> &gt;&gt;&gt; print type(letters[1:2])</a:t>
+            </a:r>
+          </a:p>
+          <a:p>
+            <a:pPr lvl="1"/>
+            <a:r>
+              <a:rPr lang="en-US" altLang="zh-CN" dirty="0" smtClean="0"/>
+              <a:t>       &lt;type 'list'&gt;</a:t>
+            </a:r>
+          </a:p>
+          <a:p>
+            <a:r>
+              <a:rPr lang="zh-CN" altLang="en-US" dirty="0" smtClean="0"/>
+              <a:t>分片简写</a:t>
+            </a:r>
+          </a:p>
+          <a:p>
+            <a:pPr lvl="1"/>
+            <a:r>
+              <a:rPr lang="en-US" altLang="zh-CN" dirty="0" smtClean="0"/>
+              <a:t> print letters[:2] </a:t>
+            </a:r>
+          </a:p>
+          <a:p>
+            <a:pPr lvl="1"/>
+            <a:r>
+              <a:rPr lang="en-US" altLang="zh-CN" dirty="0" smtClean="0"/>
+              <a:t> print letters[2:] </a:t>
+            </a:r>
+          </a:p>
+        </p:txBody>
+      </p:sp>
+    </p:spTree>
+  </p:cSld>
+  <p:clrMapOvr>
+    <a:masterClrMapping/>
+  </p:clrMapOvr>
+  <p:timing>
+    <p:tnLst>
+      <p:par>
+        <p:cTn id="1" dur="indefinite" restart="never" nodeType="tmRoot"/>
+      </p:par>
+    </p:tnLst>
+  </p:timing>
+</p:sld>
+</file>
+
 <file path=ppt/slides/slide9.xml><?xml version="1.0" encoding="utf-8"?>
 <p:sld xmlns:a="http://schemas.openxmlformats.org/drawingml/2006/main" xmlns:r="http://schemas.openxmlformats.org/officeDocument/2006/relationships" xmlns:p="http://schemas.openxmlformats.org/presentationml/2006/main">
   <p:cSld>
@@ -13233,6 +14858,1700 @@
               <a:t>猜到的数字与秘密数一致时，获胜</a:t>
             </a:r>
             <a:endParaRPr lang="zh-CN" altLang="en-US" dirty="0"/>
+          </a:p>
+        </p:txBody>
+      </p:sp>
+    </p:spTree>
+  </p:cSld>
+  <p:clrMapOvr>
+    <a:masterClrMapping/>
+  </p:clrMapOvr>
+  <p:timing>
+    <p:tnLst>
+      <p:par>
+        <p:cTn id="1" dur="indefinite" restart="never" nodeType="tmRoot"/>
+      </p:par>
+    </p:tnLst>
+  </p:timing>
+</p:sld>
+</file>
+
+<file path=ppt/slides/slide90.xml><?xml version="1.0" encoding="utf-8"?>
+<p:sld xmlns:a="http://schemas.openxmlformats.org/drawingml/2006/main" xmlns:r="http://schemas.openxmlformats.org/officeDocument/2006/relationships" xmlns:p="http://schemas.openxmlformats.org/presentationml/2006/main">
+  <p:cSld>
+    <p:spTree>
+      <p:nvGrpSpPr>
+        <p:cNvPr id="1" name=""/>
+        <p:cNvGrpSpPr/>
+        <p:nvPr/>
+      </p:nvGrpSpPr>
+      <p:grpSpPr>
+        <a:xfrm>
+          <a:off x="0" y="0"/>
+          <a:ext cx="0" cy="0"/>
+          <a:chOff x="0" y="0"/>
+          <a:chExt cx="0" cy="0"/>
+        </a:xfrm>
+      </p:grpSpPr>
+      <p:sp>
+        <p:nvSpPr>
+          <p:cNvPr id="2" name="标题 1"/>
+          <p:cNvSpPr>
+            <a:spLocks noGrp="1"/>
+          </p:cNvSpPr>
+          <p:nvPr>
+            <p:ph type="title"/>
+          </p:nvPr>
+        </p:nvSpPr>
+        <p:spPr/>
+        <p:txBody>
+          <a:bodyPr>
+            <a:normAutofit/>
+          </a:bodyPr>
+          <a:lstStyle/>
+          <a:p>
+            <a:pPr algn="l"/>
+            <a:r>
+              <a:rPr lang="en-US" altLang="zh-CN" dirty="0" smtClean="0"/>
+              <a:t>12.7</a:t>
+            </a:r>
+            <a:r>
+              <a:rPr lang="zh-CN" altLang="en-US" dirty="0" smtClean="0"/>
+              <a:t>修改元素</a:t>
+            </a:r>
+            <a:endParaRPr lang="zh-CN" altLang="en-US" dirty="0"/>
+          </a:p>
+        </p:txBody>
+      </p:sp>
+      <p:sp>
+        <p:nvSpPr>
+          <p:cNvPr id="3" name="内容占位符 2"/>
+          <p:cNvSpPr>
+            <a:spLocks noGrp="1"/>
+          </p:cNvSpPr>
+          <p:nvPr>
+            <p:ph idx="1"/>
+          </p:nvPr>
+        </p:nvSpPr>
+        <p:spPr/>
+        <p:txBody>
+          <a:bodyPr>
+            <a:normAutofit/>
+          </a:bodyPr>
+          <a:lstStyle/>
+          <a:p>
+            <a:r>
+              <a:rPr lang="en-US" altLang="zh-CN" dirty="0" smtClean="0"/>
+              <a:t>&gt;&gt;&gt; print </a:t>
+            </a:r>
+            <a:r>
+              <a:rPr lang="en-US" altLang="zh-CN" dirty="0" smtClean="0"/>
+              <a:t>(letters )</a:t>
+            </a:r>
+            <a:endParaRPr lang="en-US" altLang="zh-CN" dirty="0" smtClean="0"/>
+          </a:p>
+          <a:p>
+            <a:pPr lvl="1"/>
+            <a:r>
+              <a:rPr lang="en-US" altLang="zh-CN" dirty="0" smtClean="0"/>
+              <a:t>['a', 'b', 'c', 'd', 'e']</a:t>
+            </a:r>
+          </a:p>
+          <a:p>
+            <a:r>
+              <a:rPr lang="en-US" altLang="zh-CN" dirty="0" smtClean="0"/>
+              <a:t> &gt;&gt;&gt; letters[2] = 'z' </a:t>
+            </a:r>
+          </a:p>
+          <a:p>
+            <a:r>
+              <a:rPr lang="en-US" altLang="zh-CN" dirty="0" smtClean="0"/>
+              <a:t>&gt;&gt;&gt; print </a:t>
+            </a:r>
+            <a:r>
+              <a:rPr lang="en-US" altLang="zh-CN" dirty="0" smtClean="0"/>
+              <a:t>(letters )</a:t>
+            </a:r>
+            <a:endParaRPr lang="en-US" altLang="zh-CN" dirty="0" smtClean="0"/>
+          </a:p>
+          <a:p>
+            <a:pPr lvl="1"/>
+            <a:r>
+              <a:rPr lang="en-US" altLang="zh-CN" dirty="0" smtClean="0"/>
+              <a:t>['a', 'b', 'z', 'd', 'e']</a:t>
+            </a:r>
+          </a:p>
+        </p:txBody>
+      </p:sp>
+    </p:spTree>
+  </p:cSld>
+  <p:clrMapOvr>
+    <a:masterClrMapping/>
+  </p:clrMapOvr>
+  <p:timing>
+    <p:tnLst>
+      <p:par>
+        <p:cTn id="1" dur="indefinite" restart="never" nodeType="tmRoot"/>
+      </p:par>
+    </p:tnLst>
+  </p:timing>
+</p:sld>
+</file>
+
+<file path=ppt/slides/slide91.xml><?xml version="1.0" encoding="utf-8"?>
+<p:sld xmlns:a="http://schemas.openxmlformats.org/drawingml/2006/main" xmlns:r="http://schemas.openxmlformats.org/officeDocument/2006/relationships" xmlns:p="http://schemas.openxmlformats.org/presentationml/2006/main">
+  <p:cSld>
+    <p:spTree>
+      <p:nvGrpSpPr>
+        <p:cNvPr id="1" name=""/>
+        <p:cNvGrpSpPr/>
+        <p:nvPr/>
+      </p:nvGrpSpPr>
+      <p:grpSpPr>
+        <a:xfrm>
+          <a:off x="0" y="0"/>
+          <a:ext cx="0" cy="0"/>
+          <a:chOff x="0" y="0"/>
+          <a:chExt cx="0" cy="0"/>
+        </a:xfrm>
+      </p:grpSpPr>
+      <p:sp>
+        <p:nvSpPr>
+          <p:cNvPr id="2" name="标题 1"/>
+          <p:cNvSpPr>
+            <a:spLocks noGrp="1"/>
+          </p:cNvSpPr>
+          <p:nvPr>
+            <p:ph type="title"/>
+          </p:nvPr>
+        </p:nvSpPr>
+        <p:spPr/>
+        <p:txBody>
+          <a:bodyPr>
+            <a:normAutofit/>
+          </a:bodyPr>
+          <a:lstStyle/>
+          <a:p>
+            <a:pPr algn="l"/>
+            <a:r>
+              <a:rPr lang="en-US" altLang="zh-CN" dirty="0" smtClean="0"/>
+              <a:t>12.8</a:t>
+            </a:r>
+            <a:r>
+              <a:rPr lang="zh-CN" altLang="en-US" dirty="0" smtClean="0"/>
+              <a:t>向列表增加元素的其他方法</a:t>
+            </a:r>
+            <a:endParaRPr lang="zh-CN" altLang="en-US" dirty="0"/>
+          </a:p>
+        </p:txBody>
+      </p:sp>
+      <p:sp>
+        <p:nvSpPr>
+          <p:cNvPr id="3" name="内容占位符 2"/>
+          <p:cNvSpPr>
+            <a:spLocks noGrp="1"/>
+          </p:cNvSpPr>
+          <p:nvPr>
+            <p:ph idx="1"/>
+          </p:nvPr>
+        </p:nvSpPr>
+        <p:spPr/>
+        <p:txBody>
+          <a:bodyPr>
+            <a:normAutofit lnSpcReduction="10000"/>
+          </a:bodyPr>
+          <a:lstStyle/>
+          <a:p>
+            <a:r>
+              <a:rPr lang="zh-CN" altLang="en-US" dirty="0" smtClean="0"/>
+              <a:t>向列表增加元素共有</a:t>
+            </a:r>
+            <a:r>
+              <a:rPr lang="en-US" altLang="zh-CN" dirty="0" smtClean="0"/>
+              <a:t>3</a:t>
+            </a:r>
+            <a:r>
+              <a:rPr lang="zh-CN" altLang="en-US" dirty="0" smtClean="0"/>
+              <a:t>种方法：</a:t>
+            </a:r>
+            <a:r>
+              <a:rPr lang="en-US" altLang="zh-CN" dirty="0" smtClean="0"/>
+              <a:t>append()</a:t>
+            </a:r>
+            <a:r>
+              <a:rPr lang="zh-CN" altLang="en-US" dirty="0" smtClean="0"/>
+              <a:t>、</a:t>
+            </a:r>
+            <a:r>
+              <a:rPr lang="en-US" altLang="zh-CN" dirty="0" smtClean="0"/>
+              <a:t>extend()</a:t>
+            </a:r>
+            <a:r>
+              <a:rPr lang="zh-CN" altLang="en-US" dirty="0" smtClean="0"/>
+              <a:t>和</a:t>
+            </a:r>
+            <a:r>
+              <a:rPr lang="en-US" altLang="zh-CN" dirty="0" smtClean="0"/>
+              <a:t>insert()</a:t>
+            </a:r>
+            <a:r>
+              <a:rPr lang="zh-CN" altLang="en-US" dirty="0" smtClean="0"/>
+              <a:t>。</a:t>
+            </a:r>
+            <a:endParaRPr lang="en-US" altLang="zh-CN" dirty="0" smtClean="0"/>
+          </a:p>
+          <a:p>
+            <a:pPr lvl="1"/>
+            <a:r>
+              <a:rPr lang="zh-CN" altLang="en-US" dirty="0" smtClean="0"/>
+              <a:t> </a:t>
+            </a:r>
+            <a:r>
+              <a:rPr lang="en-US" altLang="zh-CN" dirty="0" smtClean="0"/>
+              <a:t>append()</a:t>
+            </a:r>
+            <a:r>
+              <a:rPr lang="zh-CN" altLang="en-US" dirty="0" smtClean="0"/>
+              <a:t>向列表末尾增加一个元素</a:t>
+            </a:r>
+            <a:endParaRPr lang="en-US" altLang="zh-CN" dirty="0" smtClean="0"/>
+          </a:p>
+          <a:p>
+            <a:pPr lvl="1"/>
+            <a:r>
+              <a:rPr lang="en-US" altLang="zh-CN" dirty="0" smtClean="0"/>
+              <a:t> extend() </a:t>
+            </a:r>
+            <a:r>
+              <a:rPr lang="zh-CN" altLang="en-US" dirty="0" smtClean="0"/>
+              <a:t>向列表末尾增加多个元素</a:t>
+            </a:r>
+            <a:endParaRPr lang="en-US" altLang="zh-CN" dirty="0" smtClean="0"/>
+          </a:p>
+          <a:p>
+            <a:pPr lvl="2"/>
+            <a:r>
+              <a:rPr lang="en-US" altLang="zh-CN" dirty="0" smtClean="0"/>
+              <a:t>&gt;&gt;&gt; </a:t>
+            </a:r>
+            <a:r>
+              <a:rPr lang="en-US" altLang="zh-CN" dirty="0" err="1" smtClean="0"/>
+              <a:t>letters.extend</a:t>
+            </a:r>
+            <a:r>
+              <a:rPr lang="en-US" altLang="zh-CN" dirty="0" smtClean="0"/>
+              <a:t>(['p', 'q', 'r']) </a:t>
+            </a:r>
+          </a:p>
+          <a:p>
+            <a:pPr lvl="2"/>
+            <a:r>
+              <a:rPr lang="en-US" altLang="zh-CN" dirty="0" smtClean="0"/>
+              <a:t>&gt;&gt;&gt; print letters</a:t>
+            </a:r>
+          </a:p>
+          <a:p>
+            <a:pPr lvl="3"/>
+            <a:r>
+              <a:rPr lang="en-US" altLang="zh-CN" dirty="0" smtClean="0"/>
+              <a:t>['a', 'b', 'c', 'd', 'e', 'n', 'g', 'p', 'q', 'r']</a:t>
+            </a:r>
+          </a:p>
+          <a:p>
+            <a:pPr lvl="1"/>
+            <a:r>
+              <a:rPr lang="en-US" altLang="zh-CN" dirty="0" smtClean="0"/>
+              <a:t>insert() </a:t>
+            </a:r>
+            <a:r>
+              <a:rPr lang="zh-CN" altLang="en-US" dirty="0" smtClean="0"/>
+              <a:t>在列表中的某个位置增加一个元素，不一定非得在列表末尾</a:t>
+            </a:r>
+            <a:endParaRPr lang="en-US" altLang="zh-CN" dirty="0" smtClean="0"/>
+          </a:p>
+          <a:p>
+            <a:pPr lvl="2"/>
+            <a:r>
+              <a:rPr lang="en-US" altLang="zh-CN" dirty="0" smtClean="0"/>
+              <a:t>&gt;&gt;&gt; </a:t>
+            </a:r>
+            <a:r>
+              <a:rPr lang="en-US" altLang="zh-CN" dirty="0" err="1" smtClean="0"/>
+              <a:t>letters.insert</a:t>
+            </a:r>
+            <a:r>
+              <a:rPr lang="en-US" altLang="zh-CN" dirty="0" smtClean="0"/>
+              <a:t>(2, 'z')</a:t>
+            </a:r>
+            <a:endParaRPr lang="zh-CN" altLang="en-US" dirty="0" smtClean="0"/>
+          </a:p>
+        </p:txBody>
+      </p:sp>
+    </p:spTree>
+  </p:cSld>
+  <p:clrMapOvr>
+    <a:masterClrMapping/>
+  </p:clrMapOvr>
+  <p:timing>
+    <p:tnLst>
+      <p:par>
+        <p:cTn id="1" dur="indefinite" restart="never" nodeType="tmRoot"/>
+      </p:par>
+    </p:tnLst>
+  </p:timing>
+</p:sld>
+</file>
+
+<file path=ppt/slides/slide92.xml><?xml version="1.0" encoding="utf-8"?>
+<p:sld xmlns:a="http://schemas.openxmlformats.org/drawingml/2006/main" xmlns:r="http://schemas.openxmlformats.org/officeDocument/2006/relationships" xmlns:p="http://schemas.openxmlformats.org/presentationml/2006/main">
+  <p:cSld>
+    <p:spTree>
+      <p:nvGrpSpPr>
+        <p:cNvPr id="1" name=""/>
+        <p:cNvGrpSpPr/>
+        <p:nvPr/>
+      </p:nvGrpSpPr>
+      <p:grpSpPr>
+        <a:xfrm>
+          <a:off x="0" y="0"/>
+          <a:ext cx="0" cy="0"/>
+          <a:chOff x="0" y="0"/>
+          <a:chExt cx="0" cy="0"/>
+        </a:xfrm>
+      </p:grpSpPr>
+      <p:sp>
+        <p:nvSpPr>
+          <p:cNvPr id="2" name="标题 1"/>
+          <p:cNvSpPr>
+            <a:spLocks noGrp="1"/>
+          </p:cNvSpPr>
+          <p:nvPr>
+            <p:ph type="title"/>
+          </p:nvPr>
+        </p:nvSpPr>
+        <p:spPr/>
+        <p:txBody>
+          <a:bodyPr>
+            <a:normAutofit/>
+          </a:bodyPr>
+          <a:lstStyle/>
+          <a:p>
+            <a:pPr algn="l"/>
+            <a:r>
+              <a:rPr lang="en-US" altLang="zh-CN" dirty="0" smtClean="0"/>
+              <a:t>12.9</a:t>
+            </a:r>
+            <a:r>
+              <a:rPr lang="zh-CN" altLang="en-US" dirty="0" smtClean="0"/>
+              <a:t>从列表删除元素</a:t>
+            </a:r>
+            <a:endParaRPr lang="zh-CN" altLang="en-US" dirty="0"/>
+          </a:p>
+        </p:txBody>
+      </p:sp>
+      <p:sp>
+        <p:nvSpPr>
+          <p:cNvPr id="3" name="内容占位符 2"/>
+          <p:cNvSpPr>
+            <a:spLocks noGrp="1"/>
+          </p:cNvSpPr>
+          <p:nvPr>
+            <p:ph idx="1"/>
+          </p:nvPr>
+        </p:nvSpPr>
+        <p:spPr/>
+        <p:txBody>
+          <a:bodyPr>
+            <a:normAutofit fontScale="92500" lnSpcReduction="20000"/>
+          </a:bodyPr>
+          <a:lstStyle/>
+          <a:p>
+            <a:r>
+              <a:rPr lang="zh-CN" altLang="en-US" dirty="0" smtClean="0"/>
+              <a:t>如何从列表删除或者去除元素呢？有 </a:t>
+            </a:r>
+            <a:r>
+              <a:rPr lang="en-US" altLang="zh-CN" dirty="0" smtClean="0"/>
+              <a:t>3 </a:t>
+            </a:r>
+            <a:r>
+              <a:rPr lang="zh-CN" altLang="en-US" dirty="0" smtClean="0"/>
+              <a:t>种方法：</a:t>
+            </a:r>
+            <a:r>
+              <a:rPr lang="en-US" altLang="zh-CN" dirty="0" smtClean="0"/>
+              <a:t>remove()</a:t>
+            </a:r>
+            <a:r>
+              <a:rPr lang="zh-CN" altLang="en-US" dirty="0" smtClean="0"/>
+              <a:t>、</a:t>
+            </a:r>
+            <a:r>
+              <a:rPr lang="en-US" altLang="zh-CN" dirty="0" smtClean="0"/>
+              <a:t>del</a:t>
+            </a:r>
+            <a:r>
+              <a:rPr lang="zh-CN" altLang="en-US" dirty="0" smtClean="0"/>
+              <a:t>和 </a:t>
+            </a:r>
+            <a:r>
+              <a:rPr lang="en-US" altLang="zh-CN" dirty="0" smtClean="0"/>
+              <a:t>pop()</a:t>
+            </a:r>
+            <a:r>
+              <a:rPr lang="zh-CN" altLang="en-US" dirty="0" smtClean="0"/>
+              <a:t>。</a:t>
+            </a:r>
+            <a:endParaRPr lang="en-US" altLang="zh-CN" dirty="0" smtClean="0"/>
+          </a:p>
+          <a:p>
+            <a:r>
+              <a:rPr lang="en-US" altLang="zh-CN" sz="2800" dirty="0" smtClean="0"/>
+              <a:t>&gt;&gt;&gt; letters = ['a', 'b', 'c', 'd', 'e']</a:t>
+            </a:r>
+          </a:p>
+          <a:p>
+            <a:r>
+              <a:rPr lang="en-US" altLang="zh-CN" sz="2800" dirty="0" smtClean="0"/>
+              <a:t> &gt;&gt;&gt; </a:t>
+            </a:r>
+            <a:r>
+              <a:rPr lang="en-US" altLang="zh-CN" sz="2800" dirty="0" err="1" smtClean="0"/>
+              <a:t>letters.remove</a:t>
+            </a:r>
+            <a:r>
+              <a:rPr lang="en-US" altLang="zh-CN" sz="2800" dirty="0" smtClean="0"/>
+              <a:t>('c') </a:t>
+            </a:r>
+          </a:p>
+          <a:p>
+            <a:r>
+              <a:rPr lang="en-US" altLang="zh-CN" sz="2800" dirty="0" smtClean="0"/>
+              <a:t>&gt;&gt;&gt; print letters</a:t>
+            </a:r>
+          </a:p>
+          <a:p>
+            <a:pPr lvl="1"/>
+            <a:r>
+              <a:rPr lang="en-US" altLang="zh-CN" sz="2400" dirty="0" smtClean="0"/>
+              <a:t> ['a', 'b', 'd', 'e']</a:t>
+            </a:r>
+          </a:p>
+          <a:p>
+            <a:r>
+              <a:rPr lang="en-US" altLang="zh-CN" sz="2800" dirty="0" smtClean="0"/>
+              <a:t>&gt;&gt;&gt; letters = ['a', 'b', 'c', 'd', 'e'] </a:t>
+            </a:r>
+          </a:p>
+          <a:p>
+            <a:r>
+              <a:rPr lang="en-US" altLang="zh-CN" sz="2800" dirty="0" smtClean="0"/>
+              <a:t>&gt;&gt;&gt; del letters[3]</a:t>
+            </a:r>
+          </a:p>
+          <a:p>
+            <a:r>
+              <a:rPr lang="en-US" altLang="zh-CN" sz="2800" dirty="0" smtClean="0"/>
+              <a:t> &gt;&gt;&gt; print letters </a:t>
+            </a:r>
+          </a:p>
+          <a:p>
+            <a:pPr lvl="1"/>
+            <a:r>
+              <a:rPr lang="en-US" altLang="zh-CN" sz="2400" dirty="0" smtClean="0"/>
+              <a:t>['a', 'b', 'c', 'e']</a:t>
+            </a:r>
+          </a:p>
+          <a:p>
+            <a:r>
+              <a:rPr lang="en-US" altLang="zh-CN" dirty="0" smtClean="0"/>
+              <a:t>pop()</a:t>
+            </a:r>
+            <a:r>
+              <a:rPr lang="zh-CN" altLang="en-US" dirty="0" smtClean="0"/>
+              <a:t>从列表中取出最后一个元素交给你。</a:t>
+            </a:r>
+            <a:endParaRPr lang="en-US" altLang="zh-CN" dirty="0" smtClean="0"/>
+          </a:p>
+          <a:p>
+            <a:endParaRPr lang="zh-CN" altLang="en-US" dirty="0" smtClean="0"/>
+          </a:p>
+        </p:txBody>
+      </p:sp>
+    </p:spTree>
+  </p:cSld>
+  <p:clrMapOvr>
+    <a:masterClrMapping/>
+  </p:clrMapOvr>
+  <p:timing>
+    <p:tnLst>
+      <p:par>
+        <p:cTn id="1" dur="indefinite" restart="never" nodeType="tmRoot"/>
+      </p:par>
+    </p:tnLst>
+  </p:timing>
+</p:sld>
+</file>
+
+<file path=ppt/slides/slide93.xml><?xml version="1.0" encoding="utf-8"?>
+<p:sld xmlns:a="http://schemas.openxmlformats.org/drawingml/2006/main" xmlns:r="http://schemas.openxmlformats.org/officeDocument/2006/relationships" xmlns:p="http://schemas.openxmlformats.org/presentationml/2006/main">
+  <p:cSld>
+    <p:spTree>
+      <p:nvGrpSpPr>
+        <p:cNvPr id="1" name=""/>
+        <p:cNvGrpSpPr/>
+        <p:nvPr/>
+      </p:nvGrpSpPr>
+      <p:grpSpPr>
+        <a:xfrm>
+          <a:off x="0" y="0"/>
+          <a:ext cx="0" cy="0"/>
+          <a:chOff x="0" y="0"/>
+          <a:chExt cx="0" cy="0"/>
+        </a:xfrm>
+      </p:grpSpPr>
+      <p:sp>
+        <p:nvSpPr>
+          <p:cNvPr id="2" name="标题 1"/>
+          <p:cNvSpPr>
+            <a:spLocks noGrp="1"/>
+          </p:cNvSpPr>
+          <p:nvPr>
+            <p:ph type="title"/>
+          </p:nvPr>
+        </p:nvSpPr>
+        <p:spPr/>
+        <p:txBody>
+          <a:bodyPr>
+            <a:normAutofit/>
+          </a:bodyPr>
+          <a:lstStyle/>
+          <a:p>
+            <a:pPr algn="l"/>
+            <a:r>
+              <a:rPr lang="en-US" altLang="zh-CN" dirty="0" smtClean="0"/>
+              <a:t>12.10  </a:t>
+            </a:r>
+            <a:r>
+              <a:rPr lang="zh-CN" altLang="en-US" dirty="0" smtClean="0"/>
+              <a:t>搜索列表</a:t>
+            </a:r>
+            <a:endParaRPr lang="zh-CN" altLang="en-US" dirty="0"/>
+          </a:p>
+        </p:txBody>
+      </p:sp>
+      <p:sp>
+        <p:nvSpPr>
+          <p:cNvPr id="3" name="内容占位符 2"/>
+          <p:cNvSpPr>
+            <a:spLocks noGrp="1"/>
+          </p:cNvSpPr>
+          <p:nvPr>
+            <p:ph idx="1"/>
+          </p:nvPr>
+        </p:nvSpPr>
+        <p:spPr/>
+        <p:txBody>
+          <a:bodyPr>
+            <a:normAutofit fontScale="92500"/>
+          </a:bodyPr>
+          <a:lstStyle/>
+          <a:p>
+            <a:r>
+              <a:rPr lang="zh-CN" altLang="en-US" dirty="0" smtClean="0"/>
+              <a:t>列表中有多个元素时，怎么查找这些元素呢？对列表通常有两种处理：</a:t>
+            </a:r>
+          </a:p>
+          <a:p>
+            <a:pPr lvl="1"/>
+            <a:r>
+              <a:rPr lang="zh-CN" altLang="en-US" dirty="0" smtClean="0"/>
+              <a:t>查找元素是否在列表中； </a:t>
+            </a:r>
+            <a:endParaRPr lang="en-US" altLang="zh-CN" dirty="0" smtClean="0"/>
+          </a:p>
+          <a:p>
+            <a:pPr lvl="1"/>
+            <a:r>
+              <a:rPr lang="zh-CN" altLang="en-US" dirty="0" smtClean="0"/>
+              <a:t>查找元素在列表中的哪个位置（元素的索引）。</a:t>
+            </a:r>
+          </a:p>
+          <a:p>
+            <a:r>
+              <a:rPr lang="en-US" altLang="zh-CN" dirty="0" smtClean="0"/>
+              <a:t>in </a:t>
+            </a:r>
+            <a:r>
+              <a:rPr lang="zh-CN" altLang="en-US" dirty="0" smtClean="0"/>
+              <a:t>关键字</a:t>
+            </a:r>
+          </a:p>
+          <a:p>
+            <a:pPr lvl="1"/>
+            <a:r>
+              <a:rPr lang="en-US" altLang="zh-CN" dirty="0" smtClean="0"/>
+              <a:t>if 'a' in letters:</a:t>
+            </a:r>
+          </a:p>
+          <a:p>
+            <a:pPr lvl="1"/>
+            <a:r>
+              <a:rPr lang="en-US" altLang="zh-CN" dirty="0" smtClean="0"/>
+              <a:t>    print "found 'a' in letters" </a:t>
+            </a:r>
+          </a:p>
+          <a:p>
+            <a:pPr lvl="1"/>
+            <a:r>
+              <a:rPr lang="en-US" altLang="zh-CN" dirty="0" smtClean="0"/>
+              <a:t>else:</a:t>
+            </a:r>
+          </a:p>
+          <a:p>
+            <a:pPr lvl="1"/>
+            <a:r>
+              <a:rPr lang="en-US" altLang="zh-CN" dirty="0" smtClean="0"/>
+              <a:t>    print "didn't </a:t>
+            </a:r>
+            <a:r>
+              <a:rPr lang="en-US" altLang="zh-CN" dirty="0" err="1" smtClean="0"/>
+              <a:t>ﬁnd</a:t>
+            </a:r>
+            <a:r>
+              <a:rPr lang="en-US" altLang="zh-CN" dirty="0" smtClean="0"/>
+              <a:t> 'a' in letters"</a:t>
+            </a:r>
+          </a:p>
+          <a:p>
+            <a:endParaRPr lang="zh-CN" altLang="en-US" dirty="0" smtClean="0"/>
+          </a:p>
+        </p:txBody>
+      </p:sp>
+    </p:spTree>
+  </p:cSld>
+  <p:clrMapOvr>
+    <a:masterClrMapping/>
+  </p:clrMapOvr>
+  <p:timing>
+    <p:tnLst>
+      <p:par>
+        <p:cTn id="1" dur="indefinite" restart="never" nodeType="tmRoot"/>
+      </p:par>
+    </p:tnLst>
+  </p:timing>
+</p:sld>
+</file>
+
+<file path=ppt/slides/slide94.xml><?xml version="1.0" encoding="utf-8"?>
+<p:sld xmlns:a="http://schemas.openxmlformats.org/drawingml/2006/main" xmlns:r="http://schemas.openxmlformats.org/officeDocument/2006/relationships" xmlns:p="http://schemas.openxmlformats.org/presentationml/2006/main">
+  <p:cSld>
+    <p:spTree>
+      <p:nvGrpSpPr>
+        <p:cNvPr id="1" name=""/>
+        <p:cNvGrpSpPr/>
+        <p:nvPr/>
+      </p:nvGrpSpPr>
+      <p:grpSpPr>
+        <a:xfrm>
+          <a:off x="0" y="0"/>
+          <a:ext cx="0" cy="0"/>
+          <a:chOff x="0" y="0"/>
+          <a:chExt cx="0" cy="0"/>
+        </a:xfrm>
+      </p:grpSpPr>
+      <p:sp>
+        <p:nvSpPr>
+          <p:cNvPr id="2" name="标题 1"/>
+          <p:cNvSpPr>
+            <a:spLocks noGrp="1"/>
+          </p:cNvSpPr>
+          <p:nvPr>
+            <p:ph type="title"/>
+          </p:nvPr>
+        </p:nvSpPr>
+        <p:spPr/>
+        <p:txBody>
+          <a:bodyPr>
+            <a:normAutofit/>
+          </a:bodyPr>
+          <a:lstStyle/>
+          <a:p>
+            <a:pPr algn="l"/>
+            <a:r>
+              <a:rPr lang="en-US" altLang="zh-CN" dirty="0" smtClean="0"/>
+              <a:t>12.11  </a:t>
+            </a:r>
+            <a:r>
+              <a:rPr lang="zh-CN" altLang="en-US" dirty="0" smtClean="0"/>
+              <a:t>循环处理列表</a:t>
+            </a:r>
+            <a:endParaRPr lang="zh-CN" altLang="en-US" dirty="0"/>
+          </a:p>
+        </p:txBody>
+      </p:sp>
+      <p:sp>
+        <p:nvSpPr>
+          <p:cNvPr id="3" name="内容占位符 2"/>
+          <p:cNvSpPr>
+            <a:spLocks noGrp="1"/>
+          </p:cNvSpPr>
+          <p:nvPr>
+            <p:ph idx="1"/>
+          </p:nvPr>
+        </p:nvSpPr>
+        <p:spPr/>
+        <p:txBody>
+          <a:bodyPr>
+            <a:normAutofit/>
+          </a:bodyPr>
+          <a:lstStyle/>
+          <a:p>
+            <a:r>
+              <a:rPr lang="zh-CN" altLang="en-US" dirty="0" smtClean="0"/>
+              <a:t>不过循环完全可以迭代处理任何列表，而不一定非得是数字列表。</a:t>
+            </a:r>
+            <a:endParaRPr lang="en-US" altLang="zh-CN" dirty="0" smtClean="0"/>
+          </a:p>
+          <a:p>
+            <a:pPr lvl="1"/>
+            <a:r>
+              <a:rPr lang="en-US" altLang="zh-CN" dirty="0" smtClean="0"/>
+              <a:t>&gt;&gt;&gt; letters = ['a', 'b', 'c', 'd', 'e'] </a:t>
+            </a:r>
+          </a:p>
+          <a:p>
+            <a:pPr lvl="1"/>
+            <a:r>
+              <a:rPr lang="en-US" altLang="zh-CN" dirty="0" smtClean="0"/>
+              <a:t>&gt;&gt;&gt; for letter in letters:</a:t>
+            </a:r>
+          </a:p>
+          <a:p>
+            <a:pPr lvl="1"/>
+            <a:r>
+              <a:rPr lang="en-US" altLang="zh-CN" dirty="0" smtClean="0"/>
+              <a:t>&gt;&gt;&gt; </a:t>
+            </a:r>
+            <a:r>
+              <a:rPr lang="en-US" altLang="zh-CN" dirty="0" smtClean="0"/>
+              <a:t>    print (letter)</a:t>
+            </a:r>
+            <a:endParaRPr lang="zh-CN" altLang="en-US" dirty="0" smtClean="0"/>
+          </a:p>
+        </p:txBody>
+      </p:sp>
+    </p:spTree>
+  </p:cSld>
+  <p:clrMapOvr>
+    <a:masterClrMapping/>
+  </p:clrMapOvr>
+  <p:timing>
+    <p:tnLst>
+      <p:par>
+        <p:cTn id="1" dur="indefinite" restart="never" nodeType="tmRoot"/>
+      </p:par>
+    </p:tnLst>
+  </p:timing>
+</p:sld>
+</file>
+
+<file path=ppt/slides/slide95.xml><?xml version="1.0" encoding="utf-8"?>
+<p:sld xmlns:a="http://schemas.openxmlformats.org/drawingml/2006/main" xmlns:r="http://schemas.openxmlformats.org/officeDocument/2006/relationships" xmlns:p="http://schemas.openxmlformats.org/presentationml/2006/main">
+  <p:cSld>
+    <p:spTree>
+      <p:nvGrpSpPr>
+        <p:cNvPr id="1" name=""/>
+        <p:cNvGrpSpPr/>
+        <p:nvPr/>
+      </p:nvGrpSpPr>
+      <p:grpSpPr>
+        <a:xfrm>
+          <a:off x="0" y="0"/>
+          <a:ext cx="0" cy="0"/>
+          <a:chOff x="0" y="0"/>
+          <a:chExt cx="0" cy="0"/>
+        </a:xfrm>
+      </p:grpSpPr>
+      <p:sp>
+        <p:nvSpPr>
+          <p:cNvPr id="2" name="标题 1"/>
+          <p:cNvSpPr>
+            <a:spLocks noGrp="1"/>
+          </p:cNvSpPr>
+          <p:nvPr>
+            <p:ph type="title"/>
+          </p:nvPr>
+        </p:nvSpPr>
+        <p:spPr/>
+        <p:txBody>
+          <a:bodyPr>
+            <a:normAutofit/>
+          </a:bodyPr>
+          <a:lstStyle/>
+          <a:p>
+            <a:pPr algn="l"/>
+            <a:r>
+              <a:rPr lang="en-US" altLang="zh-CN" dirty="0" smtClean="0"/>
+              <a:t>12.12 </a:t>
+            </a:r>
+            <a:r>
+              <a:rPr lang="zh-CN" altLang="en-US" dirty="0" smtClean="0"/>
+              <a:t>列表排序</a:t>
+            </a:r>
+            <a:endParaRPr lang="zh-CN" altLang="en-US" dirty="0"/>
+          </a:p>
+        </p:txBody>
+      </p:sp>
+      <p:sp>
+        <p:nvSpPr>
+          <p:cNvPr id="3" name="内容占位符 2"/>
+          <p:cNvSpPr>
+            <a:spLocks noGrp="1"/>
+          </p:cNvSpPr>
+          <p:nvPr>
+            <p:ph idx="1"/>
+          </p:nvPr>
+        </p:nvSpPr>
+        <p:spPr/>
+        <p:txBody>
+          <a:bodyPr>
+            <a:normAutofit fontScale="92500" lnSpcReduction="10000"/>
+          </a:bodyPr>
+          <a:lstStyle/>
+          <a:p>
+            <a:r>
+              <a:rPr lang="zh-CN" altLang="en-US" dirty="0" smtClean="0"/>
+              <a:t>要对列表排序，可以使用 </a:t>
+            </a:r>
+            <a:r>
+              <a:rPr lang="en-US" altLang="zh-CN" dirty="0" smtClean="0"/>
+              <a:t>sort() </a:t>
+            </a:r>
+            <a:r>
+              <a:rPr lang="zh-CN" altLang="en-US" dirty="0" smtClean="0"/>
+              <a:t>方法。</a:t>
+            </a:r>
+            <a:endParaRPr lang="en-US" altLang="zh-CN" dirty="0" smtClean="0"/>
+          </a:p>
+          <a:p>
+            <a:r>
+              <a:rPr lang="zh-CN" altLang="en-US" dirty="0" smtClean="0"/>
+              <a:t>要使列表反序排列，可以使用</a:t>
+            </a:r>
+            <a:r>
+              <a:rPr lang="en-US" altLang="zh-CN" dirty="0" smtClean="0"/>
+              <a:t>reverse()</a:t>
+            </a:r>
+            <a:r>
+              <a:rPr lang="zh-CN" altLang="en-US" dirty="0" smtClean="0"/>
+              <a:t>方法</a:t>
+            </a:r>
+            <a:endParaRPr lang="en-US" altLang="zh-CN" dirty="0" smtClean="0"/>
+          </a:p>
+          <a:p>
+            <a:r>
+              <a:rPr lang="zh-CN" altLang="en-US" dirty="0" smtClean="0"/>
+              <a:t>要记住，我们刚才排序和逆置都会对原来的列表做出修改。这说明， 你原来的列表已经没有了。</a:t>
+            </a:r>
+          </a:p>
+          <a:p>
+            <a:pPr lvl="1"/>
+            <a:r>
+              <a:rPr lang="en-US" altLang="zh-CN" dirty="0" smtClean="0"/>
+              <a:t>&gt;&gt;&gt; </a:t>
+            </a:r>
+            <a:r>
+              <a:rPr lang="en-US" altLang="zh-CN" dirty="0" err="1" smtClean="0"/>
+              <a:t>original_list</a:t>
+            </a:r>
+            <a:r>
+              <a:rPr lang="en-US" altLang="zh-CN" dirty="0" smtClean="0"/>
+              <a:t> = ['Tom', 'James', 'Sarah', 'Fred'] </a:t>
+            </a:r>
+          </a:p>
+          <a:p>
+            <a:pPr lvl="1"/>
+            <a:r>
+              <a:rPr lang="en-US" altLang="zh-CN" dirty="0" smtClean="0"/>
+              <a:t>&gt;&gt;&gt; </a:t>
+            </a:r>
+            <a:r>
+              <a:rPr lang="en-US" altLang="zh-CN" dirty="0" err="1" smtClean="0"/>
+              <a:t>new_list</a:t>
+            </a:r>
+            <a:r>
+              <a:rPr lang="en-US" altLang="zh-CN" dirty="0" smtClean="0"/>
+              <a:t> = </a:t>
+            </a:r>
+            <a:r>
+              <a:rPr lang="en-US" altLang="zh-CN" dirty="0" err="1" smtClean="0"/>
+              <a:t>original_list</a:t>
+            </a:r>
+            <a:r>
+              <a:rPr lang="en-US" altLang="zh-CN" dirty="0" smtClean="0"/>
+              <a:t>[:]</a:t>
+            </a:r>
+          </a:p>
+          <a:p>
+            <a:pPr lvl="1"/>
+            <a:r>
+              <a:rPr lang="en-US" altLang="zh-CN" dirty="0" smtClean="0"/>
+              <a:t> &gt;&gt;&gt; </a:t>
+            </a:r>
+            <a:r>
+              <a:rPr lang="en-US" altLang="zh-CN" dirty="0" err="1" smtClean="0"/>
+              <a:t>new_list.sort</a:t>
+            </a:r>
+            <a:r>
+              <a:rPr lang="en-US" altLang="zh-CN" dirty="0" smtClean="0"/>
+              <a:t>() </a:t>
+            </a:r>
+          </a:p>
+          <a:p>
+            <a:pPr lvl="1"/>
+            <a:r>
+              <a:rPr lang="en-US" altLang="zh-CN" dirty="0" smtClean="0"/>
+              <a:t>&gt;&gt;&gt; print </a:t>
+            </a:r>
+            <a:r>
+              <a:rPr lang="en-US" altLang="zh-CN" dirty="0" err="1" smtClean="0"/>
+              <a:t>original_list</a:t>
+            </a:r>
+            <a:endParaRPr lang="en-US" altLang="zh-CN" dirty="0" smtClean="0"/>
+          </a:p>
+          <a:p>
+            <a:pPr lvl="1"/>
+            <a:r>
+              <a:rPr lang="en-US" altLang="zh-CN" dirty="0" smtClean="0"/>
+              <a:t> &gt;&gt;&gt; print </a:t>
+            </a:r>
+            <a:r>
+              <a:rPr lang="en-US" altLang="zh-CN" dirty="0" err="1" smtClean="0"/>
+              <a:t>new_list</a:t>
+            </a:r>
+            <a:endParaRPr lang="zh-CN" altLang="en-US" dirty="0" smtClean="0"/>
+          </a:p>
+        </p:txBody>
+      </p:sp>
+    </p:spTree>
+  </p:cSld>
+  <p:clrMapOvr>
+    <a:masterClrMapping/>
+  </p:clrMapOvr>
+  <p:timing>
+    <p:tnLst>
+      <p:par>
+        <p:cTn id="1" dur="indefinite" restart="never" nodeType="tmRoot"/>
+      </p:par>
+    </p:tnLst>
+  </p:timing>
+</p:sld>
+</file>
+
+<file path=ppt/slides/slide96.xml><?xml version="1.0" encoding="utf-8"?>
+<p:sld xmlns:a="http://schemas.openxmlformats.org/drawingml/2006/main" xmlns:r="http://schemas.openxmlformats.org/officeDocument/2006/relationships" xmlns:p="http://schemas.openxmlformats.org/presentationml/2006/main">
+  <p:cSld>
+    <p:spTree>
+      <p:nvGrpSpPr>
+        <p:cNvPr id="1" name=""/>
+        <p:cNvGrpSpPr/>
+        <p:nvPr/>
+      </p:nvGrpSpPr>
+      <p:grpSpPr>
+        <a:xfrm>
+          <a:off x="0" y="0"/>
+          <a:ext cx="0" cy="0"/>
+          <a:chOff x="0" y="0"/>
+          <a:chExt cx="0" cy="0"/>
+        </a:xfrm>
+      </p:grpSpPr>
+      <p:sp>
+        <p:nvSpPr>
+          <p:cNvPr id="2" name="标题 1"/>
+          <p:cNvSpPr>
+            <a:spLocks noGrp="1"/>
+          </p:cNvSpPr>
+          <p:nvPr>
+            <p:ph type="title"/>
+          </p:nvPr>
+        </p:nvSpPr>
+        <p:spPr/>
+        <p:txBody>
+          <a:bodyPr>
+            <a:normAutofit/>
+          </a:bodyPr>
+          <a:lstStyle/>
+          <a:p>
+            <a:pPr algn="l"/>
+            <a:r>
+              <a:rPr lang="en-US" altLang="zh-CN" dirty="0" smtClean="0"/>
+              <a:t>12.13</a:t>
+            </a:r>
+            <a:r>
+              <a:rPr lang="zh-CN" altLang="en-US" dirty="0" smtClean="0"/>
+              <a:t>可改变和不可改变</a:t>
+            </a:r>
+            <a:endParaRPr lang="zh-CN" altLang="en-US" dirty="0"/>
+          </a:p>
+        </p:txBody>
+      </p:sp>
+      <p:sp>
+        <p:nvSpPr>
+          <p:cNvPr id="3" name="内容占位符 2"/>
+          <p:cNvSpPr>
+            <a:spLocks noGrp="1"/>
+          </p:cNvSpPr>
+          <p:nvPr>
+            <p:ph idx="1"/>
+          </p:nvPr>
+        </p:nvSpPr>
+        <p:spPr/>
+        <p:txBody>
+          <a:bodyPr>
+            <a:normAutofit/>
+          </a:bodyPr>
+          <a:lstStyle/>
+          <a:p>
+            <a:r>
+              <a:rPr lang="zh-CN" altLang="en-US" dirty="0" smtClean="0"/>
+              <a:t>元组</a:t>
+            </a:r>
+            <a:r>
+              <a:rPr lang="en-US" altLang="zh-CN" dirty="0" smtClean="0"/>
+              <a:t>—</a:t>
+            </a:r>
+            <a:r>
+              <a:rPr lang="zh-CN" altLang="en-US" dirty="0" smtClean="0"/>
+              <a:t>不可改变的列表</a:t>
+            </a:r>
+            <a:endParaRPr lang="en-US" altLang="zh-CN" dirty="0" smtClean="0"/>
+          </a:p>
+          <a:p>
+            <a:pPr lvl="1"/>
+            <a:r>
+              <a:rPr lang="en-US" altLang="zh-CN" dirty="0" err="1" smtClean="0"/>
+              <a:t>my_tuple</a:t>
+            </a:r>
+            <a:r>
+              <a:rPr lang="en-US" altLang="zh-CN" dirty="0" smtClean="0"/>
+              <a:t> = ("red", "green", "blue ")</a:t>
+            </a:r>
+          </a:p>
+          <a:p>
+            <a:r>
+              <a:rPr lang="zh-CN" altLang="en-US" dirty="0" smtClean="0"/>
+              <a:t>这里使用了圆括号，而不是列表使用的中括号</a:t>
+            </a:r>
+            <a:endParaRPr lang="en-US" altLang="zh-CN" dirty="0" smtClean="0"/>
+          </a:p>
+          <a:p>
+            <a:r>
+              <a:rPr lang="zh-CN" altLang="en-US" dirty="0" smtClean="0"/>
+              <a:t>由于元组是不可改变的，所以不能对元组完成排序，也不能追加和删除元素</a:t>
+            </a:r>
+            <a:endParaRPr lang="en-US" altLang="zh-CN" dirty="0" smtClean="0"/>
+          </a:p>
+        </p:txBody>
+      </p:sp>
+    </p:spTree>
+  </p:cSld>
+  <p:clrMapOvr>
+    <a:masterClrMapping/>
+  </p:clrMapOvr>
+  <p:timing>
+    <p:tnLst>
+      <p:par>
+        <p:cTn id="1" dur="indefinite" restart="never" nodeType="tmRoot"/>
+      </p:par>
+    </p:tnLst>
+  </p:timing>
+</p:sld>
+</file>
+
+<file path=ppt/slides/slide97.xml><?xml version="1.0" encoding="utf-8"?>
+<p:sld xmlns:a="http://schemas.openxmlformats.org/drawingml/2006/main" xmlns:r="http://schemas.openxmlformats.org/officeDocument/2006/relationships" xmlns:p="http://schemas.openxmlformats.org/presentationml/2006/main">
+  <p:cSld>
+    <p:spTree>
+      <p:nvGrpSpPr>
+        <p:cNvPr id="1" name=""/>
+        <p:cNvGrpSpPr/>
+        <p:nvPr/>
+      </p:nvGrpSpPr>
+      <p:grpSpPr>
+        <a:xfrm>
+          <a:off x="0" y="0"/>
+          <a:ext cx="0" cy="0"/>
+          <a:chOff x="0" y="0"/>
+          <a:chExt cx="0" cy="0"/>
+        </a:xfrm>
+      </p:grpSpPr>
+      <p:pic>
+        <p:nvPicPr>
+          <p:cNvPr id="1026" name="Picture 2"/>
+          <p:cNvPicPr>
+            <a:picLocks noChangeAspect="1" noChangeArrowheads="1"/>
+          </p:cNvPicPr>
+          <p:nvPr/>
+        </p:nvPicPr>
+        <p:blipFill>
+          <a:blip r:embed="rId2" cstate="print"/>
+          <a:srcRect/>
+          <a:stretch>
+            <a:fillRect/>
+          </a:stretch>
+        </p:blipFill>
+        <p:spPr bwMode="auto">
+          <a:xfrm>
+            <a:off x="611560" y="2100461"/>
+            <a:ext cx="6286500" cy="752475"/>
+          </a:xfrm>
+          <a:prstGeom prst="rect">
+            <a:avLst/>
+          </a:prstGeom>
+          <a:noFill/>
+          <a:ln w="9525">
+            <a:noFill/>
+            <a:miter lim="800000"/>
+            <a:headEnd/>
+            <a:tailEnd/>
+          </a:ln>
+        </p:spPr>
+      </p:pic>
+      <p:sp>
+        <p:nvSpPr>
+          <p:cNvPr id="2" name="标题 1"/>
+          <p:cNvSpPr>
+            <a:spLocks noGrp="1"/>
+          </p:cNvSpPr>
+          <p:nvPr>
+            <p:ph type="title"/>
+          </p:nvPr>
+        </p:nvSpPr>
+        <p:spPr/>
+        <p:txBody>
+          <a:bodyPr>
+            <a:normAutofit/>
+          </a:bodyPr>
+          <a:lstStyle/>
+          <a:p>
+            <a:pPr algn="l"/>
+            <a:r>
+              <a:rPr lang="en-US" altLang="zh-CN" dirty="0" smtClean="0"/>
+              <a:t>12.14</a:t>
+            </a:r>
+            <a:r>
+              <a:rPr lang="zh-CN" altLang="en-US" dirty="0" smtClean="0"/>
+              <a:t>双重列表：数据表</a:t>
+            </a:r>
+            <a:endParaRPr lang="zh-CN" altLang="en-US" dirty="0"/>
+          </a:p>
+        </p:txBody>
+      </p:sp>
+      <p:sp>
+        <p:nvSpPr>
+          <p:cNvPr id="3" name="内容占位符 2"/>
+          <p:cNvSpPr>
+            <a:spLocks noGrp="1"/>
+          </p:cNvSpPr>
+          <p:nvPr>
+            <p:ph idx="1"/>
+          </p:nvPr>
+        </p:nvSpPr>
+        <p:spPr>
+          <a:xfrm>
+            <a:off x="457200" y="1600200"/>
+            <a:ext cx="8229600" cy="1900808"/>
+          </a:xfrm>
+        </p:spPr>
+        <p:txBody>
+          <a:bodyPr>
+            <a:normAutofit/>
+          </a:bodyPr>
+          <a:lstStyle/>
+          <a:p>
+            <a:r>
+              <a:rPr lang="zh-CN" altLang="en-US" dirty="0" smtClean="0"/>
+              <a:t>列表就像是把一行值串在</a:t>
+            </a:r>
+            <a:r>
+              <a:rPr lang="zh-CN" altLang="en-US" dirty="0" smtClean="0"/>
+              <a:t>一起</a:t>
+            </a:r>
+            <a:endParaRPr lang="en-US" altLang="zh-CN" dirty="0" smtClean="0"/>
+          </a:p>
+          <a:p>
+            <a:pPr>
+              <a:buNone/>
+            </a:pPr>
+            <a:endParaRPr lang="en-US" altLang="zh-CN" dirty="0" smtClean="0"/>
+          </a:p>
+          <a:p>
+            <a:r>
+              <a:rPr lang="zh-CN" altLang="en-US" dirty="0" smtClean="0"/>
+              <a:t>有时还需要一个包含行和列的表</a:t>
+            </a:r>
+            <a:endParaRPr lang="en-US" altLang="zh-CN" dirty="0" smtClean="0"/>
+          </a:p>
+        </p:txBody>
+      </p:sp>
+      <p:pic>
+        <p:nvPicPr>
+          <p:cNvPr id="1028" name="Picture 4"/>
+          <p:cNvPicPr>
+            <a:picLocks noChangeAspect="1" noChangeArrowheads="1"/>
+          </p:cNvPicPr>
+          <p:nvPr/>
+        </p:nvPicPr>
+        <p:blipFill>
+          <a:blip r:embed="rId3" cstate="print"/>
+          <a:srcRect/>
+          <a:stretch>
+            <a:fillRect/>
+          </a:stretch>
+        </p:blipFill>
+        <p:spPr bwMode="auto">
+          <a:xfrm>
+            <a:off x="762347" y="3765004"/>
+            <a:ext cx="6257925" cy="2400300"/>
+          </a:xfrm>
+          <a:prstGeom prst="rect">
+            <a:avLst/>
+          </a:prstGeom>
+          <a:noFill/>
+          <a:ln w="9525">
+            <a:noFill/>
+            <a:miter lim="800000"/>
+            <a:headEnd/>
+            <a:tailEnd/>
+          </a:ln>
+        </p:spPr>
+      </p:pic>
+    </p:spTree>
+  </p:cSld>
+  <p:clrMapOvr>
+    <a:masterClrMapping/>
+  </p:clrMapOvr>
+  <p:timing>
+    <p:tnLst>
+      <p:par>
+        <p:cTn id="1" dur="indefinite" restart="never" nodeType="tmRoot"/>
+      </p:par>
+    </p:tnLst>
+  </p:timing>
+</p:sld>
+</file>
+
+<file path=ppt/slides/slide98.xml><?xml version="1.0" encoding="utf-8"?>
+<p:sld xmlns:a="http://schemas.openxmlformats.org/drawingml/2006/main" xmlns:r="http://schemas.openxmlformats.org/officeDocument/2006/relationships" xmlns:p="http://schemas.openxmlformats.org/presentationml/2006/main">
+  <p:cSld>
+    <p:spTree>
+      <p:nvGrpSpPr>
+        <p:cNvPr id="1" name=""/>
+        <p:cNvGrpSpPr/>
+        <p:nvPr/>
+      </p:nvGrpSpPr>
+      <p:grpSpPr>
+        <a:xfrm>
+          <a:off x="0" y="0"/>
+          <a:ext cx="0" cy="0"/>
+          <a:chOff x="0" y="0"/>
+          <a:chExt cx="0" cy="0"/>
+        </a:xfrm>
+      </p:grpSpPr>
+      <p:sp>
+        <p:nvSpPr>
+          <p:cNvPr id="2" name="标题 1"/>
+          <p:cNvSpPr>
+            <a:spLocks noGrp="1"/>
+          </p:cNvSpPr>
+          <p:nvPr>
+            <p:ph type="title"/>
+          </p:nvPr>
+        </p:nvSpPr>
+        <p:spPr/>
+        <p:txBody>
+          <a:bodyPr>
+            <a:normAutofit/>
+          </a:bodyPr>
+          <a:lstStyle/>
+          <a:p>
+            <a:pPr algn="l"/>
+            <a:r>
+              <a:rPr lang="en-US" altLang="zh-CN" dirty="0" smtClean="0"/>
+              <a:t>12.15 </a:t>
+            </a:r>
+            <a:r>
+              <a:rPr lang="zh-CN" altLang="en-US" dirty="0" smtClean="0"/>
+              <a:t>字典</a:t>
+            </a:r>
+            <a:endParaRPr lang="zh-CN" altLang="en-US" dirty="0"/>
+          </a:p>
+        </p:txBody>
+      </p:sp>
+      <p:sp>
+        <p:nvSpPr>
+          <p:cNvPr id="3" name="内容占位符 2"/>
+          <p:cNvSpPr>
+            <a:spLocks noGrp="1"/>
+          </p:cNvSpPr>
+          <p:nvPr>
+            <p:ph idx="1"/>
+          </p:nvPr>
+        </p:nvSpPr>
+        <p:spPr>
+          <a:xfrm>
+            <a:off x="457200" y="1600200"/>
+            <a:ext cx="8229600" cy="4709119"/>
+          </a:xfrm>
+        </p:spPr>
+        <p:txBody>
+          <a:bodyPr>
+            <a:normAutofit lnSpcReduction="10000"/>
+          </a:bodyPr>
+          <a:lstStyle/>
+          <a:p>
+            <a:r>
+              <a:rPr lang="en-US" altLang="zh-CN" dirty="0" smtClean="0"/>
+              <a:t>Python </a:t>
+            </a:r>
+            <a:r>
+              <a:rPr lang="zh-CN" altLang="en-US" dirty="0" smtClean="0"/>
+              <a:t>字典（</a:t>
+            </a:r>
+            <a:r>
+              <a:rPr lang="en-US" altLang="zh-CN" dirty="0" smtClean="0"/>
+              <a:t>dictionary</a:t>
+            </a:r>
+            <a:r>
+              <a:rPr lang="zh-CN" altLang="en-US" dirty="0" smtClean="0"/>
+              <a:t>）是一种将两个东西关联在一起的方式。被关联在一 起的两个东西分别称为键（</a:t>
+            </a:r>
+            <a:r>
+              <a:rPr lang="en-US" altLang="zh-CN" dirty="0" smtClean="0"/>
+              <a:t>key</a:t>
+            </a:r>
+            <a:r>
+              <a:rPr lang="zh-CN" altLang="en-US" dirty="0" smtClean="0"/>
+              <a:t>）和值（</a:t>
+            </a:r>
+            <a:r>
+              <a:rPr lang="en-US" altLang="zh-CN" dirty="0" smtClean="0"/>
+              <a:t>value</a:t>
+            </a:r>
+            <a:r>
+              <a:rPr lang="zh-CN" altLang="en-US" dirty="0" smtClean="0"/>
+              <a:t>）。字典中的每个项（</a:t>
+            </a:r>
+            <a:r>
+              <a:rPr lang="en-US" altLang="zh-CN" dirty="0" smtClean="0"/>
+              <a:t>item</a:t>
+            </a:r>
+            <a:r>
+              <a:rPr lang="zh-CN" altLang="en-US" dirty="0" smtClean="0"/>
+              <a:t>）或条目 （</a:t>
+            </a:r>
+            <a:r>
+              <a:rPr lang="en-US" altLang="zh-CN" dirty="0" smtClean="0"/>
+              <a:t>entry</a:t>
+            </a:r>
+            <a:r>
+              <a:rPr lang="zh-CN" altLang="en-US" dirty="0" smtClean="0"/>
+              <a:t>）都有一个键和一个值，它们合起来被称为键值对（</a:t>
+            </a:r>
+            <a:r>
+              <a:rPr lang="en-US" altLang="zh-CN" dirty="0" smtClean="0"/>
+              <a:t>key-value pair</a:t>
+            </a:r>
+            <a:r>
+              <a:rPr lang="zh-CN" altLang="en-US" dirty="0" smtClean="0"/>
+              <a:t>）。一个字典 就是一些键值对的集合。</a:t>
+            </a:r>
+            <a:endParaRPr lang="en-US" altLang="zh-CN" dirty="0" smtClean="0"/>
+          </a:p>
+          <a:p>
+            <a:pPr lvl="1"/>
+            <a:r>
+              <a:rPr lang="en-US" altLang="zh-CN" dirty="0" err="1" smtClean="0"/>
+              <a:t>phoneNumbers</a:t>
+            </a:r>
+            <a:r>
+              <a:rPr lang="en-US" altLang="zh-CN" dirty="0" smtClean="0"/>
+              <a:t> = {}</a:t>
+            </a:r>
+          </a:p>
+          <a:p>
+            <a:pPr lvl="1"/>
+            <a:r>
+              <a:rPr lang="en-US" altLang="zh-CN" dirty="0" err="1" smtClean="0"/>
+              <a:t>phoneNumbers</a:t>
+            </a:r>
+            <a:r>
+              <a:rPr lang="en-US" altLang="zh-CN" dirty="0" smtClean="0"/>
+              <a:t>["John"] = "555-1234“</a:t>
+            </a:r>
+          </a:p>
+          <a:p>
+            <a:pPr lvl="1"/>
+            <a:r>
+              <a:rPr lang="en-US" altLang="zh-CN" dirty="0" smtClean="0"/>
+              <a:t>Print( </a:t>
+            </a:r>
+            <a:r>
+              <a:rPr lang="en-US" altLang="zh-CN" dirty="0" err="1" smtClean="0"/>
+              <a:t>phoneNumbers</a:t>
+            </a:r>
+            <a:r>
+              <a:rPr lang="en-US" altLang="zh-CN" dirty="0" smtClean="0"/>
+              <a:t>)</a:t>
+            </a:r>
+            <a:endParaRPr lang="zh-CN" altLang="en-US" dirty="0" smtClean="0"/>
+          </a:p>
+        </p:txBody>
+      </p:sp>
+    </p:spTree>
+  </p:cSld>
+  <p:clrMapOvr>
+    <a:masterClrMapping/>
+  </p:clrMapOvr>
+  <p:timing>
+    <p:tnLst>
+      <p:par>
+        <p:cTn id="1" dur="indefinite" restart="never" nodeType="tmRoot"/>
+      </p:par>
+    </p:tnLst>
+  </p:timing>
+</p:sld>
+</file>
+
+<file path=ppt/slides/slide99.xml><?xml version="1.0" encoding="utf-8"?>
+<p:sld xmlns:a="http://schemas.openxmlformats.org/drawingml/2006/main" xmlns:r="http://schemas.openxmlformats.org/officeDocument/2006/relationships" xmlns:p="http://schemas.openxmlformats.org/presentationml/2006/main">
+  <p:cSld>
+    <p:spTree>
+      <p:nvGrpSpPr>
+        <p:cNvPr id="1" name=""/>
+        <p:cNvGrpSpPr/>
+        <p:nvPr/>
+      </p:nvGrpSpPr>
+      <p:grpSpPr>
+        <a:xfrm>
+          <a:off x="0" y="0"/>
+          <a:ext cx="0" cy="0"/>
+          <a:chOff x="0" y="0"/>
+          <a:chExt cx="0" cy="0"/>
+        </a:xfrm>
+      </p:grpSpPr>
+      <p:sp>
+        <p:nvSpPr>
+          <p:cNvPr id="2" name="标题 1"/>
+          <p:cNvSpPr>
+            <a:spLocks noGrp="1"/>
+          </p:cNvSpPr>
+          <p:nvPr>
+            <p:ph type="title"/>
+          </p:nvPr>
+        </p:nvSpPr>
+        <p:spPr/>
+        <p:txBody>
+          <a:bodyPr>
+            <a:normAutofit/>
+          </a:bodyPr>
+          <a:lstStyle/>
+          <a:p>
+            <a:pPr algn="l"/>
+            <a:r>
+              <a:rPr lang="zh-CN" altLang="en-US" dirty="0" smtClean="0"/>
+              <a:t>测试</a:t>
+            </a:r>
+            <a:endParaRPr lang="zh-CN" altLang="en-US" dirty="0"/>
+          </a:p>
+        </p:txBody>
+      </p:sp>
+      <p:sp>
+        <p:nvSpPr>
+          <p:cNvPr id="3" name="内容占位符 2"/>
+          <p:cNvSpPr>
+            <a:spLocks noGrp="1"/>
+          </p:cNvSpPr>
+          <p:nvPr>
+            <p:ph idx="1"/>
+          </p:nvPr>
+        </p:nvSpPr>
+        <p:spPr>
+          <a:xfrm>
+            <a:off x="457200" y="1196752"/>
+            <a:ext cx="8229600" cy="5400600"/>
+          </a:xfrm>
+        </p:spPr>
+        <p:txBody>
+          <a:bodyPr>
+            <a:normAutofit fontScale="92500" lnSpcReduction="20000"/>
+          </a:bodyPr>
+          <a:lstStyle/>
+          <a:p>
+            <a:r>
+              <a:rPr lang="en-US" altLang="zh-CN" dirty="0" smtClean="0"/>
+              <a:t>1. </a:t>
+            </a:r>
+            <a:r>
+              <a:rPr lang="zh-CN" altLang="en-US" dirty="0" smtClean="0"/>
+              <a:t>向列表增加元素有哪些方法</a:t>
+            </a:r>
+            <a:r>
+              <a:rPr lang="zh-CN" altLang="en-US" dirty="0" smtClean="0"/>
+              <a:t>？</a:t>
+            </a:r>
+            <a:endParaRPr lang="en-US" altLang="zh-CN" dirty="0" smtClean="0"/>
+          </a:p>
+          <a:p>
+            <a:r>
+              <a:rPr lang="en-US" altLang="zh-CN" dirty="0" smtClean="0"/>
+              <a:t>2</a:t>
+            </a:r>
+            <a:r>
+              <a:rPr lang="en-US" altLang="zh-CN" dirty="0" smtClean="0"/>
+              <a:t>. </a:t>
+            </a:r>
+            <a:r>
+              <a:rPr lang="zh-CN" altLang="en-US" dirty="0" smtClean="0"/>
+              <a:t>从列表删除元素有哪些方法？ </a:t>
+            </a:r>
+            <a:endParaRPr lang="en-US" altLang="zh-CN" dirty="0" smtClean="0"/>
+          </a:p>
+          <a:p>
+            <a:r>
+              <a:rPr lang="en-US" altLang="zh-CN" dirty="0" smtClean="0"/>
+              <a:t>3</a:t>
+            </a:r>
+            <a:r>
+              <a:rPr lang="en-US" altLang="zh-CN" dirty="0" smtClean="0"/>
+              <a:t>. </a:t>
+            </a:r>
+            <a:r>
+              <a:rPr lang="zh-CN" altLang="en-US" dirty="0" smtClean="0"/>
+              <a:t>要得到一个列表的有序副本，但又不能改变原来的列表，有哪两种方法？ </a:t>
+            </a:r>
+            <a:endParaRPr lang="en-US" altLang="zh-CN" dirty="0" smtClean="0"/>
+          </a:p>
+          <a:p>
+            <a:r>
+              <a:rPr lang="en-US" altLang="zh-CN" dirty="0" smtClean="0"/>
+              <a:t>4</a:t>
+            </a:r>
+            <a:r>
+              <a:rPr lang="en-US" altLang="zh-CN" dirty="0" smtClean="0"/>
+              <a:t>. </a:t>
+            </a:r>
+            <a:r>
+              <a:rPr lang="zh-CN" altLang="en-US" dirty="0" smtClean="0"/>
+              <a:t>怎样得出某个值是否在列表中？ </a:t>
+            </a:r>
+            <a:endParaRPr lang="en-US" altLang="zh-CN" dirty="0" smtClean="0"/>
+          </a:p>
+          <a:p>
+            <a:r>
+              <a:rPr lang="en-US" altLang="zh-CN" dirty="0" smtClean="0"/>
+              <a:t>5</a:t>
+            </a:r>
+            <a:r>
+              <a:rPr lang="en-US" altLang="zh-CN" dirty="0" smtClean="0"/>
+              <a:t>. </a:t>
+            </a:r>
+            <a:r>
+              <a:rPr lang="zh-CN" altLang="en-US" dirty="0" smtClean="0"/>
+              <a:t>如何确定某个值在列表中的位置？ </a:t>
+            </a:r>
+            <a:endParaRPr lang="en-US" altLang="zh-CN" dirty="0" smtClean="0"/>
+          </a:p>
+          <a:p>
+            <a:r>
+              <a:rPr lang="en-US" altLang="zh-CN" dirty="0" smtClean="0"/>
+              <a:t>6</a:t>
+            </a:r>
+            <a:r>
+              <a:rPr lang="en-US" altLang="zh-CN" dirty="0" smtClean="0"/>
+              <a:t>. </a:t>
+            </a:r>
+            <a:r>
+              <a:rPr lang="zh-CN" altLang="en-US" dirty="0" smtClean="0"/>
+              <a:t>什么是元组？ </a:t>
+            </a:r>
+            <a:endParaRPr lang="en-US" altLang="zh-CN" dirty="0" smtClean="0"/>
+          </a:p>
+          <a:p>
+            <a:r>
+              <a:rPr lang="en-US" altLang="zh-CN" dirty="0" smtClean="0"/>
+              <a:t>7</a:t>
+            </a:r>
+            <a:r>
+              <a:rPr lang="en-US" altLang="zh-CN" dirty="0" smtClean="0"/>
+              <a:t>. </a:t>
+            </a:r>
+            <a:r>
+              <a:rPr lang="zh-CN" altLang="en-US" dirty="0" smtClean="0"/>
+              <a:t>如何建立双重列表？ </a:t>
+            </a:r>
+            <a:endParaRPr lang="en-US" altLang="zh-CN" dirty="0" smtClean="0"/>
+          </a:p>
+          <a:p>
+            <a:r>
+              <a:rPr lang="en-US" altLang="zh-CN" dirty="0" smtClean="0"/>
+              <a:t>8</a:t>
+            </a:r>
+            <a:r>
+              <a:rPr lang="en-US" altLang="zh-CN" dirty="0" smtClean="0"/>
+              <a:t>. </a:t>
+            </a:r>
+            <a:r>
+              <a:rPr lang="zh-CN" altLang="en-US" dirty="0" smtClean="0"/>
+              <a:t>如何从一个双重列表中得到一个值？ </a:t>
+            </a:r>
+            <a:endParaRPr lang="en-US" altLang="zh-CN" dirty="0" smtClean="0"/>
+          </a:p>
+          <a:p>
+            <a:r>
+              <a:rPr lang="en-US" altLang="zh-CN" dirty="0" smtClean="0"/>
+              <a:t>9</a:t>
+            </a:r>
+            <a:r>
+              <a:rPr lang="en-US" altLang="zh-CN" dirty="0" smtClean="0"/>
+              <a:t>. </a:t>
+            </a:r>
+            <a:r>
+              <a:rPr lang="zh-CN" altLang="en-US" dirty="0" smtClean="0"/>
+              <a:t>什么是字典？ </a:t>
+            </a:r>
+            <a:endParaRPr lang="en-US" altLang="zh-CN" dirty="0" smtClean="0"/>
+          </a:p>
+          <a:p>
+            <a:r>
+              <a:rPr lang="en-US" altLang="zh-CN" dirty="0" smtClean="0"/>
+              <a:t>10</a:t>
+            </a:r>
+            <a:r>
+              <a:rPr lang="en-US" altLang="zh-CN" dirty="0" smtClean="0"/>
+              <a:t>. </a:t>
+            </a:r>
+            <a:r>
+              <a:rPr lang="zh-CN" altLang="en-US" dirty="0" smtClean="0"/>
+              <a:t>如何向字典中增加项？ </a:t>
+            </a:r>
+            <a:endParaRPr lang="en-US" altLang="zh-CN" dirty="0" smtClean="0"/>
+          </a:p>
+          <a:p>
+            <a:r>
+              <a:rPr lang="en-US" altLang="zh-CN" dirty="0" smtClean="0"/>
+              <a:t>11</a:t>
+            </a:r>
+            <a:r>
+              <a:rPr lang="en-US" altLang="zh-CN" dirty="0" smtClean="0"/>
+              <a:t>. </a:t>
+            </a:r>
+            <a:r>
+              <a:rPr lang="zh-CN" altLang="en-US" dirty="0" smtClean="0"/>
+              <a:t>怎样使用键去查找一个条目？</a:t>
+            </a:r>
+            <a:endParaRPr lang="zh-CN" altLang="en-US" dirty="0" smtClean="0"/>
           </a:p>
         </p:txBody>
       </p:sp>

--- a/readme/Python3.pptx
+++ b/readme/Python3.pptx
@@ -105,6 +105,22 @@
     <p:sldId id="359" r:id="rId99"/>
     <p:sldId id="360" r:id="rId100"/>
     <p:sldId id="361" r:id="rId101"/>
+    <p:sldId id="362" r:id="rId102"/>
+    <p:sldId id="363" r:id="rId103"/>
+    <p:sldId id="364" r:id="rId104"/>
+    <p:sldId id="365" r:id="rId105"/>
+    <p:sldId id="366" r:id="rId106"/>
+    <p:sldId id="367" r:id="rId107"/>
+    <p:sldId id="368" r:id="rId108"/>
+    <p:sldId id="369" r:id="rId109"/>
+    <p:sldId id="370" r:id="rId110"/>
+    <p:sldId id="371" r:id="rId111"/>
+    <p:sldId id="372" r:id="rId112"/>
+    <p:sldId id="373" r:id="rId113"/>
+    <p:sldId id="374" r:id="rId114"/>
+    <p:sldId id="375" r:id="rId115"/>
+    <p:sldId id="376" r:id="rId116"/>
+    <p:sldId id="377" r:id="rId117"/>
   </p:sldIdLst>
   <p:sldSz cx="9144000" cy="6858000" type="screen4x3"/>
   <p:notesSz cx="6858000" cy="9144000"/>
@@ -388,7 +404,7 @@
             <a:fld id="{530820CF-B880-4189-942D-D702A7CBA730}" type="datetimeFigureOut">
               <a:rPr lang="zh-CN" altLang="en-US" smtClean="0"/>
               <a:pPr/>
-              <a:t>2018/11/11</a:t>
+              <a:t>2018/11/25</a:t>
             </a:fld>
             <a:endParaRPr lang="zh-CN" altLang="en-US"/>
           </a:p>
@@ -555,7 +571,7 @@
             <a:fld id="{530820CF-B880-4189-942D-D702A7CBA730}" type="datetimeFigureOut">
               <a:rPr lang="zh-CN" altLang="en-US" smtClean="0"/>
               <a:pPr/>
-              <a:t>2018/11/11</a:t>
+              <a:t>2018/11/25</a:t>
             </a:fld>
             <a:endParaRPr lang="zh-CN" altLang="en-US"/>
           </a:p>
@@ -732,7 +748,7 @@
             <a:fld id="{530820CF-B880-4189-942D-D702A7CBA730}" type="datetimeFigureOut">
               <a:rPr lang="zh-CN" altLang="en-US" smtClean="0"/>
               <a:pPr/>
-              <a:t>2018/11/11</a:t>
+              <a:t>2018/11/25</a:t>
             </a:fld>
             <a:endParaRPr lang="zh-CN" altLang="en-US"/>
           </a:p>
@@ -899,7 +915,7 @@
             <a:fld id="{530820CF-B880-4189-942D-D702A7CBA730}" type="datetimeFigureOut">
               <a:rPr lang="zh-CN" altLang="en-US" smtClean="0"/>
               <a:pPr/>
-              <a:t>2018/11/11</a:t>
+              <a:t>2018/11/25</a:t>
             </a:fld>
             <a:endParaRPr lang="zh-CN" altLang="en-US"/>
           </a:p>
@@ -1142,7 +1158,7 @@
             <a:fld id="{530820CF-B880-4189-942D-D702A7CBA730}" type="datetimeFigureOut">
               <a:rPr lang="zh-CN" altLang="en-US" smtClean="0"/>
               <a:pPr/>
-              <a:t>2018/11/11</a:t>
+              <a:t>2018/11/25</a:t>
             </a:fld>
             <a:endParaRPr lang="zh-CN" altLang="en-US"/>
           </a:p>
@@ -1427,7 +1443,7 @@
             <a:fld id="{530820CF-B880-4189-942D-D702A7CBA730}" type="datetimeFigureOut">
               <a:rPr lang="zh-CN" altLang="en-US" smtClean="0"/>
               <a:pPr/>
-              <a:t>2018/11/11</a:t>
+              <a:t>2018/11/25</a:t>
             </a:fld>
             <a:endParaRPr lang="zh-CN" altLang="en-US"/>
           </a:p>
@@ -1846,7 +1862,7 @@
             <a:fld id="{530820CF-B880-4189-942D-D702A7CBA730}" type="datetimeFigureOut">
               <a:rPr lang="zh-CN" altLang="en-US" smtClean="0"/>
               <a:pPr/>
-              <a:t>2018/11/11</a:t>
+              <a:t>2018/11/25</a:t>
             </a:fld>
             <a:endParaRPr lang="zh-CN" altLang="en-US"/>
           </a:p>
@@ -1961,7 +1977,7 @@
             <a:fld id="{530820CF-B880-4189-942D-D702A7CBA730}" type="datetimeFigureOut">
               <a:rPr lang="zh-CN" altLang="en-US" smtClean="0"/>
               <a:pPr/>
-              <a:t>2018/11/11</a:t>
+              <a:t>2018/11/25</a:t>
             </a:fld>
             <a:endParaRPr lang="zh-CN" altLang="en-US"/>
           </a:p>
@@ -2053,7 +2069,7 @@
             <a:fld id="{530820CF-B880-4189-942D-D702A7CBA730}" type="datetimeFigureOut">
               <a:rPr lang="zh-CN" altLang="en-US" smtClean="0"/>
               <a:pPr/>
-              <a:t>2018/11/11</a:t>
+              <a:t>2018/11/25</a:t>
             </a:fld>
             <a:endParaRPr lang="zh-CN" altLang="en-US"/>
           </a:p>
@@ -2327,7 +2343,7 @@
             <a:fld id="{530820CF-B880-4189-942D-D702A7CBA730}" type="datetimeFigureOut">
               <a:rPr lang="zh-CN" altLang="en-US" smtClean="0"/>
               <a:pPr/>
-              <a:t>2018/11/11</a:t>
+              <a:t>2018/11/25</a:t>
             </a:fld>
             <a:endParaRPr lang="zh-CN" altLang="en-US"/>
           </a:p>
@@ -2577,7 +2593,7 @@
             <a:fld id="{530820CF-B880-4189-942D-D702A7CBA730}" type="datetimeFigureOut">
               <a:rPr lang="zh-CN" altLang="en-US" smtClean="0"/>
               <a:pPr/>
-              <a:t>2018/11/11</a:t>
+              <a:t>2018/11/25</a:t>
             </a:fld>
             <a:endParaRPr lang="zh-CN" altLang="en-US"/>
           </a:p>
@@ -2787,7 +2803,7 @@
             <a:fld id="{530820CF-B880-4189-942D-D702A7CBA730}" type="datetimeFigureOut">
               <a:rPr lang="zh-CN" altLang="en-US" smtClean="0"/>
               <a:pPr/>
-              <a:t>2018/11/11</a:t>
+              <a:t>2018/11/25</a:t>
             </a:fld>
             <a:endParaRPr lang="zh-CN" altLang="en-US"/>
           </a:p>
@@ -3462,11 +3478,7 @@
             </a:r>
             <a:r>
               <a:rPr lang="zh-CN" altLang="en-US" dirty="0" smtClean="0"/>
-              <a:t>个名字保存在一个列表中， 最后打印出来。就像这样</a:t>
-            </a:r>
-            <a:r>
-              <a:rPr lang="zh-CN" altLang="en-US" dirty="0" smtClean="0"/>
-              <a:t>：</a:t>
+              <a:t>个名字保存在一个列表中， 最后打印出来。就像这样：</a:t>
             </a:r>
             <a:endParaRPr lang="en-US" altLang="zh-CN" dirty="0" smtClean="0"/>
           </a:p>
@@ -3478,7 +3490,6 @@
               <a:rPr lang="en-US" altLang="zh-CN" dirty="0" smtClean="0"/>
               <a:t>Enter 5 names: </a:t>
             </a:r>
-            <a:endParaRPr lang="en-US" altLang="zh-CN" dirty="0" smtClean="0"/>
           </a:p>
           <a:p>
             <a:pPr lvl="1">
@@ -3531,16 +3542,1379 @@
             </a:pPr>
             <a:r>
               <a:rPr lang="en-US" altLang="zh-CN" dirty="0" smtClean="0"/>
-              <a:t>The </a:t>
-            </a:r>
-            <a:r>
-              <a:rPr lang="en-US" altLang="zh-CN" dirty="0" smtClean="0"/>
-              <a:t>names are Tony Paul Nick Michel Kevin</a:t>
+              <a:t>The names are Tony Paul Nick Michel Kevin</a:t>
             </a:r>
             <a:endParaRPr lang="zh-CN" altLang="en-US" dirty="0"/>
           </a:p>
         </p:txBody>
       </p:sp>
+    </p:spTree>
+  </p:cSld>
+  <p:clrMapOvr>
+    <a:masterClrMapping/>
+  </p:clrMapOvr>
+  <p:timing>
+    <p:tnLst>
+      <p:par>
+        <p:cTn id="1" dur="indefinite" restart="never" nodeType="tmRoot"/>
+      </p:par>
+    </p:tnLst>
+  </p:timing>
+</p:sld>
+</file>
+
+<file path=ppt/slides/slide101.xml><?xml version="1.0" encoding="utf-8"?>
+<p:sld xmlns:a="http://schemas.openxmlformats.org/drawingml/2006/main" xmlns:r="http://schemas.openxmlformats.org/officeDocument/2006/relationships" xmlns:p="http://schemas.openxmlformats.org/presentationml/2006/main">
+  <p:cSld>
+    <p:spTree>
+      <p:nvGrpSpPr>
+        <p:cNvPr id="1" name=""/>
+        <p:cNvGrpSpPr/>
+        <p:nvPr/>
+      </p:nvGrpSpPr>
+      <p:grpSpPr>
+        <a:xfrm>
+          <a:off x="0" y="0"/>
+          <a:ext cx="0" cy="0"/>
+          <a:chOff x="0" y="0"/>
+          <a:chExt cx="0" cy="0"/>
+        </a:xfrm>
+      </p:grpSpPr>
+      <p:sp>
+        <p:nvSpPr>
+          <p:cNvPr id="2" name="标题 1"/>
+          <p:cNvSpPr>
+            <a:spLocks noGrp="1"/>
+          </p:cNvSpPr>
+          <p:nvPr>
+            <p:ph type="title"/>
+          </p:nvPr>
+        </p:nvSpPr>
+        <p:spPr/>
+        <p:txBody>
+          <a:bodyPr/>
+          <a:lstStyle/>
+          <a:p>
+            <a:r>
+              <a:rPr lang="en-US" altLang="zh-CN" dirty="0" smtClean="0"/>
+              <a:t>9</a:t>
+            </a:r>
+            <a:endParaRPr lang="zh-CN" altLang="en-US" dirty="0"/>
+          </a:p>
+        </p:txBody>
+      </p:sp>
+      <p:sp>
+        <p:nvSpPr>
+          <p:cNvPr id="3" name="内容占位符 2"/>
+          <p:cNvSpPr>
+            <a:spLocks noGrp="1"/>
+          </p:cNvSpPr>
+          <p:nvPr>
+            <p:ph idx="1"/>
+          </p:nvPr>
+        </p:nvSpPr>
+        <p:spPr/>
+        <p:txBody>
+          <a:bodyPr/>
+          <a:lstStyle/>
+          <a:p>
+            <a:endParaRPr lang="zh-CN" altLang="en-US"/>
+          </a:p>
+        </p:txBody>
+      </p:sp>
+    </p:spTree>
+  </p:cSld>
+  <p:clrMapOvr>
+    <a:masterClrMapping/>
+  </p:clrMapOvr>
+  <p:timing>
+    <p:tnLst>
+      <p:par>
+        <p:cTn id="1" dur="indefinite" restart="never" nodeType="tmRoot"/>
+      </p:par>
+    </p:tnLst>
+  </p:timing>
+</p:sld>
+</file>
+
+<file path=ppt/slides/slide102.xml><?xml version="1.0" encoding="utf-8"?>
+<p:sld xmlns:a="http://schemas.openxmlformats.org/drawingml/2006/main" xmlns:r="http://schemas.openxmlformats.org/officeDocument/2006/relationships" xmlns:p="http://schemas.openxmlformats.org/presentationml/2006/main">
+  <p:cSld>
+    <p:spTree>
+      <p:nvGrpSpPr>
+        <p:cNvPr id="1" name=""/>
+        <p:cNvGrpSpPr/>
+        <p:nvPr/>
+      </p:nvGrpSpPr>
+      <p:grpSpPr>
+        <a:xfrm>
+          <a:off x="0" y="0"/>
+          <a:ext cx="0" cy="0"/>
+          <a:chOff x="0" y="0"/>
+          <a:chExt cx="0" cy="0"/>
+        </a:xfrm>
+      </p:grpSpPr>
+      <p:sp>
+        <p:nvSpPr>
+          <p:cNvPr id="2" name="标题 1"/>
+          <p:cNvSpPr>
+            <a:spLocks noGrp="1"/>
+          </p:cNvSpPr>
+          <p:nvPr>
+            <p:ph type="title"/>
+          </p:nvPr>
+        </p:nvSpPr>
+        <p:spPr/>
+        <p:txBody>
+          <a:bodyPr/>
+          <a:lstStyle/>
+          <a:p>
+            <a:pPr algn="l"/>
+            <a:r>
+              <a:rPr lang="zh-CN" altLang="en-US" dirty="0" smtClean="0"/>
+              <a:t>动手试一试</a:t>
+            </a:r>
+            <a:endParaRPr lang="zh-CN" altLang="en-US" dirty="0"/>
+          </a:p>
+        </p:txBody>
+      </p:sp>
+      <p:sp>
+        <p:nvSpPr>
+          <p:cNvPr id="3" name="内容占位符 2"/>
+          <p:cNvSpPr>
+            <a:spLocks noGrp="1"/>
+          </p:cNvSpPr>
+          <p:nvPr>
+            <p:ph idx="1"/>
+          </p:nvPr>
+        </p:nvSpPr>
+        <p:spPr/>
+        <p:txBody>
+          <a:bodyPr/>
+          <a:lstStyle/>
+          <a:p>
+            <a:r>
+              <a:rPr lang="en-US" altLang="zh-CN" dirty="0" smtClean="0"/>
+              <a:t>2. </a:t>
+            </a:r>
+            <a:r>
+              <a:rPr lang="zh-CN" altLang="en-US" dirty="0" smtClean="0"/>
+              <a:t>修改第 </a:t>
+            </a:r>
+            <a:r>
+              <a:rPr lang="en-US" altLang="zh-CN" dirty="0" smtClean="0"/>
+              <a:t>1 </a:t>
+            </a:r>
+            <a:r>
+              <a:rPr lang="zh-CN" altLang="en-US" dirty="0" smtClean="0"/>
+              <a:t>题的程序，要求不仅显示原来的名字列表，还要显示出排序后的列表。</a:t>
+            </a:r>
+            <a:endParaRPr lang="en-US" altLang="zh-CN" dirty="0" smtClean="0"/>
+          </a:p>
+          <a:p>
+            <a:r>
+              <a:rPr lang="en-US" altLang="zh-CN" dirty="0" smtClean="0"/>
+              <a:t>3. </a:t>
+            </a:r>
+            <a:r>
+              <a:rPr lang="zh-CN" altLang="en-US" dirty="0" smtClean="0"/>
+              <a:t>修改第 </a:t>
+            </a:r>
+            <a:r>
+              <a:rPr lang="en-US" altLang="zh-CN" dirty="0" smtClean="0"/>
+              <a:t>1 </a:t>
+            </a:r>
+            <a:r>
+              <a:rPr lang="zh-CN" altLang="en-US" dirty="0" smtClean="0"/>
+              <a:t>题的程序，要求只显示用户键入的第 </a:t>
+            </a:r>
+            <a:r>
+              <a:rPr lang="en-US" altLang="zh-CN" dirty="0" smtClean="0"/>
+              <a:t>3 </a:t>
+            </a:r>
+            <a:r>
+              <a:rPr lang="zh-CN" altLang="en-US" dirty="0" smtClean="0"/>
+              <a:t>个名字，就像这样：</a:t>
+            </a:r>
+            <a:endParaRPr lang="en-US" altLang="zh-CN" dirty="0" smtClean="0"/>
+          </a:p>
+          <a:p>
+            <a:pPr lvl="1"/>
+            <a:r>
+              <a:rPr lang="en-US" altLang="zh-CN" dirty="0" smtClean="0"/>
+              <a:t>The third name you entered is: Nick</a:t>
+            </a:r>
+          </a:p>
+          <a:p>
+            <a:r>
+              <a:rPr lang="en-US" altLang="zh-CN" dirty="0" smtClean="0"/>
+              <a:t>4. </a:t>
+            </a:r>
+            <a:r>
+              <a:rPr lang="zh-CN" altLang="en-US" dirty="0" smtClean="0"/>
+              <a:t>修改第 </a:t>
+            </a:r>
+            <a:r>
+              <a:rPr lang="en-US" altLang="zh-CN" dirty="0" smtClean="0"/>
+              <a:t>1 </a:t>
+            </a:r>
+            <a:r>
+              <a:rPr lang="zh-CN" altLang="en-US" dirty="0" smtClean="0"/>
+              <a:t>题的程序，让用户替换其中一个名字。用户应该能选择要替换哪个 名字，然后键入新名字。最后显示这个新的列表：</a:t>
+            </a:r>
+            <a:endParaRPr lang="en-US" altLang="zh-CN" dirty="0" smtClean="0"/>
+          </a:p>
+          <a:p>
+            <a:endParaRPr lang="zh-CN" altLang="en-US" dirty="0"/>
+          </a:p>
+        </p:txBody>
+      </p:sp>
+    </p:spTree>
+  </p:cSld>
+  <p:clrMapOvr>
+    <a:masterClrMapping/>
+  </p:clrMapOvr>
+  <p:timing>
+    <p:tnLst>
+      <p:par>
+        <p:cTn id="1" dur="indefinite" restart="never" nodeType="tmRoot"/>
+      </p:par>
+    </p:tnLst>
+  </p:timing>
+</p:sld>
+</file>
+
+<file path=ppt/slides/slide103.xml><?xml version="1.0" encoding="utf-8"?>
+<p:sld xmlns:a="http://schemas.openxmlformats.org/drawingml/2006/main" xmlns:r="http://schemas.openxmlformats.org/officeDocument/2006/relationships" xmlns:p="http://schemas.openxmlformats.org/presentationml/2006/main">
+  <p:cSld>
+    <p:spTree>
+      <p:nvGrpSpPr>
+        <p:cNvPr id="1" name=""/>
+        <p:cNvGrpSpPr/>
+        <p:nvPr/>
+      </p:nvGrpSpPr>
+      <p:grpSpPr>
+        <a:xfrm>
+          <a:off x="0" y="0"/>
+          <a:ext cx="0" cy="0"/>
+          <a:chOff x="0" y="0"/>
+          <a:chExt cx="0" cy="0"/>
+        </a:xfrm>
+      </p:grpSpPr>
+      <p:sp>
+        <p:nvSpPr>
+          <p:cNvPr id="2" name="标题 1"/>
+          <p:cNvSpPr>
+            <a:spLocks noGrp="1"/>
+          </p:cNvSpPr>
+          <p:nvPr>
+            <p:ph type="title"/>
+          </p:nvPr>
+        </p:nvSpPr>
+        <p:spPr/>
+        <p:txBody>
+          <a:bodyPr/>
+          <a:lstStyle/>
+          <a:p>
+            <a:pPr algn="l"/>
+            <a:r>
+              <a:rPr lang="zh-CN" altLang="en-US" dirty="0" smtClean="0"/>
+              <a:t>动手试一试</a:t>
+            </a:r>
+            <a:endParaRPr lang="zh-CN" altLang="en-US" dirty="0"/>
+          </a:p>
+        </p:txBody>
+      </p:sp>
+      <p:sp>
+        <p:nvSpPr>
+          <p:cNvPr id="3" name="内容占位符 2"/>
+          <p:cNvSpPr>
+            <a:spLocks noGrp="1"/>
+          </p:cNvSpPr>
+          <p:nvPr>
+            <p:ph idx="1"/>
+          </p:nvPr>
+        </p:nvSpPr>
+        <p:spPr/>
+        <p:txBody>
+          <a:bodyPr>
+            <a:normAutofit fontScale="92500" lnSpcReduction="10000"/>
+          </a:bodyPr>
+          <a:lstStyle/>
+          <a:p>
+            <a:pPr lvl="1"/>
+            <a:r>
+              <a:rPr lang="en-US" altLang="zh-CN" dirty="0" smtClean="0"/>
+              <a:t>Enter 5 names: </a:t>
+            </a:r>
+          </a:p>
+          <a:p>
+            <a:pPr lvl="1"/>
+            <a:r>
+              <a:rPr lang="en-US" altLang="zh-CN" dirty="0" smtClean="0"/>
+              <a:t>Tony</a:t>
+            </a:r>
+          </a:p>
+          <a:p>
+            <a:pPr lvl="1"/>
+            <a:r>
+              <a:rPr lang="en-US" altLang="zh-CN" dirty="0" smtClean="0"/>
+              <a:t>Paul</a:t>
+            </a:r>
+          </a:p>
+          <a:p>
+            <a:pPr lvl="1"/>
+            <a:r>
+              <a:rPr lang="en-US" altLang="zh-CN" dirty="0" smtClean="0"/>
+              <a:t> Nick </a:t>
+            </a:r>
+          </a:p>
+          <a:p>
+            <a:pPr lvl="1"/>
+            <a:r>
+              <a:rPr lang="en-US" altLang="zh-CN" dirty="0" smtClean="0"/>
+              <a:t>Michel</a:t>
+            </a:r>
+          </a:p>
+          <a:p>
+            <a:pPr lvl="1"/>
+            <a:r>
+              <a:rPr lang="en-US" altLang="zh-CN" dirty="0" smtClean="0"/>
+              <a:t> Kevin </a:t>
+            </a:r>
+          </a:p>
+          <a:p>
+            <a:pPr lvl="1"/>
+            <a:r>
+              <a:rPr lang="en-US" altLang="zh-CN" dirty="0" smtClean="0"/>
+              <a:t>The names are Tony Paul Nick Michel Kevin </a:t>
+            </a:r>
+            <a:endParaRPr lang="en-US" altLang="zh-CN" dirty="0" smtClean="0"/>
+          </a:p>
+          <a:p>
+            <a:pPr lvl="1"/>
+            <a:r>
+              <a:rPr lang="en-US" altLang="zh-CN" dirty="0" smtClean="0"/>
+              <a:t>Replace </a:t>
+            </a:r>
+            <a:r>
+              <a:rPr lang="en-US" altLang="zh-CN" dirty="0" smtClean="0"/>
+              <a:t>one name. Which one? (1-5): 4 </a:t>
+            </a:r>
+          </a:p>
+          <a:p>
+            <a:pPr lvl="1"/>
+            <a:r>
+              <a:rPr lang="en-US" altLang="zh-CN" dirty="0" smtClean="0"/>
+              <a:t>New name: Peter </a:t>
+            </a:r>
+          </a:p>
+          <a:p>
+            <a:pPr lvl="1"/>
+            <a:r>
+              <a:rPr lang="en-US" altLang="zh-CN" dirty="0" smtClean="0"/>
+              <a:t>The names are Tony Paul Nick Peter Kevin</a:t>
+            </a:r>
+            <a:endParaRPr lang="zh-CN" altLang="en-US" dirty="0"/>
+          </a:p>
+        </p:txBody>
+      </p:sp>
+    </p:spTree>
+  </p:cSld>
+  <p:clrMapOvr>
+    <a:masterClrMapping/>
+  </p:clrMapOvr>
+  <p:timing>
+    <p:tnLst>
+      <p:par>
+        <p:cTn id="1" dur="indefinite" restart="never" nodeType="tmRoot"/>
+      </p:par>
+    </p:tnLst>
+  </p:timing>
+</p:sld>
+</file>
+
+<file path=ppt/slides/slide104.xml><?xml version="1.0" encoding="utf-8"?>
+<p:sld xmlns:a="http://schemas.openxmlformats.org/drawingml/2006/main" xmlns:r="http://schemas.openxmlformats.org/officeDocument/2006/relationships" xmlns:p="http://schemas.openxmlformats.org/presentationml/2006/main">
+  <p:cSld>
+    <p:spTree>
+      <p:nvGrpSpPr>
+        <p:cNvPr id="1" name=""/>
+        <p:cNvGrpSpPr/>
+        <p:nvPr/>
+      </p:nvGrpSpPr>
+      <p:grpSpPr>
+        <a:xfrm>
+          <a:off x="0" y="0"/>
+          <a:ext cx="0" cy="0"/>
+          <a:chOff x="0" y="0"/>
+          <a:chExt cx="0" cy="0"/>
+        </a:xfrm>
+      </p:grpSpPr>
+      <p:sp>
+        <p:nvSpPr>
+          <p:cNvPr id="2" name="标题 1"/>
+          <p:cNvSpPr>
+            <a:spLocks noGrp="1"/>
+          </p:cNvSpPr>
+          <p:nvPr>
+            <p:ph type="title"/>
+          </p:nvPr>
+        </p:nvSpPr>
+        <p:spPr/>
+        <p:txBody>
+          <a:bodyPr/>
+          <a:lstStyle/>
+          <a:p>
+            <a:pPr algn="l"/>
+            <a:r>
+              <a:rPr lang="zh-CN" altLang="en-US" dirty="0" smtClean="0"/>
+              <a:t>动手试一试</a:t>
+            </a:r>
+            <a:endParaRPr lang="zh-CN" altLang="en-US" dirty="0"/>
+          </a:p>
+        </p:txBody>
+      </p:sp>
+      <p:sp>
+        <p:nvSpPr>
+          <p:cNvPr id="3" name="内容占位符 2"/>
+          <p:cNvSpPr>
+            <a:spLocks noGrp="1"/>
+          </p:cNvSpPr>
+          <p:nvPr>
+            <p:ph idx="1"/>
+          </p:nvPr>
+        </p:nvSpPr>
+        <p:spPr/>
+        <p:txBody>
+          <a:bodyPr>
+            <a:normAutofit fontScale="77500" lnSpcReduction="20000"/>
+          </a:bodyPr>
+          <a:lstStyle/>
+          <a:p>
+            <a:r>
+              <a:rPr lang="zh-CN" altLang="en-US" dirty="0" smtClean="0"/>
+              <a:t>编写一个字典程序，让用户可以添加单词和定义，然后可以查找这些单词。 确保当要查找的单词不存在时，用户能够知晓。运行的时候，它应该是像这 样的：</a:t>
+            </a:r>
+            <a:endParaRPr lang="en-US" altLang="zh-CN" dirty="0" smtClean="0"/>
+          </a:p>
+          <a:p>
+            <a:pPr lvl="1"/>
+            <a:r>
+              <a:rPr lang="en-US" altLang="zh-CN" dirty="0" smtClean="0"/>
+              <a:t>Add or look up a word (a/l)? a </a:t>
+            </a:r>
+          </a:p>
+          <a:p>
+            <a:pPr lvl="1"/>
+            <a:r>
+              <a:rPr lang="en-US" altLang="zh-CN" dirty="0" smtClean="0"/>
+              <a:t>Type the word: computer </a:t>
+            </a:r>
+          </a:p>
+          <a:p>
+            <a:pPr lvl="1"/>
+            <a:r>
+              <a:rPr lang="en-US" altLang="zh-CN" dirty="0" smtClean="0"/>
+              <a:t>Type the definition: A machine that does very fast math </a:t>
+            </a:r>
+          </a:p>
+          <a:p>
+            <a:pPr lvl="1"/>
+            <a:r>
+              <a:rPr lang="en-US" altLang="zh-CN" dirty="0" smtClean="0"/>
+              <a:t>Word added! </a:t>
+            </a:r>
+          </a:p>
+          <a:p>
+            <a:pPr lvl="1"/>
+            <a:r>
+              <a:rPr lang="en-US" altLang="zh-CN" dirty="0" smtClean="0"/>
+              <a:t>Add or look up a word (a/l)? l </a:t>
+            </a:r>
+          </a:p>
+          <a:p>
+            <a:pPr lvl="1"/>
+            <a:r>
+              <a:rPr lang="en-US" altLang="zh-CN" dirty="0" smtClean="0"/>
+              <a:t>Type the word: computer </a:t>
+            </a:r>
+          </a:p>
+          <a:p>
+            <a:pPr lvl="1"/>
+            <a:r>
+              <a:rPr lang="en-US" altLang="zh-CN" dirty="0" smtClean="0"/>
+              <a:t>A machine that does very fast math </a:t>
+            </a:r>
+          </a:p>
+          <a:p>
+            <a:pPr lvl="1"/>
+            <a:r>
+              <a:rPr lang="en-US" altLang="zh-CN" dirty="0" smtClean="0"/>
+              <a:t>Add or look up a word (a/l)? l </a:t>
+            </a:r>
+          </a:p>
+          <a:p>
+            <a:pPr lvl="1"/>
+            <a:r>
+              <a:rPr lang="en-US" altLang="zh-CN" dirty="0" smtClean="0"/>
+              <a:t>Type the word: qwerty </a:t>
+            </a:r>
+          </a:p>
+          <a:p>
+            <a:pPr lvl="1"/>
+            <a:r>
+              <a:rPr lang="en-US" altLang="zh-CN" dirty="0" smtClean="0"/>
+              <a:t>That word isn’t in the dictionary yet.</a:t>
+            </a:r>
+            <a:endParaRPr lang="zh-CN" altLang="en-US" dirty="0"/>
+          </a:p>
+        </p:txBody>
+      </p:sp>
+    </p:spTree>
+  </p:cSld>
+  <p:clrMapOvr>
+    <a:masterClrMapping/>
+  </p:clrMapOvr>
+  <p:timing>
+    <p:tnLst>
+      <p:par>
+        <p:cTn id="1" dur="indefinite" restart="never" nodeType="tmRoot"/>
+      </p:par>
+    </p:tnLst>
+  </p:timing>
+</p:sld>
+</file>
+
+<file path=ppt/slides/slide105.xml><?xml version="1.0" encoding="utf-8"?>
+<p:sld xmlns:a="http://schemas.openxmlformats.org/drawingml/2006/main" xmlns:r="http://schemas.openxmlformats.org/officeDocument/2006/relationships" xmlns:p="http://schemas.openxmlformats.org/presentationml/2006/main">
+  <p:cSld>
+    <p:spTree>
+      <p:nvGrpSpPr>
+        <p:cNvPr id="1" name=""/>
+        <p:cNvGrpSpPr/>
+        <p:nvPr/>
+      </p:nvGrpSpPr>
+      <p:grpSpPr>
+        <a:xfrm>
+          <a:off x="0" y="0"/>
+          <a:ext cx="0" cy="0"/>
+          <a:chOff x="0" y="0"/>
+          <a:chExt cx="0" cy="0"/>
+        </a:xfrm>
+      </p:grpSpPr>
+      <p:sp>
+        <p:nvSpPr>
+          <p:cNvPr id="2" name="标题 1"/>
+          <p:cNvSpPr>
+            <a:spLocks noGrp="1"/>
+          </p:cNvSpPr>
+          <p:nvPr>
+            <p:ph type="title"/>
+          </p:nvPr>
+        </p:nvSpPr>
+        <p:spPr/>
+        <p:txBody>
+          <a:bodyPr/>
+          <a:lstStyle/>
+          <a:p>
+            <a:pPr algn="l"/>
+            <a:r>
+              <a:rPr lang="en-US" altLang="zh-CN" dirty="0" smtClean="0"/>
+              <a:t>13  </a:t>
+            </a:r>
+            <a:r>
+              <a:rPr lang="zh-CN" altLang="en-US" dirty="0" smtClean="0"/>
+              <a:t>函　　数</a:t>
+            </a:r>
+            <a:endParaRPr lang="zh-CN" altLang="en-US" dirty="0"/>
+          </a:p>
+        </p:txBody>
+      </p:sp>
+      <p:sp>
+        <p:nvSpPr>
+          <p:cNvPr id="3" name="内容占位符 2"/>
+          <p:cNvSpPr>
+            <a:spLocks noGrp="1"/>
+          </p:cNvSpPr>
+          <p:nvPr>
+            <p:ph idx="1"/>
+          </p:nvPr>
+        </p:nvSpPr>
+        <p:spPr>
+          <a:xfrm>
+            <a:off x="457200" y="1600201"/>
+            <a:ext cx="8229600" cy="2476871"/>
+          </a:xfrm>
+        </p:spPr>
+        <p:txBody>
+          <a:bodyPr>
+            <a:normAutofit fontScale="62500" lnSpcReduction="20000"/>
+          </a:bodyPr>
+          <a:lstStyle/>
+          <a:p>
+            <a:r>
+              <a:rPr lang="zh-CN" altLang="en-US" dirty="0" smtClean="0"/>
+              <a:t>我们的程序很快就会变得越来越大，越来越复杂。需要一些方法把它们分成较 小的部分进行组织，这样更易于编写，也更容易明白。</a:t>
+            </a:r>
+            <a:endParaRPr lang="en-US" altLang="zh-CN" dirty="0" smtClean="0"/>
+          </a:p>
+          <a:p>
+            <a:r>
+              <a:rPr lang="zh-CN" altLang="en-US" dirty="0" smtClean="0"/>
+              <a:t> 要把程序分解成较小的部分，主要有 </a:t>
+            </a:r>
+            <a:r>
+              <a:rPr lang="en-US" altLang="zh-CN" dirty="0" smtClean="0"/>
+              <a:t>3 </a:t>
+            </a:r>
+            <a:r>
+              <a:rPr lang="zh-CN" altLang="en-US" dirty="0" smtClean="0"/>
+              <a:t>种方法。</a:t>
+            </a:r>
+            <a:endParaRPr lang="en-US" altLang="zh-CN" dirty="0" smtClean="0"/>
+          </a:p>
+          <a:p>
+            <a:pPr lvl="1"/>
+            <a:r>
+              <a:rPr lang="zh-CN" altLang="en-US" dirty="0" smtClean="0"/>
+              <a:t>函数（</a:t>
+            </a:r>
+            <a:r>
+              <a:rPr lang="en-US" altLang="zh-CN" dirty="0" smtClean="0"/>
+              <a:t>function</a:t>
+            </a:r>
+            <a:r>
+              <a:rPr lang="zh-CN" altLang="en-US" dirty="0" smtClean="0"/>
+              <a:t>）就像是代码的 积木，可以反复地使用。</a:t>
+            </a:r>
+            <a:endParaRPr lang="en-US" altLang="zh-CN" dirty="0" smtClean="0"/>
+          </a:p>
+          <a:p>
+            <a:pPr lvl="1"/>
+            <a:r>
+              <a:rPr lang="zh-CN" altLang="en-US" dirty="0" smtClean="0"/>
+              <a:t>对象（</a:t>
+            </a:r>
+            <a:r>
+              <a:rPr lang="en-US" altLang="zh-CN" dirty="0" smtClean="0"/>
+              <a:t>object</a:t>
+            </a:r>
+            <a:r>
+              <a:rPr lang="zh-CN" altLang="en-US" dirty="0" smtClean="0"/>
+              <a:t>），可以把程序中的各部分描述为自包含 的单元。</a:t>
+            </a:r>
+            <a:endParaRPr lang="en-US" altLang="zh-CN" dirty="0" smtClean="0"/>
+          </a:p>
+          <a:p>
+            <a:pPr lvl="1"/>
+            <a:r>
+              <a:rPr lang="zh-CN" altLang="en-US" dirty="0" smtClean="0"/>
+              <a:t>模块（</a:t>
+            </a:r>
+            <a:r>
+              <a:rPr lang="en-US" altLang="zh-CN" dirty="0" smtClean="0"/>
+              <a:t>module</a:t>
+            </a:r>
+            <a:r>
+              <a:rPr lang="zh-CN" altLang="en-US" dirty="0" smtClean="0"/>
+              <a:t>）就是包含程序各部分的单独的文件。</a:t>
+            </a:r>
+            <a:endParaRPr lang="en-US" altLang="zh-CN" dirty="0" smtClean="0"/>
+          </a:p>
+          <a:p>
+            <a:r>
+              <a:rPr lang="zh-CN" altLang="en-US" dirty="0" smtClean="0"/>
+              <a:t>在这一章中，我们将 学习函数，后面两章会讨论对象和模块。</a:t>
+            </a:r>
+            <a:endParaRPr lang="zh-CN" altLang="en-US" dirty="0"/>
+          </a:p>
+        </p:txBody>
+      </p:sp>
+      <p:pic>
+        <p:nvPicPr>
+          <p:cNvPr id="1027" name="Picture 3"/>
+          <p:cNvPicPr>
+            <a:picLocks noChangeAspect="1" noChangeArrowheads="1"/>
+          </p:cNvPicPr>
+          <p:nvPr/>
+        </p:nvPicPr>
+        <p:blipFill>
+          <a:blip r:embed="rId2" cstate="print"/>
+          <a:srcRect/>
+          <a:stretch>
+            <a:fillRect/>
+          </a:stretch>
+        </p:blipFill>
+        <p:spPr bwMode="auto">
+          <a:xfrm>
+            <a:off x="2699792" y="4098379"/>
+            <a:ext cx="3686175" cy="2066925"/>
+          </a:xfrm>
+          <a:prstGeom prst="rect">
+            <a:avLst/>
+          </a:prstGeom>
+          <a:noFill/>
+          <a:ln w="9525">
+            <a:noFill/>
+            <a:miter lim="800000"/>
+            <a:headEnd/>
+            <a:tailEnd/>
+          </a:ln>
+        </p:spPr>
+      </p:pic>
+    </p:spTree>
+  </p:cSld>
+  <p:clrMapOvr>
+    <a:masterClrMapping/>
+  </p:clrMapOvr>
+  <p:timing>
+    <p:tnLst>
+      <p:par>
+        <p:cTn id="1" dur="indefinite" restart="never" nodeType="tmRoot"/>
+      </p:par>
+    </p:tnLst>
+  </p:timing>
+</p:sld>
+</file>
+
+<file path=ppt/slides/slide106.xml><?xml version="1.0" encoding="utf-8"?>
+<p:sld xmlns:a="http://schemas.openxmlformats.org/drawingml/2006/main" xmlns:r="http://schemas.openxmlformats.org/officeDocument/2006/relationships" xmlns:p="http://schemas.openxmlformats.org/presentationml/2006/main">
+  <p:cSld>
+    <p:spTree>
+      <p:nvGrpSpPr>
+        <p:cNvPr id="1" name=""/>
+        <p:cNvGrpSpPr/>
+        <p:nvPr/>
+      </p:nvGrpSpPr>
+      <p:grpSpPr>
+        <a:xfrm>
+          <a:off x="0" y="0"/>
+          <a:ext cx="0" cy="0"/>
+          <a:chOff x="0" y="0"/>
+          <a:chExt cx="0" cy="0"/>
+        </a:xfrm>
+      </p:grpSpPr>
+      <p:sp>
+        <p:nvSpPr>
+          <p:cNvPr id="2" name="标题 1"/>
+          <p:cNvSpPr>
+            <a:spLocks noGrp="1"/>
+          </p:cNvSpPr>
+          <p:nvPr>
+            <p:ph type="title"/>
+          </p:nvPr>
+        </p:nvSpPr>
+        <p:spPr/>
+        <p:txBody>
+          <a:bodyPr/>
+          <a:lstStyle/>
+          <a:p>
+            <a:pPr algn="l"/>
+            <a:r>
+              <a:rPr lang="en-US" altLang="zh-CN" dirty="0" smtClean="0"/>
+              <a:t>13.1 </a:t>
+            </a:r>
+            <a:r>
+              <a:rPr lang="zh-CN" altLang="en-US" dirty="0" smtClean="0"/>
+              <a:t>函数</a:t>
+            </a:r>
+            <a:r>
+              <a:rPr lang="en-US" altLang="zh-CN" dirty="0" smtClean="0"/>
+              <a:t>-</a:t>
+            </a:r>
+            <a:r>
+              <a:rPr lang="zh-CN" altLang="en-US" dirty="0" smtClean="0"/>
+              <a:t>积木</a:t>
+            </a:r>
+            <a:endParaRPr lang="zh-CN" altLang="en-US" dirty="0"/>
+          </a:p>
+        </p:txBody>
+      </p:sp>
+      <p:sp>
+        <p:nvSpPr>
+          <p:cNvPr id="3" name="内容占位符 2"/>
+          <p:cNvSpPr>
+            <a:spLocks noGrp="1"/>
+          </p:cNvSpPr>
+          <p:nvPr>
+            <p:ph idx="1"/>
+          </p:nvPr>
+        </p:nvSpPr>
+        <p:spPr>
+          <a:xfrm>
+            <a:off x="457200" y="1639341"/>
+            <a:ext cx="8229600" cy="4525963"/>
+          </a:xfrm>
+        </p:spPr>
+        <p:txBody>
+          <a:bodyPr>
+            <a:normAutofit fontScale="92500" lnSpcReduction="20000"/>
+          </a:bodyPr>
+          <a:lstStyle/>
+          <a:p>
+            <a:r>
+              <a:rPr lang="zh-CN" altLang="en-US" dirty="0" smtClean="0"/>
+              <a:t>创建或定义函数要使用 </a:t>
+            </a:r>
+            <a:r>
+              <a:rPr lang="en-US" altLang="zh-CN" dirty="0" smtClean="0"/>
+              <a:t>Python </a:t>
+            </a:r>
+            <a:r>
+              <a:rPr lang="zh-CN" altLang="en-US" dirty="0" smtClean="0"/>
+              <a:t>的 </a:t>
+            </a:r>
+            <a:r>
+              <a:rPr lang="en-US" altLang="zh-CN" dirty="0" smtClean="0"/>
+              <a:t>def </a:t>
+            </a:r>
+            <a:r>
+              <a:rPr lang="zh-CN" altLang="en-US" dirty="0" smtClean="0"/>
+              <a:t>关键 字。然后可以利用函数名来使用或调用这个函数。</a:t>
+            </a:r>
+            <a:endParaRPr lang="en-US" altLang="zh-CN" dirty="0" smtClean="0"/>
+          </a:p>
+          <a:p>
+            <a:r>
+              <a:rPr lang="zh-CN" altLang="en-US" dirty="0" smtClean="0"/>
+              <a:t>创建一个函数，打印地址：</a:t>
+            </a:r>
+            <a:endParaRPr lang="en-US" altLang="zh-CN" dirty="0" smtClean="0"/>
+          </a:p>
+          <a:p>
+            <a:pPr lvl="1"/>
+            <a:r>
+              <a:rPr lang="en-US" altLang="zh-CN" dirty="0" smtClean="0"/>
+              <a:t>def </a:t>
+            </a:r>
+            <a:r>
+              <a:rPr lang="en-US" altLang="zh-CN" dirty="0" err="1" smtClean="0"/>
+              <a:t>printMyAddress</a:t>
+            </a:r>
+            <a:r>
+              <a:rPr lang="en-US" altLang="zh-CN" dirty="0" smtClean="0"/>
+              <a:t>():  </a:t>
+            </a:r>
+            <a:r>
+              <a:rPr lang="en-US" altLang="zh-CN" dirty="0" smtClean="0"/>
+              <a:t>               </a:t>
+            </a:r>
+            <a:endParaRPr lang="en-US" altLang="zh-CN" dirty="0" smtClean="0"/>
+          </a:p>
+          <a:p>
+            <a:pPr lvl="1"/>
+            <a:r>
+              <a:rPr lang="en-US" altLang="zh-CN" dirty="0" smtClean="0"/>
+              <a:t>    print "Warren </a:t>
+            </a:r>
+            <a:r>
+              <a:rPr lang="en-US" altLang="zh-CN" dirty="0" err="1" smtClean="0"/>
+              <a:t>Sande</a:t>
+            </a:r>
+            <a:r>
+              <a:rPr lang="en-US" altLang="zh-CN" dirty="0" smtClean="0"/>
+              <a:t>"              </a:t>
+            </a:r>
+          </a:p>
+          <a:p>
+            <a:pPr lvl="1"/>
+            <a:r>
+              <a:rPr lang="en-US" altLang="zh-CN" dirty="0" smtClean="0"/>
+              <a:t>    print "123 Main Street"           </a:t>
+            </a:r>
+          </a:p>
+          <a:p>
+            <a:pPr lvl="1"/>
+            <a:r>
+              <a:rPr lang="en-US" altLang="zh-CN" dirty="0" smtClean="0"/>
+              <a:t>    print "Ottawa, Ontario, Canada"           </a:t>
+            </a:r>
+          </a:p>
+          <a:p>
+            <a:pPr lvl="1"/>
+            <a:r>
+              <a:rPr lang="en-US" altLang="zh-CN" dirty="0" smtClean="0"/>
+              <a:t>    print "K2M 2E9"                   </a:t>
+            </a:r>
+          </a:p>
+          <a:p>
+            <a:pPr lvl="1"/>
+            <a:r>
+              <a:rPr lang="en-US" altLang="zh-CN" dirty="0" smtClean="0"/>
+              <a:t>    print                           </a:t>
+            </a:r>
+          </a:p>
+          <a:p>
+            <a:pPr lvl="1"/>
+            <a:r>
+              <a:rPr lang="en-US" altLang="zh-CN" dirty="0" smtClean="0"/>
+              <a:t># main program starts here - call the function</a:t>
+            </a:r>
+          </a:p>
+          <a:p>
+            <a:pPr lvl="1"/>
+            <a:r>
+              <a:rPr lang="en-US" altLang="zh-CN" dirty="0" err="1" smtClean="0"/>
+              <a:t>printMyAddress</a:t>
+            </a:r>
+            <a:r>
+              <a:rPr lang="en-US" altLang="zh-CN" dirty="0" smtClean="0"/>
+              <a:t>() </a:t>
+            </a:r>
+            <a:endParaRPr lang="zh-CN" altLang="en-US" dirty="0"/>
+          </a:p>
+        </p:txBody>
+      </p:sp>
+    </p:spTree>
+  </p:cSld>
+  <p:clrMapOvr>
+    <a:masterClrMapping/>
+  </p:clrMapOvr>
+  <p:timing>
+    <p:tnLst>
+      <p:par>
+        <p:cTn id="1" dur="indefinite" restart="never" nodeType="tmRoot"/>
+      </p:par>
+    </p:tnLst>
+  </p:timing>
+</p:sld>
+</file>
+
+<file path=ppt/slides/slide107.xml><?xml version="1.0" encoding="utf-8"?>
+<p:sld xmlns:a="http://schemas.openxmlformats.org/drawingml/2006/main" xmlns:r="http://schemas.openxmlformats.org/officeDocument/2006/relationships" xmlns:p="http://schemas.openxmlformats.org/presentationml/2006/main">
+  <p:cSld>
+    <p:spTree>
+      <p:nvGrpSpPr>
+        <p:cNvPr id="1" name=""/>
+        <p:cNvGrpSpPr/>
+        <p:nvPr/>
+      </p:nvGrpSpPr>
+      <p:grpSpPr>
+        <a:xfrm>
+          <a:off x="0" y="0"/>
+          <a:ext cx="0" cy="0"/>
+          <a:chOff x="0" y="0"/>
+          <a:chExt cx="0" cy="0"/>
+        </a:xfrm>
+      </p:grpSpPr>
+      <p:sp>
+        <p:nvSpPr>
+          <p:cNvPr id="2" name="标题 1"/>
+          <p:cNvSpPr>
+            <a:spLocks noGrp="1"/>
+          </p:cNvSpPr>
+          <p:nvPr>
+            <p:ph type="title"/>
+          </p:nvPr>
+        </p:nvSpPr>
+        <p:spPr/>
+        <p:txBody>
+          <a:bodyPr/>
+          <a:lstStyle/>
+          <a:p>
+            <a:pPr algn="l"/>
+            <a:r>
+              <a:rPr lang="en-US" altLang="zh-CN" dirty="0" smtClean="0"/>
+              <a:t>13.1 </a:t>
+            </a:r>
+            <a:r>
+              <a:rPr lang="zh-CN" altLang="en-US" dirty="0" smtClean="0"/>
+              <a:t>函数</a:t>
+            </a:r>
+            <a:endParaRPr lang="zh-CN" altLang="en-US" dirty="0"/>
+          </a:p>
+        </p:txBody>
+      </p:sp>
+      <p:sp>
+        <p:nvSpPr>
+          <p:cNvPr id="3" name="内容占位符 2"/>
+          <p:cNvSpPr>
+            <a:spLocks noGrp="1"/>
+          </p:cNvSpPr>
+          <p:nvPr>
+            <p:ph idx="1"/>
+          </p:nvPr>
+        </p:nvSpPr>
+        <p:spPr>
+          <a:xfrm>
+            <a:off x="457200" y="1600200"/>
+            <a:ext cx="3898776" cy="4525963"/>
+          </a:xfrm>
+        </p:spPr>
+        <p:txBody>
+          <a:bodyPr>
+            <a:normAutofit fontScale="92500" lnSpcReduction="10000"/>
+          </a:bodyPr>
+          <a:lstStyle/>
+          <a:p>
+            <a:r>
+              <a:rPr lang="en-US" altLang="zh-CN" dirty="0" smtClean="0"/>
+              <a:t>1. </a:t>
+            </a:r>
+            <a:r>
+              <a:rPr lang="zh-CN" altLang="en-US" dirty="0" smtClean="0"/>
+              <a:t>从这里开始。这是主程序的开始</a:t>
+            </a:r>
+            <a:endParaRPr lang="en-US" altLang="zh-CN" dirty="0" smtClean="0"/>
+          </a:p>
+          <a:p>
+            <a:r>
+              <a:rPr lang="en-US" altLang="zh-CN" dirty="0" smtClean="0"/>
+              <a:t>2 . </a:t>
+            </a:r>
+            <a:r>
+              <a:rPr lang="zh-CN" altLang="en-US" dirty="0" smtClean="0"/>
+              <a:t>调用函数时，跳到函数中的第一行代码</a:t>
+            </a:r>
+            <a:endParaRPr lang="en-US" altLang="zh-CN" dirty="0" smtClean="0"/>
+          </a:p>
+          <a:p>
+            <a:r>
+              <a:rPr lang="en-US" altLang="zh-CN" dirty="0" smtClean="0"/>
+              <a:t>3. </a:t>
+            </a:r>
+            <a:r>
+              <a:rPr lang="zh-CN" altLang="en-US" dirty="0" smtClean="0"/>
+              <a:t>执行函数中的每一行代码</a:t>
+            </a:r>
+            <a:endParaRPr lang="en-US" altLang="zh-CN" dirty="0" smtClean="0"/>
+          </a:p>
+          <a:p>
+            <a:r>
+              <a:rPr lang="en-US" altLang="zh-CN" dirty="0" smtClean="0"/>
+              <a:t>4. </a:t>
+            </a:r>
+            <a:r>
+              <a:rPr lang="zh-CN" altLang="en-US" dirty="0" smtClean="0"/>
+              <a:t>函数完成时，从离开主程序的那个位置继续执行。</a:t>
+            </a:r>
+            <a:endParaRPr lang="zh-CN" altLang="en-US" dirty="0"/>
+          </a:p>
+        </p:txBody>
+      </p:sp>
+      <p:pic>
+        <p:nvPicPr>
+          <p:cNvPr id="2050" name="Picture 2"/>
+          <p:cNvPicPr>
+            <a:picLocks noChangeAspect="1" noChangeArrowheads="1"/>
+          </p:cNvPicPr>
+          <p:nvPr/>
+        </p:nvPicPr>
+        <p:blipFill>
+          <a:blip r:embed="rId2" cstate="print"/>
+          <a:srcRect/>
+          <a:stretch>
+            <a:fillRect/>
+          </a:stretch>
+        </p:blipFill>
+        <p:spPr bwMode="auto">
+          <a:xfrm>
+            <a:off x="4211960" y="2708920"/>
+            <a:ext cx="4680520" cy="2524125"/>
+          </a:xfrm>
+          <a:prstGeom prst="rect">
+            <a:avLst/>
+          </a:prstGeom>
+          <a:noFill/>
+          <a:ln w="9525">
+            <a:noFill/>
+            <a:miter lim="800000"/>
+            <a:headEnd/>
+            <a:tailEnd/>
+          </a:ln>
+        </p:spPr>
+      </p:pic>
+    </p:spTree>
+  </p:cSld>
+  <p:clrMapOvr>
+    <a:masterClrMapping/>
+  </p:clrMapOvr>
+  <p:timing>
+    <p:tnLst>
+      <p:par>
+        <p:cTn id="1" dur="indefinite" restart="never" nodeType="tmRoot"/>
+      </p:par>
+    </p:tnLst>
+  </p:timing>
+</p:sld>
+</file>
+
+<file path=ppt/slides/slide108.xml><?xml version="1.0" encoding="utf-8"?>
+<p:sld xmlns:a="http://schemas.openxmlformats.org/drawingml/2006/main" xmlns:r="http://schemas.openxmlformats.org/officeDocument/2006/relationships" xmlns:p="http://schemas.openxmlformats.org/presentationml/2006/main">
+  <p:cSld>
+    <p:spTree>
+      <p:nvGrpSpPr>
+        <p:cNvPr id="1" name=""/>
+        <p:cNvGrpSpPr/>
+        <p:nvPr/>
+      </p:nvGrpSpPr>
+      <p:grpSpPr>
+        <a:xfrm>
+          <a:off x="0" y="0"/>
+          <a:ext cx="0" cy="0"/>
+          <a:chOff x="0" y="0"/>
+          <a:chExt cx="0" cy="0"/>
+        </a:xfrm>
+      </p:grpSpPr>
+      <p:sp>
+        <p:nvSpPr>
+          <p:cNvPr id="2" name="标题 1"/>
+          <p:cNvSpPr>
+            <a:spLocks noGrp="1"/>
+          </p:cNvSpPr>
+          <p:nvPr>
+            <p:ph type="title"/>
+          </p:nvPr>
+        </p:nvSpPr>
+        <p:spPr/>
+        <p:txBody>
+          <a:bodyPr/>
+          <a:lstStyle/>
+          <a:p>
+            <a:pPr algn="l"/>
+            <a:r>
+              <a:rPr lang="en-US" altLang="zh-CN" dirty="0" smtClean="0"/>
+              <a:t>13.2 </a:t>
+            </a:r>
+            <a:r>
+              <a:rPr lang="zh-CN" altLang="en-US" dirty="0" smtClean="0"/>
+              <a:t>调用函数</a:t>
+            </a:r>
+            <a:endParaRPr lang="zh-CN" altLang="en-US" dirty="0"/>
+          </a:p>
+        </p:txBody>
+      </p:sp>
+      <p:sp>
+        <p:nvSpPr>
+          <p:cNvPr id="3" name="内容占位符 2"/>
+          <p:cNvSpPr>
+            <a:spLocks noGrp="1"/>
+          </p:cNvSpPr>
+          <p:nvPr>
+            <p:ph idx="1"/>
+          </p:nvPr>
+        </p:nvSpPr>
+        <p:spPr/>
+        <p:txBody>
+          <a:bodyPr>
+            <a:normAutofit fontScale="85000" lnSpcReduction="20000"/>
+          </a:bodyPr>
+          <a:lstStyle/>
+          <a:p>
+            <a:r>
+              <a:rPr lang="zh-CN" altLang="en-US" dirty="0" smtClean="0"/>
+              <a:t>调用函数时要使用函数名和一对括号。有时括号里还会有些东西，有时也可能 什么也没有。</a:t>
+            </a:r>
+            <a:endParaRPr lang="en-US" altLang="zh-CN" dirty="0" smtClean="0"/>
+          </a:p>
+          <a:p>
+            <a:r>
+              <a:rPr lang="zh-CN" altLang="en-US" dirty="0" smtClean="0"/>
+              <a:t>使用函数的主要原因是，一旦定义了函数，就可以通过调用反复地使用。所以如 果我们想把地址打印 </a:t>
+            </a:r>
+            <a:r>
+              <a:rPr lang="en-US" altLang="zh-CN" dirty="0" smtClean="0"/>
+              <a:t>5 </a:t>
+            </a:r>
+            <a:r>
+              <a:rPr lang="zh-CN" altLang="en-US" dirty="0" smtClean="0"/>
+              <a:t>次，可以这样做：</a:t>
+            </a:r>
+            <a:endParaRPr lang="en-US" altLang="zh-CN" dirty="0" smtClean="0"/>
+          </a:p>
+          <a:p>
+            <a:pPr lvl="1"/>
+            <a:r>
+              <a:rPr lang="en-US" altLang="zh-CN" dirty="0" err="1" smtClean="0"/>
+              <a:t>printMyAddress</a:t>
+            </a:r>
+            <a:r>
+              <a:rPr lang="en-US" altLang="zh-CN" dirty="0" smtClean="0"/>
+              <a:t>() </a:t>
+            </a:r>
+          </a:p>
+          <a:p>
+            <a:pPr lvl="1"/>
+            <a:r>
+              <a:rPr lang="en-US" altLang="zh-CN" dirty="0" err="1" smtClean="0"/>
+              <a:t>printMyAddress</a:t>
+            </a:r>
+            <a:r>
+              <a:rPr lang="en-US" altLang="zh-CN" dirty="0" smtClean="0"/>
+              <a:t>()</a:t>
+            </a:r>
+          </a:p>
+          <a:p>
+            <a:pPr lvl="1"/>
+            <a:r>
+              <a:rPr lang="en-US" altLang="zh-CN" dirty="0" err="1" smtClean="0"/>
+              <a:t>printMyAddress</a:t>
+            </a:r>
+            <a:r>
+              <a:rPr lang="en-US" altLang="zh-CN" dirty="0" smtClean="0"/>
+              <a:t>() </a:t>
+            </a:r>
+          </a:p>
+          <a:p>
+            <a:pPr lvl="1"/>
+            <a:r>
+              <a:rPr lang="en-US" altLang="zh-CN" dirty="0" err="1" smtClean="0"/>
+              <a:t>printMyAddress</a:t>
+            </a:r>
+            <a:r>
+              <a:rPr lang="en-US" altLang="zh-CN" dirty="0" smtClean="0"/>
+              <a:t>() </a:t>
+            </a:r>
+          </a:p>
+          <a:p>
+            <a:pPr lvl="1"/>
+            <a:r>
+              <a:rPr lang="en-US" altLang="zh-CN" dirty="0" err="1" smtClean="0"/>
+              <a:t>printMyAddress</a:t>
+            </a:r>
+            <a:r>
+              <a:rPr lang="en-US" altLang="zh-CN" dirty="0" smtClean="0"/>
+              <a:t>()</a:t>
+            </a:r>
+          </a:p>
+          <a:p>
+            <a:r>
+              <a:rPr lang="zh-CN" altLang="en-US" dirty="0" smtClean="0"/>
+              <a:t>你可能会说：可以不用函数，用循环也能做同样的事情。</a:t>
+            </a:r>
+            <a:endParaRPr lang="zh-CN" altLang="en-US" dirty="0"/>
+          </a:p>
+        </p:txBody>
+      </p:sp>
+    </p:spTree>
+  </p:cSld>
+  <p:clrMapOvr>
+    <a:masterClrMapping/>
+  </p:clrMapOvr>
+  <p:timing>
+    <p:tnLst>
+      <p:par>
+        <p:cTn id="1" dur="indefinite" restart="never" nodeType="tmRoot"/>
+      </p:par>
+    </p:tnLst>
+  </p:timing>
+</p:sld>
+</file>
+
+<file path=ppt/slides/slide109.xml><?xml version="1.0" encoding="utf-8"?>
+<p:sld xmlns:a="http://schemas.openxmlformats.org/drawingml/2006/main" xmlns:r="http://schemas.openxmlformats.org/officeDocument/2006/relationships" xmlns:p="http://schemas.openxmlformats.org/presentationml/2006/main">
+  <p:cSld>
+    <p:spTree>
+      <p:nvGrpSpPr>
+        <p:cNvPr id="1" name=""/>
+        <p:cNvGrpSpPr/>
+        <p:nvPr/>
+      </p:nvGrpSpPr>
+      <p:grpSpPr>
+        <a:xfrm>
+          <a:off x="0" y="0"/>
+          <a:ext cx="0" cy="0"/>
+          <a:chOff x="0" y="0"/>
+          <a:chExt cx="0" cy="0"/>
+        </a:xfrm>
+      </p:grpSpPr>
+      <p:sp>
+        <p:nvSpPr>
+          <p:cNvPr id="2" name="标题 1"/>
+          <p:cNvSpPr>
+            <a:spLocks noGrp="1"/>
+          </p:cNvSpPr>
+          <p:nvPr>
+            <p:ph type="title"/>
+          </p:nvPr>
+        </p:nvSpPr>
+        <p:spPr/>
+        <p:txBody>
+          <a:bodyPr/>
+          <a:lstStyle/>
+          <a:p>
+            <a:pPr algn="l"/>
+            <a:r>
+              <a:rPr lang="en-US" altLang="zh-CN" dirty="0" smtClean="0"/>
+              <a:t>13.3</a:t>
+            </a:r>
+            <a:r>
+              <a:rPr lang="zh-CN" altLang="en-US" dirty="0" smtClean="0"/>
+              <a:t>向函数传递参数</a:t>
+            </a:r>
+            <a:endParaRPr lang="zh-CN" altLang="en-US" dirty="0"/>
+          </a:p>
+        </p:txBody>
+      </p:sp>
+      <p:sp>
+        <p:nvSpPr>
+          <p:cNvPr id="3" name="内容占位符 2"/>
+          <p:cNvSpPr>
+            <a:spLocks noGrp="1"/>
+          </p:cNvSpPr>
+          <p:nvPr>
+            <p:ph idx="1"/>
+          </p:nvPr>
+        </p:nvSpPr>
+        <p:spPr>
+          <a:xfrm>
+            <a:off x="457200" y="1600201"/>
+            <a:ext cx="8229600" cy="1180728"/>
+          </a:xfrm>
+        </p:spPr>
+        <p:txBody>
+          <a:bodyPr/>
+          <a:lstStyle/>
+          <a:p>
+            <a:r>
+              <a:rPr lang="zh-CN" altLang="en-US" dirty="0" smtClean="0"/>
+              <a:t>现在来看括号做什么用：它用来传递 参数（</a:t>
+            </a:r>
+            <a:r>
+              <a:rPr lang="en-US" altLang="zh-CN" dirty="0" smtClean="0"/>
+              <a:t>argument</a:t>
+            </a:r>
+            <a:r>
+              <a:rPr lang="zh-CN" altLang="en-US" dirty="0" smtClean="0"/>
+              <a:t>）！</a:t>
+            </a:r>
+            <a:endParaRPr lang="zh-CN" altLang="en-US" dirty="0"/>
+          </a:p>
+        </p:txBody>
+      </p:sp>
+      <p:pic>
+        <p:nvPicPr>
+          <p:cNvPr id="3074" name="Picture 2"/>
+          <p:cNvPicPr>
+            <a:picLocks noChangeAspect="1" noChangeArrowheads="1"/>
+          </p:cNvPicPr>
+          <p:nvPr/>
+        </p:nvPicPr>
+        <p:blipFill>
+          <a:blip r:embed="rId2" cstate="print"/>
+          <a:srcRect/>
+          <a:stretch>
+            <a:fillRect/>
+          </a:stretch>
+        </p:blipFill>
+        <p:spPr bwMode="auto">
+          <a:xfrm>
+            <a:off x="1259632" y="2924944"/>
+            <a:ext cx="6296025" cy="2838450"/>
+          </a:xfrm>
+          <a:prstGeom prst="rect">
+            <a:avLst/>
+          </a:prstGeom>
+          <a:noFill/>
+          <a:ln w="9525">
+            <a:noFill/>
+            <a:miter lim="800000"/>
+            <a:headEnd/>
+            <a:tailEnd/>
+          </a:ln>
+        </p:spPr>
+      </p:pic>
     </p:spTree>
   </p:cSld>
   <p:clrMapOvr>
@@ -3591,6 +4965,1044 @@
             <a:r>
               <a:rPr lang="zh-CN" altLang="en-US" dirty="0" smtClean="0"/>
               <a:t>第二章：内存和变量</a:t>
+            </a:r>
+            <a:endParaRPr lang="zh-CN" altLang="en-US" dirty="0"/>
+          </a:p>
+        </p:txBody>
+      </p:sp>
+    </p:spTree>
+  </p:cSld>
+  <p:clrMapOvr>
+    <a:masterClrMapping/>
+  </p:clrMapOvr>
+  <p:timing>
+    <p:tnLst>
+      <p:par>
+        <p:cTn id="1" dur="indefinite" restart="never" nodeType="tmRoot"/>
+      </p:par>
+    </p:tnLst>
+  </p:timing>
+</p:sld>
+</file>
+
+<file path=ppt/slides/slide110.xml><?xml version="1.0" encoding="utf-8"?>
+<p:sld xmlns:a="http://schemas.openxmlformats.org/drawingml/2006/main" xmlns:r="http://schemas.openxmlformats.org/officeDocument/2006/relationships" xmlns:p="http://schemas.openxmlformats.org/presentationml/2006/main">
+  <p:cSld>
+    <p:spTree>
+      <p:nvGrpSpPr>
+        <p:cNvPr id="1" name=""/>
+        <p:cNvGrpSpPr/>
+        <p:nvPr/>
+      </p:nvGrpSpPr>
+      <p:grpSpPr>
+        <a:xfrm>
+          <a:off x="0" y="0"/>
+          <a:ext cx="0" cy="0"/>
+          <a:chOff x="0" y="0"/>
+          <a:chExt cx="0" cy="0"/>
+        </a:xfrm>
+      </p:grpSpPr>
+      <p:sp>
+        <p:nvSpPr>
+          <p:cNvPr id="2" name="标题 1"/>
+          <p:cNvSpPr>
+            <a:spLocks noGrp="1"/>
+          </p:cNvSpPr>
+          <p:nvPr>
+            <p:ph type="title"/>
+          </p:nvPr>
+        </p:nvSpPr>
+        <p:spPr/>
+        <p:txBody>
+          <a:bodyPr/>
+          <a:lstStyle/>
+          <a:p>
+            <a:pPr algn="l"/>
+            <a:r>
+              <a:rPr lang="en-US" altLang="zh-CN" dirty="0" smtClean="0"/>
+              <a:t>13.4 </a:t>
+            </a:r>
+            <a:r>
+              <a:rPr lang="zh-CN" altLang="en-US" dirty="0" smtClean="0"/>
+              <a:t>有多个参数的函数</a:t>
+            </a:r>
+            <a:endParaRPr lang="zh-CN" altLang="en-US" dirty="0"/>
+          </a:p>
+        </p:txBody>
+      </p:sp>
+      <p:sp>
+        <p:nvSpPr>
+          <p:cNvPr id="3" name="内容占位符 2"/>
+          <p:cNvSpPr>
+            <a:spLocks noGrp="1"/>
+          </p:cNvSpPr>
+          <p:nvPr>
+            <p:ph idx="1"/>
+          </p:nvPr>
+        </p:nvSpPr>
+        <p:spPr>
+          <a:xfrm>
+            <a:off x="457200" y="1600201"/>
+            <a:ext cx="8229600" cy="1756791"/>
+          </a:xfrm>
+        </p:spPr>
+        <p:txBody>
+          <a:bodyPr>
+            <a:normAutofit fontScale="92500" lnSpcReduction="20000"/>
+          </a:bodyPr>
+          <a:lstStyle/>
+          <a:p>
+            <a:r>
+              <a:rPr lang="zh-CN" altLang="en-US" dirty="0" smtClean="0"/>
+              <a:t>在代码清单 </a:t>
+            </a:r>
+            <a:r>
+              <a:rPr lang="en-US" altLang="zh-CN" dirty="0" smtClean="0"/>
+              <a:t>13-2 </a:t>
+            </a:r>
+            <a:r>
+              <a:rPr lang="zh-CN" altLang="en-US" dirty="0" smtClean="0"/>
+              <a:t>中，我们的函数只有一个参数。不过函数完全可以有多个参数。 实际上，你想要有多少个参数就可以有多少个参数。</a:t>
+            </a:r>
+            <a:endParaRPr lang="en-US" altLang="zh-CN" dirty="0" smtClean="0"/>
+          </a:p>
+          <a:p>
+            <a:r>
+              <a:rPr lang="zh-CN" altLang="en-US" dirty="0" smtClean="0"/>
+              <a:t>多少才算太多 </a:t>
+            </a:r>
+            <a:endParaRPr lang="zh-CN" altLang="en-US" dirty="0"/>
+          </a:p>
+        </p:txBody>
+      </p:sp>
+      <p:pic>
+        <p:nvPicPr>
+          <p:cNvPr id="4098" name="Picture 2"/>
+          <p:cNvPicPr>
+            <a:picLocks noChangeAspect="1" noChangeArrowheads="1"/>
+          </p:cNvPicPr>
+          <p:nvPr/>
+        </p:nvPicPr>
+        <p:blipFill>
+          <a:blip r:embed="rId2" cstate="print"/>
+          <a:srcRect/>
+          <a:stretch>
+            <a:fillRect/>
+          </a:stretch>
+        </p:blipFill>
+        <p:spPr bwMode="auto">
+          <a:xfrm>
+            <a:off x="971600" y="3284984"/>
+            <a:ext cx="7132637" cy="3009900"/>
+          </a:xfrm>
+          <a:prstGeom prst="rect">
+            <a:avLst/>
+          </a:prstGeom>
+          <a:noFill/>
+          <a:ln w="9525">
+            <a:noFill/>
+            <a:miter lim="800000"/>
+            <a:headEnd/>
+            <a:tailEnd/>
+          </a:ln>
+        </p:spPr>
+      </p:pic>
+    </p:spTree>
+  </p:cSld>
+  <p:clrMapOvr>
+    <a:masterClrMapping/>
+  </p:clrMapOvr>
+  <p:timing>
+    <p:tnLst>
+      <p:par>
+        <p:cTn id="1" dur="indefinite" restart="never" nodeType="tmRoot"/>
+      </p:par>
+    </p:tnLst>
+  </p:timing>
+</p:sld>
+</file>
+
+<file path=ppt/slides/slide111.xml><?xml version="1.0" encoding="utf-8"?>
+<p:sld xmlns:a="http://schemas.openxmlformats.org/drawingml/2006/main" xmlns:r="http://schemas.openxmlformats.org/officeDocument/2006/relationships" xmlns:p="http://schemas.openxmlformats.org/presentationml/2006/main">
+  <p:cSld>
+    <p:spTree>
+      <p:nvGrpSpPr>
+        <p:cNvPr id="1" name=""/>
+        <p:cNvGrpSpPr/>
+        <p:nvPr/>
+      </p:nvGrpSpPr>
+      <p:grpSpPr>
+        <a:xfrm>
+          <a:off x="0" y="0"/>
+          <a:ext cx="0" cy="0"/>
+          <a:chOff x="0" y="0"/>
+          <a:chExt cx="0" cy="0"/>
+        </a:xfrm>
+      </p:grpSpPr>
+      <p:sp>
+        <p:nvSpPr>
+          <p:cNvPr id="2" name="标题 1"/>
+          <p:cNvSpPr>
+            <a:spLocks noGrp="1"/>
+          </p:cNvSpPr>
+          <p:nvPr>
+            <p:ph type="title"/>
+          </p:nvPr>
+        </p:nvSpPr>
+        <p:spPr/>
+        <p:txBody>
+          <a:bodyPr/>
+          <a:lstStyle/>
+          <a:p>
+            <a:pPr algn="l"/>
+            <a:r>
+              <a:rPr lang="en-US" altLang="zh-CN" dirty="0" smtClean="0"/>
+              <a:t>13.5 </a:t>
+            </a:r>
+            <a:r>
+              <a:rPr lang="zh-CN" altLang="en-US" dirty="0" smtClean="0"/>
+              <a:t>返回值的函数</a:t>
+            </a:r>
+            <a:endParaRPr lang="zh-CN" altLang="en-US" dirty="0"/>
+          </a:p>
+        </p:txBody>
+      </p:sp>
+      <p:sp>
+        <p:nvSpPr>
+          <p:cNvPr id="3" name="内容占位符 2"/>
+          <p:cNvSpPr>
+            <a:spLocks noGrp="1"/>
+          </p:cNvSpPr>
+          <p:nvPr>
+            <p:ph idx="1"/>
+          </p:nvPr>
+        </p:nvSpPr>
+        <p:spPr>
+          <a:xfrm>
+            <a:off x="457200" y="1600201"/>
+            <a:ext cx="8229600" cy="1684783"/>
+          </a:xfrm>
+        </p:spPr>
+        <p:txBody>
+          <a:bodyPr>
+            <a:normAutofit fontScale="77500" lnSpcReduction="20000"/>
+          </a:bodyPr>
+          <a:lstStyle/>
+          <a:p>
+            <a:r>
+              <a:rPr lang="zh-CN" altLang="en-US" dirty="0" smtClean="0"/>
+              <a:t>目前为止，函数只是为我们做一些工作。不过函数的一个突出作用是：它们还 可以向你发回一些东西。 我们已经知道，可以向函数发送信息（参数），不过函数还可以向调用者发回信 息。从函数返回的值称为结果（</a:t>
+            </a:r>
+            <a:r>
+              <a:rPr lang="en-US" altLang="zh-CN" dirty="0" smtClean="0"/>
+              <a:t>result</a:t>
+            </a:r>
+            <a:r>
+              <a:rPr lang="zh-CN" altLang="en-US" dirty="0" smtClean="0"/>
+              <a:t>）或返回值（</a:t>
+            </a:r>
+            <a:r>
+              <a:rPr lang="en-US" altLang="zh-CN" dirty="0" smtClean="0"/>
+              <a:t>return value</a:t>
+            </a:r>
+            <a:r>
+              <a:rPr lang="zh-CN" altLang="en-US" dirty="0" smtClean="0"/>
+              <a:t>）。</a:t>
+            </a:r>
+            <a:endParaRPr lang="zh-CN" altLang="en-US" dirty="0"/>
+          </a:p>
+        </p:txBody>
+      </p:sp>
+      <p:pic>
+        <p:nvPicPr>
+          <p:cNvPr id="5122" name="Picture 2"/>
+          <p:cNvPicPr>
+            <a:picLocks noChangeAspect="1" noChangeArrowheads="1"/>
+          </p:cNvPicPr>
+          <p:nvPr/>
+        </p:nvPicPr>
+        <p:blipFill>
+          <a:blip r:embed="rId2" cstate="print"/>
+          <a:srcRect/>
+          <a:stretch>
+            <a:fillRect/>
+          </a:stretch>
+        </p:blipFill>
+        <p:spPr bwMode="auto">
+          <a:xfrm>
+            <a:off x="899592" y="3429000"/>
+            <a:ext cx="7523163" cy="2939802"/>
+          </a:xfrm>
+          <a:prstGeom prst="rect">
+            <a:avLst/>
+          </a:prstGeom>
+          <a:noFill/>
+          <a:ln w="9525">
+            <a:noFill/>
+            <a:miter lim="800000"/>
+            <a:headEnd/>
+            <a:tailEnd/>
+          </a:ln>
+        </p:spPr>
+      </p:pic>
+    </p:spTree>
+  </p:cSld>
+  <p:clrMapOvr>
+    <a:masterClrMapping/>
+  </p:clrMapOvr>
+  <p:timing>
+    <p:tnLst>
+      <p:par>
+        <p:cTn id="1" dur="indefinite" restart="never" nodeType="tmRoot"/>
+      </p:par>
+    </p:tnLst>
+  </p:timing>
+</p:sld>
+</file>
+
+<file path=ppt/slides/slide112.xml><?xml version="1.0" encoding="utf-8"?>
+<p:sld xmlns:a="http://schemas.openxmlformats.org/drawingml/2006/main" xmlns:r="http://schemas.openxmlformats.org/officeDocument/2006/relationships" xmlns:p="http://schemas.openxmlformats.org/presentationml/2006/main">
+  <p:cSld>
+    <p:spTree>
+      <p:nvGrpSpPr>
+        <p:cNvPr id="1" name=""/>
+        <p:cNvGrpSpPr/>
+        <p:nvPr/>
+      </p:nvGrpSpPr>
+      <p:grpSpPr>
+        <a:xfrm>
+          <a:off x="0" y="0"/>
+          <a:ext cx="0" cy="0"/>
+          <a:chOff x="0" y="0"/>
+          <a:chExt cx="0" cy="0"/>
+        </a:xfrm>
+      </p:grpSpPr>
+      <p:sp>
+        <p:nvSpPr>
+          <p:cNvPr id="2" name="标题 1"/>
+          <p:cNvSpPr>
+            <a:spLocks noGrp="1"/>
+          </p:cNvSpPr>
+          <p:nvPr>
+            <p:ph type="title"/>
+          </p:nvPr>
+        </p:nvSpPr>
+        <p:spPr/>
+        <p:txBody>
+          <a:bodyPr/>
+          <a:lstStyle/>
+          <a:p>
+            <a:pPr algn="l"/>
+            <a:r>
+              <a:rPr lang="en-US" altLang="zh-CN" dirty="0" smtClean="0"/>
+              <a:t>13.6 </a:t>
+            </a:r>
+            <a:r>
+              <a:rPr lang="zh-CN" altLang="en-US" dirty="0" smtClean="0"/>
+              <a:t>变量作用域</a:t>
+            </a:r>
+            <a:endParaRPr lang="zh-CN" altLang="en-US" dirty="0"/>
+          </a:p>
+        </p:txBody>
+      </p:sp>
+      <p:sp>
+        <p:nvSpPr>
+          <p:cNvPr id="3" name="内容占位符 2"/>
+          <p:cNvSpPr>
+            <a:spLocks noGrp="1"/>
+          </p:cNvSpPr>
+          <p:nvPr>
+            <p:ph idx="1"/>
+          </p:nvPr>
+        </p:nvSpPr>
+        <p:spPr>
+          <a:xfrm>
+            <a:off x="457200" y="1600201"/>
+            <a:ext cx="8229600" cy="1972815"/>
+          </a:xfrm>
+        </p:spPr>
+        <p:txBody>
+          <a:bodyPr>
+            <a:normAutofit fontScale="85000" lnSpcReduction="20000"/>
+          </a:bodyPr>
+          <a:lstStyle/>
+          <a:p>
+            <a:r>
+              <a:rPr lang="zh-CN" altLang="en-US" dirty="0" smtClean="0"/>
+              <a:t>函数运行时，函数之外的名字被搁置一边，而没有用到。只有函数内部的名字会 被用到。程序中使用（或者可以使用）变量的部分称为这个变量的作用域（</a:t>
+            </a:r>
+            <a:r>
+              <a:rPr lang="en-US" altLang="zh-CN" dirty="0" smtClean="0"/>
+              <a:t>scope</a:t>
+            </a:r>
+            <a:r>
+              <a:rPr lang="zh-CN" altLang="en-US" dirty="0" smtClean="0"/>
+              <a:t>）。</a:t>
+            </a:r>
+            <a:endParaRPr lang="en-US" altLang="zh-CN" dirty="0" smtClean="0"/>
+          </a:p>
+          <a:p>
+            <a:pPr lvl="1"/>
+            <a:r>
+              <a:rPr lang="zh-CN" altLang="en-US" dirty="0" smtClean="0"/>
+              <a:t>局部变量</a:t>
+            </a:r>
+            <a:endParaRPr lang="en-US" altLang="zh-CN" dirty="0" smtClean="0"/>
+          </a:p>
+        </p:txBody>
+      </p:sp>
+      <p:sp>
+        <p:nvSpPr>
+          <p:cNvPr id="7" name="内容占位符 2"/>
+          <p:cNvSpPr txBox="1">
+            <a:spLocks/>
+          </p:cNvSpPr>
+          <p:nvPr/>
+        </p:nvSpPr>
+        <p:spPr>
+          <a:xfrm>
+            <a:off x="539552" y="4653136"/>
+            <a:ext cx="8229600" cy="360040"/>
+          </a:xfrm>
+          <a:prstGeom prst="rect">
+            <a:avLst/>
+          </a:prstGeom>
+        </p:spPr>
+        <p:txBody>
+          <a:bodyPr vert="horz" lIns="91440" tIns="45720" rIns="91440" bIns="45720" rtlCol="0">
+            <a:normAutofit fontScale="77500" lnSpcReduction="20000"/>
+          </a:bodyPr>
+          <a:lstStyle/>
+          <a:p>
+            <a:pPr marL="742950" marR="0" lvl="1" indent="-285750" algn="l" defTabSz="914400" rtl="0" eaLnBrk="1" fontAlgn="auto" latinLnBrk="0" hangingPunct="1">
+              <a:lnSpc>
+                <a:spcPct val="100000"/>
+              </a:lnSpc>
+              <a:spcBef>
+                <a:spcPct val="20000"/>
+              </a:spcBef>
+              <a:spcAft>
+                <a:spcPts val="0"/>
+              </a:spcAft>
+              <a:buClrTx/>
+              <a:buSzTx/>
+              <a:buFont typeface="Arial" pitchFamily="34" charset="0"/>
+              <a:buChar char="–"/>
+              <a:tabLst/>
+              <a:defRPr/>
+            </a:pPr>
+            <a:r>
+              <a:rPr lang="zh-CN" altLang="en-US" sz="2800" dirty="0" smtClean="0"/>
+              <a:t>全</a:t>
+            </a:r>
+            <a:r>
+              <a:rPr kumimoji="0" lang="zh-CN" altLang="en-US" sz="2800" b="0" i="0" u="none" strike="noStrike" kern="1200" cap="none" spc="0" normalizeH="0" baseline="0" noProof="0" dirty="0" smtClean="0">
+                <a:ln>
+                  <a:noFill/>
+                </a:ln>
+                <a:solidFill>
+                  <a:schemeClr val="tx1"/>
+                </a:solidFill>
+                <a:effectLst/>
+                <a:uLnTx/>
+                <a:uFillTx/>
+                <a:latin typeface="+mn-lt"/>
+                <a:ea typeface="+mn-ea"/>
+                <a:cs typeface="+mn-cs"/>
+              </a:rPr>
+              <a:t>局变量</a:t>
+            </a:r>
+            <a:endParaRPr kumimoji="0" lang="en-US" altLang="zh-CN" sz="2800" b="0" i="0" u="none" strike="noStrike" kern="1200" cap="none" spc="0" normalizeH="0" baseline="0" noProof="0" dirty="0" smtClean="0">
+              <a:ln>
+                <a:noFill/>
+              </a:ln>
+              <a:solidFill>
+                <a:schemeClr val="tx1"/>
+              </a:solidFill>
+              <a:effectLst/>
+              <a:uLnTx/>
+              <a:uFillTx/>
+              <a:latin typeface="+mn-lt"/>
+              <a:ea typeface="+mn-ea"/>
+              <a:cs typeface="+mn-cs"/>
+            </a:endParaRPr>
+          </a:p>
+        </p:txBody>
+      </p:sp>
+      <p:pic>
+        <p:nvPicPr>
+          <p:cNvPr id="6150" name="Picture 6"/>
+          <p:cNvPicPr>
+            <a:picLocks noChangeAspect="1" noChangeArrowheads="1"/>
+          </p:cNvPicPr>
+          <p:nvPr/>
+        </p:nvPicPr>
+        <p:blipFill>
+          <a:blip r:embed="rId2" cstate="print"/>
+          <a:srcRect/>
+          <a:stretch>
+            <a:fillRect/>
+          </a:stretch>
+        </p:blipFill>
+        <p:spPr bwMode="auto">
+          <a:xfrm>
+            <a:off x="1475656" y="3450704"/>
+            <a:ext cx="4343400" cy="914400"/>
+          </a:xfrm>
+          <a:prstGeom prst="rect">
+            <a:avLst/>
+          </a:prstGeom>
+          <a:noFill/>
+          <a:ln w="9525">
+            <a:noFill/>
+            <a:miter lim="800000"/>
+            <a:headEnd/>
+            <a:tailEnd/>
+          </a:ln>
+        </p:spPr>
+      </p:pic>
+      <p:pic>
+        <p:nvPicPr>
+          <p:cNvPr id="6151" name="Picture 7"/>
+          <p:cNvPicPr>
+            <a:picLocks noChangeAspect="1" noChangeArrowheads="1"/>
+          </p:cNvPicPr>
+          <p:nvPr/>
+        </p:nvPicPr>
+        <p:blipFill>
+          <a:blip r:embed="rId3" cstate="print"/>
+          <a:srcRect/>
+          <a:stretch>
+            <a:fillRect/>
+          </a:stretch>
+        </p:blipFill>
+        <p:spPr bwMode="auto">
+          <a:xfrm>
+            <a:off x="1475656" y="5013176"/>
+            <a:ext cx="4381500" cy="1438275"/>
+          </a:xfrm>
+          <a:prstGeom prst="rect">
+            <a:avLst/>
+          </a:prstGeom>
+          <a:noFill/>
+          <a:ln w="9525">
+            <a:noFill/>
+            <a:miter lim="800000"/>
+            <a:headEnd/>
+            <a:tailEnd/>
+          </a:ln>
+        </p:spPr>
+      </p:pic>
+    </p:spTree>
+  </p:cSld>
+  <p:clrMapOvr>
+    <a:masterClrMapping/>
+  </p:clrMapOvr>
+  <p:timing>
+    <p:tnLst>
+      <p:par>
+        <p:cTn id="1" dur="indefinite" restart="never" nodeType="tmRoot"/>
+      </p:par>
+    </p:tnLst>
+  </p:timing>
+</p:sld>
+</file>
+
+<file path=ppt/slides/slide113.xml><?xml version="1.0" encoding="utf-8"?>
+<p:sld xmlns:a="http://schemas.openxmlformats.org/drawingml/2006/main" xmlns:r="http://schemas.openxmlformats.org/officeDocument/2006/relationships" xmlns:p="http://schemas.openxmlformats.org/presentationml/2006/main">
+  <p:cSld>
+    <p:spTree>
+      <p:nvGrpSpPr>
+        <p:cNvPr id="1" name=""/>
+        <p:cNvGrpSpPr/>
+        <p:nvPr/>
+      </p:nvGrpSpPr>
+      <p:grpSpPr>
+        <a:xfrm>
+          <a:off x="0" y="0"/>
+          <a:ext cx="0" cy="0"/>
+          <a:chOff x="0" y="0"/>
+          <a:chExt cx="0" cy="0"/>
+        </a:xfrm>
+      </p:grpSpPr>
+      <p:sp>
+        <p:nvSpPr>
+          <p:cNvPr id="2" name="标题 1"/>
+          <p:cNvSpPr>
+            <a:spLocks noGrp="1"/>
+          </p:cNvSpPr>
+          <p:nvPr>
+            <p:ph type="title"/>
+          </p:nvPr>
+        </p:nvSpPr>
+        <p:spPr/>
+        <p:txBody>
+          <a:bodyPr/>
+          <a:lstStyle/>
+          <a:p>
+            <a:pPr algn="l"/>
+            <a:r>
+              <a:rPr lang="en-US" altLang="zh-CN" dirty="0" smtClean="0"/>
+              <a:t>13.7</a:t>
+            </a:r>
+            <a:r>
+              <a:rPr lang="zh-CN" altLang="en-US" dirty="0" smtClean="0"/>
+              <a:t> 强制为全局</a:t>
+            </a:r>
+            <a:endParaRPr lang="zh-CN" altLang="en-US" dirty="0"/>
+          </a:p>
+        </p:txBody>
+      </p:sp>
+      <p:sp>
+        <p:nvSpPr>
+          <p:cNvPr id="3" name="内容占位符 2"/>
+          <p:cNvSpPr>
+            <a:spLocks noGrp="1"/>
+          </p:cNvSpPr>
+          <p:nvPr>
+            <p:ph idx="1"/>
+          </p:nvPr>
+        </p:nvSpPr>
+        <p:spPr/>
+        <p:txBody>
+          <a:bodyPr/>
+          <a:lstStyle/>
+          <a:p>
+            <a:r>
+              <a:rPr lang="zh-CN" altLang="en-US" dirty="0" smtClean="0"/>
+              <a:t>可以用 </a:t>
+            </a:r>
+            <a:r>
+              <a:rPr lang="en-US" altLang="zh-CN" dirty="0" smtClean="0"/>
+              <a:t>Python </a:t>
+            </a:r>
+            <a:r>
+              <a:rPr lang="zh-CN" altLang="en-US" dirty="0" smtClean="0"/>
+              <a:t>的一个关键字 </a:t>
+            </a:r>
+            <a:r>
+              <a:rPr lang="en-US" altLang="zh-CN" dirty="0" smtClean="0"/>
+              <a:t>global </a:t>
+            </a:r>
+            <a:r>
+              <a:rPr lang="zh-CN" altLang="en-US" dirty="0" smtClean="0"/>
+              <a:t>来做到。可以这样来使用</a:t>
+            </a:r>
+            <a:endParaRPr lang="en-US" altLang="zh-CN" dirty="0" smtClean="0"/>
+          </a:p>
+          <a:p>
+            <a:pPr lvl="1"/>
+            <a:r>
+              <a:rPr lang="en-US" altLang="zh-CN" dirty="0" smtClean="0"/>
+              <a:t>def </a:t>
+            </a:r>
+            <a:r>
+              <a:rPr lang="en-US" altLang="zh-CN" dirty="0" err="1" smtClean="0"/>
+              <a:t>calculate_tax</a:t>
+            </a:r>
+            <a:r>
+              <a:rPr lang="en-US" altLang="zh-CN" dirty="0" smtClean="0"/>
+              <a:t>(</a:t>
+            </a:r>
+            <a:r>
+              <a:rPr lang="en-US" altLang="zh-CN" dirty="0" err="1" smtClean="0"/>
+              <a:t>price,tax_rate</a:t>
+            </a:r>
+            <a:r>
+              <a:rPr lang="en-US" altLang="zh-CN" dirty="0" smtClean="0"/>
+              <a:t>) 	</a:t>
+            </a:r>
+          </a:p>
+          <a:p>
+            <a:pPr lvl="1"/>
+            <a:r>
+              <a:rPr lang="en-US" altLang="zh-CN" dirty="0" smtClean="0"/>
+              <a:t>       global </a:t>
+            </a:r>
+            <a:r>
+              <a:rPr lang="en-US" altLang="zh-CN" dirty="0" err="1" smtClean="0"/>
+              <a:t>my_price</a:t>
+            </a:r>
+            <a:r>
+              <a:rPr lang="en-US" altLang="zh-CN" dirty="0" smtClean="0"/>
+              <a:t> </a:t>
+            </a:r>
+            <a:endParaRPr lang="zh-CN" altLang="en-US" dirty="0"/>
+          </a:p>
+        </p:txBody>
+      </p:sp>
+    </p:spTree>
+  </p:cSld>
+  <p:clrMapOvr>
+    <a:masterClrMapping/>
+  </p:clrMapOvr>
+  <p:timing>
+    <p:tnLst>
+      <p:par>
+        <p:cTn id="1" dur="indefinite" restart="never" nodeType="tmRoot"/>
+      </p:par>
+    </p:tnLst>
+  </p:timing>
+</p:sld>
+</file>
+
+<file path=ppt/slides/slide114.xml><?xml version="1.0" encoding="utf-8"?>
+<p:sld xmlns:a="http://schemas.openxmlformats.org/drawingml/2006/main" xmlns:r="http://schemas.openxmlformats.org/officeDocument/2006/relationships" xmlns:p="http://schemas.openxmlformats.org/presentationml/2006/main">
+  <p:cSld>
+    <p:spTree>
+      <p:nvGrpSpPr>
+        <p:cNvPr id="1" name=""/>
+        <p:cNvGrpSpPr/>
+        <p:nvPr/>
+      </p:nvGrpSpPr>
+      <p:grpSpPr>
+        <a:xfrm>
+          <a:off x="0" y="0"/>
+          <a:ext cx="0" cy="0"/>
+          <a:chOff x="0" y="0"/>
+          <a:chExt cx="0" cy="0"/>
+        </a:xfrm>
+      </p:grpSpPr>
+      <p:sp>
+        <p:nvSpPr>
+          <p:cNvPr id="2" name="标题 1"/>
+          <p:cNvSpPr>
+            <a:spLocks noGrp="1"/>
+          </p:cNvSpPr>
+          <p:nvPr>
+            <p:ph type="title"/>
+          </p:nvPr>
+        </p:nvSpPr>
+        <p:spPr/>
+        <p:txBody>
+          <a:bodyPr/>
+          <a:lstStyle/>
+          <a:p>
+            <a:r>
+              <a:rPr lang="en-US" altLang="zh-CN" dirty="0" smtClean="0"/>
+              <a:t>13.8</a:t>
+            </a:r>
+            <a:r>
+              <a:rPr lang="zh-CN" altLang="en-US" dirty="0" smtClean="0"/>
+              <a:t> 关于变量命名的一点建议</a:t>
+            </a:r>
+            <a:endParaRPr lang="zh-CN" altLang="en-US" dirty="0"/>
+          </a:p>
+        </p:txBody>
+      </p:sp>
+      <p:sp>
+        <p:nvSpPr>
+          <p:cNvPr id="3" name="内容占位符 2"/>
+          <p:cNvSpPr>
+            <a:spLocks noGrp="1"/>
+          </p:cNvSpPr>
+          <p:nvPr>
+            <p:ph idx="1"/>
+          </p:nvPr>
+        </p:nvSpPr>
+        <p:spPr/>
+        <p:txBody>
+          <a:bodyPr/>
+          <a:lstStyle/>
+          <a:p>
+            <a:r>
+              <a:rPr lang="zh-CN" altLang="en-US" dirty="0" smtClean="0"/>
+              <a:t>可以对全局变量和局部变量使用相同的变量名。 </a:t>
+            </a:r>
+            <a:r>
+              <a:rPr lang="en-US" altLang="zh-CN" dirty="0" smtClean="0"/>
+              <a:t>Python </a:t>
+            </a:r>
+            <a:r>
+              <a:rPr lang="zh-CN" altLang="en-US" dirty="0" smtClean="0"/>
+              <a:t>会在需要时自动创建新的局部变量，或者也可以用 </a:t>
+            </a:r>
+            <a:r>
+              <a:rPr lang="en-US" altLang="zh-CN" dirty="0" smtClean="0"/>
+              <a:t>global </a:t>
+            </a:r>
+            <a:r>
+              <a:rPr lang="zh-CN" altLang="en-US" dirty="0" smtClean="0"/>
+              <a:t>关键字阻止它创 建。</a:t>
+            </a:r>
+            <a:endParaRPr lang="en-US" altLang="zh-CN" dirty="0" smtClean="0"/>
+          </a:p>
+          <a:p>
+            <a:r>
+              <a:rPr lang="zh-CN" altLang="en-US" dirty="0" smtClean="0"/>
+              <a:t>不过，强烈建议你不要重复使用变量名。</a:t>
+            </a:r>
+            <a:endParaRPr lang="zh-CN" altLang="en-US" dirty="0"/>
+          </a:p>
+        </p:txBody>
+      </p:sp>
+    </p:spTree>
+  </p:cSld>
+  <p:clrMapOvr>
+    <a:masterClrMapping/>
+  </p:clrMapOvr>
+  <p:timing>
+    <p:tnLst>
+      <p:par>
+        <p:cTn id="1" dur="indefinite" restart="never" nodeType="tmRoot"/>
+      </p:par>
+    </p:tnLst>
+  </p:timing>
+</p:sld>
+</file>
+
+<file path=ppt/slides/slide115.xml><?xml version="1.0" encoding="utf-8"?>
+<p:sld xmlns:a="http://schemas.openxmlformats.org/drawingml/2006/main" xmlns:r="http://schemas.openxmlformats.org/officeDocument/2006/relationships" xmlns:p="http://schemas.openxmlformats.org/presentationml/2006/main">
+  <p:cSld>
+    <p:spTree>
+      <p:nvGrpSpPr>
+        <p:cNvPr id="1" name=""/>
+        <p:cNvGrpSpPr/>
+        <p:nvPr/>
+      </p:nvGrpSpPr>
+      <p:grpSpPr>
+        <a:xfrm>
+          <a:off x="0" y="0"/>
+          <a:ext cx="0" cy="0"/>
+          <a:chOff x="0" y="0"/>
+          <a:chExt cx="0" cy="0"/>
+        </a:xfrm>
+      </p:grpSpPr>
+      <p:sp>
+        <p:nvSpPr>
+          <p:cNvPr id="2" name="标题 1"/>
+          <p:cNvSpPr>
+            <a:spLocks noGrp="1"/>
+          </p:cNvSpPr>
+          <p:nvPr>
+            <p:ph type="title"/>
+          </p:nvPr>
+        </p:nvSpPr>
+        <p:spPr/>
+        <p:txBody>
+          <a:bodyPr/>
+          <a:lstStyle/>
+          <a:p>
+            <a:pPr algn="l"/>
+            <a:r>
+              <a:rPr lang="zh-CN" altLang="en-US" dirty="0" smtClean="0"/>
+              <a:t>你学到了什么</a:t>
+            </a:r>
+            <a:endParaRPr lang="zh-CN" altLang="en-US" dirty="0"/>
+          </a:p>
+        </p:txBody>
+      </p:sp>
+      <p:sp>
+        <p:nvSpPr>
+          <p:cNvPr id="3" name="内容占位符 2"/>
+          <p:cNvSpPr>
+            <a:spLocks noGrp="1"/>
+          </p:cNvSpPr>
+          <p:nvPr>
+            <p:ph idx="1"/>
+          </p:nvPr>
+        </p:nvSpPr>
+        <p:spPr>
+          <a:xfrm>
+            <a:off x="457200" y="1600200"/>
+            <a:ext cx="8229600" cy="4709120"/>
+          </a:xfrm>
+        </p:spPr>
+        <p:txBody>
+          <a:bodyPr>
+            <a:normAutofit/>
+          </a:bodyPr>
+          <a:lstStyle/>
+          <a:p>
+            <a:r>
+              <a:rPr lang="zh-CN" altLang="en-US" dirty="0" smtClean="0"/>
+              <a:t>什么是函数</a:t>
+            </a:r>
+            <a:endParaRPr lang="en-US" altLang="zh-CN" dirty="0" smtClean="0"/>
+          </a:p>
+          <a:p>
+            <a:r>
+              <a:rPr lang="zh-CN" altLang="en-US" dirty="0" smtClean="0"/>
+              <a:t>什么是参数（</a:t>
+            </a:r>
+            <a:r>
+              <a:rPr lang="en-US" altLang="zh-CN" dirty="0" smtClean="0"/>
+              <a:t>argument </a:t>
+            </a:r>
+            <a:r>
+              <a:rPr lang="zh-CN" altLang="en-US" dirty="0" smtClean="0"/>
+              <a:t>或 </a:t>
+            </a:r>
+            <a:r>
+              <a:rPr lang="en-US" altLang="zh-CN" dirty="0" smtClean="0"/>
+              <a:t>parameter</a:t>
+            </a:r>
+            <a:r>
+              <a:rPr lang="zh-CN" altLang="en-US" dirty="0" smtClean="0"/>
+              <a:t>）</a:t>
+            </a:r>
+            <a:endParaRPr lang="en-US" altLang="zh-CN" dirty="0" smtClean="0"/>
+          </a:p>
+          <a:p>
+            <a:r>
+              <a:rPr lang="zh-CN" altLang="en-US" dirty="0" smtClean="0"/>
+              <a:t>如何向函数传递一个参数</a:t>
+            </a:r>
+            <a:endParaRPr lang="en-US" altLang="zh-CN" dirty="0" smtClean="0"/>
+          </a:p>
+          <a:p>
+            <a:r>
+              <a:rPr lang="zh-CN" altLang="en-US" dirty="0" smtClean="0"/>
+              <a:t>如何向函数传递多个参数</a:t>
+            </a:r>
+            <a:endParaRPr lang="en-US" altLang="zh-CN" dirty="0" smtClean="0"/>
+          </a:p>
+          <a:p>
+            <a:r>
+              <a:rPr lang="zh-CN" altLang="en-US" dirty="0" smtClean="0"/>
+              <a:t>如何让函数向调用者返回一个值</a:t>
+            </a:r>
+            <a:endParaRPr lang="en-US" altLang="zh-CN" dirty="0" smtClean="0"/>
+          </a:p>
+          <a:p>
+            <a:r>
+              <a:rPr lang="zh-CN" altLang="en-US" dirty="0" smtClean="0"/>
+              <a:t>变量作用域是什么，什么是局部变量和全局变量</a:t>
+            </a:r>
+            <a:endParaRPr lang="en-US" altLang="zh-CN" dirty="0" smtClean="0"/>
+          </a:p>
+          <a:p>
+            <a:r>
+              <a:rPr lang="zh-CN" altLang="en-US" dirty="0" smtClean="0"/>
+              <a:t>如何在函数中使用全局变量</a:t>
+            </a:r>
+            <a:endParaRPr lang="zh-CN" altLang="en-US" dirty="0"/>
+          </a:p>
+        </p:txBody>
+      </p:sp>
+    </p:spTree>
+  </p:cSld>
+  <p:clrMapOvr>
+    <a:masterClrMapping/>
+  </p:clrMapOvr>
+  <p:timing>
+    <p:tnLst>
+      <p:par>
+        <p:cTn id="1" dur="indefinite" restart="never" nodeType="tmRoot"/>
+      </p:par>
+    </p:tnLst>
+  </p:timing>
+</p:sld>
+</file>
+
+<file path=ppt/slides/slide116.xml><?xml version="1.0" encoding="utf-8"?>
+<p:sld xmlns:a="http://schemas.openxmlformats.org/drawingml/2006/main" xmlns:r="http://schemas.openxmlformats.org/officeDocument/2006/relationships" xmlns:p="http://schemas.openxmlformats.org/presentationml/2006/main">
+  <p:cSld>
+    <p:spTree>
+      <p:nvGrpSpPr>
+        <p:cNvPr id="1" name=""/>
+        <p:cNvGrpSpPr/>
+        <p:nvPr/>
+      </p:nvGrpSpPr>
+      <p:grpSpPr>
+        <a:xfrm>
+          <a:off x="0" y="0"/>
+          <a:ext cx="0" cy="0"/>
+          <a:chOff x="0" y="0"/>
+          <a:chExt cx="0" cy="0"/>
+        </a:xfrm>
+      </p:grpSpPr>
+      <p:sp>
+        <p:nvSpPr>
+          <p:cNvPr id="2" name="标题 1"/>
+          <p:cNvSpPr>
+            <a:spLocks noGrp="1"/>
+          </p:cNvSpPr>
+          <p:nvPr>
+            <p:ph type="title"/>
+          </p:nvPr>
+        </p:nvSpPr>
+        <p:spPr/>
+        <p:txBody>
+          <a:bodyPr/>
+          <a:lstStyle/>
+          <a:p>
+            <a:pPr algn="l"/>
+            <a:r>
+              <a:rPr lang="zh-CN" altLang="en-US" dirty="0" smtClean="0"/>
+              <a:t>动手试一试</a:t>
+            </a:r>
+            <a:endParaRPr lang="zh-CN" altLang="en-US" dirty="0"/>
+          </a:p>
+        </p:txBody>
+      </p:sp>
+      <p:sp>
+        <p:nvSpPr>
+          <p:cNvPr id="3" name="内容占位符 2"/>
+          <p:cNvSpPr>
+            <a:spLocks noGrp="1"/>
+          </p:cNvSpPr>
+          <p:nvPr>
+            <p:ph idx="1"/>
+          </p:nvPr>
+        </p:nvSpPr>
+        <p:spPr>
+          <a:xfrm>
+            <a:off x="457200" y="1600200"/>
+            <a:ext cx="8229600" cy="4565104"/>
+          </a:xfrm>
+        </p:spPr>
+        <p:txBody>
+          <a:bodyPr>
+            <a:normAutofit fontScale="92500" lnSpcReduction="20000"/>
+          </a:bodyPr>
+          <a:lstStyle/>
+          <a:p>
+            <a:r>
+              <a:rPr lang="en-US" altLang="zh-CN" dirty="0" smtClean="0"/>
+              <a:t>1. </a:t>
+            </a:r>
+            <a:r>
+              <a:rPr lang="zh-CN" altLang="en-US" dirty="0" smtClean="0"/>
+              <a:t>编写一个函数，用大写字母打印你的名字，就像这样</a:t>
+            </a:r>
+            <a:endParaRPr lang="en-US" altLang="zh-CN" dirty="0" smtClean="0"/>
+          </a:p>
+          <a:p>
+            <a:r>
+              <a:rPr lang="en-US" altLang="zh-CN" dirty="0" smtClean="0"/>
+              <a:t>2. </a:t>
+            </a:r>
+            <a:r>
+              <a:rPr lang="zh-CN" altLang="en-US" dirty="0" smtClean="0"/>
+              <a:t>建立一个函数，可以打印全世界任何人名、地址、街道、城市、州或省、邮 政编码和国家。（提示：这需要 </a:t>
+            </a:r>
+            <a:r>
+              <a:rPr lang="en-US" altLang="zh-CN" dirty="0" smtClean="0"/>
+              <a:t>7 </a:t>
+            </a:r>
+            <a:r>
+              <a:rPr lang="zh-CN" altLang="en-US" dirty="0" smtClean="0"/>
+              <a:t>个参数。可以把它们作为单独的参数传入， 也可以作为一个列表。）</a:t>
+            </a:r>
+            <a:endParaRPr lang="en-US" altLang="zh-CN" dirty="0" smtClean="0"/>
+          </a:p>
+          <a:p>
+            <a:r>
+              <a:rPr lang="en-US" altLang="zh-CN" dirty="0" smtClean="0"/>
+              <a:t>3. </a:t>
+            </a:r>
+            <a:r>
+              <a:rPr lang="zh-CN" altLang="en-US" dirty="0" smtClean="0"/>
+              <a:t>编写一个函数计算零钱的总面值，包括五分币、二分币和一分币（类似于 第 </a:t>
+            </a:r>
+            <a:r>
+              <a:rPr lang="en-US" altLang="zh-CN" dirty="0" smtClean="0"/>
+              <a:t>5 </a:t>
+            </a:r>
+            <a:r>
+              <a:rPr lang="zh-CN" altLang="en-US" dirty="0" smtClean="0"/>
+              <a:t>章中最后一个“动手试一试”问题）。函数应当返回这些硬币的总面 值。然后编写一个程序调用这个函数</a:t>
             </a:r>
             <a:endParaRPr lang="zh-CN" altLang="en-US" dirty="0"/>
           </a:p>
@@ -4890,6 +7302,13 @@
   <p:clrMapOvr>
     <a:masterClrMapping/>
   </p:clrMapOvr>
+  <p:timing>
+    <p:tnLst>
+      <p:par>
+        <p:cTn id="1" dur="indefinite" restart="never" nodeType="tmRoot"/>
+      </p:par>
+    </p:tnLst>
+  </p:timing>
 </p:sld>
 </file>
 
@@ -14942,13 +17361,8 @@
           <a:p>
             <a:r>
               <a:rPr lang="en-US" altLang="zh-CN" dirty="0" smtClean="0"/>
-              <a:t>&gt;&gt;&gt; print </a:t>
-            </a:r>
-            <a:r>
-              <a:rPr lang="en-US" altLang="zh-CN" dirty="0" smtClean="0"/>
-              <a:t>(letters )</a:t>
-            </a:r>
-            <a:endParaRPr lang="en-US" altLang="zh-CN" dirty="0" smtClean="0"/>
+              <a:t>&gt;&gt;&gt; print (letters )</a:t>
+            </a:r>
           </a:p>
           <a:p>
             <a:pPr lvl="1"/>
@@ -14966,13 +17380,8 @@
           <a:p>
             <a:r>
               <a:rPr lang="en-US" altLang="zh-CN" dirty="0" smtClean="0"/>
-              <a:t>&gt;&gt;&gt; print </a:t>
-            </a:r>
-            <a:r>
-              <a:rPr lang="en-US" altLang="zh-CN" dirty="0" smtClean="0"/>
-              <a:t>(letters )</a:t>
-            </a:r>
-            <a:endParaRPr lang="en-US" altLang="zh-CN" dirty="0" smtClean="0"/>
+              <a:t>&gt;&gt;&gt; print (letters )</a:t>
+            </a:r>
           </a:p>
           <a:p>
             <a:pPr lvl="1"/>
@@ -15631,11 +18040,7 @@
             <a:pPr lvl="1"/>
             <a:r>
               <a:rPr lang="en-US" altLang="zh-CN" dirty="0" smtClean="0"/>
-              <a:t>&gt;&gt;&gt; </a:t>
-            </a:r>
-            <a:r>
-              <a:rPr lang="en-US" altLang="zh-CN" dirty="0" smtClean="0"/>
-              <a:t>    print (letter)</a:t>
+              <a:t>&gt;&gt;&gt;     print (letter)</a:t>
             </a:r>
             <a:endParaRPr lang="zh-CN" altLang="en-US" dirty="0" smtClean="0"/>
           </a:p>
@@ -16072,11 +18477,7 @@
           <a:p>
             <a:r>
               <a:rPr lang="zh-CN" altLang="en-US" dirty="0" smtClean="0"/>
-              <a:t>列表就像是把一行值串在</a:t>
-            </a:r>
-            <a:r>
-              <a:rPr lang="zh-CN" altLang="en-US" dirty="0" smtClean="0"/>
-              <a:t>一起</a:t>
+              <a:t>列表就像是把一行值串在一起</a:t>
             </a:r>
             <a:endParaRPr lang="en-US" altLang="zh-CN" dirty="0" smtClean="0"/>
           </a:p>
@@ -16395,22 +18796,14 @@
             </a:r>
             <a:r>
               <a:rPr lang="zh-CN" altLang="en-US" dirty="0" smtClean="0"/>
-              <a:t>向列表增加元素有哪些方法</a:t>
-            </a:r>
-            <a:r>
-              <a:rPr lang="zh-CN" altLang="en-US" dirty="0" smtClean="0"/>
-              <a:t>？</a:t>
+              <a:t>向列表增加元素有哪些方法？</a:t>
             </a:r>
             <a:endParaRPr lang="en-US" altLang="zh-CN" dirty="0" smtClean="0"/>
           </a:p>
           <a:p>
             <a:r>
               <a:rPr lang="en-US" altLang="zh-CN" dirty="0" smtClean="0"/>
-              <a:t>2</a:t>
-            </a:r>
-            <a:r>
-              <a:rPr lang="en-US" altLang="zh-CN" dirty="0" smtClean="0"/>
-              <a:t>. </a:t>
+              <a:t>2. </a:t>
             </a:r>
             <a:r>
               <a:rPr lang="zh-CN" altLang="en-US" dirty="0" smtClean="0"/>
@@ -16421,11 +18814,7 @@
           <a:p>
             <a:r>
               <a:rPr lang="en-US" altLang="zh-CN" dirty="0" smtClean="0"/>
-              <a:t>3</a:t>
-            </a:r>
-            <a:r>
-              <a:rPr lang="en-US" altLang="zh-CN" dirty="0" smtClean="0"/>
-              <a:t>. </a:t>
+              <a:t>3. </a:t>
             </a:r>
             <a:r>
               <a:rPr lang="zh-CN" altLang="en-US" dirty="0" smtClean="0"/>
@@ -16436,11 +18825,7 @@
           <a:p>
             <a:r>
               <a:rPr lang="en-US" altLang="zh-CN" dirty="0" smtClean="0"/>
-              <a:t>4</a:t>
-            </a:r>
-            <a:r>
-              <a:rPr lang="en-US" altLang="zh-CN" dirty="0" smtClean="0"/>
-              <a:t>. </a:t>
+              <a:t>4. </a:t>
             </a:r>
             <a:r>
               <a:rPr lang="zh-CN" altLang="en-US" dirty="0" smtClean="0"/>
@@ -16451,11 +18836,7 @@
           <a:p>
             <a:r>
               <a:rPr lang="en-US" altLang="zh-CN" dirty="0" smtClean="0"/>
-              <a:t>5</a:t>
-            </a:r>
-            <a:r>
-              <a:rPr lang="en-US" altLang="zh-CN" dirty="0" smtClean="0"/>
-              <a:t>. </a:t>
+              <a:t>5. </a:t>
             </a:r>
             <a:r>
               <a:rPr lang="zh-CN" altLang="en-US" dirty="0" smtClean="0"/>
@@ -16466,11 +18847,7 @@
           <a:p>
             <a:r>
               <a:rPr lang="en-US" altLang="zh-CN" dirty="0" smtClean="0"/>
-              <a:t>6</a:t>
-            </a:r>
-            <a:r>
-              <a:rPr lang="en-US" altLang="zh-CN" dirty="0" smtClean="0"/>
-              <a:t>. </a:t>
+              <a:t>6. </a:t>
             </a:r>
             <a:r>
               <a:rPr lang="zh-CN" altLang="en-US" dirty="0" smtClean="0"/>
@@ -16481,11 +18858,7 @@
           <a:p>
             <a:r>
               <a:rPr lang="en-US" altLang="zh-CN" dirty="0" smtClean="0"/>
-              <a:t>7</a:t>
-            </a:r>
-            <a:r>
-              <a:rPr lang="en-US" altLang="zh-CN" dirty="0" smtClean="0"/>
-              <a:t>. </a:t>
+              <a:t>7. </a:t>
             </a:r>
             <a:r>
               <a:rPr lang="zh-CN" altLang="en-US" dirty="0" smtClean="0"/>
@@ -16496,11 +18869,7 @@
           <a:p>
             <a:r>
               <a:rPr lang="en-US" altLang="zh-CN" dirty="0" smtClean="0"/>
-              <a:t>8</a:t>
-            </a:r>
-            <a:r>
-              <a:rPr lang="en-US" altLang="zh-CN" dirty="0" smtClean="0"/>
-              <a:t>. </a:t>
+              <a:t>8. </a:t>
             </a:r>
             <a:r>
               <a:rPr lang="zh-CN" altLang="en-US" dirty="0" smtClean="0"/>
@@ -16511,11 +18880,7 @@
           <a:p>
             <a:r>
               <a:rPr lang="en-US" altLang="zh-CN" dirty="0" smtClean="0"/>
-              <a:t>9</a:t>
-            </a:r>
-            <a:r>
-              <a:rPr lang="en-US" altLang="zh-CN" dirty="0" smtClean="0"/>
-              <a:t>. </a:t>
+              <a:t>9. </a:t>
             </a:r>
             <a:r>
               <a:rPr lang="zh-CN" altLang="en-US" dirty="0" smtClean="0"/>
@@ -16526,11 +18891,7 @@
           <a:p>
             <a:r>
               <a:rPr lang="en-US" altLang="zh-CN" dirty="0" smtClean="0"/>
-              <a:t>10</a:t>
-            </a:r>
-            <a:r>
-              <a:rPr lang="en-US" altLang="zh-CN" dirty="0" smtClean="0"/>
-              <a:t>. </a:t>
+              <a:t>10. </a:t>
             </a:r>
             <a:r>
               <a:rPr lang="zh-CN" altLang="en-US" dirty="0" smtClean="0"/>
@@ -16541,17 +18902,12 @@
           <a:p>
             <a:r>
               <a:rPr lang="en-US" altLang="zh-CN" dirty="0" smtClean="0"/>
-              <a:t>11</a:t>
-            </a:r>
-            <a:r>
-              <a:rPr lang="en-US" altLang="zh-CN" dirty="0" smtClean="0"/>
-              <a:t>. </a:t>
+              <a:t>11. </a:t>
             </a:r>
             <a:r>
               <a:rPr lang="zh-CN" altLang="en-US" dirty="0" smtClean="0"/>
               <a:t>怎样使用键去查找一个条目？</a:t>
             </a:r>
-            <a:endParaRPr lang="zh-CN" altLang="en-US" dirty="0" smtClean="0"/>
           </a:p>
         </p:txBody>
       </p:sp>

--- a/readme/Python3.pptx
+++ b/readme/Python3.pptx
@@ -105,6 +105,28 @@
     <p:sldId id="359" r:id="rId99"/>
     <p:sldId id="360" r:id="rId100"/>
     <p:sldId id="361" r:id="rId101"/>
+    <p:sldId id="362" r:id="rId102"/>
+    <p:sldId id="363" r:id="rId103"/>
+    <p:sldId id="364" r:id="rId104"/>
+    <p:sldId id="365" r:id="rId105"/>
+    <p:sldId id="366" r:id="rId106"/>
+    <p:sldId id="367" r:id="rId107"/>
+    <p:sldId id="368" r:id="rId108"/>
+    <p:sldId id="369" r:id="rId109"/>
+    <p:sldId id="370" r:id="rId110"/>
+    <p:sldId id="371" r:id="rId111"/>
+    <p:sldId id="372" r:id="rId112"/>
+    <p:sldId id="373" r:id="rId113"/>
+    <p:sldId id="374" r:id="rId114"/>
+    <p:sldId id="375" r:id="rId115"/>
+    <p:sldId id="376" r:id="rId116"/>
+    <p:sldId id="377" r:id="rId117"/>
+    <p:sldId id="378" r:id="rId118"/>
+    <p:sldId id="379" r:id="rId119"/>
+    <p:sldId id="380" r:id="rId120"/>
+    <p:sldId id="381" r:id="rId121"/>
+    <p:sldId id="382" r:id="rId122"/>
+    <p:sldId id="383" r:id="rId123"/>
   </p:sldIdLst>
   <p:sldSz cx="9144000" cy="6858000" type="screen4x3"/>
   <p:notesSz cx="6858000" cy="9144000"/>
@@ -388,7 +410,7 @@
             <a:fld id="{530820CF-B880-4189-942D-D702A7CBA730}" type="datetimeFigureOut">
               <a:rPr lang="zh-CN" altLang="en-US" smtClean="0"/>
               <a:pPr/>
-              <a:t>2018/11/11</a:t>
+              <a:t>2018-12-02</a:t>
             </a:fld>
             <a:endParaRPr lang="zh-CN" altLang="en-US"/>
           </a:p>
@@ -555,7 +577,7 @@
             <a:fld id="{530820CF-B880-4189-942D-D702A7CBA730}" type="datetimeFigureOut">
               <a:rPr lang="zh-CN" altLang="en-US" smtClean="0"/>
               <a:pPr/>
-              <a:t>2018/11/11</a:t>
+              <a:t>2018-12-02</a:t>
             </a:fld>
             <a:endParaRPr lang="zh-CN" altLang="en-US"/>
           </a:p>
@@ -732,7 +754,7 @@
             <a:fld id="{530820CF-B880-4189-942D-D702A7CBA730}" type="datetimeFigureOut">
               <a:rPr lang="zh-CN" altLang="en-US" smtClean="0"/>
               <a:pPr/>
-              <a:t>2018/11/11</a:t>
+              <a:t>2018-12-02</a:t>
             </a:fld>
             <a:endParaRPr lang="zh-CN" altLang="en-US"/>
           </a:p>
@@ -899,7 +921,7 @@
             <a:fld id="{530820CF-B880-4189-942D-D702A7CBA730}" type="datetimeFigureOut">
               <a:rPr lang="zh-CN" altLang="en-US" smtClean="0"/>
               <a:pPr/>
-              <a:t>2018/11/11</a:t>
+              <a:t>2018-12-02</a:t>
             </a:fld>
             <a:endParaRPr lang="zh-CN" altLang="en-US"/>
           </a:p>
@@ -1142,7 +1164,7 @@
             <a:fld id="{530820CF-B880-4189-942D-D702A7CBA730}" type="datetimeFigureOut">
               <a:rPr lang="zh-CN" altLang="en-US" smtClean="0"/>
               <a:pPr/>
-              <a:t>2018/11/11</a:t>
+              <a:t>2018-12-02</a:t>
             </a:fld>
             <a:endParaRPr lang="zh-CN" altLang="en-US"/>
           </a:p>
@@ -1427,7 +1449,7 @@
             <a:fld id="{530820CF-B880-4189-942D-D702A7CBA730}" type="datetimeFigureOut">
               <a:rPr lang="zh-CN" altLang="en-US" smtClean="0"/>
               <a:pPr/>
-              <a:t>2018/11/11</a:t>
+              <a:t>2018-12-02</a:t>
             </a:fld>
             <a:endParaRPr lang="zh-CN" altLang="en-US"/>
           </a:p>
@@ -1846,7 +1868,7 @@
             <a:fld id="{530820CF-B880-4189-942D-D702A7CBA730}" type="datetimeFigureOut">
               <a:rPr lang="zh-CN" altLang="en-US" smtClean="0"/>
               <a:pPr/>
-              <a:t>2018/11/11</a:t>
+              <a:t>2018-12-02</a:t>
             </a:fld>
             <a:endParaRPr lang="zh-CN" altLang="en-US"/>
           </a:p>
@@ -1961,7 +1983,7 @@
             <a:fld id="{530820CF-B880-4189-942D-D702A7CBA730}" type="datetimeFigureOut">
               <a:rPr lang="zh-CN" altLang="en-US" smtClean="0"/>
               <a:pPr/>
-              <a:t>2018/11/11</a:t>
+              <a:t>2018-12-02</a:t>
             </a:fld>
             <a:endParaRPr lang="zh-CN" altLang="en-US"/>
           </a:p>
@@ -2053,7 +2075,7 @@
             <a:fld id="{530820CF-B880-4189-942D-D702A7CBA730}" type="datetimeFigureOut">
               <a:rPr lang="zh-CN" altLang="en-US" smtClean="0"/>
               <a:pPr/>
-              <a:t>2018/11/11</a:t>
+              <a:t>2018-12-02</a:t>
             </a:fld>
             <a:endParaRPr lang="zh-CN" altLang="en-US"/>
           </a:p>
@@ -2327,7 +2349,7 @@
             <a:fld id="{530820CF-B880-4189-942D-D702A7CBA730}" type="datetimeFigureOut">
               <a:rPr lang="zh-CN" altLang="en-US" smtClean="0"/>
               <a:pPr/>
-              <a:t>2018/11/11</a:t>
+              <a:t>2018-12-02</a:t>
             </a:fld>
             <a:endParaRPr lang="zh-CN" altLang="en-US"/>
           </a:p>
@@ -2577,7 +2599,7 @@
             <a:fld id="{530820CF-B880-4189-942D-D702A7CBA730}" type="datetimeFigureOut">
               <a:rPr lang="zh-CN" altLang="en-US" smtClean="0"/>
               <a:pPr/>
-              <a:t>2018/11/11</a:t>
+              <a:t>2018-12-02</a:t>
             </a:fld>
             <a:endParaRPr lang="zh-CN" altLang="en-US"/>
           </a:p>
@@ -2787,7 +2809,7 @@
             <a:fld id="{530820CF-B880-4189-942D-D702A7CBA730}" type="datetimeFigureOut">
               <a:rPr lang="zh-CN" altLang="en-US" smtClean="0"/>
               <a:pPr/>
-              <a:t>2018/11/11</a:t>
+              <a:t>2018-12-02</a:t>
             </a:fld>
             <a:endParaRPr lang="zh-CN" altLang="en-US"/>
           </a:p>
@@ -3462,11 +3484,7 @@
             </a:r>
             <a:r>
               <a:rPr lang="zh-CN" altLang="en-US" dirty="0" smtClean="0"/>
-              <a:t>个名字保存在一个列表中， 最后打印出来。就像这样</a:t>
-            </a:r>
-            <a:r>
-              <a:rPr lang="zh-CN" altLang="en-US" dirty="0" smtClean="0"/>
-              <a:t>：</a:t>
+              <a:t>个名字保存在一个列表中， 最后打印出来。就像这样：</a:t>
             </a:r>
             <a:endParaRPr lang="en-US" altLang="zh-CN" dirty="0" smtClean="0"/>
           </a:p>
@@ -3478,7 +3496,6 @@
               <a:rPr lang="en-US" altLang="zh-CN" dirty="0" smtClean="0"/>
               <a:t>Enter 5 names: </a:t>
             </a:r>
-            <a:endParaRPr lang="en-US" altLang="zh-CN" dirty="0" smtClean="0"/>
           </a:p>
           <a:p>
             <a:pPr lvl="1">
@@ -3531,11 +3548,7 @@
             </a:pPr>
             <a:r>
               <a:rPr lang="en-US" altLang="zh-CN" dirty="0" smtClean="0"/>
-              <a:t>The </a:t>
-            </a:r>
-            <a:r>
-              <a:rPr lang="en-US" altLang="zh-CN" dirty="0" smtClean="0"/>
-              <a:t>names are Tony Paul Nick Michel Kevin</a:t>
+              <a:t>The names are Tony Paul Nick Michel Kevin</a:t>
             </a:r>
             <a:endParaRPr lang="zh-CN" altLang="en-US" dirty="0"/>
           </a:p>
@@ -3553,6 +3566,1321 @@
       </p:par>
     </p:tnLst>
   </p:timing>
+</p:sld>
+</file>
+
+<file path=ppt/slides/slide101.xml><?xml version="1.0" encoding="utf-8"?>
+<p:sld xmlns:a="http://schemas.openxmlformats.org/drawingml/2006/main" xmlns:r="http://schemas.openxmlformats.org/officeDocument/2006/relationships" xmlns:p="http://schemas.openxmlformats.org/presentationml/2006/main">
+  <p:cSld>
+    <p:spTree>
+      <p:nvGrpSpPr>
+        <p:cNvPr id="1" name=""/>
+        <p:cNvGrpSpPr/>
+        <p:nvPr/>
+      </p:nvGrpSpPr>
+      <p:grpSpPr>
+        <a:xfrm>
+          <a:off x="0" y="0"/>
+          <a:ext cx="0" cy="0"/>
+          <a:chOff x="0" y="0"/>
+          <a:chExt cx="0" cy="0"/>
+        </a:xfrm>
+      </p:grpSpPr>
+      <p:sp>
+        <p:nvSpPr>
+          <p:cNvPr id="2" name="标题 1"/>
+          <p:cNvSpPr>
+            <a:spLocks noGrp="1"/>
+          </p:cNvSpPr>
+          <p:nvPr>
+            <p:ph type="title"/>
+          </p:nvPr>
+        </p:nvSpPr>
+        <p:spPr/>
+        <p:txBody>
+          <a:bodyPr/>
+          <a:lstStyle/>
+          <a:p>
+            <a:r>
+              <a:rPr lang="en-US" altLang="zh-CN" dirty="0" smtClean="0"/>
+              <a:t>10</a:t>
+            </a:r>
+            <a:endParaRPr lang="zh-CN" altLang="en-US" dirty="0"/>
+          </a:p>
+        </p:txBody>
+      </p:sp>
+      <p:sp>
+        <p:nvSpPr>
+          <p:cNvPr id="3" name="内容占位符 2"/>
+          <p:cNvSpPr>
+            <a:spLocks noGrp="1"/>
+          </p:cNvSpPr>
+          <p:nvPr>
+            <p:ph idx="1"/>
+          </p:nvPr>
+        </p:nvSpPr>
+        <p:spPr/>
+        <p:txBody>
+          <a:bodyPr/>
+          <a:lstStyle/>
+          <a:p>
+            <a:endParaRPr lang="zh-CN" altLang="en-US"/>
+          </a:p>
+        </p:txBody>
+      </p:sp>
+    </p:spTree>
+  </p:cSld>
+  <p:clrMapOvr>
+    <a:masterClrMapping/>
+  </p:clrMapOvr>
+</p:sld>
+</file>
+
+<file path=ppt/slides/slide102.xml><?xml version="1.0" encoding="utf-8"?>
+<p:sld xmlns:a="http://schemas.openxmlformats.org/drawingml/2006/main" xmlns:r="http://schemas.openxmlformats.org/officeDocument/2006/relationships" xmlns:p="http://schemas.openxmlformats.org/presentationml/2006/main">
+  <p:cSld>
+    <p:spTree>
+      <p:nvGrpSpPr>
+        <p:cNvPr id="1" name=""/>
+        <p:cNvGrpSpPr/>
+        <p:nvPr/>
+      </p:nvGrpSpPr>
+      <p:grpSpPr>
+        <a:xfrm>
+          <a:off x="0" y="0"/>
+          <a:ext cx="0" cy="0"/>
+          <a:chOff x="0" y="0"/>
+          <a:chExt cx="0" cy="0"/>
+        </a:xfrm>
+      </p:grpSpPr>
+      <p:sp>
+        <p:nvSpPr>
+          <p:cNvPr id="2" name="标题 1"/>
+          <p:cNvSpPr>
+            <a:spLocks noGrp="1"/>
+          </p:cNvSpPr>
+          <p:nvPr>
+            <p:ph type="title"/>
+          </p:nvPr>
+        </p:nvSpPr>
+        <p:spPr/>
+        <p:txBody>
+          <a:bodyPr/>
+          <a:lstStyle/>
+          <a:p>
+            <a:pPr algn="l"/>
+            <a:r>
+              <a:rPr lang="en-US" altLang="zh-CN" dirty="0" smtClean="0"/>
+              <a:t>14 </a:t>
+            </a:r>
+            <a:r>
+              <a:rPr lang="zh-CN" altLang="en-US" dirty="0" smtClean="0"/>
+              <a:t>对象</a:t>
+            </a:r>
+            <a:endParaRPr lang="zh-CN" altLang="en-US" dirty="0"/>
+          </a:p>
+        </p:txBody>
+      </p:sp>
+      <p:sp>
+        <p:nvSpPr>
+          <p:cNvPr id="3" name="内容占位符 2"/>
+          <p:cNvSpPr>
+            <a:spLocks noGrp="1"/>
+          </p:cNvSpPr>
+          <p:nvPr>
+            <p:ph idx="1"/>
+          </p:nvPr>
+        </p:nvSpPr>
+        <p:spPr/>
+        <p:txBody>
+          <a:bodyPr/>
+          <a:lstStyle/>
+          <a:p>
+            <a:r>
+              <a:rPr lang="zh-CN" altLang="en-US" dirty="0" smtClean="0"/>
+              <a:t>对象（</a:t>
+            </a:r>
+            <a:r>
+              <a:rPr lang="en-US" altLang="zh-CN" dirty="0" smtClean="0"/>
+              <a:t>object</a:t>
+            </a:r>
+            <a:r>
+              <a:rPr lang="zh-CN" altLang="en-US" dirty="0" smtClean="0"/>
+              <a:t>）则让这种收集的思想更向前迈进一步。对象可以把函数和数据收集在一起。</a:t>
+            </a:r>
+            <a:endParaRPr lang="en-US" altLang="zh-CN" dirty="0" smtClean="0"/>
+          </a:p>
+          <a:p>
+            <a:r>
+              <a:rPr lang="zh-CN" altLang="en-US" dirty="0" smtClean="0"/>
+              <a:t>按编程的术语来讲，我们说</a:t>
+            </a:r>
+            <a:r>
+              <a:rPr lang="en-US" altLang="zh-CN" dirty="0" smtClean="0"/>
+              <a:t>Python </a:t>
+            </a:r>
+            <a:r>
+              <a:rPr lang="zh-CN" altLang="en-US" dirty="0" smtClean="0"/>
+              <a:t>是面向对象的（</a:t>
+            </a:r>
+            <a:r>
+              <a:rPr lang="en-US" altLang="zh-CN" dirty="0" smtClean="0"/>
+              <a:t>object oriented</a:t>
+            </a:r>
+            <a:r>
+              <a:rPr lang="zh-CN" altLang="en-US" dirty="0" smtClean="0"/>
+              <a:t>）。</a:t>
+            </a:r>
+            <a:endParaRPr lang="en-US" altLang="zh-CN" dirty="0" smtClean="0"/>
+          </a:p>
+          <a:p>
+            <a:r>
+              <a:rPr lang="zh-CN" altLang="en-US" dirty="0" smtClean="0"/>
+              <a:t>后面几章开始处理图形时，我们将会大量使用对象。</a:t>
+            </a:r>
+            <a:endParaRPr lang="zh-CN" altLang="en-US" dirty="0"/>
+          </a:p>
+        </p:txBody>
+      </p:sp>
+    </p:spTree>
+  </p:cSld>
+  <p:clrMapOvr>
+    <a:masterClrMapping/>
+  </p:clrMapOvr>
+</p:sld>
+</file>
+
+<file path=ppt/slides/slide103.xml><?xml version="1.0" encoding="utf-8"?>
+<p:sld xmlns:a="http://schemas.openxmlformats.org/drawingml/2006/main" xmlns:r="http://schemas.openxmlformats.org/officeDocument/2006/relationships" xmlns:p="http://schemas.openxmlformats.org/presentationml/2006/main">
+  <p:cSld>
+    <p:spTree>
+      <p:nvGrpSpPr>
+        <p:cNvPr id="1" name=""/>
+        <p:cNvGrpSpPr/>
+        <p:nvPr/>
+      </p:nvGrpSpPr>
+      <p:grpSpPr>
+        <a:xfrm>
+          <a:off x="0" y="0"/>
+          <a:ext cx="0" cy="0"/>
+          <a:chOff x="0" y="0"/>
+          <a:chExt cx="0" cy="0"/>
+        </a:xfrm>
+      </p:grpSpPr>
+      <p:sp>
+        <p:nvSpPr>
+          <p:cNvPr id="2" name="标题 1"/>
+          <p:cNvSpPr>
+            <a:spLocks noGrp="1"/>
+          </p:cNvSpPr>
+          <p:nvPr>
+            <p:ph type="title"/>
+          </p:nvPr>
+        </p:nvSpPr>
+        <p:spPr/>
+        <p:txBody>
+          <a:bodyPr/>
+          <a:lstStyle/>
+          <a:p>
+            <a:pPr algn="l"/>
+            <a:r>
+              <a:rPr lang="en-US" altLang="zh-CN" dirty="0" smtClean="0"/>
+              <a:t>14.1 </a:t>
+            </a:r>
+            <a:r>
+              <a:rPr lang="zh-CN" altLang="en-US" b="1" dirty="0" smtClean="0"/>
+              <a:t>真实世界中的对象</a:t>
+            </a:r>
+            <a:endParaRPr lang="zh-CN" altLang="en-US" dirty="0"/>
+          </a:p>
+        </p:txBody>
+      </p:sp>
+      <p:sp>
+        <p:nvSpPr>
+          <p:cNvPr id="3" name="内容占位符 2"/>
+          <p:cNvSpPr>
+            <a:spLocks noGrp="1"/>
+          </p:cNvSpPr>
+          <p:nvPr>
+            <p:ph idx="1"/>
+          </p:nvPr>
+        </p:nvSpPr>
+        <p:spPr>
+          <a:xfrm>
+            <a:off x="457200" y="1600201"/>
+            <a:ext cx="8229600" cy="4709119"/>
+          </a:xfrm>
+        </p:spPr>
+        <p:txBody>
+          <a:bodyPr>
+            <a:normAutofit fontScale="92500" lnSpcReduction="10000"/>
+          </a:bodyPr>
+          <a:lstStyle/>
+          <a:p>
+            <a:r>
+              <a:rPr lang="zh-CN" altLang="en-US" dirty="0" smtClean="0"/>
+              <a:t>在</a:t>
+            </a:r>
+            <a:r>
+              <a:rPr lang="en-US" altLang="zh-CN" dirty="0" smtClean="0"/>
+              <a:t>Python </a:t>
+            </a:r>
+            <a:r>
+              <a:rPr lang="zh-CN" altLang="en-US" dirty="0" smtClean="0"/>
+              <a:t>中定义什么是对象也可以作为一个很好的起点。拿球来举个例子。可以操作一个球，比如捡球、抛球、踢球或者充气（对于某些球来说）。我们把这些操作称为动作（</a:t>
+            </a:r>
+            <a:r>
+              <a:rPr lang="en-US" altLang="zh-CN" dirty="0" smtClean="0"/>
+              <a:t>action</a:t>
+            </a:r>
+            <a:r>
+              <a:rPr lang="zh-CN" altLang="en-US" dirty="0" smtClean="0"/>
+              <a:t>）。还可以通过指出球的颜色、大小和重量来描述一个球。这些就是球的属性（</a:t>
+            </a:r>
+            <a:r>
+              <a:rPr lang="en-US" altLang="zh-CN" dirty="0" smtClean="0"/>
+              <a:t>attribute)</a:t>
+            </a:r>
+          </a:p>
+          <a:p>
+            <a:endParaRPr lang="en-US" altLang="zh-CN" dirty="0" smtClean="0"/>
+          </a:p>
+          <a:p>
+            <a:r>
+              <a:rPr lang="zh-CN" altLang="en-US" dirty="0" smtClean="0"/>
+              <a:t>真实世界的真实对象（物体）包括两个方面。</a:t>
+            </a:r>
+            <a:endParaRPr lang="en-US" altLang="zh-CN" dirty="0" smtClean="0"/>
+          </a:p>
+          <a:p>
+            <a:pPr lvl="1"/>
+            <a:r>
+              <a:rPr lang="zh-CN" altLang="en-US" dirty="0" smtClean="0"/>
+              <a:t>可以对它们做什么（动作）。</a:t>
+            </a:r>
+          </a:p>
+          <a:p>
+            <a:pPr lvl="1"/>
+            <a:r>
+              <a:rPr lang="zh-CN" altLang="en-US" dirty="0" smtClean="0"/>
+              <a:t>如何描述（属性或特性）。</a:t>
+            </a:r>
+            <a:endParaRPr lang="zh-CN" altLang="en-US" dirty="0"/>
+          </a:p>
+        </p:txBody>
+      </p:sp>
+    </p:spTree>
+  </p:cSld>
+  <p:clrMapOvr>
+    <a:masterClrMapping/>
+  </p:clrMapOvr>
+</p:sld>
+</file>
+
+<file path=ppt/slides/slide104.xml><?xml version="1.0" encoding="utf-8"?>
+<p:sld xmlns:a="http://schemas.openxmlformats.org/drawingml/2006/main" xmlns:r="http://schemas.openxmlformats.org/officeDocument/2006/relationships" xmlns:p="http://schemas.openxmlformats.org/presentationml/2006/main">
+  <p:cSld>
+    <p:spTree>
+      <p:nvGrpSpPr>
+        <p:cNvPr id="1" name=""/>
+        <p:cNvGrpSpPr/>
+        <p:nvPr/>
+      </p:nvGrpSpPr>
+      <p:grpSpPr>
+        <a:xfrm>
+          <a:off x="0" y="0"/>
+          <a:ext cx="0" cy="0"/>
+          <a:chOff x="0" y="0"/>
+          <a:chExt cx="0" cy="0"/>
+        </a:xfrm>
+      </p:grpSpPr>
+      <p:sp>
+        <p:nvSpPr>
+          <p:cNvPr id="2" name="标题 1"/>
+          <p:cNvSpPr>
+            <a:spLocks noGrp="1"/>
+          </p:cNvSpPr>
+          <p:nvPr>
+            <p:ph type="title"/>
+          </p:nvPr>
+        </p:nvSpPr>
+        <p:spPr/>
+        <p:txBody>
+          <a:bodyPr>
+            <a:normAutofit/>
+          </a:bodyPr>
+          <a:lstStyle/>
+          <a:p>
+            <a:pPr algn="l"/>
+            <a:r>
+              <a:rPr lang="en-US" altLang="zh-CN" dirty="0" smtClean="0"/>
+              <a:t>14.2 </a:t>
+            </a:r>
+            <a:r>
+              <a:rPr lang="en-US" altLang="zh-CN" b="1" dirty="0" smtClean="0"/>
+              <a:t>Python </a:t>
+            </a:r>
+            <a:r>
+              <a:rPr lang="zh-CN" altLang="en-US" b="1" dirty="0" smtClean="0"/>
+              <a:t>中的对象</a:t>
+            </a:r>
+            <a:endParaRPr lang="zh-CN" altLang="en-US" dirty="0"/>
+          </a:p>
+        </p:txBody>
+      </p:sp>
+      <p:sp>
+        <p:nvSpPr>
+          <p:cNvPr id="3" name="内容占位符 2"/>
+          <p:cNvSpPr>
+            <a:spLocks noGrp="1"/>
+          </p:cNvSpPr>
+          <p:nvPr>
+            <p:ph idx="1"/>
+          </p:nvPr>
+        </p:nvSpPr>
+        <p:spPr/>
+        <p:txBody>
+          <a:bodyPr>
+            <a:normAutofit fontScale="85000" lnSpcReduction="20000"/>
+          </a:bodyPr>
+          <a:lstStyle/>
+          <a:p>
+            <a:r>
+              <a:rPr lang="zh-CN" altLang="en-US" dirty="0" smtClean="0"/>
+              <a:t>在</a:t>
+            </a:r>
+            <a:r>
+              <a:rPr lang="en-US" altLang="zh-CN" dirty="0" smtClean="0"/>
+              <a:t>Python </a:t>
+            </a:r>
+            <a:r>
+              <a:rPr lang="zh-CN" altLang="en-US" dirty="0" smtClean="0"/>
+              <a:t>中，一个对象的特征（或“你知道的事情”）也称为属性（</a:t>
+            </a:r>
+            <a:r>
+              <a:rPr lang="en-US" altLang="zh-CN" dirty="0" smtClean="0"/>
+              <a:t>attribute</a:t>
+            </a:r>
+            <a:r>
+              <a:rPr lang="zh-CN" altLang="en-US" dirty="0" smtClean="0"/>
+              <a:t>），这应该很好记。动作（或“能够对对象做的操作”）称为方法（</a:t>
+            </a:r>
+            <a:r>
+              <a:rPr lang="en-US" altLang="zh-CN" dirty="0" smtClean="0"/>
+              <a:t>method</a:t>
+            </a:r>
+            <a:r>
+              <a:rPr lang="zh-CN" altLang="en-US" dirty="0" smtClean="0"/>
+              <a:t>）</a:t>
+            </a:r>
+            <a:endParaRPr lang="en-US" altLang="zh-CN" dirty="0" smtClean="0"/>
+          </a:p>
+          <a:p>
+            <a:r>
+              <a:rPr lang="zh-CN" altLang="en-US" dirty="0" smtClean="0"/>
+              <a:t>球就是一个对象</a:t>
+            </a:r>
+            <a:r>
+              <a:rPr lang="en-US" altLang="zh-CN" dirty="0" smtClean="0"/>
+              <a:t>,</a:t>
+            </a:r>
+            <a:r>
+              <a:rPr lang="zh-CN" altLang="en-US" dirty="0" smtClean="0"/>
+              <a:t>属性</a:t>
+            </a:r>
+            <a:r>
+              <a:rPr lang="en-US" altLang="zh-CN" dirty="0" smtClean="0"/>
+              <a:t>:</a:t>
+            </a:r>
+          </a:p>
+          <a:p>
+            <a:pPr lvl="1">
+              <a:buNone/>
+            </a:pPr>
+            <a:r>
+              <a:rPr lang="en-US" altLang="zh-CN" dirty="0" smtClean="0"/>
+              <a:t>	</a:t>
+            </a:r>
+            <a:r>
+              <a:rPr lang="en-US" altLang="zh-CN" dirty="0" err="1" smtClean="0"/>
+              <a:t>ball.color</a:t>
+            </a:r>
+            <a:endParaRPr lang="en-US" altLang="zh-CN" dirty="0" smtClean="0"/>
+          </a:p>
+          <a:p>
+            <a:pPr lvl="1">
+              <a:buNone/>
+            </a:pPr>
+            <a:r>
+              <a:rPr lang="en-US" altLang="zh-CN" dirty="0" smtClean="0"/>
+              <a:t>	</a:t>
+            </a:r>
+            <a:r>
+              <a:rPr lang="en-US" altLang="zh-CN" dirty="0" err="1" smtClean="0"/>
+              <a:t>ball.size</a:t>
+            </a:r>
+            <a:endParaRPr lang="en-US" altLang="zh-CN" dirty="0" smtClean="0"/>
+          </a:p>
+          <a:p>
+            <a:pPr lvl="1">
+              <a:buNone/>
+            </a:pPr>
+            <a:r>
+              <a:rPr lang="en-US" altLang="zh-CN" dirty="0" smtClean="0"/>
+              <a:t>	</a:t>
+            </a:r>
+            <a:r>
+              <a:rPr lang="en-US" altLang="zh-CN" smtClean="0"/>
+              <a:t>ball.weight</a:t>
+            </a:r>
+            <a:endParaRPr lang="en-US" altLang="zh-CN" dirty="0" smtClean="0"/>
+          </a:p>
+          <a:p>
+            <a:pPr lvl="1">
+              <a:buNone/>
+            </a:pPr>
+            <a:r>
+              <a:rPr lang="zh-CN" altLang="en-US" dirty="0" smtClean="0"/>
+              <a:t>方法</a:t>
+            </a:r>
+            <a:r>
+              <a:rPr lang="en-US" altLang="zh-CN" dirty="0" smtClean="0"/>
+              <a:t>:</a:t>
+            </a:r>
+          </a:p>
+          <a:p>
+            <a:pPr lvl="1">
+              <a:buNone/>
+            </a:pPr>
+            <a:r>
+              <a:rPr lang="en-US" altLang="zh-CN" dirty="0" smtClean="0"/>
+              <a:t>	</a:t>
+            </a:r>
+            <a:r>
+              <a:rPr lang="en-US" altLang="zh-CN" dirty="0" err="1" smtClean="0"/>
+              <a:t>ball.kick</a:t>
+            </a:r>
+            <a:r>
+              <a:rPr lang="en-US" altLang="zh-CN" dirty="0" smtClean="0"/>
+              <a:t>()</a:t>
+            </a:r>
+          </a:p>
+          <a:p>
+            <a:pPr lvl="1">
+              <a:buNone/>
+            </a:pPr>
+            <a:r>
+              <a:rPr lang="en-US" altLang="zh-CN" dirty="0" smtClean="0"/>
+              <a:t>	</a:t>
+            </a:r>
+            <a:r>
+              <a:rPr lang="en-US" altLang="zh-CN" dirty="0" err="1" smtClean="0"/>
+              <a:t>ball.throw</a:t>
+            </a:r>
+            <a:r>
+              <a:rPr lang="en-US" altLang="zh-CN" dirty="0" smtClean="0"/>
+              <a:t>()</a:t>
+            </a:r>
+          </a:p>
+          <a:p>
+            <a:pPr lvl="1">
+              <a:buNone/>
+            </a:pPr>
+            <a:r>
+              <a:rPr lang="en-US" altLang="zh-CN" dirty="0" smtClean="0"/>
+              <a:t>	</a:t>
+            </a:r>
+            <a:r>
+              <a:rPr lang="en-US" altLang="zh-CN" dirty="0" err="1" smtClean="0"/>
+              <a:t>ball.inflate</a:t>
+            </a:r>
+            <a:r>
+              <a:rPr lang="en-US" altLang="zh-CN" dirty="0" smtClean="0"/>
+              <a:t>()</a:t>
+            </a:r>
+          </a:p>
+        </p:txBody>
+      </p:sp>
+    </p:spTree>
+  </p:cSld>
+  <p:clrMapOvr>
+    <a:masterClrMapping/>
+  </p:clrMapOvr>
+</p:sld>
+</file>
+
+<file path=ppt/slides/slide105.xml><?xml version="1.0" encoding="utf-8"?>
+<p:sld xmlns:a="http://schemas.openxmlformats.org/drawingml/2006/main" xmlns:r="http://schemas.openxmlformats.org/officeDocument/2006/relationships" xmlns:p="http://schemas.openxmlformats.org/presentationml/2006/main">
+  <p:cSld>
+    <p:spTree>
+      <p:nvGrpSpPr>
+        <p:cNvPr id="1" name=""/>
+        <p:cNvGrpSpPr/>
+        <p:nvPr/>
+      </p:nvGrpSpPr>
+      <p:grpSpPr>
+        <a:xfrm>
+          <a:off x="0" y="0"/>
+          <a:ext cx="0" cy="0"/>
+          <a:chOff x="0" y="0"/>
+          <a:chExt cx="0" cy="0"/>
+        </a:xfrm>
+      </p:grpSpPr>
+      <p:sp>
+        <p:nvSpPr>
+          <p:cNvPr id="2" name="标题 1"/>
+          <p:cNvSpPr>
+            <a:spLocks noGrp="1"/>
+          </p:cNvSpPr>
+          <p:nvPr>
+            <p:ph type="title"/>
+          </p:nvPr>
+        </p:nvSpPr>
+        <p:spPr/>
+        <p:txBody>
+          <a:bodyPr>
+            <a:normAutofit/>
+          </a:bodyPr>
+          <a:lstStyle/>
+          <a:p>
+            <a:pPr algn="l"/>
+            <a:r>
+              <a:rPr lang="en-US" altLang="zh-CN" dirty="0" smtClean="0"/>
+              <a:t>14.3 </a:t>
+            </a:r>
+            <a:r>
+              <a:rPr lang="zh-CN" altLang="en-US" dirty="0" smtClean="0"/>
+              <a:t>对象</a:t>
+            </a:r>
+            <a:r>
+              <a:rPr lang="en-US" altLang="zh-CN" dirty="0" smtClean="0"/>
+              <a:t>=</a:t>
+            </a:r>
+            <a:r>
+              <a:rPr lang="zh-CN" altLang="en-US" dirty="0" smtClean="0"/>
+              <a:t>属性</a:t>
+            </a:r>
+            <a:r>
+              <a:rPr lang="en-US" altLang="zh-CN" dirty="0" smtClean="0"/>
+              <a:t>+</a:t>
+            </a:r>
+            <a:r>
+              <a:rPr lang="zh-CN" altLang="en-US" dirty="0" smtClean="0"/>
+              <a:t>方法</a:t>
+            </a:r>
+            <a:endParaRPr lang="zh-CN" altLang="en-US" dirty="0"/>
+          </a:p>
+        </p:txBody>
+      </p:sp>
+      <p:sp>
+        <p:nvSpPr>
+          <p:cNvPr id="3" name="内容占位符 2"/>
+          <p:cNvSpPr>
+            <a:spLocks noGrp="1"/>
+          </p:cNvSpPr>
+          <p:nvPr>
+            <p:ph idx="1"/>
+          </p:nvPr>
+        </p:nvSpPr>
+        <p:spPr/>
+        <p:txBody>
+          <a:bodyPr/>
+          <a:lstStyle/>
+          <a:p>
+            <a:r>
+              <a:rPr lang="zh-CN" altLang="en-US" dirty="0" smtClean="0"/>
+              <a:t>所以利用对象，可以把一个东西的属性和方法（你知道的事情和你可以做的事情）收集在一起。属性是信息，方法是动作。</a:t>
+            </a:r>
+            <a:endParaRPr lang="zh-CN" altLang="en-US" dirty="0"/>
+          </a:p>
+        </p:txBody>
+      </p:sp>
+    </p:spTree>
+  </p:cSld>
+  <p:clrMapOvr>
+    <a:masterClrMapping/>
+  </p:clrMapOvr>
+</p:sld>
+</file>
+
+<file path=ppt/slides/slide106.xml><?xml version="1.0" encoding="utf-8"?>
+<p:sld xmlns:a="http://schemas.openxmlformats.org/drawingml/2006/main" xmlns:r="http://schemas.openxmlformats.org/officeDocument/2006/relationships" xmlns:p="http://schemas.openxmlformats.org/presentationml/2006/main">
+  <p:cSld>
+    <p:spTree>
+      <p:nvGrpSpPr>
+        <p:cNvPr id="1" name=""/>
+        <p:cNvGrpSpPr/>
+        <p:nvPr/>
+      </p:nvGrpSpPr>
+      <p:grpSpPr>
+        <a:xfrm>
+          <a:off x="0" y="0"/>
+          <a:ext cx="0" cy="0"/>
+          <a:chOff x="0" y="0"/>
+          <a:chExt cx="0" cy="0"/>
+        </a:xfrm>
+      </p:grpSpPr>
+      <p:sp>
+        <p:nvSpPr>
+          <p:cNvPr id="2" name="标题 1"/>
+          <p:cNvSpPr>
+            <a:spLocks noGrp="1"/>
+          </p:cNvSpPr>
+          <p:nvPr>
+            <p:ph type="title"/>
+          </p:nvPr>
+        </p:nvSpPr>
+        <p:spPr/>
+        <p:txBody>
+          <a:bodyPr/>
+          <a:lstStyle/>
+          <a:p>
+            <a:pPr algn="l"/>
+            <a:r>
+              <a:rPr lang="en-US" altLang="zh-CN" b="1" smtClean="0"/>
+              <a:t>14.4</a:t>
+            </a:r>
+            <a:r>
+              <a:rPr lang="zh-CN" altLang="en-US" b="1" smtClean="0"/>
+              <a:t>　创建对象</a:t>
+            </a:r>
+            <a:endParaRPr lang="zh-CN" altLang="en-US"/>
+          </a:p>
+        </p:txBody>
+      </p:sp>
+      <p:sp>
+        <p:nvSpPr>
+          <p:cNvPr id="3" name="内容占位符 2"/>
+          <p:cNvSpPr>
+            <a:spLocks noGrp="1"/>
+          </p:cNvSpPr>
+          <p:nvPr>
+            <p:ph idx="1"/>
+          </p:nvPr>
+        </p:nvSpPr>
+        <p:spPr/>
+        <p:txBody>
+          <a:bodyPr/>
+          <a:lstStyle/>
+          <a:p>
+            <a:r>
+              <a:rPr lang="en-US" altLang="zh-CN" dirty="0" smtClean="0"/>
+              <a:t>Python </a:t>
+            </a:r>
+            <a:r>
+              <a:rPr lang="zh-CN" altLang="en-US" dirty="0" smtClean="0"/>
+              <a:t>中创建对象包括两</a:t>
+            </a:r>
+            <a:r>
+              <a:rPr lang="zh-CN" altLang="en-US" dirty="0" smtClean="0"/>
+              <a:t>步</a:t>
+            </a:r>
+            <a:endParaRPr lang="en-US" altLang="zh-CN" dirty="0" smtClean="0"/>
+          </a:p>
+          <a:p>
+            <a:pPr lvl="1"/>
+            <a:r>
+              <a:rPr lang="zh-CN" altLang="en-US" dirty="0" smtClean="0"/>
+              <a:t>第一步是定义对象看上去</a:t>
+            </a:r>
+            <a:r>
+              <a:rPr lang="zh-CN" altLang="en-US" dirty="0" smtClean="0"/>
+              <a:t>什么样</a:t>
+            </a:r>
+            <a:r>
+              <a:rPr lang="zh-CN" altLang="en-US" dirty="0" smtClean="0"/>
+              <a:t>，会做什么，也就是它的属性</a:t>
+            </a:r>
+            <a:r>
+              <a:rPr lang="zh-CN" altLang="en-US" dirty="0" smtClean="0"/>
+              <a:t>和方法（蓝图）。</a:t>
+            </a:r>
+            <a:endParaRPr lang="en-US" altLang="zh-CN" dirty="0" smtClean="0"/>
+          </a:p>
+          <a:p>
+            <a:pPr lvl="1"/>
+            <a:r>
+              <a:rPr lang="zh-CN" altLang="en-US" dirty="0" smtClean="0"/>
+              <a:t>第二步是使用类来建立一个真正</a:t>
+            </a:r>
+            <a:r>
+              <a:rPr lang="zh-CN" altLang="en-US" dirty="0" smtClean="0"/>
+              <a:t>的对象</a:t>
+            </a:r>
+            <a:endParaRPr lang="en-US" altLang="zh-CN" dirty="0" smtClean="0"/>
+          </a:p>
+          <a:p>
+            <a:r>
+              <a:rPr lang="zh-CN" altLang="en-US" dirty="0" smtClean="0"/>
+              <a:t>见代码 </a:t>
+            </a:r>
+            <a:r>
+              <a:rPr lang="en-US" altLang="zh-CN" dirty="0" smtClean="0"/>
+              <a:t>10-1</a:t>
+            </a:r>
+          </a:p>
+          <a:p>
+            <a:endParaRPr lang="en-US" altLang="zh-CN" dirty="0" smtClean="0"/>
+          </a:p>
+          <a:p>
+            <a:r>
+              <a:rPr lang="zh-CN" altLang="en-US" dirty="0" smtClean="0"/>
+              <a:t>创建一个对象</a:t>
+            </a:r>
+            <a:r>
+              <a:rPr lang="zh-CN" altLang="en-US" dirty="0" smtClean="0"/>
+              <a:t>实例 </a:t>
+            </a:r>
+            <a:r>
+              <a:rPr lang="en-US" altLang="zh-CN" dirty="0" err="1" smtClean="0"/>
+              <a:t>myBall</a:t>
+            </a:r>
+            <a:r>
+              <a:rPr lang="en-US" altLang="zh-CN" dirty="0" smtClean="0"/>
+              <a:t> = Ball</a:t>
+            </a:r>
+            <a:r>
+              <a:rPr lang="en-US" altLang="zh-CN" dirty="0" smtClean="0"/>
+              <a:t>()</a:t>
+            </a:r>
+          </a:p>
+          <a:p>
+            <a:endParaRPr lang="en-US" altLang="zh-CN" dirty="0" smtClean="0"/>
+          </a:p>
+        </p:txBody>
+      </p:sp>
+    </p:spTree>
+  </p:cSld>
+  <p:clrMapOvr>
+    <a:masterClrMapping/>
+  </p:clrMapOvr>
+</p:sld>
+</file>
+
+<file path=ppt/slides/slide107.xml><?xml version="1.0" encoding="utf-8"?>
+<p:sld xmlns:a="http://schemas.openxmlformats.org/drawingml/2006/main" xmlns:r="http://schemas.openxmlformats.org/officeDocument/2006/relationships" xmlns:p="http://schemas.openxmlformats.org/presentationml/2006/main">
+  <p:cSld>
+    <p:spTree>
+      <p:nvGrpSpPr>
+        <p:cNvPr id="1" name=""/>
+        <p:cNvGrpSpPr/>
+        <p:nvPr/>
+      </p:nvGrpSpPr>
+      <p:grpSpPr>
+        <a:xfrm>
+          <a:off x="0" y="0"/>
+          <a:ext cx="0" cy="0"/>
+          <a:chOff x="0" y="0"/>
+          <a:chExt cx="0" cy="0"/>
+        </a:xfrm>
+      </p:grpSpPr>
+      <p:sp>
+        <p:nvSpPr>
+          <p:cNvPr id="2" name="标题 1"/>
+          <p:cNvSpPr>
+            <a:spLocks noGrp="1"/>
+          </p:cNvSpPr>
+          <p:nvPr>
+            <p:ph type="title"/>
+          </p:nvPr>
+        </p:nvSpPr>
+        <p:spPr/>
+        <p:txBody>
+          <a:bodyPr/>
+          <a:lstStyle/>
+          <a:p>
+            <a:pPr algn="l"/>
+            <a:r>
+              <a:rPr lang="en-US" altLang="zh-CN" b="1" smtClean="0"/>
+              <a:t>14.4</a:t>
+            </a:r>
+            <a:r>
+              <a:rPr lang="zh-CN" altLang="en-US" b="1" smtClean="0"/>
+              <a:t>　创建对象</a:t>
+            </a:r>
+            <a:endParaRPr lang="zh-CN" altLang="en-US"/>
+          </a:p>
+        </p:txBody>
+      </p:sp>
+      <p:sp>
+        <p:nvSpPr>
+          <p:cNvPr id="3" name="内容占位符 2"/>
+          <p:cNvSpPr>
+            <a:spLocks noGrp="1"/>
+          </p:cNvSpPr>
+          <p:nvPr>
+            <p:ph idx="1"/>
+          </p:nvPr>
+        </p:nvSpPr>
+        <p:spPr/>
+        <p:txBody>
+          <a:bodyPr>
+            <a:normAutofit/>
+          </a:bodyPr>
+          <a:lstStyle/>
+          <a:p>
+            <a:r>
+              <a:rPr lang="zh-CN" altLang="en-US" dirty="0" smtClean="0"/>
+              <a:t>初始化对象</a:t>
+            </a:r>
+            <a:endParaRPr lang="en-US" altLang="zh-CN" dirty="0" smtClean="0"/>
+          </a:p>
+          <a:p>
+            <a:pPr lvl="1"/>
+            <a:r>
+              <a:rPr lang="zh-CN" altLang="en-US" dirty="0" smtClean="0"/>
+              <a:t>初始化对象，可以在创建时设置属性</a:t>
+            </a:r>
+            <a:endParaRPr lang="en-US" altLang="zh-CN" dirty="0" smtClean="0"/>
+          </a:p>
+          <a:p>
+            <a:pPr lvl="1"/>
+            <a:r>
+              <a:rPr lang="en-US" altLang="zh-CN" dirty="0" smtClean="0"/>
+              <a:t>__init()__ </a:t>
+            </a:r>
+          </a:p>
+          <a:p>
+            <a:pPr lvl="1"/>
+            <a:r>
+              <a:rPr lang="zh-CN" altLang="en-US" dirty="0" smtClean="0"/>
+              <a:t>见代码</a:t>
+            </a:r>
+            <a:r>
+              <a:rPr lang="en-US" altLang="zh-CN" dirty="0" smtClean="0"/>
+              <a:t>10-3</a:t>
+            </a:r>
+          </a:p>
+          <a:p>
+            <a:r>
+              <a:rPr lang="zh-CN" altLang="en-US" dirty="0" smtClean="0"/>
+              <a:t>“魔法”方法</a:t>
+            </a:r>
+            <a:r>
+              <a:rPr lang="en-US" altLang="zh-CN" dirty="0" smtClean="0"/>
+              <a:t>: </a:t>
+            </a:r>
+            <a:r>
+              <a:rPr lang="en-US" altLang="zh-CN" b="1" dirty="0" smtClean="0"/>
+              <a:t>__</a:t>
+            </a:r>
+            <a:r>
+              <a:rPr lang="en-US" altLang="zh-CN" b="1" dirty="0" err="1" smtClean="0"/>
+              <a:t>str</a:t>
+            </a:r>
+            <a:r>
+              <a:rPr lang="en-US" altLang="zh-CN" b="1" dirty="0" smtClean="0"/>
+              <a:t>__()</a:t>
+            </a:r>
+          </a:p>
+          <a:p>
+            <a:pPr lvl="1"/>
+            <a:r>
+              <a:rPr lang="zh-CN" altLang="en-US" dirty="0" smtClean="0"/>
+              <a:t>这些只是在你创建类时</a:t>
+            </a:r>
+            <a:r>
+              <a:rPr lang="en-US" altLang="zh-CN" dirty="0" smtClean="0"/>
+              <a:t>Python </a:t>
+            </a:r>
+            <a:r>
+              <a:rPr lang="zh-CN" altLang="en-US" dirty="0" smtClean="0"/>
+              <a:t>自动包含的一些方法。</a:t>
+            </a:r>
+            <a:r>
+              <a:rPr lang="en-US" altLang="zh-CN" dirty="0" smtClean="0"/>
+              <a:t>Python </a:t>
+            </a:r>
+            <a:r>
+              <a:rPr lang="zh-CN" altLang="en-US" dirty="0" smtClean="0"/>
+              <a:t>程序员通常把</a:t>
+            </a:r>
+            <a:r>
+              <a:rPr lang="zh-CN" altLang="en-US" dirty="0" smtClean="0"/>
+              <a:t>它们</a:t>
+            </a:r>
+            <a:r>
+              <a:rPr lang="zh-CN" altLang="en-US" dirty="0" smtClean="0"/>
+              <a:t>叫做特殊方法（</a:t>
+            </a:r>
+            <a:r>
+              <a:rPr lang="en-US" altLang="zh-CN" dirty="0" smtClean="0"/>
+              <a:t>special method</a:t>
+            </a:r>
+            <a:r>
+              <a:rPr lang="zh-CN" altLang="en-US" dirty="0" smtClean="0"/>
+              <a:t>）</a:t>
+            </a:r>
+            <a:r>
+              <a:rPr lang="zh-CN" altLang="en-US" dirty="0" smtClean="0"/>
+              <a:t>。</a:t>
+            </a:r>
+            <a:r>
+              <a:rPr lang="zh-CN" altLang="en-US" dirty="0" smtClean="0"/>
+              <a:t>它会告诉</a:t>
+            </a:r>
+            <a:r>
+              <a:rPr lang="en-US" altLang="zh-CN" dirty="0" smtClean="0"/>
+              <a:t>Python </a:t>
+            </a:r>
+            <a:r>
+              <a:rPr lang="zh-CN" altLang="en-US" dirty="0" smtClean="0"/>
+              <a:t>打印（</a:t>
+            </a:r>
+            <a:r>
+              <a:rPr lang="en-US" altLang="zh-CN" sz="2400" dirty="0" smtClean="0"/>
+              <a:t>print</a:t>
+            </a:r>
+            <a:r>
+              <a:rPr lang="zh-CN" altLang="en-US" dirty="0" smtClean="0"/>
+              <a:t>）一个对象时</a:t>
+            </a:r>
+            <a:r>
+              <a:rPr lang="zh-CN" altLang="en-US" dirty="0" smtClean="0"/>
+              <a:t>具体</a:t>
+            </a:r>
+            <a:r>
+              <a:rPr lang="zh-CN" altLang="en-US" dirty="0" smtClean="0"/>
+              <a:t>显示什么内容。</a:t>
+            </a:r>
+            <a:endParaRPr lang="en-US" altLang="zh-CN" dirty="0" smtClean="0"/>
+          </a:p>
+        </p:txBody>
+      </p:sp>
+    </p:spTree>
+  </p:cSld>
+  <p:clrMapOvr>
+    <a:masterClrMapping/>
+  </p:clrMapOvr>
+</p:sld>
+</file>
+
+<file path=ppt/slides/slide108.xml><?xml version="1.0" encoding="utf-8"?>
+<p:sld xmlns:a="http://schemas.openxmlformats.org/drawingml/2006/main" xmlns:r="http://schemas.openxmlformats.org/officeDocument/2006/relationships" xmlns:p="http://schemas.openxmlformats.org/presentationml/2006/main">
+  <p:cSld>
+    <p:spTree>
+      <p:nvGrpSpPr>
+        <p:cNvPr id="1" name=""/>
+        <p:cNvGrpSpPr/>
+        <p:nvPr/>
+      </p:nvGrpSpPr>
+      <p:grpSpPr>
+        <a:xfrm>
+          <a:off x="0" y="0"/>
+          <a:ext cx="0" cy="0"/>
+          <a:chOff x="0" y="0"/>
+          <a:chExt cx="0" cy="0"/>
+        </a:xfrm>
+      </p:grpSpPr>
+      <p:sp>
+        <p:nvSpPr>
+          <p:cNvPr id="2" name="标题 1"/>
+          <p:cNvSpPr>
+            <a:spLocks noGrp="1"/>
+          </p:cNvSpPr>
+          <p:nvPr>
+            <p:ph type="title"/>
+          </p:nvPr>
+        </p:nvSpPr>
+        <p:spPr/>
+        <p:txBody>
+          <a:bodyPr/>
+          <a:lstStyle/>
+          <a:p>
+            <a:pPr algn="l"/>
+            <a:r>
+              <a:rPr lang="en-US" altLang="zh-CN" b="1" dirty="0" smtClean="0"/>
+              <a:t>14.5</a:t>
+            </a:r>
+            <a:r>
+              <a:rPr lang="zh-CN" altLang="en-US" b="1" dirty="0" smtClean="0"/>
+              <a:t> 隐藏</a:t>
+            </a:r>
+            <a:r>
+              <a:rPr lang="zh-CN" altLang="en-US" b="1" dirty="0" smtClean="0"/>
+              <a:t>数据</a:t>
+            </a:r>
+            <a:endParaRPr lang="zh-CN" altLang="en-US" dirty="0"/>
+          </a:p>
+        </p:txBody>
+      </p:sp>
+      <p:sp>
+        <p:nvSpPr>
+          <p:cNvPr id="3" name="内容占位符 2"/>
+          <p:cNvSpPr>
+            <a:spLocks noGrp="1"/>
+          </p:cNvSpPr>
+          <p:nvPr>
+            <p:ph idx="1"/>
+          </p:nvPr>
+        </p:nvSpPr>
+        <p:spPr/>
+        <p:txBody>
+          <a:bodyPr/>
+          <a:lstStyle/>
+          <a:p>
+            <a:r>
+              <a:rPr lang="en-US" altLang="zh-CN" dirty="0" err="1" smtClean="0"/>
+              <a:t>myDog.cooked_level</a:t>
+            </a:r>
+            <a:r>
+              <a:rPr lang="en-US" altLang="zh-CN" dirty="0" smtClean="0"/>
+              <a:t> = </a:t>
+            </a:r>
+            <a:r>
+              <a:rPr lang="en-US" altLang="zh-CN" dirty="0" smtClean="0"/>
+              <a:t>5</a:t>
+            </a:r>
+          </a:p>
+          <a:p>
+            <a:r>
+              <a:rPr lang="en-US" altLang="zh-CN" dirty="0" err="1" smtClean="0"/>
+              <a:t>myDog.cook</a:t>
+            </a:r>
+            <a:r>
+              <a:rPr lang="en-US" altLang="zh-CN" dirty="0" smtClean="0"/>
+              <a:t>(5</a:t>
+            </a:r>
+            <a:r>
+              <a:rPr lang="en-US" altLang="zh-CN" dirty="0" smtClean="0"/>
+              <a:t>)</a:t>
+            </a:r>
+          </a:p>
+          <a:p>
+            <a:r>
+              <a:rPr lang="zh-CN" altLang="en-US" dirty="0" smtClean="0"/>
+              <a:t>我可以想到至少两个原因</a:t>
+            </a:r>
+            <a:r>
+              <a:rPr lang="zh-CN" altLang="en-US" dirty="0" smtClean="0"/>
+              <a:t>。</a:t>
+            </a:r>
+            <a:endParaRPr lang="en-US" altLang="zh-CN" dirty="0" smtClean="0"/>
+          </a:p>
+          <a:p>
+            <a:pPr lvl="1"/>
+            <a:r>
+              <a:rPr lang="zh-CN" altLang="en-US" dirty="0" smtClean="0"/>
+              <a:t>如果</a:t>
+            </a:r>
+            <a:r>
+              <a:rPr lang="zh-CN" altLang="en-US" sz="2400" dirty="0" smtClean="0"/>
+              <a:t> </a:t>
+            </a:r>
+            <a:r>
+              <a:rPr lang="zh-CN" altLang="en-US" dirty="0" smtClean="0"/>
+              <a:t>直接访问属性，烤热狗至少需要两部分：改变 </a:t>
+            </a:r>
+            <a:r>
+              <a:rPr lang="en-US" altLang="zh-CN" sz="2400" dirty="0" err="1" smtClean="0"/>
+              <a:t>cooked_level</a:t>
+            </a:r>
+            <a:r>
+              <a:rPr lang="zh-CN" altLang="en-US" dirty="0" smtClean="0"/>
+              <a:t>和</a:t>
+            </a:r>
+            <a:r>
+              <a:rPr lang="zh-CN" altLang="en-US" dirty="0" smtClean="0"/>
+              <a:t>改变</a:t>
+            </a:r>
+            <a:r>
+              <a:rPr lang="en-US" altLang="zh-CN" sz="2400" dirty="0" err="1" smtClean="0"/>
+              <a:t>cooked_string</a:t>
+            </a:r>
+            <a:r>
+              <a:rPr lang="zh-CN" altLang="en-US" dirty="0" smtClean="0"/>
+              <a:t>。而利用一个方法，可以只做一个方法调用，它就会完成</a:t>
+            </a:r>
+            <a:r>
+              <a:rPr lang="zh-CN" altLang="en-US" dirty="0" smtClean="0"/>
+              <a:t>我们</a:t>
+            </a:r>
+            <a:r>
+              <a:rPr lang="zh-CN" altLang="en-US" dirty="0" smtClean="0"/>
+              <a:t>需要的一切工作</a:t>
+            </a:r>
+            <a:r>
+              <a:rPr lang="zh-CN" altLang="en-US" dirty="0" smtClean="0"/>
+              <a:t>。</a:t>
+            </a:r>
+            <a:endParaRPr lang="en-US" altLang="zh-CN" dirty="0" smtClean="0"/>
+          </a:p>
+          <a:p>
+            <a:pPr lvl="1"/>
+            <a:r>
+              <a:rPr lang="zh-CN" altLang="en-US" dirty="0" smtClean="0"/>
+              <a:t>如果直接访问属性，就会有这样的结果</a:t>
+            </a:r>
+            <a:r>
+              <a:rPr lang="zh-CN" altLang="en-US" dirty="0" smtClean="0"/>
+              <a:t>：</a:t>
+            </a:r>
+            <a:r>
+              <a:rPr lang="en-US" altLang="zh-CN" dirty="0" err="1" smtClean="0"/>
+              <a:t>cooked_level</a:t>
+            </a:r>
+            <a:r>
+              <a:rPr lang="en-US" altLang="zh-CN" dirty="0" smtClean="0"/>
+              <a:t> = </a:t>
+            </a:r>
+            <a:r>
+              <a:rPr lang="en-US" altLang="zh-CN" dirty="0" err="1" smtClean="0"/>
+              <a:t>cooked_level</a:t>
+            </a:r>
+            <a:r>
+              <a:rPr lang="en-US" altLang="zh-CN" dirty="0" smtClean="0"/>
+              <a:t> – </a:t>
+            </a:r>
+            <a:r>
+              <a:rPr lang="en-US" altLang="zh-CN" dirty="0" smtClean="0"/>
+              <a:t>2</a:t>
+            </a:r>
+          </a:p>
+          <a:p>
+            <a:pPr lvl="1">
+              <a:buNone/>
+            </a:pPr>
+            <a:endParaRPr lang="zh-CN" altLang="en-US" dirty="0"/>
+          </a:p>
+        </p:txBody>
+      </p:sp>
+    </p:spTree>
+  </p:cSld>
+  <p:clrMapOvr>
+    <a:masterClrMapping/>
+  </p:clrMapOvr>
+</p:sld>
+</file>
+
+<file path=ppt/slides/slide109.xml><?xml version="1.0" encoding="utf-8"?>
+<p:sld xmlns:a="http://schemas.openxmlformats.org/drawingml/2006/main" xmlns:r="http://schemas.openxmlformats.org/officeDocument/2006/relationships" xmlns:p="http://schemas.openxmlformats.org/presentationml/2006/main">
+  <p:cSld>
+    <p:spTree>
+      <p:nvGrpSpPr>
+        <p:cNvPr id="1" name=""/>
+        <p:cNvGrpSpPr/>
+        <p:nvPr/>
+      </p:nvGrpSpPr>
+      <p:grpSpPr>
+        <a:xfrm>
+          <a:off x="0" y="0"/>
+          <a:ext cx="0" cy="0"/>
+          <a:chOff x="0" y="0"/>
+          <a:chExt cx="0" cy="0"/>
+        </a:xfrm>
+      </p:grpSpPr>
+      <p:sp>
+        <p:nvSpPr>
+          <p:cNvPr id="2" name="标题 1"/>
+          <p:cNvSpPr>
+            <a:spLocks noGrp="1"/>
+          </p:cNvSpPr>
+          <p:nvPr>
+            <p:ph type="title"/>
+          </p:nvPr>
+        </p:nvSpPr>
+        <p:spPr/>
+        <p:txBody>
+          <a:bodyPr/>
+          <a:lstStyle/>
+          <a:p>
+            <a:pPr algn="l"/>
+            <a:r>
+              <a:rPr lang="en-US" altLang="zh-CN" b="1" dirty="0" smtClean="0"/>
+              <a:t>14.6</a:t>
+            </a:r>
+            <a:r>
+              <a:rPr lang="zh-CN" altLang="en-US" b="1" dirty="0" smtClean="0"/>
+              <a:t>　多态和继承</a:t>
+            </a:r>
+            <a:endParaRPr lang="zh-CN" altLang="en-US" dirty="0"/>
+          </a:p>
+        </p:txBody>
+      </p:sp>
+      <p:sp>
+        <p:nvSpPr>
+          <p:cNvPr id="3" name="内容占位符 2"/>
+          <p:cNvSpPr>
+            <a:spLocks noGrp="1"/>
+          </p:cNvSpPr>
+          <p:nvPr>
+            <p:ph idx="1"/>
+          </p:nvPr>
+        </p:nvSpPr>
+        <p:spPr/>
+        <p:txBody>
+          <a:bodyPr/>
+          <a:lstStyle/>
+          <a:p>
+            <a:r>
+              <a:rPr lang="zh-CN" altLang="en-US" dirty="0" smtClean="0"/>
+              <a:t>我们来看对象最为重要的两个方面：多态（</a:t>
+            </a:r>
+            <a:r>
+              <a:rPr lang="en-US" altLang="zh-CN" dirty="0" smtClean="0"/>
+              <a:t>polymorphism</a:t>
+            </a:r>
+            <a:r>
+              <a:rPr lang="zh-CN" altLang="en-US" dirty="0" smtClean="0"/>
+              <a:t>）和</a:t>
+            </a:r>
+            <a:r>
+              <a:rPr lang="zh-CN" altLang="en-US" dirty="0" smtClean="0"/>
+              <a:t>继承（</a:t>
+            </a:r>
+            <a:r>
+              <a:rPr lang="en-US" altLang="zh-CN" dirty="0" smtClean="0"/>
+              <a:t>inheritance</a:t>
+            </a:r>
+            <a:r>
+              <a:rPr lang="zh-CN" altLang="en-US" dirty="0" smtClean="0"/>
+              <a:t>）</a:t>
+            </a:r>
+            <a:endParaRPr lang="en-US" altLang="zh-CN" dirty="0" smtClean="0"/>
+          </a:p>
+          <a:p>
+            <a:pPr lvl="1"/>
+            <a:r>
+              <a:rPr lang="zh-CN" altLang="en-US" dirty="0" smtClean="0"/>
+              <a:t>多态</a:t>
+            </a:r>
+            <a:r>
+              <a:rPr lang="en-US" altLang="zh-CN" dirty="0" smtClean="0"/>
+              <a:t>—</a:t>
+            </a:r>
+            <a:r>
+              <a:rPr lang="zh-CN" altLang="en-US" dirty="0" smtClean="0"/>
+              <a:t>同一个方法，不同的</a:t>
+            </a:r>
+            <a:r>
+              <a:rPr lang="zh-CN" altLang="en-US" dirty="0" smtClean="0"/>
+              <a:t>行为</a:t>
+            </a:r>
+            <a:endParaRPr lang="en-US" altLang="zh-CN" dirty="0" smtClean="0"/>
+          </a:p>
+          <a:p>
+            <a:pPr lvl="1"/>
+            <a:r>
+              <a:rPr lang="zh-CN" altLang="en-US" dirty="0" smtClean="0"/>
+              <a:t>继承</a:t>
+            </a:r>
+            <a:r>
+              <a:rPr lang="en-US" altLang="zh-CN" dirty="0" smtClean="0"/>
+              <a:t>—</a:t>
+            </a:r>
+            <a:r>
+              <a:rPr lang="zh-CN" altLang="en-US" dirty="0" smtClean="0"/>
+              <a:t>向父母学习</a:t>
+            </a:r>
+            <a:endParaRPr lang="zh-CN" altLang="en-US" dirty="0"/>
+          </a:p>
+        </p:txBody>
+      </p:sp>
+    </p:spTree>
+  </p:cSld>
+  <p:clrMapOvr>
+    <a:masterClrMapping/>
+  </p:clrMapOvr>
 </p:sld>
 </file>
 
@@ -3608,6 +4936,1239 @@
       </p:par>
     </p:tnLst>
   </p:timing>
+</p:sld>
+</file>
+
+<file path=ppt/slides/slide110.xml><?xml version="1.0" encoding="utf-8"?>
+<p:sld xmlns:a="http://schemas.openxmlformats.org/drawingml/2006/main" xmlns:r="http://schemas.openxmlformats.org/officeDocument/2006/relationships" xmlns:p="http://schemas.openxmlformats.org/presentationml/2006/main">
+  <p:cSld>
+    <p:spTree>
+      <p:nvGrpSpPr>
+        <p:cNvPr id="1" name=""/>
+        <p:cNvGrpSpPr/>
+        <p:nvPr/>
+      </p:nvGrpSpPr>
+      <p:grpSpPr>
+        <a:xfrm>
+          <a:off x="0" y="0"/>
+          <a:ext cx="0" cy="0"/>
+          <a:chOff x="0" y="0"/>
+          <a:chExt cx="0" cy="0"/>
+        </a:xfrm>
+      </p:grpSpPr>
+      <p:sp>
+        <p:nvSpPr>
+          <p:cNvPr id="2" name="标题 1"/>
+          <p:cNvSpPr>
+            <a:spLocks noGrp="1"/>
+          </p:cNvSpPr>
+          <p:nvPr>
+            <p:ph type="title"/>
+          </p:nvPr>
+        </p:nvSpPr>
+        <p:spPr/>
+        <p:txBody>
+          <a:bodyPr/>
+          <a:lstStyle/>
+          <a:p>
+            <a:pPr algn="l"/>
+            <a:r>
+              <a:rPr lang="en-US" altLang="zh-CN" b="1" dirty="0" smtClean="0"/>
+              <a:t>14.7</a:t>
+            </a:r>
+            <a:r>
+              <a:rPr lang="zh-CN" altLang="en-US" b="1" dirty="0" smtClean="0"/>
+              <a:t>　未雨绸缪</a:t>
+            </a:r>
+            <a:endParaRPr lang="zh-CN" altLang="en-US" dirty="0"/>
+          </a:p>
+        </p:txBody>
+      </p:sp>
+      <p:sp>
+        <p:nvSpPr>
+          <p:cNvPr id="3" name="内容占位符 2"/>
+          <p:cNvSpPr>
+            <a:spLocks noGrp="1"/>
+          </p:cNvSpPr>
+          <p:nvPr>
+            <p:ph idx="1"/>
+          </p:nvPr>
+        </p:nvSpPr>
+        <p:spPr/>
+        <p:txBody>
+          <a:bodyPr/>
+          <a:lstStyle/>
+          <a:p>
+            <a:r>
+              <a:rPr lang="zh-CN" altLang="en-US" dirty="0" smtClean="0"/>
+              <a:t>程序员编写比较复杂的代码时</a:t>
+            </a:r>
+            <a:r>
+              <a:rPr lang="zh-CN" altLang="en-US" dirty="0" smtClean="0"/>
+              <a:t>通常就</a:t>
+            </a:r>
+            <a:r>
+              <a:rPr lang="zh-CN" altLang="en-US" dirty="0" smtClean="0"/>
+              <a:t>会采用这种做法来组织他们的想法。“空”函数或方法称为代码桩（</a:t>
+            </a:r>
+            <a:r>
+              <a:rPr lang="en-US" altLang="zh-CN" dirty="0" smtClean="0"/>
+              <a:t>code stub</a:t>
+            </a:r>
+            <a:r>
+              <a:rPr lang="zh-CN" altLang="en-US" dirty="0" smtClean="0"/>
+              <a:t>）</a:t>
+            </a:r>
+            <a:endParaRPr lang="en-US" altLang="zh-CN" dirty="0" smtClean="0"/>
+          </a:p>
+          <a:p>
+            <a:r>
+              <a:rPr lang="zh-CN" altLang="en-US" dirty="0" smtClean="0"/>
+              <a:t>见代码</a:t>
+            </a:r>
+            <a:endParaRPr lang="en-US" altLang="zh-CN" dirty="0" smtClean="0"/>
+          </a:p>
+          <a:p>
+            <a:endParaRPr lang="zh-CN" altLang="en-US" dirty="0"/>
+          </a:p>
+        </p:txBody>
+      </p:sp>
+    </p:spTree>
+  </p:cSld>
+  <p:clrMapOvr>
+    <a:masterClrMapping/>
+  </p:clrMapOvr>
+</p:sld>
+</file>
+
+<file path=ppt/slides/slide111.xml><?xml version="1.0" encoding="utf-8"?>
+<p:sld xmlns:a="http://schemas.openxmlformats.org/drawingml/2006/main" xmlns:r="http://schemas.openxmlformats.org/officeDocument/2006/relationships" xmlns:p="http://schemas.openxmlformats.org/presentationml/2006/main">
+  <p:cSld>
+    <p:spTree>
+      <p:nvGrpSpPr>
+        <p:cNvPr id="1" name=""/>
+        <p:cNvGrpSpPr/>
+        <p:nvPr/>
+      </p:nvGrpSpPr>
+      <p:grpSpPr>
+        <a:xfrm>
+          <a:off x="0" y="0"/>
+          <a:ext cx="0" cy="0"/>
+          <a:chOff x="0" y="0"/>
+          <a:chExt cx="0" cy="0"/>
+        </a:xfrm>
+      </p:grpSpPr>
+      <p:sp>
+        <p:nvSpPr>
+          <p:cNvPr id="2" name="标题 1"/>
+          <p:cNvSpPr>
+            <a:spLocks noGrp="1"/>
+          </p:cNvSpPr>
+          <p:nvPr>
+            <p:ph type="title"/>
+          </p:nvPr>
+        </p:nvSpPr>
+        <p:spPr/>
+        <p:txBody>
+          <a:bodyPr/>
+          <a:lstStyle/>
+          <a:p>
+            <a:pPr algn="l"/>
+            <a:r>
+              <a:rPr lang="zh-CN" altLang="en-US" dirty="0" smtClean="0"/>
+              <a:t>测试题</a:t>
+            </a:r>
+            <a:endParaRPr lang="zh-CN" altLang="en-US" dirty="0"/>
+          </a:p>
+        </p:txBody>
+      </p:sp>
+      <p:sp>
+        <p:nvSpPr>
+          <p:cNvPr id="3" name="内容占位符 2"/>
+          <p:cNvSpPr>
+            <a:spLocks noGrp="1"/>
+          </p:cNvSpPr>
+          <p:nvPr>
+            <p:ph idx="1"/>
+          </p:nvPr>
+        </p:nvSpPr>
+        <p:spPr/>
+        <p:txBody>
+          <a:bodyPr/>
+          <a:lstStyle/>
+          <a:p>
+            <a:r>
+              <a:rPr lang="en-US" altLang="zh-CN" dirty="0" smtClean="0"/>
+              <a:t>1. </a:t>
+            </a:r>
+            <a:r>
+              <a:rPr lang="zh-CN" altLang="en-US" dirty="0" smtClean="0"/>
+              <a:t>定义一个新的对象 类型时用什么关键字？</a:t>
+            </a:r>
+          </a:p>
+          <a:p>
+            <a:r>
+              <a:rPr lang="en-US" altLang="zh-CN" dirty="0" smtClean="0"/>
+              <a:t>2. </a:t>
+            </a:r>
+            <a:r>
+              <a:rPr lang="zh-CN" altLang="en-US" dirty="0" smtClean="0"/>
+              <a:t>什么是属性？</a:t>
+            </a:r>
+          </a:p>
+          <a:p>
+            <a:r>
+              <a:rPr lang="en-US" altLang="zh-CN" dirty="0" smtClean="0"/>
+              <a:t>3. </a:t>
+            </a:r>
+            <a:r>
+              <a:rPr lang="zh-CN" altLang="en-US" dirty="0" smtClean="0"/>
+              <a:t>什么是方法？</a:t>
+            </a:r>
+          </a:p>
+          <a:p>
+            <a:r>
+              <a:rPr lang="en-US" altLang="zh-CN" dirty="0" smtClean="0"/>
+              <a:t>4. </a:t>
+            </a:r>
+            <a:r>
+              <a:rPr lang="zh-CN" altLang="en-US" dirty="0" smtClean="0"/>
+              <a:t>类和实例之间有什么区别？</a:t>
+            </a:r>
+          </a:p>
+          <a:p>
+            <a:r>
+              <a:rPr lang="en-US" altLang="zh-CN" dirty="0" smtClean="0"/>
+              <a:t>5. </a:t>
+            </a:r>
+            <a:r>
+              <a:rPr lang="zh-CN" altLang="en-US" dirty="0" smtClean="0"/>
+              <a:t>方法中实例引用通常用什么名字？</a:t>
+            </a:r>
+          </a:p>
+          <a:p>
+            <a:r>
+              <a:rPr lang="en-US" altLang="zh-CN" dirty="0" smtClean="0"/>
+              <a:t>6. </a:t>
+            </a:r>
+            <a:r>
+              <a:rPr lang="zh-CN" altLang="en-US" dirty="0" smtClean="0"/>
+              <a:t>什么是多态？</a:t>
+            </a:r>
+          </a:p>
+          <a:p>
+            <a:r>
+              <a:rPr lang="en-US" altLang="zh-CN" dirty="0" smtClean="0"/>
+              <a:t>7. </a:t>
+            </a:r>
+            <a:r>
+              <a:rPr lang="zh-CN" altLang="en-US" dirty="0" smtClean="0"/>
+              <a:t>什么是继承？</a:t>
+            </a:r>
+            <a:endParaRPr lang="zh-CN" altLang="en-US" dirty="0"/>
+          </a:p>
+        </p:txBody>
+      </p:sp>
+    </p:spTree>
+  </p:cSld>
+  <p:clrMapOvr>
+    <a:masterClrMapping/>
+  </p:clrMapOvr>
+</p:sld>
+</file>
+
+<file path=ppt/slides/slide112.xml><?xml version="1.0" encoding="utf-8"?>
+<p:sld xmlns:a="http://schemas.openxmlformats.org/drawingml/2006/main" xmlns:r="http://schemas.openxmlformats.org/officeDocument/2006/relationships" xmlns:p="http://schemas.openxmlformats.org/presentationml/2006/main">
+  <p:cSld>
+    <p:spTree>
+      <p:nvGrpSpPr>
+        <p:cNvPr id="1" name=""/>
+        <p:cNvGrpSpPr/>
+        <p:nvPr/>
+      </p:nvGrpSpPr>
+      <p:grpSpPr>
+        <a:xfrm>
+          <a:off x="0" y="0"/>
+          <a:ext cx="0" cy="0"/>
+          <a:chOff x="0" y="0"/>
+          <a:chExt cx="0" cy="0"/>
+        </a:xfrm>
+      </p:grpSpPr>
+      <p:sp>
+        <p:nvSpPr>
+          <p:cNvPr id="2" name="标题 1"/>
+          <p:cNvSpPr>
+            <a:spLocks noGrp="1"/>
+          </p:cNvSpPr>
+          <p:nvPr>
+            <p:ph type="title"/>
+          </p:nvPr>
+        </p:nvSpPr>
+        <p:spPr/>
+        <p:txBody>
+          <a:bodyPr/>
+          <a:lstStyle/>
+          <a:p>
+            <a:pPr algn="l"/>
+            <a:r>
+              <a:rPr lang="zh-CN" altLang="en-US" dirty="0" smtClean="0"/>
+              <a:t>动手试一试</a:t>
+            </a:r>
+            <a:endParaRPr lang="zh-CN" altLang="en-US" dirty="0"/>
+          </a:p>
+        </p:txBody>
+      </p:sp>
+      <p:sp>
+        <p:nvSpPr>
+          <p:cNvPr id="3" name="内容占位符 2"/>
+          <p:cNvSpPr>
+            <a:spLocks noGrp="1"/>
+          </p:cNvSpPr>
+          <p:nvPr>
+            <p:ph idx="1"/>
+          </p:nvPr>
+        </p:nvSpPr>
+        <p:spPr/>
+        <p:txBody>
+          <a:bodyPr>
+            <a:normAutofit fontScale="92500" lnSpcReduction="20000"/>
+          </a:bodyPr>
+          <a:lstStyle/>
+          <a:p>
+            <a:r>
+              <a:rPr lang="en-US" altLang="zh-CN" dirty="0" smtClean="0"/>
+              <a:t>1. </a:t>
+            </a:r>
+            <a:r>
+              <a:rPr lang="zh-CN" altLang="en-US" dirty="0" smtClean="0"/>
+              <a:t>为</a:t>
+            </a:r>
+            <a:r>
+              <a:rPr lang="en-US" altLang="zh-CN" dirty="0" err="1" smtClean="0"/>
+              <a:t>BankAccount</a:t>
+            </a:r>
+            <a:r>
+              <a:rPr lang="en-US" altLang="zh-CN" dirty="0" smtClean="0"/>
+              <a:t> </a:t>
+            </a:r>
+            <a:r>
+              <a:rPr lang="zh-CN" altLang="en-US" dirty="0" smtClean="0"/>
+              <a:t>建立一个类定义。它应该有一些属性，包括账户名（一个</a:t>
+            </a:r>
+            <a:r>
+              <a:rPr lang="zh-CN" altLang="en-US" dirty="0" smtClean="0"/>
+              <a:t>字符串</a:t>
+            </a:r>
+            <a:r>
+              <a:rPr lang="zh-CN" altLang="en-US" dirty="0" smtClean="0"/>
+              <a:t>）、账号（一个字符串或整数）和余额（一个浮点数），另外还要</a:t>
+            </a:r>
+            <a:r>
+              <a:rPr lang="zh-CN" altLang="en-US" dirty="0" smtClean="0"/>
+              <a:t>有一些方法</a:t>
+            </a:r>
+            <a:r>
+              <a:rPr lang="zh-CN" altLang="en-US" dirty="0" smtClean="0"/>
+              <a:t>显示余额、存钱和取钱</a:t>
+            </a:r>
+            <a:r>
+              <a:rPr lang="zh-CN" altLang="en-US" dirty="0" smtClean="0"/>
+              <a:t>。</a:t>
+            </a:r>
+            <a:endParaRPr lang="en-US" altLang="zh-CN" dirty="0" smtClean="0"/>
+          </a:p>
+          <a:p>
+            <a:r>
+              <a:rPr lang="en-US" altLang="zh-CN" dirty="0" smtClean="0"/>
+              <a:t>2. </a:t>
+            </a:r>
+            <a:r>
+              <a:rPr lang="zh-CN" altLang="en-US" dirty="0" smtClean="0"/>
+              <a:t>建立一个可以挣利息的类，名为</a:t>
+            </a:r>
+            <a:r>
+              <a:rPr lang="en-US" altLang="zh-CN" dirty="0" err="1" smtClean="0"/>
+              <a:t>InterestAccount</a:t>
+            </a:r>
+            <a:r>
+              <a:rPr lang="zh-CN" altLang="en-US" dirty="0" smtClean="0"/>
+              <a:t>。这应当是</a:t>
+            </a:r>
+            <a:r>
+              <a:rPr lang="en-US" altLang="zh-CN" dirty="0" err="1" smtClean="0"/>
+              <a:t>BankAccount</a:t>
+            </a:r>
+            <a:r>
+              <a:rPr lang="zh-CN" altLang="en-US" dirty="0" smtClean="0"/>
+              <a:t>的</a:t>
+            </a:r>
+            <a:r>
+              <a:rPr lang="zh-CN" altLang="en-US" dirty="0" smtClean="0"/>
+              <a:t>一个子类（所以会继承</a:t>
+            </a:r>
+            <a:r>
+              <a:rPr lang="en-US" altLang="zh-CN" dirty="0" err="1" smtClean="0"/>
+              <a:t>BankAccount</a:t>
+            </a:r>
+            <a:r>
+              <a:rPr lang="en-US" altLang="zh-CN" dirty="0" smtClean="0"/>
+              <a:t> </a:t>
+            </a:r>
+            <a:r>
+              <a:rPr lang="zh-CN" altLang="en-US" dirty="0" smtClean="0"/>
+              <a:t>的属性和方法）。</a:t>
+            </a:r>
+            <a:r>
+              <a:rPr lang="en-US" altLang="zh-CN" dirty="0" err="1" smtClean="0"/>
+              <a:t>InterestAccount</a:t>
+            </a:r>
+            <a:r>
+              <a:rPr lang="zh-CN" altLang="en-US" dirty="0" smtClean="0"/>
+              <a:t>还</a:t>
+            </a:r>
+            <a:r>
+              <a:rPr lang="zh-CN" altLang="en-US" dirty="0" smtClean="0"/>
+              <a:t>应当有一个对应利息率的属性，另外有一个方法来增加利息。为了力求</a:t>
+            </a:r>
+            <a:r>
+              <a:rPr lang="zh-CN" altLang="en-US" dirty="0" smtClean="0"/>
+              <a:t>简单</a:t>
+            </a:r>
+            <a:r>
+              <a:rPr lang="zh-CN" altLang="en-US" dirty="0" smtClean="0"/>
+              <a:t>，假设每年会调用一次</a:t>
+            </a:r>
+            <a:r>
+              <a:rPr lang="en-US" altLang="zh-CN" dirty="0" err="1" smtClean="0"/>
+              <a:t>addInterest</a:t>
+            </a:r>
+            <a:r>
+              <a:rPr lang="en-US" altLang="zh-CN" dirty="0" smtClean="0"/>
+              <a:t>() </a:t>
+            </a:r>
+            <a:r>
+              <a:rPr lang="zh-CN" altLang="en-US" dirty="0" smtClean="0"/>
+              <a:t>方法计算利息并更新余额</a:t>
+            </a:r>
+            <a:endParaRPr lang="zh-CN" altLang="en-US" dirty="0"/>
+          </a:p>
+        </p:txBody>
+      </p:sp>
+    </p:spTree>
+  </p:cSld>
+  <p:clrMapOvr>
+    <a:masterClrMapping/>
+  </p:clrMapOvr>
+</p:sld>
+</file>
+
+<file path=ppt/slides/slide113.xml><?xml version="1.0" encoding="utf-8"?>
+<p:sld xmlns:a="http://schemas.openxmlformats.org/drawingml/2006/main" xmlns:r="http://schemas.openxmlformats.org/officeDocument/2006/relationships" xmlns:p="http://schemas.openxmlformats.org/presentationml/2006/main">
+  <p:cSld>
+    <p:spTree>
+      <p:nvGrpSpPr>
+        <p:cNvPr id="1" name=""/>
+        <p:cNvGrpSpPr/>
+        <p:nvPr/>
+      </p:nvGrpSpPr>
+      <p:grpSpPr>
+        <a:xfrm>
+          <a:off x="0" y="0"/>
+          <a:ext cx="0" cy="0"/>
+          <a:chOff x="0" y="0"/>
+          <a:chExt cx="0" cy="0"/>
+        </a:xfrm>
+      </p:grpSpPr>
+      <p:sp>
+        <p:nvSpPr>
+          <p:cNvPr id="2" name="标题 1"/>
+          <p:cNvSpPr>
+            <a:spLocks noGrp="1"/>
+          </p:cNvSpPr>
+          <p:nvPr>
+            <p:ph type="title"/>
+          </p:nvPr>
+        </p:nvSpPr>
+        <p:spPr/>
+        <p:txBody>
+          <a:bodyPr/>
+          <a:lstStyle/>
+          <a:p>
+            <a:pPr algn="l"/>
+            <a:r>
+              <a:rPr lang="en-US" altLang="zh-CN" dirty="0" smtClean="0"/>
+              <a:t>15 </a:t>
+            </a:r>
+            <a:r>
+              <a:rPr lang="zh-CN" altLang="en-US" dirty="0" smtClean="0"/>
+              <a:t>模块</a:t>
+            </a:r>
+            <a:endParaRPr lang="zh-CN" altLang="en-US" dirty="0"/>
+          </a:p>
+        </p:txBody>
+      </p:sp>
+      <p:sp>
+        <p:nvSpPr>
+          <p:cNvPr id="3" name="内容占位符 2"/>
+          <p:cNvSpPr>
+            <a:spLocks noGrp="1"/>
+          </p:cNvSpPr>
+          <p:nvPr>
+            <p:ph idx="1"/>
+          </p:nvPr>
+        </p:nvSpPr>
+        <p:spPr/>
+        <p:txBody>
+          <a:bodyPr/>
+          <a:lstStyle/>
+          <a:p>
+            <a:endParaRPr lang="zh-CN" altLang="en-US"/>
+          </a:p>
+        </p:txBody>
+      </p:sp>
+    </p:spTree>
+  </p:cSld>
+  <p:clrMapOvr>
+    <a:masterClrMapping/>
+  </p:clrMapOvr>
+</p:sld>
+</file>
+
+<file path=ppt/slides/slide114.xml><?xml version="1.0" encoding="utf-8"?>
+<p:sld xmlns:a="http://schemas.openxmlformats.org/drawingml/2006/main" xmlns:r="http://schemas.openxmlformats.org/officeDocument/2006/relationships" xmlns:p="http://schemas.openxmlformats.org/presentationml/2006/main">
+  <p:cSld>
+    <p:spTree>
+      <p:nvGrpSpPr>
+        <p:cNvPr id="1" name=""/>
+        <p:cNvGrpSpPr/>
+        <p:nvPr/>
+      </p:nvGrpSpPr>
+      <p:grpSpPr>
+        <a:xfrm>
+          <a:off x="0" y="0"/>
+          <a:ext cx="0" cy="0"/>
+          <a:chOff x="0" y="0"/>
+          <a:chExt cx="0" cy="0"/>
+        </a:xfrm>
+      </p:grpSpPr>
+      <p:sp>
+        <p:nvSpPr>
+          <p:cNvPr id="2" name="标题 1"/>
+          <p:cNvSpPr>
+            <a:spLocks noGrp="1"/>
+          </p:cNvSpPr>
+          <p:nvPr>
+            <p:ph type="title"/>
+          </p:nvPr>
+        </p:nvSpPr>
+        <p:spPr/>
+        <p:txBody>
+          <a:bodyPr/>
+          <a:lstStyle/>
+          <a:p>
+            <a:pPr algn="l"/>
+            <a:r>
+              <a:rPr lang="en-US" altLang="zh-CN" b="1" dirty="0" smtClean="0"/>
+              <a:t>15.1</a:t>
+            </a:r>
+            <a:r>
+              <a:rPr lang="zh-CN" altLang="en-US" b="1" dirty="0" smtClean="0"/>
+              <a:t> 什么</a:t>
+            </a:r>
+            <a:r>
+              <a:rPr lang="zh-CN" altLang="en-US" b="1" dirty="0" smtClean="0"/>
+              <a:t>是模块</a:t>
+            </a:r>
+            <a:endParaRPr lang="zh-CN" altLang="en-US" dirty="0"/>
+          </a:p>
+        </p:txBody>
+      </p:sp>
+      <p:sp>
+        <p:nvSpPr>
+          <p:cNvPr id="3" name="内容占位符 2"/>
+          <p:cNvSpPr>
+            <a:spLocks noGrp="1"/>
+          </p:cNvSpPr>
+          <p:nvPr>
+            <p:ph idx="1"/>
+          </p:nvPr>
+        </p:nvSpPr>
+        <p:spPr/>
+        <p:txBody>
+          <a:bodyPr/>
+          <a:lstStyle/>
+          <a:p>
+            <a:r>
+              <a:rPr lang="zh-CN" altLang="en-US" dirty="0" smtClean="0"/>
+              <a:t>模块就是某个东西的一部分。如果一个东西可以分为几部分，或者你可以很</a:t>
+            </a:r>
+            <a:r>
+              <a:rPr lang="zh-CN" altLang="en-US" dirty="0" smtClean="0"/>
+              <a:t>容易</a:t>
+            </a:r>
+            <a:r>
+              <a:rPr lang="zh-CN" altLang="en-US" dirty="0" smtClean="0"/>
+              <a:t>地把它分解成多个不同部分，我们就说这个东西是</a:t>
+            </a:r>
+            <a:r>
+              <a:rPr lang="zh-CN" altLang="en-US" dirty="0" smtClean="0"/>
+              <a:t>模块化的。</a:t>
+            </a:r>
+            <a:endParaRPr lang="en-US" altLang="zh-CN" dirty="0" smtClean="0"/>
+          </a:p>
+          <a:p>
+            <a:r>
+              <a:rPr lang="zh-CN" altLang="en-US" dirty="0" smtClean="0"/>
+              <a:t>在</a:t>
+            </a:r>
+            <a:r>
+              <a:rPr lang="en-US" altLang="zh-CN" dirty="0" smtClean="0"/>
+              <a:t>Python </a:t>
+            </a:r>
+            <a:r>
+              <a:rPr lang="zh-CN" altLang="en-US" dirty="0" smtClean="0"/>
+              <a:t>中，模块（</a:t>
+            </a:r>
+            <a:r>
+              <a:rPr lang="en-US" altLang="zh-CN" dirty="0" smtClean="0"/>
+              <a:t>module</a:t>
+            </a:r>
+            <a:r>
+              <a:rPr lang="zh-CN" altLang="en-US" dirty="0" smtClean="0"/>
+              <a:t>）是</a:t>
+            </a:r>
+            <a:r>
+              <a:rPr lang="zh-CN" altLang="en-US" dirty="0" smtClean="0"/>
+              <a:t>包含</a:t>
+            </a:r>
+            <a:r>
+              <a:rPr lang="zh-CN" altLang="en-US" dirty="0" smtClean="0"/>
+              <a:t>在一个更大程序中的类似的部分。</a:t>
+            </a:r>
+            <a:r>
+              <a:rPr lang="zh-CN" altLang="en-US" dirty="0" smtClean="0"/>
+              <a:t>每个模块</a:t>
+            </a:r>
+            <a:r>
+              <a:rPr lang="zh-CN" altLang="en-US" dirty="0" smtClean="0"/>
+              <a:t>或部分都是硬盘上的一个单独的文件</a:t>
+            </a:r>
+            <a:endParaRPr lang="zh-CN" altLang="en-US" dirty="0"/>
+          </a:p>
+        </p:txBody>
+      </p:sp>
+    </p:spTree>
+  </p:cSld>
+  <p:clrMapOvr>
+    <a:masterClrMapping/>
+  </p:clrMapOvr>
+</p:sld>
+</file>
+
+<file path=ppt/slides/slide115.xml><?xml version="1.0" encoding="utf-8"?>
+<p:sld xmlns:a="http://schemas.openxmlformats.org/drawingml/2006/main" xmlns:r="http://schemas.openxmlformats.org/officeDocument/2006/relationships" xmlns:p="http://schemas.openxmlformats.org/presentationml/2006/main">
+  <p:cSld>
+    <p:spTree>
+      <p:nvGrpSpPr>
+        <p:cNvPr id="1" name=""/>
+        <p:cNvGrpSpPr/>
+        <p:nvPr/>
+      </p:nvGrpSpPr>
+      <p:grpSpPr>
+        <a:xfrm>
+          <a:off x="0" y="0"/>
+          <a:ext cx="0" cy="0"/>
+          <a:chOff x="0" y="0"/>
+          <a:chExt cx="0" cy="0"/>
+        </a:xfrm>
+      </p:grpSpPr>
+      <p:sp>
+        <p:nvSpPr>
+          <p:cNvPr id="2" name="标题 1"/>
+          <p:cNvSpPr>
+            <a:spLocks noGrp="1"/>
+          </p:cNvSpPr>
+          <p:nvPr>
+            <p:ph type="title"/>
+          </p:nvPr>
+        </p:nvSpPr>
+        <p:spPr/>
+        <p:txBody>
+          <a:bodyPr/>
+          <a:lstStyle/>
+          <a:p>
+            <a:pPr algn="l"/>
+            <a:r>
+              <a:rPr lang="en-US" altLang="zh-CN" b="1" dirty="0" smtClean="0"/>
+              <a:t>15.2</a:t>
+            </a:r>
+            <a:r>
+              <a:rPr lang="zh-CN" altLang="en-US" b="1" dirty="0" smtClean="0"/>
+              <a:t> 为什么</a:t>
+            </a:r>
+            <a:r>
+              <a:rPr lang="zh-CN" altLang="en-US" b="1" dirty="0" smtClean="0"/>
+              <a:t>使用模块</a:t>
+            </a:r>
+            <a:endParaRPr lang="zh-CN" altLang="en-US" dirty="0"/>
+          </a:p>
+        </p:txBody>
+      </p:sp>
+      <p:sp>
+        <p:nvSpPr>
+          <p:cNvPr id="3" name="内容占位符 2"/>
+          <p:cNvSpPr>
+            <a:spLocks noGrp="1"/>
+          </p:cNvSpPr>
+          <p:nvPr>
+            <p:ph idx="1"/>
+          </p:nvPr>
+        </p:nvSpPr>
+        <p:spPr/>
+        <p:txBody>
+          <a:bodyPr>
+            <a:normAutofit lnSpcReduction="10000"/>
+          </a:bodyPr>
+          <a:lstStyle/>
+          <a:p>
+            <a:r>
+              <a:rPr lang="zh-CN" altLang="en-US" dirty="0" smtClean="0"/>
+              <a:t>这样做文件会更小，因而就能更容易地查找代码</a:t>
+            </a:r>
+            <a:r>
+              <a:rPr lang="zh-CN" altLang="en-US" dirty="0" smtClean="0"/>
+              <a:t>。</a:t>
+            </a:r>
+            <a:endParaRPr lang="en-US" altLang="zh-CN" dirty="0" smtClean="0"/>
+          </a:p>
+          <a:p>
+            <a:r>
+              <a:rPr lang="zh-CN" altLang="en-US" dirty="0" smtClean="0"/>
+              <a:t>一旦创建模块，这个模块就能在很多程序中使用。这样下一次需要相同的</a:t>
+            </a:r>
+            <a:r>
+              <a:rPr lang="zh-CN" altLang="en-US" dirty="0" smtClean="0"/>
+              <a:t>功</a:t>
+            </a:r>
+            <a:r>
+              <a:rPr lang="zh-CN" altLang="en-US" dirty="0" smtClean="0"/>
+              <a:t>能时就不必再从头开始了</a:t>
+            </a:r>
+            <a:r>
+              <a:rPr lang="zh-CN" altLang="en-US" dirty="0" smtClean="0"/>
+              <a:t>。</a:t>
+            </a:r>
+            <a:endParaRPr lang="en-US" altLang="zh-CN" dirty="0" smtClean="0"/>
+          </a:p>
+          <a:p>
+            <a:r>
+              <a:rPr lang="zh-CN" altLang="en-US" dirty="0" smtClean="0"/>
+              <a:t>并不是所有模块都要使用。模 块化意味着你可以使用各部分的不同组合来</a:t>
+            </a:r>
+            <a:r>
+              <a:rPr lang="zh-CN" altLang="en-US" dirty="0" smtClean="0"/>
+              <a:t>完成</a:t>
+            </a:r>
+            <a:r>
+              <a:rPr lang="zh-CN" altLang="en-US" dirty="0" smtClean="0"/>
+              <a:t>不同的任务，就像利用同样的一组乐高积木可以搭建不同的东西一样。</a:t>
+            </a:r>
+            <a:endParaRPr lang="zh-CN" altLang="en-US" dirty="0"/>
+          </a:p>
+        </p:txBody>
+      </p:sp>
+    </p:spTree>
+  </p:cSld>
+  <p:clrMapOvr>
+    <a:masterClrMapping/>
+  </p:clrMapOvr>
+</p:sld>
+</file>
+
+<file path=ppt/slides/slide116.xml><?xml version="1.0" encoding="utf-8"?>
+<p:sld xmlns:a="http://schemas.openxmlformats.org/drawingml/2006/main" xmlns:r="http://schemas.openxmlformats.org/officeDocument/2006/relationships" xmlns:p="http://schemas.openxmlformats.org/presentationml/2006/main">
+  <p:cSld>
+    <p:spTree>
+      <p:nvGrpSpPr>
+        <p:cNvPr id="1" name=""/>
+        <p:cNvGrpSpPr/>
+        <p:nvPr/>
+      </p:nvGrpSpPr>
+      <p:grpSpPr>
+        <a:xfrm>
+          <a:off x="0" y="0"/>
+          <a:ext cx="0" cy="0"/>
+          <a:chOff x="0" y="0"/>
+          <a:chExt cx="0" cy="0"/>
+        </a:xfrm>
+      </p:grpSpPr>
+      <p:sp>
+        <p:nvSpPr>
+          <p:cNvPr id="2" name="标题 1"/>
+          <p:cNvSpPr>
+            <a:spLocks noGrp="1"/>
+          </p:cNvSpPr>
+          <p:nvPr>
+            <p:ph type="title"/>
+          </p:nvPr>
+        </p:nvSpPr>
+        <p:spPr/>
+        <p:txBody>
+          <a:bodyPr/>
+          <a:lstStyle/>
+          <a:p>
+            <a:pPr algn="l"/>
+            <a:r>
+              <a:rPr lang="en-US" altLang="zh-CN" dirty="0" smtClean="0"/>
+              <a:t>15.3 </a:t>
+            </a:r>
+            <a:r>
+              <a:rPr lang="zh-CN" altLang="en-US" dirty="0" smtClean="0"/>
+              <a:t>积木桶</a:t>
+            </a:r>
+            <a:endParaRPr lang="zh-CN" altLang="en-US" dirty="0"/>
+          </a:p>
+        </p:txBody>
+      </p:sp>
+      <p:sp>
+        <p:nvSpPr>
+          <p:cNvPr id="3" name="内容占位符 2"/>
+          <p:cNvSpPr>
+            <a:spLocks noGrp="1"/>
+          </p:cNvSpPr>
+          <p:nvPr>
+            <p:ph idx="1"/>
+          </p:nvPr>
+        </p:nvSpPr>
+        <p:spPr>
+          <a:xfrm>
+            <a:off x="457200" y="1600201"/>
+            <a:ext cx="8229600" cy="2044824"/>
+          </a:xfrm>
+        </p:spPr>
+        <p:txBody>
+          <a:bodyPr>
+            <a:normAutofit fontScale="77500" lnSpcReduction="20000"/>
+          </a:bodyPr>
+          <a:lstStyle/>
+          <a:p>
+            <a:r>
+              <a:rPr lang="zh-CN" altLang="en-US" dirty="0" smtClean="0"/>
+              <a:t>我们说过函数就像积木，那么模块可以认为是一桶</a:t>
+            </a:r>
+            <a:r>
+              <a:rPr lang="zh-CN" altLang="en-US" dirty="0" smtClean="0"/>
+              <a:t>积木</a:t>
+            </a:r>
+            <a:r>
+              <a:rPr lang="zh-CN" altLang="en-US" dirty="0" smtClean="0"/>
+              <a:t>。根据需要，你可以从一个桶中取很多或者很少的积木，也可以有很多桶不同</a:t>
+            </a:r>
+            <a:r>
+              <a:rPr lang="zh-CN" altLang="en-US" dirty="0" smtClean="0"/>
+              <a:t>的积木</a:t>
+            </a:r>
+            <a:r>
+              <a:rPr lang="zh-CN" altLang="en-US" dirty="0" smtClean="0"/>
+              <a:t>。也许有一桶正方形积木，一桶长方形积木</a:t>
+            </a:r>
+            <a:r>
+              <a:rPr lang="en-US" altLang="zh-CN" dirty="0" smtClean="0"/>
+              <a:t>, </a:t>
+            </a:r>
+            <a:r>
+              <a:rPr lang="zh-CN" altLang="en-US" dirty="0" smtClean="0"/>
+              <a:t>还有一桶奇形怪状的积木。</a:t>
+            </a:r>
+            <a:r>
+              <a:rPr lang="zh-CN" altLang="en-US" dirty="0" smtClean="0"/>
+              <a:t>程序员通常</a:t>
+            </a:r>
+            <a:r>
+              <a:rPr lang="zh-CN" altLang="en-US" dirty="0" smtClean="0"/>
+              <a:t>也采用这种方法来使用模块，也就是说，他们会把类似的函数收集在一个</a:t>
+            </a:r>
+            <a:r>
+              <a:rPr lang="zh-CN" altLang="en-US" dirty="0" smtClean="0"/>
+              <a:t>模块中。</a:t>
+            </a:r>
+            <a:endParaRPr lang="zh-CN" altLang="en-US" dirty="0"/>
+          </a:p>
+        </p:txBody>
+      </p:sp>
+      <p:pic>
+        <p:nvPicPr>
+          <p:cNvPr id="1026" name="Picture 2"/>
+          <p:cNvPicPr>
+            <a:picLocks noChangeAspect="1" noChangeArrowheads="1"/>
+          </p:cNvPicPr>
+          <p:nvPr/>
+        </p:nvPicPr>
+        <p:blipFill>
+          <a:blip r:embed="rId2" cstate="print"/>
+          <a:srcRect/>
+          <a:stretch>
+            <a:fillRect/>
+          </a:stretch>
+        </p:blipFill>
+        <p:spPr bwMode="auto">
+          <a:xfrm>
+            <a:off x="1043608" y="3933056"/>
+            <a:ext cx="7227887" cy="2143125"/>
+          </a:xfrm>
+          <a:prstGeom prst="rect">
+            <a:avLst/>
+          </a:prstGeom>
+          <a:noFill/>
+          <a:ln w="9525">
+            <a:noFill/>
+            <a:miter lim="800000"/>
+            <a:headEnd/>
+            <a:tailEnd/>
+          </a:ln>
+        </p:spPr>
+      </p:pic>
+    </p:spTree>
+  </p:cSld>
+  <p:clrMapOvr>
+    <a:masterClrMapping/>
+  </p:clrMapOvr>
+</p:sld>
+</file>
+
+<file path=ppt/slides/slide117.xml><?xml version="1.0" encoding="utf-8"?>
+<p:sld xmlns:a="http://schemas.openxmlformats.org/drawingml/2006/main" xmlns:r="http://schemas.openxmlformats.org/officeDocument/2006/relationships" xmlns:p="http://schemas.openxmlformats.org/presentationml/2006/main">
+  <p:cSld>
+    <p:spTree>
+      <p:nvGrpSpPr>
+        <p:cNvPr id="1" name=""/>
+        <p:cNvGrpSpPr/>
+        <p:nvPr/>
+      </p:nvGrpSpPr>
+      <p:grpSpPr>
+        <a:xfrm>
+          <a:off x="0" y="0"/>
+          <a:ext cx="0" cy="0"/>
+          <a:chOff x="0" y="0"/>
+          <a:chExt cx="0" cy="0"/>
+        </a:xfrm>
+      </p:grpSpPr>
+      <p:sp>
+        <p:nvSpPr>
+          <p:cNvPr id="2" name="标题 1"/>
+          <p:cNvSpPr>
+            <a:spLocks noGrp="1"/>
+          </p:cNvSpPr>
+          <p:nvPr>
+            <p:ph type="title"/>
+          </p:nvPr>
+        </p:nvSpPr>
+        <p:spPr/>
+        <p:txBody>
+          <a:bodyPr/>
+          <a:lstStyle/>
+          <a:p>
+            <a:pPr algn="l"/>
+            <a:r>
+              <a:rPr lang="en-US" altLang="zh-CN" b="1" dirty="0" smtClean="0"/>
+              <a:t>15.4</a:t>
+            </a:r>
+            <a:r>
+              <a:rPr lang="zh-CN" altLang="en-US" b="1" dirty="0" smtClean="0"/>
+              <a:t> 如何</a:t>
+            </a:r>
+            <a:r>
+              <a:rPr lang="zh-CN" altLang="en-US" b="1" dirty="0" smtClean="0"/>
+              <a:t>创建模块</a:t>
+            </a:r>
+            <a:endParaRPr lang="zh-CN" altLang="en-US" dirty="0"/>
+          </a:p>
+        </p:txBody>
+      </p:sp>
+      <p:sp>
+        <p:nvSpPr>
+          <p:cNvPr id="3" name="内容占位符 2"/>
+          <p:cNvSpPr>
+            <a:spLocks noGrp="1"/>
+          </p:cNvSpPr>
+          <p:nvPr>
+            <p:ph idx="1"/>
+          </p:nvPr>
+        </p:nvSpPr>
+        <p:spPr/>
+        <p:txBody>
+          <a:bodyPr/>
+          <a:lstStyle/>
+          <a:p>
+            <a:r>
+              <a:rPr lang="zh-CN" altLang="en-US" dirty="0" smtClean="0"/>
+              <a:t>模块就是一个</a:t>
+            </a:r>
+            <a:r>
+              <a:rPr lang="en-US" altLang="zh-CN" dirty="0" smtClean="0"/>
+              <a:t>python</a:t>
+            </a:r>
+            <a:r>
+              <a:rPr lang="zh-CN" altLang="en-US" dirty="0" smtClean="0"/>
+              <a:t>文件，我们新建一个文件</a:t>
+            </a:r>
+            <a:r>
+              <a:rPr lang="en-US" altLang="zh-CN" dirty="0" smtClean="0"/>
+              <a:t>my_module.py</a:t>
+            </a:r>
+            <a:r>
+              <a:rPr lang="zh-CN" altLang="en-US" dirty="0" smtClean="0"/>
+              <a:t>，然后填写如下内容：</a:t>
+            </a:r>
+            <a:endParaRPr lang="en-US" altLang="zh-CN" dirty="0" smtClean="0"/>
+          </a:p>
+          <a:p>
+            <a:pPr lvl="1"/>
+            <a:r>
+              <a:rPr lang="en-US" altLang="zh-CN" dirty="0" smtClean="0"/>
+              <a:t>def </a:t>
+            </a:r>
+            <a:r>
+              <a:rPr lang="en-US" altLang="zh-CN" dirty="0" err="1" smtClean="0"/>
+              <a:t>c_to_f</a:t>
+            </a:r>
+            <a:r>
+              <a:rPr lang="en-US" altLang="zh-CN" dirty="0" smtClean="0"/>
+              <a:t>(</a:t>
+            </a:r>
+            <a:r>
+              <a:rPr lang="en-US" altLang="zh-CN" dirty="0" err="1" smtClean="0"/>
+              <a:t>celsius</a:t>
+            </a:r>
+            <a:r>
+              <a:rPr lang="en-US" altLang="zh-CN" dirty="0" smtClean="0"/>
+              <a:t>):</a:t>
+            </a:r>
+          </a:p>
+          <a:p>
+            <a:pPr lvl="2"/>
+            <a:r>
+              <a:rPr lang="de-DE" altLang="zh-CN" dirty="0" smtClean="0"/>
+              <a:t>fahrenheit = celsius * 9.0 / 5 + 32</a:t>
+            </a:r>
+          </a:p>
+          <a:p>
+            <a:pPr lvl="2"/>
+            <a:r>
+              <a:rPr lang="en-US" altLang="zh-CN" dirty="0" smtClean="0"/>
+              <a:t>return </a:t>
+            </a:r>
+            <a:r>
+              <a:rPr lang="en-US" altLang="zh-CN" dirty="0" err="1" smtClean="0"/>
+              <a:t>fahrenheit</a:t>
+            </a:r>
+            <a:endParaRPr lang="en-US" altLang="zh-CN" dirty="0" smtClean="0"/>
+          </a:p>
+          <a:p>
+            <a:r>
+              <a:rPr lang="zh-CN" altLang="en-US" dirty="0" smtClean="0"/>
+              <a:t>就这么简单！这样就创建了一个模块！模块中只有一个函数，也就是</a:t>
+            </a:r>
+            <a:r>
+              <a:rPr lang="en-US" altLang="zh-CN" dirty="0" err="1" smtClean="0"/>
+              <a:t>c_to_f</a:t>
+            </a:r>
+            <a:r>
+              <a:rPr lang="en-US" altLang="zh-CN" dirty="0" smtClean="0"/>
+              <a:t>()</a:t>
+            </a:r>
+            <a:r>
+              <a:rPr lang="zh-CN" altLang="en-US" dirty="0" smtClean="0"/>
+              <a:t>函数</a:t>
+            </a:r>
+            <a:endParaRPr lang="zh-CN" altLang="en-US" dirty="0"/>
+          </a:p>
+        </p:txBody>
+      </p:sp>
+    </p:spTree>
+  </p:cSld>
+  <p:clrMapOvr>
+    <a:masterClrMapping/>
+  </p:clrMapOvr>
+</p:sld>
+</file>
+
+<file path=ppt/slides/slide118.xml><?xml version="1.0" encoding="utf-8"?>
+<p:sld xmlns:a="http://schemas.openxmlformats.org/drawingml/2006/main" xmlns:r="http://schemas.openxmlformats.org/officeDocument/2006/relationships" xmlns:p="http://schemas.openxmlformats.org/presentationml/2006/main">
+  <p:cSld>
+    <p:spTree>
+      <p:nvGrpSpPr>
+        <p:cNvPr id="1" name=""/>
+        <p:cNvGrpSpPr/>
+        <p:nvPr/>
+      </p:nvGrpSpPr>
+      <p:grpSpPr>
+        <a:xfrm>
+          <a:off x="0" y="0"/>
+          <a:ext cx="0" cy="0"/>
+          <a:chOff x="0" y="0"/>
+          <a:chExt cx="0" cy="0"/>
+        </a:xfrm>
+      </p:grpSpPr>
+      <p:sp>
+        <p:nvSpPr>
+          <p:cNvPr id="2" name="标题 1"/>
+          <p:cNvSpPr>
+            <a:spLocks noGrp="1"/>
+          </p:cNvSpPr>
+          <p:nvPr>
+            <p:ph type="title"/>
+          </p:nvPr>
+        </p:nvSpPr>
+        <p:spPr/>
+        <p:txBody>
+          <a:bodyPr/>
+          <a:lstStyle/>
+          <a:p>
+            <a:pPr algn="l"/>
+            <a:r>
+              <a:rPr lang="en-US" altLang="zh-CN" dirty="0" smtClean="0"/>
+              <a:t>15.5 </a:t>
+            </a:r>
+            <a:r>
+              <a:rPr lang="zh-CN" altLang="en-US" dirty="0" smtClean="0"/>
+              <a:t>如何</a:t>
+            </a:r>
+            <a:r>
+              <a:rPr lang="zh-CN" altLang="en-US" dirty="0" smtClean="0"/>
+              <a:t>使用模块</a:t>
+            </a:r>
+            <a:endParaRPr lang="zh-CN" altLang="en-US" dirty="0"/>
+          </a:p>
+        </p:txBody>
+      </p:sp>
+      <p:sp>
+        <p:nvSpPr>
+          <p:cNvPr id="3" name="内容占位符 2"/>
+          <p:cNvSpPr>
+            <a:spLocks noGrp="1"/>
+          </p:cNvSpPr>
+          <p:nvPr>
+            <p:ph idx="1"/>
+          </p:nvPr>
+        </p:nvSpPr>
+        <p:spPr/>
+        <p:txBody>
+          <a:bodyPr/>
+          <a:lstStyle/>
+          <a:p>
+            <a:r>
+              <a:rPr lang="en-US" altLang="zh-CN" dirty="0" smtClean="0"/>
+              <a:t>import </a:t>
+            </a:r>
+            <a:r>
+              <a:rPr lang="en-US" altLang="zh-CN" dirty="0" err="1" smtClean="0"/>
+              <a:t>my_module</a:t>
+            </a:r>
+            <a:endParaRPr lang="en-US" altLang="zh-CN" dirty="0" smtClean="0"/>
+          </a:p>
+          <a:p>
+            <a:r>
+              <a:rPr lang="zh-CN" altLang="en-US" dirty="0" smtClean="0"/>
+              <a:t>见代码</a:t>
+            </a:r>
+            <a:r>
+              <a:rPr lang="en-US" altLang="zh-CN" dirty="0" smtClean="0"/>
+              <a:t>10-8</a:t>
+            </a:r>
+          </a:p>
+        </p:txBody>
+      </p:sp>
+    </p:spTree>
+  </p:cSld>
+  <p:clrMapOvr>
+    <a:masterClrMapping/>
+  </p:clrMapOvr>
+</p:sld>
+</file>
+
+<file path=ppt/slides/slide119.xml><?xml version="1.0" encoding="utf-8"?>
+<p:sld xmlns:a="http://schemas.openxmlformats.org/drawingml/2006/main" xmlns:r="http://schemas.openxmlformats.org/officeDocument/2006/relationships" xmlns:p="http://schemas.openxmlformats.org/presentationml/2006/main">
+  <p:cSld>
+    <p:spTree>
+      <p:nvGrpSpPr>
+        <p:cNvPr id="1" name=""/>
+        <p:cNvGrpSpPr/>
+        <p:nvPr/>
+      </p:nvGrpSpPr>
+      <p:grpSpPr>
+        <a:xfrm>
+          <a:off x="0" y="0"/>
+          <a:ext cx="0" cy="0"/>
+          <a:chOff x="0" y="0"/>
+          <a:chExt cx="0" cy="0"/>
+        </a:xfrm>
+      </p:grpSpPr>
+      <p:sp>
+        <p:nvSpPr>
+          <p:cNvPr id="2" name="标题 1"/>
+          <p:cNvSpPr>
+            <a:spLocks noGrp="1"/>
+          </p:cNvSpPr>
+          <p:nvPr>
+            <p:ph type="title"/>
+          </p:nvPr>
+        </p:nvSpPr>
+        <p:spPr/>
+        <p:txBody>
+          <a:bodyPr/>
+          <a:lstStyle/>
+          <a:p>
+            <a:pPr algn="l"/>
+            <a:r>
+              <a:rPr lang="en-US" altLang="zh-CN" b="1" dirty="0" smtClean="0"/>
+              <a:t>15.6</a:t>
+            </a:r>
+            <a:r>
+              <a:rPr lang="zh-CN" altLang="en-US" b="1" dirty="0" smtClean="0"/>
+              <a:t>　命名空间</a:t>
+            </a:r>
+            <a:endParaRPr lang="zh-CN" altLang="en-US" dirty="0"/>
+          </a:p>
+        </p:txBody>
+      </p:sp>
+      <p:pic>
+        <p:nvPicPr>
+          <p:cNvPr id="2050" name="Picture 2"/>
+          <p:cNvPicPr>
+            <a:picLocks noChangeAspect="1" noChangeArrowheads="1"/>
+          </p:cNvPicPr>
+          <p:nvPr/>
+        </p:nvPicPr>
+        <p:blipFill>
+          <a:blip r:embed="rId2" cstate="print"/>
+          <a:srcRect/>
+          <a:stretch>
+            <a:fillRect/>
+          </a:stretch>
+        </p:blipFill>
+        <p:spPr bwMode="auto">
+          <a:xfrm>
+            <a:off x="1485900" y="1800225"/>
+            <a:ext cx="6172200" cy="3257550"/>
+          </a:xfrm>
+          <a:prstGeom prst="rect">
+            <a:avLst/>
+          </a:prstGeom>
+          <a:noFill/>
+          <a:ln w="9525">
+            <a:noFill/>
+            <a:miter lim="800000"/>
+            <a:headEnd/>
+            <a:tailEnd/>
+          </a:ln>
+        </p:spPr>
+      </p:pic>
+    </p:spTree>
+  </p:cSld>
+  <p:clrMapOvr>
+    <a:masterClrMapping/>
+  </p:clrMapOvr>
 </p:sld>
 </file>
 
@@ -3701,6 +6262,557 @@
       </p:par>
     </p:tnLst>
   </p:timing>
+</p:sld>
+</file>
+
+<file path=ppt/slides/slide120.xml><?xml version="1.0" encoding="utf-8"?>
+<p:sld xmlns:a="http://schemas.openxmlformats.org/drawingml/2006/main" xmlns:r="http://schemas.openxmlformats.org/officeDocument/2006/relationships" xmlns:p="http://schemas.openxmlformats.org/presentationml/2006/main">
+  <p:cSld>
+    <p:spTree>
+      <p:nvGrpSpPr>
+        <p:cNvPr id="1" name=""/>
+        <p:cNvGrpSpPr/>
+        <p:nvPr/>
+      </p:nvGrpSpPr>
+      <p:grpSpPr>
+        <a:xfrm>
+          <a:off x="0" y="0"/>
+          <a:ext cx="0" cy="0"/>
+          <a:chOff x="0" y="0"/>
+          <a:chExt cx="0" cy="0"/>
+        </a:xfrm>
+      </p:grpSpPr>
+      <p:sp>
+        <p:nvSpPr>
+          <p:cNvPr id="2" name="标题 1"/>
+          <p:cNvSpPr>
+            <a:spLocks noGrp="1"/>
+          </p:cNvSpPr>
+          <p:nvPr>
+            <p:ph type="title"/>
+          </p:nvPr>
+        </p:nvSpPr>
+        <p:spPr/>
+        <p:txBody>
+          <a:bodyPr/>
+          <a:lstStyle/>
+          <a:p>
+            <a:pPr algn="l"/>
+            <a:r>
+              <a:rPr lang="en-US" altLang="zh-CN" b="1" dirty="0" smtClean="0"/>
+              <a:t>15.7</a:t>
+            </a:r>
+            <a:r>
+              <a:rPr lang="zh-CN" altLang="en-US" b="1" dirty="0" smtClean="0"/>
+              <a:t>　标准模块</a:t>
+            </a:r>
+            <a:endParaRPr lang="zh-CN" altLang="en-US" dirty="0"/>
+          </a:p>
+        </p:txBody>
+      </p:sp>
+      <p:sp>
+        <p:nvSpPr>
+          <p:cNvPr id="3" name="内容占位符 2"/>
+          <p:cNvSpPr>
+            <a:spLocks noGrp="1"/>
+          </p:cNvSpPr>
+          <p:nvPr>
+            <p:ph idx="1"/>
+          </p:nvPr>
+        </p:nvSpPr>
+        <p:spPr/>
+        <p:txBody>
+          <a:bodyPr/>
+          <a:lstStyle/>
+          <a:p>
+            <a:r>
+              <a:rPr lang="en-US" altLang="zh-CN" dirty="0" smtClean="0"/>
+              <a:t>Python </a:t>
+            </a:r>
+            <a:r>
+              <a:rPr lang="zh-CN" altLang="en-US" dirty="0" smtClean="0"/>
+              <a:t>提供了大量标准模块，可以用来完成很多工作，比如查找文件、</a:t>
+            </a:r>
+            <a:r>
+              <a:rPr lang="zh-CN" altLang="en-US" dirty="0" smtClean="0"/>
+              <a:t>报时（或</a:t>
+            </a:r>
+            <a:r>
+              <a:rPr lang="zh-CN" altLang="en-US" dirty="0" smtClean="0"/>
+              <a:t>计时）、生成随机数，以及很多其他功能。有时，人们说</a:t>
+            </a:r>
+            <a:r>
+              <a:rPr lang="en-US" altLang="zh-CN" dirty="0" smtClean="0"/>
+              <a:t>Python</a:t>
+            </a:r>
+            <a:r>
+              <a:rPr lang="zh-CN" altLang="en-US" dirty="0" smtClean="0"/>
+              <a:t>“配有电池”，</a:t>
+            </a:r>
+            <a:r>
+              <a:rPr lang="zh-CN" altLang="en-US" dirty="0" smtClean="0"/>
+              <a:t>指的</a:t>
+            </a:r>
+            <a:r>
+              <a:rPr lang="zh-CN" altLang="en-US" dirty="0" smtClean="0"/>
+              <a:t>就是</a:t>
+            </a:r>
+            <a:r>
+              <a:rPr lang="en-US" altLang="zh-CN" dirty="0" smtClean="0"/>
+              <a:t>Python </a:t>
+            </a:r>
+            <a:r>
+              <a:rPr lang="zh-CN" altLang="en-US" dirty="0" smtClean="0"/>
+              <a:t>的所有标准模块。这称为</a:t>
+            </a:r>
+            <a:r>
+              <a:rPr lang="en-US" altLang="zh-CN" dirty="0" smtClean="0"/>
+              <a:t>Python </a:t>
+            </a:r>
+            <a:r>
+              <a:rPr lang="zh-CN" altLang="en-US" dirty="0" smtClean="0"/>
+              <a:t>标准</a:t>
+            </a:r>
+            <a:r>
+              <a:rPr lang="zh-CN" altLang="en-US" dirty="0" smtClean="0"/>
+              <a:t>库</a:t>
+            </a:r>
+            <a:endParaRPr lang="en-US" altLang="zh-CN" dirty="0" smtClean="0"/>
+          </a:p>
+          <a:p>
+            <a:pPr lvl="1"/>
+            <a:r>
+              <a:rPr lang="en-US" altLang="zh-CN" b="1" dirty="0" smtClean="0"/>
+              <a:t>time</a:t>
+            </a:r>
+          </a:p>
+          <a:p>
+            <a:pPr lvl="1"/>
+            <a:r>
+              <a:rPr lang="en-US" altLang="zh-CN" dirty="0" smtClean="0"/>
+              <a:t>random </a:t>
+            </a:r>
+            <a:endParaRPr lang="en-US" altLang="zh-CN" b="1" dirty="0" smtClean="0"/>
+          </a:p>
+          <a:p>
+            <a:endParaRPr lang="zh-CN" altLang="en-US" dirty="0"/>
+          </a:p>
+        </p:txBody>
+      </p:sp>
+    </p:spTree>
+  </p:cSld>
+  <p:clrMapOvr>
+    <a:masterClrMapping/>
+  </p:clrMapOvr>
+</p:sld>
+</file>
+
+<file path=ppt/slides/slide121.xml><?xml version="1.0" encoding="utf-8"?>
+<p:sld xmlns:a="http://schemas.openxmlformats.org/drawingml/2006/main" xmlns:r="http://schemas.openxmlformats.org/officeDocument/2006/relationships" xmlns:p="http://schemas.openxmlformats.org/presentationml/2006/main">
+  <p:cSld>
+    <p:spTree>
+      <p:nvGrpSpPr>
+        <p:cNvPr id="1" name=""/>
+        <p:cNvGrpSpPr/>
+        <p:nvPr/>
+      </p:nvGrpSpPr>
+      <p:grpSpPr>
+        <a:xfrm>
+          <a:off x="0" y="0"/>
+          <a:ext cx="0" cy="0"/>
+          <a:chOff x="0" y="0"/>
+          <a:chExt cx="0" cy="0"/>
+        </a:xfrm>
+      </p:grpSpPr>
+      <p:sp>
+        <p:nvSpPr>
+          <p:cNvPr id="2" name="标题 1"/>
+          <p:cNvSpPr>
+            <a:spLocks noGrp="1"/>
+          </p:cNvSpPr>
+          <p:nvPr>
+            <p:ph type="title"/>
+          </p:nvPr>
+        </p:nvSpPr>
+        <p:spPr/>
+        <p:txBody>
+          <a:bodyPr/>
+          <a:lstStyle/>
+          <a:p>
+            <a:pPr algn="l"/>
+            <a:r>
+              <a:rPr lang="zh-CN" altLang="en-US" dirty="0" smtClean="0"/>
+              <a:t>你学到了什么</a:t>
+            </a:r>
+            <a:endParaRPr lang="zh-CN" altLang="en-US" dirty="0"/>
+          </a:p>
+        </p:txBody>
+      </p:sp>
+      <p:sp>
+        <p:nvSpPr>
+          <p:cNvPr id="3" name="内容占位符 2"/>
+          <p:cNvSpPr>
+            <a:spLocks noGrp="1"/>
+          </p:cNvSpPr>
+          <p:nvPr>
+            <p:ph idx="1"/>
+          </p:nvPr>
+        </p:nvSpPr>
+        <p:spPr/>
+        <p:txBody>
+          <a:bodyPr/>
+          <a:lstStyle/>
+          <a:p>
+            <a:r>
+              <a:rPr lang="zh-CN" altLang="en-US" dirty="0" smtClean="0"/>
+              <a:t>什么是模块。</a:t>
+            </a:r>
+          </a:p>
+          <a:p>
+            <a:r>
+              <a:rPr lang="zh-CN" altLang="en-US" dirty="0" smtClean="0"/>
+              <a:t>如何创建模块。</a:t>
+            </a:r>
+          </a:p>
+          <a:p>
+            <a:r>
+              <a:rPr lang="zh-CN" altLang="en-US" dirty="0" smtClean="0"/>
+              <a:t>如何在另一个程序中使用模块。</a:t>
+            </a:r>
+          </a:p>
+          <a:p>
+            <a:r>
+              <a:rPr lang="zh-CN" altLang="en-US" dirty="0" smtClean="0"/>
+              <a:t>什么是命名空间。</a:t>
+            </a:r>
+          </a:p>
+          <a:p>
+            <a:r>
+              <a:rPr lang="zh-CN" altLang="en-US" dirty="0" smtClean="0"/>
+              <a:t>局部和全局命名空间和变量是什么意思</a:t>
+            </a:r>
+            <a:r>
+              <a:rPr lang="zh-CN" altLang="en-US" dirty="0" smtClean="0"/>
+              <a:t>。</a:t>
+            </a:r>
+            <a:endParaRPr lang="en-US" altLang="zh-CN" dirty="0" smtClean="0"/>
+          </a:p>
+          <a:p>
+            <a:r>
+              <a:rPr lang="zh-CN" altLang="en-US" dirty="0" smtClean="0"/>
+              <a:t>如何把其他模块中的名字包含到你的命名空间中</a:t>
+            </a:r>
+            <a:endParaRPr lang="zh-CN" altLang="en-US" dirty="0"/>
+          </a:p>
+        </p:txBody>
+      </p:sp>
+    </p:spTree>
+  </p:cSld>
+  <p:clrMapOvr>
+    <a:masterClrMapping/>
+  </p:clrMapOvr>
+</p:sld>
+</file>
+
+<file path=ppt/slides/slide122.xml><?xml version="1.0" encoding="utf-8"?>
+<p:sld xmlns:a="http://schemas.openxmlformats.org/drawingml/2006/main" xmlns:r="http://schemas.openxmlformats.org/officeDocument/2006/relationships" xmlns:p="http://schemas.openxmlformats.org/presentationml/2006/main">
+  <p:cSld>
+    <p:spTree>
+      <p:nvGrpSpPr>
+        <p:cNvPr id="1" name=""/>
+        <p:cNvGrpSpPr/>
+        <p:nvPr/>
+      </p:nvGrpSpPr>
+      <p:grpSpPr>
+        <a:xfrm>
+          <a:off x="0" y="0"/>
+          <a:ext cx="0" cy="0"/>
+          <a:chOff x="0" y="0"/>
+          <a:chExt cx="0" cy="0"/>
+        </a:xfrm>
+      </p:grpSpPr>
+      <p:sp>
+        <p:nvSpPr>
+          <p:cNvPr id="2" name="标题 1"/>
+          <p:cNvSpPr>
+            <a:spLocks noGrp="1"/>
+          </p:cNvSpPr>
+          <p:nvPr>
+            <p:ph type="title"/>
+          </p:nvPr>
+        </p:nvSpPr>
+        <p:spPr/>
+        <p:txBody>
+          <a:bodyPr/>
+          <a:lstStyle/>
+          <a:p>
+            <a:pPr algn="l"/>
+            <a:r>
+              <a:rPr lang="zh-CN" altLang="en-US" dirty="0" smtClean="0"/>
+              <a:t>动手试一试</a:t>
+            </a:r>
+            <a:endParaRPr lang="zh-CN" altLang="en-US" dirty="0"/>
+          </a:p>
+        </p:txBody>
+      </p:sp>
+      <p:sp>
+        <p:nvSpPr>
+          <p:cNvPr id="3" name="内容占位符 2"/>
+          <p:cNvSpPr>
+            <a:spLocks noGrp="1"/>
+          </p:cNvSpPr>
+          <p:nvPr>
+            <p:ph idx="1"/>
+          </p:nvPr>
+        </p:nvSpPr>
+        <p:spPr/>
+        <p:txBody>
+          <a:bodyPr>
+            <a:normAutofit fontScale="77500" lnSpcReduction="20000"/>
+          </a:bodyPr>
+          <a:lstStyle/>
+          <a:p>
+            <a:pPr>
+              <a:buNone/>
+            </a:pPr>
+            <a:r>
+              <a:rPr lang="en-US" altLang="zh-CN" dirty="0" smtClean="0"/>
+              <a:t>1. </a:t>
+            </a:r>
+            <a:r>
+              <a:rPr lang="zh-CN" altLang="en-US" dirty="0" smtClean="0"/>
+              <a:t>编写一个模块，包含第</a:t>
+            </a:r>
+            <a:r>
+              <a:rPr lang="en-US" altLang="zh-CN" dirty="0" smtClean="0"/>
+              <a:t>13 </a:t>
+            </a:r>
+            <a:r>
+              <a:rPr lang="zh-CN" altLang="en-US" dirty="0" smtClean="0"/>
+              <a:t>章“动手试一试”中的“用大写字母打印名字”</a:t>
+            </a:r>
+            <a:r>
+              <a:rPr lang="zh-CN" altLang="en-US" dirty="0" smtClean="0"/>
+              <a:t>函数</a:t>
+            </a:r>
+            <a:r>
+              <a:rPr lang="zh-CN" altLang="en-US" dirty="0" smtClean="0"/>
+              <a:t>。然后编写一个程序导入这个模块，并调用这个函数。</a:t>
+            </a:r>
+          </a:p>
+          <a:p>
+            <a:pPr>
+              <a:buNone/>
+            </a:pPr>
+            <a:r>
+              <a:rPr lang="en-US" altLang="zh-CN" dirty="0" smtClean="0"/>
+              <a:t>2. </a:t>
+            </a:r>
+            <a:r>
+              <a:rPr lang="zh-CN" altLang="en-US" dirty="0" smtClean="0"/>
+              <a:t>修改代码清单</a:t>
+            </a:r>
+            <a:r>
+              <a:rPr lang="en-US" altLang="zh-CN" dirty="0" smtClean="0"/>
+              <a:t>15-2 </a:t>
+            </a:r>
+            <a:r>
+              <a:rPr lang="zh-CN" altLang="en-US" dirty="0" smtClean="0"/>
+              <a:t>中的代码，把</a:t>
+            </a:r>
+            <a:r>
+              <a:rPr lang="en-US" altLang="zh-CN" dirty="0" err="1" smtClean="0"/>
+              <a:t>c_to_f</a:t>
+            </a:r>
+            <a:r>
+              <a:rPr lang="en-US" altLang="zh-CN" dirty="0" smtClean="0"/>
+              <a:t>() </a:t>
+            </a:r>
+            <a:r>
+              <a:rPr lang="zh-CN" altLang="en-US" dirty="0" smtClean="0"/>
+              <a:t>包含到主程序的命名空间里。</a:t>
+            </a:r>
+            <a:r>
+              <a:rPr lang="zh-CN" altLang="en-US" dirty="0" smtClean="0"/>
+              <a:t>也就是说</a:t>
+            </a:r>
+            <a:r>
+              <a:rPr lang="zh-CN" altLang="en-US" dirty="0" smtClean="0"/>
+              <a:t>，修改这个代码，从而可以写</a:t>
+            </a:r>
+            <a:r>
+              <a:rPr lang="zh-CN" altLang="en-US" dirty="0" smtClean="0"/>
+              <a:t>：</a:t>
+            </a:r>
+            <a:endParaRPr lang="en-US" altLang="zh-CN" dirty="0" smtClean="0"/>
+          </a:p>
+          <a:p>
+            <a:pPr>
+              <a:buNone/>
+            </a:pPr>
+            <a:r>
+              <a:rPr lang="en-US" altLang="zh-CN" dirty="0" smtClean="0"/>
+              <a:t>	</a:t>
+            </a:r>
+            <a:r>
+              <a:rPr lang="en-US" altLang="zh-CN" dirty="0" smtClean="0"/>
+              <a:t>	</a:t>
+            </a:r>
+            <a:r>
+              <a:rPr lang="en-US" altLang="zh-CN" dirty="0" err="1" smtClean="0"/>
+              <a:t>fahrenheit</a:t>
+            </a:r>
+            <a:r>
+              <a:rPr lang="en-US" altLang="zh-CN" dirty="0" smtClean="0"/>
+              <a:t> </a:t>
+            </a:r>
+            <a:r>
+              <a:rPr lang="en-US" altLang="zh-CN" dirty="0" smtClean="0"/>
+              <a:t>= </a:t>
+            </a:r>
+            <a:r>
+              <a:rPr lang="en-US" altLang="zh-CN" dirty="0" err="1" smtClean="0"/>
+              <a:t>c_to_f</a:t>
+            </a:r>
+            <a:r>
+              <a:rPr lang="en-US" altLang="zh-CN" dirty="0" smtClean="0"/>
+              <a:t>(</a:t>
+            </a:r>
+            <a:r>
+              <a:rPr lang="en-US" altLang="zh-CN" dirty="0" err="1" smtClean="0"/>
+              <a:t>celsius</a:t>
+            </a:r>
+            <a:r>
+              <a:rPr lang="en-US" altLang="zh-CN" dirty="0" smtClean="0"/>
+              <a:t>)</a:t>
+            </a:r>
+            <a:endParaRPr lang="zh-CN" altLang="en-US" dirty="0" smtClean="0"/>
+          </a:p>
+          <a:p>
+            <a:pPr>
+              <a:buNone/>
+            </a:pPr>
+            <a:r>
+              <a:rPr lang="en-US" altLang="zh-CN" dirty="0" smtClean="0"/>
+              <a:t>	</a:t>
+            </a:r>
+            <a:r>
+              <a:rPr lang="zh-CN" altLang="en-US" dirty="0" smtClean="0"/>
+              <a:t>而不是</a:t>
+            </a:r>
+            <a:endParaRPr lang="en-US" altLang="zh-CN" dirty="0" smtClean="0"/>
+          </a:p>
+          <a:p>
+            <a:pPr>
+              <a:buNone/>
+            </a:pPr>
+            <a:r>
+              <a:rPr lang="en-US" altLang="zh-CN" dirty="0" smtClean="0"/>
+              <a:t>		</a:t>
+            </a:r>
+            <a:r>
+              <a:rPr lang="en-US" altLang="zh-CN" dirty="0" err="1" smtClean="0"/>
+              <a:t>fahrenheit</a:t>
+            </a:r>
+            <a:r>
+              <a:rPr lang="en-US" altLang="zh-CN" dirty="0" smtClean="0"/>
+              <a:t> </a:t>
+            </a:r>
+            <a:r>
+              <a:rPr lang="en-US" altLang="zh-CN" dirty="0" smtClean="0"/>
+              <a:t>= </a:t>
+            </a:r>
+            <a:r>
+              <a:rPr lang="en-US" altLang="zh-CN" dirty="0" err="1" smtClean="0"/>
+              <a:t>my_module.c_to_f</a:t>
+            </a:r>
+            <a:r>
+              <a:rPr lang="en-US" altLang="zh-CN" dirty="0" smtClean="0"/>
+              <a:t>(</a:t>
+            </a:r>
+            <a:r>
+              <a:rPr lang="en-US" altLang="zh-CN" dirty="0" err="1" smtClean="0"/>
+              <a:t>celsius</a:t>
+            </a:r>
+            <a:r>
+              <a:rPr lang="en-US" altLang="zh-CN" dirty="0" smtClean="0"/>
+              <a:t>)</a:t>
+            </a:r>
+          </a:p>
+          <a:p>
+            <a:pPr>
+              <a:buNone/>
+            </a:pPr>
+            <a:r>
+              <a:rPr lang="en-US" altLang="zh-CN" dirty="0" smtClean="0"/>
+              <a:t>3. </a:t>
+            </a:r>
+            <a:r>
+              <a:rPr lang="zh-CN" altLang="en-US" dirty="0" smtClean="0"/>
+              <a:t>编写一个小程序，生成</a:t>
+            </a:r>
+            <a:r>
+              <a:rPr lang="en-US" altLang="zh-CN" dirty="0" smtClean="0"/>
+              <a:t>1 </a:t>
+            </a:r>
+            <a:r>
+              <a:rPr lang="zh-CN" altLang="en-US" dirty="0" smtClean="0"/>
+              <a:t>到</a:t>
+            </a:r>
+            <a:r>
+              <a:rPr lang="en-US" altLang="zh-CN" dirty="0" smtClean="0"/>
+              <a:t>20 </a:t>
+            </a:r>
+            <a:r>
+              <a:rPr lang="zh-CN" altLang="en-US" dirty="0" smtClean="0"/>
+              <a:t>之间的</a:t>
+            </a:r>
+            <a:r>
+              <a:rPr lang="en-US" altLang="zh-CN" dirty="0" smtClean="0"/>
+              <a:t>5 </a:t>
+            </a:r>
+            <a:r>
+              <a:rPr lang="zh-CN" altLang="en-US" dirty="0" smtClean="0"/>
+              <a:t>个随机整数的列表，并打印出来。</a:t>
+            </a:r>
+          </a:p>
+          <a:p>
+            <a:pPr>
+              <a:buNone/>
+            </a:pPr>
+            <a:r>
+              <a:rPr lang="en-US" altLang="zh-CN" dirty="0" smtClean="0"/>
+              <a:t>4. </a:t>
+            </a:r>
+            <a:r>
+              <a:rPr lang="zh-CN" altLang="en-US" dirty="0" smtClean="0"/>
+              <a:t>编写一个小程序，要求它工作</a:t>
+            </a:r>
+            <a:r>
+              <a:rPr lang="en-US" altLang="zh-CN" dirty="0" smtClean="0"/>
+              <a:t>30 </a:t>
+            </a:r>
+            <a:r>
+              <a:rPr lang="zh-CN" altLang="en-US" dirty="0" smtClean="0"/>
+              <a:t>秒，每</a:t>
+            </a:r>
+            <a:r>
+              <a:rPr lang="en-US" altLang="zh-CN" dirty="0" smtClean="0"/>
+              <a:t>3 </a:t>
+            </a:r>
+            <a:r>
+              <a:rPr lang="zh-CN" altLang="en-US" dirty="0" smtClean="0"/>
+              <a:t>秒打印一个随机小数。</a:t>
+            </a:r>
+            <a:endParaRPr lang="zh-CN" altLang="en-US" dirty="0"/>
+          </a:p>
+        </p:txBody>
+      </p:sp>
+    </p:spTree>
+  </p:cSld>
+  <p:clrMapOvr>
+    <a:masterClrMapping/>
+  </p:clrMapOvr>
 </p:sld>
 </file>
 
@@ -14942,13 +18054,8 @@
           <a:p>
             <a:r>
               <a:rPr lang="en-US" altLang="zh-CN" dirty="0" smtClean="0"/>
-              <a:t>&gt;&gt;&gt; print </a:t>
-            </a:r>
-            <a:r>
-              <a:rPr lang="en-US" altLang="zh-CN" dirty="0" smtClean="0"/>
-              <a:t>(letters )</a:t>
-            </a:r>
-            <a:endParaRPr lang="en-US" altLang="zh-CN" dirty="0" smtClean="0"/>
+              <a:t>&gt;&gt;&gt; print (letters )</a:t>
+            </a:r>
           </a:p>
           <a:p>
             <a:pPr lvl="1"/>
@@ -14966,13 +18073,8 @@
           <a:p>
             <a:r>
               <a:rPr lang="en-US" altLang="zh-CN" dirty="0" smtClean="0"/>
-              <a:t>&gt;&gt;&gt; print </a:t>
-            </a:r>
-            <a:r>
-              <a:rPr lang="en-US" altLang="zh-CN" dirty="0" smtClean="0"/>
-              <a:t>(letters )</a:t>
-            </a:r>
-            <a:endParaRPr lang="en-US" altLang="zh-CN" dirty="0" smtClean="0"/>
+              <a:t>&gt;&gt;&gt; print (letters )</a:t>
+            </a:r>
           </a:p>
           <a:p>
             <a:pPr lvl="1"/>
@@ -15631,11 +18733,7 @@
             <a:pPr lvl="1"/>
             <a:r>
               <a:rPr lang="en-US" altLang="zh-CN" dirty="0" smtClean="0"/>
-              <a:t>&gt;&gt;&gt; </a:t>
-            </a:r>
-            <a:r>
-              <a:rPr lang="en-US" altLang="zh-CN" dirty="0" smtClean="0"/>
-              <a:t>    print (letter)</a:t>
+              <a:t>&gt;&gt;&gt;     print (letter)</a:t>
             </a:r>
             <a:endParaRPr lang="zh-CN" altLang="en-US" dirty="0" smtClean="0"/>
           </a:p>
@@ -16072,11 +19170,7 @@
           <a:p>
             <a:r>
               <a:rPr lang="zh-CN" altLang="en-US" dirty="0" smtClean="0"/>
-              <a:t>列表就像是把一行值串在</a:t>
-            </a:r>
-            <a:r>
-              <a:rPr lang="zh-CN" altLang="en-US" dirty="0" smtClean="0"/>
-              <a:t>一起</a:t>
+              <a:t>列表就像是把一行值串在一起</a:t>
             </a:r>
             <a:endParaRPr lang="en-US" altLang="zh-CN" dirty="0" smtClean="0"/>
           </a:p>
@@ -16395,22 +19489,14 @@
             </a:r>
             <a:r>
               <a:rPr lang="zh-CN" altLang="en-US" dirty="0" smtClean="0"/>
-              <a:t>向列表增加元素有哪些方法</a:t>
-            </a:r>
-            <a:r>
-              <a:rPr lang="zh-CN" altLang="en-US" dirty="0" smtClean="0"/>
-              <a:t>？</a:t>
+              <a:t>向列表增加元素有哪些方法？</a:t>
             </a:r>
             <a:endParaRPr lang="en-US" altLang="zh-CN" dirty="0" smtClean="0"/>
           </a:p>
           <a:p>
             <a:r>
               <a:rPr lang="en-US" altLang="zh-CN" dirty="0" smtClean="0"/>
-              <a:t>2</a:t>
-            </a:r>
-            <a:r>
-              <a:rPr lang="en-US" altLang="zh-CN" dirty="0" smtClean="0"/>
-              <a:t>. </a:t>
+              <a:t>2. </a:t>
             </a:r>
             <a:r>
               <a:rPr lang="zh-CN" altLang="en-US" dirty="0" smtClean="0"/>
@@ -16421,11 +19507,7 @@
           <a:p>
             <a:r>
               <a:rPr lang="en-US" altLang="zh-CN" dirty="0" smtClean="0"/>
-              <a:t>3</a:t>
-            </a:r>
-            <a:r>
-              <a:rPr lang="en-US" altLang="zh-CN" dirty="0" smtClean="0"/>
-              <a:t>. </a:t>
+              <a:t>3. </a:t>
             </a:r>
             <a:r>
               <a:rPr lang="zh-CN" altLang="en-US" dirty="0" smtClean="0"/>
@@ -16436,11 +19518,7 @@
           <a:p>
             <a:r>
               <a:rPr lang="en-US" altLang="zh-CN" dirty="0" smtClean="0"/>
-              <a:t>4</a:t>
-            </a:r>
-            <a:r>
-              <a:rPr lang="en-US" altLang="zh-CN" dirty="0" smtClean="0"/>
-              <a:t>. </a:t>
+              <a:t>4. </a:t>
             </a:r>
             <a:r>
               <a:rPr lang="zh-CN" altLang="en-US" dirty="0" smtClean="0"/>
@@ -16451,11 +19529,7 @@
           <a:p>
             <a:r>
               <a:rPr lang="en-US" altLang="zh-CN" dirty="0" smtClean="0"/>
-              <a:t>5</a:t>
-            </a:r>
-            <a:r>
-              <a:rPr lang="en-US" altLang="zh-CN" dirty="0" smtClean="0"/>
-              <a:t>. </a:t>
+              <a:t>5. </a:t>
             </a:r>
             <a:r>
               <a:rPr lang="zh-CN" altLang="en-US" dirty="0" smtClean="0"/>
@@ -16466,11 +19540,7 @@
           <a:p>
             <a:r>
               <a:rPr lang="en-US" altLang="zh-CN" dirty="0" smtClean="0"/>
-              <a:t>6</a:t>
-            </a:r>
-            <a:r>
-              <a:rPr lang="en-US" altLang="zh-CN" dirty="0" smtClean="0"/>
-              <a:t>. </a:t>
+              <a:t>6. </a:t>
             </a:r>
             <a:r>
               <a:rPr lang="zh-CN" altLang="en-US" dirty="0" smtClean="0"/>
@@ -16481,11 +19551,7 @@
           <a:p>
             <a:r>
               <a:rPr lang="en-US" altLang="zh-CN" dirty="0" smtClean="0"/>
-              <a:t>7</a:t>
-            </a:r>
-            <a:r>
-              <a:rPr lang="en-US" altLang="zh-CN" dirty="0" smtClean="0"/>
-              <a:t>. </a:t>
+              <a:t>7. </a:t>
             </a:r>
             <a:r>
               <a:rPr lang="zh-CN" altLang="en-US" dirty="0" smtClean="0"/>
@@ -16496,11 +19562,7 @@
           <a:p>
             <a:r>
               <a:rPr lang="en-US" altLang="zh-CN" dirty="0" smtClean="0"/>
-              <a:t>8</a:t>
-            </a:r>
-            <a:r>
-              <a:rPr lang="en-US" altLang="zh-CN" dirty="0" smtClean="0"/>
-              <a:t>. </a:t>
+              <a:t>8. </a:t>
             </a:r>
             <a:r>
               <a:rPr lang="zh-CN" altLang="en-US" dirty="0" smtClean="0"/>
@@ -16511,11 +19573,7 @@
           <a:p>
             <a:r>
               <a:rPr lang="en-US" altLang="zh-CN" dirty="0" smtClean="0"/>
-              <a:t>9</a:t>
-            </a:r>
-            <a:r>
-              <a:rPr lang="en-US" altLang="zh-CN" dirty="0" smtClean="0"/>
-              <a:t>. </a:t>
+              <a:t>9. </a:t>
             </a:r>
             <a:r>
               <a:rPr lang="zh-CN" altLang="en-US" dirty="0" smtClean="0"/>
@@ -16526,11 +19584,7 @@
           <a:p>
             <a:r>
               <a:rPr lang="en-US" altLang="zh-CN" dirty="0" smtClean="0"/>
-              <a:t>10</a:t>
-            </a:r>
-            <a:r>
-              <a:rPr lang="en-US" altLang="zh-CN" dirty="0" smtClean="0"/>
-              <a:t>. </a:t>
+              <a:t>10. </a:t>
             </a:r>
             <a:r>
               <a:rPr lang="zh-CN" altLang="en-US" dirty="0" smtClean="0"/>
@@ -16541,17 +19595,12 @@
           <a:p>
             <a:r>
               <a:rPr lang="en-US" altLang="zh-CN" dirty="0" smtClean="0"/>
-              <a:t>11</a:t>
-            </a:r>
-            <a:r>
-              <a:rPr lang="en-US" altLang="zh-CN" dirty="0" smtClean="0"/>
-              <a:t>. </a:t>
+              <a:t>11. </a:t>
             </a:r>
             <a:r>
               <a:rPr lang="zh-CN" altLang="en-US" dirty="0" smtClean="0"/>
               <a:t>怎样使用键去查找一个条目？</a:t>
             </a:r>
-            <a:endParaRPr lang="zh-CN" altLang="en-US" dirty="0" smtClean="0"/>
           </a:p>
         </p:txBody>
       </p:sp>

--- a/readme/Python3.pptx
+++ b/readme/Python3.pptx
@@ -105,28 +105,44 @@
     <p:sldId id="359" r:id="rId99"/>
     <p:sldId id="360" r:id="rId100"/>
     <p:sldId id="361" r:id="rId101"/>
-    <p:sldId id="362" r:id="rId102"/>
-    <p:sldId id="363" r:id="rId103"/>
-    <p:sldId id="364" r:id="rId104"/>
-    <p:sldId id="365" r:id="rId105"/>
-    <p:sldId id="366" r:id="rId106"/>
-    <p:sldId id="367" r:id="rId107"/>
-    <p:sldId id="368" r:id="rId108"/>
-    <p:sldId id="369" r:id="rId109"/>
-    <p:sldId id="370" r:id="rId110"/>
-    <p:sldId id="371" r:id="rId111"/>
-    <p:sldId id="372" r:id="rId112"/>
-    <p:sldId id="373" r:id="rId113"/>
-    <p:sldId id="374" r:id="rId114"/>
-    <p:sldId id="375" r:id="rId115"/>
-    <p:sldId id="376" r:id="rId116"/>
-    <p:sldId id="377" r:id="rId117"/>
-    <p:sldId id="378" r:id="rId118"/>
-    <p:sldId id="379" r:id="rId119"/>
-    <p:sldId id="380" r:id="rId120"/>
-    <p:sldId id="381" r:id="rId121"/>
-    <p:sldId id="382" r:id="rId122"/>
-    <p:sldId id="383" r:id="rId123"/>
+    <p:sldId id="384" r:id="rId102"/>
+    <p:sldId id="385" r:id="rId103"/>
+    <p:sldId id="386" r:id="rId104"/>
+    <p:sldId id="387" r:id="rId105"/>
+    <p:sldId id="388" r:id="rId106"/>
+    <p:sldId id="389" r:id="rId107"/>
+    <p:sldId id="390" r:id="rId108"/>
+    <p:sldId id="391" r:id="rId109"/>
+    <p:sldId id="392" r:id="rId110"/>
+    <p:sldId id="393" r:id="rId111"/>
+    <p:sldId id="394" r:id="rId112"/>
+    <p:sldId id="395" r:id="rId113"/>
+    <p:sldId id="396" r:id="rId114"/>
+    <p:sldId id="397" r:id="rId115"/>
+    <p:sldId id="398" r:id="rId116"/>
+    <p:sldId id="399" r:id="rId117"/>
+    <p:sldId id="362" r:id="rId118"/>
+    <p:sldId id="363" r:id="rId119"/>
+    <p:sldId id="364" r:id="rId120"/>
+    <p:sldId id="365" r:id="rId121"/>
+    <p:sldId id="366" r:id="rId122"/>
+    <p:sldId id="367" r:id="rId123"/>
+    <p:sldId id="368" r:id="rId124"/>
+    <p:sldId id="369" r:id="rId125"/>
+    <p:sldId id="370" r:id="rId126"/>
+    <p:sldId id="371" r:id="rId127"/>
+    <p:sldId id="372" r:id="rId128"/>
+    <p:sldId id="373" r:id="rId129"/>
+    <p:sldId id="374" r:id="rId130"/>
+    <p:sldId id="375" r:id="rId131"/>
+    <p:sldId id="376" r:id="rId132"/>
+    <p:sldId id="377" r:id="rId133"/>
+    <p:sldId id="378" r:id="rId134"/>
+    <p:sldId id="379" r:id="rId135"/>
+    <p:sldId id="380" r:id="rId136"/>
+    <p:sldId id="381" r:id="rId137"/>
+    <p:sldId id="382" r:id="rId138"/>
+    <p:sldId id="383" r:id="rId139"/>
   </p:sldIdLst>
   <p:sldSz cx="9144000" cy="6858000" type="screen4x3"/>
   <p:notesSz cx="6858000" cy="9144000"/>
@@ -410,7 +426,7 @@
             <a:fld id="{530820CF-B880-4189-942D-D702A7CBA730}" type="datetimeFigureOut">
               <a:rPr lang="zh-CN" altLang="en-US" smtClean="0"/>
               <a:pPr/>
-              <a:t>2018-12-02</a:t>
+              <a:t>2019-01-05</a:t>
             </a:fld>
             <a:endParaRPr lang="zh-CN" altLang="en-US"/>
           </a:p>
@@ -577,7 +593,7 @@
             <a:fld id="{530820CF-B880-4189-942D-D702A7CBA730}" type="datetimeFigureOut">
               <a:rPr lang="zh-CN" altLang="en-US" smtClean="0"/>
               <a:pPr/>
-              <a:t>2018-12-02</a:t>
+              <a:t>2019-01-05</a:t>
             </a:fld>
             <a:endParaRPr lang="zh-CN" altLang="en-US"/>
           </a:p>
@@ -754,7 +770,7 @@
             <a:fld id="{530820CF-B880-4189-942D-D702A7CBA730}" type="datetimeFigureOut">
               <a:rPr lang="zh-CN" altLang="en-US" smtClean="0"/>
               <a:pPr/>
-              <a:t>2018-12-02</a:t>
+              <a:t>2019-01-05</a:t>
             </a:fld>
             <a:endParaRPr lang="zh-CN" altLang="en-US"/>
           </a:p>
@@ -921,7 +937,7 @@
             <a:fld id="{530820CF-B880-4189-942D-D702A7CBA730}" type="datetimeFigureOut">
               <a:rPr lang="zh-CN" altLang="en-US" smtClean="0"/>
               <a:pPr/>
-              <a:t>2018-12-02</a:t>
+              <a:t>2019-01-05</a:t>
             </a:fld>
             <a:endParaRPr lang="zh-CN" altLang="en-US"/>
           </a:p>
@@ -1164,7 +1180,7 @@
             <a:fld id="{530820CF-B880-4189-942D-D702A7CBA730}" type="datetimeFigureOut">
               <a:rPr lang="zh-CN" altLang="en-US" smtClean="0"/>
               <a:pPr/>
-              <a:t>2018-12-02</a:t>
+              <a:t>2019-01-05</a:t>
             </a:fld>
             <a:endParaRPr lang="zh-CN" altLang="en-US"/>
           </a:p>
@@ -1449,7 +1465,7 @@
             <a:fld id="{530820CF-B880-4189-942D-D702A7CBA730}" type="datetimeFigureOut">
               <a:rPr lang="zh-CN" altLang="en-US" smtClean="0"/>
               <a:pPr/>
-              <a:t>2018-12-02</a:t>
+              <a:t>2019-01-05</a:t>
             </a:fld>
             <a:endParaRPr lang="zh-CN" altLang="en-US"/>
           </a:p>
@@ -1868,7 +1884,7 @@
             <a:fld id="{530820CF-B880-4189-942D-D702A7CBA730}" type="datetimeFigureOut">
               <a:rPr lang="zh-CN" altLang="en-US" smtClean="0"/>
               <a:pPr/>
-              <a:t>2018-12-02</a:t>
+              <a:t>2019-01-05</a:t>
             </a:fld>
             <a:endParaRPr lang="zh-CN" altLang="en-US"/>
           </a:p>
@@ -1983,7 +1999,7 @@
             <a:fld id="{530820CF-B880-4189-942D-D702A7CBA730}" type="datetimeFigureOut">
               <a:rPr lang="zh-CN" altLang="en-US" smtClean="0"/>
               <a:pPr/>
-              <a:t>2018-12-02</a:t>
+              <a:t>2019-01-05</a:t>
             </a:fld>
             <a:endParaRPr lang="zh-CN" altLang="en-US"/>
           </a:p>
@@ -2075,7 +2091,7 @@
             <a:fld id="{530820CF-B880-4189-942D-D702A7CBA730}" type="datetimeFigureOut">
               <a:rPr lang="zh-CN" altLang="en-US" smtClean="0"/>
               <a:pPr/>
-              <a:t>2018-12-02</a:t>
+              <a:t>2019-01-05</a:t>
             </a:fld>
             <a:endParaRPr lang="zh-CN" altLang="en-US"/>
           </a:p>
@@ -2349,7 +2365,7 @@
             <a:fld id="{530820CF-B880-4189-942D-D702A7CBA730}" type="datetimeFigureOut">
               <a:rPr lang="zh-CN" altLang="en-US" smtClean="0"/>
               <a:pPr/>
-              <a:t>2018-12-02</a:t>
+              <a:t>2019-01-05</a:t>
             </a:fld>
             <a:endParaRPr lang="zh-CN" altLang="en-US"/>
           </a:p>
@@ -2599,7 +2615,7 @@
             <a:fld id="{530820CF-B880-4189-942D-D702A7CBA730}" type="datetimeFigureOut">
               <a:rPr lang="zh-CN" altLang="en-US" smtClean="0"/>
               <a:pPr/>
-              <a:t>2018-12-02</a:t>
+              <a:t>2019-01-05</a:t>
             </a:fld>
             <a:endParaRPr lang="zh-CN" altLang="en-US"/>
           </a:p>
@@ -2809,7 +2825,7 @@
             <a:fld id="{530820CF-B880-4189-942D-D702A7CBA730}" type="datetimeFigureOut">
               <a:rPr lang="zh-CN" altLang="en-US" smtClean="0"/>
               <a:pPr/>
-              <a:t>2018-12-02</a:t>
+              <a:t>2019-01-05</a:t>
             </a:fld>
             <a:endParaRPr lang="zh-CN" altLang="en-US"/>
           </a:p>
@@ -3603,7 +3619,7 @@
           <a:p>
             <a:r>
               <a:rPr lang="en-US" altLang="zh-CN" dirty="0" smtClean="0"/>
-              <a:t>10</a:t>
+              <a:t>9</a:t>
             </a:r>
             <a:endParaRPr lang="zh-CN" altLang="en-US" dirty="0"/>
           </a:p>
@@ -3633,6 +3649,13 @@
   <p:clrMapOvr>
     <a:masterClrMapping/>
   </p:clrMapOvr>
+  <p:timing>
+    <p:tnLst>
+      <p:par>
+        <p:cTn id="1" dur="indefinite" restart="never" nodeType="tmRoot"/>
+      </p:par>
+    </p:tnLst>
+  </p:timing>
 </p:sld>
 </file>
 
@@ -3670,12 +3693,8 @@
           <a:p>
             <a:pPr algn="l"/>
             <a:r>
-              <a:rPr lang="en-US" altLang="zh-CN" dirty="0" smtClean="0"/>
-              <a:t>14 </a:t>
-            </a:r>
-            <a:r>
-              <a:rPr lang="zh-CN" altLang="en-US" dirty="0" smtClean="0"/>
-              <a:t>对象</a:t>
+              <a:rPr lang="zh-CN" altLang="en-US" dirty="0" smtClean="0"/>
+              <a:t>动手试一试</a:t>
             </a:r>
             <a:endParaRPr lang="zh-CN" altLang="en-US" dirty="0"/>
           </a:p>
@@ -3697,47 +3716,77 @@
           <a:lstStyle/>
           <a:p>
             <a:r>
-              <a:rPr lang="zh-CN" altLang="en-US" dirty="0" smtClean="0"/>
-              <a:t>对象（</a:t>
-            </a:r>
-            <a:r>
-              <a:rPr lang="en-US" altLang="zh-CN" dirty="0" smtClean="0"/>
-              <a:t>object</a:t>
-            </a:r>
-            <a:r>
-              <a:rPr lang="zh-CN" altLang="en-US" dirty="0" smtClean="0"/>
-              <a:t>）则让这种收集的思想更向前迈进一步。对象可以把函数和数据收集在一起。</a:t>
+              <a:rPr lang="en-US" altLang="zh-CN" dirty="0" smtClean="0"/>
+              <a:t>2. </a:t>
+            </a:r>
+            <a:r>
+              <a:rPr lang="zh-CN" altLang="en-US" dirty="0" smtClean="0"/>
+              <a:t>修改第 </a:t>
+            </a:r>
+            <a:r>
+              <a:rPr lang="en-US" altLang="zh-CN" dirty="0" smtClean="0"/>
+              <a:t>1 </a:t>
+            </a:r>
+            <a:r>
+              <a:rPr lang="zh-CN" altLang="en-US" dirty="0" smtClean="0"/>
+              <a:t>题的程序，要求不仅显示原来的名字列表，还要显示出排序后的列表。</a:t>
             </a:r>
             <a:endParaRPr lang="en-US" altLang="zh-CN" dirty="0" smtClean="0"/>
           </a:p>
           <a:p>
             <a:r>
-              <a:rPr lang="zh-CN" altLang="en-US" dirty="0" smtClean="0"/>
-              <a:t>按编程的术语来讲，我们说</a:t>
-            </a:r>
-            <a:r>
-              <a:rPr lang="en-US" altLang="zh-CN" dirty="0" smtClean="0"/>
-              <a:t>Python </a:t>
-            </a:r>
-            <a:r>
-              <a:rPr lang="zh-CN" altLang="en-US" dirty="0" smtClean="0"/>
-              <a:t>是面向对象的（</a:t>
-            </a:r>
-            <a:r>
-              <a:rPr lang="en-US" altLang="zh-CN" dirty="0" smtClean="0"/>
-              <a:t>object oriented</a:t>
-            </a:r>
-            <a:r>
-              <a:rPr lang="zh-CN" altLang="en-US" dirty="0" smtClean="0"/>
-              <a:t>）。</a:t>
+              <a:rPr lang="en-US" altLang="zh-CN" dirty="0" smtClean="0"/>
+              <a:t>3. </a:t>
+            </a:r>
+            <a:r>
+              <a:rPr lang="zh-CN" altLang="en-US" dirty="0" smtClean="0"/>
+              <a:t>修改第 </a:t>
+            </a:r>
+            <a:r>
+              <a:rPr lang="en-US" altLang="zh-CN" dirty="0" smtClean="0"/>
+              <a:t>1 </a:t>
+            </a:r>
+            <a:r>
+              <a:rPr lang="zh-CN" altLang="en-US" dirty="0" smtClean="0"/>
+              <a:t>题的程序，要求只显示用户键入的第 </a:t>
+            </a:r>
+            <a:r>
+              <a:rPr lang="en-US" altLang="zh-CN" dirty="0" smtClean="0"/>
+              <a:t>3 </a:t>
+            </a:r>
+            <a:r>
+              <a:rPr lang="zh-CN" altLang="en-US" dirty="0" smtClean="0"/>
+              <a:t>个名字，就像这样：</a:t>
             </a:r>
             <a:endParaRPr lang="en-US" altLang="zh-CN" dirty="0" smtClean="0"/>
           </a:p>
           <a:p>
-            <a:r>
-              <a:rPr lang="zh-CN" altLang="en-US" dirty="0" smtClean="0"/>
-              <a:t>后面几章开始处理图形时，我们将会大量使用对象。</a:t>
-            </a:r>
+            <a:pPr lvl="1"/>
+            <a:r>
+              <a:rPr lang="en-US" altLang="zh-CN" dirty="0" smtClean="0"/>
+              <a:t>The third name you entered is: Nick</a:t>
+            </a:r>
+          </a:p>
+          <a:p>
+            <a:r>
+              <a:rPr lang="en-US" altLang="zh-CN" dirty="0" smtClean="0"/>
+              <a:t>4. </a:t>
+            </a:r>
+            <a:r>
+              <a:rPr lang="zh-CN" altLang="en-US" dirty="0" smtClean="0"/>
+              <a:t>修改第 </a:t>
+            </a:r>
+            <a:r>
+              <a:rPr lang="en-US" altLang="zh-CN" dirty="0" smtClean="0"/>
+              <a:t>1 </a:t>
+            </a:r>
+            <a:r>
+              <a:rPr lang="zh-CN" altLang="en-US" dirty="0" smtClean="0"/>
+              <a:t>题的程序，让用户替换其中一个名字。用户应该能选择要替换哪个 名字，然后键入新名字。最后显示这个新的列表：</a:t>
+            </a:r>
+            <a:endParaRPr lang="en-US" altLang="zh-CN" dirty="0" smtClean="0"/>
+          </a:p>
+          <a:p>
             <a:endParaRPr lang="zh-CN" altLang="en-US" dirty="0"/>
           </a:p>
         </p:txBody>
@@ -3747,6 +3796,13 @@
   <p:clrMapOvr>
     <a:masterClrMapping/>
   </p:clrMapOvr>
+  <p:timing>
+    <p:tnLst>
+      <p:par>
+        <p:cTn id="1" dur="indefinite" restart="never" nodeType="tmRoot"/>
+      </p:par>
+    </p:tnLst>
+  </p:timing>
 </p:sld>
 </file>
 
@@ -3784,12 +3840,8 @@
           <a:p>
             <a:pPr algn="l"/>
             <a:r>
-              <a:rPr lang="en-US" altLang="zh-CN" dirty="0" smtClean="0"/>
-              <a:t>14.1 </a:t>
-            </a:r>
-            <a:r>
-              <a:rPr lang="zh-CN" altLang="en-US" b="1" dirty="0" smtClean="0"/>
-              <a:t>真实世界中的对象</a:t>
+              <a:rPr lang="zh-CN" altLang="en-US" dirty="0" smtClean="0"/>
+              <a:t>动手试一试</a:t>
             </a:r>
             <a:endParaRPr lang="zh-CN" altLang="en-US" dirty="0"/>
           </a:p>
@@ -3805,65 +3857,80 @@
             <p:ph idx="1"/>
           </p:nvPr>
         </p:nvSpPr>
-        <p:spPr>
-          <a:xfrm>
-            <a:off x="457200" y="1600201"/>
-            <a:ext cx="8229600" cy="4709119"/>
-          </a:xfrm>
-        </p:spPr>
+        <p:spPr/>
         <p:txBody>
           <a:bodyPr>
             <a:normAutofit fontScale="92500" lnSpcReduction="10000"/>
           </a:bodyPr>
           <a:lstStyle/>
           <a:p>
-            <a:r>
-              <a:rPr lang="zh-CN" altLang="en-US" dirty="0" smtClean="0"/>
-              <a:t>在</a:t>
-            </a:r>
-            <a:r>
-              <a:rPr lang="en-US" altLang="zh-CN" dirty="0" smtClean="0"/>
-              <a:t>Python </a:t>
-            </a:r>
-            <a:r>
-              <a:rPr lang="zh-CN" altLang="en-US" dirty="0" smtClean="0"/>
-              <a:t>中定义什么是对象也可以作为一个很好的起点。拿球来举个例子。可以操作一个球，比如捡球、抛球、踢球或者充气（对于某些球来说）。我们把这些操作称为动作（</a:t>
-            </a:r>
-            <a:r>
-              <a:rPr lang="en-US" altLang="zh-CN" dirty="0" smtClean="0"/>
-              <a:t>action</a:t>
-            </a:r>
-            <a:r>
-              <a:rPr lang="zh-CN" altLang="en-US" dirty="0" smtClean="0"/>
-              <a:t>）。还可以通过指出球的颜色、大小和重量来描述一个球。这些就是球的属性（</a:t>
-            </a:r>
-            <a:r>
-              <a:rPr lang="en-US" altLang="zh-CN" dirty="0" smtClean="0"/>
-              <a:t>attribute)</a:t>
-            </a:r>
-          </a:p>
-          <a:p>
-            <a:endParaRPr lang="en-US" altLang="zh-CN" dirty="0" smtClean="0"/>
-          </a:p>
-          <a:p>
-            <a:r>
-              <a:rPr lang="zh-CN" altLang="en-US" dirty="0" smtClean="0"/>
-              <a:t>真实世界的真实对象（物体）包括两个方面。</a:t>
-            </a:r>
-            <a:endParaRPr lang="en-US" altLang="zh-CN" dirty="0" smtClean="0"/>
-          </a:p>
-          <a:p>
             <a:pPr lvl="1"/>
             <a:r>
-              <a:rPr lang="zh-CN" altLang="en-US" dirty="0" smtClean="0"/>
-              <a:t>可以对它们做什么（动作）。</a:t>
+              <a:rPr lang="en-US" altLang="zh-CN" dirty="0" smtClean="0"/>
+              <a:t>Enter 5 names: </a:t>
             </a:r>
           </a:p>
           <a:p>
             <a:pPr lvl="1"/>
             <a:r>
-              <a:rPr lang="zh-CN" altLang="en-US" dirty="0" smtClean="0"/>
-              <a:t>如何描述（属性或特性）。</a:t>
+              <a:rPr lang="en-US" altLang="zh-CN" dirty="0" smtClean="0"/>
+              <a:t>Tony</a:t>
+            </a:r>
+          </a:p>
+          <a:p>
+            <a:pPr lvl="1"/>
+            <a:r>
+              <a:rPr lang="en-US" altLang="zh-CN" dirty="0" smtClean="0"/>
+              <a:t>Paul</a:t>
+            </a:r>
+          </a:p>
+          <a:p>
+            <a:pPr lvl="1"/>
+            <a:r>
+              <a:rPr lang="en-US" altLang="zh-CN" dirty="0" smtClean="0"/>
+              <a:t> Nick </a:t>
+            </a:r>
+          </a:p>
+          <a:p>
+            <a:pPr lvl="1"/>
+            <a:r>
+              <a:rPr lang="en-US" altLang="zh-CN" dirty="0" smtClean="0"/>
+              <a:t>Michel</a:t>
+            </a:r>
+          </a:p>
+          <a:p>
+            <a:pPr lvl="1"/>
+            <a:r>
+              <a:rPr lang="en-US" altLang="zh-CN" dirty="0" smtClean="0"/>
+              <a:t> Kevin </a:t>
+            </a:r>
+          </a:p>
+          <a:p>
+            <a:pPr lvl="1"/>
+            <a:r>
+              <a:rPr lang="en-US" altLang="zh-CN" dirty="0" smtClean="0"/>
+              <a:t>The names are Tony Paul Nick Michel Kevin </a:t>
+            </a:r>
+          </a:p>
+          <a:p>
+            <a:pPr lvl="1"/>
+            <a:r>
+              <a:rPr lang="en-US" altLang="zh-CN" dirty="0" smtClean="0"/>
+              <a:t>Replace one name. Which one? (1-5): 4 </a:t>
+            </a:r>
+          </a:p>
+          <a:p>
+            <a:pPr lvl="1"/>
+            <a:r>
+              <a:rPr lang="en-US" altLang="zh-CN" dirty="0" smtClean="0"/>
+              <a:t>New name: Peter </a:t>
+            </a:r>
+          </a:p>
+          <a:p>
+            <a:pPr lvl="1"/>
+            <a:r>
+              <a:rPr lang="en-US" altLang="zh-CN" dirty="0" smtClean="0"/>
+              <a:t>The names are Tony Paul Nick Peter Kevin</a:t>
             </a:r>
             <a:endParaRPr lang="zh-CN" altLang="en-US" dirty="0"/>
           </a:p>
@@ -3874,6 +3941,13 @@
   <p:clrMapOvr>
     <a:masterClrMapping/>
   </p:clrMapOvr>
+  <p:timing>
+    <p:tnLst>
+      <p:par>
+        <p:cTn id="1" dur="indefinite" restart="never" nodeType="tmRoot"/>
+      </p:par>
+    </p:tnLst>
+  </p:timing>
 </p:sld>
 </file>
 
@@ -3906,198 +3980,111 @@
         </p:nvSpPr>
         <p:spPr/>
         <p:txBody>
+          <a:bodyPr/>
+          <a:lstStyle/>
+          <a:p>
+            <a:pPr algn="l"/>
+            <a:r>
+              <a:rPr lang="zh-CN" altLang="en-US" dirty="0" smtClean="0"/>
+              <a:t>动手试一试</a:t>
+            </a:r>
+            <a:endParaRPr lang="zh-CN" altLang="en-US" dirty="0"/>
+          </a:p>
+        </p:txBody>
+      </p:sp>
+      <p:sp>
+        <p:nvSpPr>
+          <p:cNvPr id="3" name="内容占位符 2"/>
+          <p:cNvSpPr>
+            <a:spLocks noGrp="1"/>
+          </p:cNvSpPr>
+          <p:nvPr>
+            <p:ph idx="1"/>
+          </p:nvPr>
+        </p:nvSpPr>
+        <p:spPr/>
+        <p:txBody>
           <a:bodyPr>
-            <a:normAutofit/>
+            <a:normAutofit fontScale="77500" lnSpcReduction="20000"/>
           </a:bodyPr>
           <a:lstStyle/>
           <a:p>
-            <a:pPr algn="l"/>
-            <a:r>
-              <a:rPr lang="en-US" altLang="zh-CN" dirty="0" smtClean="0"/>
-              <a:t>14.2 </a:t>
-            </a:r>
-            <a:r>
-              <a:rPr lang="en-US" altLang="zh-CN" b="1" dirty="0" smtClean="0"/>
-              <a:t>Python </a:t>
-            </a:r>
-            <a:r>
-              <a:rPr lang="zh-CN" altLang="en-US" b="1" dirty="0" smtClean="0"/>
-              <a:t>中的对象</a:t>
+            <a:r>
+              <a:rPr lang="zh-CN" altLang="en-US" dirty="0" smtClean="0"/>
+              <a:t>编写一个字典程序，让用户可以添加单词和定义，然后可以查找这些单词。 确保当要查找的单词不存在时，用户能够知晓。运行的时候，它应该是像这 样的：</a:t>
+            </a:r>
+            <a:endParaRPr lang="en-US" altLang="zh-CN" dirty="0" smtClean="0"/>
+          </a:p>
+          <a:p>
+            <a:pPr lvl="1"/>
+            <a:r>
+              <a:rPr lang="en-US" altLang="zh-CN" dirty="0" smtClean="0"/>
+              <a:t>Add or look up a word (a/l)? a </a:t>
+            </a:r>
+          </a:p>
+          <a:p>
+            <a:pPr lvl="1"/>
+            <a:r>
+              <a:rPr lang="en-US" altLang="zh-CN" dirty="0" smtClean="0"/>
+              <a:t>Type the word: computer </a:t>
+            </a:r>
+          </a:p>
+          <a:p>
+            <a:pPr lvl="1"/>
+            <a:r>
+              <a:rPr lang="en-US" altLang="zh-CN" dirty="0" smtClean="0"/>
+              <a:t>Type the definition: A machine that does very fast math </a:t>
+            </a:r>
+          </a:p>
+          <a:p>
+            <a:pPr lvl="1"/>
+            <a:r>
+              <a:rPr lang="en-US" altLang="zh-CN" dirty="0" smtClean="0"/>
+              <a:t>Word added! </a:t>
+            </a:r>
+          </a:p>
+          <a:p>
+            <a:pPr lvl="1"/>
+            <a:r>
+              <a:rPr lang="en-US" altLang="zh-CN" dirty="0" smtClean="0"/>
+              <a:t>Add or look up a word (a/l)? l </a:t>
+            </a:r>
+          </a:p>
+          <a:p>
+            <a:pPr lvl="1"/>
+            <a:r>
+              <a:rPr lang="en-US" altLang="zh-CN" dirty="0" smtClean="0"/>
+              <a:t>Type the word: computer </a:t>
+            </a:r>
+          </a:p>
+          <a:p>
+            <a:pPr lvl="1"/>
+            <a:r>
+              <a:rPr lang="en-US" altLang="zh-CN" dirty="0" smtClean="0"/>
+              <a:t>A machine that does very fast math </a:t>
+            </a:r>
+          </a:p>
+          <a:p>
+            <a:pPr lvl="1"/>
+            <a:r>
+              <a:rPr lang="en-US" altLang="zh-CN" dirty="0" smtClean="0"/>
+              <a:t>Add or look up a word (a/l)? l </a:t>
+            </a:r>
+          </a:p>
+          <a:p>
+            <a:pPr lvl="1"/>
+            <a:r>
+              <a:rPr lang="en-US" altLang="zh-CN" dirty="0" smtClean="0"/>
+              <a:t>Type the word: qwerty </a:t>
+            </a:r>
+          </a:p>
+          <a:p>
+            <a:pPr lvl="1"/>
+            <a:r>
+              <a:rPr lang="en-US" altLang="zh-CN" dirty="0" smtClean="0"/>
+              <a:t>That word isn’t in the dictionary yet.</a:t>
             </a:r>
             <a:endParaRPr lang="zh-CN" altLang="en-US" dirty="0"/>
-          </a:p>
-        </p:txBody>
-      </p:sp>
-      <p:sp>
-        <p:nvSpPr>
-          <p:cNvPr id="3" name="内容占位符 2"/>
-          <p:cNvSpPr>
-            <a:spLocks noGrp="1"/>
-          </p:cNvSpPr>
-          <p:nvPr>
-            <p:ph idx="1"/>
-          </p:nvPr>
-        </p:nvSpPr>
-        <p:spPr/>
-        <p:txBody>
-          <a:bodyPr>
-            <a:normAutofit fontScale="85000" lnSpcReduction="20000"/>
-          </a:bodyPr>
-          <a:lstStyle/>
-          <a:p>
-            <a:r>
-              <a:rPr lang="zh-CN" altLang="en-US" dirty="0" smtClean="0"/>
-              <a:t>在</a:t>
-            </a:r>
-            <a:r>
-              <a:rPr lang="en-US" altLang="zh-CN" dirty="0" smtClean="0"/>
-              <a:t>Python </a:t>
-            </a:r>
-            <a:r>
-              <a:rPr lang="zh-CN" altLang="en-US" dirty="0" smtClean="0"/>
-              <a:t>中，一个对象的特征（或“你知道的事情”）也称为属性（</a:t>
-            </a:r>
-            <a:r>
-              <a:rPr lang="en-US" altLang="zh-CN" dirty="0" smtClean="0"/>
-              <a:t>attribute</a:t>
-            </a:r>
-            <a:r>
-              <a:rPr lang="zh-CN" altLang="en-US" dirty="0" smtClean="0"/>
-              <a:t>），这应该很好记。动作（或“能够对对象做的操作”）称为方法（</a:t>
-            </a:r>
-            <a:r>
-              <a:rPr lang="en-US" altLang="zh-CN" dirty="0" smtClean="0"/>
-              <a:t>method</a:t>
-            </a:r>
-            <a:r>
-              <a:rPr lang="zh-CN" altLang="en-US" dirty="0" smtClean="0"/>
-              <a:t>）</a:t>
-            </a:r>
-            <a:endParaRPr lang="en-US" altLang="zh-CN" dirty="0" smtClean="0"/>
-          </a:p>
-          <a:p>
-            <a:r>
-              <a:rPr lang="zh-CN" altLang="en-US" dirty="0" smtClean="0"/>
-              <a:t>球就是一个对象</a:t>
-            </a:r>
-            <a:r>
-              <a:rPr lang="en-US" altLang="zh-CN" dirty="0" smtClean="0"/>
-              <a:t>,</a:t>
-            </a:r>
-            <a:r>
-              <a:rPr lang="zh-CN" altLang="en-US" dirty="0" smtClean="0"/>
-              <a:t>属性</a:t>
-            </a:r>
-            <a:r>
-              <a:rPr lang="en-US" altLang="zh-CN" dirty="0" smtClean="0"/>
-              <a:t>:</a:t>
-            </a:r>
-          </a:p>
-          <a:p>
-            <a:pPr lvl="1">
-              <a:buNone/>
-            </a:pPr>
-            <a:r>
-              <a:rPr lang="en-US" altLang="zh-CN" dirty="0" smtClean="0"/>
-              <a:t>	</a:t>
-            </a:r>
-            <a:r>
-              <a:rPr lang="en-US" altLang="zh-CN" dirty="0" err="1" smtClean="0"/>
-              <a:t>ball.color</a:t>
-            </a:r>
-            <a:endParaRPr lang="en-US" altLang="zh-CN" dirty="0" smtClean="0"/>
-          </a:p>
-          <a:p>
-            <a:pPr lvl="1">
-              <a:buNone/>
-            </a:pPr>
-            <a:r>
-              <a:rPr lang="en-US" altLang="zh-CN" dirty="0" smtClean="0"/>
-              <a:t>	</a:t>
-            </a:r>
-            <a:r>
-              <a:rPr lang="en-US" altLang="zh-CN" dirty="0" err="1" smtClean="0"/>
-              <a:t>ball.size</a:t>
-            </a:r>
-            <a:endParaRPr lang="en-US" altLang="zh-CN" dirty="0" smtClean="0"/>
-          </a:p>
-          <a:p>
-            <a:pPr lvl="1">
-              <a:buNone/>
-            </a:pPr>
-            <a:r>
-              <a:rPr lang="en-US" altLang="zh-CN" dirty="0" smtClean="0"/>
-              <a:t>	</a:t>
-            </a:r>
-            <a:r>
-              <a:rPr lang="en-US" altLang="zh-CN" smtClean="0"/>
-              <a:t>ball.weight</a:t>
-            </a:r>
-            <a:endParaRPr lang="en-US" altLang="zh-CN" dirty="0" smtClean="0"/>
-          </a:p>
-          <a:p>
-            <a:pPr lvl="1">
-              <a:buNone/>
-            </a:pPr>
-            <a:r>
-              <a:rPr lang="zh-CN" altLang="en-US" dirty="0" smtClean="0"/>
-              <a:t>方法</a:t>
-            </a:r>
-            <a:r>
-              <a:rPr lang="en-US" altLang="zh-CN" dirty="0" smtClean="0"/>
-              <a:t>:</a:t>
-            </a:r>
-          </a:p>
-          <a:p>
-            <a:pPr lvl="1">
-              <a:buNone/>
-            </a:pPr>
-            <a:r>
-              <a:rPr lang="en-US" altLang="zh-CN" dirty="0" smtClean="0"/>
-              <a:t>	</a:t>
-            </a:r>
-            <a:r>
-              <a:rPr lang="en-US" altLang="zh-CN" dirty="0" err="1" smtClean="0"/>
-              <a:t>ball.kick</a:t>
-            </a:r>
-            <a:r>
-              <a:rPr lang="en-US" altLang="zh-CN" dirty="0" smtClean="0"/>
-              <a:t>()</a:t>
-            </a:r>
-          </a:p>
-          <a:p>
-            <a:pPr lvl="1">
-              <a:buNone/>
-            </a:pPr>
-            <a:r>
-              <a:rPr lang="en-US" altLang="zh-CN" dirty="0" smtClean="0"/>
-              <a:t>	</a:t>
-            </a:r>
-            <a:r>
-              <a:rPr lang="en-US" altLang="zh-CN" dirty="0" err="1" smtClean="0"/>
-              <a:t>ball.throw</a:t>
-            </a:r>
-            <a:r>
-              <a:rPr lang="en-US" altLang="zh-CN" dirty="0" smtClean="0"/>
-              <a:t>()</a:t>
-            </a:r>
-          </a:p>
-          <a:p>
-            <a:pPr lvl="1">
-              <a:buNone/>
-            </a:pPr>
-            <a:r>
-              <a:rPr lang="en-US" altLang="zh-CN" dirty="0" smtClean="0"/>
-              <a:t>	</a:t>
-            </a:r>
-            <a:r>
-              <a:rPr lang="en-US" altLang="zh-CN" dirty="0" err="1" smtClean="0"/>
-              <a:t>ball.inflate</a:t>
-            </a:r>
-            <a:r>
-              <a:rPr lang="en-US" altLang="zh-CN" dirty="0" smtClean="0"/>
-              <a:t>()</a:t>
-            </a:r>
           </a:p>
         </p:txBody>
       </p:sp>
@@ -4106,6 +4093,13 @@
   <p:clrMapOvr>
     <a:masterClrMapping/>
   </p:clrMapOvr>
+  <p:timing>
+    <p:tnLst>
+      <p:par>
+        <p:cTn id="1" dur="indefinite" restart="never" nodeType="tmRoot"/>
+      </p:par>
+    </p:tnLst>
+  </p:timing>
 </p:sld>
 </file>
 
@@ -4138,68 +4132,166 @@
         </p:nvSpPr>
         <p:spPr/>
         <p:txBody>
+          <a:bodyPr/>
+          <a:lstStyle/>
+          <a:p>
+            <a:pPr algn="l"/>
+            <a:r>
+              <a:rPr lang="en-US" altLang="zh-CN" dirty="0" smtClean="0"/>
+              <a:t>13  </a:t>
+            </a:r>
+            <a:r>
+              <a:rPr lang="zh-CN" altLang="en-US" dirty="0" smtClean="0"/>
+              <a:t>函　　数</a:t>
+            </a:r>
+            <a:endParaRPr lang="zh-CN" altLang="en-US" dirty="0"/>
+          </a:p>
+        </p:txBody>
+      </p:sp>
+      <p:sp>
+        <p:nvSpPr>
+          <p:cNvPr id="3" name="内容占位符 2"/>
+          <p:cNvSpPr>
+            <a:spLocks noGrp="1"/>
+          </p:cNvSpPr>
+          <p:nvPr>
+            <p:ph idx="1"/>
+          </p:nvPr>
+        </p:nvSpPr>
+        <p:spPr>
+          <a:xfrm>
+            <a:off x="457200" y="1600201"/>
+            <a:ext cx="8229600" cy="2476871"/>
+          </a:xfrm>
+        </p:spPr>
+        <p:txBody>
           <a:bodyPr>
-            <a:normAutofit/>
+            <a:normAutofit fontScale="62500" lnSpcReduction="20000"/>
           </a:bodyPr>
           <a:lstStyle/>
           <a:p>
-            <a:pPr algn="l"/>
-            <a:r>
-              <a:rPr lang="en-US" altLang="zh-CN" dirty="0" smtClean="0"/>
-              <a:t>14.3 </a:t>
-            </a:r>
-            <a:r>
-              <a:rPr lang="zh-CN" altLang="en-US" dirty="0" smtClean="0"/>
-              <a:t>对象</a:t>
-            </a:r>
-            <a:r>
-              <a:rPr lang="en-US" altLang="zh-CN" dirty="0" smtClean="0"/>
-              <a:t>=</a:t>
-            </a:r>
-            <a:r>
-              <a:rPr lang="zh-CN" altLang="en-US" dirty="0" smtClean="0"/>
-              <a:t>属性</a:t>
-            </a:r>
-            <a:r>
-              <a:rPr lang="en-US" altLang="zh-CN" dirty="0" smtClean="0"/>
-              <a:t>+</a:t>
-            </a:r>
-            <a:r>
-              <a:rPr lang="zh-CN" altLang="en-US" dirty="0" smtClean="0"/>
-              <a:t>方法</a:t>
+            <a:r>
+              <a:rPr lang="zh-CN" altLang="en-US" dirty="0" smtClean="0"/>
+              <a:t>我们的程序很快就会变得越来越大，越来越复杂。需要一些方法把它们分成较 小的部分进行组织，这样更易于编写，也更容易明白。</a:t>
+            </a:r>
+            <a:endParaRPr lang="en-US" altLang="zh-CN" dirty="0" smtClean="0"/>
+          </a:p>
+          <a:p>
+            <a:r>
+              <a:rPr lang="zh-CN" altLang="en-US" dirty="0" smtClean="0"/>
+              <a:t> 要把程序分解成较小的部分，主要有 </a:t>
+            </a:r>
+            <a:r>
+              <a:rPr lang="en-US" altLang="zh-CN" dirty="0" smtClean="0"/>
+              <a:t>3 </a:t>
+            </a:r>
+            <a:r>
+              <a:rPr lang="zh-CN" altLang="en-US" dirty="0" smtClean="0"/>
+              <a:t>种方法。</a:t>
+            </a:r>
+            <a:endParaRPr lang="en-US" altLang="zh-CN" dirty="0" smtClean="0"/>
+          </a:p>
+          <a:p>
+            <a:pPr lvl="1"/>
+            <a:r>
+              <a:rPr lang="zh-CN" altLang="en-US" dirty="0" smtClean="0"/>
+              <a:t>函数（</a:t>
+            </a:r>
+            <a:r>
+              <a:rPr lang="en-US" altLang="zh-CN" dirty="0" smtClean="0"/>
+              <a:t>function</a:t>
+            </a:r>
+            <a:r>
+              <a:rPr lang="zh-CN" altLang="en-US" dirty="0" smtClean="0"/>
+              <a:t>）就像是代码的 积木，可以反复地使用。</a:t>
+            </a:r>
+            <a:endParaRPr lang="en-US" altLang="zh-CN" dirty="0" smtClean="0"/>
+          </a:p>
+          <a:p>
+            <a:pPr lvl="1"/>
+            <a:r>
+              <a:rPr lang="zh-CN" altLang="en-US" dirty="0" smtClean="0"/>
+              <a:t>对象（</a:t>
+            </a:r>
+            <a:r>
+              <a:rPr lang="en-US" altLang="zh-CN" dirty="0" smtClean="0"/>
+              <a:t>object</a:t>
+            </a:r>
+            <a:r>
+              <a:rPr lang="zh-CN" altLang="en-US" dirty="0" smtClean="0"/>
+              <a:t>），可以把程序中的各部分描述为自包含 的单元。</a:t>
+            </a:r>
+            <a:endParaRPr lang="en-US" altLang="zh-CN" dirty="0" smtClean="0"/>
+          </a:p>
+          <a:p>
+            <a:pPr lvl="1"/>
+            <a:r>
+              <a:rPr lang="zh-CN" altLang="en-US" dirty="0" smtClean="0"/>
+              <a:t>模块（</a:t>
+            </a:r>
+            <a:r>
+              <a:rPr lang="en-US" altLang="zh-CN" dirty="0" smtClean="0"/>
+              <a:t>module</a:t>
+            </a:r>
+            <a:r>
+              <a:rPr lang="zh-CN" altLang="en-US" dirty="0" smtClean="0"/>
+              <a:t>）就是包含程序各部分的单独的文件。</a:t>
+            </a:r>
+            <a:endParaRPr lang="en-US" altLang="zh-CN" dirty="0" smtClean="0"/>
+          </a:p>
+          <a:p>
+            <a:r>
+              <a:rPr lang="zh-CN" altLang="en-US" dirty="0" smtClean="0"/>
+              <a:t>在这一章中，我们将 学习函数，后面两章会讨论对象和模块。</a:t>
             </a:r>
             <a:endParaRPr lang="zh-CN" altLang="en-US" dirty="0"/>
           </a:p>
         </p:txBody>
       </p:sp>
-      <p:sp>
-        <p:nvSpPr>
-          <p:cNvPr id="3" name="内容占位符 2"/>
-          <p:cNvSpPr>
-            <a:spLocks noGrp="1"/>
-          </p:cNvSpPr>
-          <p:nvPr>
-            <p:ph idx="1"/>
-          </p:nvPr>
-        </p:nvSpPr>
-        <p:spPr/>
-        <p:txBody>
-          <a:bodyPr/>
-          <a:lstStyle/>
-          <a:p>
-            <a:r>
-              <a:rPr lang="zh-CN" altLang="en-US" dirty="0" smtClean="0"/>
-              <a:t>所以利用对象，可以把一个东西的属性和方法（你知道的事情和你可以做的事情）收集在一起。属性是信息，方法是动作。</a:t>
-            </a:r>
-            <a:endParaRPr lang="zh-CN" altLang="en-US" dirty="0"/>
-          </a:p>
-        </p:txBody>
-      </p:sp>
+      <p:pic>
+        <p:nvPicPr>
+          <p:cNvPr id="1027" name="Picture 3"/>
+          <p:cNvPicPr>
+            <a:picLocks noChangeAspect="1" noChangeArrowheads="1"/>
+          </p:cNvPicPr>
+          <p:nvPr/>
+        </p:nvPicPr>
+        <p:blipFill>
+          <a:blip r:embed="rId2" cstate="print"/>
+          <a:srcRect/>
+          <a:stretch>
+            <a:fillRect/>
+          </a:stretch>
+        </p:blipFill>
+        <p:spPr bwMode="auto">
+          <a:xfrm>
+            <a:off x="2699792" y="4098379"/>
+            <a:ext cx="3686175" cy="2066925"/>
+          </a:xfrm>
+          <a:prstGeom prst="rect">
+            <a:avLst/>
+          </a:prstGeom>
+          <a:noFill/>
+          <a:ln w="9525">
+            <a:noFill/>
+            <a:miter lim="800000"/>
+            <a:headEnd/>
+            <a:tailEnd/>
+          </a:ln>
+        </p:spPr>
+      </p:pic>
     </p:spTree>
   </p:cSld>
   <p:clrMapOvr>
     <a:masterClrMapping/>
   </p:clrMapOvr>
+  <p:timing>
+    <p:tnLst>
+      <p:par>
+        <p:cTn id="1" dur="indefinite" restart="never" nodeType="tmRoot"/>
+      </p:par>
+    </p:tnLst>
+  </p:timing>
 </p:sld>
 </file>
 
@@ -4237,14 +4329,22 @@
           <a:p>
             <a:pPr algn="l"/>
             <a:r>
-              <a:rPr lang="en-US" altLang="zh-CN" b="1" smtClean="0"/>
-              <a:t>14.4</a:t>
-            </a:r>
-            <a:r>
-              <a:rPr lang="zh-CN" altLang="en-US" b="1" smtClean="0"/>
-              <a:t>　创建对象</a:t>
-            </a:r>
-            <a:endParaRPr lang="zh-CN" altLang="en-US"/>
+              <a:rPr lang="en-US" altLang="zh-CN" dirty="0" smtClean="0"/>
+              <a:t>13.1 </a:t>
+            </a:r>
+            <a:r>
+              <a:rPr lang="zh-CN" altLang="en-US" dirty="0" smtClean="0"/>
+              <a:t>函数</a:t>
+            </a:r>
+            <a:r>
+              <a:rPr lang="en-US" altLang="zh-CN" dirty="0" smtClean="0"/>
+              <a:t>-</a:t>
+            </a:r>
+            <a:r>
+              <a:rPr lang="zh-CN" altLang="en-US" dirty="0" smtClean="0"/>
+              <a:t>积木</a:t>
+            </a:r>
+            <a:endParaRPr lang="zh-CN" altLang="en-US" dirty="0"/>
           </a:p>
         </p:txBody>
       </p:sp>
@@ -4258,94 +4358,123 @@
             <p:ph idx="1"/>
           </p:nvPr>
         </p:nvSpPr>
-        <p:spPr/>
-        <p:txBody>
-          <a:bodyPr/>
-          <a:lstStyle/>
-          <a:p>
+        <p:spPr>
+          <a:xfrm>
+            <a:off x="457200" y="1639341"/>
+            <a:ext cx="8229600" cy="4525963"/>
+          </a:xfrm>
+        </p:spPr>
+        <p:txBody>
+          <a:bodyPr>
+            <a:normAutofit fontScale="92500" lnSpcReduction="20000"/>
+          </a:bodyPr>
+          <a:lstStyle/>
+          <a:p>
+            <a:r>
+              <a:rPr lang="zh-CN" altLang="en-US" dirty="0" smtClean="0"/>
+              <a:t>创建或定义函数要使用 </a:t>
+            </a:r>
             <a:r>
               <a:rPr lang="en-US" altLang="zh-CN" dirty="0" smtClean="0"/>
               <a:t>Python </a:t>
             </a:r>
             <a:r>
               <a:rPr lang="zh-CN" altLang="en-US" dirty="0" smtClean="0"/>
-              <a:t>中创建对象包括两</a:t>
-            </a:r>
-            <a:r>
-              <a:rPr lang="zh-CN" altLang="en-US" dirty="0" smtClean="0"/>
-              <a:t>步</a:t>
+              <a:t>的 </a:t>
+            </a:r>
+            <a:r>
+              <a:rPr lang="en-US" altLang="zh-CN" dirty="0" smtClean="0"/>
+              <a:t>def </a:t>
+            </a:r>
+            <a:r>
+              <a:rPr lang="zh-CN" altLang="en-US" dirty="0" smtClean="0"/>
+              <a:t>关键 字。然后可以利用函数名来使用或调用这个函数。</a:t>
             </a:r>
             <a:endParaRPr lang="en-US" altLang="zh-CN" dirty="0" smtClean="0"/>
           </a:p>
           <a:p>
+            <a:r>
+              <a:rPr lang="zh-CN" altLang="en-US" dirty="0" smtClean="0"/>
+              <a:t>创建一个函数，打印地址：</a:t>
+            </a:r>
+            <a:endParaRPr lang="en-US" altLang="zh-CN" dirty="0" smtClean="0"/>
+          </a:p>
+          <a:p>
             <a:pPr lvl="1"/>
             <a:r>
-              <a:rPr lang="zh-CN" altLang="en-US" dirty="0" smtClean="0"/>
-              <a:t>第一步是定义对象看上去</a:t>
-            </a:r>
-            <a:r>
-              <a:rPr lang="zh-CN" altLang="en-US" dirty="0" smtClean="0"/>
-              <a:t>什么样</a:t>
-            </a:r>
-            <a:r>
-              <a:rPr lang="zh-CN" altLang="en-US" dirty="0" smtClean="0"/>
-              <a:t>，会做什么，也就是它的属性</a:t>
-            </a:r>
-            <a:r>
-              <a:rPr lang="zh-CN" altLang="en-US" dirty="0" smtClean="0"/>
-              <a:t>和方法（蓝图）。</a:t>
-            </a:r>
-            <a:endParaRPr lang="en-US" altLang="zh-CN" dirty="0" smtClean="0"/>
+              <a:rPr lang="en-US" altLang="zh-CN" dirty="0" smtClean="0"/>
+              <a:t>def </a:t>
+            </a:r>
+            <a:r>
+              <a:rPr lang="en-US" altLang="zh-CN" dirty="0" err="1" smtClean="0"/>
+              <a:t>printMyAddress</a:t>
+            </a:r>
+            <a:r>
+              <a:rPr lang="en-US" altLang="zh-CN" dirty="0" smtClean="0"/>
+              <a:t>():                 </a:t>
+            </a:r>
           </a:p>
           <a:p>
             <a:pPr lvl="1"/>
             <a:r>
-              <a:rPr lang="zh-CN" altLang="en-US" dirty="0" smtClean="0"/>
-              <a:t>第二步是使用类来建立一个真正</a:t>
-            </a:r>
-            <a:r>
-              <a:rPr lang="zh-CN" altLang="en-US" dirty="0" smtClean="0"/>
-              <a:t>的对象</a:t>
-            </a:r>
-            <a:endParaRPr lang="en-US" altLang="zh-CN" dirty="0" smtClean="0"/>
-          </a:p>
-          <a:p>
-            <a:r>
-              <a:rPr lang="zh-CN" altLang="en-US" dirty="0" smtClean="0"/>
-              <a:t>见代码 </a:t>
-            </a:r>
-            <a:r>
-              <a:rPr lang="en-US" altLang="zh-CN" dirty="0" smtClean="0"/>
-              <a:t>10-1</a:t>
-            </a:r>
-          </a:p>
-          <a:p>
-            <a:endParaRPr lang="en-US" altLang="zh-CN" dirty="0" smtClean="0"/>
-          </a:p>
-          <a:p>
-            <a:r>
-              <a:rPr lang="zh-CN" altLang="en-US" dirty="0" smtClean="0"/>
-              <a:t>创建一个对象</a:t>
-            </a:r>
-            <a:r>
-              <a:rPr lang="zh-CN" altLang="en-US" dirty="0" smtClean="0"/>
-              <a:t>实例 </a:t>
+              <a:rPr lang="en-US" altLang="zh-CN" dirty="0" smtClean="0"/>
+              <a:t>    print "Warren </a:t>
             </a:r>
             <a:r>
               <a:rPr lang="en-US" altLang="zh-CN" dirty="0" err="1" smtClean="0"/>
-              <a:t>myBall</a:t>
-            </a:r>
-            <a:r>
-              <a:rPr lang="en-US" altLang="zh-CN" dirty="0" smtClean="0"/>
-              <a:t> = Ball</a:t>
-            </a:r>
-            <a:r>
-              <a:rPr lang="en-US" altLang="zh-CN" dirty="0" smtClean="0"/>
-              <a:t>()</a:t>
-            </a:r>
-          </a:p>
-          <a:p>
-            <a:endParaRPr lang="en-US" altLang="zh-CN" dirty="0" smtClean="0"/>
+              <a:t>Sande</a:t>
+            </a:r>
+            <a:r>
+              <a:rPr lang="en-US" altLang="zh-CN" dirty="0" smtClean="0"/>
+              <a:t>"              </a:t>
+            </a:r>
+          </a:p>
+          <a:p>
+            <a:pPr lvl="1"/>
+            <a:r>
+              <a:rPr lang="en-US" altLang="zh-CN" dirty="0" smtClean="0"/>
+              <a:t>    print "123 Main Street"           </a:t>
+            </a:r>
+          </a:p>
+          <a:p>
+            <a:pPr lvl="1"/>
+            <a:r>
+              <a:rPr lang="en-US" altLang="zh-CN" dirty="0" smtClean="0"/>
+              <a:t>    print "Ottawa, Ontario, Canada"           </a:t>
+            </a:r>
+          </a:p>
+          <a:p>
+            <a:pPr lvl="1"/>
+            <a:r>
+              <a:rPr lang="en-US" altLang="zh-CN" dirty="0" smtClean="0"/>
+              <a:t>    print "K2M 2E9"                   </a:t>
+            </a:r>
+          </a:p>
+          <a:p>
+            <a:pPr lvl="1"/>
+            <a:r>
+              <a:rPr lang="en-US" altLang="zh-CN" dirty="0" smtClean="0"/>
+              <a:t>    print                           </a:t>
+            </a:r>
+          </a:p>
+          <a:p>
+            <a:pPr lvl="1"/>
+            <a:r>
+              <a:rPr lang="en-US" altLang="zh-CN" dirty="0" smtClean="0"/>
+              <a:t># main program starts here - call the function</a:t>
+            </a:r>
+          </a:p>
+          <a:p>
+            <a:pPr lvl="1"/>
+            <a:r>
+              <a:rPr lang="en-US" altLang="zh-CN" dirty="0" err="1" smtClean="0"/>
+              <a:t>printMyAddress</a:t>
+            </a:r>
+            <a:r>
+              <a:rPr lang="en-US" altLang="zh-CN" dirty="0" smtClean="0"/>
+              <a:t>() </a:t>
+            </a:r>
+            <a:endParaRPr lang="zh-CN" altLang="en-US" dirty="0"/>
           </a:p>
         </p:txBody>
       </p:sp>
@@ -4354,6 +4483,13 @@
   <p:clrMapOvr>
     <a:masterClrMapping/>
   </p:clrMapOvr>
+  <p:timing>
+    <p:tnLst>
+      <p:par>
+        <p:cTn id="1" dur="indefinite" restart="never" nodeType="tmRoot"/>
+      </p:par>
+    </p:tnLst>
+  </p:timing>
 </p:sld>
 </file>
 
@@ -4391,14 +4527,14 @@
           <a:p>
             <a:pPr algn="l"/>
             <a:r>
-              <a:rPr lang="en-US" altLang="zh-CN" b="1" smtClean="0"/>
-              <a:t>14.4</a:t>
-            </a:r>
-            <a:r>
-              <a:rPr lang="zh-CN" altLang="en-US" b="1" smtClean="0"/>
-              <a:t>　创建对象</a:t>
-            </a:r>
-            <a:endParaRPr lang="zh-CN" altLang="en-US"/>
+              <a:rPr lang="en-US" altLang="zh-CN" dirty="0" smtClean="0"/>
+              <a:t>13.1 </a:t>
+            </a:r>
+            <a:r>
+              <a:rPr lang="zh-CN" altLang="en-US" dirty="0" smtClean="0"/>
+              <a:t>函数</a:t>
+            </a:r>
+            <a:endParaRPr lang="zh-CN" altLang="en-US" dirty="0"/>
           </a:p>
         </p:txBody>
       </p:sp>
@@ -4412,146 +4548,107 @@
             <p:ph idx="1"/>
           </p:nvPr>
         </p:nvSpPr>
-        <p:spPr/>
+        <p:spPr>
+          <a:xfrm>
+            <a:off x="457200" y="1600200"/>
+            <a:ext cx="3898776" cy="4525963"/>
+          </a:xfrm>
+        </p:spPr>
         <p:txBody>
           <a:bodyPr>
-            <a:normAutofit/>
+            <a:normAutofit fontScale="92500" lnSpcReduction="10000"/>
           </a:bodyPr>
           <a:lstStyle/>
           <a:p>
             <a:r>
-              <a:rPr lang="zh-CN" altLang="en-US" dirty="0" smtClean="0"/>
-              <a:t>初始化对象</a:t>
+              <a:rPr lang="en-US" altLang="zh-CN" dirty="0" smtClean="0"/>
+              <a:t>1. </a:t>
+            </a:r>
+            <a:r>
+              <a:rPr lang="zh-CN" altLang="en-US" dirty="0" smtClean="0"/>
+              <a:t>从这里开始。这是主程序的开始</a:t>
             </a:r>
             <a:endParaRPr lang="en-US" altLang="zh-CN" dirty="0" smtClean="0"/>
           </a:p>
           <a:p>
-            <a:pPr lvl="1"/>
-            <a:r>
-              <a:rPr lang="zh-CN" altLang="en-US" dirty="0" smtClean="0"/>
-              <a:t>初始化对象，可以在创建时设置属性</a:t>
+            <a:r>
+              <a:rPr lang="en-US" altLang="zh-CN" dirty="0" smtClean="0"/>
+              <a:t>2 . </a:t>
+            </a:r>
+            <a:r>
+              <a:rPr lang="zh-CN" altLang="en-US" dirty="0" smtClean="0"/>
+              <a:t>调用函数时，跳到函数中的第一行代码</a:t>
             </a:r>
             <a:endParaRPr lang="en-US" altLang="zh-CN" dirty="0" smtClean="0"/>
           </a:p>
           <a:p>
-            <a:pPr lvl="1"/>
-            <a:r>
-              <a:rPr lang="en-US" altLang="zh-CN" dirty="0" smtClean="0"/>
-              <a:t>__init()__ </a:t>
-            </a:r>
-          </a:p>
-          <a:p>
-            <a:pPr lvl="1"/>
-            <a:r>
-              <a:rPr lang="zh-CN" altLang="en-US" dirty="0" smtClean="0"/>
-              <a:t>见代码</a:t>
-            </a:r>
-            <a:r>
-              <a:rPr lang="en-US" altLang="zh-CN" dirty="0" smtClean="0"/>
-              <a:t>10-3</a:t>
-            </a:r>
-          </a:p>
-          <a:p>
-            <a:r>
-              <a:rPr lang="zh-CN" altLang="en-US" dirty="0" smtClean="0"/>
-              <a:t>“魔法”方法</a:t>
-            </a:r>
-            <a:r>
-              <a:rPr lang="en-US" altLang="zh-CN" dirty="0" smtClean="0"/>
-              <a:t>: </a:t>
-            </a:r>
-            <a:r>
-              <a:rPr lang="en-US" altLang="zh-CN" b="1" dirty="0" smtClean="0"/>
-              <a:t>__</a:t>
-            </a:r>
-            <a:r>
-              <a:rPr lang="en-US" altLang="zh-CN" b="1" dirty="0" err="1" smtClean="0"/>
-              <a:t>str</a:t>
-            </a:r>
-            <a:r>
-              <a:rPr lang="en-US" altLang="zh-CN" b="1" dirty="0" smtClean="0"/>
-              <a:t>__()</a:t>
-            </a:r>
-          </a:p>
-          <a:p>
-            <a:pPr lvl="1"/>
-            <a:r>
-              <a:rPr lang="zh-CN" altLang="en-US" dirty="0" smtClean="0"/>
-              <a:t>这些只是在你创建类时</a:t>
-            </a:r>
-            <a:r>
-              <a:rPr lang="en-US" altLang="zh-CN" dirty="0" smtClean="0"/>
-              <a:t>Python </a:t>
-            </a:r>
-            <a:r>
-              <a:rPr lang="zh-CN" altLang="en-US" dirty="0" smtClean="0"/>
-              <a:t>自动包含的一些方法。</a:t>
-            </a:r>
-            <a:r>
-              <a:rPr lang="en-US" altLang="zh-CN" dirty="0" smtClean="0"/>
-              <a:t>Python </a:t>
-            </a:r>
-            <a:r>
-              <a:rPr lang="zh-CN" altLang="en-US" dirty="0" smtClean="0"/>
-              <a:t>程序员通常把</a:t>
-            </a:r>
-            <a:r>
-              <a:rPr lang="zh-CN" altLang="en-US" dirty="0" smtClean="0"/>
-              <a:t>它们</a:t>
-            </a:r>
-            <a:r>
-              <a:rPr lang="zh-CN" altLang="en-US" dirty="0" smtClean="0"/>
-              <a:t>叫做特殊方法（</a:t>
-            </a:r>
-            <a:r>
-              <a:rPr lang="en-US" altLang="zh-CN" dirty="0" smtClean="0"/>
-              <a:t>special method</a:t>
-            </a:r>
-            <a:r>
-              <a:rPr lang="zh-CN" altLang="en-US" dirty="0" smtClean="0"/>
-              <a:t>）</a:t>
-            </a:r>
-            <a:r>
-              <a:rPr lang="zh-CN" altLang="en-US" dirty="0" smtClean="0"/>
-              <a:t>。</a:t>
-            </a:r>
-            <a:r>
-              <a:rPr lang="zh-CN" altLang="en-US" dirty="0" smtClean="0"/>
-              <a:t>它会告诉</a:t>
-            </a:r>
-            <a:r>
-              <a:rPr lang="en-US" altLang="zh-CN" dirty="0" smtClean="0"/>
-              <a:t>Python </a:t>
-            </a:r>
-            <a:r>
-              <a:rPr lang="zh-CN" altLang="en-US" dirty="0" smtClean="0"/>
-              <a:t>打印（</a:t>
-            </a:r>
-            <a:r>
-              <a:rPr lang="en-US" altLang="zh-CN" sz="2400" dirty="0" smtClean="0"/>
-              <a:t>print</a:t>
-            </a:r>
-            <a:r>
-              <a:rPr lang="zh-CN" altLang="en-US" dirty="0" smtClean="0"/>
-              <a:t>）一个对象时</a:t>
-            </a:r>
-            <a:r>
-              <a:rPr lang="zh-CN" altLang="en-US" dirty="0" smtClean="0"/>
-              <a:t>具体</a:t>
-            </a:r>
-            <a:r>
-              <a:rPr lang="zh-CN" altLang="en-US" dirty="0" smtClean="0"/>
-              <a:t>显示什么内容。</a:t>
+            <a:r>
+              <a:rPr lang="en-US" altLang="zh-CN" dirty="0" smtClean="0"/>
+              <a:t>3. </a:t>
+            </a:r>
+            <a:r>
+              <a:rPr lang="zh-CN" altLang="en-US" dirty="0" smtClean="0"/>
+              <a:t>执行函数中的每一行代码</a:t>
             </a:r>
             <a:endParaRPr lang="en-US" altLang="zh-CN" dirty="0" smtClean="0"/>
           </a:p>
-        </p:txBody>
-      </p:sp>
+          <a:p>
+            <a:r>
+              <a:rPr lang="en-US" altLang="zh-CN" dirty="0" smtClean="0"/>
+              <a:t>4. </a:t>
+            </a:r>
+            <a:r>
+              <a:rPr lang="zh-CN" altLang="en-US" dirty="0" smtClean="0"/>
+              <a:t>函数完成时，从离开主程序的那个位置继续执行。</a:t>
+            </a:r>
+            <a:endParaRPr lang="zh-CN" altLang="en-US" dirty="0"/>
+          </a:p>
+        </p:txBody>
+      </p:sp>
+      <p:pic>
+        <p:nvPicPr>
+          <p:cNvPr id="2050" name="Picture 2"/>
+          <p:cNvPicPr>
+            <a:picLocks noChangeAspect="1" noChangeArrowheads="1"/>
+          </p:cNvPicPr>
+          <p:nvPr/>
+        </p:nvPicPr>
+        <p:blipFill>
+          <a:blip r:embed="rId2" cstate="print"/>
+          <a:srcRect/>
+          <a:stretch>
+            <a:fillRect/>
+          </a:stretch>
+        </p:blipFill>
+        <p:spPr bwMode="auto">
+          <a:xfrm>
+            <a:off x="4211960" y="2708920"/>
+            <a:ext cx="4680520" cy="2524125"/>
+          </a:xfrm>
+          <a:prstGeom prst="rect">
+            <a:avLst/>
+          </a:prstGeom>
+          <a:noFill/>
+          <a:ln w="9525">
+            <a:noFill/>
+            <a:miter lim="800000"/>
+            <a:headEnd/>
+            <a:tailEnd/>
+          </a:ln>
+        </p:spPr>
+      </p:pic>
     </p:spTree>
   </p:cSld>
   <p:clrMapOvr>
     <a:masterClrMapping/>
   </p:clrMapOvr>
+  <p:timing>
+    <p:tnLst>
+      <p:par>
+        <p:cTn id="1" dur="indefinite" restart="never" nodeType="tmRoot"/>
+      </p:par>
+    </p:tnLst>
+  </p:timing>
 </p:sld>
 </file>
 
@@ -4589,16 +4686,12 @@
           <a:p>
             <a:pPr algn="l"/>
             <a:r>
-              <a:rPr lang="en-US" altLang="zh-CN" b="1" dirty="0" smtClean="0"/>
-              <a:t>14.5</a:t>
-            </a:r>
-            <a:r>
-              <a:rPr lang="zh-CN" altLang="en-US" b="1" dirty="0" smtClean="0"/>
-              <a:t> 隐藏</a:t>
-            </a:r>
-            <a:r>
-              <a:rPr lang="zh-CN" altLang="en-US" b="1" dirty="0" smtClean="0"/>
-              <a:t>数据</a:t>
+              <a:rPr lang="en-US" altLang="zh-CN" dirty="0" smtClean="0"/>
+              <a:t>13.2 </a:t>
+            </a:r>
+            <a:r>
+              <a:rPr lang="zh-CN" altLang="en-US" dirty="0" smtClean="0"/>
+              <a:t>调用函数</a:t>
             </a:r>
             <a:endParaRPr lang="zh-CN" altLang="en-US" dirty="0"/>
           </a:p>
@@ -4616,130 +4709,92 @@
         </p:nvSpPr>
         <p:spPr/>
         <p:txBody>
-          <a:bodyPr/>
-          <a:lstStyle/>
-          <a:p>
+          <a:bodyPr>
+            <a:normAutofit fontScale="85000" lnSpcReduction="20000"/>
+          </a:bodyPr>
+          <a:lstStyle/>
+          <a:p>
+            <a:r>
+              <a:rPr lang="zh-CN" altLang="en-US" dirty="0" smtClean="0"/>
+              <a:t>调用函数时要使用函数名和一对括号。有时括号里还会有些东西，有时也可能 什么也没有。</a:t>
+            </a:r>
+            <a:endParaRPr lang="en-US" altLang="zh-CN" dirty="0" smtClean="0"/>
+          </a:p>
+          <a:p>
+            <a:r>
+              <a:rPr lang="zh-CN" altLang="en-US" dirty="0" smtClean="0"/>
+              <a:t>使用函数的主要原因是，一旦定义了函数，就可以通过调用反复地使用。所以如 果我们想把地址打印 </a:t>
+            </a:r>
+            <a:r>
+              <a:rPr lang="en-US" altLang="zh-CN" dirty="0" smtClean="0"/>
+              <a:t>5 </a:t>
+            </a:r>
+            <a:r>
+              <a:rPr lang="zh-CN" altLang="en-US" dirty="0" smtClean="0"/>
+              <a:t>次，可以这样做：</a:t>
+            </a:r>
+            <a:endParaRPr lang="en-US" altLang="zh-CN" dirty="0" smtClean="0"/>
+          </a:p>
+          <a:p>
+            <a:pPr lvl="1"/>
             <a:r>
               <a:rPr lang="en-US" altLang="zh-CN" dirty="0" err="1" smtClean="0"/>
-              <a:t>myDog.cooked_level</a:t>
-            </a:r>
-            <a:r>
-              <a:rPr lang="en-US" altLang="zh-CN" dirty="0" smtClean="0"/>
-              <a:t> = </a:t>
-            </a:r>
-            <a:r>
-              <a:rPr lang="en-US" altLang="zh-CN" dirty="0" smtClean="0"/>
-              <a:t>5</a:t>
-            </a:r>
-          </a:p>
-          <a:p>
+              <a:t>printMyAddress</a:t>
+            </a:r>
+            <a:r>
+              <a:rPr lang="en-US" altLang="zh-CN" dirty="0" smtClean="0"/>
+              <a:t>() </a:t>
+            </a:r>
+          </a:p>
+          <a:p>
+            <a:pPr lvl="1"/>
             <a:r>
               <a:rPr lang="en-US" altLang="zh-CN" dirty="0" err="1" smtClean="0"/>
-              <a:t>myDog.cook</a:t>
-            </a:r>
-            <a:r>
-              <a:rPr lang="en-US" altLang="zh-CN" dirty="0" smtClean="0"/>
-              <a:t>(5</a:t>
-            </a:r>
-            <a:r>
-              <a:rPr lang="en-US" altLang="zh-CN" dirty="0" smtClean="0"/>
-              <a:t>)</a:t>
-            </a:r>
-          </a:p>
-          <a:p>
-            <a:r>
-              <a:rPr lang="zh-CN" altLang="en-US" dirty="0" smtClean="0"/>
-              <a:t>我可以想到至少两个原因</a:t>
-            </a:r>
-            <a:r>
-              <a:rPr lang="zh-CN" altLang="en-US" dirty="0" smtClean="0"/>
-              <a:t>。</a:t>
-            </a:r>
-            <a:endParaRPr lang="en-US" altLang="zh-CN" dirty="0" smtClean="0"/>
+              <a:t>printMyAddress</a:t>
+            </a:r>
+            <a:r>
+              <a:rPr lang="en-US" altLang="zh-CN" dirty="0" smtClean="0"/>
+              <a:t>()</a:t>
+            </a:r>
           </a:p>
           <a:p>
             <a:pPr lvl="1"/>
             <a:r>
-              <a:rPr lang="zh-CN" altLang="en-US" dirty="0" smtClean="0"/>
-              <a:t>如果</a:t>
-            </a:r>
-            <a:r>
-              <a:rPr lang="zh-CN" altLang="en-US" sz="2400" dirty="0" smtClean="0"/>
-              <a:t> </a:t>
-            </a:r>
-            <a:r>
-              <a:rPr lang="zh-CN" altLang="en-US" dirty="0" smtClean="0"/>
-              <a:t>直接访问属性，烤热狗至少需要两部分：改变 </a:t>
-            </a:r>
-            <a:r>
-              <a:rPr lang="en-US" altLang="zh-CN" sz="2400" dirty="0" err="1" smtClean="0"/>
-              <a:t>cooked_level</a:t>
-            </a:r>
-            <a:r>
-              <a:rPr lang="zh-CN" altLang="en-US" dirty="0" smtClean="0"/>
-              <a:t>和</a:t>
-            </a:r>
-            <a:r>
-              <a:rPr lang="zh-CN" altLang="en-US" dirty="0" smtClean="0"/>
-              <a:t>改变</a:t>
-            </a:r>
-            <a:r>
-              <a:rPr lang="en-US" altLang="zh-CN" sz="2400" dirty="0" err="1" smtClean="0"/>
-              <a:t>cooked_string</a:t>
-            </a:r>
-            <a:r>
-              <a:rPr lang="zh-CN" altLang="en-US" dirty="0" smtClean="0"/>
-              <a:t>。而利用一个方法，可以只做一个方法调用，它就会完成</a:t>
-            </a:r>
-            <a:r>
-              <a:rPr lang="zh-CN" altLang="en-US" dirty="0" smtClean="0"/>
-              <a:t>我们</a:t>
-            </a:r>
-            <a:r>
-              <a:rPr lang="zh-CN" altLang="en-US" dirty="0" smtClean="0"/>
-              <a:t>需要的一切工作</a:t>
-            </a:r>
-            <a:r>
-              <a:rPr lang="zh-CN" altLang="en-US" dirty="0" smtClean="0"/>
-              <a:t>。</a:t>
-            </a:r>
-            <a:endParaRPr lang="en-US" altLang="zh-CN" dirty="0" smtClean="0"/>
+              <a:rPr lang="en-US" altLang="zh-CN" dirty="0" err="1" smtClean="0"/>
+              <a:t>printMyAddress</a:t>
+            </a:r>
+            <a:r>
+              <a:rPr lang="en-US" altLang="zh-CN" dirty="0" smtClean="0"/>
+              <a:t>() </a:t>
+            </a:r>
           </a:p>
           <a:p>
             <a:pPr lvl="1"/>
             <a:r>
-              <a:rPr lang="zh-CN" altLang="en-US" dirty="0" smtClean="0"/>
-              <a:t>如果直接访问属性，就会有这样的结果</a:t>
-            </a:r>
-            <a:r>
-              <a:rPr lang="zh-CN" altLang="en-US" dirty="0" smtClean="0"/>
-              <a:t>：</a:t>
-            </a:r>
-            <a:r>
               <a:rPr lang="en-US" altLang="zh-CN" dirty="0" err="1" smtClean="0"/>
-              <a:t>cooked_level</a:t>
-            </a:r>
-            <a:r>
-              <a:rPr lang="en-US" altLang="zh-CN" dirty="0" smtClean="0"/>
-              <a:t> = </a:t>
-            </a:r>
+              <a:t>printMyAddress</a:t>
+            </a:r>
+            <a:r>
+              <a:rPr lang="en-US" altLang="zh-CN" dirty="0" smtClean="0"/>
+              <a:t>() </a:t>
+            </a:r>
+          </a:p>
+          <a:p>
+            <a:pPr lvl="1"/>
             <a:r>
               <a:rPr lang="en-US" altLang="zh-CN" dirty="0" err="1" smtClean="0"/>
-              <a:t>cooked_level</a:t>
-            </a:r>
-            <a:r>
-              <a:rPr lang="en-US" altLang="zh-CN" dirty="0" smtClean="0"/>
-              <a:t> – </a:t>
-            </a:r>
-            <a:r>
-              <a:rPr lang="en-US" altLang="zh-CN" dirty="0" smtClean="0"/>
-              <a:t>2</a:t>
-            </a:r>
-          </a:p>
-          <a:p>
-            <a:pPr lvl="1">
-              <a:buNone/>
-            </a:pPr>
+              <a:t>printMyAddress</a:t>
+            </a:r>
+            <a:r>
+              <a:rPr lang="en-US" altLang="zh-CN" dirty="0" smtClean="0"/>
+              <a:t>()</a:t>
+            </a:r>
+          </a:p>
+          <a:p>
+            <a:r>
+              <a:rPr lang="zh-CN" altLang="en-US" dirty="0" smtClean="0"/>
+              <a:t>你可能会说：可以不用函数，用循环也能做同样的事情。</a:t>
+            </a:r>
             <a:endParaRPr lang="zh-CN" altLang="en-US" dirty="0"/>
           </a:p>
         </p:txBody>
@@ -4749,6 +4804,13 @@
   <p:clrMapOvr>
     <a:masterClrMapping/>
   </p:clrMapOvr>
+  <p:timing>
+    <p:tnLst>
+      <p:par>
+        <p:cTn id="1" dur="indefinite" restart="never" nodeType="tmRoot"/>
+      </p:par>
+    </p:tnLst>
+  </p:timing>
 </p:sld>
 </file>
 
@@ -4786,12 +4848,12 @@
           <a:p>
             <a:pPr algn="l"/>
             <a:r>
-              <a:rPr lang="en-US" altLang="zh-CN" b="1" dirty="0" smtClean="0"/>
-              <a:t>14.6</a:t>
-            </a:r>
-            <a:r>
-              <a:rPr lang="zh-CN" altLang="en-US" b="1" dirty="0" smtClean="0"/>
-              <a:t>　多态和继承</a:t>
+              <a:rPr lang="en-US" altLang="zh-CN" dirty="0" smtClean="0"/>
+              <a:t>13.3</a:t>
+            </a:r>
+            <a:r>
+              <a:rPr lang="zh-CN" altLang="en-US" dirty="0" smtClean="0"/>
+              <a:t>向函数传递参数</a:t>
             </a:r>
             <a:endParaRPr lang="zh-CN" altLang="en-US" dirty="0"/>
           </a:p>
@@ -4807,80 +4869,76 @@
             <p:ph idx="1"/>
           </p:nvPr>
         </p:nvSpPr>
-        <p:spPr/>
+        <p:spPr>
+          <a:xfrm>
+            <a:off x="457200" y="1600201"/>
+            <a:ext cx="8229600" cy="1180728"/>
+          </a:xfrm>
+        </p:spPr>
         <p:txBody>
           <a:bodyPr/>
           <a:lstStyle/>
           <a:p>
             <a:r>
               <a:rPr lang="zh-CN" altLang="en-US" dirty="0" smtClean="0"/>
-              <a:t>我们来看对象最为重要的两个方面：多态（</a:t>
-            </a:r>
-            <a:r>
-              <a:rPr lang="en-US" altLang="zh-CN" dirty="0" smtClean="0"/>
-              <a:t>polymorphism</a:t>
-            </a:r>
-            <a:r>
-              <a:rPr lang="zh-CN" altLang="en-US" dirty="0" smtClean="0"/>
-              <a:t>）和</a:t>
-            </a:r>
-            <a:r>
-              <a:rPr lang="zh-CN" altLang="en-US" dirty="0" smtClean="0"/>
-              <a:t>继承（</a:t>
-            </a:r>
-            <a:r>
-              <a:rPr lang="en-US" altLang="zh-CN" dirty="0" smtClean="0"/>
-              <a:t>inheritance</a:t>
-            </a:r>
-            <a:r>
-              <a:rPr lang="zh-CN" altLang="en-US" dirty="0" smtClean="0"/>
-              <a:t>）</a:t>
-            </a:r>
-            <a:endParaRPr lang="en-US" altLang="zh-CN" dirty="0" smtClean="0"/>
-          </a:p>
-          <a:p>
-            <a:pPr lvl="1"/>
-            <a:r>
-              <a:rPr lang="zh-CN" altLang="en-US" dirty="0" smtClean="0"/>
-              <a:t>多态</a:t>
-            </a:r>
-            <a:r>
-              <a:rPr lang="en-US" altLang="zh-CN" dirty="0" smtClean="0"/>
-              <a:t>—</a:t>
-            </a:r>
-            <a:r>
-              <a:rPr lang="zh-CN" altLang="en-US" dirty="0" smtClean="0"/>
-              <a:t>同一个方法，不同的</a:t>
-            </a:r>
-            <a:r>
-              <a:rPr lang="zh-CN" altLang="en-US" dirty="0" smtClean="0"/>
-              <a:t>行为</a:t>
-            </a:r>
-            <a:endParaRPr lang="en-US" altLang="zh-CN" dirty="0" smtClean="0"/>
-          </a:p>
-          <a:p>
-            <a:pPr lvl="1"/>
-            <a:r>
-              <a:rPr lang="zh-CN" altLang="en-US" dirty="0" smtClean="0"/>
-              <a:t>继承</a:t>
-            </a:r>
-            <a:r>
-              <a:rPr lang="en-US" altLang="zh-CN" dirty="0" smtClean="0"/>
-              <a:t>—</a:t>
-            </a:r>
-            <a:r>
-              <a:rPr lang="zh-CN" altLang="en-US" dirty="0" smtClean="0"/>
-              <a:t>向父母学习</a:t>
+              <a:t>现在来看括号做什么用：它用来传递 参数（</a:t>
+            </a:r>
+            <a:r>
+              <a:rPr lang="en-US" altLang="zh-CN" dirty="0" smtClean="0"/>
+              <a:t>argument</a:t>
+            </a:r>
+            <a:r>
+              <a:rPr lang="zh-CN" altLang="en-US" dirty="0" smtClean="0"/>
+              <a:t>）！</a:t>
             </a:r>
             <a:endParaRPr lang="zh-CN" altLang="en-US" dirty="0"/>
           </a:p>
         </p:txBody>
       </p:sp>
+      <p:pic>
+        <p:nvPicPr>
+          <p:cNvPr id="3074" name="Picture 2"/>
+          <p:cNvPicPr>
+            <a:picLocks noChangeAspect="1" noChangeArrowheads="1"/>
+          </p:cNvPicPr>
+          <p:nvPr/>
+        </p:nvPicPr>
+        <p:blipFill>
+          <a:blip r:embed="rId2" cstate="print"/>
+          <a:srcRect/>
+          <a:stretch>
+            <a:fillRect/>
+          </a:stretch>
+        </p:blipFill>
+        <p:spPr bwMode="auto">
+          <a:xfrm>
+            <a:off x="1259632" y="2924944"/>
+            <a:ext cx="6296025" cy="2838450"/>
+          </a:xfrm>
+          <a:prstGeom prst="rect">
+            <a:avLst/>
+          </a:prstGeom>
+          <a:noFill/>
+          <a:ln w="9525">
+            <a:noFill/>
+            <a:miter lim="800000"/>
+            <a:headEnd/>
+            <a:tailEnd/>
+          </a:ln>
+        </p:spPr>
+      </p:pic>
     </p:spTree>
   </p:cSld>
   <p:clrMapOvr>
     <a:masterClrMapping/>
   </p:clrMapOvr>
+  <p:timing>
+    <p:tnLst>
+      <p:par>
+        <p:cTn id="1" dur="indefinite" restart="never" nodeType="tmRoot"/>
+      </p:par>
+    </p:tnLst>
+  </p:timing>
 </p:sld>
 </file>
 
@@ -4973,12 +5031,12 @@
           <a:p>
             <a:pPr algn="l"/>
             <a:r>
-              <a:rPr lang="en-US" altLang="zh-CN" b="1" dirty="0" smtClean="0"/>
-              <a:t>14.7</a:t>
-            </a:r>
-            <a:r>
-              <a:rPr lang="zh-CN" altLang="en-US" b="1" dirty="0" smtClean="0"/>
-              <a:t>　未雨绸缪</a:t>
+              <a:rPr lang="en-US" altLang="zh-CN" dirty="0" smtClean="0"/>
+              <a:t>13.4 </a:t>
+            </a:r>
+            <a:r>
+              <a:rPr lang="zh-CN" altLang="en-US" dirty="0" smtClean="0"/>
+              <a:t>有多个参数的函数</a:t>
             </a:r>
             <a:endParaRPr lang="zh-CN" altLang="en-US" dirty="0"/>
           </a:p>
@@ -4994,50 +5052,85 @@
             <p:ph idx="1"/>
           </p:nvPr>
         </p:nvSpPr>
-        <p:spPr/>
-        <p:txBody>
-          <a:bodyPr/>
-          <a:lstStyle/>
-          <a:p>
-            <a:r>
-              <a:rPr lang="zh-CN" altLang="en-US" dirty="0" smtClean="0"/>
-              <a:t>程序员编写比较复杂的代码时</a:t>
-            </a:r>
-            <a:r>
-              <a:rPr lang="zh-CN" altLang="en-US" dirty="0" smtClean="0"/>
-              <a:t>通常就</a:t>
-            </a:r>
-            <a:r>
-              <a:rPr lang="zh-CN" altLang="en-US" dirty="0" smtClean="0"/>
-              <a:t>会采用这种做法来组织他们的想法。“空”函数或方法称为代码桩（</a:t>
-            </a:r>
-            <a:r>
-              <a:rPr lang="en-US" altLang="zh-CN" dirty="0" smtClean="0"/>
-              <a:t>code stub</a:t>
-            </a:r>
-            <a:r>
-              <a:rPr lang="zh-CN" altLang="en-US" dirty="0" smtClean="0"/>
-              <a:t>）</a:t>
+        <p:spPr>
+          <a:xfrm>
+            <a:off x="457200" y="1600201"/>
+            <a:ext cx="8229600" cy="1756791"/>
+          </a:xfrm>
+        </p:spPr>
+        <p:txBody>
+          <a:bodyPr>
+            <a:normAutofit fontScale="92500" lnSpcReduction="20000"/>
+          </a:bodyPr>
+          <a:lstStyle/>
+          <a:p>
+            <a:r>
+              <a:rPr lang="zh-CN" altLang="en-US" dirty="0" smtClean="0"/>
+              <a:t>在代码清单 </a:t>
+            </a:r>
+            <a:r>
+              <a:rPr lang="en-US" altLang="zh-CN" dirty="0" smtClean="0"/>
+              <a:t>13-2 </a:t>
+            </a:r>
+            <a:r>
+              <a:rPr lang="zh-CN" altLang="en-US" dirty="0" smtClean="0"/>
+              <a:t>中，我们的函数只有一个参数。不过函数完全可以有多个参数。 实际上，你想要有多少个参数就可以有多少个参数。</a:t>
             </a:r>
             <a:endParaRPr lang="en-US" altLang="zh-CN" dirty="0" smtClean="0"/>
           </a:p>
           <a:p>
             <a:r>
               <a:rPr lang="zh-CN" altLang="en-US" dirty="0" smtClean="0"/>
-              <a:t>见代码</a:t>
-            </a:r>
-            <a:endParaRPr lang="en-US" altLang="zh-CN" dirty="0" smtClean="0"/>
-          </a:p>
-          <a:p>
+              <a:t>多少才算太多 </a:t>
+            </a:r>
             <a:endParaRPr lang="zh-CN" altLang="en-US" dirty="0"/>
           </a:p>
         </p:txBody>
       </p:sp>
+      <p:pic>
+        <p:nvPicPr>
+          <p:cNvPr id="4098" name="Picture 2"/>
+          <p:cNvPicPr>
+            <a:picLocks noChangeAspect="1" noChangeArrowheads="1"/>
+          </p:cNvPicPr>
+          <p:nvPr/>
+        </p:nvPicPr>
+        <p:blipFill>
+          <a:blip r:embed="rId2" cstate="print"/>
+          <a:srcRect/>
+          <a:stretch>
+            <a:fillRect/>
+          </a:stretch>
+        </p:blipFill>
+        <p:spPr bwMode="auto">
+          <a:xfrm>
+            <a:off x="971600" y="3284984"/>
+            <a:ext cx="7132637" cy="3009900"/>
+          </a:xfrm>
+          <a:prstGeom prst="rect">
+            <a:avLst/>
+          </a:prstGeom>
+          <a:noFill/>
+          <a:ln w="9525">
+            <a:noFill/>
+            <a:miter lim="800000"/>
+            <a:headEnd/>
+            <a:tailEnd/>
+          </a:ln>
+        </p:spPr>
+      </p:pic>
     </p:spTree>
   </p:cSld>
   <p:clrMapOvr>
     <a:masterClrMapping/>
   </p:clrMapOvr>
+  <p:timing>
+    <p:tnLst>
+      <p:par>
+        <p:cTn id="1" dur="indefinite" restart="never" nodeType="tmRoot"/>
+      </p:par>
+    </p:tnLst>
+  </p:timing>
 </p:sld>
 </file>
 
@@ -5075,8 +5168,12 @@
           <a:p>
             <a:pPr algn="l"/>
             <a:r>
-              <a:rPr lang="zh-CN" altLang="en-US" dirty="0" smtClean="0"/>
-              <a:t>测试题</a:t>
+              <a:rPr lang="en-US" altLang="zh-CN" dirty="0" smtClean="0"/>
+              <a:t>13.5 </a:t>
+            </a:r>
+            <a:r>
+              <a:rPr lang="zh-CN" altLang="en-US" dirty="0" smtClean="0"/>
+              <a:t>返回值的函数</a:t>
             </a:r>
             <a:endParaRPr lang="zh-CN" altLang="en-US" dirty="0"/>
           </a:p>
@@ -5092,88 +5189,86 @@
             <p:ph idx="1"/>
           </p:nvPr>
         </p:nvSpPr>
-        <p:spPr/>
-        <p:txBody>
-          <a:bodyPr/>
-          <a:lstStyle/>
-          <a:p>
-            <a:r>
-              <a:rPr lang="en-US" altLang="zh-CN" dirty="0" smtClean="0"/>
-              <a:t>1. </a:t>
-            </a:r>
-            <a:r>
-              <a:rPr lang="zh-CN" altLang="en-US" dirty="0" smtClean="0"/>
-              <a:t>定义一个新的对象 类型时用什么关键字？</a:t>
-            </a:r>
-          </a:p>
-          <a:p>
-            <a:r>
-              <a:rPr lang="en-US" altLang="zh-CN" dirty="0" smtClean="0"/>
-              <a:t>2. </a:t>
-            </a:r>
-            <a:r>
-              <a:rPr lang="zh-CN" altLang="en-US" dirty="0" smtClean="0"/>
-              <a:t>什么是属性？</a:t>
-            </a:r>
-          </a:p>
-          <a:p>
-            <a:r>
-              <a:rPr lang="en-US" altLang="zh-CN" dirty="0" smtClean="0"/>
-              <a:t>3. </a:t>
-            </a:r>
-            <a:r>
-              <a:rPr lang="zh-CN" altLang="en-US" dirty="0" smtClean="0"/>
-              <a:t>什么是方法？</a:t>
-            </a:r>
-          </a:p>
-          <a:p>
-            <a:r>
-              <a:rPr lang="en-US" altLang="zh-CN" dirty="0" smtClean="0"/>
-              <a:t>4. </a:t>
-            </a:r>
-            <a:r>
-              <a:rPr lang="zh-CN" altLang="en-US" dirty="0" smtClean="0"/>
-              <a:t>类和实例之间有什么区别？</a:t>
-            </a:r>
-          </a:p>
-          <a:p>
-            <a:r>
-              <a:rPr lang="en-US" altLang="zh-CN" dirty="0" smtClean="0"/>
-              <a:t>5. </a:t>
-            </a:r>
-            <a:r>
-              <a:rPr lang="zh-CN" altLang="en-US" dirty="0" smtClean="0"/>
-              <a:t>方法中实例引用通常用什么名字？</a:t>
-            </a:r>
-          </a:p>
-          <a:p>
-            <a:r>
-              <a:rPr lang="en-US" altLang="zh-CN" dirty="0" smtClean="0"/>
-              <a:t>6. </a:t>
-            </a:r>
-            <a:r>
-              <a:rPr lang="zh-CN" altLang="en-US" dirty="0" smtClean="0"/>
-              <a:t>什么是多态？</a:t>
-            </a:r>
-          </a:p>
-          <a:p>
-            <a:r>
-              <a:rPr lang="en-US" altLang="zh-CN" dirty="0" smtClean="0"/>
-              <a:t>7. </a:t>
-            </a:r>
-            <a:r>
-              <a:rPr lang="zh-CN" altLang="en-US" dirty="0" smtClean="0"/>
-              <a:t>什么是继承？</a:t>
+        <p:spPr>
+          <a:xfrm>
+            <a:off x="457200" y="1600201"/>
+            <a:ext cx="8229600" cy="1684783"/>
+          </a:xfrm>
+        </p:spPr>
+        <p:txBody>
+          <a:bodyPr>
+            <a:normAutofit fontScale="77500" lnSpcReduction="20000"/>
+          </a:bodyPr>
+          <a:lstStyle/>
+          <a:p>
+            <a:r>
+              <a:rPr lang="zh-CN" altLang="en-US" dirty="0" smtClean="0"/>
+              <a:t>目前为止，函数只是为我们做一些工作。不过函数的一个突出作用是：它们还 可以向你发回一些东西。 我们已经知道，可以向函数发送信息（参数），不过函数还可以向调用者发回信 息。从函数返回的值称为结果（</a:t>
+            </a:r>
+            <a:r>
+              <a:rPr lang="en-US" altLang="zh-CN" dirty="0" smtClean="0"/>
+              <a:t>result</a:t>
+            </a:r>
+            <a:r>
+              <a:rPr lang="zh-CN" altLang="en-US" dirty="0" smtClean="0"/>
+              <a:t>）或返回值（</a:t>
+            </a:r>
+            <a:r>
+              <a:rPr lang="en-US" altLang="zh-CN" dirty="0" smtClean="0"/>
+              <a:t>return value</a:t>
+            </a:r>
+            <a:r>
+              <a:rPr lang="zh-CN" altLang="en-US" dirty="0" smtClean="0"/>
+              <a:t>）。</a:t>
             </a:r>
             <a:endParaRPr lang="zh-CN" altLang="en-US" dirty="0"/>
           </a:p>
         </p:txBody>
       </p:sp>
+      <p:pic>
+        <p:nvPicPr>
+          <p:cNvPr id="5122" name="Picture 2"/>
+          <p:cNvPicPr>
+            <a:picLocks noChangeAspect="1" noChangeArrowheads="1"/>
+          </p:cNvPicPr>
+          <p:nvPr/>
+        </p:nvPicPr>
+        <p:blipFill>
+          <a:blip r:embed="rId2" cstate="print"/>
+          <a:srcRect/>
+          <a:stretch>
+            <a:fillRect/>
+          </a:stretch>
+        </p:blipFill>
+        <p:spPr bwMode="auto">
+          <a:xfrm>
+            <a:off x="899592" y="3429000"/>
+            <a:ext cx="7523163" cy="2939802"/>
+          </a:xfrm>
+          <a:prstGeom prst="rect">
+            <a:avLst/>
+          </a:prstGeom>
+          <a:noFill/>
+          <a:ln w="9525">
+            <a:noFill/>
+            <a:miter lim="800000"/>
+            <a:headEnd/>
+            <a:tailEnd/>
+          </a:ln>
+        </p:spPr>
+      </p:pic>
     </p:spTree>
   </p:cSld>
   <p:clrMapOvr>
     <a:masterClrMapping/>
   </p:clrMapOvr>
+  <p:timing>
+    <p:tnLst>
+      <p:par>
+        <p:cTn id="1" dur="indefinite" restart="never" nodeType="tmRoot"/>
+      </p:par>
+    </p:tnLst>
+  </p:timing>
 </p:sld>
 </file>
 
@@ -5211,8 +5306,12 @@
           <a:p>
             <a:pPr algn="l"/>
             <a:r>
-              <a:rPr lang="zh-CN" altLang="en-US" dirty="0" smtClean="0"/>
-              <a:t>动手试一试</a:t>
+              <a:rPr lang="en-US" altLang="zh-CN" dirty="0" smtClean="0"/>
+              <a:t>13.6 </a:t>
+            </a:r>
+            <a:r>
+              <a:rPr lang="zh-CN" altLang="en-US" dirty="0" smtClean="0"/>
+              <a:t>变量作用域</a:t>
             </a:r>
             <a:endParaRPr lang="zh-CN" altLang="en-US" dirty="0"/>
           </a:p>
@@ -5228,137 +5327,196 @@
             <p:ph idx="1"/>
           </p:nvPr>
         </p:nvSpPr>
-        <p:spPr/>
+        <p:spPr>
+          <a:xfrm>
+            <a:off x="457200" y="1600201"/>
+            <a:ext cx="8229600" cy="1972815"/>
+          </a:xfrm>
+        </p:spPr>
         <p:txBody>
           <a:bodyPr>
-            <a:normAutofit fontScale="92500" lnSpcReduction="20000"/>
+            <a:normAutofit fontScale="85000" lnSpcReduction="20000"/>
           </a:bodyPr>
           <a:lstStyle/>
           <a:p>
             <a:r>
-              <a:rPr lang="en-US" altLang="zh-CN" dirty="0" smtClean="0"/>
-              <a:t>1. </a:t>
-            </a:r>
-            <a:r>
-              <a:rPr lang="zh-CN" altLang="en-US" dirty="0" smtClean="0"/>
-              <a:t>为</a:t>
-            </a:r>
-            <a:r>
-              <a:rPr lang="en-US" altLang="zh-CN" dirty="0" err="1" smtClean="0"/>
-              <a:t>BankAccount</a:t>
-            </a:r>
-            <a:r>
-              <a:rPr lang="en-US" altLang="zh-CN" dirty="0" smtClean="0"/>
-              <a:t> </a:t>
-            </a:r>
-            <a:r>
-              <a:rPr lang="zh-CN" altLang="en-US" dirty="0" smtClean="0"/>
-              <a:t>建立一个类定义。它应该有一些属性，包括账户名（一个</a:t>
-            </a:r>
-            <a:r>
-              <a:rPr lang="zh-CN" altLang="en-US" dirty="0" smtClean="0"/>
-              <a:t>字符串</a:t>
-            </a:r>
-            <a:r>
-              <a:rPr lang="zh-CN" altLang="en-US" dirty="0" smtClean="0"/>
-              <a:t>）、账号（一个字符串或整数）和余额（一个浮点数），另外还要</a:t>
-            </a:r>
-            <a:r>
-              <a:rPr lang="zh-CN" altLang="en-US" dirty="0" smtClean="0"/>
-              <a:t>有一些方法</a:t>
-            </a:r>
-            <a:r>
-              <a:rPr lang="zh-CN" altLang="en-US" dirty="0" smtClean="0"/>
-              <a:t>显示余额、存钱和取钱</a:t>
-            </a:r>
-            <a:r>
-              <a:rPr lang="zh-CN" altLang="en-US" dirty="0" smtClean="0"/>
-              <a:t>。</a:t>
+              <a:rPr lang="zh-CN" altLang="en-US" dirty="0" smtClean="0"/>
+              <a:t>函数运行时，函数之外的名字被搁置一边，而没有用到。只有函数内部的名字会 被用到。程序中使用（或者可以使用）变量的部分称为这个变量的作用域（</a:t>
+            </a:r>
+            <a:r>
+              <a:rPr lang="en-US" altLang="zh-CN" dirty="0" smtClean="0"/>
+              <a:t>scope</a:t>
+            </a:r>
+            <a:r>
+              <a:rPr lang="zh-CN" altLang="en-US" dirty="0" smtClean="0"/>
+              <a:t>）。</a:t>
             </a:r>
             <a:endParaRPr lang="en-US" altLang="zh-CN" dirty="0" smtClean="0"/>
           </a:p>
           <a:p>
-            <a:r>
-              <a:rPr lang="en-US" altLang="zh-CN" dirty="0" smtClean="0"/>
-              <a:t>2. </a:t>
-            </a:r>
-            <a:r>
-              <a:rPr lang="zh-CN" altLang="en-US" dirty="0" smtClean="0"/>
-              <a:t>建立一个可以挣利息的类，名为</a:t>
-            </a:r>
-            <a:r>
-              <a:rPr lang="en-US" altLang="zh-CN" dirty="0" err="1" smtClean="0"/>
-              <a:t>InterestAccount</a:t>
-            </a:r>
-            <a:r>
-              <a:rPr lang="zh-CN" altLang="en-US" dirty="0" smtClean="0"/>
-              <a:t>。这应当是</a:t>
-            </a:r>
-            <a:r>
-              <a:rPr lang="en-US" altLang="zh-CN" dirty="0" err="1" smtClean="0"/>
-              <a:t>BankAccount</a:t>
-            </a:r>
-            <a:r>
-              <a:rPr lang="zh-CN" altLang="en-US" dirty="0" smtClean="0"/>
-              <a:t>的</a:t>
-            </a:r>
-            <a:r>
-              <a:rPr lang="zh-CN" altLang="en-US" dirty="0" smtClean="0"/>
-              <a:t>一个子类（所以会继承</a:t>
-            </a:r>
-            <a:r>
-              <a:rPr lang="en-US" altLang="zh-CN" dirty="0" err="1" smtClean="0"/>
-              <a:t>BankAccount</a:t>
-            </a:r>
-            <a:r>
-              <a:rPr lang="en-US" altLang="zh-CN" dirty="0" smtClean="0"/>
-              <a:t> </a:t>
-            </a:r>
-            <a:r>
-              <a:rPr lang="zh-CN" altLang="en-US" dirty="0" smtClean="0"/>
-              <a:t>的属性和方法）。</a:t>
-            </a:r>
-            <a:r>
-              <a:rPr lang="en-US" altLang="zh-CN" dirty="0" err="1" smtClean="0"/>
-              <a:t>InterestAccount</a:t>
-            </a:r>
-            <a:r>
-              <a:rPr lang="zh-CN" altLang="en-US" dirty="0" smtClean="0"/>
-              <a:t>还</a:t>
-            </a:r>
-            <a:r>
-              <a:rPr lang="zh-CN" altLang="en-US" dirty="0" smtClean="0"/>
-              <a:t>应当有一个对应利息率的属性，另外有一个方法来增加利息。为了力求</a:t>
-            </a:r>
-            <a:r>
-              <a:rPr lang="zh-CN" altLang="en-US" dirty="0" smtClean="0"/>
-              <a:t>简单</a:t>
-            </a:r>
-            <a:r>
-              <a:rPr lang="zh-CN" altLang="en-US" dirty="0" smtClean="0"/>
-              <a:t>，假设每年会调用一次</a:t>
-            </a:r>
-            <a:r>
-              <a:rPr lang="en-US" altLang="zh-CN" dirty="0" err="1" smtClean="0"/>
-              <a:t>addInterest</a:t>
-            </a:r>
-            <a:r>
-              <a:rPr lang="en-US" altLang="zh-CN" dirty="0" smtClean="0"/>
-              <a:t>() </a:t>
-            </a:r>
-            <a:r>
-              <a:rPr lang="zh-CN" altLang="en-US" dirty="0" smtClean="0"/>
-              <a:t>方法计算利息并更新余额</a:t>
-            </a:r>
-            <a:endParaRPr lang="zh-CN" altLang="en-US" dirty="0"/>
-          </a:p>
-        </p:txBody>
-      </p:sp>
+            <a:pPr lvl="1"/>
+            <a:r>
+              <a:rPr lang="zh-CN" altLang="en-US" dirty="0" smtClean="0"/>
+              <a:t>局部变量</a:t>
+            </a:r>
+            <a:endParaRPr lang="en-US" altLang="zh-CN" dirty="0" smtClean="0"/>
+          </a:p>
+        </p:txBody>
+      </p:sp>
+      <p:sp>
+        <p:nvSpPr>
+          <p:cNvPr id="7" name="内容占位符 2"/>
+          <p:cNvSpPr txBox="1">
+            <a:spLocks/>
+          </p:cNvSpPr>
+          <p:nvPr/>
+        </p:nvSpPr>
+        <p:spPr>
+          <a:xfrm>
+            <a:off x="539552" y="4653136"/>
+            <a:ext cx="8229600" cy="360040"/>
+          </a:xfrm>
+          <a:prstGeom prst="rect">
+            <a:avLst/>
+          </a:prstGeom>
+        </p:spPr>
+        <p:txBody>
+          <a:bodyPr vert="horz" lIns="91440" tIns="45720" rIns="91440" bIns="45720" rtlCol="0">
+            <a:normAutofit fontScale="77500" lnSpcReduction="20000"/>
+          </a:bodyPr>
+          <a:lstStyle/>
+          <a:p>
+            <a:pPr marL="742950" marR="0" lvl="1" indent="-285750" algn="l" defTabSz="914400" rtl="0" eaLnBrk="1" fontAlgn="auto" latinLnBrk="0" hangingPunct="1">
+              <a:lnSpc>
+                <a:spcPct val="100000"/>
+              </a:lnSpc>
+              <a:spcBef>
+                <a:spcPct val="20000"/>
+              </a:spcBef>
+              <a:spcAft>
+                <a:spcPts val="0"/>
+              </a:spcAft>
+              <a:buClrTx/>
+              <a:buSzTx/>
+              <a:buFont typeface="Arial" pitchFamily="34" charset="0"/>
+              <a:buChar char="–"/>
+              <a:tabLst/>
+              <a:defRPr/>
+            </a:pPr>
+            <a:r>
+              <a:rPr lang="zh-CN" altLang="en-US" sz="2800" dirty="0" smtClean="0"/>
+              <a:t>全</a:t>
+            </a:r>
+            <a:r>
+              <a:rPr kumimoji="0" lang="zh-CN" altLang="en-US" sz="2800" b="0" i="0" u="none" strike="noStrike" kern="1200" cap="none" spc="0" normalizeH="0" baseline="0" noProof="0" dirty="0" smtClean="0">
+                <a:ln>
+                  <a:noFill/>
+                </a:ln>
+                <a:solidFill>
+                  <a:schemeClr val="tx1"/>
+                </a:solidFill>
+                <a:effectLst/>
+                <a:uLnTx/>
+                <a:uFillTx/>
+                <a:latin typeface="+mn-lt"/>
+                <a:ea typeface="+mn-ea"/>
+                <a:cs typeface="+mn-cs"/>
+              </a:rPr>
+              <a:t>局变量</a:t>
+            </a:r>
+            <a:endParaRPr kumimoji="0" lang="en-US" altLang="zh-CN" sz="2800" b="0" i="0" u="none" strike="noStrike" kern="1200" cap="none" spc="0" normalizeH="0" baseline="0" noProof="0" dirty="0" smtClean="0">
+              <a:ln>
+                <a:noFill/>
+              </a:ln>
+              <a:solidFill>
+                <a:schemeClr val="tx1"/>
+              </a:solidFill>
+              <a:effectLst/>
+              <a:uLnTx/>
+              <a:uFillTx/>
+              <a:latin typeface="+mn-lt"/>
+              <a:ea typeface="+mn-ea"/>
+              <a:cs typeface="+mn-cs"/>
+            </a:endParaRPr>
+          </a:p>
+        </p:txBody>
+      </p:sp>
+      <p:pic>
+        <p:nvPicPr>
+          <p:cNvPr id="6150" name="Picture 6"/>
+          <p:cNvPicPr>
+            <a:picLocks noChangeAspect="1" noChangeArrowheads="1"/>
+          </p:cNvPicPr>
+          <p:nvPr/>
+        </p:nvPicPr>
+        <p:blipFill>
+          <a:blip r:embed="rId2" cstate="print"/>
+          <a:srcRect/>
+          <a:stretch>
+            <a:fillRect/>
+          </a:stretch>
+        </p:blipFill>
+        <p:spPr bwMode="auto">
+          <a:xfrm>
+            <a:off x="1475656" y="3450704"/>
+            <a:ext cx="4343400" cy="914400"/>
+          </a:xfrm>
+          <a:prstGeom prst="rect">
+            <a:avLst/>
+          </a:prstGeom>
+          <a:noFill/>
+          <a:ln w="9525">
+            <a:noFill/>
+            <a:miter lim="800000"/>
+            <a:headEnd/>
+            <a:tailEnd/>
+          </a:ln>
+        </p:spPr>
+      </p:pic>
+      <p:pic>
+        <p:nvPicPr>
+          <p:cNvPr id="6151" name="Picture 7"/>
+          <p:cNvPicPr>
+            <a:picLocks noChangeAspect="1" noChangeArrowheads="1"/>
+          </p:cNvPicPr>
+          <p:nvPr/>
+        </p:nvPicPr>
+        <p:blipFill>
+          <a:blip r:embed="rId3" cstate="print"/>
+          <a:srcRect/>
+          <a:stretch>
+            <a:fillRect/>
+          </a:stretch>
+        </p:blipFill>
+        <p:spPr bwMode="auto">
+          <a:xfrm>
+            <a:off x="1475656" y="5013176"/>
+            <a:ext cx="4381500" cy="1438275"/>
+          </a:xfrm>
+          <a:prstGeom prst="rect">
+            <a:avLst/>
+          </a:prstGeom>
+          <a:noFill/>
+          <a:ln w="9525">
+            <a:noFill/>
+            <a:miter lim="800000"/>
+            <a:headEnd/>
+            <a:tailEnd/>
+          </a:ln>
+        </p:spPr>
+      </p:pic>
     </p:spTree>
   </p:cSld>
   <p:clrMapOvr>
     <a:masterClrMapping/>
   </p:clrMapOvr>
+  <p:timing>
+    <p:tnLst>
+      <p:par>
+        <p:cTn id="1" dur="indefinite" restart="never" nodeType="tmRoot"/>
+      </p:par>
+    </p:tnLst>
+  </p:timing>
 </p:sld>
 </file>
 
@@ -5397,11 +5555,11 @@
             <a:pPr algn="l"/>
             <a:r>
               <a:rPr lang="en-US" altLang="zh-CN" dirty="0" smtClean="0"/>
-              <a:t>15 </a:t>
-            </a:r>
-            <a:r>
-              <a:rPr lang="zh-CN" altLang="en-US" dirty="0" smtClean="0"/>
-              <a:t>模块</a:t>
+              <a:t>13.7</a:t>
+            </a:r>
+            <a:r>
+              <a:rPr lang="zh-CN" altLang="en-US" dirty="0" smtClean="0"/>
+              <a:t> 强制为全局</a:t>
             </a:r>
             <a:endParaRPr lang="zh-CN" altLang="en-US" dirty="0"/>
           </a:p>
@@ -5422,7 +5580,66 @@
           <a:bodyPr/>
           <a:lstStyle/>
           <a:p>
-            <a:endParaRPr lang="zh-CN" altLang="en-US"/>
+            <a:r>
+              <a:rPr lang="zh-CN" altLang="en-US" dirty="0" smtClean="0"/>
+              <a:t>可以用 </a:t>
+            </a:r>
+            <a:r>
+              <a:rPr lang="en-US" altLang="zh-CN" dirty="0" smtClean="0"/>
+              <a:t>Python </a:t>
+            </a:r>
+            <a:r>
+              <a:rPr lang="zh-CN" altLang="en-US" dirty="0" smtClean="0"/>
+              <a:t>的一个关键字 </a:t>
+            </a:r>
+            <a:r>
+              <a:rPr lang="en-US" altLang="zh-CN" dirty="0" smtClean="0"/>
+              <a:t>global </a:t>
+            </a:r>
+            <a:r>
+              <a:rPr lang="zh-CN" altLang="en-US" dirty="0" smtClean="0"/>
+              <a:t>来做到。可以这样来使用</a:t>
+            </a:r>
+            <a:endParaRPr lang="en-US" altLang="zh-CN" dirty="0" smtClean="0"/>
+          </a:p>
+          <a:p>
+            <a:pPr lvl="1"/>
+            <a:r>
+              <a:rPr lang="en-US" altLang="zh-CN" dirty="0" smtClean="0"/>
+              <a:t>def </a:t>
+            </a:r>
+            <a:r>
+              <a:rPr lang="en-US" altLang="zh-CN" dirty="0" err="1" smtClean="0"/>
+              <a:t>calculate_tax</a:t>
+            </a:r>
+            <a:r>
+              <a:rPr lang="en-US" altLang="zh-CN" dirty="0" smtClean="0"/>
+              <a:t>(</a:t>
+            </a:r>
+            <a:r>
+              <a:rPr lang="en-US" altLang="zh-CN" dirty="0" err="1" smtClean="0"/>
+              <a:t>price,tax_rate</a:t>
+            </a:r>
+            <a:r>
+              <a:rPr lang="en-US" altLang="zh-CN" dirty="0" smtClean="0"/>
+              <a:t>) 	</a:t>
+            </a:r>
+          </a:p>
+          <a:p>
+            <a:pPr lvl="1"/>
+            <a:r>
+              <a:rPr lang="en-US" altLang="zh-CN" dirty="0" smtClean="0"/>
+              <a:t>       global </a:t>
+            </a:r>
+            <a:r>
+              <a:rPr lang="en-US" altLang="zh-CN" dirty="0" err="1" smtClean="0"/>
+              <a:t>my_price</a:t>
+            </a:r>
+            <a:r>
+              <a:rPr lang="en-US" altLang="zh-CN" dirty="0" smtClean="0"/>
+              <a:t> </a:t>
+            </a:r>
+            <a:endParaRPr lang="zh-CN" altLang="en-US" dirty="0"/>
           </a:p>
         </p:txBody>
       </p:sp>
@@ -5431,6 +5648,13 @@
   <p:clrMapOvr>
     <a:masterClrMapping/>
   </p:clrMapOvr>
+  <p:timing>
+    <p:tnLst>
+      <p:par>
+        <p:cTn id="1" dur="indefinite" restart="never" nodeType="tmRoot"/>
+      </p:par>
+    </p:tnLst>
+  </p:timing>
 </p:sld>
 </file>
 
@@ -5466,18 +5690,13 @@
           <a:bodyPr/>
           <a:lstStyle/>
           <a:p>
-            <a:pPr algn="l"/>
-            <a:r>
-              <a:rPr lang="en-US" altLang="zh-CN" b="1" dirty="0" smtClean="0"/>
-              <a:t>15.1</a:t>
-            </a:r>
-            <a:r>
-              <a:rPr lang="zh-CN" altLang="en-US" b="1" dirty="0" smtClean="0"/>
-              <a:t> 什么</a:t>
-            </a:r>
-            <a:r>
-              <a:rPr lang="zh-CN" altLang="en-US" b="1" dirty="0" smtClean="0"/>
-              <a:t>是模块</a:t>
+            <a:r>
+              <a:rPr lang="en-US" altLang="zh-CN" dirty="0" smtClean="0"/>
+              <a:t>13.8</a:t>
+            </a:r>
+            <a:r>
+              <a:rPr lang="zh-CN" altLang="en-US" dirty="0" smtClean="0"/>
+              <a:t> 关于变量命名的一点建议</a:t>
             </a:r>
             <a:endParaRPr lang="zh-CN" altLang="en-US" dirty="0"/>
           </a:p>
@@ -5500,58 +5719,30 @@
           <a:p>
             <a:r>
               <a:rPr lang="zh-CN" altLang="en-US" dirty="0" smtClean="0"/>
-              <a:t>模块就是某个东西的一部分。如果一个东西可以分为几部分，或者你可以很</a:t>
-            </a:r>
-            <a:r>
-              <a:rPr lang="zh-CN" altLang="en-US" dirty="0" smtClean="0"/>
-              <a:t>容易</a:t>
-            </a:r>
-            <a:r>
-              <a:rPr lang="zh-CN" altLang="en-US" dirty="0" smtClean="0"/>
-              <a:t>地把它分解成多个不同部分，我们就说这个东西是</a:t>
-            </a:r>
-            <a:r>
-              <a:rPr lang="zh-CN" altLang="en-US" dirty="0" smtClean="0"/>
-              <a:t>模块化的。</a:t>
+              <a:t>可以对全局变量和局部变量使用相同的变量名。 </a:t>
+            </a:r>
+            <a:r>
+              <a:rPr lang="en-US" altLang="zh-CN" dirty="0" smtClean="0"/>
+              <a:t>Python </a:t>
+            </a:r>
+            <a:r>
+              <a:rPr lang="zh-CN" altLang="en-US" dirty="0" smtClean="0"/>
+              <a:t>会在需要时自动创建新的局部变量，或者也可以用 </a:t>
+            </a:r>
+            <a:r>
+              <a:rPr lang="en-US" altLang="zh-CN" dirty="0" smtClean="0"/>
+              <a:t>global </a:t>
+            </a:r>
+            <a:r>
+              <a:rPr lang="zh-CN" altLang="en-US" dirty="0" smtClean="0"/>
+              <a:t>关键字阻止它创 建。</a:t>
             </a:r>
             <a:endParaRPr lang="en-US" altLang="zh-CN" dirty="0" smtClean="0"/>
           </a:p>
           <a:p>
             <a:r>
               <a:rPr lang="zh-CN" altLang="en-US" dirty="0" smtClean="0"/>
-              <a:t>在</a:t>
-            </a:r>
-            <a:r>
-              <a:rPr lang="en-US" altLang="zh-CN" dirty="0" smtClean="0"/>
-              <a:t>Python </a:t>
-            </a:r>
-            <a:r>
-              <a:rPr lang="zh-CN" altLang="en-US" dirty="0" smtClean="0"/>
-              <a:t>中，模块（</a:t>
-            </a:r>
-            <a:r>
-              <a:rPr lang="en-US" altLang="zh-CN" dirty="0" smtClean="0"/>
-              <a:t>module</a:t>
-            </a:r>
-            <a:r>
-              <a:rPr lang="zh-CN" altLang="en-US" dirty="0" smtClean="0"/>
-              <a:t>）是</a:t>
-            </a:r>
-            <a:r>
-              <a:rPr lang="zh-CN" altLang="en-US" dirty="0" smtClean="0"/>
-              <a:t>包含</a:t>
-            </a:r>
-            <a:r>
-              <a:rPr lang="zh-CN" altLang="en-US" dirty="0" smtClean="0"/>
-              <a:t>在一个更大程序中的类似的部分。</a:t>
-            </a:r>
-            <a:r>
-              <a:rPr lang="zh-CN" altLang="en-US" dirty="0" smtClean="0"/>
-              <a:t>每个模块</a:t>
-            </a:r>
-            <a:r>
-              <a:rPr lang="zh-CN" altLang="en-US" dirty="0" smtClean="0"/>
-              <a:t>或部分都是硬盘上的一个单独的文件</a:t>
+              <a:t>不过，强烈建议你不要重复使用变量名。</a:t>
             </a:r>
             <a:endParaRPr lang="zh-CN" altLang="en-US" dirty="0"/>
           </a:p>
@@ -5562,6 +5753,13 @@
   <p:clrMapOvr>
     <a:masterClrMapping/>
   </p:clrMapOvr>
+  <p:timing>
+    <p:tnLst>
+      <p:par>
+        <p:cTn id="1" dur="indefinite" restart="never" nodeType="tmRoot"/>
+      </p:par>
+    </p:tnLst>
+  </p:timing>
 </p:sld>
 </file>
 
@@ -5599,16 +5797,8 @@
           <a:p>
             <a:pPr algn="l"/>
             <a:r>
-              <a:rPr lang="en-US" altLang="zh-CN" b="1" dirty="0" smtClean="0"/>
-              <a:t>15.2</a:t>
-            </a:r>
-            <a:r>
-              <a:rPr lang="zh-CN" altLang="en-US" b="1" dirty="0" smtClean="0"/>
-              <a:t> 为什么</a:t>
-            </a:r>
-            <a:r>
-              <a:rPr lang="zh-CN" altLang="en-US" b="1" dirty="0" smtClean="0"/>
-              <a:t>使用模块</a:t>
+              <a:rPr lang="zh-CN" altLang="en-US" dirty="0" smtClean="0"/>
+              <a:t>你学到了什么</a:t>
             </a:r>
             <a:endParaRPr lang="zh-CN" altLang="en-US" dirty="0"/>
           </a:p>
@@ -5624,54 +5814,79 @@
             <p:ph idx="1"/>
           </p:nvPr>
         </p:nvSpPr>
-        <p:spPr/>
+        <p:spPr>
+          <a:xfrm>
+            <a:off x="457200" y="1600200"/>
+            <a:ext cx="8229600" cy="4709120"/>
+          </a:xfrm>
+        </p:spPr>
         <p:txBody>
           <a:bodyPr>
-            <a:normAutofit lnSpcReduction="10000"/>
+            <a:normAutofit/>
           </a:bodyPr>
           <a:lstStyle/>
           <a:p>
             <a:r>
               <a:rPr lang="zh-CN" altLang="en-US" dirty="0" smtClean="0"/>
-              <a:t>这样做文件会更小，因而就能更容易地查找代码</a:t>
-            </a:r>
-            <a:r>
-              <a:rPr lang="zh-CN" altLang="en-US" dirty="0" smtClean="0"/>
-              <a:t>。</a:t>
+              <a:t>什么是函数</a:t>
             </a:r>
             <a:endParaRPr lang="en-US" altLang="zh-CN" dirty="0" smtClean="0"/>
           </a:p>
           <a:p>
             <a:r>
               <a:rPr lang="zh-CN" altLang="en-US" dirty="0" smtClean="0"/>
-              <a:t>一旦创建模块，这个模块就能在很多程序中使用。这样下一次需要相同的</a:t>
-            </a:r>
-            <a:r>
-              <a:rPr lang="zh-CN" altLang="en-US" dirty="0" smtClean="0"/>
-              <a:t>功</a:t>
-            </a:r>
-            <a:r>
-              <a:rPr lang="zh-CN" altLang="en-US" dirty="0" smtClean="0"/>
-              <a:t>能时就不必再从头开始了</a:t>
-            </a:r>
-            <a:r>
-              <a:rPr lang="zh-CN" altLang="en-US" dirty="0" smtClean="0"/>
-              <a:t>。</a:t>
+              <a:t>什么是参数（</a:t>
+            </a:r>
+            <a:r>
+              <a:rPr lang="en-US" altLang="zh-CN" dirty="0" smtClean="0"/>
+              <a:t>argument </a:t>
+            </a:r>
+            <a:r>
+              <a:rPr lang="zh-CN" altLang="en-US" dirty="0" smtClean="0"/>
+              <a:t>或 </a:t>
+            </a:r>
+            <a:r>
+              <a:rPr lang="en-US" altLang="zh-CN" dirty="0" smtClean="0"/>
+              <a:t>parameter</a:t>
+            </a:r>
+            <a:r>
+              <a:rPr lang="zh-CN" altLang="en-US" dirty="0" smtClean="0"/>
+              <a:t>）</a:t>
             </a:r>
             <a:endParaRPr lang="en-US" altLang="zh-CN" dirty="0" smtClean="0"/>
           </a:p>
           <a:p>
             <a:r>
               <a:rPr lang="zh-CN" altLang="en-US" dirty="0" smtClean="0"/>
-              <a:t>并不是所有模块都要使用。模 块化意味着你可以使用各部分的不同组合来</a:t>
-            </a:r>
-            <a:r>
-              <a:rPr lang="zh-CN" altLang="en-US" dirty="0" smtClean="0"/>
-              <a:t>完成</a:t>
-            </a:r>
-            <a:r>
-              <a:rPr lang="zh-CN" altLang="en-US" dirty="0" smtClean="0"/>
-              <a:t>不同的任务，就像利用同样的一组乐高积木可以搭建不同的东西一样。</a:t>
+              <a:t>如何向函数传递一个参数</a:t>
+            </a:r>
+            <a:endParaRPr lang="en-US" altLang="zh-CN" dirty="0" smtClean="0"/>
+          </a:p>
+          <a:p>
+            <a:r>
+              <a:rPr lang="zh-CN" altLang="en-US" dirty="0" smtClean="0"/>
+              <a:t>如何向函数传递多个参数</a:t>
+            </a:r>
+            <a:endParaRPr lang="en-US" altLang="zh-CN" dirty="0" smtClean="0"/>
+          </a:p>
+          <a:p>
+            <a:r>
+              <a:rPr lang="zh-CN" altLang="en-US" dirty="0" smtClean="0"/>
+              <a:t>如何让函数向调用者返回一个值</a:t>
+            </a:r>
+            <a:endParaRPr lang="en-US" altLang="zh-CN" dirty="0" smtClean="0"/>
+          </a:p>
+          <a:p>
+            <a:r>
+              <a:rPr lang="zh-CN" altLang="en-US" dirty="0" smtClean="0"/>
+              <a:t>变量作用域是什么，什么是局部变量和全局变量</a:t>
+            </a:r>
+            <a:endParaRPr lang="en-US" altLang="zh-CN" dirty="0" smtClean="0"/>
+          </a:p>
+          <a:p>
+            <a:r>
+              <a:rPr lang="zh-CN" altLang="en-US" dirty="0" smtClean="0"/>
+              <a:t>如何在函数中使用全局变量</a:t>
             </a:r>
             <a:endParaRPr lang="zh-CN" altLang="en-US" dirty="0"/>
           </a:p>
@@ -5682,6 +5897,13 @@
   <p:clrMapOvr>
     <a:masterClrMapping/>
   </p:clrMapOvr>
+  <p:timing>
+    <p:tnLst>
+      <p:par>
+        <p:cTn id="1" dur="indefinite" restart="never" nodeType="tmRoot"/>
+      </p:par>
+    </p:tnLst>
+  </p:timing>
 </p:sld>
 </file>
 
@@ -5719,12 +5941,8 @@
           <a:p>
             <a:pPr algn="l"/>
             <a:r>
-              <a:rPr lang="en-US" altLang="zh-CN" dirty="0" smtClean="0"/>
-              <a:t>15.3 </a:t>
-            </a:r>
-            <a:r>
-              <a:rPr lang="zh-CN" altLang="en-US" dirty="0" smtClean="0"/>
-              <a:t>积木桶</a:t>
+              <a:rPr lang="zh-CN" altLang="en-US" dirty="0" smtClean="0"/>
+              <a:t>动手试一试</a:t>
             </a:r>
             <a:endParaRPr lang="zh-CN" altLang="en-US" dirty="0"/>
           </a:p>
@@ -5742,97 +5960,78 @@
         </p:nvSpPr>
         <p:spPr>
           <a:xfrm>
-            <a:off x="457200" y="1600201"/>
-            <a:ext cx="8229600" cy="2044824"/>
+            <a:off x="457200" y="1600200"/>
+            <a:ext cx="8229600" cy="4565104"/>
           </a:xfrm>
         </p:spPr>
         <p:txBody>
           <a:bodyPr>
-            <a:normAutofit fontScale="77500" lnSpcReduction="20000"/>
+            <a:normAutofit fontScale="92500" lnSpcReduction="20000"/>
           </a:bodyPr>
           <a:lstStyle/>
           <a:p>
             <a:r>
-              <a:rPr lang="zh-CN" altLang="en-US" dirty="0" smtClean="0"/>
-              <a:t>我们说过函数就像积木，那么模块可以认为是一桶</a:t>
-            </a:r>
-            <a:r>
-              <a:rPr lang="zh-CN" altLang="en-US" dirty="0" smtClean="0"/>
-              <a:t>积木</a:t>
-            </a:r>
-            <a:r>
-              <a:rPr lang="zh-CN" altLang="en-US" dirty="0" smtClean="0"/>
-              <a:t>。根据需要，你可以从一个桶中取很多或者很少的积木，也可以有很多桶不同</a:t>
-            </a:r>
-            <a:r>
-              <a:rPr lang="zh-CN" altLang="en-US" dirty="0" smtClean="0"/>
-              <a:t>的积木</a:t>
-            </a:r>
-            <a:r>
-              <a:rPr lang="zh-CN" altLang="en-US" dirty="0" smtClean="0"/>
-              <a:t>。也许有一桶正方形积木，一桶长方形积木</a:t>
-            </a:r>
-            <a:r>
-              <a:rPr lang="en-US" altLang="zh-CN" dirty="0" smtClean="0"/>
-              <a:t>, </a:t>
-            </a:r>
-            <a:r>
-              <a:rPr lang="zh-CN" altLang="en-US" dirty="0" smtClean="0"/>
-              <a:t>还有一桶奇形怪状的积木。</a:t>
-            </a:r>
-            <a:r>
-              <a:rPr lang="zh-CN" altLang="en-US" dirty="0" smtClean="0"/>
-              <a:t>程序员通常</a:t>
-            </a:r>
-            <a:r>
-              <a:rPr lang="zh-CN" altLang="en-US" dirty="0" smtClean="0"/>
-              <a:t>也采用这种方法来使用模块，也就是说，他们会把类似的函数收集在一个</a:t>
-            </a:r>
-            <a:r>
-              <a:rPr lang="zh-CN" altLang="en-US" dirty="0" smtClean="0"/>
-              <a:t>模块中。</a:t>
+              <a:rPr lang="en-US" altLang="zh-CN" dirty="0" smtClean="0"/>
+              <a:t>1. </a:t>
+            </a:r>
+            <a:r>
+              <a:rPr lang="zh-CN" altLang="en-US" dirty="0" smtClean="0"/>
+              <a:t>编写一个函数，用大写字母打印你的名字，就像这样</a:t>
+            </a:r>
+            <a:endParaRPr lang="en-US" altLang="zh-CN" dirty="0" smtClean="0"/>
+          </a:p>
+          <a:p>
+            <a:r>
+              <a:rPr lang="en-US" altLang="zh-CN" dirty="0" smtClean="0"/>
+              <a:t>2. </a:t>
+            </a:r>
+            <a:r>
+              <a:rPr lang="zh-CN" altLang="en-US" dirty="0" smtClean="0"/>
+              <a:t>建立一个函数，可以打印全世界任何人名、地址、街道、城市、州或省、邮 政编码和国家。（提示：这需要 </a:t>
+            </a:r>
+            <a:r>
+              <a:rPr lang="en-US" altLang="zh-CN" dirty="0" smtClean="0"/>
+              <a:t>7 </a:t>
+            </a:r>
+            <a:r>
+              <a:rPr lang="zh-CN" altLang="en-US" dirty="0" smtClean="0"/>
+              <a:t>个参数。可以把它们作为单独的参数传入， 也可以作为一个列表。）</a:t>
+            </a:r>
+            <a:endParaRPr lang="en-US" altLang="zh-CN" dirty="0" smtClean="0"/>
+          </a:p>
+          <a:p>
+            <a:r>
+              <a:rPr lang="en-US" altLang="zh-CN" dirty="0" smtClean="0"/>
+              <a:t>3. </a:t>
+            </a:r>
+            <a:r>
+              <a:rPr lang="zh-CN" altLang="en-US" dirty="0" smtClean="0"/>
+              <a:t>编写一个函数计算零钱的总面值，包括五分币、二分币和一分币（类似于 第 </a:t>
+            </a:r>
+            <a:r>
+              <a:rPr lang="en-US" altLang="zh-CN" dirty="0" smtClean="0"/>
+              <a:t>5 </a:t>
+            </a:r>
+            <a:r>
+              <a:rPr lang="zh-CN" altLang="en-US" dirty="0" smtClean="0"/>
+              <a:t>章中最后一个“动手试一试”问题）。函数应当返回这些硬币的总面 值。然后编写一个程序调用这个函数</a:t>
             </a:r>
             <a:endParaRPr lang="zh-CN" altLang="en-US" dirty="0"/>
           </a:p>
         </p:txBody>
       </p:sp>
-      <p:pic>
-        <p:nvPicPr>
-          <p:cNvPr id="1026" name="Picture 2"/>
-          <p:cNvPicPr>
-            <a:picLocks noChangeAspect="1" noChangeArrowheads="1"/>
-          </p:cNvPicPr>
-          <p:nvPr/>
-        </p:nvPicPr>
-        <p:blipFill>
-          <a:blip r:embed="rId2" cstate="print"/>
-          <a:srcRect/>
-          <a:stretch>
-            <a:fillRect/>
-          </a:stretch>
-        </p:blipFill>
-        <p:spPr bwMode="auto">
-          <a:xfrm>
-            <a:off x="1043608" y="3933056"/>
-            <a:ext cx="7227887" cy="2143125"/>
-          </a:xfrm>
-          <a:prstGeom prst="rect">
-            <a:avLst/>
-          </a:prstGeom>
-          <a:noFill/>
-          <a:ln w="9525">
-            <a:noFill/>
-            <a:miter lim="800000"/>
-            <a:headEnd/>
-            <a:tailEnd/>
-          </a:ln>
-        </p:spPr>
-      </p:pic>
     </p:spTree>
   </p:cSld>
   <p:clrMapOvr>
     <a:masterClrMapping/>
   </p:clrMapOvr>
+  <p:timing>
+    <p:tnLst>
+      <p:par>
+        <p:cTn id="1" dur="indefinite" restart="never" nodeType="tmRoot"/>
+      </p:par>
+    </p:tnLst>
+  </p:timing>
 </p:sld>
 </file>
 
@@ -5868,18 +6067,9 @@
           <a:bodyPr/>
           <a:lstStyle/>
           <a:p>
-            <a:pPr algn="l"/>
-            <a:r>
-              <a:rPr lang="en-US" altLang="zh-CN" b="1" dirty="0" smtClean="0"/>
-              <a:t>15.4</a:t>
-            </a:r>
-            <a:r>
-              <a:rPr lang="zh-CN" altLang="en-US" b="1" dirty="0" smtClean="0"/>
-              <a:t> 如何</a:t>
-            </a:r>
-            <a:r>
-              <a:rPr lang="zh-CN" altLang="en-US" b="1" dirty="0" smtClean="0"/>
-              <a:t>创建模块</a:t>
+            <a:r>
+              <a:rPr lang="en-US" altLang="zh-CN" dirty="0" smtClean="0"/>
+              <a:t>10</a:t>
             </a:r>
             <a:endParaRPr lang="zh-CN" altLang="en-US" dirty="0"/>
           </a:p>
@@ -5900,88 +6090,7 @@
           <a:bodyPr/>
           <a:lstStyle/>
           <a:p>
-            <a:r>
-              <a:rPr lang="zh-CN" altLang="en-US" dirty="0" smtClean="0"/>
-              <a:t>模块就是一个</a:t>
-            </a:r>
-            <a:r>
-              <a:rPr lang="en-US" altLang="zh-CN" dirty="0" smtClean="0"/>
-              <a:t>python</a:t>
-            </a:r>
-            <a:r>
-              <a:rPr lang="zh-CN" altLang="en-US" dirty="0" smtClean="0"/>
-              <a:t>文件，我们新建一个文件</a:t>
-            </a:r>
-            <a:r>
-              <a:rPr lang="en-US" altLang="zh-CN" dirty="0" smtClean="0"/>
-              <a:t>my_module.py</a:t>
-            </a:r>
-            <a:r>
-              <a:rPr lang="zh-CN" altLang="en-US" dirty="0" smtClean="0"/>
-              <a:t>，然后填写如下内容：</a:t>
-            </a:r>
-            <a:endParaRPr lang="en-US" altLang="zh-CN" dirty="0" smtClean="0"/>
-          </a:p>
-          <a:p>
-            <a:pPr lvl="1"/>
-            <a:r>
-              <a:rPr lang="en-US" altLang="zh-CN" dirty="0" smtClean="0"/>
-              <a:t>def </a:t>
-            </a:r>
-            <a:r>
-              <a:rPr lang="en-US" altLang="zh-CN" dirty="0" err="1" smtClean="0"/>
-              <a:t>c_to_f</a:t>
-            </a:r>
-            <a:r>
-              <a:rPr lang="en-US" altLang="zh-CN" dirty="0" smtClean="0"/>
-              <a:t>(</a:t>
-            </a:r>
-            <a:r>
-              <a:rPr lang="en-US" altLang="zh-CN" dirty="0" err="1" smtClean="0"/>
-              <a:t>celsius</a:t>
-            </a:r>
-            <a:r>
-              <a:rPr lang="en-US" altLang="zh-CN" dirty="0" smtClean="0"/>
-              <a:t>):</a:t>
-            </a:r>
-          </a:p>
-          <a:p>
-            <a:pPr lvl="2"/>
-            <a:r>
-              <a:rPr lang="de-DE" altLang="zh-CN" dirty="0" smtClean="0"/>
-              <a:t>fahrenheit = celsius * 9.0 / 5 + 32</a:t>
-            </a:r>
-          </a:p>
-          <a:p>
-            <a:pPr lvl="2"/>
-            <a:r>
-              <a:rPr lang="en-US" altLang="zh-CN" dirty="0" smtClean="0"/>
-              <a:t>return </a:t>
-            </a:r>
-            <a:r>
-              <a:rPr lang="en-US" altLang="zh-CN" dirty="0" err="1" smtClean="0"/>
-              <a:t>fahrenheit</a:t>
-            </a:r>
-            <a:endParaRPr lang="en-US" altLang="zh-CN" dirty="0" smtClean="0"/>
-          </a:p>
-          <a:p>
-            <a:r>
-              <a:rPr lang="zh-CN" altLang="en-US" dirty="0" smtClean="0"/>
-              <a:t>就这么简单！这样就创建了一个模块！模块中只有一个函数，也就是</a:t>
-            </a:r>
-            <a:r>
-              <a:rPr lang="en-US" altLang="zh-CN" dirty="0" err="1" smtClean="0"/>
-              <a:t>c_to_f</a:t>
-            </a:r>
-            <a:r>
-              <a:rPr lang="en-US" altLang="zh-CN" dirty="0" smtClean="0"/>
-              <a:t>()</a:t>
-            </a:r>
-            <a:r>
-              <a:rPr lang="zh-CN" altLang="en-US" dirty="0" smtClean="0"/>
-              <a:t>函数</a:t>
-            </a:r>
-            <a:endParaRPr lang="zh-CN" altLang="en-US" dirty="0"/>
+            <a:endParaRPr lang="zh-CN" altLang="en-US"/>
           </a:p>
         </p:txBody>
       </p:sp>
@@ -6028,15 +6137,11 @@
             <a:pPr algn="l"/>
             <a:r>
               <a:rPr lang="en-US" altLang="zh-CN" dirty="0" smtClean="0"/>
-              <a:t>15.5 </a:t>
-            </a:r>
-            <a:r>
-              <a:rPr lang="zh-CN" altLang="en-US" dirty="0" smtClean="0"/>
-              <a:t>如何</a:t>
-            </a:r>
-            <a:r>
-              <a:rPr lang="zh-CN" altLang="en-US" dirty="0" smtClean="0"/>
-              <a:t>使用模块</a:t>
+              <a:t>14 </a:t>
+            </a:r>
+            <a:r>
+              <a:rPr lang="zh-CN" altLang="en-US" dirty="0" smtClean="0"/>
+              <a:t>对象</a:t>
             </a:r>
             <a:endParaRPr lang="zh-CN" altLang="en-US" dirty="0"/>
           </a:p>
@@ -6058,24 +6163,48 @@
           <a:lstStyle/>
           <a:p>
             <a:r>
-              <a:rPr lang="en-US" altLang="zh-CN" dirty="0" smtClean="0"/>
-              <a:t>import </a:t>
-            </a:r>
-            <a:r>
-              <a:rPr lang="en-US" altLang="zh-CN" dirty="0" err="1" smtClean="0"/>
-              <a:t>my_module</a:t>
+              <a:rPr lang="zh-CN" altLang="en-US" dirty="0" smtClean="0"/>
+              <a:t>对象（</a:t>
+            </a:r>
+            <a:r>
+              <a:rPr lang="en-US" altLang="zh-CN" dirty="0" smtClean="0"/>
+              <a:t>object</a:t>
+            </a:r>
+            <a:r>
+              <a:rPr lang="zh-CN" altLang="en-US" dirty="0" smtClean="0"/>
+              <a:t>）则让这种收集的思想更向前迈进一步。对象可以把函数和数据收集在一起。</a:t>
             </a:r>
             <a:endParaRPr lang="en-US" altLang="zh-CN" dirty="0" smtClean="0"/>
           </a:p>
           <a:p>
             <a:r>
               <a:rPr lang="zh-CN" altLang="en-US" dirty="0" smtClean="0"/>
-              <a:t>见代码</a:t>
-            </a:r>
-            <a:r>
-              <a:rPr lang="en-US" altLang="zh-CN" dirty="0" smtClean="0"/>
-              <a:t>10-8</a:t>
-            </a:r>
+              <a:t>按编程的术语来讲，我们说</a:t>
+            </a:r>
+            <a:r>
+              <a:rPr lang="en-US" altLang="zh-CN" dirty="0" smtClean="0"/>
+              <a:t>Python </a:t>
+            </a:r>
+            <a:r>
+              <a:rPr lang="zh-CN" altLang="en-US" dirty="0" smtClean="0"/>
+              <a:t>是面向对象的（</a:t>
+            </a:r>
+            <a:r>
+              <a:rPr lang="en-US" altLang="zh-CN" dirty="0" smtClean="0"/>
+              <a:t>object oriented</a:t>
+            </a:r>
+            <a:r>
+              <a:rPr lang="zh-CN" altLang="en-US" dirty="0" smtClean="0"/>
+              <a:t>）。</a:t>
+            </a:r>
+            <a:endParaRPr lang="en-US" altLang="zh-CN" dirty="0" smtClean="0"/>
+          </a:p>
+          <a:p>
+            <a:r>
+              <a:rPr lang="zh-CN" altLang="en-US" dirty="0" smtClean="0"/>
+              <a:t>后面几章开始处理图形时，我们将会大量使用对象。</a:t>
+            </a:r>
+            <a:endParaRPr lang="zh-CN" altLang="en-US" dirty="0"/>
           </a:p>
         </p:txBody>
       </p:sp>
@@ -6121,49 +6250,91 @@
           <a:p>
             <a:pPr algn="l"/>
             <a:r>
-              <a:rPr lang="en-US" altLang="zh-CN" b="1" dirty="0" smtClean="0"/>
-              <a:t>15.6</a:t>
+              <a:rPr lang="en-US" altLang="zh-CN" dirty="0" smtClean="0"/>
+              <a:t>14.1 </a:t>
             </a:r>
             <a:r>
               <a:rPr lang="zh-CN" altLang="en-US" b="1" dirty="0" smtClean="0"/>
-              <a:t>　命名空间</a:t>
+              <a:t>真实世界中的对象</a:t>
             </a:r>
             <a:endParaRPr lang="zh-CN" altLang="en-US" dirty="0"/>
           </a:p>
         </p:txBody>
       </p:sp>
-      <p:pic>
-        <p:nvPicPr>
-          <p:cNvPr id="2050" name="Picture 2"/>
-          <p:cNvPicPr>
-            <a:picLocks noChangeAspect="1" noChangeArrowheads="1"/>
-          </p:cNvPicPr>
-          <p:nvPr/>
-        </p:nvPicPr>
-        <p:blipFill>
-          <a:blip r:embed="rId2" cstate="print"/>
-          <a:srcRect/>
-          <a:stretch>
-            <a:fillRect/>
-          </a:stretch>
-        </p:blipFill>
-        <p:spPr bwMode="auto">
+      <p:sp>
+        <p:nvSpPr>
+          <p:cNvPr id="3" name="内容占位符 2"/>
+          <p:cNvSpPr>
+            <a:spLocks noGrp="1"/>
+          </p:cNvSpPr>
+          <p:nvPr>
+            <p:ph idx="1"/>
+          </p:nvPr>
+        </p:nvSpPr>
+        <p:spPr>
           <a:xfrm>
-            <a:off x="1485900" y="1800225"/>
-            <a:ext cx="6172200" cy="3257550"/>
+            <a:off x="457200" y="1600201"/>
+            <a:ext cx="8229600" cy="4709119"/>
           </a:xfrm>
-          <a:prstGeom prst="rect">
-            <a:avLst/>
-          </a:prstGeom>
-          <a:noFill/>
-          <a:ln w="9525">
-            <a:noFill/>
-            <a:miter lim="800000"/>
-            <a:headEnd/>
-            <a:tailEnd/>
-          </a:ln>
         </p:spPr>
-      </p:pic>
+        <p:txBody>
+          <a:bodyPr>
+            <a:normAutofit fontScale="92500" lnSpcReduction="10000"/>
+          </a:bodyPr>
+          <a:lstStyle/>
+          <a:p>
+            <a:r>
+              <a:rPr lang="zh-CN" altLang="en-US" dirty="0" smtClean="0"/>
+              <a:t>在</a:t>
+            </a:r>
+            <a:r>
+              <a:rPr lang="en-US" altLang="zh-CN" dirty="0" smtClean="0"/>
+              <a:t>Python </a:t>
+            </a:r>
+            <a:r>
+              <a:rPr lang="zh-CN" altLang="en-US" dirty="0" smtClean="0"/>
+              <a:t>中定义什么是对象也可以作为一个很好的起点。拿球来举个例子。可以操作一个球，比如捡球、抛球、踢球或者充气（对于某些球来说）。我们把这些操作称为动作（</a:t>
+            </a:r>
+            <a:r>
+              <a:rPr lang="en-US" altLang="zh-CN" dirty="0" smtClean="0"/>
+              <a:t>action</a:t>
+            </a:r>
+            <a:r>
+              <a:rPr lang="zh-CN" altLang="en-US" dirty="0" smtClean="0"/>
+              <a:t>）。还可以通过指出球的颜色、大小和重量来描述一个球。这些就是球的属性（</a:t>
+            </a:r>
+            <a:r>
+              <a:rPr lang="en-US" altLang="zh-CN" dirty="0" smtClean="0"/>
+              <a:t>attribute)</a:t>
+            </a:r>
+          </a:p>
+          <a:p>
+            <a:endParaRPr lang="en-US" altLang="zh-CN" dirty="0" smtClean="0"/>
+          </a:p>
+          <a:p>
+            <a:r>
+              <a:rPr lang="zh-CN" altLang="en-US" dirty="0" smtClean="0"/>
+              <a:t>真实世界的真实对象（物体）包括两个方面。</a:t>
+            </a:r>
+            <a:endParaRPr lang="en-US" altLang="zh-CN" dirty="0" smtClean="0"/>
+          </a:p>
+          <a:p>
+            <a:pPr lvl="1"/>
+            <a:r>
+              <a:rPr lang="zh-CN" altLang="en-US" dirty="0" smtClean="0"/>
+              <a:t>可以对它们做什么（动作）。</a:t>
+            </a:r>
+          </a:p>
+          <a:p>
+            <a:pPr lvl="1"/>
+            <a:r>
+              <a:rPr lang="zh-CN" altLang="en-US" dirty="0" smtClean="0"/>
+              <a:t>如何描述（属性或特性）。</a:t>
+            </a:r>
+            <a:endParaRPr lang="zh-CN" altLang="en-US" dirty="0"/>
+          </a:p>
+        </p:txBody>
+      </p:sp>
     </p:spTree>
   </p:cSld>
   <p:clrMapOvr>
@@ -6294,17 +6465,23 @@
         </p:nvSpPr>
         <p:spPr/>
         <p:txBody>
-          <a:bodyPr/>
+          <a:bodyPr>
+            <a:normAutofit/>
+          </a:bodyPr>
           <a:lstStyle/>
           <a:p>
             <a:pPr algn="l"/>
             <a:r>
+              <a:rPr lang="en-US" altLang="zh-CN" dirty="0" smtClean="0"/>
+              <a:t>14.2 </a:t>
+            </a:r>
+            <a:r>
               <a:rPr lang="en-US" altLang="zh-CN" b="1" dirty="0" smtClean="0"/>
-              <a:t>15.7</a:t>
+              <a:t>Python </a:t>
             </a:r>
             <a:r>
               <a:rPr lang="zh-CN" altLang="en-US" b="1" dirty="0" smtClean="0"/>
-              <a:t>　标准模块</a:t>
+              <a:t>中的对象</a:t>
             </a:r>
             <a:endParaRPr lang="zh-CN" altLang="en-US" dirty="0"/>
           </a:p>
@@ -6322,80 +6499,164 @@
         </p:nvSpPr>
         <p:spPr/>
         <p:txBody>
-          <a:bodyPr/>
-          <a:lstStyle/>
-          <a:p>
+          <a:bodyPr>
+            <a:normAutofit fontScale="85000" lnSpcReduction="20000"/>
+          </a:bodyPr>
+          <a:lstStyle/>
+          <a:p>
+            <a:r>
+              <a:rPr lang="zh-CN" altLang="en-US" dirty="0" smtClean="0"/>
+              <a:t>在</a:t>
+            </a:r>
             <a:r>
               <a:rPr lang="en-US" altLang="zh-CN" dirty="0" smtClean="0"/>
               <a:t>Python </a:t>
             </a:r>
             <a:r>
               <a:rPr lang="zh-CN" altLang="en-US" dirty="0" smtClean="0"/>
-              <a:t>提供了大量标准模块，可以用来完成很多工作，比如查找文件、</a:t>
-            </a:r>
-            <a:r>
-              <a:rPr lang="zh-CN" altLang="en-US" dirty="0" smtClean="0"/>
-              <a:t>报时（或</a:t>
-            </a:r>
-            <a:r>
-              <a:rPr lang="zh-CN" altLang="en-US" dirty="0" smtClean="0"/>
-              <a:t>计时）、生成随机数，以及很多其他功能。有时，人们说</a:t>
-            </a:r>
-            <a:r>
-              <a:rPr lang="en-US" altLang="zh-CN" dirty="0" smtClean="0"/>
-              <a:t>Python</a:t>
-            </a:r>
-            <a:r>
-              <a:rPr lang="zh-CN" altLang="en-US" dirty="0" smtClean="0"/>
-              <a:t>“配有电池”，</a:t>
-            </a:r>
-            <a:r>
-              <a:rPr lang="zh-CN" altLang="en-US" dirty="0" smtClean="0"/>
-              <a:t>指的</a:t>
-            </a:r>
-            <a:r>
-              <a:rPr lang="zh-CN" altLang="en-US" dirty="0" smtClean="0"/>
-              <a:t>就是</a:t>
-            </a:r>
-            <a:r>
-              <a:rPr lang="en-US" altLang="zh-CN" dirty="0" smtClean="0"/>
-              <a:t>Python </a:t>
-            </a:r>
-            <a:r>
-              <a:rPr lang="zh-CN" altLang="en-US" dirty="0" smtClean="0"/>
-              <a:t>的所有标准模块。这称为</a:t>
-            </a:r>
-            <a:r>
-              <a:rPr lang="en-US" altLang="zh-CN" dirty="0" smtClean="0"/>
-              <a:t>Python </a:t>
-            </a:r>
-            <a:r>
-              <a:rPr lang="zh-CN" altLang="en-US" dirty="0" smtClean="0"/>
-              <a:t>标准</a:t>
-            </a:r>
-            <a:r>
-              <a:rPr lang="zh-CN" altLang="en-US" dirty="0" smtClean="0"/>
-              <a:t>库</a:t>
+              <a:t>中，一个对象的特征（或“你知道的事情”）也称为属性（</a:t>
+            </a:r>
+            <a:r>
+              <a:rPr lang="en-US" altLang="zh-CN" dirty="0" smtClean="0"/>
+              <a:t>attribute</a:t>
+            </a:r>
+            <a:r>
+              <a:rPr lang="zh-CN" altLang="en-US" dirty="0" smtClean="0"/>
+              <a:t>），这应该很好记。动作（或“能够对对象做的操作”）称为方法（</a:t>
+            </a:r>
+            <a:r>
+              <a:rPr lang="en-US" altLang="zh-CN" dirty="0" smtClean="0"/>
+              <a:t>method</a:t>
+            </a:r>
+            <a:r>
+              <a:rPr lang="zh-CN" altLang="en-US" dirty="0" smtClean="0"/>
+              <a:t>）</a:t>
             </a:r>
             <a:endParaRPr lang="en-US" altLang="zh-CN" dirty="0" smtClean="0"/>
           </a:p>
           <a:p>
-            <a:pPr lvl="1"/>
-            <a:r>
-              <a:rPr lang="en-US" altLang="zh-CN" b="1" dirty="0" smtClean="0"/>
-              <a:t>time</a:t>
-            </a:r>
-          </a:p>
-          <a:p>
-            <a:pPr lvl="1"/>
-            <a:r>
-              <a:rPr lang="en-US" altLang="zh-CN" dirty="0" smtClean="0"/>
-              <a:t>random </a:t>
-            </a:r>
-            <a:endParaRPr lang="en-US" altLang="zh-CN" b="1" dirty="0" smtClean="0"/>
-          </a:p>
-          <a:p>
-            <a:endParaRPr lang="zh-CN" altLang="en-US" dirty="0"/>
+            <a:r>
+              <a:rPr lang="zh-CN" altLang="en-US" dirty="0" smtClean="0"/>
+              <a:t>球就是一个对象</a:t>
+            </a:r>
+            <a:r>
+              <a:rPr lang="en-US" altLang="zh-CN" dirty="0" smtClean="0"/>
+              <a:t>,</a:t>
+            </a:r>
+            <a:r>
+              <a:rPr lang="zh-CN" altLang="en-US" dirty="0" smtClean="0"/>
+              <a:t>属性</a:t>
+            </a:r>
+            <a:r>
+              <a:rPr lang="en-US" altLang="zh-CN" dirty="0" smtClean="0"/>
+              <a:t>:</a:t>
+            </a:r>
+          </a:p>
+          <a:p>
+            <a:pPr lvl="1">
+              <a:buNone/>
+            </a:pPr>
+            <a:r>
+              <a:rPr lang="en-US" altLang="zh-CN" dirty="0" smtClean="0"/>
+              <a:t>	</a:t>
+            </a:r>
+            <a:r>
+              <a:rPr lang="en-US" altLang="zh-CN" dirty="0" err="1" smtClean="0"/>
+              <a:t>ball.color</a:t>
+            </a:r>
+            <a:endParaRPr lang="en-US" altLang="zh-CN" dirty="0" smtClean="0"/>
+          </a:p>
+          <a:p>
+            <a:pPr lvl="1">
+              <a:buNone/>
+            </a:pPr>
+            <a:r>
+              <a:rPr lang="en-US" altLang="zh-CN" dirty="0" smtClean="0"/>
+              <a:t>	</a:t>
+            </a:r>
+            <a:r>
+              <a:rPr lang="en-US" altLang="zh-CN" dirty="0" err="1" smtClean="0"/>
+              <a:t>ball.size</a:t>
+            </a:r>
+            <a:endParaRPr lang="en-US" altLang="zh-CN" dirty="0" smtClean="0"/>
+          </a:p>
+          <a:p>
+            <a:pPr lvl="1">
+              <a:buNone/>
+            </a:pPr>
+            <a:r>
+              <a:rPr lang="en-US" altLang="zh-CN" dirty="0" smtClean="0"/>
+              <a:t>	</a:t>
+            </a:r>
+            <a:r>
+              <a:rPr lang="en-US" altLang="zh-CN" smtClean="0"/>
+              <a:t>ball.weight</a:t>
+            </a:r>
+            <a:endParaRPr lang="en-US" altLang="zh-CN" dirty="0" smtClean="0"/>
+          </a:p>
+          <a:p>
+            <a:pPr lvl="1">
+              <a:buNone/>
+            </a:pPr>
+            <a:r>
+              <a:rPr lang="zh-CN" altLang="en-US" dirty="0" smtClean="0"/>
+              <a:t>方法</a:t>
+            </a:r>
+            <a:r>
+              <a:rPr lang="en-US" altLang="zh-CN" dirty="0" smtClean="0"/>
+              <a:t>:</a:t>
+            </a:r>
+          </a:p>
+          <a:p>
+            <a:pPr lvl="1">
+              <a:buNone/>
+            </a:pPr>
+            <a:r>
+              <a:rPr lang="en-US" altLang="zh-CN" dirty="0" smtClean="0"/>
+              <a:t>	</a:t>
+            </a:r>
+            <a:r>
+              <a:rPr lang="en-US" altLang="zh-CN" dirty="0" err="1" smtClean="0"/>
+              <a:t>ball.kick</a:t>
+            </a:r>
+            <a:r>
+              <a:rPr lang="en-US" altLang="zh-CN" dirty="0" smtClean="0"/>
+              <a:t>()</a:t>
+            </a:r>
+          </a:p>
+          <a:p>
+            <a:pPr lvl="1">
+              <a:buNone/>
+            </a:pPr>
+            <a:r>
+              <a:rPr lang="en-US" altLang="zh-CN" dirty="0" smtClean="0"/>
+              <a:t>	</a:t>
+            </a:r>
+            <a:r>
+              <a:rPr lang="en-US" altLang="zh-CN" dirty="0" err="1" smtClean="0"/>
+              <a:t>ball.throw</a:t>
+            </a:r>
+            <a:r>
+              <a:rPr lang="en-US" altLang="zh-CN" dirty="0" smtClean="0"/>
+              <a:t>()</a:t>
+            </a:r>
+          </a:p>
+          <a:p>
+            <a:pPr lvl="1">
+              <a:buNone/>
+            </a:pPr>
+            <a:r>
+              <a:rPr lang="en-US" altLang="zh-CN" dirty="0" smtClean="0"/>
+              <a:t>	</a:t>
+            </a:r>
+            <a:r>
+              <a:rPr lang="en-US" altLang="zh-CN" dirty="0" err="1" smtClean="0"/>
+              <a:t>ball.inflate</a:t>
+            </a:r>
+            <a:r>
+              <a:rPr lang="en-US" altLang="zh-CN" dirty="0" smtClean="0"/>
+              <a:t>()</a:t>
+            </a:r>
           </a:p>
         </p:txBody>
       </p:sp>
@@ -6436,71 +6697,58 @@
         </p:nvSpPr>
         <p:spPr/>
         <p:txBody>
+          <a:bodyPr>
+            <a:normAutofit/>
+          </a:bodyPr>
+          <a:lstStyle/>
+          <a:p>
+            <a:pPr algn="l"/>
+            <a:r>
+              <a:rPr lang="en-US" altLang="zh-CN" dirty="0" smtClean="0"/>
+              <a:t>14.3 </a:t>
+            </a:r>
+            <a:r>
+              <a:rPr lang="zh-CN" altLang="en-US" dirty="0" smtClean="0"/>
+              <a:t>对象</a:t>
+            </a:r>
+            <a:r>
+              <a:rPr lang="en-US" altLang="zh-CN" dirty="0" smtClean="0"/>
+              <a:t>=</a:t>
+            </a:r>
+            <a:r>
+              <a:rPr lang="zh-CN" altLang="en-US" dirty="0" smtClean="0"/>
+              <a:t>属性</a:t>
+            </a:r>
+            <a:r>
+              <a:rPr lang="en-US" altLang="zh-CN" dirty="0" smtClean="0"/>
+              <a:t>+</a:t>
+            </a:r>
+            <a:r>
+              <a:rPr lang="zh-CN" altLang="en-US" dirty="0" smtClean="0"/>
+              <a:t>方法</a:t>
+            </a:r>
+            <a:endParaRPr lang="zh-CN" altLang="en-US" dirty="0"/>
+          </a:p>
+        </p:txBody>
+      </p:sp>
+      <p:sp>
+        <p:nvSpPr>
+          <p:cNvPr id="3" name="内容占位符 2"/>
+          <p:cNvSpPr>
+            <a:spLocks noGrp="1"/>
+          </p:cNvSpPr>
+          <p:nvPr>
+            <p:ph idx="1"/>
+          </p:nvPr>
+        </p:nvSpPr>
+        <p:spPr/>
+        <p:txBody>
           <a:bodyPr/>
           <a:lstStyle/>
           <a:p>
-            <a:pPr algn="l"/>
-            <a:r>
-              <a:rPr lang="zh-CN" altLang="en-US" dirty="0" smtClean="0"/>
-              <a:t>你学到了什么</a:t>
-            </a:r>
-            <a:endParaRPr lang="zh-CN" altLang="en-US" dirty="0"/>
-          </a:p>
-        </p:txBody>
-      </p:sp>
-      <p:sp>
-        <p:nvSpPr>
-          <p:cNvPr id="3" name="内容占位符 2"/>
-          <p:cNvSpPr>
-            <a:spLocks noGrp="1"/>
-          </p:cNvSpPr>
-          <p:nvPr>
-            <p:ph idx="1"/>
-          </p:nvPr>
-        </p:nvSpPr>
-        <p:spPr/>
-        <p:txBody>
-          <a:bodyPr/>
-          <a:lstStyle/>
-          <a:p>
-            <a:r>
-              <a:rPr lang="zh-CN" altLang="en-US" dirty="0" smtClean="0"/>
-              <a:t>什么是模块。</a:t>
-            </a:r>
-          </a:p>
-          <a:p>
-            <a:r>
-              <a:rPr lang="zh-CN" altLang="en-US" dirty="0" smtClean="0"/>
-              <a:t>如何创建模块。</a:t>
-            </a:r>
-          </a:p>
-          <a:p>
-            <a:r>
-              <a:rPr lang="zh-CN" altLang="en-US" dirty="0" smtClean="0"/>
-              <a:t>如何在另一个程序中使用模块。</a:t>
-            </a:r>
-          </a:p>
-          <a:p>
-            <a:r>
-              <a:rPr lang="zh-CN" altLang="en-US" dirty="0" smtClean="0"/>
-              <a:t>什么是命名空间。</a:t>
-            </a:r>
-          </a:p>
-          <a:p>
-            <a:r>
-              <a:rPr lang="zh-CN" altLang="en-US" dirty="0" smtClean="0"/>
-              <a:t>局部和全局命名空间和变量是什么意思</a:t>
-            </a:r>
-            <a:r>
-              <a:rPr lang="zh-CN" altLang="en-US" dirty="0" smtClean="0"/>
-              <a:t>。</a:t>
-            </a:r>
-            <a:endParaRPr lang="en-US" altLang="zh-CN" dirty="0" smtClean="0"/>
-          </a:p>
-          <a:p>
-            <a:r>
-              <a:rPr lang="zh-CN" altLang="en-US" dirty="0" smtClean="0"/>
-              <a:t>如何把其他模块中的名字包含到你的命名空间中</a:t>
+            <a:r>
+              <a:rPr lang="zh-CN" altLang="en-US" dirty="0" smtClean="0"/>
+              <a:t>所以利用对象，可以把一个东西的属性和方法（你知道的事情和你可以做的事情）收集在一起。属性是信息，方法是动作。</a:t>
             </a:r>
             <a:endParaRPr lang="zh-CN" altLang="en-US" dirty="0"/>
           </a:p>
@@ -6548,8 +6796,312 @@
           <a:p>
             <a:pPr algn="l"/>
             <a:r>
-              <a:rPr lang="zh-CN" altLang="en-US" dirty="0" smtClean="0"/>
-              <a:t>动手试一试</a:t>
+              <a:rPr lang="en-US" altLang="zh-CN" b="1" smtClean="0"/>
+              <a:t>14.4</a:t>
+            </a:r>
+            <a:r>
+              <a:rPr lang="zh-CN" altLang="en-US" b="1" smtClean="0"/>
+              <a:t>　创建对象</a:t>
+            </a:r>
+            <a:endParaRPr lang="zh-CN" altLang="en-US"/>
+          </a:p>
+        </p:txBody>
+      </p:sp>
+      <p:sp>
+        <p:nvSpPr>
+          <p:cNvPr id="3" name="内容占位符 2"/>
+          <p:cNvSpPr>
+            <a:spLocks noGrp="1"/>
+          </p:cNvSpPr>
+          <p:nvPr>
+            <p:ph idx="1"/>
+          </p:nvPr>
+        </p:nvSpPr>
+        <p:spPr/>
+        <p:txBody>
+          <a:bodyPr/>
+          <a:lstStyle/>
+          <a:p>
+            <a:r>
+              <a:rPr lang="en-US" altLang="zh-CN" dirty="0" smtClean="0"/>
+              <a:t>Python </a:t>
+            </a:r>
+            <a:r>
+              <a:rPr lang="zh-CN" altLang="en-US" dirty="0" smtClean="0"/>
+              <a:t>中创建对象包括两步</a:t>
+            </a:r>
+            <a:endParaRPr lang="en-US" altLang="zh-CN" dirty="0" smtClean="0"/>
+          </a:p>
+          <a:p>
+            <a:pPr lvl="1"/>
+            <a:r>
+              <a:rPr lang="zh-CN" altLang="en-US" dirty="0" smtClean="0"/>
+              <a:t>第一步是定义对象看上去什么样，会做什么，也就是它的属性和方法（蓝图）。</a:t>
+            </a:r>
+            <a:endParaRPr lang="en-US" altLang="zh-CN" dirty="0" smtClean="0"/>
+          </a:p>
+          <a:p>
+            <a:pPr lvl="1"/>
+            <a:r>
+              <a:rPr lang="zh-CN" altLang="en-US" dirty="0" smtClean="0"/>
+              <a:t>第二步是使用类来建立一个真正的对象</a:t>
+            </a:r>
+            <a:endParaRPr lang="en-US" altLang="zh-CN" dirty="0" smtClean="0"/>
+          </a:p>
+          <a:p>
+            <a:r>
+              <a:rPr lang="zh-CN" altLang="en-US" dirty="0" smtClean="0"/>
+              <a:t>见代码 </a:t>
+            </a:r>
+            <a:r>
+              <a:rPr lang="en-US" altLang="zh-CN" dirty="0" smtClean="0"/>
+              <a:t>10-1</a:t>
+            </a:r>
+          </a:p>
+          <a:p>
+            <a:endParaRPr lang="en-US" altLang="zh-CN" dirty="0" smtClean="0"/>
+          </a:p>
+          <a:p>
+            <a:r>
+              <a:rPr lang="zh-CN" altLang="en-US" dirty="0" smtClean="0"/>
+              <a:t>创建一个对象实例 </a:t>
+            </a:r>
+            <a:r>
+              <a:rPr lang="en-US" altLang="zh-CN" dirty="0" err="1" smtClean="0"/>
+              <a:t>myBall</a:t>
+            </a:r>
+            <a:r>
+              <a:rPr lang="en-US" altLang="zh-CN" dirty="0" smtClean="0"/>
+              <a:t> = Ball()</a:t>
+            </a:r>
+          </a:p>
+          <a:p>
+            <a:endParaRPr lang="en-US" altLang="zh-CN" dirty="0" smtClean="0"/>
+          </a:p>
+        </p:txBody>
+      </p:sp>
+    </p:spTree>
+  </p:cSld>
+  <p:clrMapOvr>
+    <a:masterClrMapping/>
+  </p:clrMapOvr>
+</p:sld>
+</file>
+
+<file path=ppt/slides/slide123.xml><?xml version="1.0" encoding="utf-8"?>
+<p:sld xmlns:a="http://schemas.openxmlformats.org/drawingml/2006/main" xmlns:r="http://schemas.openxmlformats.org/officeDocument/2006/relationships" xmlns:p="http://schemas.openxmlformats.org/presentationml/2006/main">
+  <p:cSld>
+    <p:spTree>
+      <p:nvGrpSpPr>
+        <p:cNvPr id="1" name=""/>
+        <p:cNvGrpSpPr/>
+        <p:nvPr/>
+      </p:nvGrpSpPr>
+      <p:grpSpPr>
+        <a:xfrm>
+          <a:off x="0" y="0"/>
+          <a:ext cx="0" cy="0"/>
+          <a:chOff x="0" y="0"/>
+          <a:chExt cx="0" cy="0"/>
+        </a:xfrm>
+      </p:grpSpPr>
+      <p:sp>
+        <p:nvSpPr>
+          <p:cNvPr id="2" name="标题 1"/>
+          <p:cNvSpPr>
+            <a:spLocks noGrp="1"/>
+          </p:cNvSpPr>
+          <p:nvPr>
+            <p:ph type="title"/>
+          </p:nvPr>
+        </p:nvSpPr>
+        <p:spPr/>
+        <p:txBody>
+          <a:bodyPr/>
+          <a:lstStyle/>
+          <a:p>
+            <a:pPr algn="l"/>
+            <a:r>
+              <a:rPr lang="en-US" altLang="zh-CN" b="1" smtClean="0"/>
+              <a:t>14.4</a:t>
+            </a:r>
+            <a:r>
+              <a:rPr lang="zh-CN" altLang="en-US" b="1" smtClean="0"/>
+              <a:t>　创建对象</a:t>
+            </a:r>
+            <a:endParaRPr lang="zh-CN" altLang="en-US"/>
+          </a:p>
+        </p:txBody>
+      </p:sp>
+      <p:sp>
+        <p:nvSpPr>
+          <p:cNvPr id="3" name="内容占位符 2"/>
+          <p:cNvSpPr>
+            <a:spLocks noGrp="1"/>
+          </p:cNvSpPr>
+          <p:nvPr>
+            <p:ph idx="1"/>
+          </p:nvPr>
+        </p:nvSpPr>
+        <p:spPr/>
+        <p:txBody>
+          <a:bodyPr>
+            <a:normAutofit/>
+          </a:bodyPr>
+          <a:lstStyle/>
+          <a:p>
+            <a:r>
+              <a:rPr lang="zh-CN" altLang="en-US" dirty="0" smtClean="0"/>
+              <a:t>初始化对象</a:t>
+            </a:r>
+            <a:endParaRPr lang="en-US" altLang="zh-CN" dirty="0" smtClean="0"/>
+          </a:p>
+          <a:p>
+            <a:pPr lvl="1"/>
+            <a:r>
+              <a:rPr lang="zh-CN" altLang="en-US" dirty="0" smtClean="0"/>
+              <a:t>初始化对象，可以在创建时设置属性</a:t>
+            </a:r>
+            <a:endParaRPr lang="en-US" altLang="zh-CN" dirty="0" smtClean="0"/>
+          </a:p>
+          <a:p>
+            <a:pPr lvl="1"/>
+            <a:r>
+              <a:rPr lang="en-US" altLang="zh-CN" dirty="0" smtClean="0"/>
+              <a:t>__init()__ </a:t>
+            </a:r>
+          </a:p>
+          <a:p>
+            <a:pPr lvl="1"/>
+            <a:r>
+              <a:rPr lang="zh-CN" altLang="en-US" dirty="0" smtClean="0"/>
+              <a:t>见代码</a:t>
+            </a:r>
+            <a:r>
+              <a:rPr lang="en-US" altLang="zh-CN" dirty="0" smtClean="0"/>
+              <a:t>10-3</a:t>
+            </a:r>
+          </a:p>
+          <a:p>
+            <a:r>
+              <a:rPr lang="zh-CN" altLang="en-US" dirty="0" smtClean="0"/>
+              <a:t>“魔法”方法</a:t>
+            </a:r>
+            <a:r>
+              <a:rPr lang="en-US" altLang="zh-CN" dirty="0" smtClean="0"/>
+              <a:t>: </a:t>
+            </a:r>
+            <a:r>
+              <a:rPr lang="en-US" altLang="zh-CN" b="1" dirty="0" smtClean="0"/>
+              <a:t>__</a:t>
+            </a:r>
+            <a:r>
+              <a:rPr lang="en-US" altLang="zh-CN" b="1" dirty="0" err="1" smtClean="0"/>
+              <a:t>str</a:t>
+            </a:r>
+            <a:r>
+              <a:rPr lang="en-US" altLang="zh-CN" b="1" dirty="0" smtClean="0"/>
+              <a:t>__()</a:t>
+            </a:r>
+          </a:p>
+          <a:p>
+            <a:pPr lvl="1"/>
+            <a:r>
+              <a:rPr lang="zh-CN" altLang="en-US" dirty="0" smtClean="0"/>
+              <a:t>这些只是在你创建类时</a:t>
+            </a:r>
+            <a:r>
+              <a:rPr lang="en-US" altLang="zh-CN" dirty="0" smtClean="0"/>
+              <a:t>Python </a:t>
+            </a:r>
+            <a:r>
+              <a:rPr lang="zh-CN" altLang="en-US" dirty="0" smtClean="0"/>
+              <a:t>自动包含的一些方法。</a:t>
+            </a:r>
+            <a:r>
+              <a:rPr lang="en-US" altLang="zh-CN" dirty="0" smtClean="0"/>
+              <a:t>Python </a:t>
+            </a:r>
+            <a:r>
+              <a:rPr lang="zh-CN" altLang="en-US" dirty="0" smtClean="0"/>
+              <a:t>程序员通常把它们叫做特殊方法（</a:t>
+            </a:r>
+            <a:r>
+              <a:rPr lang="en-US" altLang="zh-CN" dirty="0" smtClean="0"/>
+              <a:t>special method</a:t>
+            </a:r>
+            <a:r>
+              <a:rPr lang="zh-CN" altLang="en-US" dirty="0" smtClean="0"/>
+              <a:t>）。它会告诉</a:t>
+            </a:r>
+            <a:r>
+              <a:rPr lang="en-US" altLang="zh-CN" dirty="0" smtClean="0"/>
+              <a:t>Python </a:t>
+            </a:r>
+            <a:r>
+              <a:rPr lang="zh-CN" altLang="en-US" dirty="0" smtClean="0"/>
+              <a:t>打印（</a:t>
+            </a:r>
+            <a:r>
+              <a:rPr lang="en-US" altLang="zh-CN" sz="2400" dirty="0" smtClean="0"/>
+              <a:t>print</a:t>
+            </a:r>
+            <a:r>
+              <a:rPr lang="zh-CN" altLang="en-US" dirty="0" smtClean="0"/>
+              <a:t>）一个对象时具体显示什么内容。</a:t>
+            </a:r>
+            <a:endParaRPr lang="en-US" altLang="zh-CN" dirty="0" smtClean="0"/>
+          </a:p>
+        </p:txBody>
+      </p:sp>
+    </p:spTree>
+  </p:cSld>
+  <p:clrMapOvr>
+    <a:masterClrMapping/>
+  </p:clrMapOvr>
+</p:sld>
+</file>
+
+<file path=ppt/slides/slide124.xml><?xml version="1.0" encoding="utf-8"?>
+<p:sld xmlns:a="http://schemas.openxmlformats.org/drawingml/2006/main" xmlns:r="http://schemas.openxmlformats.org/officeDocument/2006/relationships" xmlns:p="http://schemas.openxmlformats.org/presentationml/2006/main">
+  <p:cSld>
+    <p:spTree>
+      <p:nvGrpSpPr>
+        <p:cNvPr id="1" name=""/>
+        <p:cNvGrpSpPr/>
+        <p:nvPr/>
+      </p:nvGrpSpPr>
+      <p:grpSpPr>
+        <a:xfrm>
+          <a:off x="0" y="0"/>
+          <a:ext cx="0" cy="0"/>
+          <a:chOff x="0" y="0"/>
+          <a:chExt cx="0" cy="0"/>
+        </a:xfrm>
+      </p:grpSpPr>
+      <p:sp>
+        <p:nvSpPr>
+          <p:cNvPr id="2" name="标题 1"/>
+          <p:cNvSpPr>
+            <a:spLocks noGrp="1"/>
+          </p:cNvSpPr>
+          <p:nvPr>
+            <p:ph type="title"/>
+          </p:nvPr>
+        </p:nvSpPr>
+        <p:spPr/>
+        <p:txBody>
+          <a:bodyPr/>
+          <a:lstStyle/>
+          <a:p>
+            <a:pPr algn="l"/>
+            <a:r>
+              <a:rPr lang="en-US" altLang="zh-CN" b="1" dirty="0" smtClean="0"/>
+              <a:t>14.5</a:t>
+            </a:r>
+            <a:r>
+              <a:rPr lang="zh-CN" altLang="en-US" b="1" dirty="0" smtClean="0"/>
+              <a:t> 隐藏数据</a:t>
             </a:r>
             <a:endParaRPr lang="zh-CN" altLang="en-US" dirty="0"/>
           </a:p>
@@ -6567,62 +7119,588 @@
         </p:nvSpPr>
         <p:spPr/>
         <p:txBody>
-          <a:bodyPr>
-            <a:normAutofit fontScale="77500" lnSpcReduction="20000"/>
-          </a:bodyPr>
-          <a:lstStyle/>
-          <a:p>
-            <a:pPr>
+          <a:bodyPr/>
+          <a:lstStyle/>
+          <a:p>
+            <a:r>
+              <a:rPr lang="en-US" altLang="zh-CN" dirty="0" err="1" smtClean="0"/>
+              <a:t>myDog.cooked_level</a:t>
+            </a:r>
+            <a:r>
+              <a:rPr lang="en-US" altLang="zh-CN" dirty="0" smtClean="0"/>
+              <a:t> = 5</a:t>
+            </a:r>
+          </a:p>
+          <a:p>
+            <a:r>
+              <a:rPr lang="en-US" altLang="zh-CN" dirty="0" err="1" smtClean="0"/>
+              <a:t>myDog.cook</a:t>
+            </a:r>
+            <a:r>
+              <a:rPr lang="en-US" altLang="zh-CN" dirty="0" smtClean="0"/>
+              <a:t>(5)</a:t>
+            </a:r>
+          </a:p>
+          <a:p>
+            <a:r>
+              <a:rPr lang="zh-CN" altLang="en-US" dirty="0" smtClean="0"/>
+              <a:t>我可以想到至少两个原因。</a:t>
+            </a:r>
+            <a:endParaRPr lang="en-US" altLang="zh-CN" dirty="0" smtClean="0"/>
+          </a:p>
+          <a:p>
+            <a:pPr lvl="1"/>
+            <a:r>
+              <a:rPr lang="zh-CN" altLang="en-US" dirty="0" smtClean="0"/>
+              <a:t>如果</a:t>
+            </a:r>
+            <a:r>
+              <a:rPr lang="zh-CN" altLang="en-US" sz="2400" dirty="0" smtClean="0"/>
+              <a:t> </a:t>
+            </a:r>
+            <a:r>
+              <a:rPr lang="zh-CN" altLang="en-US" dirty="0" smtClean="0"/>
+              <a:t>直接访问属性，烤热狗至少需要两部分：改变 </a:t>
+            </a:r>
+            <a:r>
+              <a:rPr lang="en-US" altLang="zh-CN" sz="2400" dirty="0" err="1" smtClean="0"/>
+              <a:t>cooked_level</a:t>
+            </a:r>
+            <a:r>
+              <a:rPr lang="zh-CN" altLang="en-US" dirty="0" smtClean="0"/>
+              <a:t>和改变</a:t>
+            </a:r>
+            <a:r>
+              <a:rPr lang="en-US" altLang="zh-CN" sz="2400" dirty="0" err="1" smtClean="0"/>
+              <a:t>cooked_string</a:t>
+            </a:r>
+            <a:r>
+              <a:rPr lang="zh-CN" altLang="en-US" dirty="0" smtClean="0"/>
+              <a:t>。而利用一个方法，可以只做一个方法调用，它就会完成我们需要的一切工作。</a:t>
+            </a:r>
+            <a:endParaRPr lang="en-US" altLang="zh-CN" dirty="0" smtClean="0"/>
+          </a:p>
+          <a:p>
+            <a:pPr lvl="1"/>
+            <a:r>
+              <a:rPr lang="zh-CN" altLang="en-US" dirty="0" smtClean="0"/>
+              <a:t>如果直接访问属性，就会有这样的结果：</a:t>
+            </a:r>
+            <a:r>
+              <a:rPr lang="en-US" altLang="zh-CN" dirty="0" err="1" smtClean="0"/>
+              <a:t>cooked_level</a:t>
+            </a:r>
+            <a:r>
+              <a:rPr lang="en-US" altLang="zh-CN" dirty="0" smtClean="0"/>
+              <a:t> = </a:t>
+            </a:r>
+            <a:r>
+              <a:rPr lang="en-US" altLang="zh-CN" dirty="0" err="1" smtClean="0"/>
+              <a:t>cooked_level</a:t>
+            </a:r>
+            <a:r>
+              <a:rPr lang="en-US" altLang="zh-CN" dirty="0" smtClean="0"/>
+              <a:t> – 2</a:t>
+            </a:r>
+          </a:p>
+          <a:p>
+            <a:pPr lvl="1">
               <a:buNone/>
             </a:pPr>
+            <a:endParaRPr lang="zh-CN" altLang="en-US" dirty="0"/>
+          </a:p>
+        </p:txBody>
+      </p:sp>
+    </p:spTree>
+  </p:cSld>
+  <p:clrMapOvr>
+    <a:masterClrMapping/>
+  </p:clrMapOvr>
+</p:sld>
+</file>
+
+<file path=ppt/slides/slide125.xml><?xml version="1.0" encoding="utf-8"?>
+<p:sld xmlns:a="http://schemas.openxmlformats.org/drawingml/2006/main" xmlns:r="http://schemas.openxmlformats.org/officeDocument/2006/relationships" xmlns:p="http://schemas.openxmlformats.org/presentationml/2006/main">
+  <p:cSld>
+    <p:spTree>
+      <p:nvGrpSpPr>
+        <p:cNvPr id="1" name=""/>
+        <p:cNvGrpSpPr/>
+        <p:nvPr/>
+      </p:nvGrpSpPr>
+      <p:grpSpPr>
+        <a:xfrm>
+          <a:off x="0" y="0"/>
+          <a:ext cx="0" cy="0"/>
+          <a:chOff x="0" y="0"/>
+          <a:chExt cx="0" cy="0"/>
+        </a:xfrm>
+      </p:grpSpPr>
+      <p:sp>
+        <p:nvSpPr>
+          <p:cNvPr id="2" name="标题 1"/>
+          <p:cNvSpPr>
+            <a:spLocks noGrp="1"/>
+          </p:cNvSpPr>
+          <p:nvPr>
+            <p:ph type="title"/>
+          </p:nvPr>
+        </p:nvSpPr>
+        <p:spPr/>
+        <p:txBody>
+          <a:bodyPr/>
+          <a:lstStyle/>
+          <a:p>
+            <a:pPr algn="l"/>
+            <a:r>
+              <a:rPr lang="en-US" altLang="zh-CN" b="1" dirty="0" smtClean="0"/>
+              <a:t>14.6</a:t>
+            </a:r>
+            <a:r>
+              <a:rPr lang="zh-CN" altLang="en-US" b="1" dirty="0" smtClean="0"/>
+              <a:t>　多态和继承</a:t>
+            </a:r>
+            <a:endParaRPr lang="zh-CN" altLang="en-US" dirty="0"/>
+          </a:p>
+        </p:txBody>
+      </p:sp>
+      <p:sp>
+        <p:nvSpPr>
+          <p:cNvPr id="3" name="内容占位符 2"/>
+          <p:cNvSpPr>
+            <a:spLocks noGrp="1"/>
+          </p:cNvSpPr>
+          <p:nvPr>
+            <p:ph idx="1"/>
+          </p:nvPr>
+        </p:nvSpPr>
+        <p:spPr/>
+        <p:txBody>
+          <a:bodyPr/>
+          <a:lstStyle/>
+          <a:p>
+            <a:r>
+              <a:rPr lang="zh-CN" altLang="en-US" dirty="0" smtClean="0"/>
+              <a:t>我们来看对象最为重要的两个方面：多态（</a:t>
+            </a:r>
+            <a:r>
+              <a:rPr lang="en-US" altLang="zh-CN" dirty="0" smtClean="0"/>
+              <a:t>polymorphism</a:t>
+            </a:r>
+            <a:r>
+              <a:rPr lang="zh-CN" altLang="en-US" dirty="0" smtClean="0"/>
+              <a:t>）和继承（</a:t>
+            </a:r>
+            <a:r>
+              <a:rPr lang="en-US" altLang="zh-CN" dirty="0" smtClean="0"/>
+              <a:t>inheritance</a:t>
+            </a:r>
+            <a:r>
+              <a:rPr lang="zh-CN" altLang="en-US" dirty="0" smtClean="0"/>
+              <a:t>）</a:t>
+            </a:r>
+            <a:endParaRPr lang="en-US" altLang="zh-CN" dirty="0" smtClean="0"/>
+          </a:p>
+          <a:p>
+            <a:pPr lvl="1"/>
+            <a:r>
+              <a:rPr lang="zh-CN" altLang="en-US" dirty="0" smtClean="0"/>
+              <a:t>多态</a:t>
+            </a:r>
+            <a:r>
+              <a:rPr lang="en-US" altLang="zh-CN" dirty="0" smtClean="0"/>
+              <a:t>—</a:t>
+            </a:r>
+            <a:r>
+              <a:rPr lang="zh-CN" altLang="en-US" dirty="0" smtClean="0"/>
+              <a:t>同一个方法，不同的行为</a:t>
+            </a:r>
+            <a:endParaRPr lang="en-US" altLang="zh-CN" dirty="0" smtClean="0"/>
+          </a:p>
+          <a:p>
+            <a:pPr lvl="1"/>
+            <a:r>
+              <a:rPr lang="zh-CN" altLang="en-US" dirty="0" smtClean="0"/>
+              <a:t>继承</a:t>
+            </a:r>
+            <a:r>
+              <a:rPr lang="en-US" altLang="zh-CN" dirty="0" smtClean="0"/>
+              <a:t>—</a:t>
+            </a:r>
+            <a:r>
+              <a:rPr lang="zh-CN" altLang="en-US" dirty="0" smtClean="0"/>
+              <a:t>向父母学习</a:t>
+            </a:r>
+            <a:endParaRPr lang="zh-CN" altLang="en-US" dirty="0"/>
+          </a:p>
+        </p:txBody>
+      </p:sp>
+    </p:spTree>
+  </p:cSld>
+  <p:clrMapOvr>
+    <a:masterClrMapping/>
+  </p:clrMapOvr>
+</p:sld>
+</file>
+
+<file path=ppt/slides/slide126.xml><?xml version="1.0" encoding="utf-8"?>
+<p:sld xmlns:a="http://schemas.openxmlformats.org/drawingml/2006/main" xmlns:r="http://schemas.openxmlformats.org/officeDocument/2006/relationships" xmlns:p="http://schemas.openxmlformats.org/presentationml/2006/main">
+  <p:cSld>
+    <p:spTree>
+      <p:nvGrpSpPr>
+        <p:cNvPr id="1" name=""/>
+        <p:cNvGrpSpPr/>
+        <p:nvPr/>
+      </p:nvGrpSpPr>
+      <p:grpSpPr>
+        <a:xfrm>
+          <a:off x="0" y="0"/>
+          <a:ext cx="0" cy="0"/>
+          <a:chOff x="0" y="0"/>
+          <a:chExt cx="0" cy="0"/>
+        </a:xfrm>
+      </p:grpSpPr>
+      <p:sp>
+        <p:nvSpPr>
+          <p:cNvPr id="2" name="标题 1"/>
+          <p:cNvSpPr>
+            <a:spLocks noGrp="1"/>
+          </p:cNvSpPr>
+          <p:nvPr>
+            <p:ph type="title"/>
+          </p:nvPr>
+        </p:nvSpPr>
+        <p:spPr/>
+        <p:txBody>
+          <a:bodyPr/>
+          <a:lstStyle/>
+          <a:p>
+            <a:pPr algn="l"/>
+            <a:r>
+              <a:rPr lang="en-US" altLang="zh-CN" b="1" dirty="0" smtClean="0"/>
+              <a:t>14.7</a:t>
+            </a:r>
+            <a:r>
+              <a:rPr lang="zh-CN" altLang="en-US" b="1" dirty="0" smtClean="0"/>
+              <a:t>　未雨绸缪</a:t>
+            </a:r>
+            <a:endParaRPr lang="zh-CN" altLang="en-US" dirty="0"/>
+          </a:p>
+        </p:txBody>
+      </p:sp>
+      <p:sp>
+        <p:nvSpPr>
+          <p:cNvPr id="3" name="内容占位符 2"/>
+          <p:cNvSpPr>
+            <a:spLocks noGrp="1"/>
+          </p:cNvSpPr>
+          <p:nvPr>
+            <p:ph idx="1"/>
+          </p:nvPr>
+        </p:nvSpPr>
+        <p:spPr/>
+        <p:txBody>
+          <a:bodyPr/>
+          <a:lstStyle/>
+          <a:p>
+            <a:r>
+              <a:rPr lang="zh-CN" altLang="en-US" dirty="0" smtClean="0"/>
+              <a:t>程序员编写比较复杂的代码时通常就会采用这种做法来组织他们的想法。“空”函数或方法称为代码桩（</a:t>
+            </a:r>
+            <a:r>
+              <a:rPr lang="en-US" altLang="zh-CN" dirty="0" smtClean="0"/>
+              <a:t>code stub</a:t>
+            </a:r>
+            <a:r>
+              <a:rPr lang="zh-CN" altLang="en-US" dirty="0" smtClean="0"/>
+              <a:t>）</a:t>
+            </a:r>
+            <a:endParaRPr lang="en-US" altLang="zh-CN" dirty="0" smtClean="0"/>
+          </a:p>
+          <a:p>
+            <a:r>
+              <a:rPr lang="zh-CN" altLang="en-US" dirty="0" smtClean="0"/>
+              <a:t>见代码</a:t>
+            </a:r>
+            <a:endParaRPr lang="en-US" altLang="zh-CN" dirty="0" smtClean="0"/>
+          </a:p>
+          <a:p>
+            <a:endParaRPr lang="zh-CN" altLang="en-US" dirty="0"/>
+          </a:p>
+        </p:txBody>
+      </p:sp>
+    </p:spTree>
+  </p:cSld>
+  <p:clrMapOvr>
+    <a:masterClrMapping/>
+  </p:clrMapOvr>
+</p:sld>
+</file>
+
+<file path=ppt/slides/slide127.xml><?xml version="1.0" encoding="utf-8"?>
+<p:sld xmlns:a="http://schemas.openxmlformats.org/drawingml/2006/main" xmlns:r="http://schemas.openxmlformats.org/officeDocument/2006/relationships" xmlns:p="http://schemas.openxmlformats.org/presentationml/2006/main">
+  <p:cSld>
+    <p:spTree>
+      <p:nvGrpSpPr>
+        <p:cNvPr id="1" name=""/>
+        <p:cNvGrpSpPr/>
+        <p:nvPr/>
+      </p:nvGrpSpPr>
+      <p:grpSpPr>
+        <a:xfrm>
+          <a:off x="0" y="0"/>
+          <a:ext cx="0" cy="0"/>
+          <a:chOff x="0" y="0"/>
+          <a:chExt cx="0" cy="0"/>
+        </a:xfrm>
+      </p:grpSpPr>
+      <p:sp>
+        <p:nvSpPr>
+          <p:cNvPr id="2" name="标题 1"/>
+          <p:cNvSpPr>
+            <a:spLocks noGrp="1"/>
+          </p:cNvSpPr>
+          <p:nvPr>
+            <p:ph type="title"/>
+          </p:nvPr>
+        </p:nvSpPr>
+        <p:spPr/>
+        <p:txBody>
+          <a:bodyPr/>
+          <a:lstStyle/>
+          <a:p>
+            <a:pPr algn="l"/>
+            <a:r>
+              <a:rPr lang="zh-CN" altLang="en-US" dirty="0" smtClean="0"/>
+              <a:t>测试题</a:t>
+            </a:r>
+            <a:endParaRPr lang="zh-CN" altLang="en-US" dirty="0"/>
+          </a:p>
+        </p:txBody>
+      </p:sp>
+      <p:sp>
+        <p:nvSpPr>
+          <p:cNvPr id="3" name="内容占位符 2"/>
+          <p:cNvSpPr>
+            <a:spLocks noGrp="1"/>
+          </p:cNvSpPr>
+          <p:nvPr>
+            <p:ph idx="1"/>
+          </p:nvPr>
+        </p:nvSpPr>
+        <p:spPr/>
+        <p:txBody>
+          <a:bodyPr/>
+          <a:lstStyle/>
+          <a:p>
             <a:r>
               <a:rPr lang="en-US" altLang="zh-CN" dirty="0" smtClean="0"/>
               <a:t>1. </a:t>
             </a:r>
             <a:r>
               <a:rPr lang="zh-CN" altLang="en-US" dirty="0" smtClean="0"/>
-              <a:t>编写一个模块，包含第</a:t>
-            </a:r>
-            <a:r>
-              <a:rPr lang="en-US" altLang="zh-CN" dirty="0" smtClean="0"/>
-              <a:t>13 </a:t>
-            </a:r>
-            <a:r>
-              <a:rPr lang="zh-CN" altLang="en-US" dirty="0" smtClean="0"/>
-              <a:t>章“动手试一试”中的“用大写字母打印名字”</a:t>
-            </a:r>
-            <a:r>
-              <a:rPr lang="zh-CN" altLang="en-US" dirty="0" smtClean="0"/>
-              <a:t>函数</a:t>
-            </a:r>
-            <a:r>
-              <a:rPr lang="zh-CN" altLang="en-US" dirty="0" smtClean="0"/>
-              <a:t>。然后编写一个程序导入这个模块，并调用这个函数。</a:t>
-            </a:r>
-          </a:p>
-          <a:p>
-            <a:pPr>
-              <a:buNone/>
-            </a:pPr>
+              <a:t>定义一个新的对象 类型时用什么关键字？</a:t>
+            </a:r>
+          </a:p>
+          <a:p>
             <a:r>
               <a:rPr lang="en-US" altLang="zh-CN" dirty="0" smtClean="0"/>
               <a:t>2. </a:t>
             </a:r>
             <a:r>
               <a:rPr lang="zh-CN" altLang="en-US" dirty="0" smtClean="0"/>
-              <a:t>修改代码清单</a:t>
-            </a:r>
-            <a:r>
-              <a:rPr lang="en-US" altLang="zh-CN" dirty="0" smtClean="0"/>
-              <a:t>15-2 </a:t>
-            </a:r>
-            <a:r>
-              <a:rPr lang="zh-CN" altLang="en-US" dirty="0" smtClean="0"/>
-              <a:t>中的代码，把</a:t>
+              <a:t>什么是属性？</a:t>
+            </a:r>
+          </a:p>
+          <a:p>
+            <a:r>
+              <a:rPr lang="en-US" altLang="zh-CN" dirty="0" smtClean="0"/>
+              <a:t>3. </a:t>
+            </a:r>
+            <a:r>
+              <a:rPr lang="zh-CN" altLang="en-US" dirty="0" smtClean="0"/>
+              <a:t>什么是方法？</a:t>
+            </a:r>
+          </a:p>
+          <a:p>
+            <a:r>
+              <a:rPr lang="en-US" altLang="zh-CN" dirty="0" smtClean="0"/>
+              <a:t>4. </a:t>
+            </a:r>
+            <a:r>
+              <a:rPr lang="zh-CN" altLang="en-US" dirty="0" smtClean="0"/>
+              <a:t>类和实例之间有什么区别？</a:t>
+            </a:r>
+          </a:p>
+          <a:p>
+            <a:r>
+              <a:rPr lang="en-US" altLang="zh-CN" dirty="0" smtClean="0"/>
+              <a:t>5. </a:t>
+            </a:r>
+            <a:r>
+              <a:rPr lang="zh-CN" altLang="en-US" dirty="0" smtClean="0"/>
+              <a:t>方法中实例引用通常用什么名字？</a:t>
+            </a:r>
+          </a:p>
+          <a:p>
+            <a:r>
+              <a:rPr lang="en-US" altLang="zh-CN" dirty="0" smtClean="0"/>
+              <a:t>6. </a:t>
+            </a:r>
+            <a:r>
+              <a:rPr lang="zh-CN" altLang="en-US" dirty="0" smtClean="0"/>
+              <a:t>什么是多态？</a:t>
+            </a:r>
+          </a:p>
+          <a:p>
+            <a:r>
+              <a:rPr lang="en-US" altLang="zh-CN" dirty="0" smtClean="0"/>
+              <a:t>7. </a:t>
+            </a:r>
+            <a:r>
+              <a:rPr lang="zh-CN" altLang="en-US" dirty="0" smtClean="0"/>
+              <a:t>什么是继承？</a:t>
+            </a:r>
+            <a:endParaRPr lang="zh-CN" altLang="en-US" dirty="0"/>
+          </a:p>
+        </p:txBody>
+      </p:sp>
+    </p:spTree>
+  </p:cSld>
+  <p:clrMapOvr>
+    <a:masterClrMapping/>
+  </p:clrMapOvr>
+</p:sld>
+</file>
+
+<file path=ppt/slides/slide128.xml><?xml version="1.0" encoding="utf-8"?>
+<p:sld xmlns:a="http://schemas.openxmlformats.org/drawingml/2006/main" xmlns:r="http://schemas.openxmlformats.org/officeDocument/2006/relationships" xmlns:p="http://schemas.openxmlformats.org/presentationml/2006/main">
+  <p:cSld>
+    <p:spTree>
+      <p:nvGrpSpPr>
+        <p:cNvPr id="1" name=""/>
+        <p:cNvGrpSpPr/>
+        <p:nvPr/>
+      </p:nvGrpSpPr>
+      <p:grpSpPr>
+        <a:xfrm>
+          <a:off x="0" y="0"/>
+          <a:ext cx="0" cy="0"/>
+          <a:chOff x="0" y="0"/>
+          <a:chExt cx="0" cy="0"/>
+        </a:xfrm>
+      </p:grpSpPr>
+      <p:sp>
+        <p:nvSpPr>
+          <p:cNvPr id="2" name="标题 1"/>
+          <p:cNvSpPr>
+            <a:spLocks noGrp="1"/>
+          </p:cNvSpPr>
+          <p:nvPr>
+            <p:ph type="title"/>
+          </p:nvPr>
+        </p:nvSpPr>
+        <p:spPr/>
+        <p:txBody>
+          <a:bodyPr/>
+          <a:lstStyle/>
+          <a:p>
+            <a:pPr algn="l"/>
+            <a:r>
+              <a:rPr lang="zh-CN" altLang="en-US" dirty="0" smtClean="0"/>
+              <a:t>动手试一试</a:t>
+            </a:r>
+            <a:endParaRPr lang="zh-CN" altLang="en-US" dirty="0"/>
+          </a:p>
+        </p:txBody>
+      </p:sp>
+      <p:sp>
+        <p:nvSpPr>
+          <p:cNvPr id="3" name="内容占位符 2"/>
+          <p:cNvSpPr>
+            <a:spLocks noGrp="1"/>
+          </p:cNvSpPr>
+          <p:nvPr>
+            <p:ph idx="1"/>
+          </p:nvPr>
+        </p:nvSpPr>
+        <p:spPr/>
+        <p:txBody>
+          <a:bodyPr>
+            <a:normAutofit fontScale="92500" lnSpcReduction="20000"/>
+          </a:bodyPr>
+          <a:lstStyle/>
+          <a:p>
+            <a:r>
+              <a:rPr lang="en-US" altLang="zh-CN" dirty="0" smtClean="0"/>
+              <a:t>1. </a:t>
+            </a:r>
+            <a:r>
+              <a:rPr lang="zh-CN" altLang="en-US" dirty="0" smtClean="0"/>
+              <a:t>为</a:t>
             </a:r>
             <a:r>
               <a:rPr lang="en-US" altLang="zh-CN" dirty="0" err="1" smtClean="0"/>
-              <a:t>c_to_f</a:t>
+              <a:t>BankAccount</a:t>
+            </a:r>
+            <a:r>
+              <a:rPr lang="en-US" altLang="zh-CN" dirty="0" smtClean="0"/>
+              <a:t> </a:t>
+            </a:r>
+            <a:r>
+              <a:rPr lang="zh-CN" altLang="en-US" dirty="0" smtClean="0"/>
+              <a:t>建立一个类定义。它应该有一些属性，包括账户名（一个字符串）、账号（一个字符串或整数）和余额（一个浮点数），另外还要有一些方法显示余额、存钱和取钱。</a:t>
+            </a:r>
+            <a:endParaRPr lang="en-US" altLang="zh-CN" dirty="0" smtClean="0"/>
+          </a:p>
+          <a:p>
+            <a:r>
+              <a:rPr lang="en-US" altLang="zh-CN" dirty="0" smtClean="0"/>
+              <a:t>2. </a:t>
+            </a:r>
+            <a:r>
+              <a:rPr lang="zh-CN" altLang="en-US" dirty="0" smtClean="0"/>
+              <a:t>建立一个可以挣利息的类，名为</a:t>
+            </a:r>
+            <a:r>
+              <a:rPr lang="en-US" altLang="zh-CN" dirty="0" err="1" smtClean="0"/>
+              <a:t>InterestAccount</a:t>
+            </a:r>
+            <a:r>
+              <a:rPr lang="zh-CN" altLang="en-US" dirty="0" smtClean="0"/>
+              <a:t>。这应当是</a:t>
+            </a:r>
+            <a:r>
+              <a:rPr lang="en-US" altLang="zh-CN" dirty="0" err="1" smtClean="0"/>
+              <a:t>BankAccount</a:t>
+            </a:r>
+            <a:r>
+              <a:rPr lang="zh-CN" altLang="en-US" dirty="0" smtClean="0"/>
+              <a:t>的一个子类（所以会继承</a:t>
+            </a:r>
+            <a:r>
+              <a:rPr lang="en-US" altLang="zh-CN" dirty="0" err="1" smtClean="0"/>
+              <a:t>BankAccount</a:t>
+            </a:r>
+            <a:r>
+              <a:rPr lang="en-US" altLang="zh-CN" dirty="0" smtClean="0"/>
+              <a:t> </a:t>
+            </a:r>
+            <a:r>
+              <a:rPr lang="zh-CN" altLang="en-US" dirty="0" smtClean="0"/>
+              <a:t>的属性和方法）。</a:t>
+            </a:r>
+            <a:r>
+              <a:rPr lang="en-US" altLang="zh-CN" dirty="0" err="1" smtClean="0"/>
+              <a:t>InterestAccount</a:t>
+            </a:r>
+            <a:r>
+              <a:rPr lang="zh-CN" altLang="en-US" dirty="0" smtClean="0"/>
+              <a:t>还应当有一个对应利息率的属性，另外有一个方法来增加利息。为了力求简单，假设每年会调用一次</a:t>
+            </a:r>
+            <a:r>
+              <a:rPr lang="en-US" altLang="zh-CN" dirty="0" err="1" smtClean="0"/>
+              <a:t>addInterest</a:t>
             </a:r>
             <a:r>
               <a:rPr lang="en-US" altLang="zh-CN" dirty="0" smtClean="0"/>
@@ -6630,181 +7708,81 @@
             </a:r>
             <a:r>
               <a:rPr lang="zh-CN" altLang="en-US" dirty="0" smtClean="0"/>
-              <a:t>包含到主程序的命名空间里。</a:t>
-            </a:r>
-            <a:r>
-              <a:rPr lang="zh-CN" altLang="en-US" dirty="0" smtClean="0"/>
-              <a:t>也就是说</a:t>
-            </a:r>
-            <a:r>
-              <a:rPr lang="zh-CN" altLang="en-US" dirty="0" smtClean="0"/>
-              <a:t>，修改这个代码，从而可以写</a:t>
-            </a:r>
-            <a:r>
-              <a:rPr lang="zh-CN" altLang="en-US" dirty="0" smtClean="0"/>
-              <a:t>：</a:t>
-            </a:r>
-            <a:endParaRPr lang="en-US" altLang="zh-CN" dirty="0" smtClean="0"/>
-          </a:p>
-          <a:p>
-            <a:pPr>
-              <a:buNone/>
-            </a:pPr>
-            <a:r>
-              <a:rPr lang="en-US" altLang="zh-CN" dirty="0" smtClean="0"/>
-              <a:t>	</a:t>
-            </a:r>
-            <a:r>
-              <a:rPr lang="en-US" altLang="zh-CN" dirty="0" smtClean="0"/>
-              <a:t>	</a:t>
-            </a:r>
-            <a:r>
-              <a:rPr lang="en-US" altLang="zh-CN" dirty="0" err="1" smtClean="0"/>
-              <a:t>fahrenheit</a:t>
-            </a:r>
-            <a:r>
-              <a:rPr lang="en-US" altLang="zh-CN" dirty="0" smtClean="0"/>
-              <a:t> </a:t>
-            </a:r>
-            <a:r>
-              <a:rPr lang="en-US" altLang="zh-CN" dirty="0" smtClean="0"/>
-              <a:t>= </a:t>
-            </a:r>
-            <a:r>
-              <a:rPr lang="en-US" altLang="zh-CN" dirty="0" err="1" smtClean="0"/>
-              <a:t>c_to_f</a:t>
-            </a:r>
-            <a:r>
-              <a:rPr lang="en-US" altLang="zh-CN" dirty="0" smtClean="0"/>
-              <a:t>(</a:t>
-            </a:r>
-            <a:r>
-              <a:rPr lang="en-US" altLang="zh-CN" dirty="0" err="1" smtClean="0"/>
-              <a:t>celsius</a:t>
-            </a:r>
-            <a:r>
-              <a:rPr lang="en-US" altLang="zh-CN" dirty="0" smtClean="0"/>
-              <a:t>)</a:t>
-            </a:r>
-            <a:endParaRPr lang="zh-CN" altLang="en-US" dirty="0" smtClean="0"/>
-          </a:p>
-          <a:p>
-            <a:pPr>
-              <a:buNone/>
-            </a:pPr>
-            <a:r>
-              <a:rPr lang="en-US" altLang="zh-CN" dirty="0" smtClean="0"/>
-              <a:t>	</a:t>
-            </a:r>
-            <a:r>
-              <a:rPr lang="zh-CN" altLang="en-US" dirty="0" smtClean="0"/>
-              <a:t>而不是</a:t>
-            </a:r>
-            <a:endParaRPr lang="en-US" altLang="zh-CN" dirty="0" smtClean="0"/>
-          </a:p>
-          <a:p>
-            <a:pPr>
-              <a:buNone/>
-            </a:pPr>
-            <a:r>
-              <a:rPr lang="en-US" altLang="zh-CN" dirty="0" smtClean="0"/>
-              <a:t>		</a:t>
-            </a:r>
-            <a:r>
-              <a:rPr lang="en-US" altLang="zh-CN" dirty="0" err="1" smtClean="0"/>
-              <a:t>fahrenheit</a:t>
-            </a:r>
-            <a:r>
-              <a:rPr lang="en-US" altLang="zh-CN" dirty="0" smtClean="0"/>
-              <a:t> </a:t>
-            </a:r>
-            <a:r>
-              <a:rPr lang="en-US" altLang="zh-CN" dirty="0" smtClean="0"/>
-              <a:t>= </a:t>
-            </a:r>
-            <a:r>
-              <a:rPr lang="en-US" altLang="zh-CN" dirty="0" err="1" smtClean="0"/>
-              <a:t>my_module.c_to_f</a:t>
-            </a:r>
-            <a:r>
-              <a:rPr lang="en-US" altLang="zh-CN" dirty="0" smtClean="0"/>
-              <a:t>(</a:t>
-            </a:r>
-            <a:r>
-              <a:rPr lang="en-US" altLang="zh-CN" dirty="0" err="1" smtClean="0"/>
-              <a:t>celsius</a:t>
-            </a:r>
-            <a:r>
-              <a:rPr lang="en-US" altLang="zh-CN" dirty="0" smtClean="0"/>
-              <a:t>)</a:t>
-            </a:r>
-          </a:p>
-          <a:p>
-            <a:pPr>
-              <a:buNone/>
-            </a:pPr>
-            <a:r>
-              <a:rPr lang="en-US" altLang="zh-CN" dirty="0" smtClean="0"/>
-              <a:t>3. </a:t>
-            </a:r>
-            <a:r>
-              <a:rPr lang="zh-CN" altLang="en-US" dirty="0" smtClean="0"/>
-              <a:t>编写一个小程序，生成</a:t>
-            </a:r>
-            <a:r>
-              <a:rPr lang="en-US" altLang="zh-CN" dirty="0" smtClean="0"/>
-              <a:t>1 </a:t>
-            </a:r>
-            <a:r>
-              <a:rPr lang="zh-CN" altLang="en-US" dirty="0" smtClean="0"/>
-              <a:t>到</a:t>
-            </a:r>
-            <a:r>
-              <a:rPr lang="en-US" altLang="zh-CN" dirty="0" smtClean="0"/>
-              <a:t>20 </a:t>
-            </a:r>
-            <a:r>
-              <a:rPr lang="zh-CN" altLang="en-US" dirty="0" smtClean="0"/>
-              <a:t>之间的</a:t>
-            </a:r>
-            <a:r>
-              <a:rPr lang="en-US" altLang="zh-CN" dirty="0" smtClean="0"/>
-              <a:t>5 </a:t>
-            </a:r>
-            <a:r>
-              <a:rPr lang="zh-CN" altLang="en-US" dirty="0" smtClean="0"/>
-              <a:t>个随机整数的列表，并打印出来。</a:t>
-            </a:r>
-          </a:p>
-          <a:p>
-            <a:pPr>
-              <a:buNone/>
-            </a:pPr>
-            <a:r>
-              <a:rPr lang="en-US" altLang="zh-CN" dirty="0" smtClean="0"/>
-              <a:t>4. </a:t>
-            </a:r>
-            <a:r>
-              <a:rPr lang="zh-CN" altLang="en-US" dirty="0" smtClean="0"/>
-              <a:t>编写一个小程序，要求它工作</a:t>
-            </a:r>
-            <a:r>
-              <a:rPr lang="en-US" altLang="zh-CN" dirty="0" smtClean="0"/>
-              <a:t>30 </a:t>
-            </a:r>
-            <a:r>
-              <a:rPr lang="zh-CN" altLang="en-US" dirty="0" smtClean="0"/>
-              <a:t>秒，每</a:t>
-            </a:r>
-            <a:r>
-              <a:rPr lang="en-US" altLang="zh-CN" dirty="0" smtClean="0"/>
-              <a:t>3 </a:t>
-            </a:r>
-            <a:r>
-              <a:rPr lang="zh-CN" altLang="en-US" dirty="0" smtClean="0"/>
-              <a:t>秒打印一个随机小数。</a:t>
+              <a:t>方法计算利息并更新余额</a:t>
             </a:r>
             <a:endParaRPr lang="zh-CN" altLang="en-US" dirty="0"/>
+          </a:p>
+        </p:txBody>
+      </p:sp>
+    </p:spTree>
+  </p:cSld>
+  <p:clrMapOvr>
+    <a:masterClrMapping/>
+  </p:clrMapOvr>
+</p:sld>
+</file>
+
+<file path=ppt/slides/slide129.xml><?xml version="1.0" encoding="utf-8"?>
+<p:sld xmlns:a="http://schemas.openxmlformats.org/drawingml/2006/main" xmlns:r="http://schemas.openxmlformats.org/officeDocument/2006/relationships" xmlns:p="http://schemas.openxmlformats.org/presentationml/2006/main">
+  <p:cSld>
+    <p:spTree>
+      <p:nvGrpSpPr>
+        <p:cNvPr id="1" name=""/>
+        <p:cNvGrpSpPr/>
+        <p:nvPr/>
+      </p:nvGrpSpPr>
+      <p:grpSpPr>
+        <a:xfrm>
+          <a:off x="0" y="0"/>
+          <a:ext cx="0" cy="0"/>
+          <a:chOff x="0" y="0"/>
+          <a:chExt cx="0" cy="0"/>
+        </a:xfrm>
+      </p:grpSpPr>
+      <p:sp>
+        <p:nvSpPr>
+          <p:cNvPr id="2" name="标题 1"/>
+          <p:cNvSpPr>
+            <a:spLocks noGrp="1"/>
+          </p:cNvSpPr>
+          <p:nvPr>
+            <p:ph type="title"/>
+          </p:nvPr>
+        </p:nvSpPr>
+        <p:spPr/>
+        <p:txBody>
+          <a:bodyPr/>
+          <a:lstStyle/>
+          <a:p>
+            <a:pPr algn="l"/>
+            <a:r>
+              <a:rPr lang="en-US" altLang="zh-CN" dirty="0" smtClean="0"/>
+              <a:t>15 </a:t>
+            </a:r>
+            <a:r>
+              <a:rPr lang="zh-CN" altLang="en-US" dirty="0" smtClean="0"/>
+              <a:t>模块</a:t>
+            </a:r>
+            <a:endParaRPr lang="zh-CN" altLang="en-US" dirty="0"/>
+          </a:p>
+        </p:txBody>
+      </p:sp>
+      <p:sp>
+        <p:nvSpPr>
+          <p:cNvPr id="3" name="内容占位符 2"/>
+          <p:cNvSpPr>
+            <a:spLocks noGrp="1"/>
+          </p:cNvSpPr>
+          <p:nvPr>
+            <p:ph idx="1"/>
+          </p:nvPr>
+        </p:nvSpPr>
+        <p:spPr/>
+        <p:txBody>
+          <a:bodyPr/>
+          <a:lstStyle/>
+          <a:p>
+            <a:endParaRPr lang="zh-CN" altLang="en-US"/>
           </a:p>
         </p:txBody>
       </p:sp>
@@ -6973,6 +7951,1143 @@
       </p:par>
     </p:tnLst>
   </p:timing>
+</p:sld>
+</file>
+
+<file path=ppt/slides/slide130.xml><?xml version="1.0" encoding="utf-8"?>
+<p:sld xmlns:a="http://schemas.openxmlformats.org/drawingml/2006/main" xmlns:r="http://schemas.openxmlformats.org/officeDocument/2006/relationships" xmlns:p="http://schemas.openxmlformats.org/presentationml/2006/main">
+  <p:cSld>
+    <p:spTree>
+      <p:nvGrpSpPr>
+        <p:cNvPr id="1" name=""/>
+        <p:cNvGrpSpPr/>
+        <p:nvPr/>
+      </p:nvGrpSpPr>
+      <p:grpSpPr>
+        <a:xfrm>
+          <a:off x="0" y="0"/>
+          <a:ext cx="0" cy="0"/>
+          <a:chOff x="0" y="0"/>
+          <a:chExt cx="0" cy="0"/>
+        </a:xfrm>
+      </p:grpSpPr>
+      <p:sp>
+        <p:nvSpPr>
+          <p:cNvPr id="2" name="标题 1"/>
+          <p:cNvSpPr>
+            <a:spLocks noGrp="1"/>
+          </p:cNvSpPr>
+          <p:nvPr>
+            <p:ph type="title"/>
+          </p:nvPr>
+        </p:nvSpPr>
+        <p:spPr/>
+        <p:txBody>
+          <a:bodyPr/>
+          <a:lstStyle/>
+          <a:p>
+            <a:pPr algn="l"/>
+            <a:r>
+              <a:rPr lang="en-US" altLang="zh-CN" b="1" dirty="0" smtClean="0"/>
+              <a:t>15.1</a:t>
+            </a:r>
+            <a:r>
+              <a:rPr lang="zh-CN" altLang="en-US" b="1" dirty="0" smtClean="0"/>
+              <a:t> 什么是模块</a:t>
+            </a:r>
+            <a:endParaRPr lang="zh-CN" altLang="en-US" dirty="0"/>
+          </a:p>
+        </p:txBody>
+      </p:sp>
+      <p:sp>
+        <p:nvSpPr>
+          <p:cNvPr id="3" name="内容占位符 2"/>
+          <p:cNvSpPr>
+            <a:spLocks noGrp="1"/>
+          </p:cNvSpPr>
+          <p:nvPr>
+            <p:ph idx="1"/>
+          </p:nvPr>
+        </p:nvSpPr>
+        <p:spPr/>
+        <p:txBody>
+          <a:bodyPr/>
+          <a:lstStyle/>
+          <a:p>
+            <a:r>
+              <a:rPr lang="zh-CN" altLang="en-US" dirty="0" smtClean="0"/>
+              <a:t>模块就是某个东西的一部分。如果一个东西可以分为几部分，或者你可以很容易地把它分解成多个不同部分，我们就说这个东西是模块化的。</a:t>
+            </a:r>
+            <a:endParaRPr lang="en-US" altLang="zh-CN" dirty="0" smtClean="0"/>
+          </a:p>
+          <a:p>
+            <a:r>
+              <a:rPr lang="zh-CN" altLang="en-US" dirty="0" smtClean="0"/>
+              <a:t>在</a:t>
+            </a:r>
+            <a:r>
+              <a:rPr lang="en-US" altLang="zh-CN" dirty="0" smtClean="0"/>
+              <a:t>Python </a:t>
+            </a:r>
+            <a:r>
+              <a:rPr lang="zh-CN" altLang="en-US" dirty="0" smtClean="0"/>
+              <a:t>中，模块（</a:t>
+            </a:r>
+            <a:r>
+              <a:rPr lang="en-US" altLang="zh-CN" dirty="0" smtClean="0"/>
+              <a:t>module</a:t>
+            </a:r>
+            <a:r>
+              <a:rPr lang="zh-CN" altLang="en-US" dirty="0" smtClean="0"/>
+              <a:t>）是包含在一个更大程序中的类似的部分。每个模块或部分都是硬盘上的一个单独的文件</a:t>
+            </a:r>
+            <a:endParaRPr lang="zh-CN" altLang="en-US" dirty="0"/>
+          </a:p>
+        </p:txBody>
+      </p:sp>
+    </p:spTree>
+  </p:cSld>
+  <p:clrMapOvr>
+    <a:masterClrMapping/>
+  </p:clrMapOvr>
+</p:sld>
+</file>
+
+<file path=ppt/slides/slide131.xml><?xml version="1.0" encoding="utf-8"?>
+<p:sld xmlns:a="http://schemas.openxmlformats.org/drawingml/2006/main" xmlns:r="http://schemas.openxmlformats.org/officeDocument/2006/relationships" xmlns:p="http://schemas.openxmlformats.org/presentationml/2006/main">
+  <p:cSld>
+    <p:spTree>
+      <p:nvGrpSpPr>
+        <p:cNvPr id="1" name=""/>
+        <p:cNvGrpSpPr/>
+        <p:nvPr/>
+      </p:nvGrpSpPr>
+      <p:grpSpPr>
+        <a:xfrm>
+          <a:off x="0" y="0"/>
+          <a:ext cx="0" cy="0"/>
+          <a:chOff x="0" y="0"/>
+          <a:chExt cx="0" cy="0"/>
+        </a:xfrm>
+      </p:grpSpPr>
+      <p:sp>
+        <p:nvSpPr>
+          <p:cNvPr id="2" name="标题 1"/>
+          <p:cNvSpPr>
+            <a:spLocks noGrp="1"/>
+          </p:cNvSpPr>
+          <p:nvPr>
+            <p:ph type="title"/>
+          </p:nvPr>
+        </p:nvSpPr>
+        <p:spPr/>
+        <p:txBody>
+          <a:bodyPr/>
+          <a:lstStyle/>
+          <a:p>
+            <a:pPr algn="l"/>
+            <a:r>
+              <a:rPr lang="en-US" altLang="zh-CN" b="1" dirty="0" smtClean="0"/>
+              <a:t>15.2</a:t>
+            </a:r>
+            <a:r>
+              <a:rPr lang="zh-CN" altLang="en-US" b="1" dirty="0" smtClean="0"/>
+              <a:t> 为什么使用模块</a:t>
+            </a:r>
+            <a:endParaRPr lang="zh-CN" altLang="en-US" dirty="0"/>
+          </a:p>
+        </p:txBody>
+      </p:sp>
+      <p:sp>
+        <p:nvSpPr>
+          <p:cNvPr id="3" name="内容占位符 2"/>
+          <p:cNvSpPr>
+            <a:spLocks noGrp="1"/>
+          </p:cNvSpPr>
+          <p:nvPr>
+            <p:ph idx="1"/>
+          </p:nvPr>
+        </p:nvSpPr>
+        <p:spPr/>
+        <p:txBody>
+          <a:bodyPr>
+            <a:normAutofit lnSpcReduction="10000"/>
+          </a:bodyPr>
+          <a:lstStyle/>
+          <a:p>
+            <a:r>
+              <a:rPr lang="zh-CN" altLang="en-US" dirty="0" smtClean="0"/>
+              <a:t>这样做文件会更小，因而就能更容易地查找代码。</a:t>
+            </a:r>
+            <a:endParaRPr lang="en-US" altLang="zh-CN" dirty="0" smtClean="0"/>
+          </a:p>
+          <a:p>
+            <a:r>
+              <a:rPr lang="zh-CN" altLang="en-US" dirty="0" smtClean="0"/>
+              <a:t>一旦创建模块，这个模块就能在很多程序中使用。这样下一次需要相同的功能时就不必再从头开始了。</a:t>
+            </a:r>
+            <a:endParaRPr lang="en-US" altLang="zh-CN" dirty="0" smtClean="0"/>
+          </a:p>
+          <a:p>
+            <a:r>
+              <a:rPr lang="zh-CN" altLang="en-US" dirty="0" smtClean="0"/>
+              <a:t>并不是所有模块都要使用。模 块化意味着你可以使用各部分的不同组合来完成不同的任务，就像利用同样的一组乐高积木可以搭建不同的东西一样。</a:t>
+            </a:r>
+            <a:endParaRPr lang="zh-CN" altLang="en-US" dirty="0"/>
+          </a:p>
+        </p:txBody>
+      </p:sp>
+    </p:spTree>
+  </p:cSld>
+  <p:clrMapOvr>
+    <a:masterClrMapping/>
+  </p:clrMapOvr>
+</p:sld>
+</file>
+
+<file path=ppt/slides/slide132.xml><?xml version="1.0" encoding="utf-8"?>
+<p:sld xmlns:a="http://schemas.openxmlformats.org/drawingml/2006/main" xmlns:r="http://schemas.openxmlformats.org/officeDocument/2006/relationships" xmlns:p="http://schemas.openxmlformats.org/presentationml/2006/main">
+  <p:cSld>
+    <p:spTree>
+      <p:nvGrpSpPr>
+        <p:cNvPr id="1" name=""/>
+        <p:cNvGrpSpPr/>
+        <p:nvPr/>
+      </p:nvGrpSpPr>
+      <p:grpSpPr>
+        <a:xfrm>
+          <a:off x="0" y="0"/>
+          <a:ext cx="0" cy="0"/>
+          <a:chOff x="0" y="0"/>
+          <a:chExt cx="0" cy="0"/>
+        </a:xfrm>
+      </p:grpSpPr>
+      <p:sp>
+        <p:nvSpPr>
+          <p:cNvPr id="2" name="标题 1"/>
+          <p:cNvSpPr>
+            <a:spLocks noGrp="1"/>
+          </p:cNvSpPr>
+          <p:nvPr>
+            <p:ph type="title"/>
+          </p:nvPr>
+        </p:nvSpPr>
+        <p:spPr/>
+        <p:txBody>
+          <a:bodyPr/>
+          <a:lstStyle/>
+          <a:p>
+            <a:pPr algn="l"/>
+            <a:r>
+              <a:rPr lang="en-US" altLang="zh-CN" dirty="0" smtClean="0"/>
+              <a:t>15.3 </a:t>
+            </a:r>
+            <a:r>
+              <a:rPr lang="zh-CN" altLang="en-US" dirty="0" smtClean="0"/>
+              <a:t>积木桶</a:t>
+            </a:r>
+            <a:endParaRPr lang="zh-CN" altLang="en-US" dirty="0"/>
+          </a:p>
+        </p:txBody>
+      </p:sp>
+      <p:sp>
+        <p:nvSpPr>
+          <p:cNvPr id="3" name="内容占位符 2"/>
+          <p:cNvSpPr>
+            <a:spLocks noGrp="1"/>
+          </p:cNvSpPr>
+          <p:nvPr>
+            <p:ph idx="1"/>
+          </p:nvPr>
+        </p:nvSpPr>
+        <p:spPr>
+          <a:xfrm>
+            <a:off x="457200" y="1600201"/>
+            <a:ext cx="8229600" cy="2044824"/>
+          </a:xfrm>
+        </p:spPr>
+        <p:txBody>
+          <a:bodyPr>
+            <a:normAutofit fontScale="77500" lnSpcReduction="20000"/>
+          </a:bodyPr>
+          <a:lstStyle/>
+          <a:p>
+            <a:r>
+              <a:rPr lang="zh-CN" altLang="en-US" dirty="0" smtClean="0"/>
+              <a:t>我们说过函数就像积木，那么模块可以认为是一桶积木。根据需要，你可以从一个桶中取很多或者很少的积木，也可以有很多桶不同的积木。也许有一桶正方形积木，一桶长方形积木</a:t>
+            </a:r>
+            <a:r>
+              <a:rPr lang="en-US" altLang="zh-CN" dirty="0" smtClean="0"/>
+              <a:t>, </a:t>
+            </a:r>
+            <a:r>
+              <a:rPr lang="zh-CN" altLang="en-US" dirty="0" smtClean="0"/>
+              <a:t>还有一桶奇形怪状的积木。程序员通常也采用这种方法来使用模块，也就是说，他们会把类似的函数收集在一个模块中。</a:t>
+            </a:r>
+            <a:endParaRPr lang="zh-CN" altLang="en-US" dirty="0"/>
+          </a:p>
+        </p:txBody>
+      </p:sp>
+      <p:pic>
+        <p:nvPicPr>
+          <p:cNvPr id="1026" name="Picture 2"/>
+          <p:cNvPicPr>
+            <a:picLocks noChangeAspect="1" noChangeArrowheads="1"/>
+          </p:cNvPicPr>
+          <p:nvPr/>
+        </p:nvPicPr>
+        <p:blipFill>
+          <a:blip r:embed="rId2" cstate="print"/>
+          <a:srcRect/>
+          <a:stretch>
+            <a:fillRect/>
+          </a:stretch>
+        </p:blipFill>
+        <p:spPr bwMode="auto">
+          <a:xfrm>
+            <a:off x="1043608" y="3933056"/>
+            <a:ext cx="7227887" cy="2143125"/>
+          </a:xfrm>
+          <a:prstGeom prst="rect">
+            <a:avLst/>
+          </a:prstGeom>
+          <a:noFill/>
+          <a:ln w="9525">
+            <a:noFill/>
+            <a:miter lim="800000"/>
+            <a:headEnd/>
+            <a:tailEnd/>
+          </a:ln>
+        </p:spPr>
+      </p:pic>
+    </p:spTree>
+  </p:cSld>
+  <p:clrMapOvr>
+    <a:masterClrMapping/>
+  </p:clrMapOvr>
+</p:sld>
+</file>
+
+<file path=ppt/slides/slide133.xml><?xml version="1.0" encoding="utf-8"?>
+<p:sld xmlns:a="http://schemas.openxmlformats.org/drawingml/2006/main" xmlns:r="http://schemas.openxmlformats.org/officeDocument/2006/relationships" xmlns:p="http://schemas.openxmlformats.org/presentationml/2006/main">
+  <p:cSld>
+    <p:spTree>
+      <p:nvGrpSpPr>
+        <p:cNvPr id="1" name=""/>
+        <p:cNvGrpSpPr/>
+        <p:nvPr/>
+      </p:nvGrpSpPr>
+      <p:grpSpPr>
+        <a:xfrm>
+          <a:off x="0" y="0"/>
+          <a:ext cx="0" cy="0"/>
+          <a:chOff x="0" y="0"/>
+          <a:chExt cx="0" cy="0"/>
+        </a:xfrm>
+      </p:grpSpPr>
+      <p:sp>
+        <p:nvSpPr>
+          <p:cNvPr id="2" name="标题 1"/>
+          <p:cNvSpPr>
+            <a:spLocks noGrp="1"/>
+          </p:cNvSpPr>
+          <p:nvPr>
+            <p:ph type="title"/>
+          </p:nvPr>
+        </p:nvSpPr>
+        <p:spPr/>
+        <p:txBody>
+          <a:bodyPr/>
+          <a:lstStyle/>
+          <a:p>
+            <a:pPr algn="l"/>
+            <a:r>
+              <a:rPr lang="en-US" altLang="zh-CN" b="1" dirty="0" smtClean="0"/>
+              <a:t>15.4</a:t>
+            </a:r>
+            <a:r>
+              <a:rPr lang="zh-CN" altLang="en-US" b="1" dirty="0" smtClean="0"/>
+              <a:t> 如何创建模块</a:t>
+            </a:r>
+            <a:endParaRPr lang="zh-CN" altLang="en-US" dirty="0"/>
+          </a:p>
+        </p:txBody>
+      </p:sp>
+      <p:sp>
+        <p:nvSpPr>
+          <p:cNvPr id="3" name="内容占位符 2"/>
+          <p:cNvSpPr>
+            <a:spLocks noGrp="1"/>
+          </p:cNvSpPr>
+          <p:nvPr>
+            <p:ph idx="1"/>
+          </p:nvPr>
+        </p:nvSpPr>
+        <p:spPr/>
+        <p:txBody>
+          <a:bodyPr/>
+          <a:lstStyle/>
+          <a:p>
+            <a:r>
+              <a:rPr lang="zh-CN" altLang="en-US" dirty="0" smtClean="0"/>
+              <a:t>模块就是一个</a:t>
+            </a:r>
+            <a:r>
+              <a:rPr lang="en-US" altLang="zh-CN" dirty="0" smtClean="0"/>
+              <a:t>python</a:t>
+            </a:r>
+            <a:r>
+              <a:rPr lang="zh-CN" altLang="en-US" dirty="0" smtClean="0"/>
+              <a:t>文件，我们新建一个文件</a:t>
+            </a:r>
+            <a:r>
+              <a:rPr lang="en-US" altLang="zh-CN" dirty="0" smtClean="0"/>
+              <a:t>my_module.py</a:t>
+            </a:r>
+            <a:r>
+              <a:rPr lang="zh-CN" altLang="en-US" dirty="0" smtClean="0"/>
+              <a:t>，然后填写如下内容：</a:t>
+            </a:r>
+            <a:endParaRPr lang="en-US" altLang="zh-CN" dirty="0" smtClean="0"/>
+          </a:p>
+          <a:p>
+            <a:pPr lvl="1"/>
+            <a:r>
+              <a:rPr lang="en-US" altLang="zh-CN" dirty="0" smtClean="0"/>
+              <a:t>def </a:t>
+            </a:r>
+            <a:r>
+              <a:rPr lang="en-US" altLang="zh-CN" dirty="0" err="1" smtClean="0"/>
+              <a:t>c_to_f</a:t>
+            </a:r>
+            <a:r>
+              <a:rPr lang="en-US" altLang="zh-CN" dirty="0" smtClean="0"/>
+              <a:t>(</a:t>
+            </a:r>
+            <a:r>
+              <a:rPr lang="en-US" altLang="zh-CN" dirty="0" err="1" smtClean="0"/>
+              <a:t>celsius</a:t>
+            </a:r>
+            <a:r>
+              <a:rPr lang="en-US" altLang="zh-CN" dirty="0" smtClean="0"/>
+              <a:t>):</a:t>
+            </a:r>
+          </a:p>
+          <a:p>
+            <a:pPr lvl="2"/>
+            <a:r>
+              <a:rPr lang="de-DE" altLang="zh-CN" dirty="0" smtClean="0"/>
+              <a:t>fahrenheit = celsius * 9.0 / 5 + 32</a:t>
+            </a:r>
+          </a:p>
+          <a:p>
+            <a:pPr lvl="2"/>
+            <a:r>
+              <a:rPr lang="en-US" altLang="zh-CN" dirty="0" smtClean="0"/>
+              <a:t>return </a:t>
+            </a:r>
+            <a:r>
+              <a:rPr lang="en-US" altLang="zh-CN" dirty="0" err="1" smtClean="0"/>
+              <a:t>fahrenheit</a:t>
+            </a:r>
+            <a:endParaRPr lang="en-US" altLang="zh-CN" dirty="0" smtClean="0"/>
+          </a:p>
+          <a:p>
+            <a:r>
+              <a:rPr lang="zh-CN" altLang="en-US" dirty="0" smtClean="0"/>
+              <a:t>就这么简单！这样就创建了一个模块！模块中只有一个函数，也就是</a:t>
+            </a:r>
+            <a:r>
+              <a:rPr lang="en-US" altLang="zh-CN" dirty="0" err="1" smtClean="0"/>
+              <a:t>c_to_f</a:t>
+            </a:r>
+            <a:r>
+              <a:rPr lang="en-US" altLang="zh-CN" dirty="0" smtClean="0"/>
+              <a:t>()</a:t>
+            </a:r>
+            <a:r>
+              <a:rPr lang="zh-CN" altLang="en-US" dirty="0" smtClean="0"/>
+              <a:t>函数</a:t>
+            </a:r>
+            <a:endParaRPr lang="zh-CN" altLang="en-US" dirty="0"/>
+          </a:p>
+        </p:txBody>
+      </p:sp>
+    </p:spTree>
+  </p:cSld>
+  <p:clrMapOvr>
+    <a:masterClrMapping/>
+  </p:clrMapOvr>
+</p:sld>
+</file>
+
+<file path=ppt/slides/slide134.xml><?xml version="1.0" encoding="utf-8"?>
+<p:sld xmlns:a="http://schemas.openxmlformats.org/drawingml/2006/main" xmlns:r="http://schemas.openxmlformats.org/officeDocument/2006/relationships" xmlns:p="http://schemas.openxmlformats.org/presentationml/2006/main">
+  <p:cSld>
+    <p:spTree>
+      <p:nvGrpSpPr>
+        <p:cNvPr id="1" name=""/>
+        <p:cNvGrpSpPr/>
+        <p:nvPr/>
+      </p:nvGrpSpPr>
+      <p:grpSpPr>
+        <a:xfrm>
+          <a:off x="0" y="0"/>
+          <a:ext cx="0" cy="0"/>
+          <a:chOff x="0" y="0"/>
+          <a:chExt cx="0" cy="0"/>
+        </a:xfrm>
+      </p:grpSpPr>
+      <p:sp>
+        <p:nvSpPr>
+          <p:cNvPr id="2" name="标题 1"/>
+          <p:cNvSpPr>
+            <a:spLocks noGrp="1"/>
+          </p:cNvSpPr>
+          <p:nvPr>
+            <p:ph type="title"/>
+          </p:nvPr>
+        </p:nvSpPr>
+        <p:spPr/>
+        <p:txBody>
+          <a:bodyPr/>
+          <a:lstStyle/>
+          <a:p>
+            <a:pPr algn="l"/>
+            <a:r>
+              <a:rPr lang="en-US" altLang="zh-CN" dirty="0" smtClean="0"/>
+              <a:t>15.5 </a:t>
+            </a:r>
+            <a:r>
+              <a:rPr lang="zh-CN" altLang="en-US" dirty="0" smtClean="0"/>
+              <a:t>如何使用模块</a:t>
+            </a:r>
+            <a:endParaRPr lang="zh-CN" altLang="en-US" dirty="0"/>
+          </a:p>
+        </p:txBody>
+      </p:sp>
+      <p:sp>
+        <p:nvSpPr>
+          <p:cNvPr id="3" name="内容占位符 2"/>
+          <p:cNvSpPr>
+            <a:spLocks noGrp="1"/>
+          </p:cNvSpPr>
+          <p:nvPr>
+            <p:ph idx="1"/>
+          </p:nvPr>
+        </p:nvSpPr>
+        <p:spPr/>
+        <p:txBody>
+          <a:bodyPr/>
+          <a:lstStyle/>
+          <a:p>
+            <a:r>
+              <a:rPr lang="en-US" altLang="zh-CN" dirty="0" smtClean="0"/>
+              <a:t>import </a:t>
+            </a:r>
+            <a:r>
+              <a:rPr lang="en-US" altLang="zh-CN" dirty="0" err="1" smtClean="0"/>
+              <a:t>my_module</a:t>
+            </a:r>
+            <a:endParaRPr lang="en-US" altLang="zh-CN" dirty="0" smtClean="0"/>
+          </a:p>
+          <a:p>
+            <a:r>
+              <a:rPr lang="zh-CN" altLang="en-US" dirty="0" smtClean="0"/>
+              <a:t>见代码</a:t>
+            </a:r>
+            <a:r>
+              <a:rPr lang="en-US" altLang="zh-CN" dirty="0" smtClean="0"/>
+              <a:t>10-8</a:t>
+            </a:r>
+          </a:p>
+        </p:txBody>
+      </p:sp>
+    </p:spTree>
+  </p:cSld>
+  <p:clrMapOvr>
+    <a:masterClrMapping/>
+  </p:clrMapOvr>
+</p:sld>
+</file>
+
+<file path=ppt/slides/slide135.xml><?xml version="1.0" encoding="utf-8"?>
+<p:sld xmlns:a="http://schemas.openxmlformats.org/drawingml/2006/main" xmlns:r="http://schemas.openxmlformats.org/officeDocument/2006/relationships" xmlns:p="http://schemas.openxmlformats.org/presentationml/2006/main">
+  <p:cSld>
+    <p:spTree>
+      <p:nvGrpSpPr>
+        <p:cNvPr id="1" name=""/>
+        <p:cNvGrpSpPr/>
+        <p:nvPr/>
+      </p:nvGrpSpPr>
+      <p:grpSpPr>
+        <a:xfrm>
+          <a:off x="0" y="0"/>
+          <a:ext cx="0" cy="0"/>
+          <a:chOff x="0" y="0"/>
+          <a:chExt cx="0" cy="0"/>
+        </a:xfrm>
+      </p:grpSpPr>
+      <p:sp>
+        <p:nvSpPr>
+          <p:cNvPr id="2" name="标题 1"/>
+          <p:cNvSpPr>
+            <a:spLocks noGrp="1"/>
+          </p:cNvSpPr>
+          <p:nvPr>
+            <p:ph type="title"/>
+          </p:nvPr>
+        </p:nvSpPr>
+        <p:spPr/>
+        <p:txBody>
+          <a:bodyPr/>
+          <a:lstStyle/>
+          <a:p>
+            <a:pPr algn="l"/>
+            <a:r>
+              <a:rPr lang="en-US" altLang="zh-CN" b="1" dirty="0" smtClean="0"/>
+              <a:t>15.6</a:t>
+            </a:r>
+            <a:r>
+              <a:rPr lang="zh-CN" altLang="en-US" b="1" dirty="0" smtClean="0"/>
+              <a:t>　命名空间</a:t>
+            </a:r>
+            <a:endParaRPr lang="zh-CN" altLang="en-US" dirty="0"/>
+          </a:p>
+        </p:txBody>
+      </p:sp>
+      <p:pic>
+        <p:nvPicPr>
+          <p:cNvPr id="2050" name="Picture 2"/>
+          <p:cNvPicPr>
+            <a:picLocks noChangeAspect="1" noChangeArrowheads="1"/>
+          </p:cNvPicPr>
+          <p:nvPr/>
+        </p:nvPicPr>
+        <p:blipFill>
+          <a:blip r:embed="rId2" cstate="print"/>
+          <a:srcRect/>
+          <a:stretch>
+            <a:fillRect/>
+          </a:stretch>
+        </p:blipFill>
+        <p:spPr bwMode="auto">
+          <a:xfrm>
+            <a:off x="1485900" y="1800225"/>
+            <a:ext cx="6172200" cy="3257550"/>
+          </a:xfrm>
+          <a:prstGeom prst="rect">
+            <a:avLst/>
+          </a:prstGeom>
+          <a:noFill/>
+          <a:ln w="9525">
+            <a:noFill/>
+            <a:miter lim="800000"/>
+            <a:headEnd/>
+            <a:tailEnd/>
+          </a:ln>
+        </p:spPr>
+      </p:pic>
+    </p:spTree>
+  </p:cSld>
+  <p:clrMapOvr>
+    <a:masterClrMapping/>
+  </p:clrMapOvr>
+</p:sld>
+</file>
+
+<file path=ppt/slides/slide136.xml><?xml version="1.0" encoding="utf-8"?>
+<p:sld xmlns:a="http://schemas.openxmlformats.org/drawingml/2006/main" xmlns:r="http://schemas.openxmlformats.org/officeDocument/2006/relationships" xmlns:p="http://schemas.openxmlformats.org/presentationml/2006/main">
+  <p:cSld>
+    <p:spTree>
+      <p:nvGrpSpPr>
+        <p:cNvPr id="1" name=""/>
+        <p:cNvGrpSpPr/>
+        <p:nvPr/>
+      </p:nvGrpSpPr>
+      <p:grpSpPr>
+        <a:xfrm>
+          <a:off x="0" y="0"/>
+          <a:ext cx="0" cy="0"/>
+          <a:chOff x="0" y="0"/>
+          <a:chExt cx="0" cy="0"/>
+        </a:xfrm>
+      </p:grpSpPr>
+      <p:sp>
+        <p:nvSpPr>
+          <p:cNvPr id="2" name="标题 1"/>
+          <p:cNvSpPr>
+            <a:spLocks noGrp="1"/>
+          </p:cNvSpPr>
+          <p:nvPr>
+            <p:ph type="title"/>
+          </p:nvPr>
+        </p:nvSpPr>
+        <p:spPr/>
+        <p:txBody>
+          <a:bodyPr/>
+          <a:lstStyle/>
+          <a:p>
+            <a:pPr algn="l"/>
+            <a:r>
+              <a:rPr lang="en-US" altLang="zh-CN" b="1" dirty="0" smtClean="0"/>
+              <a:t>15.7</a:t>
+            </a:r>
+            <a:r>
+              <a:rPr lang="zh-CN" altLang="en-US" b="1" dirty="0" smtClean="0"/>
+              <a:t>　标准模块</a:t>
+            </a:r>
+            <a:endParaRPr lang="zh-CN" altLang="en-US" dirty="0"/>
+          </a:p>
+        </p:txBody>
+      </p:sp>
+      <p:sp>
+        <p:nvSpPr>
+          <p:cNvPr id="3" name="内容占位符 2"/>
+          <p:cNvSpPr>
+            <a:spLocks noGrp="1"/>
+          </p:cNvSpPr>
+          <p:nvPr>
+            <p:ph idx="1"/>
+          </p:nvPr>
+        </p:nvSpPr>
+        <p:spPr/>
+        <p:txBody>
+          <a:bodyPr/>
+          <a:lstStyle/>
+          <a:p>
+            <a:r>
+              <a:rPr lang="en-US" altLang="zh-CN" dirty="0" smtClean="0"/>
+              <a:t>Python </a:t>
+            </a:r>
+            <a:r>
+              <a:rPr lang="zh-CN" altLang="en-US" dirty="0" smtClean="0"/>
+              <a:t>提供了大量标准模块，可以用来完成很多工作，比如查找文件、报时（或计时）、生成随机数，以及很多其他功能。有时，人们说</a:t>
+            </a:r>
+            <a:r>
+              <a:rPr lang="en-US" altLang="zh-CN" dirty="0" smtClean="0"/>
+              <a:t>Python</a:t>
+            </a:r>
+            <a:r>
+              <a:rPr lang="zh-CN" altLang="en-US" dirty="0" smtClean="0"/>
+              <a:t>“配有电池”，指的就是</a:t>
+            </a:r>
+            <a:r>
+              <a:rPr lang="en-US" altLang="zh-CN" dirty="0" smtClean="0"/>
+              <a:t>Python </a:t>
+            </a:r>
+            <a:r>
+              <a:rPr lang="zh-CN" altLang="en-US" dirty="0" smtClean="0"/>
+              <a:t>的所有标准模块。这称为</a:t>
+            </a:r>
+            <a:r>
+              <a:rPr lang="en-US" altLang="zh-CN" dirty="0" smtClean="0"/>
+              <a:t>Python </a:t>
+            </a:r>
+            <a:r>
+              <a:rPr lang="zh-CN" altLang="en-US" dirty="0" smtClean="0"/>
+              <a:t>标准库</a:t>
+            </a:r>
+            <a:endParaRPr lang="en-US" altLang="zh-CN" dirty="0" smtClean="0"/>
+          </a:p>
+          <a:p>
+            <a:pPr lvl="1"/>
+            <a:r>
+              <a:rPr lang="en-US" altLang="zh-CN" b="1" dirty="0" smtClean="0"/>
+              <a:t>time</a:t>
+            </a:r>
+          </a:p>
+          <a:p>
+            <a:pPr lvl="1"/>
+            <a:r>
+              <a:rPr lang="en-US" altLang="zh-CN" dirty="0" smtClean="0"/>
+              <a:t>random </a:t>
+            </a:r>
+            <a:endParaRPr lang="en-US" altLang="zh-CN" b="1" dirty="0" smtClean="0"/>
+          </a:p>
+          <a:p>
+            <a:endParaRPr lang="zh-CN" altLang="en-US" dirty="0"/>
+          </a:p>
+        </p:txBody>
+      </p:sp>
+    </p:spTree>
+  </p:cSld>
+  <p:clrMapOvr>
+    <a:masterClrMapping/>
+  </p:clrMapOvr>
+</p:sld>
+</file>
+
+<file path=ppt/slides/slide137.xml><?xml version="1.0" encoding="utf-8"?>
+<p:sld xmlns:a="http://schemas.openxmlformats.org/drawingml/2006/main" xmlns:r="http://schemas.openxmlformats.org/officeDocument/2006/relationships" xmlns:p="http://schemas.openxmlformats.org/presentationml/2006/main">
+  <p:cSld>
+    <p:spTree>
+      <p:nvGrpSpPr>
+        <p:cNvPr id="1" name=""/>
+        <p:cNvGrpSpPr/>
+        <p:nvPr/>
+      </p:nvGrpSpPr>
+      <p:grpSpPr>
+        <a:xfrm>
+          <a:off x="0" y="0"/>
+          <a:ext cx="0" cy="0"/>
+          <a:chOff x="0" y="0"/>
+          <a:chExt cx="0" cy="0"/>
+        </a:xfrm>
+      </p:grpSpPr>
+      <p:sp>
+        <p:nvSpPr>
+          <p:cNvPr id="2" name="标题 1"/>
+          <p:cNvSpPr>
+            <a:spLocks noGrp="1"/>
+          </p:cNvSpPr>
+          <p:nvPr>
+            <p:ph type="title"/>
+          </p:nvPr>
+        </p:nvSpPr>
+        <p:spPr/>
+        <p:txBody>
+          <a:bodyPr/>
+          <a:lstStyle/>
+          <a:p>
+            <a:pPr algn="l"/>
+            <a:r>
+              <a:rPr lang="zh-CN" altLang="en-US" dirty="0" smtClean="0"/>
+              <a:t>你学到了什么</a:t>
+            </a:r>
+            <a:endParaRPr lang="zh-CN" altLang="en-US" dirty="0"/>
+          </a:p>
+        </p:txBody>
+      </p:sp>
+      <p:sp>
+        <p:nvSpPr>
+          <p:cNvPr id="3" name="内容占位符 2"/>
+          <p:cNvSpPr>
+            <a:spLocks noGrp="1"/>
+          </p:cNvSpPr>
+          <p:nvPr>
+            <p:ph idx="1"/>
+          </p:nvPr>
+        </p:nvSpPr>
+        <p:spPr/>
+        <p:txBody>
+          <a:bodyPr/>
+          <a:lstStyle/>
+          <a:p>
+            <a:r>
+              <a:rPr lang="zh-CN" altLang="en-US" dirty="0" smtClean="0"/>
+              <a:t>什么是模块。</a:t>
+            </a:r>
+          </a:p>
+          <a:p>
+            <a:r>
+              <a:rPr lang="zh-CN" altLang="en-US" dirty="0" smtClean="0"/>
+              <a:t>如何创建模块。</a:t>
+            </a:r>
+          </a:p>
+          <a:p>
+            <a:r>
+              <a:rPr lang="zh-CN" altLang="en-US" dirty="0" smtClean="0"/>
+              <a:t>如何在另一个程序中使用模块。</a:t>
+            </a:r>
+          </a:p>
+          <a:p>
+            <a:r>
+              <a:rPr lang="zh-CN" altLang="en-US" dirty="0" smtClean="0"/>
+              <a:t>什么是命名空间。</a:t>
+            </a:r>
+          </a:p>
+          <a:p>
+            <a:r>
+              <a:rPr lang="zh-CN" altLang="en-US" dirty="0" smtClean="0"/>
+              <a:t>局部和全局命名空间和变量是什么意思。</a:t>
+            </a:r>
+            <a:endParaRPr lang="en-US" altLang="zh-CN" dirty="0" smtClean="0"/>
+          </a:p>
+          <a:p>
+            <a:r>
+              <a:rPr lang="zh-CN" altLang="en-US" dirty="0" smtClean="0"/>
+              <a:t>如何把其他模块中的名字包含到你的命名空间中</a:t>
+            </a:r>
+            <a:endParaRPr lang="zh-CN" altLang="en-US" dirty="0"/>
+          </a:p>
+        </p:txBody>
+      </p:sp>
+    </p:spTree>
+  </p:cSld>
+  <p:clrMapOvr>
+    <a:masterClrMapping/>
+  </p:clrMapOvr>
+</p:sld>
+</file>
+
+<file path=ppt/slides/slide138.xml><?xml version="1.0" encoding="utf-8"?>
+<p:sld xmlns:a="http://schemas.openxmlformats.org/drawingml/2006/main" xmlns:r="http://schemas.openxmlformats.org/officeDocument/2006/relationships" xmlns:p="http://schemas.openxmlformats.org/presentationml/2006/main">
+  <p:cSld>
+    <p:spTree>
+      <p:nvGrpSpPr>
+        <p:cNvPr id="1" name=""/>
+        <p:cNvGrpSpPr/>
+        <p:nvPr/>
+      </p:nvGrpSpPr>
+      <p:grpSpPr>
+        <a:xfrm>
+          <a:off x="0" y="0"/>
+          <a:ext cx="0" cy="0"/>
+          <a:chOff x="0" y="0"/>
+          <a:chExt cx="0" cy="0"/>
+        </a:xfrm>
+      </p:grpSpPr>
+      <p:sp>
+        <p:nvSpPr>
+          <p:cNvPr id="2" name="标题 1"/>
+          <p:cNvSpPr>
+            <a:spLocks noGrp="1"/>
+          </p:cNvSpPr>
+          <p:nvPr>
+            <p:ph type="title"/>
+          </p:nvPr>
+        </p:nvSpPr>
+        <p:spPr/>
+        <p:txBody>
+          <a:bodyPr/>
+          <a:lstStyle/>
+          <a:p>
+            <a:pPr algn="l"/>
+            <a:r>
+              <a:rPr lang="zh-CN" altLang="en-US" dirty="0" smtClean="0"/>
+              <a:t>动手试一试</a:t>
+            </a:r>
+            <a:endParaRPr lang="zh-CN" altLang="en-US" dirty="0"/>
+          </a:p>
+        </p:txBody>
+      </p:sp>
+      <p:sp>
+        <p:nvSpPr>
+          <p:cNvPr id="3" name="内容占位符 2"/>
+          <p:cNvSpPr>
+            <a:spLocks noGrp="1"/>
+          </p:cNvSpPr>
+          <p:nvPr>
+            <p:ph idx="1"/>
+          </p:nvPr>
+        </p:nvSpPr>
+        <p:spPr/>
+        <p:txBody>
+          <a:bodyPr>
+            <a:normAutofit fontScale="77500" lnSpcReduction="20000"/>
+          </a:bodyPr>
+          <a:lstStyle/>
+          <a:p>
+            <a:pPr>
+              <a:buNone/>
+            </a:pPr>
+            <a:r>
+              <a:rPr lang="en-US" altLang="zh-CN" dirty="0" smtClean="0"/>
+              <a:t>1. </a:t>
+            </a:r>
+            <a:r>
+              <a:rPr lang="zh-CN" altLang="en-US" dirty="0" smtClean="0"/>
+              <a:t>编写一个模块，包含第</a:t>
+            </a:r>
+            <a:r>
+              <a:rPr lang="en-US" altLang="zh-CN" dirty="0" smtClean="0"/>
+              <a:t>13 </a:t>
+            </a:r>
+            <a:r>
+              <a:rPr lang="zh-CN" altLang="en-US" dirty="0" smtClean="0"/>
+              <a:t>章“动手试一试”中的“用大写字母打印名字”函数。然后编写一个程序导入这个模块，并调用这个函数。</a:t>
+            </a:r>
+          </a:p>
+          <a:p>
+            <a:pPr>
+              <a:buNone/>
+            </a:pPr>
+            <a:r>
+              <a:rPr lang="en-US" altLang="zh-CN" dirty="0" smtClean="0"/>
+              <a:t>2. </a:t>
+            </a:r>
+            <a:r>
+              <a:rPr lang="zh-CN" altLang="en-US" dirty="0" smtClean="0"/>
+              <a:t>修改代码清单</a:t>
+            </a:r>
+            <a:r>
+              <a:rPr lang="en-US" altLang="zh-CN" dirty="0" smtClean="0"/>
+              <a:t>15-2 </a:t>
+            </a:r>
+            <a:r>
+              <a:rPr lang="zh-CN" altLang="en-US" dirty="0" smtClean="0"/>
+              <a:t>中的代码，把</a:t>
+            </a:r>
+            <a:r>
+              <a:rPr lang="en-US" altLang="zh-CN" dirty="0" err="1" smtClean="0"/>
+              <a:t>c_to_f</a:t>
+            </a:r>
+            <a:r>
+              <a:rPr lang="en-US" altLang="zh-CN" dirty="0" smtClean="0"/>
+              <a:t>() </a:t>
+            </a:r>
+            <a:r>
+              <a:rPr lang="zh-CN" altLang="en-US" dirty="0" smtClean="0"/>
+              <a:t>包含到主程序的命名空间里。也就是说，修改这个代码，从而可以写：</a:t>
+            </a:r>
+            <a:endParaRPr lang="en-US" altLang="zh-CN" dirty="0" smtClean="0"/>
+          </a:p>
+          <a:p>
+            <a:pPr>
+              <a:buNone/>
+            </a:pPr>
+            <a:r>
+              <a:rPr lang="en-US" altLang="zh-CN" dirty="0" smtClean="0"/>
+              <a:t>		</a:t>
+            </a:r>
+            <a:r>
+              <a:rPr lang="en-US" altLang="zh-CN" dirty="0" err="1" smtClean="0"/>
+              <a:t>fahrenheit</a:t>
+            </a:r>
+            <a:r>
+              <a:rPr lang="en-US" altLang="zh-CN" dirty="0" smtClean="0"/>
+              <a:t> = </a:t>
+            </a:r>
+            <a:r>
+              <a:rPr lang="en-US" altLang="zh-CN" dirty="0" err="1" smtClean="0"/>
+              <a:t>c_to_f</a:t>
+            </a:r>
+            <a:r>
+              <a:rPr lang="en-US" altLang="zh-CN" dirty="0" smtClean="0"/>
+              <a:t>(</a:t>
+            </a:r>
+            <a:r>
+              <a:rPr lang="en-US" altLang="zh-CN" dirty="0" err="1" smtClean="0"/>
+              <a:t>celsius</a:t>
+            </a:r>
+            <a:r>
+              <a:rPr lang="en-US" altLang="zh-CN" dirty="0" smtClean="0"/>
+              <a:t>)</a:t>
+            </a:r>
+            <a:endParaRPr lang="zh-CN" altLang="en-US" dirty="0" smtClean="0"/>
+          </a:p>
+          <a:p>
+            <a:pPr>
+              <a:buNone/>
+            </a:pPr>
+            <a:r>
+              <a:rPr lang="en-US" altLang="zh-CN" dirty="0" smtClean="0"/>
+              <a:t>	</a:t>
+            </a:r>
+            <a:r>
+              <a:rPr lang="zh-CN" altLang="en-US" dirty="0" smtClean="0"/>
+              <a:t>而不是</a:t>
+            </a:r>
+            <a:endParaRPr lang="en-US" altLang="zh-CN" dirty="0" smtClean="0"/>
+          </a:p>
+          <a:p>
+            <a:pPr>
+              <a:buNone/>
+            </a:pPr>
+            <a:r>
+              <a:rPr lang="en-US" altLang="zh-CN" dirty="0" smtClean="0"/>
+              <a:t>		</a:t>
+            </a:r>
+            <a:r>
+              <a:rPr lang="en-US" altLang="zh-CN" dirty="0" err="1" smtClean="0"/>
+              <a:t>fahrenheit</a:t>
+            </a:r>
+            <a:r>
+              <a:rPr lang="en-US" altLang="zh-CN" dirty="0" smtClean="0"/>
+              <a:t> = </a:t>
+            </a:r>
+            <a:r>
+              <a:rPr lang="en-US" altLang="zh-CN" dirty="0" err="1" smtClean="0"/>
+              <a:t>my_module.c_to_f</a:t>
+            </a:r>
+            <a:r>
+              <a:rPr lang="en-US" altLang="zh-CN" dirty="0" smtClean="0"/>
+              <a:t>(</a:t>
+            </a:r>
+            <a:r>
+              <a:rPr lang="en-US" altLang="zh-CN" dirty="0" err="1" smtClean="0"/>
+              <a:t>celsius</a:t>
+            </a:r>
+            <a:r>
+              <a:rPr lang="en-US" altLang="zh-CN" dirty="0" smtClean="0"/>
+              <a:t>)</a:t>
+            </a:r>
+          </a:p>
+          <a:p>
+            <a:pPr>
+              <a:buNone/>
+            </a:pPr>
+            <a:r>
+              <a:rPr lang="en-US" altLang="zh-CN" dirty="0" smtClean="0"/>
+              <a:t>3. </a:t>
+            </a:r>
+            <a:r>
+              <a:rPr lang="zh-CN" altLang="en-US" dirty="0" smtClean="0"/>
+              <a:t>编写一个小程序，生成</a:t>
+            </a:r>
+            <a:r>
+              <a:rPr lang="en-US" altLang="zh-CN" dirty="0" smtClean="0"/>
+              <a:t>1 </a:t>
+            </a:r>
+            <a:r>
+              <a:rPr lang="zh-CN" altLang="en-US" dirty="0" smtClean="0"/>
+              <a:t>到</a:t>
+            </a:r>
+            <a:r>
+              <a:rPr lang="en-US" altLang="zh-CN" dirty="0" smtClean="0"/>
+              <a:t>20 </a:t>
+            </a:r>
+            <a:r>
+              <a:rPr lang="zh-CN" altLang="en-US" dirty="0" smtClean="0"/>
+              <a:t>之间的</a:t>
+            </a:r>
+            <a:r>
+              <a:rPr lang="en-US" altLang="zh-CN" dirty="0" smtClean="0"/>
+              <a:t>5 </a:t>
+            </a:r>
+            <a:r>
+              <a:rPr lang="zh-CN" altLang="en-US" dirty="0" smtClean="0"/>
+              <a:t>个随机整数的列表，并打印出来。</a:t>
+            </a:r>
+          </a:p>
+          <a:p>
+            <a:pPr>
+              <a:buNone/>
+            </a:pPr>
+            <a:r>
+              <a:rPr lang="en-US" altLang="zh-CN" dirty="0" smtClean="0"/>
+              <a:t>4. </a:t>
+            </a:r>
+            <a:r>
+              <a:rPr lang="zh-CN" altLang="en-US" dirty="0" smtClean="0"/>
+              <a:t>编写一个小程序，要求它工作</a:t>
+            </a:r>
+            <a:r>
+              <a:rPr lang="en-US" altLang="zh-CN" dirty="0" smtClean="0"/>
+              <a:t>30 </a:t>
+            </a:r>
+            <a:r>
+              <a:rPr lang="zh-CN" altLang="en-US" dirty="0" smtClean="0"/>
+              <a:t>秒，每</a:t>
+            </a:r>
+            <a:r>
+              <a:rPr lang="en-US" altLang="zh-CN" dirty="0" smtClean="0"/>
+              <a:t>3 </a:t>
+            </a:r>
+            <a:r>
+              <a:rPr lang="zh-CN" altLang="en-US" dirty="0" smtClean="0"/>
+              <a:t>秒打印一个随机小数。</a:t>
+            </a:r>
+            <a:endParaRPr lang="zh-CN" altLang="en-US" dirty="0"/>
+          </a:p>
+        </p:txBody>
+      </p:sp>
+    </p:spTree>
+  </p:cSld>
+  <p:clrMapOvr>
+    <a:masterClrMapping/>
+  </p:clrMapOvr>
 </p:sld>
 </file>
 

--- a/readme/Python3.pptx
+++ b/readme/Python3.pptx
@@ -143,6 +143,20 @@
     <p:sldId id="381" r:id="rId137"/>
     <p:sldId id="382" r:id="rId138"/>
     <p:sldId id="383" r:id="rId139"/>
+    <p:sldId id="400" r:id="rId140"/>
+    <p:sldId id="402" r:id="rId141"/>
+    <p:sldId id="403" r:id="rId142"/>
+    <p:sldId id="404" r:id="rId143"/>
+    <p:sldId id="405" r:id="rId144"/>
+    <p:sldId id="406" r:id="rId145"/>
+    <p:sldId id="407" r:id="rId146"/>
+    <p:sldId id="408" r:id="rId147"/>
+    <p:sldId id="409" r:id="rId148"/>
+    <p:sldId id="410" r:id="rId149"/>
+    <p:sldId id="411" r:id="rId150"/>
+    <p:sldId id="412" r:id="rId151"/>
+    <p:sldId id="413" r:id="rId152"/>
+    <p:sldId id="414" r:id="rId153"/>
   </p:sldIdLst>
   <p:sldSz cx="9144000" cy="6858000" type="screen4x3"/>
   <p:notesSz cx="6858000" cy="9144000"/>
@@ -426,7 +440,7 @@
             <a:fld id="{530820CF-B880-4189-942D-D702A7CBA730}" type="datetimeFigureOut">
               <a:rPr lang="zh-CN" altLang="en-US" smtClean="0"/>
               <a:pPr/>
-              <a:t>2019-01-05</a:t>
+              <a:t>2019/1/5</a:t>
             </a:fld>
             <a:endParaRPr lang="zh-CN" altLang="en-US"/>
           </a:p>
@@ -593,7 +607,7 @@
             <a:fld id="{530820CF-B880-4189-942D-D702A7CBA730}" type="datetimeFigureOut">
               <a:rPr lang="zh-CN" altLang="en-US" smtClean="0"/>
               <a:pPr/>
-              <a:t>2019-01-05</a:t>
+              <a:t>2019/1/5</a:t>
             </a:fld>
             <a:endParaRPr lang="zh-CN" altLang="en-US"/>
           </a:p>
@@ -770,7 +784,7 @@
             <a:fld id="{530820CF-B880-4189-942D-D702A7CBA730}" type="datetimeFigureOut">
               <a:rPr lang="zh-CN" altLang="en-US" smtClean="0"/>
               <a:pPr/>
-              <a:t>2019-01-05</a:t>
+              <a:t>2019/1/5</a:t>
             </a:fld>
             <a:endParaRPr lang="zh-CN" altLang="en-US"/>
           </a:p>
@@ -937,7 +951,7 @@
             <a:fld id="{530820CF-B880-4189-942D-D702A7CBA730}" type="datetimeFigureOut">
               <a:rPr lang="zh-CN" altLang="en-US" smtClean="0"/>
               <a:pPr/>
-              <a:t>2019-01-05</a:t>
+              <a:t>2019/1/5</a:t>
             </a:fld>
             <a:endParaRPr lang="zh-CN" altLang="en-US"/>
           </a:p>
@@ -1180,7 +1194,7 @@
             <a:fld id="{530820CF-B880-4189-942D-D702A7CBA730}" type="datetimeFigureOut">
               <a:rPr lang="zh-CN" altLang="en-US" smtClean="0"/>
               <a:pPr/>
-              <a:t>2019-01-05</a:t>
+              <a:t>2019/1/5</a:t>
             </a:fld>
             <a:endParaRPr lang="zh-CN" altLang="en-US"/>
           </a:p>
@@ -1465,7 +1479,7 @@
             <a:fld id="{530820CF-B880-4189-942D-D702A7CBA730}" type="datetimeFigureOut">
               <a:rPr lang="zh-CN" altLang="en-US" smtClean="0"/>
               <a:pPr/>
-              <a:t>2019-01-05</a:t>
+              <a:t>2019/1/5</a:t>
             </a:fld>
             <a:endParaRPr lang="zh-CN" altLang="en-US"/>
           </a:p>
@@ -1884,7 +1898,7 @@
             <a:fld id="{530820CF-B880-4189-942D-D702A7CBA730}" type="datetimeFigureOut">
               <a:rPr lang="zh-CN" altLang="en-US" smtClean="0"/>
               <a:pPr/>
-              <a:t>2019-01-05</a:t>
+              <a:t>2019/1/5</a:t>
             </a:fld>
             <a:endParaRPr lang="zh-CN" altLang="en-US"/>
           </a:p>
@@ -1999,7 +2013,7 @@
             <a:fld id="{530820CF-B880-4189-942D-D702A7CBA730}" type="datetimeFigureOut">
               <a:rPr lang="zh-CN" altLang="en-US" smtClean="0"/>
               <a:pPr/>
-              <a:t>2019-01-05</a:t>
+              <a:t>2019/1/5</a:t>
             </a:fld>
             <a:endParaRPr lang="zh-CN" altLang="en-US"/>
           </a:p>
@@ -2091,7 +2105,7 @@
             <a:fld id="{530820CF-B880-4189-942D-D702A7CBA730}" type="datetimeFigureOut">
               <a:rPr lang="zh-CN" altLang="en-US" smtClean="0"/>
               <a:pPr/>
-              <a:t>2019-01-05</a:t>
+              <a:t>2019/1/5</a:t>
             </a:fld>
             <a:endParaRPr lang="zh-CN" altLang="en-US"/>
           </a:p>
@@ -2365,7 +2379,7 @@
             <a:fld id="{530820CF-B880-4189-942D-D702A7CBA730}" type="datetimeFigureOut">
               <a:rPr lang="zh-CN" altLang="en-US" smtClean="0"/>
               <a:pPr/>
-              <a:t>2019-01-05</a:t>
+              <a:t>2019/1/5</a:t>
             </a:fld>
             <a:endParaRPr lang="zh-CN" altLang="en-US"/>
           </a:p>
@@ -2615,7 +2629,7 @@
             <a:fld id="{530820CF-B880-4189-942D-D702A7CBA730}" type="datetimeFigureOut">
               <a:rPr lang="zh-CN" altLang="en-US" smtClean="0"/>
               <a:pPr/>
-              <a:t>2019-01-05</a:t>
+              <a:t>2019/1/5</a:t>
             </a:fld>
             <a:endParaRPr lang="zh-CN" altLang="en-US"/>
           </a:p>
@@ -2825,7 +2839,7 @@
             <a:fld id="{530820CF-B880-4189-942D-D702A7CBA730}" type="datetimeFigureOut">
               <a:rPr lang="zh-CN" altLang="en-US" smtClean="0"/>
               <a:pPr/>
-              <a:t>2019-01-05</a:t>
+              <a:t>2019/1/5</a:t>
             </a:fld>
             <a:endParaRPr lang="zh-CN" altLang="en-US"/>
           </a:p>
@@ -9091,6 +9105,73 @@
 </p:sld>
 </file>
 
+<file path=ppt/slides/slide139.xml><?xml version="1.0" encoding="utf-8"?>
+<p:sld xmlns:a="http://schemas.openxmlformats.org/drawingml/2006/main" xmlns:r="http://schemas.openxmlformats.org/officeDocument/2006/relationships" xmlns:p="http://schemas.openxmlformats.org/presentationml/2006/main">
+  <p:cSld>
+    <p:spTree>
+      <p:nvGrpSpPr>
+        <p:cNvPr id="1" name=""/>
+        <p:cNvGrpSpPr/>
+        <p:nvPr/>
+      </p:nvGrpSpPr>
+      <p:grpSpPr>
+        <a:xfrm>
+          <a:off x="0" y="0"/>
+          <a:ext cx="0" cy="0"/>
+          <a:chOff x="0" y="0"/>
+          <a:chExt cx="0" cy="0"/>
+        </a:xfrm>
+      </p:grpSpPr>
+      <p:sp>
+        <p:nvSpPr>
+          <p:cNvPr id="2" name="标题 1"/>
+          <p:cNvSpPr>
+            <a:spLocks noGrp="1"/>
+          </p:cNvSpPr>
+          <p:nvPr>
+            <p:ph type="title"/>
+          </p:nvPr>
+        </p:nvSpPr>
+        <p:spPr/>
+        <p:txBody>
+          <a:bodyPr/>
+          <a:lstStyle/>
+          <a:p>
+            <a:r>
+              <a:rPr lang="en-US" altLang="zh-CN" dirty="0" smtClean="0"/>
+              <a:t>11</a:t>
+            </a:r>
+            <a:endParaRPr lang="zh-CN" altLang="en-US" dirty="0"/>
+          </a:p>
+        </p:txBody>
+      </p:sp>
+      <p:sp>
+        <p:nvSpPr>
+          <p:cNvPr id="3" name="内容占位符 2"/>
+          <p:cNvSpPr>
+            <a:spLocks noGrp="1"/>
+          </p:cNvSpPr>
+          <p:nvPr>
+            <p:ph idx="1"/>
+          </p:nvPr>
+        </p:nvSpPr>
+        <p:spPr/>
+        <p:txBody>
+          <a:bodyPr/>
+          <a:lstStyle/>
+          <a:p>
+            <a:endParaRPr lang="zh-CN" altLang="en-US"/>
+          </a:p>
+        </p:txBody>
+      </p:sp>
+    </p:spTree>
+  </p:cSld>
+  <p:clrMapOvr>
+    <a:masterClrMapping/>
+  </p:clrMapOvr>
+</p:sld>
+</file>
+
 <file path=ppt/slides/slide14.xml><?xml version="1.0" encoding="utf-8"?>
 <p:sld xmlns:a="http://schemas.openxmlformats.org/drawingml/2006/main" xmlns:r="http://schemas.openxmlformats.org/officeDocument/2006/relationships" xmlns:p="http://schemas.openxmlformats.org/presentationml/2006/main">
   <p:cSld>
@@ -9244,6 +9325,1768 @@
       </p:par>
     </p:tnLst>
   </p:timing>
+</p:sld>
+</file>
+
+<file path=ppt/slides/slide140.xml><?xml version="1.0" encoding="utf-8"?>
+<p:sld xmlns:a="http://schemas.openxmlformats.org/drawingml/2006/main" xmlns:r="http://schemas.openxmlformats.org/officeDocument/2006/relationships" xmlns:p="http://schemas.openxmlformats.org/presentationml/2006/main">
+  <p:cSld>
+    <p:spTree>
+      <p:nvGrpSpPr>
+        <p:cNvPr id="1" name=""/>
+        <p:cNvGrpSpPr/>
+        <p:nvPr/>
+      </p:nvGrpSpPr>
+      <p:grpSpPr>
+        <a:xfrm>
+          <a:off x="0" y="0"/>
+          <a:ext cx="0" cy="0"/>
+          <a:chOff x="0" y="0"/>
+          <a:chExt cx="0" cy="0"/>
+        </a:xfrm>
+      </p:grpSpPr>
+      <p:sp>
+        <p:nvSpPr>
+          <p:cNvPr id="2" name="标题 1"/>
+          <p:cNvSpPr>
+            <a:spLocks noGrp="1"/>
+          </p:cNvSpPr>
+          <p:nvPr>
+            <p:ph type="title"/>
+          </p:nvPr>
+        </p:nvSpPr>
+        <p:spPr/>
+        <p:txBody>
+          <a:bodyPr/>
+          <a:lstStyle/>
+          <a:p>
+            <a:pPr algn="l"/>
+            <a:r>
+              <a:rPr lang="en-US" altLang="zh-CN" dirty="0" smtClean="0"/>
+              <a:t>16 </a:t>
+            </a:r>
+            <a:r>
+              <a:rPr lang="zh-CN" altLang="en-US" dirty="0" smtClean="0"/>
+              <a:t>图形</a:t>
+            </a:r>
+            <a:endParaRPr lang="zh-CN" altLang="en-US" dirty="0"/>
+          </a:p>
+        </p:txBody>
+      </p:sp>
+      <p:sp>
+        <p:nvSpPr>
+          <p:cNvPr id="3" name="内容占位符 2"/>
+          <p:cNvSpPr>
+            <a:spLocks noGrp="1"/>
+          </p:cNvSpPr>
+          <p:nvPr>
+            <p:ph idx="1"/>
+          </p:nvPr>
+        </p:nvSpPr>
+        <p:spPr/>
+        <p:txBody>
+          <a:bodyPr>
+            <a:normAutofit/>
+          </a:bodyPr>
+          <a:lstStyle/>
+          <a:p>
+            <a:pPr>
+              <a:buNone/>
+            </a:pPr>
+            <a:endParaRPr lang="zh-CN" altLang="en-US" dirty="0"/>
+          </a:p>
+        </p:txBody>
+      </p:sp>
+    </p:spTree>
+  </p:cSld>
+  <p:clrMapOvr>
+    <a:masterClrMapping/>
+  </p:clrMapOvr>
+</p:sld>
+</file>
+
+<file path=ppt/slides/slide141.xml><?xml version="1.0" encoding="utf-8"?>
+<p:sld xmlns:a="http://schemas.openxmlformats.org/drawingml/2006/main" xmlns:r="http://schemas.openxmlformats.org/officeDocument/2006/relationships" xmlns:p="http://schemas.openxmlformats.org/presentationml/2006/main">
+  <p:cSld>
+    <p:spTree>
+      <p:nvGrpSpPr>
+        <p:cNvPr id="1" name=""/>
+        <p:cNvGrpSpPr/>
+        <p:nvPr/>
+      </p:nvGrpSpPr>
+      <p:grpSpPr>
+        <a:xfrm>
+          <a:off x="0" y="0"/>
+          <a:ext cx="0" cy="0"/>
+          <a:chOff x="0" y="0"/>
+          <a:chExt cx="0" cy="0"/>
+        </a:xfrm>
+      </p:grpSpPr>
+      <p:sp>
+        <p:nvSpPr>
+          <p:cNvPr id="2" name="标题 1"/>
+          <p:cNvSpPr>
+            <a:spLocks noGrp="1"/>
+          </p:cNvSpPr>
+          <p:nvPr>
+            <p:ph type="title"/>
+          </p:nvPr>
+        </p:nvSpPr>
+        <p:spPr/>
+        <p:txBody>
+          <a:bodyPr/>
+          <a:lstStyle/>
+          <a:p>
+            <a:pPr algn="l"/>
+            <a:r>
+              <a:rPr lang="en-US" altLang="zh-CN" dirty="0" smtClean="0"/>
+              <a:t>16.1 </a:t>
+            </a:r>
+            <a:r>
+              <a:rPr lang="zh-CN" altLang="en-US" dirty="0" smtClean="0"/>
+              <a:t>寻求</a:t>
+            </a:r>
+            <a:r>
+              <a:rPr lang="zh-CN" altLang="en-US" dirty="0" smtClean="0"/>
+              <a:t>帮助</a:t>
+            </a:r>
+            <a:r>
+              <a:rPr lang="en-US" altLang="zh-CN" dirty="0" smtClean="0"/>
+              <a:t>— </a:t>
+            </a:r>
+            <a:r>
+              <a:rPr lang="en-US" altLang="zh-CN" dirty="0" err="1" smtClean="0"/>
+              <a:t>Pygame</a:t>
+            </a:r>
+            <a:endParaRPr lang="zh-CN" altLang="en-US" dirty="0"/>
+          </a:p>
+        </p:txBody>
+      </p:sp>
+      <p:sp>
+        <p:nvSpPr>
+          <p:cNvPr id="3" name="内容占位符 2"/>
+          <p:cNvSpPr>
+            <a:spLocks noGrp="1"/>
+          </p:cNvSpPr>
+          <p:nvPr>
+            <p:ph idx="1"/>
+          </p:nvPr>
+        </p:nvSpPr>
+        <p:spPr/>
+        <p:txBody>
+          <a:bodyPr>
+            <a:normAutofit/>
+          </a:bodyPr>
+          <a:lstStyle/>
+          <a:p>
+            <a:pPr>
+              <a:buNone/>
+            </a:pPr>
+            <a:r>
+              <a:rPr lang="zh-CN" altLang="en-US" dirty="0" smtClean="0"/>
+              <a:t>    </a:t>
+            </a:r>
+            <a:r>
+              <a:rPr lang="en-US" altLang="zh-CN" dirty="0" smtClean="0"/>
+              <a:t>	</a:t>
+            </a:r>
+            <a:r>
+              <a:rPr lang="zh-CN" altLang="en-US" dirty="0" smtClean="0"/>
+              <a:t>要</a:t>
+            </a:r>
+            <a:r>
+              <a:rPr lang="zh-CN" altLang="en-US" dirty="0" smtClean="0"/>
+              <a:t>让图形（和声音）在 你的计算机上起作用，这 可能有点复杂。这涉及操作 系统和你的图形卡，还需要 大量底层代码（目前我们还不想考虑这些代码）。所以我们将使用一个名为 </a:t>
+            </a:r>
+            <a:r>
+              <a:rPr lang="en-US" altLang="zh-CN" dirty="0" err="1" smtClean="0"/>
+              <a:t>Pygame</a:t>
+            </a:r>
+            <a:r>
+              <a:rPr lang="en-US" altLang="zh-CN" dirty="0" smtClean="0"/>
+              <a:t> </a:t>
+            </a:r>
+            <a:r>
+              <a:rPr lang="zh-CN" altLang="en-US" dirty="0" smtClean="0"/>
+              <a:t>的 </a:t>
+            </a:r>
+            <a:r>
+              <a:rPr lang="en-US" altLang="zh-CN" dirty="0" smtClean="0"/>
+              <a:t>Python </a:t>
+            </a:r>
+            <a:r>
+              <a:rPr lang="zh-CN" altLang="en-US" dirty="0" smtClean="0"/>
+              <a:t>模块来提供帮助，让问题更简单一些</a:t>
+            </a:r>
+            <a:r>
+              <a:rPr lang="zh-CN" altLang="en-US" dirty="0" smtClean="0"/>
+              <a:t>。</a:t>
+            </a:r>
+            <a:endParaRPr lang="en-US" altLang="zh-CN" dirty="0" smtClean="0"/>
+          </a:p>
+          <a:p>
+            <a:pPr>
+              <a:buNone/>
+            </a:pPr>
+            <a:r>
+              <a:rPr lang="en-US" altLang="zh-CN" dirty="0" smtClean="0"/>
+              <a:t>	</a:t>
+            </a:r>
+            <a:r>
+              <a:rPr lang="en-US" altLang="zh-CN" dirty="0" smtClean="0"/>
+              <a:t>	</a:t>
+            </a:r>
+            <a:r>
+              <a:rPr lang="zh-CN" altLang="en-US" dirty="0" smtClean="0"/>
+              <a:t>安装 </a:t>
+            </a:r>
+            <a:r>
+              <a:rPr lang="en-US" altLang="zh-CN" dirty="0" err="1" smtClean="0"/>
+              <a:t>Pygame</a:t>
+            </a:r>
+            <a:r>
+              <a:rPr lang="zh-CN" altLang="en-US" dirty="0" smtClean="0"/>
+              <a:t>，可以从 </a:t>
+            </a:r>
+            <a:r>
+              <a:rPr lang="en-US" altLang="zh-CN" dirty="0" err="1" smtClean="0"/>
+              <a:t>Pygame</a:t>
+            </a:r>
+            <a:r>
+              <a:rPr lang="en-US" altLang="zh-CN" dirty="0" smtClean="0"/>
+              <a:t> </a:t>
+            </a:r>
+            <a:r>
+              <a:rPr lang="zh-CN" altLang="en-US" dirty="0" smtClean="0"/>
+              <a:t>网站（</a:t>
+            </a:r>
+            <a:r>
+              <a:rPr lang="en-US" altLang="zh-CN" dirty="0" smtClean="0"/>
+              <a:t>www.pygame.org</a:t>
+            </a:r>
+            <a:r>
+              <a:rPr lang="zh-CN" altLang="en-US" dirty="0" smtClean="0"/>
+              <a:t>）得到</a:t>
+            </a:r>
+            <a:endParaRPr lang="zh-CN" altLang="en-US" dirty="0"/>
+          </a:p>
+        </p:txBody>
+      </p:sp>
+    </p:spTree>
+  </p:cSld>
+  <p:clrMapOvr>
+    <a:masterClrMapping/>
+  </p:clrMapOvr>
+</p:sld>
+</file>
+
+<file path=ppt/slides/slide142.xml><?xml version="1.0" encoding="utf-8"?>
+<p:sld xmlns:a="http://schemas.openxmlformats.org/drawingml/2006/main" xmlns:r="http://schemas.openxmlformats.org/officeDocument/2006/relationships" xmlns:p="http://schemas.openxmlformats.org/presentationml/2006/main">
+  <p:cSld>
+    <p:spTree>
+      <p:nvGrpSpPr>
+        <p:cNvPr id="1" name=""/>
+        <p:cNvGrpSpPr/>
+        <p:nvPr/>
+      </p:nvGrpSpPr>
+      <p:grpSpPr>
+        <a:xfrm>
+          <a:off x="0" y="0"/>
+          <a:ext cx="0" cy="0"/>
+          <a:chOff x="0" y="0"/>
+          <a:chExt cx="0" cy="0"/>
+        </a:xfrm>
+      </p:grpSpPr>
+      <p:sp>
+        <p:nvSpPr>
+          <p:cNvPr id="2" name="标题 1"/>
+          <p:cNvSpPr>
+            <a:spLocks noGrp="1"/>
+          </p:cNvSpPr>
+          <p:nvPr>
+            <p:ph type="title"/>
+          </p:nvPr>
+        </p:nvSpPr>
+        <p:spPr/>
+        <p:txBody>
+          <a:bodyPr/>
+          <a:lstStyle/>
+          <a:p>
+            <a:pPr algn="l"/>
+            <a:r>
+              <a:rPr lang="en-US" altLang="zh-CN" dirty="0" smtClean="0"/>
+              <a:t>16.2 </a:t>
+            </a:r>
+            <a:r>
+              <a:rPr lang="en-US" altLang="zh-CN" dirty="0" err="1" smtClean="0"/>
+              <a:t>Pygame</a:t>
+            </a:r>
+            <a:r>
+              <a:rPr lang="en-US" altLang="zh-CN" dirty="0" smtClean="0"/>
+              <a:t> </a:t>
+            </a:r>
+            <a:r>
+              <a:rPr lang="zh-CN" altLang="en-US" dirty="0" smtClean="0"/>
+              <a:t>窗口</a:t>
+            </a:r>
+            <a:endParaRPr lang="zh-CN" altLang="en-US" dirty="0"/>
+          </a:p>
+        </p:txBody>
+      </p:sp>
+      <p:sp>
+        <p:nvSpPr>
+          <p:cNvPr id="3" name="内容占位符 2"/>
+          <p:cNvSpPr>
+            <a:spLocks noGrp="1"/>
+          </p:cNvSpPr>
+          <p:nvPr>
+            <p:ph idx="1"/>
+          </p:nvPr>
+        </p:nvSpPr>
+        <p:spPr/>
+        <p:txBody>
+          <a:bodyPr>
+            <a:normAutofit/>
+          </a:bodyPr>
+          <a:lstStyle/>
+          <a:p>
+            <a:pPr>
+              <a:buNone/>
+            </a:pPr>
+            <a:r>
+              <a:rPr lang="en-US" altLang="zh-CN" dirty="0" smtClean="0"/>
+              <a:t>import </a:t>
+            </a:r>
+            <a:r>
+              <a:rPr lang="en-US" altLang="zh-CN" dirty="0" err="1" smtClean="0"/>
+              <a:t>pygame</a:t>
+            </a:r>
+            <a:endParaRPr lang="en-US" altLang="zh-CN" dirty="0" smtClean="0"/>
+          </a:p>
+          <a:p>
+            <a:pPr>
+              <a:buNone/>
+            </a:pPr>
+            <a:r>
+              <a:rPr lang="en-US" altLang="zh-CN" dirty="0" smtClean="0"/>
+              <a:t>	</a:t>
+            </a:r>
+            <a:r>
+              <a:rPr lang="en-US" altLang="zh-CN" dirty="0" err="1" smtClean="0"/>
+              <a:t>pygame.init</a:t>
+            </a:r>
+            <a:r>
+              <a:rPr lang="en-US" altLang="zh-CN" dirty="0" smtClean="0"/>
+              <a:t>()</a:t>
+            </a:r>
+          </a:p>
+          <a:p>
+            <a:pPr>
+              <a:buNone/>
+            </a:pPr>
+            <a:r>
+              <a:rPr lang="en-US" altLang="zh-CN" dirty="0" smtClean="0"/>
+              <a:t>	screen </a:t>
+            </a:r>
+            <a:r>
+              <a:rPr lang="en-US" altLang="zh-CN" dirty="0" smtClean="0"/>
+              <a:t>= </a:t>
+            </a:r>
+            <a:r>
+              <a:rPr lang="en-US" altLang="zh-CN" dirty="0" err="1" smtClean="0"/>
+              <a:t>pygame.display.set_mode</a:t>
+            </a:r>
+            <a:r>
+              <a:rPr lang="en-US" altLang="zh-CN" dirty="0" smtClean="0"/>
+              <a:t>([640, 480])</a:t>
+            </a:r>
+            <a:endParaRPr lang="zh-CN" altLang="en-US" dirty="0"/>
+          </a:p>
+        </p:txBody>
+      </p:sp>
+    </p:spTree>
+  </p:cSld>
+  <p:clrMapOvr>
+    <a:masterClrMapping/>
+  </p:clrMapOvr>
+</p:sld>
+</file>
+
+<file path=ppt/slides/slide143.xml><?xml version="1.0" encoding="utf-8"?>
+<p:sld xmlns:a="http://schemas.openxmlformats.org/drawingml/2006/main" xmlns:r="http://schemas.openxmlformats.org/officeDocument/2006/relationships" xmlns:p="http://schemas.openxmlformats.org/presentationml/2006/main">
+  <p:cSld>
+    <p:spTree>
+      <p:nvGrpSpPr>
+        <p:cNvPr id="1" name=""/>
+        <p:cNvGrpSpPr/>
+        <p:nvPr/>
+      </p:nvGrpSpPr>
+      <p:grpSpPr>
+        <a:xfrm>
+          <a:off x="0" y="0"/>
+          <a:ext cx="0" cy="0"/>
+          <a:chOff x="0" y="0"/>
+          <a:chExt cx="0" cy="0"/>
+        </a:xfrm>
+      </p:grpSpPr>
+      <p:sp>
+        <p:nvSpPr>
+          <p:cNvPr id="2" name="标题 1"/>
+          <p:cNvSpPr>
+            <a:spLocks noGrp="1"/>
+          </p:cNvSpPr>
+          <p:nvPr>
+            <p:ph type="title"/>
+          </p:nvPr>
+        </p:nvSpPr>
+        <p:spPr/>
+        <p:txBody>
+          <a:bodyPr/>
+          <a:lstStyle/>
+          <a:p>
+            <a:pPr algn="l"/>
+            <a:r>
+              <a:rPr lang="en-US" altLang="zh-CN" dirty="0" smtClean="0"/>
+              <a:t>16.3</a:t>
+            </a:r>
+            <a:r>
+              <a:rPr lang="zh-CN" altLang="en-US" dirty="0" smtClean="0"/>
+              <a:t> 在</a:t>
+            </a:r>
+            <a:r>
+              <a:rPr lang="zh-CN" altLang="en-US" dirty="0" smtClean="0"/>
+              <a:t>窗口中画图</a:t>
+            </a:r>
+            <a:endParaRPr lang="zh-CN" altLang="en-US" dirty="0"/>
+          </a:p>
+        </p:txBody>
+      </p:sp>
+      <p:sp>
+        <p:nvSpPr>
+          <p:cNvPr id="3" name="内容占位符 2"/>
+          <p:cNvSpPr>
+            <a:spLocks noGrp="1"/>
+          </p:cNvSpPr>
+          <p:nvPr>
+            <p:ph idx="1"/>
+          </p:nvPr>
+        </p:nvSpPr>
+        <p:spPr/>
+        <p:txBody>
+          <a:bodyPr>
+            <a:normAutofit fontScale="92500" lnSpcReduction="10000"/>
+          </a:bodyPr>
+          <a:lstStyle/>
+          <a:p>
+            <a:pPr>
+              <a:buNone/>
+            </a:pPr>
+            <a:r>
+              <a:rPr lang="zh-CN" altLang="en-US" b="1" dirty="0" smtClean="0"/>
+              <a:t>如何</a:t>
+            </a:r>
+            <a:r>
+              <a:rPr lang="zh-CN" altLang="en-US" b="1" dirty="0" smtClean="0"/>
+              <a:t>建立一个</a:t>
+            </a:r>
+            <a:r>
+              <a:rPr lang="zh-CN" altLang="en-US" b="1" dirty="0" smtClean="0"/>
+              <a:t>圆</a:t>
+            </a:r>
+            <a:r>
+              <a:rPr lang="en-US" altLang="zh-CN" sz="2400" b="1" dirty="0" smtClean="0"/>
+              <a:t>,</a:t>
+            </a:r>
+            <a:r>
+              <a:rPr lang="zh-CN" altLang="en-US" b="1" dirty="0" smtClean="0"/>
+              <a:t>必须告诉它以下 </a:t>
+            </a:r>
+            <a:r>
+              <a:rPr lang="en-US" altLang="zh-CN" b="1" dirty="0" smtClean="0"/>
+              <a:t>5 </a:t>
+            </a:r>
+            <a:r>
+              <a:rPr lang="zh-CN" altLang="en-US" b="1" dirty="0" smtClean="0"/>
+              <a:t>件</a:t>
+            </a:r>
+            <a:r>
+              <a:rPr lang="zh-CN" altLang="en-US" b="1" dirty="0" smtClean="0"/>
+              <a:t>事</a:t>
+            </a:r>
+            <a:r>
+              <a:rPr lang="en-US" altLang="zh-CN" b="1" dirty="0" smtClean="0"/>
+              <a:t>:</a:t>
+            </a:r>
+          </a:p>
+          <a:p>
+            <a:pPr>
+              <a:buNone/>
+            </a:pPr>
+            <a:r>
+              <a:rPr lang="en-US" altLang="zh-CN" dirty="0" smtClean="0"/>
+              <a:t>	</a:t>
+            </a:r>
+            <a:r>
+              <a:rPr lang="en-US" altLang="zh-CN" dirty="0" smtClean="0"/>
+              <a:t>1.</a:t>
+            </a:r>
+            <a:r>
+              <a:rPr lang="zh-CN" altLang="en-US" dirty="0" smtClean="0"/>
+              <a:t>在哪个表面（</a:t>
+            </a:r>
+            <a:r>
+              <a:rPr lang="en-US" altLang="zh-CN" dirty="0" smtClean="0"/>
+              <a:t>surface</a:t>
+            </a:r>
+            <a:r>
+              <a:rPr lang="zh-CN" altLang="en-US" dirty="0" smtClean="0"/>
+              <a:t>）画这个圆。 </a:t>
+            </a:r>
+            <a:endParaRPr lang="en-US" altLang="zh-CN" dirty="0" smtClean="0"/>
+          </a:p>
+          <a:p>
+            <a:pPr>
+              <a:buNone/>
+            </a:pPr>
+            <a:r>
+              <a:rPr lang="en-US" altLang="zh-CN" dirty="0" smtClean="0"/>
+              <a:t>	</a:t>
+            </a:r>
+            <a:r>
+              <a:rPr lang="en-US" altLang="zh-CN" dirty="0" smtClean="0"/>
+              <a:t>2.</a:t>
+            </a:r>
+            <a:r>
+              <a:rPr lang="zh-CN" altLang="en-US" dirty="0" smtClean="0"/>
+              <a:t>用什么颜色来画</a:t>
+            </a:r>
+            <a:r>
+              <a:rPr lang="zh-CN" altLang="en-US" dirty="0" smtClean="0"/>
+              <a:t>。</a:t>
+            </a:r>
+            <a:endParaRPr lang="en-US" altLang="zh-CN" dirty="0" smtClean="0"/>
+          </a:p>
+          <a:p>
+            <a:pPr>
+              <a:buNone/>
+            </a:pPr>
+            <a:r>
+              <a:rPr lang="en-US" altLang="zh-CN" dirty="0" smtClean="0"/>
+              <a:t>	</a:t>
+            </a:r>
+            <a:r>
+              <a:rPr lang="en-US" altLang="zh-CN" dirty="0" smtClean="0"/>
+              <a:t>3.</a:t>
+            </a:r>
+            <a:r>
+              <a:rPr lang="zh-CN" altLang="en-US" dirty="0" smtClean="0"/>
+              <a:t>在什么位置画</a:t>
+            </a:r>
+            <a:r>
+              <a:rPr lang="zh-CN" altLang="en-US" dirty="0" smtClean="0"/>
+              <a:t>。</a:t>
+            </a:r>
+            <a:endParaRPr lang="en-US" altLang="zh-CN" dirty="0" smtClean="0"/>
+          </a:p>
+          <a:p>
+            <a:pPr>
+              <a:buNone/>
+            </a:pPr>
+            <a:r>
+              <a:rPr lang="en-US" altLang="zh-CN" dirty="0" smtClean="0"/>
+              <a:t>	</a:t>
+            </a:r>
+            <a:r>
+              <a:rPr lang="en-US" altLang="zh-CN" dirty="0" smtClean="0"/>
+              <a:t>4.</a:t>
+            </a:r>
+            <a:r>
+              <a:rPr lang="zh-CN" altLang="en-US" dirty="0" smtClean="0"/>
+              <a:t>圆的大小</a:t>
+            </a:r>
+            <a:r>
+              <a:rPr lang="zh-CN" altLang="en-US" dirty="0" smtClean="0"/>
+              <a:t>。</a:t>
+            </a:r>
+            <a:endParaRPr lang="en-US" altLang="zh-CN" dirty="0" smtClean="0"/>
+          </a:p>
+          <a:p>
+            <a:pPr>
+              <a:buNone/>
+            </a:pPr>
+            <a:r>
+              <a:rPr lang="en-US" altLang="zh-CN" dirty="0" smtClean="0"/>
+              <a:t>	</a:t>
+            </a:r>
+            <a:r>
+              <a:rPr lang="en-US" altLang="zh-CN" dirty="0" smtClean="0"/>
+              <a:t>5.</a:t>
+            </a:r>
+            <a:r>
+              <a:rPr lang="zh-CN" altLang="en-US" dirty="0" smtClean="0"/>
+              <a:t>线宽。</a:t>
+            </a:r>
+            <a:r>
+              <a:rPr lang="en-US" altLang="zh-CN" dirty="0" smtClean="0"/>
+              <a:t>(</a:t>
+            </a:r>
+            <a:r>
+              <a:rPr lang="zh-CN" altLang="en-US" dirty="0" smtClean="0"/>
+              <a:t>如果 </a:t>
+            </a:r>
+            <a:r>
+              <a:rPr lang="en-US" altLang="zh-CN" dirty="0" smtClean="0"/>
+              <a:t>width = 0</a:t>
+            </a:r>
+            <a:r>
+              <a:rPr lang="zh-CN" altLang="en-US" dirty="0" smtClean="0"/>
+              <a:t>，圆是完全填充</a:t>
+            </a:r>
+            <a:r>
+              <a:rPr lang="zh-CN" altLang="en-US" dirty="0" smtClean="0"/>
+              <a:t>的</a:t>
+            </a:r>
+            <a:r>
+              <a:rPr lang="en-US" altLang="zh-CN" dirty="0" smtClean="0"/>
+              <a:t>)</a:t>
+            </a:r>
+          </a:p>
+          <a:p>
+            <a:pPr>
+              <a:buNone/>
+            </a:pPr>
+            <a:endParaRPr lang="en-US" altLang="zh-CN" dirty="0" smtClean="0"/>
+          </a:p>
+          <a:p>
+            <a:pPr>
+              <a:buNone/>
+            </a:pPr>
+            <a:r>
+              <a:rPr lang="en-US" altLang="zh-CN" dirty="0" err="1" smtClean="0"/>
+              <a:t>Pygame</a:t>
+            </a:r>
+            <a:r>
+              <a:rPr lang="en-US" altLang="zh-CN" dirty="0" smtClean="0"/>
+              <a:t> </a:t>
+            </a:r>
+            <a:r>
+              <a:rPr lang="zh-CN" altLang="en-US" dirty="0" smtClean="0"/>
+              <a:t>表面</a:t>
+            </a:r>
+            <a:r>
+              <a:rPr lang="en-US" altLang="zh-CN" dirty="0" smtClean="0"/>
+              <a:t>, </a:t>
+            </a:r>
+            <a:r>
+              <a:rPr lang="en-US" altLang="zh-CN" dirty="0" err="1" smtClean="0"/>
+              <a:t>Pygame</a:t>
+            </a:r>
+            <a:r>
+              <a:rPr lang="en-US" altLang="zh-CN" dirty="0" smtClean="0"/>
+              <a:t> </a:t>
+            </a:r>
+            <a:r>
+              <a:rPr lang="zh-CN" altLang="en-US" dirty="0" smtClean="0"/>
+              <a:t>中的</a:t>
+            </a:r>
+            <a:r>
+              <a:rPr lang="zh-CN" altLang="en-US" dirty="0" smtClean="0"/>
+              <a:t>颜色</a:t>
+            </a:r>
+            <a:r>
+              <a:rPr lang="en-US" altLang="zh-CN" dirty="0" smtClean="0"/>
+              <a:t>(RGB),</a:t>
+            </a:r>
+            <a:r>
+              <a:rPr lang="zh-CN" altLang="en-US" dirty="0" smtClean="0"/>
+              <a:t>为什么是 </a:t>
+            </a:r>
+            <a:r>
+              <a:rPr lang="en-US" altLang="zh-CN" dirty="0" smtClean="0"/>
+              <a:t>255 </a:t>
+            </a:r>
+            <a:r>
+              <a:rPr lang="zh-CN" altLang="en-US" dirty="0" smtClean="0"/>
+              <a:t>呢？</a:t>
+            </a:r>
+            <a:endParaRPr lang="zh-CN" altLang="en-US" dirty="0" smtClean="0"/>
+          </a:p>
+        </p:txBody>
+      </p:sp>
+    </p:spTree>
+  </p:cSld>
+  <p:clrMapOvr>
+    <a:masterClrMapping/>
+  </p:clrMapOvr>
+</p:sld>
+</file>
+
+<file path=ppt/slides/slide144.xml><?xml version="1.0" encoding="utf-8"?>
+<p:sld xmlns:a="http://schemas.openxmlformats.org/drawingml/2006/main" xmlns:r="http://schemas.openxmlformats.org/officeDocument/2006/relationships" xmlns:p="http://schemas.openxmlformats.org/presentationml/2006/main">
+  <p:cSld>
+    <p:spTree>
+      <p:nvGrpSpPr>
+        <p:cNvPr id="1" name=""/>
+        <p:cNvGrpSpPr/>
+        <p:nvPr/>
+      </p:nvGrpSpPr>
+      <p:grpSpPr>
+        <a:xfrm>
+          <a:off x="0" y="0"/>
+          <a:ext cx="0" cy="0"/>
+          <a:chOff x="0" y="0"/>
+          <a:chExt cx="0" cy="0"/>
+        </a:xfrm>
+      </p:grpSpPr>
+      <p:sp>
+        <p:nvSpPr>
+          <p:cNvPr id="2" name="标题 1"/>
+          <p:cNvSpPr>
+            <a:spLocks noGrp="1"/>
+          </p:cNvSpPr>
+          <p:nvPr>
+            <p:ph type="title"/>
+          </p:nvPr>
+        </p:nvSpPr>
+        <p:spPr/>
+        <p:txBody>
+          <a:bodyPr/>
+          <a:lstStyle/>
+          <a:p>
+            <a:pPr algn="l"/>
+            <a:r>
+              <a:rPr lang="en-US" altLang="zh-CN" dirty="0" smtClean="0"/>
+              <a:t>16.3 </a:t>
+            </a:r>
+            <a:r>
+              <a:rPr lang="zh-CN" altLang="en-US" dirty="0" smtClean="0"/>
+              <a:t>在</a:t>
+            </a:r>
+            <a:r>
+              <a:rPr lang="zh-CN" altLang="en-US" dirty="0" smtClean="0"/>
+              <a:t>窗口中画图</a:t>
+            </a:r>
+            <a:endParaRPr lang="zh-CN" altLang="en-US" dirty="0"/>
+          </a:p>
+        </p:txBody>
+      </p:sp>
+      <p:sp>
+        <p:nvSpPr>
+          <p:cNvPr id="3" name="内容占位符 2"/>
+          <p:cNvSpPr>
+            <a:spLocks noGrp="1"/>
+          </p:cNvSpPr>
+          <p:nvPr>
+            <p:ph idx="1"/>
+          </p:nvPr>
+        </p:nvSpPr>
+        <p:spPr>
+          <a:xfrm>
+            <a:off x="457200" y="1600201"/>
+            <a:ext cx="8229600" cy="676671"/>
+          </a:xfrm>
+        </p:spPr>
+        <p:txBody>
+          <a:bodyPr>
+            <a:normAutofit/>
+          </a:bodyPr>
+          <a:lstStyle/>
+          <a:p>
+            <a:pPr>
+              <a:buNone/>
+            </a:pPr>
+            <a:r>
+              <a:rPr lang="zh-CN" altLang="en-US" dirty="0" smtClean="0"/>
+              <a:t>位置</a:t>
+            </a:r>
+            <a:r>
+              <a:rPr lang="en-US" altLang="zh-CN" dirty="0" smtClean="0"/>
+              <a:t>—</a:t>
+            </a:r>
+            <a:r>
+              <a:rPr lang="zh-CN" altLang="en-US" dirty="0" smtClean="0"/>
+              <a:t>屏幕坐标</a:t>
+            </a:r>
+            <a:endParaRPr lang="zh-CN" altLang="en-US" dirty="0"/>
+          </a:p>
+        </p:txBody>
+      </p:sp>
+      <p:pic>
+        <p:nvPicPr>
+          <p:cNvPr id="1027" name="Picture 3"/>
+          <p:cNvPicPr>
+            <a:picLocks noChangeAspect="1" noChangeArrowheads="1"/>
+          </p:cNvPicPr>
+          <p:nvPr/>
+        </p:nvPicPr>
+        <p:blipFill>
+          <a:blip r:embed="rId2" cstate="print"/>
+          <a:srcRect/>
+          <a:stretch>
+            <a:fillRect/>
+          </a:stretch>
+        </p:blipFill>
+        <p:spPr bwMode="auto">
+          <a:xfrm>
+            <a:off x="1187624" y="2348880"/>
+            <a:ext cx="5101927" cy="3480871"/>
+          </a:xfrm>
+          <a:prstGeom prst="rect">
+            <a:avLst/>
+          </a:prstGeom>
+          <a:noFill/>
+          <a:ln w="9525">
+            <a:noFill/>
+            <a:miter lim="800000"/>
+            <a:headEnd/>
+            <a:tailEnd/>
+          </a:ln>
+        </p:spPr>
+      </p:pic>
+    </p:spTree>
+  </p:cSld>
+  <p:clrMapOvr>
+    <a:masterClrMapping/>
+  </p:clrMapOvr>
+</p:sld>
+</file>
+
+<file path=ppt/slides/slide145.xml><?xml version="1.0" encoding="utf-8"?>
+<p:sld xmlns:a="http://schemas.openxmlformats.org/drawingml/2006/main" xmlns:r="http://schemas.openxmlformats.org/officeDocument/2006/relationships" xmlns:p="http://schemas.openxmlformats.org/presentationml/2006/main">
+  <p:cSld>
+    <p:spTree>
+      <p:nvGrpSpPr>
+        <p:cNvPr id="1" name=""/>
+        <p:cNvGrpSpPr/>
+        <p:nvPr/>
+      </p:nvGrpSpPr>
+      <p:grpSpPr>
+        <a:xfrm>
+          <a:off x="0" y="0"/>
+          <a:ext cx="0" cy="0"/>
+          <a:chOff x="0" y="0"/>
+          <a:chExt cx="0" cy="0"/>
+        </a:xfrm>
+      </p:grpSpPr>
+      <p:sp>
+        <p:nvSpPr>
+          <p:cNvPr id="2" name="标题 1"/>
+          <p:cNvSpPr>
+            <a:spLocks noGrp="1"/>
+          </p:cNvSpPr>
+          <p:nvPr>
+            <p:ph type="title"/>
+          </p:nvPr>
+        </p:nvSpPr>
+        <p:spPr/>
+        <p:txBody>
+          <a:bodyPr/>
+          <a:lstStyle/>
+          <a:p>
+            <a:pPr algn="l"/>
+            <a:r>
+              <a:rPr lang="en-US" altLang="zh-CN" dirty="0" smtClean="0"/>
+              <a:t>16.3 </a:t>
+            </a:r>
+            <a:r>
+              <a:rPr lang="zh-CN" altLang="en-US" dirty="0" smtClean="0"/>
+              <a:t>在窗口中画图</a:t>
+            </a:r>
+            <a:endParaRPr lang="zh-CN" altLang="en-US" dirty="0"/>
+          </a:p>
+        </p:txBody>
+      </p:sp>
+      <p:sp>
+        <p:nvSpPr>
+          <p:cNvPr id="3" name="内容占位符 2"/>
+          <p:cNvSpPr>
+            <a:spLocks noGrp="1"/>
+          </p:cNvSpPr>
+          <p:nvPr>
+            <p:ph idx="1"/>
+          </p:nvPr>
+        </p:nvSpPr>
+        <p:spPr>
+          <a:xfrm>
+            <a:off x="457200" y="1600201"/>
+            <a:ext cx="8229600" cy="1684783"/>
+          </a:xfrm>
+        </p:spPr>
+        <p:txBody>
+          <a:bodyPr>
+            <a:normAutofit fontScale="85000" lnSpcReduction="20000"/>
+          </a:bodyPr>
+          <a:lstStyle/>
+          <a:p>
+            <a:pPr>
+              <a:buNone/>
+            </a:pPr>
+            <a:r>
+              <a:rPr lang="zh-CN" altLang="en-US" b="1" dirty="0" smtClean="0"/>
+              <a:t>线宽</a:t>
+            </a:r>
+            <a:r>
+              <a:rPr lang="en-US" altLang="zh-CN" b="1" dirty="0" smtClean="0"/>
+              <a:t>:</a:t>
+            </a:r>
+          </a:p>
+          <a:p>
+            <a:pPr>
+              <a:buNone/>
+            </a:pPr>
+            <a:r>
+              <a:rPr lang="en-US" altLang="zh-CN" dirty="0" smtClean="0"/>
+              <a:t>	</a:t>
+            </a:r>
+            <a:r>
+              <a:rPr lang="zh-CN" altLang="en-US" dirty="0" smtClean="0"/>
+              <a:t>我们</a:t>
+            </a:r>
+            <a:r>
+              <a:rPr lang="zh-CN" altLang="en-US" dirty="0" smtClean="0"/>
+              <a:t>使用的</a:t>
+            </a:r>
+            <a:r>
+              <a:rPr lang="zh-CN" altLang="en-US" dirty="0" smtClean="0"/>
+              <a:t>线宽都是 </a:t>
+            </a:r>
+            <a:r>
+              <a:rPr lang="en-US" altLang="zh-CN" dirty="0" smtClean="0"/>
+              <a:t>0</a:t>
+            </a:r>
+            <a:r>
+              <a:rPr lang="zh-CN" altLang="en-US" dirty="0" smtClean="0"/>
+              <a:t>，这会填充整个形状</a:t>
+            </a:r>
+            <a:r>
+              <a:rPr lang="zh-CN" altLang="en-US" dirty="0" smtClean="0"/>
+              <a:t>。</a:t>
+            </a:r>
+            <a:endParaRPr lang="en-US" altLang="zh-CN" dirty="0" smtClean="0"/>
+          </a:p>
+          <a:p>
+            <a:pPr>
+              <a:buNone/>
+            </a:pPr>
+            <a:r>
+              <a:rPr lang="zh-CN" altLang="en-US" b="1" dirty="0" smtClean="0"/>
+              <a:t>现代</a:t>
+            </a:r>
+            <a:r>
+              <a:rPr lang="zh-CN" altLang="en-US" b="1" dirty="0" smtClean="0"/>
+              <a:t>艺术</a:t>
+            </a:r>
+            <a:r>
+              <a:rPr lang="en-US" altLang="zh-CN" b="1" dirty="0" smtClean="0"/>
+              <a:t>:</a:t>
+            </a:r>
+          </a:p>
+          <a:p>
+            <a:pPr>
+              <a:buNone/>
+            </a:pPr>
+            <a:r>
+              <a:rPr lang="en-US" altLang="zh-CN" b="1" dirty="0" smtClean="0"/>
+              <a:t>	</a:t>
+            </a:r>
+            <a:r>
+              <a:rPr lang="zh-CN" altLang="en-US" dirty="0" smtClean="0"/>
+              <a:t>它</a:t>
+            </a:r>
+            <a:r>
+              <a:rPr lang="zh-CN" altLang="en-US" dirty="0" smtClean="0"/>
+              <a:t>会随机画 </a:t>
+            </a:r>
+            <a:r>
+              <a:rPr lang="en-US" altLang="zh-CN" dirty="0" smtClean="0"/>
+              <a:t>100 </a:t>
+            </a:r>
+            <a:r>
+              <a:rPr lang="zh-CN" altLang="en-US" dirty="0" smtClean="0"/>
+              <a:t>个大小不等、位置不同的矩 形</a:t>
+            </a:r>
+            <a:r>
+              <a:rPr lang="zh-CN" altLang="en-US" dirty="0" smtClean="0"/>
+              <a:t>。</a:t>
+            </a:r>
+            <a:endParaRPr lang="en-US" altLang="zh-CN" b="1" dirty="0" smtClean="0"/>
+          </a:p>
+          <a:p>
+            <a:pPr>
+              <a:buNone/>
+            </a:pPr>
+            <a:endParaRPr lang="zh-CN" altLang="en-US" dirty="0"/>
+          </a:p>
+        </p:txBody>
+      </p:sp>
+      <p:pic>
+        <p:nvPicPr>
+          <p:cNvPr id="2050" name="Picture 2"/>
+          <p:cNvPicPr>
+            <a:picLocks noChangeAspect="1" noChangeArrowheads="1"/>
+          </p:cNvPicPr>
+          <p:nvPr/>
+        </p:nvPicPr>
+        <p:blipFill>
+          <a:blip r:embed="rId2" cstate="print"/>
+          <a:srcRect/>
+          <a:stretch>
+            <a:fillRect/>
+          </a:stretch>
+        </p:blipFill>
+        <p:spPr bwMode="auto">
+          <a:xfrm>
+            <a:off x="3347864" y="3310086"/>
+            <a:ext cx="3635041" cy="2783210"/>
+          </a:xfrm>
+          <a:prstGeom prst="rect">
+            <a:avLst/>
+          </a:prstGeom>
+          <a:noFill/>
+          <a:ln w="9525">
+            <a:noFill/>
+            <a:miter lim="800000"/>
+            <a:headEnd/>
+            <a:tailEnd/>
+          </a:ln>
+        </p:spPr>
+      </p:pic>
+    </p:spTree>
+  </p:cSld>
+  <p:clrMapOvr>
+    <a:masterClrMapping/>
+  </p:clrMapOvr>
+</p:sld>
+</file>
+
+<file path=ppt/slides/slide146.xml><?xml version="1.0" encoding="utf-8"?>
+<p:sld xmlns:a="http://schemas.openxmlformats.org/drawingml/2006/main" xmlns:r="http://schemas.openxmlformats.org/officeDocument/2006/relationships" xmlns:p="http://schemas.openxmlformats.org/presentationml/2006/main">
+  <p:cSld>
+    <p:spTree>
+      <p:nvGrpSpPr>
+        <p:cNvPr id="1" name=""/>
+        <p:cNvGrpSpPr/>
+        <p:nvPr/>
+      </p:nvGrpSpPr>
+      <p:grpSpPr>
+        <a:xfrm>
+          <a:off x="0" y="0"/>
+          <a:ext cx="0" cy="0"/>
+          <a:chOff x="0" y="0"/>
+          <a:chExt cx="0" cy="0"/>
+        </a:xfrm>
+      </p:grpSpPr>
+      <p:sp>
+        <p:nvSpPr>
+          <p:cNvPr id="2" name="标题 1"/>
+          <p:cNvSpPr>
+            <a:spLocks noGrp="1"/>
+          </p:cNvSpPr>
+          <p:nvPr>
+            <p:ph type="title"/>
+          </p:nvPr>
+        </p:nvSpPr>
+        <p:spPr/>
+        <p:txBody>
+          <a:bodyPr/>
+          <a:lstStyle/>
+          <a:p>
+            <a:pPr algn="l"/>
+            <a:r>
+              <a:rPr lang="en-US" altLang="zh-CN" dirty="0" smtClean="0"/>
+              <a:t>16.4</a:t>
+            </a:r>
+            <a:r>
+              <a:rPr lang="zh-CN" altLang="en-US" dirty="0" smtClean="0"/>
+              <a:t> 单个</a:t>
+            </a:r>
+            <a:r>
+              <a:rPr lang="zh-CN" altLang="en-US" dirty="0" smtClean="0"/>
+              <a:t>像素</a:t>
+            </a:r>
+            <a:endParaRPr lang="zh-CN" altLang="en-US" dirty="0"/>
+          </a:p>
+        </p:txBody>
+      </p:sp>
+      <p:sp>
+        <p:nvSpPr>
+          <p:cNvPr id="3" name="内容占位符 2"/>
+          <p:cNvSpPr>
+            <a:spLocks noGrp="1"/>
+          </p:cNvSpPr>
+          <p:nvPr>
+            <p:ph idx="1"/>
+          </p:nvPr>
+        </p:nvSpPr>
+        <p:spPr>
+          <a:xfrm>
+            <a:off x="457200" y="1600201"/>
+            <a:ext cx="8229600" cy="1972815"/>
+          </a:xfrm>
+        </p:spPr>
+        <p:txBody>
+          <a:bodyPr>
+            <a:normAutofit fontScale="85000" lnSpcReduction="20000"/>
+          </a:bodyPr>
+          <a:lstStyle/>
+          <a:p>
+            <a:pPr>
+              <a:buNone/>
+            </a:pPr>
+            <a:r>
+              <a:rPr lang="zh-CN" altLang="en-US" dirty="0" smtClean="0"/>
+              <a:t>有时我们并不想画一个圆或矩形，而是希望画单个的点或像素。比如，我们要 创建数学程序，想画一条正弦曲线</a:t>
+            </a:r>
+            <a:r>
+              <a:rPr lang="zh-CN" altLang="en-US" dirty="0" smtClean="0"/>
+              <a:t>。</a:t>
+            </a:r>
+            <a:endParaRPr lang="en-US" altLang="zh-CN" dirty="0" smtClean="0"/>
+          </a:p>
+          <a:p>
+            <a:pPr>
+              <a:buNone/>
+            </a:pPr>
+            <a:r>
+              <a:rPr lang="zh-CN" altLang="en-US" dirty="0" smtClean="0"/>
+              <a:t>每个</a:t>
+            </a:r>
+            <a:r>
+              <a:rPr lang="zh-CN" altLang="en-US" dirty="0" smtClean="0"/>
+              <a:t>点都是宽和高分别为 </a:t>
+            </a:r>
+            <a:r>
+              <a:rPr lang="en-US" altLang="zh-CN" dirty="0" smtClean="0"/>
+              <a:t>1 </a:t>
+            </a:r>
+            <a:r>
+              <a:rPr lang="zh-CN" altLang="en-US" dirty="0" smtClean="0"/>
+              <a:t>像素的 矩形。注意我们使用的线宽为 </a:t>
+            </a:r>
+            <a:r>
+              <a:rPr lang="en-US" altLang="zh-CN" dirty="0" smtClean="0"/>
+              <a:t>1</a:t>
+            </a:r>
+            <a:r>
+              <a:rPr lang="zh-CN" altLang="en-US" dirty="0" smtClean="0"/>
+              <a:t>，而不是 </a:t>
+            </a:r>
+            <a:r>
+              <a:rPr lang="en-US" altLang="zh-CN" dirty="0" smtClean="0"/>
+              <a:t>0</a:t>
+            </a:r>
+            <a:r>
+              <a:rPr lang="zh-CN" altLang="en-US" dirty="0" smtClean="0"/>
+              <a:t>。</a:t>
+            </a:r>
+            <a:endParaRPr lang="zh-CN" altLang="en-US" dirty="0"/>
+          </a:p>
+        </p:txBody>
+      </p:sp>
+      <p:pic>
+        <p:nvPicPr>
+          <p:cNvPr id="3074" name="Picture 2"/>
+          <p:cNvPicPr>
+            <a:picLocks noChangeAspect="1" noChangeArrowheads="1"/>
+          </p:cNvPicPr>
+          <p:nvPr/>
+        </p:nvPicPr>
+        <p:blipFill>
+          <a:blip r:embed="rId2" cstate="print"/>
+          <a:srcRect/>
+          <a:stretch>
+            <a:fillRect/>
+          </a:stretch>
+        </p:blipFill>
+        <p:spPr bwMode="auto">
+          <a:xfrm>
+            <a:off x="1115616" y="3573016"/>
+            <a:ext cx="6105525" cy="2424113"/>
+          </a:xfrm>
+          <a:prstGeom prst="rect">
+            <a:avLst/>
+          </a:prstGeom>
+          <a:noFill/>
+          <a:ln w="9525">
+            <a:noFill/>
+            <a:miter lim="800000"/>
+            <a:headEnd/>
+            <a:tailEnd/>
+          </a:ln>
+        </p:spPr>
+      </p:pic>
+    </p:spTree>
+  </p:cSld>
+  <p:clrMapOvr>
+    <a:masterClrMapping/>
+  </p:clrMapOvr>
+</p:sld>
+</file>
+
+<file path=ppt/slides/slide147.xml><?xml version="1.0" encoding="utf-8"?>
+<p:sld xmlns:a="http://schemas.openxmlformats.org/drawingml/2006/main" xmlns:r="http://schemas.openxmlformats.org/officeDocument/2006/relationships" xmlns:p="http://schemas.openxmlformats.org/presentationml/2006/main">
+  <p:cSld>
+    <p:spTree>
+      <p:nvGrpSpPr>
+        <p:cNvPr id="1" name=""/>
+        <p:cNvGrpSpPr/>
+        <p:nvPr/>
+      </p:nvGrpSpPr>
+      <p:grpSpPr>
+        <a:xfrm>
+          <a:off x="0" y="0"/>
+          <a:ext cx="0" cy="0"/>
+          <a:chOff x="0" y="0"/>
+          <a:chExt cx="0" cy="0"/>
+        </a:xfrm>
+      </p:grpSpPr>
+      <p:sp>
+        <p:nvSpPr>
+          <p:cNvPr id="2" name="标题 1"/>
+          <p:cNvSpPr>
+            <a:spLocks noGrp="1"/>
+          </p:cNvSpPr>
+          <p:nvPr>
+            <p:ph type="title"/>
+          </p:nvPr>
+        </p:nvSpPr>
+        <p:spPr/>
+        <p:txBody>
+          <a:bodyPr/>
+          <a:lstStyle/>
+          <a:p>
+            <a:pPr algn="l"/>
+            <a:r>
+              <a:rPr lang="en-US" altLang="zh-CN" dirty="0" smtClean="0"/>
+              <a:t>16.5</a:t>
+            </a:r>
+            <a:r>
+              <a:rPr lang="zh-CN" altLang="en-US" dirty="0" smtClean="0"/>
+              <a:t> 图像</a:t>
+            </a:r>
+            <a:endParaRPr lang="zh-CN" altLang="en-US" dirty="0"/>
+          </a:p>
+        </p:txBody>
+      </p:sp>
+      <p:sp>
+        <p:nvSpPr>
+          <p:cNvPr id="3" name="内容占位符 2"/>
+          <p:cNvSpPr>
+            <a:spLocks noGrp="1"/>
+          </p:cNvSpPr>
+          <p:nvPr>
+            <p:ph idx="1"/>
+          </p:nvPr>
+        </p:nvSpPr>
+        <p:spPr/>
+        <p:txBody>
+          <a:bodyPr>
+            <a:normAutofit fontScale="85000" lnSpcReduction="20000"/>
+          </a:bodyPr>
+          <a:lstStyle/>
+          <a:p>
+            <a:pPr>
+              <a:buNone/>
+            </a:pPr>
+            <a:r>
+              <a:rPr lang="zh-CN" altLang="en-US" dirty="0" smtClean="0"/>
+              <a:t>在屏幕上画形状、线和单个像素只是制作图形的一种方式。有时我们还想用从 别处得来的图片、可能是数码照片、从网上下载的图片或者在图像编辑程序中创建 的图片。在 </a:t>
+            </a:r>
+            <a:r>
+              <a:rPr lang="en-US" altLang="zh-CN" dirty="0" err="1" smtClean="0"/>
+              <a:t>Pygame</a:t>
+            </a:r>
+            <a:r>
+              <a:rPr lang="en-US" altLang="zh-CN" dirty="0" smtClean="0"/>
+              <a:t> </a:t>
+            </a:r>
+            <a:r>
+              <a:rPr lang="zh-CN" altLang="en-US" dirty="0" smtClean="0"/>
+              <a:t>中，使用图像最简单的方法就是利用 </a:t>
+            </a:r>
+            <a:r>
+              <a:rPr lang="en-US" altLang="zh-CN" dirty="0" smtClean="0"/>
+              <a:t>image </a:t>
+            </a:r>
+            <a:r>
+              <a:rPr lang="zh-CN" altLang="en-US" dirty="0" smtClean="0"/>
+              <a:t>函数</a:t>
+            </a:r>
+            <a:r>
+              <a:rPr lang="zh-CN" altLang="en-US" dirty="0" smtClean="0"/>
+              <a:t>。</a:t>
+            </a:r>
+            <a:endParaRPr lang="en-US" altLang="zh-CN" dirty="0" smtClean="0"/>
+          </a:p>
+          <a:p>
+            <a:pPr>
+              <a:buNone/>
+            </a:pPr>
+            <a:r>
+              <a:rPr lang="en-US" altLang="zh-CN" dirty="0" err="1" smtClean="0"/>
+              <a:t>pygame.image</a:t>
+            </a:r>
+            <a:r>
+              <a:rPr lang="en-US" altLang="zh-CN" dirty="0" smtClean="0"/>
+              <a:t>. load() </a:t>
+            </a:r>
+            <a:r>
+              <a:rPr lang="zh-CN" altLang="en-US" dirty="0" smtClean="0"/>
+              <a:t>函数从硬盘加载一个图像，并创建一个名为 </a:t>
+            </a:r>
+            <a:r>
+              <a:rPr lang="en-US" altLang="zh-CN" dirty="0" err="1" smtClean="0"/>
+              <a:t>my_ball</a:t>
+            </a:r>
+            <a:r>
+              <a:rPr lang="en-US" altLang="zh-CN" dirty="0" smtClean="0"/>
+              <a:t> </a:t>
+            </a:r>
+            <a:r>
+              <a:rPr lang="zh-CN" altLang="en-US" dirty="0" smtClean="0"/>
+              <a:t>的对象。</a:t>
+            </a:r>
+            <a:r>
+              <a:rPr lang="en-US" altLang="zh-CN" dirty="0" err="1" smtClean="0"/>
+              <a:t>my_ball</a:t>
+            </a:r>
+            <a:r>
+              <a:rPr lang="en-US" altLang="zh-CN" dirty="0" smtClean="0"/>
+              <a:t> </a:t>
+            </a:r>
+            <a:r>
+              <a:rPr lang="zh-CN" altLang="en-US" dirty="0" smtClean="0"/>
+              <a:t>对象 是一个表面（前面讨论过表面）。不过我们看不到这个表面，它只在内存中。我们唯 一能看到的表面是显示表面，名为 </a:t>
+            </a:r>
+            <a:r>
+              <a:rPr lang="en-US" altLang="zh-CN" dirty="0" smtClean="0"/>
+              <a:t>screen</a:t>
+            </a:r>
+            <a:r>
+              <a:rPr lang="zh-CN" altLang="en-US" dirty="0" smtClean="0"/>
+              <a:t>（这在第 </a:t>
+            </a:r>
+            <a:r>
+              <a:rPr lang="en-US" altLang="zh-CN" dirty="0" smtClean="0"/>
+              <a:t>3 </a:t>
+            </a:r>
+            <a:r>
+              <a:rPr lang="zh-CN" altLang="en-US" dirty="0" smtClean="0"/>
+              <a:t>行创建）。第 </a:t>
+            </a:r>
+            <a:r>
+              <a:rPr lang="en-US" altLang="zh-CN" dirty="0" smtClean="0"/>
+              <a:t>6 </a:t>
+            </a:r>
+            <a:r>
+              <a:rPr lang="zh-CN" altLang="en-US" dirty="0" smtClean="0"/>
+              <a:t>行把 </a:t>
+            </a:r>
+            <a:r>
+              <a:rPr lang="en-US" altLang="zh-CN" dirty="0" err="1" smtClean="0"/>
+              <a:t>my_ball</a:t>
+            </a:r>
+            <a:r>
+              <a:rPr lang="en-US" altLang="zh-CN" dirty="0" smtClean="0"/>
+              <a:t> </a:t>
+            </a:r>
+            <a:r>
+              <a:rPr lang="zh-CN" altLang="en-US" dirty="0" smtClean="0"/>
+              <a:t>表面复制到 </a:t>
+            </a:r>
+            <a:r>
+              <a:rPr lang="en-US" altLang="zh-CN" dirty="0" smtClean="0"/>
+              <a:t>screen </a:t>
+            </a:r>
+            <a:r>
+              <a:rPr lang="zh-CN" altLang="en-US" dirty="0" smtClean="0"/>
+              <a:t>表面上。然后像前面一样，通过 </a:t>
+            </a:r>
+            <a:r>
+              <a:rPr lang="en-US" altLang="zh-CN" dirty="0" err="1" smtClean="0"/>
+              <a:t>display.flip</a:t>
+            </a:r>
+            <a:r>
+              <a:rPr lang="en-US" altLang="zh-CN" dirty="0" smtClean="0"/>
+              <a:t>() </a:t>
+            </a:r>
+            <a:r>
+              <a:rPr lang="zh-CN" altLang="en-US" dirty="0" smtClean="0"/>
+              <a:t>调用使它可见。</a:t>
+            </a:r>
+            <a:endParaRPr lang="zh-CN" altLang="en-US" dirty="0"/>
+          </a:p>
+        </p:txBody>
+      </p:sp>
+    </p:spTree>
+  </p:cSld>
+  <p:clrMapOvr>
+    <a:masterClrMapping/>
+  </p:clrMapOvr>
+</p:sld>
+</file>
+
+<file path=ppt/slides/slide148.xml><?xml version="1.0" encoding="utf-8"?>
+<p:sld xmlns:a="http://schemas.openxmlformats.org/drawingml/2006/main" xmlns:r="http://schemas.openxmlformats.org/officeDocument/2006/relationships" xmlns:p="http://schemas.openxmlformats.org/presentationml/2006/main">
+  <p:cSld>
+    <p:spTree>
+      <p:nvGrpSpPr>
+        <p:cNvPr id="1" name=""/>
+        <p:cNvGrpSpPr/>
+        <p:nvPr/>
+      </p:nvGrpSpPr>
+      <p:grpSpPr>
+        <a:xfrm>
+          <a:off x="0" y="0"/>
+          <a:ext cx="0" cy="0"/>
+          <a:chOff x="0" y="0"/>
+          <a:chExt cx="0" cy="0"/>
+        </a:xfrm>
+      </p:grpSpPr>
+      <p:sp>
+        <p:nvSpPr>
+          <p:cNvPr id="2" name="标题 1"/>
+          <p:cNvSpPr>
+            <a:spLocks noGrp="1"/>
+          </p:cNvSpPr>
+          <p:nvPr>
+            <p:ph type="title"/>
+          </p:nvPr>
+        </p:nvSpPr>
+        <p:spPr/>
+        <p:txBody>
+          <a:bodyPr/>
+          <a:lstStyle/>
+          <a:p>
+            <a:pPr algn="l"/>
+            <a:r>
+              <a:rPr lang="en-US" altLang="zh-CN" dirty="0" smtClean="0"/>
+              <a:t>16.6</a:t>
+            </a:r>
+            <a:r>
+              <a:rPr lang="zh-CN" altLang="en-US" dirty="0" smtClean="0"/>
+              <a:t> 动</a:t>
+            </a:r>
+            <a:r>
+              <a:rPr lang="zh-CN" altLang="en-US" dirty="0" smtClean="0"/>
+              <a:t>起来</a:t>
+            </a:r>
+            <a:endParaRPr lang="zh-CN" altLang="en-US" dirty="0"/>
+          </a:p>
+        </p:txBody>
+      </p:sp>
+      <p:sp>
+        <p:nvSpPr>
+          <p:cNvPr id="3" name="内容占位符 2"/>
+          <p:cNvSpPr>
+            <a:spLocks noGrp="1"/>
+          </p:cNvSpPr>
+          <p:nvPr>
+            <p:ph idx="1"/>
+          </p:nvPr>
+        </p:nvSpPr>
+        <p:spPr/>
+        <p:txBody>
+          <a:bodyPr>
+            <a:normAutofit lnSpcReduction="10000"/>
+          </a:bodyPr>
+          <a:lstStyle/>
+          <a:p>
+            <a:pPr>
+              <a:buNone/>
+            </a:pPr>
+            <a:r>
+              <a:rPr lang="zh-CN" altLang="en-US" dirty="0" smtClean="0"/>
+              <a:t>要移动沙滩球，就要改变它的位置。首先，先试着左右移动。为了确保能看到它 的运动，下面把它向右移动 </a:t>
+            </a:r>
+            <a:r>
+              <a:rPr lang="en-US" altLang="zh-CN" dirty="0" smtClean="0"/>
+              <a:t>100 </a:t>
+            </a:r>
+            <a:r>
+              <a:rPr lang="zh-CN" altLang="en-US" dirty="0" smtClean="0"/>
+              <a:t>像素。在指定位置的一对数中，第一个数对应左右方 向（水平方向），所以要向右移动 </a:t>
+            </a:r>
+            <a:r>
+              <a:rPr lang="en-US" altLang="zh-CN" dirty="0" smtClean="0"/>
+              <a:t>100 </a:t>
+            </a:r>
+            <a:r>
+              <a:rPr lang="zh-CN" altLang="en-US" dirty="0" smtClean="0"/>
+              <a:t>像素，需要把第一个数增加 </a:t>
+            </a:r>
+            <a:r>
+              <a:rPr lang="en-US" altLang="zh-CN" dirty="0" smtClean="0"/>
+              <a:t>100</a:t>
+            </a:r>
+            <a:r>
+              <a:rPr lang="zh-CN" altLang="en-US" dirty="0" smtClean="0"/>
+              <a:t>。</a:t>
+            </a:r>
+            <a:endParaRPr lang="en-US" altLang="zh-CN" dirty="0" smtClean="0"/>
+          </a:p>
+          <a:p>
+            <a:pPr>
+              <a:buNone/>
+            </a:pPr>
+            <a:r>
+              <a:rPr lang="en-US" altLang="zh-CN" dirty="0" smtClean="0"/>
+              <a:t>	</a:t>
+            </a:r>
+            <a:r>
+              <a:rPr lang="en-US" altLang="zh-CN" dirty="0" err="1" smtClean="0"/>
+              <a:t>pygame.time.delay</a:t>
+            </a:r>
+            <a:r>
+              <a:rPr lang="en-US" altLang="zh-CN" dirty="0" smtClean="0"/>
+              <a:t>(2000</a:t>
+            </a:r>
+            <a:r>
+              <a:rPr lang="en-US" altLang="zh-CN" dirty="0" smtClean="0"/>
+              <a:t>) </a:t>
+            </a:r>
+            <a:r>
+              <a:rPr lang="en-US" altLang="zh-CN" dirty="0" err="1" smtClean="0"/>
+              <a:t>screen.blit</a:t>
+            </a:r>
+            <a:r>
+              <a:rPr lang="en-US" altLang="zh-CN" dirty="0" smtClean="0"/>
+              <a:t>(</a:t>
+            </a:r>
+            <a:r>
+              <a:rPr lang="en-US" altLang="zh-CN" dirty="0" err="1" smtClean="0"/>
+              <a:t>my_ball</a:t>
+            </a:r>
+            <a:r>
+              <a:rPr lang="en-US" altLang="zh-CN" dirty="0" smtClean="0"/>
+              <a:t>,[150, 50]) </a:t>
+            </a:r>
+            <a:r>
+              <a:rPr lang="en-US" altLang="zh-CN" dirty="0" err="1" smtClean="0"/>
+              <a:t>pygame.display.flip</a:t>
+            </a:r>
+            <a:r>
+              <a:rPr lang="en-US" altLang="zh-CN" dirty="0" smtClean="0"/>
+              <a:t>() </a:t>
+            </a:r>
+            <a:endParaRPr lang="zh-CN" altLang="en-US" dirty="0"/>
+          </a:p>
+        </p:txBody>
+      </p:sp>
+    </p:spTree>
+  </p:cSld>
+  <p:clrMapOvr>
+    <a:masterClrMapping/>
+  </p:clrMapOvr>
+</p:sld>
+</file>
+
+<file path=ppt/slides/slide149.xml><?xml version="1.0" encoding="utf-8"?>
+<p:sld xmlns:a="http://schemas.openxmlformats.org/drawingml/2006/main" xmlns:r="http://schemas.openxmlformats.org/officeDocument/2006/relationships" xmlns:p="http://schemas.openxmlformats.org/presentationml/2006/main">
+  <p:cSld>
+    <p:spTree>
+      <p:nvGrpSpPr>
+        <p:cNvPr id="1" name=""/>
+        <p:cNvGrpSpPr/>
+        <p:nvPr/>
+      </p:nvGrpSpPr>
+      <p:grpSpPr>
+        <a:xfrm>
+          <a:off x="0" y="0"/>
+          <a:ext cx="0" cy="0"/>
+          <a:chOff x="0" y="0"/>
+          <a:chExt cx="0" cy="0"/>
+        </a:xfrm>
+      </p:grpSpPr>
+      <p:sp>
+        <p:nvSpPr>
+          <p:cNvPr id="2" name="标题 1"/>
+          <p:cNvSpPr>
+            <a:spLocks noGrp="1"/>
+          </p:cNvSpPr>
+          <p:nvPr>
+            <p:ph type="title"/>
+          </p:nvPr>
+        </p:nvSpPr>
+        <p:spPr/>
+        <p:txBody>
+          <a:bodyPr/>
+          <a:lstStyle/>
+          <a:p>
+            <a:pPr algn="l"/>
+            <a:r>
+              <a:rPr lang="en-US" altLang="zh-CN" dirty="0" smtClean="0"/>
+              <a:t>16.7</a:t>
+            </a:r>
+            <a:r>
+              <a:rPr lang="zh-CN" altLang="en-US" dirty="0" smtClean="0"/>
+              <a:t> 动画</a:t>
+            </a:r>
+            <a:endParaRPr lang="zh-CN" altLang="en-US" dirty="0"/>
+          </a:p>
+        </p:txBody>
+      </p:sp>
+      <p:sp>
+        <p:nvSpPr>
+          <p:cNvPr id="3" name="内容占位符 2"/>
+          <p:cNvSpPr>
+            <a:spLocks noGrp="1"/>
+          </p:cNvSpPr>
+          <p:nvPr>
+            <p:ph idx="1"/>
+          </p:nvPr>
+        </p:nvSpPr>
+        <p:spPr/>
+        <p:txBody>
+          <a:bodyPr>
+            <a:normAutofit fontScale="92500" lnSpcReduction="20000"/>
+          </a:bodyPr>
+          <a:lstStyle/>
+          <a:p>
+            <a:pPr>
+              <a:buNone/>
+            </a:pPr>
+            <a:r>
+              <a:rPr lang="zh-CN" altLang="en-US" b="1" dirty="0" smtClean="0"/>
+              <a:t>利用计算机图形做动画时，移动一个东西要完成两个步骤</a:t>
+            </a:r>
+            <a:r>
+              <a:rPr lang="zh-CN" altLang="en-US" dirty="0" smtClean="0"/>
+              <a:t>。 </a:t>
+            </a:r>
+            <a:endParaRPr lang="en-US" altLang="zh-CN" dirty="0" smtClean="0"/>
+          </a:p>
+          <a:p>
+            <a:pPr>
+              <a:buNone/>
+            </a:pPr>
+            <a:r>
+              <a:rPr lang="en-US" altLang="zh-CN" dirty="0" smtClean="0"/>
+              <a:t>	</a:t>
+            </a:r>
+            <a:r>
+              <a:rPr lang="en-US" altLang="zh-CN" dirty="0" smtClean="0"/>
+              <a:t>(</a:t>
+            </a:r>
+            <a:r>
+              <a:rPr lang="en-US" altLang="zh-CN" dirty="0" smtClean="0"/>
+              <a:t>1) </a:t>
+            </a:r>
+            <a:r>
+              <a:rPr lang="zh-CN" altLang="en-US" dirty="0" smtClean="0"/>
+              <a:t>在新的位置上画出图形</a:t>
+            </a:r>
+            <a:r>
+              <a:rPr lang="zh-CN" altLang="en-US" dirty="0" smtClean="0"/>
+              <a:t>。</a:t>
+            </a:r>
+            <a:endParaRPr lang="en-US" altLang="zh-CN" dirty="0" smtClean="0"/>
+          </a:p>
+          <a:p>
+            <a:pPr>
+              <a:buNone/>
+            </a:pPr>
+            <a:r>
+              <a:rPr lang="en-US" altLang="zh-CN" dirty="0" smtClean="0"/>
+              <a:t> </a:t>
+            </a:r>
+            <a:r>
+              <a:rPr lang="en-US" altLang="zh-CN" dirty="0" smtClean="0"/>
+              <a:t>  </a:t>
+            </a:r>
+            <a:r>
+              <a:rPr lang="zh-CN" altLang="en-US" dirty="0" smtClean="0"/>
+              <a:t> </a:t>
+            </a:r>
+            <a:r>
+              <a:rPr lang="en-US" altLang="zh-CN" dirty="0" smtClean="0"/>
+              <a:t>(2) </a:t>
+            </a:r>
+            <a:r>
+              <a:rPr lang="zh-CN" altLang="en-US" dirty="0" smtClean="0"/>
+              <a:t>把原来的图形擦掉</a:t>
+            </a:r>
+            <a:r>
+              <a:rPr lang="zh-CN" altLang="en-US" dirty="0" smtClean="0"/>
+              <a:t>。</a:t>
+            </a:r>
+            <a:endParaRPr lang="en-US" altLang="zh-CN" dirty="0" smtClean="0"/>
+          </a:p>
+          <a:p>
+            <a:pPr>
+              <a:buNone/>
+            </a:pPr>
+            <a:r>
+              <a:rPr lang="zh-CN" altLang="en-US" b="1" dirty="0" smtClean="0"/>
+              <a:t>擦掉</a:t>
+            </a:r>
+            <a:r>
+              <a:rPr lang="zh-CN" altLang="en-US" b="1" dirty="0" smtClean="0"/>
+              <a:t>图像</a:t>
+            </a:r>
+            <a:endParaRPr lang="en-US" altLang="zh-CN" b="1" dirty="0" smtClean="0"/>
+          </a:p>
+          <a:p>
+            <a:pPr>
+              <a:buNone/>
+            </a:pPr>
+            <a:r>
+              <a:rPr lang="en-US" altLang="zh-CN" dirty="0" smtClean="0"/>
+              <a:t>	</a:t>
+            </a:r>
+            <a:r>
+              <a:rPr lang="zh-CN" altLang="en-US" dirty="0" smtClean="0"/>
+              <a:t>在第一个沙滩球上画了一个白色</a:t>
+            </a:r>
+            <a:r>
+              <a:rPr lang="zh-CN" altLang="en-US" dirty="0" smtClean="0"/>
+              <a:t>矩形</a:t>
+            </a:r>
+            <a:r>
+              <a:rPr lang="en-US" altLang="zh-CN" dirty="0" smtClean="0"/>
+              <a:t>,</a:t>
+            </a:r>
+            <a:r>
+              <a:rPr lang="zh-CN" altLang="en-US" dirty="0" smtClean="0"/>
+              <a:t>覆盖原来的图像</a:t>
+            </a:r>
+            <a:endParaRPr lang="en-US" altLang="zh-CN" dirty="0" smtClean="0"/>
+          </a:p>
+          <a:p>
+            <a:pPr>
+              <a:buNone/>
+            </a:pPr>
+            <a:r>
+              <a:rPr lang="zh-CN" altLang="en-US" b="1" dirty="0" smtClean="0"/>
+              <a:t>底下有</a:t>
+            </a:r>
+            <a:r>
+              <a:rPr lang="zh-CN" altLang="en-US" b="1" dirty="0" smtClean="0"/>
+              <a:t>什么</a:t>
+            </a:r>
+            <a:endParaRPr lang="en-US" altLang="zh-CN" b="1" dirty="0" smtClean="0"/>
+          </a:p>
+          <a:p>
+            <a:pPr>
+              <a:buNone/>
+            </a:pPr>
+            <a:r>
+              <a:rPr lang="en-US" altLang="zh-CN" dirty="0" smtClean="0"/>
+              <a:t>	</a:t>
+            </a:r>
+            <a:r>
+              <a:rPr lang="zh-CN" altLang="en-US" dirty="0" smtClean="0"/>
+              <a:t>如果要擦掉的内容下面不是纯色的，就比较困难</a:t>
+            </a:r>
+            <a:endParaRPr lang="zh-CN" altLang="en-US" dirty="0"/>
+          </a:p>
+        </p:txBody>
+      </p:sp>
+    </p:spTree>
+  </p:cSld>
+  <p:clrMapOvr>
+    <a:masterClrMapping/>
+  </p:clrMapOvr>
 </p:sld>
 </file>
 
@@ -9510,6 +11353,509 @@
       </p:par>
     </p:tnLst>
   </p:timing>
+</p:sld>
+</file>
+
+<file path=ppt/slides/slide150.xml><?xml version="1.0" encoding="utf-8"?>
+<p:sld xmlns:a="http://schemas.openxmlformats.org/drawingml/2006/main" xmlns:r="http://schemas.openxmlformats.org/officeDocument/2006/relationships" xmlns:p="http://schemas.openxmlformats.org/presentationml/2006/main">
+  <p:cSld>
+    <p:spTree>
+      <p:nvGrpSpPr>
+        <p:cNvPr id="1" name=""/>
+        <p:cNvGrpSpPr/>
+        <p:nvPr/>
+      </p:nvGrpSpPr>
+      <p:grpSpPr>
+        <a:xfrm>
+          <a:off x="0" y="0"/>
+          <a:ext cx="0" cy="0"/>
+          <a:chOff x="0" y="0"/>
+          <a:chExt cx="0" cy="0"/>
+        </a:xfrm>
+      </p:grpSpPr>
+      <p:sp>
+        <p:nvSpPr>
+          <p:cNvPr id="2" name="标题 1"/>
+          <p:cNvSpPr>
+            <a:spLocks noGrp="1"/>
+          </p:cNvSpPr>
+          <p:nvPr>
+            <p:ph type="title"/>
+          </p:nvPr>
+        </p:nvSpPr>
+        <p:spPr/>
+        <p:txBody>
+          <a:bodyPr/>
+          <a:lstStyle/>
+          <a:p>
+            <a:pPr algn="l"/>
+            <a:r>
+              <a:rPr lang="en-US" altLang="zh-CN" dirty="0" smtClean="0"/>
+              <a:t>16.8</a:t>
+            </a:r>
+            <a:r>
+              <a:rPr lang="zh-CN" altLang="en-US" dirty="0" smtClean="0"/>
+              <a:t> 让</a:t>
+            </a:r>
+            <a:r>
+              <a:rPr lang="zh-CN" altLang="en-US" dirty="0" smtClean="0"/>
+              <a:t>球反弹</a:t>
+            </a:r>
+            <a:endParaRPr lang="zh-CN" altLang="en-US" dirty="0"/>
+          </a:p>
+        </p:txBody>
+      </p:sp>
+      <p:sp>
+        <p:nvSpPr>
+          <p:cNvPr id="3" name="内容占位符 2"/>
+          <p:cNvSpPr>
+            <a:spLocks noGrp="1"/>
+          </p:cNvSpPr>
+          <p:nvPr>
+            <p:ph idx="1"/>
+          </p:nvPr>
+        </p:nvSpPr>
+        <p:spPr/>
+        <p:txBody>
+          <a:bodyPr>
+            <a:normAutofit/>
+          </a:bodyPr>
+          <a:lstStyle/>
+          <a:p>
+            <a:pPr>
+              <a:buNone/>
+            </a:pPr>
+            <a:r>
+              <a:rPr lang="zh-CN" altLang="en-US" b="1" dirty="0" smtClean="0"/>
+              <a:t>在</a:t>
+            </a:r>
+            <a:r>
+              <a:rPr lang="zh-CN" altLang="en-US" b="1" dirty="0" smtClean="0"/>
+              <a:t>左边界</a:t>
+            </a:r>
+            <a:r>
+              <a:rPr lang="zh-CN" altLang="en-US" dirty="0" smtClean="0"/>
+              <a:t>，这很容易，因为我们只需要检查球的位置是不是等于 </a:t>
+            </a:r>
+            <a:r>
+              <a:rPr lang="en-US" altLang="zh-CN" dirty="0" smtClean="0"/>
+              <a:t>0</a:t>
+            </a:r>
+            <a:r>
+              <a:rPr lang="zh-CN" altLang="en-US" dirty="0" smtClean="0"/>
+              <a:t>。 </a:t>
+            </a:r>
+            <a:endParaRPr lang="en-US" altLang="zh-CN" dirty="0" smtClean="0"/>
+          </a:p>
+          <a:p>
+            <a:pPr>
+              <a:buNone/>
+            </a:pPr>
+            <a:r>
+              <a:rPr lang="zh-CN" altLang="en-US" b="1" dirty="0" smtClean="0"/>
+              <a:t>在</a:t>
+            </a:r>
+            <a:r>
+              <a:rPr lang="zh-CN" altLang="en-US" b="1" dirty="0" smtClean="0"/>
+              <a:t>右边界</a:t>
+            </a:r>
+            <a:r>
+              <a:rPr lang="zh-CN" altLang="en-US" dirty="0" smtClean="0"/>
+              <a:t>，就要查看球的右边界是不是在窗口的右边界上。不过，球的位置是 按它的左边界（左上角）而不是右边界设置的。所以必须减去球的</a:t>
+            </a:r>
+            <a:r>
+              <a:rPr lang="zh-CN" altLang="en-US" dirty="0" smtClean="0"/>
+              <a:t>宽度</a:t>
+            </a:r>
+            <a:endParaRPr lang="en-US" altLang="zh-CN" dirty="0" smtClean="0"/>
+          </a:p>
+          <a:p>
+            <a:pPr>
+              <a:buNone/>
+            </a:pPr>
+            <a:r>
+              <a:rPr lang="zh-CN" altLang="en-US" b="1" dirty="0" smtClean="0"/>
+              <a:t>在 </a:t>
+            </a:r>
+            <a:r>
+              <a:rPr lang="en-US" altLang="zh-CN" b="1" dirty="0" smtClean="0"/>
+              <a:t>2D </a:t>
+            </a:r>
+            <a:r>
+              <a:rPr lang="zh-CN" altLang="en-US" b="1" dirty="0" smtClean="0"/>
+              <a:t>空间中</a:t>
+            </a:r>
+            <a:r>
+              <a:rPr lang="zh-CN" altLang="en-US" b="1" dirty="0" smtClean="0"/>
+              <a:t>反弹，</a:t>
+            </a:r>
+            <a:r>
+              <a:rPr lang="zh-CN" altLang="en-US" dirty="0" smtClean="0"/>
+              <a:t>现在，让 它</a:t>
+            </a:r>
+            <a:r>
+              <a:rPr lang="zh-CN" altLang="en-US" dirty="0" smtClean="0"/>
+              <a:t>同时上下、左右移动</a:t>
+            </a:r>
+            <a:r>
+              <a:rPr lang="zh-CN" altLang="en-US" dirty="0" smtClean="0"/>
+              <a:t>。</a:t>
+            </a:r>
+            <a:endParaRPr lang="zh-CN" altLang="en-US" b="1" dirty="0"/>
+          </a:p>
+        </p:txBody>
+      </p:sp>
+    </p:spTree>
+  </p:cSld>
+  <p:clrMapOvr>
+    <a:masterClrMapping/>
+  </p:clrMapOvr>
+</p:sld>
+</file>
+
+<file path=ppt/slides/slide151.xml><?xml version="1.0" encoding="utf-8"?>
+<p:sld xmlns:a="http://schemas.openxmlformats.org/drawingml/2006/main" xmlns:r="http://schemas.openxmlformats.org/officeDocument/2006/relationships" xmlns:p="http://schemas.openxmlformats.org/presentationml/2006/main">
+  <p:cSld>
+    <p:spTree>
+      <p:nvGrpSpPr>
+        <p:cNvPr id="1" name=""/>
+        <p:cNvGrpSpPr/>
+        <p:nvPr/>
+      </p:nvGrpSpPr>
+      <p:grpSpPr>
+        <a:xfrm>
+          <a:off x="0" y="0"/>
+          <a:ext cx="0" cy="0"/>
+          <a:chOff x="0" y="0"/>
+          <a:chExt cx="0" cy="0"/>
+        </a:xfrm>
+      </p:grpSpPr>
+      <p:sp>
+        <p:nvSpPr>
+          <p:cNvPr id="2" name="标题 1"/>
+          <p:cNvSpPr>
+            <a:spLocks noGrp="1"/>
+          </p:cNvSpPr>
+          <p:nvPr>
+            <p:ph type="title"/>
+          </p:nvPr>
+        </p:nvSpPr>
+        <p:spPr/>
+        <p:txBody>
+          <a:bodyPr/>
+          <a:lstStyle/>
+          <a:p>
+            <a:pPr algn="l"/>
+            <a:r>
+              <a:rPr lang="zh-CN" altLang="en-US" dirty="0" smtClean="0"/>
+              <a:t>测试题</a:t>
+            </a:r>
+            <a:endParaRPr lang="zh-CN" altLang="en-US" dirty="0"/>
+          </a:p>
+        </p:txBody>
+      </p:sp>
+      <p:sp>
+        <p:nvSpPr>
+          <p:cNvPr id="3" name="内容占位符 2"/>
+          <p:cNvSpPr>
+            <a:spLocks noGrp="1"/>
+          </p:cNvSpPr>
+          <p:nvPr>
+            <p:ph idx="1"/>
+          </p:nvPr>
+        </p:nvSpPr>
+        <p:spPr/>
+        <p:txBody>
+          <a:bodyPr>
+            <a:normAutofit/>
+          </a:bodyPr>
+          <a:lstStyle/>
+          <a:p>
+            <a:pPr marL="514350" indent="-514350">
+              <a:buAutoNum type="arabicPeriod"/>
+            </a:pPr>
+            <a:r>
+              <a:rPr lang="en-US" altLang="zh-CN" dirty="0" smtClean="0"/>
+              <a:t>RGB </a:t>
+            </a:r>
+            <a:r>
+              <a:rPr lang="zh-CN" altLang="en-US" dirty="0" smtClean="0"/>
+              <a:t>值 </a:t>
+            </a:r>
+            <a:r>
+              <a:rPr lang="en-US" altLang="zh-CN" dirty="0" smtClean="0"/>
+              <a:t>[255, 255, 255] </a:t>
+            </a:r>
+            <a:r>
+              <a:rPr lang="zh-CN" altLang="en-US" dirty="0" smtClean="0"/>
+              <a:t>会得到什么颜色？ </a:t>
+            </a:r>
+            <a:endParaRPr lang="en-US" altLang="zh-CN" dirty="0" smtClean="0"/>
+          </a:p>
+          <a:p>
+            <a:pPr marL="514350" indent="-514350">
+              <a:buAutoNum type="arabicPeriod"/>
+            </a:pPr>
+            <a:r>
+              <a:rPr lang="en-US" altLang="zh-CN" dirty="0" smtClean="0"/>
+              <a:t>RGB </a:t>
+            </a:r>
+            <a:r>
+              <a:rPr lang="zh-CN" altLang="en-US" dirty="0" smtClean="0"/>
+              <a:t>值 </a:t>
+            </a:r>
+            <a:r>
+              <a:rPr lang="en-US" altLang="zh-CN" dirty="0" smtClean="0"/>
+              <a:t>[0, 255, 0] </a:t>
+            </a:r>
+            <a:r>
+              <a:rPr lang="zh-CN" altLang="en-US" dirty="0" smtClean="0"/>
+              <a:t>会得到什么颜色？ </a:t>
+            </a:r>
+            <a:endParaRPr lang="en-US" altLang="zh-CN" dirty="0" smtClean="0"/>
+          </a:p>
+          <a:p>
+            <a:pPr marL="514350" indent="-514350">
+              <a:buAutoNum type="arabicPeriod"/>
+            </a:pPr>
+            <a:r>
+              <a:rPr lang="zh-CN" altLang="en-US" dirty="0" smtClean="0"/>
+              <a:t>使用</a:t>
+            </a:r>
+            <a:r>
+              <a:rPr lang="zh-CN" altLang="en-US" dirty="0" smtClean="0"/>
+              <a:t>哪个 </a:t>
+            </a:r>
+            <a:r>
+              <a:rPr lang="en-US" altLang="zh-CN" dirty="0" err="1" smtClean="0"/>
+              <a:t>Pygame</a:t>
+            </a:r>
+            <a:r>
+              <a:rPr lang="en-US" altLang="zh-CN" dirty="0" smtClean="0"/>
+              <a:t> </a:t>
+            </a:r>
+            <a:r>
+              <a:rPr lang="zh-CN" altLang="en-US" dirty="0" smtClean="0"/>
+              <a:t>方法来画矩形？ </a:t>
+            </a:r>
+            <a:endParaRPr lang="en-US" altLang="zh-CN" dirty="0" smtClean="0"/>
+          </a:p>
+          <a:p>
+            <a:pPr marL="514350" indent="-514350">
+              <a:buAutoNum type="arabicPeriod"/>
+            </a:pPr>
+            <a:r>
+              <a:rPr lang="zh-CN" altLang="en-US" dirty="0" smtClean="0"/>
+              <a:t>使用</a:t>
+            </a:r>
+            <a:r>
+              <a:rPr lang="zh-CN" altLang="en-US" dirty="0" smtClean="0"/>
+              <a:t>哪个 </a:t>
+            </a:r>
+            <a:r>
+              <a:rPr lang="en-US" altLang="zh-CN" dirty="0" err="1" smtClean="0"/>
+              <a:t>Pygame</a:t>
+            </a:r>
+            <a:r>
+              <a:rPr lang="en-US" altLang="zh-CN" dirty="0" smtClean="0"/>
+              <a:t> </a:t>
+            </a:r>
+            <a:r>
+              <a:rPr lang="zh-CN" altLang="en-US" dirty="0" smtClean="0"/>
+              <a:t>方法来画线将多个点连接在一起？ </a:t>
+            </a:r>
+            <a:endParaRPr lang="en-US" altLang="zh-CN" dirty="0" smtClean="0"/>
+          </a:p>
+          <a:p>
+            <a:pPr marL="514350" indent="-514350">
+              <a:buAutoNum type="arabicPeriod"/>
+            </a:pPr>
+            <a:r>
+              <a:rPr lang="en-US" altLang="zh-CN" dirty="0" smtClean="0"/>
+              <a:t>“</a:t>
+            </a:r>
+            <a:r>
+              <a:rPr lang="zh-CN" altLang="en-US" dirty="0" smtClean="0"/>
+              <a:t>像素”是什么意思？ </a:t>
+            </a:r>
+            <a:endParaRPr lang="en-US" altLang="zh-CN" dirty="0" smtClean="0"/>
+          </a:p>
+          <a:p>
+            <a:pPr marL="514350" indent="-514350">
+              <a:buAutoNum type="arabicPeriod"/>
+            </a:pPr>
+            <a:r>
+              <a:rPr lang="zh-CN" altLang="en-US" dirty="0" smtClean="0"/>
+              <a:t>在 </a:t>
+            </a:r>
+            <a:r>
+              <a:rPr lang="en-US" altLang="zh-CN" dirty="0" err="1" smtClean="0"/>
+              <a:t>Pygame</a:t>
+            </a:r>
+            <a:r>
+              <a:rPr lang="en-US" altLang="zh-CN" dirty="0" smtClean="0"/>
+              <a:t> </a:t>
+            </a:r>
+            <a:r>
+              <a:rPr lang="zh-CN" altLang="en-US" dirty="0" smtClean="0"/>
+              <a:t>窗口中，位置 </a:t>
+            </a:r>
+            <a:r>
+              <a:rPr lang="en-US" altLang="zh-CN" dirty="0" smtClean="0"/>
+              <a:t>[0, 0] </a:t>
+            </a:r>
+            <a:r>
+              <a:rPr lang="zh-CN" altLang="en-US" dirty="0" smtClean="0"/>
+              <a:t>在哪里？</a:t>
+            </a:r>
+            <a:endParaRPr lang="zh-CN" altLang="en-US" b="1" dirty="0"/>
+          </a:p>
+        </p:txBody>
+      </p:sp>
+    </p:spTree>
+  </p:cSld>
+  <p:clrMapOvr>
+    <a:masterClrMapping/>
+  </p:clrMapOvr>
+</p:sld>
+</file>
+
+<file path=ppt/slides/slide152.xml><?xml version="1.0" encoding="utf-8"?>
+<p:sld xmlns:a="http://schemas.openxmlformats.org/drawingml/2006/main" xmlns:r="http://schemas.openxmlformats.org/officeDocument/2006/relationships" xmlns:p="http://schemas.openxmlformats.org/presentationml/2006/main">
+  <p:cSld>
+    <p:spTree>
+      <p:nvGrpSpPr>
+        <p:cNvPr id="1" name=""/>
+        <p:cNvGrpSpPr/>
+        <p:nvPr/>
+      </p:nvGrpSpPr>
+      <p:grpSpPr>
+        <a:xfrm>
+          <a:off x="0" y="0"/>
+          <a:ext cx="0" cy="0"/>
+          <a:chOff x="0" y="0"/>
+          <a:chExt cx="0" cy="0"/>
+        </a:xfrm>
+      </p:grpSpPr>
+      <p:sp>
+        <p:nvSpPr>
+          <p:cNvPr id="2" name="标题 1"/>
+          <p:cNvSpPr>
+            <a:spLocks noGrp="1"/>
+          </p:cNvSpPr>
+          <p:nvPr>
+            <p:ph type="title"/>
+          </p:nvPr>
+        </p:nvSpPr>
+        <p:spPr/>
+        <p:txBody>
+          <a:bodyPr/>
+          <a:lstStyle/>
+          <a:p>
+            <a:pPr algn="l"/>
+            <a:r>
+              <a:rPr lang="zh-CN" altLang="en-US" dirty="0" smtClean="0"/>
+              <a:t>动手试一试</a:t>
+            </a:r>
+            <a:endParaRPr lang="zh-CN" altLang="en-US" dirty="0"/>
+          </a:p>
+        </p:txBody>
+      </p:sp>
+      <p:sp>
+        <p:nvSpPr>
+          <p:cNvPr id="3" name="内容占位符 2"/>
+          <p:cNvSpPr>
+            <a:spLocks noGrp="1"/>
+          </p:cNvSpPr>
+          <p:nvPr>
+            <p:ph idx="1"/>
+          </p:nvPr>
+        </p:nvSpPr>
+        <p:spPr/>
+        <p:txBody>
+          <a:bodyPr>
+            <a:normAutofit/>
+          </a:bodyPr>
+          <a:lstStyle/>
+          <a:p>
+            <a:pPr marL="514350" indent="-514350">
+              <a:buAutoNum type="arabicPeriod"/>
+            </a:pPr>
+            <a:r>
+              <a:rPr lang="zh-CN" altLang="en-US" dirty="0" smtClean="0"/>
+              <a:t>试着改变代码清单 </a:t>
+            </a:r>
+            <a:r>
+              <a:rPr lang="en-US" altLang="zh-CN" dirty="0" smtClean="0"/>
+              <a:t>16-15 </a:t>
+            </a:r>
+            <a:r>
+              <a:rPr lang="zh-CN" altLang="en-US" dirty="0" smtClean="0"/>
+              <a:t>或代码清单 </a:t>
+            </a:r>
+            <a:r>
+              <a:rPr lang="en-US" altLang="zh-CN" dirty="0" smtClean="0"/>
+              <a:t>16-16 </a:t>
+            </a:r>
+            <a:r>
+              <a:rPr lang="zh-CN" altLang="en-US" dirty="0" smtClean="0"/>
+              <a:t>中的 </a:t>
+            </a:r>
+            <a:r>
+              <a:rPr lang="en-US" altLang="zh-CN" dirty="0" err="1" smtClean="0"/>
+              <a:t>x_speed</a:t>
+            </a:r>
+            <a:r>
+              <a:rPr lang="en-US" altLang="zh-CN" dirty="0" smtClean="0"/>
+              <a:t> </a:t>
+            </a:r>
+            <a:r>
+              <a:rPr lang="zh-CN" altLang="en-US" dirty="0" smtClean="0"/>
+              <a:t>和 </a:t>
+            </a:r>
+            <a:r>
+              <a:rPr lang="en-US" altLang="zh-CN" dirty="0" err="1" smtClean="0"/>
+              <a:t>y_speed</a:t>
+            </a:r>
+            <a:r>
+              <a:rPr lang="en-US" altLang="zh-CN" dirty="0" smtClean="0"/>
+              <a:t> </a:t>
+            </a:r>
+            <a:r>
+              <a:rPr lang="zh-CN" altLang="en-US" dirty="0" smtClean="0"/>
+              <a:t>值，让 球移动得更快或更慢，并在不同方向上</a:t>
+            </a:r>
+            <a:r>
+              <a:rPr lang="zh-CN" altLang="en-US" dirty="0" smtClean="0"/>
+              <a:t>移动</a:t>
+            </a:r>
+            <a:endParaRPr lang="en-US" altLang="zh-CN" dirty="0" smtClean="0"/>
+          </a:p>
+          <a:p>
+            <a:pPr marL="514350" indent="-514350">
+              <a:buAutoNum type="arabicPeriod"/>
+            </a:pPr>
+            <a:r>
+              <a:rPr lang="zh-CN" altLang="en-US" dirty="0" smtClean="0"/>
+              <a:t>试着修改代码清单 </a:t>
+            </a:r>
+            <a:r>
+              <a:rPr lang="en-US" altLang="zh-CN" dirty="0" smtClean="0"/>
+              <a:t>16-15</a:t>
+            </a:r>
+            <a:r>
+              <a:rPr lang="zh-CN" altLang="en-US" smtClean="0"/>
+              <a:t>，让球在隐形的墙或地板（不是窗口边界）上反弹。</a:t>
+            </a:r>
+            <a:endParaRPr lang="zh-CN" altLang="en-US" b="1" dirty="0"/>
+          </a:p>
+        </p:txBody>
+      </p:sp>
+    </p:spTree>
+  </p:cSld>
+  <p:clrMapOvr>
+    <a:masterClrMapping/>
+  </p:clrMapOvr>
 </p:sld>
 </file>
 

--- a/readme/Python3.pptx
+++ b/readme/Python3.pptx
@@ -151,12 +151,18 @@
     <p:sldId id="406" r:id="rId145"/>
     <p:sldId id="407" r:id="rId146"/>
     <p:sldId id="408" r:id="rId147"/>
-    <p:sldId id="409" r:id="rId148"/>
-    <p:sldId id="410" r:id="rId149"/>
-    <p:sldId id="411" r:id="rId150"/>
-    <p:sldId id="412" r:id="rId151"/>
-    <p:sldId id="413" r:id="rId152"/>
-    <p:sldId id="414" r:id="rId153"/>
+    <p:sldId id="415" r:id="rId148"/>
+    <p:sldId id="409" r:id="rId149"/>
+    <p:sldId id="410" r:id="rId150"/>
+    <p:sldId id="411" r:id="rId151"/>
+    <p:sldId id="412" r:id="rId152"/>
+    <p:sldId id="413" r:id="rId153"/>
+    <p:sldId id="414" r:id="rId154"/>
+    <p:sldId id="416" r:id="rId155"/>
+    <p:sldId id="417" r:id="rId156"/>
+    <p:sldId id="418" r:id="rId157"/>
+    <p:sldId id="419" r:id="rId158"/>
+    <p:sldId id="420" r:id="rId159"/>
   </p:sldIdLst>
   <p:sldSz cx="9144000" cy="6858000" type="screen4x3"/>
   <p:notesSz cx="6858000" cy="9144000"/>
@@ -440,7 +446,7 @@
             <a:fld id="{530820CF-B880-4189-942D-D702A7CBA730}" type="datetimeFigureOut">
               <a:rPr lang="zh-CN" altLang="en-US" smtClean="0"/>
               <a:pPr/>
-              <a:t>2019/1/5</a:t>
+              <a:t>2019/1/13</a:t>
             </a:fld>
             <a:endParaRPr lang="zh-CN" altLang="en-US"/>
           </a:p>
@@ -607,7 +613,7 @@
             <a:fld id="{530820CF-B880-4189-942D-D702A7CBA730}" type="datetimeFigureOut">
               <a:rPr lang="zh-CN" altLang="en-US" smtClean="0"/>
               <a:pPr/>
-              <a:t>2019/1/5</a:t>
+              <a:t>2019/1/13</a:t>
             </a:fld>
             <a:endParaRPr lang="zh-CN" altLang="en-US"/>
           </a:p>
@@ -784,7 +790,7 @@
             <a:fld id="{530820CF-B880-4189-942D-D702A7CBA730}" type="datetimeFigureOut">
               <a:rPr lang="zh-CN" altLang="en-US" smtClean="0"/>
               <a:pPr/>
-              <a:t>2019/1/5</a:t>
+              <a:t>2019/1/13</a:t>
             </a:fld>
             <a:endParaRPr lang="zh-CN" altLang="en-US"/>
           </a:p>
@@ -951,7 +957,7 @@
             <a:fld id="{530820CF-B880-4189-942D-D702A7CBA730}" type="datetimeFigureOut">
               <a:rPr lang="zh-CN" altLang="en-US" smtClean="0"/>
               <a:pPr/>
-              <a:t>2019/1/5</a:t>
+              <a:t>2019/1/13</a:t>
             </a:fld>
             <a:endParaRPr lang="zh-CN" altLang="en-US"/>
           </a:p>
@@ -1194,7 +1200,7 @@
             <a:fld id="{530820CF-B880-4189-942D-D702A7CBA730}" type="datetimeFigureOut">
               <a:rPr lang="zh-CN" altLang="en-US" smtClean="0"/>
               <a:pPr/>
-              <a:t>2019/1/5</a:t>
+              <a:t>2019/1/13</a:t>
             </a:fld>
             <a:endParaRPr lang="zh-CN" altLang="en-US"/>
           </a:p>
@@ -1479,7 +1485,7 @@
             <a:fld id="{530820CF-B880-4189-942D-D702A7CBA730}" type="datetimeFigureOut">
               <a:rPr lang="zh-CN" altLang="en-US" smtClean="0"/>
               <a:pPr/>
-              <a:t>2019/1/5</a:t>
+              <a:t>2019/1/13</a:t>
             </a:fld>
             <a:endParaRPr lang="zh-CN" altLang="en-US"/>
           </a:p>
@@ -1898,7 +1904,7 @@
             <a:fld id="{530820CF-B880-4189-942D-D702A7CBA730}" type="datetimeFigureOut">
               <a:rPr lang="zh-CN" altLang="en-US" smtClean="0"/>
               <a:pPr/>
-              <a:t>2019/1/5</a:t>
+              <a:t>2019/1/13</a:t>
             </a:fld>
             <a:endParaRPr lang="zh-CN" altLang="en-US"/>
           </a:p>
@@ -2013,7 +2019,7 @@
             <a:fld id="{530820CF-B880-4189-942D-D702A7CBA730}" type="datetimeFigureOut">
               <a:rPr lang="zh-CN" altLang="en-US" smtClean="0"/>
               <a:pPr/>
-              <a:t>2019/1/5</a:t>
+              <a:t>2019/1/13</a:t>
             </a:fld>
             <a:endParaRPr lang="zh-CN" altLang="en-US"/>
           </a:p>
@@ -2105,7 +2111,7 @@
             <a:fld id="{530820CF-B880-4189-942D-D702A7CBA730}" type="datetimeFigureOut">
               <a:rPr lang="zh-CN" altLang="en-US" smtClean="0"/>
               <a:pPr/>
-              <a:t>2019/1/5</a:t>
+              <a:t>2019/1/13</a:t>
             </a:fld>
             <a:endParaRPr lang="zh-CN" altLang="en-US"/>
           </a:p>
@@ -2379,7 +2385,7 @@
             <a:fld id="{530820CF-B880-4189-942D-D702A7CBA730}" type="datetimeFigureOut">
               <a:rPr lang="zh-CN" altLang="en-US" smtClean="0"/>
               <a:pPr/>
-              <a:t>2019/1/5</a:t>
+              <a:t>2019/1/13</a:t>
             </a:fld>
             <a:endParaRPr lang="zh-CN" altLang="en-US"/>
           </a:p>
@@ -2629,7 +2635,7 @@
             <a:fld id="{530820CF-B880-4189-942D-D702A7CBA730}" type="datetimeFigureOut">
               <a:rPr lang="zh-CN" altLang="en-US" smtClean="0"/>
               <a:pPr/>
-              <a:t>2019/1/5</a:t>
+              <a:t>2019/1/13</a:t>
             </a:fld>
             <a:endParaRPr lang="zh-CN" altLang="en-US"/>
           </a:p>
@@ -2839,7 +2845,7 @@
             <a:fld id="{530820CF-B880-4189-942D-D702A7CBA730}" type="datetimeFigureOut">
               <a:rPr lang="zh-CN" altLang="en-US" smtClean="0"/>
               <a:pPr/>
-              <a:t>2019/1/5</a:t>
+              <a:t>2019/1/13</a:t>
             </a:fld>
             <a:endParaRPr lang="zh-CN" altLang="en-US"/>
           </a:p>
@@ -7584,6 +7590,13 @@
   <p:clrMapOvr>
     <a:masterClrMapping/>
   </p:clrMapOvr>
+  <p:timing>
+    <p:tnLst>
+      <p:par>
+        <p:cTn id="1" dur="indefinite" restart="never" nodeType="tmRoot"/>
+      </p:par>
+    </p:tnLst>
+  </p:timing>
 </p:sld>
 </file>
 
@@ -7733,6 +7746,13 @@
   <p:clrMapOvr>
     <a:masterClrMapping/>
   </p:clrMapOvr>
+  <p:timing>
+    <p:tnLst>
+      <p:par>
+        <p:cTn id="1" dur="indefinite" restart="never" nodeType="tmRoot"/>
+      </p:par>
+    </p:tnLst>
+  </p:timing>
 </p:sld>
 </file>
 
@@ -7805,6 +7825,13 @@
   <p:clrMapOvr>
     <a:masterClrMapping/>
   </p:clrMapOvr>
+  <p:timing>
+    <p:tnLst>
+      <p:par>
+        <p:cTn id="1" dur="indefinite" restart="never" nodeType="tmRoot"/>
+      </p:par>
+    </p:tnLst>
+  </p:timing>
 </p:sld>
 </file>
 
@@ -8064,6 +8091,13 @@
   <p:clrMapOvr>
     <a:masterClrMapping/>
   </p:clrMapOvr>
+  <p:timing>
+    <p:tnLst>
+      <p:par>
+        <p:cTn id="1" dur="indefinite" restart="never" nodeType="tmRoot"/>
+      </p:par>
+    </p:tnLst>
+  </p:timing>
 </p:sld>
 </file>
 
@@ -8156,6 +8190,13 @@
   <p:clrMapOvr>
     <a:masterClrMapping/>
   </p:clrMapOvr>
+  <p:timing>
+    <p:tnLst>
+      <p:par>
+        <p:cTn id="1" dur="indefinite" restart="never" nodeType="tmRoot"/>
+      </p:par>
+    </p:tnLst>
+  </p:timing>
 </p:sld>
 </file>
 
@@ -8279,6 +8320,13 @@
   <p:clrMapOvr>
     <a:masterClrMapping/>
   </p:clrMapOvr>
+  <p:timing>
+    <p:tnLst>
+      <p:par>
+        <p:cTn id="1" dur="indefinite" restart="never" nodeType="tmRoot"/>
+      </p:par>
+    </p:tnLst>
+  </p:timing>
 </p:sld>
 </file>
 
@@ -8432,6 +8480,13 @@
   <p:clrMapOvr>
     <a:masterClrMapping/>
   </p:clrMapOvr>
+  <p:timing>
+    <p:tnLst>
+      <p:par>
+        <p:cTn id="1" dur="indefinite" restart="never" nodeType="tmRoot"/>
+      </p:par>
+    </p:tnLst>
+  </p:timing>
 </p:sld>
 </file>
 
@@ -8522,6 +8577,13 @@
   <p:clrMapOvr>
     <a:masterClrMapping/>
   </p:clrMapOvr>
+  <p:timing>
+    <p:tnLst>
+      <p:par>
+        <p:cTn id="1" dur="indefinite" restart="never" nodeType="tmRoot"/>
+      </p:par>
+    </p:tnLst>
+  </p:timing>
 </p:sld>
 </file>
 
@@ -8607,6 +8669,13 @@
   <p:clrMapOvr>
     <a:masterClrMapping/>
   </p:clrMapOvr>
+  <p:timing>
+    <p:tnLst>
+      <p:par>
+        <p:cTn id="1" dur="indefinite" restart="never" nodeType="tmRoot"/>
+      </p:par>
+    </p:tnLst>
+  </p:timing>
 </p:sld>
 </file>
 
@@ -8729,6 +8798,13 @@
   <p:clrMapOvr>
     <a:masterClrMapping/>
   </p:clrMapOvr>
+  <p:timing>
+    <p:tnLst>
+      <p:par>
+        <p:cTn id="1" dur="indefinite" restart="never" nodeType="tmRoot"/>
+      </p:par>
+    </p:tnLst>
+  </p:timing>
 </p:sld>
 </file>
 
@@ -8832,6 +8908,13 @@
   <p:clrMapOvr>
     <a:masterClrMapping/>
   </p:clrMapOvr>
+  <p:timing>
+    <p:tnLst>
+      <p:par>
+        <p:cTn id="1" dur="indefinite" restart="never" nodeType="tmRoot"/>
+      </p:par>
+    </p:tnLst>
+  </p:timing>
 </p:sld>
 </file>
 
@@ -9102,6 +9185,13 @@
   <p:clrMapOvr>
     <a:masterClrMapping/>
   </p:clrMapOvr>
+  <p:timing>
+    <p:tnLst>
+      <p:par>
+        <p:cTn id="1" dur="indefinite" restart="never" nodeType="tmRoot"/>
+      </p:par>
+    </p:tnLst>
+  </p:timing>
 </p:sld>
 </file>
 
@@ -9169,6 +9259,13 @@
   <p:clrMapOvr>
     <a:masterClrMapping/>
   </p:clrMapOvr>
+  <p:timing>
+    <p:tnLst>
+      <p:par>
+        <p:cTn id="1" dur="indefinite" restart="never" nodeType="tmRoot"/>
+      </p:par>
+    </p:tnLst>
+  </p:timing>
 </p:sld>
 </file>
 
@@ -9355,7 +9452,12 @@
             <p:ph type="title"/>
           </p:nvPr>
         </p:nvSpPr>
-        <p:spPr/>
+        <p:spPr>
+          <a:xfrm>
+            <a:off x="457200" y="274638"/>
+            <a:ext cx="8229600" cy="1786210"/>
+          </a:xfrm>
+        </p:spPr>
         <p:txBody>
           <a:bodyPr/>
           <a:lstStyle/>
@@ -9369,30 +9471,6 @@
               <a:rPr lang="zh-CN" altLang="en-US" dirty="0" smtClean="0"/>
               <a:t>图形</a:t>
             </a:r>
-            <a:endParaRPr lang="zh-CN" altLang="en-US" dirty="0"/>
-          </a:p>
-        </p:txBody>
-      </p:sp>
-      <p:sp>
-        <p:nvSpPr>
-          <p:cNvPr id="3" name="内容占位符 2"/>
-          <p:cNvSpPr>
-            <a:spLocks noGrp="1"/>
-          </p:cNvSpPr>
-          <p:nvPr>
-            <p:ph idx="1"/>
-          </p:nvPr>
-        </p:nvSpPr>
-        <p:spPr/>
-        <p:txBody>
-          <a:bodyPr>
-            <a:normAutofit/>
-          </a:bodyPr>
-          <a:lstStyle/>
-          <a:p>
-            <a:pPr>
-              <a:buNone/>
-            </a:pPr>
             <a:endParaRPr lang="zh-CN" altLang="en-US" dirty="0"/>
           </a:p>
         </p:txBody>
@@ -9402,6 +9480,13 @@
   <p:clrMapOvr>
     <a:masterClrMapping/>
   </p:clrMapOvr>
+  <p:timing>
+    <p:tnLst>
+      <p:par>
+        <p:cTn id="1" dur="indefinite" restart="never" nodeType="tmRoot"/>
+      </p:par>
+    </p:tnLst>
+  </p:timing>
 </p:sld>
 </file>
 
@@ -9444,11 +9529,7 @@
             </a:r>
             <a:r>
               <a:rPr lang="zh-CN" altLang="en-US" dirty="0" smtClean="0"/>
-              <a:t>寻求</a:t>
-            </a:r>
-            <a:r>
-              <a:rPr lang="zh-CN" altLang="en-US" dirty="0" smtClean="0"/>
-              <a:t>帮助</a:t>
+              <a:t>寻求帮助</a:t>
             </a:r>
             <a:r>
               <a:rPr lang="en-US" altLang="zh-CN" dirty="0" smtClean="0"/>
@@ -9492,11 +9573,7 @@
             </a:r>
             <a:r>
               <a:rPr lang="zh-CN" altLang="en-US" dirty="0" smtClean="0"/>
-              <a:t>要</a:t>
-            </a:r>
-            <a:r>
-              <a:rPr lang="zh-CN" altLang="en-US" dirty="0" smtClean="0"/>
-              <a:t>让图形（和声音）在 你的计算机上起作用，这 可能有点复杂。这涉及操作 系统和你的图形卡，还需要 大量底层代码（目前我们还不想考虑这些代码）。所以我们将使用一个名为 </a:t>
+              <a:t>要让图形（和声音）在 你的计算机上起作用，这 可能有点复杂。这涉及操作 系统和你的图形卡，还需要 大量底层代码（目前我们还不想考虑这些代码）。所以我们将使用一个名为 </a:t>
             </a:r>
             <a:r>
               <a:rPr lang="en-US" altLang="zh-CN" dirty="0" err="1" smtClean="0"/>
@@ -9516,11 +9593,7 @@
             </a:r>
             <a:r>
               <a:rPr lang="zh-CN" altLang="en-US" dirty="0" smtClean="0"/>
-              <a:t>模块来提供帮助，让问题更简单一些</a:t>
-            </a:r>
-            <a:r>
-              <a:rPr lang="zh-CN" altLang="en-US" dirty="0" smtClean="0"/>
-              <a:t>。</a:t>
+              <a:t>模块来提供帮助，让问题更简单一些。</a:t>
             </a:r>
             <a:endParaRPr lang="en-US" altLang="zh-CN" dirty="0" smtClean="0"/>
           </a:p>
@@ -9530,11 +9603,7 @@
             </a:pPr>
             <a:r>
               <a:rPr lang="en-US" altLang="zh-CN" dirty="0" smtClean="0"/>
-              <a:t>	</a:t>
-            </a:r>
-            <a:r>
-              <a:rPr lang="en-US" altLang="zh-CN" dirty="0" smtClean="0"/>
-              <a:t>	</a:t>
+              <a:t>		</a:t>
             </a:r>
             <a:r>
               <a:rPr lang="zh-CN" altLang="en-US" dirty="0" smtClean="0"/>
@@ -9577,6 +9646,13 @@
   <p:clrMapOvr>
     <a:masterClrMapping/>
   </p:clrMapOvr>
+  <p:timing>
+    <p:tnLst>
+      <p:par>
+        <p:cTn id="1" dur="indefinite" restart="never" nodeType="tmRoot"/>
+      </p:par>
+    </p:tnLst>
+  </p:timing>
 </p:sld>
 </file>
 
@@ -9655,7 +9731,7 @@
             </a:pPr>
             <a:r>
               <a:rPr lang="en-US" altLang="zh-CN" dirty="0" smtClean="0"/>
-              <a:t>import </a:t>
+              <a:t>    import </a:t>
             </a:r>
             <a:r>
               <a:rPr lang="en-US" altLang="zh-CN" dirty="0" err="1" smtClean="0"/>
@@ -9686,11 +9762,7 @@
             </a:pPr>
             <a:r>
               <a:rPr lang="en-US" altLang="zh-CN" dirty="0" smtClean="0"/>
-              <a:t>	screen </a:t>
-            </a:r>
-            <a:r>
-              <a:rPr lang="en-US" altLang="zh-CN" dirty="0" smtClean="0"/>
-              <a:t>= </a:t>
+              <a:t>	screen = </a:t>
             </a:r>
             <a:r>
               <a:rPr lang="en-US" altLang="zh-CN" dirty="0" err="1" smtClean="0"/>
@@ -9709,6 +9781,13 @@
   <p:clrMapOvr>
     <a:masterClrMapping/>
   </p:clrMapOvr>
+  <p:timing>
+    <p:tnLst>
+      <p:par>
+        <p:cTn id="1" dur="indefinite" restart="never" nodeType="tmRoot"/>
+      </p:par>
+    </p:tnLst>
+  </p:timing>
 </p:sld>
 </file>
 
@@ -9751,11 +9830,7 @@
             </a:r>
             <a:r>
               <a:rPr lang="zh-CN" altLang="en-US" dirty="0" smtClean="0"/>
-              <a:t> 在</a:t>
-            </a:r>
-            <a:r>
-              <a:rPr lang="zh-CN" altLang="en-US" dirty="0" smtClean="0"/>
-              <a:t>窗口中画图</a:t>
+              <a:t> 在窗口中画图</a:t>
             </a:r>
             <a:endParaRPr lang="zh-CN" altLang="en-US" dirty="0"/>
           </a:p>
@@ -9783,15 +9858,7 @@
             </a:pPr>
             <a:r>
               <a:rPr lang="zh-CN" altLang="en-US" b="1" dirty="0" smtClean="0"/>
-              <a:t>如何</a:t>
-            </a:r>
-            <a:r>
-              <a:rPr lang="zh-CN" altLang="en-US" b="1" dirty="0" smtClean="0"/>
-              <a:t>建立一个</a:t>
-            </a:r>
-            <a:r>
-              <a:rPr lang="zh-CN" altLang="en-US" b="1" dirty="0" smtClean="0"/>
-              <a:t>圆</a:t>
+              <a:t>如何建立一个圆</a:t>
             </a:r>
             <a:r>
               <a:rPr lang="en-US" altLang="zh-CN" sz="2400" b="1" dirty="0" smtClean="0"/>
@@ -9807,11 +9874,7 @@
             </a:r>
             <a:r>
               <a:rPr lang="zh-CN" altLang="en-US" b="1" dirty="0" smtClean="0"/>
-              <a:t>件</a:t>
-            </a:r>
-            <a:r>
-              <a:rPr lang="zh-CN" altLang="en-US" b="1" dirty="0" smtClean="0"/>
-              <a:t>事</a:t>
+              <a:t>件事</a:t>
             </a:r>
             <a:r>
               <a:rPr lang="en-US" altLang="zh-CN" b="1" dirty="0" smtClean="0"/>
@@ -9824,11 +9887,7 @@
             </a:pPr>
             <a:r>
               <a:rPr lang="en-US" altLang="zh-CN" dirty="0" smtClean="0"/>
-              <a:t>	</a:t>
-            </a:r>
-            <a:r>
-              <a:rPr lang="en-US" altLang="zh-CN" dirty="0" smtClean="0"/>
-              <a:t>1.</a:t>
+              <a:t>	1.</a:t>
             </a:r>
             <a:r>
               <a:rPr lang="zh-CN" altLang="en-US" dirty="0" smtClean="0"/>
@@ -9850,19 +9909,11 @@
             </a:pPr>
             <a:r>
               <a:rPr lang="en-US" altLang="zh-CN" dirty="0" smtClean="0"/>
-              <a:t>	</a:t>
-            </a:r>
-            <a:r>
-              <a:rPr lang="en-US" altLang="zh-CN" dirty="0" smtClean="0"/>
-              <a:t>2.</a:t>
-            </a:r>
-            <a:r>
-              <a:rPr lang="zh-CN" altLang="en-US" dirty="0" smtClean="0"/>
-              <a:t>用什么颜色来画</a:t>
-            </a:r>
-            <a:r>
-              <a:rPr lang="zh-CN" altLang="en-US" dirty="0" smtClean="0"/>
-              <a:t>。</a:t>
+              <a:t>	2.</a:t>
+            </a:r>
+            <a:r>
+              <a:rPr lang="zh-CN" altLang="en-US" dirty="0" smtClean="0"/>
+              <a:t>用什么颜色来画。</a:t>
             </a:r>
             <a:endParaRPr lang="en-US" altLang="zh-CN" dirty="0" smtClean="0"/>
           </a:p>
@@ -9872,19 +9923,11 @@
             </a:pPr>
             <a:r>
               <a:rPr lang="en-US" altLang="zh-CN" dirty="0" smtClean="0"/>
-              <a:t>	</a:t>
-            </a:r>
-            <a:r>
-              <a:rPr lang="en-US" altLang="zh-CN" dirty="0" smtClean="0"/>
-              <a:t>3.</a:t>
-            </a:r>
-            <a:r>
-              <a:rPr lang="zh-CN" altLang="en-US" dirty="0" smtClean="0"/>
-              <a:t>在什么位置画</a:t>
-            </a:r>
-            <a:r>
-              <a:rPr lang="zh-CN" altLang="en-US" dirty="0" smtClean="0"/>
-              <a:t>。</a:t>
+              <a:t>	3.</a:t>
+            </a:r>
+            <a:r>
+              <a:rPr lang="zh-CN" altLang="en-US" dirty="0" smtClean="0"/>
+              <a:t>在什么位置画。</a:t>
             </a:r>
             <a:endParaRPr lang="en-US" altLang="zh-CN" dirty="0" smtClean="0"/>
           </a:p>
@@ -9894,19 +9937,11 @@
             </a:pPr>
             <a:r>
               <a:rPr lang="en-US" altLang="zh-CN" dirty="0" smtClean="0"/>
-              <a:t>	</a:t>
-            </a:r>
-            <a:r>
-              <a:rPr lang="en-US" altLang="zh-CN" dirty="0" smtClean="0"/>
-              <a:t>4.</a:t>
-            </a:r>
-            <a:r>
-              <a:rPr lang="zh-CN" altLang="en-US" dirty="0" smtClean="0"/>
-              <a:t>圆的大小</a:t>
-            </a:r>
-            <a:r>
-              <a:rPr lang="zh-CN" altLang="en-US" dirty="0" smtClean="0"/>
-              <a:t>。</a:t>
+              <a:t>	4.</a:t>
+            </a:r>
+            <a:r>
+              <a:rPr lang="zh-CN" altLang="en-US" dirty="0" smtClean="0"/>
+              <a:t>圆的大小。</a:t>
             </a:r>
             <a:endParaRPr lang="en-US" altLang="zh-CN" dirty="0" smtClean="0"/>
           </a:p>
@@ -9916,11 +9951,7 @@
             </a:pPr>
             <a:r>
               <a:rPr lang="en-US" altLang="zh-CN" dirty="0" smtClean="0"/>
-              <a:t>	</a:t>
-            </a:r>
-            <a:r>
-              <a:rPr lang="en-US" altLang="zh-CN" dirty="0" smtClean="0"/>
-              <a:t>5.</a:t>
+              <a:t>	5.</a:t>
             </a:r>
             <a:r>
               <a:rPr lang="zh-CN" altLang="en-US" dirty="0" smtClean="0"/>
@@ -9940,11 +9971,7 @@
             </a:r>
             <a:r>
               <a:rPr lang="zh-CN" altLang="en-US" dirty="0" smtClean="0"/>
-              <a:t>，圆是完全填充</a:t>
-            </a:r>
-            <a:r>
-              <a:rPr lang="zh-CN" altLang="en-US" dirty="0" smtClean="0"/>
-              <a:t>的</a:t>
+              <a:t>，圆是完全填充的</a:t>
             </a:r>
             <a:r>
               <a:rPr lang="en-US" altLang="zh-CN" dirty="0" smtClean="0"/>
@@ -9987,11 +10014,7 @@
             </a:r>
             <a:r>
               <a:rPr lang="zh-CN" altLang="en-US" dirty="0" smtClean="0"/>
-              <a:t>中的</a:t>
-            </a:r>
-            <a:r>
-              <a:rPr lang="zh-CN" altLang="en-US" dirty="0" smtClean="0"/>
-              <a:t>颜色</a:t>
+              <a:t>中的颜色</a:t>
             </a:r>
             <a:r>
               <a:rPr lang="en-US" altLang="zh-CN" dirty="0" smtClean="0"/>
@@ -10009,7 +10032,6 @@
               <a:rPr lang="zh-CN" altLang="en-US" dirty="0" smtClean="0"/>
               <a:t>呢？</a:t>
             </a:r>
-            <a:endParaRPr lang="zh-CN" altLang="en-US" dirty="0" smtClean="0"/>
           </a:p>
         </p:txBody>
       </p:sp>
@@ -10018,6 +10040,13 @@
   <p:clrMapOvr>
     <a:masterClrMapping/>
   </p:clrMapOvr>
+  <p:timing>
+    <p:tnLst>
+      <p:par>
+        <p:cTn id="1" dur="indefinite" restart="never" nodeType="tmRoot"/>
+      </p:par>
+    </p:tnLst>
+  </p:timing>
 </p:sld>
 </file>
 
@@ -10060,11 +10089,7 @@
             </a:r>
             <a:r>
               <a:rPr lang="zh-CN" altLang="en-US" dirty="0" smtClean="0"/>
-              <a:t>在</a:t>
-            </a:r>
-            <a:r>
-              <a:rPr lang="zh-CN" altLang="en-US" dirty="0" smtClean="0"/>
-              <a:t>窗口中画图</a:t>
+              <a:t>在窗口中画图</a:t>
             </a:r>
             <a:endParaRPr lang="zh-CN" altLang="en-US" dirty="0"/>
           </a:p>
@@ -10148,6 +10173,13 @@
   <p:clrMapOvr>
     <a:masterClrMapping/>
   </p:clrMapOvr>
+  <p:timing>
+    <p:tnLst>
+      <p:par>
+        <p:cTn id="1" dur="indefinite" restart="never" nodeType="tmRoot"/>
+      </p:par>
+    </p:tnLst>
+  </p:timing>
 </p:sld>
 </file>
 
@@ -10240,15 +10272,7 @@
             </a:r>
             <a:r>
               <a:rPr lang="zh-CN" altLang="en-US" dirty="0" smtClean="0"/>
-              <a:t>我们</a:t>
-            </a:r>
-            <a:r>
-              <a:rPr lang="zh-CN" altLang="en-US" dirty="0" smtClean="0"/>
-              <a:t>使用的</a:t>
-            </a:r>
-            <a:r>
-              <a:rPr lang="zh-CN" altLang="en-US" dirty="0" smtClean="0"/>
-              <a:t>线宽都是 </a:t>
+              <a:t>我们使用的线宽都是 </a:t>
             </a:r>
             <a:r>
               <a:rPr lang="en-US" altLang="zh-CN" dirty="0" smtClean="0"/>
@@ -10256,11 +10280,7 @@
             </a:r>
             <a:r>
               <a:rPr lang="zh-CN" altLang="en-US" dirty="0" smtClean="0"/>
-              <a:t>，这会填充整个形状</a:t>
-            </a:r>
-            <a:r>
-              <a:rPr lang="zh-CN" altLang="en-US" dirty="0" smtClean="0"/>
-              <a:t>。</a:t>
+              <a:t>，这会填充整个形状。</a:t>
             </a:r>
             <a:endParaRPr lang="en-US" altLang="zh-CN" dirty="0" smtClean="0"/>
           </a:p>
@@ -10270,11 +10290,7 @@
             </a:pPr>
             <a:r>
               <a:rPr lang="zh-CN" altLang="en-US" b="1" dirty="0" smtClean="0"/>
-              <a:t>现代</a:t>
-            </a:r>
-            <a:r>
-              <a:rPr lang="zh-CN" altLang="en-US" b="1" dirty="0" smtClean="0"/>
-              <a:t>艺术</a:t>
+              <a:t>现代艺术</a:t>
             </a:r>
             <a:r>
               <a:rPr lang="en-US" altLang="zh-CN" b="1" dirty="0" smtClean="0"/>
@@ -10291,11 +10307,7 @@
             </a:r>
             <a:r>
               <a:rPr lang="zh-CN" altLang="en-US" dirty="0" smtClean="0"/>
-              <a:t>它</a:t>
-            </a:r>
-            <a:r>
-              <a:rPr lang="zh-CN" altLang="en-US" dirty="0" smtClean="0"/>
-              <a:t>会随机画 </a:t>
+              <a:t>它会随机画 </a:t>
             </a:r>
             <a:r>
               <a:rPr lang="en-US" altLang="zh-CN" dirty="0" smtClean="0"/>
@@ -10303,11 +10315,7 @@
             </a:r>
             <a:r>
               <a:rPr lang="zh-CN" altLang="en-US" dirty="0" smtClean="0"/>
-              <a:t>个大小不等、位置不同的矩 形</a:t>
-            </a:r>
-            <a:r>
-              <a:rPr lang="zh-CN" altLang="en-US" dirty="0" smtClean="0"/>
-              <a:t>。</a:t>
+              <a:t>个大小不等、位置不同的矩 形。</a:t>
             </a:r>
             <a:endParaRPr lang="en-US" altLang="zh-CN" b="1" dirty="0" smtClean="0"/>
           </a:p>
@@ -10356,6 +10364,13 @@
   <p:clrMapOvr>
     <a:masterClrMapping/>
   </p:clrMapOvr>
+  <p:timing>
+    <p:tnLst>
+      <p:par>
+        <p:cTn id="1" dur="indefinite" restart="never" nodeType="tmRoot"/>
+      </p:par>
+    </p:tnLst>
+  </p:timing>
 </p:sld>
 </file>
 
@@ -10398,11 +10413,7 @@
             </a:r>
             <a:r>
               <a:rPr lang="zh-CN" altLang="en-US" dirty="0" smtClean="0"/>
-              <a:t> 单个</a:t>
-            </a:r>
-            <a:r>
-              <a:rPr lang="zh-CN" altLang="en-US" dirty="0" smtClean="0"/>
-              <a:t>像素</a:t>
+              <a:t> 单个像素</a:t>
             </a:r>
             <a:endParaRPr lang="zh-CN" altLang="en-US" dirty="0"/>
           </a:p>
@@ -10435,11 +10446,7 @@
             </a:pPr>
             <a:r>
               <a:rPr lang="zh-CN" altLang="en-US" dirty="0" smtClean="0"/>
-              <a:t>有时我们并不想画一个圆或矩形，而是希望画单个的点或像素。比如，我们要 创建数学程序，想画一条正弦曲线</a:t>
-            </a:r>
-            <a:r>
-              <a:rPr lang="zh-CN" altLang="en-US" dirty="0" smtClean="0"/>
-              <a:t>。</a:t>
+              <a:t>有时我们并不想画一个圆或矩形，而是希望画单个的点或像素。比如，我们要 创建数学程序，想画一条正弦曲线。</a:t>
             </a:r>
             <a:endParaRPr lang="en-US" altLang="zh-CN" dirty="0" smtClean="0"/>
           </a:p>
@@ -10449,11 +10456,7 @@
             </a:pPr>
             <a:r>
               <a:rPr lang="zh-CN" altLang="en-US" dirty="0" smtClean="0"/>
-              <a:t>每个</a:t>
-            </a:r>
-            <a:r>
-              <a:rPr lang="zh-CN" altLang="en-US" dirty="0" smtClean="0"/>
-              <a:t>点都是宽和高分别为 </a:t>
+              <a:t>每个点都是宽和高分别为 </a:t>
             </a:r>
             <a:r>
               <a:rPr lang="en-US" altLang="zh-CN" dirty="0" smtClean="0"/>
@@ -10520,6 +10523,13 @@
   <p:clrMapOvr>
     <a:masterClrMapping/>
   </p:clrMapOvr>
+  <p:timing>
+    <p:tnLst>
+      <p:par>
+        <p:cTn id="1" dur="indefinite" restart="never" nodeType="tmRoot"/>
+      </p:par>
+    </p:tnLst>
+  </p:timing>
 </p:sld>
 </file>
 
@@ -10555,14 +10565,9 @@
           <a:bodyPr/>
           <a:lstStyle/>
           <a:p>
-            <a:pPr algn="l"/>
-            <a:r>
-              <a:rPr lang="en-US" altLang="zh-CN" dirty="0" smtClean="0"/>
-              <a:t>16.5</a:t>
-            </a:r>
-            <a:r>
-              <a:rPr lang="zh-CN" altLang="en-US" dirty="0" smtClean="0"/>
-              <a:t> 图像</a:t>
+            <a:r>
+              <a:rPr lang="en-US" altLang="zh-CN" dirty="0" smtClean="0"/>
+              <a:t>12</a:t>
             </a:r>
             <a:endParaRPr lang="zh-CN" altLang="en-US" dirty="0"/>
           </a:p>
@@ -10580,141 +10585,10 @@
         </p:nvSpPr>
         <p:spPr/>
         <p:txBody>
-          <a:bodyPr>
-            <a:normAutofit fontScale="85000" lnSpcReduction="20000"/>
-          </a:bodyPr>
-          <a:lstStyle/>
-          <a:p>
-            <a:pPr>
-              <a:buNone/>
-            </a:pPr>
-            <a:r>
-              <a:rPr lang="zh-CN" altLang="en-US" dirty="0" smtClean="0"/>
-              <a:t>在屏幕上画形状、线和单个像素只是制作图形的一种方式。有时我们还想用从 别处得来的图片、可能是数码照片、从网上下载的图片或者在图像编辑程序中创建 的图片。在 </a:t>
-            </a:r>
-            <a:r>
-              <a:rPr lang="en-US" altLang="zh-CN" dirty="0" err="1" smtClean="0"/>
-              <a:t>Pygame</a:t>
-            </a:r>
-            <a:r>
-              <a:rPr lang="en-US" altLang="zh-CN" dirty="0" smtClean="0"/>
-              <a:t> </a:t>
-            </a:r>
-            <a:r>
-              <a:rPr lang="zh-CN" altLang="en-US" dirty="0" smtClean="0"/>
-              <a:t>中，使用图像最简单的方法就是利用 </a:t>
-            </a:r>
-            <a:r>
-              <a:rPr lang="en-US" altLang="zh-CN" dirty="0" smtClean="0"/>
-              <a:t>image </a:t>
-            </a:r>
-            <a:r>
-              <a:rPr lang="zh-CN" altLang="en-US" dirty="0" smtClean="0"/>
-              <a:t>函数</a:t>
-            </a:r>
-            <a:r>
-              <a:rPr lang="zh-CN" altLang="en-US" dirty="0" smtClean="0"/>
-              <a:t>。</a:t>
-            </a:r>
-            <a:endParaRPr lang="en-US" altLang="zh-CN" dirty="0" smtClean="0"/>
-          </a:p>
-          <a:p>
-            <a:pPr>
-              <a:buNone/>
-            </a:pPr>
-            <a:r>
-              <a:rPr lang="en-US" altLang="zh-CN" dirty="0" err="1" smtClean="0"/>
-              <a:t>pygame.image</a:t>
-            </a:r>
-            <a:r>
-              <a:rPr lang="en-US" altLang="zh-CN" dirty="0" smtClean="0"/>
-              <a:t>. load() </a:t>
-            </a:r>
-            <a:r>
-              <a:rPr lang="zh-CN" altLang="en-US" dirty="0" smtClean="0"/>
-              <a:t>函数从硬盘加载一个图像，并创建一个名为 </a:t>
-            </a:r>
-            <a:r>
-              <a:rPr lang="en-US" altLang="zh-CN" dirty="0" err="1" smtClean="0"/>
-              <a:t>my_ball</a:t>
-            </a:r>
-            <a:r>
-              <a:rPr lang="en-US" altLang="zh-CN" dirty="0" smtClean="0"/>
-              <a:t> </a:t>
-            </a:r>
-            <a:r>
-              <a:rPr lang="zh-CN" altLang="en-US" dirty="0" smtClean="0"/>
-              <a:t>的对象。</a:t>
-            </a:r>
-            <a:r>
-              <a:rPr lang="en-US" altLang="zh-CN" dirty="0" err="1" smtClean="0"/>
-              <a:t>my_ball</a:t>
-            </a:r>
-            <a:r>
-              <a:rPr lang="en-US" altLang="zh-CN" dirty="0" smtClean="0"/>
-              <a:t> </a:t>
-            </a:r>
-            <a:r>
-              <a:rPr lang="zh-CN" altLang="en-US" dirty="0" smtClean="0"/>
-              <a:t>对象 是一个表面（前面讨论过表面）。不过我们看不到这个表面，它只在内存中。我们唯 一能看到的表面是显示表面，名为 </a:t>
-            </a:r>
-            <a:r>
-              <a:rPr lang="en-US" altLang="zh-CN" dirty="0" smtClean="0"/>
-              <a:t>screen</a:t>
-            </a:r>
-            <a:r>
-              <a:rPr lang="zh-CN" altLang="en-US" dirty="0" smtClean="0"/>
-              <a:t>（这在第 </a:t>
-            </a:r>
-            <a:r>
-              <a:rPr lang="en-US" altLang="zh-CN" dirty="0" smtClean="0"/>
-              <a:t>3 </a:t>
-            </a:r>
-            <a:r>
-              <a:rPr lang="zh-CN" altLang="en-US" dirty="0" smtClean="0"/>
-              <a:t>行创建）。第 </a:t>
-            </a:r>
-            <a:r>
-              <a:rPr lang="en-US" altLang="zh-CN" dirty="0" smtClean="0"/>
-              <a:t>6 </a:t>
-            </a:r>
-            <a:r>
-              <a:rPr lang="zh-CN" altLang="en-US" dirty="0" smtClean="0"/>
-              <a:t>行把 </a:t>
-            </a:r>
-            <a:r>
-              <a:rPr lang="en-US" altLang="zh-CN" dirty="0" err="1" smtClean="0"/>
-              <a:t>my_ball</a:t>
-            </a:r>
-            <a:r>
-              <a:rPr lang="en-US" altLang="zh-CN" dirty="0" smtClean="0"/>
-              <a:t> </a:t>
-            </a:r>
-            <a:r>
-              <a:rPr lang="zh-CN" altLang="en-US" dirty="0" smtClean="0"/>
-              <a:t>表面复制到 </a:t>
-            </a:r>
-            <a:r>
-              <a:rPr lang="en-US" altLang="zh-CN" dirty="0" smtClean="0"/>
-              <a:t>screen </a:t>
-            </a:r>
-            <a:r>
-              <a:rPr lang="zh-CN" altLang="en-US" dirty="0" smtClean="0"/>
-              <a:t>表面上。然后像前面一样，通过 </a:t>
-            </a:r>
-            <a:r>
-              <a:rPr lang="en-US" altLang="zh-CN" dirty="0" err="1" smtClean="0"/>
-              <a:t>display.flip</a:t>
-            </a:r>
-            <a:r>
-              <a:rPr lang="en-US" altLang="zh-CN" dirty="0" smtClean="0"/>
-              <a:t>() </a:t>
-            </a:r>
-            <a:r>
-              <a:rPr lang="zh-CN" altLang="en-US" dirty="0" smtClean="0"/>
-              <a:t>调用使它可见。</a:t>
-            </a:r>
-            <a:endParaRPr lang="zh-CN" altLang="en-US" dirty="0"/>
+          <a:bodyPr/>
+          <a:lstStyle/>
+          <a:p>
+            <a:endParaRPr lang="zh-CN" altLang="en-US"/>
           </a:p>
         </p:txBody>
       </p:sp>
@@ -10723,6 +10597,13 @@
   <p:clrMapOvr>
     <a:masterClrMapping/>
   </p:clrMapOvr>
+  <p:timing>
+    <p:tnLst>
+      <p:par>
+        <p:cTn id="1" dur="indefinite" restart="never" nodeType="tmRoot"/>
+      </p:par>
+    </p:tnLst>
+  </p:timing>
 </p:sld>
 </file>
 
@@ -10761,15 +10642,11 @@
             <a:pPr algn="l"/>
             <a:r>
               <a:rPr lang="en-US" altLang="zh-CN" dirty="0" smtClean="0"/>
-              <a:t>16.6</a:t>
-            </a:r>
-            <a:r>
-              <a:rPr lang="zh-CN" altLang="en-US" dirty="0" smtClean="0"/>
-              <a:t> 动</a:t>
-            </a:r>
-            <a:r>
-              <a:rPr lang="zh-CN" altLang="en-US" dirty="0" smtClean="0"/>
-              <a:t>起来</a:t>
+              <a:t>16.5</a:t>
+            </a:r>
+            <a:r>
+              <a:rPr lang="zh-CN" altLang="en-US" dirty="0" smtClean="0"/>
+              <a:t> 图像</a:t>
             </a:r>
             <a:endParaRPr lang="zh-CN" altLang="en-US" dirty="0"/>
           </a:p>
@@ -10788,7 +10665,7 @@
         <p:spPr/>
         <p:txBody>
           <a:bodyPr>
-            <a:normAutofit lnSpcReduction="10000"/>
+            <a:normAutofit fontScale="85000" lnSpcReduction="20000"/>
           </a:bodyPr>
           <a:lstStyle/>
           <a:p>
@@ -10797,31 +10674,27 @@
             </a:pPr>
             <a:r>
               <a:rPr lang="zh-CN" altLang="en-US" dirty="0" smtClean="0"/>
-              <a:t>要移动沙滩球，就要改变它的位置。首先，先试着左右移动。为了确保能看到它 的运动，下面把它向右移动 </a:t>
-            </a:r>
-            <a:r>
-              <a:rPr lang="en-US" altLang="zh-CN" dirty="0" smtClean="0"/>
-              <a:t>100 </a:t>
-            </a:r>
-            <a:r>
-              <a:rPr lang="zh-CN" altLang="en-US" dirty="0" smtClean="0"/>
-              <a:t>像素。在指定位置的一对数中，第一个数对应左右方 向（水平方向），所以要向右移动 </a:t>
-            </a:r>
-            <a:r>
-              <a:rPr lang="en-US" altLang="zh-CN" dirty="0" smtClean="0"/>
-              <a:t>100 </a:t>
-            </a:r>
-            <a:r>
-              <a:rPr lang="zh-CN" altLang="en-US" dirty="0" smtClean="0"/>
-              <a:t>像素，需要把第一个数增加 </a:t>
-            </a:r>
-            <a:r>
-              <a:rPr lang="en-US" altLang="zh-CN" dirty="0" smtClean="0"/>
-              <a:t>100</a:t>
-            </a:r>
-            <a:r>
-              <a:rPr lang="zh-CN" altLang="en-US" dirty="0" smtClean="0"/>
-              <a:t>。</a:t>
+              <a:t>在屏幕上画形状、线和单个像素只是制作图形的一种方式。有时我们还想用从 别处得来的图片、可能是数码照片、从网上下载的图片或者在图像编辑程序中创建 的图片。在 </a:t>
+            </a:r>
+            <a:r>
+              <a:rPr lang="en-US" altLang="zh-CN" dirty="0" err="1" smtClean="0"/>
+              <a:t>Pygame</a:t>
+            </a:r>
+            <a:r>
+              <a:rPr lang="en-US" altLang="zh-CN" dirty="0" smtClean="0"/>
+              <a:t> </a:t>
+            </a:r>
+            <a:r>
+              <a:rPr lang="zh-CN" altLang="en-US" dirty="0" smtClean="0"/>
+              <a:t>中，使用图像最简单的方法就是利用 </a:t>
+            </a:r>
+            <a:r>
+              <a:rPr lang="en-US" altLang="zh-CN" dirty="0" smtClean="0"/>
+              <a:t>image </a:t>
+            </a:r>
+            <a:r>
+              <a:rPr lang="zh-CN" altLang="en-US" dirty="0" smtClean="0"/>
+              <a:t>函数。</a:t>
             </a:r>
             <a:endParaRPr lang="en-US" altLang="zh-CN" dirty="0" smtClean="0"/>
           </a:p>
@@ -10830,28 +10703,16 @@
               <a:buNone/>
             </a:pPr>
             <a:r>
-              <a:rPr lang="en-US" altLang="zh-CN" dirty="0" smtClean="0"/>
-              <a:t>	</a:t>
-            </a:r>
-            <a:r>
               <a:rPr lang="en-US" altLang="zh-CN" dirty="0" err="1" smtClean="0"/>
-              <a:t>pygame.time.delay</a:t>
-            </a:r>
-            <a:r>
-              <a:rPr lang="en-US" altLang="zh-CN" dirty="0" smtClean="0"/>
-              <a:t>(2000</a:t>
-            </a:r>
-            <a:r>
-              <a:rPr lang="en-US" altLang="zh-CN" dirty="0" smtClean="0"/>
-              <a:t>) </a:t>
-            </a:r>
-            <a:r>
-              <a:rPr lang="en-US" altLang="zh-CN" dirty="0" err="1" smtClean="0"/>
-              <a:t>screen.blit</a:t>
-            </a:r>
-            <a:r>
-              <a:rPr lang="en-US" altLang="zh-CN" dirty="0" smtClean="0"/>
-              <a:t>(</a:t>
+              <a:t>pygame.image</a:t>
+            </a:r>
+            <a:r>
+              <a:rPr lang="en-US" altLang="zh-CN" dirty="0" smtClean="0"/>
+              <a:t>. load() </a:t>
+            </a:r>
+            <a:r>
+              <a:rPr lang="zh-CN" altLang="en-US" dirty="0" smtClean="0"/>
+              <a:t>函数从硬盘加载一个图像，并创建一个名为 </a:t>
             </a:r>
             <a:r>
               <a:rPr lang="en-US" altLang="zh-CN" dirty="0" err="1" smtClean="0"/>
@@ -10859,15 +10720,79 @@
             </a:r>
             <a:r>
               <a:rPr lang="en-US" altLang="zh-CN" dirty="0" smtClean="0"/>
-              <a:t>,[150, 50]) </a:t>
+              <a:t> </a:t>
+            </a:r>
+            <a:r>
+              <a:rPr lang="zh-CN" altLang="en-US" dirty="0" smtClean="0"/>
+              <a:t>的对象。</a:t>
             </a:r>
             <a:r>
               <a:rPr lang="en-US" altLang="zh-CN" dirty="0" err="1" smtClean="0"/>
-              <a:t>pygame.display.flip</a:t>
+              <a:t>my_ball</a:t>
+            </a:r>
+            <a:r>
+              <a:rPr lang="en-US" altLang="zh-CN" dirty="0" smtClean="0"/>
+              <a:t> </a:t>
+            </a:r>
+            <a:r>
+              <a:rPr lang="zh-CN" altLang="en-US" dirty="0" smtClean="0"/>
+              <a:t>对象 是一个表面（前面讨论过表面）。不过我们看不到这个表面，它只在内存中。我们唯 一能看到的表面是显示表面，名为 </a:t>
+            </a:r>
+            <a:r>
+              <a:rPr lang="en-US" altLang="zh-CN" dirty="0" smtClean="0"/>
+              <a:t>screen</a:t>
+            </a:r>
+            <a:r>
+              <a:rPr lang="zh-CN" altLang="en-US" dirty="0" smtClean="0"/>
+              <a:t>（这在第 </a:t>
+            </a:r>
+            <a:r>
+              <a:rPr lang="en-US" altLang="zh-CN" dirty="0" smtClean="0"/>
+              <a:t>3 </a:t>
+            </a:r>
+            <a:r>
+              <a:rPr lang="zh-CN" altLang="en-US" dirty="0" smtClean="0"/>
+              <a:t>行创建）。第 </a:t>
+            </a:r>
+            <a:r>
+              <a:rPr lang="en-US" altLang="zh-CN" dirty="0" smtClean="0"/>
+              <a:t>6 </a:t>
+            </a:r>
+            <a:r>
+              <a:rPr lang="zh-CN" altLang="en-US" dirty="0" smtClean="0"/>
+              <a:t>行把 </a:t>
+            </a:r>
+            <a:r>
+              <a:rPr lang="en-US" altLang="zh-CN" dirty="0" err="1" smtClean="0"/>
+              <a:t>my_ball</a:t>
+            </a:r>
+            <a:r>
+              <a:rPr lang="en-US" altLang="zh-CN" dirty="0" smtClean="0"/>
+              <a:t> </a:t>
+            </a:r>
+            <a:r>
+              <a:rPr lang="zh-CN" altLang="en-US" dirty="0" smtClean="0"/>
+              <a:t>表面复制到 </a:t>
+            </a:r>
+            <a:r>
+              <a:rPr lang="en-US" altLang="zh-CN" dirty="0" smtClean="0"/>
+              <a:t>screen </a:t>
+            </a:r>
+            <a:r>
+              <a:rPr lang="zh-CN" altLang="en-US" dirty="0" smtClean="0"/>
+              <a:t>表面上。然后像前面一样，通过 </a:t>
+            </a:r>
+            <a:r>
+              <a:rPr lang="en-US" altLang="zh-CN" dirty="0" err="1" smtClean="0"/>
+              <a:t>display.flip</a:t>
             </a:r>
             <a:r>
               <a:rPr lang="en-US" altLang="zh-CN" dirty="0" smtClean="0"/>
               <a:t>() </a:t>
+            </a:r>
+            <a:r>
+              <a:rPr lang="zh-CN" altLang="en-US" dirty="0" smtClean="0"/>
+              <a:t>调用使它可见。</a:t>
             </a:r>
             <a:endParaRPr lang="zh-CN" altLang="en-US" dirty="0"/>
           </a:p>
@@ -10916,11 +10841,11 @@
             <a:pPr algn="l"/>
             <a:r>
               <a:rPr lang="en-US" altLang="zh-CN" dirty="0" smtClean="0"/>
-              <a:t>16.7</a:t>
-            </a:r>
-            <a:r>
-              <a:rPr lang="zh-CN" altLang="en-US" dirty="0" smtClean="0"/>
-              <a:t> 动画</a:t>
+              <a:t>16.6</a:t>
+            </a:r>
+            <a:r>
+              <a:rPr lang="zh-CN" altLang="en-US" dirty="0" smtClean="0"/>
+              <a:t> 动起来</a:t>
             </a:r>
             <a:endParaRPr lang="zh-CN" altLang="en-US" dirty="0"/>
           </a:p>
@@ -10939,7 +10864,7 @@
         <p:spPr/>
         <p:txBody>
           <a:bodyPr>
-            <a:normAutofit fontScale="92500" lnSpcReduction="20000"/>
+            <a:normAutofit lnSpcReduction="10000"/>
           </a:bodyPr>
           <a:lstStyle/>
           <a:p>
@@ -10947,12 +10872,32 @@
               <a:buNone/>
             </a:pPr>
             <a:r>
-              <a:rPr lang="zh-CN" altLang="en-US" b="1" dirty="0" smtClean="0"/>
-              <a:t>利用计算机图形做动画时，移动一个东西要完成两个步骤</a:t>
-            </a:r>
-            <a:r>
-              <a:rPr lang="zh-CN" altLang="en-US" dirty="0" smtClean="0"/>
-              <a:t>。 </a:t>
+              <a:rPr lang="zh-CN" altLang="en-US" dirty="0" smtClean="0"/>
+              <a:t>要移动沙滩球，就要改变它的位置。首先，先试着左右移动。为了确保能看到它 的运动，下面把它向右移动 </a:t>
+            </a:r>
+            <a:r>
+              <a:rPr lang="en-US" altLang="zh-CN" dirty="0" smtClean="0"/>
+              <a:t>100 </a:t>
+            </a:r>
+            <a:r>
+              <a:rPr lang="zh-CN" altLang="en-US" dirty="0" smtClean="0"/>
+              <a:t>像素。在指定位置的一对数中，第一个数对应左右方 向（水平方向），所以要向右移动 </a:t>
+            </a:r>
+            <a:r>
+              <a:rPr lang="en-US" altLang="zh-CN" dirty="0" smtClean="0"/>
+              <a:t>100 </a:t>
+            </a:r>
+            <a:r>
+              <a:rPr lang="zh-CN" altLang="en-US" dirty="0" smtClean="0"/>
+              <a:t>像素，需要把第一个数增加 </a:t>
+            </a:r>
+            <a:r>
+              <a:rPr lang="en-US" altLang="zh-CN" dirty="0" smtClean="0"/>
+              <a:t>100</a:t>
+            </a:r>
+            <a:r>
+              <a:rPr lang="zh-CN" altLang="en-US" dirty="0" smtClean="0"/>
+              <a:t>。</a:t>
             </a:r>
             <a:endParaRPr lang="en-US" altLang="zh-CN" dirty="0" smtClean="0"/>
           </a:p>
@@ -10965,118 +10910,36 @@
               <a:t>	</a:t>
             </a:r>
             <a:r>
+              <a:rPr lang="en-US" altLang="zh-CN" dirty="0" err="1" smtClean="0"/>
+              <a:t>pygame.time.delay</a:t>
+            </a:r>
+            <a:r>
+              <a:rPr lang="en-US" altLang="zh-CN" dirty="0" smtClean="0"/>
+              <a:t>(2000) </a:t>
+            </a:r>
+            <a:r>
+              <a:rPr lang="en-US" altLang="zh-CN" dirty="0" err="1" smtClean="0"/>
+              <a:t>screen.blit</a:t>
+            </a:r>
+            <a:r>
               <a:rPr lang="en-US" altLang="zh-CN" dirty="0" smtClean="0"/>
               <a:t>(</a:t>
             </a:r>
             <a:r>
-              <a:rPr lang="en-US" altLang="zh-CN" dirty="0" smtClean="0"/>
-              <a:t>1) </a:t>
-            </a:r>
-            <a:r>
-              <a:rPr lang="zh-CN" altLang="en-US" dirty="0" smtClean="0"/>
-              <a:t>在新的位置上画出图形</a:t>
-            </a:r>
-            <a:r>
-              <a:rPr lang="zh-CN" altLang="en-US" dirty="0" smtClean="0"/>
-              <a:t>。</a:t>
-            </a:r>
-            <a:endParaRPr lang="en-US" altLang="zh-CN" dirty="0" smtClean="0"/>
-          </a:p>
-          <a:p>
-            <a:pPr>
-              <a:buNone/>
-            </a:pPr>
-            <a:r>
-              <a:rPr lang="en-US" altLang="zh-CN" dirty="0" smtClean="0"/>
-              <a:t> </a:t>
-            </a:r>
-            <a:r>
-              <a:rPr lang="en-US" altLang="zh-CN" dirty="0" smtClean="0"/>
-              <a:t>  </a:t>
-            </a:r>
-            <a:r>
-              <a:rPr lang="zh-CN" altLang="en-US" dirty="0" smtClean="0"/>
-              <a:t> </a:t>
-            </a:r>
-            <a:r>
-              <a:rPr lang="en-US" altLang="zh-CN" dirty="0" smtClean="0"/>
-              <a:t>(2) </a:t>
-            </a:r>
-            <a:r>
-              <a:rPr lang="zh-CN" altLang="en-US" dirty="0" smtClean="0"/>
-              <a:t>把原来的图形擦掉</a:t>
-            </a:r>
-            <a:r>
-              <a:rPr lang="zh-CN" altLang="en-US" dirty="0" smtClean="0"/>
-              <a:t>。</a:t>
-            </a:r>
-            <a:endParaRPr lang="en-US" altLang="zh-CN" dirty="0" smtClean="0"/>
-          </a:p>
-          <a:p>
-            <a:pPr>
-              <a:buNone/>
-            </a:pPr>
-            <a:r>
-              <a:rPr lang="zh-CN" altLang="en-US" b="1" dirty="0" smtClean="0"/>
-              <a:t>擦掉</a:t>
-            </a:r>
-            <a:r>
-              <a:rPr lang="zh-CN" altLang="en-US" b="1" dirty="0" smtClean="0"/>
-              <a:t>图像</a:t>
-            </a:r>
-            <a:endParaRPr lang="en-US" altLang="zh-CN" b="1" dirty="0" smtClean="0"/>
-          </a:p>
-          <a:p>
-            <a:pPr>
-              <a:buNone/>
-            </a:pPr>
-            <a:r>
-              <a:rPr lang="en-US" altLang="zh-CN" dirty="0" smtClean="0"/>
-              <a:t>	</a:t>
-            </a:r>
-            <a:r>
-              <a:rPr lang="zh-CN" altLang="en-US" dirty="0" smtClean="0"/>
-              <a:t>在第一个沙滩球上画了一个白色</a:t>
-            </a:r>
-            <a:r>
-              <a:rPr lang="zh-CN" altLang="en-US" dirty="0" smtClean="0"/>
-              <a:t>矩形</a:t>
-            </a:r>
-            <a:r>
-              <a:rPr lang="en-US" altLang="zh-CN" dirty="0" smtClean="0"/>
-              <a:t>,</a:t>
-            </a:r>
-            <a:r>
-              <a:rPr lang="zh-CN" altLang="en-US" dirty="0" smtClean="0"/>
-              <a:t>覆盖原来的图像</a:t>
-            </a:r>
-            <a:endParaRPr lang="en-US" altLang="zh-CN" dirty="0" smtClean="0"/>
-          </a:p>
-          <a:p>
-            <a:pPr>
-              <a:buNone/>
-            </a:pPr>
-            <a:r>
-              <a:rPr lang="zh-CN" altLang="en-US" b="1" dirty="0" smtClean="0"/>
-              <a:t>底下有</a:t>
-            </a:r>
-            <a:r>
-              <a:rPr lang="zh-CN" altLang="en-US" b="1" dirty="0" smtClean="0"/>
-              <a:t>什么</a:t>
-            </a:r>
-            <a:endParaRPr lang="en-US" altLang="zh-CN" b="1" dirty="0" smtClean="0"/>
-          </a:p>
-          <a:p>
-            <a:pPr>
-              <a:buNone/>
-            </a:pPr>
-            <a:r>
-              <a:rPr lang="en-US" altLang="zh-CN" dirty="0" smtClean="0"/>
-              <a:t>	</a:t>
-            </a:r>
-            <a:r>
-              <a:rPr lang="zh-CN" altLang="en-US" dirty="0" smtClean="0"/>
-              <a:t>如果要擦掉的内容下面不是纯色的，就比较困难</a:t>
+              <a:rPr lang="en-US" altLang="zh-CN" dirty="0" err="1" smtClean="0"/>
+              <a:t>my_ball</a:t>
+            </a:r>
+            <a:r>
+              <a:rPr lang="en-US" altLang="zh-CN" dirty="0" smtClean="0"/>
+              <a:t>,[150, 50]) </a:t>
+            </a:r>
+            <a:r>
+              <a:rPr lang="en-US" altLang="zh-CN" dirty="0" err="1" smtClean="0"/>
+              <a:t>pygame.display.flip</a:t>
+            </a:r>
+            <a:r>
+              <a:rPr lang="en-US" altLang="zh-CN" dirty="0" smtClean="0"/>
+              <a:t>() </a:t>
             </a:r>
             <a:endParaRPr lang="zh-CN" altLang="en-US" dirty="0"/>
           </a:p>
@@ -11391,15 +11254,11 @@
             <a:pPr algn="l"/>
             <a:r>
               <a:rPr lang="en-US" altLang="zh-CN" dirty="0" smtClean="0"/>
-              <a:t>16.8</a:t>
-            </a:r>
-            <a:r>
-              <a:rPr lang="zh-CN" altLang="en-US" dirty="0" smtClean="0"/>
-              <a:t> 让</a:t>
-            </a:r>
-            <a:r>
-              <a:rPr lang="zh-CN" altLang="en-US" dirty="0" smtClean="0"/>
-              <a:t>球反弹</a:t>
+              <a:t>16.7</a:t>
+            </a:r>
+            <a:r>
+              <a:rPr lang="zh-CN" altLang="en-US" dirty="0" smtClean="0"/>
+              <a:t> 动画</a:t>
             </a:r>
             <a:endParaRPr lang="zh-CN" altLang="en-US" dirty="0"/>
           </a:p>
@@ -11418,7 +11277,7 @@
         <p:spPr/>
         <p:txBody>
           <a:bodyPr>
-            <a:normAutofit/>
+            <a:normAutofit fontScale="92500" lnSpcReduction="20000"/>
           </a:bodyPr>
           <a:lstStyle/>
           <a:p>
@@ -11427,19 +11286,7 @@
             </a:pPr>
             <a:r>
               <a:rPr lang="zh-CN" altLang="en-US" b="1" dirty="0" smtClean="0"/>
-              <a:t>在</a:t>
-            </a:r>
-            <a:r>
-              <a:rPr lang="zh-CN" altLang="en-US" b="1" dirty="0" smtClean="0"/>
-              <a:t>左边界</a:t>
-            </a:r>
-            <a:r>
-              <a:rPr lang="zh-CN" altLang="en-US" dirty="0" smtClean="0"/>
-              <a:t>，这很容易，因为我们只需要检查球的位置是不是等于 </a:t>
-            </a:r>
-            <a:r>
-              <a:rPr lang="en-US" altLang="zh-CN" dirty="0" smtClean="0"/>
-              <a:t>0</a:t>
+              <a:t>利用计算机图形做动画时，移动一个东西要完成两个步骤</a:t>
             </a:r>
             <a:r>
               <a:rPr lang="zh-CN" altLang="en-US" dirty="0" smtClean="0"/>
@@ -11452,20 +11299,12 @@
               <a:buNone/>
             </a:pPr>
             <a:r>
-              <a:rPr lang="zh-CN" altLang="en-US" b="1" dirty="0" smtClean="0"/>
-              <a:t>在</a:t>
-            </a:r>
-            <a:r>
-              <a:rPr lang="zh-CN" altLang="en-US" b="1" dirty="0" smtClean="0"/>
-              <a:t>右边界</a:t>
-            </a:r>
-            <a:r>
-              <a:rPr lang="zh-CN" altLang="en-US" dirty="0" smtClean="0"/>
-              <a:t>，就要查看球的右边界是不是在窗口的右边界上。不过，球的位置是 按它的左边界（左上角）而不是右边界设置的。所以必须减去球的</a:t>
-            </a:r>
-            <a:r>
-              <a:rPr lang="zh-CN" altLang="en-US" dirty="0" smtClean="0"/>
-              <a:t>宽度</a:t>
+              <a:rPr lang="en-US" altLang="zh-CN" dirty="0" smtClean="0"/>
+              <a:t>	(1) </a:t>
+            </a:r>
+            <a:r>
+              <a:rPr lang="zh-CN" altLang="en-US" dirty="0" smtClean="0"/>
+              <a:t>在新的位置上画出图形。</a:t>
             </a:r>
             <a:endParaRPr lang="en-US" altLang="zh-CN" dirty="0" smtClean="0"/>
           </a:p>
@@ -11474,34 +11313,78 @@
               <a:buNone/>
             </a:pPr>
             <a:r>
+              <a:rPr lang="en-US" altLang="zh-CN" dirty="0" smtClean="0"/>
+              <a:t>   </a:t>
+            </a:r>
+            <a:r>
+              <a:rPr lang="zh-CN" altLang="en-US" dirty="0" smtClean="0"/>
+              <a:t> </a:t>
+            </a:r>
+            <a:r>
+              <a:rPr lang="en-US" altLang="zh-CN" dirty="0" smtClean="0"/>
+              <a:t>(2) </a:t>
+            </a:r>
+            <a:r>
+              <a:rPr lang="zh-CN" altLang="en-US" dirty="0" smtClean="0"/>
+              <a:t>把原来的图形擦掉。</a:t>
+            </a:r>
+            <a:endParaRPr lang="en-US" altLang="zh-CN" dirty="0" smtClean="0"/>
+          </a:p>
+          <a:p>
+            <a:pPr>
+              <a:buNone/>
+            </a:pPr>
+            <a:r>
               <a:rPr lang="zh-CN" altLang="en-US" b="1" dirty="0" smtClean="0"/>
-              <a:t>在 </a:t>
-            </a:r>
-            <a:r>
-              <a:rPr lang="en-US" altLang="zh-CN" b="1" dirty="0" smtClean="0"/>
-              <a:t>2D </a:t>
-            </a:r>
+              <a:t>擦掉图像</a:t>
+            </a:r>
+            <a:endParaRPr lang="en-US" altLang="zh-CN" b="1" dirty="0" smtClean="0"/>
+          </a:p>
+          <a:p>
+            <a:pPr>
+              <a:buNone/>
+            </a:pPr>
+            <a:r>
+              <a:rPr lang="en-US" altLang="zh-CN" dirty="0" smtClean="0"/>
+              <a:t>	</a:t>
+            </a:r>
+            <a:r>
+              <a:rPr lang="zh-CN" altLang="en-US" dirty="0" smtClean="0"/>
+              <a:t>在第一个沙滩球上画了一个白色矩形</a:t>
+            </a:r>
+            <a:r>
+              <a:rPr lang="en-US" altLang="zh-CN" dirty="0" smtClean="0"/>
+              <a:t>,</a:t>
+            </a:r>
+            <a:r>
+              <a:rPr lang="zh-CN" altLang="en-US" dirty="0" smtClean="0"/>
+              <a:t>覆盖原来的图像</a:t>
+            </a:r>
+            <a:endParaRPr lang="en-US" altLang="zh-CN" dirty="0" smtClean="0"/>
+          </a:p>
+          <a:p>
+            <a:pPr>
+              <a:buNone/>
+            </a:pPr>
             <a:r>
               <a:rPr lang="zh-CN" altLang="en-US" b="1" dirty="0" smtClean="0"/>
-              <a:t>空间中</a:t>
-            </a:r>
-            <a:r>
-              <a:rPr lang="zh-CN" altLang="en-US" b="1" dirty="0" smtClean="0"/>
-              <a:t>反弹，</a:t>
-            </a:r>
-            <a:r>
-              <a:rPr lang="zh-CN" altLang="en-US" dirty="0" smtClean="0"/>
-              <a:t>现在，让 它</a:t>
-            </a:r>
-            <a:r>
-              <a:rPr lang="zh-CN" altLang="en-US" dirty="0" smtClean="0"/>
-              <a:t>同时上下、左右移动</a:t>
-            </a:r>
-            <a:r>
-              <a:rPr lang="zh-CN" altLang="en-US" dirty="0" smtClean="0"/>
-              <a:t>。</a:t>
-            </a:r>
-            <a:endParaRPr lang="zh-CN" altLang="en-US" b="1" dirty="0"/>
+              <a:t>底下有什么</a:t>
+            </a:r>
+            <a:endParaRPr lang="en-US" altLang="zh-CN" b="1" dirty="0" smtClean="0"/>
+          </a:p>
+          <a:p>
+            <a:pPr>
+              <a:buNone/>
+            </a:pPr>
+            <a:r>
+              <a:rPr lang="en-US" altLang="zh-CN" dirty="0" smtClean="0"/>
+              <a:t>	</a:t>
+            </a:r>
+            <a:r>
+              <a:rPr lang="zh-CN" altLang="en-US" dirty="0" smtClean="0"/>
+              <a:t>如果要擦掉的内容下面不是纯色的，就比较困难</a:t>
+            </a:r>
+            <a:endParaRPr lang="zh-CN" altLang="en-US" dirty="0"/>
           </a:p>
         </p:txBody>
       </p:sp>
@@ -11547,8 +11430,12 @@
           <a:p>
             <a:pPr algn="l"/>
             <a:r>
-              <a:rPr lang="zh-CN" altLang="en-US" dirty="0" smtClean="0"/>
-              <a:t>测试题</a:t>
+              <a:rPr lang="en-US" altLang="zh-CN" dirty="0" smtClean="0"/>
+              <a:t>16.8</a:t>
+            </a:r>
+            <a:r>
+              <a:rPr lang="zh-CN" altLang="en-US" dirty="0" smtClean="0"/>
+              <a:t> 让球反弹</a:t>
             </a:r>
             <a:endParaRPr lang="zh-CN" altLang="en-US" dirty="0"/>
           </a:p>
@@ -11571,142 +11458,60 @@
           </a:bodyPr>
           <a:lstStyle/>
           <a:p>
-            <a:pPr marL="514350" indent="-514350">
-              <a:buAutoNum type="arabicPeriod"/>
+            <a:pPr>
+              <a:buNone/>
             </a:pPr>
             <a:r>
-              <a:rPr lang="en-US" altLang="zh-CN" dirty="0" smtClean="0"/>
-              <a:t>RGB </a:t>
-            </a:r>
-            <a:r>
-              <a:rPr lang="zh-CN" altLang="en-US" dirty="0" smtClean="0"/>
-              <a:t>值 </a:t>
-            </a:r>
-            <a:r>
-              <a:rPr lang="en-US" altLang="zh-CN" dirty="0" smtClean="0"/>
-              <a:t>[255, 255, 255] </a:t>
-            </a:r>
-            <a:r>
-              <a:rPr lang="zh-CN" altLang="en-US" dirty="0" smtClean="0"/>
-              <a:t>会得到什么颜色？ </a:t>
+              <a:rPr lang="zh-CN" altLang="en-US" b="1" dirty="0" smtClean="0"/>
+              <a:t>在左边界</a:t>
+            </a:r>
+            <a:r>
+              <a:rPr lang="zh-CN" altLang="en-US" dirty="0" smtClean="0"/>
+              <a:t>，这很容易，因为我们只需要检查球的位置是不是等于 </a:t>
+            </a:r>
+            <a:r>
+              <a:rPr lang="en-US" altLang="zh-CN" dirty="0" smtClean="0"/>
+              <a:t>0</a:t>
+            </a:r>
+            <a:r>
+              <a:rPr lang="zh-CN" altLang="en-US" dirty="0" smtClean="0"/>
+              <a:t>。 </a:t>
             </a:r>
             <a:endParaRPr lang="en-US" altLang="zh-CN" dirty="0" smtClean="0"/>
           </a:p>
           <a:p>
-            <a:pPr marL="514350" indent="-514350">
-              <a:buAutoNum type="arabicPeriod"/>
+            <a:pPr>
+              <a:buNone/>
             </a:pPr>
             <a:r>
-              <a:rPr lang="en-US" altLang="zh-CN" dirty="0" smtClean="0"/>
-              <a:t>RGB </a:t>
-            </a:r>
-            <a:r>
-              <a:rPr lang="zh-CN" altLang="en-US" dirty="0" smtClean="0"/>
-              <a:t>值 </a:t>
-            </a:r>
-            <a:r>
-              <a:rPr lang="en-US" altLang="zh-CN" dirty="0" smtClean="0"/>
-              <a:t>[0, 255, 0] </a:t>
-            </a:r>
-            <a:r>
-              <a:rPr lang="zh-CN" altLang="en-US" dirty="0" smtClean="0"/>
-              <a:t>会得到什么颜色？ </a:t>
+              <a:rPr lang="zh-CN" altLang="en-US" b="1" dirty="0" smtClean="0"/>
+              <a:t>在右边界</a:t>
+            </a:r>
+            <a:r>
+              <a:rPr lang="zh-CN" altLang="en-US" dirty="0" smtClean="0"/>
+              <a:t>，就要查看球的右边界是不是在窗口的右边界上。不过，球的位置是 按它的左边界（左上角）而不是右边界设置的。所以必须减去球的宽度</a:t>
             </a:r>
             <a:endParaRPr lang="en-US" altLang="zh-CN" dirty="0" smtClean="0"/>
           </a:p>
           <a:p>
-            <a:pPr marL="514350" indent="-514350">
-              <a:buAutoNum type="arabicPeriod"/>
+            <a:pPr>
+              <a:buNone/>
             </a:pPr>
             <a:r>
-              <a:rPr lang="zh-CN" altLang="en-US" dirty="0" smtClean="0"/>
-              <a:t>使用</a:t>
-            </a:r>
-            <a:r>
-              <a:rPr lang="zh-CN" altLang="en-US" dirty="0" smtClean="0"/>
-              <a:t>哪个 </a:t>
-            </a:r>
-            <a:r>
-              <a:rPr lang="en-US" altLang="zh-CN" dirty="0" err="1" smtClean="0"/>
-              <a:t>Pygame</a:t>
-            </a:r>
-            <a:r>
-              <a:rPr lang="en-US" altLang="zh-CN" dirty="0" smtClean="0"/>
-              <a:t> </a:t>
-            </a:r>
-            <a:r>
-              <a:rPr lang="zh-CN" altLang="en-US" dirty="0" smtClean="0"/>
-              <a:t>方法来画矩形？ </a:t>
-            </a:r>
-            <a:endParaRPr lang="en-US" altLang="zh-CN" dirty="0" smtClean="0"/>
-          </a:p>
-          <a:p>
-            <a:pPr marL="514350" indent="-514350">
-              <a:buAutoNum type="arabicPeriod"/>
-            </a:pPr>
-            <a:r>
-              <a:rPr lang="zh-CN" altLang="en-US" dirty="0" smtClean="0"/>
-              <a:t>使用</a:t>
-            </a:r>
-            <a:r>
-              <a:rPr lang="zh-CN" altLang="en-US" dirty="0" smtClean="0"/>
-              <a:t>哪个 </a:t>
-            </a:r>
-            <a:r>
-              <a:rPr lang="en-US" altLang="zh-CN" dirty="0" err="1" smtClean="0"/>
-              <a:t>Pygame</a:t>
-            </a:r>
-            <a:r>
-              <a:rPr lang="en-US" altLang="zh-CN" dirty="0" smtClean="0"/>
-              <a:t> </a:t>
-            </a:r>
-            <a:r>
-              <a:rPr lang="zh-CN" altLang="en-US" dirty="0" smtClean="0"/>
-              <a:t>方法来画线将多个点连接在一起？ </a:t>
-            </a:r>
-            <a:endParaRPr lang="en-US" altLang="zh-CN" dirty="0" smtClean="0"/>
-          </a:p>
-          <a:p>
-            <a:pPr marL="514350" indent="-514350">
-              <a:buAutoNum type="arabicPeriod"/>
-            </a:pPr>
-            <a:r>
-              <a:rPr lang="en-US" altLang="zh-CN" dirty="0" smtClean="0"/>
-              <a:t>“</a:t>
-            </a:r>
-            <a:r>
-              <a:rPr lang="zh-CN" altLang="en-US" dirty="0" smtClean="0"/>
-              <a:t>像素”是什么意思？ </a:t>
-            </a:r>
-            <a:endParaRPr lang="en-US" altLang="zh-CN" dirty="0" smtClean="0"/>
-          </a:p>
-          <a:p>
-            <a:pPr marL="514350" indent="-514350">
-              <a:buAutoNum type="arabicPeriod"/>
-            </a:pPr>
-            <a:r>
-              <a:rPr lang="zh-CN" altLang="en-US" dirty="0" smtClean="0"/>
+              <a:rPr lang="zh-CN" altLang="en-US" b="1" dirty="0" smtClean="0"/>
               <a:t>在 </a:t>
             </a:r>
             <a:r>
-              <a:rPr lang="en-US" altLang="zh-CN" dirty="0" err="1" smtClean="0"/>
-              <a:t>Pygame</a:t>
-            </a:r>
-            <a:r>
-              <a:rPr lang="en-US" altLang="zh-CN" dirty="0" smtClean="0"/>
-              <a:t> </a:t>
-            </a:r>
-            <a:r>
-              <a:rPr lang="zh-CN" altLang="en-US" dirty="0" smtClean="0"/>
-              <a:t>窗口中，位置 </a:t>
-            </a:r>
-            <a:r>
-              <a:rPr lang="en-US" altLang="zh-CN" dirty="0" smtClean="0"/>
-              <a:t>[0, 0] </a:t>
-            </a:r>
-            <a:r>
-              <a:rPr lang="zh-CN" altLang="en-US" dirty="0" smtClean="0"/>
-              <a:t>在哪里？</a:t>
+              <a:rPr lang="en-US" altLang="zh-CN" b="1" dirty="0" smtClean="0"/>
+              <a:t>2D </a:t>
+            </a:r>
+            <a:r>
+              <a:rPr lang="zh-CN" altLang="en-US" b="1" dirty="0" smtClean="0"/>
+              <a:t>空间中反弹，</a:t>
+            </a:r>
+            <a:r>
+              <a:rPr lang="zh-CN" altLang="en-US" dirty="0" smtClean="0"/>
+              <a:t>现在，让 它同时上下、左右移动。</a:t>
             </a:r>
             <a:endParaRPr lang="zh-CN" altLang="en-US" b="1" dirty="0"/>
           </a:p>
@@ -11755,7 +11560,7 @@
             <a:pPr algn="l"/>
             <a:r>
               <a:rPr lang="zh-CN" altLang="en-US" dirty="0" smtClean="0"/>
-              <a:t>动手试一试</a:t>
+              <a:t>测试题</a:t>
             </a:r>
             <a:endParaRPr lang="zh-CN" altLang="en-US" dirty="0"/>
           </a:p>
@@ -11782,52 +11587,20 @@
               <a:buAutoNum type="arabicPeriod"/>
             </a:pPr>
             <a:r>
-              <a:rPr lang="zh-CN" altLang="en-US" dirty="0" smtClean="0"/>
-              <a:t>试着改变代码清单 </a:t>
-            </a:r>
-            <a:r>
-              <a:rPr lang="en-US" altLang="zh-CN" dirty="0" smtClean="0"/>
-              <a:t>16-15 </a:t>
-            </a:r>
-            <a:r>
-              <a:rPr lang="zh-CN" altLang="en-US" dirty="0" smtClean="0"/>
-              <a:t>或代码清单 </a:t>
-            </a:r>
-            <a:r>
-              <a:rPr lang="en-US" altLang="zh-CN" dirty="0" smtClean="0"/>
-              <a:t>16-16 </a:t>
-            </a:r>
-            <a:r>
-              <a:rPr lang="zh-CN" altLang="en-US" dirty="0" smtClean="0"/>
-              <a:t>中的 </a:t>
-            </a:r>
-            <a:r>
-              <a:rPr lang="en-US" altLang="zh-CN" dirty="0" err="1" smtClean="0"/>
-              <a:t>x_speed</a:t>
-            </a:r>
-            <a:r>
-              <a:rPr lang="en-US" altLang="zh-CN" dirty="0" smtClean="0"/>
-              <a:t> </a:t>
-            </a:r>
-            <a:r>
-              <a:rPr lang="zh-CN" altLang="en-US" dirty="0" smtClean="0"/>
-              <a:t>和 </a:t>
-            </a:r>
-            <a:r>
-              <a:rPr lang="en-US" altLang="zh-CN" dirty="0" err="1" smtClean="0"/>
-              <a:t>y_speed</a:t>
-            </a:r>
-            <a:r>
-              <a:rPr lang="en-US" altLang="zh-CN" dirty="0" smtClean="0"/>
-              <a:t> </a:t>
-            </a:r>
-            <a:r>
-              <a:rPr lang="zh-CN" altLang="en-US" dirty="0" smtClean="0"/>
-              <a:t>值，让 球移动得更快或更慢，并在不同方向上</a:t>
-            </a:r>
-            <a:r>
-              <a:rPr lang="zh-CN" altLang="en-US" dirty="0" smtClean="0"/>
-              <a:t>移动</a:t>
+              <a:rPr lang="en-US" altLang="zh-CN" dirty="0" smtClean="0"/>
+              <a:t>RGB </a:t>
+            </a:r>
+            <a:r>
+              <a:rPr lang="zh-CN" altLang="en-US" dirty="0" smtClean="0"/>
+              <a:t>值 </a:t>
+            </a:r>
+            <a:r>
+              <a:rPr lang="en-US" altLang="zh-CN" dirty="0" smtClean="0"/>
+              <a:t>[255, 255, 255] </a:t>
+            </a:r>
+            <a:r>
+              <a:rPr lang="zh-CN" altLang="en-US" dirty="0" smtClean="0"/>
+              <a:t>会得到什么颜色？ </a:t>
             </a:r>
             <a:endParaRPr lang="en-US" altLang="zh-CN" dirty="0" smtClean="0"/>
           </a:p>
@@ -11836,6 +11609,233 @@
               <a:buAutoNum type="arabicPeriod"/>
             </a:pPr>
             <a:r>
+              <a:rPr lang="en-US" altLang="zh-CN" dirty="0" smtClean="0"/>
+              <a:t>RGB </a:t>
+            </a:r>
+            <a:r>
+              <a:rPr lang="zh-CN" altLang="en-US" dirty="0" smtClean="0"/>
+              <a:t>值 </a:t>
+            </a:r>
+            <a:r>
+              <a:rPr lang="en-US" altLang="zh-CN" dirty="0" smtClean="0"/>
+              <a:t>[0, 255, 0] </a:t>
+            </a:r>
+            <a:r>
+              <a:rPr lang="zh-CN" altLang="en-US" dirty="0" smtClean="0"/>
+              <a:t>会得到什么颜色？ </a:t>
+            </a:r>
+            <a:endParaRPr lang="en-US" altLang="zh-CN" dirty="0" smtClean="0"/>
+          </a:p>
+          <a:p>
+            <a:pPr marL="514350" indent="-514350">
+              <a:buAutoNum type="arabicPeriod"/>
+            </a:pPr>
+            <a:r>
+              <a:rPr lang="zh-CN" altLang="en-US" dirty="0" smtClean="0"/>
+              <a:t>使用哪个 </a:t>
+            </a:r>
+            <a:r>
+              <a:rPr lang="en-US" altLang="zh-CN" dirty="0" err="1" smtClean="0"/>
+              <a:t>Pygame</a:t>
+            </a:r>
+            <a:r>
+              <a:rPr lang="en-US" altLang="zh-CN" dirty="0" smtClean="0"/>
+              <a:t> </a:t>
+            </a:r>
+            <a:r>
+              <a:rPr lang="zh-CN" altLang="en-US" dirty="0" smtClean="0"/>
+              <a:t>方法来画矩形？ </a:t>
+            </a:r>
+            <a:endParaRPr lang="en-US" altLang="zh-CN" dirty="0" smtClean="0"/>
+          </a:p>
+          <a:p>
+            <a:pPr marL="514350" indent="-514350">
+              <a:buAutoNum type="arabicPeriod"/>
+            </a:pPr>
+            <a:r>
+              <a:rPr lang="zh-CN" altLang="en-US" dirty="0" smtClean="0"/>
+              <a:t>使用哪个 </a:t>
+            </a:r>
+            <a:r>
+              <a:rPr lang="en-US" altLang="zh-CN" dirty="0" err="1" smtClean="0"/>
+              <a:t>Pygame</a:t>
+            </a:r>
+            <a:r>
+              <a:rPr lang="en-US" altLang="zh-CN" dirty="0" smtClean="0"/>
+              <a:t> </a:t>
+            </a:r>
+            <a:r>
+              <a:rPr lang="zh-CN" altLang="en-US" dirty="0" smtClean="0"/>
+              <a:t>方法来画线将多个点连接在一起？ </a:t>
+            </a:r>
+            <a:endParaRPr lang="en-US" altLang="zh-CN" dirty="0" smtClean="0"/>
+          </a:p>
+          <a:p>
+            <a:pPr marL="514350" indent="-514350">
+              <a:buAutoNum type="arabicPeriod"/>
+            </a:pPr>
+            <a:r>
+              <a:rPr lang="en-US" altLang="zh-CN" dirty="0" smtClean="0"/>
+              <a:t>“</a:t>
+            </a:r>
+            <a:r>
+              <a:rPr lang="zh-CN" altLang="en-US" dirty="0" smtClean="0"/>
+              <a:t>像素”是什么意思？ </a:t>
+            </a:r>
+            <a:endParaRPr lang="en-US" altLang="zh-CN" dirty="0" smtClean="0"/>
+          </a:p>
+          <a:p>
+            <a:pPr marL="514350" indent="-514350">
+              <a:buAutoNum type="arabicPeriod"/>
+            </a:pPr>
+            <a:r>
+              <a:rPr lang="zh-CN" altLang="en-US" dirty="0" smtClean="0"/>
+              <a:t>在 </a:t>
+            </a:r>
+            <a:r>
+              <a:rPr lang="en-US" altLang="zh-CN" dirty="0" err="1" smtClean="0"/>
+              <a:t>Pygame</a:t>
+            </a:r>
+            <a:r>
+              <a:rPr lang="en-US" altLang="zh-CN" dirty="0" smtClean="0"/>
+              <a:t> </a:t>
+            </a:r>
+            <a:r>
+              <a:rPr lang="zh-CN" altLang="en-US" dirty="0" smtClean="0"/>
+              <a:t>窗口中，位置 </a:t>
+            </a:r>
+            <a:r>
+              <a:rPr lang="en-US" altLang="zh-CN" dirty="0" smtClean="0"/>
+              <a:t>[0, 0] </a:t>
+            </a:r>
+            <a:r>
+              <a:rPr lang="zh-CN" altLang="en-US" dirty="0" smtClean="0"/>
+              <a:t>在哪里？</a:t>
+            </a:r>
+            <a:endParaRPr lang="zh-CN" altLang="en-US" b="1" dirty="0"/>
+          </a:p>
+        </p:txBody>
+      </p:sp>
+    </p:spTree>
+  </p:cSld>
+  <p:clrMapOvr>
+    <a:masterClrMapping/>
+  </p:clrMapOvr>
+</p:sld>
+</file>
+
+<file path=ppt/slides/slide153.xml><?xml version="1.0" encoding="utf-8"?>
+<p:sld xmlns:a="http://schemas.openxmlformats.org/drawingml/2006/main" xmlns:r="http://schemas.openxmlformats.org/officeDocument/2006/relationships" xmlns:p="http://schemas.openxmlformats.org/presentationml/2006/main">
+  <p:cSld>
+    <p:spTree>
+      <p:nvGrpSpPr>
+        <p:cNvPr id="1" name=""/>
+        <p:cNvGrpSpPr/>
+        <p:nvPr/>
+      </p:nvGrpSpPr>
+      <p:grpSpPr>
+        <a:xfrm>
+          <a:off x="0" y="0"/>
+          <a:ext cx="0" cy="0"/>
+          <a:chOff x="0" y="0"/>
+          <a:chExt cx="0" cy="0"/>
+        </a:xfrm>
+      </p:grpSpPr>
+      <p:sp>
+        <p:nvSpPr>
+          <p:cNvPr id="2" name="标题 1"/>
+          <p:cNvSpPr>
+            <a:spLocks noGrp="1"/>
+          </p:cNvSpPr>
+          <p:nvPr>
+            <p:ph type="title"/>
+          </p:nvPr>
+        </p:nvSpPr>
+        <p:spPr/>
+        <p:txBody>
+          <a:bodyPr/>
+          <a:lstStyle/>
+          <a:p>
+            <a:pPr algn="l"/>
+            <a:r>
+              <a:rPr lang="zh-CN" altLang="en-US" dirty="0" smtClean="0"/>
+              <a:t>动手试一试</a:t>
+            </a:r>
+            <a:endParaRPr lang="zh-CN" altLang="en-US" dirty="0"/>
+          </a:p>
+        </p:txBody>
+      </p:sp>
+      <p:sp>
+        <p:nvSpPr>
+          <p:cNvPr id="3" name="内容占位符 2"/>
+          <p:cNvSpPr>
+            <a:spLocks noGrp="1"/>
+          </p:cNvSpPr>
+          <p:nvPr>
+            <p:ph idx="1"/>
+          </p:nvPr>
+        </p:nvSpPr>
+        <p:spPr/>
+        <p:txBody>
+          <a:bodyPr>
+            <a:normAutofit/>
+          </a:bodyPr>
+          <a:lstStyle/>
+          <a:p>
+            <a:pPr marL="514350" indent="-514350">
+              <a:buAutoNum type="arabicPeriod"/>
+            </a:pPr>
+            <a:r>
+              <a:rPr lang="zh-CN" altLang="en-US" dirty="0" smtClean="0"/>
+              <a:t>试着改变代码清单 </a:t>
+            </a:r>
+            <a:r>
+              <a:rPr lang="en-US" altLang="zh-CN" dirty="0" smtClean="0"/>
+              <a:t>16-15 </a:t>
+            </a:r>
+            <a:r>
+              <a:rPr lang="zh-CN" altLang="en-US" dirty="0" smtClean="0"/>
+              <a:t>或代码清单 </a:t>
+            </a:r>
+            <a:r>
+              <a:rPr lang="en-US" altLang="zh-CN" dirty="0" smtClean="0"/>
+              <a:t>16-16 </a:t>
+            </a:r>
+            <a:r>
+              <a:rPr lang="zh-CN" altLang="en-US" dirty="0" smtClean="0"/>
+              <a:t>中的 </a:t>
+            </a:r>
+            <a:r>
+              <a:rPr lang="en-US" altLang="zh-CN" dirty="0" err="1" smtClean="0"/>
+              <a:t>x_speed</a:t>
+            </a:r>
+            <a:r>
+              <a:rPr lang="en-US" altLang="zh-CN" dirty="0" smtClean="0"/>
+              <a:t> </a:t>
+            </a:r>
+            <a:r>
+              <a:rPr lang="zh-CN" altLang="en-US" dirty="0" smtClean="0"/>
+              <a:t>和 </a:t>
+            </a:r>
+            <a:r>
+              <a:rPr lang="en-US" altLang="zh-CN" dirty="0" err="1" smtClean="0"/>
+              <a:t>y_speed</a:t>
+            </a:r>
+            <a:r>
+              <a:rPr lang="en-US" altLang="zh-CN" dirty="0" smtClean="0"/>
+              <a:t> </a:t>
+            </a:r>
+            <a:r>
+              <a:rPr lang="zh-CN" altLang="en-US" dirty="0" smtClean="0"/>
+              <a:t>值，让 球移动得更快或更慢，并在不同方向上移动</a:t>
+            </a:r>
+            <a:endParaRPr lang="en-US" altLang="zh-CN" dirty="0" smtClean="0"/>
+          </a:p>
+          <a:p>
+            <a:pPr marL="514350" indent="-514350">
+              <a:buAutoNum type="arabicPeriod"/>
+            </a:pPr>
+            <a:r>
               <a:rPr lang="zh-CN" altLang="en-US" dirty="0" smtClean="0"/>
               <a:t>试着修改代码清单 </a:t>
             </a:r>
@@ -11848,6 +11848,1020 @@
               <a:t>，让球在隐形的墙或地板（不是窗口边界）上反弹。</a:t>
             </a:r>
             <a:endParaRPr lang="zh-CN" altLang="en-US" b="1" dirty="0"/>
+          </a:p>
+        </p:txBody>
+      </p:sp>
+      <p:sp>
+        <p:nvSpPr>
+          <p:cNvPr id="4" name="矩形 3"/>
+          <p:cNvSpPr/>
+          <p:nvPr/>
+        </p:nvSpPr>
+        <p:spPr>
+          <a:xfrm>
+            <a:off x="2286000" y="2967335"/>
+            <a:ext cx="4572000" cy="923330"/>
+          </a:xfrm>
+          <a:prstGeom prst="rect">
+            <a:avLst/>
+          </a:prstGeom>
+        </p:spPr>
+        <p:txBody>
+          <a:bodyPr>
+            <a:spAutoFit/>
+          </a:bodyPr>
+          <a:lstStyle/>
+          <a:p>
+            <a:r>
+              <a:rPr lang="en-US" altLang="zh-CN" dirty="0" smtClean="0"/>
+              <a:t>from </a:t>
+            </a:r>
+            <a:r>
+              <a:rPr lang="en-US" altLang="zh-CN" dirty="0" err="1" smtClean="0"/>
+              <a:t>pygame.color</a:t>
+            </a:r>
+            <a:r>
+              <a:rPr lang="en-US" altLang="zh-CN" dirty="0" smtClean="0"/>
+              <a:t> import THECOLORS  # use color names</a:t>
+            </a:r>
+          </a:p>
+          <a:p>
+            <a:endParaRPr lang="en-US" altLang="zh-CN" dirty="0"/>
+          </a:p>
+        </p:txBody>
+      </p:sp>
+    </p:spTree>
+  </p:cSld>
+  <p:clrMapOvr>
+    <a:masterClrMapping/>
+  </p:clrMapOvr>
+</p:sld>
+</file>
+
+<file path=ppt/slides/slide154.xml><?xml version="1.0" encoding="utf-8"?>
+<p:sld xmlns:a="http://schemas.openxmlformats.org/drawingml/2006/main" xmlns:r="http://schemas.openxmlformats.org/officeDocument/2006/relationships" xmlns:p="http://schemas.openxmlformats.org/presentationml/2006/main">
+  <p:cSld>
+    <p:spTree>
+      <p:nvGrpSpPr>
+        <p:cNvPr id="1" name=""/>
+        <p:cNvGrpSpPr/>
+        <p:nvPr/>
+      </p:nvGrpSpPr>
+      <p:grpSpPr>
+        <a:xfrm>
+          <a:off x="0" y="0"/>
+          <a:ext cx="0" cy="0"/>
+          <a:chOff x="0" y="0"/>
+          <a:chExt cx="0" cy="0"/>
+        </a:xfrm>
+      </p:grpSpPr>
+      <p:sp>
+        <p:nvSpPr>
+          <p:cNvPr id="2" name="标题 1"/>
+          <p:cNvSpPr>
+            <a:spLocks noGrp="1"/>
+          </p:cNvSpPr>
+          <p:nvPr>
+            <p:ph type="title"/>
+          </p:nvPr>
+        </p:nvSpPr>
+        <p:spPr/>
+        <p:txBody>
+          <a:bodyPr/>
+          <a:lstStyle/>
+          <a:p>
+            <a:pPr algn="l"/>
+            <a:r>
+              <a:rPr lang="en-US" altLang="zh-CN" dirty="0" smtClean="0"/>
+              <a:t>17  </a:t>
+            </a:r>
+            <a:r>
+              <a:rPr lang="zh-CN" altLang="en-US" dirty="0" smtClean="0"/>
+              <a:t>动画</a:t>
+            </a:r>
+            <a:r>
+              <a:rPr lang="zh-CN" altLang="en-US" dirty="0" smtClean="0"/>
+              <a:t>精灵和碰撞检测 </a:t>
+            </a:r>
+            <a:endParaRPr lang="zh-CN" altLang="en-US" dirty="0"/>
+          </a:p>
+        </p:txBody>
+      </p:sp>
+    </p:spTree>
+  </p:cSld>
+  <p:clrMapOvr>
+    <a:masterClrMapping/>
+  </p:clrMapOvr>
+</p:sld>
+</file>
+
+<file path=ppt/slides/slide155.xml><?xml version="1.0" encoding="utf-8"?>
+<p:sld xmlns:a="http://schemas.openxmlformats.org/drawingml/2006/main" xmlns:r="http://schemas.openxmlformats.org/officeDocument/2006/relationships" xmlns:p="http://schemas.openxmlformats.org/presentationml/2006/main">
+  <p:cSld>
+    <p:spTree>
+      <p:nvGrpSpPr>
+        <p:cNvPr id="1" name=""/>
+        <p:cNvGrpSpPr/>
+        <p:nvPr/>
+      </p:nvGrpSpPr>
+      <p:grpSpPr>
+        <a:xfrm>
+          <a:off x="0" y="0"/>
+          <a:ext cx="0" cy="0"/>
+          <a:chOff x="0" y="0"/>
+          <a:chExt cx="0" cy="0"/>
+        </a:xfrm>
+      </p:grpSpPr>
+      <p:sp>
+        <p:nvSpPr>
+          <p:cNvPr id="2" name="标题 1"/>
+          <p:cNvSpPr>
+            <a:spLocks noGrp="1"/>
+          </p:cNvSpPr>
+          <p:nvPr>
+            <p:ph type="title"/>
+          </p:nvPr>
+        </p:nvSpPr>
+        <p:spPr/>
+        <p:txBody>
+          <a:bodyPr/>
+          <a:lstStyle/>
+          <a:p>
+            <a:pPr algn="l"/>
+            <a:r>
+              <a:rPr lang="en-US" altLang="zh-CN" dirty="0" smtClean="0"/>
+              <a:t>17.1</a:t>
+            </a:r>
+            <a:r>
+              <a:rPr lang="zh-CN" altLang="en-US" dirty="0" smtClean="0"/>
+              <a:t> 动画</a:t>
+            </a:r>
+            <a:r>
+              <a:rPr lang="zh-CN" altLang="en-US" dirty="0" smtClean="0"/>
+              <a:t>精灵</a:t>
+            </a:r>
+            <a:endParaRPr lang="zh-CN" altLang="en-US" dirty="0"/>
+          </a:p>
+        </p:txBody>
+      </p:sp>
+      <p:sp>
+        <p:nvSpPr>
+          <p:cNvPr id="3" name="内容占位符 2"/>
+          <p:cNvSpPr>
+            <a:spLocks noGrp="1"/>
+          </p:cNvSpPr>
+          <p:nvPr>
+            <p:ph idx="1"/>
+          </p:nvPr>
+        </p:nvSpPr>
+        <p:spPr/>
+        <p:txBody>
+          <a:bodyPr>
+            <a:normAutofit/>
+          </a:bodyPr>
+          <a:lstStyle/>
+          <a:p>
+            <a:pPr marL="514350" indent="-514350">
+              <a:buAutoNum type="arabicPeriod"/>
+            </a:pPr>
+            <a:r>
+              <a:rPr lang="zh-CN" altLang="en-US" dirty="0" smtClean="0"/>
+              <a:t>什么是动画</a:t>
+            </a:r>
+            <a:r>
+              <a:rPr lang="zh-CN" altLang="en-US" dirty="0" smtClean="0"/>
+              <a:t>精灵</a:t>
+            </a:r>
+            <a:endParaRPr lang="en-US" altLang="zh-CN" dirty="0" smtClean="0"/>
+          </a:p>
+          <a:p>
+            <a:pPr marL="914400" lvl="1" indent="-514350">
+              <a:buNone/>
+            </a:pPr>
+            <a:r>
+              <a:rPr lang="zh-CN" altLang="en-US" dirty="0" smtClean="0"/>
+              <a:t>大多数动画精灵都有以下两个基本</a:t>
+            </a:r>
+            <a:r>
+              <a:rPr lang="zh-CN" altLang="en-US" dirty="0" smtClean="0"/>
+              <a:t>属性</a:t>
+            </a:r>
+            <a:r>
+              <a:rPr lang="en-US" altLang="zh-CN" dirty="0" smtClean="0"/>
+              <a:t>:</a:t>
+            </a:r>
+          </a:p>
+          <a:p>
+            <a:pPr marL="914400" lvl="1" indent="-514350">
+              <a:buNone/>
+            </a:pPr>
+            <a:r>
+              <a:rPr lang="en-US" altLang="zh-CN" dirty="0" smtClean="0"/>
+              <a:t>	</a:t>
+            </a:r>
+            <a:r>
+              <a:rPr lang="zh-CN" altLang="en-US" dirty="0" smtClean="0"/>
+              <a:t>图像：为动画精灵显示的图片</a:t>
+            </a:r>
+            <a:r>
+              <a:rPr lang="zh-CN" altLang="en-US" dirty="0" smtClean="0"/>
+              <a:t>。</a:t>
+            </a:r>
+            <a:endParaRPr lang="en-US" altLang="zh-CN" dirty="0" smtClean="0"/>
+          </a:p>
+          <a:p>
+            <a:pPr marL="914400" lvl="1" indent="-514350">
+              <a:buNone/>
+            </a:pPr>
+            <a:r>
+              <a:rPr lang="en-US" altLang="zh-CN" dirty="0" smtClean="0"/>
+              <a:t>	</a:t>
+            </a:r>
+            <a:r>
+              <a:rPr lang="zh-CN" altLang="en-US" dirty="0" smtClean="0"/>
+              <a:t>矩形区：</a:t>
+            </a:r>
+            <a:r>
+              <a:rPr lang="zh-CN" altLang="en-US" dirty="0" smtClean="0"/>
+              <a:t>包含动画精灵的矩形</a:t>
+            </a:r>
+            <a:r>
+              <a:rPr lang="zh-CN" altLang="en-US" dirty="0" smtClean="0"/>
+              <a:t>区域。</a:t>
+            </a:r>
+            <a:endParaRPr lang="en-US" altLang="zh-CN" dirty="0" smtClean="0"/>
+          </a:p>
+          <a:p>
+            <a:pPr marL="514350" indent="-514350">
+              <a:buAutoNum type="arabicPeriod"/>
+            </a:pPr>
+            <a:r>
+              <a:rPr lang="en-US" altLang="zh-CN" dirty="0" smtClean="0"/>
+              <a:t>Sprite </a:t>
+            </a:r>
+            <a:r>
+              <a:rPr lang="zh-CN" altLang="en-US" dirty="0" smtClean="0"/>
+              <a:t>类</a:t>
+            </a:r>
+            <a:endParaRPr lang="en-US" altLang="zh-CN" dirty="0" smtClean="0"/>
+          </a:p>
+          <a:p>
+            <a:pPr marL="914400" lvl="1" indent="-514350">
+              <a:buNone/>
+            </a:pPr>
+            <a:r>
+              <a:rPr lang="en-US" altLang="zh-CN" dirty="0" err="1" smtClean="0"/>
+              <a:t>pygame</a:t>
+            </a:r>
+            <a:r>
+              <a:rPr lang="en-US" altLang="zh-CN" dirty="0" smtClean="0"/>
+              <a:t> </a:t>
+            </a:r>
+            <a:r>
+              <a:rPr lang="zh-CN" altLang="en-US" dirty="0" smtClean="0"/>
+              <a:t>的 </a:t>
+            </a:r>
+            <a:r>
+              <a:rPr lang="en-US" altLang="zh-CN" dirty="0" smtClean="0"/>
+              <a:t>sprite </a:t>
+            </a:r>
+            <a:r>
+              <a:rPr lang="zh-CN" altLang="en-US" dirty="0" smtClean="0"/>
+              <a:t>模块提供了一个动画精灵基类，名为 </a:t>
+            </a:r>
+            <a:r>
+              <a:rPr lang="en-US" altLang="zh-CN" dirty="0" smtClean="0"/>
+              <a:t>Sprite</a:t>
+            </a:r>
+            <a:r>
+              <a:rPr lang="zh-CN" altLang="en-US" dirty="0" smtClean="0"/>
+              <a:t>。</a:t>
+            </a:r>
+            <a:endParaRPr lang="zh-CN" altLang="en-US" b="1" dirty="0"/>
+          </a:p>
+        </p:txBody>
+      </p:sp>
+    </p:spTree>
+  </p:cSld>
+  <p:clrMapOvr>
+    <a:masterClrMapping/>
+  </p:clrMapOvr>
+</p:sld>
+</file>
+
+<file path=ppt/slides/slide156.xml><?xml version="1.0" encoding="utf-8"?>
+<p:sld xmlns:a="http://schemas.openxmlformats.org/drawingml/2006/main" xmlns:r="http://schemas.openxmlformats.org/officeDocument/2006/relationships" xmlns:p="http://schemas.openxmlformats.org/presentationml/2006/main">
+  <p:cSld>
+    <p:spTree>
+      <p:nvGrpSpPr>
+        <p:cNvPr id="1" name=""/>
+        <p:cNvGrpSpPr/>
+        <p:nvPr/>
+      </p:nvGrpSpPr>
+      <p:grpSpPr>
+        <a:xfrm>
+          <a:off x="0" y="0"/>
+          <a:ext cx="0" cy="0"/>
+          <a:chOff x="0" y="0"/>
+          <a:chExt cx="0" cy="0"/>
+        </a:xfrm>
+      </p:grpSpPr>
+      <p:sp>
+        <p:nvSpPr>
+          <p:cNvPr id="2" name="标题 1"/>
+          <p:cNvSpPr>
+            <a:spLocks noGrp="1"/>
+          </p:cNvSpPr>
+          <p:nvPr>
+            <p:ph type="title"/>
+          </p:nvPr>
+        </p:nvSpPr>
+        <p:spPr/>
+        <p:txBody>
+          <a:bodyPr/>
+          <a:lstStyle/>
+          <a:p>
+            <a:pPr algn="l"/>
+            <a:r>
+              <a:rPr lang="en-US" altLang="zh-CN" dirty="0" smtClean="0"/>
+              <a:t>17.2 </a:t>
+            </a:r>
+            <a:r>
+              <a:rPr lang="zh-CN" altLang="en-US" dirty="0" smtClean="0"/>
+              <a:t>嘣 </a:t>
+            </a:r>
+            <a:r>
+              <a:rPr lang="en-US" altLang="zh-CN" dirty="0" smtClean="0"/>
+              <a:t>! </a:t>
+            </a:r>
+            <a:r>
+              <a:rPr lang="zh-CN" altLang="en-US" dirty="0" smtClean="0"/>
+              <a:t>碰撞检测</a:t>
+            </a:r>
+            <a:endParaRPr lang="zh-CN" altLang="en-US" dirty="0"/>
+          </a:p>
+        </p:txBody>
+      </p:sp>
+      <p:sp>
+        <p:nvSpPr>
+          <p:cNvPr id="3" name="内容占位符 2"/>
+          <p:cNvSpPr>
+            <a:spLocks noGrp="1"/>
+          </p:cNvSpPr>
+          <p:nvPr>
+            <p:ph idx="1"/>
+          </p:nvPr>
+        </p:nvSpPr>
+        <p:spPr/>
+        <p:txBody>
+          <a:bodyPr>
+            <a:normAutofit fontScale="85000" lnSpcReduction="20000"/>
+          </a:bodyPr>
+          <a:lstStyle/>
+          <a:p>
+            <a:pPr marL="514350" indent="-514350">
+              <a:buNone/>
+            </a:pPr>
+            <a:r>
+              <a:rPr lang="en-US" altLang="zh-CN" dirty="0" smtClean="0"/>
+              <a:t>		    </a:t>
+            </a:r>
+            <a:r>
+              <a:rPr lang="zh-CN" altLang="en-US" dirty="0" smtClean="0"/>
+              <a:t>碰撞</a:t>
+            </a:r>
+            <a:r>
+              <a:rPr lang="zh-CN" altLang="en-US" dirty="0" smtClean="0"/>
+              <a:t>检测（</a:t>
+            </a:r>
+            <a:r>
+              <a:rPr lang="en-US" altLang="zh-CN" dirty="0" smtClean="0"/>
+              <a:t>collision detection</a:t>
+            </a:r>
+            <a:r>
+              <a:rPr lang="zh-CN" altLang="en-US" dirty="0" smtClean="0"/>
+              <a:t>）指的是了解两个动画精灵何时接 触或重叠。两个移动的东西相互碰到一起，这就是一个碰撞（</a:t>
+            </a:r>
+            <a:r>
+              <a:rPr lang="en-US" altLang="zh-CN" dirty="0" smtClean="0"/>
+              <a:t>collision</a:t>
+            </a:r>
+            <a:r>
+              <a:rPr lang="zh-CN" altLang="en-US" dirty="0" smtClean="0"/>
+              <a:t>）。</a:t>
+            </a:r>
+            <a:endParaRPr lang="en-US" altLang="zh-CN" dirty="0" smtClean="0"/>
+          </a:p>
+          <a:p>
+            <a:pPr marL="514350" indent="-514350">
+              <a:buNone/>
+            </a:pPr>
+            <a:r>
+              <a:rPr lang="en-US" altLang="zh-CN" b="1" dirty="0" smtClean="0"/>
+              <a:t>	</a:t>
+            </a:r>
+            <a:r>
+              <a:rPr lang="zh-CN" altLang="en-US" dirty="0" smtClean="0"/>
+              <a:t> </a:t>
+            </a:r>
+            <a:r>
+              <a:rPr lang="en-US" altLang="zh-CN" dirty="0" smtClean="0"/>
+              <a:t>	    </a:t>
+            </a:r>
+            <a:r>
+              <a:rPr lang="en-US" altLang="zh-CN" dirty="0" err="1" smtClean="0"/>
+              <a:t>Pygame</a:t>
+            </a:r>
+            <a:r>
+              <a:rPr lang="en-US" altLang="zh-CN" dirty="0" smtClean="0"/>
+              <a:t> </a:t>
+            </a:r>
+            <a:r>
+              <a:rPr lang="zh-CN" altLang="en-US" dirty="0" smtClean="0"/>
+              <a:t>还提供了一种方法对动画精灵</a:t>
+            </a:r>
+            <a:r>
+              <a:rPr lang="zh-CN" altLang="en-US" dirty="0" smtClean="0"/>
+              <a:t>分组。</a:t>
+            </a:r>
+            <a:r>
+              <a:rPr lang="en-US" altLang="zh-CN" dirty="0" smtClean="0"/>
+              <a:t> </a:t>
+            </a:r>
+            <a:r>
+              <a:rPr lang="en-US" altLang="zh-CN" dirty="0" err="1" smtClean="0"/>
+              <a:t>pygame.sprite.Group</a:t>
+            </a:r>
+            <a:r>
+              <a:rPr lang="en-US" altLang="zh-CN" dirty="0" smtClean="0"/>
+              <a:t>() </a:t>
+            </a:r>
+            <a:endParaRPr lang="en-US" altLang="zh-CN" dirty="0" smtClean="0"/>
+          </a:p>
+          <a:p>
+            <a:pPr marL="514350" indent="-514350">
+              <a:buNone/>
+            </a:pPr>
+            <a:r>
+              <a:rPr lang="en-US" altLang="zh-CN" b="1" dirty="0" smtClean="0"/>
+              <a:t>	</a:t>
+            </a:r>
+            <a:r>
+              <a:rPr lang="en-US" altLang="zh-CN" b="1" dirty="0" smtClean="0"/>
+              <a:t>	</a:t>
+            </a:r>
+            <a:r>
+              <a:rPr lang="en-US" altLang="zh-CN" dirty="0" smtClean="0"/>
+              <a:t> </a:t>
+            </a:r>
+            <a:r>
+              <a:rPr lang="en-US" altLang="zh-CN" dirty="0" smtClean="0"/>
+              <a:t>   </a:t>
+            </a:r>
+            <a:r>
+              <a:rPr lang="en-US" altLang="zh-CN" dirty="0" err="1" smtClean="0"/>
+              <a:t>Pygame</a:t>
+            </a:r>
+            <a:r>
+              <a:rPr lang="en-US" altLang="zh-CN" dirty="0" smtClean="0"/>
+              <a:t> </a:t>
+            </a:r>
+            <a:r>
+              <a:rPr lang="en-US" altLang="zh-CN" dirty="0" smtClean="0"/>
+              <a:t>sprite </a:t>
+            </a:r>
+            <a:r>
+              <a:rPr lang="zh-CN" altLang="en-US" dirty="0" smtClean="0"/>
+              <a:t>模块有一个 </a:t>
+            </a:r>
+            <a:r>
+              <a:rPr lang="en-US" altLang="zh-CN" dirty="0" err="1" smtClean="0"/>
+              <a:t>spritecollide</a:t>
+            </a:r>
+            <a:r>
+              <a:rPr lang="en-US" altLang="zh-CN" dirty="0" smtClean="0"/>
+              <a:t>() </a:t>
+            </a:r>
+            <a:r>
+              <a:rPr lang="zh-CN" altLang="en-US" dirty="0" smtClean="0"/>
+              <a:t>函数。它会查找一个精灵与一个组中所有精灵之间的碰撞</a:t>
+            </a:r>
+            <a:r>
+              <a:rPr lang="zh-CN" altLang="en-US" dirty="0" smtClean="0"/>
+              <a:t>。要完成碰撞检测需要</a:t>
+            </a:r>
+            <a:r>
+              <a:rPr lang="en-US" altLang="zh-CN" dirty="0" smtClean="0"/>
+              <a:t>3</a:t>
+            </a:r>
+            <a:r>
+              <a:rPr lang="zh-CN" altLang="en-US" dirty="0" smtClean="0"/>
+              <a:t>步</a:t>
+            </a:r>
+            <a:r>
+              <a:rPr lang="en-US" altLang="zh-CN" dirty="0" smtClean="0"/>
+              <a:t>:</a:t>
+            </a:r>
+          </a:p>
+          <a:p>
+            <a:pPr marL="514350" indent="-514350">
+              <a:buNone/>
+            </a:pPr>
+            <a:r>
+              <a:rPr lang="en-US" altLang="zh-CN" dirty="0" smtClean="0"/>
+              <a:t>		1. </a:t>
+            </a:r>
+            <a:r>
+              <a:rPr lang="zh-CN" altLang="en-US" dirty="0" smtClean="0"/>
+              <a:t>从</a:t>
+            </a:r>
+            <a:r>
+              <a:rPr lang="zh-CN" altLang="en-US" dirty="0" smtClean="0"/>
+              <a:t>这个组中删除这个精灵</a:t>
+            </a:r>
+            <a:r>
+              <a:rPr lang="zh-CN" altLang="en-US" dirty="0" smtClean="0"/>
+              <a:t>；</a:t>
+            </a:r>
+            <a:endParaRPr lang="en-US" altLang="zh-CN" dirty="0" smtClean="0"/>
+          </a:p>
+          <a:p>
+            <a:pPr marL="514350" indent="-514350">
+              <a:buNone/>
+            </a:pPr>
+            <a:r>
+              <a:rPr lang="en-US" altLang="zh-CN" dirty="0" smtClean="0"/>
+              <a:t>	</a:t>
+            </a:r>
+            <a:r>
+              <a:rPr lang="en-US" altLang="zh-CN" dirty="0" smtClean="0"/>
+              <a:t>	2. </a:t>
+            </a:r>
+            <a:r>
+              <a:rPr lang="zh-CN" altLang="en-US" dirty="0" smtClean="0"/>
+              <a:t>检查</a:t>
+            </a:r>
+            <a:r>
+              <a:rPr lang="zh-CN" altLang="en-US" dirty="0" smtClean="0"/>
+              <a:t>这个精灵与组中其他精灵之间的碰撞</a:t>
+            </a:r>
+            <a:r>
+              <a:rPr lang="zh-CN" altLang="en-US" dirty="0" smtClean="0"/>
+              <a:t>；</a:t>
+            </a:r>
+            <a:endParaRPr lang="en-US" altLang="zh-CN" dirty="0" smtClean="0"/>
+          </a:p>
+          <a:p>
+            <a:pPr marL="514350" indent="-514350">
+              <a:buNone/>
+            </a:pPr>
+            <a:r>
+              <a:rPr lang="en-US" altLang="zh-CN" dirty="0" smtClean="0"/>
+              <a:t>		3. </a:t>
+            </a:r>
+            <a:r>
+              <a:rPr lang="zh-CN" altLang="en-US" dirty="0" smtClean="0"/>
+              <a:t>把</a:t>
+            </a:r>
+            <a:r>
+              <a:rPr lang="zh-CN" altLang="en-US" dirty="0" smtClean="0"/>
+              <a:t>这个精灵添加回原来的组中</a:t>
+            </a:r>
+            <a:endParaRPr lang="zh-CN" altLang="en-US" b="1" dirty="0"/>
+          </a:p>
+        </p:txBody>
+      </p:sp>
+    </p:spTree>
+  </p:cSld>
+  <p:clrMapOvr>
+    <a:masterClrMapping/>
+  </p:clrMapOvr>
+</p:sld>
+</file>
+
+<file path=ppt/slides/slide157.xml><?xml version="1.0" encoding="utf-8"?>
+<p:sld xmlns:a="http://schemas.openxmlformats.org/drawingml/2006/main" xmlns:r="http://schemas.openxmlformats.org/officeDocument/2006/relationships" xmlns:p="http://schemas.openxmlformats.org/presentationml/2006/main">
+  <p:cSld>
+    <p:spTree>
+      <p:nvGrpSpPr>
+        <p:cNvPr id="1" name=""/>
+        <p:cNvGrpSpPr/>
+        <p:nvPr/>
+      </p:nvGrpSpPr>
+      <p:grpSpPr>
+        <a:xfrm>
+          <a:off x="0" y="0"/>
+          <a:ext cx="0" cy="0"/>
+          <a:chOff x="0" y="0"/>
+          <a:chExt cx="0" cy="0"/>
+        </a:xfrm>
+      </p:grpSpPr>
+      <p:sp>
+        <p:nvSpPr>
+          <p:cNvPr id="2" name="标题 1"/>
+          <p:cNvSpPr>
+            <a:spLocks noGrp="1"/>
+          </p:cNvSpPr>
+          <p:nvPr>
+            <p:ph type="title"/>
+          </p:nvPr>
+        </p:nvSpPr>
+        <p:spPr/>
+        <p:txBody>
+          <a:bodyPr/>
+          <a:lstStyle/>
+          <a:p>
+            <a:pPr algn="l"/>
+            <a:r>
+              <a:rPr lang="en-US" altLang="zh-CN" dirty="0" smtClean="0"/>
+              <a:t>17.3</a:t>
+            </a:r>
+            <a:r>
+              <a:rPr lang="zh-CN" altLang="en-US" dirty="0" smtClean="0"/>
+              <a:t> 统计</a:t>
+            </a:r>
+            <a:r>
+              <a:rPr lang="zh-CN" altLang="en-US" dirty="0" smtClean="0"/>
+              <a:t>时间</a:t>
+            </a:r>
+            <a:endParaRPr lang="zh-CN" altLang="en-US" dirty="0"/>
+          </a:p>
+        </p:txBody>
+      </p:sp>
+      <p:sp>
+        <p:nvSpPr>
+          <p:cNvPr id="3" name="内容占位符 2"/>
+          <p:cNvSpPr>
+            <a:spLocks noGrp="1"/>
+          </p:cNvSpPr>
+          <p:nvPr>
+            <p:ph idx="1"/>
+          </p:nvPr>
+        </p:nvSpPr>
+        <p:spPr/>
+        <p:txBody>
+          <a:bodyPr>
+            <a:normAutofit/>
+          </a:bodyPr>
+          <a:lstStyle/>
+          <a:p>
+            <a:pPr marL="514350" indent="-514350">
+              <a:buNone/>
+            </a:pPr>
+            <a:r>
+              <a:rPr lang="en-US" altLang="zh-CN" dirty="0" smtClean="0"/>
+              <a:t>		</a:t>
+            </a:r>
+            <a:r>
+              <a:rPr lang="zh-CN" altLang="en-US" b="1" dirty="0" smtClean="0"/>
+              <a:t>帧速率</a:t>
+            </a:r>
+            <a:r>
+              <a:rPr lang="en-US" altLang="zh-CN" dirty="0" smtClean="0"/>
+              <a:t>:</a:t>
+            </a:r>
+            <a:r>
+              <a:rPr lang="zh-CN" altLang="en-US" dirty="0" smtClean="0"/>
+              <a:t>在计算机图形学中，每个动画步叫做一</a:t>
+            </a:r>
+            <a:r>
+              <a:rPr lang="zh-CN" altLang="en-US" dirty="0" smtClean="0"/>
+              <a:t>帧</a:t>
+            </a:r>
+            <a:r>
+              <a:rPr lang="en-US" altLang="zh-CN" dirty="0" smtClean="0"/>
+              <a:t>,</a:t>
+            </a:r>
+            <a:r>
+              <a:rPr lang="zh-CN" altLang="en-US" dirty="0" smtClean="0"/>
+              <a:t>每秒的帧个数就是帧速率。我们可以用 </a:t>
+            </a:r>
+            <a:r>
+              <a:rPr lang="en-US" altLang="zh-CN" dirty="0" err="1" smtClean="0"/>
+              <a:t>pygame.time.Clock</a:t>
+            </a:r>
+            <a:r>
+              <a:rPr lang="en-US" altLang="zh-CN" dirty="0" smtClean="0"/>
+              <a:t>() </a:t>
+            </a:r>
+            <a:r>
+              <a:rPr lang="zh-CN" altLang="en-US" dirty="0" smtClean="0"/>
+              <a:t>控制帧</a:t>
+            </a:r>
+            <a:r>
+              <a:rPr lang="zh-CN" altLang="en-US" dirty="0" smtClean="0"/>
+              <a:t>速率。</a:t>
+            </a:r>
+            <a:endParaRPr lang="en-US" altLang="zh-CN" dirty="0" smtClean="0"/>
+          </a:p>
+          <a:p>
+            <a:pPr marL="514350" indent="-514350">
+              <a:buNone/>
+            </a:pPr>
+            <a:r>
+              <a:rPr lang="en-US" altLang="zh-CN" dirty="0" smtClean="0"/>
+              <a:t>		</a:t>
+            </a:r>
+            <a:r>
+              <a:rPr lang="zh-CN" altLang="en-US" b="1" dirty="0" smtClean="0"/>
+              <a:t>调整</a:t>
+            </a:r>
+            <a:r>
+              <a:rPr lang="zh-CN" altLang="en-US" b="1" dirty="0" smtClean="0"/>
+              <a:t>帧</a:t>
+            </a:r>
+            <a:r>
+              <a:rPr lang="zh-CN" altLang="en-US" b="1" dirty="0" smtClean="0"/>
+              <a:t>速率：</a:t>
+            </a:r>
+            <a:endParaRPr lang="en-US" altLang="zh-CN" dirty="0" smtClean="0"/>
+          </a:p>
+          <a:p>
+            <a:pPr marL="514350" indent="-514350">
+              <a:buNone/>
+            </a:pPr>
+            <a:r>
+              <a:rPr lang="en-US" altLang="zh-CN" dirty="0" smtClean="0"/>
+              <a:t>	</a:t>
+            </a:r>
+            <a:r>
+              <a:rPr lang="en-US" altLang="zh-CN" dirty="0" smtClean="0"/>
+              <a:t>	1. </a:t>
+            </a:r>
+            <a:r>
+              <a:rPr lang="en-US" altLang="zh-CN" dirty="0" err="1" smtClean="0"/>
+              <a:t>clock.get_fps</a:t>
+            </a:r>
+            <a:r>
+              <a:rPr lang="en-US" altLang="zh-CN" dirty="0" smtClean="0"/>
+              <a:t>() </a:t>
+            </a:r>
+            <a:r>
+              <a:rPr lang="zh-CN" altLang="en-US" dirty="0" smtClean="0"/>
+              <a:t>获取实际的帧速率</a:t>
+            </a:r>
+            <a:endParaRPr lang="en-US" altLang="zh-CN" dirty="0" smtClean="0"/>
+          </a:p>
+          <a:p>
+            <a:pPr marL="514350" indent="-514350">
+              <a:buNone/>
+            </a:pPr>
+            <a:r>
+              <a:rPr lang="en-US" altLang="zh-CN" dirty="0" smtClean="0"/>
+              <a:t>	</a:t>
+            </a:r>
+            <a:r>
+              <a:rPr lang="en-US" altLang="zh-CN" dirty="0" smtClean="0"/>
+              <a:t>	2. </a:t>
+            </a:r>
+            <a:r>
+              <a:rPr lang="zh-CN" altLang="en-US" dirty="0" smtClean="0"/>
+              <a:t>由下面的公式计算</a:t>
+            </a:r>
+            <a:endParaRPr lang="en-US" altLang="zh-CN" dirty="0" smtClean="0"/>
+          </a:p>
+          <a:p>
+            <a:pPr marL="514350" indent="-514350">
+              <a:buNone/>
+            </a:pPr>
+            <a:r>
+              <a:rPr lang="en-US" altLang="zh-CN" b="1" dirty="0" smtClean="0"/>
+              <a:t>	</a:t>
+            </a:r>
+            <a:r>
+              <a:rPr lang="en-US" altLang="zh-CN" dirty="0" smtClean="0"/>
+              <a:t>	</a:t>
+            </a:r>
+            <a:r>
+              <a:rPr lang="en-US" altLang="zh-CN" dirty="0" err="1" smtClean="0"/>
+              <a:t>object_speed</a:t>
+            </a:r>
+            <a:r>
+              <a:rPr lang="en-US" altLang="zh-CN" dirty="0" smtClean="0"/>
+              <a:t> = </a:t>
+            </a:r>
+            <a:r>
+              <a:rPr lang="en-US" altLang="zh-CN" dirty="0" err="1" smtClean="0"/>
+              <a:t>current_speed</a:t>
+            </a:r>
+            <a:r>
+              <a:rPr lang="en-US" altLang="zh-CN" dirty="0" smtClean="0"/>
+              <a:t> * (desired fps / actual fps</a:t>
+            </a:r>
+            <a:r>
+              <a:rPr lang="en-US" altLang="zh-CN" dirty="0" smtClean="0"/>
+              <a:t>)</a:t>
+            </a:r>
+          </a:p>
+          <a:p>
+            <a:pPr marL="514350" indent="-514350">
+              <a:buNone/>
+            </a:pPr>
+            <a:endParaRPr lang="zh-CN" altLang="en-US" dirty="0"/>
+          </a:p>
+        </p:txBody>
+      </p:sp>
+    </p:spTree>
+  </p:cSld>
+  <p:clrMapOvr>
+    <a:masterClrMapping/>
+  </p:clrMapOvr>
+</p:sld>
+</file>
+
+<file path=ppt/slides/slide158.xml><?xml version="1.0" encoding="utf-8"?>
+<p:sld xmlns:a="http://schemas.openxmlformats.org/drawingml/2006/main" xmlns:r="http://schemas.openxmlformats.org/officeDocument/2006/relationships" xmlns:p="http://schemas.openxmlformats.org/presentationml/2006/main">
+  <p:cSld>
+    <p:spTree>
+      <p:nvGrpSpPr>
+        <p:cNvPr id="1" name=""/>
+        <p:cNvGrpSpPr/>
+        <p:nvPr/>
+      </p:nvGrpSpPr>
+      <p:grpSpPr>
+        <a:xfrm>
+          <a:off x="0" y="0"/>
+          <a:ext cx="0" cy="0"/>
+          <a:chOff x="0" y="0"/>
+          <a:chExt cx="0" cy="0"/>
+        </a:xfrm>
+      </p:grpSpPr>
+      <p:sp>
+        <p:nvSpPr>
+          <p:cNvPr id="2" name="标题 1"/>
+          <p:cNvSpPr>
+            <a:spLocks noGrp="1"/>
+          </p:cNvSpPr>
+          <p:nvPr>
+            <p:ph type="title"/>
+          </p:nvPr>
+        </p:nvSpPr>
+        <p:spPr/>
+        <p:txBody>
+          <a:bodyPr/>
+          <a:lstStyle/>
+          <a:p>
+            <a:pPr algn="l"/>
+            <a:r>
+              <a:rPr lang="zh-CN" altLang="en-US" dirty="0" smtClean="0"/>
+              <a:t>测试题</a:t>
+            </a:r>
+            <a:endParaRPr lang="zh-CN" altLang="en-US" dirty="0"/>
+          </a:p>
+        </p:txBody>
+      </p:sp>
+      <p:sp>
+        <p:nvSpPr>
+          <p:cNvPr id="3" name="内容占位符 2"/>
+          <p:cNvSpPr>
+            <a:spLocks noGrp="1"/>
+          </p:cNvSpPr>
+          <p:nvPr>
+            <p:ph idx="1"/>
+          </p:nvPr>
+        </p:nvSpPr>
+        <p:spPr/>
+        <p:txBody>
+          <a:bodyPr>
+            <a:normAutofit fontScale="92500" lnSpcReduction="10000"/>
+          </a:bodyPr>
+          <a:lstStyle/>
+          <a:p>
+            <a:pPr marL="514350" indent="-514350">
+              <a:buAutoNum type="arabicPeriod"/>
+            </a:pPr>
+            <a:r>
+              <a:rPr lang="zh-CN" altLang="en-US" dirty="0" smtClean="0"/>
+              <a:t>什么</a:t>
+            </a:r>
+            <a:r>
+              <a:rPr lang="zh-CN" altLang="en-US" dirty="0" smtClean="0"/>
+              <a:t>是碰撞检测？ </a:t>
+            </a:r>
+            <a:endParaRPr lang="en-US" altLang="zh-CN" dirty="0" smtClean="0"/>
+          </a:p>
+          <a:p>
+            <a:pPr marL="514350" indent="-514350">
+              <a:buAutoNum type="arabicPeriod"/>
+            </a:pPr>
+            <a:r>
+              <a:rPr lang="zh-CN" altLang="en-US" dirty="0" smtClean="0"/>
+              <a:t>什么</a:t>
+            </a:r>
+            <a:r>
+              <a:rPr lang="zh-CN" altLang="en-US" dirty="0" smtClean="0"/>
+              <a:t>是像素完美碰撞检测？它与矩形碰撞检测有什么区别？ </a:t>
+            </a:r>
+            <a:endParaRPr lang="en-US" altLang="zh-CN" dirty="0" smtClean="0"/>
+          </a:p>
+          <a:p>
+            <a:pPr marL="514350" indent="-514350">
+              <a:buAutoNum type="arabicPeriod"/>
+            </a:pPr>
+            <a:r>
+              <a:rPr lang="zh-CN" altLang="en-US" dirty="0" smtClean="0"/>
+              <a:t>可以</a:t>
+            </a:r>
+            <a:r>
+              <a:rPr lang="zh-CN" altLang="en-US" dirty="0" smtClean="0"/>
+              <a:t>利用哪两种方法跟踪多个在一起的动画精灵对象？ </a:t>
+            </a:r>
+            <a:endParaRPr lang="en-US" altLang="zh-CN" dirty="0" smtClean="0"/>
+          </a:p>
+          <a:p>
+            <a:pPr marL="514350" indent="-514350">
+              <a:buAutoNum type="arabicPeriod"/>
+            </a:pPr>
+            <a:r>
+              <a:rPr lang="zh-CN" altLang="en-US" dirty="0" smtClean="0"/>
+              <a:t>在</a:t>
+            </a:r>
+            <a:r>
+              <a:rPr lang="zh-CN" altLang="en-US" dirty="0" smtClean="0"/>
+              <a:t>代码中控制动画的速度有哪两种方法？ </a:t>
+            </a:r>
+            <a:endParaRPr lang="en-US" altLang="zh-CN" dirty="0" smtClean="0"/>
+          </a:p>
+          <a:p>
+            <a:pPr marL="514350" indent="-514350">
+              <a:buAutoNum type="arabicPeriod"/>
+            </a:pPr>
+            <a:r>
+              <a:rPr lang="zh-CN" altLang="en-US" dirty="0" smtClean="0"/>
+              <a:t>为什么</a:t>
+            </a:r>
+            <a:r>
+              <a:rPr lang="zh-CN" altLang="en-US" dirty="0" smtClean="0"/>
+              <a:t>使用 </a:t>
+            </a:r>
+            <a:r>
+              <a:rPr lang="en-US" altLang="zh-CN" dirty="0" err="1" smtClean="0"/>
+              <a:t>pygame.clock</a:t>
+            </a:r>
+            <a:r>
+              <a:rPr lang="en-US" altLang="zh-CN" dirty="0" smtClean="0"/>
+              <a:t> </a:t>
+            </a:r>
+            <a:r>
+              <a:rPr lang="zh-CN" altLang="en-US" dirty="0" smtClean="0"/>
+              <a:t>比使用 </a:t>
+            </a:r>
+            <a:r>
+              <a:rPr lang="en-US" altLang="zh-CN" dirty="0" err="1" smtClean="0"/>
+              <a:t>pygame.time.delay</a:t>
+            </a:r>
+            <a:r>
+              <a:rPr lang="en-US" altLang="zh-CN" dirty="0" smtClean="0"/>
+              <a:t>() </a:t>
+            </a:r>
+            <a:r>
+              <a:rPr lang="zh-CN" altLang="en-US" dirty="0" smtClean="0"/>
+              <a:t>更准确？ </a:t>
+            </a:r>
+            <a:endParaRPr lang="en-US" altLang="zh-CN" smtClean="0"/>
+          </a:p>
+          <a:p>
+            <a:pPr marL="514350" indent="-514350">
+              <a:buAutoNum type="arabicPeriod"/>
+            </a:pPr>
+            <a:r>
+              <a:rPr lang="zh-CN" altLang="en-US" smtClean="0"/>
+              <a:t>怎么</a:t>
+            </a:r>
+            <a:r>
+              <a:rPr lang="zh-CN" altLang="en-US" dirty="0" smtClean="0"/>
+              <a:t>得出你的程序运行的帧速率？</a:t>
+            </a:r>
+            <a:endParaRPr lang="zh-CN" altLang="en-US" dirty="0"/>
+          </a:p>
+        </p:txBody>
+      </p:sp>
+      <p:sp>
+        <p:nvSpPr>
+          <p:cNvPr id="4" name="矩形 3"/>
+          <p:cNvSpPr/>
+          <p:nvPr/>
+        </p:nvSpPr>
+        <p:spPr>
+          <a:xfrm>
+            <a:off x="3763926" y="3244334"/>
+            <a:ext cx="1616148" cy="369332"/>
+          </a:xfrm>
+          <a:prstGeom prst="rect">
+            <a:avLst/>
+          </a:prstGeom>
+        </p:spPr>
+        <p:txBody>
+          <a:bodyPr wrap="none">
+            <a:spAutoFit/>
+          </a:bodyPr>
+          <a:lstStyle/>
+          <a:p>
+            <a:r>
+              <a:rPr lang="en-US" altLang="zh-CN" dirty="0" smtClean="0"/>
+              <a:t>beach_ball.png</a:t>
+            </a:r>
+            <a:endParaRPr lang="zh-CN" altLang="en-US" dirty="0"/>
           </a:p>
         </p:txBody>
       </p:sp>

--- a/readme/Python3.pptx
+++ b/readme/Python3.pptx
@@ -160,9 +160,19 @@
     <p:sldId id="414" r:id="rId154"/>
     <p:sldId id="416" r:id="rId155"/>
     <p:sldId id="417" r:id="rId156"/>
-    <p:sldId id="418" r:id="rId157"/>
-    <p:sldId id="419" r:id="rId158"/>
-    <p:sldId id="420" r:id="rId159"/>
+    <p:sldId id="421" r:id="rId157"/>
+    <p:sldId id="418" r:id="rId158"/>
+    <p:sldId id="419" r:id="rId159"/>
+    <p:sldId id="420" r:id="rId160"/>
+    <p:sldId id="422" r:id="rId161"/>
+    <p:sldId id="423" r:id="rId162"/>
+    <p:sldId id="424" r:id="rId163"/>
+    <p:sldId id="425" r:id="rId164"/>
+    <p:sldId id="426" r:id="rId165"/>
+    <p:sldId id="427" r:id="rId166"/>
+    <p:sldId id="428" r:id="rId167"/>
+    <p:sldId id="429" r:id="rId168"/>
+    <p:sldId id="430" r:id="rId169"/>
   </p:sldIdLst>
   <p:sldSz cx="9144000" cy="6858000" type="screen4x3"/>
   <p:notesSz cx="6858000" cy="9144000"/>
@@ -10803,6 +10813,13 @@
   <p:clrMapOvr>
     <a:masterClrMapping/>
   </p:clrMapOvr>
+  <p:timing>
+    <p:tnLst>
+      <p:par>
+        <p:cTn id="1" dur="indefinite" restart="never" nodeType="tmRoot"/>
+      </p:par>
+    </p:tnLst>
+  </p:timing>
 </p:sld>
 </file>
 
@@ -10950,6 +10967,13 @@
   <p:clrMapOvr>
     <a:masterClrMapping/>
   </p:clrMapOvr>
+  <p:timing>
+    <p:tnLst>
+      <p:par>
+        <p:cTn id="1" dur="indefinite" restart="never" nodeType="tmRoot"/>
+      </p:par>
+    </p:tnLst>
+  </p:timing>
 </p:sld>
 </file>
 
@@ -11393,6 +11417,13 @@
   <p:clrMapOvr>
     <a:masterClrMapping/>
   </p:clrMapOvr>
+  <p:timing>
+    <p:tnLst>
+      <p:par>
+        <p:cTn id="1" dur="indefinite" restart="never" nodeType="tmRoot"/>
+      </p:par>
+    </p:tnLst>
+  </p:timing>
 </p:sld>
 </file>
 
@@ -11522,6 +11553,13 @@
   <p:clrMapOvr>
     <a:masterClrMapping/>
   </p:clrMapOvr>
+  <p:timing>
+    <p:tnLst>
+      <p:par>
+        <p:cTn id="1" dur="indefinite" restart="never" nodeType="tmRoot"/>
+      </p:par>
+    </p:tnLst>
+  </p:timing>
 </p:sld>
 </file>
 
@@ -11721,6 +11759,13 @@
   <p:clrMapOvr>
     <a:masterClrMapping/>
   </p:clrMapOvr>
+  <p:timing>
+    <p:tnLst>
+      <p:par>
+        <p:cTn id="1" dur="indefinite" restart="never" nodeType="tmRoot"/>
+      </p:par>
+    </p:tnLst>
+  </p:timing>
 </p:sld>
 </file>
 
@@ -11851,50 +11896,18 @@
           </a:p>
         </p:txBody>
       </p:sp>
-      <p:sp>
-        <p:nvSpPr>
-          <p:cNvPr id="4" name="矩形 3"/>
-          <p:cNvSpPr/>
-          <p:nvPr/>
-        </p:nvSpPr>
-        <p:spPr>
-          <a:xfrm>
-            <a:off x="2286000" y="2967335"/>
-            <a:ext cx="4572000" cy="923330"/>
-          </a:xfrm>
-          <a:prstGeom prst="rect">
-            <a:avLst/>
-          </a:prstGeom>
-        </p:spPr>
-        <p:txBody>
-          <a:bodyPr>
-            <a:spAutoFit/>
-          </a:bodyPr>
-          <a:lstStyle/>
-          <a:p>
-            <a:r>
-              <a:rPr lang="en-US" altLang="zh-CN" dirty="0" smtClean="0"/>
-              <a:t>from </a:t>
-            </a:r>
-            <a:r>
-              <a:rPr lang="en-US" altLang="zh-CN" dirty="0" err="1" smtClean="0"/>
-              <a:t>pygame.color</a:t>
-            </a:r>
-            <a:r>
-              <a:rPr lang="en-US" altLang="zh-CN" dirty="0" smtClean="0"/>
-              <a:t> import THECOLORS  # use color names</a:t>
-            </a:r>
-          </a:p>
-          <a:p>
-            <a:endParaRPr lang="en-US" altLang="zh-CN" dirty="0"/>
-          </a:p>
-        </p:txBody>
-      </p:sp>
     </p:spTree>
   </p:cSld>
   <p:clrMapOvr>
     <a:masterClrMapping/>
   </p:clrMapOvr>
+  <p:timing>
+    <p:tnLst>
+      <p:par>
+        <p:cTn id="1" dur="indefinite" restart="never" nodeType="tmRoot"/>
+      </p:par>
+    </p:tnLst>
+  </p:timing>
 </p:sld>
 </file>
 
@@ -11937,11 +11950,7 @@
             </a:r>
             <a:r>
               <a:rPr lang="zh-CN" altLang="en-US" dirty="0" smtClean="0"/>
-              <a:t>动画</a:t>
-            </a:r>
-            <a:r>
-              <a:rPr lang="zh-CN" altLang="en-US" dirty="0" smtClean="0"/>
-              <a:t>精灵和碰撞检测 </a:t>
+              <a:t>动画精灵和碰撞检测 </a:t>
             </a:r>
             <a:endParaRPr lang="zh-CN" altLang="en-US" dirty="0"/>
           </a:p>
@@ -11952,6 +11961,13 @@
   <p:clrMapOvr>
     <a:masterClrMapping/>
   </p:clrMapOvr>
+  <p:timing>
+    <p:tnLst>
+      <p:par>
+        <p:cTn id="1" dur="indefinite" restart="never" nodeType="tmRoot"/>
+      </p:par>
+    </p:tnLst>
+  </p:timing>
 </p:sld>
 </file>
 
@@ -11994,11 +12010,7 @@
             </a:r>
             <a:r>
               <a:rPr lang="zh-CN" altLang="en-US" dirty="0" smtClean="0"/>
-              <a:t> 动画</a:t>
-            </a:r>
-            <a:r>
-              <a:rPr lang="zh-CN" altLang="en-US" dirty="0" smtClean="0"/>
-              <a:t>精灵</a:t>
+              <a:t> 动画精灵</a:t>
             </a:r>
             <a:endParaRPr lang="zh-CN" altLang="en-US" dirty="0"/>
           </a:p>
@@ -12026,11 +12038,7 @@
             </a:pPr>
             <a:r>
               <a:rPr lang="zh-CN" altLang="en-US" dirty="0" smtClean="0"/>
-              <a:t>什么是动画</a:t>
-            </a:r>
-            <a:r>
-              <a:rPr lang="zh-CN" altLang="en-US" dirty="0" smtClean="0"/>
-              <a:t>精灵</a:t>
+              <a:t>什么是动画精灵</a:t>
             </a:r>
             <a:endParaRPr lang="en-US" altLang="zh-CN" dirty="0" smtClean="0"/>
           </a:p>
@@ -12040,11 +12048,7 @@
             </a:pPr>
             <a:r>
               <a:rPr lang="zh-CN" altLang="en-US" dirty="0" smtClean="0"/>
-              <a:t>大多数动画精灵都有以下两个基本</a:t>
-            </a:r>
-            <a:r>
-              <a:rPr lang="zh-CN" altLang="en-US" dirty="0" smtClean="0"/>
-              <a:t>属性</a:t>
+              <a:t>大多数动画精灵都有以下两个基本属性</a:t>
             </a:r>
             <a:r>
               <a:rPr lang="en-US" altLang="zh-CN" dirty="0" smtClean="0"/>
@@ -12061,11 +12065,7 @@
             </a:r>
             <a:r>
               <a:rPr lang="zh-CN" altLang="en-US" dirty="0" smtClean="0"/>
-              <a:t>图像：为动画精灵显示的图片</a:t>
-            </a:r>
-            <a:r>
-              <a:rPr lang="zh-CN" altLang="en-US" dirty="0" smtClean="0"/>
-              <a:t>。</a:t>
+              <a:t>图像：为动画精灵显示的图片。</a:t>
             </a:r>
             <a:endParaRPr lang="en-US" altLang="zh-CN" dirty="0" smtClean="0"/>
           </a:p>
@@ -12079,15 +12079,7 @@
             </a:r>
             <a:r>
               <a:rPr lang="zh-CN" altLang="en-US" dirty="0" smtClean="0"/>
-              <a:t>矩形区：</a:t>
-            </a:r>
-            <a:r>
-              <a:rPr lang="zh-CN" altLang="en-US" dirty="0" smtClean="0"/>
-              <a:t>包含动画精灵的矩形</a:t>
-            </a:r>
-            <a:r>
-              <a:rPr lang="zh-CN" altLang="en-US" dirty="0" smtClean="0"/>
-              <a:t>区域。</a:t>
+              <a:t>矩形区：包含动画精灵的矩形区域。</a:t>
             </a:r>
             <a:endParaRPr lang="en-US" altLang="zh-CN" dirty="0" smtClean="0"/>
           </a:p>
@@ -12181,22 +12173,9 @@
           <a:bodyPr/>
           <a:lstStyle/>
           <a:p>
-            <a:pPr algn="l"/>
-            <a:r>
-              <a:rPr lang="en-US" altLang="zh-CN" dirty="0" smtClean="0"/>
-              <a:t>17.2 </a:t>
-            </a:r>
-            <a:r>
-              <a:rPr lang="zh-CN" altLang="en-US" dirty="0" smtClean="0"/>
-              <a:t>嘣 </a:t>
-            </a:r>
-            <a:r>
-              <a:rPr lang="en-US" altLang="zh-CN" dirty="0" smtClean="0"/>
-              <a:t>! </a:t>
-            </a:r>
-            <a:r>
-              <a:rPr lang="zh-CN" altLang="en-US" dirty="0" smtClean="0"/>
-              <a:t>碰撞检测</a:t>
+            <a:r>
+              <a:rPr lang="en-US" altLang="zh-CN" dirty="0" smtClean="0"/>
+              <a:t>13</a:t>
             </a:r>
             <a:endParaRPr lang="zh-CN" altLang="en-US" dirty="0"/>
           </a:p>
@@ -12214,220 +12193,10 @@
         </p:nvSpPr>
         <p:spPr/>
         <p:txBody>
-          <a:bodyPr>
-            <a:normAutofit fontScale="85000" lnSpcReduction="20000"/>
-          </a:bodyPr>
-          <a:lstStyle/>
-          <a:p>
-            <a:pPr marL="514350" indent="-514350">
-              <a:buNone/>
-            </a:pPr>
-            <a:r>
-              <a:rPr lang="en-US" altLang="zh-CN" dirty="0" smtClean="0"/>
-              <a:t>		    </a:t>
-            </a:r>
-            <a:r>
-              <a:rPr lang="zh-CN" altLang="en-US" dirty="0" smtClean="0"/>
-              <a:t>碰撞</a:t>
-            </a:r>
-            <a:r>
-              <a:rPr lang="zh-CN" altLang="en-US" dirty="0" smtClean="0"/>
-              <a:t>检测（</a:t>
-            </a:r>
-            <a:r>
-              <a:rPr lang="en-US" altLang="zh-CN" dirty="0" smtClean="0"/>
-              <a:t>collision detection</a:t>
-            </a:r>
-            <a:r>
-              <a:rPr lang="zh-CN" altLang="en-US" dirty="0" smtClean="0"/>
-              <a:t>）指的是了解两个动画精灵何时接 触或重叠。两个移动的东西相互碰到一起，这就是一个碰撞（</a:t>
-            </a:r>
-            <a:r>
-              <a:rPr lang="en-US" altLang="zh-CN" dirty="0" smtClean="0"/>
-              <a:t>collision</a:t>
-            </a:r>
-            <a:r>
-              <a:rPr lang="zh-CN" altLang="en-US" dirty="0" smtClean="0"/>
-              <a:t>）。</a:t>
-            </a:r>
-            <a:endParaRPr lang="en-US" altLang="zh-CN" dirty="0" smtClean="0"/>
-          </a:p>
-          <a:p>
-            <a:pPr marL="514350" indent="-514350">
-              <a:buNone/>
-            </a:pPr>
-            <a:r>
-              <a:rPr lang="en-US" altLang="zh-CN" b="1" dirty="0" smtClean="0"/>
-              <a:t>	</a:t>
-            </a:r>
-            <a:r>
-              <a:rPr lang="zh-CN" altLang="en-US" dirty="0" smtClean="0"/>
-              <a:t> </a:t>
-            </a:r>
-            <a:r>
-              <a:rPr lang="en-US" altLang="zh-CN" dirty="0" smtClean="0"/>
-              <a:t>	    </a:t>
-            </a:r>
-            <a:r>
-              <a:rPr lang="en-US" altLang="zh-CN" dirty="0" err="1" smtClean="0"/>
-              <a:t>Pygame</a:t>
-            </a:r>
-            <a:r>
-              <a:rPr lang="en-US" altLang="zh-CN" dirty="0" smtClean="0"/>
-              <a:t> </a:t>
-            </a:r>
-            <a:r>
-              <a:rPr lang="zh-CN" altLang="en-US" dirty="0" smtClean="0"/>
-              <a:t>还提供了一种方法对动画精灵</a:t>
-            </a:r>
-            <a:r>
-              <a:rPr lang="zh-CN" altLang="en-US" dirty="0" smtClean="0"/>
-              <a:t>分组。</a:t>
-            </a:r>
-            <a:r>
-              <a:rPr lang="en-US" altLang="zh-CN" dirty="0" smtClean="0"/>
-              <a:t> </a:t>
-            </a:r>
-            <a:r>
-              <a:rPr lang="en-US" altLang="zh-CN" dirty="0" err="1" smtClean="0"/>
-              <a:t>pygame.sprite.Group</a:t>
-            </a:r>
-            <a:r>
-              <a:rPr lang="en-US" altLang="zh-CN" dirty="0" smtClean="0"/>
-              <a:t>() </a:t>
-            </a:r>
-            <a:endParaRPr lang="en-US" altLang="zh-CN" dirty="0" smtClean="0"/>
-          </a:p>
-          <a:p>
-            <a:pPr marL="514350" indent="-514350">
-              <a:buNone/>
-            </a:pPr>
-            <a:r>
-              <a:rPr lang="en-US" altLang="zh-CN" b="1" dirty="0" smtClean="0"/>
-              <a:t>	</a:t>
-            </a:r>
-            <a:r>
-              <a:rPr lang="en-US" altLang="zh-CN" b="1" dirty="0" smtClean="0"/>
-              <a:t>	</a:t>
-            </a:r>
-            <a:r>
-              <a:rPr lang="en-US" altLang="zh-CN" dirty="0" smtClean="0"/>
-              <a:t> </a:t>
-            </a:r>
-            <a:r>
-              <a:rPr lang="en-US" altLang="zh-CN" dirty="0" smtClean="0"/>
-              <a:t>   </a:t>
-            </a:r>
-            <a:r>
-              <a:rPr lang="en-US" altLang="zh-CN" dirty="0" err="1" smtClean="0"/>
-              <a:t>Pygame</a:t>
-            </a:r>
-            <a:r>
-              <a:rPr lang="en-US" altLang="zh-CN" dirty="0" smtClean="0"/>
-              <a:t> </a:t>
-            </a:r>
-            <a:r>
-              <a:rPr lang="en-US" altLang="zh-CN" dirty="0" smtClean="0"/>
-              <a:t>sprite </a:t>
-            </a:r>
-            <a:r>
-              <a:rPr lang="zh-CN" altLang="en-US" dirty="0" smtClean="0"/>
-              <a:t>模块有一个 </a:t>
-            </a:r>
-            <a:r>
-              <a:rPr lang="en-US" altLang="zh-CN" dirty="0" err="1" smtClean="0"/>
-              <a:t>spritecollide</a:t>
-            </a:r>
-            <a:r>
-              <a:rPr lang="en-US" altLang="zh-CN" dirty="0" smtClean="0"/>
-              <a:t>() </a:t>
-            </a:r>
-            <a:r>
-              <a:rPr lang="zh-CN" altLang="en-US" dirty="0" smtClean="0"/>
-              <a:t>函数。它会查找一个精灵与一个组中所有精灵之间的碰撞</a:t>
-            </a:r>
-            <a:r>
-              <a:rPr lang="zh-CN" altLang="en-US" dirty="0" smtClean="0"/>
-              <a:t>。要完成碰撞检测需要</a:t>
-            </a:r>
-            <a:r>
-              <a:rPr lang="en-US" altLang="zh-CN" dirty="0" smtClean="0"/>
-              <a:t>3</a:t>
-            </a:r>
-            <a:r>
-              <a:rPr lang="zh-CN" altLang="en-US" dirty="0" smtClean="0"/>
-              <a:t>步</a:t>
-            </a:r>
-            <a:r>
-              <a:rPr lang="en-US" altLang="zh-CN" dirty="0" smtClean="0"/>
-              <a:t>:</a:t>
-            </a:r>
-          </a:p>
-          <a:p>
-            <a:pPr marL="514350" indent="-514350">
-              <a:buNone/>
-            </a:pPr>
-            <a:r>
-              <a:rPr lang="en-US" altLang="zh-CN" dirty="0" smtClean="0"/>
-              <a:t>		1. </a:t>
-            </a:r>
-            <a:r>
-              <a:rPr lang="zh-CN" altLang="en-US" dirty="0" smtClean="0"/>
-              <a:t>从</a:t>
-            </a:r>
-            <a:r>
-              <a:rPr lang="zh-CN" altLang="en-US" dirty="0" smtClean="0"/>
-              <a:t>这个组中删除这个精灵</a:t>
-            </a:r>
-            <a:r>
-              <a:rPr lang="zh-CN" altLang="en-US" dirty="0" smtClean="0"/>
-              <a:t>；</a:t>
-            </a:r>
-            <a:endParaRPr lang="en-US" altLang="zh-CN" dirty="0" smtClean="0"/>
-          </a:p>
-          <a:p>
-            <a:pPr marL="514350" indent="-514350">
-              <a:buNone/>
-            </a:pPr>
-            <a:r>
-              <a:rPr lang="en-US" altLang="zh-CN" dirty="0" smtClean="0"/>
-              <a:t>	</a:t>
-            </a:r>
-            <a:r>
-              <a:rPr lang="en-US" altLang="zh-CN" dirty="0" smtClean="0"/>
-              <a:t>	2. </a:t>
-            </a:r>
-            <a:r>
-              <a:rPr lang="zh-CN" altLang="en-US" dirty="0" smtClean="0"/>
-              <a:t>检查</a:t>
-            </a:r>
-            <a:r>
-              <a:rPr lang="zh-CN" altLang="en-US" dirty="0" smtClean="0"/>
-              <a:t>这个精灵与组中其他精灵之间的碰撞</a:t>
-            </a:r>
-            <a:r>
-              <a:rPr lang="zh-CN" altLang="en-US" dirty="0" smtClean="0"/>
-              <a:t>；</a:t>
-            </a:r>
-            <a:endParaRPr lang="en-US" altLang="zh-CN" dirty="0" smtClean="0"/>
-          </a:p>
-          <a:p>
-            <a:pPr marL="514350" indent="-514350">
-              <a:buNone/>
-            </a:pPr>
-            <a:r>
-              <a:rPr lang="en-US" altLang="zh-CN" dirty="0" smtClean="0"/>
-              <a:t>		3. </a:t>
-            </a:r>
-            <a:r>
-              <a:rPr lang="zh-CN" altLang="en-US" dirty="0" smtClean="0"/>
-              <a:t>把</a:t>
-            </a:r>
-            <a:r>
-              <a:rPr lang="zh-CN" altLang="en-US" dirty="0" smtClean="0"/>
-              <a:t>这个精灵添加回原来的组中</a:t>
-            </a:r>
-            <a:endParaRPr lang="zh-CN" altLang="en-US" b="1" dirty="0"/>
+          <a:bodyPr/>
+          <a:lstStyle/>
+          <a:p>
+            <a:endParaRPr lang="zh-CN" altLang="en-US"/>
           </a:p>
         </p:txBody>
       </p:sp>
@@ -12474,15 +12243,19 @@
             <a:pPr algn="l"/>
             <a:r>
               <a:rPr lang="en-US" altLang="zh-CN" dirty="0" smtClean="0"/>
-              <a:t>17.3</a:t>
-            </a:r>
-            <a:r>
-              <a:rPr lang="zh-CN" altLang="en-US" dirty="0" smtClean="0"/>
-              <a:t> 统计</a:t>
-            </a:r>
-            <a:r>
-              <a:rPr lang="zh-CN" altLang="en-US" dirty="0" smtClean="0"/>
-              <a:t>时间</a:t>
+              <a:t>17.2 </a:t>
+            </a:r>
+            <a:r>
+              <a:rPr lang="zh-CN" altLang="en-US" dirty="0" smtClean="0"/>
+              <a:t>嘣 </a:t>
+            </a:r>
+            <a:r>
+              <a:rPr lang="en-US" altLang="zh-CN" dirty="0" smtClean="0"/>
+              <a:t>! </a:t>
+            </a:r>
+            <a:r>
+              <a:rPr lang="zh-CN" altLang="en-US" dirty="0" smtClean="0"/>
+              <a:t>碰撞检测</a:t>
             </a:r>
             <a:endParaRPr lang="zh-CN" altLang="en-US" dirty="0"/>
           </a:p>
@@ -12501,7 +12274,7 @@
         <p:spPr/>
         <p:txBody>
           <a:bodyPr>
-            <a:normAutofit/>
+            <a:normAutofit fontScale="85000" lnSpcReduction="20000"/>
           </a:bodyPr>
           <a:lstStyle/>
           <a:p>
@@ -12510,47 +12283,27 @@
             </a:pPr>
             <a:r>
               <a:rPr lang="en-US" altLang="zh-CN" dirty="0" smtClean="0"/>
-              <a:t>		</a:t>
-            </a:r>
-            <a:r>
-              <a:rPr lang="zh-CN" altLang="en-US" b="1" dirty="0" smtClean="0"/>
-              <a:t>帧速率</a:t>
-            </a:r>
-            <a:r>
-              <a:rPr lang="en-US" altLang="zh-CN" dirty="0" smtClean="0"/>
-              <a:t>:</a:t>
-            </a:r>
-            <a:r>
-              <a:rPr lang="zh-CN" altLang="en-US" dirty="0" smtClean="0"/>
-              <a:t>在计算机图形学中，每个动画步叫做一</a:t>
-            </a:r>
-            <a:r>
-              <a:rPr lang="zh-CN" altLang="en-US" dirty="0" smtClean="0"/>
-              <a:t>帧</a:t>
-            </a:r>
-            <a:r>
-              <a:rPr lang="en-US" altLang="zh-CN" dirty="0" smtClean="0"/>
-              <a:t>,</a:t>
-            </a:r>
-            <a:r>
-              <a:rPr lang="zh-CN" altLang="en-US" dirty="0" smtClean="0"/>
-              <a:t>每秒的帧个数就是帧速率。我们可以用 </a:t>
-            </a:r>
-            <a:r>
-              <a:rPr lang="en-US" altLang="zh-CN" dirty="0" err="1" smtClean="0"/>
-              <a:t>pygame.time.Clock</a:t>
-            </a:r>
-            <a:r>
-              <a:rPr lang="en-US" altLang="zh-CN" dirty="0" smtClean="0"/>
-              <a:t>() </a:t>
-            </a:r>
-            <a:r>
-              <a:rPr lang="zh-CN" altLang="en-US" dirty="0" smtClean="0"/>
-              <a:t>控制帧</a:t>
-            </a:r>
-            <a:r>
-              <a:rPr lang="zh-CN" altLang="en-US" dirty="0" smtClean="0"/>
-              <a:t>速率。</a:t>
+              <a:t>		    </a:t>
+            </a:r>
+            <a:r>
+              <a:rPr lang="zh-CN" altLang="en-US" dirty="0" smtClean="0"/>
+              <a:t>碰撞检测（</a:t>
+            </a:r>
+            <a:r>
+              <a:rPr lang="en-US" altLang="zh-CN" dirty="0" smtClean="0"/>
+              <a:t>collision detection</a:t>
+            </a:r>
+            <a:r>
+              <a:rPr lang="zh-CN" altLang="en-US" dirty="0" smtClean="0"/>
+              <a:t>）指的是了解两个动画精灵何时接 触或重叠。两个移动的东西相互碰到一起，这就是一个碰撞（</a:t>
+            </a:r>
+            <a:r>
+              <a:rPr lang="en-US" altLang="zh-CN" dirty="0" smtClean="0"/>
+              <a:t>collision</a:t>
+            </a:r>
+            <a:r>
+              <a:rPr lang="zh-CN" altLang="en-US" dirty="0" smtClean="0"/>
+              <a:t>）。</a:t>
             </a:r>
             <a:endParaRPr lang="en-US" altLang="zh-CN" dirty="0" smtClean="0"/>
           </a:p>
@@ -12559,38 +12312,69 @@
               <a:buNone/>
             </a:pPr>
             <a:r>
-              <a:rPr lang="en-US" altLang="zh-CN" dirty="0" smtClean="0"/>
-              <a:t>		</a:t>
-            </a:r>
-            <a:r>
-              <a:rPr lang="zh-CN" altLang="en-US" b="1" dirty="0" smtClean="0"/>
-              <a:t>调整</a:t>
-            </a:r>
-            <a:r>
-              <a:rPr lang="zh-CN" altLang="en-US" b="1" dirty="0" smtClean="0"/>
-              <a:t>帧</a:t>
-            </a:r>
-            <a:r>
-              <a:rPr lang="zh-CN" altLang="en-US" b="1" dirty="0" smtClean="0"/>
-              <a:t>速率：</a:t>
-            </a:r>
-            <a:endParaRPr lang="en-US" altLang="zh-CN" dirty="0" smtClean="0"/>
+              <a:rPr lang="en-US" altLang="zh-CN" b="1" dirty="0" smtClean="0"/>
+              <a:t>	</a:t>
+            </a:r>
+            <a:r>
+              <a:rPr lang="zh-CN" altLang="en-US" dirty="0" smtClean="0"/>
+              <a:t> </a:t>
+            </a:r>
+            <a:r>
+              <a:rPr lang="en-US" altLang="zh-CN" dirty="0" smtClean="0"/>
+              <a:t>	    </a:t>
+            </a:r>
+            <a:r>
+              <a:rPr lang="en-US" altLang="zh-CN" dirty="0" err="1" smtClean="0"/>
+              <a:t>Pygame</a:t>
+            </a:r>
+            <a:r>
+              <a:rPr lang="en-US" altLang="zh-CN" dirty="0" smtClean="0"/>
+              <a:t> </a:t>
+            </a:r>
+            <a:r>
+              <a:rPr lang="zh-CN" altLang="en-US" dirty="0" smtClean="0"/>
+              <a:t>还提供了一种方法对动画精灵分组。</a:t>
+            </a:r>
+            <a:r>
+              <a:rPr lang="en-US" altLang="zh-CN" dirty="0" smtClean="0"/>
+              <a:t> </a:t>
+            </a:r>
+            <a:r>
+              <a:rPr lang="en-US" altLang="zh-CN" dirty="0" err="1" smtClean="0"/>
+              <a:t>pygame.sprite.Group</a:t>
+            </a:r>
+            <a:r>
+              <a:rPr lang="en-US" altLang="zh-CN" dirty="0" smtClean="0"/>
+              <a:t>() </a:t>
+            </a:r>
           </a:p>
           <a:p>
             <a:pPr marL="514350" indent="-514350">
               <a:buNone/>
             </a:pPr>
             <a:r>
-              <a:rPr lang="en-US" altLang="zh-CN" dirty="0" smtClean="0"/>
-              <a:t>	</a:t>
-            </a:r>
-            <a:r>
-              <a:rPr lang="en-US" altLang="zh-CN" dirty="0" smtClean="0"/>
-              <a:t>	1. </a:t>
+              <a:rPr lang="en-US" altLang="zh-CN" b="1" dirty="0" smtClean="0"/>
+              <a:t>		</a:t>
+            </a:r>
+            <a:r>
+              <a:rPr lang="en-US" altLang="zh-CN" dirty="0" smtClean="0"/>
+              <a:t>    </a:t>
             </a:r>
             <a:r>
               <a:rPr lang="en-US" altLang="zh-CN" dirty="0" err="1" smtClean="0"/>
-              <a:t>clock.get_fps</a:t>
+              <a:t>Pygame</a:t>
+            </a:r>
+            <a:r>
+              <a:rPr lang="en-US" altLang="zh-CN" dirty="0" smtClean="0"/>
+              <a:t> sprite </a:t>
+            </a:r>
+            <a:r>
+              <a:rPr lang="zh-CN" altLang="en-US" dirty="0" smtClean="0"/>
+              <a:t>模块有一个 </a:t>
+            </a:r>
+            <a:r>
+              <a:rPr lang="en-US" altLang="zh-CN" dirty="0" err="1" smtClean="0"/>
+              <a:t>spritecollide</a:t>
             </a:r>
             <a:r>
               <a:rPr lang="en-US" altLang="zh-CN" dirty="0" smtClean="0"/>
@@ -12598,9 +12382,20 @@
             </a:r>
             <a:r>
               <a:rPr lang="zh-CN" altLang="en-US" dirty="0" smtClean="0"/>
-              <a:t>获取实际的帧速率</a:t>
-            </a:r>
-            <a:endParaRPr lang="en-US" altLang="zh-CN" dirty="0" smtClean="0"/>
+              <a:t>函数。它会查找一个精灵与一个组中所有精灵之间的碰撞。要完成碰撞检测需要</a:t>
+            </a:r>
+            <a:r>
+              <a:rPr lang="en-US" altLang="zh-CN" dirty="0" smtClean="0"/>
+              <a:t>3</a:t>
+            </a:r>
+            <a:r>
+              <a:rPr lang="zh-CN" altLang="en-US" dirty="0" smtClean="0"/>
+              <a:t>步</a:t>
+            </a:r>
+            <a:r>
+              <a:rPr lang="en-US" altLang="zh-CN" dirty="0" smtClean="0"/>
+              <a:t>:</a:t>
+            </a:r>
           </a:p>
           <a:p>
             <a:pPr marL="514350" indent="-514350">
@@ -12608,15 +12403,11 @@
             </a:pPr>
             <a:r>
               <a:rPr lang="en-US" altLang="zh-CN" dirty="0" smtClean="0"/>
-              <a:t>	</a:t>
-            </a:r>
-            <a:r>
-              <a:rPr lang="en-US" altLang="zh-CN" dirty="0" smtClean="0"/>
-              <a:t>	2. </a:t>
-            </a:r>
-            <a:r>
-              <a:rPr lang="zh-CN" altLang="en-US" dirty="0" smtClean="0"/>
-              <a:t>由下面的公式计算</a:t>
+              <a:t>		1. </a:t>
+            </a:r>
+            <a:r>
+              <a:rPr lang="zh-CN" altLang="en-US" dirty="0" smtClean="0"/>
+              <a:t>从这个组中删除这个精灵；</a:t>
             </a:r>
             <a:endParaRPr lang="en-US" altLang="zh-CN" dirty="0" smtClean="0"/>
           </a:p>
@@ -12625,39 +12416,28 @@
               <a:buNone/>
             </a:pPr>
             <a:r>
-              <a:rPr lang="en-US" altLang="zh-CN" b="1" dirty="0" smtClean="0"/>
-              <a:t>	</a:t>
-            </a:r>
-            <a:r>
-              <a:rPr lang="en-US" altLang="zh-CN" dirty="0" smtClean="0"/>
-              <a:t>	</a:t>
-            </a:r>
-            <a:r>
-              <a:rPr lang="en-US" altLang="zh-CN" dirty="0" err="1" smtClean="0"/>
-              <a:t>object_speed</a:t>
-            </a:r>
-            <a:r>
-              <a:rPr lang="en-US" altLang="zh-CN" dirty="0" smtClean="0"/>
-              <a:t> = </a:t>
-            </a:r>
-            <a:r>
-              <a:rPr lang="en-US" altLang="zh-CN" dirty="0" err="1" smtClean="0"/>
-              <a:t>current_speed</a:t>
-            </a:r>
-            <a:r>
-              <a:rPr lang="en-US" altLang="zh-CN" dirty="0" smtClean="0"/>
-              <a:t> * (desired fps / actual fps</a:t>
-            </a:r>
-            <a:r>
-              <a:rPr lang="en-US" altLang="zh-CN" dirty="0" smtClean="0"/>
-              <a:t>)</a:t>
-            </a:r>
+              <a:rPr lang="en-US" altLang="zh-CN" dirty="0" smtClean="0"/>
+              <a:t>		2. </a:t>
+            </a:r>
+            <a:r>
+              <a:rPr lang="zh-CN" altLang="en-US" dirty="0" smtClean="0"/>
+              <a:t>检查这个精灵与组中其他精灵之间的碰撞；</a:t>
+            </a:r>
+            <a:endParaRPr lang="en-US" altLang="zh-CN" dirty="0" smtClean="0"/>
           </a:p>
           <a:p>
             <a:pPr marL="514350" indent="-514350">
               <a:buNone/>
             </a:pPr>
-            <a:endParaRPr lang="zh-CN" altLang="en-US" dirty="0"/>
+            <a:r>
+              <a:rPr lang="en-US" altLang="zh-CN" dirty="0" smtClean="0"/>
+              <a:t>		3. </a:t>
+            </a:r>
+            <a:r>
+              <a:rPr lang="zh-CN" altLang="en-US" dirty="0" smtClean="0"/>
+              <a:t>把这个精灵添加回原来的组中</a:t>
+            </a:r>
+            <a:endParaRPr lang="zh-CN" altLang="en-US" b="1" dirty="0"/>
           </a:p>
         </p:txBody>
       </p:sp>
@@ -12703,6 +12483,204 @@
           <a:p>
             <a:pPr algn="l"/>
             <a:r>
+              <a:rPr lang="en-US" altLang="zh-CN" dirty="0" smtClean="0"/>
+              <a:t>17.3</a:t>
+            </a:r>
+            <a:r>
+              <a:rPr lang="zh-CN" altLang="en-US" dirty="0" smtClean="0"/>
+              <a:t> 统计时间</a:t>
+            </a:r>
+            <a:endParaRPr lang="zh-CN" altLang="en-US" dirty="0"/>
+          </a:p>
+        </p:txBody>
+      </p:sp>
+      <p:sp>
+        <p:nvSpPr>
+          <p:cNvPr id="3" name="内容占位符 2"/>
+          <p:cNvSpPr>
+            <a:spLocks noGrp="1"/>
+          </p:cNvSpPr>
+          <p:nvPr>
+            <p:ph idx="1"/>
+          </p:nvPr>
+        </p:nvSpPr>
+        <p:spPr/>
+        <p:txBody>
+          <a:bodyPr>
+            <a:normAutofit/>
+          </a:bodyPr>
+          <a:lstStyle/>
+          <a:p>
+            <a:pPr marL="514350" indent="-514350">
+              <a:buNone/>
+            </a:pPr>
+            <a:r>
+              <a:rPr lang="en-US" altLang="zh-CN" dirty="0" smtClean="0"/>
+              <a:t>		</a:t>
+            </a:r>
+            <a:r>
+              <a:rPr lang="zh-CN" altLang="en-US" b="1" dirty="0" smtClean="0"/>
+              <a:t>帧速率</a:t>
+            </a:r>
+            <a:r>
+              <a:rPr lang="en-US" altLang="zh-CN" dirty="0" smtClean="0"/>
+              <a:t>:</a:t>
+            </a:r>
+            <a:r>
+              <a:rPr lang="zh-CN" altLang="en-US" dirty="0" smtClean="0"/>
+              <a:t>在计算机图形学中，每个动画步叫做一帧</a:t>
+            </a:r>
+            <a:r>
+              <a:rPr lang="en-US" altLang="zh-CN" dirty="0" smtClean="0"/>
+              <a:t>,</a:t>
+            </a:r>
+            <a:r>
+              <a:rPr lang="zh-CN" altLang="en-US" dirty="0" smtClean="0"/>
+              <a:t>每秒的帧个数就是帧速率。我们可以用 </a:t>
+            </a:r>
+            <a:r>
+              <a:rPr lang="en-US" altLang="zh-CN" dirty="0" err="1" smtClean="0"/>
+              <a:t>pygame.time.Clock</a:t>
+            </a:r>
+            <a:r>
+              <a:rPr lang="en-US" altLang="zh-CN" dirty="0" smtClean="0"/>
+              <a:t>() </a:t>
+            </a:r>
+            <a:r>
+              <a:rPr lang="zh-CN" altLang="en-US" dirty="0" smtClean="0"/>
+              <a:t>控制帧速率。</a:t>
+            </a:r>
+            <a:endParaRPr lang="en-US" altLang="zh-CN" dirty="0" smtClean="0"/>
+          </a:p>
+          <a:p>
+            <a:pPr marL="514350" indent="-514350">
+              <a:buNone/>
+            </a:pPr>
+            <a:r>
+              <a:rPr lang="en-US" altLang="zh-CN" dirty="0" smtClean="0"/>
+              <a:t>		</a:t>
+            </a:r>
+            <a:r>
+              <a:rPr lang="zh-CN" altLang="en-US" b="1" dirty="0" smtClean="0"/>
+              <a:t>调整帧速率：</a:t>
+            </a:r>
+            <a:endParaRPr lang="en-US" altLang="zh-CN" dirty="0" smtClean="0"/>
+          </a:p>
+          <a:p>
+            <a:pPr marL="514350" indent="-514350">
+              <a:buNone/>
+            </a:pPr>
+            <a:r>
+              <a:rPr lang="en-US" altLang="zh-CN" dirty="0" smtClean="0"/>
+              <a:t>		1. </a:t>
+            </a:r>
+            <a:r>
+              <a:rPr lang="en-US" altLang="zh-CN" dirty="0" err="1" smtClean="0"/>
+              <a:t>clock.get_fps</a:t>
+            </a:r>
+            <a:r>
+              <a:rPr lang="en-US" altLang="zh-CN" dirty="0" smtClean="0"/>
+              <a:t>() </a:t>
+            </a:r>
+            <a:r>
+              <a:rPr lang="zh-CN" altLang="en-US" dirty="0" smtClean="0"/>
+              <a:t>获取实际的帧速率</a:t>
+            </a:r>
+            <a:endParaRPr lang="en-US" altLang="zh-CN" dirty="0" smtClean="0"/>
+          </a:p>
+          <a:p>
+            <a:pPr marL="514350" indent="-514350">
+              <a:buNone/>
+            </a:pPr>
+            <a:r>
+              <a:rPr lang="en-US" altLang="zh-CN" dirty="0" smtClean="0"/>
+              <a:t>		2. </a:t>
+            </a:r>
+            <a:r>
+              <a:rPr lang="zh-CN" altLang="en-US" dirty="0" smtClean="0"/>
+              <a:t>由下面的公式计算</a:t>
+            </a:r>
+            <a:endParaRPr lang="en-US" altLang="zh-CN" dirty="0" smtClean="0"/>
+          </a:p>
+          <a:p>
+            <a:pPr marL="514350" indent="-514350">
+              <a:buNone/>
+            </a:pPr>
+            <a:r>
+              <a:rPr lang="en-US" altLang="zh-CN" b="1" dirty="0" smtClean="0"/>
+              <a:t>	</a:t>
+            </a:r>
+            <a:r>
+              <a:rPr lang="en-US" altLang="zh-CN" dirty="0" smtClean="0"/>
+              <a:t>	</a:t>
+            </a:r>
+            <a:r>
+              <a:rPr lang="en-US" altLang="zh-CN" dirty="0" err="1" smtClean="0"/>
+              <a:t>object_speed</a:t>
+            </a:r>
+            <a:r>
+              <a:rPr lang="en-US" altLang="zh-CN" dirty="0" smtClean="0"/>
+              <a:t> = </a:t>
+            </a:r>
+            <a:r>
+              <a:rPr lang="en-US" altLang="zh-CN" dirty="0" err="1" smtClean="0"/>
+              <a:t>current_speed</a:t>
+            </a:r>
+            <a:r>
+              <a:rPr lang="en-US" altLang="zh-CN" dirty="0" smtClean="0"/>
+              <a:t> * (desired fps / actual fps)</a:t>
+            </a:r>
+          </a:p>
+          <a:p>
+            <a:pPr marL="514350" indent="-514350">
+              <a:buNone/>
+            </a:pPr>
+            <a:endParaRPr lang="zh-CN" altLang="en-US" dirty="0"/>
+          </a:p>
+        </p:txBody>
+      </p:sp>
+    </p:spTree>
+  </p:cSld>
+  <p:clrMapOvr>
+    <a:masterClrMapping/>
+  </p:clrMapOvr>
+</p:sld>
+</file>
+
+<file path=ppt/slides/slide159.xml><?xml version="1.0" encoding="utf-8"?>
+<p:sld xmlns:a="http://schemas.openxmlformats.org/drawingml/2006/main" xmlns:r="http://schemas.openxmlformats.org/officeDocument/2006/relationships" xmlns:p="http://schemas.openxmlformats.org/presentationml/2006/main">
+  <p:cSld>
+    <p:spTree>
+      <p:nvGrpSpPr>
+        <p:cNvPr id="1" name=""/>
+        <p:cNvGrpSpPr/>
+        <p:nvPr/>
+      </p:nvGrpSpPr>
+      <p:grpSpPr>
+        <a:xfrm>
+          <a:off x="0" y="0"/>
+          <a:ext cx="0" cy="0"/>
+          <a:chOff x="0" y="0"/>
+          <a:chExt cx="0" cy="0"/>
+        </a:xfrm>
+      </p:grpSpPr>
+      <p:sp>
+        <p:nvSpPr>
+          <p:cNvPr id="2" name="标题 1"/>
+          <p:cNvSpPr>
+            <a:spLocks noGrp="1"/>
+          </p:cNvSpPr>
+          <p:nvPr>
+            <p:ph type="title"/>
+          </p:nvPr>
+        </p:nvSpPr>
+        <p:spPr/>
+        <p:txBody>
+          <a:bodyPr/>
+          <a:lstStyle/>
+          <a:p>
+            <a:pPr algn="l"/>
+            <a:r>
               <a:rPr lang="zh-CN" altLang="en-US" dirty="0" smtClean="0"/>
               <a:t>测试题</a:t>
             </a:r>
@@ -12732,11 +12710,7 @@
             </a:pPr>
             <a:r>
               <a:rPr lang="zh-CN" altLang="en-US" dirty="0" smtClean="0"/>
-              <a:t>什么</a:t>
-            </a:r>
-            <a:r>
-              <a:rPr lang="zh-CN" altLang="en-US" dirty="0" smtClean="0"/>
-              <a:t>是碰撞检测？ </a:t>
+              <a:t>什么是碰撞检测？ </a:t>
             </a:r>
             <a:endParaRPr lang="en-US" altLang="zh-CN" dirty="0" smtClean="0"/>
           </a:p>
@@ -12746,11 +12720,7 @@
             </a:pPr>
             <a:r>
               <a:rPr lang="zh-CN" altLang="en-US" dirty="0" smtClean="0"/>
-              <a:t>什么</a:t>
-            </a:r>
-            <a:r>
-              <a:rPr lang="zh-CN" altLang="en-US" dirty="0" smtClean="0"/>
-              <a:t>是像素完美碰撞检测？它与矩形碰撞检测有什么区别？ </a:t>
+              <a:t>什么是像素完美碰撞检测？它与矩形碰撞检测有什么区别？ </a:t>
             </a:r>
             <a:endParaRPr lang="en-US" altLang="zh-CN" dirty="0" smtClean="0"/>
           </a:p>
@@ -12760,11 +12730,7 @@
             </a:pPr>
             <a:r>
               <a:rPr lang="zh-CN" altLang="en-US" dirty="0" smtClean="0"/>
-              <a:t>可以</a:t>
-            </a:r>
-            <a:r>
-              <a:rPr lang="zh-CN" altLang="en-US" dirty="0" smtClean="0"/>
-              <a:t>利用哪两种方法跟踪多个在一起的动画精灵对象？ </a:t>
+              <a:t>可以利用哪两种方法跟踪多个在一起的动画精灵对象？ </a:t>
             </a:r>
             <a:endParaRPr lang="en-US" altLang="zh-CN" dirty="0" smtClean="0"/>
           </a:p>
@@ -12774,11 +12740,7 @@
             </a:pPr>
             <a:r>
               <a:rPr lang="zh-CN" altLang="en-US" dirty="0" smtClean="0"/>
-              <a:t>在</a:t>
-            </a:r>
-            <a:r>
-              <a:rPr lang="zh-CN" altLang="en-US" dirty="0" smtClean="0"/>
-              <a:t>代码中控制动画的速度有哪两种方法？ </a:t>
+              <a:t>在代码中控制动画的速度有哪两种方法？ </a:t>
             </a:r>
             <a:endParaRPr lang="en-US" altLang="zh-CN" dirty="0" smtClean="0"/>
           </a:p>
@@ -12788,11 +12750,7 @@
             </a:pPr>
             <a:r>
               <a:rPr lang="zh-CN" altLang="en-US" dirty="0" smtClean="0"/>
-              <a:t>为什么</a:t>
-            </a:r>
-            <a:r>
-              <a:rPr lang="zh-CN" altLang="en-US" dirty="0" smtClean="0"/>
-              <a:t>使用 </a:t>
+              <a:t>为什么使用 </a:t>
             </a:r>
             <a:r>
               <a:rPr lang="en-US" altLang="zh-CN" dirty="0" err="1" smtClean="0"/>
@@ -12831,35 +12789,6 @@
             <a:r>
               <a:rPr lang="zh-CN" altLang="en-US" dirty="0" smtClean="0"/>
               <a:t>得出你的程序运行的帧速率？</a:t>
-            </a:r>
-            <a:endParaRPr lang="zh-CN" altLang="en-US" dirty="0"/>
-          </a:p>
-        </p:txBody>
-      </p:sp>
-      <p:sp>
-        <p:nvSpPr>
-          <p:cNvPr id="4" name="矩形 3"/>
-          <p:cNvSpPr/>
-          <p:nvPr/>
-        </p:nvSpPr>
-        <p:spPr>
-          <a:xfrm>
-            <a:off x="3763926" y="3244334"/>
-            <a:ext cx="1616148" cy="369332"/>
-          </a:xfrm>
-          <a:prstGeom prst="rect">
-            <a:avLst/>
-          </a:prstGeom>
-        </p:spPr>
-        <p:txBody>
-          <a:bodyPr wrap="none">
-            <a:spAutoFit/>
-          </a:bodyPr>
-          <a:lstStyle/>
-          <a:p>
-            <a:r>
-              <a:rPr lang="en-US" altLang="zh-CN" dirty="0" smtClean="0"/>
-              <a:t>beach_ball.png</a:t>
             </a:r>
             <a:endParaRPr lang="zh-CN" altLang="en-US" dirty="0"/>
           </a:p>
@@ -12929,6 +12858,1286 @@
           <a:lstStyle/>
           <a:p>
             <a:endParaRPr lang="zh-CN" altLang="en-US"/>
+          </a:p>
+        </p:txBody>
+      </p:sp>
+    </p:spTree>
+  </p:cSld>
+  <p:clrMapOvr>
+    <a:masterClrMapping/>
+  </p:clrMapOvr>
+</p:sld>
+</file>
+
+<file path=ppt/slides/slide160.xml><?xml version="1.0" encoding="utf-8"?>
+<p:sld xmlns:a="http://schemas.openxmlformats.org/drawingml/2006/main" xmlns:r="http://schemas.openxmlformats.org/officeDocument/2006/relationships" xmlns:p="http://schemas.openxmlformats.org/presentationml/2006/main">
+  <p:cSld>
+    <p:spTree>
+      <p:nvGrpSpPr>
+        <p:cNvPr id="1" name=""/>
+        <p:cNvGrpSpPr/>
+        <p:nvPr/>
+      </p:nvGrpSpPr>
+      <p:grpSpPr>
+        <a:xfrm>
+          <a:off x="0" y="0"/>
+          <a:ext cx="0" cy="0"/>
+          <a:chOff x="0" y="0"/>
+          <a:chExt cx="0" cy="0"/>
+        </a:xfrm>
+      </p:grpSpPr>
+      <p:sp>
+        <p:nvSpPr>
+          <p:cNvPr id="2" name="标题 1"/>
+          <p:cNvSpPr>
+            <a:spLocks noGrp="1"/>
+          </p:cNvSpPr>
+          <p:nvPr>
+            <p:ph type="title"/>
+          </p:nvPr>
+        </p:nvSpPr>
+        <p:spPr/>
+        <p:txBody>
+          <a:bodyPr>
+            <a:normAutofit/>
+          </a:bodyPr>
+          <a:lstStyle/>
+          <a:p>
+            <a:pPr algn="l"/>
+            <a:r>
+              <a:rPr lang="en-US" altLang="zh-CN" dirty="0" smtClean="0"/>
+              <a:t>18     </a:t>
+            </a:r>
+            <a:r>
+              <a:rPr lang="zh-CN" altLang="en-US" dirty="0" smtClean="0"/>
+              <a:t>一</a:t>
+            </a:r>
+            <a:r>
+              <a:rPr lang="zh-CN" altLang="en-US" dirty="0" smtClean="0"/>
+              <a:t>种新的输入</a:t>
+            </a:r>
+            <a:r>
+              <a:rPr lang="en-US" altLang="zh-CN" dirty="0" smtClean="0"/>
+              <a:t>—</a:t>
+            </a:r>
+            <a:r>
+              <a:rPr lang="zh-CN" altLang="en-US" dirty="0" smtClean="0"/>
+              <a:t>事件</a:t>
+            </a:r>
+            <a:endParaRPr lang="zh-CN" altLang="en-US" dirty="0"/>
+          </a:p>
+        </p:txBody>
+      </p:sp>
+    </p:spTree>
+  </p:cSld>
+  <p:clrMapOvr>
+    <a:masterClrMapping/>
+  </p:clrMapOvr>
+</p:sld>
+</file>
+
+<file path=ppt/slides/slide161.xml><?xml version="1.0" encoding="utf-8"?>
+<p:sld xmlns:a="http://schemas.openxmlformats.org/drawingml/2006/main" xmlns:r="http://schemas.openxmlformats.org/officeDocument/2006/relationships" xmlns:p="http://schemas.openxmlformats.org/presentationml/2006/main">
+  <p:cSld>
+    <p:spTree>
+      <p:nvGrpSpPr>
+        <p:cNvPr id="1" name=""/>
+        <p:cNvGrpSpPr/>
+        <p:nvPr/>
+      </p:nvGrpSpPr>
+      <p:grpSpPr>
+        <a:xfrm>
+          <a:off x="0" y="0"/>
+          <a:ext cx="0" cy="0"/>
+          <a:chOff x="0" y="0"/>
+          <a:chExt cx="0" cy="0"/>
+        </a:xfrm>
+      </p:grpSpPr>
+      <p:sp>
+        <p:nvSpPr>
+          <p:cNvPr id="2" name="标题 1"/>
+          <p:cNvSpPr>
+            <a:spLocks noGrp="1"/>
+          </p:cNvSpPr>
+          <p:nvPr>
+            <p:ph type="title"/>
+          </p:nvPr>
+        </p:nvSpPr>
+        <p:spPr/>
+        <p:txBody>
+          <a:bodyPr/>
+          <a:lstStyle/>
+          <a:p>
+            <a:pPr algn="l"/>
+            <a:r>
+              <a:rPr lang="en-US" altLang="zh-CN" dirty="0" smtClean="0"/>
+              <a:t>18.1</a:t>
+            </a:r>
+            <a:r>
+              <a:rPr lang="zh-CN" altLang="en-US" dirty="0" smtClean="0"/>
+              <a:t>　事件</a:t>
+            </a:r>
+            <a:endParaRPr lang="zh-CN" altLang="en-US" dirty="0"/>
+          </a:p>
+        </p:txBody>
+      </p:sp>
+      <p:sp>
+        <p:nvSpPr>
+          <p:cNvPr id="3" name="内容占位符 2"/>
+          <p:cNvSpPr>
+            <a:spLocks noGrp="1"/>
+          </p:cNvSpPr>
+          <p:nvPr>
+            <p:ph idx="1"/>
+          </p:nvPr>
+        </p:nvSpPr>
+        <p:spPr/>
+        <p:txBody>
+          <a:bodyPr>
+            <a:normAutofit lnSpcReduction="10000"/>
+          </a:bodyPr>
+          <a:lstStyle/>
+          <a:p>
+            <a:r>
+              <a:rPr lang="zh-CN" altLang="en-US" dirty="0" smtClean="0"/>
+              <a:t>移动或点击</a:t>
+            </a:r>
+            <a:r>
+              <a:rPr lang="zh-CN" altLang="en-US" dirty="0" smtClean="0"/>
+              <a:t>鼠标</a:t>
+            </a:r>
+            <a:endParaRPr lang="en-US" altLang="zh-CN" dirty="0" smtClean="0"/>
+          </a:p>
+          <a:p>
+            <a:r>
+              <a:rPr lang="zh-CN" altLang="en-US" dirty="0" smtClean="0"/>
+              <a:t>按键</a:t>
+            </a:r>
+            <a:endParaRPr lang="en-US" altLang="zh-CN" dirty="0" smtClean="0"/>
+          </a:p>
+          <a:p>
+            <a:r>
+              <a:rPr lang="zh-CN" altLang="en-US" dirty="0" smtClean="0"/>
+              <a:t>经过了段时间</a:t>
+            </a:r>
+            <a:endParaRPr lang="en-US" altLang="zh-CN" dirty="0" smtClean="0"/>
+          </a:p>
+          <a:p>
+            <a:pPr>
+              <a:buNone/>
+            </a:pPr>
+            <a:r>
+              <a:rPr lang="zh-CN" altLang="en-US" dirty="0" smtClean="0"/>
+              <a:t>            事件驱动</a:t>
+            </a:r>
+            <a:r>
+              <a:rPr lang="zh-CN" altLang="en-US" dirty="0" smtClean="0"/>
+              <a:t>程 序（</a:t>
+            </a:r>
+            <a:r>
+              <a:rPr lang="en-US" altLang="zh-CN" dirty="0" smtClean="0"/>
+              <a:t>event-driven program</a:t>
+            </a:r>
+            <a:r>
+              <a:rPr lang="zh-CN" altLang="en-US" dirty="0" smtClean="0"/>
+              <a:t>），它们的做法完全不同。事件驱动程序基本上只是“原地 不动”，什么也不做，等待着有事件发生。一旦事件确实发生，它们就会做出反应， 完成所有必要的工作来处理这个事件。</a:t>
+            </a:r>
+          </a:p>
+          <a:p>
+            <a:pPr>
+              <a:buNone/>
+            </a:pPr>
+            <a:endParaRPr lang="zh-CN" altLang="en-US" dirty="0"/>
+          </a:p>
+        </p:txBody>
+      </p:sp>
+    </p:spTree>
+  </p:cSld>
+  <p:clrMapOvr>
+    <a:masterClrMapping/>
+  </p:clrMapOvr>
+</p:sld>
+</file>
+
+<file path=ppt/slides/slide162.xml><?xml version="1.0" encoding="utf-8"?>
+<p:sld xmlns:a="http://schemas.openxmlformats.org/drawingml/2006/main" xmlns:r="http://schemas.openxmlformats.org/officeDocument/2006/relationships" xmlns:p="http://schemas.openxmlformats.org/presentationml/2006/main">
+  <p:cSld>
+    <p:spTree>
+      <p:nvGrpSpPr>
+        <p:cNvPr id="1" name=""/>
+        <p:cNvGrpSpPr/>
+        <p:nvPr/>
+      </p:nvGrpSpPr>
+      <p:grpSpPr>
+        <a:xfrm>
+          <a:off x="0" y="0"/>
+          <a:ext cx="0" cy="0"/>
+          <a:chOff x="0" y="0"/>
+          <a:chExt cx="0" cy="0"/>
+        </a:xfrm>
+      </p:grpSpPr>
+      <p:sp>
+        <p:nvSpPr>
+          <p:cNvPr id="2" name="标题 1"/>
+          <p:cNvSpPr>
+            <a:spLocks noGrp="1"/>
+          </p:cNvSpPr>
+          <p:nvPr>
+            <p:ph type="title"/>
+          </p:nvPr>
+        </p:nvSpPr>
+        <p:spPr/>
+        <p:txBody>
+          <a:bodyPr/>
+          <a:lstStyle/>
+          <a:p>
+            <a:pPr algn="l"/>
+            <a:r>
+              <a:rPr lang="en-US" altLang="zh-CN" dirty="0" smtClean="0"/>
+              <a:t>18.1</a:t>
+            </a:r>
+            <a:r>
+              <a:rPr lang="zh-CN" altLang="en-US" dirty="0" smtClean="0"/>
+              <a:t>　事件</a:t>
+            </a:r>
+            <a:endParaRPr lang="zh-CN" altLang="en-US" dirty="0"/>
+          </a:p>
+        </p:txBody>
+      </p:sp>
+      <p:sp>
+        <p:nvSpPr>
+          <p:cNvPr id="3" name="内容占位符 2"/>
+          <p:cNvSpPr>
+            <a:spLocks noGrp="1"/>
+          </p:cNvSpPr>
+          <p:nvPr>
+            <p:ph idx="1"/>
+          </p:nvPr>
+        </p:nvSpPr>
+        <p:spPr/>
+        <p:txBody>
+          <a:bodyPr>
+            <a:normAutofit lnSpcReduction="10000"/>
+          </a:bodyPr>
+          <a:lstStyle/>
+          <a:p>
+            <a:r>
+              <a:rPr lang="zh-CN" altLang="en-US" dirty="0" smtClean="0"/>
+              <a:t>事件循环</a:t>
+            </a:r>
+            <a:endParaRPr lang="en-US" altLang="zh-CN" dirty="0" smtClean="0"/>
+          </a:p>
+          <a:p>
+            <a:pPr lvl="1"/>
+            <a:r>
+              <a:rPr lang="zh-CN" altLang="en-US" dirty="0" smtClean="0"/>
+              <a:t>。不断寻找事件的这个特殊循环叫做事件循环（</a:t>
+            </a:r>
+            <a:r>
+              <a:rPr lang="en-US" altLang="zh-CN" dirty="0" smtClean="0"/>
+              <a:t>event loop</a:t>
+            </a:r>
+            <a:r>
+              <a:rPr lang="zh-CN" altLang="en-US" dirty="0" smtClean="0"/>
+              <a:t>）</a:t>
+            </a:r>
+            <a:r>
+              <a:rPr lang="zh-CN" altLang="en-US" dirty="0" smtClean="0"/>
+              <a:t>。</a:t>
+            </a:r>
+            <a:endParaRPr lang="en-US" altLang="zh-CN" dirty="0" smtClean="0"/>
+          </a:p>
+          <a:p>
+            <a:r>
+              <a:rPr lang="zh-CN" altLang="en-US" dirty="0" smtClean="0"/>
+              <a:t>事件队列</a:t>
+            </a:r>
+            <a:endParaRPr lang="en-US" altLang="zh-CN" dirty="0" smtClean="0"/>
+          </a:p>
+          <a:p>
+            <a:pPr lvl="1"/>
+            <a:r>
+              <a:rPr lang="zh-CN" altLang="en-US" dirty="0" smtClean="0"/>
+              <a:t>内存中存 储事件的部分叫做事件队列（</a:t>
+            </a:r>
+            <a:r>
+              <a:rPr lang="en-US" altLang="zh-CN" dirty="0" smtClean="0"/>
+              <a:t>event queue</a:t>
+            </a:r>
+            <a:r>
+              <a:rPr lang="zh-CN" altLang="en-US" dirty="0" smtClean="0"/>
+              <a:t>）</a:t>
+            </a:r>
+            <a:r>
+              <a:rPr lang="zh-CN" altLang="en-US" dirty="0" smtClean="0"/>
+              <a:t>。</a:t>
+            </a:r>
+            <a:endParaRPr lang="en-US" altLang="zh-CN" dirty="0" smtClean="0"/>
+          </a:p>
+          <a:p>
+            <a:r>
+              <a:rPr lang="zh-CN" altLang="en-US" dirty="0" smtClean="0"/>
+              <a:t>事件</a:t>
+            </a:r>
+            <a:r>
+              <a:rPr lang="zh-CN" altLang="en-US" dirty="0" smtClean="0"/>
+              <a:t>处理器</a:t>
+            </a:r>
+            <a:endParaRPr lang="en-US" altLang="zh-CN" dirty="0" smtClean="0"/>
+          </a:p>
+          <a:p>
+            <a:pPr lvl="1"/>
+            <a:r>
+              <a:rPr lang="zh-CN" altLang="en-US" dirty="0" smtClean="0"/>
+              <a:t>。程序中处理某个事件的部分称为一个事件处理器（</a:t>
+            </a:r>
+            <a:r>
+              <a:rPr lang="en-US" altLang="zh-CN" dirty="0" smtClean="0"/>
+              <a:t>event handler</a:t>
+            </a:r>
+            <a:r>
+              <a:rPr lang="zh-CN" altLang="en-US" dirty="0" smtClean="0"/>
+              <a:t>）</a:t>
+            </a:r>
+            <a:r>
+              <a:rPr lang="zh-CN" altLang="en-US" dirty="0" smtClean="0"/>
+              <a:t>。</a:t>
+            </a:r>
+            <a:endParaRPr lang="en-US" altLang="zh-CN" dirty="0" smtClean="0"/>
+          </a:p>
+          <a:p>
+            <a:endParaRPr lang="en-US" altLang="zh-CN" dirty="0" smtClean="0"/>
+          </a:p>
+        </p:txBody>
+      </p:sp>
+    </p:spTree>
+  </p:cSld>
+  <p:clrMapOvr>
+    <a:masterClrMapping/>
+  </p:clrMapOvr>
+</p:sld>
+</file>
+
+<file path=ppt/slides/slide163.xml><?xml version="1.0" encoding="utf-8"?>
+<p:sld xmlns:a="http://schemas.openxmlformats.org/drawingml/2006/main" xmlns:r="http://schemas.openxmlformats.org/officeDocument/2006/relationships" xmlns:p="http://schemas.openxmlformats.org/presentationml/2006/main">
+  <p:cSld>
+    <p:spTree>
+      <p:nvGrpSpPr>
+        <p:cNvPr id="1" name=""/>
+        <p:cNvGrpSpPr/>
+        <p:nvPr/>
+      </p:nvGrpSpPr>
+      <p:grpSpPr>
+        <a:xfrm>
+          <a:off x="0" y="0"/>
+          <a:ext cx="0" cy="0"/>
+          <a:chOff x="0" y="0"/>
+          <a:chExt cx="0" cy="0"/>
+        </a:xfrm>
+      </p:grpSpPr>
+      <p:sp>
+        <p:nvSpPr>
+          <p:cNvPr id="2" name="标题 1"/>
+          <p:cNvSpPr>
+            <a:spLocks noGrp="1"/>
+          </p:cNvSpPr>
+          <p:nvPr>
+            <p:ph type="title"/>
+          </p:nvPr>
+        </p:nvSpPr>
+        <p:spPr/>
+        <p:txBody>
+          <a:bodyPr/>
+          <a:lstStyle/>
+          <a:p>
+            <a:pPr algn="l"/>
+            <a:r>
+              <a:rPr lang="en-US" altLang="zh-CN" dirty="0" smtClean="0"/>
+              <a:t>18.2</a:t>
+            </a:r>
+            <a:r>
+              <a:rPr lang="zh-CN" altLang="en-US" dirty="0" smtClean="0"/>
+              <a:t>　</a:t>
+            </a:r>
+            <a:r>
+              <a:rPr lang="zh-CN" altLang="en-US" dirty="0" smtClean="0"/>
+              <a:t>键盘事件</a:t>
+            </a:r>
+            <a:endParaRPr lang="zh-CN" altLang="en-US" dirty="0"/>
+          </a:p>
+        </p:txBody>
+      </p:sp>
+      <p:sp>
+        <p:nvSpPr>
+          <p:cNvPr id="3" name="内容占位符 2"/>
+          <p:cNvSpPr>
+            <a:spLocks noGrp="1"/>
+          </p:cNvSpPr>
+          <p:nvPr>
+            <p:ph idx="1"/>
+          </p:nvPr>
+        </p:nvSpPr>
+        <p:spPr/>
+        <p:txBody>
+          <a:bodyPr>
+            <a:normAutofit/>
+          </a:bodyPr>
+          <a:lstStyle/>
+          <a:p>
+            <a:r>
+              <a:rPr lang="zh-CN" altLang="en-US" dirty="0" smtClean="0"/>
+              <a:t>按键事件</a:t>
+            </a:r>
+          </a:p>
+          <a:p>
+            <a:pPr lvl="1"/>
+            <a:r>
+              <a:rPr lang="en-US" altLang="zh-CN" dirty="0" smtClean="0"/>
+              <a:t>if </a:t>
+            </a:r>
+            <a:r>
+              <a:rPr lang="en-US" altLang="zh-CN" dirty="0" err="1" smtClean="0"/>
+              <a:t>event.type</a:t>
+            </a:r>
+            <a:r>
+              <a:rPr lang="en-US" altLang="zh-CN" dirty="0" smtClean="0"/>
+              <a:t> == </a:t>
+            </a:r>
+            <a:r>
+              <a:rPr lang="en-US" altLang="zh-CN" dirty="0" err="1" smtClean="0"/>
+              <a:t>pygame.KEYDOWN</a:t>
+            </a:r>
+            <a:endParaRPr lang="en-US" altLang="zh-CN" dirty="0" smtClean="0"/>
+          </a:p>
+          <a:p>
+            <a:r>
+              <a:rPr lang="zh-CN" altLang="en-US" dirty="0" smtClean="0"/>
+              <a:t>重复</a:t>
+            </a:r>
+            <a:r>
+              <a:rPr lang="zh-CN" altLang="en-US" dirty="0" smtClean="0"/>
+              <a:t>按键</a:t>
+            </a:r>
+            <a:endParaRPr lang="en-US" altLang="zh-CN" dirty="0" smtClean="0"/>
+          </a:p>
+          <a:p>
+            <a:pPr lvl="1"/>
+            <a:r>
+              <a:rPr lang="en-US" altLang="zh-CN" dirty="0" err="1" smtClean="0"/>
+              <a:t>pygame.key.set_repeat</a:t>
+            </a:r>
+            <a:r>
+              <a:rPr lang="en-US" altLang="zh-CN" dirty="0" smtClean="0"/>
+              <a:t>(delay, interval</a:t>
+            </a:r>
+            <a:r>
+              <a:rPr lang="en-US" altLang="zh-CN" dirty="0" smtClean="0"/>
+              <a:t>)</a:t>
+            </a:r>
+          </a:p>
+          <a:p>
+            <a:r>
+              <a:rPr lang="zh-CN" altLang="en-US" dirty="0" smtClean="0"/>
+              <a:t>事件名和按键</a:t>
+            </a:r>
+            <a:r>
+              <a:rPr lang="zh-CN" altLang="en-US" dirty="0" smtClean="0"/>
+              <a:t>名</a:t>
+            </a:r>
+            <a:endParaRPr lang="en-US" altLang="zh-CN" dirty="0" smtClean="0"/>
+          </a:p>
+          <a:p>
+            <a:pPr lvl="1"/>
+            <a:r>
+              <a:rPr lang="en-US" altLang="zh-CN" dirty="0" smtClean="0"/>
+              <a:t>QUIT </a:t>
+            </a:r>
+            <a:endParaRPr lang="en-US" altLang="zh-CN" dirty="0" smtClean="0"/>
+          </a:p>
+          <a:p>
+            <a:pPr lvl="1"/>
+            <a:r>
+              <a:rPr lang="en-US" altLang="zh-CN" dirty="0" smtClean="0"/>
+              <a:t>KEYDOWN</a:t>
+            </a:r>
+            <a:r>
+              <a:rPr lang="en-US" altLang="zh-CN" dirty="0" smtClean="0"/>
+              <a:t> </a:t>
+            </a:r>
+            <a:endParaRPr lang="en-US" altLang="zh-CN" dirty="0" smtClean="0"/>
+          </a:p>
+          <a:p>
+            <a:pPr lvl="1"/>
+            <a:r>
+              <a:rPr lang="en-US" altLang="zh-CN" dirty="0" smtClean="0"/>
+              <a:t>KEYUP</a:t>
+            </a:r>
+          </a:p>
+        </p:txBody>
+      </p:sp>
+    </p:spTree>
+  </p:cSld>
+  <p:clrMapOvr>
+    <a:masterClrMapping/>
+  </p:clrMapOvr>
+</p:sld>
+</file>
+
+<file path=ppt/slides/slide164.xml><?xml version="1.0" encoding="utf-8"?>
+<p:sld xmlns:a="http://schemas.openxmlformats.org/drawingml/2006/main" xmlns:r="http://schemas.openxmlformats.org/officeDocument/2006/relationships" xmlns:p="http://schemas.openxmlformats.org/presentationml/2006/main">
+  <p:cSld>
+    <p:spTree>
+      <p:nvGrpSpPr>
+        <p:cNvPr id="1" name=""/>
+        <p:cNvGrpSpPr/>
+        <p:nvPr/>
+      </p:nvGrpSpPr>
+      <p:grpSpPr>
+        <a:xfrm>
+          <a:off x="0" y="0"/>
+          <a:ext cx="0" cy="0"/>
+          <a:chOff x="0" y="0"/>
+          <a:chExt cx="0" cy="0"/>
+        </a:xfrm>
+      </p:grpSpPr>
+      <p:sp>
+        <p:nvSpPr>
+          <p:cNvPr id="2" name="标题 1"/>
+          <p:cNvSpPr>
+            <a:spLocks noGrp="1"/>
+          </p:cNvSpPr>
+          <p:nvPr>
+            <p:ph type="title"/>
+          </p:nvPr>
+        </p:nvSpPr>
+        <p:spPr/>
+        <p:txBody>
+          <a:bodyPr>
+            <a:normAutofit/>
+          </a:bodyPr>
+          <a:lstStyle/>
+          <a:p>
+            <a:pPr algn="l"/>
+            <a:r>
+              <a:rPr lang="en-US" altLang="zh-CN" dirty="0" smtClean="0"/>
+              <a:t>18.3</a:t>
+            </a:r>
+            <a:r>
+              <a:rPr lang="zh-CN" altLang="en-US" dirty="0" smtClean="0"/>
+              <a:t>鼠标</a:t>
+            </a:r>
+            <a:r>
+              <a:rPr lang="zh-CN" altLang="en-US" dirty="0" smtClean="0"/>
+              <a:t>事件</a:t>
+            </a:r>
+            <a:endParaRPr lang="zh-CN" altLang="en-US" dirty="0"/>
+          </a:p>
+        </p:txBody>
+      </p:sp>
+      <p:sp>
+        <p:nvSpPr>
+          <p:cNvPr id="3" name="内容占位符 2"/>
+          <p:cNvSpPr>
+            <a:spLocks noGrp="1"/>
+          </p:cNvSpPr>
+          <p:nvPr>
+            <p:ph idx="1"/>
+          </p:nvPr>
+        </p:nvSpPr>
+        <p:spPr/>
+        <p:txBody>
+          <a:bodyPr>
+            <a:normAutofit/>
+          </a:bodyPr>
+          <a:lstStyle/>
+          <a:p>
+            <a:r>
+              <a:rPr lang="en-US" altLang="zh-CN" dirty="0" smtClean="0"/>
+              <a:t>MOUSEBUTTONUP</a:t>
+            </a:r>
+          </a:p>
+          <a:p>
+            <a:r>
+              <a:rPr lang="en-US" altLang="zh-CN" dirty="0" smtClean="0"/>
+              <a:t>MOUSEBUTTONDOWN</a:t>
+            </a:r>
+          </a:p>
+          <a:p>
+            <a:r>
+              <a:rPr lang="en-US" altLang="zh-CN" dirty="0" smtClean="0"/>
+              <a:t>MOUSEMOTION</a:t>
+            </a:r>
+          </a:p>
+          <a:p>
+            <a:r>
+              <a:rPr lang="zh-CN" altLang="en-US" dirty="0" smtClean="0"/>
+              <a:t>实现拖拽动作</a:t>
+            </a:r>
+            <a:endParaRPr lang="zh-CN" altLang="en-US" dirty="0" smtClean="0"/>
+          </a:p>
+        </p:txBody>
+      </p:sp>
+    </p:spTree>
+  </p:cSld>
+  <p:clrMapOvr>
+    <a:masterClrMapping/>
+  </p:clrMapOvr>
+</p:sld>
+</file>
+
+<file path=ppt/slides/slide165.xml><?xml version="1.0" encoding="utf-8"?>
+<p:sld xmlns:a="http://schemas.openxmlformats.org/drawingml/2006/main" xmlns:r="http://schemas.openxmlformats.org/officeDocument/2006/relationships" xmlns:p="http://schemas.openxmlformats.org/presentationml/2006/main">
+  <p:cSld>
+    <p:spTree>
+      <p:nvGrpSpPr>
+        <p:cNvPr id="1" name=""/>
+        <p:cNvGrpSpPr/>
+        <p:nvPr/>
+      </p:nvGrpSpPr>
+      <p:grpSpPr>
+        <a:xfrm>
+          <a:off x="0" y="0"/>
+          <a:ext cx="0" cy="0"/>
+          <a:chOff x="0" y="0"/>
+          <a:chExt cx="0" cy="0"/>
+        </a:xfrm>
+      </p:grpSpPr>
+      <p:sp>
+        <p:nvSpPr>
+          <p:cNvPr id="2" name="标题 1"/>
+          <p:cNvSpPr>
+            <a:spLocks noGrp="1"/>
+          </p:cNvSpPr>
+          <p:nvPr>
+            <p:ph type="title"/>
+          </p:nvPr>
+        </p:nvSpPr>
+        <p:spPr/>
+        <p:txBody>
+          <a:bodyPr>
+            <a:normAutofit/>
+          </a:bodyPr>
+          <a:lstStyle/>
+          <a:p>
+            <a:pPr algn="l"/>
+            <a:r>
+              <a:rPr lang="en-US" altLang="zh-CN" dirty="0" smtClean="0"/>
+              <a:t>18.4</a:t>
+            </a:r>
+            <a:r>
+              <a:rPr lang="zh-CN" altLang="en-US" dirty="0" smtClean="0"/>
+              <a:t>时间</a:t>
+            </a:r>
+            <a:r>
+              <a:rPr lang="zh-CN" altLang="en-US" dirty="0" smtClean="0"/>
+              <a:t>事件</a:t>
+            </a:r>
+            <a:endParaRPr lang="zh-CN" altLang="en-US" dirty="0"/>
+          </a:p>
+        </p:txBody>
+      </p:sp>
+      <p:sp>
+        <p:nvSpPr>
+          <p:cNvPr id="3" name="内容占位符 2"/>
+          <p:cNvSpPr>
+            <a:spLocks noGrp="1"/>
+          </p:cNvSpPr>
+          <p:nvPr>
+            <p:ph idx="1"/>
+          </p:nvPr>
+        </p:nvSpPr>
+        <p:spPr/>
+        <p:txBody>
+          <a:bodyPr>
+            <a:normAutofit/>
+          </a:bodyPr>
+          <a:lstStyle/>
+          <a:p>
+            <a:r>
+              <a:rPr lang="zh-CN" altLang="en-US" dirty="0" smtClean="0"/>
+              <a:t>定时器</a:t>
+            </a:r>
+            <a:r>
+              <a:rPr lang="zh-CN" altLang="en-US" dirty="0" smtClean="0"/>
+              <a:t>事件（</a:t>
+            </a:r>
+            <a:r>
+              <a:rPr lang="en-US" altLang="zh-CN" dirty="0" smtClean="0"/>
+              <a:t>timer event</a:t>
+            </a:r>
+            <a:r>
+              <a:rPr lang="zh-CN" altLang="en-US" dirty="0" smtClean="0"/>
+              <a:t>）</a:t>
+            </a:r>
+            <a:r>
+              <a:rPr lang="en-US" altLang="zh-CN" dirty="0" smtClean="0"/>
+              <a:t>,</a:t>
+            </a:r>
+            <a:r>
+              <a:rPr lang="zh-CN" altLang="en-US" dirty="0" smtClean="0"/>
+              <a:t> </a:t>
+            </a:r>
+            <a:r>
+              <a:rPr lang="zh-CN" altLang="en-US" dirty="0" smtClean="0"/>
+              <a:t>定时器会按固定的间隔生成</a:t>
+            </a:r>
+            <a:r>
+              <a:rPr lang="zh-CN" altLang="en-US" dirty="0" smtClean="0"/>
+              <a:t>事件。</a:t>
+            </a:r>
+            <a:endParaRPr lang="en-US" altLang="zh-CN" dirty="0" smtClean="0"/>
+          </a:p>
+          <a:p>
+            <a:r>
+              <a:rPr lang="en-US" altLang="zh-CN" dirty="0" err="1" smtClean="0"/>
+              <a:t>pygame.time.set_timer</a:t>
+            </a:r>
+            <a:r>
+              <a:rPr lang="en-US" altLang="zh-CN" dirty="0" smtClean="0"/>
+              <a:t>(EVENT_NUMBER, interval)</a:t>
+            </a:r>
+            <a:endParaRPr lang="en-US" altLang="zh-CN" dirty="0" smtClean="0"/>
+          </a:p>
+        </p:txBody>
+      </p:sp>
+    </p:spTree>
+  </p:cSld>
+  <p:clrMapOvr>
+    <a:masterClrMapping/>
+  </p:clrMapOvr>
+</p:sld>
+</file>
+
+<file path=ppt/slides/slide166.xml><?xml version="1.0" encoding="utf-8"?>
+<p:sld xmlns:a="http://schemas.openxmlformats.org/drawingml/2006/main" xmlns:r="http://schemas.openxmlformats.org/officeDocument/2006/relationships" xmlns:p="http://schemas.openxmlformats.org/presentationml/2006/main">
+  <p:cSld>
+    <p:spTree>
+      <p:nvGrpSpPr>
+        <p:cNvPr id="1" name=""/>
+        <p:cNvGrpSpPr/>
+        <p:nvPr/>
+      </p:nvGrpSpPr>
+      <p:grpSpPr>
+        <a:xfrm>
+          <a:off x="0" y="0"/>
+          <a:ext cx="0" cy="0"/>
+          <a:chOff x="0" y="0"/>
+          <a:chExt cx="0" cy="0"/>
+        </a:xfrm>
+      </p:grpSpPr>
+      <p:sp>
+        <p:nvSpPr>
+          <p:cNvPr id="2" name="标题 1"/>
+          <p:cNvSpPr>
+            <a:spLocks noGrp="1"/>
+          </p:cNvSpPr>
+          <p:nvPr>
+            <p:ph type="title"/>
+          </p:nvPr>
+        </p:nvSpPr>
+        <p:spPr/>
+        <p:txBody>
+          <a:bodyPr>
+            <a:normAutofit/>
+          </a:bodyPr>
+          <a:lstStyle/>
+          <a:p>
+            <a:pPr algn="l"/>
+            <a:r>
+              <a:rPr lang="en-US" altLang="zh-CN" dirty="0" smtClean="0"/>
+              <a:t>18.5 </a:t>
+            </a:r>
+            <a:r>
+              <a:rPr lang="en-US" altLang="zh-CN" dirty="0" err="1" smtClean="0"/>
+              <a:t>pypong</a:t>
+            </a:r>
+            <a:endParaRPr lang="zh-CN" altLang="en-US" dirty="0"/>
+          </a:p>
+        </p:txBody>
+      </p:sp>
+      <p:sp>
+        <p:nvSpPr>
+          <p:cNvPr id="3" name="内容占位符 2"/>
+          <p:cNvSpPr>
+            <a:spLocks noGrp="1"/>
+          </p:cNvSpPr>
+          <p:nvPr>
+            <p:ph idx="1"/>
+          </p:nvPr>
+        </p:nvSpPr>
+        <p:spPr/>
+        <p:txBody>
+          <a:bodyPr>
+            <a:normAutofit/>
+          </a:bodyPr>
+          <a:lstStyle/>
+          <a:p>
+            <a:r>
+              <a:rPr lang="zh-CN" altLang="en-US" dirty="0" smtClean="0"/>
+              <a:t>一个来回反弹</a:t>
+            </a:r>
+            <a:r>
+              <a:rPr lang="zh-CN" altLang="en-US" dirty="0" smtClean="0"/>
+              <a:t>的球</a:t>
+            </a:r>
+            <a:endParaRPr lang="en-US" altLang="zh-CN" dirty="0" smtClean="0"/>
+          </a:p>
+          <a:p>
+            <a:r>
+              <a:rPr lang="zh-CN" altLang="en-US" dirty="0" smtClean="0"/>
+              <a:t>一个</a:t>
+            </a:r>
+            <a:r>
+              <a:rPr lang="zh-CN" altLang="en-US" dirty="0" smtClean="0"/>
+              <a:t>打球的</a:t>
+            </a:r>
+            <a:r>
+              <a:rPr lang="zh-CN" altLang="en-US" dirty="0" smtClean="0"/>
+              <a:t>球拍</a:t>
+            </a:r>
+            <a:endParaRPr lang="en-US" altLang="zh-CN" dirty="0" smtClean="0"/>
+          </a:p>
+          <a:p>
+            <a:r>
+              <a:rPr lang="zh-CN" altLang="en-US" dirty="0" smtClean="0"/>
+              <a:t>一</a:t>
+            </a:r>
+            <a:r>
+              <a:rPr lang="zh-CN" altLang="en-US" dirty="0" smtClean="0"/>
+              <a:t>种控制球拍的</a:t>
+            </a:r>
+            <a:r>
+              <a:rPr lang="zh-CN" altLang="en-US" dirty="0" smtClean="0"/>
+              <a:t>方法</a:t>
+            </a:r>
+            <a:endParaRPr lang="en-US" altLang="zh-CN" dirty="0" smtClean="0"/>
+          </a:p>
+          <a:p>
+            <a:r>
+              <a:rPr lang="zh-CN" altLang="en-US" dirty="0" smtClean="0"/>
+              <a:t> </a:t>
+            </a:r>
+            <a:r>
+              <a:rPr lang="zh-CN" altLang="en-US" dirty="0" smtClean="0"/>
+              <a:t>一种记录分数并在窗口上显示分数的</a:t>
+            </a:r>
+            <a:r>
+              <a:rPr lang="zh-CN" altLang="en-US" dirty="0" smtClean="0"/>
+              <a:t>方法</a:t>
+            </a:r>
+            <a:endParaRPr lang="en-US" altLang="zh-CN" dirty="0" smtClean="0"/>
+          </a:p>
+          <a:p>
+            <a:r>
+              <a:rPr lang="zh-CN" altLang="en-US" dirty="0" smtClean="0"/>
+              <a:t>一</a:t>
+            </a:r>
+            <a:r>
+              <a:rPr lang="zh-CN" altLang="en-US" dirty="0" smtClean="0"/>
+              <a:t>种确定有几条“命”的方法 </a:t>
+            </a:r>
+            <a:r>
+              <a:rPr lang="en-US" altLang="zh-CN" dirty="0" smtClean="0"/>
+              <a:t>—</a:t>
+            </a:r>
+            <a:r>
+              <a:rPr lang="zh-CN" altLang="en-US" dirty="0" smtClean="0"/>
+              <a:t>你有几次机</a:t>
+            </a:r>
+            <a:endParaRPr lang="en-US" altLang="zh-CN" dirty="0" smtClean="0"/>
+          </a:p>
+        </p:txBody>
+      </p:sp>
+    </p:spTree>
+  </p:cSld>
+  <p:clrMapOvr>
+    <a:masterClrMapping/>
+  </p:clrMapOvr>
+</p:sld>
+</file>
+
+<file path=ppt/slides/slide167.xml><?xml version="1.0" encoding="utf-8"?>
+<p:sld xmlns:a="http://schemas.openxmlformats.org/drawingml/2006/main" xmlns:r="http://schemas.openxmlformats.org/officeDocument/2006/relationships" xmlns:p="http://schemas.openxmlformats.org/presentationml/2006/main">
+  <p:cSld>
+    <p:spTree>
+      <p:nvGrpSpPr>
+        <p:cNvPr id="1" name=""/>
+        <p:cNvGrpSpPr/>
+        <p:nvPr/>
+      </p:nvGrpSpPr>
+      <p:grpSpPr>
+        <a:xfrm>
+          <a:off x="0" y="0"/>
+          <a:ext cx="0" cy="0"/>
+          <a:chOff x="0" y="0"/>
+          <a:chExt cx="0" cy="0"/>
+        </a:xfrm>
+      </p:grpSpPr>
+      <p:sp>
+        <p:nvSpPr>
+          <p:cNvPr id="2" name="标题 1"/>
+          <p:cNvSpPr>
+            <a:spLocks noGrp="1"/>
+          </p:cNvSpPr>
+          <p:nvPr>
+            <p:ph type="title"/>
+          </p:nvPr>
+        </p:nvSpPr>
+        <p:spPr/>
+        <p:txBody>
+          <a:bodyPr>
+            <a:normAutofit/>
+          </a:bodyPr>
+          <a:lstStyle/>
+          <a:p>
+            <a:pPr algn="l"/>
+            <a:r>
+              <a:rPr lang="zh-CN" altLang="en-US" dirty="0" smtClean="0"/>
+              <a:t>测试题</a:t>
+            </a:r>
+            <a:endParaRPr lang="zh-CN" altLang="en-US" dirty="0"/>
+          </a:p>
+        </p:txBody>
+      </p:sp>
+      <p:sp>
+        <p:nvSpPr>
+          <p:cNvPr id="3" name="内容占位符 2"/>
+          <p:cNvSpPr>
+            <a:spLocks noGrp="1"/>
+          </p:cNvSpPr>
+          <p:nvPr>
+            <p:ph idx="1"/>
+          </p:nvPr>
+        </p:nvSpPr>
+        <p:spPr/>
+        <p:txBody>
+          <a:bodyPr>
+            <a:normAutofit fontScale="77500" lnSpcReduction="20000"/>
+          </a:bodyPr>
+          <a:lstStyle/>
+          <a:p>
+            <a:r>
+              <a:rPr lang="en-US" altLang="zh-CN" dirty="0" smtClean="0"/>
+              <a:t>1. </a:t>
+            </a:r>
+            <a:r>
+              <a:rPr lang="zh-CN" altLang="en-US" dirty="0" smtClean="0"/>
+              <a:t>程序可以响应哪两种事件？ </a:t>
+            </a:r>
+            <a:endParaRPr lang="en-US" altLang="zh-CN" dirty="0" smtClean="0"/>
+          </a:p>
+          <a:p>
+            <a:r>
+              <a:rPr lang="en-US" altLang="zh-CN" dirty="0" smtClean="0"/>
+              <a:t>2</a:t>
+            </a:r>
+            <a:r>
+              <a:rPr lang="en-US" altLang="zh-CN" dirty="0" smtClean="0"/>
+              <a:t>. </a:t>
+            </a:r>
+            <a:r>
+              <a:rPr lang="zh-CN" altLang="en-US" dirty="0" smtClean="0"/>
+              <a:t>处理事件的代码叫什么？</a:t>
+            </a:r>
+          </a:p>
+          <a:p>
+            <a:r>
+              <a:rPr lang="en-US" altLang="zh-CN" dirty="0" smtClean="0"/>
+              <a:t>3</a:t>
+            </a:r>
+            <a:r>
+              <a:rPr lang="en-US" altLang="zh-CN" dirty="0" smtClean="0"/>
+              <a:t>. </a:t>
+            </a:r>
+            <a:r>
+              <a:rPr lang="en-US" altLang="zh-CN" dirty="0" err="1" smtClean="0"/>
+              <a:t>Pygame</a:t>
+            </a:r>
+            <a:r>
+              <a:rPr lang="en-US" altLang="zh-CN" dirty="0" smtClean="0"/>
+              <a:t> </a:t>
+            </a:r>
+            <a:r>
+              <a:rPr lang="zh-CN" altLang="en-US" dirty="0" smtClean="0"/>
+              <a:t>检测按键时使用的事件类型名是什么？ </a:t>
+            </a:r>
+            <a:endParaRPr lang="en-US" altLang="zh-CN" dirty="0" smtClean="0"/>
+          </a:p>
+          <a:p>
+            <a:r>
+              <a:rPr lang="en-US" altLang="zh-CN" dirty="0" smtClean="0"/>
+              <a:t>4. MOUSEMOVE</a:t>
+            </a:r>
+            <a:r>
+              <a:rPr lang="zh-CN" altLang="en-US" dirty="0" smtClean="0"/>
+              <a:t>事件的哪个属性指出了鼠标位于窗口的哪个位置？ </a:t>
+            </a:r>
+            <a:endParaRPr lang="en-US" altLang="zh-CN" dirty="0" smtClean="0"/>
+          </a:p>
+          <a:p>
+            <a:r>
+              <a:rPr lang="en-US" altLang="zh-CN" dirty="0" smtClean="0"/>
+              <a:t>5</a:t>
+            </a:r>
+            <a:r>
+              <a:rPr lang="en-US" altLang="zh-CN" dirty="0" smtClean="0"/>
+              <a:t>.  </a:t>
+            </a:r>
+            <a:r>
+              <a:rPr lang="zh-CN" altLang="en-US" dirty="0" smtClean="0"/>
+              <a:t>如何找出 </a:t>
+            </a:r>
+            <a:r>
+              <a:rPr lang="en-US" altLang="zh-CN" dirty="0" err="1" smtClean="0"/>
+              <a:t>Pygame</a:t>
+            </a:r>
+            <a:r>
+              <a:rPr lang="en-US" altLang="zh-CN" dirty="0" smtClean="0"/>
+              <a:t> </a:t>
+            </a:r>
+            <a:r>
+              <a:rPr lang="zh-CN" altLang="en-US" dirty="0" smtClean="0"/>
+              <a:t>中下一个可用的事件编号（例如，如果你想添加一个用户事 件）？ </a:t>
+            </a:r>
+            <a:endParaRPr lang="en-US" altLang="zh-CN" dirty="0" smtClean="0"/>
+          </a:p>
+          <a:p>
+            <a:r>
+              <a:rPr lang="en-US" altLang="zh-CN" dirty="0" smtClean="0"/>
+              <a:t>6</a:t>
+            </a:r>
+            <a:r>
+              <a:rPr lang="en-US" altLang="zh-CN" dirty="0" smtClean="0"/>
+              <a:t>. </a:t>
+            </a:r>
+            <a:r>
+              <a:rPr lang="zh-CN" altLang="en-US" dirty="0" smtClean="0"/>
+              <a:t>如何创建一个定时器在 </a:t>
+            </a:r>
+            <a:r>
+              <a:rPr lang="en-US" altLang="zh-CN" dirty="0" err="1" smtClean="0"/>
+              <a:t>Pygame</a:t>
+            </a:r>
+            <a:r>
+              <a:rPr lang="en-US" altLang="zh-CN" dirty="0" smtClean="0"/>
+              <a:t> </a:t>
+            </a:r>
+            <a:r>
+              <a:rPr lang="zh-CN" altLang="en-US" dirty="0" smtClean="0"/>
+              <a:t>中生成定时器事件？ </a:t>
+            </a:r>
+            <a:endParaRPr lang="en-US" altLang="zh-CN" dirty="0" smtClean="0"/>
+          </a:p>
+          <a:p>
+            <a:r>
+              <a:rPr lang="en-US" altLang="zh-CN" dirty="0" smtClean="0"/>
+              <a:t>7</a:t>
+            </a:r>
+            <a:r>
+              <a:rPr lang="en-US" altLang="zh-CN" dirty="0" smtClean="0"/>
+              <a:t>. </a:t>
+            </a:r>
+            <a:r>
+              <a:rPr lang="zh-CN" altLang="en-US" dirty="0" smtClean="0"/>
+              <a:t>在 </a:t>
+            </a:r>
+            <a:r>
+              <a:rPr lang="en-US" altLang="zh-CN" dirty="0" err="1" smtClean="0"/>
+              <a:t>Pygame</a:t>
+            </a:r>
+            <a:r>
+              <a:rPr lang="en-US" altLang="zh-CN" dirty="0" smtClean="0"/>
+              <a:t> </a:t>
+            </a:r>
+            <a:r>
+              <a:rPr lang="zh-CN" altLang="en-US" dirty="0" smtClean="0"/>
+              <a:t>窗口中显示文本时要使用什么对象？ </a:t>
+            </a:r>
+            <a:endParaRPr lang="en-US" altLang="zh-CN" dirty="0" smtClean="0"/>
+          </a:p>
+          <a:p>
+            <a:r>
+              <a:rPr lang="en-US" altLang="zh-CN" dirty="0" smtClean="0"/>
+              <a:t>8</a:t>
+            </a:r>
+            <a:r>
+              <a:rPr lang="en-US" altLang="zh-CN" dirty="0" smtClean="0"/>
+              <a:t>. </a:t>
+            </a:r>
+            <a:r>
+              <a:rPr lang="zh-CN" altLang="en-US" dirty="0" smtClean="0"/>
+              <a:t>要让文本出现在一个 </a:t>
+            </a:r>
+            <a:r>
+              <a:rPr lang="en-US" altLang="zh-CN" dirty="0" err="1" smtClean="0"/>
+              <a:t>Pygame</a:t>
+            </a:r>
+            <a:r>
+              <a:rPr lang="en-US" altLang="zh-CN" dirty="0" smtClean="0"/>
+              <a:t> </a:t>
+            </a:r>
+            <a:r>
+              <a:rPr lang="zh-CN" altLang="en-US" dirty="0" smtClean="0"/>
+              <a:t>窗口中，需要哪 </a:t>
+            </a:r>
+            <a:r>
+              <a:rPr lang="en-US" altLang="zh-CN" dirty="0" smtClean="0"/>
+              <a:t>3 </a:t>
+            </a:r>
+            <a:r>
+              <a:rPr lang="zh-CN" altLang="en-US" dirty="0" smtClean="0"/>
+              <a:t>个步骤</a:t>
+            </a:r>
+            <a:r>
+              <a:rPr lang="zh-CN" altLang="en-US" dirty="0" smtClean="0"/>
+              <a:t>？</a:t>
+            </a:r>
+            <a:endParaRPr lang="en-US" altLang="zh-CN" dirty="0" smtClean="0"/>
+          </a:p>
+        </p:txBody>
+      </p:sp>
+    </p:spTree>
+  </p:cSld>
+  <p:clrMapOvr>
+    <a:masterClrMapping/>
+  </p:clrMapOvr>
+</p:sld>
+</file>
+
+<file path=ppt/slides/slide168.xml><?xml version="1.0" encoding="utf-8"?>
+<p:sld xmlns:a="http://schemas.openxmlformats.org/drawingml/2006/main" xmlns:r="http://schemas.openxmlformats.org/officeDocument/2006/relationships" xmlns:p="http://schemas.openxmlformats.org/presentationml/2006/main">
+  <p:cSld>
+    <p:spTree>
+      <p:nvGrpSpPr>
+        <p:cNvPr id="1" name=""/>
+        <p:cNvGrpSpPr/>
+        <p:nvPr/>
+      </p:nvGrpSpPr>
+      <p:grpSpPr>
+        <a:xfrm>
+          <a:off x="0" y="0"/>
+          <a:ext cx="0" cy="0"/>
+          <a:chOff x="0" y="0"/>
+          <a:chExt cx="0" cy="0"/>
+        </a:xfrm>
+      </p:grpSpPr>
+      <p:sp>
+        <p:nvSpPr>
+          <p:cNvPr id="2" name="标题 1"/>
+          <p:cNvSpPr>
+            <a:spLocks noGrp="1"/>
+          </p:cNvSpPr>
+          <p:nvPr>
+            <p:ph type="title"/>
+          </p:nvPr>
+        </p:nvSpPr>
+        <p:spPr/>
+        <p:txBody>
+          <a:bodyPr>
+            <a:normAutofit/>
+          </a:bodyPr>
+          <a:lstStyle/>
+          <a:p>
+            <a:pPr algn="l"/>
+            <a:r>
+              <a:rPr lang="zh-CN" altLang="en-US" dirty="0" smtClean="0"/>
+              <a:t>动手试一试</a:t>
+            </a:r>
+            <a:endParaRPr lang="zh-CN" altLang="en-US" dirty="0"/>
+          </a:p>
+        </p:txBody>
+      </p:sp>
+      <p:sp>
+        <p:nvSpPr>
+          <p:cNvPr id="3" name="内容占位符 2"/>
+          <p:cNvSpPr>
+            <a:spLocks noGrp="1"/>
+          </p:cNvSpPr>
+          <p:nvPr>
+            <p:ph idx="1"/>
+          </p:nvPr>
+        </p:nvSpPr>
+        <p:spPr/>
+        <p:txBody>
+          <a:bodyPr>
+            <a:normAutofit fontScale="85000" lnSpcReduction="10000"/>
+          </a:bodyPr>
+          <a:lstStyle/>
+          <a:p>
+            <a:r>
+              <a:rPr lang="en-US" altLang="zh-CN" dirty="0" smtClean="0"/>
+              <a:t>1.  </a:t>
+            </a:r>
+            <a:r>
+              <a:rPr lang="zh-CN" altLang="en-US" dirty="0" smtClean="0"/>
+              <a:t>如果球没有碰到球拍的顶边，而是碰到了球拍的左右两边，有没有什么奇怪 的现象发生？它会在球拍中间持续反弹一段时间。你明白这是为什么吗？你 能解决这个问题吗？我在后面的答案中给出了一个解决方案，不过在看答案 之前你自己先试试看。 </a:t>
+            </a:r>
+            <a:endParaRPr lang="en-US" altLang="zh-CN" smtClean="0"/>
+          </a:p>
+          <a:p>
+            <a:r>
+              <a:rPr lang="en-US" altLang="zh-CN" smtClean="0"/>
+              <a:t>2</a:t>
+            </a:r>
+            <a:r>
+              <a:rPr lang="en-US" altLang="zh-CN" dirty="0" smtClean="0"/>
+              <a:t>.  </a:t>
+            </a:r>
+            <a:r>
+              <a:rPr lang="zh-CN" altLang="en-US" dirty="0" smtClean="0"/>
+              <a:t>试着重写这个程序（代码清单 </a:t>
+            </a:r>
+            <a:r>
+              <a:rPr lang="en-US" altLang="zh-CN" dirty="0" smtClean="0"/>
+              <a:t>18-4 </a:t>
+            </a:r>
+            <a:r>
+              <a:rPr lang="zh-CN" altLang="en-US" dirty="0" smtClean="0"/>
+              <a:t>或代码清单 </a:t>
+            </a:r>
+            <a:r>
+              <a:rPr lang="en-US" altLang="zh-CN" dirty="0" smtClean="0"/>
+              <a:t>18-5</a:t>
+            </a:r>
+            <a:r>
+              <a:rPr lang="zh-CN" altLang="en-US" dirty="0" smtClean="0"/>
+              <a:t>），让球的反弹有点随 机性。可以改变球在球拍或墙上反弹的方式，使用随机的速度，或者也可 以采用你能想到的其他做法。 （我们在第 </a:t>
+            </a:r>
+            <a:r>
+              <a:rPr lang="en-US" altLang="zh-CN" dirty="0" smtClean="0"/>
+              <a:t>15 </a:t>
+            </a:r>
+            <a:r>
+              <a:rPr lang="zh-CN" altLang="en-US" dirty="0" smtClean="0"/>
+              <a:t>章见过 </a:t>
+            </a:r>
+            <a:r>
+              <a:rPr lang="en-US" altLang="zh-CN" dirty="0" err="1" smtClean="0"/>
+              <a:t>random.randint</a:t>
+            </a:r>
+            <a:r>
+              <a:rPr lang="en-US" altLang="zh-CN" dirty="0" smtClean="0"/>
+              <a:t>() </a:t>
+            </a:r>
+            <a:r>
+              <a:rPr lang="zh-CN" altLang="en-US" dirty="0" smtClean="0"/>
+              <a:t>和 </a:t>
+            </a:r>
+            <a:r>
+              <a:rPr lang="en-US" altLang="zh-CN" dirty="0" err="1" smtClean="0"/>
+              <a:t>random.random</a:t>
+            </a:r>
+            <a:r>
+              <a:rPr lang="en-US" altLang="zh-CN" dirty="0" smtClean="0"/>
+              <a:t>()</a:t>
+            </a:r>
+            <a:r>
+              <a:rPr lang="zh-CN" altLang="en-US" dirty="0" smtClean="0"/>
+              <a:t>，所以你应该知道如何生成随机数，包括整数和浮点数。）</a:t>
+            </a:r>
+          </a:p>
+          <a:p>
+            <a:endParaRPr lang="en-US" altLang="zh-CN" dirty="0" smtClean="0"/>
           </a:p>
         </p:txBody>
       </p:sp>

--- a/readme/Python3.pptx
+++ b/readme/Python3.pptx
@@ -164,15 +164,40 @@
     <p:sldId id="418" r:id="rId158"/>
     <p:sldId id="419" r:id="rId159"/>
     <p:sldId id="420" r:id="rId160"/>
-    <p:sldId id="422" r:id="rId161"/>
-    <p:sldId id="423" r:id="rId162"/>
-    <p:sldId id="424" r:id="rId163"/>
-    <p:sldId id="425" r:id="rId164"/>
-    <p:sldId id="426" r:id="rId165"/>
-    <p:sldId id="427" r:id="rId166"/>
-    <p:sldId id="428" r:id="rId167"/>
-    <p:sldId id="429" r:id="rId168"/>
-    <p:sldId id="430" r:id="rId169"/>
+    <p:sldId id="431" r:id="rId161"/>
+    <p:sldId id="422" r:id="rId162"/>
+    <p:sldId id="423" r:id="rId163"/>
+    <p:sldId id="424" r:id="rId164"/>
+    <p:sldId id="425" r:id="rId165"/>
+    <p:sldId id="426" r:id="rId166"/>
+    <p:sldId id="427" r:id="rId167"/>
+    <p:sldId id="428" r:id="rId168"/>
+    <p:sldId id="429" r:id="rId169"/>
+    <p:sldId id="430" r:id="rId170"/>
+    <p:sldId id="432" r:id="rId171"/>
+    <p:sldId id="433" r:id="rId172"/>
+    <p:sldId id="434" r:id="rId173"/>
+    <p:sldId id="435" r:id="rId174"/>
+    <p:sldId id="436" r:id="rId175"/>
+    <p:sldId id="437" r:id="rId176"/>
+    <p:sldId id="438" r:id="rId177"/>
+    <p:sldId id="439" r:id="rId178"/>
+    <p:sldId id="440" r:id="rId179"/>
+    <p:sldId id="441" r:id="rId180"/>
+    <p:sldId id="442" r:id="rId181"/>
+    <p:sldId id="443" r:id="rId182"/>
+    <p:sldId id="444" r:id="rId183"/>
+    <p:sldId id="445" r:id="rId184"/>
+    <p:sldId id="446" r:id="rId185"/>
+    <p:sldId id="447" r:id="rId186"/>
+    <p:sldId id="448" r:id="rId187"/>
+    <p:sldId id="449" r:id="rId188"/>
+    <p:sldId id="450" r:id="rId189"/>
+    <p:sldId id="451" r:id="rId190"/>
+    <p:sldId id="452" r:id="rId191"/>
+    <p:sldId id="453" r:id="rId192"/>
+    <p:sldId id="454" r:id="rId193"/>
+    <p:sldId id="455" r:id="rId194"/>
   </p:sldIdLst>
   <p:sldSz cx="9144000" cy="6858000" type="screen4x3"/>
   <p:notesSz cx="6858000" cy="9144000"/>
@@ -456,7 +481,7 @@
             <a:fld id="{530820CF-B880-4189-942D-D702A7CBA730}" type="datetimeFigureOut">
               <a:rPr lang="zh-CN" altLang="en-US" smtClean="0"/>
               <a:pPr/>
-              <a:t>2019/1/13</a:t>
+              <a:t>2019/3/10</a:t>
             </a:fld>
             <a:endParaRPr lang="zh-CN" altLang="en-US"/>
           </a:p>
@@ -623,7 +648,7 @@
             <a:fld id="{530820CF-B880-4189-942D-D702A7CBA730}" type="datetimeFigureOut">
               <a:rPr lang="zh-CN" altLang="en-US" smtClean="0"/>
               <a:pPr/>
-              <a:t>2019/1/13</a:t>
+              <a:t>2019/3/10</a:t>
             </a:fld>
             <a:endParaRPr lang="zh-CN" altLang="en-US"/>
           </a:p>
@@ -800,7 +825,7 @@
             <a:fld id="{530820CF-B880-4189-942D-D702A7CBA730}" type="datetimeFigureOut">
               <a:rPr lang="zh-CN" altLang="en-US" smtClean="0"/>
               <a:pPr/>
-              <a:t>2019/1/13</a:t>
+              <a:t>2019/3/10</a:t>
             </a:fld>
             <a:endParaRPr lang="zh-CN" altLang="en-US"/>
           </a:p>
@@ -967,7 +992,7 @@
             <a:fld id="{530820CF-B880-4189-942D-D702A7CBA730}" type="datetimeFigureOut">
               <a:rPr lang="zh-CN" altLang="en-US" smtClean="0"/>
               <a:pPr/>
-              <a:t>2019/1/13</a:t>
+              <a:t>2019/3/10</a:t>
             </a:fld>
             <a:endParaRPr lang="zh-CN" altLang="en-US"/>
           </a:p>
@@ -1210,7 +1235,7 @@
             <a:fld id="{530820CF-B880-4189-942D-D702A7CBA730}" type="datetimeFigureOut">
               <a:rPr lang="zh-CN" altLang="en-US" smtClean="0"/>
               <a:pPr/>
-              <a:t>2019/1/13</a:t>
+              <a:t>2019/3/10</a:t>
             </a:fld>
             <a:endParaRPr lang="zh-CN" altLang="en-US"/>
           </a:p>
@@ -1495,7 +1520,7 @@
             <a:fld id="{530820CF-B880-4189-942D-D702A7CBA730}" type="datetimeFigureOut">
               <a:rPr lang="zh-CN" altLang="en-US" smtClean="0"/>
               <a:pPr/>
-              <a:t>2019/1/13</a:t>
+              <a:t>2019/3/10</a:t>
             </a:fld>
             <a:endParaRPr lang="zh-CN" altLang="en-US"/>
           </a:p>
@@ -1914,7 +1939,7 @@
             <a:fld id="{530820CF-B880-4189-942D-D702A7CBA730}" type="datetimeFigureOut">
               <a:rPr lang="zh-CN" altLang="en-US" smtClean="0"/>
               <a:pPr/>
-              <a:t>2019/1/13</a:t>
+              <a:t>2019/3/10</a:t>
             </a:fld>
             <a:endParaRPr lang="zh-CN" altLang="en-US"/>
           </a:p>
@@ -2029,7 +2054,7 @@
             <a:fld id="{530820CF-B880-4189-942D-D702A7CBA730}" type="datetimeFigureOut">
               <a:rPr lang="zh-CN" altLang="en-US" smtClean="0"/>
               <a:pPr/>
-              <a:t>2019/1/13</a:t>
+              <a:t>2019/3/10</a:t>
             </a:fld>
             <a:endParaRPr lang="zh-CN" altLang="en-US"/>
           </a:p>
@@ -2121,7 +2146,7 @@
             <a:fld id="{530820CF-B880-4189-942D-D702A7CBA730}" type="datetimeFigureOut">
               <a:rPr lang="zh-CN" altLang="en-US" smtClean="0"/>
               <a:pPr/>
-              <a:t>2019/1/13</a:t>
+              <a:t>2019/3/10</a:t>
             </a:fld>
             <a:endParaRPr lang="zh-CN" altLang="en-US"/>
           </a:p>
@@ -2395,7 +2420,7 @@
             <a:fld id="{530820CF-B880-4189-942D-D702A7CBA730}" type="datetimeFigureOut">
               <a:rPr lang="zh-CN" altLang="en-US" smtClean="0"/>
               <a:pPr/>
-              <a:t>2019/1/13</a:t>
+              <a:t>2019/3/10</a:t>
             </a:fld>
             <a:endParaRPr lang="zh-CN" altLang="en-US"/>
           </a:p>
@@ -2645,7 +2670,7 @@
             <a:fld id="{530820CF-B880-4189-942D-D702A7CBA730}" type="datetimeFigureOut">
               <a:rPr lang="zh-CN" altLang="en-US" smtClean="0"/>
               <a:pPr/>
-              <a:t>2019/1/13</a:t>
+              <a:t>2019/3/10</a:t>
             </a:fld>
             <a:endParaRPr lang="zh-CN" altLang="en-US"/>
           </a:p>
@@ -2855,7 +2880,7 @@
             <a:fld id="{530820CF-B880-4189-942D-D702A7CBA730}" type="datetimeFigureOut">
               <a:rPr lang="zh-CN" altLang="en-US" smtClean="0"/>
               <a:pPr/>
-              <a:t>2019/1/13</a:t>
+              <a:t>2019/3/10</a:t>
             </a:fld>
             <a:endParaRPr lang="zh-CN" altLang="en-US"/>
           </a:p>
@@ -12382,7 +12407,19 @@
             </a:r>
             <a:r>
               <a:rPr lang="zh-CN" altLang="en-US" dirty="0" smtClean="0"/>
-              <a:t>函数。它会查找一个精灵与一个组中所有精灵之间的碰撞。要完成碰撞检测需要</a:t>
+              <a:t>函数。它会查找一个</a:t>
+            </a:r>
+            <a:r>
+              <a:rPr lang="en-US" altLang="zh-CN" smtClean="0"/>
+              <a:t>	</a:t>
+            </a:r>
+            <a:r>
+              <a:rPr lang="zh-CN" altLang="en-US" smtClean="0"/>
+              <a:t>精灵</a:t>
+            </a:r>
+            <a:r>
+              <a:rPr lang="zh-CN" altLang="en-US" dirty="0" smtClean="0"/>
+              <a:t>与一个组中所有精灵之间的碰撞。要完成碰撞检测需要</a:t>
             </a:r>
             <a:r>
               <a:rPr lang="en-US" altLang="zh-CN" dirty="0" smtClean="0"/>
@@ -12898,33 +12935,33 @@
         </p:nvSpPr>
         <p:spPr/>
         <p:txBody>
-          <a:bodyPr>
-            <a:normAutofit/>
-          </a:bodyPr>
-          <a:lstStyle/>
-          <a:p>
-            <a:pPr algn="l"/>
-            <a:r>
-              <a:rPr lang="en-US" altLang="zh-CN" dirty="0" smtClean="0"/>
-              <a:t>18     </a:t>
-            </a:r>
-            <a:r>
-              <a:rPr lang="zh-CN" altLang="en-US" dirty="0" smtClean="0"/>
-              <a:t>一</a:t>
-            </a:r>
-            <a:r>
-              <a:rPr lang="zh-CN" altLang="en-US" dirty="0" smtClean="0"/>
-              <a:t>种新的输入</a:t>
-            </a:r>
-            <a:r>
-              <a:rPr lang="en-US" altLang="zh-CN" dirty="0" smtClean="0"/>
-              <a:t>—</a:t>
-            </a:r>
-            <a:r>
-              <a:rPr lang="zh-CN" altLang="en-US" dirty="0" smtClean="0"/>
-              <a:t>事件</a:t>
+          <a:bodyPr/>
+          <a:lstStyle/>
+          <a:p>
+            <a:r>
+              <a:rPr lang="en-US" altLang="zh-CN" dirty="0" smtClean="0"/>
+              <a:t>14</a:t>
             </a:r>
             <a:endParaRPr lang="zh-CN" altLang="en-US" dirty="0"/>
+          </a:p>
+        </p:txBody>
+      </p:sp>
+      <p:sp>
+        <p:nvSpPr>
+          <p:cNvPr id="3" name="内容占位符 2"/>
+          <p:cNvSpPr>
+            <a:spLocks noGrp="1"/>
+          </p:cNvSpPr>
+          <p:nvPr>
+            <p:ph idx="1"/>
+          </p:nvPr>
+        </p:nvSpPr>
+        <p:spPr/>
+        <p:txBody>
+          <a:bodyPr/>
+          <a:lstStyle/>
+          <a:p>
+            <a:endParaRPr lang="zh-CN" altLang="en-US"/>
           </a:p>
         </p:txBody>
       </p:sp>
@@ -12965,88 +13002,28 @@
         </p:nvSpPr>
         <p:spPr/>
         <p:txBody>
-          <a:bodyPr/>
+          <a:bodyPr>
+            <a:normAutofit/>
+          </a:bodyPr>
           <a:lstStyle/>
           <a:p>
             <a:pPr algn="l"/>
             <a:r>
               <a:rPr lang="en-US" altLang="zh-CN" dirty="0" smtClean="0"/>
-              <a:t>18.1</a:t>
-            </a:r>
-            <a:r>
-              <a:rPr lang="zh-CN" altLang="en-US" dirty="0" smtClean="0"/>
-              <a:t>　事件</a:t>
-            </a:r>
-            <a:endParaRPr lang="zh-CN" altLang="en-US" dirty="0"/>
-          </a:p>
-        </p:txBody>
-      </p:sp>
-      <p:sp>
-        <p:nvSpPr>
-          <p:cNvPr id="3" name="内容占位符 2"/>
-          <p:cNvSpPr>
-            <a:spLocks noGrp="1"/>
-          </p:cNvSpPr>
-          <p:nvPr>
-            <p:ph idx="1"/>
-          </p:nvPr>
-        </p:nvSpPr>
-        <p:spPr/>
-        <p:txBody>
-          <a:bodyPr>
-            <a:normAutofit lnSpcReduction="10000"/>
-          </a:bodyPr>
-          <a:lstStyle/>
-          <a:p>
-            <a:r>
-              <a:rPr lang="zh-CN" altLang="en-US" dirty="0" smtClean="0"/>
-              <a:t>移动或点击</a:t>
-            </a:r>
-            <a:r>
-              <a:rPr lang="zh-CN" altLang="en-US" dirty="0" smtClean="0"/>
-              <a:t>鼠标</a:t>
-            </a:r>
-            <a:endParaRPr lang="en-US" altLang="zh-CN" dirty="0" smtClean="0"/>
-          </a:p>
-          <a:p>
-            <a:r>
-              <a:rPr lang="zh-CN" altLang="en-US" dirty="0" smtClean="0"/>
-              <a:t>按键</a:t>
-            </a:r>
-            <a:endParaRPr lang="en-US" altLang="zh-CN" dirty="0" smtClean="0"/>
-          </a:p>
-          <a:p>
-            <a:r>
-              <a:rPr lang="zh-CN" altLang="en-US" dirty="0" smtClean="0"/>
-              <a:t>经过了段时间</a:t>
-            </a:r>
-            <a:endParaRPr lang="en-US" altLang="zh-CN" dirty="0" smtClean="0"/>
-          </a:p>
-          <a:p>
-            <a:pPr>
-              <a:buNone/>
-            </a:pPr>
-            <a:r>
-              <a:rPr lang="zh-CN" altLang="en-US" dirty="0" smtClean="0"/>
-              <a:t>            事件驱动</a:t>
-            </a:r>
-            <a:r>
-              <a:rPr lang="zh-CN" altLang="en-US" dirty="0" smtClean="0"/>
-              <a:t>程 序（</a:t>
-            </a:r>
-            <a:r>
-              <a:rPr lang="en-US" altLang="zh-CN" dirty="0" smtClean="0"/>
-              <a:t>event-driven program</a:t>
-            </a:r>
-            <a:r>
-              <a:rPr lang="zh-CN" altLang="en-US" dirty="0" smtClean="0"/>
-              <a:t>），它们的做法完全不同。事件驱动程序基本上只是“原地 不动”，什么也不做，等待着有事件发生。一旦事件确实发生，它们就会做出反应， 完成所有必要的工作来处理这个事件。</a:t>
-            </a:r>
-          </a:p>
-          <a:p>
-            <a:pPr>
-              <a:buNone/>
-            </a:pPr>
+              <a:t>18     </a:t>
+            </a:r>
+            <a:r>
+              <a:rPr lang="zh-CN" altLang="en-US" dirty="0" smtClean="0"/>
+              <a:t>一种新的输入</a:t>
+            </a:r>
+            <a:r>
+              <a:rPr lang="en-US" altLang="zh-CN" dirty="0" smtClean="0"/>
+              <a:t>—</a:t>
+            </a:r>
+            <a:r>
+              <a:rPr lang="zh-CN" altLang="en-US" dirty="0" smtClean="0"/>
+              <a:t>事件</a:t>
+            </a:r>
             <a:endParaRPr lang="zh-CN" altLang="en-US" dirty="0"/>
           </a:p>
         </p:txBody>
@@ -13123,90 +13100,46 @@
           <a:p>
             <a:r>
               <a:rPr lang="zh-CN" altLang="en-US" dirty="0" smtClean="0"/>
-              <a:t>事件循环</a:t>
-            </a:r>
-            <a:endParaRPr lang="en-US" altLang="zh-CN" dirty="0" smtClean="0"/>
-          </a:p>
-          <a:p>
-            <a:pPr lvl="1"/>
-            <a:r>
-              <a:rPr lang="zh-CN" altLang="en-US" dirty="0" smtClean="0"/>
-              <a:t>。不断寻找事件的这个特殊循环叫做事件循环（</a:t>
-            </a:r>
-            <a:r>
-              <a:rPr lang="en-US" altLang="zh-CN" dirty="0" smtClean="0"/>
-              <a:t>event loop</a:t>
-            </a:r>
-            <a:r>
-              <a:rPr lang="zh-CN" altLang="en-US" dirty="0" smtClean="0"/>
-              <a:t>）</a:t>
-            </a:r>
-            <a:r>
-              <a:rPr lang="zh-CN" altLang="en-US" dirty="0" smtClean="0"/>
-              <a:t>。</a:t>
-            </a:r>
-            <a:endParaRPr lang="en-US" altLang="zh-CN" dirty="0" smtClean="0"/>
-          </a:p>
-          <a:p>
-            <a:r>
-              <a:rPr lang="zh-CN" altLang="en-US" dirty="0" smtClean="0"/>
-              <a:t>事件队列</a:t>
-            </a:r>
-            <a:endParaRPr lang="en-US" altLang="zh-CN" dirty="0" smtClean="0"/>
-          </a:p>
-          <a:p>
-            <a:pPr lvl="1"/>
-            <a:r>
-              <a:rPr lang="zh-CN" altLang="en-US" dirty="0" smtClean="0"/>
-              <a:t>内存中存 储事件的部分叫做事件队列（</a:t>
-            </a:r>
-            <a:r>
-              <a:rPr lang="en-US" altLang="zh-CN" dirty="0" smtClean="0"/>
-              <a:t>event queue</a:t>
-            </a:r>
-            <a:r>
-              <a:rPr lang="zh-CN" altLang="en-US" dirty="0" smtClean="0"/>
-              <a:t>）</a:t>
-            </a:r>
-            <a:r>
-              <a:rPr lang="zh-CN" altLang="en-US" dirty="0" smtClean="0"/>
-              <a:t>。</a:t>
-            </a:r>
-            <a:endParaRPr lang="en-US" altLang="zh-CN" dirty="0" smtClean="0"/>
-          </a:p>
-          <a:p>
-            <a:r>
-              <a:rPr lang="zh-CN" altLang="en-US" dirty="0" smtClean="0"/>
-              <a:t>事件</a:t>
-            </a:r>
-            <a:r>
-              <a:rPr lang="zh-CN" altLang="en-US" dirty="0" smtClean="0"/>
-              <a:t>处理器</a:t>
-            </a:r>
-            <a:endParaRPr lang="en-US" altLang="zh-CN" dirty="0" smtClean="0"/>
-          </a:p>
-          <a:p>
-            <a:pPr lvl="1"/>
-            <a:r>
-              <a:rPr lang="zh-CN" altLang="en-US" dirty="0" smtClean="0"/>
-              <a:t>。程序中处理某个事件的部分称为一个事件处理器（</a:t>
-            </a:r>
-            <a:r>
-              <a:rPr lang="en-US" altLang="zh-CN" dirty="0" smtClean="0"/>
-              <a:t>event handler</a:t>
-            </a:r>
-            <a:r>
-              <a:rPr lang="zh-CN" altLang="en-US" dirty="0" smtClean="0"/>
-              <a:t>）</a:t>
-            </a:r>
-            <a:r>
-              <a:rPr lang="zh-CN" altLang="en-US" dirty="0" smtClean="0"/>
-              <a:t>。</a:t>
-            </a:r>
-            <a:endParaRPr lang="en-US" altLang="zh-CN" dirty="0" smtClean="0"/>
-          </a:p>
-          <a:p>
-            <a:endParaRPr lang="en-US" altLang="zh-CN" dirty="0" smtClean="0"/>
+              <a:t>移动或点击鼠标</a:t>
+            </a:r>
+            <a:endParaRPr lang="en-US" altLang="zh-CN" dirty="0" smtClean="0"/>
+          </a:p>
+          <a:p>
+            <a:r>
+              <a:rPr lang="zh-CN" altLang="en-US" dirty="0" smtClean="0"/>
+              <a:t>按键</a:t>
+            </a:r>
+            <a:endParaRPr lang="en-US" altLang="zh-CN" dirty="0" smtClean="0"/>
+          </a:p>
+          <a:p>
+            <a:r>
+              <a:rPr lang="zh-CN" altLang="en-US" dirty="0" smtClean="0"/>
+              <a:t>经过了段时间</a:t>
+            </a:r>
+            <a:endParaRPr lang="en-US" altLang="zh-CN" dirty="0" smtClean="0"/>
+          </a:p>
+          <a:p>
+            <a:pPr>
+              <a:buNone/>
+            </a:pPr>
+            <a:r>
+              <a:rPr lang="zh-CN" altLang="en-US" dirty="0" smtClean="0"/>
+              <a:t>            事件驱动程 序（</a:t>
+            </a:r>
+            <a:r>
+              <a:rPr lang="en-US" altLang="zh-CN" dirty="0" smtClean="0"/>
+              <a:t>event-driven program</a:t>
+            </a:r>
+            <a:r>
+              <a:rPr lang="zh-CN" altLang="en-US" dirty="0" smtClean="0"/>
+              <a:t>），它们的做法完全不同。事件驱动程序基本上只是“原地 不动”，什么也不做，等待着有事件发生。一旦事件确实发生，它们就会做出反应， 完成所有必要的工作来处理这个事件。</a:t>
+            </a:r>
+          </a:p>
+          <a:p>
+            <a:pPr>
+              <a:buNone/>
+            </a:pPr>
+            <a:endParaRPr lang="zh-CN" altLang="en-US" dirty="0"/>
           </a:p>
         </p:txBody>
       </p:sp>
@@ -13215,6 +13148,13 @@
   <p:clrMapOvr>
     <a:masterClrMapping/>
   </p:clrMapOvr>
+  <p:timing>
+    <p:tnLst>
+      <p:par>
+        <p:cTn id="1" dur="indefinite" restart="never" nodeType="tmRoot"/>
+      </p:par>
+    </p:tnLst>
+  </p:timing>
 </p:sld>
 </file>
 
@@ -13253,15 +13193,11 @@
             <a:pPr algn="l"/>
             <a:r>
               <a:rPr lang="en-US" altLang="zh-CN" dirty="0" smtClean="0"/>
-              <a:t>18.2</a:t>
-            </a:r>
-            <a:r>
-              <a:rPr lang="zh-CN" altLang="en-US" dirty="0" smtClean="0"/>
-              <a:t>　</a:t>
-            </a:r>
-            <a:r>
-              <a:rPr lang="zh-CN" altLang="en-US" dirty="0" smtClean="0"/>
-              <a:t>键盘事件</a:t>
+              <a:t>18.1</a:t>
+            </a:r>
+            <a:r>
+              <a:rPr lang="zh-CN" altLang="en-US" dirty="0" smtClean="0"/>
+              <a:t>　事件</a:t>
             </a:r>
             <a:endParaRPr lang="zh-CN" altLang="en-US" dirty="0"/>
           </a:p>
@@ -13280,98 +13216,80 @@
         <p:spPr/>
         <p:txBody>
           <a:bodyPr>
-            <a:normAutofit/>
+            <a:normAutofit lnSpcReduction="10000"/>
           </a:bodyPr>
           <a:lstStyle/>
           <a:p>
             <a:r>
               <a:rPr lang="zh-CN" altLang="en-US" dirty="0" smtClean="0"/>
-              <a:t>按键事件</a:t>
-            </a:r>
+              <a:t>事件循环</a:t>
+            </a:r>
+            <a:endParaRPr lang="en-US" altLang="zh-CN" dirty="0" smtClean="0"/>
           </a:p>
           <a:p>
             <a:pPr lvl="1"/>
             <a:r>
-              <a:rPr lang="en-US" altLang="zh-CN" dirty="0" smtClean="0"/>
-              <a:t>if </a:t>
-            </a:r>
-            <a:r>
-              <a:rPr lang="en-US" altLang="zh-CN" dirty="0" err="1" smtClean="0"/>
-              <a:t>event.type</a:t>
-            </a:r>
-            <a:r>
-              <a:rPr lang="en-US" altLang="zh-CN" dirty="0" smtClean="0"/>
-              <a:t> == </a:t>
-            </a:r>
-            <a:r>
-              <a:rPr lang="en-US" altLang="zh-CN" dirty="0" err="1" smtClean="0"/>
-              <a:t>pygame.KEYDOWN</a:t>
-            </a:r>
-            <a:endParaRPr lang="en-US" altLang="zh-CN" dirty="0" smtClean="0"/>
-          </a:p>
-          <a:p>
-            <a:r>
-              <a:rPr lang="zh-CN" altLang="en-US" dirty="0" smtClean="0"/>
-              <a:t>重复</a:t>
-            </a:r>
-            <a:r>
-              <a:rPr lang="zh-CN" altLang="en-US" dirty="0" smtClean="0"/>
-              <a:t>按键</a:t>
+              <a:rPr lang="zh-CN" altLang="en-US" dirty="0" smtClean="0"/>
+              <a:t>。不断寻找事件的这个特殊循环叫做事件循环（</a:t>
+            </a:r>
+            <a:r>
+              <a:rPr lang="en-US" altLang="zh-CN" dirty="0" smtClean="0"/>
+              <a:t>event loop</a:t>
+            </a:r>
+            <a:r>
+              <a:rPr lang="zh-CN" altLang="en-US" dirty="0" smtClean="0"/>
+              <a:t>）。</a:t>
+            </a:r>
+            <a:endParaRPr lang="en-US" altLang="zh-CN" dirty="0" smtClean="0"/>
+          </a:p>
+          <a:p>
+            <a:r>
+              <a:rPr lang="zh-CN" altLang="en-US" dirty="0" smtClean="0"/>
+              <a:t>事件队列</a:t>
             </a:r>
             <a:endParaRPr lang="en-US" altLang="zh-CN" dirty="0" smtClean="0"/>
           </a:p>
           <a:p>
             <a:pPr lvl="1"/>
             <a:r>
-              <a:rPr lang="en-US" altLang="zh-CN" dirty="0" err="1" smtClean="0"/>
-              <a:t>pygame.key.set_repeat</a:t>
-            </a:r>
-            <a:r>
-              <a:rPr lang="en-US" altLang="zh-CN" dirty="0" smtClean="0"/>
-              <a:t>(delay, interval</a:t>
-            </a:r>
-            <a:r>
-              <a:rPr lang="en-US" altLang="zh-CN" dirty="0" smtClean="0"/>
-              <a:t>)</a:t>
-            </a:r>
-          </a:p>
-          <a:p>
-            <a:r>
-              <a:rPr lang="zh-CN" altLang="en-US" dirty="0" smtClean="0"/>
-              <a:t>事件名和按键</a:t>
-            </a:r>
-            <a:r>
-              <a:rPr lang="zh-CN" altLang="en-US" dirty="0" smtClean="0"/>
-              <a:t>名</a:t>
+              <a:rPr lang="zh-CN" altLang="en-US" dirty="0" smtClean="0"/>
+              <a:t>内存中存 储事件的部分叫做事件队列（</a:t>
+            </a:r>
+            <a:r>
+              <a:rPr lang="en-US" altLang="zh-CN" dirty="0" smtClean="0"/>
+              <a:t>event queue</a:t>
+            </a:r>
+            <a:r>
+              <a:rPr lang="zh-CN" altLang="en-US" dirty="0" smtClean="0"/>
+              <a:t>）。</a:t>
+            </a:r>
+            <a:endParaRPr lang="en-US" altLang="zh-CN" dirty="0" smtClean="0"/>
+          </a:p>
+          <a:p>
+            <a:r>
+              <a:rPr lang="zh-CN" altLang="en-US" dirty="0" smtClean="0"/>
+              <a:t>事件处理器</a:t>
             </a:r>
             <a:endParaRPr lang="en-US" altLang="zh-CN" dirty="0" smtClean="0"/>
           </a:p>
           <a:p>
             <a:pPr lvl="1"/>
             <a:r>
-              <a:rPr lang="en-US" altLang="zh-CN" dirty="0" smtClean="0"/>
-              <a:t>QUIT </a:t>
-            </a:r>
-            <a:endParaRPr lang="en-US" altLang="zh-CN" dirty="0" smtClean="0"/>
-          </a:p>
-          <a:p>
-            <a:pPr lvl="1"/>
-            <a:r>
-              <a:rPr lang="en-US" altLang="zh-CN" dirty="0" smtClean="0"/>
-              <a:t>KEYDOWN</a:t>
-            </a:r>
-            <a:r>
-              <a:rPr lang="en-US" altLang="zh-CN" dirty="0" smtClean="0"/>
-              <a:t> </a:t>
-            </a:r>
-            <a:endParaRPr lang="en-US" altLang="zh-CN" dirty="0" smtClean="0"/>
-          </a:p>
-          <a:p>
-            <a:pPr lvl="1"/>
-            <a:r>
-              <a:rPr lang="en-US" altLang="zh-CN" dirty="0" smtClean="0"/>
-              <a:t>KEYUP</a:t>
-            </a:r>
+              <a:rPr lang="zh-CN" altLang="en-US" dirty="0" smtClean="0"/>
+              <a:t>。程序中处理某个事件的部分称为一个事件处理器（</a:t>
+            </a:r>
+            <a:r>
+              <a:rPr lang="en-US" altLang="zh-CN" dirty="0" smtClean="0"/>
+              <a:t>event handler</a:t>
+            </a:r>
+            <a:r>
+              <a:rPr lang="zh-CN" altLang="en-US" dirty="0" smtClean="0"/>
+              <a:t>）。</a:t>
+            </a:r>
+            <a:endParaRPr lang="en-US" altLang="zh-CN" dirty="0" smtClean="0"/>
+          </a:p>
+          <a:p>
+            <a:endParaRPr lang="en-US" altLang="zh-CN" dirty="0" smtClean="0"/>
           </a:p>
         </p:txBody>
       </p:sp>
@@ -13380,6 +13298,13 @@
   <p:clrMapOvr>
     <a:masterClrMapping/>
   </p:clrMapOvr>
+  <p:timing>
+    <p:tnLst>
+      <p:par>
+        <p:cTn id="1" dur="indefinite" restart="never" nodeType="tmRoot"/>
+      </p:par>
+    </p:tnLst>
+  </p:timing>
 </p:sld>
 </file>
 
@@ -13412,68 +13337,109 @@
         </p:nvSpPr>
         <p:spPr/>
         <p:txBody>
+          <a:bodyPr/>
+          <a:lstStyle/>
+          <a:p>
+            <a:pPr algn="l"/>
+            <a:r>
+              <a:rPr lang="en-US" altLang="zh-CN" dirty="0" smtClean="0"/>
+              <a:t>18.2</a:t>
+            </a:r>
+            <a:r>
+              <a:rPr lang="zh-CN" altLang="en-US" dirty="0" smtClean="0"/>
+              <a:t>　键盘事件</a:t>
+            </a:r>
+            <a:endParaRPr lang="zh-CN" altLang="en-US" dirty="0"/>
+          </a:p>
+        </p:txBody>
+      </p:sp>
+      <p:sp>
+        <p:nvSpPr>
+          <p:cNvPr id="3" name="内容占位符 2"/>
+          <p:cNvSpPr>
+            <a:spLocks noGrp="1"/>
+          </p:cNvSpPr>
+          <p:nvPr>
+            <p:ph idx="1"/>
+          </p:nvPr>
+        </p:nvSpPr>
+        <p:spPr/>
+        <p:txBody>
           <a:bodyPr>
             <a:normAutofit/>
           </a:bodyPr>
           <a:lstStyle/>
           <a:p>
-            <a:pPr algn="l"/>
-            <a:r>
-              <a:rPr lang="en-US" altLang="zh-CN" dirty="0" smtClean="0"/>
-              <a:t>18.3</a:t>
-            </a:r>
-            <a:r>
-              <a:rPr lang="zh-CN" altLang="en-US" dirty="0" smtClean="0"/>
-              <a:t>鼠标</a:t>
-            </a:r>
-            <a:r>
-              <a:rPr lang="zh-CN" altLang="en-US" dirty="0" smtClean="0"/>
-              <a:t>事件</a:t>
-            </a:r>
-            <a:endParaRPr lang="zh-CN" altLang="en-US" dirty="0"/>
-          </a:p>
-        </p:txBody>
-      </p:sp>
-      <p:sp>
-        <p:nvSpPr>
-          <p:cNvPr id="3" name="内容占位符 2"/>
-          <p:cNvSpPr>
-            <a:spLocks noGrp="1"/>
-          </p:cNvSpPr>
-          <p:nvPr>
-            <p:ph idx="1"/>
-          </p:nvPr>
-        </p:nvSpPr>
-        <p:spPr/>
-        <p:txBody>
-          <a:bodyPr>
-            <a:normAutofit/>
-          </a:bodyPr>
-          <a:lstStyle/>
-          <a:p>
-            <a:r>
-              <a:rPr lang="en-US" altLang="zh-CN" dirty="0" smtClean="0"/>
-              <a:t>MOUSEBUTTONUP</a:t>
-            </a:r>
-          </a:p>
-          <a:p>
-            <a:r>
-              <a:rPr lang="en-US" altLang="zh-CN" dirty="0" smtClean="0"/>
-              <a:t>MOUSEBUTTONDOWN</a:t>
-            </a:r>
-          </a:p>
-          <a:p>
-            <a:r>
-              <a:rPr lang="en-US" altLang="zh-CN" dirty="0" smtClean="0"/>
-              <a:t>MOUSEMOTION</a:t>
-            </a:r>
-          </a:p>
-          <a:p>
-            <a:r>
-              <a:rPr lang="zh-CN" altLang="en-US" dirty="0" smtClean="0"/>
-              <a:t>实现拖拽动作</a:t>
-            </a:r>
-            <a:endParaRPr lang="zh-CN" altLang="en-US" dirty="0" smtClean="0"/>
+            <a:r>
+              <a:rPr lang="zh-CN" altLang="en-US" dirty="0" smtClean="0"/>
+              <a:t>按键事件</a:t>
+            </a:r>
+          </a:p>
+          <a:p>
+            <a:pPr lvl="1"/>
+            <a:r>
+              <a:rPr lang="en-US" altLang="zh-CN" dirty="0" smtClean="0"/>
+              <a:t>if </a:t>
+            </a:r>
+            <a:r>
+              <a:rPr lang="en-US" altLang="zh-CN" dirty="0" err="1" smtClean="0"/>
+              <a:t>event.type</a:t>
+            </a:r>
+            <a:r>
+              <a:rPr lang="en-US" altLang="zh-CN" dirty="0" smtClean="0"/>
+              <a:t> == </a:t>
+            </a:r>
+            <a:r>
+              <a:rPr lang="en-US" altLang="zh-CN" dirty="0" err="1" smtClean="0"/>
+              <a:t>pygame.KEYDOWN</a:t>
+            </a:r>
+            <a:endParaRPr lang="en-US" altLang="zh-CN" dirty="0" smtClean="0"/>
+          </a:p>
+          <a:p>
+            <a:r>
+              <a:rPr lang="zh-CN" altLang="en-US" dirty="0" smtClean="0"/>
+              <a:t>重复按键</a:t>
+            </a:r>
+            <a:endParaRPr lang="en-US" altLang="zh-CN" dirty="0" smtClean="0"/>
+          </a:p>
+          <a:p>
+            <a:pPr lvl="1"/>
+            <a:r>
+              <a:rPr lang="en-US" altLang="zh-CN" dirty="0" err="1" smtClean="0"/>
+              <a:t>pygame.key.set_repeat</a:t>
+            </a:r>
+            <a:r>
+              <a:rPr lang="en-US" altLang="zh-CN" dirty="0" smtClean="0"/>
+              <a:t>(delay, interval)</a:t>
+            </a:r>
+          </a:p>
+          <a:p>
+            <a:r>
+              <a:rPr lang="zh-CN" altLang="en-US" dirty="0" smtClean="0"/>
+              <a:t>事件名和按键名</a:t>
+            </a:r>
+            <a:endParaRPr lang="en-US" altLang="zh-CN" dirty="0" smtClean="0"/>
+          </a:p>
+          <a:p>
+            <a:pPr lvl="1"/>
+            <a:r>
+              <a:rPr lang="en-US" altLang="zh-CN" dirty="0" smtClean="0"/>
+              <a:t>QUIT </a:t>
+            </a:r>
+          </a:p>
+          <a:p>
+            <a:pPr lvl="1"/>
+            <a:r>
+              <a:rPr lang="en-US" altLang="zh-CN" dirty="0" smtClean="0"/>
+              <a:t>KEYDOWN </a:t>
+            </a:r>
+          </a:p>
+          <a:p>
+            <a:pPr lvl="1"/>
+            <a:r>
+              <a:rPr lang="en-US" altLang="zh-CN" dirty="0" smtClean="0"/>
+              <a:t>KEYUP</a:t>
+            </a:r>
           </a:p>
         </p:txBody>
       </p:sp>
@@ -13482,6 +13448,13 @@
   <p:clrMapOvr>
     <a:masterClrMapping/>
   </p:clrMapOvr>
+  <p:timing>
+    <p:tnLst>
+      <p:par>
+        <p:cTn id="1" dur="indefinite" restart="never" nodeType="tmRoot"/>
+      </p:par>
+    </p:tnLst>
+  </p:timing>
 </p:sld>
 </file>
 
@@ -13522,15 +13495,11 @@
             <a:pPr algn="l"/>
             <a:r>
               <a:rPr lang="en-US" altLang="zh-CN" dirty="0" smtClean="0"/>
-              <a:t>18.4</a:t>
-            </a:r>
-            <a:r>
-              <a:rPr lang="zh-CN" altLang="en-US" dirty="0" smtClean="0"/>
-              <a:t>时间</a:t>
-            </a:r>
-            <a:r>
-              <a:rPr lang="zh-CN" altLang="en-US" dirty="0" smtClean="0"/>
-              <a:t>事件</a:t>
+              <a:t>18.3</a:t>
+            </a:r>
+            <a:r>
+              <a:rPr lang="zh-CN" altLang="en-US" dirty="0" smtClean="0"/>
+              <a:t>鼠标事件</a:t>
             </a:r>
             <a:endParaRPr lang="zh-CN" altLang="en-US" dirty="0"/>
           </a:p>
@@ -13554,49 +13523,27 @@
           <a:lstStyle/>
           <a:p>
             <a:r>
-              <a:rPr lang="zh-CN" altLang="en-US" dirty="0" smtClean="0"/>
-              <a:t>定时器</a:t>
-            </a:r>
-            <a:r>
-              <a:rPr lang="zh-CN" altLang="en-US" dirty="0" smtClean="0"/>
-              <a:t>事件（</a:t>
-            </a:r>
-            <a:r>
-              <a:rPr lang="en-US" altLang="zh-CN" dirty="0" smtClean="0"/>
-              <a:t>timer event</a:t>
-            </a:r>
-            <a:r>
-              <a:rPr lang="zh-CN" altLang="en-US" dirty="0" smtClean="0"/>
-              <a:t>）</a:t>
-            </a:r>
-            <a:r>
-              <a:rPr lang="en-US" altLang="zh-CN" dirty="0" smtClean="0"/>
-              <a:t>,</a:t>
-            </a:r>
-            <a:r>
-              <a:rPr lang="zh-CN" altLang="en-US" dirty="0" smtClean="0"/>
-              <a:t> </a:t>
-            </a:r>
-            <a:r>
-              <a:rPr lang="zh-CN" altLang="en-US" dirty="0" smtClean="0"/>
-              <a:t>定时器会按固定的间隔生成</a:t>
-            </a:r>
-            <a:r>
-              <a:rPr lang="zh-CN" altLang="en-US" dirty="0" smtClean="0"/>
-              <a:t>事件。</a:t>
-            </a:r>
-            <a:endParaRPr lang="en-US" altLang="zh-CN" dirty="0" smtClean="0"/>
-          </a:p>
-          <a:p>
-            <a:r>
-              <a:rPr lang="en-US" altLang="zh-CN" dirty="0" err="1" smtClean="0"/>
-              <a:t>pygame.time.set_timer</a:t>
-            </a:r>
-            <a:r>
-              <a:rPr lang="en-US" altLang="zh-CN" dirty="0" smtClean="0"/>
-              <a:t>(EVENT_NUMBER, interval)</a:t>
-            </a:r>
-            <a:endParaRPr lang="en-US" altLang="zh-CN" dirty="0" smtClean="0"/>
+              <a:rPr lang="en-US" altLang="zh-CN" dirty="0" smtClean="0"/>
+              <a:t>MOUSEBUTTONUP</a:t>
+            </a:r>
+          </a:p>
+          <a:p>
+            <a:r>
+              <a:rPr lang="en-US" altLang="zh-CN" dirty="0" smtClean="0"/>
+              <a:t>MOUSEBUTTONDOWN</a:t>
+            </a:r>
+          </a:p>
+          <a:p>
+            <a:r>
+              <a:rPr lang="en-US" altLang="zh-CN" dirty="0" smtClean="0"/>
+              <a:t>MOUSEMOTION</a:t>
+            </a:r>
+          </a:p>
+          <a:p>
+            <a:r>
+              <a:rPr lang="zh-CN" altLang="en-US" dirty="0" smtClean="0"/>
+              <a:t>实现拖拽动作</a:t>
+            </a:r>
           </a:p>
         </p:txBody>
       </p:sp>
@@ -13605,6 +13552,13 @@
   <p:clrMapOvr>
     <a:masterClrMapping/>
   </p:clrMapOvr>
+  <p:timing>
+    <p:tnLst>
+      <p:par>
+        <p:cTn id="1" dur="indefinite" restart="never" nodeType="tmRoot"/>
+      </p:par>
+    </p:tnLst>
+  </p:timing>
 </p:sld>
 </file>
 
@@ -13645,11 +13599,11 @@
             <a:pPr algn="l"/>
             <a:r>
               <a:rPr lang="en-US" altLang="zh-CN" dirty="0" smtClean="0"/>
-              <a:t>18.5 </a:t>
-            </a:r>
-            <a:r>
-              <a:rPr lang="en-US" altLang="zh-CN" dirty="0" err="1" smtClean="0"/>
-              <a:t>pypong</a:t>
+              <a:t>18.4</a:t>
+            </a:r>
+            <a:r>
+              <a:rPr lang="zh-CN" altLang="en-US" dirty="0" smtClean="0"/>
+              <a:t>时间事件</a:t>
             </a:r>
             <a:endParaRPr lang="zh-CN" altLang="en-US" dirty="0"/>
           </a:p>
@@ -13674,77 +13628,35 @@
           <a:p>
             <a:r>
               <a:rPr lang="zh-CN" altLang="en-US" dirty="0" smtClean="0"/>
-              <a:t>一个来回反弹</a:t>
-            </a:r>
-            <a:r>
-              <a:rPr lang="zh-CN" altLang="en-US" dirty="0" smtClean="0"/>
-              <a:t>的球</a:t>
-            </a:r>
-            <a:endParaRPr lang="en-US" altLang="zh-CN" dirty="0" smtClean="0"/>
-          </a:p>
-          <a:p>
-            <a:r>
-              <a:rPr lang="zh-CN" altLang="en-US" dirty="0" smtClean="0"/>
-              <a:t>一个</a:t>
-            </a:r>
-            <a:r>
-              <a:rPr lang="zh-CN" altLang="en-US" dirty="0" smtClean="0"/>
-              <a:t>打球的</a:t>
-            </a:r>
-            <a:r>
-              <a:rPr lang="zh-CN" altLang="en-US" dirty="0" smtClean="0"/>
-              <a:t>球拍</a:t>
-            </a:r>
-            <a:endParaRPr lang="en-US" altLang="zh-CN" dirty="0" smtClean="0"/>
-          </a:p>
-          <a:p>
-            <a:r>
-              <a:rPr lang="zh-CN" altLang="en-US" dirty="0" smtClean="0"/>
-              <a:t>一</a:t>
-            </a:r>
-            <a:r>
-              <a:rPr lang="zh-CN" altLang="en-US" dirty="0" smtClean="0"/>
-              <a:t>种控制球拍的</a:t>
-            </a:r>
-            <a:r>
-              <a:rPr lang="zh-CN" altLang="en-US" dirty="0" smtClean="0"/>
-              <a:t>方法</a:t>
-            </a:r>
-            <a:endParaRPr lang="en-US" altLang="zh-CN" dirty="0" smtClean="0"/>
-          </a:p>
-          <a:p>
-            <a:r>
-              <a:rPr lang="zh-CN" altLang="en-US" dirty="0" smtClean="0"/>
-              <a:t> </a:t>
-            </a:r>
-            <a:r>
-              <a:rPr lang="zh-CN" altLang="en-US" dirty="0" smtClean="0"/>
-              <a:t>一种记录分数并在窗口上显示分数的</a:t>
-            </a:r>
-            <a:r>
-              <a:rPr lang="zh-CN" altLang="en-US" dirty="0" smtClean="0"/>
-              <a:t>方法</a:t>
-            </a:r>
-            <a:endParaRPr lang="en-US" altLang="zh-CN" dirty="0" smtClean="0"/>
-          </a:p>
-          <a:p>
-            <a:r>
-              <a:rPr lang="zh-CN" altLang="en-US" dirty="0" smtClean="0"/>
-              <a:t>一</a:t>
-            </a:r>
-            <a:r>
-              <a:rPr lang="zh-CN" altLang="en-US" dirty="0" smtClean="0"/>
-              <a:t>种确定有几条“命”的方法 </a:t>
-            </a:r>
-            <a:r>
-              <a:rPr lang="en-US" altLang="zh-CN" dirty="0" smtClean="0"/>
-              <a:t>—</a:t>
-            </a:r>
-            <a:r>
-              <a:rPr lang="zh-CN" altLang="en-US" dirty="0" smtClean="0"/>
-              <a:t>你有几次机</a:t>
-            </a:r>
-            <a:endParaRPr lang="en-US" altLang="zh-CN" dirty="0" smtClean="0"/>
+              <a:t>定时器事件（</a:t>
+            </a:r>
+            <a:r>
+              <a:rPr lang="en-US" altLang="zh-CN" dirty="0" smtClean="0"/>
+              <a:t>timer event</a:t>
+            </a:r>
+            <a:r>
+              <a:rPr lang="zh-CN" altLang="en-US" dirty="0" smtClean="0"/>
+              <a:t>）</a:t>
+            </a:r>
+            <a:r>
+              <a:rPr lang="en-US" altLang="zh-CN" dirty="0" smtClean="0"/>
+              <a:t>,</a:t>
+            </a:r>
+            <a:r>
+              <a:rPr lang="zh-CN" altLang="en-US" dirty="0" smtClean="0"/>
+              <a:t> 定时器会按固定的间隔生成事件。</a:t>
+            </a:r>
+            <a:endParaRPr lang="en-US" altLang="zh-CN" dirty="0" smtClean="0"/>
+          </a:p>
+          <a:p>
+            <a:r>
+              <a:rPr lang="en-US" altLang="zh-CN" dirty="0" err="1" smtClean="0"/>
+              <a:t>pygame.time.set_timer</a:t>
+            </a:r>
+            <a:r>
+              <a:rPr lang="en-US" altLang="zh-CN" dirty="0" smtClean="0"/>
+              <a:t>(EVENT_NUMBER, interval)</a:t>
+            </a:r>
           </a:p>
         </p:txBody>
       </p:sp>
@@ -13753,6 +13665,13 @@
   <p:clrMapOvr>
     <a:masterClrMapping/>
   </p:clrMapOvr>
+  <p:timing>
+    <p:tnLst>
+      <p:par>
+        <p:cTn id="1" dur="indefinite" restart="never" nodeType="tmRoot"/>
+      </p:par>
+    </p:tnLst>
+  </p:timing>
 </p:sld>
 </file>
 
@@ -13792,8 +13711,12 @@
           <a:p>
             <a:pPr algn="l"/>
             <a:r>
-              <a:rPr lang="zh-CN" altLang="en-US" dirty="0" smtClean="0"/>
-              <a:t>测试题</a:t>
+              <a:rPr lang="en-US" altLang="zh-CN" dirty="0" smtClean="0"/>
+              <a:t>18.5 </a:t>
+            </a:r>
+            <a:r>
+              <a:rPr lang="en-US" altLang="zh-CN" dirty="0" err="1" smtClean="0"/>
+              <a:t>pypong</a:t>
             </a:r>
             <a:endParaRPr lang="zh-CN" altLang="en-US" dirty="0"/>
           </a:p>
@@ -13812,185 +13735,49 @@
         <p:spPr/>
         <p:txBody>
           <a:bodyPr>
-            <a:normAutofit fontScale="77500" lnSpcReduction="20000"/>
+            <a:normAutofit/>
           </a:bodyPr>
           <a:lstStyle/>
           <a:p>
             <a:r>
-              <a:rPr lang="en-US" altLang="zh-CN" dirty="0" smtClean="0"/>
-              <a:t>1. </a:t>
-            </a:r>
-            <a:r>
-              <a:rPr lang="zh-CN" altLang="en-US" dirty="0" smtClean="0"/>
-              <a:t>程序可以响应哪两种事件？ </a:t>
-            </a:r>
-            <a:endParaRPr lang="en-US" altLang="zh-CN" dirty="0" smtClean="0"/>
-          </a:p>
-          <a:p>
-            <a:r>
-              <a:rPr lang="en-US" altLang="zh-CN" dirty="0" smtClean="0"/>
-              <a:t>2</a:t>
-            </a:r>
-            <a:r>
-              <a:rPr lang="en-US" altLang="zh-CN" dirty="0" smtClean="0"/>
-              <a:t>. </a:t>
-            </a:r>
-            <a:r>
-              <a:rPr lang="zh-CN" altLang="en-US" dirty="0" smtClean="0"/>
-              <a:t>处理事件的代码叫什么？</a:t>
-            </a:r>
-          </a:p>
-          <a:p>
-            <a:r>
-              <a:rPr lang="en-US" altLang="zh-CN" dirty="0" smtClean="0"/>
-              <a:t>3</a:t>
-            </a:r>
-            <a:r>
-              <a:rPr lang="en-US" altLang="zh-CN" dirty="0" smtClean="0"/>
-              <a:t>. </a:t>
-            </a:r>
-            <a:r>
-              <a:rPr lang="en-US" altLang="zh-CN" dirty="0" err="1" smtClean="0"/>
-              <a:t>Pygame</a:t>
-            </a:r>
-            <a:r>
-              <a:rPr lang="en-US" altLang="zh-CN" dirty="0" smtClean="0"/>
-              <a:t> </a:t>
-            </a:r>
-            <a:r>
-              <a:rPr lang="zh-CN" altLang="en-US" dirty="0" smtClean="0"/>
-              <a:t>检测按键时使用的事件类型名是什么？ </a:t>
-            </a:r>
-            <a:endParaRPr lang="en-US" altLang="zh-CN" dirty="0" smtClean="0"/>
-          </a:p>
-          <a:p>
-            <a:r>
-              <a:rPr lang="en-US" altLang="zh-CN" dirty="0" smtClean="0"/>
-              <a:t>4. MOUSEMOVE</a:t>
-            </a:r>
-            <a:r>
-              <a:rPr lang="zh-CN" altLang="en-US" dirty="0" smtClean="0"/>
-              <a:t>事件的哪个属性指出了鼠标位于窗口的哪个位置？ </a:t>
-            </a:r>
-            <a:endParaRPr lang="en-US" altLang="zh-CN" dirty="0" smtClean="0"/>
-          </a:p>
-          <a:p>
-            <a:r>
-              <a:rPr lang="en-US" altLang="zh-CN" dirty="0" smtClean="0"/>
-              <a:t>5</a:t>
-            </a:r>
-            <a:r>
-              <a:rPr lang="en-US" altLang="zh-CN" dirty="0" smtClean="0"/>
-              <a:t>.  </a:t>
-            </a:r>
-            <a:r>
-              <a:rPr lang="zh-CN" altLang="en-US" dirty="0" smtClean="0"/>
-              <a:t>如何找出 </a:t>
-            </a:r>
-            <a:r>
-              <a:rPr lang="en-US" altLang="zh-CN" dirty="0" err="1" smtClean="0"/>
-              <a:t>Pygame</a:t>
-            </a:r>
-            <a:r>
-              <a:rPr lang="en-US" altLang="zh-CN" dirty="0" smtClean="0"/>
-              <a:t> </a:t>
-            </a:r>
-            <a:r>
-              <a:rPr lang="zh-CN" altLang="en-US" dirty="0" smtClean="0"/>
-              <a:t>中下一个可用的事件编号（例如，如果你想添加一个用户事 件）？ </a:t>
-            </a:r>
-            <a:endParaRPr lang="en-US" altLang="zh-CN" dirty="0" smtClean="0"/>
-          </a:p>
-          <a:p>
-            <a:r>
-              <a:rPr lang="en-US" altLang="zh-CN" dirty="0" smtClean="0"/>
-              <a:t>6</a:t>
-            </a:r>
-            <a:r>
-              <a:rPr lang="en-US" altLang="zh-CN" dirty="0" smtClean="0"/>
-              <a:t>. </a:t>
-            </a:r>
-            <a:r>
-              <a:rPr lang="zh-CN" altLang="en-US" dirty="0" smtClean="0"/>
-              <a:t>如何创建一个定时器在 </a:t>
-            </a:r>
-            <a:r>
-              <a:rPr lang="en-US" altLang="zh-CN" dirty="0" err="1" smtClean="0"/>
-              <a:t>Pygame</a:t>
-            </a:r>
-            <a:r>
-              <a:rPr lang="en-US" altLang="zh-CN" dirty="0" smtClean="0"/>
-              <a:t> </a:t>
-            </a:r>
-            <a:r>
-              <a:rPr lang="zh-CN" altLang="en-US" dirty="0" smtClean="0"/>
-              <a:t>中生成定时器事件？ </a:t>
-            </a:r>
-            <a:endParaRPr lang="en-US" altLang="zh-CN" dirty="0" smtClean="0"/>
-          </a:p>
-          <a:p>
-            <a:r>
-              <a:rPr lang="en-US" altLang="zh-CN" dirty="0" smtClean="0"/>
-              <a:t>7</a:t>
-            </a:r>
-            <a:r>
-              <a:rPr lang="en-US" altLang="zh-CN" dirty="0" smtClean="0"/>
-              <a:t>. </a:t>
-            </a:r>
-            <a:r>
-              <a:rPr lang="zh-CN" altLang="en-US" dirty="0" smtClean="0"/>
-              <a:t>在 </a:t>
-            </a:r>
-            <a:r>
-              <a:rPr lang="en-US" altLang="zh-CN" dirty="0" err="1" smtClean="0"/>
-              <a:t>Pygame</a:t>
-            </a:r>
-            <a:r>
-              <a:rPr lang="en-US" altLang="zh-CN" dirty="0" smtClean="0"/>
-              <a:t> </a:t>
-            </a:r>
-            <a:r>
-              <a:rPr lang="zh-CN" altLang="en-US" dirty="0" smtClean="0"/>
-              <a:t>窗口中显示文本时要使用什么对象？ </a:t>
-            </a:r>
-            <a:endParaRPr lang="en-US" altLang="zh-CN" dirty="0" smtClean="0"/>
-          </a:p>
-          <a:p>
-            <a:r>
-              <a:rPr lang="en-US" altLang="zh-CN" dirty="0" smtClean="0"/>
-              <a:t>8</a:t>
-            </a:r>
-            <a:r>
-              <a:rPr lang="en-US" altLang="zh-CN" dirty="0" smtClean="0"/>
-              <a:t>. </a:t>
-            </a:r>
-            <a:r>
-              <a:rPr lang="zh-CN" altLang="en-US" dirty="0" smtClean="0"/>
-              <a:t>要让文本出现在一个 </a:t>
-            </a:r>
-            <a:r>
-              <a:rPr lang="en-US" altLang="zh-CN" dirty="0" err="1" smtClean="0"/>
-              <a:t>Pygame</a:t>
-            </a:r>
-            <a:r>
-              <a:rPr lang="en-US" altLang="zh-CN" dirty="0" smtClean="0"/>
-              <a:t> </a:t>
-            </a:r>
-            <a:r>
-              <a:rPr lang="zh-CN" altLang="en-US" dirty="0" smtClean="0"/>
-              <a:t>窗口中，需要哪 </a:t>
-            </a:r>
-            <a:r>
-              <a:rPr lang="en-US" altLang="zh-CN" dirty="0" smtClean="0"/>
-              <a:t>3 </a:t>
-            </a:r>
-            <a:r>
-              <a:rPr lang="zh-CN" altLang="en-US" dirty="0" smtClean="0"/>
-              <a:t>个步骤</a:t>
-            </a:r>
-            <a:r>
-              <a:rPr lang="zh-CN" altLang="en-US" dirty="0" smtClean="0"/>
-              <a:t>？</a:t>
+              <a:rPr lang="zh-CN" altLang="en-US" dirty="0" smtClean="0"/>
+              <a:t>一个来回反弹的球</a:t>
+            </a:r>
+            <a:endParaRPr lang="en-US" altLang="zh-CN" dirty="0" smtClean="0"/>
+          </a:p>
+          <a:p>
+            <a:r>
+              <a:rPr lang="zh-CN" altLang="en-US" dirty="0" smtClean="0"/>
+              <a:t>一个打球的球拍</a:t>
+            </a:r>
+            <a:endParaRPr lang="en-US" altLang="zh-CN" dirty="0" smtClean="0"/>
+          </a:p>
+          <a:p>
+            <a:r>
+              <a:rPr lang="zh-CN" altLang="en-US" dirty="0" smtClean="0"/>
+              <a:t>一种控制球拍的方法</a:t>
+            </a:r>
+            <a:endParaRPr lang="en-US" altLang="zh-CN" dirty="0" smtClean="0"/>
+          </a:p>
+          <a:p>
+            <a:r>
+              <a:rPr lang="zh-CN" altLang="en-US" dirty="0" smtClean="0"/>
+              <a:t> 一种记录分数并在窗口上显示分数的方法</a:t>
+            </a:r>
+            <a:endParaRPr lang="en-US" altLang="zh-CN" dirty="0" smtClean="0"/>
+          </a:p>
+          <a:p>
+            <a:r>
+              <a:rPr lang="zh-CN" altLang="en-US" dirty="0" smtClean="0"/>
+              <a:t>一种确定有几条“命”的方法 </a:t>
+            </a:r>
+            <a:r>
+              <a:rPr lang="en-US" altLang="zh-CN" dirty="0" smtClean="0"/>
+              <a:t>—</a:t>
+            </a:r>
+            <a:r>
+              <a:rPr lang="zh-CN" altLang="en-US" dirty="0" smtClean="0"/>
+              <a:t>你有几次机</a:t>
             </a:r>
             <a:endParaRPr lang="en-US" altLang="zh-CN" dirty="0" smtClean="0"/>
           </a:p>
@@ -14001,6 +13788,13 @@
   <p:clrMapOvr>
     <a:masterClrMapping/>
   </p:clrMapOvr>
+  <p:timing>
+    <p:tnLst>
+      <p:par>
+        <p:cTn id="1" dur="indefinite" restart="never" nodeType="tmRoot"/>
+      </p:par>
+    </p:tnLst>
+  </p:timing>
 </p:sld>
 </file>
 
@@ -14041,7 +13835,7 @@
             <a:pPr algn="l"/>
             <a:r>
               <a:rPr lang="zh-CN" altLang="en-US" dirty="0" smtClean="0"/>
-              <a:t>动手试一试</a:t>
+              <a:t>测试题</a:t>
             </a:r>
             <a:endParaRPr lang="zh-CN" altLang="en-US" dirty="0"/>
           </a:p>
@@ -14060,83 +13854,158 @@
         <p:spPr/>
         <p:txBody>
           <a:bodyPr>
-            <a:normAutofit fontScale="85000" lnSpcReduction="10000"/>
+            <a:normAutofit fontScale="77500" lnSpcReduction="20000"/>
           </a:bodyPr>
           <a:lstStyle/>
           <a:p>
             <a:r>
               <a:rPr lang="en-US" altLang="zh-CN" dirty="0" smtClean="0"/>
-              <a:t>1.  </a:t>
-            </a:r>
-            <a:r>
-              <a:rPr lang="zh-CN" altLang="en-US" dirty="0" smtClean="0"/>
-              <a:t>如果球没有碰到球拍的顶边，而是碰到了球拍的左右两边，有没有什么奇怪 的现象发生？它会在球拍中间持续反弹一段时间。你明白这是为什么吗？你 能解决这个问题吗？我在后面的答案中给出了一个解决方案，不过在看答案 之前你自己先试试看。 </a:t>
-            </a:r>
-            <a:endParaRPr lang="en-US" altLang="zh-CN" smtClean="0"/>
-          </a:p>
-          <a:p>
-            <a:r>
-              <a:rPr lang="en-US" altLang="zh-CN" smtClean="0"/>
-              <a:t>2</a:t>
-            </a:r>
-            <a:r>
-              <a:rPr lang="en-US" altLang="zh-CN" dirty="0" smtClean="0"/>
-              <a:t>.  </a:t>
-            </a:r>
-            <a:r>
-              <a:rPr lang="zh-CN" altLang="en-US" dirty="0" smtClean="0"/>
-              <a:t>试着重写这个程序（代码清单 </a:t>
-            </a:r>
-            <a:r>
-              <a:rPr lang="en-US" altLang="zh-CN" dirty="0" smtClean="0"/>
-              <a:t>18-4 </a:t>
-            </a:r>
-            <a:r>
-              <a:rPr lang="zh-CN" altLang="en-US" dirty="0" smtClean="0"/>
-              <a:t>或代码清单 </a:t>
-            </a:r>
-            <a:r>
-              <a:rPr lang="en-US" altLang="zh-CN" dirty="0" smtClean="0"/>
-              <a:t>18-5</a:t>
-            </a:r>
-            <a:r>
-              <a:rPr lang="zh-CN" altLang="en-US" dirty="0" smtClean="0"/>
-              <a:t>），让球的反弹有点随 机性。可以改变球在球拍或墙上反弹的方式，使用随机的速度，或者也可 以采用你能想到的其他做法。 （我们在第 </a:t>
-            </a:r>
-            <a:r>
-              <a:rPr lang="en-US" altLang="zh-CN" dirty="0" smtClean="0"/>
-              <a:t>15 </a:t>
-            </a:r>
-            <a:r>
-              <a:rPr lang="zh-CN" altLang="en-US" dirty="0" smtClean="0"/>
-              <a:t>章见过 </a:t>
+              <a:t>1. </a:t>
+            </a:r>
+            <a:r>
+              <a:rPr lang="zh-CN" altLang="en-US" dirty="0" smtClean="0"/>
+              <a:t>程序可以响应哪些事件？ </a:t>
+            </a:r>
+            <a:endParaRPr lang="en-US" altLang="zh-CN" dirty="0" smtClean="0"/>
+          </a:p>
+          <a:p>
+            <a:r>
+              <a:rPr lang="en-US" altLang="zh-CN" dirty="0" smtClean="0"/>
+              <a:t>2. </a:t>
+            </a:r>
+            <a:r>
+              <a:rPr lang="zh-CN" altLang="en-US" dirty="0" smtClean="0"/>
+              <a:t>处理事件的代码叫什么？</a:t>
+            </a:r>
+          </a:p>
+          <a:p>
+            <a:r>
+              <a:rPr lang="en-US" altLang="zh-CN" dirty="0" smtClean="0"/>
+              <a:t>3. </a:t>
             </a:r>
             <a:r>
               <a:rPr lang="en-US" altLang="zh-CN" dirty="0" err="1" smtClean="0"/>
-              <a:t>random.randint</a:t>
-            </a:r>
-            <a:r>
-              <a:rPr lang="en-US" altLang="zh-CN" dirty="0" smtClean="0"/>
-              <a:t>() </a:t>
-            </a:r>
-            <a:r>
-              <a:rPr lang="zh-CN" altLang="en-US" dirty="0" smtClean="0"/>
-              <a:t>和 </a:t>
+              <a:t>Pygame</a:t>
+            </a:r>
+            <a:r>
+              <a:rPr lang="en-US" altLang="zh-CN" dirty="0" smtClean="0"/>
+              <a:t> </a:t>
+            </a:r>
+            <a:r>
+              <a:rPr lang="zh-CN" altLang="en-US" dirty="0" smtClean="0"/>
+              <a:t>检测按键时使用的事件类型名是什么？ </a:t>
+            </a:r>
+            <a:endParaRPr lang="en-US" altLang="zh-CN" dirty="0" smtClean="0"/>
+          </a:p>
+          <a:p>
+            <a:r>
+              <a:rPr lang="en-US" altLang="zh-CN" dirty="0" smtClean="0"/>
+              <a:t>4. MOUSEMOVE</a:t>
+            </a:r>
+            <a:r>
+              <a:rPr lang="zh-CN" altLang="en-US" dirty="0" smtClean="0"/>
+              <a:t>事件的哪个属性指出了鼠标位于窗口的哪个位置？ </a:t>
+            </a:r>
+            <a:endParaRPr lang="en-US" altLang="zh-CN" dirty="0" smtClean="0"/>
+          </a:p>
+          <a:p>
+            <a:r>
+              <a:rPr lang="en-US" altLang="zh-CN" dirty="0" smtClean="0"/>
+              <a:t>5.  </a:t>
+            </a:r>
+            <a:r>
+              <a:rPr lang="zh-CN" altLang="en-US" dirty="0" smtClean="0"/>
+              <a:t>如何找出 </a:t>
             </a:r>
             <a:r>
               <a:rPr lang="en-US" altLang="zh-CN" dirty="0" err="1" smtClean="0"/>
-              <a:t>random.random</a:t>
-            </a:r>
-            <a:r>
-              <a:rPr lang="en-US" altLang="zh-CN" dirty="0" smtClean="0"/>
-              <a:t>()</a:t>
-            </a:r>
-            <a:r>
-              <a:rPr lang="zh-CN" altLang="en-US" dirty="0" smtClean="0"/>
-              <a:t>，所以你应该知道如何生成随机数，包括整数和浮点数。）</a:t>
-            </a:r>
-          </a:p>
-          <a:p>
+              <a:t>Pygame</a:t>
+            </a:r>
+            <a:r>
+              <a:rPr lang="en-US" altLang="zh-CN" dirty="0" smtClean="0"/>
+              <a:t> </a:t>
+            </a:r>
+            <a:r>
+              <a:rPr lang="zh-CN" altLang="en-US" dirty="0" smtClean="0"/>
+              <a:t>中下一个可用的事件编号（例如，如果你想添加一个用户事 件）？ </a:t>
+            </a:r>
+            <a:endParaRPr lang="en-US" altLang="zh-CN" dirty="0" smtClean="0"/>
+          </a:p>
+          <a:p>
+            <a:r>
+              <a:rPr lang="en-US" altLang="zh-CN" dirty="0" smtClean="0"/>
+              <a:t>6. </a:t>
+            </a:r>
+            <a:r>
+              <a:rPr lang="zh-CN" altLang="en-US" dirty="0" smtClean="0"/>
+              <a:t>如何创建一个定时器在 </a:t>
+            </a:r>
+            <a:r>
+              <a:rPr lang="en-US" altLang="zh-CN" dirty="0" err="1" smtClean="0"/>
+              <a:t>Pygame</a:t>
+            </a:r>
+            <a:r>
+              <a:rPr lang="en-US" altLang="zh-CN" dirty="0" smtClean="0"/>
+              <a:t> </a:t>
+            </a:r>
+            <a:r>
+              <a:rPr lang="zh-CN" altLang="en-US" dirty="0" smtClean="0"/>
+              <a:t>中生成定时器事件？ </a:t>
+            </a:r>
+            <a:endParaRPr lang="en-US" altLang="zh-CN" dirty="0" smtClean="0"/>
+          </a:p>
+          <a:p>
+            <a:r>
+              <a:rPr lang="en-US" altLang="zh-CN" dirty="0" smtClean="0"/>
+              <a:t>7. </a:t>
+            </a:r>
+            <a:r>
+              <a:rPr lang="zh-CN" altLang="en-US" dirty="0" smtClean="0"/>
+              <a:t>在 </a:t>
+            </a:r>
+            <a:r>
+              <a:rPr lang="en-US" altLang="zh-CN" dirty="0" err="1" smtClean="0"/>
+              <a:t>Pygame</a:t>
+            </a:r>
+            <a:r>
+              <a:rPr lang="en-US" altLang="zh-CN" dirty="0" smtClean="0"/>
+              <a:t> </a:t>
+            </a:r>
+            <a:r>
+              <a:rPr lang="zh-CN" altLang="en-US" dirty="0" smtClean="0"/>
+              <a:t>窗口中显示文本时要使用什么对象？ </a:t>
+            </a:r>
+            <a:endParaRPr lang="en-US" altLang="zh-CN" dirty="0" smtClean="0"/>
+          </a:p>
+          <a:p>
+            <a:r>
+              <a:rPr lang="en-US" altLang="zh-CN" dirty="0" smtClean="0"/>
+              <a:t>8. </a:t>
+            </a:r>
+            <a:r>
+              <a:rPr lang="zh-CN" altLang="en-US" dirty="0" smtClean="0"/>
+              <a:t>要让文本出现在一个 </a:t>
+            </a:r>
+            <a:r>
+              <a:rPr lang="en-US" altLang="zh-CN" dirty="0" err="1" smtClean="0"/>
+              <a:t>Pygame</a:t>
+            </a:r>
+            <a:r>
+              <a:rPr lang="en-US" altLang="zh-CN" dirty="0" smtClean="0"/>
+              <a:t> </a:t>
+            </a:r>
+            <a:r>
+              <a:rPr lang="zh-CN" altLang="en-US" dirty="0" smtClean="0"/>
+              <a:t>窗口中，需要哪 </a:t>
+            </a:r>
+            <a:r>
+              <a:rPr lang="en-US" altLang="zh-CN" dirty="0" smtClean="0"/>
+              <a:t>3 </a:t>
+            </a:r>
+            <a:r>
+              <a:rPr lang="zh-CN" altLang="en-US" dirty="0" smtClean="0"/>
+              <a:t>个步骤？</a:t>
+            </a:r>
             <a:endParaRPr lang="en-US" altLang="zh-CN" dirty="0" smtClean="0"/>
           </a:p>
         </p:txBody>
@@ -14146,6 +14015,161 @@
   <p:clrMapOvr>
     <a:masterClrMapping/>
   </p:clrMapOvr>
+  <p:timing>
+    <p:tnLst>
+      <p:par>
+        <p:cTn id="1" dur="indefinite" restart="never" nodeType="tmRoot"/>
+      </p:par>
+    </p:tnLst>
+  </p:timing>
+</p:sld>
+</file>
+
+<file path=ppt/slides/slide169.xml><?xml version="1.0" encoding="utf-8"?>
+<p:sld xmlns:a="http://schemas.openxmlformats.org/drawingml/2006/main" xmlns:r="http://schemas.openxmlformats.org/officeDocument/2006/relationships" xmlns:p="http://schemas.openxmlformats.org/presentationml/2006/main">
+  <p:cSld>
+    <p:spTree>
+      <p:nvGrpSpPr>
+        <p:cNvPr id="1" name=""/>
+        <p:cNvGrpSpPr/>
+        <p:nvPr/>
+      </p:nvGrpSpPr>
+      <p:grpSpPr>
+        <a:xfrm>
+          <a:off x="0" y="0"/>
+          <a:ext cx="0" cy="0"/>
+          <a:chOff x="0" y="0"/>
+          <a:chExt cx="0" cy="0"/>
+        </a:xfrm>
+      </p:grpSpPr>
+      <p:sp>
+        <p:nvSpPr>
+          <p:cNvPr id="2" name="标题 1"/>
+          <p:cNvSpPr>
+            <a:spLocks noGrp="1"/>
+          </p:cNvSpPr>
+          <p:nvPr>
+            <p:ph type="title"/>
+          </p:nvPr>
+        </p:nvSpPr>
+        <p:spPr/>
+        <p:txBody>
+          <a:bodyPr>
+            <a:normAutofit/>
+          </a:bodyPr>
+          <a:lstStyle/>
+          <a:p>
+            <a:pPr algn="l"/>
+            <a:r>
+              <a:rPr lang="zh-CN" altLang="en-US" dirty="0" smtClean="0"/>
+              <a:t>动手试一试</a:t>
+            </a:r>
+            <a:endParaRPr lang="zh-CN" altLang="en-US" dirty="0"/>
+          </a:p>
+        </p:txBody>
+      </p:sp>
+      <p:sp>
+        <p:nvSpPr>
+          <p:cNvPr id="3" name="内容占位符 2"/>
+          <p:cNvSpPr>
+            <a:spLocks noGrp="1"/>
+          </p:cNvSpPr>
+          <p:nvPr>
+            <p:ph idx="1"/>
+          </p:nvPr>
+        </p:nvSpPr>
+        <p:spPr/>
+        <p:txBody>
+          <a:bodyPr>
+            <a:normAutofit fontScale="85000" lnSpcReduction="10000"/>
+          </a:bodyPr>
+          <a:lstStyle/>
+          <a:p>
+            <a:r>
+              <a:rPr lang="en-US" altLang="zh-CN" dirty="0" smtClean="0"/>
+              <a:t>1.  </a:t>
+            </a:r>
+            <a:r>
+              <a:rPr lang="zh-CN" altLang="en-US" dirty="0" smtClean="0"/>
+              <a:t>如果球没有碰到球拍的顶边，而是碰到了球拍的左右两边，有没有什么奇怪 的现象发生？它会在球拍中间持续反弹一段时间。你明白这是为什么吗？你 能解决这个问题吗？我在后面的答案中给出了一个解决方案，不过在看答案 之前你自己先试试看。 </a:t>
+            </a:r>
+            <a:endParaRPr lang="en-US" altLang="zh-CN" dirty="0" smtClean="0"/>
+          </a:p>
+          <a:p>
+            <a:r>
+              <a:rPr lang="en-US" altLang="zh-CN" dirty="0" smtClean="0"/>
+              <a:t>2.  </a:t>
+            </a:r>
+            <a:r>
+              <a:rPr lang="zh-CN" altLang="en-US" dirty="0" smtClean="0"/>
+              <a:t>试着重写这个程序（代码清单 </a:t>
+            </a:r>
+            <a:r>
+              <a:rPr lang="en-US" altLang="zh-CN" dirty="0" smtClean="0"/>
+              <a:t>18-4 </a:t>
+            </a:r>
+            <a:r>
+              <a:rPr lang="zh-CN" altLang="en-US" dirty="0" smtClean="0"/>
+              <a:t>或代码清单 </a:t>
+            </a:r>
+            <a:r>
+              <a:rPr lang="en-US" altLang="zh-CN" dirty="0" smtClean="0"/>
+              <a:t>18-5</a:t>
+            </a:r>
+            <a:r>
+              <a:rPr lang="zh-CN" altLang="en-US" dirty="0" smtClean="0"/>
+              <a:t>），让球的反弹有点随 机性。可以改变球在球拍或墙上反弹的方式，使用随机的速度，或者也可 以采用你能想到的其他做法。 （我们在第 </a:t>
+            </a:r>
+            <a:r>
+              <a:rPr lang="en-US" altLang="zh-CN" dirty="0" smtClean="0"/>
+              <a:t>15 </a:t>
+            </a:r>
+            <a:r>
+              <a:rPr lang="zh-CN" altLang="en-US" dirty="0" smtClean="0"/>
+              <a:t>章见过 </a:t>
+            </a:r>
+            <a:r>
+              <a:rPr lang="en-US" altLang="zh-CN" dirty="0" err="1" smtClean="0"/>
+              <a:t>random.randint</a:t>
+            </a:r>
+            <a:r>
+              <a:rPr lang="en-US" altLang="zh-CN" dirty="0" smtClean="0"/>
+              <a:t>() </a:t>
+            </a:r>
+            <a:r>
+              <a:rPr lang="zh-CN" altLang="en-US" dirty="0" smtClean="0"/>
+              <a:t>和 </a:t>
+            </a:r>
+            <a:r>
+              <a:rPr lang="en-US" altLang="zh-CN" dirty="0" err="1" smtClean="0"/>
+              <a:t>random.random</a:t>
+            </a:r>
+            <a:r>
+              <a:rPr lang="en-US" altLang="zh-CN" dirty="0" smtClean="0"/>
+              <a:t>()</a:t>
+            </a:r>
+            <a:r>
+              <a:rPr lang="zh-CN" altLang="en-US" dirty="0" smtClean="0"/>
+              <a:t>，所以你应该知道如何生成随机数，包括整数和浮点数。）</a:t>
+            </a:r>
+          </a:p>
+          <a:p>
+            <a:endParaRPr lang="en-US" altLang="zh-CN" dirty="0" smtClean="0"/>
+          </a:p>
+        </p:txBody>
+      </p:sp>
+    </p:spTree>
+  </p:cSld>
+  <p:clrMapOvr>
+    <a:masterClrMapping/>
+  </p:clrMapOvr>
+  <p:timing>
+    <p:tnLst>
+      <p:par>
+        <p:cTn id="1" dur="indefinite" restart="never" nodeType="tmRoot"/>
+      </p:par>
+    </p:tnLst>
+  </p:timing>
 </p:sld>
 </file>
 
@@ -14190,6 +14214,1472 @@
             <a:r>
               <a:rPr lang="zh-CN" altLang="en-US" dirty="0" smtClean="0"/>
               <a:t>基本数学运算</a:t>
+            </a:r>
+            <a:endParaRPr lang="zh-CN" altLang="en-US" dirty="0"/>
+          </a:p>
+        </p:txBody>
+      </p:sp>
+    </p:spTree>
+  </p:cSld>
+  <p:clrMapOvr>
+    <a:masterClrMapping/>
+  </p:clrMapOvr>
+  <p:timing>
+    <p:tnLst>
+      <p:par>
+        <p:cTn id="1" dur="indefinite" restart="never" nodeType="tmRoot"/>
+      </p:par>
+    </p:tnLst>
+  </p:timing>
+</p:sld>
+</file>
+
+<file path=ppt/slides/slide170.xml><?xml version="1.0" encoding="utf-8"?>
+<p:sld xmlns:a="http://schemas.openxmlformats.org/drawingml/2006/main" xmlns:r="http://schemas.openxmlformats.org/officeDocument/2006/relationships" xmlns:p="http://schemas.openxmlformats.org/presentationml/2006/main">
+  <p:cSld>
+    <p:spTree>
+      <p:nvGrpSpPr>
+        <p:cNvPr id="1" name=""/>
+        <p:cNvGrpSpPr/>
+        <p:nvPr/>
+      </p:nvGrpSpPr>
+      <p:grpSpPr>
+        <a:xfrm>
+          <a:off x="0" y="0"/>
+          <a:ext cx="0" cy="0"/>
+          <a:chOff x="0" y="0"/>
+          <a:chExt cx="0" cy="0"/>
+        </a:xfrm>
+      </p:grpSpPr>
+      <p:sp>
+        <p:nvSpPr>
+          <p:cNvPr id="2" name="标题 1"/>
+          <p:cNvSpPr>
+            <a:spLocks noGrp="1"/>
+          </p:cNvSpPr>
+          <p:nvPr>
+            <p:ph type="title"/>
+          </p:nvPr>
+        </p:nvSpPr>
+        <p:spPr/>
+        <p:txBody>
+          <a:bodyPr/>
+          <a:lstStyle/>
+          <a:p>
+            <a:r>
+              <a:rPr lang="en-US" altLang="zh-CN" dirty="0" smtClean="0"/>
+              <a:t>15</a:t>
+            </a:r>
+            <a:endParaRPr lang="zh-CN" altLang="en-US" dirty="0"/>
+          </a:p>
+        </p:txBody>
+      </p:sp>
+      <p:sp>
+        <p:nvSpPr>
+          <p:cNvPr id="3" name="内容占位符 2"/>
+          <p:cNvSpPr>
+            <a:spLocks noGrp="1"/>
+          </p:cNvSpPr>
+          <p:nvPr>
+            <p:ph idx="1"/>
+          </p:nvPr>
+        </p:nvSpPr>
+        <p:spPr/>
+        <p:txBody>
+          <a:bodyPr/>
+          <a:lstStyle/>
+          <a:p>
+            <a:endParaRPr lang="zh-CN" altLang="en-US"/>
+          </a:p>
+        </p:txBody>
+      </p:sp>
+    </p:spTree>
+  </p:cSld>
+  <p:clrMapOvr>
+    <a:masterClrMapping/>
+  </p:clrMapOvr>
+  <p:timing>
+    <p:tnLst>
+      <p:par>
+        <p:cTn id="1" dur="indefinite" restart="never" nodeType="tmRoot"/>
+      </p:par>
+    </p:tnLst>
+  </p:timing>
+</p:sld>
+</file>
+
+<file path=ppt/slides/slide171.xml><?xml version="1.0" encoding="utf-8"?>
+<p:sld xmlns:a="http://schemas.openxmlformats.org/drawingml/2006/main" xmlns:r="http://schemas.openxmlformats.org/officeDocument/2006/relationships" xmlns:p="http://schemas.openxmlformats.org/presentationml/2006/main">
+  <p:cSld>
+    <p:spTree>
+      <p:nvGrpSpPr>
+        <p:cNvPr id="1" name=""/>
+        <p:cNvGrpSpPr/>
+        <p:nvPr/>
+      </p:nvGrpSpPr>
+      <p:grpSpPr>
+        <a:xfrm>
+          <a:off x="0" y="0"/>
+          <a:ext cx="0" cy="0"/>
+          <a:chOff x="0" y="0"/>
+          <a:chExt cx="0" cy="0"/>
+        </a:xfrm>
+      </p:grpSpPr>
+      <p:sp>
+        <p:nvSpPr>
+          <p:cNvPr id="2" name="标题 1"/>
+          <p:cNvSpPr>
+            <a:spLocks noGrp="1"/>
+          </p:cNvSpPr>
+          <p:nvPr>
+            <p:ph type="title"/>
+          </p:nvPr>
+        </p:nvSpPr>
+        <p:spPr/>
+        <p:txBody>
+          <a:bodyPr/>
+          <a:lstStyle/>
+          <a:p>
+            <a:pPr algn="l"/>
+            <a:r>
+              <a:rPr lang="en-US" altLang="zh-CN" dirty="0" smtClean="0"/>
+              <a:t>19 </a:t>
+            </a:r>
+            <a:r>
+              <a:rPr lang="zh-CN" altLang="en-US" dirty="0" smtClean="0"/>
+              <a:t>声音</a:t>
+            </a:r>
+            <a:endParaRPr lang="zh-CN" altLang="en-US" dirty="0"/>
+          </a:p>
+        </p:txBody>
+      </p:sp>
+      <p:sp>
+        <p:nvSpPr>
+          <p:cNvPr id="3" name="内容占位符 2"/>
+          <p:cNvSpPr>
+            <a:spLocks noGrp="1"/>
+          </p:cNvSpPr>
+          <p:nvPr>
+            <p:ph idx="1"/>
+          </p:nvPr>
+        </p:nvSpPr>
+        <p:spPr/>
+        <p:txBody>
+          <a:bodyPr/>
+          <a:lstStyle/>
+          <a:p>
+            <a:endParaRPr lang="zh-CN" altLang="en-US" dirty="0"/>
+          </a:p>
+        </p:txBody>
+      </p:sp>
+    </p:spTree>
+  </p:cSld>
+  <p:clrMapOvr>
+    <a:masterClrMapping/>
+  </p:clrMapOvr>
+  <p:timing>
+    <p:tnLst>
+      <p:par>
+        <p:cTn id="1" dur="indefinite" restart="never" nodeType="tmRoot"/>
+      </p:par>
+    </p:tnLst>
+  </p:timing>
+</p:sld>
+</file>
+
+<file path=ppt/slides/slide172.xml><?xml version="1.0" encoding="utf-8"?>
+<p:sld xmlns:a="http://schemas.openxmlformats.org/drawingml/2006/main" xmlns:r="http://schemas.openxmlformats.org/officeDocument/2006/relationships" xmlns:p="http://schemas.openxmlformats.org/presentationml/2006/main">
+  <p:cSld>
+    <p:spTree>
+      <p:nvGrpSpPr>
+        <p:cNvPr id="1" name=""/>
+        <p:cNvGrpSpPr/>
+        <p:nvPr/>
+      </p:nvGrpSpPr>
+      <p:grpSpPr>
+        <a:xfrm>
+          <a:off x="0" y="0"/>
+          <a:ext cx="0" cy="0"/>
+          <a:chOff x="0" y="0"/>
+          <a:chExt cx="0" cy="0"/>
+        </a:xfrm>
+      </p:grpSpPr>
+      <p:sp>
+        <p:nvSpPr>
+          <p:cNvPr id="2" name="标题 1"/>
+          <p:cNvSpPr>
+            <a:spLocks noGrp="1"/>
+          </p:cNvSpPr>
+          <p:nvPr>
+            <p:ph type="title"/>
+          </p:nvPr>
+        </p:nvSpPr>
+        <p:spPr/>
+        <p:txBody>
+          <a:bodyPr>
+            <a:normAutofit fontScale="90000"/>
+          </a:bodyPr>
+          <a:lstStyle/>
+          <a:p>
+            <a:pPr algn="l"/>
+            <a:r>
+              <a:rPr lang="en-US" altLang="zh-CN" dirty="0" smtClean="0"/>
+              <a:t>19.1</a:t>
+            </a:r>
+            <a:r>
+              <a:rPr lang="zh-CN" altLang="en-US" dirty="0" smtClean="0"/>
+              <a:t>  从</a:t>
+            </a:r>
+            <a:r>
+              <a:rPr lang="en-US" altLang="zh-CN" dirty="0" err="1" smtClean="0"/>
+              <a:t>Pygame</a:t>
+            </a:r>
+            <a:r>
+              <a:rPr lang="zh-CN" altLang="en-US" dirty="0" smtClean="0"/>
+              <a:t>寻求更多帮助</a:t>
+            </a:r>
+            <a:r>
+              <a:rPr lang="en-US" altLang="zh-CN" dirty="0" smtClean="0"/>
+              <a:t>—mixer</a:t>
+            </a:r>
+            <a:endParaRPr lang="zh-CN" altLang="en-US" dirty="0"/>
+          </a:p>
+        </p:txBody>
+      </p:sp>
+      <p:sp>
+        <p:nvSpPr>
+          <p:cNvPr id="3" name="内容占位符 2"/>
+          <p:cNvSpPr>
+            <a:spLocks noGrp="1"/>
+          </p:cNvSpPr>
+          <p:nvPr>
+            <p:ph idx="1"/>
+          </p:nvPr>
+        </p:nvSpPr>
+        <p:spPr/>
+        <p:txBody>
+          <a:bodyPr/>
+          <a:lstStyle/>
+          <a:p>
+            <a:r>
+              <a:rPr lang="en-US" altLang="zh-CN" dirty="0" err="1" smtClean="0"/>
+              <a:t>Pygame</a:t>
+            </a:r>
+            <a:r>
+              <a:rPr lang="en-US" altLang="zh-CN" dirty="0" smtClean="0"/>
+              <a:t> </a:t>
+            </a:r>
+            <a:r>
+              <a:rPr lang="zh-CN" altLang="en-US" dirty="0" smtClean="0"/>
+              <a:t>有一个处理声音的模块，名为 </a:t>
+            </a:r>
+            <a:r>
+              <a:rPr lang="en-US" altLang="zh-CN" dirty="0" err="1" smtClean="0"/>
+              <a:t>pygame.mixer</a:t>
+            </a:r>
+            <a:r>
+              <a:rPr lang="zh-CN" altLang="en-US" dirty="0" smtClean="0"/>
+              <a:t>。在真实世界中，取不同 的声音并把它们混合在一起的设备叫做“混音器”（</a:t>
+            </a:r>
+            <a:r>
+              <a:rPr lang="en-US" altLang="zh-CN" dirty="0" smtClean="0"/>
+              <a:t>mixer</a:t>
+            </a:r>
+            <a:r>
+              <a:rPr lang="zh-CN" altLang="en-US" dirty="0" smtClean="0"/>
+              <a:t>），</a:t>
+            </a:r>
+            <a:r>
+              <a:rPr lang="en-US" altLang="zh-CN" dirty="0" err="1" smtClean="0"/>
+              <a:t>Pygame</a:t>
+            </a:r>
+            <a:r>
+              <a:rPr lang="en-US" altLang="zh-CN" dirty="0" smtClean="0"/>
+              <a:t> </a:t>
+            </a:r>
+            <a:r>
+              <a:rPr lang="zh-CN" altLang="en-US" dirty="0" smtClean="0"/>
+              <a:t>中的模块也正是 因此得名。</a:t>
+            </a:r>
+          </a:p>
+          <a:p>
+            <a:endParaRPr lang="zh-CN" altLang="en-US" dirty="0"/>
+          </a:p>
+        </p:txBody>
+      </p:sp>
+    </p:spTree>
+  </p:cSld>
+  <p:clrMapOvr>
+    <a:masterClrMapping/>
+  </p:clrMapOvr>
+  <p:timing>
+    <p:tnLst>
+      <p:par>
+        <p:cTn id="1" dur="indefinite" restart="never" nodeType="tmRoot"/>
+      </p:par>
+    </p:tnLst>
+  </p:timing>
+</p:sld>
+</file>
+
+<file path=ppt/slides/slide173.xml><?xml version="1.0" encoding="utf-8"?>
+<p:sld xmlns:a="http://schemas.openxmlformats.org/drawingml/2006/main" xmlns:r="http://schemas.openxmlformats.org/officeDocument/2006/relationships" xmlns:p="http://schemas.openxmlformats.org/presentationml/2006/main">
+  <p:cSld>
+    <p:spTree>
+      <p:nvGrpSpPr>
+        <p:cNvPr id="1" name=""/>
+        <p:cNvGrpSpPr/>
+        <p:nvPr/>
+      </p:nvGrpSpPr>
+      <p:grpSpPr>
+        <a:xfrm>
+          <a:off x="0" y="0"/>
+          <a:ext cx="0" cy="0"/>
+          <a:chOff x="0" y="0"/>
+          <a:chExt cx="0" cy="0"/>
+        </a:xfrm>
+      </p:grpSpPr>
+      <p:sp>
+        <p:nvSpPr>
+          <p:cNvPr id="2" name="标题 1"/>
+          <p:cNvSpPr>
+            <a:spLocks noGrp="1"/>
+          </p:cNvSpPr>
+          <p:nvPr>
+            <p:ph type="title"/>
+          </p:nvPr>
+        </p:nvSpPr>
+        <p:spPr/>
+        <p:txBody>
+          <a:bodyPr>
+            <a:normAutofit/>
+          </a:bodyPr>
+          <a:lstStyle/>
+          <a:p>
+            <a:pPr algn="l"/>
+            <a:r>
+              <a:rPr lang="en-US" altLang="zh-CN" dirty="0" smtClean="0"/>
+              <a:t>19.2</a:t>
+            </a:r>
+            <a:r>
+              <a:rPr lang="zh-CN" altLang="en-US" dirty="0" smtClean="0"/>
+              <a:t>　制造声音与播放声音</a:t>
+            </a:r>
+          </a:p>
+        </p:txBody>
+      </p:sp>
+      <p:sp>
+        <p:nvSpPr>
+          <p:cNvPr id="3" name="内容占位符 2"/>
+          <p:cNvSpPr>
+            <a:spLocks noGrp="1"/>
+          </p:cNvSpPr>
+          <p:nvPr>
+            <p:ph idx="1"/>
+          </p:nvPr>
+        </p:nvSpPr>
+        <p:spPr/>
+        <p:txBody>
+          <a:bodyPr/>
+          <a:lstStyle/>
+          <a:p>
+            <a:r>
+              <a:rPr lang="zh-CN" altLang="en-US" dirty="0" smtClean="0"/>
+              <a:t>程序产生声音有两种基本方式。</a:t>
+            </a:r>
+            <a:endParaRPr lang="en-US" altLang="zh-CN" dirty="0" smtClean="0"/>
+          </a:p>
+          <a:p>
+            <a:pPr lvl="1"/>
+            <a:r>
+              <a:rPr lang="zh-CN" altLang="en-US" dirty="0" smtClean="0"/>
+              <a:t>程序可以生成或合成声音</a:t>
+            </a:r>
+            <a:r>
+              <a:rPr lang="en-US" altLang="zh-CN" dirty="0" smtClean="0"/>
+              <a:t>—</a:t>
+            </a:r>
+            <a:r>
+              <a:rPr lang="zh-CN" altLang="en-US" dirty="0" smtClean="0"/>
+              <a:t>这是指制造不同 音高和音量的声波来从头创建声音。</a:t>
+            </a:r>
+            <a:endParaRPr lang="en-US" altLang="zh-CN" dirty="0" smtClean="0"/>
+          </a:p>
+          <a:p>
+            <a:pPr lvl="1"/>
+            <a:r>
+              <a:rPr lang="zh-CN" altLang="en-US" dirty="0" smtClean="0"/>
+              <a:t>或者程序也可以播放一段录制的声音。这可以 是 </a:t>
+            </a:r>
+            <a:r>
+              <a:rPr lang="en-US" altLang="zh-CN" dirty="0" smtClean="0"/>
+              <a:t>CD </a:t>
+            </a:r>
+            <a:r>
+              <a:rPr lang="zh-CN" altLang="en-US" dirty="0" smtClean="0"/>
+              <a:t>上的一段音乐、一个 </a:t>
+            </a:r>
+            <a:r>
+              <a:rPr lang="en-US" altLang="zh-CN" dirty="0" smtClean="0"/>
+              <a:t>MP3 </a:t>
+            </a:r>
+            <a:r>
+              <a:rPr lang="zh-CN" altLang="en-US" dirty="0" smtClean="0"/>
+              <a:t>声音文件，或者其他类型的声音文件。</a:t>
+            </a:r>
+            <a:endParaRPr lang="en-US" altLang="zh-CN" dirty="0" smtClean="0"/>
+          </a:p>
+          <a:p>
+            <a:r>
+              <a:rPr lang="zh-CN" altLang="en-US" dirty="0" smtClean="0"/>
+              <a:t>我们只学习如何播放声音。</a:t>
+            </a:r>
+            <a:endParaRPr lang="zh-CN" altLang="en-US" dirty="0"/>
+          </a:p>
+        </p:txBody>
+      </p:sp>
+    </p:spTree>
+  </p:cSld>
+  <p:clrMapOvr>
+    <a:masterClrMapping/>
+  </p:clrMapOvr>
+  <p:timing>
+    <p:tnLst>
+      <p:par>
+        <p:cTn id="1" dur="indefinite" restart="never" nodeType="tmRoot"/>
+      </p:par>
+    </p:tnLst>
+  </p:timing>
+</p:sld>
+</file>
+
+<file path=ppt/slides/slide174.xml><?xml version="1.0" encoding="utf-8"?>
+<p:sld xmlns:a="http://schemas.openxmlformats.org/drawingml/2006/main" xmlns:r="http://schemas.openxmlformats.org/officeDocument/2006/relationships" xmlns:p="http://schemas.openxmlformats.org/presentationml/2006/main">
+  <p:cSld>
+    <p:spTree>
+      <p:nvGrpSpPr>
+        <p:cNvPr id="1" name=""/>
+        <p:cNvGrpSpPr/>
+        <p:nvPr/>
+      </p:nvGrpSpPr>
+      <p:grpSpPr>
+        <a:xfrm>
+          <a:off x="0" y="0"/>
+          <a:ext cx="0" cy="0"/>
+          <a:chOff x="0" y="0"/>
+          <a:chExt cx="0" cy="0"/>
+        </a:xfrm>
+      </p:grpSpPr>
+      <p:sp>
+        <p:nvSpPr>
+          <p:cNvPr id="2" name="标题 1"/>
+          <p:cNvSpPr>
+            <a:spLocks noGrp="1"/>
+          </p:cNvSpPr>
+          <p:nvPr>
+            <p:ph type="title"/>
+          </p:nvPr>
+        </p:nvSpPr>
+        <p:spPr/>
+        <p:txBody>
+          <a:bodyPr>
+            <a:normAutofit/>
+          </a:bodyPr>
+          <a:lstStyle/>
+          <a:p>
+            <a:pPr algn="l"/>
+            <a:r>
+              <a:rPr lang="en-US" altLang="zh-CN" dirty="0" smtClean="0"/>
+              <a:t>19.3 </a:t>
+            </a:r>
+            <a:r>
+              <a:rPr lang="zh-CN" altLang="en-US" dirty="0" smtClean="0"/>
+              <a:t>播放声音</a:t>
+            </a:r>
+            <a:endParaRPr lang="zh-CN" altLang="en-US" dirty="0"/>
+          </a:p>
+        </p:txBody>
+      </p:sp>
+      <p:sp>
+        <p:nvSpPr>
+          <p:cNvPr id="3" name="内容占位符 2"/>
+          <p:cNvSpPr>
+            <a:spLocks noGrp="1"/>
+          </p:cNvSpPr>
+          <p:nvPr>
+            <p:ph idx="1"/>
+          </p:nvPr>
+        </p:nvSpPr>
+        <p:spPr/>
+        <p:txBody>
+          <a:bodyPr>
+            <a:normAutofit fontScale="92500"/>
+          </a:bodyPr>
+          <a:lstStyle/>
+          <a:p>
+            <a:r>
+              <a:rPr lang="zh-CN" altLang="en-US" dirty="0" smtClean="0"/>
+              <a:t>播放声音时，要从硬盘（或从 </a:t>
+            </a:r>
+            <a:r>
+              <a:rPr lang="en-US" altLang="zh-CN" dirty="0" smtClean="0"/>
+              <a:t>CD</a:t>
+            </a:r>
+            <a:r>
+              <a:rPr lang="zh-CN" altLang="en-US" dirty="0" smtClean="0"/>
+              <a:t>，或者有时从互联网）得到一个声音文件，把 它转换成可以在计算机的扬声器或耳机上听到的声音。</a:t>
+            </a:r>
+            <a:endParaRPr lang="en-US" altLang="zh-CN" dirty="0" smtClean="0"/>
+          </a:p>
+          <a:p>
+            <a:r>
+              <a:rPr lang="zh-CN" altLang="en-US" dirty="0" smtClean="0"/>
+              <a:t>计算机上可以使用多种不同 类型的声音文件。以下是比较常见的类型：</a:t>
+            </a:r>
+            <a:endParaRPr lang="en-US" altLang="zh-CN" dirty="0" smtClean="0"/>
+          </a:p>
+          <a:p>
+            <a:pPr lvl="1"/>
+            <a:r>
+              <a:rPr lang="zh-CN" altLang="en-US" dirty="0" smtClean="0"/>
+              <a:t>波形文件 </a:t>
+            </a:r>
+            <a:r>
+              <a:rPr lang="en-US" altLang="zh-CN" dirty="0" smtClean="0"/>
+              <a:t>—</a:t>
+            </a:r>
+            <a:r>
+              <a:rPr lang="zh-CN" altLang="en-US" dirty="0" smtClean="0"/>
+              <a:t>文件名以 </a:t>
+            </a:r>
+            <a:r>
+              <a:rPr lang="en-US" altLang="zh-CN" dirty="0" smtClean="0"/>
+              <a:t>.wav </a:t>
+            </a:r>
+            <a:r>
+              <a:rPr lang="zh-CN" altLang="en-US" dirty="0" smtClean="0"/>
+              <a:t>结尾，如 </a:t>
+            </a:r>
+            <a:r>
+              <a:rPr lang="en-US" altLang="zh-CN" dirty="0" smtClean="0"/>
+              <a:t>hello.wav</a:t>
+            </a:r>
+          </a:p>
+          <a:p>
+            <a:pPr lvl="1"/>
+            <a:r>
+              <a:rPr lang="en-US" altLang="zh-CN" dirty="0" smtClean="0"/>
+              <a:t>MP3 </a:t>
+            </a:r>
+            <a:r>
+              <a:rPr lang="zh-CN" altLang="en-US" dirty="0" smtClean="0"/>
+              <a:t>文件 </a:t>
+            </a:r>
+            <a:r>
+              <a:rPr lang="en-US" altLang="zh-CN" dirty="0" smtClean="0"/>
+              <a:t>—</a:t>
+            </a:r>
+            <a:r>
+              <a:rPr lang="zh-CN" altLang="en-US" dirty="0" smtClean="0"/>
+              <a:t>文件名以 </a:t>
+            </a:r>
+            <a:r>
+              <a:rPr lang="en-US" altLang="zh-CN" dirty="0" smtClean="0"/>
+              <a:t>.mp3 </a:t>
+            </a:r>
+            <a:r>
+              <a:rPr lang="zh-CN" altLang="en-US" dirty="0" smtClean="0"/>
+              <a:t>结尾，如</a:t>
+            </a:r>
+            <a:r>
+              <a:rPr lang="en-US" altLang="zh-CN" dirty="0" smtClean="0"/>
+              <a:t>song.mp3</a:t>
+            </a:r>
+          </a:p>
+          <a:p>
+            <a:pPr lvl="1"/>
+            <a:r>
+              <a:rPr lang="en-US" altLang="zh-CN" dirty="0" smtClean="0"/>
+              <a:t>WMA(Windows Media Audio)</a:t>
+            </a:r>
+            <a:r>
+              <a:rPr lang="zh-CN" altLang="en-US" dirty="0" smtClean="0"/>
+              <a:t>文件</a:t>
+            </a:r>
+            <a:r>
+              <a:rPr lang="en-US" altLang="zh-CN" dirty="0" smtClean="0"/>
+              <a:t>,</a:t>
+            </a:r>
+            <a:r>
+              <a:rPr lang="zh-CN" altLang="en-US" dirty="0" smtClean="0"/>
+              <a:t>如</a:t>
+            </a:r>
+            <a:r>
+              <a:rPr lang="en-US" altLang="zh-CN" dirty="0" smtClean="0"/>
+              <a:t>song.wma</a:t>
+            </a:r>
+          </a:p>
+          <a:p>
+            <a:pPr lvl="1"/>
+            <a:r>
+              <a:rPr lang="en-US" altLang="zh-CN" dirty="0" err="1" smtClean="0"/>
+              <a:t>Ogg</a:t>
+            </a:r>
+            <a:r>
+              <a:rPr lang="en-US" altLang="zh-CN" dirty="0" smtClean="0"/>
+              <a:t> </a:t>
+            </a:r>
+            <a:r>
+              <a:rPr lang="en-US" altLang="zh-CN" dirty="0" err="1" smtClean="0"/>
+              <a:t>Vorbis</a:t>
+            </a:r>
+            <a:r>
+              <a:rPr lang="en-US" altLang="zh-CN" dirty="0" smtClean="0"/>
+              <a:t> </a:t>
+            </a:r>
+            <a:r>
+              <a:rPr lang="zh-CN" altLang="en-US" dirty="0" smtClean="0"/>
+              <a:t>文件  </a:t>
+            </a:r>
+            <a:r>
+              <a:rPr lang="en-US" altLang="zh-CN" dirty="0" smtClean="0"/>
+              <a:t>.</a:t>
+            </a:r>
+            <a:r>
+              <a:rPr lang="en-US" altLang="zh-CN" dirty="0" err="1" smtClean="0"/>
+              <a:t>ogg</a:t>
+            </a:r>
+            <a:r>
+              <a:rPr lang="en-US" altLang="zh-CN" dirty="0" smtClean="0"/>
+              <a:t> </a:t>
+            </a:r>
+            <a:r>
+              <a:rPr lang="zh-CN" altLang="en-US" dirty="0" smtClean="0"/>
+              <a:t>结尾，如 </a:t>
+            </a:r>
+            <a:r>
+              <a:rPr lang="en-US" altLang="zh-CN" dirty="0" smtClean="0"/>
+              <a:t>yourSong.ogg</a:t>
+            </a:r>
+            <a:r>
+              <a:rPr lang="zh-CN" altLang="en-US" dirty="0" smtClean="0"/>
+              <a:t>。</a:t>
+            </a:r>
+            <a:endParaRPr lang="zh-CN" altLang="en-US" dirty="0"/>
+          </a:p>
+        </p:txBody>
+      </p:sp>
+    </p:spTree>
+  </p:cSld>
+  <p:clrMapOvr>
+    <a:masterClrMapping/>
+  </p:clrMapOvr>
+  <p:timing>
+    <p:tnLst>
+      <p:par>
+        <p:cTn id="1" dur="indefinite" restart="never" nodeType="tmRoot"/>
+      </p:par>
+    </p:tnLst>
+  </p:timing>
+</p:sld>
+</file>
+
+<file path=ppt/slides/slide175.xml><?xml version="1.0" encoding="utf-8"?>
+<p:sld xmlns:a="http://schemas.openxmlformats.org/drawingml/2006/main" xmlns:r="http://schemas.openxmlformats.org/officeDocument/2006/relationships" xmlns:p="http://schemas.openxmlformats.org/presentationml/2006/main">
+  <p:cSld>
+    <p:spTree>
+      <p:nvGrpSpPr>
+        <p:cNvPr id="1" name=""/>
+        <p:cNvGrpSpPr/>
+        <p:nvPr/>
+      </p:nvGrpSpPr>
+      <p:grpSpPr>
+        <a:xfrm>
+          <a:off x="0" y="0"/>
+          <a:ext cx="0" cy="0"/>
+          <a:chOff x="0" y="0"/>
+          <a:chExt cx="0" cy="0"/>
+        </a:xfrm>
+      </p:grpSpPr>
+      <p:sp>
+        <p:nvSpPr>
+          <p:cNvPr id="2" name="标题 1"/>
+          <p:cNvSpPr>
+            <a:spLocks noGrp="1"/>
+          </p:cNvSpPr>
+          <p:nvPr>
+            <p:ph type="title"/>
+          </p:nvPr>
+        </p:nvSpPr>
+        <p:spPr/>
+        <p:txBody>
+          <a:bodyPr/>
+          <a:lstStyle/>
+          <a:p>
+            <a:pPr algn="l"/>
+            <a:r>
+              <a:rPr lang="en-US" altLang="zh-CN" dirty="0" smtClean="0"/>
+              <a:t>19.3 </a:t>
+            </a:r>
+            <a:r>
+              <a:rPr lang="zh-CN" altLang="en-US" dirty="0" smtClean="0"/>
+              <a:t>播放声音</a:t>
+            </a:r>
+            <a:endParaRPr lang="zh-CN" altLang="en-US" dirty="0"/>
+          </a:p>
+        </p:txBody>
+      </p:sp>
+      <p:sp>
+        <p:nvSpPr>
+          <p:cNvPr id="3" name="内容占位符 2"/>
+          <p:cNvSpPr>
+            <a:spLocks noGrp="1"/>
+          </p:cNvSpPr>
+          <p:nvPr>
+            <p:ph idx="1"/>
+          </p:nvPr>
+        </p:nvSpPr>
+        <p:spPr/>
+        <p:txBody>
+          <a:bodyPr>
+            <a:normAutofit fontScale="85000" lnSpcReduction="20000"/>
+          </a:bodyPr>
+          <a:lstStyle/>
+          <a:p>
+            <a:r>
+              <a:rPr lang="zh-CN" altLang="en-US" dirty="0" smtClean="0"/>
+              <a:t>启动 </a:t>
+            </a:r>
+            <a:r>
+              <a:rPr lang="en-US" altLang="zh-CN" dirty="0" err="1" smtClean="0"/>
+              <a:t>pygame.mixer</a:t>
+            </a:r>
+            <a:endParaRPr lang="en-US" altLang="zh-CN" dirty="0" smtClean="0"/>
+          </a:p>
+          <a:p>
+            <a:pPr lvl="1"/>
+            <a:r>
+              <a:rPr lang="en-US" altLang="zh-CN" dirty="0" smtClean="0"/>
+              <a:t>import </a:t>
+            </a:r>
+            <a:r>
+              <a:rPr lang="en-US" altLang="zh-CN" dirty="0" err="1" smtClean="0"/>
+              <a:t>pygame</a:t>
+            </a:r>
+            <a:r>
+              <a:rPr lang="en-US" altLang="zh-CN" dirty="0" smtClean="0"/>
+              <a:t> </a:t>
+            </a:r>
+          </a:p>
+          <a:p>
+            <a:pPr lvl="1"/>
+            <a:r>
+              <a:rPr lang="en-US" altLang="zh-CN" dirty="0" err="1" smtClean="0"/>
+              <a:t>pygame.init</a:t>
+            </a:r>
+            <a:r>
+              <a:rPr lang="en-US" altLang="zh-CN" dirty="0" smtClean="0"/>
+              <a:t>() </a:t>
+            </a:r>
+          </a:p>
+          <a:p>
+            <a:pPr lvl="1"/>
+            <a:r>
+              <a:rPr lang="en-US" altLang="zh-CN" dirty="0" err="1" smtClean="0"/>
+              <a:t>pygame.mixer.init</a:t>
+            </a:r>
+            <a:r>
+              <a:rPr lang="en-US" altLang="zh-CN" dirty="0" smtClean="0"/>
+              <a:t>()</a:t>
+            </a:r>
+          </a:p>
+          <a:p>
+            <a:pPr lvl="1"/>
+            <a:r>
+              <a:rPr lang="en-US" altLang="zh-CN" dirty="0" smtClean="0"/>
+              <a:t>splat = </a:t>
+            </a:r>
+            <a:r>
+              <a:rPr lang="en-US" altLang="zh-CN" dirty="0" err="1" smtClean="0"/>
+              <a:t>pygame.mixer.Sound</a:t>
+            </a:r>
+            <a:r>
+              <a:rPr lang="en-US" altLang="zh-CN" dirty="0" smtClean="0"/>
+              <a:t>("splat.wav") </a:t>
+            </a:r>
+          </a:p>
+          <a:p>
+            <a:pPr lvl="1"/>
+            <a:r>
+              <a:rPr lang="en-US" altLang="zh-CN" dirty="0" err="1" smtClean="0"/>
+              <a:t>splat.play</a:t>
+            </a:r>
+            <a:r>
+              <a:rPr lang="en-US" altLang="zh-CN" dirty="0" smtClean="0"/>
+              <a:t>()</a:t>
+            </a:r>
+          </a:p>
+          <a:p>
+            <a:r>
+              <a:rPr lang="zh-CN" altLang="en-US" dirty="0" smtClean="0"/>
+              <a:t>另一种大量使用的声音是音乐。音乐大多存储在 </a:t>
+            </a:r>
+            <a:r>
+              <a:rPr lang="en-US" altLang="zh-CN" dirty="0" smtClean="0"/>
+              <a:t>.mp3</a:t>
+            </a:r>
+            <a:r>
+              <a:rPr lang="zh-CN" altLang="en-US" dirty="0" smtClean="0"/>
+              <a:t>、</a:t>
+            </a:r>
+            <a:r>
+              <a:rPr lang="en-US" altLang="zh-CN" dirty="0" smtClean="0"/>
+              <a:t>.wma </a:t>
+            </a:r>
+            <a:r>
+              <a:rPr lang="zh-CN" altLang="en-US" dirty="0" smtClean="0"/>
+              <a:t>或 </a:t>
+            </a:r>
+            <a:r>
+              <a:rPr lang="en-US" altLang="zh-CN" dirty="0" smtClean="0"/>
+              <a:t>.</a:t>
+            </a:r>
+            <a:r>
+              <a:rPr lang="en-US" altLang="zh-CN" dirty="0" err="1" smtClean="0"/>
+              <a:t>ogg</a:t>
+            </a:r>
+            <a:r>
+              <a:rPr lang="en-US" altLang="zh-CN" dirty="0" smtClean="0"/>
+              <a:t> </a:t>
+            </a:r>
+            <a:r>
+              <a:rPr lang="zh-CN" altLang="en-US" dirty="0" smtClean="0"/>
+              <a:t>文件中。 要播放这些音乐， </a:t>
+            </a:r>
+            <a:r>
+              <a:rPr lang="en-US" altLang="zh-CN" dirty="0" err="1" smtClean="0"/>
+              <a:t>Pygame</a:t>
+            </a:r>
+            <a:r>
+              <a:rPr lang="en-US" altLang="zh-CN" dirty="0" smtClean="0"/>
+              <a:t> </a:t>
+            </a:r>
+            <a:r>
+              <a:rPr lang="zh-CN" altLang="en-US" dirty="0" smtClean="0"/>
+              <a:t>会使用 </a:t>
+            </a:r>
+            <a:r>
+              <a:rPr lang="en-US" altLang="zh-CN" dirty="0" smtClean="0"/>
+              <a:t>mixer</a:t>
+            </a:r>
+            <a:r>
+              <a:rPr lang="zh-CN" altLang="en-US" dirty="0" smtClean="0"/>
+              <a:t>中的 </a:t>
+            </a:r>
+            <a:r>
+              <a:rPr lang="en-US" altLang="zh-CN" dirty="0" smtClean="0"/>
+              <a:t>music</a:t>
+            </a:r>
+            <a:r>
+              <a:rPr lang="zh-CN" altLang="en-US" dirty="0" smtClean="0"/>
+              <a:t>模块。可以这样来使用：</a:t>
+            </a:r>
+            <a:endParaRPr lang="en-US" altLang="zh-CN" dirty="0" smtClean="0"/>
+          </a:p>
+          <a:p>
+            <a:r>
+              <a:rPr lang="en-US" altLang="zh-CN" dirty="0" err="1" smtClean="0"/>
+              <a:t>pygame.mixer.music.load</a:t>
+            </a:r>
+            <a:r>
+              <a:rPr lang="en-US" altLang="zh-CN" dirty="0" smtClean="0"/>
+              <a:t>("bg_music.mp3") </a:t>
+            </a:r>
+            <a:r>
+              <a:rPr lang="en-US" altLang="zh-CN" dirty="0" err="1" smtClean="0"/>
+              <a:t>pygame.mixer.music.play</a:t>
+            </a:r>
+            <a:r>
+              <a:rPr lang="en-US" altLang="zh-CN" dirty="0" smtClean="0"/>
+              <a:t>()</a:t>
+            </a:r>
+          </a:p>
+          <a:p>
+            <a:endParaRPr lang="en-US" altLang="zh-CN" dirty="0" smtClean="0"/>
+          </a:p>
+          <a:p>
+            <a:pPr lvl="1"/>
+            <a:endParaRPr lang="en-US" altLang="zh-CN" dirty="0" smtClean="0"/>
+          </a:p>
+          <a:p>
+            <a:pPr lvl="1"/>
+            <a:endParaRPr lang="zh-CN" altLang="en-US" dirty="0"/>
+          </a:p>
+        </p:txBody>
+      </p:sp>
+    </p:spTree>
+  </p:cSld>
+  <p:clrMapOvr>
+    <a:masterClrMapping/>
+  </p:clrMapOvr>
+  <p:timing>
+    <p:tnLst>
+      <p:par>
+        <p:cTn id="1" dur="indefinite" restart="never" nodeType="tmRoot"/>
+      </p:par>
+    </p:tnLst>
+  </p:timing>
+</p:sld>
+</file>
+
+<file path=ppt/slides/slide176.xml><?xml version="1.0" encoding="utf-8"?>
+<p:sld xmlns:a="http://schemas.openxmlformats.org/drawingml/2006/main" xmlns:r="http://schemas.openxmlformats.org/officeDocument/2006/relationships" xmlns:p="http://schemas.openxmlformats.org/presentationml/2006/main">
+  <p:cSld>
+    <p:spTree>
+      <p:nvGrpSpPr>
+        <p:cNvPr id="1" name=""/>
+        <p:cNvGrpSpPr/>
+        <p:nvPr/>
+      </p:nvGrpSpPr>
+      <p:grpSpPr>
+        <a:xfrm>
+          <a:off x="0" y="0"/>
+          <a:ext cx="0" cy="0"/>
+          <a:chOff x="0" y="0"/>
+          <a:chExt cx="0" cy="0"/>
+        </a:xfrm>
+      </p:grpSpPr>
+      <p:sp>
+        <p:nvSpPr>
+          <p:cNvPr id="2" name="标题 1"/>
+          <p:cNvSpPr>
+            <a:spLocks noGrp="1"/>
+          </p:cNvSpPr>
+          <p:nvPr>
+            <p:ph type="title"/>
+          </p:nvPr>
+        </p:nvSpPr>
+        <p:spPr/>
+        <p:txBody>
+          <a:bodyPr/>
+          <a:lstStyle/>
+          <a:p>
+            <a:pPr algn="l"/>
+            <a:r>
+              <a:rPr lang="en-US" altLang="zh-CN" dirty="0" smtClean="0"/>
+              <a:t>19.4</a:t>
+            </a:r>
+            <a:r>
+              <a:rPr lang="zh-CN" altLang="en-US" dirty="0" smtClean="0"/>
+              <a:t>　控制音量</a:t>
+            </a:r>
+            <a:endParaRPr lang="zh-CN" altLang="en-US" dirty="0"/>
+          </a:p>
+        </p:txBody>
+      </p:sp>
+      <p:sp>
+        <p:nvSpPr>
+          <p:cNvPr id="3" name="内容占位符 2"/>
+          <p:cNvSpPr>
+            <a:spLocks noGrp="1"/>
+          </p:cNvSpPr>
+          <p:nvPr>
+            <p:ph idx="1"/>
+          </p:nvPr>
+        </p:nvSpPr>
+        <p:spPr/>
+        <p:txBody>
+          <a:bodyPr/>
+          <a:lstStyle/>
+          <a:p>
+            <a:r>
+              <a:rPr lang="zh-CN" altLang="en-US" dirty="0" smtClean="0"/>
+              <a:t>好在我们可以单独控制每个声音的音量， 例如，可以让音乐音量小一些，让“啪哒” 声更响一些。</a:t>
+            </a:r>
+            <a:endParaRPr lang="en-US" altLang="zh-CN" dirty="0" smtClean="0"/>
+          </a:p>
+          <a:p>
+            <a:pPr lvl="1"/>
+            <a:r>
+              <a:rPr lang="zh-CN" altLang="en-US" dirty="0" smtClean="0"/>
+              <a:t>用 </a:t>
+            </a:r>
+            <a:r>
+              <a:rPr lang="en-US" altLang="zh-CN" dirty="0" err="1" smtClean="0"/>
+              <a:t>pygame.mixer</a:t>
+            </a:r>
+            <a:r>
+              <a:rPr lang="en-US" altLang="zh-CN" dirty="0" smtClean="0"/>
+              <a:t>. </a:t>
+            </a:r>
+            <a:r>
+              <a:rPr lang="en-US" altLang="zh-CN" dirty="0" err="1" smtClean="0"/>
+              <a:t>music.set_volume</a:t>
+            </a:r>
+            <a:r>
+              <a:rPr lang="en-US" altLang="zh-CN" dirty="0" smtClean="0"/>
+              <a:t>()</a:t>
+            </a:r>
+            <a:r>
+              <a:rPr lang="zh-CN" altLang="en-US" dirty="0" smtClean="0"/>
+              <a:t>。</a:t>
+            </a:r>
+            <a:endParaRPr lang="en-US" altLang="zh-CN" dirty="0" smtClean="0"/>
+          </a:p>
+          <a:p>
+            <a:pPr lvl="1"/>
+            <a:r>
+              <a:rPr lang="zh-CN" altLang="en-US" dirty="0" smtClean="0"/>
+              <a:t>音量是一 个介于 </a:t>
+            </a:r>
+            <a:r>
+              <a:rPr lang="en-US" altLang="zh-CN" dirty="0" smtClean="0"/>
+              <a:t>0 </a:t>
+            </a:r>
+            <a:r>
+              <a:rPr lang="zh-CN" altLang="en-US" dirty="0" smtClean="0"/>
+              <a:t>到 </a:t>
+            </a:r>
+            <a:r>
+              <a:rPr lang="en-US" altLang="zh-CN" dirty="0" smtClean="0"/>
+              <a:t>1 </a:t>
+            </a:r>
+            <a:r>
+              <a:rPr lang="zh-CN" altLang="en-US" dirty="0" smtClean="0"/>
+              <a:t>的浮点数；例如，</a:t>
+            </a:r>
+            <a:r>
+              <a:rPr lang="en-US" altLang="zh-CN" dirty="0" smtClean="0"/>
+              <a:t>0.5 </a:t>
+            </a:r>
+            <a:r>
+              <a:rPr lang="zh-CN" altLang="en-US" dirty="0" smtClean="0"/>
+              <a:t>就是最大音量的 </a:t>
+            </a:r>
+            <a:r>
+              <a:rPr lang="en-US" altLang="zh-CN" dirty="0" smtClean="0"/>
+              <a:t>50% </a:t>
+            </a:r>
+            <a:r>
+              <a:rPr lang="zh-CN" altLang="en-US" dirty="0" smtClean="0"/>
+              <a:t>或一半</a:t>
+            </a:r>
+          </a:p>
+          <a:p>
+            <a:endParaRPr lang="zh-CN" altLang="en-US" dirty="0"/>
+          </a:p>
+        </p:txBody>
+      </p:sp>
+    </p:spTree>
+  </p:cSld>
+  <p:clrMapOvr>
+    <a:masterClrMapping/>
+  </p:clrMapOvr>
+  <p:timing>
+    <p:tnLst>
+      <p:par>
+        <p:cTn id="1" dur="indefinite" restart="never" nodeType="tmRoot"/>
+      </p:par>
+    </p:tnLst>
+  </p:timing>
+</p:sld>
+</file>
+
+<file path=ppt/slides/slide177.xml><?xml version="1.0" encoding="utf-8"?>
+<p:sld xmlns:a="http://schemas.openxmlformats.org/drawingml/2006/main" xmlns:r="http://schemas.openxmlformats.org/officeDocument/2006/relationships" xmlns:p="http://schemas.openxmlformats.org/presentationml/2006/main">
+  <p:cSld>
+    <p:spTree>
+      <p:nvGrpSpPr>
+        <p:cNvPr id="1" name=""/>
+        <p:cNvGrpSpPr/>
+        <p:nvPr/>
+      </p:nvGrpSpPr>
+      <p:grpSpPr>
+        <a:xfrm>
+          <a:off x="0" y="0"/>
+          <a:ext cx="0" cy="0"/>
+          <a:chOff x="0" y="0"/>
+          <a:chExt cx="0" cy="0"/>
+        </a:xfrm>
+      </p:grpSpPr>
+      <p:sp>
+        <p:nvSpPr>
+          <p:cNvPr id="2" name="标题 1"/>
+          <p:cNvSpPr>
+            <a:spLocks noGrp="1"/>
+          </p:cNvSpPr>
+          <p:nvPr>
+            <p:ph type="title"/>
+          </p:nvPr>
+        </p:nvSpPr>
+        <p:spPr/>
+        <p:txBody>
+          <a:bodyPr>
+            <a:normAutofit/>
+          </a:bodyPr>
+          <a:lstStyle/>
+          <a:p>
+            <a:pPr algn="l"/>
+            <a:r>
+              <a:rPr lang="en-US" altLang="zh-CN" dirty="0" smtClean="0"/>
+              <a:t>19.5</a:t>
+            </a:r>
+            <a:r>
+              <a:rPr lang="zh-CN" altLang="en-US" dirty="0" smtClean="0"/>
+              <a:t>　重复音乐</a:t>
+            </a:r>
+            <a:endParaRPr lang="zh-CN" altLang="en-US" dirty="0"/>
+          </a:p>
+        </p:txBody>
+      </p:sp>
+      <p:sp>
+        <p:nvSpPr>
+          <p:cNvPr id="3" name="内容占位符 2"/>
+          <p:cNvSpPr>
+            <a:spLocks noGrp="1"/>
+          </p:cNvSpPr>
+          <p:nvPr>
+            <p:ph idx="1"/>
+          </p:nvPr>
+        </p:nvSpPr>
+        <p:spPr>
+          <a:xfrm>
+            <a:off x="457200" y="1600200"/>
+            <a:ext cx="8363272" cy="4525963"/>
+          </a:xfrm>
+        </p:spPr>
+        <p:txBody>
+          <a:bodyPr/>
+          <a:lstStyle/>
+          <a:p>
+            <a:r>
+              <a:rPr lang="zh-CN" altLang="en-US" dirty="0" smtClean="0"/>
+              <a:t>如果要使用一首歌作为游戏的背景音 乐，你可能希望只要程序在运行，音乐就 一直继续下去</a:t>
+            </a:r>
+            <a:endParaRPr lang="en-US" altLang="zh-CN" dirty="0" smtClean="0"/>
+          </a:p>
+          <a:p>
+            <a:r>
+              <a:rPr lang="zh-CN" altLang="en-US" dirty="0" smtClean="0"/>
+              <a:t>可以让音乐重复播放一定的次数，比 如： </a:t>
+            </a:r>
+            <a:r>
+              <a:rPr lang="en-US" altLang="zh-CN" dirty="0" err="1" smtClean="0"/>
+              <a:t>pygame.mixer.music.play</a:t>
+            </a:r>
+            <a:r>
+              <a:rPr lang="en-US" altLang="zh-CN" dirty="0" smtClean="0"/>
+              <a:t>(3)</a:t>
+            </a:r>
+          </a:p>
+          <a:p>
+            <a:r>
+              <a:rPr lang="zh-CN" altLang="en-US" dirty="0" smtClean="0"/>
+              <a:t>还可以传入一个特殊值 </a:t>
+            </a:r>
+            <a:r>
+              <a:rPr lang="en-US" altLang="zh-CN" dirty="0" smtClean="0"/>
+              <a:t>-1</a:t>
+            </a:r>
+            <a:r>
+              <a:rPr lang="zh-CN" altLang="en-US" dirty="0" smtClean="0"/>
+              <a:t>，这会让歌 曲永远重复下去，如：</a:t>
+            </a:r>
+            <a:r>
+              <a:rPr lang="en-US" altLang="zh-CN" dirty="0" err="1" smtClean="0"/>
+              <a:t>pygame.mixer.music.play</a:t>
+            </a:r>
+            <a:r>
+              <a:rPr lang="en-US" altLang="zh-CN" dirty="0" smtClean="0"/>
+              <a:t>(-1)</a:t>
+            </a:r>
+            <a:endParaRPr lang="zh-CN" altLang="en-US" dirty="0"/>
+          </a:p>
+        </p:txBody>
+      </p:sp>
+    </p:spTree>
+  </p:cSld>
+  <p:clrMapOvr>
+    <a:masterClrMapping/>
+  </p:clrMapOvr>
+  <p:timing>
+    <p:tnLst>
+      <p:par>
+        <p:cTn id="1" dur="indefinite" restart="never" nodeType="tmRoot"/>
+      </p:par>
+    </p:tnLst>
+  </p:timing>
+</p:sld>
+</file>
+
+<file path=ppt/slides/slide178.xml><?xml version="1.0" encoding="utf-8"?>
+<p:sld xmlns:a="http://schemas.openxmlformats.org/drawingml/2006/main" xmlns:r="http://schemas.openxmlformats.org/officeDocument/2006/relationships" xmlns:p="http://schemas.openxmlformats.org/presentationml/2006/main">
+  <p:cSld>
+    <p:spTree>
+      <p:nvGrpSpPr>
+        <p:cNvPr id="1" name=""/>
+        <p:cNvGrpSpPr/>
+        <p:nvPr/>
+      </p:nvGrpSpPr>
+      <p:grpSpPr>
+        <a:xfrm>
+          <a:off x="0" y="0"/>
+          <a:ext cx="0" cy="0"/>
+          <a:chOff x="0" y="0"/>
+          <a:chExt cx="0" cy="0"/>
+        </a:xfrm>
+      </p:grpSpPr>
+      <p:sp>
+        <p:nvSpPr>
+          <p:cNvPr id="2" name="标题 1"/>
+          <p:cNvSpPr>
+            <a:spLocks noGrp="1"/>
+          </p:cNvSpPr>
+          <p:nvPr>
+            <p:ph type="title"/>
+          </p:nvPr>
+        </p:nvSpPr>
+        <p:spPr/>
+        <p:txBody>
+          <a:bodyPr/>
+          <a:lstStyle/>
+          <a:p>
+            <a:pPr algn="l"/>
+            <a:r>
+              <a:rPr lang="en-US" altLang="zh-CN" dirty="0" smtClean="0"/>
+              <a:t>19.6</a:t>
+            </a:r>
+            <a:r>
+              <a:rPr lang="zh-CN" altLang="en-US" dirty="0" smtClean="0"/>
+              <a:t>　为</a:t>
+            </a:r>
+            <a:r>
+              <a:rPr lang="en-US" altLang="zh-CN" dirty="0" err="1" smtClean="0"/>
+              <a:t>PyPong</a:t>
+            </a:r>
+            <a:r>
+              <a:rPr lang="zh-CN" altLang="en-US" dirty="0" smtClean="0"/>
+              <a:t>增加声音</a:t>
+            </a:r>
+            <a:endParaRPr lang="zh-CN" altLang="en-US" dirty="0"/>
+          </a:p>
+        </p:txBody>
+      </p:sp>
+      <p:sp>
+        <p:nvSpPr>
+          <p:cNvPr id="3" name="内容占位符 2"/>
+          <p:cNvSpPr>
+            <a:spLocks noGrp="1"/>
+          </p:cNvSpPr>
+          <p:nvPr>
+            <p:ph idx="1"/>
+          </p:nvPr>
+        </p:nvSpPr>
+        <p:spPr/>
+        <p:txBody>
+          <a:bodyPr/>
+          <a:lstStyle/>
+          <a:p>
+            <a:r>
+              <a:rPr lang="zh-CN" altLang="en-US" dirty="0" smtClean="0"/>
+              <a:t>我们已经了解了播放声音的基础知识，下面向我们的</a:t>
+            </a:r>
+            <a:r>
+              <a:rPr lang="en-US" altLang="zh-CN" dirty="0" err="1" smtClean="0"/>
+              <a:t>PyPong</a:t>
+            </a:r>
+            <a:r>
+              <a:rPr lang="zh-CN" altLang="en-US" dirty="0" smtClean="0"/>
+              <a:t>游戏添加一些声音。</a:t>
+            </a:r>
+          </a:p>
+          <a:p>
+            <a:pPr lvl="1"/>
+            <a:r>
+              <a:rPr lang="zh-CN" altLang="en-US" dirty="0" smtClean="0"/>
+              <a:t>每次球碰到球拍时要增加一个声音</a:t>
+            </a:r>
+            <a:endParaRPr lang="en-US" altLang="zh-CN" dirty="0" smtClean="0"/>
+          </a:p>
+          <a:p>
+            <a:pPr lvl="1"/>
+            <a:r>
+              <a:rPr lang="zh-CN" altLang="en-US" dirty="0" smtClean="0"/>
+              <a:t>球碰到两边的墙壁时</a:t>
+            </a:r>
+            <a:r>
+              <a:rPr lang="en-US" altLang="zh-CN" dirty="0" smtClean="0"/>
+              <a:t>;</a:t>
+            </a:r>
+          </a:p>
+          <a:p>
+            <a:pPr lvl="1"/>
+            <a:r>
+              <a:rPr lang="zh-CN" altLang="en-US" dirty="0" smtClean="0"/>
+              <a:t>球碰到顶边，而且得分时；</a:t>
+            </a:r>
+            <a:endParaRPr lang="en-US" altLang="zh-CN" dirty="0" smtClean="0"/>
+          </a:p>
+          <a:p>
+            <a:pPr lvl="1"/>
+            <a:r>
+              <a:rPr lang="zh-CN" altLang="en-US" dirty="0" smtClean="0"/>
+              <a:t>球碰到底边时</a:t>
+            </a:r>
+            <a:endParaRPr lang="en-US" altLang="zh-CN" dirty="0" smtClean="0"/>
+          </a:p>
+          <a:p>
+            <a:pPr lvl="1"/>
+            <a:r>
+              <a:rPr lang="zh-CN" altLang="en-US" dirty="0" smtClean="0"/>
+              <a:t>新的一条命开始时</a:t>
+            </a:r>
+            <a:endParaRPr lang="en-US" altLang="zh-CN" dirty="0" smtClean="0"/>
+          </a:p>
+          <a:p>
+            <a:pPr lvl="1"/>
+            <a:r>
+              <a:rPr lang="zh-CN" altLang="en-US" dirty="0" smtClean="0"/>
+              <a:t>游戏结束时</a:t>
+            </a:r>
+            <a:endParaRPr lang="zh-CN" altLang="en-US" dirty="0"/>
+          </a:p>
+        </p:txBody>
+      </p:sp>
+    </p:spTree>
+  </p:cSld>
+  <p:clrMapOvr>
+    <a:masterClrMapping/>
+  </p:clrMapOvr>
+  <p:timing>
+    <p:tnLst>
+      <p:par>
+        <p:cTn id="1" dur="indefinite" restart="never" nodeType="tmRoot"/>
+      </p:par>
+    </p:tnLst>
+  </p:timing>
+</p:sld>
+</file>
+
+<file path=ppt/slides/slide179.xml><?xml version="1.0" encoding="utf-8"?>
+<p:sld xmlns:a="http://schemas.openxmlformats.org/drawingml/2006/main" xmlns:r="http://schemas.openxmlformats.org/officeDocument/2006/relationships" xmlns:p="http://schemas.openxmlformats.org/presentationml/2006/main">
+  <p:cSld>
+    <p:spTree>
+      <p:nvGrpSpPr>
+        <p:cNvPr id="1" name=""/>
+        <p:cNvGrpSpPr/>
+        <p:nvPr/>
+      </p:nvGrpSpPr>
+      <p:grpSpPr>
+        <a:xfrm>
+          <a:off x="0" y="0"/>
+          <a:ext cx="0" cy="0"/>
+          <a:chOff x="0" y="0"/>
+          <a:chExt cx="0" cy="0"/>
+        </a:xfrm>
+      </p:grpSpPr>
+      <p:sp>
+        <p:nvSpPr>
+          <p:cNvPr id="2" name="标题 1"/>
+          <p:cNvSpPr>
+            <a:spLocks noGrp="1"/>
+          </p:cNvSpPr>
+          <p:nvPr>
+            <p:ph type="title"/>
+          </p:nvPr>
+        </p:nvSpPr>
+        <p:spPr/>
+        <p:txBody>
+          <a:bodyPr>
+            <a:normAutofit/>
+          </a:bodyPr>
+          <a:lstStyle/>
+          <a:p>
+            <a:pPr algn="l"/>
+            <a:r>
+              <a:rPr lang="zh-CN" altLang="en-US" dirty="0" smtClean="0"/>
+              <a:t>你学到了什么</a:t>
+            </a:r>
+            <a:endParaRPr lang="zh-CN" altLang="en-US" dirty="0"/>
+          </a:p>
+        </p:txBody>
+      </p:sp>
+      <p:sp>
+        <p:nvSpPr>
+          <p:cNvPr id="3" name="内容占位符 2"/>
+          <p:cNvSpPr>
+            <a:spLocks noGrp="1"/>
+          </p:cNvSpPr>
+          <p:nvPr>
+            <p:ph idx="1"/>
+          </p:nvPr>
+        </p:nvSpPr>
+        <p:spPr/>
+        <p:txBody>
+          <a:bodyPr/>
+          <a:lstStyle/>
+          <a:p>
+            <a:r>
+              <a:rPr lang="zh-CN" altLang="en-US" dirty="0" smtClean="0"/>
+              <a:t>如何向程序添加声音</a:t>
+            </a:r>
+            <a:endParaRPr lang="en-US" altLang="zh-CN" dirty="0" smtClean="0"/>
+          </a:p>
+          <a:p>
+            <a:r>
+              <a:rPr lang="zh-CN" altLang="en-US" dirty="0" smtClean="0"/>
+              <a:t> 如何播放声音片段（通常是 </a:t>
+            </a:r>
+            <a:r>
+              <a:rPr lang="en-US" altLang="zh-CN" dirty="0" smtClean="0"/>
+              <a:t>.wav </a:t>
+            </a:r>
+            <a:r>
+              <a:rPr lang="zh-CN" altLang="en-US" dirty="0" smtClean="0"/>
+              <a:t>文件） </a:t>
+            </a:r>
+            <a:endParaRPr lang="en-US" altLang="zh-CN" dirty="0" smtClean="0"/>
+          </a:p>
+          <a:p>
+            <a:r>
+              <a:rPr lang="zh-CN" altLang="en-US" dirty="0" smtClean="0"/>
+              <a:t>如何播放音乐文件（通常是 </a:t>
+            </a:r>
+            <a:r>
+              <a:rPr lang="en-US" altLang="zh-CN" dirty="0" smtClean="0"/>
+              <a:t>.mp3 </a:t>
+            </a:r>
+            <a:r>
+              <a:rPr lang="zh-CN" altLang="en-US" dirty="0" smtClean="0"/>
+              <a:t>文件） </a:t>
+            </a:r>
+            <a:endParaRPr lang="en-US" altLang="zh-CN" dirty="0" smtClean="0"/>
+          </a:p>
+          <a:p>
+            <a:r>
+              <a:rPr lang="zh-CN" altLang="en-US" dirty="0" smtClean="0"/>
+              <a:t>如何知道一个声音已经播放完毕</a:t>
+            </a:r>
+            <a:endParaRPr lang="en-US" altLang="zh-CN" dirty="0" smtClean="0"/>
+          </a:p>
+          <a:p>
+            <a:r>
+              <a:rPr lang="zh-CN" altLang="en-US" dirty="0" smtClean="0"/>
+              <a:t>如何控制音效和音乐的音量</a:t>
+            </a:r>
+            <a:endParaRPr lang="en-US" altLang="zh-CN" dirty="0" smtClean="0"/>
+          </a:p>
+          <a:p>
+            <a:r>
+              <a:rPr lang="zh-CN" altLang="en-US" dirty="0" smtClean="0"/>
+              <a:t>如何让音乐重复，使它反复播放</a:t>
+            </a:r>
+            <a:endParaRPr lang="en-US" altLang="zh-CN" dirty="0" smtClean="0"/>
+          </a:p>
+          <a:p>
+            <a:r>
+              <a:rPr lang="zh-CN" altLang="en-US" dirty="0" smtClean="0"/>
+              <a:t>如何让音乐淡出</a:t>
             </a:r>
             <a:endParaRPr lang="zh-CN" altLang="en-US" dirty="0"/>
           </a:p>
@@ -14386,6 +15876,1396 @@
 </p:sld>
 </file>
 
+<file path=ppt/slides/slide180.xml><?xml version="1.0" encoding="utf-8"?>
+<p:sld xmlns:a="http://schemas.openxmlformats.org/drawingml/2006/main" xmlns:r="http://schemas.openxmlformats.org/officeDocument/2006/relationships" xmlns:p="http://schemas.openxmlformats.org/presentationml/2006/main">
+  <p:cSld>
+    <p:spTree>
+      <p:nvGrpSpPr>
+        <p:cNvPr id="1" name=""/>
+        <p:cNvGrpSpPr/>
+        <p:nvPr/>
+      </p:nvGrpSpPr>
+      <p:grpSpPr>
+        <a:xfrm>
+          <a:off x="0" y="0"/>
+          <a:ext cx="0" cy="0"/>
+          <a:chOff x="0" y="0"/>
+          <a:chExt cx="0" cy="0"/>
+        </a:xfrm>
+      </p:grpSpPr>
+      <p:sp>
+        <p:nvSpPr>
+          <p:cNvPr id="2" name="标题 1"/>
+          <p:cNvSpPr>
+            <a:spLocks noGrp="1"/>
+          </p:cNvSpPr>
+          <p:nvPr>
+            <p:ph type="title"/>
+          </p:nvPr>
+        </p:nvSpPr>
+        <p:spPr/>
+        <p:txBody>
+          <a:bodyPr/>
+          <a:lstStyle/>
+          <a:p>
+            <a:pPr algn="l"/>
+            <a:r>
+              <a:rPr lang="zh-CN" altLang="en-US" dirty="0" smtClean="0"/>
+              <a:t>测试题</a:t>
+            </a:r>
+            <a:endParaRPr lang="zh-CN" altLang="en-US" dirty="0"/>
+          </a:p>
+        </p:txBody>
+      </p:sp>
+      <p:sp>
+        <p:nvSpPr>
+          <p:cNvPr id="3" name="内容占位符 2"/>
+          <p:cNvSpPr>
+            <a:spLocks noGrp="1"/>
+          </p:cNvSpPr>
+          <p:nvPr>
+            <p:ph idx="1"/>
+          </p:nvPr>
+        </p:nvSpPr>
+        <p:spPr/>
+        <p:txBody>
+          <a:bodyPr/>
+          <a:lstStyle/>
+          <a:p>
+            <a:r>
+              <a:rPr lang="en-US" altLang="zh-CN" dirty="0" smtClean="0"/>
+              <a:t>1. </a:t>
+            </a:r>
+            <a:r>
+              <a:rPr lang="zh-CN" altLang="en-US" dirty="0" smtClean="0"/>
+              <a:t>可以用哪几种类型的文件存储声音？ </a:t>
+            </a:r>
+            <a:endParaRPr lang="en-US" altLang="zh-CN" dirty="0" smtClean="0"/>
+          </a:p>
+          <a:p>
+            <a:r>
+              <a:rPr lang="en-US" altLang="zh-CN" dirty="0" smtClean="0"/>
+              <a:t>2. </a:t>
+            </a:r>
+            <a:r>
+              <a:rPr lang="zh-CN" altLang="en-US" dirty="0" smtClean="0"/>
+              <a:t>哪个 </a:t>
+            </a:r>
+            <a:r>
+              <a:rPr lang="en-US" altLang="zh-CN" dirty="0" err="1" smtClean="0"/>
+              <a:t>Pygame</a:t>
+            </a:r>
+            <a:r>
+              <a:rPr lang="en-US" altLang="zh-CN" dirty="0" smtClean="0"/>
+              <a:t> </a:t>
+            </a:r>
+            <a:r>
+              <a:rPr lang="zh-CN" altLang="en-US" dirty="0" smtClean="0"/>
+              <a:t>模块用来播放音乐？ </a:t>
+            </a:r>
+            <a:endParaRPr lang="en-US" altLang="zh-CN" dirty="0" smtClean="0"/>
+          </a:p>
+          <a:p>
+            <a:r>
+              <a:rPr lang="en-US" altLang="zh-CN" dirty="0" smtClean="0"/>
+              <a:t>3. </a:t>
+            </a:r>
+            <a:r>
+              <a:rPr lang="zh-CN" altLang="en-US" dirty="0" smtClean="0"/>
+              <a:t>如何设置一个 </a:t>
+            </a:r>
+            <a:r>
+              <a:rPr lang="en-US" altLang="zh-CN" dirty="0" err="1" smtClean="0"/>
+              <a:t>Pygame</a:t>
+            </a:r>
+            <a:r>
+              <a:rPr lang="en-US" altLang="zh-CN" dirty="0" smtClean="0"/>
+              <a:t> </a:t>
+            </a:r>
+            <a:r>
+              <a:rPr lang="zh-CN" altLang="en-US" dirty="0" smtClean="0"/>
+              <a:t>声音对象的音量？ </a:t>
+            </a:r>
+            <a:endParaRPr lang="en-US" altLang="zh-CN" dirty="0" smtClean="0"/>
+          </a:p>
+          <a:p>
+            <a:r>
+              <a:rPr lang="en-US" altLang="zh-CN" dirty="0" smtClean="0"/>
+              <a:t>4. </a:t>
+            </a:r>
+            <a:r>
+              <a:rPr lang="zh-CN" altLang="en-US" dirty="0" smtClean="0"/>
+              <a:t>如何设置背景音乐的音量？ </a:t>
+            </a:r>
+            <a:endParaRPr lang="en-US" altLang="zh-CN" smtClean="0"/>
+          </a:p>
+          <a:p>
+            <a:r>
+              <a:rPr lang="en-US" altLang="zh-CN" smtClean="0"/>
+              <a:t>5</a:t>
+            </a:r>
+            <a:r>
+              <a:rPr lang="en-US" altLang="zh-CN" dirty="0" smtClean="0"/>
+              <a:t>. </a:t>
+            </a:r>
+            <a:r>
+              <a:rPr lang="zh-CN" altLang="en-US" dirty="0" smtClean="0"/>
+              <a:t>如何让音乐淡出</a:t>
+            </a:r>
+            <a:endParaRPr lang="zh-CN" altLang="en-US" dirty="0"/>
+          </a:p>
+        </p:txBody>
+      </p:sp>
+    </p:spTree>
+  </p:cSld>
+  <p:clrMapOvr>
+    <a:masterClrMapping/>
+  </p:clrMapOvr>
+  <p:timing>
+    <p:tnLst>
+      <p:par>
+        <p:cTn id="1" dur="indefinite" restart="never" nodeType="tmRoot"/>
+      </p:par>
+    </p:tnLst>
+  </p:timing>
+</p:sld>
+</file>
+
+<file path=ppt/slides/slide181.xml><?xml version="1.0" encoding="utf-8"?>
+<p:sld xmlns:a="http://schemas.openxmlformats.org/drawingml/2006/main" xmlns:r="http://schemas.openxmlformats.org/officeDocument/2006/relationships" xmlns:p="http://schemas.openxmlformats.org/presentationml/2006/main">
+  <p:cSld>
+    <p:spTree>
+      <p:nvGrpSpPr>
+        <p:cNvPr id="1" name=""/>
+        <p:cNvGrpSpPr/>
+        <p:nvPr/>
+      </p:nvGrpSpPr>
+      <p:grpSpPr>
+        <a:xfrm>
+          <a:off x="0" y="0"/>
+          <a:ext cx="0" cy="0"/>
+          <a:chOff x="0" y="0"/>
+          <a:chExt cx="0" cy="0"/>
+        </a:xfrm>
+      </p:grpSpPr>
+      <p:sp>
+        <p:nvSpPr>
+          <p:cNvPr id="2" name="标题 1"/>
+          <p:cNvSpPr>
+            <a:spLocks noGrp="1"/>
+          </p:cNvSpPr>
+          <p:nvPr>
+            <p:ph type="title"/>
+          </p:nvPr>
+        </p:nvSpPr>
+        <p:spPr/>
+        <p:txBody>
+          <a:bodyPr/>
+          <a:lstStyle/>
+          <a:p>
+            <a:r>
+              <a:rPr lang="en-US" altLang="zh-CN" dirty="0" smtClean="0"/>
+              <a:t>16</a:t>
+            </a:r>
+            <a:endParaRPr lang="zh-CN" altLang="en-US" dirty="0"/>
+          </a:p>
+        </p:txBody>
+      </p:sp>
+      <p:sp>
+        <p:nvSpPr>
+          <p:cNvPr id="3" name="内容占位符 2"/>
+          <p:cNvSpPr>
+            <a:spLocks noGrp="1"/>
+          </p:cNvSpPr>
+          <p:nvPr>
+            <p:ph idx="1"/>
+          </p:nvPr>
+        </p:nvSpPr>
+        <p:spPr/>
+        <p:txBody>
+          <a:bodyPr/>
+          <a:lstStyle/>
+          <a:p>
+            <a:endParaRPr lang="zh-CN" altLang="en-US" dirty="0"/>
+          </a:p>
+        </p:txBody>
+      </p:sp>
+    </p:spTree>
+  </p:cSld>
+  <p:clrMapOvr>
+    <a:masterClrMapping/>
+  </p:clrMapOvr>
+</p:sld>
+</file>
+
+<file path=ppt/slides/slide182.xml><?xml version="1.0" encoding="utf-8"?>
+<p:sld xmlns:a="http://schemas.openxmlformats.org/drawingml/2006/main" xmlns:r="http://schemas.openxmlformats.org/officeDocument/2006/relationships" xmlns:p="http://schemas.openxmlformats.org/presentationml/2006/main">
+  <p:cSld>
+    <p:spTree>
+      <p:nvGrpSpPr>
+        <p:cNvPr id="1" name=""/>
+        <p:cNvGrpSpPr/>
+        <p:nvPr/>
+      </p:nvGrpSpPr>
+      <p:grpSpPr>
+        <a:xfrm>
+          <a:off x="0" y="0"/>
+          <a:ext cx="0" cy="0"/>
+          <a:chOff x="0" y="0"/>
+          <a:chExt cx="0" cy="0"/>
+        </a:xfrm>
+      </p:grpSpPr>
+      <p:sp>
+        <p:nvSpPr>
+          <p:cNvPr id="2" name="标题 1"/>
+          <p:cNvSpPr>
+            <a:spLocks noGrp="1"/>
+          </p:cNvSpPr>
+          <p:nvPr>
+            <p:ph type="title"/>
+          </p:nvPr>
+        </p:nvSpPr>
+        <p:spPr/>
+        <p:txBody>
+          <a:bodyPr>
+            <a:normAutofit/>
+          </a:bodyPr>
+          <a:lstStyle/>
+          <a:p>
+            <a:pPr algn="l"/>
+            <a:r>
+              <a:rPr lang="en-US" altLang="zh-CN" dirty="0" smtClean="0"/>
+              <a:t>20 </a:t>
+            </a:r>
+            <a:r>
+              <a:rPr lang="zh-CN" altLang="en-US" dirty="0" smtClean="0"/>
+              <a:t>文件</a:t>
+            </a:r>
+            <a:r>
+              <a:rPr lang="zh-CN" altLang="en-US" dirty="0" smtClean="0"/>
+              <a:t>输入与</a:t>
+            </a:r>
+            <a:r>
+              <a:rPr lang="zh-CN" altLang="en-US" dirty="0" smtClean="0"/>
+              <a:t>输出</a:t>
+            </a:r>
+            <a:endParaRPr lang="zh-CN" altLang="en-US" dirty="0"/>
+          </a:p>
+        </p:txBody>
+      </p:sp>
+      <p:sp>
+        <p:nvSpPr>
+          <p:cNvPr id="3" name="内容占位符 2"/>
+          <p:cNvSpPr>
+            <a:spLocks noGrp="1"/>
+          </p:cNvSpPr>
+          <p:nvPr>
+            <p:ph idx="1"/>
+          </p:nvPr>
+        </p:nvSpPr>
+        <p:spPr/>
+        <p:txBody>
+          <a:bodyPr/>
+          <a:lstStyle/>
+          <a:p>
+            <a:r>
+              <a:rPr lang="zh-CN" altLang="en-US" dirty="0" smtClean="0"/>
+              <a:t>在本章，我们将了解如何打开文件以及如何读写文件（从文件获取信息和在文 件中存储信息）。</a:t>
+            </a:r>
+            <a:endParaRPr lang="zh-CN" altLang="en-US" dirty="0"/>
+          </a:p>
+        </p:txBody>
+      </p:sp>
+    </p:spTree>
+  </p:cSld>
+  <p:clrMapOvr>
+    <a:masterClrMapping/>
+  </p:clrMapOvr>
+</p:sld>
+</file>
+
+<file path=ppt/slides/slide183.xml><?xml version="1.0" encoding="utf-8"?>
+<p:sld xmlns:a="http://schemas.openxmlformats.org/drawingml/2006/main" xmlns:r="http://schemas.openxmlformats.org/officeDocument/2006/relationships" xmlns:p="http://schemas.openxmlformats.org/presentationml/2006/main">
+  <p:cSld>
+    <p:spTree>
+      <p:nvGrpSpPr>
+        <p:cNvPr id="1" name=""/>
+        <p:cNvGrpSpPr/>
+        <p:nvPr/>
+      </p:nvGrpSpPr>
+      <p:grpSpPr>
+        <a:xfrm>
+          <a:off x="0" y="0"/>
+          <a:ext cx="0" cy="0"/>
+          <a:chOff x="0" y="0"/>
+          <a:chExt cx="0" cy="0"/>
+        </a:xfrm>
+      </p:grpSpPr>
+      <p:sp>
+        <p:nvSpPr>
+          <p:cNvPr id="2" name="标题 1"/>
+          <p:cNvSpPr>
+            <a:spLocks noGrp="1"/>
+          </p:cNvSpPr>
+          <p:nvPr>
+            <p:ph type="title"/>
+          </p:nvPr>
+        </p:nvSpPr>
+        <p:spPr/>
+        <p:txBody>
+          <a:bodyPr/>
+          <a:lstStyle/>
+          <a:p>
+            <a:pPr algn="l"/>
+            <a:r>
+              <a:rPr lang="en-US" altLang="zh-CN" dirty="0" smtClean="0"/>
+              <a:t>19.1</a:t>
+            </a:r>
+            <a:r>
+              <a:rPr lang="zh-CN" altLang="en-US" dirty="0" smtClean="0"/>
+              <a:t>　什么是文件</a:t>
+            </a:r>
+            <a:endParaRPr lang="zh-CN" altLang="en-US" dirty="0"/>
+          </a:p>
+        </p:txBody>
+      </p:sp>
+      <p:sp>
+        <p:nvSpPr>
+          <p:cNvPr id="3" name="内容占位符 2"/>
+          <p:cNvSpPr>
+            <a:spLocks noGrp="1"/>
+          </p:cNvSpPr>
+          <p:nvPr>
+            <p:ph idx="1"/>
+          </p:nvPr>
+        </p:nvSpPr>
+        <p:spPr/>
+        <p:txBody>
+          <a:bodyPr>
+            <a:normAutofit fontScale="85000" lnSpcReduction="20000"/>
+          </a:bodyPr>
+          <a:lstStyle/>
+          <a:p>
+            <a:r>
+              <a:rPr lang="zh-CN" altLang="en-US" dirty="0" smtClean="0"/>
+              <a:t>前面说过，计算机按二进制格式存储信息，二进制只使用 </a:t>
+            </a:r>
+            <a:r>
+              <a:rPr lang="en-US" altLang="zh-CN" dirty="0" smtClean="0"/>
+              <a:t>1 </a:t>
+            </a:r>
+            <a:r>
+              <a:rPr lang="zh-CN" altLang="en-US" dirty="0" smtClean="0"/>
+              <a:t>和 </a:t>
+            </a:r>
+            <a:r>
+              <a:rPr lang="en-US" altLang="zh-CN" dirty="0" smtClean="0"/>
+              <a:t>0</a:t>
+            </a:r>
+            <a:r>
+              <a:rPr lang="zh-CN" altLang="en-US" dirty="0" smtClean="0"/>
+              <a:t>。每个 </a:t>
+            </a:r>
+            <a:r>
+              <a:rPr lang="en-US" altLang="zh-CN" dirty="0" smtClean="0"/>
+              <a:t>1 </a:t>
+            </a:r>
+            <a:r>
+              <a:rPr lang="zh-CN" altLang="en-US" dirty="0" smtClean="0"/>
+              <a:t>或 </a:t>
+            </a:r>
+            <a:r>
+              <a:rPr lang="en-US" altLang="zh-CN" dirty="0" smtClean="0"/>
+              <a:t>0</a:t>
+            </a:r>
+            <a:r>
+              <a:rPr lang="zh-CN" altLang="en-US" dirty="0" smtClean="0"/>
+              <a:t>称为一位（</a:t>
+            </a:r>
+            <a:r>
+              <a:rPr lang="en-US" altLang="zh-CN" dirty="0" smtClean="0"/>
+              <a:t>bit</a:t>
+            </a:r>
+            <a:r>
+              <a:rPr lang="zh-CN" altLang="en-US" dirty="0" smtClean="0"/>
+              <a:t>），</a:t>
+            </a:r>
+            <a:r>
+              <a:rPr lang="en-US" altLang="zh-CN" dirty="0" smtClean="0"/>
+              <a:t>8 </a:t>
+            </a:r>
+            <a:r>
+              <a:rPr lang="zh-CN" altLang="en-US" dirty="0" smtClean="0"/>
+              <a:t>位一组称为一个字节（</a:t>
+            </a:r>
+            <a:r>
+              <a:rPr lang="en-US" altLang="zh-CN" dirty="0" smtClean="0"/>
+              <a:t>byte</a:t>
+            </a:r>
+            <a:r>
+              <a:rPr lang="zh-CN" altLang="en-US" dirty="0" smtClean="0"/>
+              <a:t>）。文件是有名字的字节集合，存储在硬 盘、</a:t>
+            </a:r>
+            <a:r>
+              <a:rPr lang="en-US" altLang="zh-CN" dirty="0" smtClean="0"/>
+              <a:t>CD</a:t>
+            </a:r>
+            <a:r>
+              <a:rPr lang="zh-CN" altLang="en-US" dirty="0" smtClean="0"/>
+              <a:t>、</a:t>
+            </a:r>
+            <a:r>
+              <a:rPr lang="en-US" altLang="zh-CN" dirty="0" smtClean="0"/>
+              <a:t>DVD</a:t>
+            </a:r>
+            <a:r>
+              <a:rPr lang="zh-CN" altLang="en-US" dirty="0" smtClean="0"/>
+              <a:t>、软盘、</a:t>
+            </a:r>
+            <a:r>
+              <a:rPr lang="en-US" altLang="zh-CN" dirty="0" err="1" smtClean="0"/>
+              <a:t>ﬂash</a:t>
+            </a:r>
+            <a:r>
+              <a:rPr lang="en-US" altLang="zh-CN" dirty="0" smtClean="0"/>
+              <a:t> </a:t>
+            </a:r>
+            <a:r>
+              <a:rPr lang="zh-CN" altLang="en-US" dirty="0" smtClean="0"/>
+              <a:t>盘或其他存储介质上。计算机硬盘上的所有内容都以文件的形式存储。</a:t>
+            </a:r>
+            <a:endParaRPr lang="en-US" altLang="zh-CN" dirty="0" smtClean="0"/>
+          </a:p>
+          <a:p>
+            <a:r>
+              <a:rPr lang="zh-CN" altLang="en-US" dirty="0" smtClean="0"/>
+              <a:t>文件有以下属性：</a:t>
+            </a:r>
+          </a:p>
+          <a:p>
+            <a:pPr lvl="1"/>
+            <a:r>
+              <a:rPr lang="zh-CN" altLang="en-US" dirty="0" smtClean="0"/>
+              <a:t>名字 </a:t>
+            </a:r>
+            <a:endParaRPr lang="en-US" altLang="zh-CN" dirty="0" smtClean="0"/>
+          </a:p>
+          <a:p>
+            <a:pPr lvl="1"/>
+            <a:r>
+              <a:rPr lang="zh-CN" altLang="en-US" dirty="0" smtClean="0"/>
+              <a:t>类型，表明文件中包含什么类型的数据（图片、音乐、文本）</a:t>
+            </a:r>
+            <a:endParaRPr lang="en-US" altLang="zh-CN" dirty="0" smtClean="0"/>
+          </a:p>
+          <a:p>
+            <a:pPr lvl="1"/>
+            <a:r>
+              <a:rPr lang="zh-CN" altLang="en-US" dirty="0" smtClean="0"/>
+              <a:t> 位置（文件存储在哪里）</a:t>
+            </a:r>
+            <a:endParaRPr lang="en-US" altLang="zh-CN" dirty="0" smtClean="0"/>
+          </a:p>
+          <a:p>
+            <a:pPr lvl="1"/>
+            <a:r>
+              <a:rPr lang="zh-CN" altLang="en-US" dirty="0" smtClean="0"/>
+              <a:t> 大小（文件中有多少字节</a:t>
+            </a:r>
+            <a:r>
+              <a:rPr lang="zh-CN" altLang="en-US" dirty="0" smtClean="0"/>
+              <a:t>）</a:t>
+            </a:r>
+            <a:endParaRPr lang="zh-CN" altLang="en-US" dirty="0" smtClean="0"/>
+          </a:p>
+        </p:txBody>
+      </p:sp>
+    </p:spTree>
+  </p:cSld>
+  <p:clrMapOvr>
+    <a:masterClrMapping/>
+  </p:clrMapOvr>
+</p:sld>
+</file>
+
+<file path=ppt/slides/slide184.xml><?xml version="1.0" encoding="utf-8"?>
+<p:sld xmlns:a="http://schemas.openxmlformats.org/drawingml/2006/main" xmlns:r="http://schemas.openxmlformats.org/officeDocument/2006/relationships" xmlns:p="http://schemas.openxmlformats.org/presentationml/2006/main">
+  <p:cSld>
+    <p:spTree>
+      <p:nvGrpSpPr>
+        <p:cNvPr id="1" name=""/>
+        <p:cNvGrpSpPr/>
+        <p:nvPr/>
+      </p:nvGrpSpPr>
+      <p:grpSpPr>
+        <a:xfrm>
+          <a:off x="0" y="0"/>
+          <a:ext cx="0" cy="0"/>
+          <a:chOff x="0" y="0"/>
+          <a:chExt cx="0" cy="0"/>
+        </a:xfrm>
+      </p:grpSpPr>
+      <p:sp>
+        <p:nvSpPr>
+          <p:cNvPr id="2" name="标题 1"/>
+          <p:cNvSpPr>
+            <a:spLocks noGrp="1"/>
+          </p:cNvSpPr>
+          <p:nvPr>
+            <p:ph type="title"/>
+          </p:nvPr>
+        </p:nvSpPr>
+        <p:spPr/>
+        <p:txBody>
+          <a:bodyPr>
+            <a:normAutofit/>
+          </a:bodyPr>
+          <a:lstStyle/>
+          <a:p>
+            <a:pPr algn="l"/>
+            <a:r>
+              <a:rPr lang="en-US" altLang="zh-CN" dirty="0" smtClean="0"/>
+              <a:t>19.2</a:t>
+            </a:r>
+            <a:r>
+              <a:rPr lang="zh-CN" altLang="en-US" dirty="0" smtClean="0"/>
+              <a:t>　</a:t>
+            </a:r>
+            <a:r>
+              <a:rPr lang="zh-CN" altLang="en-US" dirty="0" smtClean="0"/>
+              <a:t>文件名</a:t>
+            </a:r>
+            <a:endParaRPr lang="zh-CN" altLang="en-US" dirty="0"/>
+          </a:p>
+        </p:txBody>
+      </p:sp>
+      <p:sp>
+        <p:nvSpPr>
+          <p:cNvPr id="3" name="内容占位符 2"/>
+          <p:cNvSpPr>
+            <a:spLocks noGrp="1"/>
+          </p:cNvSpPr>
+          <p:nvPr>
+            <p:ph idx="1"/>
+          </p:nvPr>
+        </p:nvSpPr>
+        <p:spPr/>
+        <p:txBody>
+          <a:bodyPr>
+            <a:normAutofit lnSpcReduction="10000"/>
+          </a:bodyPr>
+          <a:lstStyle/>
+          <a:p>
+            <a:r>
+              <a:rPr lang="zh-CN" altLang="en-US" dirty="0" smtClean="0"/>
+              <a:t>大多数操作系统中（包括 </a:t>
+            </a:r>
+            <a:r>
+              <a:rPr lang="en-US" altLang="zh-CN" dirty="0" smtClean="0"/>
+              <a:t>Windows</a:t>
+            </a:r>
+            <a:r>
+              <a:rPr lang="zh-CN" altLang="en-US" dirty="0" smtClean="0"/>
+              <a:t>），文件名中有一部分用来指示文件中包含什 么类型的数据。文件名中通常至少有一个点（</a:t>
+            </a:r>
+            <a:r>
+              <a:rPr lang="en-US" altLang="zh-CN" dirty="0" smtClean="0"/>
+              <a:t>.</a:t>
+            </a:r>
+            <a:r>
+              <a:rPr lang="zh-CN" altLang="en-US" dirty="0" smtClean="0"/>
+              <a:t>），点后面的部分指出了文件的类型。 这一部分称为扩展名（</a:t>
+            </a:r>
+            <a:r>
+              <a:rPr lang="en-US" altLang="zh-CN" dirty="0" smtClean="0"/>
+              <a:t>extension</a:t>
+            </a:r>
+            <a:r>
+              <a:rPr lang="zh-CN" altLang="en-US" dirty="0" smtClean="0"/>
+              <a:t>）例如：</a:t>
+            </a:r>
+            <a:endParaRPr lang="en-US" altLang="zh-CN" dirty="0" smtClean="0"/>
+          </a:p>
+          <a:p>
+            <a:pPr lvl="1"/>
+            <a:r>
+              <a:rPr lang="en-US" altLang="zh-CN" dirty="0" smtClean="0"/>
+              <a:t>my_letter.txt </a:t>
+            </a:r>
+            <a:r>
+              <a:rPr lang="zh-CN" altLang="en-US" dirty="0" smtClean="0"/>
+              <a:t>中的扩展名是 </a:t>
+            </a:r>
+            <a:r>
+              <a:rPr lang="en-US" altLang="zh-CN" dirty="0" smtClean="0"/>
+              <a:t>.</a:t>
+            </a:r>
+            <a:r>
+              <a:rPr lang="en-US" altLang="zh-CN" dirty="0" smtClean="0"/>
+              <a:t>txt</a:t>
+            </a:r>
+          </a:p>
+          <a:p>
+            <a:pPr lvl="1"/>
+            <a:r>
+              <a:rPr lang="en-US" altLang="zh-CN" dirty="0" smtClean="0"/>
+              <a:t>my_song.mp3 </a:t>
+            </a:r>
+            <a:r>
+              <a:rPr lang="zh-CN" altLang="en-US" dirty="0" smtClean="0"/>
+              <a:t>中，扩展名是 </a:t>
+            </a:r>
+            <a:r>
+              <a:rPr lang="en-US" altLang="zh-CN" dirty="0" smtClean="0"/>
+              <a:t>.</a:t>
+            </a:r>
+            <a:r>
+              <a:rPr lang="en-US" altLang="zh-CN" dirty="0" smtClean="0"/>
+              <a:t>mp3</a:t>
+            </a:r>
+          </a:p>
+          <a:p>
+            <a:pPr lvl="1"/>
+            <a:r>
+              <a:rPr lang="en-US" altLang="zh-CN" dirty="0" smtClean="0"/>
+              <a:t> my_program.exe </a:t>
+            </a:r>
+            <a:r>
+              <a:rPr lang="zh-CN" altLang="en-US" dirty="0" smtClean="0"/>
+              <a:t>中，扩展名是 </a:t>
+            </a:r>
+            <a:r>
+              <a:rPr lang="en-US" altLang="zh-CN" dirty="0" smtClean="0"/>
+              <a:t>.</a:t>
+            </a:r>
+            <a:r>
+              <a:rPr lang="en-US" altLang="zh-CN" dirty="0" smtClean="0"/>
+              <a:t>exe</a:t>
+            </a:r>
+          </a:p>
+          <a:p>
+            <a:pPr lvl="1"/>
+            <a:r>
+              <a:rPr lang="zh-CN" altLang="en-US" dirty="0" smtClean="0"/>
+              <a:t>在 </a:t>
+            </a:r>
+            <a:r>
+              <a:rPr lang="en-US" altLang="zh-CN" dirty="0" smtClean="0"/>
+              <a:t>my_cool_game.py </a:t>
+            </a:r>
+            <a:r>
+              <a:rPr lang="zh-CN" altLang="en-US" dirty="0" smtClean="0"/>
+              <a:t>中，扩展名是 </a:t>
+            </a:r>
+            <a:r>
+              <a:rPr lang="en-US" altLang="zh-CN" dirty="0" smtClean="0"/>
+              <a:t>.</a:t>
+            </a:r>
+            <a:r>
+              <a:rPr lang="en-US" altLang="zh-CN" dirty="0" err="1" smtClean="0"/>
+              <a:t>py</a:t>
+            </a:r>
+            <a:endParaRPr lang="zh-CN" altLang="en-US" dirty="0"/>
+          </a:p>
+        </p:txBody>
+      </p:sp>
+    </p:spTree>
+  </p:cSld>
+  <p:clrMapOvr>
+    <a:masterClrMapping/>
+  </p:clrMapOvr>
+</p:sld>
+</file>
+
+<file path=ppt/slides/slide185.xml><?xml version="1.0" encoding="utf-8"?>
+<p:sld xmlns:a="http://schemas.openxmlformats.org/drawingml/2006/main" xmlns:r="http://schemas.openxmlformats.org/officeDocument/2006/relationships" xmlns:p="http://schemas.openxmlformats.org/presentationml/2006/main">
+  <p:cSld>
+    <p:spTree>
+      <p:nvGrpSpPr>
+        <p:cNvPr id="1" name=""/>
+        <p:cNvGrpSpPr/>
+        <p:nvPr/>
+      </p:nvGrpSpPr>
+      <p:grpSpPr>
+        <a:xfrm>
+          <a:off x="0" y="0"/>
+          <a:ext cx="0" cy="0"/>
+          <a:chOff x="0" y="0"/>
+          <a:chExt cx="0" cy="0"/>
+        </a:xfrm>
+      </p:grpSpPr>
+      <p:sp>
+        <p:nvSpPr>
+          <p:cNvPr id="2" name="标题 1"/>
+          <p:cNvSpPr>
+            <a:spLocks noGrp="1"/>
+          </p:cNvSpPr>
+          <p:nvPr>
+            <p:ph type="title"/>
+          </p:nvPr>
+        </p:nvSpPr>
+        <p:spPr/>
+        <p:txBody>
+          <a:bodyPr/>
+          <a:lstStyle/>
+          <a:p>
+            <a:pPr algn="l"/>
+            <a:r>
+              <a:rPr lang="en-US" altLang="zh-CN" dirty="0" smtClean="0"/>
+              <a:t>19.</a:t>
+            </a:r>
+            <a:r>
+              <a:rPr lang="zh-CN" altLang="en-US" dirty="0" smtClean="0"/>
+              <a:t> </a:t>
+            </a:r>
+            <a:r>
+              <a:rPr lang="en-US" altLang="zh-CN" dirty="0" smtClean="0"/>
+              <a:t>3</a:t>
+            </a:r>
+            <a:r>
+              <a:rPr lang="zh-CN" altLang="en-US" dirty="0" smtClean="0"/>
+              <a:t>　文件位置</a:t>
+            </a:r>
+            <a:endParaRPr lang="zh-CN" altLang="en-US" dirty="0"/>
+          </a:p>
+        </p:txBody>
+      </p:sp>
+      <p:sp>
+        <p:nvSpPr>
+          <p:cNvPr id="3" name="内容占位符 2"/>
+          <p:cNvSpPr>
+            <a:spLocks noGrp="1"/>
+          </p:cNvSpPr>
+          <p:nvPr>
+            <p:ph idx="1"/>
+          </p:nvPr>
+        </p:nvSpPr>
+        <p:spPr/>
+        <p:txBody>
+          <a:bodyPr>
+            <a:normAutofit fontScale="92500" lnSpcReduction="20000"/>
+          </a:bodyPr>
+          <a:lstStyle/>
+          <a:p>
+            <a:r>
+              <a:rPr lang="zh-CN" altLang="en-US" dirty="0" smtClean="0"/>
+              <a:t>每个文件都要存储在某个地方</a:t>
+            </a:r>
+            <a:r>
+              <a:rPr lang="zh-CN" altLang="en-US" dirty="0" smtClean="0"/>
+              <a:t>，所以除了</a:t>
+            </a:r>
+            <a:r>
+              <a:rPr lang="zh-CN" altLang="en-US" dirty="0" smtClean="0"/>
+              <a:t>文件名外，每个文件还有自己的位置。硬盘和其他存储介质都组织为文件夹 或目录。文件夹（</a:t>
+            </a:r>
+            <a:r>
+              <a:rPr lang="en-US" altLang="zh-CN" dirty="0" smtClean="0"/>
+              <a:t>folder</a:t>
+            </a:r>
+            <a:r>
+              <a:rPr lang="zh-CN" altLang="en-US" dirty="0" smtClean="0"/>
+              <a:t>）和目录（</a:t>
+            </a:r>
+            <a:r>
+              <a:rPr lang="en-US" altLang="zh-CN" dirty="0" err="1" smtClean="0"/>
+              <a:t>directorie</a:t>
+            </a:r>
+            <a:r>
+              <a:rPr lang="zh-CN" altLang="en-US" dirty="0" smtClean="0"/>
+              <a:t>）表示的是同一样</a:t>
+            </a:r>
+            <a:r>
+              <a:rPr lang="zh-CN" altLang="en-US" dirty="0" smtClean="0"/>
+              <a:t>东西</a:t>
+            </a:r>
+            <a:endParaRPr lang="en-US" altLang="zh-CN" dirty="0" smtClean="0"/>
+          </a:p>
+          <a:p>
+            <a:r>
+              <a:rPr lang="zh-CN" altLang="en-US" dirty="0" smtClean="0"/>
+              <a:t>不过，从程序访问文件时，这种树型想法就不适用了。 你的程序不能点击文件夹，不能通过浏览整棵树来查找 某个文件，它需要一种更直接的方法来查找</a:t>
+            </a:r>
+            <a:r>
+              <a:rPr lang="zh-CN" altLang="en-US" dirty="0" smtClean="0"/>
+              <a:t>文件：</a:t>
+            </a:r>
+            <a:endParaRPr lang="en-US" altLang="zh-CN" dirty="0" smtClean="0"/>
+          </a:p>
+          <a:p>
+            <a:pPr lvl="1"/>
+            <a:r>
+              <a:rPr lang="en-US" altLang="zh-CN" dirty="0" err="1" smtClean="0"/>
+              <a:t>image_file</a:t>
+            </a:r>
+            <a:r>
+              <a:rPr lang="en-US" altLang="zh-CN" dirty="0" smtClean="0"/>
+              <a:t> = "c:/program </a:t>
+            </a:r>
+            <a:r>
+              <a:rPr lang="en-US" altLang="zh-CN" dirty="0" smtClean="0"/>
+              <a:t>files/beachball.png</a:t>
+            </a:r>
+          </a:p>
+          <a:p>
+            <a:r>
+              <a:rPr lang="zh-CN" altLang="en-US" dirty="0" smtClean="0"/>
+              <a:t>看看你在哪</a:t>
+            </a:r>
+            <a:endParaRPr lang="en-US" altLang="zh-CN" dirty="0" smtClean="0"/>
+          </a:p>
+        </p:txBody>
+      </p:sp>
+    </p:spTree>
+  </p:cSld>
+  <p:clrMapOvr>
+    <a:masterClrMapping/>
+  </p:clrMapOvr>
+</p:sld>
+</file>
+
+<file path=ppt/slides/slide186.xml><?xml version="1.0" encoding="utf-8"?>
+<p:sld xmlns:a="http://schemas.openxmlformats.org/drawingml/2006/main" xmlns:r="http://schemas.openxmlformats.org/officeDocument/2006/relationships" xmlns:p="http://schemas.openxmlformats.org/presentationml/2006/main">
+  <p:cSld>
+    <p:spTree>
+      <p:nvGrpSpPr>
+        <p:cNvPr id="1" name=""/>
+        <p:cNvGrpSpPr/>
+        <p:nvPr/>
+      </p:nvGrpSpPr>
+      <p:grpSpPr>
+        <a:xfrm>
+          <a:off x="0" y="0"/>
+          <a:ext cx="0" cy="0"/>
+          <a:chOff x="0" y="0"/>
+          <a:chExt cx="0" cy="0"/>
+        </a:xfrm>
+      </p:grpSpPr>
+      <p:sp>
+        <p:nvSpPr>
+          <p:cNvPr id="2" name="标题 1"/>
+          <p:cNvSpPr>
+            <a:spLocks noGrp="1"/>
+          </p:cNvSpPr>
+          <p:nvPr>
+            <p:ph type="title"/>
+          </p:nvPr>
+        </p:nvSpPr>
+        <p:spPr/>
+        <p:txBody>
+          <a:bodyPr/>
+          <a:lstStyle/>
+          <a:p>
+            <a:pPr algn="l"/>
+            <a:r>
+              <a:rPr lang="en-US" altLang="zh-CN" dirty="0" smtClean="0"/>
+              <a:t>19.4 </a:t>
+            </a:r>
+            <a:r>
+              <a:rPr lang="zh-CN" altLang="en-US" dirty="0" smtClean="0"/>
+              <a:t>打开文件</a:t>
+            </a:r>
+            <a:endParaRPr lang="zh-CN" altLang="en-US" dirty="0"/>
+          </a:p>
+        </p:txBody>
+      </p:sp>
+      <p:sp>
+        <p:nvSpPr>
+          <p:cNvPr id="3" name="内容占位符 2"/>
+          <p:cNvSpPr>
+            <a:spLocks noGrp="1"/>
+          </p:cNvSpPr>
+          <p:nvPr>
+            <p:ph idx="1"/>
+          </p:nvPr>
+        </p:nvSpPr>
+        <p:spPr>
+          <a:xfrm>
+            <a:off x="457200" y="1124744"/>
+            <a:ext cx="8229600" cy="3629000"/>
+          </a:xfrm>
+        </p:spPr>
+        <p:txBody>
+          <a:bodyPr>
+            <a:normAutofit fontScale="92500" lnSpcReduction="20000"/>
+          </a:bodyPr>
+          <a:lstStyle/>
+          <a:p>
+            <a:r>
+              <a:rPr lang="zh-CN" altLang="en-US" dirty="0" smtClean="0"/>
+              <a:t>打开文件之前，需要知道你要对文件做些什么：</a:t>
+            </a:r>
+          </a:p>
+          <a:p>
+            <a:pPr lvl="1"/>
+            <a:r>
+              <a:rPr lang="zh-CN" altLang="en-US" dirty="0" smtClean="0"/>
+              <a:t>如果你要使用这个文件作为输入（只查看文件中有什么，而不做任何改变）， 就是要打开文件完成读； </a:t>
+            </a:r>
+            <a:endParaRPr lang="en-US" altLang="zh-CN" dirty="0" smtClean="0"/>
+          </a:p>
+          <a:p>
+            <a:pPr lvl="1"/>
+            <a:r>
+              <a:rPr lang="zh-CN" altLang="en-US" dirty="0" smtClean="0"/>
+              <a:t>如果</a:t>
+            </a:r>
+            <a:r>
+              <a:rPr lang="zh-CN" altLang="en-US" dirty="0" smtClean="0"/>
+              <a:t>要创建一个全新的文件或者用某个全新的文件替换现有的文件，就是要 打开文件完成写； </a:t>
+            </a:r>
+            <a:endParaRPr lang="en-US" altLang="zh-CN" dirty="0" smtClean="0"/>
+          </a:p>
+          <a:p>
+            <a:pPr lvl="1"/>
+            <a:r>
+              <a:rPr lang="zh-CN" altLang="en-US" dirty="0" smtClean="0"/>
+              <a:t>如果</a:t>
+            </a:r>
+            <a:r>
+              <a:rPr lang="zh-CN" altLang="en-US" dirty="0" smtClean="0"/>
+              <a:t>要为一个现有文件增加内容，就是要打开文件完成追加</a:t>
+            </a:r>
+            <a:r>
+              <a:rPr lang="zh-CN" altLang="en-US" dirty="0" smtClean="0"/>
+              <a:t>。</a:t>
+            </a:r>
+            <a:endParaRPr lang="en-US" altLang="zh-CN" dirty="0" smtClean="0"/>
+          </a:p>
+          <a:p>
+            <a:r>
+              <a:rPr lang="zh-CN" altLang="en-US" dirty="0" smtClean="0"/>
+              <a:t>一定要了解文件对象和文件名</a:t>
+            </a:r>
+            <a:r>
+              <a:rPr lang="zh-CN" altLang="en-US" dirty="0" smtClean="0"/>
+              <a:t>之区别</a:t>
+            </a:r>
+            <a:endParaRPr lang="zh-CN" altLang="en-US" dirty="0"/>
+          </a:p>
+        </p:txBody>
+      </p:sp>
+      <p:pic>
+        <p:nvPicPr>
+          <p:cNvPr id="6" name="Picture 2"/>
+          <p:cNvPicPr>
+            <a:picLocks noChangeAspect="1" noChangeArrowheads="1"/>
+          </p:cNvPicPr>
+          <p:nvPr/>
+        </p:nvPicPr>
+        <p:blipFill>
+          <a:blip r:embed="rId2" cstate="print"/>
+          <a:srcRect/>
+          <a:stretch>
+            <a:fillRect/>
+          </a:stretch>
+        </p:blipFill>
+        <p:spPr bwMode="auto">
+          <a:xfrm>
+            <a:off x="1763688" y="4509120"/>
+            <a:ext cx="4142857" cy="876191"/>
+          </a:xfrm>
+          <a:prstGeom prst="rect">
+            <a:avLst/>
+          </a:prstGeom>
+          <a:noFill/>
+          <a:ln w="9525">
+            <a:noFill/>
+            <a:miter lim="800000"/>
+            <a:headEnd/>
+            <a:tailEnd/>
+          </a:ln>
+        </p:spPr>
+      </p:pic>
+    </p:spTree>
+  </p:cSld>
+  <p:clrMapOvr>
+    <a:masterClrMapping/>
+  </p:clrMapOvr>
+</p:sld>
+</file>
+
+<file path=ppt/slides/slide187.xml><?xml version="1.0" encoding="utf-8"?>
+<p:sld xmlns:a="http://schemas.openxmlformats.org/drawingml/2006/main" xmlns:r="http://schemas.openxmlformats.org/officeDocument/2006/relationships" xmlns:p="http://schemas.openxmlformats.org/presentationml/2006/main">
+  <p:cSld>
+    <p:spTree>
+      <p:nvGrpSpPr>
+        <p:cNvPr id="1" name=""/>
+        <p:cNvGrpSpPr/>
+        <p:nvPr/>
+      </p:nvGrpSpPr>
+      <p:grpSpPr>
+        <a:xfrm>
+          <a:off x="0" y="0"/>
+          <a:ext cx="0" cy="0"/>
+          <a:chOff x="0" y="0"/>
+          <a:chExt cx="0" cy="0"/>
+        </a:xfrm>
+      </p:grpSpPr>
+      <p:sp>
+        <p:nvSpPr>
+          <p:cNvPr id="2" name="标题 1"/>
+          <p:cNvSpPr>
+            <a:spLocks noGrp="1"/>
+          </p:cNvSpPr>
+          <p:nvPr>
+            <p:ph type="title"/>
+          </p:nvPr>
+        </p:nvSpPr>
+        <p:spPr/>
+        <p:txBody>
+          <a:bodyPr/>
+          <a:lstStyle/>
+          <a:p>
+            <a:pPr algn="l"/>
+            <a:r>
+              <a:rPr lang="en-US" altLang="zh-CN" dirty="0" smtClean="0"/>
+              <a:t>19.5 </a:t>
+            </a:r>
+            <a:r>
+              <a:rPr lang="zh-CN" altLang="en-US" dirty="0" smtClean="0"/>
+              <a:t>读文件</a:t>
+            </a:r>
+            <a:endParaRPr lang="zh-CN" altLang="en-US" dirty="0"/>
+          </a:p>
+        </p:txBody>
+      </p:sp>
+      <p:sp>
+        <p:nvSpPr>
+          <p:cNvPr id="3" name="内容占位符 2"/>
+          <p:cNvSpPr>
+            <a:spLocks noGrp="1"/>
+          </p:cNvSpPr>
+          <p:nvPr>
+            <p:ph idx="1"/>
+          </p:nvPr>
+        </p:nvSpPr>
+        <p:spPr/>
+        <p:txBody>
+          <a:bodyPr/>
+          <a:lstStyle/>
+          <a:p>
+            <a:r>
+              <a:rPr lang="zh-CN" altLang="en-US" dirty="0" smtClean="0"/>
+              <a:t>上一节提到，可以使用 </a:t>
+            </a:r>
+            <a:r>
+              <a:rPr lang="en-US" altLang="zh-CN" dirty="0" smtClean="0"/>
+              <a:t>open()</a:t>
+            </a:r>
+            <a:r>
+              <a:rPr lang="zh-CN" altLang="en-US" dirty="0" smtClean="0"/>
+              <a:t>函数打开文件并创建文件对象。这是 </a:t>
+            </a:r>
+            <a:r>
+              <a:rPr lang="en-US" altLang="zh-CN" dirty="0" smtClean="0"/>
+              <a:t>Python </a:t>
+            </a:r>
+            <a:r>
+              <a:rPr lang="zh-CN" altLang="en-US" dirty="0" smtClean="0"/>
+              <a:t>的 内置功能之一。要打开文件来完成读，需要使用 </a:t>
+            </a:r>
+            <a:r>
+              <a:rPr lang="en-US" altLang="zh-CN" dirty="0" smtClean="0"/>
+              <a:t>'r'</a:t>
+            </a:r>
+            <a:r>
+              <a:rPr lang="zh-CN" altLang="en-US" dirty="0" smtClean="0"/>
+              <a:t>作为第二个参数</a:t>
+            </a:r>
+            <a:r>
+              <a:rPr lang="zh-CN" altLang="en-US" dirty="0" smtClean="0"/>
+              <a:t>，</a:t>
+            </a:r>
+            <a:endParaRPr lang="en-US" altLang="zh-CN" dirty="0" smtClean="0"/>
+          </a:p>
+          <a:p>
+            <a:pPr lvl="1"/>
+            <a:r>
+              <a:rPr lang="en-US" altLang="zh-CN" dirty="0" smtClean="0"/>
+              <a:t>lines = </a:t>
+            </a:r>
+            <a:r>
+              <a:rPr lang="en-US" altLang="zh-CN" dirty="0" err="1" smtClean="0"/>
+              <a:t>my_file.readlines</a:t>
+            </a:r>
+            <a:r>
+              <a:rPr lang="en-US" altLang="zh-CN" dirty="0" smtClean="0"/>
+              <a:t>()</a:t>
+            </a:r>
+          </a:p>
+        </p:txBody>
+      </p:sp>
+    </p:spTree>
+  </p:cSld>
+  <p:clrMapOvr>
+    <a:masterClrMapping/>
+  </p:clrMapOvr>
+</p:sld>
+</file>
+
+<file path=ppt/slides/slide188.xml><?xml version="1.0" encoding="utf-8"?>
+<p:sld xmlns:a="http://schemas.openxmlformats.org/drawingml/2006/main" xmlns:r="http://schemas.openxmlformats.org/officeDocument/2006/relationships" xmlns:p="http://schemas.openxmlformats.org/presentationml/2006/main">
+  <p:cSld>
+    <p:spTree>
+      <p:nvGrpSpPr>
+        <p:cNvPr id="1" name=""/>
+        <p:cNvGrpSpPr/>
+        <p:nvPr/>
+      </p:nvGrpSpPr>
+      <p:grpSpPr>
+        <a:xfrm>
+          <a:off x="0" y="0"/>
+          <a:ext cx="0" cy="0"/>
+          <a:chOff x="0" y="0"/>
+          <a:chExt cx="0" cy="0"/>
+        </a:xfrm>
+      </p:grpSpPr>
+      <p:sp>
+        <p:nvSpPr>
+          <p:cNvPr id="2" name="标题 1"/>
+          <p:cNvSpPr>
+            <a:spLocks noGrp="1"/>
+          </p:cNvSpPr>
+          <p:nvPr>
+            <p:ph type="title"/>
+          </p:nvPr>
+        </p:nvSpPr>
+        <p:spPr/>
+        <p:txBody>
+          <a:bodyPr>
+            <a:normAutofit/>
+          </a:bodyPr>
+          <a:lstStyle/>
+          <a:p>
+            <a:pPr algn="l"/>
+            <a:r>
+              <a:rPr lang="en-US" altLang="zh-CN" dirty="0" smtClean="0"/>
+              <a:t>19.6 </a:t>
+            </a:r>
+            <a:r>
+              <a:rPr lang="zh-CN" altLang="en-US" dirty="0" smtClean="0"/>
+              <a:t>文本文件</a:t>
+            </a:r>
+            <a:r>
+              <a:rPr lang="zh-CN" altLang="en-US" dirty="0" smtClean="0"/>
+              <a:t>和二进制</a:t>
+            </a:r>
+            <a:r>
+              <a:rPr lang="zh-CN" altLang="en-US" dirty="0" smtClean="0"/>
+              <a:t>文件</a:t>
+            </a:r>
+            <a:endParaRPr lang="zh-CN" altLang="en-US" dirty="0"/>
+          </a:p>
+        </p:txBody>
+      </p:sp>
+      <p:sp>
+        <p:nvSpPr>
+          <p:cNvPr id="3" name="内容占位符 2"/>
+          <p:cNvSpPr>
+            <a:spLocks noGrp="1"/>
+          </p:cNvSpPr>
+          <p:nvPr>
+            <p:ph idx="1"/>
+          </p:nvPr>
+        </p:nvSpPr>
+        <p:spPr/>
+        <p:txBody>
+          <a:bodyPr/>
+          <a:lstStyle/>
+          <a:p>
+            <a:r>
+              <a:rPr lang="zh-CN" altLang="en-US" dirty="0" smtClean="0"/>
+              <a:t>到目前为止，打开文件和读取文本行的所有例子都有一个假设，认为文件中实 际上都包含有文本。要记住，文件能够存储任何内容，文本只是其中的一种。程序 员把所有其他类型的文件都统称为二进制文件（</a:t>
+            </a:r>
+            <a:r>
+              <a:rPr lang="en-US" altLang="zh-CN" dirty="0" smtClean="0"/>
+              <a:t>binary file)</a:t>
+            </a:r>
+          </a:p>
+          <a:p>
+            <a:r>
+              <a:rPr lang="en-US" altLang="zh-CN" dirty="0" err="1" smtClean="0"/>
+              <a:t>my_music_file</a:t>
+            </a:r>
+            <a:r>
+              <a:rPr lang="en-US" altLang="zh-CN" dirty="0" smtClean="0"/>
+              <a:t> = open</a:t>
+            </a:r>
+            <a:r>
+              <a:rPr lang="en-US" altLang="zh-CN" dirty="0" smtClean="0"/>
+              <a:t>(‘bg_music.mp3’, ‘</a:t>
+            </a:r>
+            <a:r>
+              <a:rPr lang="en-US" altLang="zh-CN" dirty="0" err="1" smtClean="0"/>
+              <a:t>rb</a:t>
+            </a:r>
+            <a:r>
+              <a:rPr lang="en-US" altLang="zh-CN" dirty="0" smtClean="0"/>
+              <a:t>’)</a:t>
+            </a:r>
+            <a:endParaRPr lang="zh-CN" altLang="en-US" dirty="0"/>
+          </a:p>
+        </p:txBody>
+      </p:sp>
+    </p:spTree>
+  </p:cSld>
+  <p:clrMapOvr>
+    <a:masterClrMapping/>
+  </p:clrMapOvr>
+</p:sld>
+</file>
+
+<file path=ppt/slides/slide189.xml><?xml version="1.0" encoding="utf-8"?>
+<p:sld xmlns:a="http://schemas.openxmlformats.org/drawingml/2006/main" xmlns:r="http://schemas.openxmlformats.org/officeDocument/2006/relationships" xmlns:p="http://schemas.openxmlformats.org/presentationml/2006/main">
+  <p:cSld>
+    <p:spTree>
+      <p:nvGrpSpPr>
+        <p:cNvPr id="1" name=""/>
+        <p:cNvGrpSpPr/>
+        <p:nvPr/>
+      </p:nvGrpSpPr>
+      <p:grpSpPr>
+        <a:xfrm>
+          <a:off x="0" y="0"/>
+          <a:ext cx="0" cy="0"/>
+          <a:chOff x="0" y="0"/>
+          <a:chExt cx="0" cy="0"/>
+        </a:xfrm>
+      </p:grpSpPr>
+      <p:sp>
+        <p:nvSpPr>
+          <p:cNvPr id="2" name="标题 1"/>
+          <p:cNvSpPr>
+            <a:spLocks noGrp="1"/>
+          </p:cNvSpPr>
+          <p:nvPr>
+            <p:ph type="title"/>
+          </p:nvPr>
+        </p:nvSpPr>
+        <p:spPr/>
+        <p:txBody>
+          <a:bodyPr>
+            <a:normAutofit/>
+          </a:bodyPr>
+          <a:lstStyle/>
+          <a:p>
+            <a:pPr algn="l"/>
+            <a:r>
+              <a:rPr lang="en-US" altLang="zh-CN" dirty="0" smtClean="0"/>
+              <a:t>19.7</a:t>
+            </a:r>
+            <a:r>
+              <a:rPr lang="zh-CN" altLang="en-US" dirty="0" smtClean="0"/>
+              <a:t> </a:t>
+            </a:r>
+            <a:r>
+              <a:rPr lang="zh-CN" altLang="en-US" dirty="0" smtClean="0"/>
+              <a:t>写</a:t>
+            </a:r>
+            <a:r>
+              <a:rPr lang="zh-CN" altLang="en-US" dirty="0" smtClean="0"/>
+              <a:t>文件</a:t>
+            </a:r>
+            <a:endParaRPr lang="zh-CN" altLang="en-US" dirty="0"/>
+          </a:p>
+        </p:txBody>
+      </p:sp>
+      <p:sp>
+        <p:nvSpPr>
+          <p:cNvPr id="3" name="内容占位符 2"/>
+          <p:cNvSpPr>
+            <a:spLocks noGrp="1"/>
+          </p:cNvSpPr>
+          <p:nvPr>
+            <p:ph idx="1"/>
+          </p:nvPr>
+        </p:nvSpPr>
+        <p:spPr/>
+        <p:txBody>
+          <a:bodyPr>
+            <a:normAutofit fontScale="92500" lnSpcReduction="10000"/>
+          </a:bodyPr>
+          <a:lstStyle/>
+          <a:p>
+            <a:r>
+              <a:rPr lang="zh-CN" altLang="en-US" dirty="0" smtClean="0"/>
+              <a:t>比较好的做法是把信息保存在硬盘上，这样一来，即使程序不再运行（即计算 机已经关机），你的数据仍然能保留下来，供以后使用。其实你早已经这么做了。每 次保存学校作业、图片、歌曲或者 </a:t>
+            </a:r>
+            <a:r>
+              <a:rPr lang="en-US" altLang="zh-CN" dirty="0" smtClean="0"/>
+              <a:t>Python </a:t>
+            </a:r>
+            <a:r>
+              <a:rPr lang="zh-CN" altLang="en-US" dirty="0" smtClean="0"/>
+              <a:t>程序时，实际上都是将它们存储到硬盘</a:t>
+            </a:r>
+            <a:r>
+              <a:rPr lang="zh-CN" altLang="en-US" dirty="0" smtClean="0"/>
+              <a:t>上</a:t>
+            </a:r>
+            <a:endParaRPr lang="en-US" altLang="zh-CN" dirty="0" smtClean="0"/>
+          </a:p>
+          <a:p>
+            <a:r>
+              <a:rPr lang="zh-CN" altLang="en-US" dirty="0" smtClean="0"/>
+              <a:t>前面已经提到，在文件中添加内容有两种方法。</a:t>
+            </a:r>
+          </a:p>
+          <a:p>
+            <a:pPr lvl="1"/>
+            <a:r>
+              <a:rPr lang="zh-CN" altLang="en-US" dirty="0" smtClean="0"/>
+              <a:t>写 </a:t>
+            </a:r>
+            <a:r>
+              <a:rPr lang="en-US" altLang="zh-CN" dirty="0" smtClean="0"/>
+              <a:t>—</a:t>
+            </a:r>
+            <a:r>
+              <a:rPr lang="zh-CN" altLang="en-US" dirty="0" smtClean="0"/>
+              <a:t>这表示开始新文件</a:t>
+            </a:r>
+            <a:r>
+              <a:rPr lang="zh-CN" altLang="en-US" dirty="0" smtClean="0"/>
+              <a:t>，或者</a:t>
+            </a:r>
+            <a:r>
+              <a:rPr lang="zh-CN" altLang="en-US" dirty="0" smtClean="0"/>
+              <a:t>覆盖现有的文件。 </a:t>
+            </a:r>
+            <a:endParaRPr lang="en-US" altLang="zh-CN" dirty="0" smtClean="0"/>
+          </a:p>
+          <a:p>
+            <a:pPr lvl="1"/>
+            <a:r>
+              <a:rPr lang="zh-CN" altLang="en-US" dirty="0" smtClean="0"/>
+              <a:t>追加</a:t>
+            </a:r>
+            <a:r>
+              <a:rPr lang="zh-CN" altLang="en-US" dirty="0" smtClean="0"/>
+              <a:t> </a:t>
+            </a:r>
+            <a:r>
+              <a:rPr lang="en-US" altLang="zh-CN" dirty="0" smtClean="0"/>
+              <a:t>—</a:t>
+            </a:r>
+            <a:r>
+              <a:rPr lang="zh-CN" altLang="en-US" dirty="0" smtClean="0"/>
+              <a:t>这表示增加到现有的文件，保留原来已有的内容</a:t>
+            </a:r>
+            <a:endParaRPr lang="zh-CN" altLang="en-US" dirty="0"/>
+          </a:p>
+        </p:txBody>
+      </p:sp>
+    </p:spTree>
+  </p:cSld>
+  <p:clrMapOvr>
+    <a:masterClrMapping/>
+  </p:clrMapOvr>
+</p:sld>
+</file>
+
 <file path=ppt/slides/slide19.xml><?xml version="1.0" encoding="utf-8"?>
 <p:sld xmlns:a="http://schemas.openxmlformats.org/drawingml/2006/main" xmlns:r="http://schemas.openxmlformats.org/officeDocument/2006/relationships" xmlns:p="http://schemas.openxmlformats.org/presentationml/2006/main">
   <p:cSld>
@@ -14619,6 +17499,607 @@
       </p:par>
     </p:tnLst>
   </p:timing>
+</p:sld>
+</file>
+
+<file path=ppt/slides/slide190.xml><?xml version="1.0" encoding="utf-8"?>
+<p:sld xmlns:a="http://schemas.openxmlformats.org/drawingml/2006/main" xmlns:r="http://schemas.openxmlformats.org/officeDocument/2006/relationships" xmlns:p="http://schemas.openxmlformats.org/presentationml/2006/main">
+  <p:cSld>
+    <p:spTree>
+      <p:nvGrpSpPr>
+        <p:cNvPr id="1" name=""/>
+        <p:cNvGrpSpPr/>
+        <p:nvPr/>
+      </p:nvGrpSpPr>
+      <p:grpSpPr>
+        <a:xfrm>
+          <a:off x="0" y="0"/>
+          <a:ext cx="0" cy="0"/>
+          <a:chOff x="0" y="0"/>
+          <a:chExt cx="0" cy="0"/>
+        </a:xfrm>
+      </p:grpSpPr>
+      <p:sp>
+        <p:nvSpPr>
+          <p:cNvPr id="2" name="标题 1"/>
+          <p:cNvSpPr>
+            <a:spLocks noGrp="1"/>
+          </p:cNvSpPr>
+          <p:nvPr>
+            <p:ph type="title"/>
+          </p:nvPr>
+        </p:nvSpPr>
+        <p:spPr/>
+        <p:txBody>
+          <a:bodyPr/>
+          <a:lstStyle/>
+          <a:p>
+            <a:pPr algn="l"/>
+            <a:r>
+              <a:rPr lang="en-US" altLang="zh-CN" dirty="0" smtClean="0"/>
+              <a:t>19</a:t>
+            </a:r>
+            <a:r>
+              <a:rPr lang="zh-CN" altLang="en-US" dirty="0" smtClean="0"/>
+              <a:t> </a:t>
+            </a:r>
+            <a:r>
+              <a:rPr lang="en-US" altLang="zh-CN" dirty="0" smtClean="0"/>
+              <a:t>.8</a:t>
+            </a:r>
+            <a:r>
+              <a:rPr lang="zh-CN" altLang="en-US" dirty="0" smtClean="0"/>
+              <a:t>　在文件中保存内容</a:t>
+            </a:r>
+            <a:endParaRPr lang="zh-CN" altLang="en-US" dirty="0"/>
+          </a:p>
+        </p:txBody>
+      </p:sp>
+      <p:sp>
+        <p:nvSpPr>
+          <p:cNvPr id="3" name="内容占位符 2"/>
+          <p:cNvSpPr>
+            <a:spLocks noGrp="1"/>
+          </p:cNvSpPr>
+          <p:nvPr>
+            <p:ph idx="1"/>
+          </p:nvPr>
+        </p:nvSpPr>
+        <p:spPr/>
+        <p:txBody>
+          <a:bodyPr/>
+          <a:lstStyle/>
+          <a:p>
+            <a:r>
+              <a:rPr lang="zh-CN" altLang="en-US" dirty="0" smtClean="0"/>
+              <a:t>如果</a:t>
+            </a:r>
+            <a:r>
+              <a:rPr lang="zh-CN" altLang="en-US" dirty="0" smtClean="0"/>
+              <a:t>你想存储列表或对象之类的 内容呢？有时列表中的元素可能是字 符串，不过并不一定是这样。另外， 对象又该怎么存储呢？也许可以把 所有对象的属性都转换为字符串，再 写到一个文本文件中，但是之后你还得 把这个过程反过来，从文件恢复对象。这 就复杂化了。</a:t>
+            </a:r>
+            <a:endParaRPr lang="zh-CN" altLang="en-US" dirty="0"/>
+          </a:p>
+        </p:txBody>
+      </p:sp>
+    </p:spTree>
+  </p:cSld>
+  <p:clrMapOvr>
+    <a:masterClrMapping/>
+  </p:clrMapOvr>
+</p:sld>
+</file>
+
+<file path=ppt/slides/slide191.xml><?xml version="1.0" encoding="utf-8"?>
+<p:sld xmlns:a="http://schemas.openxmlformats.org/drawingml/2006/main" xmlns:r="http://schemas.openxmlformats.org/officeDocument/2006/relationships" xmlns:p="http://schemas.openxmlformats.org/presentationml/2006/main">
+  <p:cSld>
+    <p:spTree>
+      <p:nvGrpSpPr>
+        <p:cNvPr id="1" name=""/>
+        <p:cNvGrpSpPr/>
+        <p:nvPr/>
+      </p:nvGrpSpPr>
+      <p:grpSpPr>
+        <a:xfrm>
+          <a:off x="0" y="0"/>
+          <a:ext cx="0" cy="0"/>
+          <a:chOff x="0" y="0"/>
+          <a:chExt cx="0" cy="0"/>
+        </a:xfrm>
+      </p:grpSpPr>
+      <p:sp>
+        <p:nvSpPr>
+          <p:cNvPr id="2" name="标题 1"/>
+          <p:cNvSpPr>
+            <a:spLocks noGrp="1"/>
+          </p:cNvSpPr>
+          <p:nvPr>
+            <p:ph type="title"/>
+          </p:nvPr>
+        </p:nvSpPr>
+        <p:spPr/>
+        <p:txBody>
+          <a:bodyPr/>
+          <a:lstStyle/>
+          <a:p>
+            <a:pPr algn="l"/>
+            <a:r>
+              <a:rPr lang="zh-CN" altLang="en-US" dirty="0" smtClean="0"/>
+              <a:t>学到了什么</a:t>
+            </a:r>
+            <a:endParaRPr lang="zh-CN" altLang="en-US" dirty="0"/>
+          </a:p>
+        </p:txBody>
+      </p:sp>
+      <p:sp>
+        <p:nvSpPr>
+          <p:cNvPr id="3" name="内容占位符 2"/>
+          <p:cNvSpPr>
+            <a:spLocks noGrp="1"/>
+          </p:cNvSpPr>
+          <p:nvPr>
+            <p:ph idx="1"/>
+          </p:nvPr>
+        </p:nvSpPr>
+        <p:spPr/>
+        <p:txBody>
+          <a:bodyPr/>
+          <a:lstStyle/>
+          <a:p>
+            <a:r>
+              <a:rPr lang="zh-CN" altLang="en-US" dirty="0" smtClean="0"/>
+              <a:t>什么是</a:t>
+            </a:r>
+            <a:r>
+              <a:rPr lang="zh-CN" altLang="en-US" dirty="0" smtClean="0"/>
+              <a:t>文件</a:t>
+            </a:r>
+            <a:endParaRPr lang="en-US" altLang="zh-CN" dirty="0" smtClean="0"/>
+          </a:p>
+          <a:p>
+            <a:r>
+              <a:rPr lang="zh-CN" altLang="en-US" dirty="0" smtClean="0"/>
+              <a:t>如何打开和关闭</a:t>
+            </a:r>
+            <a:r>
+              <a:rPr lang="zh-CN" altLang="en-US" dirty="0" smtClean="0"/>
+              <a:t>文件</a:t>
+            </a:r>
+            <a:endParaRPr lang="en-US" altLang="zh-CN" dirty="0" smtClean="0"/>
+          </a:p>
+          <a:p>
+            <a:r>
+              <a:rPr lang="zh-CN" altLang="en-US" dirty="0" smtClean="0"/>
+              <a:t>打开文件的不同方式：读、写和追加</a:t>
+            </a:r>
+            <a:endParaRPr lang="en-US" altLang="zh-CN" dirty="0" smtClean="0"/>
+          </a:p>
+          <a:p>
+            <a:r>
+              <a:rPr lang="en-US" altLang="zh-CN" dirty="0" smtClean="0"/>
+              <a:t>pickle</a:t>
+            </a:r>
+            <a:r>
+              <a:rPr lang="zh-CN" altLang="en-US" dirty="0" smtClean="0"/>
+              <a:t>在文件中保存列表和对象（以及其他 </a:t>
+            </a:r>
+            <a:r>
+              <a:rPr lang="en-US" altLang="zh-CN" dirty="0" smtClean="0"/>
+              <a:t>Python </a:t>
+            </a:r>
+            <a:r>
+              <a:rPr lang="zh-CN" altLang="en-US" dirty="0" smtClean="0"/>
+              <a:t>数据结构）</a:t>
+            </a:r>
+            <a:endParaRPr lang="en-US" altLang="zh-CN" dirty="0" smtClean="0"/>
+          </a:p>
+          <a:p>
+            <a:r>
+              <a:rPr lang="zh-CN" altLang="en-US" dirty="0" smtClean="0"/>
+              <a:t>许多</a:t>
+            </a:r>
+            <a:r>
+              <a:rPr lang="zh-CN" altLang="en-US" dirty="0" smtClean="0"/>
+              <a:t>与文件夹（也称为目录）、文件位置和路径相关的内容。</a:t>
+            </a:r>
+            <a:endParaRPr lang="zh-CN" altLang="en-US" dirty="0"/>
+          </a:p>
+        </p:txBody>
+      </p:sp>
+    </p:spTree>
+  </p:cSld>
+  <p:clrMapOvr>
+    <a:masterClrMapping/>
+  </p:clrMapOvr>
+</p:sld>
+</file>
+
+<file path=ppt/slides/slide192.xml><?xml version="1.0" encoding="utf-8"?>
+<p:sld xmlns:a="http://schemas.openxmlformats.org/drawingml/2006/main" xmlns:r="http://schemas.openxmlformats.org/officeDocument/2006/relationships" xmlns:p="http://schemas.openxmlformats.org/presentationml/2006/main">
+  <p:cSld>
+    <p:spTree>
+      <p:nvGrpSpPr>
+        <p:cNvPr id="1" name=""/>
+        <p:cNvGrpSpPr/>
+        <p:nvPr/>
+      </p:nvGrpSpPr>
+      <p:grpSpPr>
+        <a:xfrm>
+          <a:off x="0" y="0"/>
+          <a:ext cx="0" cy="0"/>
+          <a:chOff x="0" y="0"/>
+          <a:chExt cx="0" cy="0"/>
+        </a:xfrm>
+      </p:grpSpPr>
+      <p:sp>
+        <p:nvSpPr>
+          <p:cNvPr id="2" name="标题 1"/>
+          <p:cNvSpPr>
+            <a:spLocks noGrp="1"/>
+          </p:cNvSpPr>
+          <p:nvPr>
+            <p:ph type="title"/>
+          </p:nvPr>
+        </p:nvSpPr>
+        <p:spPr/>
+        <p:txBody>
+          <a:bodyPr/>
+          <a:lstStyle/>
+          <a:p>
+            <a:pPr algn="l"/>
+            <a:r>
+              <a:rPr lang="zh-CN" altLang="en-US" dirty="0" smtClean="0"/>
+              <a:t>测试题</a:t>
+            </a:r>
+            <a:endParaRPr lang="zh-CN" altLang="en-US" dirty="0"/>
+          </a:p>
+        </p:txBody>
+      </p:sp>
+      <p:sp>
+        <p:nvSpPr>
+          <p:cNvPr id="3" name="内容占位符 2"/>
+          <p:cNvSpPr>
+            <a:spLocks noGrp="1"/>
+          </p:cNvSpPr>
+          <p:nvPr>
+            <p:ph idx="1"/>
+          </p:nvPr>
+        </p:nvSpPr>
+        <p:spPr/>
+        <p:txBody>
+          <a:bodyPr>
+            <a:noAutofit/>
+          </a:bodyPr>
+          <a:lstStyle/>
+          <a:p>
+            <a:r>
+              <a:rPr lang="en-US" altLang="zh-CN" sz="2300" dirty="0" smtClean="0"/>
+              <a:t>1. Python </a:t>
+            </a:r>
+            <a:r>
+              <a:rPr lang="zh-CN" altLang="en-US" sz="2300" dirty="0" smtClean="0"/>
+              <a:t>中用来处理文件的对象称为 </a:t>
+            </a:r>
+            <a:r>
+              <a:rPr lang="en-US" altLang="zh-CN" sz="2300" dirty="0" smtClean="0"/>
+              <a:t>_______</a:t>
+            </a:r>
+            <a:r>
+              <a:rPr lang="zh-CN" altLang="en-US" sz="2300" dirty="0" smtClean="0"/>
+              <a:t>。 </a:t>
+            </a:r>
+            <a:endParaRPr lang="en-US" altLang="zh-CN" sz="2300" dirty="0" smtClean="0"/>
+          </a:p>
+          <a:p>
+            <a:r>
+              <a:rPr lang="en-US" altLang="zh-CN" sz="2300" dirty="0" smtClean="0"/>
+              <a:t>2</a:t>
+            </a:r>
+            <a:r>
+              <a:rPr lang="en-US" altLang="zh-CN" sz="2300" dirty="0" smtClean="0"/>
+              <a:t>. </a:t>
+            </a:r>
+            <a:r>
+              <a:rPr lang="zh-CN" altLang="en-US" sz="2300" dirty="0" smtClean="0"/>
+              <a:t>如何创建一个文件对象？ </a:t>
+            </a:r>
+            <a:endParaRPr lang="en-US" altLang="zh-CN" sz="2300" dirty="0" smtClean="0"/>
+          </a:p>
+          <a:p>
+            <a:r>
+              <a:rPr lang="en-US" altLang="zh-CN" sz="2300" dirty="0" smtClean="0"/>
+              <a:t>3</a:t>
+            </a:r>
+            <a:r>
+              <a:rPr lang="en-US" altLang="zh-CN" sz="2300" dirty="0" smtClean="0"/>
+              <a:t>. </a:t>
+            </a:r>
+            <a:r>
+              <a:rPr lang="zh-CN" altLang="en-US" sz="2300" dirty="0" smtClean="0"/>
+              <a:t>文件对象和文件名之间有什么区别？ </a:t>
+            </a:r>
+            <a:endParaRPr lang="en-US" altLang="zh-CN" sz="2300" dirty="0" smtClean="0"/>
+          </a:p>
+          <a:p>
+            <a:r>
+              <a:rPr lang="en-US" altLang="zh-CN" sz="2300" dirty="0" smtClean="0"/>
+              <a:t>4</a:t>
+            </a:r>
+            <a:r>
+              <a:rPr lang="en-US" altLang="zh-CN" sz="2300" dirty="0" smtClean="0"/>
+              <a:t>. </a:t>
+            </a:r>
+            <a:r>
+              <a:rPr lang="zh-CN" altLang="en-US" sz="2300" dirty="0" smtClean="0"/>
+              <a:t>完成文件读写时应该对文件做什么操作？ </a:t>
+            </a:r>
+            <a:endParaRPr lang="en-US" altLang="zh-CN" sz="2300" dirty="0" smtClean="0"/>
+          </a:p>
+          <a:p>
+            <a:r>
+              <a:rPr lang="en-US" altLang="zh-CN" sz="2300" dirty="0" smtClean="0"/>
+              <a:t>5</a:t>
+            </a:r>
+            <a:r>
+              <a:rPr lang="en-US" altLang="zh-CN" sz="2300" dirty="0" smtClean="0"/>
+              <a:t>. </a:t>
+            </a:r>
+            <a:r>
+              <a:rPr lang="zh-CN" altLang="en-US" sz="2300" dirty="0" smtClean="0"/>
+              <a:t>如果用追加模式打开一个文件然后在文件中写入内容会怎样？ </a:t>
+            </a:r>
+            <a:endParaRPr lang="en-US" altLang="zh-CN" sz="2300" dirty="0" smtClean="0"/>
+          </a:p>
+          <a:p>
+            <a:r>
+              <a:rPr lang="en-US" altLang="zh-CN" sz="2300" dirty="0" smtClean="0"/>
+              <a:t>6</a:t>
+            </a:r>
+            <a:r>
+              <a:rPr lang="en-US" altLang="zh-CN" sz="2300" dirty="0" smtClean="0"/>
+              <a:t>. </a:t>
+            </a:r>
+            <a:r>
+              <a:rPr lang="zh-CN" altLang="en-US" sz="2300" dirty="0" smtClean="0"/>
+              <a:t>如果用写模式打开一个文件然后在文件中写入内容会怎样？ </a:t>
+            </a:r>
+            <a:endParaRPr lang="en-US" altLang="zh-CN" sz="2300" dirty="0" smtClean="0"/>
+          </a:p>
+          <a:p>
+            <a:r>
+              <a:rPr lang="en-US" altLang="zh-CN" sz="2300" dirty="0" smtClean="0"/>
+              <a:t>7</a:t>
+            </a:r>
+            <a:r>
+              <a:rPr lang="en-US" altLang="zh-CN" sz="2300" dirty="0" smtClean="0"/>
+              <a:t>. </a:t>
+            </a:r>
+            <a:r>
+              <a:rPr lang="zh-CN" altLang="en-US" sz="2300" dirty="0" smtClean="0"/>
+              <a:t>读过文件的一部分之后如何从文件起始位置开始读？ </a:t>
+            </a:r>
+            <a:endParaRPr lang="en-US" altLang="zh-CN" sz="2300" dirty="0" smtClean="0"/>
+          </a:p>
+          <a:p>
+            <a:r>
+              <a:rPr lang="en-US" altLang="zh-CN" sz="2300" dirty="0" smtClean="0"/>
+              <a:t>8</a:t>
+            </a:r>
+            <a:r>
+              <a:rPr lang="en-US" altLang="zh-CN" sz="2300" dirty="0" smtClean="0"/>
+              <a:t>. </a:t>
+            </a:r>
+            <a:r>
+              <a:rPr lang="zh-CN" altLang="en-US" sz="2300" dirty="0" smtClean="0"/>
+              <a:t>将一个 </a:t>
+            </a:r>
+            <a:r>
+              <a:rPr lang="en-US" altLang="zh-CN" sz="2300" dirty="0" smtClean="0"/>
+              <a:t>Python </a:t>
+            </a:r>
+            <a:r>
+              <a:rPr lang="zh-CN" altLang="en-US" sz="2300" dirty="0" smtClean="0"/>
+              <a:t>对象保存到文件中要使用哪个 </a:t>
+            </a:r>
+            <a:r>
+              <a:rPr lang="en-US" altLang="zh-CN" sz="2300" dirty="0" smtClean="0"/>
+              <a:t>pickle</a:t>
+            </a:r>
+            <a:r>
+              <a:rPr lang="zh-CN" altLang="en-US" sz="2300" dirty="0" smtClean="0"/>
+              <a:t>函数？ </a:t>
+            </a:r>
+            <a:endParaRPr lang="en-US" altLang="zh-CN" sz="2300" dirty="0" smtClean="0"/>
+          </a:p>
+          <a:p>
+            <a:r>
+              <a:rPr lang="en-US" altLang="zh-CN" sz="2300" dirty="0" smtClean="0"/>
+              <a:t>9</a:t>
+            </a:r>
+            <a:r>
+              <a:rPr lang="en-US" altLang="zh-CN" sz="2300" dirty="0" smtClean="0"/>
+              <a:t>.  </a:t>
+            </a:r>
+            <a:r>
+              <a:rPr lang="zh-CN" altLang="en-US" sz="2300" dirty="0" smtClean="0"/>
+              <a:t>要“还原”一个对象 </a:t>
+            </a:r>
+            <a:r>
+              <a:rPr lang="en-US" altLang="zh-CN" sz="2300" dirty="0" smtClean="0"/>
+              <a:t>( </a:t>
+            </a:r>
+            <a:r>
+              <a:rPr lang="zh-CN" altLang="en-US" sz="2300" dirty="0" smtClean="0"/>
+              <a:t>从 </a:t>
+            </a:r>
+            <a:r>
+              <a:rPr lang="en-US" altLang="zh-CN" sz="2300" dirty="0" smtClean="0"/>
+              <a:t>pickle </a:t>
+            </a:r>
+            <a:r>
+              <a:rPr lang="zh-CN" altLang="en-US" sz="2300" dirty="0" smtClean="0"/>
+              <a:t>文件得到对象 </a:t>
+            </a:r>
+            <a:r>
+              <a:rPr lang="en-US" altLang="zh-CN" sz="2300" dirty="0" smtClean="0"/>
+              <a:t>, </a:t>
+            </a:r>
+            <a:r>
+              <a:rPr lang="zh-CN" altLang="en-US" sz="2300" dirty="0" smtClean="0"/>
+              <a:t>并放回到 </a:t>
+            </a:r>
+            <a:r>
+              <a:rPr lang="en-US" altLang="zh-CN" sz="2300" dirty="0" smtClean="0"/>
+              <a:t>Python </a:t>
+            </a:r>
+            <a:r>
+              <a:rPr lang="zh-CN" altLang="en-US" sz="2300" dirty="0" smtClean="0"/>
+              <a:t>变量中 </a:t>
+            </a:r>
+            <a:r>
+              <a:rPr lang="en-US" altLang="zh-CN" sz="2300" dirty="0" smtClean="0"/>
+              <a:t>)</a:t>
+            </a:r>
+            <a:r>
+              <a:rPr lang="zh-CN" altLang="en-US" sz="2300" dirty="0" smtClean="0"/>
+              <a:t>， 应当使用哪个 </a:t>
+            </a:r>
+            <a:r>
+              <a:rPr lang="en-US" altLang="zh-CN" sz="2300" dirty="0" smtClean="0"/>
+              <a:t>pickle</a:t>
+            </a:r>
+            <a:r>
+              <a:rPr lang="zh-CN" altLang="en-US" sz="2300" dirty="0" smtClean="0"/>
+              <a:t>方法？</a:t>
+            </a:r>
+            <a:endParaRPr lang="zh-CN" altLang="en-US" sz="2300" dirty="0"/>
+          </a:p>
+        </p:txBody>
+      </p:sp>
+    </p:spTree>
+  </p:cSld>
+  <p:clrMapOvr>
+    <a:masterClrMapping/>
+  </p:clrMapOvr>
+</p:sld>
+</file>
+
+<file path=ppt/slides/slide193.xml><?xml version="1.0" encoding="utf-8"?>
+<p:sld xmlns:a="http://schemas.openxmlformats.org/drawingml/2006/main" xmlns:r="http://schemas.openxmlformats.org/officeDocument/2006/relationships" xmlns:p="http://schemas.openxmlformats.org/presentationml/2006/main">
+  <p:cSld>
+    <p:spTree>
+      <p:nvGrpSpPr>
+        <p:cNvPr id="1" name=""/>
+        <p:cNvGrpSpPr/>
+        <p:nvPr/>
+      </p:nvGrpSpPr>
+      <p:grpSpPr>
+        <a:xfrm>
+          <a:off x="0" y="0"/>
+          <a:ext cx="0" cy="0"/>
+          <a:chOff x="0" y="0"/>
+          <a:chExt cx="0" cy="0"/>
+        </a:xfrm>
+      </p:grpSpPr>
+      <p:sp>
+        <p:nvSpPr>
+          <p:cNvPr id="2" name="标题 1"/>
+          <p:cNvSpPr>
+            <a:spLocks noGrp="1"/>
+          </p:cNvSpPr>
+          <p:nvPr>
+            <p:ph type="title"/>
+          </p:nvPr>
+        </p:nvSpPr>
+        <p:spPr/>
+        <p:txBody>
+          <a:bodyPr/>
+          <a:lstStyle/>
+          <a:p>
+            <a:pPr algn="l"/>
+            <a:r>
+              <a:rPr lang="zh-CN" altLang="en-US" dirty="0" smtClean="0"/>
+              <a:t>动手试一试</a:t>
+            </a:r>
+            <a:endParaRPr lang="zh-CN" altLang="en-US" dirty="0"/>
+          </a:p>
+        </p:txBody>
+      </p:sp>
+      <p:sp>
+        <p:nvSpPr>
+          <p:cNvPr id="3" name="内容占位符 2"/>
+          <p:cNvSpPr>
+            <a:spLocks noGrp="1"/>
+          </p:cNvSpPr>
+          <p:nvPr>
+            <p:ph idx="1"/>
+          </p:nvPr>
+        </p:nvSpPr>
+        <p:spPr/>
+        <p:txBody>
+          <a:bodyPr/>
+          <a:lstStyle/>
+          <a:p>
+            <a:r>
+              <a:rPr lang="en-US" altLang="zh-CN" smtClean="0"/>
+              <a:t>1. </a:t>
+            </a:r>
+            <a:r>
+              <a:rPr lang="zh-CN" altLang="en-US" smtClean="0"/>
+              <a:t>编写</a:t>
+            </a:r>
+            <a:r>
+              <a:rPr lang="zh-CN" altLang="en-US" dirty="0" smtClean="0"/>
+              <a:t>一个程序，让用户输入名字、年龄、最喜欢的颜色和最喜欢的食物。程 序要把所有这 </a:t>
+            </a:r>
+            <a:r>
+              <a:rPr lang="en-US" altLang="zh-CN" dirty="0" smtClean="0"/>
+              <a:t>4 </a:t>
+            </a:r>
+            <a:r>
+              <a:rPr lang="zh-CN" altLang="en-US" dirty="0" smtClean="0"/>
+              <a:t>项保存在一个文本文件中，每一项分别放在单独的一行上。 </a:t>
+            </a:r>
+            <a:endParaRPr lang="en-US" altLang="zh-CN" dirty="0" smtClean="0"/>
+          </a:p>
+          <a:p>
+            <a:r>
+              <a:rPr lang="en-US" altLang="zh-CN" dirty="0" smtClean="0"/>
+              <a:t>2</a:t>
+            </a:r>
+            <a:r>
+              <a:rPr lang="en-US" altLang="zh-CN" dirty="0" smtClean="0"/>
+              <a:t>.  </a:t>
+            </a:r>
+            <a:r>
+              <a:rPr lang="zh-CN" altLang="en-US" dirty="0" smtClean="0"/>
+              <a:t>完成第 </a:t>
+            </a:r>
+            <a:r>
+              <a:rPr lang="en-US" altLang="zh-CN" dirty="0" smtClean="0"/>
+              <a:t>2 </a:t>
+            </a:r>
+            <a:r>
+              <a:rPr lang="zh-CN" altLang="en-US" dirty="0" smtClean="0"/>
+              <a:t>题的任务，不过使用 </a:t>
+            </a:r>
+            <a:r>
+              <a:rPr lang="en-US" altLang="zh-CN" dirty="0" smtClean="0"/>
+              <a:t>pickle</a:t>
+            </a:r>
+            <a:r>
+              <a:rPr lang="zh-CN" altLang="en-US" dirty="0" smtClean="0"/>
+              <a:t>将数据保存到一个文件。（提示：如果 先把数据放在一个列表中就会很容易做到。）</a:t>
+            </a:r>
+            <a:endParaRPr lang="zh-CN" altLang="en-US" dirty="0"/>
+          </a:p>
+        </p:txBody>
+      </p:sp>
+    </p:spTree>
+  </p:cSld>
+  <p:clrMapOvr>
+    <a:masterClrMapping/>
+  </p:clrMapOvr>
 </p:sld>
 </file>
 
@@ -14686,6 +18167,13 @@
   <p:clrMapOvr>
     <a:masterClrMapping/>
   </p:clrMapOvr>
+  <p:timing>
+    <p:tnLst>
+      <p:par>
+        <p:cTn id="1" dur="indefinite" restart="never" nodeType="tmRoot"/>
+      </p:par>
+    </p:tnLst>
+  </p:timing>
 </p:sld>
 </file>
 

--- a/readme/Python3.pptx
+++ b/readme/Python3.pptx
@@ -198,6 +198,16 @@
     <p:sldId id="453" r:id="rId192"/>
     <p:sldId id="454" r:id="rId193"/>
     <p:sldId id="455" r:id="rId194"/>
+    <p:sldId id="456" r:id="rId195"/>
+    <p:sldId id="457" r:id="rId196"/>
+    <p:sldId id="459" r:id="rId197"/>
+    <p:sldId id="458" r:id="rId198"/>
+    <p:sldId id="460" r:id="rId199"/>
+    <p:sldId id="461" r:id="rId200"/>
+    <p:sldId id="462" r:id="rId201"/>
+    <p:sldId id="463" r:id="rId202"/>
+    <p:sldId id="464" r:id="rId203"/>
+    <p:sldId id="465" r:id="rId204"/>
   </p:sldIdLst>
   <p:sldSz cx="9144000" cy="6858000" type="screen4x3"/>
   <p:notesSz cx="6858000" cy="9144000"/>
@@ -481,7 +491,7 @@
             <a:fld id="{530820CF-B880-4189-942D-D702A7CBA730}" type="datetimeFigureOut">
               <a:rPr lang="zh-CN" altLang="en-US" smtClean="0"/>
               <a:pPr/>
-              <a:t>2019/3/10</a:t>
+              <a:t>2019-03-24</a:t>
             </a:fld>
             <a:endParaRPr lang="zh-CN" altLang="en-US"/>
           </a:p>
@@ -648,7 +658,7 @@
             <a:fld id="{530820CF-B880-4189-942D-D702A7CBA730}" type="datetimeFigureOut">
               <a:rPr lang="zh-CN" altLang="en-US" smtClean="0"/>
               <a:pPr/>
-              <a:t>2019/3/10</a:t>
+              <a:t>2019-03-24</a:t>
             </a:fld>
             <a:endParaRPr lang="zh-CN" altLang="en-US"/>
           </a:p>
@@ -825,7 +835,7 @@
             <a:fld id="{530820CF-B880-4189-942D-D702A7CBA730}" type="datetimeFigureOut">
               <a:rPr lang="zh-CN" altLang="en-US" smtClean="0"/>
               <a:pPr/>
-              <a:t>2019/3/10</a:t>
+              <a:t>2019-03-24</a:t>
             </a:fld>
             <a:endParaRPr lang="zh-CN" altLang="en-US"/>
           </a:p>
@@ -992,7 +1002,7 @@
             <a:fld id="{530820CF-B880-4189-942D-D702A7CBA730}" type="datetimeFigureOut">
               <a:rPr lang="zh-CN" altLang="en-US" smtClean="0"/>
               <a:pPr/>
-              <a:t>2019/3/10</a:t>
+              <a:t>2019-03-24</a:t>
             </a:fld>
             <a:endParaRPr lang="zh-CN" altLang="en-US"/>
           </a:p>
@@ -1235,7 +1245,7 @@
             <a:fld id="{530820CF-B880-4189-942D-D702A7CBA730}" type="datetimeFigureOut">
               <a:rPr lang="zh-CN" altLang="en-US" smtClean="0"/>
               <a:pPr/>
-              <a:t>2019/3/10</a:t>
+              <a:t>2019-03-24</a:t>
             </a:fld>
             <a:endParaRPr lang="zh-CN" altLang="en-US"/>
           </a:p>
@@ -1520,7 +1530,7 @@
             <a:fld id="{530820CF-B880-4189-942D-D702A7CBA730}" type="datetimeFigureOut">
               <a:rPr lang="zh-CN" altLang="en-US" smtClean="0"/>
               <a:pPr/>
-              <a:t>2019/3/10</a:t>
+              <a:t>2019-03-24</a:t>
             </a:fld>
             <a:endParaRPr lang="zh-CN" altLang="en-US"/>
           </a:p>
@@ -1939,7 +1949,7 @@
             <a:fld id="{530820CF-B880-4189-942D-D702A7CBA730}" type="datetimeFigureOut">
               <a:rPr lang="zh-CN" altLang="en-US" smtClean="0"/>
               <a:pPr/>
-              <a:t>2019/3/10</a:t>
+              <a:t>2019-03-24</a:t>
             </a:fld>
             <a:endParaRPr lang="zh-CN" altLang="en-US"/>
           </a:p>
@@ -2054,7 +2064,7 @@
             <a:fld id="{530820CF-B880-4189-942D-D702A7CBA730}" type="datetimeFigureOut">
               <a:rPr lang="zh-CN" altLang="en-US" smtClean="0"/>
               <a:pPr/>
-              <a:t>2019/3/10</a:t>
+              <a:t>2019-03-24</a:t>
             </a:fld>
             <a:endParaRPr lang="zh-CN" altLang="en-US"/>
           </a:p>
@@ -2146,7 +2156,7 @@
             <a:fld id="{530820CF-B880-4189-942D-D702A7CBA730}" type="datetimeFigureOut">
               <a:rPr lang="zh-CN" altLang="en-US" smtClean="0"/>
               <a:pPr/>
-              <a:t>2019/3/10</a:t>
+              <a:t>2019-03-24</a:t>
             </a:fld>
             <a:endParaRPr lang="zh-CN" altLang="en-US"/>
           </a:p>
@@ -2420,7 +2430,7 @@
             <a:fld id="{530820CF-B880-4189-942D-D702A7CBA730}" type="datetimeFigureOut">
               <a:rPr lang="zh-CN" altLang="en-US" smtClean="0"/>
               <a:pPr/>
-              <a:t>2019/3/10</a:t>
+              <a:t>2019-03-24</a:t>
             </a:fld>
             <a:endParaRPr lang="zh-CN" altLang="en-US"/>
           </a:p>
@@ -2670,7 +2680,7 @@
             <a:fld id="{530820CF-B880-4189-942D-D702A7CBA730}" type="datetimeFigureOut">
               <a:rPr lang="zh-CN" altLang="en-US" smtClean="0"/>
               <a:pPr/>
-              <a:t>2019/3/10</a:t>
+              <a:t>2019-03-24</a:t>
             </a:fld>
             <a:endParaRPr lang="zh-CN" altLang="en-US"/>
           </a:p>
@@ -2880,7 +2890,7 @@
             <a:fld id="{530820CF-B880-4189-942D-D702A7CBA730}" type="datetimeFigureOut">
               <a:rPr lang="zh-CN" altLang="en-US" smtClean="0"/>
               <a:pPr/>
-              <a:t>2019/3/10</a:t>
+              <a:t>2019-03-24</a:t>
             </a:fld>
             <a:endParaRPr lang="zh-CN" altLang="en-US"/>
           </a:p>
@@ -16139,15 +16149,7 @@
             </a:r>
             <a:r>
               <a:rPr lang="zh-CN" altLang="en-US" dirty="0" smtClean="0"/>
-              <a:t>文件</a:t>
-            </a:r>
-            <a:r>
-              <a:rPr lang="zh-CN" altLang="en-US" dirty="0" smtClean="0"/>
-              <a:t>输入与</a:t>
-            </a:r>
-            <a:r>
-              <a:rPr lang="zh-CN" altLang="en-US" dirty="0" smtClean="0"/>
-              <a:t>输出</a:t>
+              <a:t>文件输入与输出</a:t>
             </a:r>
             <a:endParaRPr lang="zh-CN" altLang="en-US" dirty="0"/>
           </a:p>
@@ -16370,13 +16372,8 @@
             <a:pPr lvl="1"/>
             <a:r>
               <a:rPr lang="zh-CN" altLang="en-US" dirty="0" smtClean="0"/>
-              <a:t> 大小（文件中有多少字节</a:t>
-            </a:r>
-            <a:r>
-              <a:rPr lang="zh-CN" altLang="en-US" dirty="0" smtClean="0"/>
-              <a:t>）</a:t>
-            </a:r>
-            <a:endParaRPr lang="zh-CN" altLang="en-US" dirty="0" smtClean="0"/>
+              <a:t> 大小（文件中有多少字节）</a:t>
+            </a:r>
           </a:p>
         </p:txBody>
       </p:sp>
@@ -16429,11 +16426,7 @@
             </a:r>
             <a:r>
               <a:rPr lang="zh-CN" altLang="en-US" dirty="0" smtClean="0"/>
-              <a:t>　</a:t>
-            </a:r>
-            <a:r>
-              <a:rPr lang="zh-CN" altLang="en-US" dirty="0" smtClean="0"/>
-              <a:t>文件名</a:t>
+              <a:t>　文件名</a:t>
             </a:r>
             <a:endParaRPr lang="zh-CN" altLang="en-US" dirty="0"/>
           </a:p>
@@ -16498,11 +16491,7 @@
             </a:r>
             <a:r>
               <a:rPr lang="en-US" altLang="zh-CN" dirty="0" smtClean="0"/>
-              <a:t>.</a:t>
-            </a:r>
-            <a:r>
-              <a:rPr lang="en-US" altLang="zh-CN" dirty="0" smtClean="0"/>
-              <a:t>txt</a:t>
+              <a:t>.txt</a:t>
             </a:r>
           </a:p>
           <a:p>
@@ -16517,11 +16506,7 @@
             </a:r>
             <a:r>
               <a:rPr lang="en-US" altLang="zh-CN" dirty="0" smtClean="0"/>
-              <a:t>.</a:t>
-            </a:r>
-            <a:r>
-              <a:rPr lang="en-US" altLang="zh-CN" dirty="0" smtClean="0"/>
-              <a:t>mp3</a:t>
+              <a:t>.mp3</a:t>
             </a:r>
           </a:p>
           <a:p>
@@ -16536,11 +16521,7 @@
             </a:r>
             <a:r>
               <a:rPr lang="en-US" altLang="zh-CN" dirty="0" smtClean="0"/>
-              <a:t>.</a:t>
-            </a:r>
-            <a:r>
-              <a:rPr lang="en-US" altLang="zh-CN" dirty="0" smtClean="0"/>
-              <a:t>exe</a:t>
+              <a:t>.exe</a:t>
             </a:r>
           </a:p>
           <a:p>
@@ -16649,15 +16630,7 @@
           <a:p>
             <a:r>
               <a:rPr lang="zh-CN" altLang="en-US" dirty="0" smtClean="0"/>
-              <a:t>每个文件都要存储在某个地方</a:t>
-            </a:r>
-            <a:r>
-              <a:rPr lang="zh-CN" altLang="en-US" dirty="0" smtClean="0"/>
-              <a:t>，所以除了</a:t>
-            </a:r>
-            <a:r>
-              <a:rPr lang="zh-CN" altLang="en-US" dirty="0" smtClean="0"/>
-              <a:t>文件名外，每个文件还有自己的位置。硬盘和其他存储介质都组织为文件夹 或目录。文件夹（</a:t>
+              <a:t>每个文件都要存储在某个地方，所以除了文件名外，每个文件还有自己的位置。硬盘和其他存储介质都组织为文件夹 或目录。文件夹（</a:t>
             </a:r>
             <a:r>
               <a:rPr lang="en-US" altLang="zh-CN" dirty="0" smtClean="0"/>
@@ -16673,22 +16646,14 @@
             </a:r>
             <a:r>
               <a:rPr lang="zh-CN" altLang="en-US" dirty="0" smtClean="0"/>
-              <a:t>）表示的是同一样</a:t>
-            </a:r>
-            <a:r>
-              <a:rPr lang="zh-CN" altLang="en-US" dirty="0" smtClean="0"/>
-              <a:t>东西</a:t>
-            </a:r>
-            <a:endParaRPr lang="en-US" altLang="zh-CN" dirty="0" smtClean="0"/>
-          </a:p>
-          <a:p>
-            <a:r>
-              <a:rPr lang="zh-CN" altLang="en-US" dirty="0" smtClean="0"/>
-              <a:t>不过，从程序访问文件时，这种树型想法就不适用了。 你的程序不能点击文件夹，不能通过浏览整棵树来查找 某个文件，它需要一种更直接的方法来查找</a:t>
-            </a:r>
-            <a:r>
-              <a:rPr lang="zh-CN" altLang="en-US" dirty="0" smtClean="0"/>
-              <a:t>文件：</a:t>
+              <a:t>）表示的是同一样东西</a:t>
+            </a:r>
+            <a:endParaRPr lang="en-US" altLang="zh-CN" dirty="0" smtClean="0"/>
+          </a:p>
+          <a:p>
+            <a:r>
+              <a:rPr lang="zh-CN" altLang="en-US" dirty="0" smtClean="0"/>
+              <a:t>不过，从程序访问文件时，这种树型想法就不适用了。 你的程序不能点击文件夹，不能通过浏览整棵树来查找 某个文件，它需要一种更直接的方法来查找文件：</a:t>
             </a:r>
             <a:endParaRPr lang="en-US" altLang="zh-CN" dirty="0" smtClean="0"/>
           </a:p>
@@ -16700,11 +16665,7 @@
             </a:r>
             <a:r>
               <a:rPr lang="en-US" altLang="zh-CN" dirty="0" smtClean="0"/>
-              <a:t> = "c:/program </a:t>
-            </a:r>
-            <a:r>
-              <a:rPr lang="en-US" altLang="zh-CN" dirty="0" smtClean="0"/>
-              <a:t>files/beachball.png</a:t>
+              <a:t> = "c:/program files/beachball.png</a:t>
             </a:r>
           </a:p>
           <a:p>
@@ -16808,11 +16769,7 @@
             <a:pPr lvl="1"/>
             <a:r>
               <a:rPr lang="zh-CN" altLang="en-US" dirty="0" smtClean="0"/>
-              <a:t>如果</a:t>
-            </a:r>
-            <a:r>
-              <a:rPr lang="zh-CN" altLang="en-US" dirty="0" smtClean="0"/>
-              <a:t>要创建一个全新的文件或者用某个全新的文件替换现有的文件，就是要 打开文件完成写； </a:t>
+              <a:t>如果要创建一个全新的文件或者用某个全新的文件替换现有的文件，就是要 打开文件完成写； </a:t>
             </a:r>
             <a:endParaRPr lang="en-US" altLang="zh-CN" dirty="0" smtClean="0"/>
           </a:p>
@@ -16820,26 +16777,14 @@
             <a:pPr lvl="1"/>
             <a:r>
               <a:rPr lang="zh-CN" altLang="en-US" dirty="0" smtClean="0"/>
-              <a:t>如果</a:t>
-            </a:r>
-            <a:r>
-              <a:rPr lang="zh-CN" altLang="en-US" dirty="0" smtClean="0"/>
-              <a:t>要为一个现有文件增加内容，就是要打开文件完成追加</a:t>
-            </a:r>
-            <a:r>
-              <a:rPr lang="zh-CN" altLang="en-US" dirty="0" smtClean="0"/>
-              <a:t>。</a:t>
-            </a:r>
-            <a:endParaRPr lang="en-US" altLang="zh-CN" dirty="0" smtClean="0"/>
-          </a:p>
-          <a:p>
-            <a:r>
-              <a:rPr lang="zh-CN" altLang="en-US" dirty="0" smtClean="0"/>
-              <a:t>一定要了解文件对象和文件名</a:t>
-            </a:r>
-            <a:r>
-              <a:rPr lang="zh-CN" altLang="en-US" dirty="0" smtClean="0"/>
-              <a:t>之区别</a:t>
+              <a:t>如果要为一个现有文件增加内容，就是要打开文件完成追加。</a:t>
+            </a:r>
+            <a:endParaRPr lang="en-US" altLang="zh-CN" dirty="0" smtClean="0"/>
+          </a:p>
+          <a:p>
+            <a:r>
+              <a:rPr lang="zh-CN" altLang="en-US" dirty="0" smtClean="0"/>
+              <a:t>一定要了解文件对象和文件名之区别</a:t>
             </a:r>
             <a:endParaRPr lang="zh-CN" altLang="en-US" dirty="0"/>
           </a:p>
@@ -16971,11 +16916,7 @@
             </a:r>
             <a:r>
               <a:rPr lang="zh-CN" altLang="en-US" dirty="0" smtClean="0"/>
-              <a:t>作为第二个参数</a:t>
-            </a:r>
-            <a:r>
-              <a:rPr lang="zh-CN" altLang="en-US" dirty="0" smtClean="0"/>
-              <a:t>，</a:t>
+              <a:t>作为第二个参数，</a:t>
             </a:r>
             <a:endParaRPr lang="en-US" altLang="zh-CN" dirty="0" smtClean="0"/>
           </a:p>
@@ -17045,15 +16986,7 @@
             </a:r>
             <a:r>
               <a:rPr lang="zh-CN" altLang="en-US" dirty="0" smtClean="0"/>
-              <a:t>文本文件</a:t>
-            </a:r>
-            <a:r>
-              <a:rPr lang="zh-CN" altLang="en-US" dirty="0" smtClean="0"/>
-              <a:t>和二进制</a:t>
-            </a:r>
-            <a:r>
-              <a:rPr lang="zh-CN" altLang="en-US" dirty="0" smtClean="0"/>
-              <a:t>文件</a:t>
+              <a:t>文本文件和二进制文件</a:t>
             </a:r>
             <a:endParaRPr lang="zh-CN" altLang="en-US" dirty="0"/>
           </a:p>
@@ -17090,11 +17023,7 @@
             </a:r>
             <a:r>
               <a:rPr lang="en-US" altLang="zh-CN" dirty="0" smtClean="0"/>
-              <a:t> = open</a:t>
-            </a:r>
-            <a:r>
-              <a:rPr lang="en-US" altLang="zh-CN" dirty="0" smtClean="0"/>
-              <a:t>(‘bg_music.mp3’, ‘</a:t>
+              <a:t> = open(‘bg_music.mp3’, ‘</a:t>
             </a:r>
             <a:r>
               <a:rPr lang="en-US" altLang="zh-CN" dirty="0" err="1" smtClean="0"/>
@@ -17157,15 +17086,7 @@
             </a:r>
             <a:r>
               <a:rPr lang="zh-CN" altLang="en-US" dirty="0" smtClean="0"/>
-              <a:t> </a:t>
-            </a:r>
-            <a:r>
-              <a:rPr lang="zh-CN" altLang="en-US" dirty="0" smtClean="0"/>
-              <a:t>写</a:t>
-            </a:r>
-            <a:r>
-              <a:rPr lang="zh-CN" altLang="en-US" dirty="0" smtClean="0"/>
-              <a:t>文件</a:t>
+              <a:t> 写文件</a:t>
             </a:r>
             <a:endParaRPr lang="zh-CN" altLang="en-US" dirty="0"/>
           </a:p>
@@ -17198,11 +17119,7 @@
             </a:r>
             <a:r>
               <a:rPr lang="zh-CN" altLang="en-US" dirty="0" smtClean="0"/>
-              <a:t>程序时，实际上都是将它们存储到硬盘</a:t>
-            </a:r>
-            <a:r>
-              <a:rPr lang="zh-CN" altLang="en-US" dirty="0" smtClean="0"/>
-              <a:t>上</a:t>
+              <a:t>程序时，实际上都是将它们存储到硬盘上</a:t>
             </a:r>
             <a:endParaRPr lang="en-US" altLang="zh-CN" dirty="0" smtClean="0"/>
           </a:p>
@@ -17224,15 +17141,7 @@
             </a:r>
             <a:r>
               <a:rPr lang="zh-CN" altLang="en-US" dirty="0" smtClean="0"/>
-              <a:t>这表示开始新文件</a:t>
-            </a:r>
-            <a:r>
-              <a:rPr lang="zh-CN" altLang="en-US" dirty="0" smtClean="0"/>
-              <a:t>，或者</a:t>
-            </a:r>
-            <a:r>
-              <a:rPr lang="zh-CN" altLang="en-US" dirty="0" smtClean="0"/>
-              <a:t>覆盖现有的文件。 </a:t>
+              <a:t>这表示开始新文件，或者覆盖现有的文件。 </a:t>
             </a:r>
             <a:endParaRPr lang="en-US" altLang="zh-CN" dirty="0" smtClean="0"/>
           </a:p>
@@ -17240,11 +17149,7 @@
             <a:pPr lvl="1"/>
             <a:r>
               <a:rPr lang="zh-CN" altLang="en-US" dirty="0" smtClean="0"/>
-              <a:t>追加</a:t>
-            </a:r>
-            <a:r>
-              <a:rPr lang="zh-CN" altLang="en-US" dirty="0" smtClean="0"/>
-              <a:t> </a:t>
+              <a:t>追加 </a:t>
             </a:r>
             <a:r>
               <a:rPr lang="en-US" altLang="zh-CN" dirty="0" smtClean="0"/>
@@ -17572,11 +17477,7 @@
           <a:p>
             <a:r>
               <a:rPr lang="zh-CN" altLang="en-US" dirty="0" smtClean="0"/>
-              <a:t>如果</a:t>
-            </a:r>
-            <a:r>
-              <a:rPr lang="zh-CN" altLang="en-US" dirty="0" smtClean="0"/>
-              <a:t>你想存储列表或对象之类的 内容呢？有时列表中的元素可能是字 符串，不过并不一定是这样。另外， 对象又该怎么存储呢？也许可以把 所有对象的属性都转换为字符串，再 写到一个文本文件中，但是之后你还得 把这个过程反过来，从文件恢复对象。这 就复杂化了。</a:t>
+              <a:t>如果你想存储列表或对象之类的 内容呢？有时列表中的元素可能是字 符串，不过并不一定是这样。另外， 对象又该怎么存储呢？也许可以把 所有对象的属性都转换为字符串，再 写到一个文本文件中，但是之后你还得 把这个过程反过来，从文件恢复对象。这 就复杂化了。</a:t>
             </a:r>
             <a:endParaRPr lang="zh-CN" altLang="en-US" dirty="0"/>
           </a:p>
@@ -17648,22 +17549,14 @@
           <a:p>
             <a:r>
               <a:rPr lang="zh-CN" altLang="en-US" dirty="0" smtClean="0"/>
-              <a:t>什么是</a:t>
-            </a:r>
-            <a:r>
-              <a:rPr lang="zh-CN" altLang="en-US" dirty="0" smtClean="0"/>
-              <a:t>文件</a:t>
-            </a:r>
-            <a:endParaRPr lang="en-US" altLang="zh-CN" dirty="0" smtClean="0"/>
-          </a:p>
-          <a:p>
-            <a:r>
-              <a:rPr lang="zh-CN" altLang="en-US" dirty="0" smtClean="0"/>
-              <a:t>如何打开和关闭</a:t>
-            </a:r>
-            <a:r>
-              <a:rPr lang="zh-CN" altLang="en-US" dirty="0" smtClean="0"/>
-              <a:t>文件</a:t>
+              <a:t>什么是文件</a:t>
+            </a:r>
+            <a:endParaRPr lang="en-US" altLang="zh-CN" dirty="0" smtClean="0"/>
+          </a:p>
+          <a:p>
+            <a:r>
+              <a:rPr lang="zh-CN" altLang="en-US" dirty="0" smtClean="0"/>
+              <a:t>如何打开和关闭文件</a:t>
             </a:r>
             <a:endParaRPr lang="en-US" altLang="zh-CN" dirty="0" smtClean="0"/>
           </a:p>
@@ -17696,11 +17589,7 @@
           <a:p>
             <a:r>
               <a:rPr lang="zh-CN" altLang="en-US" dirty="0" smtClean="0"/>
-              <a:t>许多</a:t>
-            </a:r>
-            <a:r>
-              <a:rPr lang="zh-CN" altLang="en-US" dirty="0" smtClean="0"/>
-              <a:t>与文件夹（也称为目录）、文件位置和路径相关的内容。</a:t>
+              <a:t>许多与文件夹（也称为目录）、文件位置和路径相关的内容。</a:t>
             </a:r>
             <a:endParaRPr lang="zh-CN" altLang="en-US" dirty="0"/>
           </a:p>
@@ -17793,11 +17682,7 @@
           <a:p>
             <a:r>
               <a:rPr lang="en-US" altLang="zh-CN" sz="2300" dirty="0" smtClean="0"/>
-              <a:t>2</a:t>
-            </a:r>
-            <a:r>
-              <a:rPr lang="en-US" altLang="zh-CN" sz="2300" dirty="0" smtClean="0"/>
-              <a:t>. </a:t>
+              <a:t>2. </a:t>
             </a:r>
             <a:r>
               <a:rPr lang="zh-CN" altLang="en-US" sz="2300" dirty="0" smtClean="0"/>
@@ -17808,11 +17693,7 @@
           <a:p>
             <a:r>
               <a:rPr lang="en-US" altLang="zh-CN" sz="2300" dirty="0" smtClean="0"/>
-              <a:t>3</a:t>
-            </a:r>
-            <a:r>
-              <a:rPr lang="en-US" altLang="zh-CN" sz="2300" dirty="0" smtClean="0"/>
-              <a:t>. </a:t>
+              <a:t>3. </a:t>
             </a:r>
             <a:r>
               <a:rPr lang="zh-CN" altLang="en-US" sz="2300" dirty="0" smtClean="0"/>
@@ -17823,11 +17704,7 @@
           <a:p>
             <a:r>
               <a:rPr lang="en-US" altLang="zh-CN" sz="2300" dirty="0" smtClean="0"/>
-              <a:t>4</a:t>
-            </a:r>
-            <a:r>
-              <a:rPr lang="en-US" altLang="zh-CN" sz="2300" dirty="0" smtClean="0"/>
-              <a:t>. </a:t>
+              <a:t>4. </a:t>
             </a:r>
             <a:r>
               <a:rPr lang="zh-CN" altLang="en-US" sz="2300" dirty="0" smtClean="0"/>
@@ -17838,11 +17715,7 @@
           <a:p>
             <a:r>
               <a:rPr lang="en-US" altLang="zh-CN" sz="2300" dirty="0" smtClean="0"/>
-              <a:t>5</a:t>
-            </a:r>
-            <a:r>
-              <a:rPr lang="en-US" altLang="zh-CN" sz="2300" dirty="0" smtClean="0"/>
-              <a:t>. </a:t>
+              <a:t>5. </a:t>
             </a:r>
             <a:r>
               <a:rPr lang="zh-CN" altLang="en-US" sz="2300" dirty="0" smtClean="0"/>
@@ -17853,11 +17726,7 @@
           <a:p>
             <a:r>
               <a:rPr lang="en-US" altLang="zh-CN" sz="2300" dirty="0" smtClean="0"/>
-              <a:t>6</a:t>
-            </a:r>
-            <a:r>
-              <a:rPr lang="en-US" altLang="zh-CN" sz="2300" dirty="0" smtClean="0"/>
-              <a:t>. </a:t>
+              <a:t>6. </a:t>
             </a:r>
             <a:r>
               <a:rPr lang="zh-CN" altLang="en-US" sz="2300" dirty="0" smtClean="0"/>
@@ -17868,11 +17737,7 @@
           <a:p>
             <a:r>
               <a:rPr lang="en-US" altLang="zh-CN" sz="2300" dirty="0" smtClean="0"/>
-              <a:t>7</a:t>
-            </a:r>
-            <a:r>
-              <a:rPr lang="en-US" altLang="zh-CN" sz="2300" dirty="0" smtClean="0"/>
-              <a:t>. </a:t>
+              <a:t>7. </a:t>
             </a:r>
             <a:r>
               <a:rPr lang="zh-CN" altLang="en-US" sz="2300" dirty="0" smtClean="0"/>
@@ -17883,11 +17748,7 @@
           <a:p>
             <a:r>
               <a:rPr lang="en-US" altLang="zh-CN" sz="2300" dirty="0" smtClean="0"/>
-              <a:t>8</a:t>
-            </a:r>
-            <a:r>
-              <a:rPr lang="en-US" altLang="zh-CN" sz="2300" dirty="0" smtClean="0"/>
-              <a:t>. </a:t>
+              <a:t>8. </a:t>
             </a:r>
             <a:r>
               <a:rPr lang="zh-CN" altLang="en-US" sz="2300" dirty="0" smtClean="0"/>
@@ -17914,11 +17775,7 @@
           <a:p>
             <a:r>
               <a:rPr lang="en-US" altLang="zh-CN" sz="2300" dirty="0" smtClean="0"/>
-              <a:t>9</a:t>
-            </a:r>
-            <a:r>
-              <a:rPr lang="en-US" altLang="zh-CN" sz="2300" dirty="0" smtClean="0"/>
-              <a:t>.  </a:t>
+              <a:t>9.  </a:t>
             </a:r>
             <a:r>
               <a:rPr lang="zh-CN" altLang="en-US" sz="2300" dirty="0" smtClean="0"/>
@@ -18065,11 +17922,7 @@
           <a:p>
             <a:r>
               <a:rPr lang="en-US" altLang="zh-CN" dirty="0" smtClean="0"/>
-              <a:t>2</a:t>
-            </a:r>
-            <a:r>
-              <a:rPr lang="en-US" altLang="zh-CN" dirty="0" smtClean="0"/>
-              <a:t>.  </a:t>
+              <a:t>2.  </a:t>
             </a:r>
             <a:r>
               <a:rPr lang="zh-CN" altLang="en-US" dirty="0" smtClean="0"/>
@@ -18092,6 +17945,1084 @@
               <a:t>将数据保存到一个文件。（提示：如果 先把数据放在一个列表中就会很容易做到。）</a:t>
             </a:r>
             <a:endParaRPr lang="zh-CN" altLang="en-US" dirty="0"/>
+          </a:p>
+        </p:txBody>
+      </p:sp>
+    </p:spTree>
+  </p:cSld>
+  <p:clrMapOvr>
+    <a:masterClrMapping/>
+  </p:clrMapOvr>
+</p:sld>
+</file>
+
+<file path=ppt/slides/slide194.xml><?xml version="1.0" encoding="utf-8"?>
+<p:sld xmlns:a="http://schemas.openxmlformats.org/drawingml/2006/main" xmlns:r="http://schemas.openxmlformats.org/officeDocument/2006/relationships" xmlns:p="http://schemas.openxmlformats.org/presentationml/2006/main">
+  <p:cSld>
+    <p:spTree>
+      <p:nvGrpSpPr>
+        <p:cNvPr id="1" name=""/>
+        <p:cNvGrpSpPr/>
+        <p:nvPr/>
+      </p:nvGrpSpPr>
+      <p:grpSpPr>
+        <a:xfrm>
+          <a:off x="0" y="0"/>
+          <a:ext cx="0" cy="0"/>
+          <a:chOff x="0" y="0"/>
+          <a:chExt cx="0" cy="0"/>
+        </a:xfrm>
+      </p:grpSpPr>
+      <p:sp>
+        <p:nvSpPr>
+          <p:cNvPr id="2" name="标题 1"/>
+          <p:cNvSpPr>
+            <a:spLocks noGrp="1"/>
+          </p:cNvSpPr>
+          <p:nvPr>
+            <p:ph type="title"/>
+          </p:nvPr>
+        </p:nvSpPr>
+        <p:spPr/>
+        <p:txBody>
+          <a:bodyPr/>
+          <a:lstStyle/>
+          <a:p>
+            <a:endParaRPr lang="zh-CN" altLang="en-US"/>
+          </a:p>
+        </p:txBody>
+      </p:sp>
+      <p:sp>
+        <p:nvSpPr>
+          <p:cNvPr id="3" name="内容占位符 2"/>
+          <p:cNvSpPr>
+            <a:spLocks noGrp="1"/>
+          </p:cNvSpPr>
+          <p:nvPr>
+            <p:ph idx="1"/>
+          </p:nvPr>
+        </p:nvSpPr>
+        <p:spPr/>
+        <p:txBody>
+          <a:bodyPr/>
+          <a:lstStyle/>
+          <a:p>
+            <a:pPr algn="ctr"/>
+            <a:r>
+              <a:rPr lang="en-US" altLang="zh-CN" dirty="0" smtClean="0"/>
+              <a:t>17</a:t>
+            </a:r>
+            <a:endParaRPr lang="zh-CN" altLang="en-US" dirty="0"/>
+          </a:p>
+        </p:txBody>
+      </p:sp>
+    </p:spTree>
+  </p:cSld>
+  <p:clrMapOvr>
+    <a:masterClrMapping/>
+  </p:clrMapOvr>
+</p:sld>
+</file>
+
+<file path=ppt/slides/slide195.xml><?xml version="1.0" encoding="utf-8"?>
+<p:sld xmlns:a="http://schemas.openxmlformats.org/drawingml/2006/main" xmlns:r="http://schemas.openxmlformats.org/officeDocument/2006/relationships" xmlns:p="http://schemas.openxmlformats.org/presentationml/2006/main">
+  <p:cSld>
+    <p:spTree>
+      <p:nvGrpSpPr>
+        <p:cNvPr id="1" name=""/>
+        <p:cNvGrpSpPr/>
+        <p:nvPr/>
+      </p:nvGrpSpPr>
+      <p:grpSpPr>
+        <a:xfrm>
+          <a:off x="0" y="0"/>
+          <a:ext cx="0" cy="0"/>
+          <a:chOff x="0" y="0"/>
+          <a:chExt cx="0" cy="0"/>
+        </a:xfrm>
+      </p:grpSpPr>
+      <p:sp>
+        <p:nvSpPr>
+          <p:cNvPr id="2" name="标题 1"/>
+          <p:cNvSpPr>
+            <a:spLocks noGrp="1"/>
+          </p:cNvSpPr>
+          <p:nvPr>
+            <p:ph type="title"/>
+          </p:nvPr>
+        </p:nvSpPr>
+        <p:spPr/>
+        <p:txBody>
+          <a:bodyPr/>
+          <a:lstStyle/>
+          <a:p>
+            <a:r>
+              <a:rPr lang="en-US" altLang="zh-CN" dirty="0" smtClean="0"/>
+              <a:t>20 </a:t>
+            </a:r>
+            <a:r>
+              <a:rPr lang="zh-CN" altLang="en-US" dirty="0" smtClean="0"/>
+              <a:t>碰运气</a:t>
+            </a:r>
+            <a:r>
+              <a:rPr lang="en-US" altLang="zh-CN" dirty="0" smtClean="0"/>
+              <a:t>—</a:t>
+            </a:r>
+            <a:r>
+              <a:rPr lang="zh-CN" altLang="en-US" dirty="0" smtClean="0"/>
+              <a:t>随机性</a:t>
+            </a:r>
+            <a:endParaRPr lang="zh-CN" altLang="en-US" dirty="0"/>
+          </a:p>
+        </p:txBody>
+      </p:sp>
+      <p:sp>
+        <p:nvSpPr>
+          <p:cNvPr id="3" name="内容占位符 2"/>
+          <p:cNvSpPr>
+            <a:spLocks noGrp="1"/>
+          </p:cNvSpPr>
+          <p:nvPr>
+            <p:ph idx="1"/>
+          </p:nvPr>
+        </p:nvSpPr>
+        <p:spPr/>
+        <p:txBody>
+          <a:bodyPr/>
+          <a:lstStyle/>
+          <a:p>
+            <a:r>
+              <a:rPr lang="zh-CN" altLang="en-US" dirty="0" smtClean="0"/>
+              <a:t>游戏最有意思的一个方面就是你永远也不知道会发生什么。游戏是不可预测的</a:t>
+            </a:r>
+            <a:r>
+              <a:rPr lang="zh-CN" altLang="en-US" dirty="0" smtClean="0"/>
+              <a:t>。它们</a:t>
+            </a:r>
+            <a:r>
+              <a:rPr lang="zh-CN" altLang="en-US" dirty="0" smtClean="0"/>
+              <a:t>是随机的</a:t>
+            </a:r>
+            <a:r>
+              <a:rPr lang="zh-CN" altLang="en-US" dirty="0" smtClean="0"/>
+              <a:t>。</a:t>
+            </a:r>
+            <a:r>
+              <a:rPr lang="zh-CN" altLang="en-US" dirty="0" smtClean="0"/>
+              <a:t>正是这种随机性才让游戏很有趣。</a:t>
+            </a:r>
+            <a:endParaRPr lang="zh-CN" altLang="en-US" dirty="0"/>
+          </a:p>
+        </p:txBody>
+      </p:sp>
+    </p:spTree>
+  </p:cSld>
+  <p:clrMapOvr>
+    <a:masterClrMapping/>
+  </p:clrMapOvr>
+</p:sld>
+</file>
+
+<file path=ppt/slides/slide196.xml><?xml version="1.0" encoding="utf-8"?>
+<p:sld xmlns:a="http://schemas.openxmlformats.org/drawingml/2006/main" xmlns:r="http://schemas.openxmlformats.org/officeDocument/2006/relationships" xmlns:p="http://schemas.openxmlformats.org/presentationml/2006/main">
+  <p:cSld>
+    <p:spTree>
+      <p:nvGrpSpPr>
+        <p:cNvPr id="1" name=""/>
+        <p:cNvGrpSpPr/>
+        <p:nvPr/>
+      </p:nvGrpSpPr>
+      <p:grpSpPr>
+        <a:xfrm>
+          <a:off x="0" y="0"/>
+          <a:ext cx="0" cy="0"/>
+          <a:chOff x="0" y="0"/>
+          <a:chExt cx="0" cy="0"/>
+        </a:xfrm>
+      </p:grpSpPr>
+      <p:sp>
+        <p:nvSpPr>
+          <p:cNvPr id="2" name="标题 1"/>
+          <p:cNvSpPr>
+            <a:spLocks noGrp="1"/>
+          </p:cNvSpPr>
+          <p:nvPr>
+            <p:ph type="title"/>
+          </p:nvPr>
+        </p:nvSpPr>
+        <p:spPr/>
+        <p:txBody>
+          <a:bodyPr/>
+          <a:lstStyle/>
+          <a:p>
+            <a:pPr algn="l"/>
+            <a:r>
+              <a:rPr lang="en-US" altLang="zh-CN" dirty="0" smtClean="0"/>
+              <a:t>20.1 </a:t>
+            </a:r>
+            <a:r>
+              <a:rPr lang="zh-CN" altLang="en-US" b="1" dirty="0" smtClean="0"/>
+              <a:t>什么</a:t>
+            </a:r>
+            <a:r>
+              <a:rPr lang="zh-CN" altLang="en-US" b="1" dirty="0" smtClean="0"/>
+              <a:t>是随机性</a:t>
+            </a:r>
+            <a:endParaRPr lang="zh-CN" altLang="en-US" dirty="0"/>
+          </a:p>
+        </p:txBody>
+      </p:sp>
+      <p:sp>
+        <p:nvSpPr>
+          <p:cNvPr id="3" name="内容占位符 2"/>
+          <p:cNvSpPr>
+            <a:spLocks noGrp="1"/>
+          </p:cNvSpPr>
+          <p:nvPr>
+            <p:ph idx="1"/>
+          </p:nvPr>
+        </p:nvSpPr>
+        <p:spPr/>
+        <p:txBody>
+          <a:bodyPr>
+            <a:normAutofit fontScale="92500"/>
+          </a:bodyPr>
+          <a:lstStyle/>
+          <a:p>
+            <a:r>
+              <a:rPr lang="zh-CN" altLang="en-US" dirty="0" smtClean="0"/>
+              <a:t>以扔硬币为例。如果把一个硬币抛向空中，让它着地，可能正面朝上，也</a:t>
+            </a:r>
+            <a:r>
+              <a:rPr lang="zh-CN" altLang="en-US" dirty="0" smtClean="0"/>
+              <a:t>可能背面</a:t>
+            </a:r>
+            <a:r>
+              <a:rPr lang="zh-CN" altLang="en-US" dirty="0" smtClean="0"/>
+              <a:t>朝上</a:t>
+            </a:r>
+            <a:r>
+              <a:rPr lang="zh-CN" altLang="en-US" dirty="0" smtClean="0"/>
+              <a:t>。每次</a:t>
+            </a:r>
+            <a:r>
+              <a:rPr lang="zh-CN" altLang="en-US" dirty="0" smtClean="0"/>
+              <a:t>抛的时候，你都无法知道会得到什么。因为抛一次的结果</a:t>
+            </a:r>
+            <a:r>
+              <a:rPr lang="zh-CN" altLang="en-US" dirty="0" smtClean="0"/>
+              <a:t>不能预测，我们称之为随机。</a:t>
+            </a:r>
+            <a:endParaRPr lang="en-US" altLang="zh-CN" dirty="0" smtClean="0"/>
+          </a:p>
+          <a:p>
+            <a:r>
+              <a:rPr lang="zh-CN" altLang="en-US" dirty="0" smtClean="0"/>
+              <a:t>随机事件</a:t>
+            </a:r>
+            <a:r>
+              <a:rPr lang="zh-CN" altLang="en-US" dirty="0" smtClean="0"/>
+              <a:t>就是可能有两个或多个结果的事件，你无法预测会得到哪一个结果</a:t>
+            </a:r>
+            <a:r>
+              <a:rPr lang="zh-CN" altLang="en-US" dirty="0" smtClean="0"/>
+              <a:t>。这里</a:t>
+            </a:r>
+            <a:r>
+              <a:rPr lang="zh-CN" altLang="en-US" dirty="0" smtClean="0"/>
+              <a:t>所说的结果可能是一副牌中的纸牌顺序，或者是掷骰子时的点数，或者是一</a:t>
+            </a:r>
+            <a:r>
+              <a:rPr lang="zh-CN" altLang="en-US" dirty="0" smtClean="0"/>
+              <a:t>个硬币</a:t>
+            </a:r>
+            <a:r>
+              <a:rPr lang="zh-CN" altLang="en-US" dirty="0" smtClean="0"/>
+              <a:t>哪一面朝上。</a:t>
+            </a:r>
+            <a:endParaRPr lang="zh-CN" altLang="en-US" dirty="0"/>
+          </a:p>
+        </p:txBody>
+      </p:sp>
+    </p:spTree>
+  </p:cSld>
+  <p:clrMapOvr>
+    <a:masterClrMapping/>
+  </p:clrMapOvr>
+</p:sld>
+</file>
+
+<file path=ppt/slides/slide197.xml><?xml version="1.0" encoding="utf-8"?>
+<p:sld xmlns:a="http://schemas.openxmlformats.org/drawingml/2006/main" xmlns:r="http://schemas.openxmlformats.org/officeDocument/2006/relationships" xmlns:p="http://schemas.openxmlformats.org/presentationml/2006/main">
+  <p:cSld>
+    <p:spTree>
+      <p:nvGrpSpPr>
+        <p:cNvPr id="1" name=""/>
+        <p:cNvGrpSpPr/>
+        <p:nvPr/>
+      </p:nvGrpSpPr>
+      <p:grpSpPr>
+        <a:xfrm>
+          <a:off x="0" y="0"/>
+          <a:ext cx="0" cy="0"/>
+          <a:chOff x="0" y="0"/>
+          <a:chExt cx="0" cy="0"/>
+        </a:xfrm>
+      </p:grpSpPr>
+      <p:sp>
+        <p:nvSpPr>
+          <p:cNvPr id="2" name="标题 1"/>
+          <p:cNvSpPr>
+            <a:spLocks noGrp="1"/>
+          </p:cNvSpPr>
+          <p:nvPr>
+            <p:ph type="title"/>
+          </p:nvPr>
+        </p:nvSpPr>
+        <p:spPr/>
+        <p:txBody>
+          <a:bodyPr/>
+          <a:lstStyle/>
+          <a:p>
+            <a:pPr algn="l"/>
+            <a:r>
+              <a:rPr lang="en-US" altLang="zh-CN" dirty="0" smtClean="0"/>
+              <a:t>20.2</a:t>
+            </a:r>
+            <a:r>
+              <a:rPr lang="zh-CN" altLang="en-US" b="1" dirty="0" smtClean="0"/>
+              <a:t>　掷骰子</a:t>
+            </a:r>
+            <a:endParaRPr lang="zh-CN" altLang="en-US" dirty="0"/>
+          </a:p>
+        </p:txBody>
+      </p:sp>
+      <p:sp>
+        <p:nvSpPr>
+          <p:cNvPr id="3" name="内容占位符 2"/>
+          <p:cNvSpPr>
+            <a:spLocks noGrp="1"/>
+          </p:cNvSpPr>
+          <p:nvPr>
+            <p:ph idx="1"/>
+          </p:nvPr>
+        </p:nvSpPr>
+        <p:spPr/>
+        <p:txBody>
+          <a:bodyPr>
+            <a:normAutofit lnSpcReduction="10000"/>
+          </a:bodyPr>
+          <a:lstStyle/>
+          <a:p>
+            <a:r>
+              <a:rPr lang="zh-CN" altLang="en-US" dirty="0" smtClean="0"/>
+              <a:t>骰子在程序中很容易模拟，</a:t>
+            </a:r>
+            <a:r>
+              <a:rPr lang="en-US" altLang="zh-CN" dirty="0" smtClean="0"/>
+              <a:t>P</a:t>
+            </a:r>
+            <a:r>
+              <a:rPr lang="en-US" altLang="zh-CN" dirty="0" smtClean="0"/>
+              <a:t>ython </a:t>
+            </a:r>
+            <a:r>
+              <a:rPr lang="zh-CN" altLang="en-US" dirty="0" smtClean="0"/>
+              <a:t>的</a:t>
+            </a:r>
+            <a:r>
+              <a:rPr lang="en-US" altLang="zh-CN" dirty="0" smtClean="0"/>
+              <a:t>random </a:t>
+            </a:r>
+            <a:r>
+              <a:rPr lang="zh-CN" altLang="en-US" dirty="0" smtClean="0"/>
+              <a:t>模块提供了两种方法来完成这项工作。一种方法是使用</a:t>
+            </a:r>
+            <a:r>
+              <a:rPr lang="en-US" altLang="zh-CN" dirty="0" err="1" smtClean="0"/>
+              <a:t>randint</a:t>
+            </a:r>
+            <a:r>
+              <a:rPr lang="en-US" altLang="zh-CN" dirty="0" smtClean="0"/>
+              <a:t>():</a:t>
+            </a:r>
+          </a:p>
+          <a:p>
+            <a:pPr lvl="1">
+              <a:buNone/>
+            </a:pPr>
+            <a:r>
+              <a:rPr lang="en-US" altLang="zh-CN" dirty="0" smtClean="0"/>
+              <a:t>die_1 = </a:t>
+            </a:r>
+            <a:r>
+              <a:rPr lang="en-US" altLang="zh-CN" dirty="0" err="1" smtClean="0"/>
+              <a:t>random.randint</a:t>
+            </a:r>
+            <a:r>
+              <a:rPr lang="en-US" altLang="zh-CN" dirty="0" smtClean="0"/>
+              <a:t>(1, 6)</a:t>
+            </a:r>
+          </a:p>
+          <a:p>
+            <a:pPr marL="342900" lvl="1" indent="-342900">
+              <a:buFont typeface="Arial" pitchFamily="34" charset="0"/>
+              <a:buChar char="•"/>
+            </a:pPr>
+            <a:r>
+              <a:rPr lang="zh-CN" altLang="en-US" sz="3200" dirty="0" smtClean="0"/>
+              <a:t>另</a:t>
+            </a:r>
+            <a:r>
+              <a:rPr lang="zh-CN" altLang="en-US" sz="3200" dirty="0" smtClean="0"/>
+              <a:t>一种方法是建立一个列表，然后使用</a:t>
+            </a:r>
+            <a:r>
+              <a:rPr lang="en-US" altLang="zh-CN" sz="3200" dirty="0" smtClean="0"/>
+              <a:t>choice()</a:t>
+            </a:r>
+            <a:r>
+              <a:rPr lang="zh-CN" altLang="en-US" sz="3200" dirty="0" smtClean="0"/>
+              <a:t>函数，从其中选择一个结果：</a:t>
+            </a:r>
+            <a:endParaRPr lang="en-US" altLang="zh-CN" sz="3200" dirty="0" smtClean="0"/>
+          </a:p>
+          <a:p>
+            <a:pPr lvl="1">
+              <a:buNone/>
+            </a:pPr>
+            <a:r>
+              <a:rPr lang="en-US" altLang="zh-CN" dirty="0" smtClean="0"/>
+              <a:t>import random</a:t>
+            </a:r>
+          </a:p>
+          <a:p>
+            <a:pPr lvl="1">
+              <a:buNone/>
+            </a:pPr>
+            <a:r>
+              <a:rPr lang="da-DK" altLang="zh-CN" dirty="0" smtClean="0"/>
+              <a:t>sides = [1, 2, 3, 4, 5, 6]</a:t>
+            </a:r>
+          </a:p>
+          <a:p>
+            <a:pPr lvl="1">
+              <a:buNone/>
+            </a:pPr>
+            <a:r>
+              <a:rPr lang="en-US" altLang="zh-CN" dirty="0" smtClean="0"/>
+              <a:t>die_1 = </a:t>
+            </a:r>
+            <a:r>
+              <a:rPr lang="en-US" altLang="zh-CN" dirty="0" err="1" smtClean="0"/>
+              <a:t>random.choice</a:t>
+            </a:r>
+            <a:r>
+              <a:rPr lang="en-US" altLang="zh-CN" dirty="0" smtClean="0"/>
+              <a:t>(sides)</a:t>
+            </a:r>
+            <a:endParaRPr lang="en-US" altLang="zh-CN" sz="9200" dirty="0" smtClean="0"/>
+          </a:p>
+          <a:p>
+            <a:pPr lvl="1">
+              <a:buNone/>
+            </a:pPr>
+            <a:endParaRPr lang="zh-CN" altLang="en-US" dirty="0"/>
+          </a:p>
+        </p:txBody>
+      </p:sp>
+    </p:spTree>
+  </p:cSld>
+  <p:clrMapOvr>
+    <a:masterClrMapping/>
+  </p:clrMapOvr>
+</p:sld>
+</file>
+
+<file path=ppt/slides/slide198.xml><?xml version="1.0" encoding="utf-8"?>
+<p:sld xmlns:a="http://schemas.openxmlformats.org/drawingml/2006/main" xmlns:r="http://schemas.openxmlformats.org/officeDocument/2006/relationships" xmlns:p="http://schemas.openxmlformats.org/presentationml/2006/main">
+  <p:cSld>
+    <p:spTree>
+      <p:nvGrpSpPr>
+        <p:cNvPr id="1" name=""/>
+        <p:cNvGrpSpPr/>
+        <p:nvPr/>
+      </p:nvGrpSpPr>
+      <p:grpSpPr>
+        <a:xfrm>
+          <a:off x="0" y="0"/>
+          <a:ext cx="0" cy="0"/>
+          <a:chOff x="0" y="0"/>
+          <a:chExt cx="0" cy="0"/>
+        </a:xfrm>
+      </p:grpSpPr>
+      <p:pic>
+        <p:nvPicPr>
+          <p:cNvPr id="1028" name="Picture 4"/>
+          <p:cNvPicPr>
+            <a:picLocks noChangeAspect="1" noChangeArrowheads="1"/>
+          </p:cNvPicPr>
+          <p:nvPr/>
+        </p:nvPicPr>
+        <p:blipFill>
+          <a:blip r:embed="rId2" cstate="print"/>
+          <a:srcRect/>
+          <a:stretch>
+            <a:fillRect/>
+          </a:stretch>
+        </p:blipFill>
+        <p:spPr bwMode="auto">
+          <a:xfrm>
+            <a:off x="755577" y="2924944"/>
+            <a:ext cx="7481962" cy="3744416"/>
+          </a:xfrm>
+          <a:prstGeom prst="rect">
+            <a:avLst/>
+          </a:prstGeom>
+          <a:noFill/>
+          <a:ln w="9525">
+            <a:noFill/>
+            <a:miter lim="800000"/>
+            <a:headEnd/>
+            <a:tailEnd/>
+          </a:ln>
+        </p:spPr>
+      </p:pic>
+      <p:sp>
+        <p:nvSpPr>
+          <p:cNvPr id="2" name="标题 1"/>
+          <p:cNvSpPr>
+            <a:spLocks noGrp="1"/>
+          </p:cNvSpPr>
+          <p:nvPr>
+            <p:ph type="title"/>
+          </p:nvPr>
+        </p:nvSpPr>
+        <p:spPr/>
+        <p:txBody>
+          <a:bodyPr/>
+          <a:lstStyle/>
+          <a:p>
+            <a:pPr algn="l"/>
+            <a:r>
+              <a:rPr lang="en-US" altLang="zh-CN" dirty="0" smtClean="0"/>
+              <a:t>20.2</a:t>
+            </a:r>
+            <a:r>
+              <a:rPr lang="zh-CN" altLang="en-US" b="1" dirty="0" smtClean="0"/>
+              <a:t>　掷骰子</a:t>
+            </a:r>
+            <a:endParaRPr lang="zh-CN" altLang="en-US" dirty="0"/>
+          </a:p>
+        </p:txBody>
+      </p:sp>
+      <p:sp>
+        <p:nvSpPr>
+          <p:cNvPr id="3" name="内容占位符 2"/>
+          <p:cNvSpPr>
+            <a:spLocks noGrp="1"/>
+          </p:cNvSpPr>
+          <p:nvPr>
+            <p:ph idx="1"/>
+          </p:nvPr>
+        </p:nvSpPr>
+        <p:spPr>
+          <a:xfrm>
+            <a:off x="457200" y="1600201"/>
+            <a:ext cx="8229600" cy="1612775"/>
+          </a:xfrm>
+        </p:spPr>
+        <p:txBody>
+          <a:bodyPr>
+            <a:normAutofit/>
+          </a:bodyPr>
+          <a:lstStyle/>
+          <a:p>
+            <a:r>
+              <a:rPr lang="zh-CN" altLang="en-US" sz="2400" dirty="0" smtClean="0"/>
+              <a:t>多个</a:t>
+            </a:r>
+            <a:r>
+              <a:rPr lang="zh-CN" altLang="en-US" sz="2400" dirty="0" smtClean="0"/>
+              <a:t>骰子</a:t>
+            </a:r>
+            <a:endParaRPr lang="en-US" altLang="zh-CN" sz="2400" dirty="0" smtClean="0"/>
+          </a:p>
+          <a:p>
+            <a:pPr lvl="1"/>
+            <a:r>
+              <a:rPr lang="zh-CN" altLang="en-US" sz="2000" dirty="0" smtClean="0"/>
+              <a:t>如果想模拟掷两个骰子呢？如果你只是想把两个骰子的结果相加来得到总数</a:t>
+            </a:r>
+            <a:r>
+              <a:rPr lang="zh-CN" altLang="en-US" sz="2000" dirty="0" smtClean="0"/>
+              <a:t>，可能</a:t>
+            </a:r>
+            <a:r>
+              <a:rPr lang="zh-CN" altLang="en-US" sz="2000" dirty="0" smtClean="0"/>
+              <a:t>会考虑这样</a:t>
+            </a:r>
+            <a:r>
+              <a:rPr lang="zh-CN" altLang="en-US" sz="2000" dirty="0" smtClean="0"/>
+              <a:t>做</a:t>
+            </a:r>
+            <a:r>
+              <a:rPr lang="en-US" altLang="zh-CN" sz="2000" dirty="0" smtClean="0"/>
+              <a:t>:  </a:t>
+            </a:r>
+            <a:r>
+              <a:rPr lang="en-US" altLang="zh-CN" sz="2000" dirty="0" err="1" smtClean="0"/>
+              <a:t>two_dice</a:t>
+            </a:r>
+            <a:r>
+              <a:rPr lang="en-US" altLang="zh-CN" sz="2000" dirty="0" smtClean="0"/>
+              <a:t> </a:t>
+            </a:r>
+            <a:r>
+              <a:rPr lang="en-US" altLang="zh-CN" sz="2000" dirty="0" smtClean="0"/>
+              <a:t>= </a:t>
+            </a:r>
+            <a:r>
+              <a:rPr lang="en-US" altLang="zh-CN" sz="2000" dirty="0" err="1" smtClean="0"/>
+              <a:t>random.randint</a:t>
+            </a:r>
+            <a:r>
+              <a:rPr lang="en-US" altLang="zh-CN" sz="2000" dirty="0" smtClean="0"/>
+              <a:t>(2, 12</a:t>
+            </a:r>
+            <a:r>
+              <a:rPr lang="en-US" altLang="zh-CN" sz="2000" dirty="0" smtClean="0"/>
+              <a:t>)</a:t>
+            </a:r>
+          </a:p>
+          <a:p>
+            <a:pPr>
+              <a:buNone/>
+            </a:pPr>
+            <a:endParaRPr lang="en-US" altLang="zh-CN" dirty="0" smtClean="0"/>
+          </a:p>
+          <a:p>
+            <a:pPr>
+              <a:buNone/>
+            </a:pPr>
+            <a:endParaRPr lang="en-US" altLang="zh-CN" dirty="0" smtClean="0"/>
+          </a:p>
+          <a:p>
+            <a:pPr>
+              <a:buNone/>
+            </a:pPr>
+            <a:endParaRPr lang="zh-CN" altLang="en-US" dirty="0"/>
+          </a:p>
+        </p:txBody>
+      </p:sp>
+    </p:spTree>
+  </p:cSld>
+  <p:clrMapOvr>
+    <a:masterClrMapping/>
+  </p:clrMapOvr>
+</p:sld>
+</file>
+
+<file path=ppt/slides/slide199.xml><?xml version="1.0" encoding="utf-8"?>
+<p:sld xmlns:a="http://schemas.openxmlformats.org/drawingml/2006/main" xmlns:r="http://schemas.openxmlformats.org/officeDocument/2006/relationships" xmlns:p="http://schemas.openxmlformats.org/presentationml/2006/main">
+  <p:cSld>
+    <p:spTree>
+      <p:nvGrpSpPr>
+        <p:cNvPr id="1" name=""/>
+        <p:cNvGrpSpPr/>
+        <p:nvPr/>
+      </p:nvGrpSpPr>
+      <p:grpSpPr>
+        <a:xfrm>
+          <a:off x="0" y="0"/>
+          <a:ext cx="0" cy="0"/>
+          <a:chOff x="0" y="0"/>
+          <a:chExt cx="0" cy="0"/>
+        </a:xfrm>
+      </p:grpSpPr>
+      <p:sp>
+        <p:nvSpPr>
+          <p:cNvPr id="2" name="标题 1"/>
+          <p:cNvSpPr>
+            <a:spLocks noGrp="1"/>
+          </p:cNvSpPr>
+          <p:nvPr>
+            <p:ph type="title"/>
+          </p:nvPr>
+        </p:nvSpPr>
+        <p:spPr/>
+        <p:txBody>
+          <a:bodyPr/>
+          <a:lstStyle/>
+          <a:p>
+            <a:pPr algn="l"/>
+            <a:r>
+              <a:rPr lang="en-US" altLang="zh-CN" dirty="0" smtClean="0"/>
+              <a:t>20.2</a:t>
+            </a:r>
+            <a:r>
+              <a:rPr lang="zh-CN" altLang="en-US" b="1" dirty="0" smtClean="0"/>
+              <a:t>　掷骰子</a:t>
+            </a:r>
+            <a:endParaRPr lang="zh-CN" altLang="en-US" dirty="0"/>
+          </a:p>
+        </p:txBody>
+      </p:sp>
+      <p:sp>
+        <p:nvSpPr>
+          <p:cNvPr id="5" name="内容占位符 4"/>
+          <p:cNvSpPr>
+            <a:spLocks noGrp="1"/>
+          </p:cNvSpPr>
+          <p:nvPr>
+            <p:ph idx="1"/>
+          </p:nvPr>
+        </p:nvSpPr>
+        <p:spPr/>
+        <p:txBody>
+          <a:bodyPr>
+            <a:noAutofit/>
+          </a:bodyPr>
+          <a:lstStyle/>
+          <a:p>
+            <a:r>
+              <a:rPr lang="en-US" altLang="zh-CN" sz="1600" dirty="0" smtClean="0"/>
+              <a:t>1+1 = 2 </a:t>
+            </a:r>
+            <a:r>
+              <a:rPr lang="en-US" altLang="zh-CN" sz="1600" dirty="0" smtClean="0"/>
+              <a:t>1+2 </a:t>
+            </a:r>
+            <a:r>
+              <a:rPr lang="en-US" altLang="zh-CN" sz="1600" dirty="0" smtClean="0"/>
+              <a:t>= 3 1+3 = 4 1+4 = 5 1+5 = 6 1+6 = 7</a:t>
+            </a:r>
+          </a:p>
+          <a:p>
+            <a:r>
+              <a:rPr lang="en-US" altLang="zh-CN" sz="1600" dirty="0" smtClean="0"/>
+              <a:t>2+1 = 3 2+2 = 4 2+3 = 5 2+4 = 6 2+5 = 7 2+6 = 8</a:t>
+            </a:r>
+          </a:p>
+          <a:p>
+            <a:r>
+              <a:rPr lang="en-US" altLang="zh-CN" sz="1600" dirty="0" smtClean="0"/>
+              <a:t>3+1 = 4 3+2 = 5 3+3 = 6 3+4 = 7 3+5 = 8 3+6 = 9</a:t>
+            </a:r>
+          </a:p>
+          <a:p>
+            <a:r>
+              <a:rPr lang="en-US" altLang="zh-CN" sz="1600" dirty="0" smtClean="0"/>
+              <a:t>4+1 = 5 4+2 = 6 4+3 = 7 4+4 = 8 4+5 = 9 4+6 = 10</a:t>
+            </a:r>
+          </a:p>
+          <a:p>
+            <a:r>
+              <a:rPr lang="en-US" altLang="zh-CN" sz="1600" dirty="0" smtClean="0"/>
+              <a:t>5+1 = 6 5+2 = 7 5+3 = 8 5+4 = 9 5+5 = 10 5+6 = 11</a:t>
+            </a:r>
+          </a:p>
+          <a:p>
+            <a:r>
+              <a:rPr lang="en-US" altLang="zh-CN" sz="1600" dirty="0" smtClean="0"/>
+              <a:t>6+1 = 7 6+2 = 8 6+3 = 9 6+4 = 10 6+5 = 11 6+6 = </a:t>
+            </a:r>
+            <a:r>
+              <a:rPr lang="en-US" altLang="zh-CN" sz="1600" dirty="0" smtClean="0"/>
+              <a:t>12</a:t>
+            </a:r>
+          </a:p>
+          <a:p>
+            <a:r>
+              <a:rPr lang="zh-CN" altLang="en-US" sz="1600" dirty="0" smtClean="0">
+                <a:latin typeface="FZSSJW--GB1-0"/>
+              </a:rPr>
+              <a:t>共有</a:t>
+            </a:r>
+            <a:r>
+              <a:rPr lang="en-US" altLang="zh-CN" sz="1600" dirty="0" smtClean="0">
+                <a:latin typeface="TimesNewRomanPSMT"/>
+              </a:rPr>
+              <a:t>36 </a:t>
+            </a:r>
+            <a:r>
+              <a:rPr lang="zh-CN" altLang="en-US" sz="1600" dirty="0" smtClean="0">
+                <a:latin typeface="FZSSJW--GB1-0"/>
+              </a:rPr>
+              <a:t>种可能的组合</a:t>
+            </a:r>
+            <a:r>
+              <a:rPr lang="zh-CN" altLang="en-US" sz="1600" dirty="0" smtClean="0">
+                <a:latin typeface="宋体"/>
+              </a:rPr>
+              <a:t>。</a:t>
+            </a:r>
+            <a:r>
+              <a:rPr lang="zh-CN" altLang="en-US" sz="1600" dirty="0" smtClean="0">
+                <a:latin typeface="FZSSJW--GB1-0"/>
+              </a:rPr>
+              <a:t>现在来看每个总数出现的次数</a:t>
+            </a:r>
+            <a:r>
+              <a:rPr lang="zh-CN" altLang="en-US" sz="1600" dirty="0" smtClean="0">
+                <a:latin typeface="宋体"/>
+              </a:rPr>
+              <a:t>：</a:t>
+            </a:r>
+            <a:endParaRPr lang="en-US" altLang="zh-CN" sz="1600" dirty="0" smtClean="0"/>
+          </a:p>
+          <a:p>
+            <a:r>
+              <a:rPr lang="zh-CN" altLang="en-US" sz="1600" dirty="0" smtClean="0"/>
+              <a:t>总数 </a:t>
+            </a:r>
+            <a:r>
+              <a:rPr lang="en-US" altLang="zh-CN" sz="1600" dirty="0" smtClean="0"/>
+              <a:t>2 </a:t>
+            </a:r>
+            <a:r>
+              <a:rPr lang="zh-CN" altLang="en-US" sz="1600" dirty="0" smtClean="0"/>
+              <a:t>出现 </a:t>
+            </a:r>
+            <a:r>
+              <a:rPr lang="en-US" altLang="zh-CN" sz="1600" dirty="0" smtClean="0"/>
+              <a:t>1 </a:t>
+            </a:r>
+            <a:r>
+              <a:rPr lang="zh-CN" altLang="en-US" sz="1600" dirty="0" smtClean="0"/>
+              <a:t>次</a:t>
+            </a:r>
+            <a:r>
+              <a:rPr lang="zh-CN" altLang="en-US" sz="1600" dirty="0" smtClean="0"/>
+              <a:t>；   </a:t>
+            </a:r>
+            <a:r>
+              <a:rPr lang="zh-CN" altLang="en-US" sz="1600" dirty="0" smtClean="0"/>
+              <a:t>总数 </a:t>
+            </a:r>
+            <a:r>
+              <a:rPr lang="en-US" altLang="zh-CN" sz="1600" dirty="0" smtClean="0"/>
+              <a:t>3 </a:t>
+            </a:r>
+            <a:r>
+              <a:rPr lang="zh-CN" altLang="en-US" sz="1600" dirty="0" smtClean="0"/>
+              <a:t>出现 </a:t>
+            </a:r>
+            <a:r>
+              <a:rPr lang="en-US" altLang="zh-CN" sz="1600" dirty="0" smtClean="0"/>
+              <a:t>2 </a:t>
+            </a:r>
+            <a:r>
+              <a:rPr lang="zh-CN" altLang="en-US" sz="1600" dirty="0" smtClean="0"/>
+              <a:t>次；</a:t>
+            </a:r>
+          </a:p>
+          <a:p>
+            <a:r>
+              <a:rPr lang="zh-CN" altLang="en-US" sz="1600" dirty="0" smtClean="0"/>
+              <a:t>总数 </a:t>
+            </a:r>
+            <a:r>
+              <a:rPr lang="en-US" altLang="zh-CN" sz="1600" dirty="0" smtClean="0"/>
+              <a:t>4 </a:t>
+            </a:r>
+            <a:r>
+              <a:rPr lang="zh-CN" altLang="en-US" sz="1600" dirty="0" smtClean="0"/>
+              <a:t>出现 </a:t>
+            </a:r>
+            <a:r>
+              <a:rPr lang="en-US" altLang="zh-CN" sz="1600" dirty="0" smtClean="0"/>
+              <a:t>3 </a:t>
+            </a:r>
+            <a:r>
+              <a:rPr lang="zh-CN" altLang="en-US" sz="1600" dirty="0" smtClean="0"/>
+              <a:t>次</a:t>
+            </a:r>
+            <a:r>
+              <a:rPr lang="zh-CN" altLang="en-US" sz="1600" dirty="0" smtClean="0"/>
+              <a:t>；    </a:t>
+            </a:r>
+            <a:r>
+              <a:rPr lang="zh-CN" altLang="en-US" sz="1600" dirty="0" smtClean="0"/>
+              <a:t>总数 </a:t>
+            </a:r>
+            <a:r>
+              <a:rPr lang="en-US" altLang="zh-CN" sz="1600" dirty="0" smtClean="0"/>
+              <a:t>5 </a:t>
+            </a:r>
+            <a:r>
+              <a:rPr lang="zh-CN" altLang="en-US" sz="1600" dirty="0" smtClean="0"/>
+              <a:t>出现 </a:t>
+            </a:r>
+            <a:r>
+              <a:rPr lang="en-US" altLang="zh-CN" sz="1600" dirty="0" smtClean="0"/>
+              <a:t>4 </a:t>
+            </a:r>
+            <a:r>
+              <a:rPr lang="zh-CN" altLang="en-US" sz="1600" dirty="0" smtClean="0"/>
+              <a:t>次；</a:t>
+            </a:r>
+          </a:p>
+          <a:p>
+            <a:r>
+              <a:rPr lang="zh-CN" altLang="en-US" sz="1600" dirty="0" smtClean="0"/>
+              <a:t>总数 </a:t>
+            </a:r>
+            <a:r>
+              <a:rPr lang="en-US" altLang="zh-CN" sz="1600" dirty="0" smtClean="0"/>
+              <a:t>6 </a:t>
+            </a:r>
+            <a:r>
+              <a:rPr lang="zh-CN" altLang="en-US" sz="1600" dirty="0" smtClean="0"/>
+              <a:t>出现 </a:t>
+            </a:r>
+            <a:r>
+              <a:rPr lang="en-US" altLang="zh-CN" sz="1600" dirty="0" smtClean="0"/>
+              <a:t>5 </a:t>
+            </a:r>
+            <a:r>
+              <a:rPr lang="zh-CN" altLang="en-US" sz="1600" dirty="0" smtClean="0"/>
+              <a:t>次</a:t>
+            </a:r>
+            <a:r>
+              <a:rPr lang="zh-CN" altLang="en-US" sz="1600" dirty="0" smtClean="0"/>
+              <a:t>；   </a:t>
+            </a:r>
+            <a:r>
+              <a:rPr lang="zh-CN" altLang="en-US" sz="1600" dirty="0" smtClean="0"/>
+              <a:t>总数 </a:t>
+            </a:r>
+            <a:r>
+              <a:rPr lang="en-US" altLang="zh-CN" sz="1600" dirty="0" smtClean="0"/>
+              <a:t>7 </a:t>
+            </a:r>
+            <a:r>
+              <a:rPr lang="zh-CN" altLang="en-US" sz="1600" dirty="0" smtClean="0"/>
+              <a:t>出现 </a:t>
+            </a:r>
+            <a:r>
+              <a:rPr lang="en-US" altLang="zh-CN" sz="1600" dirty="0" smtClean="0"/>
+              <a:t>6 </a:t>
+            </a:r>
+            <a:r>
+              <a:rPr lang="zh-CN" altLang="en-US" sz="1600" dirty="0" smtClean="0"/>
+              <a:t>次；</a:t>
+            </a:r>
+          </a:p>
+          <a:p>
+            <a:r>
+              <a:rPr lang="zh-CN" altLang="en-US" sz="1600" dirty="0" smtClean="0"/>
+              <a:t>总数 </a:t>
+            </a:r>
+            <a:r>
+              <a:rPr lang="en-US" altLang="zh-CN" sz="1600" dirty="0" smtClean="0"/>
+              <a:t>8 </a:t>
+            </a:r>
+            <a:r>
+              <a:rPr lang="zh-CN" altLang="en-US" sz="1600" dirty="0" smtClean="0"/>
+              <a:t>出现 </a:t>
+            </a:r>
+            <a:r>
+              <a:rPr lang="en-US" altLang="zh-CN" sz="1600" dirty="0" smtClean="0"/>
+              <a:t>5 </a:t>
+            </a:r>
+            <a:r>
+              <a:rPr lang="zh-CN" altLang="en-US" sz="1600" dirty="0" smtClean="0"/>
+              <a:t>次</a:t>
+            </a:r>
+            <a:r>
+              <a:rPr lang="zh-CN" altLang="en-US" sz="1600" dirty="0" smtClean="0"/>
+              <a:t>；   </a:t>
+            </a:r>
+            <a:r>
+              <a:rPr lang="zh-CN" altLang="en-US" sz="1600" dirty="0" smtClean="0"/>
+              <a:t>总数 </a:t>
+            </a:r>
+            <a:r>
+              <a:rPr lang="en-US" altLang="zh-CN" sz="1600" dirty="0" smtClean="0"/>
+              <a:t>9 </a:t>
+            </a:r>
+            <a:r>
+              <a:rPr lang="zh-CN" altLang="en-US" sz="1600" dirty="0" smtClean="0"/>
+              <a:t>出现 </a:t>
+            </a:r>
+            <a:r>
+              <a:rPr lang="en-US" altLang="zh-CN" sz="1600" dirty="0" smtClean="0"/>
+              <a:t>4 </a:t>
+            </a:r>
+            <a:r>
+              <a:rPr lang="zh-CN" altLang="en-US" sz="1600" dirty="0" smtClean="0"/>
+              <a:t>次；</a:t>
+            </a:r>
+          </a:p>
+          <a:p>
+            <a:r>
+              <a:rPr lang="zh-CN" altLang="en-US" sz="1600" dirty="0" smtClean="0"/>
+              <a:t>总数 </a:t>
+            </a:r>
+            <a:r>
+              <a:rPr lang="en-US" altLang="zh-CN" sz="1600" dirty="0" smtClean="0"/>
+              <a:t>10 </a:t>
+            </a:r>
+            <a:r>
+              <a:rPr lang="zh-CN" altLang="en-US" sz="1600" dirty="0" smtClean="0"/>
+              <a:t>出现 </a:t>
+            </a:r>
+            <a:r>
+              <a:rPr lang="en-US" altLang="zh-CN" sz="1600" dirty="0" smtClean="0"/>
+              <a:t>3 </a:t>
+            </a:r>
+            <a:r>
+              <a:rPr lang="zh-CN" altLang="en-US" sz="1600" dirty="0" smtClean="0"/>
+              <a:t>次</a:t>
+            </a:r>
+            <a:r>
+              <a:rPr lang="zh-CN" altLang="en-US" sz="1600" dirty="0" smtClean="0"/>
+              <a:t>； </a:t>
+            </a:r>
+            <a:r>
+              <a:rPr lang="zh-CN" altLang="en-US" sz="1600" dirty="0" smtClean="0"/>
+              <a:t>总数 </a:t>
+            </a:r>
+            <a:r>
+              <a:rPr lang="en-US" altLang="zh-CN" sz="1600" dirty="0" smtClean="0"/>
+              <a:t>11 </a:t>
+            </a:r>
+            <a:r>
+              <a:rPr lang="zh-CN" altLang="en-US" sz="1600" dirty="0" smtClean="0"/>
+              <a:t>出现 </a:t>
+            </a:r>
+            <a:r>
+              <a:rPr lang="en-US" altLang="zh-CN" sz="1600" dirty="0" smtClean="0"/>
+              <a:t>2 </a:t>
+            </a:r>
+            <a:r>
+              <a:rPr lang="zh-CN" altLang="en-US" sz="1600" dirty="0" smtClean="0"/>
+              <a:t>次；</a:t>
+            </a:r>
+          </a:p>
+          <a:p>
+            <a:r>
+              <a:rPr lang="zh-CN" altLang="en-US" sz="1600" dirty="0" smtClean="0"/>
+              <a:t>总数 </a:t>
+            </a:r>
+            <a:r>
+              <a:rPr lang="en-US" altLang="zh-CN" sz="1600" dirty="0" smtClean="0"/>
+              <a:t>12 </a:t>
+            </a:r>
+            <a:r>
+              <a:rPr lang="zh-CN" altLang="en-US" sz="1600" dirty="0" smtClean="0"/>
+              <a:t>出现 </a:t>
+            </a:r>
+            <a:r>
+              <a:rPr lang="en-US" altLang="zh-CN" sz="1600" dirty="0" smtClean="0"/>
+              <a:t>1 </a:t>
+            </a:r>
+            <a:r>
+              <a:rPr lang="zh-CN" altLang="en-US" sz="1600" dirty="0" smtClean="0"/>
+              <a:t>次。</a:t>
+            </a:r>
+            <a:endParaRPr lang="zh-CN" altLang="en-US" sz="1600" dirty="0"/>
           </a:p>
         </p:txBody>
       </p:sp>
@@ -18294,6 +19225,800 @@
       </p:par>
     </p:tnLst>
   </p:timing>
+</p:sld>
+</file>
+
+<file path=ppt/slides/slide200.xml><?xml version="1.0" encoding="utf-8"?>
+<p:sld xmlns:a="http://schemas.openxmlformats.org/drawingml/2006/main" xmlns:r="http://schemas.openxmlformats.org/officeDocument/2006/relationships" xmlns:p="http://schemas.openxmlformats.org/presentationml/2006/main">
+  <p:cSld>
+    <p:spTree>
+      <p:nvGrpSpPr>
+        <p:cNvPr id="1" name=""/>
+        <p:cNvGrpSpPr/>
+        <p:nvPr/>
+      </p:nvGrpSpPr>
+      <p:grpSpPr>
+        <a:xfrm>
+          <a:off x="0" y="0"/>
+          <a:ext cx="0" cy="0"/>
+          <a:chOff x="0" y="0"/>
+          <a:chExt cx="0" cy="0"/>
+        </a:xfrm>
+      </p:grpSpPr>
+      <p:sp>
+        <p:nvSpPr>
+          <p:cNvPr id="2" name="标题 1"/>
+          <p:cNvSpPr>
+            <a:spLocks noGrp="1"/>
+          </p:cNvSpPr>
+          <p:nvPr>
+            <p:ph type="title"/>
+          </p:nvPr>
+        </p:nvSpPr>
+        <p:spPr/>
+        <p:txBody>
+          <a:bodyPr/>
+          <a:lstStyle/>
+          <a:p>
+            <a:pPr algn="l"/>
+            <a:r>
+              <a:rPr lang="en-US" altLang="zh-CN" dirty="0" smtClean="0"/>
+              <a:t>23.3</a:t>
+            </a:r>
+            <a:r>
+              <a:rPr lang="zh-CN" altLang="en-US" b="1" dirty="0" smtClean="0"/>
+              <a:t>　创建一副牌</a:t>
+            </a:r>
+            <a:endParaRPr lang="zh-CN" altLang="en-US" dirty="0"/>
+          </a:p>
+        </p:txBody>
+      </p:sp>
+      <p:sp>
+        <p:nvSpPr>
+          <p:cNvPr id="3" name="内容占位符 2"/>
+          <p:cNvSpPr>
+            <a:spLocks noGrp="1"/>
+          </p:cNvSpPr>
+          <p:nvPr>
+            <p:ph idx="1"/>
+          </p:nvPr>
+        </p:nvSpPr>
+        <p:spPr/>
+        <p:txBody>
+          <a:bodyPr>
+            <a:normAutofit fontScale="85000" lnSpcReduction="20000"/>
+          </a:bodyPr>
+          <a:lstStyle/>
+          <a:p>
+            <a:r>
+              <a:rPr lang="zh-CN" altLang="en-US" dirty="0" smtClean="0"/>
+              <a:t>游戏中经常使用的另一种随机事件是抽牌。投硬币和掷骰子每次的概率都是相同的，但是纸牌就不同了。因为牌会越来越少，这会改变抽出剩余牌的概率。</a:t>
+            </a:r>
+            <a:endParaRPr lang="en-US" altLang="zh-CN" dirty="0" smtClean="0"/>
+          </a:p>
+          <a:p>
+            <a:r>
+              <a:rPr lang="zh-CN" altLang="en-US" dirty="0" smtClean="0"/>
+              <a:t>洗牌</a:t>
+            </a:r>
+            <a:endParaRPr lang="en-US" altLang="zh-CN" dirty="0" smtClean="0"/>
+          </a:p>
+          <a:p>
+            <a:pPr lvl="1"/>
+            <a:r>
+              <a:rPr lang="zh-CN" altLang="en-US" dirty="0" smtClean="0"/>
+              <a:t>这就像把</a:t>
+            </a:r>
+            <a:r>
+              <a:rPr lang="zh-CN" altLang="en-US" dirty="0" smtClean="0"/>
+              <a:t>牌摊开</a:t>
+            </a:r>
+            <a:r>
+              <a:rPr lang="zh-CN" altLang="en-US" dirty="0" smtClean="0"/>
+              <a:t>，说“选一张牌，随便哪张都行</a:t>
+            </a:r>
+            <a:r>
+              <a:rPr lang="zh-CN" altLang="en-US" dirty="0" smtClean="0"/>
+              <a:t>”</a:t>
+            </a:r>
+            <a:endParaRPr lang="en-US" altLang="zh-CN" dirty="0" smtClean="0"/>
+          </a:p>
+          <a:p>
+            <a:r>
+              <a:rPr lang="zh-CN" altLang="en-US" dirty="0" smtClean="0"/>
+              <a:t>纸牌</a:t>
+            </a:r>
+            <a:r>
+              <a:rPr lang="zh-CN" altLang="en-US" dirty="0" smtClean="0"/>
+              <a:t>对象</a:t>
+            </a:r>
+            <a:endParaRPr lang="en-US" altLang="zh-CN" dirty="0" smtClean="0"/>
+          </a:p>
+          <a:p>
+            <a:pPr lvl="1"/>
+            <a:r>
+              <a:rPr lang="zh-CN" altLang="en-US" dirty="0" smtClean="0"/>
+              <a:t></a:t>
+            </a:r>
+            <a:r>
+              <a:rPr lang="zh-CN" altLang="en-US" dirty="0" smtClean="0"/>
+              <a:t>花色</a:t>
+            </a:r>
+            <a:r>
+              <a:rPr lang="en-US" altLang="zh-CN" dirty="0" smtClean="0"/>
+              <a:t>—</a:t>
+            </a:r>
+            <a:r>
+              <a:rPr lang="zh-CN" altLang="en-US" dirty="0" smtClean="0"/>
+              <a:t>方块、红桃、梅花或黑桃。</a:t>
+            </a:r>
+          </a:p>
+          <a:p>
+            <a:pPr lvl="1"/>
+            <a:r>
+              <a:rPr lang="zh-CN" altLang="en-US" dirty="0" smtClean="0"/>
+              <a:t>点数</a:t>
+            </a:r>
+            <a:r>
+              <a:rPr lang="en-US" altLang="zh-CN" dirty="0" smtClean="0"/>
+              <a:t>—A</a:t>
+            </a:r>
+            <a:r>
+              <a:rPr lang="zh-CN" altLang="en-US" dirty="0" smtClean="0"/>
+              <a:t>、</a:t>
+            </a:r>
+            <a:r>
+              <a:rPr lang="en-US" altLang="zh-CN" dirty="0" smtClean="0"/>
+              <a:t>2</a:t>
+            </a:r>
+            <a:r>
+              <a:rPr lang="zh-CN" altLang="en-US" dirty="0" smtClean="0"/>
+              <a:t>、</a:t>
+            </a:r>
+            <a:r>
+              <a:rPr lang="en-US" altLang="zh-CN" dirty="0" smtClean="0"/>
+              <a:t>3</a:t>
+            </a:r>
+            <a:r>
+              <a:rPr lang="zh-CN" altLang="en-US" dirty="0" smtClean="0"/>
+              <a:t>，</a:t>
+            </a:r>
+            <a:r>
+              <a:rPr lang="en-US" altLang="zh-CN" dirty="0" smtClean="0"/>
+              <a:t>…10</a:t>
+            </a:r>
+            <a:r>
+              <a:rPr lang="zh-CN" altLang="en-US" dirty="0" smtClean="0"/>
+              <a:t>、</a:t>
+            </a:r>
+            <a:r>
+              <a:rPr lang="en-US" altLang="zh-CN" dirty="0" smtClean="0"/>
+              <a:t>J</a:t>
+            </a:r>
+            <a:r>
+              <a:rPr lang="zh-CN" altLang="en-US" dirty="0" smtClean="0"/>
+              <a:t>、</a:t>
+            </a:r>
+            <a:r>
+              <a:rPr lang="en-US" altLang="zh-CN" dirty="0" smtClean="0"/>
+              <a:t>Q</a:t>
+            </a:r>
+            <a:r>
+              <a:rPr lang="zh-CN" altLang="en-US" dirty="0" smtClean="0"/>
+              <a:t>、</a:t>
+            </a:r>
+            <a:r>
+              <a:rPr lang="en-US" altLang="zh-CN" dirty="0" smtClean="0"/>
+              <a:t>K</a:t>
+            </a:r>
+            <a:r>
+              <a:rPr lang="zh-CN" altLang="en-US" dirty="0" smtClean="0"/>
+              <a:t>。</a:t>
+            </a:r>
+            <a:endParaRPr lang="en-US" altLang="zh-CN" dirty="0" smtClean="0"/>
+          </a:p>
+          <a:p>
+            <a:pPr lvl="1"/>
+            <a:r>
+              <a:rPr lang="zh-CN" altLang="en-US" sz="2400" dirty="0" smtClean="0"/>
+              <a:t></a:t>
+            </a:r>
+            <a:r>
+              <a:rPr lang="zh-CN" altLang="en-US" dirty="0" smtClean="0"/>
+              <a:t>分值</a:t>
+            </a:r>
+            <a:r>
+              <a:rPr lang="en-US" altLang="zh-CN" dirty="0" smtClean="0"/>
+              <a:t>—</a:t>
+            </a:r>
+            <a:r>
+              <a:rPr lang="zh-CN" altLang="en-US" dirty="0" smtClean="0"/>
+              <a:t>用数字编号的牌（</a:t>
+            </a:r>
+            <a:r>
+              <a:rPr lang="en-US" altLang="zh-CN" dirty="0" smtClean="0"/>
+              <a:t>2 </a:t>
+            </a:r>
+            <a:r>
+              <a:rPr lang="zh-CN" altLang="en-US" dirty="0" smtClean="0"/>
+              <a:t>到 </a:t>
+            </a:r>
+            <a:r>
+              <a:rPr lang="en-US" altLang="zh-CN" dirty="0" smtClean="0"/>
+              <a:t>10</a:t>
+            </a:r>
+            <a:r>
+              <a:rPr lang="zh-CN" altLang="en-US" dirty="0" smtClean="0"/>
+              <a:t>），</a:t>
+            </a:r>
+            <a:r>
+              <a:rPr lang="zh-CN" altLang="en-US" dirty="0" smtClean="0"/>
+              <a:t>通常分值</a:t>
+            </a:r>
+            <a:r>
+              <a:rPr lang="zh-CN" altLang="en-US" dirty="0" smtClean="0"/>
+              <a:t>就等于牌的点数。对于</a:t>
+            </a:r>
+            <a:r>
+              <a:rPr lang="en-US" altLang="zh-CN" dirty="0" smtClean="0"/>
+              <a:t>J</a:t>
+            </a:r>
+            <a:r>
+              <a:rPr lang="zh-CN" altLang="en-US" dirty="0" smtClean="0"/>
+              <a:t>、</a:t>
+            </a:r>
+            <a:r>
+              <a:rPr lang="en-US" altLang="zh-CN" dirty="0" smtClean="0"/>
+              <a:t>Q </a:t>
+            </a:r>
+            <a:r>
+              <a:rPr lang="zh-CN" altLang="en-US" dirty="0" smtClean="0"/>
+              <a:t>和</a:t>
+            </a:r>
+            <a:r>
+              <a:rPr lang="en-US" altLang="zh-CN" dirty="0" smtClean="0"/>
+              <a:t>K</a:t>
+            </a:r>
+            <a:r>
+              <a:rPr lang="zh-CN" altLang="en-US" dirty="0" smtClean="0"/>
+              <a:t>，</a:t>
+            </a:r>
+            <a:r>
+              <a:rPr lang="zh-CN" altLang="en-US" dirty="0" smtClean="0"/>
+              <a:t>分值</a:t>
+            </a:r>
+            <a:r>
+              <a:rPr lang="zh-CN" altLang="en-US" dirty="0" smtClean="0"/>
+              <a:t>通常是</a:t>
+            </a:r>
+            <a:r>
+              <a:rPr lang="en-US" altLang="zh-CN" dirty="0" smtClean="0"/>
+              <a:t>10</a:t>
+            </a:r>
+            <a:r>
+              <a:rPr lang="zh-CN" altLang="en-US" dirty="0" smtClean="0"/>
+              <a:t>，</a:t>
+            </a:r>
+            <a:r>
+              <a:rPr lang="en-US" altLang="zh-CN" dirty="0" smtClean="0"/>
+              <a:t>A </a:t>
+            </a:r>
+            <a:r>
+              <a:rPr lang="zh-CN" altLang="en-US" dirty="0" smtClean="0"/>
+              <a:t>的分值可能是</a:t>
+            </a:r>
+            <a:r>
+              <a:rPr lang="en-US" altLang="zh-CN" dirty="0" smtClean="0"/>
+              <a:t>1</a:t>
+            </a:r>
+            <a:r>
+              <a:rPr lang="zh-CN" altLang="en-US" dirty="0" smtClean="0"/>
+              <a:t>、</a:t>
+            </a:r>
+            <a:r>
+              <a:rPr lang="en-US" altLang="zh-CN" dirty="0" smtClean="0"/>
+              <a:t>11 </a:t>
+            </a:r>
+            <a:r>
+              <a:rPr lang="zh-CN" altLang="en-US" dirty="0" smtClean="0"/>
+              <a:t>或者另外</a:t>
+            </a:r>
+            <a:r>
+              <a:rPr lang="zh-CN" altLang="en-US" dirty="0" smtClean="0"/>
+              <a:t>某个值，这要依具体游戏而定</a:t>
+            </a:r>
+            <a:endParaRPr lang="en-US" altLang="zh-CN" dirty="0" smtClean="0"/>
+          </a:p>
+        </p:txBody>
+      </p:sp>
+    </p:spTree>
+  </p:cSld>
+  <p:clrMapOvr>
+    <a:masterClrMapping/>
+  </p:clrMapOvr>
+</p:sld>
+</file>
+
+<file path=ppt/slides/slide201.xml><?xml version="1.0" encoding="utf-8"?>
+<p:sld xmlns:a="http://schemas.openxmlformats.org/drawingml/2006/main" xmlns:r="http://schemas.openxmlformats.org/officeDocument/2006/relationships" xmlns:p="http://schemas.openxmlformats.org/presentationml/2006/main">
+  <p:cSld>
+    <p:spTree>
+      <p:nvGrpSpPr>
+        <p:cNvPr id="1" name=""/>
+        <p:cNvGrpSpPr/>
+        <p:nvPr/>
+      </p:nvGrpSpPr>
+      <p:grpSpPr>
+        <a:xfrm>
+          <a:off x="0" y="0"/>
+          <a:ext cx="0" cy="0"/>
+          <a:chOff x="0" y="0"/>
+          <a:chExt cx="0" cy="0"/>
+        </a:xfrm>
+      </p:grpSpPr>
+      <p:sp>
+        <p:nvSpPr>
+          <p:cNvPr id="2" name="标题 1"/>
+          <p:cNvSpPr>
+            <a:spLocks noGrp="1"/>
+          </p:cNvSpPr>
+          <p:nvPr>
+            <p:ph type="title"/>
+          </p:nvPr>
+        </p:nvSpPr>
+        <p:spPr/>
+        <p:txBody>
+          <a:bodyPr/>
+          <a:lstStyle/>
+          <a:p>
+            <a:pPr algn="l"/>
+            <a:r>
+              <a:rPr lang="zh-CN" altLang="en-US" dirty="0" smtClean="0"/>
+              <a:t>学到了什么</a:t>
+            </a:r>
+            <a:endParaRPr lang="zh-CN" altLang="en-US" dirty="0"/>
+          </a:p>
+        </p:txBody>
+      </p:sp>
+      <p:sp>
+        <p:nvSpPr>
+          <p:cNvPr id="3" name="内容占位符 2"/>
+          <p:cNvSpPr>
+            <a:spLocks noGrp="1"/>
+          </p:cNvSpPr>
+          <p:nvPr>
+            <p:ph idx="1"/>
+          </p:nvPr>
+        </p:nvSpPr>
+        <p:spPr/>
+        <p:txBody>
+          <a:bodyPr/>
+          <a:lstStyle/>
+          <a:p>
+            <a:r>
+              <a:rPr lang="zh-CN" altLang="en-US" dirty="0" smtClean="0"/>
+              <a:t>什么是随机性和随机事件</a:t>
+            </a:r>
+            <a:endParaRPr lang="en-US" altLang="zh-CN" dirty="0" smtClean="0"/>
+          </a:p>
+          <a:p>
+            <a:r>
+              <a:rPr lang="zh-CN" altLang="en-US" dirty="0" smtClean="0"/>
+              <a:t>如何使用 </a:t>
+            </a:r>
+            <a:r>
+              <a:rPr lang="en-US" altLang="zh-CN" dirty="0" smtClean="0"/>
+              <a:t>random</a:t>
+            </a:r>
+            <a:r>
+              <a:rPr lang="zh-CN" altLang="en-US" dirty="0" smtClean="0"/>
+              <a:t>模块在程序中生成</a:t>
+            </a:r>
+            <a:r>
+              <a:rPr lang="zh-CN" altLang="en-US" dirty="0" smtClean="0"/>
+              <a:t>随机事件</a:t>
+            </a:r>
+            <a:endParaRPr lang="en-US" altLang="zh-CN" dirty="0" smtClean="0"/>
+          </a:p>
+          <a:p>
+            <a:r>
+              <a:rPr lang="zh-CN" altLang="en-US" dirty="0" smtClean="0"/>
+              <a:t>如何模拟扔硬币或掷</a:t>
+            </a:r>
+            <a:r>
+              <a:rPr lang="zh-CN" altLang="en-US" dirty="0" smtClean="0"/>
+              <a:t>骰子</a:t>
+            </a:r>
+            <a:endParaRPr lang="en-US" altLang="zh-CN" dirty="0" smtClean="0"/>
+          </a:p>
+          <a:p>
+            <a:r>
+              <a:rPr lang="zh-CN" altLang="en-US" dirty="0" smtClean="0"/>
+              <a:t>如何模拟从一副洗过的牌中抽</a:t>
+            </a:r>
+            <a:r>
+              <a:rPr lang="zh-CN" altLang="en-US" dirty="0" smtClean="0"/>
+              <a:t>牌</a:t>
+            </a:r>
+            <a:endParaRPr lang="en-US" altLang="zh-CN" dirty="0" smtClean="0"/>
+          </a:p>
+          <a:p>
+            <a:r>
+              <a:rPr lang="zh-CN" altLang="en-US" dirty="0" smtClean="0"/>
+              <a:t>如何玩 </a:t>
+            </a:r>
+            <a:r>
+              <a:rPr lang="en-US" altLang="zh-CN" dirty="0" smtClean="0"/>
+              <a:t>Crazy Eights</a:t>
+            </a:r>
+            <a:r>
+              <a:rPr lang="zh-CN" altLang="en-US" dirty="0" smtClean="0"/>
+              <a:t>（如果你以前不知道）。</a:t>
+            </a:r>
+            <a:endParaRPr lang="zh-CN" altLang="en-US" dirty="0"/>
+          </a:p>
+        </p:txBody>
+      </p:sp>
+    </p:spTree>
+  </p:cSld>
+  <p:clrMapOvr>
+    <a:masterClrMapping/>
+  </p:clrMapOvr>
+</p:sld>
+</file>
+
+<file path=ppt/slides/slide202.xml><?xml version="1.0" encoding="utf-8"?>
+<p:sld xmlns:a="http://schemas.openxmlformats.org/drawingml/2006/main" xmlns:r="http://schemas.openxmlformats.org/officeDocument/2006/relationships" xmlns:p="http://schemas.openxmlformats.org/presentationml/2006/main">
+  <p:cSld>
+    <p:spTree>
+      <p:nvGrpSpPr>
+        <p:cNvPr id="1" name=""/>
+        <p:cNvGrpSpPr/>
+        <p:nvPr/>
+      </p:nvGrpSpPr>
+      <p:grpSpPr>
+        <a:xfrm>
+          <a:off x="0" y="0"/>
+          <a:ext cx="0" cy="0"/>
+          <a:chOff x="0" y="0"/>
+          <a:chExt cx="0" cy="0"/>
+        </a:xfrm>
+      </p:grpSpPr>
+      <p:sp>
+        <p:nvSpPr>
+          <p:cNvPr id="2" name="标题 1"/>
+          <p:cNvSpPr>
+            <a:spLocks noGrp="1"/>
+          </p:cNvSpPr>
+          <p:nvPr>
+            <p:ph type="title"/>
+          </p:nvPr>
+        </p:nvSpPr>
+        <p:spPr/>
+        <p:txBody>
+          <a:bodyPr/>
+          <a:lstStyle/>
+          <a:p>
+            <a:pPr algn="l"/>
+            <a:r>
+              <a:rPr lang="zh-CN" altLang="en-US" dirty="0" smtClean="0"/>
+              <a:t>测试题</a:t>
+            </a:r>
+            <a:endParaRPr lang="zh-CN" altLang="en-US" dirty="0"/>
+          </a:p>
+        </p:txBody>
+      </p:sp>
+      <p:sp>
+        <p:nvSpPr>
+          <p:cNvPr id="3" name="内容占位符 2"/>
+          <p:cNvSpPr>
+            <a:spLocks noGrp="1"/>
+          </p:cNvSpPr>
+          <p:nvPr>
+            <p:ph idx="1"/>
+          </p:nvPr>
+        </p:nvSpPr>
+        <p:spPr/>
+        <p:txBody>
+          <a:bodyPr>
+            <a:normAutofit fontScale="92500" lnSpcReduction="20000"/>
+          </a:bodyPr>
+          <a:lstStyle/>
+          <a:p>
+            <a:r>
+              <a:rPr lang="zh-CN" altLang="en-US" dirty="0" smtClean="0"/>
+              <a:t>说明什么是“随机事件”。给出两个例子</a:t>
+            </a:r>
+            <a:r>
+              <a:rPr lang="zh-CN" altLang="en-US" dirty="0" smtClean="0"/>
+              <a:t>。</a:t>
+            </a:r>
+            <a:endParaRPr lang="en-US" altLang="zh-CN" dirty="0" smtClean="0"/>
+          </a:p>
+          <a:p>
+            <a:r>
+              <a:rPr lang="zh-CN" altLang="en-US" dirty="0" smtClean="0"/>
+              <a:t>为什么扔一个</a:t>
+            </a:r>
+            <a:r>
+              <a:rPr lang="en-US" altLang="zh-CN" dirty="0" smtClean="0"/>
+              <a:t>11 </a:t>
+            </a:r>
+            <a:r>
+              <a:rPr lang="zh-CN" altLang="en-US" dirty="0" smtClean="0"/>
+              <a:t>面（各个面上的数为</a:t>
+            </a:r>
+            <a:r>
+              <a:rPr lang="en-US" altLang="zh-CN" dirty="0" smtClean="0"/>
+              <a:t>2 </a:t>
+            </a:r>
+            <a:r>
+              <a:rPr lang="zh-CN" altLang="en-US" dirty="0" smtClean="0"/>
+              <a:t>～ </a:t>
+            </a:r>
+            <a:r>
+              <a:rPr lang="en-US" altLang="zh-CN" dirty="0" smtClean="0"/>
+              <a:t>12</a:t>
+            </a:r>
+            <a:r>
+              <a:rPr lang="zh-CN" altLang="en-US" dirty="0" smtClean="0"/>
+              <a:t>）的骰子与扔两个</a:t>
+            </a:r>
+            <a:r>
+              <a:rPr lang="en-US" altLang="zh-CN" dirty="0" smtClean="0"/>
+              <a:t>6 </a:t>
+            </a:r>
+            <a:r>
+              <a:rPr lang="zh-CN" altLang="en-US" dirty="0" smtClean="0"/>
+              <a:t>面的</a:t>
+            </a:r>
+            <a:r>
+              <a:rPr lang="zh-CN" altLang="en-US" dirty="0" smtClean="0"/>
+              <a:t>骰子（</a:t>
+            </a:r>
+            <a:r>
+              <a:rPr lang="zh-CN" altLang="en-US" dirty="0" smtClean="0"/>
+              <a:t>总和也是</a:t>
+            </a:r>
+            <a:r>
+              <a:rPr lang="en-US" altLang="zh-CN" dirty="0" smtClean="0"/>
+              <a:t>2 </a:t>
+            </a:r>
+            <a:r>
+              <a:rPr lang="zh-CN" altLang="en-US" dirty="0" smtClean="0"/>
+              <a:t>～ </a:t>
+            </a:r>
+            <a:r>
+              <a:rPr lang="en-US" altLang="zh-CN" dirty="0" smtClean="0"/>
+              <a:t>12</a:t>
+            </a:r>
+            <a:r>
+              <a:rPr lang="zh-CN" altLang="en-US" dirty="0" smtClean="0"/>
+              <a:t>）不同</a:t>
+            </a:r>
+            <a:r>
+              <a:rPr lang="zh-CN" altLang="en-US" dirty="0" smtClean="0"/>
+              <a:t>？</a:t>
+            </a:r>
+            <a:endParaRPr lang="en-US" altLang="zh-CN" dirty="0" smtClean="0"/>
+          </a:p>
+          <a:p>
+            <a:r>
+              <a:rPr lang="zh-CN" altLang="en-US" dirty="0" smtClean="0"/>
+              <a:t>在</a:t>
+            </a:r>
+            <a:r>
+              <a:rPr lang="en-US" altLang="zh-CN" dirty="0" smtClean="0"/>
+              <a:t>Python </a:t>
+            </a:r>
+            <a:r>
+              <a:rPr lang="zh-CN" altLang="en-US" dirty="0" smtClean="0"/>
+              <a:t>中有哪两种方法来模拟掷</a:t>
+            </a:r>
+            <a:r>
+              <a:rPr lang="zh-CN" altLang="en-US" dirty="0" smtClean="0"/>
+              <a:t>骰子</a:t>
+            </a:r>
+            <a:endParaRPr lang="en-US" altLang="zh-CN" dirty="0" smtClean="0"/>
+          </a:p>
+          <a:p>
+            <a:r>
+              <a:rPr lang="zh-CN" altLang="en-US" dirty="0" smtClean="0"/>
+              <a:t>我们使用哪种</a:t>
+            </a:r>
+            <a:r>
+              <a:rPr lang="en-US" altLang="zh-CN" dirty="0" smtClean="0"/>
+              <a:t>Python </a:t>
+            </a:r>
+            <a:r>
+              <a:rPr lang="zh-CN" altLang="en-US" dirty="0" smtClean="0"/>
+              <a:t>变量表示一张牌</a:t>
+            </a:r>
+            <a:r>
+              <a:rPr lang="zh-CN" altLang="en-US" dirty="0" smtClean="0"/>
+              <a:t>？</a:t>
+            </a:r>
+            <a:endParaRPr lang="en-US" altLang="zh-CN" dirty="0" smtClean="0"/>
+          </a:p>
+          <a:p>
+            <a:r>
+              <a:rPr lang="zh-CN" altLang="en-US" dirty="0" smtClean="0"/>
+              <a:t>我们使用哪种</a:t>
+            </a:r>
+            <a:r>
+              <a:rPr lang="en-US" altLang="zh-CN" dirty="0" smtClean="0"/>
+              <a:t>Python </a:t>
+            </a:r>
+            <a:r>
+              <a:rPr lang="zh-CN" altLang="en-US" dirty="0" smtClean="0"/>
+              <a:t>变量表示一副牌</a:t>
+            </a:r>
+            <a:r>
+              <a:rPr lang="zh-CN" altLang="en-US" dirty="0" smtClean="0"/>
+              <a:t>？</a:t>
+            </a:r>
+            <a:endParaRPr lang="en-US" altLang="zh-CN" dirty="0" smtClean="0"/>
+          </a:p>
+          <a:p>
+            <a:r>
+              <a:rPr lang="zh-CN" altLang="en-US" dirty="0" smtClean="0"/>
+              <a:t>要在抽牌时从一副牌中删除一张牌，或者出牌时从一手牌中删除一张牌，要</a:t>
+            </a:r>
+          </a:p>
+          <a:p>
+            <a:r>
+              <a:rPr lang="zh-CN" altLang="en-US" dirty="0" smtClean="0"/>
+              <a:t>使用什么方法？</a:t>
+            </a:r>
+            <a:endParaRPr lang="zh-CN" altLang="en-US" dirty="0"/>
+          </a:p>
+        </p:txBody>
+      </p:sp>
+    </p:spTree>
+  </p:cSld>
+  <p:clrMapOvr>
+    <a:masterClrMapping/>
+  </p:clrMapOvr>
+</p:sld>
+</file>
+
+<file path=ppt/slides/slide203.xml><?xml version="1.0" encoding="utf-8"?>
+<p:sld xmlns:a="http://schemas.openxmlformats.org/drawingml/2006/main" xmlns:r="http://schemas.openxmlformats.org/officeDocument/2006/relationships" xmlns:p="http://schemas.openxmlformats.org/presentationml/2006/main">
+  <p:cSld>
+    <p:spTree>
+      <p:nvGrpSpPr>
+        <p:cNvPr id="1" name=""/>
+        <p:cNvGrpSpPr/>
+        <p:nvPr/>
+      </p:nvGrpSpPr>
+      <p:grpSpPr>
+        <a:xfrm>
+          <a:off x="0" y="0"/>
+          <a:ext cx="0" cy="0"/>
+          <a:chOff x="0" y="0"/>
+          <a:chExt cx="0" cy="0"/>
+        </a:xfrm>
+      </p:grpSpPr>
+      <p:sp>
+        <p:nvSpPr>
+          <p:cNvPr id="2" name="标题 1"/>
+          <p:cNvSpPr>
+            <a:spLocks noGrp="1"/>
+          </p:cNvSpPr>
+          <p:nvPr>
+            <p:ph type="title"/>
+          </p:nvPr>
+        </p:nvSpPr>
+        <p:spPr/>
+        <p:txBody>
+          <a:bodyPr/>
+          <a:lstStyle/>
+          <a:p>
+            <a:pPr algn="l"/>
+            <a:r>
+              <a:rPr lang="zh-CN" altLang="en-US" smtClean="0"/>
+              <a:t>动手试一试</a:t>
+            </a:r>
+            <a:endParaRPr lang="zh-CN" altLang="en-US"/>
+          </a:p>
+        </p:txBody>
+      </p:sp>
+      <p:sp>
+        <p:nvSpPr>
+          <p:cNvPr id="3" name="内容占位符 2"/>
+          <p:cNvSpPr>
+            <a:spLocks noGrp="1"/>
+          </p:cNvSpPr>
+          <p:nvPr>
+            <p:ph idx="1"/>
+          </p:nvPr>
+        </p:nvSpPr>
+        <p:spPr/>
+        <p:txBody>
+          <a:bodyPr/>
+          <a:lstStyle/>
+          <a:p>
+            <a:r>
+              <a:rPr lang="zh-CN" altLang="en-US" dirty="0" smtClean="0"/>
+              <a:t>使用代码清单</a:t>
+            </a:r>
+            <a:r>
+              <a:rPr lang="en-US" altLang="zh-CN" dirty="0" smtClean="0"/>
+              <a:t>23-3 </a:t>
+            </a:r>
+            <a:r>
+              <a:rPr lang="zh-CN" altLang="en-US" dirty="0" smtClean="0"/>
+              <a:t>的程序试一试“连续</a:t>
+            </a:r>
+            <a:r>
+              <a:rPr lang="en-US" altLang="zh-CN" dirty="0" smtClean="0"/>
+              <a:t>10 </a:t>
+            </a:r>
+            <a:r>
+              <a:rPr lang="zh-CN" altLang="en-US" dirty="0" smtClean="0"/>
+              <a:t>次正面朝上”试验，不过可以</a:t>
+            </a:r>
+            <a:r>
+              <a:rPr lang="zh-CN" altLang="en-US" dirty="0" smtClean="0"/>
+              <a:t>试试不同</a:t>
+            </a:r>
+            <a:r>
+              <a:rPr lang="zh-CN" altLang="en-US" dirty="0" smtClean="0"/>
+              <a:t>的连续次数。多久能出现一次连续</a:t>
+            </a:r>
+            <a:r>
+              <a:rPr lang="en-US" altLang="zh-CN" dirty="0" smtClean="0"/>
+              <a:t>5 </a:t>
+            </a:r>
+            <a:r>
+              <a:rPr lang="zh-CN" altLang="en-US" dirty="0" smtClean="0"/>
+              <a:t>个正面朝上？ </a:t>
+            </a:r>
+            <a:r>
+              <a:rPr lang="en-US" altLang="zh-CN" dirty="0" smtClean="0"/>
+              <a:t>6 </a:t>
+            </a:r>
+            <a:r>
+              <a:rPr lang="zh-CN" altLang="en-US" dirty="0" smtClean="0"/>
+              <a:t>个呢？ </a:t>
+            </a:r>
+            <a:r>
+              <a:rPr lang="en-US" altLang="zh-CN" dirty="0" smtClean="0"/>
+              <a:t>7 </a:t>
+            </a:r>
+            <a:r>
+              <a:rPr lang="zh-CN" altLang="en-US" dirty="0" smtClean="0"/>
+              <a:t>个呢？ </a:t>
+            </a:r>
+            <a:r>
+              <a:rPr lang="en-US" altLang="zh-CN" dirty="0" smtClean="0"/>
+              <a:t>8 </a:t>
+            </a:r>
+            <a:r>
+              <a:rPr lang="zh-CN" altLang="en-US" dirty="0" smtClean="0"/>
+              <a:t>个呢</a:t>
+            </a:r>
+            <a:r>
+              <a:rPr lang="zh-CN" altLang="en-US" dirty="0" smtClean="0"/>
+              <a:t>？</a:t>
+            </a:r>
+            <a:r>
+              <a:rPr lang="en-US" altLang="zh-CN" dirty="0" smtClean="0"/>
+              <a:t>……</a:t>
+            </a:r>
+            <a:r>
+              <a:rPr lang="zh-CN" altLang="en-US" dirty="0" smtClean="0"/>
+              <a:t>你发现规律了吗？</a:t>
+            </a:r>
+            <a:endParaRPr lang="zh-CN" altLang="en-US" dirty="0"/>
+          </a:p>
+        </p:txBody>
+      </p:sp>
+    </p:spTree>
+  </p:cSld>
+  <p:clrMapOvr>
+    <a:masterClrMapping/>
+  </p:clrMapOvr>
 </p:sld>
 </file>
 

--- a/readme/Python3.pptx
+++ b/readme/Python3.pptx
@@ -208,6 +208,23 @@
     <p:sldId id="463" r:id="rId202"/>
     <p:sldId id="464" r:id="rId203"/>
     <p:sldId id="465" r:id="rId204"/>
+    <p:sldId id="466" r:id="rId205"/>
+    <p:sldId id="467" r:id="rId206"/>
+    <p:sldId id="468" r:id="rId207"/>
+    <p:sldId id="469" r:id="rId208"/>
+    <p:sldId id="470" r:id="rId209"/>
+    <p:sldId id="471" r:id="rId210"/>
+    <p:sldId id="472" r:id="rId211"/>
+    <p:sldId id="473" r:id="rId212"/>
+    <p:sldId id="475" r:id="rId213"/>
+    <p:sldId id="474" r:id="rId214"/>
+    <p:sldId id="476" r:id="rId215"/>
+    <p:sldId id="477" r:id="rId216"/>
+    <p:sldId id="478" r:id="rId217"/>
+    <p:sldId id="479" r:id="rId218"/>
+    <p:sldId id="480" r:id="rId219"/>
+    <p:sldId id="481" r:id="rId220"/>
+    <p:sldId id="482" r:id="rId221"/>
   </p:sldIdLst>
   <p:sldSz cx="9144000" cy="6858000" type="screen4x3"/>
   <p:notesSz cx="6858000" cy="9144000"/>
@@ -491,7 +508,7 @@
             <a:fld id="{530820CF-B880-4189-942D-D702A7CBA730}" type="datetimeFigureOut">
               <a:rPr lang="zh-CN" altLang="en-US" smtClean="0"/>
               <a:pPr/>
-              <a:t>2019-03-24</a:t>
+              <a:t>2019-05-12</a:t>
             </a:fld>
             <a:endParaRPr lang="zh-CN" altLang="en-US"/>
           </a:p>
@@ -658,7 +675,7 @@
             <a:fld id="{530820CF-B880-4189-942D-D702A7CBA730}" type="datetimeFigureOut">
               <a:rPr lang="zh-CN" altLang="en-US" smtClean="0"/>
               <a:pPr/>
-              <a:t>2019-03-24</a:t>
+              <a:t>2019-05-12</a:t>
             </a:fld>
             <a:endParaRPr lang="zh-CN" altLang="en-US"/>
           </a:p>
@@ -835,7 +852,7 @@
             <a:fld id="{530820CF-B880-4189-942D-D702A7CBA730}" type="datetimeFigureOut">
               <a:rPr lang="zh-CN" altLang="en-US" smtClean="0"/>
               <a:pPr/>
-              <a:t>2019-03-24</a:t>
+              <a:t>2019-05-12</a:t>
             </a:fld>
             <a:endParaRPr lang="zh-CN" altLang="en-US"/>
           </a:p>
@@ -1002,7 +1019,7 @@
             <a:fld id="{530820CF-B880-4189-942D-D702A7CBA730}" type="datetimeFigureOut">
               <a:rPr lang="zh-CN" altLang="en-US" smtClean="0"/>
               <a:pPr/>
-              <a:t>2019-03-24</a:t>
+              <a:t>2019-05-12</a:t>
             </a:fld>
             <a:endParaRPr lang="zh-CN" altLang="en-US"/>
           </a:p>
@@ -1245,7 +1262,7 @@
             <a:fld id="{530820CF-B880-4189-942D-D702A7CBA730}" type="datetimeFigureOut">
               <a:rPr lang="zh-CN" altLang="en-US" smtClean="0"/>
               <a:pPr/>
-              <a:t>2019-03-24</a:t>
+              <a:t>2019-05-12</a:t>
             </a:fld>
             <a:endParaRPr lang="zh-CN" altLang="en-US"/>
           </a:p>
@@ -1530,7 +1547,7 @@
             <a:fld id="{530820CF-B880-4189-942D-D702A7CBA730}" type="datetimeFigureOut">
               <a:rPr lang="zh-CN" altLang="en-US" smtClean="0"/>
               <a:pPr/>
-              <a:t>2019-03-24</a:t>
+              <a:t>2019-05-12</a:t>
             </a:fld>
             <a:endParaRPr lang="zh-CN" altLang="en-US"/>
           </a:p>
@@ -1949,7 +1966,7 @@
             <a:fld id="{530820CF-B880-4189-942D-D702A7CBA730}" type="datetimeFigureOut">
               <a:rPr lang="zh-CN" altLang="en-US" smtClean="0"/>
               <a:pPr/>
-              <a:t>2019-03-24</a:t>
+              <a:t>2019-05-12</a:t>
             </a:fld>
             <a:endParaRPr lang="zh-CN" altLang="en-US"/>
           </a:p>
@@ -2064,7 +2081,7 @@
             <a:fld id="{530820CF-B880-4189-942D-D702A7CBA730}" type="datetimeFigureOut">
               <a:rPr lang="zh-CN" altLang="en-US" smtClean="0"/>
               <a:pPr/>
-              <a:t>2019-03-24</a:t>
+              <a:t>2019-05-12</a:t>
             </a:fld>
             <a:endParaRPr lang="zh-CN" altLang="en-US"/>
           </a:p>
@@ -2156,7 +2173,7 @@
             <a:fld id="{530820CF-B880-4189-942D-D702A7CBA730}" type="datetimeFigureOut">
               <a:rPr lang="zh-CN" altLang="en-US" smtClean="0"/>
               <a:pPr/>
-              <a:t>2019-03-24</a:t>
+              <a:t>2019-05-12</a:t>
             </a:fld>
             <a:endParaRPr lang="zh-CN" altLang="en-US"/>
           </a:p>
@@ -2430,7 +2447,7 @@
             <a:fld id="{530820CF-B880-4189-942D-D702A7CBA730}" type="datetimeFigureOut">
               <a:rPr lang="zh-CN" altLang="en-US" smtClean="0"/>
               <a:pPr/>
-              <a:t>2019-03-24</a:t>
+              <a:t>2019-05-12</a:t>
             </a:fld>
             <a:endParaRPr lang="zh-CN" altLang="en-US"/>
           </a:p>
@@ -2680,7 +2697,7 @@
             <a:fld id="{530820CF-B880-4189-942D-D702A7CBA730}" type="datetimeFigureOut">
               <a:rPr lang="zh-CN" altLang="en-US" smtClean="0"/>
               <a:pPr/>
-              <a:t>2019-03-24</a:t>
+              <a:t>2019-05-12</a:t>
             </a:fld>
             <a:endParaRPr lang="zh-CN" altLang="en-US"/>
           </a:p>
@@ -2890,7 +2907,7 @@
             <a:fld id="{530820CF-B880-4189-942D-D702A7CBA730}" type="datetimeFigureOut">
               <a:rPr lang="zh-CN" altLang="en-US" smtClean="0"/>
               <a:pPr/>
-              <a:t>2019-03-24</a:t>
+              <a:t>2019-05-12</a:t>
             </a:fld>
             <a:endParaRPr lang="zh-CN" altLang="en-US"/>
           </a:p>
@@ -18093,23 +18110,7 @@
           <a:p>
             <a:r>
               <a:rPr lang="zh-CN" altLang="en-US" dirty="0" smtClean="0"/>
-              <a:t>游戏最有意思的一个方面就是你永远也不知道会发生什么。游戏是不可预测的</a:t>
-            </a:r>
-            <a:r>
-              <a:rPr lang="zh-CN" altLang="en-US" dirty="0" smtClean="0"/>
-              <a:t>。它们</a:t>
-            </a:r>
-            <a:r>
-              <a:rPr lang="zh-CN" altLang="en-US" dirty="0" smtClean="0"/>
-              <a:t>是随机的</a:t>
-            </a:r>
-            <a:r>
-              <a:rPr lang="zh-CN" altLang="en-US" dirty="0" smtClean="0"/>
-              <a:t>。</a:t>
-            </a:r>
-            <a:r>
-              <a:rPr lang="zh-CN" altLang="en-US" dirty="0" smtClean="0"/>
-              <a:t>正是这种随机性才让游戏很有趣。</a:t>
+              <a:t>游戏最有意思的一个方面就是你永远也不知道会发生什么。游戏是不可预测的。它们是随机的。正是这种随机性才让游戏很有趣。</a:t>
             </a:r>
             <a:endParaRPr lang="zh-CN" altLang="en-US" dirty="0"/>
           </a:p>
@@ -18162,11 +18163,7 @@
             </a:r>
             <a:r>
               <a:rPr lang="zh-CN" altLang="en-US" b="1" dirty="0" smtClean="0"/>
-              <a:t>什么</a:t>
-            </a:r>
-            <a:r>
-              <a:rPr lang="zh-CN" altLang="en-US" b="1" dirty="0" smtClean="0"/>
-              <a:t>是随机性</a:t>
+              <a:t>什么是随机性</a:t>
             </a:r>
             <a:endParaRPr lang="zh-CN" altLang="en-US" dirty="0"/>
           </a:p>
@@ -18191,54 +18188,14 @@
           <a:p>
             <a:r>
               <a:rPr lang="zh-CN" altLang="en-US" dirty="0" smtClean="0"/>
-              <a:t>以扔硬币为例。如果把一个硬币抛向空中，让它着地，可能正面朝上，也</a:t>
-            </a:r>
-            <a:r>
-              <a:rPr lang="zh-CN" altLang="en-US" dirty="0" smtClean="0"/>
-              <a:t>可能背面</a:t>
-            </a:r>
-            <a:r>
-              <a:rPr lang="zh-CN" altLang="en-US" dirty="0" smtClean="0"/>
-              <a:t>朝上</a:t>
-            </a:r>
-            <a:r>
-              <a:rPr lang="zh-CN" altLang="en-US" dirty="0" smtClean="0"/>
-              <a:t>。每次</a:t>
-            </a:r>
-            <a:r>
-              <a:rPr lang="zh-CN" altLang="en-US" dirty="0" smtClean="0"/>
-              <a:t>抛的时候，你都无法知道会得到什么。因为抛一次的结果</a:t>
-            </a:r>
-            <a:r>
-              <a:rPr lang="zh-CN" altLang="en-US" dirty="0" smtClean="0"/>
-              <a:t>不能预测，我们称之为随机。</a:t>
-            </a:r>
-            <a:endParaRPr lang="en-US" altLang="zh-CN" dirty="0" smtClean="0"/>
-          </a:p>
-          <a:p>
-            <a:r>
-              <a:rPr lang="zh-CN" altLang="en-US" dirty="0" smtClean="0"/>
-              <a:t>随机事件</a:t>
-            </a:r>
-            <a:r>
-              <a:rPr lang="zh-CN" altLang="en-US" dirty="0" smtClean="0"/>
-              <a:t>就是可能有两个或多个结果的事件，你无法预测会得到哪一个结果</a:t>
-            </a:r>
-            <a:r>
-              <a:rPr lang="zh-CN" altLang="en-US" dirty="0" smtClean="0"/>
-              <a:t>。这里</a:t>
-            </a:r>
-            <a:r>
-              <a:rPr lang="zh-CN" altLang="en-US" dirty="0" smtClean="0"/>
-              <a:t>所说的结果可能是一副牌中的纸牌顺序，或者是掷骰子时的点数，或者是一</a:t>
-            </a:r>
-            <a:r>
-              <a:rPr lang="zh-CN" altLang="en-US" dirty="0" smtClean="0"/>
-              <a:t>个硬币</a:t>
-            </a:r>
-            <a:r>
-              <a:rPr lang="zh-CN" altLang="en-US" dirty="0" smtClean="0"/>
-              <a:t>哪一面朝上。</a:t>
+              <a:t>以扔硬币为例。如果把一个硬币抛向空中，让它着地，可能正面朝上，也可能背面朝上。每次抛的时候，你都无法知道会得到什么。因为抛一次的结果不能预测，我们称之为随机。</a:t>
+            </a:r>
+            <a:endParaRPr lang="en-US" altLang="zh-CN" dirty="0" smtClean="0"/>
+          </a:p>
+          <a:p>
+            <a:r>
+              <a:rPr lang="zh-CN" altLang="en-US" dirty="0" smtClean="0"/>
+              <a:t>随机事件就是可能有两个或多个结果的事件，你无法预测会得到哪一个结果。这里所说的结果可能是一副牌中的纸牌顺序，或者是掷骰子时的点数，或者是一个硬币哪一面朝上。</a:t>
             </a:r>
             <a:endParaRPr lang="zh-CN" altLang="en-US" dirty="0"/>
           </a:p>
@@ -18320,11 +18277,7 @@
             </a:r>
             <a:r>
               <a:rPr lang="en-US" altLang="zh-CN" dirty="0" smtClean="0"/>
-              <a:t>P</a:t>
-            </a:r>
-            <a:r>
-              <a:rPr lang="en-US" altLang="zh-CN" dirty="0" smtClean="0"/>
-              <a:t>ython </a:t>
+              <a:t>Python </a:t>
             </a:r>
             <a:r>
               <a:rPr lang="zh-CN" altLang="en-US" dirty="0" smtClean="0"/>
@@ -18371,11 +18324,7 @@
             </a:pPr>
             <a:r>
               <a:rPr lang="zh-CN" altLang="en-US" sz="3200" dirty="0" smtClean="0"/>
-              <a:t>另</a:t>
-            </a:r>
-            <a:r>
-              <a:rPr lang="zh-CN" altLang="en-US" sz="3200" dirty="0" smtClean="0"/>
-              <a:t>一种方法是建立一个列表，然后使用</a:t>
+              <a:t>另一种方法是建立一个列表，然后使用</a:t>
             </a:r>
             <a:r>
               <a:rPr lang="en-US" altLang="zh-CN" sz="3200" dirty="0" smtClean="0"/>
@@ -18540,11 +18489,7 @@
           <a:p>
             <a:r>
               <a:rPr lang="zh-CN" altLang="en-US" sz="2400" dirty="0" smtClean="0"/>
-              <a:t>多个</a:t>
-            </a:r>
-            <a:r>
-              <a:rPr lang="zh-CN" altLang="en-US" sz="2400" dirty="0" smtClean="0"/>
-              <a:t>骰子</a:t>
+              <a:t>多个骰子</a:t>
             </a:r>
             <a:endParaRPr lang="en-US" altLang="zh-CN" sz="2400" dirty="0" smtClean="0"/>
           </a:p>
@@ -18552,19 +18497,7 @@
             <a:pPr lvl="1"/>
             <a:r>
               <a:rPr lang="zh-CN" altLang="en-US" sz="2000" dirty="0" smtClean="0"/>
-              <a:t>如果想模拟掷两个骰子呢？如果你只是想把两个骰子的结果相加来得到总数</a:t>
-            </a:r>
-            <a:r>
-              <a:rPr lang="zh-CN" altLang="en-US" sz="2000" dirty="0" smtClean="0"/>
-              <a:t>，可能</a:t>
-            </a:r>
-            <a:r>
-              <a:rPr lang="zh-CN" altLang="en-US" sz="2000" dirty="0" smtClean="0"/>
-              <a:t>会考虑这样</a:t>
-            </a:r>
-            <a:r>
-              <a:rPr lang="zh-CN" altLang="en-US" sz="2000" dirty="0" smtClean="0"/>
-              <a:t>做</a:t>
+              <a:t>如果想模拟掷两个骰子呢？如果你只是想把两个骰子的结果相加来得到总数，可能会考虑这样做</a:t>
             </a:r>
             <a:r>
               <a:rPr lang="en-US" altLang="zh-CN" sz="2000" dirty="0" smtClean="0"/>
@@ -18576,11 +18509,7 @@
             </a:r>
             <a:r>
               <a:rPr lang="en-US" altLang="zh-CN" sz="2000" dirty="0" smtClean="0"/>
-              <a:t> </a:t>
-            </a:r>
-            <a:r>
-              <a:rPr lang="en-US" altLang="zh-CN" sz="2000" dirty="0" smtClean="0"/>
-              <a:t>= </a:t>
+              <a:t> = </a:t>
             </a:r>
             <a:r>
               <a:rPr lang="en-US" altLang="zh-CN" sz="2000" dirty="0" err="1" smtClean="0"/>
@@ -18588,11 +18517,7 @@
             </a:r>
             <a:r>
               <a:rPr lang="en-US" altLang="zh-CN" sz="2000" dirty="0" smtClean="0"/>
-              <a:t>(2, 12</a:t>
-            </a:r>
-            <a:r>
-              <a:rPr lang="en-US" altLang="zh-CN" sz="2000" dirty="0" smtClean="0"/>
-              <a:t>)</a:t>
+              <a:t>(2, 12)</a:t>
             </a:r>
           </a:p>
           <a:p>
@@ -18687,15 +18612,7 @@
           <a:p>
             <a:r>
               <a:rPr lang="en-US" altLang="zh-CN" sz="1600" dirty="0" smtClean="0"/>
-              <a:t>1+1 = 2 </a:t>
-            </a:r>
-            <a:r>
-              <a:rPr lang="en-US" altLang="zh-CN" sz="1600" dirty="0" smtClean="0"/>
-              <a:t>1+2 </a:t>
-            </a:r>
-            <a:r>
-              <a:rPr lang="en-US" altLang="zh-CN" sz="1600" dirty="0" smtClean="0"/>
-              <a:t>= 3 1+3 = 4 1+4 = 5 1+5 = 6 1+6 = 7</a:t>
+              <a:t>1+1 = 2 1+2 = 3 1+3 = 4 1+4 = 5 1+5 = 6 1+6 = 7</a:t>
             </a:r>
           </a:p>
           <a:p>
@@ -18725,11 +18642,7 @@
           <a:p>
             <a:r>
               <a:rPr lang="en-US" altLang="zh-CN" sz="1600" dirty="0" smtClean="0"/>
-              <a:t>6+1 = 7 6+2 = 8 6+3 = 9 6+4 = 10 6+5 = 11 6+6 = </a:t>
-            </a:r>
-            <a:r>
-              <a:rPr lang="en-US" altLang="zh-CN" sz="1600" dirty="0" smtClean="0"/>
-              <a:t>12</a:t>
+              <a:t>6+1 = 7 6+2 = 8 6+3 = 9 6+4 = 10 6+5 = 11 6+6 = 12</a:t>
             </a:r>
           </a:p>
           <a:p>
@@ -18790,15 +18703,7 @@
             </a:r>
             <a:r>
               <a:rPr lang="zh-CN" altLang="en-US" sz="1600" dirty="0" smtClean="0"/>
-              <a:t>次</a:t>
-            </a:r>
-            <a:r>
-              <a:rPr lang="zh-CN" altLang="en-US" sz="1600" dirty="0" smtClean="0"/>
-              <a:t>；   </a:t>
-            </a:r>
-            <a:r>
-              <a:rPr lang="zh-CN" altLang="en-US" sz="1600" dirty="0" smtClean="0"/>
-              <a:t>总数 </a:t>
+              <a:t>次；   总数 </a:t>
             </a:r>
             <a:r>
               <a:rPr lang="en-US" altLang="zh-CN" sz="1600" dirty="0" smtClean="0"/>
@@ -18836,15 +18741,7 @@
             </a:r>
             <a:r>
               <a:rPr lang="zh-CN" altLang="en-US" sz="1600" dirty="0" smtClean="0"/>
-              <a:t>次</a:t>
-            </a:r>
-            <a:r>
-              <a:rPr lang="zh-CN" altLang="en-US" sz="1600" dirty="0" smtClean="0"/>
-              <a:t>；    </a:t>
-            </a:r>
-            <a:r>
-              <a:rPr lang="zh-CN" altLang="en-US" sz="1600" dirty="0" smtClean="0"/>
-              <a:t>总数 </a:t>
+              <a:t>次；    总数 </a:t>
             </a:r>
             <a:r>
               <a:rPr lang="en-US" altLang="zh-CN" sz="1600" dirty="0" smtClean="0"/>
@@ -18882,15 +18779,7 @@
             </a:r>
             <a:r>
               <a:rPr lang="zh-CN" altLang="en-US" sz="1600" dirty="0" smtClean="0"/>
-              <a:t>次</a:t>
-            </a:r>
-            <a:r>
-              <a:rPr lang="zh-CN" altLang="en-US" sz="1600" dirty="0" smtClean="0"/>
-              <a:t>；   </a:t>
-            </a:r>
-            <a:r>
-              <a:rPr lang="zh-CN" altLang="en-US" sz="1600" dirty="0" smtClean="0"/>
-              <a:t>总数 </a:t>
+              <a:t>次；   总数 </a:t>
             </a:r>
             <a:r>
               <a:rPr lang="en-US" altLang="zh-CN" sz="1600" dirty="0" smtClean="0"/>
@@ -18928,15 +18817,7 @@
             </a:r>
             <a:r>
               <a:rPr lang="zh-CN" altLang="en-US" sz="1600" dirty="0" smtClean="0"/>
-              <a:t>次</a:t>
-            </a:r>
-            <a:r>
-              <a:rPr lang="zh-CN" altLang="en-US" sz="1600" dirty="0" smtClean="0"/>
-              <a:t>；   </a:t>
-            </a:r>
-            <a:r>
-              <a:rPr lang="zh-CN" altLang="en-US" sz="1600" dirty="0" smtClean="0"/>
-              <a:t>总数 </a:t>
+              <a:t>次；   总数 </a:t>
             </a:r>
             <a:r>
               <a:rPr lang="en-US" altLang="zh-CN" sz="1600" dirty="0" smtClean="0"/>
@@ -18974,15 +18855,7 @@
             </a:r>
             <a:r>
               <a:rPr lang="zh-CN" altLang="en-US" sz="1600" dirty="0" smtClean="0"/>
-              <a:t>次</a:t>
-            </a:r>
-            <a:r>
-              <a:rPr lang="zh-CN" altLang="en-US" sz="1600" dirty="0" smtClean="0"/>
-              <a:t>； </a:t>
-            </a:r>
-            <a:r>
-              <a:rPr lang="zh-CN" altLang="en-US" sz="1600" dirty="0" smtClean="0"/>
-              <a:t>总数 </a:t>
+              <a:t>次； 总数 </a:t>
             </a:r>
             <a:r>
               <a:rPr lang="en-US" altLang="zh-CN" sz="1600" dirty="0" smtClean="0"/>
@@ -19307,30 +19180,14 @@
             <a:pPr lvl="1"/>
             <a:r>
               <a:rPr lang="zh-CN" altLang="en-US" dirty="0" smtClean="0"/>
-              <a:t>这就像把</a:t>
-            </a:r>
-            <a:r>
-              <a:rPr lang="zh-CN" altLang="en-US" dirty="0" smtClean="0"/>
-              <a:t>牌摊开</a:t>
-            </a:r>
-            <a:r>
-              <a:rPr lang="zh-CN" altLang="en-US" dirty="0" smtClean="0"/>
-              <a:t>，说“选一张牌，随便哪张都行</a:t>
-            </a:r>
-            <a:r>
-              <a:rPr lang="zh-CN" altLang="en-US" dirty="0" smtClean="0"/>
-              <a:t>”</a:t>
-            </a:r>
-            <a:endParaRPr lang="en-US" altLang="zh-CN" dirty="0" smtClean="0"/>
-          </a:p>
-          <a:p>
-            <a:r>
-              <a:rPr lang="zh-CN" altLang="en-US" dirty="0" smtClean="0"/>
-              <a:t>纸牌</a:t>
-            </a:r>
-            <a:r>
-              <a:rPr lang="zh-CN" altLang="en-US" dirty="0" smtClean="0"/>
-              <a:t>对象</a:t>
+              <a:t>这就像把牌摊开，说“选一张牌，随便哪张都行”</a:t>
+            </a:r>
+            <a:endParaRPr lang="en-US" altLang="zh-CN" dirty="0" smtClean="0"/>
+          </a:p>
+          <a:p>
+            <a:r>
+              <a:rPr lang="zh-CN" altLang="en-US" dirty="0" smtClean="0"/>
+              <a:t>纸牌对象</a:t>
             </a:r>
             <a:endParaRPr lang="en-US" altLang="zh-CN" dirty="0" smtClean="0"/>
           </a:p>
@@ -19338,11 +19195,7 @@
             <a:pPr lvl="1"/>
             <a:r>
               <a:rPr lang="zh-CN" altLang="en-US" dirty="0" smtClean="0"/>
-              <a:t></a:t>
-            </a:r>
-            <a:r>
-              <a:rPr lang="zh-CN" altLang="en-US" dirty="0" smtClean="0"/>
-              <a:t>花色</a:t>
+              <a:t>花色</a:t>
             </a:r>
             <a:r>
               <a:rPr lang="en-US" altLang="zh-CN" dirty="0" smtClean="0"/>
@@ -19449,15 +19302,7 @@
             </a:r>
             <a:r>
               <a:rPr lang="zh-CN" altLang="en-US" dirty="0" smtClean="0"/>
-              <a:t>），</a:t>
-            </a:r>
-            <a:r>
-              <a:rPr lang="zh-CN" altLang="en-US" dirty="0" smtClean="0"/>
-              <a:t>通常分值</a:t>
-            </a:r>
-            <a:r>
-              <a:rPr lang="zh-CN" altLang="en-US" dirty="0" smtClean="0"/>
-              <a:t>就等于牌的点数。对于</a:t>
+              <a:t>），通常分值就等于牌的点数。对于</a:t>
             </a:r>
             <a:r>
               <a:rPr lang="en-US" altLang="zh-CN" dirty="0" smtClean="0"/>
@@ -19481,25 +19326,17 @@
             </a:r>
             <a:r>
               <a:rPr lang="zh-CN" altLang="en-US" dirty="0" smtClean="0"/>
+              <a:t>，分值通常是</a:t>
+            </a:r>
+            <a:r>
+              <a:rPr lang="en-US" altLang="zh-CN" dirty="0" smtClean="0"/>
+              <a:t>10</a:t>
+            </a:r>
+            <a:r>
+              <a:rPr lang="zh-CN" altLang="en-US" dirty="0" smtClean="0"/>
               <a:t>，</a:t>
             </a:r>
             <a:r>
-              <a:rPr lang="zh-CN" altLang="en-US" dirty="0" smtClean="0"/>
-              <a:t>分值</a:t>
-            </a:r>
-            <a:r>
-              <a:rPr lang="zh-CN" altLang="en-US" dirty="0" smtClean="0"/>
-              <a:t>通常是</a:t>
-            </a:r>
-            <a:r>
-              <a:rPr lang="en-US" altLang="zh-CN" dirty="0" smtClean="0"/>
-              <a:t>10</a:t>
-            </a:r>
-            <a:r>
-              <a:rPr lang="zh-CN" altLang="en-US" dirty="0" smtClean="0"/>
-              <a:t>，</a:t>
-            </a:r>
-            <a:r>
               <a:rPr lang="en-US" altLang="zh-CN" dirty="0" smtClean="0"/>
               <a:t>A </a:t>
             </a:r>
@@ -19521,11 +19358,7 @@
             </a:r>
             <a:r>
               <a:rPr lang="zh-CN" altLang="en-US" dirty="0" smtClean="0"/>
-              <a:t>或者另外</a:t>
-            </a:r>
-            <a:r>
-              <a:rPr lang="zh-CN" altLang="en-US" dirty="0" smtClean="0"/>
-              <a:t>某个值，这要依具体游戏而定</a:t>
+              <a:t>或者另外某个值，这要依具体游戏而定</a:t>
             </a:r>
             <a:endParaRPr lang="en-US" altLang="zh-CN" dirty="0" smtClean="0"/>
           </a:p>
@@ -19612,33 +19445,21 @@
             </a:r>
             <a:r>
               <a:rPr lang="zh-CN" altLang="en-US" dirty="0" smtClean="0"/>
-              <a:t>模块在程序中生成</a:t>
-            </a:r>
-            <a:r>
-              <a:rPr lang="zh-CN" altLang="en-US" dirty="0" smtClean="0"/>
-              <a:t>随机事件</a:t>
-            </a:r>
-            <a:endParaRPr lang="en-US" altLang="zh-CN" dirty="0" smtClean="0"/>
-          </a:p>
-          <a:p>
-            <a:r>
-              <a:rPr lang="zh-CN" altLang="en-US" dirty="0" smtClean="0"/>
-              <a:t>如何模拟扔硬币或掷</a:t>
-            </a:r>
-            <a:r>
-              <a:rPr lang="zh-CN" altLang="en-US" dirty="0" smtClean="0"/>
-              <a:t>骰子</a:t>
-            </a:r>
-            <a:endParaRPr lang="en-US" altLang="zh-CN" dirty="0" smtClean="0"/>
-          </a:p>
-          <a:p>
-            <a:r>
-              <a:rPr lang="zh-CN" altLang="en-US" dirty="0" smtClean="0"/>
-              <a:t>如何模拟从一副洗过的牌中抽</a:t>
-            </a:r>
-            <a:r>
-              <a:rPr lang="zh-CN" altLang="en-US" dirty="0" smtClean="0"/>
-              <a:t>牌</a:t>
+              <a:t>模块在程序中生成随机事件</a:t>
+            </a:r>
+            <a:endParaRPr lang="en-US" altLang="zh-CN" dirty="0" smtClean="0"/>
+          </a:p>
+          <a:p>
+            <a:r>
+              <a:rPr lang="zh-CN" altLang="en-US" dirty="0" smtClean="0"/>
+              <a:t>如何模拟扔硬币或掷骰子</a:t>
+            </a:r>
+            <a:endParaRPr lang="en-US" altLang="zh-CN" dirty="0" smtClean="0"/>
+          </a:p>
+          <a:p>
+            <a:r>
+              <a:rPr lang="zh-CN" altLang="en-US" dirty="0" smtClean="0"/>
+              <a:t>如何模拟从一副洗过的牌中抽牌</a:t>
             </a:r>
             <a:endParaRPr lang="en-US" altLang="zh-CN" dirty="0" smtClean="0"/>
           </a:p>
@@ -19727,11 +19548,7 @@
           <a:p>
             <a:r>
               <a:rPr lang="zh-CN" altLang="en-US" dirty="0" smtClean="0"/>
-              <a:t>说明什么是“随机事件”。给出两个例子</a:t>
-            </a:r>
-            <a:r>
-              <a:rPr lang="zh-CN" altLang="en-US" dirty="0" smtClean="0"/>
-              <a:t>。</a:t>
+              <a:t>说明什么是“随机事件”。给出两个例子。</a:t>
             </a:r>
             <a:endParaRPr lang="en-US" altLang="zh-CN" dirty="0" smtClean="0"/>
           </a:p>
@@ -19770,15 +19587,7 @@
             </a:r>
             <a:r>
               <a:rPr lang="zh-CN" altLang="en-US" dirty="0" smtClean="0"/>
-              <a:t>面的</a:t>
-            </a:r>
-            <a:r>
-              <a:rPr lang="zh-CN" altLang="en-US" dirty="0" smtClean="0"/>
-              <a:t>骰子（</a:t>
-            </a:r>
-            <a:r>
-              <a:rPr lang="zh-CN" altLang="en-US" dirty="0" smtClean="0"/>
-              <a:t>总和也是</a:t>
+              <a:t>面的骰子（总和也是</a:t>
             </a:r>
             <a:r>
               <a:rPr lang="en-US" altLang="zh-CN" dirty="0" smtClean="0"/>
@@ -19794,11 +19603,7 @@
             </a:r>
             <a:r>
               <a:rPr lang="zh-CN" altLang="en-US" dirty="0" smtClean="0"/>
-              <a:t>）不同</a:t>
-            </a:r>
-            <a:r>
-              <a:rPr lang="zh-CN" altLang="en-US" dirty="0" smtClean="0"/>
-              <a:t>？</a:t>
+              <a:t>）不同？</a:t>
             </a:r>
             <a:endParaRPr lang="en-US" altLang="zh-CN" dirty="0" smtClean="0"/>
           </a:p>
@@ -19813,11 +19618,7 @@
             </a:r>
             <a:r>
               <a:rPr lang="zh-CN" altLang="en-US" dirty="0" smtClean="0"/>
-              <a:t>中有哪两种方法来模拟掷</a:t>
-            </a:r>
-            <a:r>
-              <a:rPr lang="zh-CN" altLang="en-US" dirty="0" smtClean="0"/>
-              <a:t>骰子</a:t>
+              <a:t>中有哪两种方法来模拟掷骰子</a:t>
             </a:r>
             <a:endParaRPr lang="en-US" altLang="zh-CN" dirty="0" smtClean="0"/>
           </a:p>
@@ -19832,11 +19633,7 @@
             </a:r>
             <a:r>
               <a:rPr lang="zh-CN" altLang="en-US" dirty="0" smtClean="0"/>
-              <a:t>变量表示一张牌</a:t>
-            </a:r>
-            <a:r>
-              <a:rPr lang="zh-CN" altLang="en-US" dirty="0" smtClean="0"/>
-              <a:t>？</a:t>
+              <a:t>变量表示一张牌？</a:t>
             </a:r>
             <a:endParaRPr lang="en-US" altLang="zh-CN" dirty="0" smtClean="0"/>
           </a:p>
@@ -19851,11 +19648,7 @@
             </a:r>
             <a:r>
               <a:rPr lang="zh-CN" altLang="en-US" dirty="0" smtClean="0"/>
-              <a:t>变量表示一副牌</a:t>
-            </a:r>
-            <a:r>
-              <a:rPr lang="zh-CN" altLang="en-US" dirty="0" smtClean="0"/>
-              <a:t>？</a:t>
+              <a:t>变量表示一副牌？</a:t>
             </a:r>
             <a:endParaRPr lang="en-US" altLang="zh-CN" dirty="0" smtClean="0"/>
           </a:p>
@@ -19956,15 +19749,7 @@
             </a:r>
             <a:r>
               <a:rPr lang="zh-CN" altLang="en-US" dirty="0" smtClean="0"/>
-              <a:t>次正面朝上”试验，不过可以</a:t>
-            </a:r>
-            <a:r>
-              <a:rPr lang="zh-CN" altLang="en-US" dirty="0" smtClean="0"/>
-              <a:t>试试不同</a:t>
-            </a:r>
-            <a:r>
-              <a:rPr lang="zh-CN" altLang="en-US" dirty="0" smtClean="0"/>
-              <a:t>的连续次数。多久能出现一次连续</a:t>
+              <a:t>次正面朝上”试验，不过可以试试不同的连续次数。多久能出现一次连续</a:t>
             </a:r>
             <a:r>
               <a:rPr lang="en-US" altLang="zh-CN" dirty="0" smtClean="0"/>
@@ -19996,11 +19781,7 @@
             </a:r>
             <a:r>
               <a:rPr lang="zh-CN" altLang="en-US" dirty="0" smtClean="0"/>
-              <a:t>个呢</a:t>
-            </a:r>
-            <a:r>
-              <a:rPr lang="zh-CN" altLang="en-US" dirty="0" smtClean="0"/>
-              <a:t>？</a:t>
+              <a:t>个呢？</a:t>
             </a:r>
             <a:r>
               <a:rPr lang="en-US" altLang="zh-CN" dirty="0" smtClean="0"/>
@@ -20009,6 +19790,864 @@
             <a:r>
               <a:rPr lang="zh-CN" altLang="en-US" dirty="0" smtClean="0"/>
               <a:t>你发现规律了吗？</a:t>
+            </a:r>
+            <a:endParaRPr lang="zh-CN" altLang="en-US" dirty="0"/>
+          </a:p>
+        </p:txBody>
+      </p:sp>
+    </p:spTree>
+  </p:cSld>
+  <p:clrMapOvr>
+    <a:masterClrMapping/>
+  </p:clrMapOvr>
+</p:sld>
+</file>
+
+<file path=ppt/slides/slide204.xml><?xml version="1.0" encoding="utf-8"?>
+<p:sld xmlns:a="http://schemas.openxmlformats.org/drawingml/2006/main" xmlns:r="http://schemas.openxmlformats.org/officeDocument/2006/relationships" xmlns:p="http://schemas.openxmlformats.org/presentationml/2006/main">
+  <p:cSld>
+    <p:spTree>
+      <p:nvGrpSpPr>
+        <p:cNvPr id="1" name=""/>
+        <p:cNvGrpSpPr/>
+        <p:nvPr/>
+      </p:nvGrpSpPr>
+      <p:grpSpPr>
+        <a:xfrm>
+          <a:off x="0" y="0"/>
+          <a:ext cx="0" cy="0"/>
+          <a:chOff x="0" y="0"/>
+          <a:chExt cx="0" cy="0"/>
+        </a:xfrm>
+      </p:grpSpPr>
+      <p:sp>
+        <p:nvSpPr>
+          <p:cNvPr id="2" name="标题 1"/>
+          <p:cNvSpPr>
+            <a:spLocks noGrp="1"/>
+          </p:cNvSpPr>
+          <p:nvPr>
+            <p:ph type="title"/>
+          </p:nvPr>
+        </p:nvSpPr>
+        <p:spPr/>
+        <p:txBody>
+          <a:bodyPr/>
+          <a:lstStyle/>
+          <a:p>
+            <a:r>
+              <a:rPr lang="en-US" altLang="zh-CN" dirty="0" smtClean="0"/>
+              <a:t>18</a:t>
+            </a:r>
+            <a:endParaRPr lang="zh-CN" altLang="en-US" dirty="0"/>
+          </a:p>
+        </p:txBody>
+      </p:sp>
+      <p:sp>
+        <p:nvSpPr>
+          <p:cNvPr id="3" name="内容占位符 2"/>
+          <p:cNvSpPr>
+            <a:spLocks noGrp="1"/>
+          </p:cNvSpPr>
+          <p:nvPr>
+            <p:ph idx="1"/>
+          </p:nvPr>
+        </p:nvSpPr>
+        <p:spPr/>
+        <p:txBody>
+          <a:bodyPr/>
+          <a:lstStyle/>
+          <a:p>
+            <a:endParaRPr lang="zh-CN" altLang="en-US"/>
+          </a:p>
+        </p:txBody>
+      </p:sp>
+    </p:spTree>
+  </p:cSld>
+  <p:clrMapOvr>
+    <a:masterClrMapping/>
+  </p:clrMapOvr>
+</p:sld>
+</file>
+
+<file path=ppt/slides/slide205.xml><?xml version="1.0" encoding="utf-8"?>
+<p:sld xmlns:a="http://schemas.openxmlformats.org/drawingml/2006/main" xmlns:r="http://schemas.openxmlformats.org/officeDocument/2006/relationships" xmlns:p="http://schemas.openxmlformats.org/presentationml/2006/main">
+  <p:cSld>
+    <p:spTree>
+      <p:nvGrpSpPr>
+        <p:cNvPr id="1" name=""/>
+        <p:cNvGrpSpPr/>
+        <p:nvPr/>
+      </p:nvGrpSpPr>
+      <p:grpSpPr>
+        <a:xfrm>
+          <a:off x="0" y="0"/>
+          <a:ext cx="0" cy="0"/>
+          <a:chOff x="0" y="0"/>
+          <a:chExt cx="0" cy="0"/>
+        </a:xfrm>
+      </p:grpSpPr>
+      <p:sp>
+        <p:nvSpPr>
+          <p:cNvPr id="2" name="标题 1"/>
+          <p:cNvSpPr>
+            <a:spLocks noGrp="1"/>
+          </p:cNvSpPr>
+          <p:nvPr>
+            <p:ph type="title"/>
+          </p:nvPr>
+        </p:nvSpPr>
+        <p:spPr/>
+        <p:txBody>
+          <a:bodyPr/>
+          <a:lstStyle/>
+          <a:p>
+            <a:r>
+              <a:rPr lang="en-US" altLang="zh-CN" dirty="0" smtClean="0"/>
+              <a:t>21 </a:t>
+            </a:r>
+            <a:r>
+              <a:rPr lang="zh-CN" altLang="en-US" dirty="0" smtClean="0"/>
+              <a:t>计算机仿真</a:t>
+            </a:r>
+            <a:endParaRPr lang="zh-CN" altLang="en-US" dirty="0"/>
+          </a:p>
+        </p:txBody>
+      </p:sp>
+      <p:sp>
+        <p:nvSpPr>
+          <p:cNvPr id="3" name="内容占位符 2"/>
+          <p:cNvSpPr>
+            <a:spLocks noGrp="1"/>
+          </p:cNvSpPr>
+          <p:nvPr>
+            <p:ph idx="1"/>
+          </p:nvPr>
+        </p:nvSpPr>
+        <p:spPr/>
+        <p:txBody>
+          <a:bodyPr/>
+          <a:lstStyle/>
+          <a:p>
+            <a:r>
+              <a:rPr lang="zh-CN" altLang="en-US" dirty="0" smtClean="0"/>
+              <a:t>仿真就是为真实世界的某个东西创建</a:t>
+            </a:r>
+            <a:r>
+              <a:rPr lang="zh-CN" altLang="en-US" dirty="0" smtClean="0"/>
+              <a:t>计算机模型。</a:t>
+            </a:r>
+            <a:r>
+              <a:rPr lang="zh-CN" altLang="en-US" dirty="0" smtClean="0"/>
+              <a:t>前面已经创建了硬币、骰子和一副牌的计算机模型。</a:t>
+            </a:r>
+            <a:endParaRPr lang="zh-CN" altLang="en-US" dirty="0"/>
+          </a:p>
+        </p:txBody>
+      </p:sp>
+    </p:spTree>
+  </p:cSld>
+  <p:clrMapOvr>
+    <a:masterClrMapping/>
+  </p:clrMapOvr>
+</p:sld>
+</file>
+
+<file path=ppt/slides/slide206.xml><?xml version="1.0" encoding="utf-8"?>
+<p:sld xmlns:a="http://schemas.openxmlformats.org/drawingml/2006/main" xmlns:r="http://schemas.openxmlformats.org/officeDocument/2006/relationships" xmlns:p="http://schemas.openxmlformats.org/presentationml/2006/main">
+  <p:cSld>
+    <p:spTree>
+      <p:nvGrpSpPr>
+        <p:cNvPr id="1" name=""/>
+        <p:cNvGrpSpPr/>
+        <p:nvPr/>
+      </p:nvGrpSpPr>
+      <p:grpSpPr>
+        <a:xfrm>
+          <a:off x="0" y="0"/>
+          <a:ext cx="0" cy="0"/>
+          <a:chOff x="0" y="0"/>
+          <a:chExt cx="0" cy="0"/>
+        </a:xfrm>
+      </p:grpSpPr>
+      <p:sp>
+        <p:nvSpPr>
+          <p:cNvPr id="2" name="标题 1"/>
+          <p:cNvSpPr>
+            <a:spLocks noGrp="1"/>
+          </p:cNvSpPr>
+          <p:nvPr>
+            <p:ph type="title"/>
+          </p:nvPr>
+        </p:nvSpPr>
+        <p:spPr/>
+        <p:txBody>
+          <a:bodyPr/>
+          <a:lstStyle/>
+          <a:p>
+            <a:pPr algn="l"/>
+            <a:r>
+              <a:rPr lang="en-US" altLang="zh-CN" b="1" dirty="0" smtClean="0"/>
+              <a:t>21.1</a:t>
+            </a:r>
+            <a:r>
+              <a:rPr lang="zh-CN" altLang="en-US" b="1" dirty="0" smtClean="0"/>
+              <a:t>　真实世界建模</a:t>
+            </a:r>
+            <a:endParaRPr lang="zh-CN" altLang="en-US" dirty="0"/>
+          </a:p>
+        </p:txBody>
+      </p:sp>
+      <p:sp>
+        <p:nvSpPr>
+          <p:cNvPr id="3" name="内容占位符 2"/>
+          <p:cNvSpPr>
+            <a:spLocks noGrp="1"/>
+          </p:cNvSpPr>
+          <p:nvPr>
+            <p:ph idx="1"/>
+          </p:nvPr>
+        </p:nvSpPr>
+        <p:spPr/>
+        <p:txBody>
+          <a:bodyPr>
+            <a:normAutofit fontScale="85000" lnSpcReduction="10000"/>
+          </a:bodyPr>
+          <a:lstStyle/>
+          <a:p>
+            <a:r>
+              <a:rPr lang="zh-CN" altLang="en-US" dirty="0" smtClean="0"/>
+              <a:t>为什么要使用计算机对真实世界仿真或建模，这有很多原因。有时出于时间</a:t>
+            </a:r>
+            <a:r>
+              <a:rPr lang="zh-CN" altLang="en-US" dirty="0" smtClean="0"/>
+              <a:t>、距离</a:t>
+            </a:r>
+            <a:r>
+              <a:rPr lang="zh-CN" altLang="en-US" dirty="0" smtClean="0"/>
+              <a:t>、危险性或其他一些原因，我们要想具体做试验是不实际的</a:t>
+            </a:r>
+            <a:r>
+              <a:rPr lang="zh-CN" altLang="en-US" dirty="0" smtClean="0"/>
+              <a:t>。</a:t>
+            </a:r>
+            <a:endParaRPr lang="en-US" altLang="zh-CN" dirty="0" smtClean="0"/>
+          </a:p>
+          <a:p>
+            <a:r>
+              <a:rPr lang="zh-CN" altLang="en-US" dirty="0" smtClean="0"/>
+              <a:t>通过仿真，你可以做很多事情</a:t>
+            </a:r>
+            <a:r>
+              <a:rPr lang="zh-CN" altLang="en-US" dirty="0" smtClean="0"/>
+              <a:t>。</a:t>
+            </a:r>
+            <a:endParaRPr lang="en-US" altLang="zh-CN" dirty="0" smtClean="0"/>
+          </a:p>
+          <a:p>
+            <a:pPr lvl="1"/>
+            <a:r>
+              <a:rPr lang="zh-CN" altLang="en-US" dirty="0" smtClean="0"/>
+              <a:t>你可以做试验或者练习某项技</a:t>
+            </a:r>
+            <a:r>
+              <a:rPr lang="zh-CN" altLang="en-US" sz="2400" dirty="0" smtClean="0"/>
+              <a:t> </a:t>
+            </a:r>
+            <a:r>
+              <a:rPr lang="zh-CN" altLang="en-US" dirty="0" smtClean="0"/>
+              <a:t>能，而不需要任何设备（除了计算机以外</a:t>
+            </a:r>
+            <a:r>
+              <a:rPr lang="zh-CN" altLang="en-US" dirty="0" smtClean="0"/>
+              <a:t>），另外</a:t>
+            </a:r>
+            <a:r>
+              <a:rPr lang="zh-CN" altLang="en-US" dirty="0" smtClean="0"/>
+              <a:t>也不会给任何人带来</a:t>
+            </a:r>
+            <a:r>
+              <a:rPr lang="zh-CN" altLang="en-US" dirty="0" smtClean="0"/>
+              <a:t>危险</a:t>
+            </a:r>
+            <a:endParaRPr lang="en-US" altLang="zh-CN" dirty="0" smtClean="0"/>
+          </a:p>
+          <a:p>
+            <a:pPr lvl="1"/>
+            <a:r>
+              <a:rPr lang="zh-CN" altLang="en-US" dirty="0" smtClean="0"/>
+              <a:t>让时间加速或</a:t>
+            </a:r>
+            <a:r>
+              <a:rPr lang="zh-CN" altLang="en-US" dirty="0" smtClean="0"/>
+              <a:t>减慢</a:t>
+            </a:r>
+            <a:endParaRPr lang="en-US" altLang="zh-CN" dirty="0" smtClean="0"/>
+          </a:p>
+          <a:p>
+            <a:pPr lvl="1"/>
+            <a:r>
+              <a:rPr lang="zh-CN" altLang="en-US" dirty="0" smtClean="0"/>
+              <a:t>同时做多个</a:t>
+            </a:r>
+            <a:r>
+              <a:rPr lang="zh-CN" altLang="en-US" dirty="0" smtClean="0"/>
+              <a:t>试验</a:t>
+            </a:r>
+            <a:endParaRPr lang="en-US" altLang="zh-CN" dirty="0" smtClean="0"/>
+          </a:p>
+          <a:p>
+            <a:pPr lvl="1"/>
+            <a:r>
+              <a:rPr lang="zh-CN" altLang="en-US" dirty="0" smtClean="0"/>
+              <a:t>尝试一些可能代价很高、很危险或者在真实世界中不可能实现的事情</a:t>
+            </a:r>
+            <a:endParaRPr lang="zh-CN" altLang="en-US" dirty="0"/>
+          </a:p>
+        </p:txBody>
+      </p:sp>
+    </p:spTree>
+  </p:cSld>
+  <p:clrMapOvr>
+    <a:masterClrMapping/>
+  </p:clrMapOvr>
+</p:sld>
+</file>
+
+<file path=ppt/slides/slide207.xml><?xml version="1.0" encoding="utf-8"?>
+<p:sld xmlns:a="http://schemas.openxmlformats.org/drawingml/2006/main" xmlns:r="http://schemas.openxmlformats.org/officeDocument/2006/relationships" xmlns:p="http://schemas.openxmlformats.org/presentationml/2006/main">
+  <p:cSld>
+    <p:spTree>
+      <p:nvGrpSpPr>
+        <p:cNvPr id="1" name=""/>
+        <p:cNvGrpSpPr/>
+        <p:nvPr/>
+      </p:nvGrpSpPr>
+      <p:grpSpPr>
+        <a:xfrm>
+          <a:off x="0" y="0"/>
+          <a:ext cx="0" cy="0"/>
+          <a:chOff x="0" y="0"/>
+          <a:chExt cx="0" cy="0"/>
+        </a:xfrm>
+      </p:grpSpPr>
+      <p:sp>
+        <p:nvSpPr>
+          <p:cNvPr id="2" name="标题 1"/>
+          <p:cNvSpPr>
+            <a:spLocks noGrp="1"/>
+          </p:cNvSpPr>
+          <p:nvPr>
+            <p:ph type="title"/>
+          </p:nvPr>
+        </p:nvSpPr>
+        <p:spPr/>
+        <p:txBody>
+          <a:bodyPr/>
+          <a:lstStyle/>
+          <a:p>
+            <a:pPr algn="l"/>
+            <a:r>
+              <a:rPr lang="en-US" altLang="zh-CN" b="1" dirty="0" smtClean="0"/>
+              <a:t>21.2</a:t>
+            </a:r>
+            <a:r>
+              <a:rPr lang="zh-CN" altLang="en-US" b="1" dirty="0" smtClean="0"/>
+              <a:t>　</a:t>
+            </a:r>
+            <a:r>
+              <a:rPr lang="en-US" altLang="zh-CN" b="1" dirty="0" smtClean="0"/>
+              <a:t>Lunar </a:t>
+            </a:r>
+            <a:r>
+              <a:rPr lang="en-US" altLang="zh-CN" b="1" dirty="0" smtClean="0"/>
+              <a:t>Lander</a:t>
+            </a:r>
+            <a:endParaRPr lang="zh-CN" altLang="en-US" dirty="0"/>
+          </a:p>
+        </p:txBody>
+      </p:sp>
+      <p:sp>
+        <p:nvSpPr>
+          <p:cNvPr id="3" name="内容占位符 2"/>
+          <p:cNvSpPr>
+            <a:spLocks noGrp="1"/>
+          </p:cNvSpPr>
+          <p:nvPr>
+            <p:ph idx="1"/>
+          </p:nvPr>
+        </p:nvSpPr>
+        <p:spPr>
+          <a:xfrm>
+            <a:off x="457200" y="1600200"/>
+            <a:ext cx="5626968" cy="4525963"/>
+          </a:xfrm>
+        </p:spPr>
+        <p:txBody>
+          <a:bodyPr>
+            <a:normAutofit/>
+          </a:bodyPr>
+          <a:lstStyle/>
+          <a:p>
+            <a:r>
+              <a:rPr lang="zh-CN" altLang="en-US" dirty="0" smtClean="0"/>
+              <a:t>开始时飞船离月球表面有一定距离。</a:t>
+            </a:r>
+            <a:r>
+              <a:rPr lang="zh-CN" altLang="en-US" dirty="0" smtClean="0"/>
+              <a:t>月球的</a:t>
+            </a:r>
+            <a:r>
+              <a:rPr lang="zh-CN" altLang="en-US" dirty="0" smtClean="0"/>
+              <a:t>重力开始把它向下拉，我们必须使用</a:t>
+            </a:r>
+            <a:r>
+              <a:rPr lang="zh-CN" altLang="en-US" dirty="0" smtClean="0"/>
+              <a:t>推进器让</a:t>
+            </a:r>
+            <a:r>
+              <a:rPr lang="zh-CN" altLang="en-US" dirty="0" smtClean="0"/>
+              <a:t>它的降落放慢，使它平缓</a:t>
+            </a:r>
+            <a:r>
+              <a:rPr lang="zh-CN" altLang="en-US" dirty="0" smtClean="0"/>
+              <a:t>着陆</a:t>
+            </a:r>
+            <a:endParaRPr lang="en-US" altLang="zh-CN" dirty="0" smtClean="0"/>
+          </a:p>
+          <a:p>
+            <a:r>
+              <a:rPr lang="zh-CN" altLang="en-US" dirty="0" smtClean="0"/>
+              <a:t>这个程序看上去是像右图这样</a:t>
+            </a:r>
+            <a:endParaRPr lang="zh-CN" altLang="en-US" dirty="0"/>
+          </a:p>
+        </p:txBody>
+      </p:sp>
+      <p:pic>
+        <p:nvPicPr>
+          <p:cNvPr id="1026" name="Picture 2"/>
+          <p:cNvPicPr>
+            <a:picLocks noChangeAspect="1" noChangeArrowheads="1"/>
+          </p:cNvPicPr>
+          <p:nvPr/>
+        </p:nvPicPr>
+        <p:blipFill>
+          <a:blip r:embed="rId2" cstate="print"/>
+          <a:srcRect/>
+          <a:stretch>
+            <a:fillRect/>
+          </a:stretch>
+        </p:blipFill>
+        <p:spPr bwMode="auto">
+          <a:xfrm>
+            <a:off x="6060087" y="1484784"/>
+            <a:ext cx="2976409" cy="4564782"/>
+          </a:xfrm>
+          <a:prstGeom prst="rect">
+            <a:avLst/>
+          </a:prstGeom>
+          <a:noFill/>
+          <a:ln w="9525">
+            <a:noFill/>
+            <a:miter lim="800000"/>
+            <a:headEnd/>
+            <a:tailEnd/>
+          </a:ln>
+        </p:spPr>
+      </p:pic>
+    </p:spTree>
+  </p:cSld>
+  <p:clrMapOvr>
+    <a:masterClrMapping/>
+  </p:clrMapOvr>
+</p:sld>
+</file>
+
+<file path=ppt/slides/slide208.xml><?xml version="1.0" encoding="utf-8"?>
+<p:sld xmlns:a="http://schemas.openxmlformats.org/drawingml/2006/main" xmlns:r="http://schemas.openxmlformats.org/officeDocument/2006/relationships" xmlns:p="http://schemas.openxmlformats.org/presentationml/2006/main">
+  <p:cSld>
+    <p:spTree>
+      <p:nvGrpSpPr>
+        <p:cNvPr id="1" name=""/>
+        <p:cNvGrpSpPr/>
+        <p:nvPr/>
+      </p:nvGrpSpPr>
+      <p:grpSpPr>
+        <a:xfrm>
+          <a:off x="0" y="0"/>
+          <a:ext cx="0" cy="0"/>
+          <a:chOff x="0" y="0"/>
+          <a:chExt cx="0" cy="0"/>
+        </a:xfrm>
+      </p:grpSpPr>
+      <p:sp>
+        <p:nvSpPr>
+          <p:cNvPr id="2" name="标题 1"/>
+          <p:cNvSpPr>
+            <a:spLocks noGrp="1"/>
+          </p:cNvSpPr>
+          <p:nvPr>
+            <p:ph type="title"/>
+          </p:nvPr>
+        </p:nvSpPr>
+        <p:spPr/>
+        <p:txBody>
+          <a:bodyPr/>
+          <a:lstStyle/>
+          <a:p>
+            <a:pPr algn="l"/>
+            <a:r>
+              <a:rPr lang="en-US" altLang="zh-CN" b="1" dirty="0" smtClean="0"/>
+              <a:t>21.3</a:t>
+            </a:r>
+            <a:r>
+              <a:rPr lang="zh-CN" altLang="en-US" b="1" dirty="0" smtClean="0"/>
+              <a:t>　</a:t>
+            </a:r>
+            <a:r>
+              <a:rPr lang="zh-CN" altLang="en-US" dirty="0" smtClean="0"/>
+              <a:t>跟踪时间</a:t>
+            </a:r>
+            <a:endParaRPr lang="zh-CN" altLang="en-US" dirty="0"/>
+          </a:p>
+        </p:txBody>
+      </p:sp>
+      <p:sp>
+        <p:nvSpPr>
+          <p:cNvPr id="3" name="内容占位符 2"/>
+          <p:cNvSpPr>
+            <a:spLocks noGrp="1"/>
+          </p:cNvSpPr>
+          <p:nvPr>
+            <p:ph idx="1"/>
+          </p:nvPr>
+        </p:nvSpPr>
+        <p:spPr>
+          <a:xfrm>
+            <a:off x="457200" y="1600200"/>
+            <a:ext cx="8291264" cy="4525963"/>
+          </a:xfrm>
+        </p:spPr>
+        <p:txBody>
+          <a:bodyPr>
+            <a:normAutofit/>
+          </a:bodyPr>
+          <a:lstStyle/>
+          <a:p>
+            <a:r>
+              <a:rPr lang="zh-CN" altLang="en-US" dirty="0" smtClean="0"/>
+              <a:t>在很多仿真中，时间是一个重要的因素</a:t>
+            </a:r>
+            <a:r>
+              <a:rPr lang="zh-CN" altLang="en-US" dirty="0" smtClean="0"/>
+              <a:t>。</a:t>
+            </a:r>
+            <a:endParaRPr lang="en-US" altLang="zh-CN" dirty="0" smtClean="0"/>
+          </a:p>
+          <a:p>
+            <a:pPr lvl="1"/>
+            <a:r>
+              <a:rPr lang="zh-CN" altLang="en-US" dirty="0" smtClean="0"/>
+              <a:t>有时我们希望时间</a:t>
+            </a:r>
+            <a:r>
+              <a:rPr lang="zh-CN" altLang="en-US" dirty="0" smtClean="0"/>
+              <a:t>加快</a:t>
+            </a:r>
+            <a:endParaRPr lang="en-US" altLang="zh-CN" dirty="0" smtClean="0"/>
+          </a:p>
+          <a:p>
+            <a:pPr lvl="1"/>
+            <a:r>
+              <a:rPr lang="zh-CN" altLang="en-US" dirty="0" smtClean="0"/>
+              <a:t>有时可能</a:t>
+            </a:r>
+            <a:r>
+              <a:rPr lang="zh-CN" altLang="en-US" dirty="0" smtClean="0"/>
+              <a:t>希望慢</a:t>
+            </a:r>
+            <a:r>
+              <a:rPr lang="zh-CN" altLang="en-US" dirty="0" smtClean="0"/>
+              <a:t>下来</a:t>
+            </a:r>
+            <a:endParaRPr lang="en-US" altLang="zh-CN" dirty="0" smtClean="0"/>
+          </a:p>
+          <a:p>
+            <a:pPr lvl="1"/>
+            <a:r>
+              <a:rPr lang="zh-CN" altLang="en-US" dirty="0" smtClean="0"/>
+              <a:t>有些时候则希望程序保持实时（</a:t>
+            </a:r>
+            <a:r>
+              <a:rPr lang="en-US" altLang="zh-CN" dirty="0" smtClean="0"/>
+              <a:t>real time</a:t>
+            </a:r>
+            <a:r>
+              <a:rPr lang="zh-CN" altLang="en-US" dirty="0" smtClean="0"/>
+              <a:t>）</a:t>
+            </a:r>
+            <a:endParaRPr lang="zh-CN" altLang="en-US" dirty="0"/>
+          </a:p>
+        </p:txBody>
+      </p:sp>
+    </p:spTree>
+  </p:cSld>
+  <p:clrMapOvr>
+    <a:masterClrMapping/>
+  </p:clrMapOvr>
+</p:sld>
+</file>
+
+<file path=ppt/slides/slide209.xml><?xml version="1.0" encoding="utf-8"?>
+<p:sld xmlns:a="http://schemas.openxmlformats.org/drawingml/2006/main" xmlns:r="http://schemas.openxmlformats.org/officeDocument/2006/relationships" xmlns:p="http://schemas.openxmlformats.org/presentationml/2006/main">
+  <p:cSld>
+    <p:spTree>
+      <p:nvGrpSpPr>
+        <p:cNvPr id="1" name=""/>
+        <p:cNvGrpSpPr/>
+        <p:nvPr/>
+      </p:nvGrpSpPr>
+      <p:grpSpPr>
+        <a:xfrm>
+          <a:off x="0" y="0"/>
+          <a:ext cx="0" cy="0"/>
+          <a:chOff x="0" y="0"/>
+          <a:chExt cx="0" cy="0"/>
+        </a:xfrm>
+      </p:grpSpPr>
+      <p:sp>
+        <p:nvSpPr>
+          <p:cNvPr id="2" name="标题 1"/>
+          <p:cNvSpPr>
+            <a:spLocks noGrp="1"/>
+          </p:cNvSpPr>
+          <p:nvPr>
+            <p:ph type="title"/>
+          </p:nvPr>
+        </p:nvSpPr>
+        <p:spPr/>
+        <p:txBody>
+          <a:bodyPr/>
+          <a:lstStyle/>
+          <a:p>
+            <a:pPr algn="l"/>
+            <a:r>
+              <a:rPr lang="en-US" altLang="zh-CN" b="1" dirty="0" smtClean="0"/>
+              <a:t>21.4</a:t>
+            </a:r>
+            <a:r>
+              <a:rPr lang="zh-CN" altLang="en-US" b="1" dirty="0" smtClean="0"/>
+              <a:t>　</a:t>
+            </a:r>
+            <a:r>
+              <a:rPr lang="zh-CN" altLang="en-US" dirty="0" smtClean="0"/>
+              <a:t>时间对象</a:t>
+            </a:r>
+            <a:endParaRPr lang="zh-CN" altLang="en-US" dirty="0"/>
+          </a:p>
+        </p:txBody>
+      </p:sp>
+      <p:sp>
+        <p:nvSpPr>
+          <p:cNvPr id="3" name="内容占位符 2"/>
+          <p:cNvSpPr>
+            <a:spLocks noGrp="1"/>
+          </p:cNvSpPr>
+          <p:nvPr>
+            <p:ph idx="1"/>
+          </p:nvPr>
+        </p:nvSpPr>
+        <p:spPr>
+          <a:xfrm>
+            <a:off x="457200" y="1600200"/>
+            <a:ext cx="8291264" cy="4525963"/>
+          </a:xfrm>
+        </p:spPr>
+        <p:txBody>
+          <a:bodyPr>
+            <a:normAutofit fontScale="85000" lnSpcReduction="20000"/>
+          </a:bodyPr>
+          <a:lstStyle/>
+          <a:p>
+            <a:r>
+              <a:rPr lang="en-US" altLang="zh-CN" dirty="0" smtClean="0"/>
+              <a:t>Python </a:t>
+            </a:r>
+            <a:r>
+              <a:rPr lang="zh-CN" altLang="en-US" dirty="0" smtClean="0"/>
+              <a:t>的日期和时间对象类在单独的</a:t>
+            </a:r>
+            <a:r>
+              <a:rPr lang="en-US" altLang="zh-CN" dirty="0" err="1" smtClean="0"/>
+              <a:t>datetime</a:t>
+            </a:r>
+            <a:r>
+              <a:rPr lang="en-US" altLang="zh-CN" dirty="0" smtClean="0"/>
+              <a:t> </a:t>
+            </a:r>
+            <a:r>
+              <a:rPr lang="zh-CN" altLang="en-US" dirty="0" smtClean="0"/>
+              <a:t>模块中定义。</a:t>
+            </a:r>
+            <a:r>
+              <a:rPr lang="en-US" altLang="zh-CN" dirty="0" err="1" smtClean="0"/>
+              <a:t>datetime</a:t>
+            </a:r>
+            <a:r>
+              <a:rPr lang="en-US" altLang="zh-CN" dirty="0" smtClean="0"/>
+              <a:t> </a:t>
+            </a:r>
+            <a:r>
+              <a:rPr lang="zh-CN" altLang="en-US" dirty="0" smtClean="0"/>
+              <a:t>模块</a:t>
+            </a:r>
+            <a:r>
+              <a:rPr lang="zh-CN" altLang="en-US" dirty="0" smtClean="0"/>
+              <a:t>包含</a:t>
+            </a:r>
+            <a:r>
+              <a:rPr lang="zh-CN" altLang="en-US" dirty="0" smtClean="0"/>
+              <a:t>处理日期、时间以及日期或时间之差（</a:t>
+            </a:r>
+            <a:r>
+              <a:rPr lang="en-US" altLang="zh-CN" dirty="0" smtClean="0"/>
+              <a:t>delta</a:t>
+            </a:r>
+            <a:r>
+              <a:rPr lang="zh-CN" altLang="en-US" dirty="0" smtClean="0"/>
+              <a:t>）的类</a:t>
+            </a:r>
+            <a:r>
+              <a:rPr lang="zh-CN" altLang="en-US" dirty="0" smtClean="0"/>
+              <a:t>。</a:t>
+            </a:r>
+            <a:endParaRPr lang="en-US" altLang="zh-CN" dirty="0" smtClean="0"/>
+          </a:p>
+          <a:p>
+            <a:pPr lvl="1"/>
+            <a:r>
+              <a:rPr lang="en-US" altLang="zh-CN" dirty="0" smtClean="0"/>
+              <a:t>import </a:t>
+            </a:r>
+            <a:r>
+              <a:rPr lang="en-US" altLang="zh-CN" dirty="0" err="1" smtClean="0"/>
+              <a:t>datetime</a:t>
+            </a:r>
+            <a:endParaRPr lang="en-US" altLang="zh-CN" dirty="0" smtClean="0"/>
+          </a:p>
+          <a:p>
+            <a:pPr lvl="1"/>
+            <a:r>
+              <a:rPr lang="en-US" altLang="zh-CN" dirty="0" smtClean="0"/>
+              <a:t>when </a:t>
+            </a:r>
+            <a:r>
+              <a:rPr lang="en-US" altLang="zh-CN" dirty="0" smtClean="0"/>
+              <a:t>= </a:t>
+            </a:r>
+            <a:r>
+              <a:rPr lang="en-US" altLang="zh-CN" dirty="0" err="1" smtClean="0"/>
+              <a:t>datetime.datetime</a:t>
+            </a:r>
+            <a:r>
+              <a:rPr lang="en-US" altLang="zh-CN" dirty="0" smtClean="0"/>
+              <a:t>(2012, 10, 24, 10, 45, 56</a:t>
+            </a:r>
+            <a:r>
+              <a:rPr lang="en-US" altLang="zh-CN" dirty="0" smtClean="0"/>
+              <a:t>)</a:t>
+            </a:r>
+          </a:p>
+          <a:p>
+            <a:pPr lvl="1"/>
+            <a:r>
+              <a:rPr lang="en-US" altLang="zh-CN" dirty="0" smtClean="0"/>
+              <a:t>when = </a:t>
+            </a:r>
+            <a:r>
+              <a:rPr lang="en-US" altLang="zh-CN" dirty="0" err="1" smtClean="0"/>
+              <a:t>datetime.datetime</a:t>
+            </a:r>
+            <a:r>
+              <a:rPr lang="en-US" altLang="zh-CN" dirty="0" smtClean="0"/>
+              <a:t>(hour=10, year=2012, minute=45, </a:t>
+            </a:r>
+            <a:r>
+              <a:rPr lang="en-US" altLang="zh-CN" dirty="0" smtClean="0"/>
+              <a:t>month=10,second=56</a:t>
+            </a:r>
+            <a:r>
+              <a:rPr lang="en-US" altLang="zh-CN" dirty="0" smtClean="0"/>
+              <a:t>, day=24</a:t>
+            </a:r>
+            <a:r>
+              <a:rPr lang="en-US" altLang="zh-CN" dirty="0" smtClean="0"/>
+              <a:t>)</a:t>
+            </a:r>
+          </a:p>
+          <a:p>
+            <a:r>
+              <a:rPr lang="zh-CN" altLang="en-US" dirty="0" smtClean="0"/>
+              <a:t>时间差</a:t>
+            </a:r>
+            <a:endParaRPr lang="en-US" altLang="zh-CN" dirty="0" smtClean="0"/>
+          </a:p>
+          <a:p>
+            <a:pPr lvl="1"/>
+            <a:r>
+              <a:rPr lang="en-US" altLang="zh-CN" dirty="0" smtClean="0"/>
+              <a:t>import </a:t>
+            </a:r>
+            <a:r>
+              <a:rPr lang="en-US" altLang="zh-CN" dirty="0" err="1" smtClean="0"/>
+              <a:t>datetime</a:t>
+            </a:r>
+            <a:endParaRPr lang="en-US" altLang="zh-CN" dirty="0" smtClean="0"/>
+          </a:p>
+          <a:p>
+            <a:pPr lvl="1"/>
+            <a:r>
+              <a:rPr lang="en-US" altLang="zh-CN" dirty="0" smtClean="0"/>
+              <a:t>yesterday = </a:t>
+            </a:r>
+            <a:r>
+              <a:rPr lang="en-US" altLang="zh-CN" dirty="0" err="1" smtClean="0"/>
+              <a:t>datetime.datetime</a:t>
+            </a:r>
+            <a:r>
+              <a:rPr lang="en-US" altLang="zh-CN" dirty="0" smtClean="0"/>
+              <a:t>(2012, 10, 23</a:t>
+            </a:r>
+            <a:r>
+              <a:rPr lang="en-US" altLang="zh-CN" dirty="0" smtClean="0"/>
+              <a:t>)</a:t>
+            </a:r>
+          </a:p>
+          <a:p>
+            <a:pPr lvl="1"/>
+            <a:r>
+              <a:rPr lang="en-US" altLang="zh-CN" dirty="0" smtClean="0"/>
+              <a:t>tomorrow = </a:t>
+            </a:r>
+            <a:r>
+              <a:rPr lang="en-US" altLang="zh-CN" dirty="0" err="1" smtClean="0"/>
+              <a:t>datetime.datetime</a:t>
+            </a:r>
+            <a:r>
+              <a:rPr lang="en-US" altLang="zh-CN" dirty="0" smtClean="0"/>
+              <a:t>(2012, 10, 25</a:t>
+            </a:r>
+            <a:r>
+              <a:rPr lang="en-US" altLang="zh-CN" dirty="0" smtClean="0"/>
+              <a:t>)</a:t>
+            </a:r>
+          </a:p>
+          <a:p>
+            <a:pPr lvl="1"/>
+            <a:r>
+              <a:rPr lang="en-US" altLang="zh-CN" dirty="0" smtClean="0"/>
+              <a:t>difference = tomorrow - yesterday</a:t>
             </a:r>
             <a:endParaRPr lang="zh-CN" altLang="en-US" dirty="0"/>
           </a:p>
@@ -20259,6 +20898,1747 @@
 </p:sld>
 </file>
 
+<file path=ppt/slides/slide210.xml><?xml version="1.0" encoding="utf-8"?>
+<p:sld xmlns:a="http://schemas.openxmlformats.org/drawingml/2006/main" xmlns:r="http://schemas.openxmlformats.org/officeDocument/2006/relationships" xmlns:p="http://schemas.openxmlformats.org/presentationml/2006/main">
+  <p:cSld>
+    <p:spTree>
+      <p:nvGrpSpPr>
+        <p:cNvPr id="1" name=""/>
+        <p:cNvGrpSpPr/>
+        <p:nvPr/>
+      </p:nvGrpSpPr>
+      <p:grpSpPr>
+        <a:xfrm>
+          <a:off x="0" y="0"/>
+          <a:ext cx="0" cy="0"/>
+          <a:chOff x="0" y="0"/>
+          <a:chExt cx="0" cy="0"/>
+        </a:xfrm>
+      </p:grpSpPr>
+      <p:sp>
+        <p:nvSpPr>
+          <p:cNvPr id="2" name="标题 1"/>
+          <p:cNvSpPr>
+            <a:spLocks noGrp="1"/>
+          </p:cNvSpPr>
+          <p:nvPr>
+            <p:ph type="title"/>
+          </p:nvPr>
+        </p:nvSpPr>
+        <p:spPr/>
+        <p:txBody>
+          <a:bodyPr/>
+          <a:lstStyle/>
+          <a:p>
+            <a:pPr algn="l"/>
+            <a:r>
+              <a:rPr lang="en-US" altLang="zh-CN" dirty="0" smtClean="0"/>
+              <a:t>21.5</a:t>
+            </a:r>
+            <a:r>
+              <a:rPr lang="zh-CN" altLang="en-US" b="1" dirty="0" smtClean="0"/>
+              <a:t>　</a:t>
+            </a:r>
+            <a:r>
+              <a:rPr lang="zh-CN" altLang="en-US" dirty="0" smtClean="0"/>
+              <a:t>把时间间保存到文件</a:t>
+            </a:r>
+            <a:endParaRPr lang="zh-CN" altLang="en-US" dirty="0"/>
+          </a:p>
+        </p:txBody>
+      </p:sp>
+      <p:sp>
+        <p:nvSpPr>
+          <p:cNvPr id="3" name="内容占位符 2"/>
+          <p:cNvSpPr>
+            <a:spLocks noGrp="1"/>
+          </p:cNvSpPr>
+          <p:nvPr>
+            <p:ph idx="1"/>
+          </p:nvPr>
+        </p:nvSpPr>
+        <p:spPr>
+          <a:xfrm>
+            <a:off x="457200" y="1600200"/>
+            <a:ext cx="8291264" cy="4525963"/>
+          </a:xfrm>
+        </p:spPr>
+        <p:txBody>
+          <a:bodyPr>
+            <a:normAutofit fontScale="77500" lnSpcReduction="20000"/>
+          </a:bodyPr>
+          <a:lstStyle/>
+          <a:p>
+            <a:r>
+              <a:rPr lang="zh-CN" altLang="en-US" dirty="0" smtClean="0"/>
+              <a:t>将时间保存到一个文件中有两种</a:t>
+            </a:r>
+            <a:r>
+              <a:rPr lang="zh-CN" altLang="en-US" dirty="0" smtClean="0"/>
+              <a:t>方法</a:t>
+            </a:r>
+            <a:endParaRPr lang="en-US" altLang="zh-CN" dirty="0" smtClean="0"/>
+          </a:p>
+          <a:p>
+            <a:pPr lvl="1"/>
+            <a:r>
+              <a:rPr lang="zh-CN" altLang="en-US" dirty="0" smtClean="0"/>
+              <a:t>可以</a:t>
+            </a:r>
+            <a:r>
+              <a:rPr lang="zh-CN" altLang="en-US" dirty="0" smtClean="0"/>
+              <a:t>把一个字符串直接写入</a:t>
+            </a:r>
+            <a:r>
+              <a:rPr lang="zh-CN" altLang="en-US" dirty="0" smtClean="0"/>
+              <a:t>文件</a:t>
+            </a:r>
+            <a:endParaRPr lang="en-US" altLang="zh-CN" dirty="0" smtClean="0"/>
+          </a:p>
+          <a:p>
+            <a:pPr lvl="1"/>
+            <a:r>
+              <a:rPr lang="zh-CN" altLang="en-US" dirty="0" smtClean="0"/>
+              <a:t>另一种方法是使用</a:t>
+            </a:r>
+            <a:r>
+              <a:rPr lang="en-US" altLang="zh-CN" dirty="0" smtClean="0"/>
+              <a:t>pickle </a:t>
+            </a:r>
+            <a:r>
+              <a:rPr lang="zh-CN" altLang="en-US" dirty="0" smtClean="0"/>
+              <a:t>模块</a:t>
+            </a:r>
+            <a:r>
+              <a:rPr lang="zh-CN" altLang="en-US" dirty="0" smtClean="0"/>
+              <a:t>，</a:t>
+            </a:r>
+            <a:r>
+              <a:rPr lang="en-US" altLang="zh-CN" dirty="0" smtClean="0"/>
+              <a:t> pickle </a:t>
+            </a:r>
+            <a:r>
+              <a:rPr lang="zh-CN" altLang="en-US" dirty="0" smtClean="0"/>
+              <a:t>模块允许你把</a:t>
+            </a:r>
+            <a:r>
+              <a:rPr lang="zh-CN" altLang="en-US" dirty="0" smtClean="0"/>
+              <a:t>任何</a:t>
+            </a:r>
+            <a:r>
+              <a:rPr lang="zh-CN" altLang="en-US" dirty="0" smtClean="0"/>
+              <a:t>类型的变量保存到文件中，也包括</a:t>
+            </a:r>
+            <a:r>
+              <a:rPr lang="zh-CN" altLang="en-US" dirty="0" smtClean="0"/>
+              <a:t>对象</a:t>
+            </a:r>
+            <a:endParaRPr lang="en-US" altLang="zh-CN" dirty="0" smtClean="0"/>
+          </a:p>
+          <a:p>
+            <a:r>
+              <a:rPr lang="zh-CN" altLang="en-US" sz="2800" dirty="0" smtClean="0"/>
+              <a:t></a:t>
+            </a:r>
+            <a:r>
+              <a:rPr lang="zh-CN" altLang="en-US" dirty="0" smtClean="0"/>
+              <a:t>查找一个 </a:t>
+            </a:r>
+            <a:r>
+              <a:rPr lang="en-US" altLang="zh-CN" dirty="0" smtClean="0"/>
+              <a:t>pickle </a:t>
+            </a:r>
+            <a:r>
+              <a:rPr lang="zh-CN" altLang="en-US" dirty="0" smtClean="0"/>
+              <a:t>文件并打开这个文件。</a:t>
+            </a:r>
+            <a:r>
+              <a:rPr lang="en-US" altLang="zh-CN" dirty="0" smtClean="0"/>
+              <a:t>Python </a:t>
+            </a:r>
+            <a:r>
+              <a:rPr lang="zh-CN" altLang="en-US" dirty="0" smtClean="0"/>
+              <a:t>有一个 </a:t>
+            </a:r>
+            <a:r>
+              <a:rPr lang="en-US" altLang="zh-CN" sz="2800" dirty="0" err="1" smtClean="0"/>
+              <a:t>os</a:t>
+            </a:r>
+            <a:r>
+              <a:rPr lang="zh-CN" altLang="en-US" dirty="0" smtClean="0"/>
+              <a:t>（操作系统 </a:t>
+            </a:r>
+            <a:r>
+              <a:rPr lang="en-US" altLang="zh-CN" dirty="0" err="1" smtClean="0"/>
+              <a:t>operatingsystem</a:t>
+            </a:r>
+            <a:r>
+              <a:rPr lang="en-US" altLang="zh-CN" dirty="0" smtClean="0"/>
+              <a:t> </a:t>
+            </a:r>
+            <a:r>
+              <a:rPr lang="zh-CN" altLang="en-US" dirty="0" smtClean="0"/>
+              <a:t>的简写）模块，可以告诉我们这个文件是否存在。这里要使用的</a:t>
+            </a:r>
+            <a:r>
+              <a:rPr lang="zh-CN" altLang="en-US" dirty="0" smtClean="0"/>
+              <a:t>方法</a:t>
+            </a:r>
+            <a:r>
+              <a:rPr lang="zh-CN" altLang="en-US" sz="3600" dirty="0" smtClean="0"/>
+              <a:t>名</a:t>
+            </a:r>
+            <a:r>
+              <a:rPr lang="zh-CN" altLang="en-US" sz="3600" dirty="0" smtClean="0"/>
+              <a:t>为</a:t>
+            </a:r>
+            <a:r>
+              <a:rPr lang="en-US" altLang="zh-CN" dirty="0" err="1" smtClean="0"/>
+              <a:t>isfile</a:t>
+            </a:r>
+            <a:r>
+              <a:rPr lang="en-US" altLang="zh-CN" dirty="0" smtClean="0"/>
+              <a:t>()</a:t>
+            </a:r>
+            <a:r>
+              <a:rPr lang="zh-CN" altLang="en-US" sz="3600" dirty="0" smtClean="0"/>
+              <a:t>。</a:t>
+            </a:r>
+          </a:p>
+          <a:p>
+            <a:r>
+              <a:rPr lang="zh-CN" altLang="en-US" sz="2800" dirty="0" smtClean="0"/>
+              <a:t></a:t>
+            </a:r>
+            <a:r>
+              <a:rPr lang="zh-CN" altLang="en-US" dirty="0" smtClean="0"/>
+              <a:t>如果文件存在，就认为程序之前运行过，得出它最后一次运行的时间</a:t>
+            </a:r>
+            <a:endParaRPr lang="en-US" altLang="zh-CN" dirty="0" smtClean="0"/>
+          </a:p>
+          <a:p>
+            <a:r>
+              <a:rPr lang="zh-CN" altLang="en-US" sz="2800" dirty="0" smtClean="0"/>
+              <a:t></a:t>
+            </a:r>
+            <a:r>
+              <a:rPr lang="zh-CN" altLang="en-US" sz="2800" dirty="0" smtClean="0"/>
+              <a:t></a:t>
+            </a:r>
+            <a:r>
+              <a:rPr lang="zh-CN" altLang="en-US" dirty="0" smtClean="0"/>
+              <a:t>然后用当前时间写一个新的 </a:t>
+            </a:r>
+            <a:r>
+              <a:rPr lang="en-US" altLang="zh-CN" dirty="0" smtClean="0"/>
+              <a:t>pickle</a:t>
+            </a:r>
+            <a:r>
+              <a:rPr lang="zh-CN" altLang="en-US" dirty="0" smtClean="0"/>
+              <a:t>文件。</a:t>
+            </a:r>
+          </a:p>
+          <a:p>
+            <a:r>
+              <a:rPr lang="zh-CN" altLang="en-US" sz="2800" dirty="0" smtClean="0"/>
+              <a:t></a:t>
+            </a:r>
+            <a:r>
+              <a:rPr lang="zh-CN" altLang="en-US" dirty="0" smtClean="0"/>
+              <a:t>如果这是程序第一次运行，就没有 </a:t>
+            </a:r>
+            <a:r>
+              <a:rPr lang="en-US" altLang="zh-CN" dirty="0" smtClean="0"/>
+              <a:t>pickle </a:t>
+            </a:r>
+            <a:r>
+              <a:rPr lang="zh-CN" altLang="en-US" dirty="0" smtClean="0"/>
+              <a:t>文件可以打开，所以会显示一条</a:t>
+            </a:r>
+            <a:r>
+              <a:rPr lang="zh-CN" altLang="en-US" dirty="0" smtClean="0"/>
+              <a:t>消息</a:t>
+            </a:r>
+            <a:r>
+              <a:rPr lang="zh-CN" altLang="en-US" dirty="0" smtClean="0"/>
+              <a:t>，指出我们创建了一个新的</a:t>
+            </a:r>
+            <a:r>
+              <a:rPr lang="en-US" altLang="zh-CN" dirty="0" smtClean="0"/>
+              <a:t>pickle </a:t>
+            </a:r>
+            <a:r>
+              <a:rPr lang="zh-CN" altLang="en-US" dirty="0" smtClean="0"/>
+              <a:t>文件。</a:t>
+            </a:r>
+            <a:endParaRPr lang="zh-CN" altLang="en-US" dirty="0"/>
+          </a:p>
+        </p:txBody>
+      </p:sp>
+    </p:spTree>
+  </p:cSld>
+  <p:clrMapOvr>
+    <a:masterClrMapping/>
+  </p:clrMapOvr>
+</p:sld>
+</file>
+
+<file path=ppt/slides/slide211.xml><?xml version="1.0" encoding="utf-8"?>
+<p:sld xmlns:a="http://schemas.openxmlformats.org/drawingml/2006/main" xmlns:r="http://schemas.openxmlformats.org/officeDocument/2006/relationships" xmlns:p="http://schemas.openxmlformats.org/presentationml/2006/main">
+  <p:cSld>
+    <p:spTree>
+      <p:nvGrpSpPr>
+        <p:cNvPr id="1" name=""/>
+        <p:cNvGrpSpPr/>
+        <p:nvPr/>
+      </p:nvGrpSpPr>
+      <p:grpSpPr>
+        <a:xfrm>
+          <a:off x="0" y="0"/>
+          <a:ext cx="0" cy="0"/>
+          <a:chOff x="0" y="0"/>
+          <a:chExt cx="0" cy="0"/>
+        </a:xfrm>
+      </p:grpSpPr>
+      <p:sp>
+        <p:nvSpPr>
+          <p:cNvPr id="2" name="标题 1"/>
+          <p:cNvSpPr>
+            <a:spLocks noGrp="1"/>
+          </p:cNvSpPr>
+          <p:nvPr>
+            <p:ph type="title"/>
+          </p:nvPr>
+        </p:nvSpPr>
+        <p:spPr/>
+        <p:txBody>
+          <a:bodyPr/>
+          <a:lstStyle/>
+          <a:p>
+            <a:pPr algn="l"/>
+            <a:r>
+              <a:rPr lang="zh-CN" altLang="en-US" dirty="0" smtClean="0"/>
+              <a:t>你学到了什么</a:t>
+            </a:r>
+            <a:endParaRPr lang="zh-CN" altLang="en-US" dirty="0"/>
+          </a:p>
+        </p:txBody>
+      </p:sp>
+      <p:sp>
+        <p:nvSpPr>
+          <p:cNvPr id="3" name="内容占位符 2"/>
+          <p:cNvSpPr>
+            <a:spLocks noGrp="1"/>
+          </p:cNvSpPr>
+          <p:nvPr>
+            <p:ph idx="1"/>
+          </p:nvPr>
+        </p:nvSpPr>
+        <p:spPr/>
+        <p:txBody>
+          <a:bodyPr/>
+          <a:lstStyle/>
+          <a:p>
+            <a:r>
+              <a:rPr lang="zh-CN" altLang="en-US" dirty="0" smtClean="0"/>
+              <a:t>什么是计算机仿真，为什么使用计算机仿真。</a:t>
+            </a:r>
+          </a:p>
+          <a:p>
+            <a:r>
+              <a:rPr lang="zh-CN" altLang="en-US" dirty="0" smtClean="0"/>
+              <a:t>如何模拟重力、加速度和作用力。</a:t>
+            </a:r>
+          </a:p>
+          <a:p>
+            <a:r>
+              <a:rPr lang="zh-CN" altLang="en-US" dirty="0" smtClean="0"/>
+              <a:t>如何跟踪和模拟时间。</a:t>
+            </a:r>
+          </a:p>
+          <a:p>
+            <a:r>
+              <a:rPr lang="zh-CN" altLang="en-US" dirty="0" smtClean="0"/>
+              <a:t>如何使用 </a:t>
+            </a:r>
+            <a:r>
+              <a:rPr lang="en-US" altLang="zh-CN" dirty="0" smtClean="0"/>
+              <a:t>pickle</a:t>
+            </a:r>
+            <a:r>
+              <a:rPr lang="zh-CN" altLang="en-US" dirty="0" smtClean="0"/>
+              <a:t>将时间戳保存到文件。</a:t>
+            </a:r>
+          </a:p>
+          <a:p>
+            <a:r>
+              <a:rPr lang="zh-CN" altLang="en-US" dirty="0" smtClean="0"/>
+              <a:t>关于错误处理的一点知识（</a:t>
+            </a:r>
+            <a:r>
+              <a:rPr lang="en-US" altLang="zh-CN" dirty="0" smtClean="0"/>
+              <a:t>try-except</a:t>
+            </a:r>
+            <a:r>
+              <a:rPr lang="zh-CN" altLang="en-US" dirty="0" smtClean="0"/>
+              <a:t>）。</a:t>
+            </a:r>
+          </a:p>
+          <a:p>
+            <a:r>
+              <a:rPr lang="zh-CN" altLang="en-US" dirty="0" smtClean="0"/>
+              <a:t>如何使用定时器生成周期性的事件。</a:t>
+            </a:r>
+            <a:endParaRPr lang="zh-CN" altLang="en-US" dirty="0"/>
+          </a:p>
+        </p:txBody>
+      </p:sp>
+    </p:spTree>
+  </p:cSld>
+  <p:clrMapOvr>
+    <a:masterClrMapping/>
+  </p:clrMapOvr>
+</p:sld>
+</file>
+
+<file path=ppt/slides/slide212.xml><?xml version="1.0" encoding="utf-8"?>
+<p:sld xmlns:a="http://schemas.openxmlformats.org/drawingml/2006/main" xmlns:r="http://schemas.openxmlformats.org/officeDocument/2006/relationships" xmlns:p="http://schemas.openxmlformats.org/presentationml/2006/main">
+  <p:cSld>
+    <p:spTree>
+      <p:nvGrpSpPr>
+        <p:cNvPr id="1" name=""/>
+        <p:cNvGrpSpPr/>
+        <p:nvPr/>
+      </p:nvGrpSpPr>
+      <p:grpSpPr>
+        <a:xfrm>
+          <a:off x="0" y="0"/>
+          <a:ext cx="0" cy="0"/>
+          <a:chOff x="0" y="0"/>
+          <a:chExt cx="0" cy="0"/>
+        </a:xfrm>
+      </p:grpSpPr>
+      <p:sp>
+        <p:nvSpPr>
+          <p:cNvPr id="2" name="标题 1"/>
+          <p:cNvSpPr>
+            <a:spLocks noGrp="1"/>
+          </p:cNvSpPr>
+          <p:nvPr>
+            <p:ph type="title"/>
+          </p:nvPr>
+        </p:nvSpPr>
+        <p:spPr/>
+        <p:txBody>
+          <a:bodyPr>
+            <a:normAutofit/>
+          </a:bodyPr>
+          <a:lstStyle/>
+          <a:p>
+            <a:r>
+              <a:rPr lang="en-US" altLang="zh-CN" dirty="0" smtClean="0"/>
+              <a:t>19</a:t>
+            </a:r>
+            <a:endParaRPr lang="zh-CN" altLang="en-US" dirty="0"/>
+          </a:p>
+        </p:txBody>
+      </p:sp>
+      <p:sp>
+        <p:nvSpPr>
+          <p:cNvPr id="3" name="内容占位符 2"/>
+          <p:cNvSpPr>
+            <a:spLocks noGrp="1"/>
+          </p:cNvSpPr>
+          <p:nvPr>
+            <p:ph idx="1"/>
+          </p:nvPr>
+        </p:nvSpPr>
+        <p:spPr/>
+        <p:txBody>
+          <a:bodyPr/>
+          <a:lstStyle/>
+          <a:p>
+            <a:endParaRPr lang="zh-CN" altLang="en-US"/>
+          </a:p>
+        </p:txBody>
+      </p:sp>
+    </p:spTree>
+  </p:cSld>
+  <p:clrMapOvr>
+    <a:masterClrMapping/>
+  </p:clrMapOvr>
+</p:sld>
+</file>
+
+<file path=ppt/slides/slide213.xml><?xml version="1.0" encoding="utf-8"?>
+<p:sld xmlns:a="http://schemas.openxmlformats.org/drawingml/2006/main" xmlns:r="http://schemas.openxmlformats.org/officeDocument/2006/relationships" xmlns:p="http://schemas.openxmlformats.org/presentationml/2006/main">
+  <p:cSld>
+    <p:spTree>
+      <p:nvGrpSpPr>
+        <p:cNvPr id="1" name=""/>
+        <p:cNvGrpSpPr/>
+        <p:nvPr/>
+      </p:nvGrpSpPr>
+      <p:grpSpPr>
+        <a:xfrm>
+          <a:off x="0" y="0"/>
+          <a:ext cx="0" cy="0"/>
+          <a:chOff x="0" y="0"/>
+          <a:chExt cx="0" cy="0"/>
+        </a:xfrm>
+      </p:grpSpPr>
+      <p:sp>
+        <p:nvSpPr>
+          <p:cNvPr id="2" name="标题 1"/>
+          <p:cNvSpPr>
+            <a:spLocks noGrp="1"/>
+          </p:cNvSpPr>
+          <p:nvPr>
+            <p:ph type="title"/>
+          </p:nvPr>
+        </p:nvSpPr>
+        <p:spPr/>
+        <p:txBody>
+          <a:bodyPr/>
+          <a:lstStyle/>
+          <a:p>
+            <a:pPr algn="l"/>
+            <a:r>
+              <a:rPr lang="en-US" altLang="zh-CN" dirty="0" smtClean="0"/>
+              <a:t>22 </a:t>
+            </a:r>
+            <a:r>
+              <a:rPr lang="en-US" altLang="zh-CN" dirty="0" smtClean="0"/>
+              <a:t>Python Battle</a:t>
+            </a:r>
+            <a:endParaRPr lang="zh-CN" altLang="en-US" dirty="0"/>
+          </a:p>
+        </p:txBody>
+      </p:sp>
+      <p:sp>
+        <p:nvSpPr>
+          <p:cNvPr id="3" name="内容占位符 2"/>
+          <p:cNvSpPr>
+            <a:spLocks noGrp="1"/>
+          </p:cNvSpPr>
+          <p:nvPr>
+            <p:ph idx="1"/>
+          </p:nvPr>
+        </p:nvSpPr>
+        <p:spPr/>
+        <p:txBody>
+          <a:bodyPr/>
+          <a:lstStyle/>
+          <a:p>
+            <a:r>
+              <a:rPr lang="zh-CN" altLang="en-US" dirty="0" smtClean="0"/>
+              <a:t>在本书中我们已经讲解了如何开发自己的游戏，但还有一个话题没有讨论，</a:t>
+            </a:r>
+            <a:r>
+              <a:rPr lang="zh-CN" altLang="en-US" dirty="0" smtClean="0"/>
+              <a:t>那就是</a:t>
+            </a:r>
+            <a:r>
+              <a:rPr lang="zh-CN" altLang="en-US" dirty="0" smtClean="0"/>
+              <a:t>游戏中的人工智能（</a:t>
+            </a:r>
+            <a:r>
+              <a:rPr lang="en-US" altLang="zh-CN" dirty="0" smtClean="0"/>
+              <a:t>AI</a:t>
+            </a:r>
+            <a:r>
+              <a:rPr lang="zh-CN" altLang="en-US" dirty="0" smtClean="0"/>
+              <a:t>）。从吃豆人（</a:t>
+            </a:r>
+            <a:r>
+              <a:rPr lang="en-US" altLang="zh-CN" dirty="0" smtClean="0"/>
+              <a:t>Pac-Man</a:t>
+            </a:r>
+            <a:r>
+              <a:rPr lang="zh-CN" altLang="en-US" dirty="0" smtClean="0"/>
+              <a:t>）开始，几乎所有的游戏在</a:t>
+            </a:r>
+            <a:r>
+              <a:rPr lang="zh-CN" altLang="en-US" dirty="0" smtClean="0"/>
+              <a:t>攻击玩家</a:t>
+            </a:r>
+            <a:r>
+              <a:rPr lang="zh-CN" altLang="en-US" dirty="0" smtClean="0"/>
+              <a:t>时都有某种形式的人工智能。本章将展示如何动手开发一个有人工智能的游戏。</a:t>
+            </a:r>
+            <a:endParaRPr lang="zh-CN" altLang="en-US" dirty="0"/>
+          </a:p>
+        </p:txBody>
+      </p:sp>
+    </p:spTree>
+  </p:cSld>
+  <p:clrMapOvr>
+    <a:masterClrMapping/>
+  </p:clrMapOvr>
+</p:sld>
+</file>
+
+<file path=ppt/slides/slide214.xml><?xml version="1.0" encoding="utf-8"?>
+<p:sld xmlns:a="http://schemas.openxmlformats.org/drawingml/2006/main" xmlns:r="http://schemas.openxmlformats.org/officeDocument/2006/relationships" xmlns:p="http://schemas.openxmlformats.org/presentationml/2006/main">
+  <p:cSld>
+    <p:spTree>
+      <p:nvGrpSpPr>
+        <p:cNvPr id="1" name=""/>
+        <p:cNvGrpSpPr/>
+        <p:nvPr/>
+      </p:nvGrpSpPr>
+      <p:grpSpPr>
+        <a:xfrm>
+          <a:off x="0" y="0"/>
+          <a:ext cx="0" cy="0"/>
+          <a:chOff x="0" y="0"/>
+          <a:chExt cx="0" cy="0"/>
+        </a:xfrm>
+      </p:grpSpPr>
+      <p:sp>
+        <p:nvSpPr>
+          <p:cNvPr id="2" name="标题 1"/>
+          <p:cNvSpPr>
+            <a:spLocks noGrp="1"/>
+          </p:cNvSpPr>
+          <p:nvPr>
+            <p:ph type="title"/>
+          </p:nvPr>
+        </p:nvSpPr>
+        <p:spPr/>
+        <p:txBody>
+          <a:bodyPr/>
+          <a:lstStyle/>
+          <a:p>
+            <a:pPr algn="l"/>
+            <a:r>
+              <a:rPr lang="en-US" altLang="zh-CN" b="1" dirty="0" smtClean="0"/>
+              <a:t>22.1</a:t>
+            </a:r>
+            <a:r>
+              <a:rPr lang="zh-CN" altLang="en-US" b="1" dirty="0" smtClean="0"/>
+              <a:t>　</a:t>
+            </a:r>
+            <a:r>
+              <a:rPr lang="en-US" altLang="zh-CN" b="1" dirty="0" smtClean="0"/>
+              <a:t>Python Battle</a:t>
+            </a:r>
+            <a:endParaRPr lang="zh-CN" altLang="en-US" dirty="0"/>
+          </a:p>
+        </p:txBody>
+      </p:sp>
+      <p:sp>
+        <p:nvSpPr>
+          <p:cNvPr id="3" name="内容占位符 2"/>
+          <p:cNvSpPr>
+            <a:spLocks noGrp="1"/>
+          </p:cNvSpPr>
+          <p:nvPr>
+            <p:ph idx="1"/>
+          </p:nvPr>
+        </p:nvSpPr>
+        <p:spPr/>
+        <p:txBody>
+          <a:bodyPr>
+            <a:normAutofit/>
+          </a:bodyPr>
+          <a:lstStyle/>
+          <a:p>
+            <a:r>
+              <a:rPr lang="zh-CN" altLang="en-US" dirty="0" smtClean="0"/>
+              <a:t>在本章中我们要为一个名为</a:t>
+            </a:r>
+            <a:r>
+              <a:rPr lang="en-US" altLang="zh-CN" dirty="0" smtClean="0"/>
+              <a:t>Python Battle </a:t>
+            </a:r>
+            <a:r>
+              <a:rPr lang="zh-CN" altLang="en-US" dirty="0" smtClean="0"/>
+              <a:t>的游戏开发</a:t>
+            </a:r>
+            <a:r>
+              <a:rPr lang="en-US" altLang="zh-CN" dirty="0" smtClean="0"/>
+              <a:t>AI</a:t>
+            </a:r>
+            <a:r>
+              <a:rPr lang="zh-CN" altLang="en-US" dirty="0" smtClean="0"/>
+              <a:t>。</a:t>
+            </a:r>
+            <a:r>
+              <a:rPr lang="en-US" altLang="zh-CN" dirty="0" smtClean="0"/>
+              <a:t>Python Battle </a:t>
+            </a:r>
+            <a:r>
+              <a:rPr lang="zh-CN" altLang="en-US" dirty="0" smtClean="0"/>
+              <a:t>是一</a:t>
+            </a:r>
+            <a:r>
+              <a:rPr lang="zh-CN" altLang="en-US" dirty="0" smtClean="0"/>
+              <a:t>个规则</a:t>
+            </a:r>
+            <a:r>
+              <a:rPr lang="zh-CN" altLang="en-US" dirty="0" smtClean="0"/>
+              <a:t>很简单的游戏。在每一回合中，你可以向前移动、向左右转或者攻击对方。</a:t>
+            </a:r>
+            <a:r>
+              <a:rPr lang="zh-CN" altLang="en-US" dirty="0" smtClean="0"/>
+              <a:t>当一</a:t>
+            </a:r>
+            <a:r>
+              <a:rPr lang="zh-CN" altLang="en-US" dirty="0" smtClean="0"/>
+              <a:t>个角色攻击另一个角色时，被攻击的一方会减少一点“血量”。血量先降为</a:t>
+            </a:r>
+            <a:r>
+              <a:rPr lang="en-US" altLang="zh-CN" dirty="0" smtClean="0"/>
+              <a:t>0 </a:t>
+            </a:r>
+            <a:r>
+              <a:rPr lang="zh-CN" altLang="en-US" dirty="0" smtClean="0"/>
+              <a:t>者掉</a:t>
+            </a:r>
+            <a:r>
+              <a:rPr lang="zh-CN" altLang="en-US" dirty="0" smtClean="0"/>
+              <a:t>游戏。角色只可以攻击正前方</a:t>
+            </a:r>
+            <a:r>
+              <a:rPr lang="zh-CN" altLang="en-US" dirty="0" smtClean="0"/>
+              <a:t>。</a:t>
+            </a:r>
+            <a:endParaRPr lang="en-US" altLang="zh-CN" dirty="0" smtClean="0"/>
+          </a:p>
+          <a:p>
+            <a:r>
+              <a:rPr lang="zh-CN" altLang="en-US" dirty="0" smtClean="0"/>
+              <a:t>运行</a:t>
+            </a:r>
+            <a:r>
+              <a:rPr lang="en-US" altLang="zh-CN" dirty="0" smtClean="0"/>
+              <a:t>Python </a:t>
+            </a:r>
+            <a:r>
+              <a:rPr lang="en-US" altLang="zh-CN" dirty="0" smtClean="0"/>
+              <a:t>Battle</a:t>
+            </a:r>
+          </a:p>
+        </p:txBody>
+      </p:sp>
+    </p:spTree>
+  </p:cSld>
+  <p:clrMapOvr>
+    <a:masterClrMapping/>
+  </p:clrMapOvr>
+</p:sld>
+</file>
+
+<file path=ppt/slides/slide215.xml><?xml version="1.0" encoding="utf-8"?>
+<p:sld xmlns:a="http://schemas.openxmlformats.org/drawingml/2006/main" xmlns:r="http://schemas.openxmlformats.org/officeDocument/2006/relationships" xmlns:p="http://schemas.openxmlformats.org/presentationml/2006/main">
+  <p:cSld>
+    <p:spTree>
+      <p:nvGrpSpPr>
+        <p:cNvPr id="1" name=""/>
+        <p:cNvGrpSpPr/>
+        <p:nvPr/>
+      </p:nvGrpSpPr>
+      <p:grpSpPr>
+        <a:xfrm>
+          <a:off x="0" y="0"/>
+          <a:ext cx="0" cy="0"/>
+          <a:chOff x="0" y="0"/>
+          <a:chExt cx="0" cy="0"/>
+        </a:xfrm>
+      </p:grpSpPr>
+      <p:sp>
+        <p:nvSpPr>
+          <p:cNvPr id="2" name="标题 1"/>
+          <p:cNvSpPr>
+            <a:spLocks noGrp="1"/>
+          </p:cNvSpPr>
+          <p:nvPr>
+            <p:ph type="title"/>
+          </p:nvPr>
+        </p:nvSpPr>
+        <p:spPr/>
+        <p:txBody>
+          <a:bodyPr/>
+          <a:lstStyle/>
+          <a:p>
+            <a:pPr algn="l"/>
+            <a:r>
+              <a:rPr lang="en-US" altLang="zh-CN" b="1" dirty="0" smtClean="0"/>
+              <a:t>22.1</a:t>
+            </a:r>
+            <a:r>
+              <a:rPr lang="zh-CN" altLang="en-US" b="1" dirty="0" smtClean="0"/>
+              <a:t>　</a:t>
+            </a:r>
+            <a:r>
+              <a:rPr lang="en-US" altLang="zh-CN" b="1" dirty="0" smtClean="0"/>
+              <a:t>Python Battle</a:t>
+            </a:r>
+            <a:endParaRPr lang="zh-CN" altLang="en-US" dirty="0"/>
+          </a:p>
+        </p:txBody>
+      </p:sp>
+      <p:sp>
+        <p:nvSpPr>
+          <p:cNvPr id="3" name="内容占位符 2"/>
+          <p:cNvSpPr>
+            <a:spLocks noGrp="1"/>
+          </p:cNvSpPr>
+          <p:nvPr>
+            <p:ph idx="1"/>
+          </p:nvPr>
+        </p:nvSpPr>
+        <p:spPr/>
+        <p:txBody>
+          <a:bodyPr>
+            <a:normAutofit fontScale="92500" lnSpcReduction="20000"/>
+          </a:bodyPr>
+          <a:lstStyle/>
+          <a:p>
+            <a:r>
+              <a:rPr lang="zh-CN" altLang="en-US" dirty="0" smtClean="0"/>
+              <a:t>游戏</a:t>
+            </a:r>
+            <a:r>
+              <a:rPr lang="zh-CN" altLang="en-US" dirty="0" smtClean="0"/>
+              <a:t>规则</a:t>
+            </a:r>
+            <a:endParaRPr lang="en-US" altLang="zh-CN" dirty="0" smtClean="0"/>
+          </a:p>
+          <a:p>
+            <a:pPr lvl="1"/>
+            <a:r>
+              <a:rPr lang="zh-CN" altLang="en-US" dirty="0" smtClean="0"/>
+              <a:t>向前移动一格</a:t>
+            </a:r>
+          </a:p>
+          <a:p>
+            <a:pPr lvl="1"/>
+            <a:r>
+              <a:rPr lang="zh-CN" altLang="en-US" dirty="0" smtClean="0"/>
+              <a:t>向后移动一格</a:t>
+            </a:r>
+          </a:p>
+          <a:p>
+            <a:pPr lvl="1"/>
+            <a:r>
+              <a:rPr lang="zh-CN" altLang="en-US" dirty="0" smtClean="0"/>
+              <a:t>左转</a:t>
+            </a:r>
+            <a:endParaRPr lang="zh-CN" altLang="en-US" dirty="0" smtClean="0"/>
+          </a:p>
+          <a:p>
+            <a:pPr lvl="1"/>
+            <a:r>
+              <a:rPr lang="zh-CN" altLang="en-US" dirty="0" smtClean="0"/>
+              <a:t></a:t>
+            </a:r>
+            <a:r>
+              <a:rPr lang="zh-CN" altLang="en-US" dirty="0" smtClean="0"/>
+              <a:t>右转</a:t>
+            </a:r>
+          </a:p>
+          <a:p>
+            <a:pPr lvl="1"/>
+            <a:r>
+              <a:rPr lang="zh-CN" altLang="en-US" dirty="0" smtClean="0"/>
+              <a:t>攻击正前方的格子</a:t>
+            </a:r>
+          </a:p>
+          <a:p>
+            <a:pPr lvl="1"/>
+            <a:r>
+              <a:rPr lang="zh-CN" altLang="en-US" dirty="0" smtClean="0"/>
+              <a:t>什么都不</a:t>
+            </a:r>
+            <a:r>
+              <a:rPr lang="zh-CN" altLang="en-US" dirty="0" smtClean="0"/>
+              <a:t>做</a:t>
+            </a:r>
+            <a:endParaRPr lang="en-US" altLang="zh-CN" dirty="0" smtClean="0"/>
+          </a:p>
+          <a:p>
+            <a:pPr lvl="1"/>
+            <a:r>
+              <a:rPr lang="zh-CN" altLang="en-US" dirty="0" smtClean="0"/>
+              <a:t>当</a:t>
+            </a:r>
+            <a:r>
+              <a:rPr lang="zh-CN" altLang="en-US" dirty="0" smtClean="0"/>
+              <a:t>机器人</a:t>
+            </a:r>
+            <a:r>
+              <a:rPr lang="zh-CN" altLang="en-US" dirty="0" smtClean="0"/>
+              <a:t>经过一个方块时，这个方块会变成和机器人一样的颜色（红色或者蓝色）。</a:t>
+            </a:r>
+            <a:r>
+              <a:rPr lang="zh-CN" altLang="en-US" dirty="0" smtClean="0"/>
+              <a:t>如果</a:t>
+            </a:r>
+            <a:r>
+              <a:rPr lang="en-US" altLang="zh-CN" dirty="0" smtClean="0"/>
+              <a:t>1000 </a:t>
+            </a:r>
+            <a:r>
+              <a:rPr lang="zh-CN" altLang="en-US" dirty="0" smtClean="0"/>
+              <a:t>个回合之后还没有机器人成功攻击对方，或者双方打成了平局，则拥有和</a:t>
+            </a:r>
+            <a:r>
+              <a:rPr lang="zh-CN" altLang="en-US" dirty="0" smtClean="0"/>
+              <a:t>自己颜色</a:t>
+            </a:r>
+            <a:r>
+              <a:rPr lang="zh-CN" altLang="en-US" dirty="0" smtClean="0"/>
+              <a:t>一致的方块较多者获胜</a:t>
+            </a:r>
+            <a:endParaRPr lang="zh-CN" altLang="en-US" dirty="0"/>
+          </a:p>
+        </p:txBody>
+      </p:sp>
+    </p:spTree>
+  </p:cSld>
+  <p:clrMapOvr>
+    <a:masterClrMapping/>
+  </p:clrMapOvr>
+</p:sld>
+</file>
+
+<file path=ppt/slides/slide216.xml><?xml version="1.0" encoding="utf-8"?>
+<p:sld xmlns:a="http://schemas.openxmlformats.org/drawingml/2006/main" xmlns:r="http://schemas.openxmlformats.org/officeDocument/2006/relationships" xmlns:p="http://schemas.openxmlformats.org/presentationml/2006/main">
+  <p:cSld>
+    <p:spTree>
+      <p:nvGrpSpPr>
+        <p:cNvPr id="1" name=""/>
+        <p:cNvGrpSpPr/>
+        <p:nvPr/>
+      </p:nvGrpSpPr>
+      <p:grpSpPr>
+        <a:xfrm>
+          <a:off x="0" y="0"/>
+          <a:ext cx="0" cy="0"/>
+          <a:chOff x="0" y="0"/>
+          <a:chExt cx="0" cy="0"/>
+        </a:xfrm>
+      </p:grpSpPr>
+      <p:sp>
+        <p:nvSpPr>
+          <p:cNvPr id="2" name="标题 1"/>
+          <p:cNvSpPr>
+            <a:spLocks noGrp="1"/>
+          </p:cNvSpPr>
+          <p:nvPr>
+            <p:ph type="title"/>
+          </p:nvPr>
+        </p:nvSpPr>
+        <p:spPr/>
+        <p:txBody>
+          <a:bodyPr>
+            <a:normAutofit fontScale="90000"/>
+          </a:bodyPr>
+          <a:lstStyle/>
+          <a:p>
+            <a:pPr algn="l"/>
+            <a:r>
+              <a:rPr lang="en-US" altLang="zh-CN" b="1" dirty="0" smtClean="0"/>
+              <a:t>22.2 </a:t>
+            </a:r>
+            <a:r>
+              <a:rPr lang="zh-CN" altLang="en-US" dirty="0" smtClean="0"/>
+              <a:t>创建</a:t>
+            </a:r>
+            <a:r>
+              <a:rPr lang="zh-CN" altLang="en-US" dirty="0" smtClean="0"/>
+              <a:t>一个</a:t>
+            </a:r>
+            <a:r>
+              <a:rPr lang="en-US" altLang="zh-CN" b="1" dirty="0" smtClean="0"/>
+              <a:t>Python Battle </a:t>
+            </a:r>
+            <a:r>
+              <a:rPr lang="zh-CN" altLang="en-US" b="1" dirty="0" smtClean="0"/>
+              <a:t>机器人</a:t>
+            </a:r>
+            <a:endParaRPr lang="zh-CN" altLang="en-US" dirty="0"/>
+          </a:p>
+        </p:txBody>
+      </p:sp>
+      <p:sp>
+        <p:nvSpPr>
+          <p:cNvPr id="3" name="内容占位符 2"/>
+          <p:cNvSpPr>
+            <a:spLocks noGrp="1"/>
+          </p:cNvSpPr>
+          <p:nvPr>
+            <p:ph idx="1"/>
+          </p:nvPr>
+        </p:nvSpPr>
+        <p:spPr/>
+        <p:txBody>
+          <a:bodyPr>
+            <a:normAutofit fontScale="92500" lnSpcReduction="10000"/>
+          </a:bodyPr>
+          <a:lstStyle/>
+          <a:p>
+            <a:r>
+              <a:rPr lang="zh-CN" altLang="en-US" dirty="0" smtClean="0"/>
+              <a:t>简单算法</a:t>
+            </a:r>
+            <a:endParaRPr lang="en-US" altLang="zh-CN" dirty="0" smtClean="0"/>
+          </a:p>
+          <a:p>
+            <a:pPr lvl="1"/>
+            <a:r>
+              <a:rPr lang="zh-CN" altLang="en-US" dirty="0" smtClean="0"/>
+              <a:t>如果面对着一个敌人，那么我应该攻击</a:t>
+            </a:r>
+            <a:r>
+              <a:rPr lang="zh-CN" altLang="en-US" dirty="0" smtClean="0"/>
+              <a:t>它</a:t>
+            </a:r>
+            <a:endParaRPr lang="en-US" altLang="zh-CN" dirty="0" smtClean="0"/>
+          </a:p>
+          <a:p>
+            <a:pPr lvl="1"/>
+            <a:r>
+              <a:rPr lang="zh-CN" altLang="en-US" dirty="0" smtClean="0"/>
+              <a:t>如果面对着墙，则我应该</a:t>
+            </a:r>
+            <a:r>
+              <a:rPr lang="zh-CN" altLang="en-US" dirty="0" smtClean="0"/>
+              <a:t>转弯</a:t>
+            </a:r>
+            <a:endParaRPr lang="en-US" altLang="zh-CN" dirty="0" smtClean="0"/>
+          </a:p>
+          <a:p>
+            <a:pPr lvl="1"/>
+            <a:r>
+              <a:rPr lang="zh-CN" altLang="en-US" dirty="0" smtClean="0"/>
+              <a:t>否则，我继续向前</a:t>
+            </a:r>
+            <a:r>
+              <a:rPr lang="zh-CN" altLang="en-US" dirty="0" smtClean="0"/>
+              <a:t>走</a:t>
+            </a:r>
+            <a:endParaRPr lang="en-US" altLang="zh-CN" dirty="0" smtClean="0"/>
+          </a:p>
+          <a:p>
+            <a:r>
+              <a:rPr lang="zh-CN" altLang="en-US" dirty="0" smtClean="0"/>
+              <a:t>你将</a:t>
+            </a:r>
+            <a:r>
+              <a:rPr lang="zh-CN" altLang="en-US" dirty="0" smtClean="0"/>
+              <a:t>使用</a:t>
+            </a:r>
+            <a:r>
+              <a:rPr lang="zh-CN" altLang="en-US" dirty="0" smtClean="0"/>
+              <a:t>以下函数来控制机器人的移动：</a:t>
+            </a:r>
+            <a:endParaRPr lang="en-US" altLang="zh-CN" dirty="0" smtClean="0"/>
+          </a:p>
+          <a:p>
+            <a:pPr lvl="1"/>
+            <a:r>
+              <a:rPr lang="en-US" altLang="zh-CN" dirty="0" smtClean="0"/>
+              <a:t>self</a:t>
+            </a:r>
+            <a:r>
+              <a:rPr lang="en-US" altLang="zh-CN" dirty="0" smtClean="0"/>
+              <a:t>. </a:t>
+            </a:r>
+            <a:r>
+              <a:rPr lang="en-US" altLang="zh-CN" dirty="0" err="1" smtClean="0"/>
+              <a:t>robot.lookInFront</a:t>
+            </a:r>
+            <a:r>
+              <a:rPr lang="en-US" altLang="zh-CN" dirty="0" smtClean="0"/>
+              <a:t>()</a:t>
+            </a:r>
+          </a:p>
+          <a:p>
+            <a:pPr lvl="1"/>
+            <a:r>
+              <a:rPr lang="en-US" altLang="zh-CN" dirty="0" smtClean="0"/>
+              <a:t></a:t>
+            </a:r>
+            <a:r>
+              <a:rPr lang="en-US" altLang="zh-CN" dirty="0" err="1" smtClean="0"/>
+              <a:t>self.robot.turnRight</a:t>
+            </a:r>
+            <a:r>
+              <a:rPr lang="en-US" altLang="zh-CN" dirty="0" smtClean="0"/>
+              <a:t>()</a:t>
+            </a:r>
+          </a:p>
+          <a:p>
+            <a:pPr lvl="1"/>
+            <a:r>
+              <a:rPr lang="en-US" altLang="zh-CN" dirty="0" smtClean="0"/>
+              <a:t></a:t>
+            </a:r>
+            <a:r>
+              <a:rPr lang="en-US" altLang="zh-CN" dirty="0" err="1" smtClean="0"/>
+              <a:t>self.robot.turnLeft</a:t>
+            </a:r>
+            <a:r>
+              <a:rPr lang="en-US" altLang="zh-CN" dirty="0" smtClean="0"/>
+              <a:t>()</a:t>
+            </a:r>
+          </a:p>
+          <a:p>
+            <a:pPr lvl="1"/>
+            <a:r>
+              <a:rPr lang="en-US" altLang="zh-CN" dirty="0" smtClean="0"/>
+              <a:t></a:t>
+            </a:r>
+            <a:r>
+              <a:rPr lang="en-US" altLang="zh-CN" dirty="0" err="1" smtClean="0"/>
+              <a:t>self.robot.goForth</a:t>
+            </a:r>
+            <a:r>
+              <a:rPr lang="en-US" altLang="zh-CN" dirty="0" smtClean="0"/>
+              <a:t>()</a:t>
+            </a:r>
+          </a:p>
+          <a:p>
+            <a:pPr lvl="1"/>
+            <a:r>
+              <a:rPr lang="en-US" altLang="zh-CN" dirty="0" smtClean="0"/>
+              <a:t></a:t>
+            </a:r>
+            <a:r>
+              <a:rPr lang="en-US" altLang="zh-CN" dirty="0" err="1" smtClean="0"/>
+              <a:t>self.robot.attack</a:t>
+            </a:r>
+            <a:r>
+              <a:rPr lang="en-US" altLang="zh-CN" dirty="0" smtClean="0"/>
+              <a:t>()</a:t>
+            </a:r>
+            <a:endParaRPr lang="zh-CN" altLang="en-US" dirty="0"/>
+          </a:p>
+        </p:txBody>
+      </p:sp>
+    </p:spTree>
+  </p:cSld>
+  <p:clrMapOvr>
+    <a:masterClrMapping/>
+  </p:clrMapOvr>
+</p:sld>
+</file>
+
+<file path=ppt/slides/slide217.xml><?xml version="1.0" encoding="utf-8"?>
+<p:sld xmlns:a="http://schemas.openxmlformats.org/drawingml/2006/main" xmlns:r="http://schemas.openxmlformats.org/officeDocument/2006/relationships" xmlns:p="http://schemas.openxmlformats.org/presentationml/2006/main">
+  <p:cSld>
+    <p:spTree>
+      <p:nvGrpSpPr>
+        <p:cNvPr id="1" name=""/>
+        <p:cNvGrpSpPr/>
+        <p:nvPr/>
+      </p:nvGrpSpPr>
+      <p:grpSpPr>
+        <a:xfrm>
+          <a:off x="0" y="0"/>
+          <a:ext cx="0" cy="0"/>
+          <a:chOff x="0" y="0"/>
+          <a:chExt cx="0" cy="0"/>
+        </a:xfrm>
+      </p:grpSpPr>
+      <p:sp>
+        <p:nvSpPr>
+          <p:cNvPr id="2" name="标题 1"/>
+          <p:cNvSpPr>
+            <a:spLocks noGrp="1"/>
+          </p:cNvSpPr>
+          <p:nvPr>
+            <p:ph type="title"/>
+          </p:nvPr>
+        </p:nvSpPr>
+        <p:spPr/>
+        <p:txBody>
+          <a:bodyPr>
+            <a:normAutofit/>
+          </a:bodyPr>
+          <a:lstStyle/>
+          <a:p>
+            <a:pPr algn="l"/>
+            <a:r>
+              <a:rPr lang="en-US" altLang="zh-CN" b="1" dirty="0" smtClean="0"/>
+              <a:t>22.3</a:t>
+            </a:r>
+            <a:r>
+              <a:rPr lang="zh-CN" altLang="en-US" dirty="0" smtClean="0"/>
+              <a:t>更复杂的机器人</a:t>
+            </a:r>
+            <a:endParaRPr lang="zh-CN" altLang="en-US" dirty="0"/>
+          </a:p>
+        </p:txBody>
+      </p:sp>
+      <p:sp>
+        <p:nvSpPr>
+          <p:cNvPr id="3" name="内容占位符 2"/>
+          <p:cNvSpPr>
+            <a:spLocks noGrp="1"/>
+          </p:cNvSpPr>
+          <p:nvPr>
+            <p:ph idx="1"/>
+          </p:nvPr>
+        </p:nvSpPr>
+        <p:spPr/>
+        <p:txBody>
+          <a:bodyPr>
+            <a:normAutofit fontScale="77500" lnSpcReduction="20000"/>
+          </a:bodyPr>
+          <a:lstStyle/>
+          <a:p>
+            <a:r>
+              <a:rPr lang="zh-CN" altLang="en-US" dirty="0" smtClean="0"/>
+              <a:t>我们需要一个真正优秀的</a:t>
+            </a:r>
+            <a:r>
+              <a:rPr lang="zh-CN" altLang="en-US" dirty="0" smtClean="0"/>
+              <a:t>策略 </a:t>
+            </a:r>
+            <a:r>
+              <a:rPr lang="zh-CN" altLang="en-US" dirty="0" smtClean="0"/>
+              <a:t>。一个真正优秀的策略绝不止“转圈圈，直到</a:t>
+            </a:r>
+            <a:r>
+              <a:rPr lang="zh-CN" altLang="en-US" dirty="0" smtClean="0"/>
+              <a:t>敌人</a:t>
+            </a:r>
+            <a:r>
+              <a:rPr lang="zh-CN" altLang="en-US" dirty="0" smtClean="0"/>
+              <a:t>出现在我眼前”这么简单，而是需要用到每一个可用的</a:t>
+            </a:r>
+            <a:r>
+              <a:rPr lang="zh-CN" altLang="en-US" dirty="0" smtClean="0"/>
+              <a:t>命令</a:t>
+            </a:r>
+            <a:endParaRPr lang="en-US" altLang="zh-CN" dirty="0" smtClean="0"/>
+          </a:p>
+          <a:p>
+            <a:pPr lvl="1"/>
+            <a:r>
+              <a:rPr lang="en-US" altLang="zh-CN" dirty="0" smtClean="0"/>
+              <a:t></a:t>
+            </a:r>
+            <a:r>
+              <a:rPr lang="en-US" altLang="zh-CN" dirty="0" err="1" smtClean="0"/>
+              <a:t>self.robot.goBack</a:t>
+            </a:r>
+            <a:r>
+              <a:rPr lang="en-US" altLang="zh-CN" dirty="0" smtClean="0"/>
+              <a:t>() —</a:t>
+            </a:r>
+            <a:r>
+              <a:rPr lang="zh-CN" altLang="en-US" dirty="0" smtClean="0"/>
+              <a:t>顾名思义，机器人可以后退一步。</a:t>
+            </a:r>
+          </a:p>
+          <a:p>
+            <a:pPr lvl="1"/>
+            <a:r>
+              <a:rPr lang="en-US" altLang="zh-CN" dirty="0" smtClean="0"/>
+              <a:t></a:t>
+            </a:r>
+            <a:r>
+              <a:rPr lang="en-US" altLang="zh-CN" dirty="0" err="1" smtClean="0"/>
+              <a:t>self.robot.checkSpace</a:t>
+            </a:r>
+            <a:r>
+              <a:rPr lang="en-US" altLang="zh-CN" dirty="0" smtClean="0"/>
+              <a:t>(space) —</a:t>
+            </a:r>
+            <a:r>
+              <a:rPr lang="zh-CN" altLang="en-US" dirty="0" smtClean="0"/>
+              <a:t>可以检查任意一个方块 。例如，</a:t>
+            </a:r>
+            <a:r>
+              <a:rPr lang="en-US" altLang="zh-CN" dirty="0" err="1" smtClean="0"/>
+              <a:t>self.robot.checkSpace</a:t>
+            </a:r>
+            <a:r>
+              <a:rPr lang="en-US" altLang="zh-CN" dirty="0" smtClean="0"/>
+              <a:t>((3,3)) </a:t>
+            </a:r>
+            <a:r>
+              <a:rPr lang="zh-CN" altLang="en-US" dirty="0" smtClean="0"/>
+              <a:t>可以返回</a:t>
+            </a:r>
+            <a:r>
+              <a:rPr lang="en-US" altLang="zh-CN" dirty="0" smtClean="0"/>
+              <a:t>(3,3) </a:t>
+            </a:r>
+            <a:r>
+              <a:rPr lang="zh-CN" altLang="en-US" dirty="0" smtClean="0"/>
+              <a:t>这个方块处有什么。如果什么</a:t>
+            </a:r>
+            <a:r>
+              <a:rPr lang="zh-CN" altLang="en-US" dirty="0" smtClean="0"/>
+              <a:t>也没有</a:t>
+            </a:r>
+            <a:r>
+              <a:rPr lang="zh-CN" altLang="en-US" dirty="0" smtClean="0"/>
+              <a:t>，则</a:t>
+            </a:r>
+            <a:r>
+              <a:rPr lang="zh-CN" altLang="en-US" dirty="0" smtClean="0"/>
+              <a:t>返回</a:t>
+            </a:r>
+            <a:r>
+              <a:rPr lang="en-US" altLang="zh-CN" dirty="0" smtClean="0"/>
+              <a:t>“blank”</a:t>
+            </a:r>
+            <a:r>
+              <a:rPr lang="zh-CN" altLang="en-US" dirty="0" smtClean="0"/>
+              <a:t>，</a:t>
+            </a:r>
+            <a:r>
+              <a:rPr lang="zh-CN" altLang="en-US" dirty="0" smtClean="0"/>
+              <a:t>否则，</a:t>
+            </a:r>
+            <a:r>
+              <a:rPr lang="zh-CN" altLang="en-US" dirty="0" smtClean="0"/>
+              <a:t>返回</a:t>
+            </a:r>
+            <a:r>
+              <a:rPr lang="en-US" altLang="zh-CN" dirty="0" smtClean="0"/>
+              <a:t>“</a:t>
+            </a:r>
+            <a:r>
+              <a:rPr lang="en-US" altLang="zh-CN" dirty="0" err="1" smtClean="0"/>
+              <a:t>bot</a:t>
+            </a:r>
+            <a:r>
+              <a:rPr lang="en-US" altLang="zh-CN" dirty="0" smtClean="0"/>
+              <a:t>”</a:t>
+            </a:r>
+            <a:r>
+              <a:rPr lang="zh-CN" altLang="en-US" dirty="0" smtClean="0"/>
+              <a:t>（</a:t>
+            </a:r>
+            <a:r>
+              <a:rPr lang="zh-CN" altLang="en-US" dirty="0" smtClean="0"/>
+              <a:t>如果有敌人）</a:t>
+            </a:r>
+            <a:r>
+              <a:rPr lang="zh-CN" altLang="en-US" dirty="0" smtClean="0"/>
+              <a:t>、</a:t>
+            </a:r>
+            <a:r>
+              <a:rPr lang="en-US" altLang="zh-CN" dirty="0" smtClean="0"/>
+              <a:t>“me”</a:t>
+            </a:r>
+            <a:r>
+              <a:rPr lang="zh-CN" altLang="en-US" dirty="0" smtClean="0"/>
+              <a:t>（</a:t>
+            </a:r>
+            <a:r>
+              <a:rPr lang="zh-CN" altLang="en-US" dirty="0" smtClean="0"/>
+              <a:t>如果</a:t>
+            </a:r>
+            <a:r>
+              <a:rPr lang="zh-CN" altLang="en-US" dirty="0" smtClean="0"/>
+              <a:t>有机器人</a:t>
+            </a:r>
+            <a:r>
+              <a:rPr lang="zh-CN" altLang="en-US" dirty="0" smtClean="0"/>
+              <a:t>）或者</a:t>
+            </a:r>
+            <a:r>
+              <a:rPr lang="en-US" altLang="zh-CN" dirty="0" smtClean="0"/>
+              <a:t>"wall"</a:t>
+            </a:r>
+            <a:r>
+              <a:rPr lang="zh-CN" altLang="en-US" dirty="0" smtClean="0"/>
+              <a:t>（如果这个方块在游戏边界之外）。</a:t>
+            </a:r>
+          </a:p>
+          <a:p>
+            <a:pPr lvl="1"/>
+            <a:r>
+              <a:rPr lang="en-US" altLang="zh-CN" dirty="0" smtClean="0"/>
+              <a:t></a:t>
+            </a:r>
+            <a:r>
+              <a:rPr lang="en-US" altLang="zh-CN" dirty="0" err="1" smtClean="0"/>
+              <a:t>self.robot.locateEnemy</a:t>
+            </a:r>
+            <a:r>
+              <a:rPr lang="en-US" altLang="zh-CN" dirty="0" smtClean="0"/>
+              <a:t>() —</a:t>
+            </a:r>
+            <a:r>
+              <a:rPr lang="zh-CN" altLang="en-US" dirty="0" smtClean="0"/>
+              <a:t>返回敌人的位置和方向。</a:t>
+            </a:r>
+          </a:p>
+          <a:p>
+            <a:pPr lvl="1"/>
+            <a:r>
+              <a:rPr lang="en-US" altLang="zh-CN" dirty="0" smtClean="0"/>
+              <a:t></a:t>
+            </a:r>
+            <a:r>
+              <a:rPr lang="en-US" altLang="zh-CN" dirty="0" err="1" smtClean="0"/>
+              <a:t>self.robot.position</a:t>
+            </a:r>
+            <a:r>
+              <a:rPr lang="en-US" altLang="zh-CN" dirty="0" smtClean="0"/>
+              <a:t> —</a:t>
+            </a:r>
+            <a:r>
+              <a:rPr lang="zh-CN" altLang="en-US" dirty="0" smtClean="0"/>
+              <a:t>获取机器人的位置。</a:t>
+            </a:r>
+          </a:p>
+          <a:p>
+            <a:pPr lvl="1"/>
+            <a:r>
+              <a:rPr lang="en-US" altLang="zh-CN" dirty="0" smtClean="0"/>
+              <a:t></a:t>
+            </a:r>
+            <a:r>
+              <a:rPr lang="en-US" altLang="zh-CN" dirty="0" err="1" smtClean="0"/>
+              <a:t>self.robot.rotation</a:t>
+            </a:r>
+            <a:r>
+              <a:rPr lang="en-US" altLang="zh-CN" dirty="0" smtClean="0"/>
+              <a:t> —</a:t>
+            </a:r>
+            <a:r>
+              <a:rPr lang="zh-CN" altLang="en-US" dirty="0" smtClean="0"/>
+              <a:t>获取机器人的方向。</a:t>
+            </a:r>
+          </a:p>
+          <a:p>
+            <a:pPr lvl="1"/>
+            <a:r>
+              <a:rPr lang="en-US" altLang="zh-CN" dirty="0" smtClean="0"/>
+              <a:t> </a:t>
+            </a:r>
+            <a:r>
+              <a:rPr lang="en-US" altLang="zh-CN" dirty="0" err="1" smtClean="0"/>
+              <a:t>self.robot.calculateCoordinates</a:t>
+            </a:r>
+            <a:r>
+              <a:rPr lang="en-US" altLang="zh-CN" dirty="0" smtClean="0"/>
+              <a:t>(direction, distance, position)</a:t>
+            </a:r>
+            <a:endParaRPr lang="zh-CN" altLang="en-US" dirty="0"/>
+          </a:p>
+        </p:txBody>
+      </p:sp>
+    </p:spTree>
+  </p:cSld>
+  <p:clrMapOvr>
+    <a:masterClrMapping/>
+  </p:clrMapOvr>
+</p:sld>
+</file>
+
+<file path=ppt/slides/slide218.xml><?xml version="1.0" encoding="utf-8"?>
+<p:sld xmlns:a="http://schemas.openxmlformats.org/drawingml/2006/main" xmlns:r="http://schemas.openxmlformats.org/officeDocument/2006/relationships" xmlns:p="http://schemas.openxmlformats.org/presentationml/2006/main">
+  <p:cSld>
+    <p:spTree>
+      <p:nvGrpSpPr>
+        <p:cNvPr id="1" name=""/>
+        <p:cNvGrpSpPr/>
+        <p:nvPr/>
+      </p:nvGrpSpPr>
+      <p:grpSpPr>
+        <a:xfrm>
+          <a:off x="0" y="0"/>
+          <a:ext cx="0" cy="0"/>
+          <a:chOff x="0" y="0"/>
+          <a:chExt cx="0" cy="0"/>
+        </a:xfrm>
+      </p:grpSpPr>
+      <p:sp>
+        <p:nvSpPr>
+          <p:cNvPr id="2" name="标题 1"/>
+          <p:cNvSpPr>
+            <a:spLocks noGrp="1"/>
+          </p:cNvSpPr>
+          <p:nvPr>
+            <p:ph type="title"/>
+          </p:nvPr>
+        </p:nvSpPr>
+        <p:spPr/>
+        <p:txBody>
+          <a:bodyPr/>
+          <a:lstStyle/>
+          <a:p>
+            <a:pPr algn="l"/>
+            <a:r>
+              <a:rPr lang="en-US" altLang="zh-CN" dirty="0" smtClean="0"/>
+              <a:t>22.4 </a:t>
+            </a:r>
+            <a:r>
+              <a:rPr lang="zh-CN" altLang="en-US" dirty="0" smtClean="0"/>
+              <a:t>坐标</a:t>
+            </a:r>
+            <a:r>
+              <a:rPr lang="zh-CN" altLang="en-US" dirty="0" smtClean="0"/>
+              <a:t>系统</a:t>
+            </a:r>
+            <a:endParaRPr lang="zh-CN" altLang="en-US" dirty="0"/>
+          </a:p>
+        </p:txBody>
+      </p:sp>
+      <p:sp>
+        <p:nvSpPr>
+          <p:cNvPr id="3" name="内容占位符 2"/>
+          <p:cNvSpPr>
+            <a:spLocks noGrp="1"/>
+          </p:cNvSpPr>
+          <p:nvPr>
+            <p:ph idx="1"/>
+          </p:nvPr>
+        </p:nvSpPr>
+        <p:spPr/>
+        <p:txBody>
+          <a:bodyPr/>
+          <a:lstStyle/>
+          <a:p>
+            <a:r>
+              <a:rPr lang="zh-CN" altLang="en-US" dirty="0" smtClean="0"/>
+              <a:t>在</a:t>
+            </a:r>
+            <a:r>
+              <a:rPr lang="en-US" altLang="zh-CN" dirty="0" smtClean="0"/>
+              <a:t>Python Battle </a:t>
+            </a:r>
+            <a:r>
+              <a:rPr lang="zh-CN" altLang="en-US" dirty="0" smtClean="0"/>
+              <a:t>中，坐标系统的范围从</a:t>
+            </a:r>
+            <a:r>
+              <a:rPr lang="en-US" altLang="zh-CN" dirty="0" smtClean="0"/>
+              <a:t>(1,1) </a:t>
+            </a:r>
+            <a:r>
+              <a:rPr lang="zh-CN" altLang="en-US" dirty="0" smtClean="0"/>
+              <a:t>到</a:t>
+            </a:r>
+            <a:r>
+              <a:rPr lang="en-US" altLang="zh-CN" dirty="0" smtClean="0"/>
+              <a:t>(10,10</a:t>
+            </a:r>
+            <a:r>
+              <a:rPr lang="en-US" altLang="zh-CN" dirty="0" smtClean="0"/>
+              <a:t>),</a:t>
+            </a:r>
+            <a:r>
+              <a:rPr lang="zh-CN" altLang="en-US" dirty="0" smtClean="0"/>
+              <a:t>坐标的原点在左</a:t>
+            </a:r>
+            <a:r>
+              <a:rPr lang="zh-CN" altLang="en-US" dirty="0" smtClean="0"/>
+              <a:t>上角</a:t>
+            </a:r>
+            <a:r>
+              <a:rPr lang="en-US" altLang="zh-CN" dirty="0" smtClean="0"/>
+              <a:t>.</a:t>
+            </a:r>
+          </a:p>
+          <a:p>
+            <a:r>
+              <a:rPr lang="zh-CN" altLang="en-US" dirty="0" smtClean="0"/>
+              <a:t>使用数字</a:t>
+            </a:r>
+            <a:r>
+              <a:rPr lang="en-US" altLang="zh-CN" dirty="0" smtClean="0"/>
+              <a:t>0~3 </a:t>
+            </a:r>
+            <a:r>
+              <a:rPr lang="zh-CN" altLang="en-US" dirty="0" smtClean="0"/>
+              <a:t>来存储方向。</a:t>
+            </a:r>
+            <a:r>
+              <a:rPr lang="en-US" altLang="zh-CN" dirty="0" smtClean="0"/>
+              <a:t>0 </a:t>
+            </a:r>
+            <a:r>
+              <a:rPr lang="zh-CN" altLang="en-US" dirty="0" smtClean="0"/>
+              <a:t>是上（北），</a:t>
+            </a:r>
+            <a:r>
+              <a:rPr lang="en-US" altLang="zh-CN" dirty="0" smtClean="0"/>
+              <a:t>1 </a:t>
+            </a:r>
+            <a:r>
+              <a:rPr lang="zh-CN" altLang="en-US" dirty="0" smtClean="0"/>
+              <a:t>是右（东），</a:t>
+            </a:r>
+            <a:r>
+              <a:rPr lang="en-US" altLang="zh-CN" dirty="0" smtClean="0"/>
+              <a:t>2 </a:t>
+            </a:r>
+            <a:r>
+              <a:rPr lang="zh-CN" altLang="en-US" dirty="0" smtClean="0"/>
+              <a:t>是下（南），</a:t>
+            </a:r>
+            <a:r>
+              <a:rPr lang="en-US" altLang="zh-CN" dirty="0" smtClean="0"/>
+              <a:t>3 </a:t>
+            </a:r>
+            <a:r>
+              <a:rPr lang="zh-CN" altLang="en-US" dirty="0" smtClean="0"/>
+              <a:t>是</a:t>
+            </a:r>
+            <a:r>
+              <a:rPr lang="zh-CN" altLang="en-US" dirty="0" smtClean="0"/>
+              <a:t>左（</a:t>
+            </a:r>
+            <a:r>
+              <a:rPr lang="zh-CN" altLang="en-US" dirty="0" smtClean="0"/>
+              <a:t>西）。当机器人右转时，方向的值加</a:t>
+            </a:r>
+            <a:r>
+              <a:rPr lang="en-US" altLang="zh-CN" dirty="0" smtClean="0"/>
+              <a:t>1</a:t>
+            </a:r>
+            <a:r>
+              <a:rPr lang="zh-CN" altLang="en-US" dirty="0" smtClean="0"/>
+              <a:t>；当机器人左转时，方向的值减</a:t>
+            </a:r>
+            <a:r>
+              <a:rPr lang="en-US" altLang="zh-CN" dirty="0" smtClean="0"/>
+              <a:t>1</a:t>
+            </a:r>
+            <a:r>
+              <a:rPr lang="zh-CN" altLang="en-US" dirty="0" smtClean="0"/>
+              <a:t>。这样用</a:t>
+            </a:r>
+            <a:r>
+              <a:rPr lang="zh-CN" altLang="en-US" dirty="0" smtClean="0"/>
+              <a:t>起来</a:t>
+            </a:r>
+            <a:r>
+              <a:rPr lang="zh-CN" altLang="en-US" dirty="0" smtClean="0"/>
+              <a:t>很简单。</a:t>
+            </a:r>
+            <a:endParaRPr lang="zh-CN" altLang="en-US" dirty="0"/>
+          </a:p>
+        </p:txBody>
+      </p:sp>
+    </p:spTree>
+  </p:cSld>
+  <p:clrMapOvr>
+    <a:masterClrMapping/>
+  </p:clrMapOvr>
+</p:sld>
+</file>
+
+<file path=ppt/slides/slide219.xml><?xml version="1.0" encoding="utf-8"?>
+<p:sld xmlns:a="http://schemas.openxmlformats.org/drawingml/2006/main" xmlns:r="http://schemas.openxmlformats.org/officeDocument/2006/relationships" xmlns:p="http://schemas.openxmlformats.org/presentationml/2006/main">
+  <p:cSld>
+    <p:spTree>
+      <p:nvGrpSpPr>
+        <p:cNvPr id="1" name=""/>
+        <p:cNvGrpSpPr/>
+        <p:nvPr/>
+      </p:nvGrpSpPr>
+      <p:grpSpPr>
+        <a:xfrm>
+          <a:off x="0" y="0"/>
+          <a:ext cx="0" cy="0"/>
+          <a:chOff x="0" y="0"/>
+          <a:chExt cx="0" cy="0"/>
+        </a:xfrm>
+      </p:grpSpPr>
+      <p:sp>
+        <p:nvSpPr>
+          <p:cNvPr id="2" name="标题 1"/>
+          <p:cNvSpPr>
+            <a:spLocks noGrp="1"/>
+          </p:cNvSpPr>
+          <p:nvPr>
+            <p:ph type="title"/>
+          </p:nvPr>
+        </p:nvSpPr>
+        <p:spPr/>
+        <p:txBody>
+          <a:bodyPr/>
+          <a:lstStyle/>
+          <a:p>
+            <a:pPr algn="l"/>
+            <a:r>
+              <a:rPr lang="zh-CN" altLang="en-US" dirty="0" smtClean="0"/>
+              <a:t>你学到了什么</a:t>
+            </a:r>
+            <a:endParaRPr lang="zh-CN" altLang="en-US" dirty="0"/>
+          </a:p>
+        </p:txBody>
+      </p:sp>
+      <p:sp>
+        <p:nvSpPr>
+          <p:cNvPr id="3" name="内容占位符 2"/>
+          <p:cNvSpPr>
+            <a:spLocks noGrp="1"/>
+          </p:cNvSpPr>
+          <p:nvPr>
+            <p:ph idx="1"/>
+          </p:nvPr>
+        </p:nvSpPr>
+        <p:spPr/>
+        <p:txBody>
+          <a:bodyPr/>
+          <a:lstStyle/>
+          <a:p>
+            <a:r>
+              <a:rPr lang="zh-CN" altLang="en-US" dirty="0" smtClean="0"/>
+              <a:t>游戏是怎么运用 </a:t>
+            </a:r>
+            <a:r>
+              <a:rPr lang="en-US" altLang="zh-CN" dirty="0" smtClean="0"/>
+              <a:t>AI </a:t>
+            </a:r>
+            <a:r>
+              <a:rPr lang="zh-CN" altLang="en-US" dirty="0" smtClean="0"/>
+              <a:t>让敌人变聪明的</a:t>
+            </a:r>
+            <a:r>
+              <a:rPr lang="zh-CN" altLang="en-US" dirty="0" smtClean="0"/>
+              <a:t>。</a:t>
+            </a:r>
+            <a:endParaRPr lang="en-US" altLang="zh-CN" dirty="0" smtClean="0"/>
+          </a:p>
+          <a:p>
+            <a:r>
+              <a:rPr lang="zh-CN" altLang="en-US" dirty="0" smtClean="0"/>
+              <a:t>如何在 </a:t>
+            </a:r>
+            <a:r>
+              <a:rPr lang="en-US" altLang="zh-CN" dirty="0" smtClean="0"/>
+              <a:t>Python Battle</a:t>
+            </a:r>
+            <a:r>
+              <a:rPr lang="zh-CN" altLang="en-US" dirty="0" smtClean="0"/>
+              <a:t>游戏中创建自己的 </a:t>
+            </a:r>
+            <a:r>
+              <a:rPr lang="en-US" altLang="zh-CN" dirty="0" smtClean="0"/>
+              <a:t>AI</a:t>
+            </a:r>
+            <a:r>
+              <a:rPr lang="zh-CN" altLang="en-US" dirty="0" smtClean="0"/>
+              <a:t>。</a:t>
+            </a:r>
+            <a:endParaRPr lang="zh-CN" altLang="en-US" dirty="0"/>
+          </a:p>
+        </p:txBody>
+      </p:sp>
+    </p:spTree>
+  </p:cSld>
+  <p:clrMapOvr>
+    <a:masterClrMapping/>
+  </p:clrMapOvr>
+</p:sld>
+</file>
+
 <file path=ppt/slides/slide22.xml><?xml version="1.0" encoding="utf-8"?>
 <p:sld xmlns:a="http://schemas.openxmlformats.org/drawingml/2006/main" xmlns:r="http://schemas.openxmlformats.org/officeDocument/2006/relationships" xmlns:p="http://schemas.openxmlformats.org/presentationml/2006/main">
   <p:cSld>
@@ -20440,6 +22820,90 @@
       </p:par>
     </p:tnLst>
   </p:timing>
+</p:sld>
+</file>
+
+<file path=ppt/slides/slide220.xml><?xml version="1.0" encoding="utf-8"?>
+<p:sld xmlns:a="http://schemas.openxmlformats.org/drawingml/2006/main" xmlns:r="http://schemas.openxmlformats.org/officeDocument/2006/relationships" xmlns:p="http://schemas.openxmlformats.org/presentationml/2006/main">
+  <p:cSld>
+    <p:spTree>
+      <p:nvGrpSpPr>
+        <p:cNvPr id="1" name=""/>
+        <p:cNvGrpSpPr/>
+        <p:nvPr/>
+      </p:nvGrpSpPr>
+      <p:grpSpPr>
+        <a:xfrm>
+          <a:off x="0" y="0"/>
+          <a:ext cx="0" cy="0"/>
+          <a:chOff x="0" y="0"/>
+          <a:chExt cx="0" cy="0"/>
+        </a:xfrm>
+      </p:grpSpPr>
+      <p:sp>
+        <p:nvSpPr>
+          <p:cNvPr id="2" name="标题 1"/>
+          <p:cNvSpPr>
+            <a:spLocks noGrp="1"/>
+          </p:cNvSpPr>
+          <p:nvPr>
+            <p:ph type="title"/>
+          </p:nvPr>
+        </p:nvSpPr>
+        <p:spPr/>
+        <p:txBody>
+          <a:bodyPr/>
+          <a:lstStyle/>
+          <a:p>
+            <a:pPr algn="l"/>
+            <a:r>
+              <a:rPr lang="zh-CN" altLang="en-US" smtClean="0"/>
+              <a:t>动手试一试</a:t>
+            </a:r>
+            <a:endParaRPr lang="zh-CN" altLang="en-US" dirty="0"/>
+          </a:p>
+        </p:txBody>
+      </p:sp>
+      <p:sp>
+        <p:nvSpPr>
+          <p:cNvPr id="3" name="内容占位符 2"/>
+          <p:cNvSpPr>
+            <a:spLocks noGrp="1"/>
+          </p:cNvSpPr>
+          <p:nvPr>
+            <p:ph idx="1"/>
+          </p:nvPr>
+        </p:nvSpPr>
+        <p:spPr/>
+        <p:txBody>
+          <a:bodyPr/>
+          <a:lstStyle/>
+          <a:p>
+            <a:r>
+              <a:rPr lang="zh-CN" altLang="en-US" dirty="0" smtClean="0"/>
+              <a:t>修订我的策略，尝试设计出一个能打败</a:t>
+            </a:r>
+            <a:r>
+              <a:rPr lang="en-US" altLang="zh-CN" dirty="0" err="1" smtClean="0"/>
+              <a:t>CircleAI</a:t>
+            </a:r>
+            <a:r>
+              <a:rPr lang="en-US" altLang="zh-CN" dirty="0" smtClean="0"/>
+              <a:t> </a:t>
+            </a:r>
+            <a:r>
+              <a:rPr lang="zh-CN" altLang="en-US" dirty="0" smtClean="0"/>
+              <a:t>的机器人。</a:t>
+            </a:r>
+            <a:endParaRPr lang="zh-CN" altLang="en-US" dirty="0"/>
+          </a:p>
+        </p:txBody>
+      </p:sp>
+    </p:spTree>
+  </p:cSld>
+  <p:clrMapOvr>
+    <a:masterClrMapping/>
+  </p:clrMapOvr>
 </p:sld>
 </file>
 

--- a/readme/Python3.pptx
+++ b/readme/Python3.pptx
@@ -221,10 +221,20 @@
     <p:sldId id="476" r:id="rId215"/>
     <p:sldId id="477" r:id="rId216"/>
     <p:sldId id="478" r:id="rId217"/>
-    <p:sldId id="479" r:id="rId218"/>
-    <p:sldId id="480" r:id="rId219"/>
-    <p:sldId id="481" r:id="rId220"/>
-    <p:sldId id="482" r:id="rId221"/>
+    <p:sldId id="483" r:id="rId218"/>
+    <p:sldId id="479" r:id="rId219"/>
+    <p:sldId id="480" r:id="rId220"/>
+    <p:sldId id="481" r:id="rId221"/>
+    <p:sldId id="482" r:id="rId222"/>
+    <p:sldId id="484" r:id="rId223"/>
+    <p:sldId id="485" r:id="rId224"/>
+    <p:sldId id="486" r:id="rId225"/>
+    <p:sldId id="487" r:id="rId226"/>
+    <p:sldId id="490" r:id="rId227"/>
+    <p:sldId id="491" r:id="rId228"/>
+    <p:sldId id="492" r:id="rId229"/>
+    <p:sldId id="488" r:id="rId230"/>
+    <p:sldId id="489" r:id="rId231"/>
   </p:sldIdLst>
   <p:sldSz cx="9144000" cy="6858000" type="screen4x3"/>
   <p:notesSz cx="6858000" cy="9144000"/>
@@ -508,7 +518,7 @@
             <a:fld id="{530820CF-B880-4189-942D-D702A7CBA730}" type="datetimeFigureOut">
               <a:rPr lang="zh-CN" altLang="en-US" smtClean="0"/>
               <a:pPr/>
-              <a:t>2019-05-12</a:t>
+              <a:t>2019-05-26</a:t>
             </a:fld>
             <a:endParaRPr lang="zh-CN" altLang="en-US"/>
           </a:p>
@@ -675,7 +685,7 @@
             <a:fld id="{530820CF-B880-4189-942D-D702A7CBA730}" type="datetimeFigureOut">
               <a:rPr lang="zh-CN" altLang="en-US" smtClean="0"/>
               <a:pPr/>
-              <a:t>2019-05-12</a:t>
+              <a:t>2019-05-26</a:t>
             </a:fld>
             <a:endParaRPr lang="zh-CN" altLang="en-US"/>
           </a:p>
@@ -852,7 +862,7 @@
             <a:fld id="{530820CF-B880-4189-942D-D702A7CBA730}" type="datetimeFigureOut">
               <a:rPr lang="zh-CN" altLang="en-US" smtClean="0"/>
               <a:pPr/>
-              <a:t>2019-05-12</a:t>
+              <a:t>2019-05-26</a:t>
             </a:fld>
             <a:endParaRPr lang="zh-CN" altLang="en-US"/>
           </a:p>
@@ -1019,7 +1029,7 @@
             <a:fld id="{530820CF-B880-4189-942D-D702A7CBA730}" type="datetimeFigureOut">
               <a:rPr lang="zh-CN" altLang="en-US" smtClean="0"/>
               <a:pPr/>
-              <a:t>2019-05-12</a:t>
+              <a:t>2019-05-26</a:t>
             </a:fld>
             <a:endParaRPr lang="zh-CN" altLang="en-US"/>
           </a:p>
@@ -1262,7 +1272,7 @@
             <a:fld id="{530820CF-B880-4189-942D-D702A7CBA730}" type="datetimeFigureOut">
               <a:rPr lang="zh-CN" altLang="en-US" smtClean="0"/>
               <a:pPr/>
-              <a:t>2019-05-12</a:t>
+              <a:t>2019-05-26</a:t>
             </a:fld>
             <a:endParaRPr lang="zh-CN" altLang="en-US"/>
           </a:p>
@@ -1547,7 +1557,7 @@
             <a:fld id="{530820CF-B880-4189-942D-D702A7CBA730}" type="datetimeFigureOut">
               <a:rPr lang="zh-CN" altLang="en-US" smtClean="0"/>
               <a:pPr/>
-              <a:t>2019-05-12</a:t>
+              <a:t>2019-05-26</a:t>
             </a:fld>
             <a:endParaRPr lang="zh-CN" altLang="en-US"/>
           </a:p>
@@ -1966,7 +1976,7 @@
             <a:fld id="{530820CF-B880-4189-942D-D702A7CBA730}" type="datetimeFigureOut">
               <a:rPr lang="zh-CN" altLang="en-US" smtClean="0"/>
               <a:pPr/>
-              <a:t>2019-05-12</a:t>
+              <a:t>2019-05-26</a:t>
             </a:fld>
             <a:endParaRPr lang="zh-CN" altLang="en-US"/>
           </a:p>
@@ -2081,7 +2091,7 @@
             <a:fld id="{530820CF-B880-4189-942D-D702A7CBA730}" type="datetimeFigureOut">
               <a:rPr lang="zh-CN" altLang="en-US" smtClean="0"/>
               <a:pPr/>
-              <a:t>2019-05-12</a:t>
+              <a:t>2019-05-26</a:t>
             </a:fld>
             <a:endParaRPr lang="zh-CN" altLang="en-US"/>
           </a:p>
@@ -2173,7 +2183,7 @@
             <a:fld id="{530820CF-B880-4189-942D-D702A7CBA730}" type="datetimeFigureOut">
               <a:rPr lang="zh-CN" altLang="en-US" smtClean="0"/>
               <a:pPr/>
-              <a:t>2019-05-12</a:t>
+              <a:t>2019-05-26</a:t>
             </a:fld>
             <a:endParaRPr lang="zh-CN" altLang="en-US"/>
           </a:p>
@@ -2447,7 +2457,7 @@
             <a:fld id="{530820CF-B880-4189-942D-D702A7CBA730}" type="datetimeFigureOut">
               <a:rPr lang="zh-CN" altLang="en-US" smtClean="0"/>
               <a:pPr/>
-              <a:t>2019-05-12</a:t>
+              <a:t>2019-05-26</a:t>
             </a:fld>
             <a:endParaRPr lang="zh-CN" altLang="en-US"/>
           </a:p>
@@ -2697,7 +2707,7 @@
             <a:fld id="{530820CF-B880-4189-942D-D702A7CBA730}" type="datetimeFigureOut">
               <a:rPr lang="zh-CN" altLang="en-US" smtClean="0"/>
               <a:pPr/>
-              <a:t>2019-05-12</a:t>
+              <a:t>2019-05-26</a:t>
             </a:fld>
             <a:endParaRPr lang="zh-CN" altLang="en-US"/>
           </a:p>
@@ -2907,7 +2917,7 @@
             <a:fld id="{530820CF-B880-4189-942D-D702A7CBA730}" type="datetimeFigureOut">
               <a:rPr lang="zh-CN" altLang="en-US" smtClean="0"/>
               <a:pPr/>
-              <a:t>2019-05-12</a:t>
+              <a:t>2019-05-26</a:t>
             </a:fld>
             <a:endParaRPr lang="zh-CN" altLang="en-US"/>
           </a:p>
@@ -19931,15 +19941,7 @@
           <a:p>
             <a:r>
               <a:rPr lang="zh-CN" altLang="en-US" dirty="0" smtClean="0"/>
-              <a:t>仿真就是为真实世界的某个东西创建</a:t>
-            </a:r>
-            <a:r>
-              <a:rPr lang="zh-CN" altLang="en-US" dirty="0" smtClean="0"/>
-              <a:t>计算机模型。</a:t>
-            </a:r>
-            <a:r>
-              <a:rPr lang="zh-CN" altLang="en-US" dirty="0" smtClean="0"/>
-              <a:t>前面已经创建了硬币、骰子和一副牌的计算机模型。</a:t>
+              <a:t>仿真就是为真实世界的某个东西创建计算机模型。前面已经创建了硬币、骰子和一副牌的计算机模型。</a:t>
             </a:r>
             <a:endParaRPr lang="zh-CN" altLang="en-US" dirty="0"/>
           </a:p>
@@ -20017,30 +20019,14 @@
           <a:p>
             <a:r>
               <a:rPr lang="zh-CN" altLang="en-US" dirty="0" smtClean="0"/>
-              <a:t>为什么要使用计算机对真实世界仿真或建模，这有很多原因。有时出于时间</a:t>
-            </a:r>
-            <a:r>
-              <a:rPr lang="zh-CN" altLang="en-US" dirty="0" smtClean="0"/>
-              <a:t>、距离</a:t>
-            </a:r>
-            <a:r>
-              <a:rPr lang="zh-CN" altLang="en-US" dirty="0" smtClean="0"/>
-              <a:t>、危险性或其他一些原因，我们要想具体做试验是不实际的</a:t>
-            </a:r>
-            <a:r>
-              <a:rPr lang="zh-CN" altLang="en-US" dirty="0" smtClean="0"/>
-              <a:t>。</a:t>
-            </a:r>
-            <a:endParaRPr lang="en-US" altLang="zh-CN" dirty="0" smtClean="0"/>
-          </a:p>
-          <a:p>
-            <a:r>
-              <a:rPr lang="zh-CN" altLang="en-US" dirty="0" smtClean="0"/>
-              <a:t>通过仿真，你可以做很多事情</a:t>
-            </a:r>
-            <a:r>
-              <a:rPr lang="zh-CN" altLang="en-US" dirty="0" smtClean="0"/>
-              <a:t>。</a:t>
+              <a:t>为什么要使用计算机对真实世界仿真或建模，这有很多原因。有时出于时间、距离、危险性或其他一些原因，我们要想具体做试验是不实际的。</a:t>
+            </a:r>
+            <a:endParaRPr lang="en-US" altLang="zh-CN" dirty="0" smtClean="0"/>
+          </a:p>
+          <a:p>
+            <a:r>
+              <a:rPr lang="zh-CN" altLang="en-US" dirty="0" smtClean="0"/>
+              <a:t>通过仿真，你可以做很多事情。</a:t>
             </a:r>
             <a:endParaRPr lang="en-US" altLang="zh-CN" dirty="0" smtClean="0"/>
           </a:p>
@@ -20056,19 +20042,7 @@
             </a:r>
             <a:r>
               <a:rPr lang="zh-CN" altLang="en-US" dirty="0" smtClean="0"/>
-              <a:t>能，而不需要任何设备（除了计算机以外</a:t>
-            </a:r>
-            <a:r>
-              <a:rPr lang="zh-CN" altLang="en-US" dirty="0" smtClean="0"/>
-              <a:t>），另外</a:t>
-            </a:r>
-            <a:r>
-              <a:rPr lang="zh-CN" altLang="en-US" dirty="0" smtClean="0"/>
-              <a:t>也不会给任何人带来</a:t>
-            </a:r>
-            <a:r>
-              <a:rPr lang="zh-CN" altLang="en-US" dirty="0" smtClean="0"/>
-              <a:t>危险</a:t>
+              <a:t>能，而不需要任何设备（除了计算机以外），另外也不会给任何人带来危险</a:t>
             </a:r>
             <a:endParaRPr lang="en-US" altLang="zh-CN" dirty="0" smtClean="0"/>
           </a:p>
@@ -20076,11 +20050,7 @@
             <a:pPr lvl="1"/>
             <a:r>
               <a:rPr lang="zh-CN" altLang="en-US" dirty="0" smtClean="0"/>
-              <a:t>让时间加速或</a:t>
-            </a:r>
-            <a:r>
-              <a:rPr lang="zh-CN" altLang="en-US" dirty="0" smtClean="0"/>
-              <a:t>减慢</a:t>
+              <a:t>让时间加速或减慢</a:t>
             </a:r>
             <a:endParaRPr lang="en-US" altLang="zh-CN" dirty="0" smtClean="0"/>
           </a:p>
@@ -20088,11 +20058,7 @@
             <a:pPr lvl="1"/>
             <a:r>
               <a:rPr lang="zh-CN" altLang="en-US" dirty="0" smtClean="0"/>
-              <a:t>同时做多个</a:t>
-            </a:r>
-            <a:r>
-              <a:rPr lang="zh-CN" altLang="en-US" dirty="0" smtClean="0"/>
-              <a:t>试验</a:t>
+              <a:t>同时做多个试验</a:t>
             </a:r>
             <a:endParaRPr lang="en-US" altLang="zh-CN" dirty="0" smtClean="0"/>
           </a:p>
@@ -20157,11 +20123,7 @@
             </a:r>
             <a:r>
               <a:rPr lang="en-US" altLang="zh-CN" b="1" dirty="0" smtClean="0"/>
-              <a:t>Lunar </a:t>
-            </a:r>
-            <a:r>
-              <a:rPr lang="en-US" altLang="zh-CN" b="1" dirty="0" smtClean="0"/>
-              <a:t>Lander</a:t>
+              <a:t>Lunar Lander</a:t>
             </a:r>
             <a:endParaRPr lang="zh-CN" altLang="en-US" dirty="0"/>
           </a:p>
@@ -20191,27 +20153,7 @@
           <a:p>
             <a:r>
               <a:rPr lang="zh-CN" altLang="en-US" dirty="0" smtClean="0"/>
-              <a:t>开始时飞船离月球表面有一定距离。</a:t>
-            </a:r>
-            <a:r>
-              <a:rPr lang="zh-CN" altLang="en-US" dirty="0" smtClean="0"/>
-              <a:t>月球的</a:t>
-            </a:r>
-            <a:r>
-              <a:rPr lang="zh-CN" altLang="en-US" dirty="0" smtClean="0"/>
-              <a:t>重力开始把它向下拉，我们必须使用</a:t>
-            </a:r>
-            <a:r>
-              <a:rPr lang="zh-CN" altLang="en-US" dirty="0" smtClean="0"/>
-              <a:t>推进器让</a:t>
-            </a:r>
-            <a:r>
-              <a:rPr lang="zh-CN" altLang="en-US" dirty="0" smtClean="0"/>
-              <a:t>它的降落放慢，使它平缓</a:t>
-            </a:r>
-            <a:r>
-              <a:rPr lang="zh-CN" altLang="en-US" dirty="0" smtClean="0"/>
-              <a:t>着陆</a:t>
+              <a:t>开始时飞船离月球表面有一定距离。月球的重力开始把它向下拉，我们必须使用推进器让它的降落放慢，使它平缓着陆</a:t>
             </a:r>
             <a:endParaRPr lang="en-US" altLang="zh-CN" dirty="0" smtClean="0"/>
           </a:p>
@@ -20261,6 +20203,13 @@
   <p:clrMapOvr>
     <a:masterClrMapping/>
   </p:clrMapOvr>
+  <p:timing>
+    <p:tnLst>
+      <p:par>
+        <p:cTn id="1" dur="indefinite" restart="never" nodeType="tmRoot"/>
+      </p:par>
+    </p:tnLst>
+  </p:timing>
 </p:sld>
 </file>
 
@@ -20337,11 +20286,7 @@
           <a:p>
             <a:r>
               <a:rPr lang="zh-CN" altLang="en-US" dirty="0" smtClean="0"/>
-              <a:t>在很多仿真中，时间是一个重要的因素</a:t>
-            </a:r>
-            <a:r>
-              <a:rPr lang="zh-CN" altLang="en-US" dirty="0" smtClean="0"/>
-              <a:t>。</a:t>
+              <a:t>在很多仿真中，时间是一个重要的因素。</a:t>
             </a:r>
             <a:endParaRPr lang="en-US" altLang="zh-CN" dirty="0" smtClean="0"/>
           </a:p>
@@ -20349,11 +20294,7 @@
             <a:pPr lvl="1"/>
             <a:r>
               <a:rPr lang="zh-CN" altLang="en-US" dirty="0" smtClean="0"/>
-              <a:t>有时我们希望时间</a:t>
-            </a:r>
-            <a:r>
-              <a:rPr lang="zh-CN" altLang="en-US" dirty="0" smtClean="0"/>
-              <a:t>加快</a:t>
+              <a:t>有时我们希望时间加快</a:t>
             </a:r>
             <a:endParaRPr lang="en-US" altLang="zh-CN" dirty="0" smtClean="0"/>
           </a:p>
@@ -20361,15 +20302,7 @@
             <a:pPr lvl="1"/>
             <a:r>
               <a:rPr lang="zh-CN" altLang="en-US" dirty="0" smtClean="0"/>
-              <a:t>有时可能</a:t>
-            </a:r>
-            <a:r>
-              <a:rPr lang="zh-CN" altLang="en-US" dirty="0" smtClean="0"/>
-              <a:t>希望慢</a:t>
-            </a:r>
-            <a:r>
-              <a:rPr lang="zh-CN" altLang="en-US" dirty="0" smtClean="0"/>
-              <a:t>下来</a:t>
+              <a:t>有时可能希望慢下来</a:t>
             </a:r>
             <a:endParaRPr lang="en-US" altLang="zh-CN" dirty="0" smtClean="0"/>
           </a:p>
@@ -20396,6 +20329,13 @@
   <p:clrMapOvr>
     <a:masterClrMapping/>
   </p:clrMapOvr>
+  <p:timing>
+    <p:tnLst>
+      <p:par>
+        <p:cTn id="1" dur="indefinite" restart="never" nodeType="tmRoot"/>
+      </p:par>
+    </p:tnLst>
+  </p:timing>
 </p:sld>
 </file>
 
@@ -20500,15 +20440,7 @@
             </a:r>
             <a:r>
               <a:rPr lang="zh-CN" altLang="en-US" dirty="0" smtClean="0"/>
-              <a:t>模块</a:t>
-            </a:r>
-            <a:r>
-              <a:rPr lang="zh-CN" altLang="en-US" dirty="0" smtClean="0"/>
-              <a:t>包含</a:t>
-            </a:r>
-            <a:r>
-              <a:rPr lang="zh-CN" altLang="en-US" dirty="0" smtClean="0"/>
-              <a:t>处理日期、时间以及日期或时间之差（</a:t>
+              <a:t>模块包含处理日期、时间以及日期或时间之差（</a:t>
             </a:r>
             <a:r>
               <a:rPr lang="en-US" altLang="zh-CN" dirty="0" smtClean="0"/>
@@ -20516,11 +20448,7 @@
             </a:r>
             <a:r>
               <a:rPr lang="zh-CN" altLang="en-US" dirty="0" smtClean="0"/>
-              <a:t>）的类</a:t>
-            </a:r>
-            <a:r>
-              <a:rPr lang="zh-CN" altLang="en-US" dirty="0" smtClean="0"/>
-              <a:t>。</a:t>
+              <a:t>）的类。</a:t>
             </a:r>
             <a:endParaRPr lang="en-US" altLang="zh-CN" dirty="0" smtClean="0"/>
           </a:p>
@@ -20540,11 +20468,7 @@
             <a:pPr lvl="1"/>
             <a:r>
               <a:rPr lang="en-US" altLang="zh-CN" dirty="0" smtClean="0"/>
-              <a:t>when </a:t>
-            </a:r>
-            <a:r>
-              <a:rPr lang="en-US" altLang="zh-CN" dirty="0" smtClean="0"/>
-              <a:t>= </a:t>
+              <a:t>when = </a:t>
             </a:r>
             <a:r>
               <a:rPr lang="en-US" altLang="zh-CN" dirty="0" err="1" smtClean="0"/>
@@ -20552,11 +20476,7 @@
             </a:r>
             <a:r>
               <a:rPr lang="en-US" altLang="zh-CN" dirty="0" smtClean="0"/>
-              <a:t>(2012, 10, 24, 10, 45, 56</a:t>
-            </a:r>
-            <a:r>
-              <a:rPr lang="en-US" altLang="zh-CN" dirty="0" smtClean="0"/>
-              <a:t>)</a:t>
+              <a:t>(2012, 10, 24, 10, 45, 56)</a:t>
             </a:r>
           </a:p>
           <a:p>
@@ -20571,19 +20491,7 @@
             </a:r>
             <a:r>
               <a:rPr lang="en-US" altLang="zh-CN" dirty="0" smtClean="0"/>
-              <a:t>(hour=10, year=2012, minute=45, </a:t>
-            </a:r>
-            <a:r>
-              <a:rPr lang="en-US" altLang="zh-CN" dirty="0" smtClean="0"/>
-              <a:t>month=10,second=56</a:t>
-            </a:r>
-            <a:r>
-              <a:rPr lang="en-US" altLang="zh-CN" dirty="0" smtClean="0"/>
-              <a:t>, day=24</a:t>
-            </a:r>
-            <a:r>
-              <a:rPr lang="en-US" altLang="zh-CN" dirty="0" smtClean="0"/>
-              <a:t>)</a:t>
+              <a:t>(hour=10, year=2012, minute=45, month=10,second=56, day=24)</a:t>
             </a:r>
           </a:p>
           <a:p>
@@ -20617,11 +20525,7 @@
             </a:r>
             <a:r>
               <a:rPr lang="en-US" altLang="zh-CN" dirty="0" smtClean="0"/>
-              <a:t>(2012, 10, 23</a:t>
-            </a:r>
-            <a:r>
-              <a:rPr lang="en-US" altLang="zh-CN" dirty="0" smtClean="0"/>
-              <a:t>)</a:t>
+              <a:t>(2012, 10, 23)</a:t>
             </a:r>
           </a:p>
           <a:p>
@@ -20636,11 +20540,7 @@
             </a:r>
             <a:r>
               <a:rPr lang="en-US" altLang="zh-CN" dirty="0" smtClean="0"/>
-              <a:t>(2012, 10, 25</a:t>
-            </a:r>
-            <a:r>
-              <a:rPr lang="en-US" altLang="zh-CN" dirty="0" smtClean="0"/>
-              <a:t>)</a:t>
+              <a:t>(2012, 10, 25)</a:t>
             </a:r>
           </a:p>
           <a:p>
@@ -20658,6 +20558,13 @@
   <p:clrMapOvr>
     <a:masterClrMapping/>
   </p:clrMapOvr>
+  <p:timing>
+    <p:tnLst>
+      <p:par>
+        <p:cTn id="1" dur="indefinite" restart="never" nodeType="tmRoot"/>
+      </p:par>
+    </p:tnLst>
+  </p:timing>
 </p:sld>
 </file>
 
@@ -20941,7 +20848,7 @@
             </a:r>
             <a:r>
               <a:rPr lang="zh-CN" altLang="en-US" dirty="0" smtClean="0"/>
-              <a:t>把时间间保存到文件</a:t>
+              <a:t>把时间保存到文件</a:t>
             </a:r>
             <a:endParaRPr lang="zh-CN" altLang="en-US" dirty="0"/>
           </a:p>
@@ -20971,11 +20878,7 @@
           <a:p>
             <a:r>
               <a:rPr lang="zh-CN" altLang="en-US" dirty="0" smtClean="0"/>
-              <a:t>将时间保存到一个文件中有两种</a:t>
-            </a:r>
-            <a:r>
-              <a:rPr lang="zh-CN" altLang="en-US" dirty="0" smtClean="0"/>
-              <a:t>方法</a:t>
+              <a:t>将时间保存到一个文件中有两种方法</a:t>
             </a:r>
             <a:endParaRPr lang="en-US" altLang="zh-CN" dirty="0" smtClean="0"/>
           </a:p>
@@ -20983,15 +20886,7 @@
             <a:pPr lvl="1"/>
             <a:r>
               <a:rPr lang="zh-CN" altLang="en-US" dirty="0" smtClean="0"/>
-              <a:t>可以</a:t>
-            </a:r>
-            <a:r>
-              <a:rPr lang="zh-CN" altLang="en-US" dirty="0" smtClean="0"/>
-              <a:t>把一个字符串直接写入</a:t>
-            </a:r>
-            <a:r>
-              <a:rPr lang="zh-CN" altLang="en-US" dirty="0" smtClean="0"/>
-              <a:t>文件</a:t>
+              <a:t>可以把一个字符串直接写入文件</a:t>
             </a:r>
             <a:endParaRPr lang="en-US" altLang="zh-CN" dirty="0" smtClean="0"/>
           </a:p>
@@ -21007,11 +20902,7 @@
             </a:r>
             <a:r>
               <a:rPr lang="zh-CN" altLang="en-US" dirty="0" smtClean="0"/>
-              <a:t>模块</a:t>
-            </a:r>
-            <a:r>
-              <a:rPr lang="zh-CN" altLang="en-US" dirty="0" smtClean="0"/>
-              <a:t>，</a:t>
+              <a:t>模块，</a:t>
             </a:r>
             <a:r>
               <a:rPr lang="en-US" altLang="zh-CN" dirty="0" smtClean="0"/>
@@ -21019,19 +20910,7 @@
             </a:r>
             <a:r>
               <a:rPr lang="zh-CN" altLang="en-US" dirty="0" smtClean="0"/>
-              <a:t>模块允许你把</a:t>
-            </a:r>
-            <a:r>
-              <a:rPr lang="zh-CN" altLang="en-US" dirty="0" smtClean="0"/>
-              <a:t>任何</a:t>
-            </a:r>
-            <a:r>
-              <a:rPr lang="zh-CN" altLang="en-US" dirty="0" smtClean="0"/>
-              <a:t>类型的变量保存到文件中，也包括</a:t>
-            </a:r>
-            <a:r>
-              <a:rPr lang="zh-CN" altLang="en-US" dirty="0" smtClean="0"/>
-              <a:t>对象</a:t>
+              <a:t>模块允许你把任何类型的变量保存到文件中，也包括对象</a:t>
             </a:r>
             <a:endParaRPr lang="en-US" altLang="zh-CN" dirty="0" smtClean="0"/>
           </a:p>
@@ -21078,19 +20957,11 @@
             </a:r>
             <a:r>
               <a:rPr lang="zh-CN" altLang="en-US" dirty="0" smtClean="0"/>
-              <a:t>的简写）模块，可以告诉我们这个文件是否存在。这里要使用的</a:t>
-            </a:r>
-            <a:r>
-              <a:rPr lang="zh-CN" altLang="en-US" dirty="0" smtClean="0"/>
-              <a:t>方法</a:t>
+              <a:t>的简写）模块，可以告诉我们这个文件是否存在。这里要使用的方法</a:t>
             </a:r>
             <a:r>
               <a:rPr lang="zh-CN" altLang="en-US" sz="3600" dirty="0" smtClean="0"/>
-              <a:t>名</a:t>
-            </a:r>
-            <a:r>
-              <a:rPr lang="zh-CN" altLang="en-US" sz="3600" dirty="0" smtClean="0"/>
-              <a:t>为</a:t>
+              <a:t>名为</a:t>
             </a:r>
             <a:r>
               <a:rPr lang="en-US" altLang="zh-CN" dirty="0" err="1" smtClean="0"/>
@@ -21119,11 +20990,7 @@
           <a:p>
             <a:r>
               <a:rPr lang="zh-CN" altLang="en-US" sz="2800" dirty="0" smtClean="0"/>
-              <a:t></a:t>
-            </a:r>
-            <a:r>
-              <a:rPr lang="zh-CN" altLang="en-US" sz="2800" dirty="0" smtClean="0"/>
-              <a:t></a:t>
+              <a:t></a:t>
             </a:r>
             <a:r>
               <a:rPr lang="zh-CN" altLang="en-US" dirty="0" smtClean="0"/>
@@ -21153,15 +21020,7 @@
             </a:r>
             <a:r>
               <a:rPr lang="zh-CN" altLang="en-US" dirty="0" smtClean="0"/>
-              <a:t>文件可以打开，所以会显示一条</a:t>
-            </a:r>
-            <a:r>
-              <a:rPr lang="zh-CN" altLang="en-US" dirty="0" smtClean="0"/>
-              <a:t>消息</a:t>
-            </a:r>
-            <a:r>
-              <a:rPr lang="zh-CN" altLang="en-US" dirty="0" smtClean="0"/>
-              <a:t>，指出我们创建了一个新的</a:t>
+              <a:t>文件可以打开，所以会显示一条消息，指出我们创建了一个新的</a:t>
             </a:r>
             <a:r>
               <a:rPr lang="en-US" altLang="zh-CN" dirty="0" smtClean="0"/>
@@ -21180,6 +21039,13 @@
   <p:clrMapOvr>
     <a:masterClrMapping/>
   </p:clrMapOvr>
+  <p:timing>
+    <p:tnLst>
+      <p:par>
+        <p:cTn id="1" dur="indefinite" restart="never" nodeType="tmRoot"/>
+      </p:par>
+    </p:tnLst>
+  </p:timing>
 </p:sld>
 </file>
 
@@ -21298,6 +21164,13 @@
   <p:clrMapOvr>
     <a:masterClrMapping/>
   </p:clrMapOvr>
+  <p:timing>
+    <p:tnLst>
+      <p:par>
+        <p:cTn id="1" dur="indefinite" restart="never" nodeType="tmRoot"/>
+      </p:par>
+    </p:tnLst>
+  </p:timing>
 </p:sld>
 </file>
 
@@ -21358,7 +21231,10 @@
           <a:bodyPr/>
           <a:lstStyle/>
           <a:p>
-            <a:endParaRPr lang="zh-CN" altLang="en-US"/>
+            <a:pPr>
+              <a:buNone/>
+            </a:pPr>
+            <a:endParaRPr lang="zh-CN" altLang="en-US" dirty="0"/>
           </a:p>
         </p:txBody>
       </p:sp>
@@ -21367,6 +21243,13 @@
   <p:clrMapOvr>
     <a:masterClrMapping/>
   </p:clrMapOvr>
+  <p:timing>
+    <p:tnLst>
+      <p:par>
+        <p:cTn id="1" dur="indefinite" restart="never" nodeType="tmRoot"/>
+      </p:par>
+    </p:tnLst>
+  </p:timing>
 </p:sld>
 </file>
 
@@ -21405,11 +21288,7 @@
             <a:pPr algn="l"/>
             <a:r>
               <a:rPr lang="en-US" altLang="zh-CN" dirty="0" smtClean="0"/>
-              <a:t>22 </a:t>
-            </a:r>
-            <a:r>
-              <a:rPr lang="en-US" altLang="zh-CN" dirty="0" smtClean="0"/>
-              <a:t>Python Battle</a:t>
+              <a:t>22 Python Battle</a:t>
             </a:r>
             <a:endParaRPr lang="zh-CN" altLang="en-US" dirty="0"/>
           </a:p>
@@ -21432,15 +21311,7 @@
           <a:p>
             <a:r>
               <a:rPr lang="zh-CN" altLang="en-US" dirty="0" smtClean="0"/>
-              <a:t>在本书中我们已经讲解了如何开发自己的游戏，但还有一个话题没有讨论，</a:t>
-            </a:r>
-            <a:r>
-              <a:rPr lang="zh-CN" altLang="en-US" dirty="0" smtClean="0"/>
-              <a:t>那就是</a:t>
-            </a:r>
-            <a:r>
-              <a:rPr lang="zh-CN" altLang="en-US" dirty="0" smtClean="0"/>
-              <a:t>游戏中的人工智能（</a:t>
+              <a:t>在本书中我们已经讲解了如何开发自己的游戏，但还有一个话题没有讨论，那就是游戏中的人工智能（</a:t>
             </a:r>
             <a:r>
               <a:rPr lang="en-US" altLang="zh-CN" dirty="0" smtClean="0"/>
@@ -21456,15 +21327,7 @@
             </a:r>
             <a:r>
               <a:rPr lang="zh-CN" altLang="en-US" dirty="0" smtClean="0"/>
-              <a:t>）开始，几乎所有的游戏在</a:t>
-            </a:r>
-            <a:r>
-              <a:rPr lang="zh-CN" altLang="en-US" dirty="0" smtClean="0"/>
-              <a:t>攻击玩家</a:t>
-            </a:r>
-            <a:r>
-              <a:rPr lang="zh-CN" altLang="en-US" dirty="0" smtClean="0"/>
-              <a:t>时都有某种形式的人工智能。本章将展示如何动手开发一个有人工智能的游戏。</a:t>
+              <a:t>）开始，几乎所有的游戏在攻击玩家时都有某种形式的人工智能。本章将展示如何动手开发一个有人工智能的游戏。</a:t>
             </a:r>
             <a:endParaRPr lang="zh-CN" altLang="en-US" dirty="0"/>
           </a:p>
@@ -21475,6 +21338,13 @@
   <p:clrMapOvr>
     <a:masterClrMapping/>
   </p:clrMapOvr>
+  <p:timing>
+    <p:tnLst>
+      <p:par>
+        <p:cTn id="1" dur="indefinite" restart="never" nodeType="tmRoot"/>
+      </p:par>
+    </p:tnLst>
+  </p:timing>
 </p:sld>
 </file>
 
@@ -21570,23 +21440,7 @@
             </a:r>
             <a:r>
               <a:rPr lang="zh-CN" altLang="en-US" dirty="0" smtClean="0"/>
-              <a:t>是一</a:t>
-            </a:r>
-            <a:r>
-              <a:rPr lang="zh-CN" altLang="en-US" dirty="0" smtClean="0"/>
-              <a:t>个规则</a:t>
-            </a:r>
-            <a:r>
-              <a:rPr lang="zh-CN" altLang="en-US" dirty="0" smtClean="0"/>
-              <a:t>很简单的游戏。在每一回合中，你可以向前移动、向左右转或者攻击对方。</a:t>
-            </a:r>
-            <a:r>
-              <a:rPr lang="zh-CN" altLang="en-US" dirty="0" smtClean="0"/>
-              <a:t>当一</a:t>
-            </a:r>
-            <a:r>
-              <a:rPr lang="zh-CN" altLang="en-US" dirty="0" smtClean="0"/>
-              <a:t>个角色攻击另一个角色时，被攻击的一方会减少一点“血量”。血量先降为</a:t>
+              <a:t>是一个规则很简单的游戏。在每一回合中，你可以向前移动、向左右转或者攻击对方。当一个角色攻击另一个角色时，被攻击的一方会减少一点“血量”。血量先降为</a:t>
             </a:r>
             <a:r>
               <a:rPr lang="en-US" altLang="zh-CN" dirty="0" smtClean="0"/>
@@ -21594,15 +21448,7 @@
             </a:r>
             <a:r>
               <a:rPr lang="zh-CN" altLang="en-US" dirty="0" smtClean="0"/>
-              <a:t>者掉</a:t>
-            </a:r>
-            <a:r>
-              <a:rPr lang="zh-CN" altLang="en-US" dirty="0" smtClean="0"/>
-              <a:t>游戏。角色只可以攻击正前方</a:t>
-            </a:r>
-            <a:r>
-              <a:rPr lang="zh-CN" altLang="en-US" dirty="0" smtClean="0"/>
-              <a:t>。</a:t>
+              <a:t>者掉游戏。角色只可以攻击正前方。</a:t>
             </a:r>
             <a:endParaRPr lang="en-US" altLang="zh-CN" dirty="0" smtClean="0"/>
           </a:p>
@@ -21613,11 +21459,7 @@
             </a:r>
             <a:r>
               <a:rPr lang="en-US" altLang="zh-CN" dirty="0" smtClean="0"/>
-              <a:t>Python </a:t>
-            </a:r>
-            <a:r>
-              <a:rPr lang="en-US" altLang="zh-CN" dirty="0" smtClean="0"/>
-              <a:t>Battle</a:t>
+              <a:t>Python Battle</a:t>
             </a:r>
           </a:p>
         </p:txBody>
@@ -21627,6 +21469,13 @@
   <p:clrMapOvr>
     <a:masterClrMapping/>
   </p:clrMapOvr>
+  <p:timing>
+    <p:tnLst>
+      <p:par>
+        <p:cTn id="1" dur="indefinite" restart="never" nodeType="tmRoot"/>
+      </p:par>
+    </p:tnLst>
+  </p:timing>
 </p:sld>
 </file>
 
@@ -21698,11 +21547,7 @@
           <a:p>
             <a:r>
               <a:rPr lang="zh-CN" altLang="en-US" dirty="0" smtClean="0"/>
-              <a:t>游戏</a:t>
-            </a:r>
-            <a:r>
-              <a:rPr lang="zh-CN" altLang="en-US" dirty="0" smtClean="0"/>
-              <a:t>规则</a:t>
+              <a:t>游戏规则</a:t>
             </a:r>
             <a:endParaRPr lang="en-US" altLang="zh-CN" dirty="0" smtClean="0"/>
           </a:p>
@@ -21726,17 +21571,12 @@
               <a:rPr lang="zh-CN" altLang="en-US" dirty="0" smtClean="0"/>
               <a:t>左转</a:t>
             </a:r>
-            <a:endParaRPr lang="zh-CN" altLang="en-US" dirty="0" smtClean="0"/>
           </a:p>
           <a:p>
             <a:pPr lvl="1"/>
             <a:r>
               <a:rPr lang="zh-CN" altLang="en-US" dirty="0" smtClean="0"/>
-              <a:t></a:t>
-            </a:r>
-            <a:r>
-              <a:rPr lang="zh-CN" altLang="en-US" dirty="0" smtClean="0"/>
-              <a:t>右转</a:t>
+              <a:t>右转</a:t>
             </a:r>
           </a:p>
           <a:p>
@@ -21750,11 +21590,7 @@
             <a:pPr lvl="1"/>
             <a:r>
               <a:rPr lang="zh-CN" altLang="en-US" dirty="0" smtClean="0"/>
-              <a:t>什么都不</a:t>
-            </a:r>
-            <a:r>
-              <a:rPr lang="zh-CN" altLang="en-US" dirty="0" smtClean="0"/>
-              <a:t>做</a:t>
+              <a:t>什么都不做</a:t>
             </a:r>
             <a:endParaRPr lang="en-US" altLang="zh-CN" dirty="0" smtClean="0"/>
           </a:p>
@@ -21762,19 +21598,7 @@
             <a:pPr lvl="1"/>
             <a:r>
               <a:rPr lang="zh-CN" altLang="en-US" dirty="0" smtClean="0"/>
-              <a:t>当</a:t>
-            </a:r>
-            <a:r>
-              <a:rPr lang="zh-CN" altLang="en-US" dirty="0" smtClean="0"/>
-              <a:t>机器人</a:t>
-            </a:r>
-            <a:r>
-              <a:rPr lang="zh-CN" altLang="en-US" dirty="0" smtClean="0"/>
-              <a:t>经过一个方块时，这个方块会变成和机器人一样的颜色（红色或者蓝色）。</a:t>
-            </a:r>
-            <a:r>
-              <a:rPr lang="zh-CN" altLang="en-US" dirty="0" smtClean="0"/>
-              <a:t>如果</a:t>
+              <a:t>当机器人经过一个方块时，这个方块会变成和机器人一样的颜色（红色或者蓝色）。如果</a:t>
             </a:r>
             <a:r>
               <a:rPr lang="en-US" altLang="zh-CN" dirty="0" smtClean="0"/>
@@ -21782,15 +21606,7 @@
             </a:r>
             <a:r>
               <a:rPr lang="zh-CN" altLang="en-US" dirty="0" smtClean="0"/>
-              <a:t>个回合之后还没有机器人成功攻击对方，或者双方打成了平局，则拥有和</a:t>
-            </a:r>
-            <a:r>
-              <a:rPr lang="zh-CN" altLang="en-US" dirty="0" smtClean="0"/>
-              <a:t>自己颜色</a:t>
-            </a:r>
-            <a:r>
-              <a:rPr lang="zh-CN" altLang="en-US" dirty="0" smtClean="0"/>
-              <a:t>一致的方块较多者获胜</a:t>
+              <a:t>个回合之后还没有机器人成功攻击对方，或者双方打成了平局，则拥有和自己颜色一致的方块较多者获胜</a:t>
             </a:r>
             <a:endParaRPr lang="zh-CN" altLang="en-US" dirty="0"/>
           </a:p>
@@ -21801,6 +21617,13 @@
   <p:clrMapOvr>
     <a:masterClrMapping/>
   </p:clrMapOvr>
+  <p:timing>
+    <p:tnLst>
+      <p:par>
+        <p:cTn id="1" dur="indefinite" restart="never" nodeType="tmRoot"/>
+      </p:par>
+    </p:tnLst>
+  </p:timing>
 </p:sld>
 </file>
 
@@ -21845,11 +21668,7 @@
             </a:r>
             <a:r>
               <a:rPr lang="zh-CN" altLang="en-US" dirty="0" smtClean="0"/>
-              <a:t>创建</a:t>
-            </a:r>
-            <a:r>
-              <a:rPr lang="zh-CN" altLang="en-US" dirty="0" smtClean="0"/>
-              <a:t>一个</a:t>
+              <a:t>创建一个</a:t>
             </a:r>
             <a:r>
               <a:rPr lang="en-US" altLang="zh-CN" b="1" dirty="0" smtClean="0"/>
@@ -21890,11 +21709,7 @@
             <a:pPr lvl="1"/>
             <a:r>
               <a:rPr lang="zh-CN" altLang="en-US" dirty="0" smtClean="0"/>
-              <a:t>如果面对着一个敌人，那么我应该攻击</a:t>
-            </a:r>
-            <a:r>
-              <a:rPr lang="zh-CN" altLang="en-US" dirty="0" smtClean="0"/>
-              <a:t>它</a:t>
+              <a:t>如果面对着一个敌人，那么我应该攻击它</a:t>
             </a:r>
             <a:endParaRPr lang="en-US" altLang="zh-CN" dirty="0" smtClean="0"/>
           </a:p>
@@ -21902,11 +21717,7 @@
             <a:pPr lvl="1"/>
             <a:r>
               <a:rPr lang="zh-CN" altLang="en-US" dirty="0" smtClean="0"/>
-              <a:t>如果面对着墙，则我应该</a:t>
-            </a:r>
-            <a:r>
-              <a:rPr lang="zh-CN" altLang="en-US" dirty="0" smtClean="0"/>
-              <a:t>转弯</a:t>
+              <a:t>如果面对着墙，则我应该转弯</a:t>
             </a:r>
             <a:endParaRPr lang="en-US" altLang="zh-CN" dirty="0" smtClean="0"/>
           </a:p>
@@ -21914,26 +21725,14 @@
             <a:pPr lvl="1"/>
             <a:r>
               <a:rPr lang="zh-CN" altLang="en-US" dirty="0" smtClean="0"/>
-              <a:t>否则，我继续向前</a:t>
-            </a:r>
-            <a:r>
-              <a:rPr lang="zh-CN" altLang="en-US" dirty="0" smtClean="0"/>
-              <a:t>走</a:t>
-            </a:r>
-            <a:endParaRPr lang="en-US" altLang="zh-CN" dirty="0" smtClean="0"/>
-          </a:p>
-          <a:p>
-            <a:r>
-              <a:rPr lang="zh-CN" altLang="en-US" dirty="0" smtClean="0"/>
-              <a:t>你将</a:t>
-            </a:r>
-            <a:r>
-              <a:rPr lang="zh-CN" altLang="en-US" dirty="0" smtClean="0"/>
-              <a:t>使用</a:t>
-            </a:r>
-            <a:r>
-              <a:rPr lang="zh-CN" altLang="en-US" dirty="0" smtClean="0"/>
-              <a:t>以下函数来控制机器人的移动：</a:t>
+              <a:t>否则，我继续向前走</a:t>
+            </a:r>
+            <a:endParaRPr lang="en-US" altLang="zh-CN" dirty="0" smtClean="0"/>
+          </a:p>
+          <a:p>
+            <a:r>
+              <a:rPr lang="zh-CN" altLang="en-US" dirty="0" smtClean="0"/>
+              <a:t>你将使用以下函数来控制机器人的移动：</a:t>
             </a:r>
             <a:endParaRPr lang="en-US" altLang="zh-CN" dirty="0" smtClean="0"/>
           </a:p>
@@ -21941,11 +21740,7 @@
             <a:pPr lvl="1"/>
             <a:r>
               <a:rPr lang="en-US" altLang="zh-CN" dirty="0" smtClean="0"/>
-              <a:t>self</a:t>
-            </a:r>
-            <a:r>
-              <a:rPr lang="en-US" altLang="zh-CN" dirty="0" smtClean="0"/>
-              <a:t>. </a:t>
+              <a:t>self. </a:t>
             </a:r>
             <a:r>
               <a:rPr lang="en-US" altLang="zh-CN" dirty="0" err="1" smtClean="0"/>
@@ -22024,6 +21819,13 @@
   <p:clrMapOvr>
     <a:masterClrMapping/>
   </p:clrMapOvr>
+  <p:timing>
+    <p:tnLst>
+      <p:par>
+        <p:cTn id="1" dur="indefinite" restart="never" nodeType="tmRoot"/>
+      </p:par>
+    </p:tnLst>
+  </p:timing>
 </p:sld>
 </file>
 
@@ -22056,19 +21858,12 @@
         </p:nvSpPr>
         <p:spPr/>
         <p:txBody>
-          <a:bodyPr>
-            <a:normAutofit/>
-          </a:bodyPr>
-          <a:lstStyle/>
-          <a:p>
-            <a:pPr algn="l"/>
-            <a:r>
-              <a:rPr lang="en-US" altLang="zh-CN" b="1" dirty="0" smtClean="0"/>
-              <a:t>22.3</a:t>
-            </a:r>
-            <a:r>
-              <a:rPr lang="zh-CN" altLang="en-US" dirty="0" smtClean="0"/>
-              <a:t>更复杂的机器人</a:t>
+          <a:bodyPr/>
+          <a:lstStyle/>
+          <a:p>
+            <a:r>
+              <a:rPr lang="en-US" altLang="zh-CN" dirty="0" smtClean="0"/>
+              <a:t>20</a:t>
             </a:r>
             <a:endParaRPr lang="zh-CN" altLang="en-US" dirty="0"/>
           </a:p>
@@ -22086,247 +21881,10 @@
         </p:nvSpPr>
         <p:spPr/>
         <p:txBody>
-          <a:bodyPr>
-            <a:normAutofit fontScale="77500" lnSpcReduction="20000"/>
-          </a:bodyPr>
-          <a:lstStyle/>
-          <a:p>
-            <a:r>
-              <a:rPr lang="zh-CN" altLang="en-US" dirty="0" smtClean="0"/>
-              <a:t>我们需要一个真正优秀的</a:t>
-            </a:r>
-            <a:r>
-              <a:rPr lang="zh-CN" altLang="en-US" dirty="0" smtClean="0"/>
-              <a:t>策略 </a:t>
-            </a:r>
-            <a:r>
-              <a:rPr lang="zh-CN" altLang="en-US" dirty="0" smtClean="0"/>
-              <a:t>。一个真正优秀的策略绝不止“转圈圈，直到</a:t>
-            </a:r>
-            <a:r>
-              <a:rPr lang="zh-CN" altLang="en-US" dirty="0" smtClean="0"/>
-              <a:t>敌人</a:t>
-            </a:r>
-            <a:r>
-              <a:rPr lang="zh-CN" altLang="en-US" dirty="0" smtClean="0"/>
-              <a:t>出现在我眼前”这么简单，而是需要用到每一个可用的</a:t>
-            </a:r>
-            <a:r>
-              <a:rPr lang="zh-CN" altLang="en-US" dirty="0" smtClean="0"/>
-              <a:t>命令</a:t>
-            </a:r>
-            <a:endParaRPr lang="en-US" altLang="zh-CN" dirty="0" smtClean="0"/>
-          </a:p>
-          <a:p>
-            <a:pPr lvl="1"/>
-            <a:r>
-              <a:rPr lang="en-US" altLang="zh-CN" dirty="0" smtClean="0"/>
-              <a:t></a:t>
-            </a:r>
-            <a:r>
-              <a:rPr lang="en-US" altLang="zh-CN" dirty="0" err="1" smtClean="0"/>
-              <a:t>self.robot.goBack</a:t>
-            </a:r>
-            <a:r>
-              <a:rPr lang="en-US" altLang="zh-CN" dirty="0" smtClean="0"/>
-              <a:t>() —</a:t>
-            </a:r>
-            <a:r>
-              <a:rPr lang="zh-CN" altLang="en-US" dirty="0" smtClean="0"/>
-              <a:t>顾名思义，机器人可以后退一步。</a:t>
-            </a:r>
-          </a:p>
-          <a:p>
-            <a:pPr lvl="1"/>
-            <a:r>
-              <a:rPr lang="en-US" altLang="zh-CN" dirty="0" smtClean="0"/>
-              <a:t></a:t>
-            </a:r>
-            <a:r>
-              <a:rPr lang="en-US" altLang="zh-CN" dirty="0" err="1" smtClean="0"/>
-              <a:t>self.robot.checkSpace</a:t>
-            </a:r>
-            <a:r>
-              <a:rPr lang="en-US" altLang="zh-CN" dirty="0" smtClean="0"/>
-              <a:t>(space) —</a:t>
-            </a:r>
-            <a:r>
-              <a:rPr lang="zh-CN" altLang="en-US" dirty="0" smtClean="0"/>
-              <a:t>可以检查任意一个方块 。例如，</a:t>
-            </a:r>
-            <a:r>
-              <a:rPr lang="en-US" altLang="zh-CN" dirty="0" err="1" smtClean="0"/>
-              <a:t>self.robot.checkSpace</a:t>
-            </a:r>
-            <a:r>
-              <a:rPr lang="en-US" altLang="zh-CN" dirty="0" smtClean="0"/>
-              <a:t>((3,3)) </a:t>
-            </a:r>
-            <a:r>
-              <a:rPr lang="zh-CN" altLang="en-US" dirty="0" smtClean="0"/>
-              <a:t>可以返回</a:t>
-            </a:r>
-            <a:r>
-              <a:rPr lang="en-US" altLang="zh-CN" dirty="0" smtClean="0"/>
-              <a:t>(3,3) </a:t>
-            </a:r>
-            <a:r>
-              <a:rPr lang="zh-CN" altLang="en-US" dirty="0" smtClean="0"/>
-              <a:t>这个方块处有什么。如果什么</a:t>
-            </a:r>
-            <a:r>
-              <a:rPr lang="zh-CN" altLang="en-US" dirty="0" smtClean="0"/>
-              <a:t>也没有</a:t>
-            </a:r>
-            <a:r>
-              <a:rPr lang="zh-CN" altLang="en-US" dirty="0" smtClean="0"/>
-              <a:t>，则</a:t>
-            </a:r>
-            <a:r>
-              <a:rPr lang="zh-CN" altLang="en-US" dirty="0" smtClean="0"/>
-              <a:t>返回</a:t>
-            </a:r>
-            <a:r>
-              <a:rPr lang="en-US" altLang="zh-CN" dirty="0" smtClean="0"/>
-              <a:t>“blank”</a:t>
-            </a:r>
-            <a:r>
-              <a:rPr lang="zh-CN" altLang="en-US" dirty="0" smtClean="0"/>
-              <a:t>，</a:t>
-            </a:r>
-            <a:r>
-              <a:rPr lang="zh-CN" altLang="en-US" dirty="0" smtClean="0"/>
-              <a:t>否则，</a:t>
-            </a:r>
-            <a:r>
-              <a:rPr lang="zh-CN" altLang="en-US" dirty="0" smtClean="0"/>
-              <a:t>返回</a:t>
-            </a:r>
-            <a:r>
-              <a:rPr lang="en-US" altLang="zh-CN" dirty="0" smtClean="0"/>
-              <a:t>“</a:t>
-            </a:r>
-            <a:r>
-              <a:rPr lang="en-US" altLang="zh-CN" dirty="0" err="1" smtClean="0"/>
-              <a:t>bot</a:t>
-            </a:r>
-            <a:r>
-              <a:rPr lang="en-US" altLang="zh-CN" dirty="0" smtClean="0"/>
-              <a:t>”</a:t>
-            </a:r>
-            <a:r>
-              <a:rPr lang="zh-CN" altLang="en-US" dirty="0" smtClean="0"/>
-              <a:t>（</a:t>
-            </a:r>
-            <a:r>
-              <a:rPr lang="zh-CN" altLang="en-US" dirty="0" smtClean="0"/>
-              <a:t>如果有敌人）</a:t>
-            </a:r>
-            <a:r>
-              <a:rPr lang="zh-CN" altLang="en-US" dirty="0" smtClean="0"/>
-              <a:t>、</a:t>
-            </a:r>
-            <a:r>
-              <a:rPr lang="en-US" altLang="zh-CN" dirty="0" smtClean="0"/>
-              <a:t>“me”</a:t>
-            </a:r>
-            <a:r>
-              <a:rPr lang="zh-CN" altLang="en-US" dirty="0" smtClean="0"/>
-              <a:t>（</a:t>
-            </a:r>
-            <a:r>
-              <a:rPr lang="zh-CN" altLang="en-US" dirty="0" smtClean="0"/>
-              <a:t>如果</a:t>
-            </a:r>
-            <a:r>
-              <a:rPr lang="zh-CN" altLang="en-US" dirty="0" smtClean="0"/>
-              <a:t>有机器人</a:t>
-            </a:r>
-            <a:r>
-              <a:rPr lang="zh-CN" altLang="en-US" dirty="0" smtClean="0"/>
-              <a:t>）或者</a:t>
-            </a:r>
-            <a:r>
-              <a:rPr lang="en-US" altLang="zh-CN" dirty="0" smtClean="0"/>
-              <a:t>"wall"</a:t>
-            </a:r>
-            <a:r>
-              <a:rPr lang="zh-CN" altLang="en-US" dirty="0" smtClean="0"/>
-              <a:t>（如果这个方块在游戏边界之外）。</a:t>
-            </a:r>
-          </a:p>
-          <a:p>
-            <a:pPr lvl="1"/>
-            <a:r>
-              <a:rPr lang="en-US" altLang="zh-CN" dirty="0" smtClean="0"/>
-              <a:t></a:t>
-            </a:r>
-            <a:r>
-              <a:rPr lang="en-US" altLang="zh-CN" dirty="0" err="1" smtClean="0"/>
-              <a:t>self.robot.locateEnemy</a:t>
-            </a:r>
-            <a:r>
-              <a:rPr lang="en-US" altLang="zh-CN" dirty="0" smtClean="0"/>
-              <a:t>() —</a:t>
-            </a:r>
-            <a:r>
-              <a:rPr lang="zh-CN" altLang="en-US" dirty="0" smtClean="0"/>
-              <a:t>返回敌人的位置和方向。</a:t>
-            </a:r>
-          </a:p>
-          <a:p>
-            <a:pPr lvl="1"/>
-            <a:r>
-              <a:rPr lang="en-US" altLang="zh-CN" dirty="0" smtClean="0"/>
-              <a:t></a:t>
-            </a:r>
-            <a:r>
-              <a:rPr lang="en-US" altLang="zh-CN" dirty="0" err="1" smtClean="0"/>
-              <a:t>self.robot.position</a:t>
-            </a:r>
-            <a:r>
-              <a:rPr lang="en-US" altLang="zh-CN" dirty="0" smtClean="0"/>
-              <a:t> —</a:t>
-            </a:r>
-            <a:r>
-              <a:rPr lang="zh-CN" altLang="en-US" dirty="0" smtClean="0"/>
-              <a:t>获取机器人的位置。</a:t>
-            </a:r>
-          </a:p>
-          <a:p>
-            <a:pPr lvl="1"/>
-            <a:r>
-              <a:rPr lang="en-US" altLang="zh-CN" dirty="0" smtClean="0"/>
-              <a:t></a:t>
-            </a:r>
-            <a:r>
-              <a:rPr lang="en-US" altLang="zh-CN" dirty="0" err="1" smtClean="0"/>
-              <a:t>self.robot.rotation</a:t>
-            </a:r>
-            <a:r>
-              <a:rPr lang="en-US" altLang="zh-CN" dirty="0" smtClean="0"/>
-              <a:t> —</a:t>
-            </a:r>
-            <a:r>
-              <a:rPr lang="zh-CN" altLang="en-US" dirty="0" smtClean="0"/>
-              <a:t>获取机器人的方向。</a:t>
-            </a:r>
-          </a:p>
-          <a:p>
-            <a:pPr lvl="1"/>
-            <a:r>
-              <a:rPr lang="en-US" altLang="zh-CN" dirty="0" smtClean="0"/>
-              <a:t> </a:t>
-            </a:r>
-            <a:r>
-              <a:rPr lang="en-US" altLang="zh-CN" dirty="0" err="1" smtClean="0"/>
-              <a:t>self.robot.calculateCoordinates</a:t>
-            </a:r>
-            <a:r>
-              <a:rPr lang="en-US" altLang="zh-CN" dirty="0" smtClean="0"/>
-              <a:t>(direction, distance, position)</a:t>
-            </a:r>
-            <a:endParaRPr lang="zh-CN" altLang="en-US" dirty="0"/>
+          <a:bodyPr/>
+          <a:lstStyle/>
+          <a:p>
+            <a:endParaRPr lang="zh-CN" altLang="en-US"/>
           </a:p>
         </p:txBody>
       </p:sp>
@@ -22367,21 +21925,19 @@
         </p:nvSpPr>
         <p:spPr/>
         <p:txBody>
-          <a:bodyPr/>
+          <a:bodyPr>
+            <a:normAutofit/>
+          </a:bodyPr>
           <a:lstStyle/>
           <a:p>
             <a:pPr algn="l"/>
             <a:r>
-              <a:rPr lang="en-US" altLang="zh-CN" dirty="0" smtClean="0"/>
-              <a:t>22.4 </a:t>
-            </a:r>
-            <a:r>
-              <a:rPr lang="zh-CN" altLang="en-US" dirty="0" smtClean="0"/>
-              <a:t>坐标</a:t>
-            </a:r>
-            <a:r>
-              <a:rPr lang="zh-CN" altLang="en-US" dirty="0" smtClean="0"/>
-              <a:t>系统</a:t>
+              <a:rPr lang="en-US" altLang="zh-CN" b="1" dirty="0" smtClean="0"/>
+              <a:t>22.3</a:t>
+            </a:r>
+            <a:r>
+              <a:rPr lang="zh-CN" altLang="en-US" dirty="0" smtClean="0"/>
+              <a:t>更复杂的机器人</a:t>
             </a:r>
             <a:endParaRPr lang="zh-CN" altLang="en-US" dirty="0"/>
           </a:p>
@@ -22399,126 +21955,185 @@
         </p:nvSpPr>
         <p:spPr/>
         <p:txBody>
-          <a:bodyPr/>
-          <a:lstStyle/>
-          <a:p>
-            <a:r>
-              <a:rPr lang="zh-CN" altLang="en-US" dirty="0" smtClean="0"/>
-              <a:t>在</a:t>
-            </a:r>
-            <a:r>
-              <a:rPr lang="en-US" altLang="zh-CN" dirty="0" smtClean="0"/>
-              <a:t>Python Battle </a:t>
-            </a:r>
-            <a:r>
-              <a:rPr lang="zh-CN" altLang="en-US" dirty="0" smtClean="0"/>
-              <a:t>中，坐标系统的范围从</a:t>
-            </a:r>
-            <a:r>
-              <a:rPr lang="en-US" altLang="zh-CN" dirty="0" smtClean="0"/>
-              <a:t>(1,1) </a:t>
-            </a:r>
-            <a:r>
-              <a:rPr lang="zh-CN" altLang="en-US" dirty="0" smtClean="0"/>
-              <a:t>到</a:t>
-            </a:r>
-            <a:r>
-              <a:rPr lang="en-US" altLang="zh-CN" dirty="0" smtClean="0"/>
-              <a:t>(10,10</a:t>
-            </a:r>
-            <a:r>
-              <a:rPr lang="en-US" altLang="zh-CN" dirty="0" smtClean="0"/>
-              <a:t>),</a:t>
-            </a:r>
-            <a:r>
-              <a:rPr lang="zh-CN" altLang="en-US" dirty="0" smtClean="0"/>
-              <a:t>坐标的原点在左</a:t>
-            </a:r>
-            <a:r>
-              <a:rPr lang="zh-CN" altLang="en-US" dirty="0" smtClean="0"/>
-              <a:t>上角</a:t>
-            </a:r>
-            <a:r>
-              <a:rPr lang="en-US" altLang="zh-CN" dirty="0" smtClean="0"/>
-              <a:t>.</a:t>
-            </a:r>
-          </a:p>
-          <a:p>
-            <a:r>
-              <a:rPr lang="zh-CN" altLang="en-US" dirty="0" smtClean="0"/>
-              <a:t>使用数字</a:t>
-            </a:r>
-            <a:r>
-              <a:rPr lang="en-US" altLang="zh-CN" dirty="0" smtClean="0"/>
-              <a:t>0~3 </a:t>
-            </a:r>
-            <a:r>
-              <a:rPr lang="zh-CN" altLang="en-US" dirty="0" smtClean="0"/>
-              <a:t>来存储方向。</a:t>
-            </a:r>
-            <a:r>
-              <a:rPr lang="en-US" altLang="zh-CN" dirty="0" smtClean="0"/>
-              <a:t>0 </a:t>
-            </a:r>
-            <a:r>
-              <a:rPr lang="zh-CN" altLang="en-US" dirty="0" smtClean="0"/>
-              <a:t>是上（北），</a:t>
-            </a:r>
-            <a:r>
-              <a:rPr lang="en-US" altLang="zh-CN" dirty="0" smtClean="0"/>
-              <a:t>1 </a:t>
-            </a:r>
-            <a:r>
-              <a:rPr lang="zh-CN" altLang="en-US" dirty="0" smtClean="0"/>
-              <a:t>是右（东），</a:t>
-            </a:r>
-            <a:r>
-              <a:rPr lang="en-US" altLang="zh-CN" dirty="0" smtClean="0"/>
-              <a:t>2 </a:t>
-            </a:r>
-            <a:r>
-              <a:rPr lang="zh-CN" altLang="en-US" dirty="0" smtClean="0"/>
-              <a:t>是下（南），</a:t>
-            </a:r>
-            <a:r>
-              <a:rPr lang="en-US" altLang="zh-CN" dirty="0" smtClean="0"/>
-              <a:t>3 </a:t>
-            </a:r>
-            <a:r>
-              <a:rPr lang="zh-CN" altLang="en-US" dirty="0" smtClean="0"/>
-              <a:t>是</a:t>
-            </a:r>
-            <a:r>
-              <a:rPr lang="zh-CN" altLang="en-US" dirty="0" smtClean="0"/>
-              <a:t>左（</a:t>
-            </a:r>
-            <a:r>
-              <a:rPr lang="zh-CN" altLang="en-US" dirty="0" smtClean="0"/>
-              <a:t>西）。当机器人右转时，方向的值加</a:t>
-            </a:r>
-            <a:r>
-              <a:rPr lang="en-US" altLang="zh-CN" dirty="0" smtClean="0"/>
-              <a:t>1</a:t>
-            </a:r>
-            <a:r>
-              <a:rPr lang="zh-CN" altLang="en-US" dirty="0" smtClean="0"/>
-              <a:t>；当机器人左转时，方向的值减</a:t>
-            </a:r>
-            <a:r>
-              <a:rPr lang="en-US" altLang="zh-CN" dirty="0" smtClean="0"/>
-              <a:t>1</a:t>
-            </a:r>
-            <a:r>
-              <a:rPr lang="zh-CN" altLang="en-US" dirty="0" smtClean="0"/>
-              <a:t>。这样用</a:t>
-            </a:r>
-            <a:r>
-              <a:rPr lang="zh-CN" altLang="en-US" dirty="0" smtClean="0"/>
-              <a:t>起来</a:t>
-            </a:r>
-            <a:r>
-              <a:rPr lang="zh-CN" altLang="en-US" dirty="0" smtClean="0"/>
-              <a:t>很简单。</a:t>
+          <a:bodyPr>
+            <a:normAutofit fontScale="77500" lnSpcReduction="20000"/>
+          </a:bodyPr>
+          <a:lstStyle/>
+          <a:p>
+            <a:r>
+              <a:rPr lang="zh-CN" altLang="en-US" dirty="0" smtClean="0"/>
+              <a:t>我们需要一个真正优秀的策略 。一个真正优秀的策略绝不止“转圈圈，直到敌人出现在我眼前”这么简单，而是需要用到每一个可用的命令</a:t>
+            </a:r>
+            <a:endParaRPr lang="en-US" altLang="zh-CN" dirty="0" smtClean="0"/>
+          </a:p>
+          <a:p>
+            <a:pPr lvl="1"/>
+            <a:r>
+              <a:rPr lang="en-US" altLang="zh-CN" dirty="0" smtClean="0"/>
+              <a:t></a:t>
+            </a:r>
+            <a:r>
+              <a:rPr lang="en-US" altLang="zh-CN" dirty="0" err="1" smtClean="0"/>
+              <a:t>self.robot.goBack</a:t>
+            </a:r>
+            <a:r>
+              <a:rPr lang="en-US" altLang="zh-CN" dirty="0" smtClean="0"/>
+              <a:t>() —</a:t>
+            </a:r>
+            <a:r>
+              <a:rPr lang="zh-CN" altLang="en-US" dirty="0" smtClean="0"/>
+              <a:t>顾名思义，机器人可以后退一步。</a:t>
+            </a:r>
+          </a:p>
+          <a:p>
+            <a:pPr lvl="1"/>
+            <a:r>
+              <a:rPr lang="en-US" altLang="zh-CN" dirty="0" smtClean="0"/>
+              <a:t></a:t>
+            </a:r>
+            <a:r>
+              <a:rPr lang="en-US" altLang="zh-CN" dirty="0" err="1" smtClean="0"/>
+              <a:t>self.robot.checkSpace</a:t>
+            </a:r>
+            <a:r>
+              <a:rPr lang="en-US" altLang="zh-CN" dirty="0" smtClean="0"/>
+              <a:t>(space) —</a:t>
+            </a:r>
+            <a:r>
+              <a:rPr lang="zh-CN" altLang="en-US" dirty="0" smtClean="0"/>
+              <a:t>可以检查任意一个方块 。例如，</a:t>
+            </a:r>
+            <a:r>
+              <a:rPr lang="en-US" altLang="zh-CN" dirty="0" err="1" smtClean="0"/>
+              <a:t>self.robot.checkSpace</a:t>
+            </a:r>
+            <a:r>
+              <a:rPr lang="en-US" altLang="zh-CN" dirty="0" smtClean="0"/>
+              <a:t>((3,3)) </a:t>
+            </a:r>
+            <a:r>
+              <a:rPr lang="zh-CN" altLang="en-US" dirty="0" smtClean="0"/>
+              <a:t>可以返回</a:t>
+            </a:r>
+            <a:r>
+              <a:rPr lang="en-US" altLang="zh-CN" dirty="0" smtClean="0"/>
+              <a:t>(3,3) </a:t>
+            </a:r>
+            <a:r>
+              <a:rPr lang="zh-CN" altLang="en-US" dirty="0" smtClean="0"/>
+              <a:t>这个方块处有什么。如果什么也没有，则返回</a:t>
+            </a:r>
+            <a:r>
+              <a:rPr lang="en-US" altLang="zh-CN" dirty="0" smtClean="0"/>
+              <a:t>“blank”</a:t>
+            </a:r>
+            <a:r>
+              <a:rPr lang="zh-CN" altLang="en-US" dirty="0" smtClean="0"/>
+              <a:t>，否则，返回</a:t>
+            </a:r>
+            <a:r>
+              <a:rPr lang="en-US" altLang="zh-CN" dirty="0" smtClean="0"/>
+              <a:t>“</a:t>
+            </a:r>
+            <a:r>
+              <a:rPr lang="en-US" altLang="zh-CN" dirty="0" err="1" smtClean="0"/>
+              <a:t>bot</a:t>
+            </a:r>
+            <a:r>
+              <a:rPr lang="en-US" altLang="zh-CN" dirty="0" smtClean="0"/>
+              <a:t>”</a:t>
+            </a:r>
+            <a:r>
+              <a:rPr lang="zh-CN" altLang="en-US" dirty="0" smtClean="0"/>
+              <a:t>（如果有敌人）、</a:t>
+            </a:r>
+            <a:r>
+              <a:rPr lang="en-US" altLang="zh-CN" dirty="0" smtClean="0"/>
+              <a:t>“me”</a:t>
+            </a:r>
+            <a:r>
+              <a:rPr lang="zh-CN" altLang="en-US" dirty="0" smtClean="0"/>
+              <a:t>（如果有机器人）或者</a:t>
+            </a:r>
+            <a:r>
+              <a:rPr lang="en-US" altLang="zh-CN" dirty="0" smtClean="0"/>
+              <a:t>"wall"</a:t>
+            </a:r>
+            <a:r>
+              <a:rPr lang="zh-CN" altLang="en-US" dirty="0" smtClean="0"/>
+              <a:t>（如果这个方块在游戏边界之外）。</a:t>
+            </a:r>
+          </a:p>
+          <a:p>
+            <a:pPr lvl="1"/>
+            <a:r>
+              <a:rPr lang="en-US" altLang="zh-CN" dirty="0" smtClean="0"/>
+              <a:t></a:t>
+            </a:r>
+            <a:r>
+              <a:rPr lang="en-US" altLang="zh-CN" dirty="0" err="1" smtClean="0"/>
+              <a:t>self.robot.locateEnemy</a:t>
+            </a:r>
+            <a:r>
+              <a:rPr lang="en-US" altLang="zh-CN" dirty="0" smtClean="0"/>
+              <a:t>() —</a:t>
+            </a:r>
+            <a:r>
+              <a:rPr lang="zh-CN" altLang="en-US" dirty="0" smtClean="0"/>
+              <a:t>返回敌人的位置和方向。</a:t>
+            </a:r>
+          </a:p>
+          <a:p>
+            <a:pPr lvl="1"/>
+            <a:r>
+              <a:rPr lang="en-US" altLang="zh-CN" dirty="0" smtClean="0"/>
+              <a:t></a:t>
+            </a:r>
+            <a:r>
+              <a:rPr lang="en-US" altLang="zh-CN" dirty="0" err="1" smtClean="0"/>
+              <a:t>self.robot.position</a:t>
+            </a:r>
+            <a:r>
+              <a:rPr lang="en-US" altLang="zh-CN" dirty="0" smtClean="0"/>
+              <a:t> —</a:t>
+            </a:r>
+            <a:r>
+              <a:rPr lang="zh-CN" altLang="en-US" dirty="0" smtClean="0"/>
+              <a:t>获取机器人的位置。</a:t>
+            </a:r>
+          </a:p>
+          <a:p>
+            <a:pPr lvl="1"/>
+            <a:r>
+              <a:rPr lang="en-US" altLang="zh-CN" dirty="0" smtClean="0"/>
+              <a:t></a:t>
+            </a:r>
+            <a:r>
+              <a:rPr lang="en-US" altLang="zh-CN" dirty="0" err="1" smtClean="0"/>
+              <a:t>self.robot.rotation</a:t>
+            </a:r>
+            <a:r>
+              <a:rPr lang="en-US" altLang="zh-CN" dirty="0" smtClean="0"/>
+              <a:t> —</a:t>
+            </a:r>
+            <a:r>
+              <a:rPr lang="zh-CN" altLang="en-US" dirty="0" smtClean="0"/>
+              <a:t>获取机器人的方向。</a:t>
+            </a:r>
+          </a:p>
+          <a:p>
+            <a:pPr lvl="1"/>
+            <a:r>
+              <a:rPr lang="en-US" altLang="zh-CN" dirty="0" smtClean="0"/>
+              <a:t> </a:t>
+            </a:r>
+            <a:r>
+              <a:rPr lang="en-US" altLang="zh-CN" dirty="0" err="1" smtClean="0"/>
+              <a:t>self.robot.calculateCoordinates</a:t>
+            </a:r>
+            <a:r>
+              <a:rPr lang="en-US" altLang="zh-CN" dirty="0" smtClean="0"/>
+              <a:t>(direction, distance, position)</a:t>
             </a:r>
             <a:endParaRPr lang="zh-CN" altLang="en-US" dirty="0"/>
           </a:p>
@@ -22529,6 +22144,13 @@
   <p:clrMapOvr>
     <a:masterClrMapping/>
   </p:clrMapOvr>
+  <p:timing>
+    <p:tnLst>
+      <p:par>
+        <p:cTn id="1" dur="indefinite" restart="never" nodeType="tmRoot"/>
+      </p:par>
+    </p:tnLst>
+  </p:timing>
 </p:sld>
 </file>
 
@@ -22566,8 +22188,12 @@
           <a:p>
             <a:pPr algn="l"/>
             <a:r>
-              <a:rPr lang="zh-CN" altLang="en-US" dirty="0" smtClean="0"/>
-              <a:t>你学到了什么</a:t>
+              <a:rPr lang="en-US" altLang="zh-CN" dirty="0" smtClean="0"/>
+              <a:t>22.4 </a:t>
+            </a:r>
+            <a:r>
+              <a:rPr lang="zh-CN" altLang="en-US" dirty="0" smtClean="0"/>
+              <a:t>坐标系统</a:t>
             </a:r>
             <a:endParaRPr lang="zh-CN" altLang="en-US" dirty="0"/>
           </a:p>
@@ -22590,42 +22216,97 @@
           <a:p>
             <a:r>
               <a:rPr lang="zh-CN" altLang="en-US" dirty="0" smtClean="0"/>
-              <a:t>游戏是怎么运用 </a:t>
-            </a:r>
-            <a:r>
-              <a:rPr lang="en-US" altLang="zh-CN" dirty="0" smtClean="0"/>
-              <a:t>AI </a:t>
-            </a:r>
-            <a:r>
-              <a:rPr lang="zh-CN" altLang="en-US" dirty="0" smtClean="0"/>
-              <a:t>让敌人变聪明的</a:t>
-            </a:r>
-            <a:r>
-              <a:rPr lang="zh-CN" altLang="en-US" dirty="0" smtClean="0"/>
-              <a:t>。</a:t>
-            </a:r>
-            <a:endParaRPr lang="en-US" altLang="zh-CN" dirty="0" smtClean="0"/>
-          </a:p>
-          <a:p>
-            <a:r>
-              <a:rPr lang="zh-CN" altLang="en-US" dirty="0" smtClean="0"/>
-              <a:t>如何在 </a:t>
-            </a:r>
-            <a:r>
-              <a:rPr lang="en-US" altLang="zh-CN" dirty="0" smtClean="0"/>
-              <a:t>Python Battle</a:t>
-            </a:r>
-            <a:r>
-              <a:rPr lang="zh-CN" altLang="en-US" dirty="0" smtClean="0"/>
-              <a:t>游戏中创建自己的 </a:t>
-            </a:r>
-            <a:r>
-              <a:rPr lang="en-US" altLang="zh-CN" dirty="0" smtClean="0"/>
-              <a:t>AI</a:t>
-            </a:r>
-            <a:r>
-              <a:rPr lang="zh-CN" altLang="en-US" dirty="0" smtClean="0"/>
-              <a:t>。</a:t>
+              <a:t>在</a:t>
+            </a:r>
+            <a:r>
+              <a:rPr lang="en-US" altLang="zh-CN" dirty="0" smtClean="0"/>
+              <a:t>Python Battle </a:t>
+            </a:r>
+            <a:r>
+              <a:rPr lang="zh-CN" altLang="en-US" dirty="0" smtClean="0"/>
+              <a:t>中，坐标系统的范围从</a:t>
+            </a:r>
+            <a:r>
+              <a:rPr lang="en-US" altLang="zh-CN" dirty="0" smtClean="0"/>
+              <a:t>(1,1) </a:t>
+            </a:r>
+            <a:r>
+              <a:rPr lang="zh-CN" altLang="en-US" dirty="0" smtClean="0"/>
+              <a:t>到</a:t>
+            </a:r>
+            <a:r>
+              <a:rPr lang="en-US" altLang="zh-CN" dirty="0" smtClean="0"/>
+              <a:t>(10,10),</a:t>
+            </a:r>
+            <a:r>
+              <a:rPr lang="zh-CN" altLang="en-US" dirty="0" smtClean="0"/>
+              <a:t>坐标的原点在左上角</a:t>
+            </a:r>
+            <a:r>
+              <a:rPr lang="en-US" altLang="zh-CN" dirty="0" smtClean="0"/>
+              <a:t>.</a:t>
+            </a:r>
+          </a:p>
+          <a:p>
+            <a:r>
+              <a:rPr lang="zh-CN" altLang="en-US" dirty="0" smtClean="0"/>
+              <a:t>使用数字</a:t>
+            </a:r>
+            <a:r>
+              <a:rPr lang="en-US" altLang="zh-CN" dirty="0" smtClean="0"/>
+              <a:t>0~3 </a:t>
+            </a:r>
+            <a:r>
+              <a:rPr lang="zh-CN" altLang="en-US" dirty="0" smtClean="0"/>
+              <a:t>来存储方向。</a:t>
+            </a:r>
+            <a:r>
+              <a:rPr lang="en-US" altLang="zh-CN" dirty="0" smtClean="0"/>
+              <a:t>0 </a:t>
+            </a:r>
+            <a:r>
+              <a:rPr lang="zh-CN" altLang="en-US" dirty="0" smtClean="0"/>
+              <a:t>是上（北），</a:t>
+            </a:r>
+            <a:r>
+              <a:rPr lang="en-US" altLang="zh-CN" dirty="0" smtClean="0"/>
+              <a:t>1 </a:t>
+            </a:r>
+            <a:r>
+              <a:rPr lang="zh-CN" altLang="en-US" dirty="0" smtClean="0"/>
+              <a:t>是右（东），</a:t>
+            </a:r>
+            <a:r>
+              <a:rPr lang="en-US" altLang="zh-CN" dirty="0" smtClean="0"/>
+              <a:t>2 </a:t>
+            </a:r>
+            <a:r>
+              <a:rPr lang="zh-CN" altLang="en-US" dirty="0" smtClean="0"/>
+              <a:t>是下（南），</a:t>
+            </a:r>
+            <a:r>
+              <a:rPr lang="en-US" altLang="zh-CN" dirty="0" smtClean="0"/>
+              <a:t>3 </a:t>
+            </a:r>
+            <a:r>
+              <a:rPr lang="zh-CN" altLang="en-US" dirty="0" smtClean="0"/>
+              <a:t>是左（西）。当机器人右转时，方向的值加</a:t>
+            </a:r>
+            <a:r>
+              <a:rPr lang="en-US" altLang="zh-CN" dirty="0" smtClean="0"/>
+              <a:t>1</a:t>
+            </a:r>
+            <a:r>
+              <a:rPr lang="zh-CN" altLang="en-US" dirty="0" smtClean="0"/>
+              <a:t>；当机器人左转时，方向的值减</a:t>
+            </a:r>
+            <a:r>
+              <a:rPr lang="en-US" altLang="zh-CN" dirty="0" smtClean="0"/>
+              <a:t>1</a:t>
+            </a:r>
+            <a:r>
+              <a:rPr lang="zh-CN" altLang="en-US" dirty="0" smtClean="0"/>
+              <a:t>。这样用起来很简单。</a:t>
             </a:r>
             <a:endParaRPr lang="zh-CN" altLang="en-US" dirty="0"/>
           </a:p>
@@ -22636,6 +22317,13 @@
   <p:clrMapOvr>
     <a:masterClrMapping/>
   </p:clrMapOvr>
+  <p:timing>
+    <p:tnLst>
+      <p:par>
+        <p:cTn id="1" dur="indefinite" restart="never" nodeType="tmRoot"/>
+      </p:par>
+    </p:tnLst>
+  </p:timing>
 </p:sld>
 </file>
 
@@ -22857,6 +22545,109 @@
           <a:p>
             <a:pPr algn="l"/>
             <a:r>
+              <a:rPr lang="zh-CN" altLang="en-US" dirty="0" smtClean="0"/>
+              <a:t>你学到了什么</a:t>
+            </a:r>
+            <a:endParaRPr lang="zh-CN" altLang="en-US" dirty="0"/>
+          </a:p>
+        </p:txBody>
+      </p:sp>
+      <p:sp>
+        <p:nvSpPr>
+          <p:cNvPr id="3" name="内容占位符 2"/>
+          <p:cNvSpPr>
+            <a:spLocks noGrp="1"/>
+          </p:cNvSpPr>
+          <p:nvPr>
+            <p:ph idx="1"/>
+          </p:nvPr>
+        </p:nvSpPr>
+        <p:spPr/>
+        <p:txBody>
+          <a:bodyPr/>
+          <a:lstStyle/>
+          <a:p>
+            <a:r>
+              <a:rPr lang="zh-CN" altLang="en-US" dirty="0" smtClean="0"/>
+              <a:t>游戏是怎么运用 </a:t>
+            </a:r>
+            <a:r>
+              <a:rPr lang="en-US" altLang="zh-CN" dirty="0" smtClean="0"/>
+              <a:t>AI </a:t>
+            </a:r>
+            <a:r>
+              <a:rPr lang="zh-CN" altLang="en-US" dirty="0" smtClean="0"/>
+              <a:t>让敌人变聪明的。</a:t>
+            </a:r>
+            <a:endParaRPr lang="en-US" altLang="zh-CN" dirty="0" smtClean="0"/>
+          </a:p>
+          <a:p>
+            <a:r>
+              <a:rPr lang="zh-CN" altLang="en-US" dirty="0" smtClean="0"/>
+              <a:t>如何在 </a:t>
+            </a:r>
+            <a:r>
+              <a:rPr lang="en-US" altLang="zh-CN" dirty="0" smtClean="0"/>
+              <a:t>Python Battle</a:t>
+            </a:r>
+            <a:r>
+              <a:rPr lang="zh-CN" altLang="en-US" dirty="0" smtClean="0"/>
+              <a:t>游戏中创建自己的 </a:t>
+            </a:r>
+            <a:r>
+              <a:rPr lang="en-US" altLang="zh-CN" dirty="0" smtClean="0"/>
+              <a:t>AI</a:t>
+            </a:r>
+            <a:r>
+              <a:rPr lang="zh-CN" altLang="en-US" dirty="0" smtClean="0"/>
+              <a:t>。</a:t>
+            </a:r>
+            <a:endParaRPr lang="zh-CN" altLang="en-US" dirty="0"/>
+          </a:p>
+        </p:txBody>
+      </p:sp>
+    </p:spTree>
+  </p:cSld>
+  <p:clrMapOvr>
+    <a:masterClrMapping/>
+  </p:clrMapOvr>
+</p:sld>
+</file>
+
+<file path=ppt/slides/slide221.xml><?xml version="1.0" encoding="utf-8"?>
+<p:sld xmlns:a="http://schemas.openxmlformats.org/drawingml/2006/main" xmlns:r="http://schemas.openxmlformats.org/officeDocument/2006/relationships" xmlns:p="http://schemas.openxmlformats.org/presentationml/2006/main">
+  <p:cSld>
+    <p:spTree>
+      <p:nvGrpSpPr>
+        <p:cNvPr id="1" name=""/>
+        <p:cNvGrpSpPr/>
+        <p:nvPr/>
+      </p:nvGrpSpPr>
+      <p:grpSpPr>
+        <a:xfrm>
+          <a:off x="0" y="0"/>
+          <a:ext cx="0" cy="0"/>
+          <a:chOff x="0" y="0"/>
+          <a:chExt cx="0" cy="0"/>
+        </a:xfrm>
+      </p:grpSpPr>
+      <p:sp>
+        <p:nvSpPr>
+          <p:cNvPr id="2" name="标题 1"/>
+          <p:cNvSpPr>
+            <a:spLocks noGrp="1"/>
+          </p:cNvSpPr>
+          <p:nvPr>
+            <p:ph type="title"/>
+          </p:nvPr>
+        </p:nvSpPr>
+        <p:spPr/>
+        <p:txBody>
+          <a:bodyPr/>
+          <a:lstStyle/>
+          <a:p>
+            <a:pPr algn="l"/>
+            <a:r>
               <a:rPr lang="zh-CN" altLang="en-US" smtClean="0"/>
               <a:t>动手试一试</a:t>
             </a:r>
@@ -22894,6 +22685,1343 @@
             <a:r>
               <a:rPr lang="zh-CN" altLang="en-US" dirty="0" smtClean="0"/>
               <a:t>的机器人。</a:t>
+            </a:r>
+            <a:endParaRPr lang="zh-CN" altLang="en-US" dirty="0"/>
+          </a:p>
+        </p:txBody>
+      </p:sp>
+    </p:spTree>
+  </p:cSld>
+  <p:clrMapOvr>
+    <a:masterClrMapping/>
+  </p:clrMapOvr>
+</p:sld>
+</file>
+
+<file path=ppt/slides/slide222.xml><?xml version="1.0" encoding="utf-8"?>
+<p:sld xmlns:a="http://schemas.openxmlformats.org/drawingml/2006/main" xmlns:r="http://schemas.openxmlformats.org/officeDocument/2006/relationships" xmlns:p="http://schemas.openxmlformats.org/presentationml/2006/main">
+  <p:cSld>
+    <p:spTree>
+      <p:nvGrpSpPr>
+        <p:cNvPr id="1" name=""/>
+        <p:cNvGrpSpPr/>
+        <p:nvPr/>
+      </p:nvGrpSpPr>
+      <p:grpSpPr>
+        <a:xfrm>
+          <a:off x="0" y="0"/>
+          <a:ext cx="0" cy="0"/>
+          <a:chOff x="0" y="0"/>
+          <a:chExt cx="0" cy="0"/>
+        </a:xfrm>
+      </p:grpSpPr>
+      <p:sp>
+        <p:nvSpPr>
+          <p:cNvPr id="2" name="标题 1"/>
+          <p:cNvSpPr>
+            <a:spLocks noGrp="1"/>
+          </p:cNvSpPr>
+          <p:nvPr>
+            <p:ph type="title"/>
+          </p:nvPr>
+        </p:nvSpPr>
+        <p:spPr/>
+        <p:txBody>
+          <a:bodyPr/>
+          <a:lstStyle/>
+          <a:p>
+            <a:pPr algn="l"/>
+            <a:r>
+              <a:rPr lang="en-US" altLang="zh-CN" dirty="0" smtClean="0"/>
+              <a:t>23 </a:t>
+            </a:r>
+            <a:r>
+              <a:rPr lang="zh-CN" altLang="en-US" dirty="0" smtClean="0"/>
+              <a:t>后续学习</a:t>
+            </a:r>
+            <a:endParaRPr lang="zh-CN" altLang="en-US" dirty="0"/>
+          </a:p>
+        </p:txBody>
+      </p:sp>
+      <p:sp>
+        <p:nvSpPr>
+          <p:cNvPr id="3" name="内容占位符 2"/>
+          <p:cNvSpPr>
+            <a:spLocks noGrp="1"/>
+          </p:cNvSpPr>
+          <p:nvPr>
+            <p:ph idx="1"/>
+          </p:nvPr>
+        </p:nvSpPr>
+        <p:spPr/>
+        <p:txBody>
+          <a:bodyPr>
+            <a:normAutofit fontScale="92500" lnSpcReduction="10000"/>
+          </a:bodyPr>
+          <a:lstStyle/>
+          <a:p>
+            <a:r>
+              <a:rPr lang="zh-CN" altLang="en-US" dirty="0" smtClean="0"/>
+              <a:t>入门课程已</a:t>
+            </a:r>
+            <a:r>
+              <a:rPr lang="zh-CN" altLang="en-US" dirty="0" smtClean="0"/>
+              <a:t>接近尾声。如果</a:t>
+            </a:r>
+            <a:r>
+              <a:rPr lang="zh-CN" altLang="en-US" dirty="0" smtClean="0"/>
+              <a:t>你哪头学习了本</a:t>
+            </a:r>
+            <a:r>
+              <a:rPr lang="en-US" altLang="zh-CN" dirty="0" err="1" smtClean="0"/>
+              <a:t>ppt</a:t>
+            </a:r>
+            <a:r>
+              <a:rPr lang="zh-CN" altLang="en-US" dirty="0" smtClean="0"/>
+              <a:t>的所有内容，</a:t>
+            </a:r>
+            <a:r>
+              <a:rPr lang="zh-CN" altLang="en-US" dirty="0" smtClean="0"/>
+              <a:t>并且尝试过本书里的所有例子，</a:t>
+            </a:r>
+            <a:r>
+              <a:rPr lang="zh-CN" altLang="en-US" dirty="0" smtClean="0"/>
+              <a:t>现在你应该</a:t>
+            </a:r>
+            <a:r>
+              <a:rPr lang="zh-CN" altLang="en-US" dirty="0" smtClean="0"/>
+              <a:t>对编程以及利用编程能够做什么已经有了基本的</a:t>
+            </a:r>
+            <a:r>
+              <a:rPr lang="zh-CN" altLang="en-US" dirty="0" smtClean="0"/>
+              <a:t>了解</a:t>
+            </a:r>
+            <a:endParaRPr lang="en-US" altLang="zh-CN" dirty="0" smtClean="0"/>
+          </a:p>
+          <a:p>
+            <a:r>
+              <a:rPr lang="zh-CN" altLang="en-US" dirty="0" smtClean="0"/>
+              <a:t>现在我会</a:t>
+            </a:r>
+            <a:r>
+              <a:rPr lang="zh-CN" altLang="en-US" dirty="0" smtClean="0"/>
+              <a:t>告诉你可以在哪里查找关于编程的更多信息。有很多资源可以利用，</a:t>
+            </a:r>
+            <a:r>
+              <a:rPr lang="zh-CN" altLang="en-US" dirty="0" smtClean="0"/>
+              <a:t>有些</a:t>
+            </a:r>
+            <a:r>
+              <a:rPr lang="zh-CN" altLang="en-US" dirty="0" smtClean="0"/>
+              <a:t>关于一般编程，有些专门针对</a:t>
+            </a:r>
+            <a:r>
+              <a:rPr lang="en-US" altLang="zh-CN" dirty="0" smtClean="0"/>
+              <a:t>Python </a:t>
+            </a:r>
+            <a:r>
+              <a:rPr lang="zh-CN" altLang="en-US" dirty="0" smtClean="0"/>
+              <a:t>编程，还有一些关于游戏编程以及其他</a:t>
+            </a:r>
+            <a:r>
+              <a:rPr lang="zh-CN" altLang="en-US" dirty="0" smtClean="0"/>
+              <a:t>一些方面。</a:t>
+            </a:r>
+            <a:endParaRPr lang="en-US" altLang="zh-CN" dirty="0" smtClean="0"/>
+          </a:p>
+          <a:p>
+            <a:r>
+              <a:rPr lang="zh-CN" altLang="en-US" dirty="0" smtClean="0"/>
+              <a:t>如何学以及学些什么取决于你想在哪个方向深入：游戏？ </a:t>
+            </a:r>
+            <a:r>
+              <a:rPr lang="en-US" altLang="zh-CN" dirty="0" smtClean="0"/>
+              <a:t>Web </a:t>
+            </a:r>
+            <a:r>
+              <a:rPr lang="zh-CN" altLang="en-US" dirty="0" smtClean="0"/>
+              <a:t>编程？还是</a:t>
+            </a:r>
+            <a:r>
+              <a:rPr lang="zh-CN" altLang="en-US" dirty="0" smtClean="0"/>
+              <a:t>机器人</a:t>
+            </a:r>
+            <a:r>
+              <a:rPr lang="zh-CN" altLang="en-US" dirty="0" smtClean="0"/>
+              <a:t>？</a:t>
+            </a:r>
+            <a:endParaRPr lang="zh-CN" altLang="en-US" dirty="0"/>
+          </a:p>
+        </p:txBody>
+      </p:sp>
+    </p:spTree>
+  </p:cSld>
+  <p:clrMapOvr>
+    <a:masterClrMapping/>
+  </p:clrMapOvr>
+</p:sld>
+</file>
+
+<file path=ppt/slides/slide223.xml><?xml version="1.0" encoding="utf-8"?>
+<p:sld xmlns:a="http://schemas.openxmlformats.org/drawingml/2006/main" xmlns:r="http://schemas.openxmlformats.org/officeDocument/2006/relationships" xmlns:p="http://schemas.openxmlformats.org/presentationml/2006/main">
+  <p:cSld>
+    <p:spTree>
+      <p:nvGrpSpPr>
+        <p:cNvPr id="1" name=""/>
+        <p:cNvGrpSpPr/>
+        <p:nvPr/>
+      </p:nvGrpSpPr>
+      <p:grpSpPr>
+        <a:xfrm>
+          <a:off x="0" y="0"/>
+          <a:ext cx="0" cy="0"/>
+          <a:chOff x="0" y="0"/>
+          <a:chExt cx="0" cy="0"/>
+        </a:xfrm>
+      </p:grpSpPr>
+      <p:sp>
+        <p:nvSpPr>
+          <p:cNvPr id="2" name="标题 1"/>
+          <p:cNvSpPr>
+            <a:spLocks noGrp="1"/>
+          </p:cNvSpPr>
+          <p:nvPr>
+            <p:ph type="title"/>
+          </p:nvPr>
+        </p:nvSpPr>
+        <p:spPr/>
+        <p:txBody>
+          <a:bodyPr/>
+          <a:lstStyle/>
+          <a:p>
+            <a:pPr algn="l"/>
+            <a:r>
+              <a:rPr lang="en-US" altLang="zh-CN" dirty="0" smtClean="0"/>
+              <a:t>23.1 python</a:t>
+            </a:r>
+            <a:endParaRPr lang="zh-CN" altLang="en-US" dirty="0"/>
+          </a:p>
+        </p:txBody>
+      </p:sp>
+      <p:sp>
+        <p:nvSpPr>
+          <p:cNvPr id="3" name="内容占位符 2"/>
+          <p:cNvSpPr>
+            <a:spLocks noGrp="1"/>
+          </p:cNvSpPr>
+          <p:nvPr>
+            <p:ph idx="1"/>
+          </p:nvPr>
+        </p:nvSpPr>
+        <p:spPr/>
+        <p:txBody>
+          <a:bodyPr>
+            <a:normAutofit lnSpcReduction="10000"/>
+          </a:bodyPr>
+          <a:lstStyle/>
+          <a:p>
+            <a:r>
+              <a:rPr lang="zh-CN" altLang="en-US" dirty="0" smtClean="0"/>
+              <a:t>很多地方都可以帮助你更深入地学习</a:t>
+            </a:r>
+            <a:r>
+              <a:rPr lang="en-US" altLang="zh-CN" dirty="0" smtClean="0"/>
+              <a:t>Python</a:t>
+            </a:r>
+            <a:r>
+              <a:rPr lang="zh-CN" altLang="en-US" dirty="0" smtClean="0"/>
+              <a:t>。在线</a:t>
+            </a:r>
+            <a:r>
+              <a:rPr lang="en-US" altLang="zh-CN" dirty="0" smtClean="0"/>
+              <a:t>Python </a:t>
+            </a:r>
+            <a:r>
+              <a:rPr lang="zh-CN" altLang="en-US" dirty="0" smtClean="0"/>
+              <a:t>文档非常完备，</a:t>
+            </a:r>
+            <a:r>
+              <a:rPr lang="zh-CN" altLang="en-US" dirty="0" smtClean="0"/>
+              <a:t>不过</a:t>
+            </a:r>
+            <a:r>
+              <a:rPr lang="zh-CN" altLang="en-US" dirty="0" smtClean="0"/>
+              <a:t>读起来可能有点困难</a:t>
+            </a:r>
+            <a:r>
+              <a:rPr lang="zh-CN" altLang="en-US" dirty="0" smtClean="0"/>
+              <a:t>。</a:t>
+            </a:r>
+            <a:endParaRPr lang="en-US" altLang="zh-CN" dirty="0" smtClean="0"/>
+          </a:p>
+          <a:p>
+            <a:r>
+              <a:rPr lang="zh-CN" altLang="en-US" dirty="0" smtClean="0"/>
+              <a:t>市面上有很多关于</a:t>
+            </a:r>
+            <a:r>
+              <a:rPr lang="en-US" altLang="zh-CN" dirty="0" smtClean="0"/>
+              <a:t>Python </a:t>
+            </a:r>
+            <a:r>
+              <a:rPr lang="zh-CN" altLang="en-US" dirty="0" smtClean="0"/>
+              <a:t>高阶内容的书籍，多到我无法只向你推荐一两本。</a:t>
+            </a:r>
+            <a:r>
+              <a:rPr lang="zh-CN" altLang="en-US" dirty="0" smtClean="0"/>
+              <a:t>具体</a:t>
+            </a:r>
+            <a:r>
+              <a:rPr lang="zh-CN" altLang="en-US" dirty="0" smtClean="0"/>
+              <a:t>使用什么书取决于你的品味、学习方式以及你想用</a:t>
+            </a:r>
+            <a:r>
+              <a:rPr lang="en-US" altLang="zh-CN" dirty="0" smtClean="0"/>
+              <a:t>Python </a:t>
+            </a:r>
+            <a:r>
+              <a:rPr lang="zh-CN" altLang="en-US" dirty="0" smtClean="0"/>
+              <a:t>做的事情。但我坚信</a:t>
+            </a:r>
+            <a:r>
+              <a:rPr lang="zh-CN" altLang="en-US" dirty="0" smtClean="0"/>
+              <a:t>，如果</a:t>
+            </a:r>
+            <a:r>
+              <a:rPr lang="zh-CN" altLang="en-US" dirty="0" smtClean="0"/>
+              <a:t>你想在</a:t>
+            </a:r>
+            <a:r>
+              <a:rPr lang="en-US" altLang="zh-CN" dirty="0" smtClean="0"/>
+              <a:t>Python </a:t>
+            </a:r>
+            <a:r>
+              <a:rPr lang="zh-CN" altLang="en-US" dirty="0" smtClean="0"/>
+              <a:t>学习之路上走得更远，就一定能找到适合自己的书。</a:t>
+            </a:r>
+            <a:endParaRPr lang="zh-CN" altLang="en-US" dirty="0"/>
+          </a:p>
+        </p:txBody>
+      </p:sp>
+    </p:spTree>
+  </p:cSld>
+  <p:clrMapOvr>
+    <a:masterClrMapping/>
+  </p:clrMapOvr>
+</p:sld>
+</file>
+
+<file path=ppt/slides/slide224.xml><?xml version="1.0" encoding="utf-8"?>
+<p:sld xmlns:a="http://schemas.openxmlformats.org/drawingml/2006/main" xmlns:r="http://schemas.openxmlformats.org/officeDocument/2006/relationships" xmlns:p="http://schemas.openxmlformats.org/presentationml/2006/main">
+  <p:cSld>
+    <p:spTree>
+      <p:nvGrpSpPr>
+        <p:cNvPr id="1" name=""/>
+        <p:cNvGrpSpPr/>
+        <p:nvPr/>
+      </p:nvGrpSpPr>
+      <p:grpSpPr>
+        <a:xfrm>
+          <a:off x="0" y="0"/>
+          <a:ext cx="0" cy="0"/>
+          <a:chOff x="0" y="0"/>
+          <a:chExt cx="0" cy="0"/>
+        </a:xfrm>
+      </p:grpSpPr>
+      <p:sp>
+        <p:nvSpPr>
+          <p:cNvPr id="2" name="标题 1"/>
+          <p:cNvSpPr>
+            <a:spLocks noGrp="1"/>
+          </p:cNvSpPr>
+          <p:nvPr>
+            <p:ph type="title"/>
+          </p:nvPr>
+        </p:nvSpPr>
+        <p:spPr/>
+        <p:txBody>
+          <a:bodyPr/>
+          <a:lstStyle/>
+          <a:p>
+            <a:pPr algn="l"/>
+            <a:r>
+              <a:rPr lang="en-US" altLang="zh-CN" dirty="0" smtClean="0"/>
+              <a:t>23.2 </a:t>
+            </a:r>
+            <a:r>
+              <a:rPr lang="zh-CN" altLang="en-US" dirty="0" smtClean="0"/>
+              <a:t>游戏编程与</a:t>
+            </a:r>
+            <a:r>
+              <a:rPr lang="en-US" altLang="zh-CN" dirty="0" err="1" smtClean="0"/>
+              <a:t>Pygame</a:t>
+            </a:r>
+            <a:endParaRPr lang="zh-CN" altLang="en-US" dirty="0"/>
+          </a:p>
+        </p:txBody>
+      </p:sp>
+      <p:sp>
+        <p:nvSpPr>
+          <p:cNvPr id="3" name="内容占位符 2"/>
+          <p:cNvSpPr>
+            <a:spLocks noGrp="1"/>
+          </p:cNvSpPr>
+          <p:nvPr>
+            <p:ph idx="1"/>
+          </p:nvPr>
+        </p:nvSpPr>
+        <p:spPr/>
+        <p:txBody>
+          <a:bodyPr>
+            <a:normAutofit fontScale="85000" lnSpcReduction="20000"/>
+          </a:bodyPr>
+          <a:lstStyle/>
+          <a:p>
+            <a:r>
+              <a:rPr lang="en-US" altLang="zh-CN" dirty="0" smtClean="0"/>
+              <a:t>1.</a:t>
+            </a:r>
+            <a:r>
+              <a:rPr lang="zh-CN" altLang="en-US" dirty="0" smtClean="0"/>
+              <a:t>你可能想学习一种</a:t>
+            </a:r>
+            <a:r>
+              <a:rPr lang="en-US" altLang="zh-CN" dirty="0" smtClean="0"/>
+              <a:t>OpenGL </a:t>
+            </a:r>
+            <a:r>
+              <a:rPr lang="zh-CN" altLang="en-US" dirty="0" smtClean="0"/>
+              <a:t>技术，这是“</a:t>
+            </a:r>
+            <a:r>
+              <a:rPr lang="en-US" altLang="zh-CN" dirty="0" smtClean="0"/>
+              <a:t>Open Graphics Language</a:t>
+            </a:r>
+            <a:r>
+              <a:rPr lang="en-US" altLang="zh-CN" dirty="0" smtClean="0"/>
+              <a:t>”</a:t>
+            </a:r>
+            <a:r>
+              <a:rPr lang="zh-CN" altLang="en-US" dirty="0" smtClean="0"/>
+              <a:t>（</a:t>
+            </a:r>
+            <a:r>
+              <a:rPr lang="zh-CN" altLang="en-US" dirty="0" smtClean="0"/>
+              <a:t>开放图形语言）的简写，很多游戏都使用了这种图形系统。在</a:t>
+            </a:r>
+            <a:r>
+              <a:rPr lang="en-US" altLang="zh-CN" dirty="0" smtClean="0"/>
+              <a:t>Python </a:t>
+            </a:r>
+            <a:r>
+              <a:rPr lang="zh-CN" altLang="en-US" dirty="0" smtClean="0"/>
+              <a:t>中可以使用</a:t>
+            </a:r>
+            <a:r>
+              <a:rPr lang="zh-CN" altLang="en-US" dirty="0" smtClean="0"/>
+              <a:t>一个</a:t>
+            </a:r>
+            <a:r>
+              <a:rPr lang="zh-CN" altLang="en-US" dirty="0" smtClean="0"/>
+              <a:t>名为</a:t>
+            </a:r>
+            <a:r>
+              <a:rPr lang="en-US" altLang="zh-CN" dirty="0" err="1" smtClean="0"/>
+              <a:t>PyOpenGL</a:t>
+            </a:r>
+            <a:r>
+              <a:rPr lang="en-US" altLang="zh-CN" dirty="0" smtClean="0"/>
+              <a:t> </a:t>
+            </a:r>
+            <a:r>
+              <a:rPr lang="zh-CN" altLang="en-US" dirty="0" smtClean="0"/>
+              <a:t>的模块来使用</a:t>
+            </a:r>
+            <a:r>
+              <a:rPr lang="en-US" altLang="zh-CN" dirty="0" smtClean="0"/>
+              <a:t>OpenGL.</a:t>
+            </a:r>
+          </a:p>
+          <a:p>
+            <a:r>
+              <a:rPr lang="zh-CN" altLang="en-US" dirty="0" smtClean="0"/>
+              <a:t>如果你对</a:t>
+            </a:r>
+            <a:r>
+              <a:rPr lang="en-US" altLang="zh-CN" dirty="0" err="1" smtClean="0"/>
+              <a:t>Pygame</a:t>
+            </a:r>
+            <a:r>
+              <a:rPr lang="en-US" altLang="zh-CN" dirty="0" smtClean="0"/>
+              <a:t> </a:t>
+            </a:r>
+            <a:r>
+              <a:rPr lang="zh-CN" altLang="en-US" dirty="0" smtClean="0"/>
+              <a:t>感兴趣，也可以找到一些地方来了解更多有关内容。</a:t>
+            </a:r>
+            <a:r>
+              <a:rPr lang="en-US" altLang="zh-CN" dirty="0" err="1" smtClean="0"/>
+              <a:t>Pygame</a:t>
+            </a:r>
+            <a:r>
+              <a:rPr lang="zh-CN" altLang="en-US" dirty="0" smtClean="0"/>
+              <a:t>网站</a:t>
+            </a:r>
+            <a:r>
+              <a:rPr lang="zh-CN" altLang="en-US" dirty="0" smtClean="0"/>
+              <a:t>（</a:t>
+            </a:r>
+            <a:r>
+              <a:rPr lang="en-US" altLang="zh-CN" dirty="0" smtClean="0"/>
+              <a:t>pygame.org</a:t>
+            </a:r>
+            <a:r>
+              <a:rPr lang="zh-CN" altLang="en-US" dirty="0" smtClean="0"/>
+              <a:t>）提供了很多例子和教程</a:t>
+            </a:r>
+            <a:r>
+              <a:rPr lang="zh-CN" altLang="en-US" dirty="0" smtClean="0"/>
+              <a:t>。</a:t>
+            </a:r>
+            <a:endParaRPr lang="en-US" altLang="zh-CN" dirty="0" smtClean="0"/>
+          </a:p>
+          <a:p>
+            <a:r>
+              <a:rPr lang="zh-CN" altLang="en-US" dirty="0" smtClean="0"/>
+              <a:t>如果你想在游戏中实现更逼真的物理行为，可以使用一个名为</a:t>
+            </a:r>
+            <a:r>
+              <a:rPr lang="en-US" altLang="zh-CN" dirty="0" err="1" smtClean="0"/>
+              <a:t>PyMunk</a:t>
+            </a:r>
+            <a:r>
+              <a:rPr lang="en-US" altLang="zh-CN" dirty="0" smtClean="0"/>
+              <a:t> </a:t>
+            </a:r>
+            <a:r>
+              <a:rPr lang="zh-CN" altLang="en-US" dirty="0" smtClean="0"/>
+              <a:t>的库</a:t>
+            </a:r>
+            <a:r>
+              <a:rPr lang="zh-CN" altLang="en-US" dirty="0" smtClean="0"/>
+              <a:t>。</a:t>
+            </a:r>
+            <a:r>
+              <a:rPr lang="en-US" altLang="zh-CN" dirty="0" err="1" smtClean="0"/>
+              <a:t>PyMunk</a:t>
+            </a:r>
+            <a:r>
+              <a:rPr lang="en-US" altLang="zh-CN" dirty="0" smtClean="0"/>
+              <a:t> </a:t>
+            </a:r>
+            <a:r>
+              <a:rPr lang="zh-CN" altLang="en-US" dirty="0" smtClean="0"/>
+              <a:t>是基于</a:t>
+            </a:r>
+            <a:r>
+              <a:rPr lang="en-US" altLang="zh-CN" dirty="0" smtClean="0"/>
+              <a:t>Chipmunk Physics </a:t>
+            </a:r>
+            <a:r>
+              <a:rPr lang="zh-CN" altLang="en-US" dirty="0" smtClean="0"/>
+              <a:t>开发的。你可以利用</a:t>
+            </a:r>
+            <a:r>
+              <a:rPr lang="en-US" altLang="zh-CN" dirty="0" smtClean="0"/>
+              <a:t>Chipmunk </a:t>
+            </a:r>
+            <a:r>
+              <a:rPr lang="zh-CN" altLang="en-US" dirty="0" smtClean="0"/>
+              <a:t>在二维（</a:t>
+            </a:r>
+            <a:r>
+              <a:rPr lang="en-US" altLang="zh-CN" dirty="0" smtClean="0"/>
+              <a:t>2D</a:t>
+            </a:r>
+            <a:r>
+              <a:rPr lang="zh-CN" altLang="en-US" dirty="0" smtClean="0"/>
+              <a:t>）</a:t>
+            </a:r>
+            <a:r>
+              <a:rPr lang="zh-CN" altLang="en-US" dirty="0" smtClean="0"/>
+              <a:t>世界中</a:t>
+            </a:r>
+            <a:r>
+              <a:rPr lang="zh-CN" altLang="en-US" dirty="0" smtClean="0"/>
+              <a:t>创建圆、直线和图形等，然后它会让这些图形模拟出重力和摩擦力等物理学上</a:t>
+            </a:r>
+            <a:r>
+              <a:rPr lang="zh-CN" altLang="en-US" dirty="0" smtClean="0"/>
+              <a:t>基本</a:t>
+            </a:r>
+            <a:r>
+              <a:rPr lang="zh-CN" altLang="en-US" dirty="0" smtClean="0"/>
+              <a:t>的力</a:t>
+            </a:r>
+            <a:endParaRPr lang="zh-CN" altLang="en-US" dirty="0"/>
+          </a:p>
+        </p:txBody>
+      </p:sp>
+    </p:spTree>
+  </p:cSld>
+  <p:clrMapOvr>
+    <a:masterClrMapping/>
+  </p:clrMapOvr>
+</p:sld>
+</file>
+
+<file path=ppt/slides/slide225.xml><?xml version="1.0" encoding="utf-8"?>
+<p:sld xmlns:a="http://schemas.openxmlformats.org/drawingml/2006/main" xmlns:r="http://schemas.openxmlformats.org/officeDocument/2006/relationships" xmlns:p="http://schemas.openxmlformats.org/presentationml/2006/main">
+  <p:cSld>
+    <p:spTree>
+      <p:nvGrpSpPr>
+        <p:cNvPr id="1" name=""/>
+        <p:cNvGrpSpPr/>
+        <p:nvPr/>
+      </p:nvGrpSpPr>
+      <p:grpSpPr>
+        <a:xfrm>
+          <a:off x="0" y="0"/>
+          <a:ext cx="0" cy="0"/>
+          <a:chOff x="0" y="0"/>
+          <a:chExt cx="0" cy="0"/>
+        </a:xfrm>
+      </p:grpSpPr>
+      <p:sp>
+        <p:nvSpPr>
+          <p:cNvPr id="2" name="标题 1"/>
+          <p:cNvSpPr>
+            <a:spLocks noGrp="1"/>
+          </p:cNvSpPr>
+          <p:nvPr>
+            <p:ph type="title"/>
+          </p:nvPr>
+        </p:nvSpPr>
+        <p:spPr/>
+        <p:txBody>
+          <a:bodyPr/>
+          <a:lstStyle/>
+          <a:p>
+            <a:pPr algn="l"/>
+            <a:r>
+              <a:rPr lang="en-US" altLang="zh-CN" dirty="0" smtClean="0"/>
+              <a:t>23.3</a:t>
+            </a:r>
+            <a:r>
+              <a:rPr lang="zh-CN" altLang="en-US" dirty="0" smtClean="0"/>
+              <a:t>其他语言的游戏编程</a:t>
+            </a:r>
+            <a:endParaRPr lang="zh-CN" altLang="en-US" dirty="0"/>
+          </a:p>
+        </p:txBody>
+      </p:sp>
+      <p:sp>
+        <p:nvSpPr>
+          <p:cNvPr id="3" name="内容占位符 2"/>
+          <p:cNvSpPr>
+            <a:spLocks noGrp="1"/>
+          </p:cNvSpPr>
+          <p:nvPr>
+            <p:ph idx="1"/>
+          </p:nvPr>
+        </p:nvSpPr>
+        <p:spPr/>
+        <p:txBody>
+          <a:bodyPr/>
+          <a:lstStyle/>
+          <a:p>
+            <a:r>
+              <a:rPr lang="zh-CN" altLang="en-US" dirty="0" smtClean="0"/>
+              <a:t>我如果你对游戏编程感兴趣，可能会有兴趣了解</a:t>
+            </a:r>
+            <a:r>
+              <a:rPr lang="en-US" altLang="zh-CN" dirty="0" smtClean="0"/>
+              <a:t>Unity </a:t>
+            </a:r>
+            <a:r>
+              <a:rPr lang="zh-CN" altLang="en-US" dirty="0" smtClean="0"/>
+              <a:t>游戏引擎。</a:t>
+            </a:r>
+            <a:r>
+              <a:rPr lang="en-US" altLang="zh-CN" dirty="0" smtClean="0"/>
+              <a:t>Unity </a:t>
+            </a:r>
+            <a:r>
+              <a:rPr lang="zh-CN" altLang="en-US" dirty="0" smtClean="0"/>
+              <a:t>包含</a:t>
+            </a:r>
+            <a:r>
+              <a:rPr lang="zh-CN" altLang="en-US" dirty="0" smtClean="0"/>
+              <a:t>了很多</a:t>
+            </a:r>
+            <a:r>
+              <a:rPr lang="zh-CN" altLang="en-US" dirty="0" smtClean="0"/>
+              <a:t>东西，包括一个</a:t>
+            </a:r>
+            <a:r>
+              <a:rPr lang="en-US" altLang="zh-CN" dirty="0" smtClean="0"/>
+              <a:t>3D </a:t>
+            </a:r>
+            <a:r>
+              <a:rPr lang="zh-CN" altLang="en-US" dirty="0" smtClean="0"/>
+              <a:t>游戏引擎和一个物理引擎，并提供了编写脚本的方式。你</a:t>
+            </a:r>
+            <a:r>
+              <a:rPr lang="zh-CN" altLang="en-US" dirty="0" smtClean="0"/>
+              <a:t>可以</a:t>
+            </a:r>
+            <a:r>
+              <a:rPr lang="zh-CN" altLang="en-US" dirty="0" smtClean="0"/>
+              <a:t>用来编写脚本的语言之一叫做</a:t>
+            </a:r>
+            <a:r>
+              <a:rPr lang="en-US" altLang="zh-CN" dirty="0" smtClean="0"/>
+              <a:t>Boo</a:t>
+            </a:r>
+            <a:r>
+              <a:rPr lang="zh-CN" altLang="en-US" dirty="0" smtClean="0"/>
+              <a:t>，它与</a:t>
+            </a:r>
+            <a:r>
+              <a:rPr lang="en-US" altLang="zh-CN" dirty="0" smtClean="0"/>
+              <a:t>Python </a:t>
+            </a:r>
+            <a:r>
+              <a:rPr lang="zh-CN" altLang="en-US" dirty="0" smtClean="0"/>
+              <a:t>有很多相似之处。</a:t>
+            </a:r>
+            <a:endParaRPr lang="zh-CN" altLang="en-US" dirty="0"/>
+          </a:p>
+        </p:txBody>
+      </p:sp>
+    </p:spTree>
+  </p:cSld>
+  <p:clrMapOvr>
+    <a:masterClrMapping/>
+  </p:clrMapOvr>
+</p:sld>
+</file>
+
+<file path=ppt/slides/slide226.xml><?xml version="1.0" encoding="utf-8"?>
+<p:sld xmlns:a="http://schemas.openxmlformats.org/drawingml/2006/main" xmlns:r="http://schemas.openxmlformats.org/officeDocument/2006/relationships" xmlns:p="http://schemas.openxmlformats.org/presentationml/2006/main">
+  <p:cSld>
+    <p:spTree>
+      <p:nvGrpSpPr>
+        <p:cNvPr id="1" name=""/>
+        <p:cNvGrpSpPr/>
+        <p:nvPr/>
+      </p:nvGrpSpPr>
+      <p:grpSpPr>
+        <a:xfrm>
+          <a:off x="0" y="0"/>
+          <a:ext cx="0" cy="0"/>
+          <a:chOff x="0" y="0"/>
+          <a:chExt cx="0" cy="0"/>
+        </a:xfrm>
+      </p:grpSpPr>
+      <p:sp>
+        <p:nvSpPr>
+          <p:cNvPr id="2" name="标题 1"/>
+          <p:cNvSpPr>
+            <a:spLocks noGrp="1"/>
+          </p:cNvSpPr>
+          <p:nvPr>
+            <p:ph type="title"/>
+          </p:nvPr>
+        </p:nvSpPr>
+        <p:spPr/>
+        <p:txBody>
+          <a:bodyPr/>
+          <a:lstStyle/>
+          <a:p>
+            <a:pPr algn="l"/>
+            <a:r>
+              <a:rPr lang="en-US" altLang="zh-CN" dirty="0" smtClean="0"/>
+              <a:t>23.5 AI,ML,</a:t>
+            </a:r>
+            <a:r>
+              <a:rPr lang="en-US" altLang="zh-CN" dirty="0" smtClean="0"/>
+              <a:t> DL</a:t>
+            </a:r>
+            <a:endParaRPr lang="zh-CN" altLang="en-US" dirty="0"/>
+          </a:p>
+        </p:txBody>
+      </p:sp>
+      <p:sp>
+        <p:nvSpPr>
+          <p:cNvPr id="3" name="内容占位符 2"/>
+          <p:cNvSpPr>
+            <a:spLocks noGrp="1"/>
+          </p:cNvSpPr>
+          <p:nvPr>
+            <p:ph idx="1"/>
+          </p:nvPr>
+        </p:nvSpPr>
+        <p:spPr/>
+        <p:txBody>
+          <a:bodyPr/>
+          <a:lstStyle/>
+          <a:p>
+            <a:r>
+              <a:rPr lang="zh-CN" altLang="en-US" dirty="0" smtClean="0"/>
+              <a:t>人工智能英文简称“</a:t>
+            </a:r>
+            <a:r>
+              <a:rPr lang="en-US" altLang="zh-CN" dirty="0" smtClean="0"/>
+              <a:t>AI”</a:t>
+            </a:r>
+            <a:r>
+              <a:rPr lang="zh-CN" altLang="en-US" dirty="0" smtClean="0"/>
+              <a:t>，很多人以为人工智能与</a:t>
+            </a:r>
+            <a:r>
+              <a:rPr lang="en-US" altLang="zh-CN" dirty="0" smtClean="0"/>
+              <a:t>AI</a:t>
+            </a:r>
+            <a:r>
+              <a:rPr lang="zh-CN" altLang="en-US" dirty="0" smtClean="0"/>
+              <a:t>是不同的概念。</a:t>
+            </a:r>
+            <a:r>
+              <a:rPr lang="en-US" altLang="zh-CN" dirty="0" smtClean="0"/>
+              <a:t>AI</a:t>
+            </a:r>
+            <a:r>
+              <a:rPr lang="zh-CN" altLang="en-US" dirty="0" smtClean="0"/>
+              <a:t>是计算机可以的一个分支，我们想通过开发计算能以人类智能相似的方式做出反应的智能机器，所以用编程算法可以实现控制</a:t>
+            </a:r>
+            <a:r>
+              <a:rPr lang="zh-CN" altLang="en-US" dirty="0" smtClean="0"/>
+              <a:t>智能机器</a:t>
+            </a:r>
+            <a:endParaRPr lang="en-US" altLang="zh-CN" dirty="0" smtClean="0"/>
+          </a:p>
+          <a:p>
+            <a:r>
+              <a:rPr lang="zh-CN" altLang="en-US" dirty="0" smtClean="0"/>
+              <a:t>现在</a:t>
+            </a:r>
+            <a:r>
+              <a:rPr lang="en-US" altLang="zh-CN" dirty="0" err="1" smtClean="0"/>
+              <a:t>tensorflow</a:t>
+            </a:r>
+            <a:r>
+              <a:rPr lang="zh-CN" altLang="en-US" dirty="0" smtClean="0"/>
+              <a:t>，</a:t>
+            </a:r>
+            <a:r>
+              <a:rPr lang="en-US" altLang="zh-CN" dirty="0" err="1" smtClean="0"/>
+              <a:t>caffe</a:t>
+            </a:r>
+            <a:r>
+              <a:rPr lang="zh-CN" altLang="en-US" dirty="0" smtClean="0"/>
+              <a:t>之类的深度学习框架，主体都是用</a:t>
+            </a:r>
+            <a:r>
+              <a:rPr lang="en-US" altLang="zh-CN" dirty="0" smtClean="0"/>
+              <a:t>Python</a:t>
+            </a:r>
+            <a:r>
+              <a:rPr lang="zh-CN" altLang="en-US" dirty="0" smtClean="0"/>
+              <a:t>来实现，提供的原生接口也是</a:t>
+            </a:r>
+            <a:r>
+              <a:rPr lang="en-US" altLang="zh-CN" dirty="0" smtClean="0"/>
+              <a:t>Python.</a:t>
+            </a:r>
+            <a:endParaRPr lang="zh-CN" altLang="en-US" dirty="0"/>
+          </a:p>
+        </p:txBody>
+      </p:sp>
+    </p:spTree>
+  </p:cSld>
+  <p:clrMapOvr>
+    <a:masterClrMapping/>
+  </p:clrMapOvr>
+</p:sld>
+</file>
+
+<file path=ppt/slides/slide227.xml><?xml version="1.0" encoding="utf-8"?>
+<p:sld xmlns:a="http://schemas.openxmlformats.org/drawingml/2006/main" xmlns:r="http://schemas.openxmlformats.org/officeDocument/2006/relationships" xmlns:p="http://schemas.openxmlformats.org/presentationml/2006/main">
+  <p:cSld>
+    <p:spTree>
+      <p:nvGrpSpPr>
+        <p:cNvPr id="1" name=""/>
+        <p:cNvGrpSpPr/>
+        <p:nvPr/>
+      </p:nvGrpSpPr>
+      <p:grpSpPr>
+        <a:xfrm>
+          <a:off x="0" y="0"/>
+          <a:ext cx="0" cy="0"/>
+          <a:chOff x="0" y="0"/>
+          <a:chExt cx="0" cy="0"/>
+        </a:xfrm>
+      </p:grpSpPr>
+      <p:sp>
+        <p:nvSpPr>
+          <p:cNvPr id="2" name="标题 1"/>
+          <p:cNvSpPr>
+            <a:spLocks noGrp="1"/>
+          </p:cNvSpPr>
+          <p:nvPr>
+            <p:ph type="title"/>
+          </p:nvPr>
+        </p:nvSpPr>
+        <p:spPr/>
+        <p:txBody>
+          <a:bodyPr>
+            <a:normAutofit/>
+          </a:bodyPr>
+          <a:lstStyle/>
+          <a:p>
+            <a:pPr algn="l"/>
+            <a:r>
+              <a:rPr lang="en-US" altLang="zh-CN" dirty="0" smtClean="0"/>
+              <a:t>AI, ML, DL</a:t>
+            </a:r>
+            <a:r>
+              <a:rPr lang="zh-CN" altLang="en-US" dirty="0" smtClean="0"/>
+              <a:t>的</a:t>
+            </a:r>
+            <a:r>
+              <a:rPr lang="zh-CN" altLang="en-US" dirty="0" smtClean="0"/>
+              <a:t>区别</a:t>
+            </a:r>
+            <a:endParaRPr lang="zh-CN" altLang="en-US" dirty="0"/>
+          </a:p>
+        </p:txBody>
+      </p:sp>
+      <p:pic>
+        <p:nvPicPr>
+          <p:cNvPr id="1026" name="Picture 2"/>
+          <p:cNvPicPr>
+            <a:picLocks noGrp="1" noChangeAspect="1" noChangeArrowheads="1"/>
+          </p:cNvPicPr>
+          <p:nvPr>
+            <p:ph idx="1"/>
+          </p:nvPr>
+        </p:nvPicPr>
+        <p:blipFill>
+          <a:blip r:embed="rId2" cstate="print"/>
+          <a:srcRect/>
+          <a:stretch>
+            <a:fillRect/>
+          </a:stretch>
+        </p:blipFill>
+        <p:spPr bwMode="auto">
+          <a:xfrm>
+            <a:off x="827584" y="2420888"/>
+            <a:ext cx="6918607" cy="3240360"/>
+          </a:xfrm>
+          <a:prstGeom prst="rect">
+            <a:avLst/>
+          </a:prstGeom>
+          <a:noFill/>
+          <a:ln w="9525">
+            <a:noFill/>
+            <a:miter lim="800000"/>
+            <a:headEnd/>
+            <a:tailEnd/>
+          </a:ln>
+        </p:spPr>
+      </p:pic>
+      <p:sp>
+        <p:nvSpPr>
+          <p:cNvPr id="7" name="矩形 6"/>
+          <p:cNvSpPr/>
+          <p:nvPr/>
+        </p:nvSpPr>
+        <p:spPr>
+          <a:xfrm>
+            <a:off x="395536" y="1628800"/>
+            <a:ext cx="5904656" cy="369332"/>
+          </a:xfrm>
+          <a:prstGeom prst="rect">
+            <a:avLst/>
+          </a:prstGeom>
+        </p:spPr>
+        <p:txBody>
+          <a:bodyPr wrap="square">
+            <a:spAutoFit/>
+          </a:bodyPr>
+          <a:lstStyle/>
+          <a:p>
+            <a:r>
+              <a:rPr lang="en-US" altLang="zh-CN" dirty="0" smtClean="0"/>
+              <a:t>ML</a:t>
+            </a:r>
+            <a:r>
+              <a:rPr lang="zh-CN" altLang="en-US" dirty="0" smtClean="0"/>
+              <a:t>是</a:t>
+            </a:r>
+            <a:r>
+              <a:rPr lang="en-US" altLang="zh-CN" dirty="0" smtClean="0"/>
+              <a:t>AI</a:t>
+            </a:r>
+            <a:r>
+              <a:rPr lang="zh-CN" altLang="en-US" dirty="0" smtClean="0"/>
+              <a:t>的一种实现方法，</a:t>
+            </a:r>
+            <a:r>
+              <a:rPr lang="en-US" altLang="zh-CN" dirty="0" smtClean="0"/>
+              <a:t>DL</a:t>
+            </a:r>
+            <a:r>
+              <a:rPr lang="zh-CN" altLang="en-US" dirty="0" smtClean="0"/>
+              <a:t>是</a:t>
+            </a:r>
+            <a:r>
+              <a:rPr lang="en-US" altLang="zh-CN" dirty="0" smtClean="0"/>
+              <a:t>ML</a:t>
+            </a:r>
+            <a:r>
+              <a:rPr lang="zh-CN" altLang="en-US" dirty="0" smtClean="0"/>
+              <a:t>的一种方法</a:t>
+            </a:r>
+            <a:endParaRPr lang="zh-CN" altLang="en-US" dirty="0"/>
+          </a:p>
+        </p:txBody>
+      </p:sp>
+    </p:spTree>
+  </p:cSld>
+  <p:clrMapOvr>
+    <a:masterClrMapping/>
+  </p:clrMapOvr>
+</p:sld>
+</file>
+
+<file path=ppt/slides/slide228.xml><?xml version="1.0" encoding="utf-8"?>
+<p:sld xmlns:a="http://schemas.openxmlformats.org/drawingml/2006/main" xmlns:r="http://schemas.openxmlformats.org/officeDocument/2006/relationships" xmlns:p="http://schemas.openxmlformats.org/presentationml/2006/main">
+  <p:cSld>
+    <p:spTree>
+      <p:nvGrpSpPr>
+        <p:cNvPr id="1" name=""/>
+        <p:cNvGrpSpPr/>
+        <p:nvPr/>
+      </p:nvGrpSpPr>
+      <p:grpSpPr>
+        <a:xfrm>
+          <a:off x="0" y="0"/>
+          <a:ext cx="0" cy="0"/>
+          <a:chOff x="0" y="0"/>
+          <a:chExt cx="0" cy="0"/>
+        </a:xfrm>
+      </p:grpSpPr>
+      <p:sp>
+        <p:nvSpPr>
+          <p:cNvPr id="2" name="标题 1"/>
+          <p:cNvSpPr>
+            <a:spLocks noGrp="1"/>
+          </p:cNvSpPr>
+          <p:nvPr>
+            <p:ph type="title"/>
+          </p:nvPr>
+        </p:nvSpPr>
+        <p:spPr/>
+        <p:txBody>
+          <a:bodyPr/>
+          <a:lstStyle/>
+          <a:p>
+            <a:endParaRPr lang="zh-CN" altLang="en-US"/>
+          </a:p>
+        </p:txBody>
+      </p:sp>
+      <p:pic>
+        <p:nvPicPr>
+          <p:cNvPr id="4" name="Picture 4"/>
+          <p:cNvPicPr>
+            <a:picLocks noGrp="1" noChangeAspect="1" noChangeArrowheads="1"/>
+          </p:cNvPicPr>
+          <p:nvPr>
+            <p:ph idx="1"/>
+          </p:nvPr>
+        </p:nvPicPr>
+        <p:blipFill>
+          <a:blip r:embed="rId2" cstate="print"/>
+          <a:srcRect/>
+          <a:stretch>
+            <a:fillRect/>
+          </a:stretch>
+        </p:blipFill>
+        <p:spPr bwMode="auto">
+          <a:xfrm>
+            <a:off x="783567" y="1600200"/>
+            <a:ext cx="7576865" cy="4525963"/>
+          </a:xfrm>
+          <a:prstGeom prst="rect">
+            <a:avLst/>
+          </a:prstGeom>
+          <a:noFill/>
+          <a:ln w="9525">
+            <a:noFill/>
+            <a:miter lim="800000"/>
+            <a:headEnd/>
+            <a:tailEnd/>
+          </a:ln>
+        </p:spPr>
+      </p:pic>
+    </p:spTree>
+  </p:cSld>
+  <p:clrMapOvr>
+    <a:masterClrMapping/>
+  </p:clrMapOvr>
+</p:sld>
+</file>
+
+<file path=ppt/slides/slide229.xml><?xml version="1.0" encoding="utf-8"?>
+<p:sld xmlns:a="http://schemas.openxmlformats.org/drawingml/2006/main" xmlns:r="http://schemas.openxmlformats.org/officeDocument/2006/relationships" xmlns:p="http://schemas.openxmlformats.org/presentationml/2006/main">
+  <p:cSld>
+    <p:spTree>
+      <p:nvGrpSpPr>
+        <p:cNvPr id="1" name=""/>
+        <p:cNvGrpSpPr/>
+        <p:nvPr/>
+      </p:nvGrpSpPr>
+      <p:grpSpPr>
+        <a:xfrm>
+          <a:off x="0" y="0"/>
+          <a:ext cx="0" cy="0"/>
+          <a:chOff x="0" y="0"/>
+          <a:chExt cx="0" cy="0"/>
+        </a:xfrm>
+      </p:grpSpPr>
+      <p:sp>
+        <p:nvSpPr>
+          <p:cNvPr id="2" name="标题 1"/>
+          <p:cNvSpPr>
+            <a:spLocks noGrp="1"/>
+          </p:cNvSpPr>
+          <p:nvPr>
+            <p:ph type="title"/>
+          </p:nvPr>
+        </p:nvSpPr>
+        <p:spPr/>
+        <p:txBody>
+          <a:bodyPr/>
+          <a:lstStyle/>
+          <a:p>
+            <a:pPr algn="l"/>
+            <a:r>
+              <a:rPr lang="en-US" altLang="zh-CN" dirty="0" smtClean="0"/>
+              <a:t>23.4</a:t>
+            </a:r>
+            <a:r>
+              <a:rPr lang="zh-CN" altLang="en-US" dirty="0" smtClean="0"/>
+              <a:t>移动应用</a:t>
+            </a:r>
+            <a:endParaRPr lang="zh-CN" altLang="en-US" dirty="0"/>
+          </a:p>
+        </p:txBody>
+      </p:sp>
+      <p:sp>
+        <p:nvSpPr>
+          <p:cNvPr id="3" name="内容占位符 2"/>
+          <p:cNvSpPr>
+            <a:spLocks noGrp="1"/>
+          </p:cNvSpPr>
+          <p:nvPr>
+            <p:ph idx="1"/>
+          </p:nvPr>
+        </p:nvSpPr>
+        <p:spPr/>
+        <p:txBody>
+          <a:bodyPr>
+            <a:normAutofit/>
+          </a:bodyPr>
+          <a:lstStyle/>
+          <a:p>
+            <a:r>
+              <a:rPr lang="zh-CN" altLang="en-US" dirty="0" smtClean="0"/>
+              <a:t>如果你对编写</a:t>
+            </a:r>
+            <a:r>
+              <a:rPr lang="en-US" altLang="zh-CN" dirty="0" err="1" smtClean="0"/>
+              <a:t>iPhone</a:t>
+            </a:r>
+            <a:r>
+              <a:rPr lang="en-US" altLang="zh-CN" dirty="0" smtClean="0"/>
+              <a:t> </a:t>
+            </a:r>
+            <a:r>
+              <a:rPr lang="zh-CN" altLang="en-US" dirty="0" smtClean="0"/>
+              <a:t>或者</a:t>
+            </a:r>
+            <a:r>
+              <a:rPr lang="en-US" altLang="zh-CN" dirty="0" smtClean="0"/>
+              <a:t>Android </a:t>
+            </a:r>
+            <a:r>
+              <a:rPr lang="zh-CN" altLang="en-US" dirty="0" smtClean="0"/>
+              <a:t>应用感兴趣的话，可以通过以下两种方式</a:t>
+            </a:r>
+            <a:r>
+              <a:rPr lang="zh-CN" altLang="en-US" dirty="0" smtClean="0"/>
+              <a:t>来编写。</a:t>
+            </a:r>
+            <a:endParaRPr lang="en-US" altLang="zh-CN" dirty="0" smtClean="0"/>
+          </a:p>
+          <a:p>
+            <a:pPr lvl="1"/>
+            <a:r>
+              <a:rPr lang="en-US" altLang="zh-CN" dirty="0" smtClean="0"/>
+              <a:t>1.</a:t>
+            </a:r>
+            <a:r>
+              <a:rPr lang="zh-CN" altLang="en-US" dirty="0" smtClean="0"/>
+              <a:t>你</a:t>
+            </a:r>
+            <a:r>
+              <a:rPr lang="zh-CN" altLang="en-US" dirty="0" smtClean="0"/>
+              <a:t>可以通过</a:t>
+            </a:r>
+            <a:r>
+              <a:rPr lang="en-US" altLang="zh-CN" dirty="0" err="1" smtClean="0"/>
+              <a:t>PhoneGap</a:t>
+            </a:r>
+            <a:r>
+              <a:rPr lang="zh-CN" altLang="en-US" dirty="0" smtClean="0"/>
+              <a:t>（</a:t>
+            </a:r>
+            <a:r>
+              <a:rPr lang="en-US" altLang="zh-CN" dirty="0" smtClean="0"/>
+              <a:t>phonegap.com</a:t>
+            </a:r>
+            <a:r>
+              <a:rPr lang="zh-CN" altLang="en-US" dirty="0" smtClean="0"/>
+              <a:t>）使用</a:t>
+            </a:r>
+            <a:r>
+              <a:rPr lang="en-US" altLang="zh-CN" dirty="0" smtClean="0"/>
+              <a:t>HTML5 </a:t>
+            </a:r>
+            <a:r>
+              <a:rPr lang="zh-CN" altLang="en-US" dirty="0" smtClean="0"/>
+              <a:t>和</a:t>
+            </a:r>
+            <a:r>
+              <a:rPr lang="en-US" altLang="zh-CN" dirty="0" smtClean="0"/>
+              <a:t>CSS </a:t>
+            </a:r>
+            <a:r>
+              <a:rPr lang="zh-CN" altLang="en-US" dirty="0" smtClean="0"/>
+              <a:t>来编写</a:t>
+            </a:r>
+            <a:r>
+              <a:rPr lang="en-US" altLang="zh-CN" dirty="0" err="1" smtClean="0"/>
+              <a:t>iPhone</a:t>
+            </a:r>
+            <a:r>
+              <a:rPr lang="zh-CN" altLang="en-US" dirty="0" smtClean="0"/>
+              <a:t>应用</a:t>
+            </a:r>
+            <a:r>
+              <a:rPr lang="zh-CN" altLang="en-US" dirty="0" smtClean="0"/>
+              <a:t>。如果采用这种方式，你就很容易将应用移植到其他</a:t>
+            </a:r>
+            <a:r>
+              <a:rPr lang="zh-CN" altLang="en-US" dirty="0" smtClean="0"/>
+              <a:t>的</a:t>
+            </a:r>
+            <a:r>
+              <a:rPr lang="en-US" altLang="zh-CN" dirty="0" smtClean="0"/>
+              <a:t>Android</a:t>
+            </a:r>
+            <a:r>
+              <a:rPr lang="zh-CN" altLang="en-US" dirty="0" smtClean="0"/>
+              <a:t>手机</a:t>
+            </a:r>
+            <a:r>
+              <a:rPr lang="zh-CN" altLang="en-US" dirty="0" smtClean="0"/>
+              <a:t>操作系统</a:t>
+            </a:r>
+            <a:r>
+              <a:rPr lang="zh-CN" altLang="en-US" dirty="0" smtClean="0"/>
+              <a:t>上。</a:t>
+            </a:r>
+            <a:endParaRPr lang="en-US" altLang="zh-CN" dirty="0" smtClean="0"/>
+          </a:p>
+          <a:p>
+            <a:pPr lvl="1"/>
+            <a:r>
+              <a:rPr lang="zh-CN" altLang="en-US" dirty="0" smtClean="0"/>
+              <a:t>另一种方式是使用</a:t>
+            </a:r>
+            <a:r>
+              <a:rPr lang="en-US" altLang="zh-CN" dirty="0" smtClean="0"/>
+              <a:t>Objective-C </a:t>
+            </a:r>
+            <a:r>
+              <a:rPr lang="zh-CN" altLang="en-US" dirty="0" smtClean="0"/>
+              <a:t>语言和</a:t>
+            </a:r>
+            <a:r>
+              <a:rPr lang="en-US" altLang="zh-CN" dirty="0" smtClean="0"/>
+              <a:t>Cocoa </a:t>
+            </a:r>
+            <a:r>
+              <a:rPr lang="en-US" altLang="zh-CN" dirty="0" smtClean="0"/>
+              <a:t>Touch</a:t>
+            </a:r>
+            <a:r>
+              <a:rPr lang="zh-CN" altLang="en-US" dirty="0" smtClean="0"/>
+              <a:t>库</a:t>
+            </a:r>
+            <a:r>
+              <a:rPr lang="zh-CN" altLang="en-US" dirty="0" smtClean="0"/>
+              <a:t>编写原生的</a:t>
+            </a:r>
+            <a:r>
+              <a:rPr lang="en-US" altLang="zh-CN" dirty="0" err="1" smtClean="0"/>
+              <a:t>iPhone</a:t>
+            </a:r>
+            <a:r>
+              <a:rPr lang="en-US" altLang="zh-CN" dirty="0" smtClean="0"/>
+              <a:t> </a:t>
+            </a:r>
+            <a:r>
+              <a:rPr lang="zh-CN" altLang="en-US" dirty="0" smtClean="0"/>
+              <a:t>应用代码</a:t>
+            </a:r>
+            <a:r>
+              <a:rPr lang="zh-CN" altLang="en-US" dirty="0" smtClean="0"/>
+              <a:t>。</a:t>
+            </a:r>
+            <a:r>
+              <a:rPr lang="en-US" altLang="zh-CN" dirty="0" smtClean="0"/>
+              <a:t>Android </a:t>
+            </a:r>
+            <a:r>
+              <a:rPr lang="zh-CN" altLang="en-US" dirty="0" smtClean="0"/>
+              <a:t>应用基本上是用</a:t>
+            </a:r>
+            <a:r>
+              <a:rPr lang="en-US" altLang="zh-CN" dirty="0" smtClean="0"/>
+              <a:t>Java </a:t>
+            </a:r>
+            <a:r>
+              <a:rPr lang="zh-CN" altLang="en-US" dirty="0" smtClean="0"/>
+              <a:t>编写</a:t>
+            </a:r>
+            <a:r>
+              <a:rPr lang="zh-CN" altLang="en-US" dirty="0" smtClean="0"/>
+              <a:t>的</a:t>
+            </a:r>
+            <a:r>
+              <a:rPr lang="en-US" altLang="zh-CN" dirty="0" smtClean="0"/>
+              <a:t>,</a:t>
+            </a:r>
+            <a:r>
+              <a:rPr lang="zh-CN" altLang="en-US" dirty="0" smtClean="0"/>
+              <a:t>现在将要用</a:t>
+            </a:r>
+            <a:r>
+              <a:rPr lang="en-US" altLang="zh-CN" dirty="0" err="1" smtClean="0"/>
+              <a:t>Kotlin</a:t>
+            </a:r>
+            <a:r>
+              <a:rPr lang="en-US" altLang="zh-CN" dirty="0" smtClean="0"/>
+              <a:t> </a:t>
             </a:r>
             <a:endParaRPr lang="zh-CN" altLang="en-US" dirty="0"/>
           </a:p>
@@ -23034,6 +24162,190 @@
       </p:par>
     </p:tnLst>
   </p:timing>
+</p:sld>
+</file>
+
+<file path=ppt/slides/slide230.xml><?xml version="1.0" encoding="utf-8"?>
+<p:sld xmlns:a="http://schemas.openxmlformats.org/drawingml/2006/main" xmlns:r="http://schemas.openxmlformats.org/officeDocument/2006/relationships" xmlns:p="http://schemas.openxmlformats.org/presentationml/2006/main">
+  <p:cSld>
+    <p:spTree>
+      <p:nvGrpSpPr>
+        <p:cNvPr id="1" name=""/>
+        <p:cNvGrpSpPr/>
+        <p:nvPr/>
+      </p:nvGrpSpPr>
+      <p:grpSpPr>
+        <a:xfrm>
+          <a:off x="0" y="0"/>
+          <a:ext cx="0" cy="0"/>
+          <a:chOff x="0" y="0"/>
+          <a:chExt cx="0" cy="0"/>
+        </a:xfrm>
+      </p:grpSpPr>
+      <p:sp>
+        <p:nvSpPr>
+          <p:cNvPr id="2" name="标题 1"/>
+          <p:cNvSpPr>
+            <a:spLocks noGrp="1"/>
+          </p:cNvSpPr>
+          <p:nvPr>
+            <p:ph type="title"/>
+          </p:nvPr>
+        </p:nvSpPr>
+        <p:spPr/>
+        <p:txBody>
+          <a:bodyPr/>
+          <a:lstStyle/>
+          <a:p>
+            <a:pPr algn="l"/>
+            <a:r>
+              <a:rPr lang="en-US" altLang="zh-CN" dirty="0" smtClean="0"/>
+              <a:t>23.6 </a:t>
+            </a:r>
+            <a:r>
+              <a:rPr lang="zh-CN" altLang="en-US" dirty="0" smtClean="0"/>
+              <a:t>回顾</a:t>
+            </a:r>
+            <a:endParaRPr lang="zh-CN" altLang="en-US" dirty="0"/>
+          </a:p>
+        </p:txBody>
+      </p:sp>
+      <p:sp>
+        <p:nvSpPr>
+          <p:cNvPr id="3" name="内容占位符 2"/>
+          <p:cNvSpPr>
+            <a:spLocks noGrp="1"/>
+          </p:cNvSpPr>
+          <p:nvPr>
+            <p:ph idx="1"/>
+          </p:nvPr>
+        </p:nvSpPr>
+        <p:spPr/>
+        <p:txBody>
+          <a:bodyPr>
+            <a:normAutofit fontScale="92500" lnSpcReduction="10000"/>
+          </a:bodyPr>
+          <a:lstStyle/>
+          <a:p>
+            <a:r>
+              <a:rPr lang="zh-CN" altLang="en-US" dirty="0" smtClean="0"/>
+              <a:t>有很多很多别的主题需要研究，还有很多资源可以帮助你在不同的编程领域</a:t>
+            </a:r>
+            <a:r>
+              <a:rPr lang="zh-CN" altLang="en-US" dirty="0" smtClean="0"/>
+              <a:t>尤其</a:t>
+            </a:r>
+            <a:r>
+              <a:rPr lang="zh-CN" altLang="en-US" dirty="0" smtClean="0"/>
+              <a:t>是</a:t>
+            </a:r>
+            <a:r>
+              <a:rPr lang="en-US" altLang="zh-CN" dirty="0" smtClean="0"/>
+              <a:t>Python </a:t>
+            </a:r>
+            <a:r>
+              <a:rPr lang="zh-CN" altLang="en-US" dirty="0" smtClean="0"/>
+              <a:t>编程领域中更为深入</a:t>
+            </a:r>
+            <a:r>
+              <a:rPr lang="zh-CN" altLang="en-US" dirty="0" smtClean="0"/>
+              <a:t>。</a:t>
+            </a:r>
+            <a:endParaRPr lang="en-US" altLang="zh-CN" dirty="0" smtClean="0"/>
+          </a:p>
+          <a:p>
+            <a:r>
+              <a:rPr lang="zh-CN" altLang="en-US" dirty="0" smtClean="0"/>
+              <a:t>利用</a:t>
+            </a:r>
+            <a:r>
+              <a:rPr lang="en-US" altLang="zh-CN" dirty="0" smtClean="0"/>
+              <a:t>Python </a:t>
+            </a:r>
+            <a:r>
+              <a:rPr lang="zh-CN" altLang="en-US" dirty="0" smtClean="0"/>
+              <a:t>可以做很多事，但如果你需要做一些特定的事情，可能需要其他</a:t>
+            </a:r>
+            <a:r>
+              <a:rPr lang="zh-CN" altLang="en-US" dirty="0" smtClean="0"/>
+              <a:t>的语言</a:t>
+            </a:r>
+            <a:r>
+              <a:rPr lang="zh-CN" altLang="en-US" dirty="0" smtClean="0"/>
+              <a:t>，比如</a:t>
+            </a:r>
+            <a:r>
+              <a:rPr lang="en-US" altLang="zh-CN" dirty="0" smtClean="0"/>
+              <a:t>C</a:t>
+            </a:r>
+            <a:r>
+              <a:rPr lang="zh-CN" altLang="en-US" dirty="0" smtClean="0"/>
+              <a:t>、</a:t>
+            </a:r>
+            <a:r>
+              <a:rPr lang="en-US" altLang="zh-CN" dirty="0" smtClean="0"/>
+              <a:t>C++</a:t>
+            </a:r>
+            <a:r>
+              <a:rPr lang="zh-CN" altLang="en-US" dirty="0" smtClean="0"/>
+              <a:t>、</a:t>
+            </a:r>
+            <a:r>
+              <a:rPr lang="en-US" altLang="zh-CN" dirty="0" smtClean="0"/>
+              <a:t>Java</a:t>
+            </a:r>
+            <a:r>
+              <a:rPr lang="zh-CN" altLang="en-US" dirty="0" smtClean="0"/>
+              <a:t>、</a:t>
+            </a:r>
+            <a:r>
+              <a:rPr lang="en-US" altLang="zh-CN" dirty="0" smtClean="0"/>
+              <a:t>JavaScript</a:t>
+            </a:r>
+            <a:r>
+              <a:rPr lang="zh-CN" altLang="en-US" dirty="0" smtClean="0"/>
+              <a:t>（和</a:t>
+            </a:r>
+            <a:r>
+              <a:rPr lang="en-US" altLang="zh-CN" dirty="0" smtClean="0"/>
+              <a:t>Java </a:t>
+            </a:r>
+            <a:r>
+              <a:rPr lang="zh-CN" altLang="en-US" dirty="0" smtClean="0"/>
+              <a:t>不同）或者别的什么语言</a:t>
+            </a:r>
+            <a:r>
+              <a:rPr lang="zh-CN" altLang="en-US" dirty="0" smtClean="0"/>
+              <a:t>。</a:t>
+            </a:r>
+            <a:endParaRPr lang="en-US" altLang="zh-CN" dirty="0" smtClean="0"/>
+          </a:p>
+          <a:p>
+            <a:r>
+              <a:rPr lang="zh-CN" altLang="en-US" dirty="0" smtClean="0"/>
+              <a:t>不管怎样，享受编程的快乐吧！不断学习、探索和试验。你对编程了解得越多</a:t>
+            </a:r>
+            <a:r>
+              <a:rPr lang="zh-CN" altLang="en-US" dirty="0" smtClean="0"/>
+              <a:t>，就</a:t>
+            </a:r>
+            <a:r>
+              <a:rPr lang="zh-CN" altLang="en-US" dirty="0" smtClean="0"/>
+              <a:t>会发觉它越有意思</a:t>
+            </a:r>
+            <a:r>
+              <a:rPr lang="zh-CN" altLang="en-US" dirty="0" smtClean="0"/>
+              <a:t>！</a:t>
+            </a:r>
+            <a:endParaRPr lang="zh-CN" altLang="en-US" dirty="0"/>
+          </a:p>
+        </p:txBody>
+      </p:sp>
+    </p:spTree>
+  </p:cSld>
+  <p:clrMapOvr>
+    <a:masterClrMapping/>
+  </p:clrMapOvr>
 </p:sld>
 </file>
 

--- a/readme/Python3.pptx
+++ b/readme/Python3.pptx
@@ -4,6 +4,9 @@
   <p:sldMasterIdLst>
     <p:sldMasterId id="2147483648" r:id="rId1"/>
   </p:sldMasterIdLst>
+  <p:notesMasterIdLst>
+    <p:notesMasterId r:id="rId240"/>
+  </p:notesMasterIdLst>
   <p:sldIdLst>
     <p:sldId id="256" r:id="rId2"/>
     <p:sldId id="325" r:id="rId3"/>
@@ -226,15 +229,23 @@
     <p:sldId id="480" r:id="rId220"/>
     <p:sldId id="481" r:id="rId221"/>
     <p:sldId id="482" r:id="rId222"/>
-    <p:sldId id="484" r:id="rId223"/>
-    <p:sldId id="485" r:id="rId224"/>
-    <p:sldId id="486" r:id="rId225"/>
-    <p:sldId id="487" r:id="rId226"/>
-    <p:sldId id="490" r:id="rId227"/>
-    <p:sldId id="491" r:id="rId228"/>
-    <p:sldId id="492" r:id="rId229"/>
-    <p:sldId id="488" r:id="rId230"/>
-    <p:sldId id="489" r:id="rId231"/>
+    <p:sldId id="493" r:id="rId223"/>
+    <p:sldId id="484" r:id="rId224"/>
+    <p:sldId id="494" r:id="rId225"/>
+    <p:sldId id="496" r:id="rId226"/>
+    <p:sldId id="485" r:id="rId227"/>
+    <p:sldId id="486" r:id="rId228"/>
+    <p:sldId id="487" r:id="rId229"/>
+    <p:sldId id="490" r:id="rId230"/>
+    <p:sldId id="491" r:id="rId231"/>
+    <p:sldId id="492" r:id="rId232"/>
+    <p:sldId id="488" r:id="rId233"/>
+    <p:sldId id="495" r:id="rId234"/>
+    <p:sldId id="497" r:id="rId235"/>
+    <p:sldId id="498" r:id="rId236"/>
+    <p:sldId id="499" r:id="rId237"/>
+    <p:sldId id="500" r:id="rId238"/>
+    <p:sldId id="489" r:id="rId239"/>
   </p:sldIdLst>
   <p:sldSz cx="9144000" cy="6858000" type="screen4x3"/>
   <p:notesSz cx="6858000" cy="9144000"/>
@@ -336,6 +347,437 @@
 </p:presentation>
 </file>
 
+<file path=ppt/notesMasters/notesMaster1.xml><?xml version="1.0" encoding="utf-8"?>
+<p:notesMaster xmlns:a="http://schemas.openxmlformats.org/drawingml/2006/main" xmlns:r="http://schemas.openxmlformats.org/officeDocument/2006/relationships" xmlns:p="http://schemas.openxmlformats.org/presentationml/2006/main">
+  <p:cSld>
+    <p:bg>
+      <p:bgRef idx="1001">
+        <a:schemeClr val="bg1"/>
+      </p:bgRef>
+    </p:bg>
+    <p:spTree>
+      <p:nvGrpSpPr>
+        <p:cNvPr id="1" name=""/>
+        <p:cNvGrpSpPr/>
+        <p:nvPr/>
+      </p:nvGrpSpPr>
+      <p:grpSpPr>
+        <a:xfrm>
+          <a:off x="0" y="0"/>
+          <a:ext cx="0" cy="0"/>
+          <a:chOff x="0" y="0"/>
+          <a:chExt cx="0" cy="0"/>
+        </a:xfrm>
+      </p:grpSpPr>
+      <p:sp>
+        <p:nvSpPr>
+          <p:cNvPr id="2" name="页眉占位符 1"/>
+          <p:cNvSpPr>
+            <a:spLocks noGrp="1"/>
+          </p:cNvSpPr>
+          <p:nvPr>
+            <p:ph type="hdr" sz="quarter"/>
+          </p:nvPr>
+        </p:nvSpPr>
+        <p:spPr>
+          <a:xfrm>
+            <a:off x="0" y="0"/>
+            <a:ext cx="2971800" cy="457200"/>
+          </a:xfrm>
+          <a:prstGeom prst="rect">
+            <a:avLst/>
+          </a:prstGeom>
+        </p:spPr>
+        <p:txBody>
+          <a:bodyPr vert="horz" lIns="91440" tIns="45720" rIns="91440" bIns="45720" rtlCol="0"/>
+          <a:lstStyle>
+            <a:lvl1pPr algn="l">
+              <a:defRPr sz="1200"/>
+            </a:lvl1pPr>
+          </a:lstStyle>
+          <a:p>
+            <a:endParaRPr lang="zh-CN" altLang="en-US"/>
+          </a:p>
+        </p:txBody>
+      </p:sp>
+      <p:sp>
+        <p:nvSpPr>
+          <p:cNvPr id="3" name="日期占位符 2"/>
+          <p:cNvSpPr>
+            <a:spLocks noGrp="1"/>
+          </p:cNvSpPr>
+          <p:nvPr>
+            <p:ph type="dt" idx="1"/>
+          </p:nvPr>
+        </p:nvSpPr>
+        <p:spPr>
+          <a:xfrm>
+            <a:off x="3884613" y="0"/>
+            <a:ext cx="2971800" cy="457200"/>
+          </a:xfrm>
+          <a:prstGeom prst="rect">
+            <a:avLst/>
+          </a:prstGeom>
+        </p:spPr>
+        <p:txBody>
+          <a:bodyPr vert="horz" lIns="91440" tIns="45720" rIns="91440" bIns="45720" rtlCol="0"/>
+          <a:lstStyle>
+            <a:lvl1pPr algn="r">
+              <a:defRPr sz="1200"/>
+            </a:lvl1pPr>
+          </a:lstStyle>
+          <a:p>
+            <a:fld id="{E802F11E-3173-4C56-919C-6D13EB1E3C4A}" type="datetimeFigureOut">
+              <a:rPr lang="zh-CN" altLang="en-US" smtClean="0"/>
+              <a:pPr/>
+              <a:t>2019-06-23</a:t>
+            </a:fld>
+            <a:endParaRPr lang="zh-CN" altLang="en-US"/>
+          </a:p>
+        </p:txBody>
+      </p:sp>
+      <p:sp>
+        <p:nvSpPr>
+          <p:cNvPr id="4" name="幻灯片图像占位符 3"/>
+          <p:cNvSpPr>
+            <a:spLocks noGrp="1" noRot="1" noChangeAspect="1"/>
+          </p:cNvSpPr>
+          <p:nvPr>
+            <p:ph type="sldImg" idx="2"/>
+          </p:nvPr>
+        </p:nvSpPr>
+        <p:spPr>
+          <a:xfrm>
+            <a:off x="1143000" y="685800"/>
+            <a:ext cx="4572000" cy="3429000"/>
+          </a:xfrm>
+          <a:prstGeom prst="rect">
+            <a:avLst/>
+          </a:prstGeom>
+          <a:noFill/>
+          <a:ln w="12700">
+            <a:solidFill>
+              <a:prstClr val="black"/>
+            </a:solidFill>
+          </a:ln>
+        </p:spPr>
+        <p:txBody>
+          <a:bodyPr vert="horz" lIns="91440" tIns="45720" rIns="91440" bIns="45720" rtlCol="0" anchor="ctr"/>
+          <a:lstStyle/>
+          <a:p>
+            <a:endParaRPr lang="zh-CN" altLang="en-US"/>
+          </a:p>
+        </p:txBody>
+      </p:sp>
+      <p:sp>
+        <p:nvSpPr>
+          <p:cNvPr id="5" name="备注占位符 4"/>
+          <p:cNvSpPr>
+            <a:spLocks noGrp="1"/>
+          </p:cNvSpPr>
+          <p:nvPr>
+            <p:ph type="body" sz="quarter" idx="3"/>
+          </p:nvPr>
+        </p:nvSpPr>
+        <p:spPr>
+          <a:xfrm>
+            <a:off x="685800" y="4343400"/>
+            <a:ext cx="5486400" cy="4114800"/>
+          </a:xfrm>
+          <a:prstGeom prst="rect">
+            <a:avLst/>
+          </a:prstGeom>
+        </p:spPr>
+        <p:txBody>
+          <a:bodyPr vert="horz" lIns="91440" tIns="45720" rIns="91440" bIns="45720" rtlCol="0">
+            <a:normAutofit/>
+          </a:bodyPr>
+          <a:lstStyle/>
+          <a:p>
+            <a:pPr lvl="0"/>
+            <a:r>
+              <a:rPr lang="zh-CN" altLang="en-US" smtClean="0"/>
+              <a:t>单击此处编辑母版文本样式</a:t>
+            </a:r>
+          </a:p>
+          <a:p>
+            <a:pPr lvl="1"/>
+            <a:r>
+              <a:rPr lang="zh-CN" altLang="en-US" smtClean="0"/>
+              <a:t>第二级</a:t>
+            </a:r>
+          </a:p>
+          <a:p>
+            <a:pPr lvl="2"/>
+            <a:r>
+              <a:rPr lang="zh-CN" altLang="en-US" smtClean="0"/>
+              <a:t>第三级</a:t>
+            </a:r>
+          </a:p>
+          <a:p>
+            <a:pPr lvl="3"/>
+            <a:r>
+              <a:rPr lang="zh-CN" altLang="en-US" smtClean="0"/>
+              <a:t>第四级</a:t>
+            </a:r>
+          </a:p>
+          <a:p>
+            <a:pPr lvl="4"/>
+            <a:r>
+              <a:rPr lang="zh-CN" altLang="en-US" smtClean="0"/>
+              <a:t>第五级</a:t>
+            </a:r>
+            <a:endParaRPr lang="zh-CN" altLang="en-US"/>
+          </a:p>
+        </p:txBody>
+      </p:sp>
+      <p:sp>
+        <p:nvSpPr>
+          <p:cNvPr id="6" name="页脚占位符 5"/>
+          <p:cNvSpPr>
+            <a:spLocks noGrp="1"/>
+          </p:cNvSpPr>
+          <p:nvPr>
+            <p:ph type="ftr" sz="quarter" idx="4"/>
+          </p:nvPr>
+        </p:nvSpPr>
+        <p:spPr>
+          <a:xfrm>
+            <a:off x="0" y="8685213"/>
+            <a:ext cx="2971800" cy="457200"/>
+          </a:xfrm>
+          <a:prstGeom prst="rect">
+            <a:avLst/>
+          </a:prstGeom>
+        </p:spPr>
+        <p:txBody>
+          <a:bodyPr vert="horz" lIns="91440" tIns="45720" rIns="91440" bIns="45720" rtlCol="0" anchor="b"/>
+          <a:lstStyle>
+            <a:lvl1pPr algn="l">
+              <a:defRPr sz="1200"/>
+            </a:lvl1pPr>
+          </a:lstStyle>
+          <a:p>
+            <a:endParaRPr lang="zh-CN" altLang="en-US"/>
+          </a:p>
+        </p:txBody>
+      </p:sp>
+      <p:sp>
+        <p:nvSpPr>
+          <p:cNvPr id="7" name="灯片编号占位符 6"/>
+          <p:cNvSpPr>
+            <a:spLocks noGrp="1"/>
+          </p:cNvSpPr>
+          <p:nvPr>
+            <p:ph type="sldNum" sz="quarter" idx="5"/>
+          </p:nvPr>
+        </p:nvSpPr>
+        <p:spPr>
+          <a:xfrm>
+            <a:off x="3884613" y="8685213"/>
+            <a:ext cx="2971800" cy="457200"/>
+          </a:xfrm>
+          <a:prstGeom prst="rect">
+            <a:avLst/>
+          </a:prstGeom>
+        </p:spPr>
+        <p:txBody>
+          <a:bodyPr vert="horz" lIns="91440" tIns="45720" rIns="91440" bIns="45720" rtlCol="0" anchor="b"/>
+          <a:lstStyle>
+            <a:lvl1pPr algn="r">
+              <a:defRPr sz="1200"/>
+            </a:lvl1pPr>
+          </a:lstStyle>
+          <a:p>
+            <a:fld id="{73DF2412-F13B-4984-82FF-46B573A9638B}" type="slidenum">
+              <a:rPr lang="zh-CN" altLang="en-US" smtClean="0"/>
+              <a:pPr/>
+              <a:t>‹#›</a:t>
+            </a:fld>
+            <a:endParaRPr lang="zh-CN" altLang="en-US"/>
+          </a:p>
+        </p:txBody>
+      </p:sp>
+    </p:spTree>
+  </p:cSld>
+  <p:clrMap bg1="lt1" tx1="dk1" bg2="lt2" tx2="dk2" accent1="accent1" accent2="accent2" accent3="accent3" accent4="accent4" accent5="accent5" accent6="accent6" hlink="hlink" folHlink="folHlink"/>
+  <p:notesStyle>
+    <a:lvl1pPr marL="0" algn="l" defTabSz="914400" rtl="0" eaLnBrk="1" latinLnBrk="0" hangingPunct="1">
+      <a:defRPr sz="1200" kern="1200">
+        <a:solidFill>
+          <a:schemeClr val="tx1"/>
+        </a:solidFill>
+        <a:latin typeface="+mn-lt"/>
+        <a:ea typeface="+mn-ea"/>
+        <a:cs typeface="+mn-cs"/>
+      </a:defRPr>
+    </a:lvl1pPr>
+    <a:lvl2pPr marL="457200" algn="l" defTabSz="914400" rtl="0" eaLnBrk="1" latinLnBrk="0" hangingPunct="1">
+      <a:defRPr sz="1200" kern="1200">
+        <a:solidFill>
+          <a:schemeClr val="tx1"/>
+        </a:solidFill>
+        <a:latin typeface="+mn-lt"/>
+        <a:ea typeface="+mn-ea"/>
+        <a:cs typeface="+mn-cs"/>
+      </a:defRPr>
+    </a:lvl2pPr>
+    <a:lvl3pPr marL="914400" algn="l" defTabSz="914400" rtl="0" eaLnBrk="1" latinLnBrk="0" hangingPunct="1">
+      <a:defRPr sz="1200" kern="1200">
+        <a:solidFill>
+          <a:schemeClr val="tx1"/>
+        </a:solidFill>
+        <a:latin typeface="+mn-lt"/>
+        <a:ea typeface="+mn-ea"/>
+        <a:cs typeface="+mn-cs"/>
+      </a:defRPr>
+    </a:lvl3pPr>
+    <a:lvl4pPr marL="1371600" algn="l" defTabSz="914400" rtl="0" eaLnBrk="1" latinLnBrk="0" hangingPunct="1">
+      <a:defRPr sz="1200" kern="1200">
+        <a:solidFill>
+          <a:schemeClr val="tx1"/>
+        </a:solidFill>
+        <a:latin typeface="+mn-lt"/>
+        <a:ea typeface="+mn-ea"/>
+        <a:cs typeface="+mn-cs"/>
+      </a:defRPr>
+    </a:lvl4pPr>
+    <a:lvl5pPr marL="1828800" algn="l" defTabSz="914400" rtl="0" eaLnBrk="1" latinLnBrk="0" hangingPunct="1">
+      <a:defRPr sz="1200" kern="1200">
+        <a:solidFill>
+          <a:schemeClr val="tx1"/>
+        </a:solidFill>
+        <a:latin typeface="+mn-lt"/>
+        <a:ea typeface="+mn-ea"/>
+        <a:cs typeface="+mn-cs"/>
+      </a:defRPr>
+    </a:lvl5pPr>
+    <a:lvl6pPr marL="2286000" algn="l" defTabSz="914400" rtl="0" eaLnBrk="1" latinLnBrk="0" hangingPunct="1">
+      <a:defRPr sz="1200" kern="1200">
+        <a:solidFill>
+          <a:schemeClr val="tx1"/>
+        </a:solidFill>
+        <a:latin typeface="+mn-lt"/>
+        <a:ea typeface="+mn-ea"/>
+        <a:cs typeface="+mn-cs"/>
+      </a:defRPr>
+    </a:lvl6pPr>
+    <a:lvl7pPr marL="2743200" algn="l" defTabSz="914400" rtl="0" eaLnBrk="1" latinLnBrk="0" hangingPunct="1">
+      <a:defRPr sz="1200" kern="1200">
+        <a:solidFill>
+          <a:schemeClr val="tx1"/>
+        </a:solidFill>
+        <a:latin typeface="+mn-lt"/>
+        <a:ea typeface="+mn-ea"/>
+        <a:cs typeface="+mn-cs"/>
+      </a:defRPr>
+    </a:lvl7pPr>
+    <a:lvl8pPr marL="3200400" algn="l" defTabSz="914400" rtl="0" eaLnBrk="1" latinLnBrk="0" hangingPunct="1">
+      <a:defRPr sz="1200" kern="1200">
+        <a:solidFill>
+          <a:schemeClr val="tx1"/>
+        </a:solidFill>
+        <a:latin typeface="+mn-lt"/>
+        <a:ea typeface="+mn-ea"/>
+        <a:cs typeface="+mn-cs"/>
+      </a:defRPr>
+    </a:lvl8pPr>
+    <a:lvl9pPr marL="3657600" algn="l" defTabSz="914400" rtl="0" eaLnBrk="1" latinLnBrk="0" hangingPunct="1">
+      <a:defRPr sz="1200" kern="1200">
+        <a:solidFill>
+          <a:schemeClr val="tx1"/>
+        </a:solidFill>
+        <a:latin typeface="+mn-lt"/>
+        <a:ea typeface="+mn-ea"/>
+        <a:cs typeface="+mn-cs"/>
+      </a:defRPr>
+    </a:lvl9pPr>
+  </p:notesStyle>
+</p:notesMaster>
+</file>
+
+<file path=ppt/notesSlides/notesSlide1.xml><?xml version="1.0" encoding="utf-8"?>
+<p:notes xmlns:a="http://schemas.openxmlformats.org/drawingml/2006/main" xmlns:r="http://schemas.openxmlformats.org/officeDocument/2006/relationships" xmlns:p="http://schemas.openxmlformats.org/presentationml/2006/main">
+  <p:cSld>
+    <p:spTree>
+      <p:nvGrpSpPr>
+        <p:cNvPr id="1" name=""/>
+        <p:cNvGrpSpPr/>
+        <p:nvPr/>
+      </p:nvGrpSpPr>
+      <p:grpSpPr>
+        <a:xfrm>
+          <a:off x="0" y="0"/>
+          <a:ext cx="0" cy="0"/>
+          <a:chOff x="0" y="0"/>
+          <a:chExt cx="0" cy="0"/>
+        </a:xfrm>
+      </p:grpSpPr>
+      <p:sp>
+        <p:nvSpPr>
+          <p:cNvPr id="2" name="幻灯片图像占位符 1"/>
+          <p:cNvSpPr>
+            <a:spLocks noGrp="1" noRot="1" noChangeAspect="1"/>
+          </p:cNvSpPr>
+          <p:nvPr>
+            <p:ph type="sldImg"/>
+          </p:nvPr>
+        </p:nvSpPr>
+        <p:spPr/>
+      </p:sp>
+      <p:sp>
+        <p:nvSpPr>
+          <p:cNvPr id="3" name="备注占位符 2"/>
+          <p:cNvSpPr>
+            <a:spLocks noGrp="1"/>
+          </p:cNvSpPr>
+          <p:nvPr>
+            <p:ph type="body" idx="1"/>
+          </p:nvPr>
+        </p:nvSpPr>
+        <p:spPr/>
+        <p:txBody>
+          <a:bodyPr>
+            <a:normAutofit/>
+          </a:bodyPr>
+          <a:lstStyle/>
+          <a:p>
+            <a:endParaRPr lang="zh-CN" altLang="en-US"/>
+          </a:p>
+        </p:txBody>
+      </p:sp>
+      <p:sp>
+        <p:nvSpPr>
+          <p:cNvPr id="4" name="灯片编号占位符 3"/>
+          <p:cNvSpPr>
+            <a:spLocks noGrp="1"/>
+          </p:cNvSpPr>
+          <p:nvPr>
+            <p:ph type="sldNum" sz="quarter" idx="10"/>
+          </p:nvPr>
+        </p:nvSpPr>
+        <p:spPr/>
+        <p:txBody>
+          <a:bodyPr/>
+          <a:lstStyle/>
+          <a:p>
+            <a:fld id="{73DF2412-F13B-4984-82FF-46B573A9638B}" type="slidenum">
+              <a:rPr lang="zh-CN" altLang="en-US" smtClean="0"/>
+              <a:pPr/>
+              <a:t>221</a:t>
+            </a:fld>
+            <a:endParaRPr lang="zh-CN" altLang="en-US"/>
+          </a:p>
+        </p:txBody>
+      </p:sp>
+    </p:spTree>
+  </p:cSld>
+  <p:clrMapOvr>
+    <a:masterClrMapping/>
+  </p:clrMapOvr>
+</p:notes>
+</file>
+
 <file path=ppt/slideLayouts/slideLayout1.xml><?xml version="1.0" encoding="utf-8"?>
 <p:sldLayout xmlns:a="http://schemas.openxmlformats.org/drawingml/2006/main" xmlns:r="http://schemas.openxmlformats.org/officeDocument/2006/relationships" xmlns:p="http://schemas.openxmlformats.org/presentationml/2006/main" type="title" preserve="1">
   <p:cSld name="标题幻灯片">
@@ -518,7 +960,7 @@
             <a:fld id="{530820CF-B880-4189-942D-D702A7CBA730}" type="datetimeFigureOut">
               <a:rPr lang="zh-CN" altLang="en-US" smtClean="0"/>
               <a:pPr/>
-              <a:t>2019-05-26</a:t>
+              <a:t>2019-06-23</a:t>
             </a:fld>
             <a:endParaRPr lang="zh-CN" altLang="en-US"/>
           </a:p>
@@ -685,7 +1127,7 @@
             <a:fld id="{530820CF-B880-4189-942D-D702A7CBA730}" type="datetimeFigureOut">
               <a:rPr lang="zh-CN" altLang="en-US" smtClean="0"/>
               <a:pPr/>
-              <a:t>2019-05-26</a:t>
+              <a:t>2019-06-23</a:t>
             </a:fld>
             <a:endParaRPr lang="zh-CN" altLang="en-US"/>
           </a:p>
@@ -862,7 +1304,7 @@
             <a:fld id="{530820CF-B880-4189-942D-D702A7CBA730}" type="datetimeFigureOut">
               <a:rPr lang="zh-CN" altLang="en-US" smtClean="0"/>
               <a:pPr/>
-              <a:t>2019-05-26</a:t>
+              <a:t>2019-06-23</a:t>
             </a:fld>
             <a:endParaRPr lang="zh-CN" altLang="en-US"/>
           </a:p>
@@ -1029,7 +1471,7 @@
             <a:fld id="{530820CF-B880-4189-942D-D702A7CBA730}" type="datetimeFigureOut">
               <a:rPr lang="zh-CN" altLang="en-US" smtClean="0"/>
               <a:pPr/>
-              <a:t>2019-05-26</a:t>
+              <a:t>2019-06-23</a:t>
             </a:fld>
             <a:endParaRPr lang="zh-CN" altLang="en-US"/>
           </a:p>
@@ -1272,7 +1714,7 @@
             <a:fld id="{530820CF-B880-4189-942D-D702A7CBA730}" type="datetimeFigureOut">
               <a:rPr lang="zh-CN" altLang="en-US" smtClean="0"/>
               <a:pPr/>
-              <a:t>2019-05-26</a:t>
+              <a:t>2019-06-23</a:t>
             </a:fld>
             <a:endParaRPr lang="zh-CN" altLang="en-US"/>
           </a:p>
@@ -1557,7 +1999,7 @@
             <a:fld id="{530820CF-B880-4189-942D-D702A7CBA730}" type="datetimeFigureOut">
               <a:rPr lang="zh-CN" altLang="en-US" smtClean="0"/>
               <a:pPr/>
-              <a:t>2019-05-26</a:t>
+              <a:t>2019-06-23</a:t>
             </a:fld>
             <a:endParaRPr lang="zh-CN" altLang="en-US"/>
           </a:p>
@@ -1976,7 +2418,7 @@
             <a:fld id="{530820CF-B880-4189-942D-D702A7CBA730}" type="datetimeFigureOut">
               <a:rPr lang="zh-CN" altLang="en-US" smtClean="0"/>
               <a:pPr/>
-              <a:t>2019-05-26</a:t>
+              <a:t>2019-06-23</a:t>
             </a:fld>
             <a:endParaRPr lang="zh-CN" altLang="en-US"/>
           </a:p>
@@ -2091,7 +2533,7 @@
             <a:fld id="{530820CF-B880-4189-942D-D702A7CBA730}" type="datetimeFigureOut">
               <a:rPr lang="zh-CN" altLang="en-US" smtClean="0"/>
               <a:pPr/>
-              <a:t>2019-05-26</a:t>
+              <a:t>2019-06-23</a:t>
             </a:fld>
             <a:endParaRPr lang="zh-CN" altLang="en-US"/>
           </a:p>
@@ -2183,7 +2625,7 @@
             <a:fld id="{530820CF-B880-4189-942D-D702A7CBA730}" type="datetimeFigureOut">
               <a:rPr lang="zh-CN" altLang="en-US" smtClean="0"/>
               <a:pPr/>
-              <a:t>2019-05-26</a:t>
+              <a:t>2019-06-23</a:t>
             </a:fld>
             <a:endParaRPr lang="zh-CN" altLang="en-US"/>
           </a:p>
@@ -2457,7 +2899,7 @@
             <a:fld id="{530820CF-B880-4189-942D-D702A7CBA730}" type="datetimeFigureOut">
               <a:rPr lang="zh-CN" altLang="en-US" smtClean="0"/>
               <a:pPr/>
-              <a:t>2019-05-26</a:t>
+              <a:t>2019-06-23</a:t>
             </a:fld>
             <a:endParaRPr lang="zh-CN" altLang="en-US"/>
           </a:p>
@@ -2707,7 +3149,7 @@
             <a:fld id="{530820CF-B880-4189-942D-D702A7CBA730}" type="datetimeFigureOut">
               <a:rPr lang="zh-CN" altLang="en-US" smtClean="0"/>
               <a:pPr/>
-              <a:t>2019-05-26</a:t>
+              <a:t>2019-06-23</a:t>
             </a:fld>
             <a:endParaRPr lang="zh-CN" altLang="en-US"/>
           </a:p>
@@ -2917,7 +3359,7 @@
             <a:fld id="{530820CF-B880-4189-942D-D702A7CBA730}" type="datetimeFigureOut">
               <a:rPr lang="zh-CN" altLang="en-US" smtClean="0"/>
               <a:pPr/>
-              <a:t>2019-05-26</a:t>
+              <a:t>2019-06-23</a:t>
             </a:fld>
             <a:endParaRPr lang="zh-CN" altLang="en-US"/>
           </a:p>
@@ -21740,7 +22182,7 @@
             <a:pPr lvl="1"/>
             <a:r>
               <a:rPr lang="en-US" altLang="zh-CN" dirty="0" smtClean="0"/>
-              <a:t>self. </a:t>
+              <a:t>self.</a:t>
             </a:r>
             <a:r>
               <a:rPr lang="en-US" altLang="zh-CN" dirty="0" err="1" smtClean="0"/>
@@ -21893,6 +22335,13 @@
   <p:clrMapOvr>
     <a:masterClrMapping/>
   </p:clrMapOvr>
+  <p:timing>
+    <p:tnLst>
+      <p:par>
+        <p:cTn id="1" dur="indefinite" restart="never" nodeType="tmRoot"/>
+      </p:par>
+    </p:tnLst>
+  </p:timing>
 </p:sld>
 </file>
 
@@ -22730,14 +23179,9 @@
           <a:bodyPr/>
           <a:lstStyle/>
           <a:p>
-            <a:pPr algn="l"/>
-            <a:r>
-              <a:rPr lang="en-US" altLang="zh-CN" dirty="0" smtClean="0"/>
-              <a:t>23 </a:t>
-            </a:r>
-            <a:r>
-              <a:rPr lang="zh-CN" altLang="en-US" dirty="0" smtClean="0"/>
-              <a:t>后续学习</a:t>
+            <a:r>
+              <a:rPr lang="en-US" altLang="zh-CN" dirty="0" smtClean="0"/>
+              <a:t>21</a:t>
             </a:r>
             <a:endParaRPr lang="zh-CN" altLang="en-US" dirty="0"/>
           </a:p>
@@ -22755,101 +23199,9 @@
         </p:nvSpPr>
         <p:spPr/>
         <p:txBody>
-          <a:bodyPr>
-            <a:normAutofit fontScale="92500" lnSpcReduction="10000"/>
-          </a:bodyPr>
-          <a:lstStyle/>
-          <a:p>
-            <a:r>
-              <a:rPr lang="zh-CN" altLang="en-US" dirty="0" smtClean="0"/>
-              <a:t>入门课程已</a:t>
-            </a:r>
-            <a:r>
-              <a:rPr lang="zh-CN" altLang="en-US" dirty="0" smtClean="0"/>
-              <a:t>接近尾声。如果</a:t>
-            </a:r>
-            <a:r>
-              <a:rPr lang="zh-CN" altLang="en-US" dirty="0" smtClean="0"/>
-              <a:t>你哪头学习了本</a:t>
-            </a:r>
-            <a:r>
-              <a:rPr lang="en-US" altLang="zh-CN" dirty="0" err="1" smtClean="0"/>
-              <a:t>ppt</a:t>
-            </a:r>
-            <a:r>
-              <a:rPr lang="zh-CN" altLang="en-US" dirty="0" smtClean="0"/>
-              <a:t>的所有内容，</a:t>
-            </a:r>
-            <a:r>
-              <a:rPr lang="zh-CN" altLang="en-US" dirty="0" smtClean="0"/>
-              <a:t>并且尝试过本书里的所有例子，</a:t>
-            </a:r>
-            <a:r>
-              <a:rPr lang="zh-CN" altLang="en-US" dirty="0" smtClean="0"/>
-              <a:t>现在你应该</a:t>
-            </a:r>
-            <a:r>
-              <a:rPr lang="zh-CN" altLang="en-US" dirty="0" smtClean="0"/>
-              <a:t>对编程以及利用编程能够做什么已经有了基本的</a:t>
-            </a:r>
-            <a:r>
-              <a:rPr lang="zh-CN" altLang="en-US" dirty="0" smtClean="0"/>
-              <a:t>了解</a:t>
-            </a:r>
-            <a:endParaRPr lang="en-US" altLang="zh-CN" dirty="0" smtClean="0"/>
-          </a:p>
-          <a:p>
-            <a:r>
-              <a:rPr lang="zh-CN" altLang="en-US" dirty="0" smtClean="0"/>
-              <a:t>现在我会</a:t>
-            </a:r>
-            <a:r>
-              <a:rPr lang="zh-CN" altLang="en-US" dirty="0" smtClean="0"/>
-              <a:t>告诉你可以在哪里查找关于编程的更多信息。有很多资源可以利用，</a:t>
-            </a:r>
-            <a:r>
-              <a:rPr lang="zh-CN" altLang="en-US" dirty="0" smtClean="0"/>
-              <a:t>有些</a:t>
-            </a:r>
-            <a:r>
-              <a:rPr lang="zh-CN" altLang="en-US" dirty="0" smtClean="0"/>
-              <a:t>关于一般编程，有些专门针对</a:t>
-            </a:r>
-            <a:r>
-              <a:rPr lang="en-US" altLang="zh-CN" dirty="0" smtClean="0"/>
-              <a:t>Python </a:t>
-            </a:r>
-            <a:r>
-              <a:rPr lang="zh-CN" altLang="en-US" dirty="0" smtClean="0"/>
-              <a:t>编程，还有一些关于游戏编程以及其他</a:t>
-            </a:r>
-            <a:r>
-              <a:rPr lang="zh-CN" altLang="en-US" dirty="0" smtClean="0"/>
-              <a:t>一些方面。</a:t>
-            </a:r>
-            <a:endParaRPr lang="en-US" altLang="zh-CN" dirty="0" smtClean="0"/>
-          </a:p>
-          <a:p>
-            <a:r>
-              <a:rPr lang="zh-CN" altLang="en-US" dirty="0" smtClean="0"/>
-              <a:t>如何学以及学些什么取决于你想在哪个方向深入：游戏？ </a:t>
-            </a:r>
-            <a:r>
-              <a:rPr lang="en-US" altLang="zh-CN" dirty="0" smtClean="0"/>
-              <a:t>Web </a:t>
-            </a:r>
-            <a:r>
-              <a:rPr lang="zh-CN" altLang="en-US" dirty="0" smtClean="0"/>
-              <a:t>编程？还是</a:t>
-            </a:r>
-            <a:r>
-              <a:rPr lang="zh-CN" altLang="en-US" dirty="0" smtClean="0"/>
-              <a:t>机器人</a:t>
-            </a:r>
-            <a:r>
-              <a:rPr lang="zh-CN" altLang="en-US" dirty="0" smtClean="0"/>
-              <a:t>？</a:t>
-            </a:r>
+          <a:bodyPr/>
+          <a:lstStyle/>
+          <a:p>
             <a:endParaRPr lang="zh-CN" altLang="en-US" dirty="0"/>
           </a:p>
         </p:txBody>
@@ -22897,7 +23249,11 @@
             <a:pPr algn="l"/>
             <a:r>
               <a:rPr lang="en-US" altLang="zh-CN" dirty="0" smtClean="0"/>
-              <a:t>23.1 python</a:t>
+              <a:t>23 </a:t>
+            </a:r>
+            <a:r>
+              <a:rPr lang="zh-CN" altLang="en-US" dirty="0" smtClean="0"/>
+              <a:t>后续学习</a:t>
             </a:r>
             <a:endParaRPr lang="zh-CN" altLang="en-US" dirty="0"/>
           </a:p>
@@ -22916,21 +23272,28 @@
         <p:spPr/>
         <p:txBody>
           <a:bodyPr>
-            <a:normAutofit lnSpcReduction="10000"/>
+            <a:normAutofit fontScale="92500" lnSpcReduction="10000"/>
           </a:bodyPr>
           <a:lstStyle/>
           <a:p>
             <a:r>
               <a:rPr lang="zh-CN" altLang="en-US" dirty="0" smtClean="0"/>
-              <a:t>很多地方都可以帮助你更深入地学习</a:t>
-            </a:r>
-            <a:r>
-              <a:rPr lang="en-US" altLang="zh-CN" dirty="0" smtClean="0"/>
-              <a:t>Python</a:t>
-            </a:r>
-            <a:r>
-              <a:rPr lang="zh-CN" altLang="en-US" dirty="0" smtClean="0"/>
-              <a:t>。在线</a:t>
+              <a:t>入门课程已接近尾声。如果你哪头学习了本</a:t>
+            </a:r>
+            <a:r>
+              <a:rPr lang="en-US" altLang="zh-CN" dirty="0" err="1" smtClean="0"/>
+              <a:t>ppt</a:t>
+            </a:r>
+            <a:r>
+              <a:rPr lang="zh-CN" altLang="en-US" dirty="0" smtClean="0"/>
+              <a:t>的所有内容，并且尝试过本书里的所有例子，现在你应该对编程以及利用编程能够做什么已经有了基本的了解</a:t>
+            </a:r>
+            <a:endParaRPr lang="en-US" altLang="zh-CN" dirty="0" smtClean="0"/>
+          </a:p>
+          <a:p>
+            <a:r>
+              <a:rPr lang="zh-CN" altLang="en-US" dirty="0" smtClean="0"/>
+              <a:t>现在我会告诉你可以在哪里查找关于编程的更多信息。有很多资源可以利用，有些关于一般编程，有些专门针对</a:t>
             </a:r>
             <a:r>
               <a:rPr lang="en-US" altLang="zh-CN" dirty="0" smtClean="0"/>
@@ -22938,66 +23301,22 @@
             </a:r>
             <a:r>
               <a:rPr lang="zh-CN" altLang="en-US" dirty="0" smtClean="0"/>
-              <a:t>文档非常完备，</a:t>
-            </a:r>
-            <a:r>
-              <a:rPr lang="zh-CN" altLang="en-US" dirty="0" smtClean="0"/>
-              <a:t>不过</a:t>
-            </a:r>
-            <a:r>
-              <a:rPr lang="zh-CN" altLang="en-US" dirty="0" smtClean="0"/>
-              <a:t>读起来可能有点困难</a:t>
-            </a:r>
-            <a:r>
-              <a:rPr lang="zh-CN" altLang="en-US" dirty="0" smtClean="0"/>
-              <a:t>。</a:t>
-            </a:r>
-            <a:endParaRPr lang="en-US" altLang="zh-CN" dirty="0" smtClean="0"/>
-          </a:p>
-          <a:p>
-            <a:r>
-              <a:rPr lang="zh-CN" altLang="en-US" dirty="0" smtClean="0"/>
-              <a:t>市面上有很多关于</a:t>
-            </a:r>
-            <a:r>
-              <a:rPr lang="en-US" altLang="zh-CN" dirty="0" smtClean="0"/>
-              <a:t>Python </a:t>
-            </a:r>
-            <a:r>
-              <a:rPr lang="zh-CN" altLang="en-US" dirty="0" smtClean="0"/>
-              <a:t>高阶内容的书籍，多到我无法只向你推荐一两本。</a:t>
-            </a:r>
-            <a:r>
-              <a:rPr lang="zh-CN" altLang="en-US" dirty="0" smtClean="0"/>
-              <a:t>具体</a:t>
-            </a:r>
-            <a:r>
-              <a:rPr lang="zh-CN" altLang="en-US" dirty="0" smtClean="0"/>
-              <a:t>使用什么书取决于你的品味、学习方式以及你想用</a:t>
-            </a:r>
-            <a:r>
-              <a:rPr lang="en-US" altLang="zh-CN" dirty="0" smtClean="0"/>
-              <a:t>Python </a:t>
-            </a:r>
-            <a:r>
-              <a:rPr lang="zh-CN" altLang="en-US" dirty="0" smtClean="0"/>
-              <a:t>做的事情。但我坚信</a:t>
-            </a:r>
-            <a:r>
-              <a:rPr lang="zh-CN" altLang="en-US" dirty="0" smtClean="0"/>
-              <a:t>，如果</a:t>
-            </a:r>
-            <a:r>
-              <a:rPr lang="zh-CN" altLang="en-US" dirty="0" smtClean="0"/>
-              <a:t>你想在</a:t>
-            </a:r>
-            <a:r>
-              <a:rPr lang="en-US" altLang="zh-CN" dirty="0" smtClean="0"/>
-              <a:t>Python </a:t>
-            </a:r>
-            <a:r>
-              <a:rPr lang="zh-CN" altLang="en-US" dirty="0" smtClean="0"/>
-              <a:t>学习之路上走得更远，就一定能找到适合自己的书。</a:t>
+              <a:t>编程，还有一些关于游戏编程以及其他一些方面。</a:t>
+            </a:r>
+            <a:endParaRPr lang="en-US" altLang="zh-CN" dirty="0" smtClean="0"/>
+          </a:p>
+          <a:p>
+            <a:r>
+              <a:rPr lang="zh-CN" altLang="en-US" dirty="0" smtClean="0"/>
+              <a:t>如何学以及学些什么取决于你想在哪个方向深入：游戏？ </a:t>
+            </a:r>
+            <a:r>
+              <a:rPr lang="en-US" altLang="zh-CN" dirty="0" smtClean="0"/>
+              <a:t>Web </a:t>
+            </a:r>
+            <a:r>
+              <a:rPr lang="zh-CN" altLang="en-US" dirty="0" smtClean="0"/>
+              <a:t>编程？还是机器人？</a:t>
             </a:r>
             <a:endParaRPr lang="zh-CN" altLang="en-US" dirty="0"/>
           </a:p>
@@ -23043,18 +23362,9 @@
           <a:bodyPr/>
           <a:lstStyle/>
           <a:p>
-            <a:pPr algn="l"/>
-            <a:r>
-              <a:rPr lang="en-US" altLang="zh-CN" dirty="0" smtClean="0"/>
-              <a:t>23.2 </a:t>
-            </a:r>
-            <a:r>
-              <a:rPr lang="zh-CN" altLang="en-US" dirty="0" smtClean="0"/>
-              <a:t>游戏编程与</a:t>
-            </a:r>
-            <a:r>
-              <a:rPr lang="en-US" altLang="zh-CN" dirty="0" err="1" smtClean="0"/>
-              <a:t>Pygame</a:t>
+            <a:r>
+              <a:rPr lang="en-US" altLang="zh-CN" dirty="0" smtClean="0"/>
+              <a:t>22</a:t>
             </a:r>
             <a:endParaRPr lang="zh-CN" altLang="en-US" dirty="0"/>
           </a:p>
@@ -23072,193 +23382,10 @@
         </p:nvSpPr>
         <p:spPr/>
         <p:txBody>
-          <a:bodyPr>
-            <a:normAutofit fontScale="85000" lnSpcReduction="20000"/>
-          </a:bodyPr>
-          <a:lstStyle/>
-          <a:p>
-            <a:r>
-              <a:rPr lang="en-US" altLang="zh-CN" dirty="0" smtClean="0"/>
-              <a:t>1.</a:t>
-            </a:r>
-            <a:r>
-              <a:rPr lang="zh-CN" altLang="en-US" dirty="0" smtClean="0"/>
-              <a:t>你可能想学习一种</a:t>
-            </a:r>
-            <a:r>
-              <a:rPr lang="en-US" altLang="zh-CN" dirty="0" smtClean="0"/>
-              <a:t>OpenGL </a:t>
-            </a:r>
-            <a:r>
-              <a:rPr lang="zh-CN" altLang="en-US" dirty="0" smtClean="0"/>
-              <a:t>技术，这是“</a:t>
-            </a:r>
-            <a:r>
-              <a:rPr lang="en-US" altLang="zh-CN" dirty="0" smtClean="0"/>
-              <a:t>Open Graphics Language</a:t>
-            </a:r>
-            <a:r>
-              <a:rPr lang="en-US" altLang="zh-CN" dirty="0" smtClean="0"/>
-              <a:t>”</a:t>
-            </a:r>
-            <a:r>
-              <a:rPr lang="zh-CN" altLang="en-US" dirty="0" smtClean="0"/>
-              <a:t>（</a:t>
-            </a:r>
-            <a:r>
-              <a:rPr lang="zh-CN" altLang="en-US" dirty="0" smtClean="0"/>
-              <a:t>开放图形语言）的简写，很多游戏都使用了这种图形系统。在</a:t>
-            </a:r>
-            <a:r>
-              <a:rPr lang="en-US" altLang="zh-CN" dirty="0" smtClean="0"/>
-              <a:t>Python </a:t>
-            </a:r>
-            <a:r>
-              <a:rPr lang="zh-CN" altLang="en-US" dirty="0" smtClean="0"/>
-              <a:t>中可以使用</a:t>
-            </a:r>
-            <a:r>
-              <a:rPr lang="zh-CN" altLang="en-US" dirty="0" smtClean="0"/>
-              <a:t>一个</a:t>
-            </a:r>
-            <a:r>
-              <a:rPr lang="zh-CN" altLang="en-US" dirty="0" smtClean="0"/>
-              <a:t>名为</a:t>
-            </a:r>
-            <a:r>
-              <a:rPr lang="en-US" altLang="zh-CN" dirty="0" err="1" smtClean="0"/>
-              <a:t>PyOpenGL</a:t>
-            </a:r>
-            <a:r>
-              <a:rPr lang="en-US" altLang="zh-CN" dirty="0" smtClean="0"/>
-              <a:t> </a:t>
-            </a:r>
-            <a:r>
-              <a:rPr lang="zh-CN" altLang="en-US" dirty="0" smtClean="0"/>
-              <a:t>的模块来使用</a:t>
-            </a:r>
-            <a:r>
-              <a:rPr lang="en-US" altLang="zh-CN" dirty="0" smtClean="0"/>
-              <a:t>OpenGL.</a:t>
-            </a:r>
-          </a:p>
-          <a:p>
-            <a:r>
-              <a:rPr lang="zh-CN" altLang="en-US" dirty="0" smtClean="0"/>
-              <a:t>如果你对</a:t>
-            </a:r>
-            <a:r>
-              <a:rPr lang="en-US" altLang="zh-CN" dirty="0" err="1" smtClean="0"/>
-              <a:t>Pygame</a:t>
-            </a:r>
-            <a:r>
-              <a:rPr lang="en-US" altLang="zh-CN" dirty="0" smtClean="0"/>
-              <a:t> </a:t>
-            </a:r>
-            <a:r>
-              <a:rPr lang="zh-CN" altLang="en-US" dirty="0" smtClean="0"/>
-              <a:t>感兴趣，也可以找到一些地方来了解更多有关内容。</a:t>
-            </a:r>
-            <a:r>
-              <a:rPr lang="en-US" altLang="zh-CN" dirty="0" err="1" smtClean="0"/>
-              <a:t>Pygame</a:t>
-            </a:r>
-            <a:r>
-              <a:rPr lang="zh-CN" altLang="en-US" dirty="0" smtClean="0"/>
-              <a:t>网站</a:t>
-            </a:r>
-            <a:r>
-              <a:rPr lang="zh-CN" altLang="en-US" dirty="0" smtClean="0"/>
-              <a:t>（</a:t>
-            </a:r>
-            <a:r>
-              <a:rPr lang="en-US" altLang="zh-CN" dirty="0" smtClean="0"/>
-              <a:t>pygame.org</a:t>
-            </a:r>
-            <a:r>
-              <a:rPr lang="zh-CN" altLang="en-US" dirty="0" smtClean="0"/>
-              <a:t>）提供了很多例子和教程</a:t>
-            </a:r>
-            <a:r>
-              <a:rPr lang="zh-CN" altLang="en-US" dirty="0" smtClean="0"/>
-              <a:t>。</a:t>
-            </a:r>
-            <a:endParaRPr lang="en-US" altLang="zh-CN" dirty="0" smtClean="0"/>
-          </a:p>
-          <a:p>
-            <a:r>
-              <a:rPr lang="zh-CN" altLang="en-US" dirty="0" smtClean="0"/>
-              <a:t>如果你想在游戏中实现更逼真的物理行为，可以使用一个名为</a:t>
-            </a:r>
-            <a:r>
-              <a:rPr lang="en-US" altLang="zh-CN" dirty="0" err="1" smtClean="0"/>
-              <a:t>PyMunk</a:t>
-            </a:r>
-            <a:r>
-              <a:rPr lang="en-US" altLang="zh-CN" dirty="0" smtClean="0"/>
-              <a:t> </a:t>
-            </a:r>
-            <a:r>
-              <a:rPr lang="zh-CN" altLang="en-US" dirty="0" smtClean="0"/>
-              <a:t>的库</a:t>
-            </a:r>
-            <a:r>
-              <a:rPr lang="zh-CN" altLang="en-US" dirty="0" smtClean="0"/>
-              <a:t>。</a:t>
-            </a:r>
-            <a:r>
-              <a:rPr lang="en-US" altLang="zh-CN" dirty="0" err="1" smtClean="0"/>
-              <a:t>PyMunk</a:t>
-            </a:r>
-            <a:r>
-              <a:rPr lang="en-US" altLang="zh-CN" dirty="0" smtClean="0"/>
-              <a:t> </a:t>
-            </a:r>
-            <a:r>
-              <a:rPr lang="zh-CN" altLang="en-US" dirty="0" smtClean="0"/>
-              <a:t>是基于</a:t>
-            </a:r>
-            <a:r>
-              <a:rPr lang="en-US" altLang="zh-CN" dirty="0" smtClean="0"/>
-              <a:t>Chipmunk Physics </a:t>
-            </a:r>
-            <a:r>
-              <a:rPr lang="zh-CN" altLang="en-US" dirty="0" smtClean="0"/>
-              <a:t>开发的。你可以利用</a:t>
-            </a:r>
-            <a:r>
-              <a:rPr lang="en-US" altLang="zh-CN" dirty="0" smtClean="0"/>
-              <a:t>Chipmunk </a:t>
-            </a:r>
-            <a:r>
-              <a:rPr lang="zh-CN" altLang="en-US" dirty="0" smtClean="0"/>
-              <a:t>在二维（</a:t>
-            </a:r>
-            <a:r>
-              <a:rPr lang="en-US" altLang="zh-CN" dirty="0" smtClean="0"/>
-              <a:t>2D</a:t>
-            </a:r>
-            <a:r>
-              <a:rPr lang="zh-CN" altLang="en-US" dirty="0" smtClean="0"/>
-              <a:t>）</a:t>
-            </a:r>
-            <a:r>
-              <a:rPr lang="zh-CN" altLang="en-US" dirty="0" smtClean="0"/>
-              <a:t>世界中</a:t>
-            </a:r>
-            <a:r>
-              <a:rPr lang="zh-CN" altLang="en-US" dirty="0" smtClean="0"/>
-              <a:t>创建圆、直线和图形等，然后它会让这些图形模拟出重力和摩擦力等物理学上</a:t>
-            </a:r>
-            <a:r>
-              <a:rPr lang="zh-CN" altLang="en-US" dirty="0" smtClean="0"/>
-              <a:t>基本</a:t>
-            </a:r>
-            <a:r>
-              <a:rPr lang="zh-CN" altLang="en-US" dirty="0" smtClean="0"/>
-              <a:t>的力</a:t>
-            </a:r>
-            <a:endParaRPr lang="zh-CN" altLang="en-US" dirty="0"/>
+          <a:bodyPr/>
+          <a:lstStyle/>
+          <a:p>
+            <a:endParaRPr lang="zh-CN" altLang="en-US"/>
           </a:p>
         </p:txBody>
       </p:sp>
@@ -23297,108 +23424,342 @@
             <p:ph type="title"/>
           </p:nvPr>
         </p:nvSpPr>
-        <p:spPr/>
-        <p:txBody>
-          <a:bodyPr/>
+        <p:spPr>
+          <a:xfrm>
+            <a:off x="457200" y="274638"/>
+            <a:ext cx="4114800" cy="5530626"/>
+          </a:xfrm>
+        </p:spPr>
+        <p:txBody>
+          <a:bodyPr>
+            <a:normAutofit/>
+          </a:bodyPr>
           <a:lstStyle/>
           <a:p>
             <a:pPr algn="l"/>
             <a:r>
-              <a:rPr lang="en-US" altLang="zh-CN" dirty="0" smtClean="0"/>
-              <a:t>23.3</a:t>
-            </a:r>
-            <a:r>
-              <a:rPr lang="zh-CN" altLang="en-US" dirty="0" smtClean="0"/>
-              <a:t>其他语言的游戏编程</a:t>
-            </a:r>
-            <a:endParaRPr lang="zh-CN" altLang="en-US" dirty="0"/>
-          </a:p>
-        </p:txBody>
-      </p:sp>
-      <p:sp>
-        <p:nvSpPr>
-          <p:cNvPr id="3" name="内容占位符 2"/>
-          <p:cNvSpPr>
-            <a:spLocks noGrp="1"/>
-          </p:cNvSpPr>
+              <a:rPr lang="en-US" altLang="zh-CN" sz="2000" dirty="0" smtClean="0">
+                <a:latin typeface="+mn-ea"/>
+                <a:ea typeface="+mn-ea"/>
+              </a:rPr>
+              <a:t>1. </a:t>
+            </a:r>
+            <a:r>
+              <a:rPr lang="zh-CN" altLang="en-US" sz="2000" dirty="0" smtClean="0">
+                <a:latin typeface="+mn-ea"/>
+                <a:ea typeface="+mn-ea"/>
+              </a:rPr>
+              <a:t>人工智能</a:t>
+            </a:r>
+            <a:r>
+              <a:rPr lang="en-US" altLang="zh-CN" sz="2000" dirty="0" smtClean="0">
+                <a:latin typeface="+mn-ea"/>
+                <a:ea typeface="+mn-ea"/>
+              </a:rPr>
+              <a:t/>
+            </a:r>
+            <a:br>
+              <a:rPr lang="en-US" altLang="zh-CN" sz="2000" dirty="0" smtClean="0">
+                <a:latin typeface="+mn-ea"/>
+                <a:ea typeface="+mn-ea"/>
+              </a:rPr>
+            </a:br>
+            <a:r>
+              <a:rPr lang="en-US" altLang="zh-CN" sz="2000" dirty="0" smtClean="0">
+                <a:latin typeface="+mn-ea"/>
+                <a:ea typeface="+mn-ea"/>
+              </a:rPr>
+              <a:t>2. Web </a:t>
+            </a:r>
+            <a:r>
+              <a:rPr lang="zh-CN" altLang="en-US" sz="2000" dirty="0" smtClean="0">
+                <a:latin typeface="+mn-ea"/>
+                <a:ea typeface="+mn-ea"/>
+              </a:rPr>
+              <a:t>开发</a:t>
+            </a:r>
+            <a:r>
+              <a:rPr lang="en-US" altLang="zh-CN" sz="2000" dirty="0" smtClean="0">
+                <a:latin typeface="+mn-ea"/>
+                <a:ea typeface="+mn-ea"/>
+              </a:rPr>
+              <a:t/>
+            </a:r>
+            <a:br>
+              <a:rPr lang="en-US" altLang="zh-CN" sz="2000" dirty="0" smtClean="0">
+                <a:latin typeface="+mn-ea"/>
+                <a:ea typeface="+mn-ea"/>
+              </a:rPr>
+            </a:br>
+            <a:r>
+              <a:rPr lang="en-US" altLang="zh-CN" sz="2000" dirty="0" smtClean="0">
+                <a:latin typeface="+mn-ea"/>
+                <a:ea typeface="+mn-ea"/>
+              </a:rPr>
+              <a:t>3. </a:t>
+            </a:r>
+            <a:r>
+              <a:rPr lang="zh-CN" altLang="en-US" sz="2000" dirty="0" smtClean="0">
+                <a:latin typeface="+mn-ea"/>
+                <a:ea typeface="+mn-ea"/>
+              </a:rPr>
+              <a:t>网页爬虫</a:t>
+            </a:r>
+            <a:r>
+              <a:rPr lang="en-US" altLang="zh-CN" sz="2000" dirty="0" smtClean="0">
+                <a:latin typeface="+mn-ea"/>
+                <a:ea typeface="+mn-ea"/>
+              </a:rPr>
+              <a:t/>
+            </a:r>
+            <a:br>
+              <a:rPr lang="en-US" altLang="zh-CN" sz="2000" dirty="0" smtClean="0">
+                <a:latin typeface="+mn-ea"/>
+                <a:ea typeface="+mn-ea"/>
+              </a:rPr>
+            </a:br>
+            <a:r>
+              <a:rPr lang="en-US" altLang="zh-CN" sz="2000" dirty="0" smtClean="0">
+                <a:latin typeface="+mn-ea"/>
+                <a:ea typeface="+mn-ea"/>
+              </a:rPr>
+              <a:t>4. </a:t>
+            </a:r>
+            <a:r>
+              <a:rPr lang="zh-CN" altLang="en-US" sz="2000" dirty="0" smtClean="0">
+                <a:latin typeface="+mn-ea"/>
+                <a:ea typeface="+mn-ea"/>
+              </a:rPr>
+              <a:t>桌面应用</a:t>
+            </a:r>
+            <a:r>
+              <a:rPr lang="en-US" altLang="zh-CN" sz="2000" dirty="0" smtClean="0">
+                <a:latin typeface="+mn-ea"/>
+                <a:ea typeface="+mn-ea"/>
+              </a:rPr>
+              <a:t/>
+            </a:r>
+            <a:br>
+              <a:rPr lang="en-US" altLang="zh-CN" sz="2000" dirty="0" smtClean="0">
+                <a:latin typeface="+mn-ea"/>
+                <a:ea typeface="+mn-ea"/>
+              </a:rPr>
+            </a:br>
+            <a:r>
+              <a:rPr lang="en-US" altLang="zh-CN" sz="2000" dirty="0" smtClean="0">
+                <a:latin typeface="+mn-ea"/>
+                <a:ea typeface="+mn-ea"/>
+              </a:rPr>
+              <a:t>5. </a:t>
+            </a:r>
+            <a:r>
+              <a:rPr lang="zh-CN" altLang="en-US" sz="2000" dirty="0" smtClean="0">
+                <a:latin typeface="+mn-ea"/>
+                <a:ea typeface="+mn-ea"/>
+              </a:rPr>
+              <a:t>游戏开发</a:t>
+            </a:r>
+            <a:r>
+              <a:rPr lang="en-US" altLang="zh-CN" sz="2000" dirty="0" smtClean="0">
+                <a:latin typeface="+mn-ea"/>
+                <a:ea typeface="+mn-ea"/>
+              </a:rPr>
+              <a:t/>
+            </a:r>
+            <a:br>
+              <a:rPr lang="en-US" altLang="zh-CN" sz="2000" dirty="0" smtClean="0">
+                <a:latin typeface="+mn-ea"/>
+                <a:ea typeface="+mn-ea"/>
+              </a:rPr>
+            </a:br>
+            <a:r>
+              <a:rPr lang="en-US" altLang="zh-CN" sz="2000" dirty="0" smtClean="0">
+                <a:latin typeface="+mn-ea"/>
+                <a:ea typeface="+mn-ea"/>
+              </a:rPr>
+              <a:t>6. </a:t>
+            </a:r>
+            <a:r>
+              <a:rPr lang="zh-CN" altLang="en-US" sz="2000" dirty="0" smtClean="0">
+                <a:latin typeface="+mn-ea"/>
+                <a:ea typeface="+mn-ea"/>
+              </a:rPr>
+              <a:t>系统运维</a:t>
+            </a:r>
+            <a:r>
+              <a:rPr lang="en-US" altLang="zh-CN" sz="2000" dirty="0" smtClean="0">
+                <a:latin typeface="+mn-ea"/>
+                <a:ea typeface="+mn-ea"/>
+              </a:rPr>
+              <a:t/>
+            </a:r>
+            <a:br>
+              <a:rPr lang="en-US" altLang="zh-CN" sz="2000" dirty="0" smtClean="0">
+                <a:latin typeface="+mn-ea"/>
+                <a:ea typeface="+mn-ea"/>
+              </a:rPr>
+            </a:br>
+            <a:r>
+              <a:rPr lang="en-US" altLang="zh-CN" sz="2000" dirty="0" smtClean="0">
+                <a:latin typeface="+mn-ea"/>
+                <a:ea typeface="+mn-ea"/>
+              </a:rPr>
+              <a:t>7. </a:t>
+            </a:r>
+            <a:r>
+              <a:rPr lang="zh-CN" altLang="en-US" sz="2000" dirty="0" smtClean="0">
+                <a:latin typeface="+mn-ea"/>
+                <a:ea typeface="+mn-ea"/>
+              </a:rPr>
+              <a:t>数学计算</a:t>
+            </a:r>
+            <a:r>
+              <a:rPr lang="en-US" altLang="zh-CN" sz="2000" dirty="0" smtClean="0">
+                <a:latin typeface="+mn-ea"/>
+                <a:ea typeface="+mn-ea"/>
+              </a:rPr>
+              <a:t/>
+            </a:r>
+            <a:br>
+              <a:rPr lang="en-US" altLang="zh-CN" sz="2000" dirty="0" smtClean="0">
+                <a:latin typeface="+mn-ea"/>
+                <a:ea typeface="+mn-ea"/>
+              </a:rPr>
+            </a:br>
+            <a:r>
+              <a:rPr lang="en-US" altLang="zh-CN" sz="2000" dirty="0" smtClean="0">
+                <a:latin typeface="+mn-ea"/>
+                <a:ea typeface="+mn-ea"/>
+              </a:rPr>
+              <a:t>8. </a:t>
+            </a:r>
+            <a:r>
+              <a:rPr lang="zh-CN" altLang="en-US" sz="2000" dirty="0" smtClean="0">
+                <a:latin typeface="+mn-ea"/>
+                <a:ea typeface="+mn-ea"/>
+              </a:rPr>
+              <a:t>数据分析</a:t>
+            </a:r>
+            <a:r>
+              <a:rPr lang="en-US" altLang="zh-CN" sz="2000" dirty="0" smtClean="0">
+                <a:latin typeface="+mn-ea"/>
+                <a:ea typeface="+mn-ea"/>
+              </a:rPr>
+              <a:t/>
+            </a:r>
+            <a:br>
+              <a:rPr lang="en-US" altLang="zh-CN" sz="2000" dirty="0" smtClean="0">
+                <a:latin typeface="+mn-ea"/>
+                <a:ea typeface="+mn-ea"/>
+              </a:rPr>
+            </a:br>
+            <a:r>
+              <a:rPr lang="en-US" altLang="zh-CN" sz="2000" dirty="0" smtClean="0">
+                <a:latin typeface="+mn-ea"/>
+                <a:ea typeface="+mn-ea"/>
+              </a:rPr>
+              <a:t>9. </a:t>
+            </a:r>
+            <a:r>
+              <a:rPr lang="zh-CN" altLang="en-US" sz="2000" dirty="0" smtClean="0">
+                <a:latin typeface="+mn-ea"/>
+                <a:ea typeface="+mn-ea"/>
+              </a:rPr>
+              <a:t>测试</a:t>
+            </a:r>
+            <a:r>
+              <a:rPr lang="en-US" altLang="zh-CN" sz="2000" dirty="0" smtClean="0">
+                <a:latin typeface="+mn-ea"/>
+                <a:ea typeface="+mn-ea"/>
+              </a:rPr>
+              <a:t/>
+            </a:r>
+            <a:br>
+              <a:rPr lang="en-US" altLang="zh-CN" sz="2000" dirty="0" smtClean="0">
+                <a:latin typeface="+mn-ea"/>
+                <a:ea typeface="+mn-ea"/>
+              </a:rPr>
+            </a:br>
+            <a:r>
+              <a:rPr lang="en-US" altLang="zh-CN" sz="2000" dirty="0" smtClean="0">
+                <a:latin typeface="+mn-ea"/>
+                <a:ea typeface="+mn-ea"/>
+              </a:rPr>
+              <a:t>10. </a:t>
+            </a:r>
+            <a:r>
+              <a:rPr lang="zh-CN" altLang="en-US" sz="2000" smtClean="0">
+                <a:latin typeface="+mn-ea"/>
+                <a:ea typeface="+mn-ea"/>
+              </a:rPr>
+              <a:t>网络开发</a:t>
+            </a:r>
+            <a:r>
+              <a:rPr lang="en-US" altLang="zh-CN" sz="2000" dirty="0" smtClean="0">
+                <a:latin typeface="+mn-ea"/>
+                <a:ea typeface="+mn-ea"/>
+              </a:rPr>
+              <a:t/>
+            </a:r>
+            <a:br>
+              <a:rPr lang="en-US" altLang="zh-CN" sz="2000" dirty="0" smtClean="0">
+                <a:latin typeface="+mn-ea"/>
+                <a:ea typeface="+mn-ea"/>
+              </a:rPr>
+            </a:br>
+            <a:endParaRPr lang="zh-CN" altLang="en-US" sz="2000" dirty="0">
+              <a:latin typeface="+mn-ea"/>
+              <a:ea typeface="+mn-ea"/>
+            </a:endParaRPr>
+          </a:p>
+        </p:txBody>
+      </p:sp>
+      <p:pic>
+        <p:nvPicPr>
+          <p:cNvPr id="1026" name="Picture 2"/>
+          <p:cNvPicPr>
+            <a:picLocks noGrp="1" noChangeAspect="1" noChangeArrowheads="1"/>
+          </p:cNvPicPr>
           <p:nvPr>
             <p:ph idx="1"/>
           </p:nvPr>
-        </p:nvSpPr>
-        <p:spPr/>
-        <p:txBody>
-          <a:bodyPr/>
-          <a:lstStyle/>
-          <a:p>
-            <a:r>
-              <a:rPr lang="zh-CN" altLang="en-US" dirty="0" smtClean="0"/>
-              <a:t>我如果你对游戏编程感兴趣，可能会有兴趣了解</a:t>
-            </a:r>
-            <a:r>
-              <a:rPr lang="en-US" altLang="zh-CN" dirty="0" smtClean="0"/>
-              <a:t>Unity </a:t>
-            </a:r>
-            <a:r>
-              <a:rPr lang="zh-CN" altLang="en-US" dirty="0" smtClean="0"/>
-              <a:t>游戏引擎。</a:t>
-            </a:r>
-            <a:r>
-              <a:rPr lang="en-US" altLang="zh-CN" dirty="0" smtClean="0"/>
-              <a:t>Unity </a:t>
-            </a:r>
-            <a:r>
-              <a:rPr lang="zh-CN" altLang="en-US" dirty="0" smtClean="0"/>
-              <a:t>包含</a:t>
-            </a:r>
-            <a:r>
-              <a:rPr lang="zh-CN" altLang="en-US" dirty="0" smtClean="0"/>
-              <a:t>了很多</a:t>
-            </a:r>
-            <a:r>
-              <a:rPr lang="zh-CN" altLang="en-US" dirty="0" smtClean="0"/>
-              <a:t>东西，包括一个</a:t>
-            </a:r>
-            <a:r>
-              <a:rPr lang="en-US" altLang="zh-CN" dirty="0" smtClean="0"/>
-              <a:t>3D </a:t>
-            </a:r>
-            <a:r>
-              <a:rPr lang="zh-CN" altLang="en-US" dirty="0" smtClean="0"/>
-              <a:t>游戏引擎和一个物理引擎，并提供了编写脚本的方式。你</a:t>
-            </a:r>
-            <a:r>
-              <a:rPr lang="zh-CN" altLang="en-US" dirty="0" smtClean="0"/>
-              <a:t>可以</a:t>
-            </a:r>
-            <a:r>
-              <a:rPr lang="zh-CN" altLang="en-US" dirty="0" smtClean="0"/>
-              <a:t>用来编写脚本的语言之一叫做</a:t>
-            </a:r>
-            <a:r>
-              <a:rPr lang="en-US" altLang="zh-CN" dirty="0" smtClean="0"/>
-              <a:t>Boo</a:t>
-            </a:r>
-            <a:r>
-              <a:rPr lang="zh-CN" altLang="en-US" dirty="0" smtClean="0"/>
-              <a:t>，它与</a:t>
-            </a:r>
-            <a:r>
-              <a:rPr lang="en-US" altLang="zh-CN" dirty="0" smtClean="0"/>
-              <a:t>Python </a:t>
-            </a:r>
-            <a:r>
-              <a:rPr lang="zh-CN" altLang="en-US" dirty="0" smtClean="0"/>
-              <a:t>有很多相似之处。</a:t>
-            </a:r>
-            <a:endParaRPr lang="zh-CN" altLang="en-US" dirty="0"/>
-          </a:p>
-        </p:txBody>
-      </p:sp>
+        </p:nvPicPr>
+        <p:blipFill>
+          <a:blip r:embed="rId2" cstate="print"/>
+          <a:srcRect/>
+          <a:stretch>
+            <a:fillRect/>
+          </a:stretch>
+        </p:blipFill>
+        <p:spPr bwMode="auto">
+          <a:xfrm>
+            <a:off x="4370238" y="1196752"/>
+            <a:ext cx="5170314" cy="4866989"/>
+          </a:xfrm>
+          <a:prstGeom prst="rect">
+            <a:avLst/>
+          </a:prstGeom>
+          <a:noFill/>
+          <a:ln w="9525">
+            <a:noFill/>
+            <a:miter lim="800000"/>
+            <a:headEnd/>
+            <a:tailEnd/>
+          </a:ln>
+        </p:spPr>
+      </p:pic>
     </p:spTree>
   </p:cSld>
   <p:clrMapOvr>
     <a:masterClrMapping/>
   </p:clrMapOvr>
+  <p:timing>
+    <p:tnLst>
+      <p:par>
+        <p:cTn id="1" dur="indefinite" restart="never" nodeType="tmRoot"/>
+      </p:par>
+    </p:tnLst>
+  </p:timing>
 </p:sld>
 </file>
 
@@ -23437,11 +23798,7 @@
             <a:pPr algn="l"/>
             <a:r>
               <a:rPr lang="en-US" altLang="zh-CN" dirty="0" smtClean="0"/>
-              <a:t>23.5 AI,ML,</a:t>
-            </a:r>
-            <a:r>
-              <a:rPr lang="en-US" altLang="zh-CN" dirty="0" smtClean="0"/>
-              <a:t> DL</a:t>
+              <a:t>23.1 python</a:t>
             </a:r>
             <a:endParaRPr lang="zh-CN" altLang="en-US" dirty="0"/>
           </a:p>
@@ -23459,63 +23816,14 @@
         </p:nvSpPr>
         <p:spPr/>
         <p:txBody>
-          <a:bodyPr/>
-          <a:lstStyle/>
-          <a:p>
-            <a:r>
-              <a:rPr lang="zh-CN" altLang="en-US" dirty="0" smtClean="0"/>
-              <a:t>人工智能英文简称“</a:t>
-            </a:r>
-            <a:r>
-              <a:rPr lang="en-US" altLang="zh-CN" dirty="0" smtClean="0"/>
-              <a:t>AI”</a:t>
-            </a:r>
-            <a:r>
-              <a:rPr lang="zh-CN" altLang="en-US" dirty="0" smtClean="0"/>
-              <a:t>，很多人以为人工智能与</a:t>
-            </a:r>
-            <a:r>
-              <a:rPr lang="en-US" altLang="zh-CN" dirty="0" smtClean="0"/>
-              <a:t>AI</a:t>
-            </a:r>
-            <a:r>
-              <a:rPr lang="zh-CN" altLang="en-US" dirty="0" smtClean="0"/>
-              <a:t>是不同的概念。</a:t>
-            </a:r>
-            <a:r>
-              <a:rPr lang="en-US" altLang="zh-CN" dirty="0" smtClean="0"/>
-              <a:t>AI</a:t>
-            </a:r>
-            <a:r>
-              <a:rPr lang="zh-CN" altLang="en-US" dirty="0" smtClean="0"/>
-              <a:t>是计算机可以的一个分支，我们想通过开发计算能以人类智能相似的方式做出反应的智能机器，所以用编程算法可以实现控制</a:t>
-            </a:r>
-            <a:r>
-              <a:rPr lang="zh-CN" altLang="en-US" dirty="0" smtClean="0"/>
-              <a:t>智能机器</a:t>
-            </a:r>
-            <a:endParaRPr lang="en-US" altLang="zh-CN" dirty="0" smtClean="0"/>
-          </a:p>
-          <a:p>
-            <a:r>
-              <a:rPr lang="zh-CN" altLang="en-US" dirty="0" smtClean="0"/>
-              <a:t>现在</a:t>
-            </a:r>
-            <a:r>
-              <a:rPr lang="en-US" altLang="zh-CN" dirty="0" err="1" smtClean="0"/>
-              <a:t>tensorflow</a:t>
-            </a:r>
-            <a:r>
-              <a:rPr lang="zh-CN" altLang="en-US" dirty="0" smtClean="0"/>
-              <a:t>，</a:t>
-            </a:r>
-            <a:r>
-              <a:rPr lang="en-US" altLang="zh-CN" dirty="0" err="1" smtClean="0"/>
-              <a:t>caffe</a:t>
-            </a:r>
-            <a:r>
-              <a:rPr lang="zh-CN" altLang="en-US" dirty="0" smtClean="0"/>
-              <a:t>之类的深度学习框架，主体都是用</a:t>
+          <a:bodyPr>
+            <a:normAutofit/>
+          </a:bodyPr>
+          <a:lstStyle/>
+          <a:p>
+            <a:r>
+              <a:rPr lang="zh-CN" altLang="en-US" dirty="0" smtClean="0"/>
+              <a:t>很多地方都可以帮助你更深入地学习</a:t>
             </a:r>
             <a:r>
               <a:rPr lang="en-US" altLang="zh-CN" dirty="0" smtClean="0"/>
@@ -23523,11 +23831,46 @@
             </a:r>
             <a:r>
               <a:rPr lang="zh-CN" altLang="en-US" dirty="0" smtClean="0"/>
-              <a:t>来实现，提供的原生接口也是</a:t>
-            </a:r>
-            <a:r>
-              <a:rPr lang="en-US" altLang="zh-CN" dirty="0" smtClean="0"/>
-              <a:t>Python.</a:t>
+              <a:t>。在线</a:t>
+            </a:r>
+            <a:r>
+              <a:rPr lang="en-US" altLang="zh-CN" dirty="0" smtClean="0"/>
+              <a:t>Python </a:t>
+            </a:r>
+            <a:r>
+              <a:rPr lang="zh-CN" altLang="en-US" dirty="0" smtClean="0"/>
+              <a:t>文档非常完备。</a:t>
+            </a:r>
+            <a:endParaRPr lang="en-US" altLang="zh-CN" dirty="0" smtClean="0"/>
+          </a:p>
+          <a:p>
+            <a:r>
+              <a:rPr lang="zh-CN" altLang="en-US" dirty="0" smtClean="0"/>
+              <a:t>市面上有很多关于</a:t>
+            </a:r>
+            <a:r>
+              <a:rPr lang="en-US" altLang="zh-CN" dirty="0" smtClean="0"/>
+              <a:t>Python </a:t>
+            </a:r>
+            <a:r>
+              <a:rPr lang="zh-CN" altLang="en-US" dirty="0" smtClean="0"/>
+              <a:t>高阶内容的书籍，多到我无法只向你推荐一两本。具体使用什么书取决于你的品味、学习方式以及你想用</a:t>
+            </a:r>
+            <a:r>
+              <a:rPr lang="en-US" altLang="zh-CN" dirty="0" smtClean="0"/>
+              <a:t>Python </a:t>
+            </a:r>
+            <a:r>
+              <a:rPr lang="zh-CN" altLang="en-US" dirty="0" smtClean="0"/>
+              <a:t>做的事情。但我坚信，如果你想在</a:t>
+            </a:r>
+            <a:r>
+              <a:rPr lang="en-US" altLang="zh-CN" dirty="0" smtClean="0"/>
+              <a:t>Python </a:t>
+            </a:r>
+            <a:r>
+              <a:rPr lang="zh-CN" altLang="en-US" dirty="0" smtClean="0"/>
+              <a:t>学习之路上走得更远，就一定能找到适合自己的书。</a:t>
             </a:r>
             <a:endParaRPr lang="zh-CN" altLang="en-US" dirty="0"/>
           </a:p>
@@ -23538,6 +23881,13 @@
   <p:clrMapOvr>
     <a:masterClrMapping/>
   </p:clrMapOvr>
+  <p:timing>
+    <p:tnLst>
+      <p:par>
+        <p:cTn id="1" dur="indefinite" restart="never" nodeType="tmRoot"/>
+      </p:par>
+    </p:tnLst>
+  </p:timing>
 </p:sld>
 </file>
 
@@ -23570,114 +23920,179 @@
         </p:nvSpPr>
         <p:spPr/>
         <p:txBody>
+          <a:bodyPr/>
+          <a:lstStyle/>
+          <a:p>
+            <a:pPr algn="l"/>
+            <a:r>
+              <a:rPr lang="en-US" altLang="zh-CN" dirty="0" smtClean="0"/>
+              <a:t>23.2 </a:t>
+            </a:r>
+            <a:r>
+              <a:rPr lang="zh-CN" altLang="en-US" dirty="0" smtClean="0"/>
+              <a:t>游戏编程与</a:t>
+            </a:r>
+            <a:r>
+              <a:rPr lang="en-US" altLang="zh-CN" dirty="0" err="1" smtClean="0"/>
+              <a:t>Pygame</a:t>
+            </a:r>
+            <a:endParaRPr lang="zh-CN" altLang="en-US" dirty="0"/>
+          </a:p>
+        </p:txBody>
+      </p:sp>
+      <p:sp>
+        <p:nvSpPr>
+          <p:cNvPr id="3" name="内容占位符 2"/>
+          <p:cNvSpPr>
+            <a:spLocks noGrp="1"/>
+          </p:cNvSpPr>
+          <p:nvPr>
+            <p:ph idx="1"/>
+          </p:nvPr>
+        </p:nvSpPr>
+        <p:spPr/>
+        <p:txBody>
           <a:bodyPr>
-            <a:normAutofit/>
+            <a:normAutofit fontScale="85000" lnSpcReduction="20000"/>
           </a:bodyPr>
           <a:lstStyle/>
           <a:p>
-            <a:pPr algn="l"/>
-            <a:r>
-              <a:rPr lang="en-US" altLang="zh-CN" dirty="0" smtClean="0"/>
-              <a:t>AI, ML, DL</a:t>
-            </a:r>
-            <a:r>
-              <a:rPr lang="zh-CN" altLang="en-US" dirty="0" smtClean="0"/>
-              <a:t>的</a:t>
-            </a:r>
-            <a:r>
-              <a:rPr lang="zh-CN" altLang="en-US" dirty="0" smtClean="0"/>
-              <a:t>区别</a:t>
-            </a:r>
-            <a:endParaRPr lang="zh-CN" altLang="en-US" dirty="0"/>
-          </a:p>
-        </p:txBody>
-      </p:sp>
-      <p:pic>
-        <p:nvPicPr>
-          <p:cNvPr id="1026" name="Picture 2"/>
-          <p:cNvPicPr>
-            <a:picLocks noGrp="1" noChangeAspect="1" noChangeArrowheads="1"/>
-          </p:cNvPicPr>
-          <p:nvPr>
-            <p:ph idx="1"/>
-          </p:nvPr>
-        </p:nvPicPr>
-        <p:blipFill>
-          <a:blip r:embed="rId2" cstate="print"/>
-          <a:srcRect/>
-          <a:stretch>
-            <a:fillRect/>
-          </a:stretch>
-        </p:blipFill>
-        <p:spPr bwMode="auto">
-          <a:xfrm>
-            <a:off x="827584" y="2420888"/>
-            <a:ext cx="6918607" cy="3240360"/>
-          </a:xfrm>
-          <a:prstGeom prst="rect">
-            <a:avLst/>
-          </a:prstGeom>
-          <a:noFill/>
-          <a:ln w="9525">
-            <a:noFill/>
-            <a:miter lim="800000"/>
-            <a:headEnd/>
-            <a:tailEnd/>
-          </a:ln>
-        </p:spPr>
-      </p:pic>
-      <p:sp>
-        <p:nvSpPr>
-          <p:cNvPr id="7" name="矩形 6"/>
-          <p:cNvSpPr/>
-          <p:nvPr/>
-        </p:nvSpPr>
-        <p:spPr>
-          <a:xfrm>
-            <a:off x="395536" y="1628800"/>
-            <a:ext cx="5904656" cy="369332"/>
-          </a:xfrm>
-          <a:prstGeom prst="rect">
-            <a:avLst/>
-          </a:prstGeom>
-        </p:spPr>
-        <p:txBody>
-          <a:bodyPr wrap="square">
-            <a:spAutoFit/>
-          </a:bodyPr>
-          <a:lstStyle/>
-          <a:p>
-            <a:r>
-              <a:rPr lang="en-US" altLang="zh-CN" dirty="0" smtClean="0"/>
-              <a:t>ML</a:t>
-            </a:r>
-            <a:r>
-              <a:rPr lang="zh-CN" altLang="en-US" dirty="0" smtClean="0"/>
-              <a:t>是</a:t>
-            </a:r>
-            <a:r>
-              <a:rPr lang="en-US" altLang="zh-CN" dirty="0" smtClean="0"/>
-              <a:t>AI</a:t>
-            </a:r>
-            <a:r>
-              <a:rPr lang="zh-CN" altLang="en-US" dirty="0" smtClean="0"/>
-              <a:t>的一种实现方法，</a:t>
-            </a:r>
-            <a:r>
-              <a:rPr lang="en-US" altLang="zh-CN" dirty="0" smtClean="0"/>
-              <a:t>DL</a:t>
-            </a:r>
-            <a:r>
-              <a:rPr lang="zh-CN" altLang="en-US" dirty="0" smtClean="0"/>
-              <a:t>是</a:t>
-            </a:r>
-            <a:r>
-              <a:rPr lang="en-US" altLang="zh-CN" dirty="0" smtClean="0"/>
-              <a:t>ML</a:t>
-            </a:r>
-            <a:r>
-              <a:rPr lang="zh-CN" altLang="en-US" dirty="0" smtClean="0"/>
-              <a:t>的一种方法</a:t>
+            <a:r>
+              <a:rPr lang="en-US" altLang="zh-CN" dirty="0" smtClean="0"/>
+              <a:t>1.</a:t>
+            </a:r>
+            <a:r>
+              <a:rPr lang="zh-CN" altLang="en-US" dirty="0" smtClean="0"/>
+              <a:t>你可能想学习一种</a:t>
+            </a:r>
+            <a:r>
+              <a:rPr lang="en-US" altLang="zh-CN" dirty="0" smtClean="0"/>
+              <a:t>OpenGL </a:t>
+            </a:r>
+            <a:r>
+              <a:rPr lang="zh-CN" altLang="en-US" dirty="0" smtClean="0"/>
+              <a:t>技术，这是“</a:t>
+            </a:r>
+            <a:r>
+              <a:rPr lang="en-US" altLang="zh-CN" dirty="0" smtClean="0"/>
+              <a:t>Open Graphics Language”</a:t>
+            </a:r>
+            <a:r>
+              <a:rPr lang="zh-CN" altLang="en-US" dirty="0" smtClean="0"/>
+              <a:t>（开放图形语言）的简写，很多游戏都使用了这种图形系统。在</a:t>
+            </a:r>
+            <a:r>
+              <a:rPr lang="en-US" altLang="zh-CN" dirty="0" smtClean="0"/>
+              <a:t>Python </a:t>
+            </a:r>
+            <a:r>
+              <a:rPr lang="zh-CN" altLang="en-US" dirty="0" smtClean="0"/>
+              <a:t>中可以使用一个名为</a:t>
+            </a:r>
+            <a:r>
+              <a:rPr lang="en-US" altLang="zh-CN" dirty="0" err="1" smtClean="0"/>
+              <a:t>PyOpenGL</a:t>
+            </a:r>
+            <a:r>
+              <a:rPr lang="en-US" altLang="zh-CN" dirty="0" smtClean="0"/>
+              <a:t> </a:t>
+            </a:r>
+            <a:r>
+              <a:rPr lang="zh-CN" altLang="en-US" dirty="0" smtClean="0"/>
+              <a:t>的模块来使用</a:t>
+            </a:r>
+            <a:r>
+              <a:rPr lang="en-US" altLang="zh-CN" dirty="0" smtClean="0"/>
+              <a:t>OpenGL.</a:t>
+            </a:r>
+          </a:p>
+          <a:p>
+            <a:r>
+              <a:rPr lang="zh-CN" altLang="en-US" dirty="0" smtClean="0"/>
+              <a:t>如果你对</a:t>
+            </a:r>
+            <a:r>
+              <a:rPr lang="en-US" altLang="zh-CN" dirty="0" err="1" smtClean="0"/>
+              <a:t>Pygame</a:t>
+            </a:r>
+            <a:r>
+              <a:rPr lang="en-US" altLang="zh-CN" dirty="0" smtClean="0"/>
+              <a:t> </a:t>
+            </a:r>
+            <a:r>
+              <a:rPr lang="zh-CN" altLang="en-US" dirty="0" smtClean="0"/>
+              <a:t>感兴趣，也可以找到一些地方来了解更多有关内容。</a:t>
+            </a:r>
+            <a:r>
+              <a:rPr lang="en-US" altLang="zh-CN" dirty="0" err="1" smtClean="0"/>
+              <a:t>Pygame</a:t>
+            </a:r>
+            <a:r>
+              <a:rPr lang="zh-CN" altLang="en-US" dirty="0" smtClean="0"/>
+              <a:t>网站（</a:t>
+            </a:r>
+            <a:r>
+              <a:rPr lang="en-US" altLang="zh-CN" dirty="0" smtClean="0"/>
+              <a:t>pygame.org</a:t>
+            </a:r>
+            <a:r>
+              <a:rPr lang="zh-CN" altLang="en-US" dirty="0" smtClean="0"/>
+              <a:t>）提供了很多例子和教程。</a:t>
+            </a:r>
+            <a:endParaRPr lang="en-US" altLang="zh-CN" dirty="0" smtClean="0"/>
+          </a:p>
+          <a:p>
+            <a:r>
+              <a:rPr lang="zh-CN" altLang="en-US" dirty="0" smtClean="0"/>
+              <a:t>如果你想在游戏中实现更逼真的物理行为，可以使用一个名为</a:t>
+            </a:r>
+            <a:r>
+              <a:rPr lang="en-US" altLang="zh-CN" dirty="0" err="1" smtClean="0"/>
+              <a:t>PyMunk</a:t>
+            </a:r>
+            <a:r>
+              <a:rPr lang="en-US" altLang="zh-CN" dirty="0" smtClean="0"/>
+              <a:t> </a:t>
+            </a:r>
+            <a:r>
+              <a:rPr lang="zh-CN" altLang="en-US" dirty="0" smtClean="0"/>
+              <a:t>的库。</a:t>
+            </a:r>
+            <a:r>
+              <a:rPr lang="en-US" altLang="zh-CN" dirty="0" err="1" smtClean="0"/>
+              <a:t>PyMunk</a:t>
+            </a:r>
+            <a:r>
+              <a:rPr lang="en-US" altLang="zh-CN" dirty="0" smtClean="0"/>
+              <a:t> </a:t>
+            </a:r>
+            <a:r>
+              <a:rPr lang="zh-CN" altLang="en-US" dirty="0" smtClean="0"/>
+              <a:t>是基于</a:t>
+            </a:r>
+            <a:r>
+              <a:rPr lang="en-US" altLang="zh-CN" dirty="0" smtClean="0"/>
+              <a:t>Chipmunk Physics </a:t>
+            </a:r>
+            <a:r>
+              <a:rPr lang="zh-CN" altLang="en-US" dirty="0" smtClean="0"/>
+              <a:t>开发的。你可以利用</a:t>
+            </a:r>
+            <a:r>
+              <a:rPr lang="en-US" altLang="zh-CN" dirty="0" smtClean="0"/>
+              <a:t>Chipmunk </a:t>
+            </a:r>
+            <a:r>
+              <a:rPr lang="zh-CN" altLang="en-US" dirty="0" smtClean="0"/>
+              <a:t>在二维（</a:t>
+            </a:r>
+            <a:r>
+              <a:rPr lang="en-US" altLang="zh-CN" dirty="0" smtClean="0"/>
+              <a:t>2D</a:t>
+            </a:r>
+            <a:r>
+              <a:rPr lang="zh-CN" altLang="en-US" dirty="0" smtClean="0"/>
+              <a:t>）世界中创建圆、直线和图形等，然后它会让这些图形模拟出重力和摩擦力等物理学上基本的力</a:t>
             </a:r>
             <a:endParaRPr lang="zh-CN" altLang="en-US" dirty="0"/>
           </a:p>
@@ -23688,6 +24103,13 @@
   <p:clrMapOvr>
     <a:masterClrMapping/>
   </p:clrMapOvr>
+  <p:timing>
+    <p:tnLst>
+      <p:par>
+        <p:cTn id="1" dur="indefinite" restart="never" nodeType="tmRoot"/>
+      </p:par>
+    </p:tnLst>
+  </p:timing>
 </p:sld>
 </file>
 
@@ -23723,49 +24145,94 @@
           <a:bodyPr/>
           <a:lstStyle/>
           <a:p>
-            <a:endParaRPr lang="zh-CN" altLang="en-US"/>
-          </a:p>
-        </p:txBody>
-      </p:sp>
-      <p:pic>
-        <p:nvPicPr>
-          <p:cNvPr id="4" name="Picture 4"/>
-          <p:cNvPicPr>
-            <a:picLocks noGrp="1" noChangeAspect="1" noChangeArrowheads="1"/>
-          </p:cNvPicPr>
+            <a:pPr algn="l"/>
+            <a:r>
+              <a:rPr lang="en-US" altLang="zh-CN" dirty="0" smtClean="0"/>
+              <a:t>23.3</a:t>
+            </a:r>
+            <a:r>
+              <a:rPr lang="zh-CN" altLang="en-US" dirty="0" smtClean="0"/>
+              <a:t>其他语言的游戏编程</a:t>
+            </a:r>
+            <a:endParaRPr lang="zh-CN" altLang="en-US" dirty="0"/>
+          </a:p>
+        </p:txBody>
+      </p:sp>
+      <p:sp>
+        <p:nvSpPr>
+          <p:cNvPr id="3" name="内容占位符 2"/>
+          <p:cNvSpPr>
+            <a:spLocks noGrp="1"/>
+          </p:cNvSpPr>
           <p:nvPr>
             <p:ph idx="1"/>
           </p:nvPr>
-        </p:nvPicPr>
-        <p:blipFill>
-          <a:blip r:embed="rId2" cstate="print"/>
-          <a:srcRect/>
-          <a:stretch>
-            <a:fillRect/>
-          </a:stretch>
-        </p:blipFill>
-        <p:spPr bwMode="auto">
-          <a:xfrm>
-            <a:off x="783567" y="1600200"/>
-            <a:ext cx="7576865" cy="4525963"/>
-          </a:xfrm>
-          <a:prstGeom prst="rect">
-            <a:avLst/>
-          </a:prstGeom>
-          <a:noFill/>
-          <a:ln w="9525">
-            <a:noFill/>
-            <a:miter lim="800000"/>
-            <a:headEnd/>
-            <a:tailEnd/>
-          </a:ln>
-        </p:spPr>
-      </p:pic>
+        </p:nvSpPr>
+        <p:spPr/>
+        <p:txBody>
+          <a:bodyPr/>
+          <a:lstStyle/>
+          <a:p>
+            <a:r>
+              <a:rPr lang="zh-CN" altLang="en-US" dirty="0" smtClean="0"/>
+              <a:t>我如果你对游戏编程感兴趣，可能会有兴趣了解</a:t>
+            </a:r>
+            <a:r>
+              <a:rPr lang="en-US" altLang="zh-CN" dirty="0" smtClean="0"/>
+              <a:t>Unity </a:t>
+            </a:r>
+            <a:r>
+              <a:rPr lang="zh-CN" altLang="en-US" dirty="0" smtClean="0"/>
+              <a:t>游戏引擎。</a:t>
+            </a:r>
+            <a:r>
+              <a:rPr lang="en-US" altLang="zh-CN" dirty="0" smtClean="0"/>
+              <a:t>Unity </a:t>
+            </a:r>
+            <a:r>
+              <a:rPr lang="zh-CN" altLang="en-US" dirty="0" smtClean="0"/>
+              <a:t>包含了很多东西，包括一个</a:t>
+            </a:r>
+            <a:r>
+              <a:rPr lang="en-US" altLang="zh-CN" dirty="0" smtClean="0"/>
+              <a:t>3D </a:t>
+            </a:r>
+            <a:r>
+              <a:rPr lang="zh-CN" altLang="en-US" dirty="0" smtClean="0"/>
+              <a:t>游戏引擎和一个物理引擎，并提供了编写脚本的方式。你可以用来编写脚本的语言之一叫做</a:t>
+            </a:r>
+            <a:r>
+              <a:rPr lang="en-US" altLang="zh-CN" dirty="0" smtClean="0"/>
+              <a:t>Boo</a:t>
+            </a:r>
+            <a:r>
+              <a:rPr lang="zh-CN" altLang="en-US" dirty="0" smtClean="0"/>
+              <a:t>，它与</a:t>
+            </a:r>
+            <a:r>
+              <a:rPr lang="en-US" altLang="zh-CN" dirty="0" smtClean="0"/>
+              <a:t>Python </a:t>
+            </a:r>
+            <a:r>
+              <a:rPr lang="zh-CN" altLang="en-US" dirty="0" smtClean="0"/>
+              <a:t>有很多相似之处。</a:t>
+            </a:r>
+            <a:endParaRPr lang="zh-CN" altLang="en-US" dirty="0"/>
+          </a:p>
+        </p:txBody>
+      </p:sp>
     </p:spTree>
   </p:cSld>
   <p:clrMapOvr>
     <a:masterClrMapping/>
   </p:clrMapOvr>
+  <p:timing>
+    <p:tnLst>
+      <p:par>
+        <p:cTn id="1" dur="indefinite" restart="never" nodeType="tmRoot"/>
+      </p:par>
+    </p:tnLst>
+  </p:timing>
 </p:sld>
 </file>
 
@@ -23804,11 +24271,7 @@
             <a:pPr algn="l"/>
             <a:r>
               <a:rPr lang="en-US" altLang="zh-CN" dirty="0" smtClean="0"/>
-              <a:t>23.4</a:t>
-            </a:r>
-            <a:r>
-              <a:rPr lang="zh-CN" altLang="en-US" dirty="0" smtClean="0"/>
-              <a:t>移动应用</a:t>
+              <a:t>23.5 AI,ML, DL</a:t>
             </a:r>
             <a:endParaRPr lang="zh-CN" altLang="en-US" dirty="0"/>
           </a:p>
@@ -23826,202 +24289,71 @@
         </p:nvSpPr>
         <p:spPr/>
         <p:txBody>
-          <a:bodyPr>
-            <a:normAutofit/>
-          </a:bodyPr>
-          <a:lstStyle/>
-          <a:p>
-            <a:r>
-              <a:rPr lang="zh-CN" altLang="en-US" dirty="0" smtClean="0"/>
-              <a:t>如果你对编写</a:t>
+          <a:bodyPr/>
+          <a:lstStyle/>
+          <a:p>
+            <a:r>
+              <a:rPr lang="zh-CN" altLang="en-US" dirty="0" smtClean="0"/>
+              <a:t>人工智能英文简称“</a:t>
+            </a:r>
+            <a:r>
+              <a:rPr lang="en-US" altLang="zh-CN" dirty="0" smtClean="0"/>
+              <a:t>AI”</a:t>
+            </a:r>
+            <a:r>
+              <a:rPr lang="zh-CN" altLang="en-US" dirty="0" smtClean="0"/>
+              <a:t>，很多人以为人工智能与</a:t>
+            </a:r>
+            <a:r>
+              <a:rPr lang="en-US" altLang="zh-CN" dirty="0" smtClean="0"/>
+              <a:t>AI</a:t>
+            </a:r>
+            <a:r>
+              <a:rPr lang="zh-CN" altLang="en-US" dirty="0" smtClean="0"/>
+              <a:t>是不同的概念。</a:t>
+            </a:r>
+            <a:r>
+              <a:rPr lang="en-US" altLang="zh-CN" dirty="0" smtClean="0"/>
+              <a:t>AI</a:t>
+            </a:r>
+            <a:r>
+              <a:rPr lang="zh-CN" altLang="en-US" dirty="0" smtClean="0"/>
+              <a:t>是计算机科学的一个分支，我们想通过开发能以人类智能相似的方式做出反应的智能机器，所以用编程算法可以实现控制智能机器</a:t>
+            </a:r>
+            <a:endParaRPr lang="en-US" altLang="zh-CN" dirty="0" smtClean="0"/>
+          </a:p>
+          <a:p>
+            <a:r>
+              <a:rPr lang="zh-CN" altLang="en-US" dirty="0" smtClean="0"/>
+              <a:t>现在</a:t>
             </a:r>
             <a:r>
               <a:rPr lang="en-US" altLang="zh-CN" dirty="0" err="1" smtClean="0"/>
-              <a:t>iPhone</a:t>
-            </a:r>
-            <a:r>
-              <a:rPr lang="en-US" altLang="zh-CN" dirty="0" smtClean="0"/>
-              <a:t> </a:t>
-            </a:r>
-            <a:r>
-              <a:rPr lang="zh-CN" altLang="en-US" dirty="0" smtClean="0"/>
-              <a:t>或者</a:t>
-            </a:r>
-            <a:r>
-              <a:rPr lang="en-US" altLang="zh-CN" dirty="0" smtClean="0"/>
-              <a:t>Android </a:t>
-            </a:r>
-            <a:r>
-              <a:rPr lang="zh-CN" altLang="en-US" dirty="0" smtClean="0"/>
-              <a:t>应用感兴趣的话，可以通过以下两种方式</a:t>
-            </a:r>
-            <a:r>
-              <a:rPr lang="zh-CN" altLang="en-US" dirty="0" smtClean="0"/>
-              <a:t>来编写。</a:t>
-            </a:r>
-            <a:endParaRPr lang="en-US" altLang="zh-CN" dirty="0" smtClean="0"/>
-          </a:p>
-          <a:p>
-            <a:pPr lvl="1"/>
-            <a:r>
-              <a:rPr lang="en-US" altLang="zh-CN" dirty="0" smtClean="0"/>
-              <a:t>1.</a:t>
-            </a:r>
-            <a:r>
-              <a:rPr lang="zh-CN" altLang="en-US" dirty="0" smtClean="0"/>
-              <a:t>你</a:t>
-            </a:r>
-            <a:r>
-              <a:rPr lang="zh-CN" altLang="en-US" dirty="0" smtClean="0"/>
-              <a:t>可以通过</a:t>
+              <a:t>tensorflow</a:t>
+            </a:r>
+            <a:r>
+              <a:rPr lang="zh-CN" altLang="en-US" dirty="0" smtClean="0"/>
+              <a:t>，</a:t>
             </a:r>
             <a:r>
               <a:rPr lang="en-US" altLang="zh-CN" dirty="0" err="1" smtClean="0"/>
-              <a:t>PhoneGap</a:t>
-            </a:r>
-            <a:r>
-              <a:rPr lang="zh-CN" altLang="en-US" dirty="0" smtClean="0"/>
-              <a:t>（</a:t>
-            </a:r>
-            <a:r>
-              <a:rPr lang="en-US" altLang="zh-CN" dirty="0" smtClean="0"/>
-              <a:t>phonegap.com</a:t>
-            </a:r>
-            <a:r>
-              <a:rPr lang="zh-CN" altLang="en-US" dirty="0" smtClean="0"/>
-              <a:t>）使用</a:t>
-            </a:r>
-            <a:r>
-              <a:rPr lang="en-US" altLang="zh-CN" dirty="0" smtClean="0"/>
-              <a:t>HTML5 </a:t>
-            </a:r>
-            <a:r>
-              <a:rPr lang="zh-CN" altLang="en-US" dirty="0" smtClean="0"/>
-              <a:t>和</a:t>
-            </a:r>
-            <a:r>
-              <a:rPr lang="en-US" altLang="zh-CN" dirty="0" smtClean="0"/>
-              <a:t>CSS </a:t>
-            </a:r>
-            <a:r>
-              <a:rPr lang="zh-CN" altLang="en-US" dirty="0" smtClean="0"/>
-              <a:t>来编写</a:t>
-            </a:r>
-            <a:r>
-              <a:rPr lang="en-US" altLang="zh-CN" dirty="0" err="1" smtClean="0"/>
-              <a:t>iPhone</a:t>
-            </a:r>
-            <a:r>
-              <a:rPr lang="zh-CN" altLang="en-US" dirty="0" smtClean="0"/>
-              <a:t>应用</a:t>
-            </a:r>
-            <a:r>
-              <a:rPr lang="zh-CN" altLang="en-US" dirty="0" smtClean="0"/>
-              <a:t>。如果采用这种方式，你就很容易将应用移植到其他</a:t>
-            </a:r>
-            <a:r>
-              <a:rPr lang="zh-CN" altLang="en-US" dirty="0" smtClean="0"/>
-              <a:t>的</a:t>
-            </a:r>
-            <a:r>
-              <a:rPr lang="en-US" altLang="zh-CN" dirty="0" smtClean="0"/>
-              <a:t>Android</a:t>
-            </a:r>
-            <a:r>
-              <a:rPr lang="zh-CN" altLang="en-US" dirty="0" smtClean="0"/>
-              <a:t>手机</a:t>
-            </a:r>
-            <a:r>
-              <a:rPr lang="zh-CN" altLang="en-US" dirty="0" smtClean="0"/>
-              <a:t>操作系统</a:t>
-            </a:r>
-            <a:r>
-              <a:rPr lang="zh-CN" altLang="en-US" dirty="0" smtClean="0"/>
-              <a:t>上。</a:t>
-            </a:r>
-            <a:endParaRPr lang="en-US" altLang="zh-CN" dirty="0" smtClean="0"/>
-          </a:p>
-          <a:p>
-            <a:pPr lvl="1"/>
-            <a:r>
-              <a:rPr lang="zh-CN" altLang="en-US" dirty="0" smtClean="0"/>
-              <a:t>另一种方式是使用</a:t>
-            </a:r>
-            <a:r>
-              <a:rPr lang="en-US" altLang="zh-CN" dirty="0" smtClean="0"/>
-              <a:t>Objective-C </a:t>
-            </a:r>
-            <a:r>
-              <a:rPr lang="zh-CN" altLang="en-US" dirty="0" smtClean="0"/>
-              <a:t>语言和</a:t>
-            </a:r>
-            <a:r>
-              <a:rPr lang="en-US" altLang="zh-CN" dirty="0" smtClean="0"/>
-              <a:t>Cocoa </a:t>
-            </a:r>
-            <a:r>
-              <a:rPr lang="en-US" altLang="zh-CN" dirty="0" smtClean="0"/>
-              <a:t>Touch</a:t>
-            </a:r>
-            <a:r>
-              <a:rPr lang="zh-CN" altLang="en-US" dirty="0" smtClean="0"/>
-              <a:t>库</a:t>
-            </a:r>
-            <a:r>
-              <a:rPr lang="zh-CN" altLang="en-US" dirty="0" smtClean="0"/>
-              <a:t>编写原生的</a:t>
-            </a:r>
-            <a:r>
-              <a:rPr lang="en-US" altLang="zh-CN" dirty="0" err="1" smtClean="0"/>
-              <a:t>iPhone</a:t>
-            </a:r>
-            <a:r>
-              <a:rPr lang="en-US" altLang="zh-CN" dirty="0" smtClean="0"/>
-              <a:t> </a:t>
-            </a:r>
-            <a:r>
-              <a:rPr lang="zh-CN" altLang="en-US" dirty="0" smtClean="0"/>
-              <a:t>应用代码</a:t>
-            </a:r>
-            <a:r>
-              <a:rPr lang="zh-CN" altLang="en-US" dirty="0" smtClean="0"/>
-              <a:t>。</a:t>
-            </a:r>
-            <a:r>
-              <a:rPr lang="en-US" altLang="zh-CN" dirty="0" smtClean="0"/>
-              <a:t>Android </a:t>
-            </a:r>
-            <a:r>
-              <a:rPr lang="zh-CN" altLang="en-US" dirty="0" smtClean="0"/>
-              <a:t>应用基本上是用</a:t>
-            </a:r>
-            <a:r>
-              <a:rPr lang="en-US" altLang="zh-CN" dirty="0" smtClean="0"/>
-              <a:t>Java </a:t>
-            </a:r>
-            <a:r>
-              <a:rPr lang="zh-CN" altLang="en-US" dirty="0" smtClean="0"/>
-              <a:t>编写</a:t>
-            </a:r>
-            <a:r>
-              <a:rPr lang="zh-CN" altLang="en-US" dirty="0" smtClean="0"/>
-              <a:t>的</a:t>
-            </a:r>
-            <a:r>
-              <a:rPr lang="en-US" altLang="zh-CN" dirty="0" smtClean="0"/>
-              <a:t>,</a:t>
-            </a:r>
-            <a:r>
-              <a:rPr lang="zh-CN" altLang="en-US" dirty="0" smtClean="0"/>
-              <a:t>现在将要用</a:t>
-            </a:r>
-            <a:r>
-              <a:rPr lang="en-US" altLang="zh-CN" dirty="0" err="1" smtClean="0"/>
-              <a:t>Kotlin</a:t>
-            </a:r>
-            <a:r>
-              <a:rPr lang="en-US" altLang="zh-CN" dirty="0" smtClean="0"/>
-              <a:t> </a:t>
+              <a:t>caffe</a:t>
+            </a:r>
+            <a:r>
+              <a:rPr lang="zh-CN" altLang="en-US" dirty="0" smtClean="0"/>
+              <a:t>之类的深度学习框架，主体都是用</a:t>
+            </a:r>
+            <a:r>
+              <a:rPr lang="en-US" altLang="zh-CN" dirty="0" smtClean="0"/>
+              <a:t>Python</a:t>
+            </a:r>
+            <a:r>
+              <a:rPr lang="zh-CN" altLang="en-US" dirty="0" smtClean="0"/>
+              <a:t>来实现，提供的原生接口也是</a:t>
+            </a:r>
+            <a:r>
+              <a:rPr lang="en-US" altLang="zh-CN" dirty="0" smtClean="0"/>
+              <a:t>Python.</a:t>
             </a:r>
             <a:endParaRPr lang="zh-CN" altLang="en-US" dirty="0"/>
           </a:p>
@@ -24032,6 +24364,13 @@
   <p:clrMapOvr>
     <a:masterClrMapping/>
   </p:clrMapOvr>
+  <p:timing>
+    <p:tnLst>
+      <p:par>
+        <p:cTn id="1" dur="indefinite" restart="never" nodeType="tmRoot"/>
+      </p:par>
+    </p:tnLst>
+  </p:timing>
 </p:sld>
 </file>
 
@@ -24194,46 +24533,82 @@
         </p:nvSpPr>
         <p:spPr/>
         <p:txBody>
-          <a:bodyPr/>
+          <a:bodyPr>
+            <a:normAutofit/>
+          </a:bodyPr>
           <a:lstStyle/>
           <a:p>
             <a:pPr algn="l"/>
             <a:r>
               <a:rPr lang="en-US" altLang="zh-CN" dirty="0" smtClean="0"/>
-              <a:t>23.6 </a:t>
-            </a:r>
-            <a:r>
-              <a:rPr lang="zh-CN" altLang="en-US" dirty="0" smtClean="0"/>
-              <a:t>回顾</a:t>
+              <a:t>AI, ML, DL</a:t>
+            </a:r>
+            <a:r>
+              <a:rPr lang="zh-CN" altLang="en-US" dirty="0" smtClean="0"/>
+              <a:t>的区别</a:t>
             </a:r>
             <a:endParaRPr lang="zh-CN" altLang="en-US" dirty="0"/>
           </a:p>
         </p:txBody>
       </p:sp>
-      <p:sp>
-        <p:nvSpPr>
-          <p:cNvPr id="3" name="内容占位符 2"/>
-          <p:cNvSpPr>
-            <a:spLocks noGrp="1"/>
-          </p:cNvSpPr>
+      <p:pic>
+        <p:nvPicPr>
+          <p:cNvPr id="1026" name="Picture 2"/>
+          <p:cNvPicPr>
+            <a:picLocks noGrp="1" noChangeAspect="1" noChangeArrowheads="1"/>
+          </p:cNvPicPr>
           <p:nvPr>
             <p:ph idx="1"/>
           </p:nvPr>
-        </p:nvSpPr>
-        <p:spPr/>
-        <p:txBody>
-          <a:bodyPr>
-            <a:normAutofit fontScale="92500" lnSpcReduction="10000"/>
+        </p:nvPicPr>
+        <p:blipFill>
+          <a:blip r:embed="rId2" cstate="print"/>
+          <a:srcRect/>
+          <a:stretch>
+            <a:fillRect/>
+          </a:stretch>
+        </p:blipFill>
+        <p:spPr bwMode="auto">
+          <a:xfrm>
+            <a:off x="827584" y="2420888"/>
+            <a:ext cx="6918607" cy="3240360"/>
+          </a:xfrm>
+          <a:prstGeom prst="rect">
+            <a:avLst/>
+          </a:prstGeom>
+          <a:noFill/>
+          <a:ln w="9525">
+            <a:noFill/>
+            <a:miter lim="800000"/>
+            <a:headEnd/>
+            <a:tailEnd/>
+          </a:ln>
+        </p:spPr>
+      </p:pic>
+      <p:sp>
+        <p:nvSpPr>
+          <p:cNvPr id="7" name="矩形 6"/>
+          <p:cNvSpPr/>
+          <p:nvPr/>
+        </p:nvSpPr>
+        <p:spPr>
+          <a:xfrm>
+            <a:off x="395536" y="1628800"/>
+            <a:ext cx="5904656" cy="369332"/>
+          </a:xfrm>
+          <a:prstGeom prst="rect">
+            <a:avLst/>
+          </a:prstGeom>
+        </p:spPr>
+        <p:txBody>
+          <a:bodyPr wrap="square">
+            <a:spAutoFit/>
           </a:bodyPr>
           <a:lstStyle/>
           <a:p>
             <a:r>
-              <a:rPr lang="zh-CN" altLang="en-US" dirty="0" smtClean="0"/>
-              <a:t>有很多很多别的主题需要研究，还有很多资源可以帮助你在不同的编程领域</a:t>
-            </a:r>
-            <a:r>
-              <a:rPr lang="zh-CN" altLang="en-US" dirty="0" smtClean="0"/>
-              <a:t>尤其</a:t>
+              <a:rPr lang="en-US" altLang="zh-CN" dirty="0" smtClean="0"/>
+              <a:t>ML</a:t>
             </a:r>
             <a:r>
               <a:rPr lang="zh-CN" altLang="en-US" dirty="0" smtClean="0"/>
@@ -24241,101 +24616,27 @@
             </a:r>
             <a:r>
               <a:rPr lang="en-US" altLang="zh-CN" dirty="0" smtClean="0"/>
-              <a:t>Python </a:t>
-            </a:r>
-            <a:r>
-              <a:rPr lang="zh-CN" altLang="en-US" dirty="0" smtClean="0"/>
-              <a:t>编程领域中更为深入</a:t>
-            </a:r>
-            <a:r>
-              <a:rPr lang="zh-CN" altLang="en-US" dirty="0" smtClean="0"/>
-              <a:t>。</a:t>
-            </a:r>
-            <a:endParaRPr lang="en-US" altLang="zh-CN" dirty="0" smtClean="0"/>
-          </a:p>
-          <a:p>
-            <a:r>
-              <a:rPr lang="zh-CN" altLang="en-US" dirty="0" smtClean="0"/>
-              <a:t>利用</a:t>
-            </a:r>
-            <a:r>
-              <a:rPr lang="en-US" altLang="zh-CN" dirty="0" smtClean="0"/>
-              <a:t>Python </a:t>
-            </a:r>
-            <a:r>
-              <a:rPr lang="zh-CN" altLang="en-US" dirty="0" smtClean="0"/>
-              <a:t>可以做很多事，但如果你需要做一些特定的事情，可能需要其他</a:t>
-            </a:r>
-            <a:r>
-              <a:rPr lang="zh-CN" altLang="en-US" dirty="0" smtClean="0"/>
-              <a:t>的语言</a:t>
-            </a:r>
-            <a:r>
-              <a:rPr lang="zh-CN" altLang="en-US" dirty="0" smtClean="0"/>
-              <a:t>，比如</a:t>
-            </a:r>
-            <a:r>
-              <a:rPr lang="en-US" altLang="zh-CN" dirty="0" smtClean="0"/>
-              <a:t>C</a:t>
-            </a:r>
-            <a:r>
-              <a:rPr lang="zh-CN" altLang="en-US" dirty="0" smtClean="0"/>
-              <a:t>、</a:t>
-            </a:r>
-            <a:r>
-              <a:rPr lang="en-US" altLang="zh-CN" dirty="0" smtClean="0"/>
-              <a:t>C++</a:t>
-            </a:r>
-            <a:r>
-              <a:rPr lang="zh-CN" altLang="en-US" dirty="0" smtClean="0"/>
-              <a:t>、</a:t>
-            </a:r>
-            <a:r>
-              <a:rPr lang="en-US" altLang="zh-CN" dirty="0" smtClean="0"/>
-              <a:t>Java</a:t>
-            </a:r>
-            <a:r>
-              <a:rPr lang="zh-CN" altLang="en-US" dirty="0" smtClean="0"/>
-              <a:t>、</a:t>
-            </a:r>
-            <a:r>
-              <a:rPr lang="en-US" altLang="zh-CN" dirty="0" smtClean="0"/>
-              <a:t>JavaScript</a:t>
-            </a:r>
-            <a:r>
-              <a:rPr lang="zh-CN" altLang="en-US" dirty="0" smtClean="0"/>
-              <a:t>（和</a:t>
-            </a:r>
-            <a:r>
-              <a:rPr lang="en-US" altLang="zh-CN" dirty="0" smtClean="0"/>
-              <a:t>Java </a:t>
-            </a:r>
-            <a:r>
-              <a:rPr lang="zh-CN" altLang="en-US" dirty="0" smtClean="0"/>
-              <a:t>不同）或者别的什么语言</a:t>
-            </a:r>
-            <a:r>
-              <a:rPr lang="zh-CN" altLang="en-US" dirty="0" smtClean="0"/>
-              <a:t>。</a:t>
-            </a:r>
-            <a:endParaRPr lang="en-US" altLang="zh-CN" dirty="0" smtClean="0"/>
-          </a:p>
-          <a:p>
-            <a:r>
-              <a:rPr lang="zh-CN" altLang="en-US" dirty="0" smtClean="0"/>
-              <a:t>不管怎样，享受编程的快乐吧！不断学习、探索和试验。你对编程了解得越多</a:t>
-            </a:r>
-            <a:r>
-              <a:rPr lang="zh-CN" altLang="en-US" dirty="0" smtClean="0"/>
-              <a:t>，就</a:t>
-            </a:r>
-            <a:r>
-              <a:rPr lang="zh-CN" altLang="en-US" dirty="0" smtClean="0"/>
-              <a:t>会发觉它越有意思</a:t>
-            </a:r>
-            <a:r>
-              <a:rPr lang="zh-CN" altLang="en-US" dirty="0" smtClean="0"/>
-              <a:t>！</a:t>
+              <a:t>AI</a:t>
+            </a:r>
+            <a:r>
+              <a:rPr lang="zh-CN" altLang="en-US" dirty="0" smtClean="0"/>
+              <a:t>的一种实现方法，</a:t>
+            </a:r>
+            <a:r>
+              <a:rPr lang="en-US" altLang="zh-CN" dirty="0" smtClean="0"/>
+              <a:t>DL</a:t>
+            </a:r>
+            <a:r>
+              <a:rPr lang="zh-CN" altLang="en-US" dirty="0" smtClean="0"/>
+              <a:t>是</a:t>
+            </a:r>
+            <a:r>
+              <a:rPr lang="en-US" altLang="zh-CN" dirty="0" smtClean="0"/>
+              <a:t>ML</a:t>
+            </a:r>
+            <a:r>
+              <a:rPr lang="zh-CN" altLang="en-US" dirty="0" smtClean="0"/>
+              <a:t>的一种方法</a:t>
             </a:r>
             <a:endParaRPr lang="zh-CN" altLang="en-US" dirty="0"/>
           </a:p>
@@ -24346,6 +24647,1135 @@
   <p:clrMapOvr>
     <a:masterClrMapping/>
   </p:clrMapOvr>
+  <p:timing>
+    <p:tnLst>
+      <p:par>
+        <p:cTn id="1" dur="indefinite" restart="never" nodeType="tmRoot"/>
+      </p:par>
+    </p:tnLst>
+  </p:timing>
+</p:sld>
+</file>
+
+<file path=ppt/slides/slide231.xml><?xml version="1.0" encoding="utf-8"?>
+<p:sld xmlns:a="http://schemas.openxmlformats.org/drawingml/2006/main" xmlns:r="http://schemas.openxmlformats.org/officeDocument/2006/relationships" xmlns:p="http://schemas.openxmlformats.org/presentationml/2006/main">
+  <p:cSld>
+    <p:spTree>
+      <p:nvGrpSpPr>
+        <p:cNvPr id="1" name=""/>
+        <p:cNvGrpSpPr/>
+        <p:nvPr/>
+      </p:nvGrpSpPr>
+      <p:grpSpPr>
+        <a:xfrm>
+          <a:off x="0" y="0"/>
+          <a:ext cx="0" cy="0"/>
+          <a:chOff x="0" y="0"/>
+          <a:chExt cx="0" cy="0"/>
+        </a:xfrm>
+      </p:grpSpPr>
+      <p:sp>
+        <p:nvSpPr>
+          <p:cNvPr id="2" name="标题 1"/>
+          <p:cNvSpPr>
+            <a:spLocks noGrp="1"/>
+          </p:cNvSpPr>
+          <p:nvPr>
+            <p:ph type="title"/>
+          </p:nvPr>
+        </p:nvSpPr>
+        <p:spPr/>
+        <p:txBody>
+          <a:bodyPr/>
+          <a:lstStyle/>
+          <a:p>
+            <a:pPr algn="l"/>
+            <a:r>
+              <a:rPr lang="en-US" altLang="zh-CN" dirty="0" smtClean="0"/>
+              <a:t>AL,ML,DL</a:t>
+            </a:r>
+            <a:endParaRPr lang="zh-CN" altLang="en-US" dirty="0"/>
+          </a:p>
+        </p:txBody>
+      </p:sp>
+      <p:pic>
+        <p:nvPicPr>
+          <p:cNvPr id="4" name="Picture 4"/>
+          <p:cNvPicPr>
+            <a:picLocks noGrp="1" noChangeAspect="1" noChangeArrowheads="1"/>
+          </p:cNvPicPr>
+          <p:nvPr>
+            <p:ph idx="1"/>
+          </p:nvPr>
+        </p:nvPicPr>
+        <p:blipFill>
+          <a:blip r:embed="rId2" cstate="print"/>
+          <a:srcRect/>
+          <a:stretch>
+            <a:fillRect/>
+          </a:stretch>
+        </p:blipFill>
+        <p:spPr bwMode="auto">
+          <a:xfrm>
+            <a:off x="783567" y="1600200"/>
+            <a:ext cx="7576865" cy="4525963"/>
+          </a:xfrm>
+          <a:prstGeom prst="rect">
+            <a:avLst/>
+          </a:prstGeom>
+          <a:noFill/>
+          <a:ln w="9525">
+            <a:noFill/>
+            <a:miter lim="800000"/>
+            <a:headEnd/>
+            <a:tailEnd/>
+          </a:ln>
+        </p:spPr>
+      </p:pic>
+    </p:spTree>
+  </p:cSld>
+  <p:clrMapOvr>
+    <a:masterClrMapping/>
+  </p:clrMapOvr>
+  <p:timing>
+    <p:tnLst>
+      <p:par>
+        <p:cTn id="1" dur="indefinite" restart="never" nodeType="tmRoot"/>
+      </p:par>
+    </p:tnLst>
+  </p:timing>
+</p:sld>
+</file>
+
+<file path=ppt/slides/slide232.xml><?xml version="1.0" encoding="utf-8"?>
+<p:sld xmlns:a="http://schemas.openxmlformats.org/drawingml/2006/main" xmlns:r="http://schemas.openxmlformats.org/officeDocument/2006/relationships" xmlns:p="http://schemas.openxmlformats.org/presentationml/2006/main">
+  <p:cSld>
+    <p:spTree>
+      <p:nvGrpSpPr>
+        <p:cNvPr id="1" name=""/>
+        <p:cNvGrpSpPr/>
+        <p:nvPr/>
+      </p:nvGrpSpPr>
+      <p:grpSpPr>
+        <a:xfrm>
+          <a:off x="0" y="0"/>
+          <a:ext cx="0" cy="0"/>
+          <a:chOff x="0" y="0"/>
+          <a:chExt cx="0" cy="0"/>
+        </a:xfrm>
+      </p:grpSpPr>
+      <p:sp>
+        <p:nvSpPr>
+          <p:cNvPr id="2" name="标题 1"/>
+          <p:cNvSpPr>
+            <a:spLocks noGrp="1"/>
+          </p:cNvSpPr>
+          <p:nvPr>
+            <p:ph type="title"/>
+          </p:nvPr>
+        </p:nvSpPr>
+        <p:spPr/>
+        <p:txBody>
+          <a:bodyPr/>
+          <a:lstStyle/>
+          <a:p>
+            <a:pPr algn="l"/>
+            <a:r>
+              <a:rPr lang="en-US" altLang="zh-CN" dirty="0" smtClean="0"/>
+              <a:t>23.4</a:t>
+            </a:r>
+            <a:r>
+              <a:rPr lang="zh-CN" altLang="en-US" dirty="0" smtClean="0"/>
+              <a:t>移动应用</a:t>
+            </a:r>
+            <a:endParaRPr lang="zh-CN" altLang="en-US" dirty="0"/>
+          </a:p>
+        </p:txBody>
+      </p:sp>
+      <p:sp>
+        <p:nvSpPr>
+          <p:cNvPr id="3" name="内容占位符 2"/>
+          <p:cNvSpPr>
+            <a:spLocks noGrp="1"/>
+          </p:cNvSpPr>
+          <p:nvPr>
+            <p:ph idx="1"/>
+          </p:nvPr>
+        </p:nvSpPr>
+        <p:spPr/>
+        <p:txBody>
+          <a:bodyPr>
+            <a:normAutofit/>
+          </a:bodyPr>
+          <a:lstStyle/>
+          <a:p>
+            <a:r>
+              <a:rPr lang="zh-CN" altLang="en-US" dirty="0" smtClean="0"/>
+              <a:t>如果你对编写</a:t>
+            </a:r>
+            <a:r>
+              <a:rPr lang="en-US" altLang="zh-CN" dirty="0" err="1" smtClean="0"/>
+              <a:t>iPhone</a:t>
+            </a:r>
+            <a:r>
+              <a:rPr lang="en-US" altLang="zh-CN" dirty="0" smtClean="0"/>
+              <a:t> </a:t>
+            </a:r>
+            <a:r>
+              <a:rPr lang="zh-CN" altLang="en-US" dirty="0" smtClean="0"/>
+              <a:t>或者</a:t>
+            </a:r>
+            <a:r>
+              <a:rPr lang="en-US" altLang="zh-CN" dirty="0" smtClean="0"/>
+              <a:t>Android </a:t>
+            </a:r>
+            <a:r>
+              <a:rPr lang="zh-CN" altLang="en-US" dirty="0" smtClean="0"/>
+              <a:t>应用感兴趣的话，可以通过以下两种方式来编写。</a:t>
+            </a:r>
+            <a:endParaRPr lang="en-US" altLang="zh-CN" dirty="0" smtClean="0"/>
+          </a:p>
+          <a:p>
+            <a:pPr lvl="1"/>
+            <a:r>
+              <a:rPr lang="en-US" altLang="zh-CN" dirty="0" smtClean="0"/>
+              <a:t>1.</a:t>
+            </a:r>
+            <a:r>
+              <a:rPr lang="zh-CN" altLang="en-US" dirty="0" smtClean="0"/>
+              <a:t>你可以通过</a:t>
+            </a:r>
+            <a:r>
+              <a:rPr lang="en-US" altLang="zh-CN" dirty="0" err="1" smtClean="0"/>
+              <a:t>PhoneGap</a:t>
+            </a:r>
+            <a:r>
+              <a:rPr lang="zh-CN" altLang="en-US" dirty="0" smtClean="0"/>
+              <a:t>（</a:t>
+            </a:r>
+            <a:r>
+              <a:rPr lang="en-US" altLang="zh-CN" dirty="0" smtClean="0"/>
+              <a:t>phonegap.com</a:t>
+            </a:r>
+            <a:r>
+              <a:rPr lang="zh-CN" altLang="en-US" dirty="0" smtClean="0"/>
+              <a:t>）使用</a:t>
+            </a:r>
+            <a:r>
+              <a:rPr lang="en-US" altLang="zh-CN" dirty="0" smtClean="0"/>
+              <a:t>HTML5 </a:t>
+            </a:r>
+            <a:r>
+              <a:rPr lang="zh-CN" altLang="en-US" dirty="0" smtClean="0"/>
+              <a:t>和</a:t>
+            </a:r>
+            <a:r>
+              <a:rPr lang="en-US" altLang="zh-CN" dirty="0" smtClean="0"/>
+              <a:t>CSS </a:t>
+            </a:r>
+            <a:r>
+              <a:rPr lang="zh-CN" altLang="en-US" dirty="0" smtClean="0"/>
+              <a:t>来编写</a:t>
+            </a:r>
+            <a:r>
+              <a:rPr lang="en-US" altLang="zh-CN" dirty="0" err="1" smtClean="0"/>
+              <a:t>iPhone</a:t>
+            </a:r>
+            <a:r>
+              <a:rPr lang="zh-CN" altLang="en-US" dirty="0" smtClean="0"/>
+              <a:t>应用。如果采用这种方式，你就很容易将应用移植到其他的</a:t>
+            </a:r>
+            <a:r>
+              <a:rPr lang="en-US" altLang="zh-CN" dirty="0" smtClean="0"/>
+              <a:t>Android</a:t>
+            </a:r>
+            <a:r>
+              <a:rPr lang="zh-CN" altLang="en-US" dirty="0" smtClean="0"/>
+              <a:t>手机操作系统上。</a:t>
+            </a:r>
+            <a:endParaRPr lang="en-US" altLang="zh-CN" dirty="0" smtClean="0"/>
+          </a:p>
+          <a:p>
+            <a:pPr lvl="1"/>
+            <a:r>
+              <a:rPr lang="zh-CN" altLang="en-US" dirty="0" smtClean="0"/>
+              <a:t>另一种方式是使用</a:t>
+            </a:r>
+            <a:r>
+              <a:rPr lang="en-US" altLang="zh-CN" dirty="0" smtClean="0"/>
+              <a:t>Objective-C </a:t>
+            </a:r>
+            <a:r>
+              <a:rPr lang="zh-CN" altLang="en-US" dirty="0" smtClean="0"/>
+              <a:t>语言和</a:t>
+            </a:r>
+            <a:r>
+              <a:rPr lang="en-US" altLang="zh-CN" dirty="0" smtClean="0"/>
+              <a:t>Cocoa Touch</a:t>
+            </a:r>
+            <a:r>
+              <a:rPr lang="zh-CN" altLang="en-US" dirty="0" smtClean="0"/>
+              <a:t>库编写原生的</a:t>
+            </a:r>
+            <a:r>
+              <a:rPr lang="en-US" altLang="zh-CN" dirty="0" err="1" smtClean="0"/>
+              <a:t>iPhone</a:t>
+            </a:r>
+            <a:r>
+              <a:rPr lang="en-US" altLang="zh-CN" dirty="0" smtClean="0"/>
+              <a:t> </a:t>
+            </a:r>
+            <a:r>
+              <a:rPr lang="zh-CN" altLang="en-US" dirty="0" smtClean="0"/>
+              <a:t>应用代码。</a:t>
+            </a:r>
+            <a:r>
+              <a:rPr lang="en-US" altLang="zh-CN" dirty="0" smtClean="0"/>
+              <a:t>Android </a:t>
+            </a:r>
+            <a:r>
+              <a:rPr lang="zh-CN" altLang="en-US" dirty="0" smtClean="0"/>
+              <a:t>应用基本上是用</a:t>
+            </a:r>
+            <a:r>
+              <a:rPr lang="en-US" altLang="zh-CN" dirty="0" smtClean="0"/>
+              <a:t>Java </a:t>
+            </a:r>
+            <a:r>
+              <a:rPr lang="zh-CN" altLang="en-US" dirty="0" smtClean="0"/>
+              <a:t>编写的</a:t>
+            </a:r>
+            <a:r>
+              <a:rPr lang="en-US" altLang="zh-CN" dirty="0" smtClean="0"/>
+              <a:t>,</a:t>
+            </a:r>
+            <a:r>
+              <a:rPr lang="zh-CN" altLang="en-US" dirty="0" smtClean="0"/>
+              <a:t>现在将要用</a:t>
+            </a:r>
+            <a:r>
+              <a:rPr lang="en-US" altLang="zh-CN" dirty="0" err="1" smtClean="0"/>
+              <a:t>Kotlin</a:t>
+            </a:r>
+            <a:r>
+              <a:rPr lang="en-US" altLang="zh-CN" dirty="0" smtClean="0"/>
+              <a:t> </a:t>
+            </a:r>
+            <a:endParaRPr lang="zh-CN" altLang="en-US" dirty="0"/>
+          </a:p>
+        </p:txBody>
+      </p:sp>
+    </p:spTree>
+  </p:cSld>
+  <p:clrMapOvr>
+    <a:masterClrMapping/>
+  </p:clrMapOvr>
+  <p:timing>
+    <p:tnLst>
+      <p:par>
+        <p:cTn id="1" dur="indefinite" restart="never" nodeType="tmRoot"/>
+      </p:par>
+    </p:tnLst>
+  </p:timing>
+</p:sld>
+</file>
+
+<file path=ppt/slides/slide233.xml><?xml version="1.0" encoding="utf-8"?>
+<p:sld xmlns:a="http://schemas.openxmlformats.org/drawingml/2006/main" xmlns:r="http://schemas.openxmlformats.org/officeDocument/2006/relationships" xmlns:p="http://schemas.openxmlformats.org/presentationml/2006/main">
+  <p:cSld>
+    <p:spTree>
+      <p:nvGrpSpPr>
+        <p:cNvPr id="1" name=""/>
+        <p:cNvGrpSpPr/>
+        <p:nvPr/>
+      </p:nvGrpSpPr>
+      <p:grpSpPr>
+        <a:xfrm>
+          <a:off x="0" y="0"/>
+          <a:ext cx="0" cy="0"/>
+          <a:chOff x="0" y="0"/>
+          <a:chExt cx="0" cy="0"/>
+        </a:xfrm>
+      </p:grpSpPr>
+      <p:sp>
+        <p:nvSpPr>
+          <p:cNvPr id="2" name="标题 1"/>
+          <p:cNvSpPr>
+            <a:spLocks noGrp="1"/>
+          </p:cNvSpPr>
+          <p:nvPr>
+            <p:ph type="title"/>
+          </p:nvPr>
+        </p:nvSpPr>
+        <p:spPr/>
+        <p:txBody>
+          <a:bodyPr/>
+          <a:lstStyle/>
+          <a:p>
+            <a:pPr algn="l"/>
+            <a:r>
+              <a:rPr lang="en-US" altLang="zh-CN" dirty="0" smtClean="0"/>
+              <a:t>23.5 </a:t>
+            </a:r>
+            <a:r>
+              <a:rPr lang="zh-CN" altLang="en-US" dirty="0" smtClean="0"/>
+              <a:t>爬虫</a:t>
+            </a:r>
+            <a:endParaRPr lang="zh-CN" altLang="en-US" dirty="0"/>
+          </a:p>
+        </p:txBody>
+      </p:sp>
+      <p:sp>
+        <p:nvSpPr>
+          <p:cNvPr id="3" name="内容占位符 2"/>
+          <p:cNvSpPr>
+            <a:spLocks noGrp="1"/>
+          </p:cNvSpPr>
+          <p:nvPr>
+            <p:ph idx="1"/>
+          </p:nvPr>
+        </p:nvSpPr>
+        <p:spPr/>
+        <p:txBody>
+          <a:bodyPr>
+            <a:normAutofit fontScale="77500" lnSpcReduction="20000"/>
+          </a:bodyPr>
+          <a:lstStyle/>
+          <a:p>
+            <a:r>
+              <a:rPr lang="en-US" altLang="zh-CN" dirty="0" smtClean="0"/>
+              <a:t>4.1 </a:t>
+            </a:r>
+            <a:r>
+              <a:rPr lang="zh-CN" altLang="en-US" dirty="0" smtClean="0"/>
+              <a:t>爬虫的比喻： 如果我们把互联网比作一张大的蜘蛛网，那一台计算机上的数据便是蜘蛛网上的一个猎物，而爬虫程序就是一只小蜘蛛，沿着蜘蛛网抓取自己想要的猎物</a:t>
+            </a:r>
+            <a:r>
+              <a:rPr lang="en-US" altLang="zh-CN" dirty="0" smtClean="0"/>
+              <a:t>/</a:t>
+            </a:r>
+            <a:r>
+              <a:rPr lang="zh-CN" altLang="en-US" dirty="0" smtClean="0"/>
+              <a:t>数据 </a:t>
+            </a:r>
+            <a:endParaRPr lang="en-US" altLang="zh-CN" dirty="0" smtClean="0"/>
+          </a:p>
+          <a:p>
+            <a:r>
+              <a:rPr lang="en-US" altLang="zh-CN" dirty="0" smtClean="0"/>
+              <a:t>4.2 </a:t>
+            </a:r>
+            <a:r>
+              <a:rPr lang="zh-CN" altLang="en-US" dirty="0" smtClean="0"/>
+              <a:t>爬虫的定义： 向网站发起请求，获取资源后分析并提取有用数据的程序 </a:t>
+            </a:r>
+            <a:endParaRPr lang="en-US" altLang="zh-CN" dirty="0" smtClean="0"/>
+          </a:p>
+          <a:p>
+            <a:r>
+              <a:rPr lang="en-US" altLang="zh-CN" dirty="0" smtClean="0"/>
+              <a:t>4.3 </a:t>
+            </a:r>
+            <a:r>
+              <a:rPr lang="zh-CN" altLang="en-US" dirty="0" smtClean="0"/>
+              <a:t>爬虫的价值： 互联网中最有价值的便是数据，比如天猫商城的商品信息，链家网的租房信息，雪球网的证券投资信息等等，这些数据都代表了各个行业的真金白银，可以说，谁掌握了行业内的第一手数据，谁就成了整个行业的主宰，如果把整个互联网的数据比喻为一座宝藏，那我们的爬虫课程就是来教大家如何来高效地挖掘这些宝藏。</a:t>
+            </a:r>
+            <a:endParaRPr lang="zh-CN" altLang="en-US" dirty="0"/>
+          </a:p>
+        </p:txBody>
+      </p:sp>
+    </p:spTree>
+  </p:cSld>
+  <p:clrMapOvr>
+    <a:masterClrMapping/>
+  </p:clrMapOvr>
+  <p:timing>
+    <p:tnLst>
+      <p:par>
+        <p:cTn id="1" dur="indefinite" restart="never" nodeType="tmRoot"/>
+      </p:par>
+    </p:tnLst>
+  </p:timing>
+</p:sld>
+</file>
+
+<file path=ppt/slides/slide234.xml><?xml version="1.0" encoding="utf-8"?>
+<p:sld xmlns:a="http://schemas.openxmlformats.org/drawingml/2006/main" xmlns:r="http://schemas.openxmlformats.org/officeDocument/2006/relationships" xmlns:p="http://schemas.openxmlformats.org/presentationml/2006/main">
+  <p:cSld>
+    <p:spTree>
+      <p:nvGrpSpPr>
+        <p:cNvPr id="1" name=""/>
+        <p:cNvGrpSpPr/>
+        <p:nvPr/>
+      </p:nvGrpSpPr>
+      <p:grpSpPr>
+        <a:xfrm>
+          <a:off x="0" y="0"/>
+          <a:ext cx="0" cy="0"/>
+          <a:chOff x="0" y="0"/>
+          <a:chExt cx="0" cy="0"/>
+        </a:xfrm>
+      </p:grpSpPr>
+      <p:sp>
+        <p:nvSpPr>
+          <p:cNvPr id="2" name="标题 1"/>
+          <p:cNvSpPr>
+            <a:spLocks noGrp="1"/>
+          </p:cNvSpPr>
+          <p:nvPr>
+            <p:ph type="title"/>
+          </p:nvPr>
+        </p:nvSpPr>
+        <p:spPr/>
+        <p:txBody>
+          <a:bodyPr/>
+          <a:lstStyle/>
+          <a:p>
+            <a:r>
+              <a:rPr lang="en-US" altLang="zh-CN" dirty="0" smtClean="0"/>
+              <a:t>23 </a:t>
+            </a:r>
+            <a:r>
+              <a:rPr lang="zh-CN" altLang="en-US" dirty="0" smtClean="0"/>
+              <a:t>回顾</a:t>
+            </a:r>
+            <a:r>
+              <a:rPr lang="en-US" altLang="zh-CN" dirty="0" smtClean="0"/>
+              <a:t>&amp;</a:t>
+            </a:r>
+            <a:r>
+              <a:rPr lang="zh-CN" altLang="en-US" dirty="0" smtClean="0"/>
+              <a:t>练习</a:t>
+            </a:r>
+            <a:endParaRPr lang="zh-CN" altLang="en-US" dirty="0"/>
+          </a:p>
+        </p:txBody>
+      </p:sp>
+      <p:sp>
+        <p:nvSpPr>
+          <p:cNvPr id="3" name="内容占位符 2"/>
+          <p:cNvSpPr>
+            <a:spLocks noGrp="1"/>
+          </p:cNvSpPr>
+          <p:nvPr>
+            <p:ph idx="1"/>
+          </p:nvPr>
+        </p:nvSpPr>
+        <p:spPr/>
+        <p:txBody>
+          <a:bodyPr/>
+          <a:lstStyle/>
+          <a:p>
+            <a:r>
+              <a:rPr lang="zh-CN" altLang="en-US" dirty="0" smtClean="0"/>
+              <a:t>暂停一秒输出。</a:t>
+            </a:r>
+            <a:endParaRPr lang="zh-CN" altLang="en-US" dirty="0"/>
+          </a:p>
+        </p:txBody>
+      </p:sp>
+    </p:spTree>
+  </p:cSld>
+  <p:clrMapOvr>
+    <a:masterClrMapping/>
+  </p:clrMapOvr>
+</p:sld>
+</file>
+
+<file path=ppt/slides/slide235.xml><?xml version="1.0" encoding="utf-8"?>
+<p:sld xmlns:a="http://schemas.openxmlformats.org/drawingml/2006/main" xmlns:r="http://schemas.openxmlformats.org/officeDocument/2006/relationships" xmlns:p="http://schemas.openxmlformats.org/presentationml/2006/main">
+  <p:cSld>
+    <p:spTree>
+      <p:nvGrpSpPr>
+        <p:cNvPr id="1" name=""/>
+        <p:cNvGrpSpPr/>
+        <p:nvPr/>
+      </p:nvGrpSpPr>
+      <p:grpSpPr>
+        <a:xfrm>
+          <a:off x="0" y="0"/>
+          <a:ext cx="0" cy="0"/>
+          <a:chOff x="0" y="0"/>
+          <a:chExt cx="0" cy="0"/>
+        </a:xfrm>
+      </p:grpSpPr>
+      <p:sp>
+        <p:nvSpPr>
+          <p:cNvPr id="2" name="标题 1"/>
+          <p:cNvSpPr>
+            <a:spLocks noGrp="1"/>
+          </p:cNvSpPr>
+          <p:nvPr>
+            <p:ph type="title"/>
+          </p:nvPr>
+        </p:nvSpPr>
+        <p:spPr/>
+        <p:txBody>
+          <a:bodyPr/>
+          <a:lstStyle/>
+          <a:p>
+            <a:r>
+              <a:rPr lang="en-US" altLang="zh-CN" dirty="0" smtClean="0"/>
+              <a:t>24.1 </a:t>
+            </a:r>
+            <a:r>
+              <a:rPr lang="zh-CN" altLang="en-US" dirty="0" smtClean="0"/>
+              <a:t>测试</a:t>
+            </a:r>
+            <a:endParaRPr lang="zh-CN" altLang="en-US" dirty="0"/>
+          </a:p>
+        </p:txBody>
+      </p:sp>
+      <p:sp>
+        <p:nvSpPr>
+          <p:cNvPr id="3" name="内容占位符 2"/>
+          <p:cNvSpPr>
+            <a:spLocks noGrp="1"/>
+          </p:cNvSpPr>
+          <p:nvPr>
+            <p:ph idx="1"/>
+          </p:nvPr>
+        </p:nvSpPr>
+        <p:spPr/>
+        <p:txBody>
+          <a:bodyPr/>
+          <a:lstStyle/>
+          <a:p>
+            <a:r>
+              <a:rPr lang="en-US" altLang="zh-CN" dirty="0" smtClean="0">
+                <a:hlinkClick r:id="rId2"/>
+              </a:rPr>
+              <a:t>https://</a:t>
+            </a:r>
+            <a:r>
+              <a:rPr lang="en-US" altLang="zh-CN" dirty="0" smtClean="0">
+                <a:hlinkClick r:id="rId2"/>
+              </a:rPr>
+              <a:t>www.runoob.com/quiz/python-quiz.html</a:t>
+            </a:r>
+            <a:endParaRPr lang="en-US" altLang="zh-CN" dirty="0" smtClean="0"/>
+          </a:p>
+          <a:p>
+            <a:r>
+              <a:rPr lang="zh-CN" altLang="en-US" dirty="0" smtClean="0"/>
+              <a:t>通过上面网址完成测试，查看自己掌握的程度</a:t>
+            </a:r>
+            <a:endParaRPr lang="zh-CN" altLang="en-US" dirty="0"/>
+          </a:p>
+        </p:txBody>
+      </p:sp>
+    </p:spTree>
+  </p:cSld>
+  <p:clrMapOvr>
+    <a:masterClrMapping/>
+  </p:clrMapOvr>
+</p:sld>
+</file>
+
+<file path=ppt/slides/slide236.xml><?xml version="1.0" encoding="utf-8"?>
+<p:sld xmlns:a="http://schemas.openxmlformats.org/drawingml/2006/main" xmlns:r="http://schemas.openxmlformats.org/officeDocument/2006/relationships" xmlns:p="http://schemas.openxmlformats.org/presentationml/2006/main">
+  <p:cSld>
+    <p:spTree>
+      <p:nvGrpSpPr>
+        <p:cNvPr id="1" name=""/>
+        <p:cNvGrpSpPr/>
+        <p:nvPr/>
+      </p:nvGrpSpPr>
+      <p:grpSpPr>
+        <a:xfrm>
+          <a:off x="0" y="0"/>
+          <a:ext cx="0" cy="0"/>
+          <a:chOff x="0" y="0"/>
+          <a:chExt cx="0" cy="0"/>
+        </a:xfrm>
+      </p:grpSpPr>
+      <p:sp>
+        <p:nvSpPr>
+          <p:cNvPr id="2" name="标题 1"/>
+          <p:cNvSpPr>
+            <a:spLocks noGrp="1"/>
+          </p:cNvSpPr>
+          <p:nvPr>
+            <p:ph type="title"/>
+          </p:nvPr>
+        </p:nvSpPr>
+        <p:spPr/>
+        <p:txBody>
+          <a:bodyPr/>
+          <a:lstStyle/>
+          <a:p>
+            <a:pPr algn="l"/>
+            <a:r>
+              <a:rPr lang="en-US" altLang="zh-CN" dirty="0" smtClean="0"/>
+              <a:t>24.2 </a:t>
+            </a:r>
+            <a:r>
+              <a:rPr lang="zh-CN" altLang="en-US" dirty="0" smtClean="0"/>
+              <a:t>练习</a:t>
+            </a:r>
+            <a:endParaRPr lang="zh-CN" altLang="en-US" dirty="0"/>
+          </a:p>
+        </p:txBody>
+      </p:sp>
+      <p:sp>
+        <p:nvSpPr>
+          <p:cNvPr id="3" name="内容占位符 2"/>
+          <p:cNvSpPr>
+            <a:spLocks noGrp="1"/>
+          </p:cNvSpPr>
+          <p:nvPr>
+            <p:ph idx="1"/>
+          </p:nvPr>
+        </p:nvSpPr>
+        <p:spPr/>
+        <p:txBody>
+          <a:bodyPr>
+            <a:normAutofit lnSpcReduction="10000"/>
+          </a:bodyPr>
+          <a:lstStyle/>
+          <a:p>
+            <a:r>
+              <a:rPr lang="zh-CN" altLang="en-US" dirty="0" smtClean="0"/>
+              <a:t>习题</a:t>
+            </a:r>
+            <a:r>
+              <a:rPr lang="en-US" altLang="zh-CN" dirty="0" smtClean="0"/>
+              <a:t>1</a:t>
+            </a:r>
+            <a:r>
+              <a:rPr lang="zh-CN" altLang="en-US" dirty="0" smtClean="0"/>
+              <a:t>：</a:t>
+            </a:r>
+            <a:endParaRPr lang="en-US" altLang="zh-CN" dirty="0" smtClean="0"/>
+          </a:p>
+          <a:p>
+            <a:pPr lvl="1"/>
+            <a:r>
+              <a:rPr lang="zh-CN" altLang="en-US" dirty="0" smtClean="0"/>
+              <a:t>有四个数字：</a:t>
+            </a:r>
+            <a:r>
+              <a:rPr lang="en-US" altLang="zh-CN" dirty="0" smtClean="0"/>
+              <a:t>1</a:t>
+            </a:r>
+            <a:r>
+              <a:rPr lang="zh-CN" altLang="en-US" dirty="0" smtClean="0"/>
+              <a:t>、</a:t>
+            </a:r>
+            <a:r>
+              <a:rPr lang="en-US" altLang="zh-CN" dirty="0" smtClean="0"/>
+              <a:t>2</a:t>
+            </a:r>
+            <a:r>
+              <a:rPr lang="zh-CN" altLang="en-US" dirty="0" smtClean="0"/>
+              <a:t>、</a:t>
+            </a:r>
+            <a:r>
+              <a:rPr lang="en-US" altLang="zh-CN" dirty="0" smtClean="0"/>
+              <a:t>3</a:t>
+            </a:r>
+            <a:r>
+              <a:rPr lang="zh-CN" altLang="en-US" dirty="0" smtClean="0"/>
+              <a:t>、</a:t>
+            </a:r>
+            <a:r>
+              <a:rPr lang="en-US" altLang="zh-CN" dirty="0" smtClean="0"/>
+              <a:t>4</a:t>
+            </a:r>
+            <a:r>
+              <a:rPr lang="zh-CN" altLang="en-US" dirty="0" smtClean="0"/>
+              <a:t>，能组成多少个互不相同且无重复数字的三位数？各是多少</a:t>
+            </a:r>
+            <a:r>
+              <a:rPr lang="zh-CN" altLang="en-US" dirty="0" smtClean="0"/>
+              <a:t>？</a:t>
+            </a:r>
+            <a:endParaRPr lang="en-US" altLang="zh-CN" dirty="0" smtClean="0"/>
+          </a:p>
+          <a:p>
+            <a:r>
+              <a:rPr lang="zh-CN" altLang="en-US" dirty="0" smtClean="0"/>
+              <a:t>习题</a:t>
+            </a:r>
+            <a:r>
+              <a:rPr lang="en-US" altLang="zh-CN" dirty="0" smtClean="0"/>
+              <a:t>2</a:t>
+            </a:r>
+            <a:r>
+              <a:rPr lang="zh-CN" altLang="en-US" dirty="0" smtClean="0"/>
+              <a:t>：</a:t>
+            </a:r>
+            <a:endParaRPr lang="en-US" altLang="zh-CN" dirty="0" smtClean="0"/>
+          </a:p>
+          <a:p>
+            <a:pPr lvl="1"/>
+            <a:r>
+              <a:rPr lang="zh-CN" altLang="en-US" dirty="0" smtClean="0"/>
+              <a:t>输入某年某月某日，判断这一天是这一年的第几天</a:t>
+            </a:r>
+            <a:r>
+              <a:rPr lang="zh-CN" altLang="en-US" dirty="0" smtClean="0"/>
+              <a:t>？</a:t>
+            </a:r>
+            <a:endParaRPr lang="en-US" altLang="zh-CN" dirty="0" smtClean="0"/>
+          </a:p>
+          <a:p>
+            <a:r>
+              <a:rPr lang="zh-CN" altLang="en-US" dirty="0" smtClean="0"/>
+              <a:t>习题</a:t>
+            </a:r>
+            <a:r>
+              <a:rPr lang="en-US" altLang="zh-CN" dirty="0" smtClean="0"/>
+              <a:t>3</a:t>
+            </a:r>
+          </a:p>
+          <a:p>
+            <a:pPr lvl="1"/>
+            <a:r>
+              <a:rPr lang="zh-CN" altLang="en-US" dirty="0" smtClean="0"/>
+              <a:t>输入三个整数</a:t>
+            </a:r>
+            <a:r>
+              <a:rPr lang="en-US" altLang="zh-CN" dirty="0" err="1" smtClean="0"/>
+              <a:t>x,y,z</a:t>
+            </a:r>
+            <a:r>
+              <a:rPr lang="zh-CN" altLang="en-US" dirty="0" smtClean="0"/>
+              <a:t>，请把这三个数由小到大输出。</a:t>
+            </a:r>
+            <a:endParaRPr lang="en-US" altLang="zh-CN" dirty="0" smtClean="0"/>
+          </a:p>
+          <a:p>
+            <a:pPr lvl="1">
+              <a:buNone/>
+            </a:pPr>
+            <a:endParaRPr lang="en-US" altLang="zh-CN" dirty="0" smtClean="0"/>
+          </a:p>
+        </p:txBody>
+      </p:sp>
+    </p:spTree>
+  </p:cSld>
+  <p:clrMapOvr>
+    <a:masterClrMapping/>
+  </p:clrMapOvr>
+</p:sld>
+</file>
+
+<file path=ppt/slides/slide237.xml><?xml version="1.0" encoding="utf-8"?>
+<p:sld xmlns:a="http://schemas.openxmlformats.org/drawingml/2006/main" xmlns:r="http://schemas.openxmlformats.org/officeDocument/2006/relationships" xmlns:p="http://schemas.openxmlformats.org/presentationml/2006/main">
+  <p:cSld>
+    <p:spTree>
+      <p:nvGrpSpPr>
+        <p:cNvPr id="1" name=""/>
+        <p:cNvGrpSpPr/>
+        <p:nvPr/>
+      </p:nvGrpSpPr>
+      <p:grpSpPr>
+        <a:xfrm>
+          <a:off x="0" y="0"/>
+          <a:ext cx="0" cy="0"/>
+          <a:chOff x="0" y="0"/>
+          <a:chExt cx="0" cy="0"/>
+        </a:xfrm>
+      </p:grpSpPr>
+      <p:sp>
+        <p:nvSpPr>
+          <p:cNvPr id="2" name="标题 1"/>
+          <p:cNvSpPr>
+            <a:spLocks noGrp="1"/>
+          </p:cNvSpPr>
+          <p:nvPr>
+            <p:ph type="title"/>
+          </p:nvPr>
+        </p:nvSpPr>
+        <p:spPr/>
+        <p:txBody>
+          <a:bodyPr/>
+          <a:lstStyle/>
+          <a:p>
+            <a:endParaRPr lang="zh-CN" altLang="en-US"/>
+          </a:p>
+        </p:txBody>
+      </p:sp>
+      <p:sp>
+        <p:nvSpPr>
+          <p:cNvPr id="3" name="内容占位符 2"/>
+          <p:cNvSpPr>
+            <a:spLocks noGrp="1"/>
+          </p:cNvSpPr>
+          <p:nvPr>
+            <p:ph idx="1"/>
+          </p:nvPr>
+        </p:nvSpPr>
+        <p:spPr/>
+        <p:txBody>
+          <a:bodyPr>
+            <a:normAutofit fontScale="92500"/>
+          </a:bodyPr>
+          <a:lstStyle/>
+          <a:p>
+            <a:r>
+              <a:rPr lang="zh-CN" altLang="en-US" dirty="0" smtClean="0"/>
+              <a:t>习题</a:t>
+            </a:r>
+            <a:r>
+              <a:rPr lang="en-US" altLang="zh-CN" dirty="0" smtClean="0"/>
+              <a:t>3,</a:t>
+            </a:r>
+            <a:r>
+              <a:rPr lang="zh-CN" altLang="en-US" dirty="0" smtClean="0"/>
+              <a:t>乘法口诀</a:t>
+            </a:r>
+            <a:endParaRPr lang="en-US" altLang="zh-CN" dirty="0" smtClean="0"/>
+          </a:p>
+          <a:p>
+            <a:pPr lvl="1"/>
+            <a:r>
+              <a:rPr lang="zh-CN" altLang="en-US" dirty="0" smtClean="0"/>
+              <a:t>输出 </a:t>
+            </a:r>
+            <a:r>
+              <a:rPr lang="en-US" altLang="zh-CN" dirty="0" smtClean="0"/>
+              <a:t>9*9 </a:t>
+            </a:r>
+            <a:r>
+              <a:rPr lang="zh-CN" altLang="en-US" dirty="0" smtClean="0"/>
+              <a:t>乘法口诀表</a:t>
+            </a:r>
+            <a:r>
+              <a:rPr lang="zh-CN" altLang="en-US" dirty="0" smtClean="0"/>
+              <a:t>。</a:t>
+            </a:r>
+            <a:endParaRPr lang="en-US" altLang="zh-CN" dirty="0" smtClean="0"/>
+          </a:p>
+          <a:p>
+            <a:r>
+              <a:rPr lang="zh-CN" altLang="en-US" dirty="0" smtClean="0"/>
+              <a:t>习题</a:t>
+            </a:r>
+            <a:r>
+              <a:rPr lang="en-US" altLang="zh-CN" dirty="0" smtClean="0"/>
+              <a:t>4,</a:t>
+            </a:r>
+            <a:r>
+              <a:rPr lang="zh-CN" altLang="en-US" dirty="0" smtClean="0"/>
+              <a:t>养兔子</a:t>
+            </a:r>
+            <a:endParaRPr lang="en-US" altLang="zh-CN" dirty="0" smtClean="0"/>
+          </a:p>
+          <a:p>
+            <a:pPr lvl="1"/>
+            <a:r>
+              <a:rPr lang="zh-CN" altLang="en-US" dirty="0" smtClean="0"/>
+              <a:t>有一对兔子，从出生后第</a:t>
+            </a:r>
+            <a:r>
+              <a:rPr lang="en-US" altLang="zh-CN" dirty="0" smtClean="0"/>
+              <a:t>3</a:t>
+            </a:r>
+            <a:r>
+              <a:rPr lang="zh-CN" altLang="en-US" dirty="0" smtClean="0"/>
+              <a:t>个月起每个月都生一对兔子，小兔子长到第三个月后每个月又生一对兔子，假如兔子都不死，问每个月的兔子总数为多少</a:t>
+            </a:r>
+            <a:r>
+              <a:rPr lang="zh-CN" altLang="en-US" dirty="0" smtClean="0"/>
+              <a:t>？</a:t>
+            </a:r>
+            <a:endParaRPr lang="en-US" altLang="zh-CN" dirty="0" smtClean="0"/>
+          </a:p>
+          <a:p>
+            <a:r>
+              <a:rPr lang="zh-CN" altLang="en-US" dirty="0" smtClean="0"/>
+              <a:t>习题</a:t>
+            </a:r>
+            <a:r>
+              <a:rPr lang="en-US" altLang="zh-CN" dirty="0" smtClean="0"/>
+              <a:t>5,</a:t>
+            </a:r>
+            <a:r>
+              <a:rPr lang="zh-CN" altLang="en-US" dirty="0" smtClean="0"/>
+              <a:t>素数</a:t>
+            </a:r>
+            <a:endParaRPr lang="en-US" altLang="zh-CN" dirty="0" smtClean="0"/>
+          </a:p>
+          <a:p>
+            <a:pPr lvl="1"/>
+            <a:r>
+              <a:rPr lang="zh-CN" altLang="en-US" dirty="0" smtClean="0"/>
+              <a:t>判断</a:t>
+            </a:r>
+            <a:r>
+              <a:rPr lang="en-US" altLang="zh-CN" dirty="0" smtClean="0"/>
+              <a:t>101-200</a:t>
+            </a:r>
+            <a:r>
+              <a:rPr lang="zh-CN" altLang="en-US" dirty="0" smtClean="0"/>
+              <a:t>之间有多少个素数，并输出所有素数。</a:t>
+            </a:r>
+            <a:endParaRPr lang="zh-CN" altLang="en-US" dirty="0"/>
+          </a:p>
+        </p:txBody>
+      </p:sp>
+    </p:spTree>
+  </p:cSld>
+  <p:clrMapOvr>
+    <a:masterClrMapping/>
+  </p:clrMapOvr>
+</p:sld>
+</file>
+
+<file path=ppt/slides/slide238.xml><?xml version="1.0" encoding="utf-8"?>
+<p:sld xmlns:a="http://schemas.openxmlformats.org/drawingml/2006/main" xmlns:r="http://schemas.openxmlformats.org/officeDocument/2006/relationships" xmlns:p="http://schemas.openxmlformats.org/presentationml/2006/main">
+  <p:cSld>
+    <p:spTree>
+      <p:nvGrpSpPr>
+        <p:cNvPr id="1" name=""/>
+        <p:cNvGrpSpPr/>
+        <p:nvPr/>
+      </p:nvGrpSpPr>
+      <p:grpSpPr>
+        <a:xfrm>
+          <a:off x="0" y="0"/>
+          <a:ext cx="0" cy="0"/>
+          <a:chOff x="0" y="0"/>
+          <a:chExt cx="0" cy="0"/>
+        </a:xfrm>
+      </p:grpSpPr>
+      <p:sp>
+        <p:nvSpPr>
+          <p:cNvPr id="2" name="标题 1"/>
+          <p:cNvSpPr>
+            <a:spLocks noGrp="1"/>
+          </p:cNvSpPr>
+          <p:nvPr>
+            <p:ph type="title"/>
+          </p:nvPr>
+        </p:nvSpPr>
+        <p:spPr/>
+        <p:txBody>
+          <a:bodyPr/>
+          <a:lstStyle/>
+          <a:p>
+            <a:pPr algn="l"/>
+            <a:r>
+              <a:rPr lang="en-US" altLang="zh-CN" dirty="0" smtClean="0"/>
+              <a:t>23.6 </a:t>
+            </a:r>
+            <a:r>
+              <a:rPr lang="zh-CN" altLang="en-US" dirty="0" smtClean="0"/>
+              <a:t>回顾</a:t>
+            </a:r>
+            <a:endParaRPr lang="zh-CN" altLang="en-US" dirty="0"/>
+          </a:p>
+        </p:txBody>
+      </p:sp>
+      <p:sp>
+        <p:nvSpPr>
+          <p:cNvPr id="3" name="内容占位符 2"/>
+          <p:cNvSpPr>
+            <a:spLocks noGrp="1"/>
+          </p:cNvSpPr>
+          <p:nvPr>
+            <p:ph idx="1"/>
+          </p:nvPr>
+        </p:nvSpPr>
+        <p:spPr/>
+        <p:txBody>
+          <a:bodyPr>
+            <a:normAutofit fontScale="92500" lnSpcReduction="10000"/>
+          </a:bodyPr>
+          <a:lstStyle/>
+          <a:p>
+            <a:r>
+              <a:rPr lang="zh-CN" altLang="en-US" dirty="0" smtClean="0"/>
+              <a:t>有很多很多别的主题需要研究，还有很多资源可以帮助你在不同的编程领域尤其是</a:t>
+            </a:r>
+            <a:r>
+              <a:rPr lang="en-US" altLang="zh-CN" dirty="0" smtClean="0"/>
+              <a:t>Python </a:t>
+            </a:r>
+            <a:r>
+              <a:rPr lang="zh-CN" altLang="en-US" dirty="0" smtClean="0"/>
+              <a:t>编程领域中更为深入。</a:t>
+            </a:r>
+            <a:endParaRPr lang="en-US" altLang="zh-CN" dirty="0" smtClean="0"/>
+          </a:p>
+          <a:p>
+            <a:r>
+              <a:rPr lang="zh-CN" altLang="en-US" dirty="0" smtClean="0"/>
+              <a:t>利用</a:t>
+            </a:r>
+            <a:r>
+              <a:rPr lang="en-US" altLang="zh-CN" dirty="0" smtClean="0"/>
+              <a:t>Python </a:t>
+            </a:r>
+            <a:r>
+              <a:rPr lang="zh-CN" altLang="en-US" dirty="0" smtClean="0"/>
+              <a:t>可以做很多事，但如果你需要做一些特定的事情，可能需要其他的语言，比如</a:t>
+            </a:r>
+            <a:r>
+              <a:rPr lang="en-US" altLang="zh-CN" dirty="0" smtClean="0"/>
+              <a:t>C</a:t>
+            </a:r>
+            <a:r>
+              <a:rPr lang="zh-CN" altLang="en-US" dirty="0" smtClean="0"/>
+              <a:t>、</a:t>
+            </a:r>
+            <a:r>
+              <a:rPr lang="en-US" altLang="zh-CN" dirty="0" smtClean="0"/>
+              <a:t>C++</a:t>
+            </a:r>
+            <a:r>
+              <a:rPr lang="zh-CN" altLang="en-US" dirty="0" smtClean="0"/>
+              <a:t>、</a:t>
+            </a:r>
+            <a:r>
+              <a:rPr lang="en-US" altLang="zh-CN" dirty="0" smtClean="0"/>
+              <a:t>Java</a:t>
+            </a:r>
+            <a:r>
+              <a:rPr lang="zh-CN" altLang="en-US" dirty="0" smtClean="0"/>
+              <a:t>、</a:t>
+            </a:r>
+            <a:r>
+              <a:rPr lang="en-US" altLang="zh-CN" dirty="0" smtClean="0"/>
+              <a:t>JavaScript</a:t>
+            </a:r>
+            <a:r>
+              <a:rPr lang="zh-CN" altLang="en-US" dirty="0" smtClean="0"/>
+              <a:t>（和</a:t>
+            </a:r>
+            <a:r>
+              <a:rPr lang="en-US" altLang="zh-CN" dirty="0" smtClean="0"/>
+              <a:t>Java </a:t>
+            </a:r>
+            <a:r>
+              <a:rPr lang="zh-CN" altLang="en-US" dirty="0" smtClean="0"/>
+              <a:t>不同）或者别的什么语言。</a:t>
+            </a:r>
+            <a:endParaRPr lang="en-US" altLang="zh-CN" dirty="0" smtClean="0"/>
+          </a:p>
+          <a:p>
+            <a:r>
+              <a:rPr lang="zh-CN" altLang="en-US" dirty="0" smtClean="0"/>
+              <a:t>不管怎样，享受编程的快乐吧！不断学习、探索和试验。你对编程了解得越多，就会发觉它越有意思！</a:t>
+            </a:r>
+            <a:endParaRPr lang="zh-CN" altLang="en-US" dirty="0"/>
+          </a:p>
+        </p:txBody>
+      </p:sp>
+    </p:spTree>
+  </p:cSld>
+  <p:clrMapOvr>
+    <a:masterClrMapping/>
+  </p:clrMapOvr>
+  <p:timing>
+    <p:tnLst>
+      <p:par>
+        <p:cTn id="1" dur="indefinite" restart="never" nodeType="tmRoot"/>
+      </p:par>
+    </p:tnLst>
+  </p:timing>
 </p:sld>
 </file>
 
@@ -35573,4 +37003,287 @@
   <a:objectDefaults/>
   <a:extraClrSchemeLst/>
 </a:theme>
+</file>
+
+<file path=ppt/theme/theme2.xml><?xml version="1.0" encoding="utf-8"?>
+<a:theme xmlns:a="http://schemas.openxmlformats.org/drawingml/2006/main" name="Office 主题">
+  <a:themeElements>
+    <a:clrScheme name="Office">
+      <a:dk1>
+        <a:sysClr val="windowText" lastClr="000000"/>
+      </a:dk1>
+      <a:lt1>
+        <a:sysClr val="window" lastClr="FFFFFF"/>
+      </a:lt1>
+      <a:dk2>
+        <a:srgbClr val="1F497D"/>
+      </a:dk2>
+      <a:lt2>
+        <a:srgbClr val="EEECE1"/>
+      </a:lt2>
+      <a:accent1>
+        <a:srgbClr val="4F81BD"/>
+      </a:accent1>
+      <a:accent2>
+        <a:srgbClr val="C0504D"/>
+      </a:accent2>
+      <a:accent3>
+        <a:srgbClr val="9BBB59"/>
+      </a:accent3>
+      <a:accent4>
+        <a:srgbClr val="8064A2"/>
+      </a:accent4>
+      <a:accent5>
+        <a:srgbClr val="4BACC6"/>
+      </a:accent5>
+      <a:accent6>
+        <a:srgbClr val="F79646"/>
+      </a:accent6>
+      <a:hlink>
+        <a:srgbClr val="0000FF"/>
+      </a:hlink>
+      <a:folHlink>
+        <a:srgbClr val="800080"/>
+      </a:folHlink>
+    </a:clrScheme>
+    <a:fontScheme name="Office">
+      <a:majorFont>
+        <a:latin typeface="Calibri"/>
+        <a:ea typeface=""/>
+        <a:cs typeface=""/>
+        <a:font script="Jpan" typeface="ＭＳ Ｐゴシック"/>
+        <a:font script="Hang" typeface="맑은 고딕"/>
+        <a:font script="Hans" typeface="宋体"/>
+        <a:font script="Hant" typeface="新細明體"/>
+        <a:font script="Arab" typeface="Times New Roman"/>
+        <a:font script="Hebr" typeface="Times New Roman"/>
+        <a:font script="Thai" typeface="Angsana New"/>
+        <a:font script="Ethi" typeface="Nyala"/>
+        <a:font script="Beng" typeface="Vrinda"/>
+        <a:font script="Gujr" typeface="Shruti"/>
+        <a:font script="Khmr" typeface="MoolBoran"/>
+        <a:font script="Knda" typeface="Tunga"/>
+        <a:font script="Guru" typeface="Raavi"/>
+        <a:font script="Cans" typeface="Euphemia"/>
+        <a:font script="Cher" typeface="Plantagenet Cherokee"/>
+        <a:font script="Yiii" typeface="Microsoft Yi Baiti"/>
+        <a:font script="Tibt" typeface="Microsoft Himalaya"/>
+        <a:font script="Thaa" typeface="MV Boli"/>
+        <a:font script="Deva" typeface="Mangal"/>
+        <a:font script="Telu" typeface="Gautami"/>
+        <a:font script="Taml" typeface="Latha"/>
+        <a:font script="Syrc" typeface="Estrangelo Edessa"/>
+        <a:font script="Orya" typeface="Kalinga"/>
+        <a:font script="Mlym" typeface="Kartika"/>
+        <a:font script="Laoo" typeface="DokChampa"/>
+        <a:font script="Sinh" typeface="Iskoola Pota"/>
+        <a:font script="Mong" typeface="Mongolian Baiti"/>
+        <a:font script="Viet" typeface="Times New Roman"/>
+        <a:font script="Uigh" typeface="Microsoft Uighur"/>
+      </a:majorFont>
+      <a:minorFont>
+        <a:latin typeface="Calibri"/>
+        <a:ea typeface=""/>
+        <a:cs typeface=""/>
+        <a:font script="Jpan" typeface="ＭＳ Ｐゴシック"/>
+        <a:font script="Hang" typeface="맑은 고딕"/>
+        <a:font script="Hans" typeface="宋体"/>
+        <a:font script="Hant" typeface="新細明體"/>
+        <a:font script="Arab" typeface="Arial"/>
+        <a:font script="Hebr" typeface="Arial"/>
+        <a:font script="Thai" typeface="Cordia New"/>
+        <a:font script="Ethi" typeface="Nyala"/>
+        <a:font script="Beng" typeface="Vrinda"/>
+        <a:font script="Gujr" typeface="Shruti"/>
+        <a:font script="Khmr" typeface="DaunPenh"/>
+        <a:font script="Knda" typeface="Tunga"/>
+        <a:font script="Guru" typeface="Raavi"/>
+        <a:font script="Cans" typeface="Euphemia"/>
+        <a:font script="Cher" typeface="Plantagenet Cherokee"/>
+        <a:font script="Yiii" typeface="Microsoft Yi Baiti"/>
+        <a:font script="Tibt" typeface="Microsoft Himalaya"/>
+        <a:font script="Thaa" typeface="MV Boli"/>
+        <a:font script="Deva" typeface="Mangal"/>
+        <a:font script="Telu" typeface="Gautami"/>
+        <a:font script="Taml" typeface="Latha"/>
+        <a:font script="Syrc" typeface="Estrangelo Edessa"/>
+        <a:font script="Orya" typeface="Kalinga"/>
+        <a:font script="Mlym" typeface="Kartika"/>
+        <a:font script="Laoo" typeface="DokChampa"/>
+        <a:font script="Sinh" typeface="Iskoola Pota"/>
+        <a:font script="Mong" typeface="Mongolian Baiti"/>
+        <a:font script="Viet" typeface="Arial"/>
+        <a:font script="Uigh" typeface="Microsoft Uighur"/>
+      </a:minorFont>
+    </a:fontScheme>
+    <a:fmtScheme name="Office">
+      <a:fillStyleLst>
+        <a:solidFill>
+          <a:schemeClr val="phClr"/>
+        </a:solidFill>
+        <a:gradFill rotWithShape="1">
+          <a:gsLst>
+            <a:gs pos="0">
+              <a:schemeClr val="phClr">
+                <a:tint val="50000"/>
+                <a:satMod val="300000"/>
+              </a:schemeClr>
+            </a:gs>
+            <a:gs pos="35000">
+              <a:schemeClr val="phClr">
+                <a:tint val="37000"/>
+                <a:satMod val="300000"/>
+              </a:schemeClr>
+            </a:gs>
+            <a:gs pos="100000">
+              <a:schemeClr val="phClr">
+                <a:tint val="15000"/>
+                <a:satMod val="350000"/>
+              </a:schemeClr>
+            </a:gs>
+          </a:gsLst>
+          <a:lin ang="16200000" scaled="1"/>
+        </a:gradFill>
+        <a:gradFill rotWithShape="1">
+          <a:gsLst>
+            <a:gs pos="0">
+              <a:schemeClr val="phClr">
+                <a:shade val="51000"/>
+                <a:satMod val="130000"/>
+              </a:schemeClr>
+            </a:gs>
+            <a:gs pos="80000">
+              <a:schemeClr val="phClr">
+                <a:shade val="93000"/>
+                <a:satMod val="130000"/>
+              </a:schemeClr>
+            </a:gs>
+            <a:gs pos="100000">
+              <a:schemeClr val="phClr">
+                <a:shade val="94000"/>
+                <a:satMod val="135000"/>
+              </a:schemeClr>
+            </a:gs>
+          </a:gsLst>
+          <a:lin ang="16200000" scaled="0"/>
+        </a:gradFill>
+      </a:fillStyleLst>
+      <a:lnStyleLst>
+        <a:ln w="9525" cap="flat" cmpd="sng" algn="ctr">
+          <a:solidFill>
+            <a:schemeClr val="phClr">
+              <a:shade val="95000"/>
+              <a:satMod val="105000"/>
+            </a:schemeClr>
+          </a:solidFill>
+          <a:prstDash val="solid"/>
+        </a:ln>
+        <a:ln w="25400" cap="flat" cmpd="sng" algn="ctr">
+          <a:solidFill>
+            <a:schemeClr val="phClr"/>
+          </a:solidFill>
+          <a:prstDash val="solid"/>
+        </a:ln>
+        <a:ln w="38100" cap="flat" cmpd="sng" algn="ctr">
+          <a:solidFill>
+            <a:schemeClr val="phClr"/>
+          </a:solidFill>
+          <a:prstDash val="solid"/>
+        </a:ln>
+      </a:lnStyleLst>
+      <a:effectStyleLst>
+        <a:effectStyle>
+          <a:effectLst>
+            <a:outerShdw blurRad="40000" dist="20000" dir="5400000" rotWithShape="0">
+              <a:srgbClr val="000000">
+                <a:alpha val="38000"/>
+              </a:srgbClr>
+            </a:outerShdw>
+          </a:effectLst>
+        </a:effectStyle>
+        <a:effectStyle>
+          <a:effectLst>
+            <a:outerShdw blurRad="40000" dist="23000" dir="5400000" rotWithShape="0">
+              <a:srgbClr val="000000">
+                <a:alpha val="35000"/>
+              </a:srgbClr>
+            </a:outerShdw>
+          </a:effectLst>
+        </a:effectStyle>
+        <a:effectStyle>
+          <a:effectLst>
+            <a:outerShdw blurRad="40000" dist="23000" dir="5400000" rotWithShape="0">
+              <a:srgbClr val="000000">
+                <a:alpha val="35000"/>
+              </a:srgbClr>
+            </a:outerShdw>
+          </a:effectLst>
+          <a:scene3d>
+            <a:camera prst="orthographicFront">
+              <a:rot lat="0" lon="0" rev="0"/>
+            </a:camera>
+            <a:lightRig rig="threePt" dir="t">
+              <a:rot lat="0" lon="0" rev="1200000"/>
+            </a:lightRig>
+          </a:scene3d>
+          <a:sp3d>
+            <a:bevelT w="63500" h="25400"/>
+          </a:sp3d>
+        </a:effectStyle>
+      </a:effectStyleLst>
+      <a:bgFillStyleLst>
+        <a:solidFill>
+          <a:schemeClr val="phClr"/>
+        </a:solidFill>
+        <a:gradFill rotWithShape="1">
+          <a:gsLst>
+            <a:gs pos="0">
+              <a:schemeClr val="phClr">
+                <a:tint val="40000"/>
+                <a:satMod val="350000"/>
+              </a:schemeClr>
+            </a:gs>
+            <a:gs pos="40000">
+              <a:schemeClr val="phClr">
+                <a:tint val="45000"/>
+                <a:shade val="99000"/>
+                <a:satMod val="350000"/>
+              </a:schemeClr>
+            </a:gs>
+            <a:gs pos="100000">
+              <a:schemeClr val="phClr">
+                <a:shade val="20000"/>
+                <a:satMod val="255000"/>
+              </a:schemeClr>
+            </a:gs>
+          </a:gsLst>
+          <a:path path="circle">
+            <a:fillToRect l="50000" t="-80000" r="50000" b="180000"/>
+          </a:path>
+        </a:gradFill>
+        <a:gradFill rotWithShape="1">
+          <a:gsLst>
+            <a:gs pos="0">
+              <a:schemeClr val="phClr">
+                <a:tint val="80000"/>
+                <a:satMod val="300000"/>
+              </a:schemeClr>
+            </a:gs>
+            <a:gs pos="100000">
+              <a:schemeClr val="phClr">
+                <a:shade val="30000"/>
+                <a:satMod val="200000"/>
+              </a:schemeClr>
+            </a:gs>
+          </a:gsLst>
+          <a:path path="circle">
+            <a:fillToRect l="50000" t="50000" r="50000" b="50000"/>
+          </a:path>
+        </a:gradFill>
+      </a:bgFillStyleLst>
+    </a:fmtScheme>
+  </a:themeElements>
+  <a:objectDefaults/>
+  <a:extraClrSchemeLst/>
+</a:theme>
 </file>
--- a/readme/Python3.pptx
+++ b/readme/Python3.pptx
@@ -245,7 +245,7 @@
     <p:sldId id="498" r:id="rId236"/>
     <p:sldId id="499" r:id="rId237"/>
     <p:sldId id="500" r:id="rId238"/>
-    <p:sldId id="489" r:id="rId239"/>
+    <p:sldId id="501" r:id="rId239"/>
   </p:sldIdLst>
   <p:sldSz cx="9144000" cy="6858000" type="screen4x3"/>
   <p:notesSz cx="6858000" cy="9144000"/>
@@ -430,7 +430,7 @@
             <a:fld id="{E802F11E-3173-4C56-919C-6D13EB1E3C4A}" type="datetimeFigureOut">
               <a:rPr lang="zh-CN" altLang="en-US" smtClean="0"/>
               <a:pPr/>
-              <a:t>2019-06-23</a:t>
+              <a:t>2019-09-01</a:t>
             </a:fld>
             <a:endParaRPr lang="zh-CN" altLang="en-US"/>
           </a:p>
@@ -960,7 +960,7 @@
             <a:fld id="{530820CF-B880-4189-942D-D702A7CBA730}" type="datetimeFigureOut">
               <a:rPr lang="zh-CN" altLang="en-US" smtClean="0"/>
               <a:pPr/>
-              <a:t>2019-06-23</a:t>
+              <a:t>2019-09-01</a:t>
             </a:fld>
             <a:endParaRPr lang="zh-CN" altLang="en-US"/>
           </a:p>
@@ -1127,7 +1127,7 @@
             <a:fld id="{530820CF-B880-4189-942D-D702A7CBA730}" type="datetimeFigureOut">
               <a:rPr lang="zh-CN" altLang="en-US" smtClean="0"/>
               <a:pPr/>
-              <a:t>2019-06-23</a:t>
+              <a:t>2019-09-01</a:t>
             </a:fld>
             <a:endParaRPr lang="zh-CN" altLang="en-US"/>
           </a:p>
@@ -1304,7 +1304,7 @@
             <a:fld id="{530820CF-B880-4189-942D-D702A7CBA730}" type="datetimeFigureOut">
               <a:rPr lang="zh-CN" altLang="en-US" smtClean="0"/>
               <a:pPr/>
-              <a:t>2019-06-23</a:t>
+              <a:t>2019-09-01</a:t>
             </a:fld>
             <a:endParaRPr lang="zh-CN" altLang="en-US"/>
           </a:p>
@@ -1471,7 +1471,7 @@
             <a:fld id="{530820CF-B880-4189-942D-D702A7CBA730}" type="datetimeFigureOut">
               <a:rPr lang="zh-CN" altLang="en-US" smtClean="0"/>
               <a:pPr/>
-              <a:t>2019-06-23</a:t>
+              <a:t>2019-09-01</a:t>
             </a:fld>
             <a:endParaRPr lang="zh-CN" altLang="en-US"/>
           </a:p>
@@ -1714,7 +1714,7 @@
             <a:fld id="{530820CF-B880-4189-942D-D702A7CBA730}" type="datetimeFigureOut">
               <a:rPr lang="zh-CN" altLang="en-US" smtClean="0"/>
               <a:pPr/>
-              <a:t>2019-06-23</a:t>
+              <a:t>2019-09-01</a:t>
             </a:fld>
             <a:endParaRPr lang="zh-CN" altLang="en-US"/>
           </a:p>
@@ -1999,7 +1999,7 @@
             <a:fld id="{530820CF-B880-4189-942D-D702A7CBA730}" type="datetimeFigureOut">
               <a:rPr lang="zh-CN" altLang="en-US" smtClean="0"/>
               <a:pPr/>
-              <a:t>2019-06-23</a:t>
+              <a:t>2019-09-01</a:t>
             </a:fld>
             <a:endParaRPr lang="zh-CN" altLang="en-US"/>
           </a:p>
@@ -2418,7 +2418,7 @@
             <a:fld id="{530820CF-B880-4189-942D-D702A7CBA730}" type="datetimeFigureOut">
               <a:rPr lang="zh-CN" altLang="en-US" smtClean="0"/>
               <a:pPr/>
-              <a:t>2019-06-23</a:t>
+              <a:t>2019-09-01</a:t>
             </a:fld>
             <a:endParaRPr lang="zh-CN" altLang="en-US"/>
           </a:p>
@@ -2533,7 +2533,7 @@
             <a:fld id="{530820CF-B880-4189-942D-D702A7CBA730}" type="datetimeFigureOut">
               <a:rPr lang="zh-CN" altLang="en-US" smtClean="0"/>
               <a:pPr/>
-              <a:t>2019-06-23</a:t>
+              <a:t>2019-09-01</a:t>
             </a:fld>
             <a:endParaRPr lang="zh-CN" altLang="en-US"/>
           </a:p>
@@ -2625,7 +2625,7 @@
             <a:fld id="{530820CF-B880-4189-942D-D702A7CBA730}" type="datetimeFigureOut">
               <a:rPr lang="zh-CN" altLang="en-US" smtClean="0"/>
               <a:pPr/>
-              <a:t>2019-06-23</a:t>
+              <a:t>2019-09-01</a:t>
             </a:fld>
             <a:endParaRPr lang="zh-CN" altLang="en-US"/>
           </a:p>
@@ -2899,7 +2899,7 @@
             <a:fld id="{530820CF-B880-4189-942D-D702A7CBA730}" type="datetimeFigureOut">
               <a:rPr lang="zh-CN" altLang="en-US" smtClean="0"/>
               <a:pPr/>
-              <a:t>2019-06-23</a:t>
+              <a:t>2019-09-01</a:t>
             </a:fld>
             <a:endParaRPr lang="zh-CN" altLang="en-US"/>
           </a:p>
@@ -3149,7 +3149,7 @@
             <a:fld id="{530820CF-B880-4189-942D-D702A7CBA730}" type="datetimeFigureOut">
               <a:rPr lang="zh-CN" altLang="en-US" smtClean="0"/>
               <a:pPr/>
-              <a:t>2019-06-23</a:t>
+              <a:t>2019-09-01</a:t>
             </a:fld>
             <a:endParaRPr lang="zh-CN" altLang="en-US"/>
           </a:p>
@@ -3359,7 +3359,7 @@
             <a:fld id="{530820CF-B880-4189-942D-D702A7CBA730}" type="datetimeFigureOut">
               <a:rPr lang="zh-CN" altLang="en-US" smtClean="0"/>
               <a:pPr/>
-              <a:t>2019-06-23</a:t>
+              <a:t>2019-09-01</a:t>
             </a:fld>
             <a:endParaRPr lang="zh-CN" altLang="en-US"/>
           </a:p>
@@ -25220,7 +25220,15 @@
             </a:r>
             <a:r>
               <a:rPr lang="zh-CN" altLang="en-US" dirty="0" smtClean="0"/>
-              <a:t>测试</a:t>
+              <a:t>测试（上了</a:t>
+            </a:r>
+            <a:r>
+              <a:rPr lang="en-US" altLang="zh-CN" dirty="0" smtClean="0"/>
+              <a:t>2</a:t>
+            </a:r>
+            <a:r>
+              <a:rPr lang="zh-CN" altLang="en-US" dirty="0" smtClean="0"/>
+              <a:t>次）</a:t>
             </a:r>
             <a:endParaRPr lang="zh-CN" altLang="en-US" dirty="0"/>
           </a:p>
@@ -25245,13 +25253,7 @@
               <a:rPr lang="en-US" altLang="zh-CN" dirty="0" smtClean="0">
                 <a:hlinkClick r:id="rId2"/>
               </a:rPr>
-              <a:t>https://</a:t>
-            </a:r>
-            <a:r>
-              <a:rPr lang="en-US" altLang="zh-CN" dirty="0" smtClean="0">
-                <a:hlinkClick r:id="rId2"/>
-              </a:rPr>
-              <a:t>www.runoob.com/quiz/python-quiz.html</a:t>
+              <a:t>https://www.runoob.com/quiz/python-quiz.html</a:t>
             </a:r>
             <a:endParaRPr lang="en-US" altLang="zh-CN" dirty="0" smtClean="0"/>
           </a:p>
@@ -25384,11 +25386,7 @@
             </a:r>
             <a:r>
               <a:rPr lang="zh-CN" altLang="en-US" dirty="0" smtClean="0"/>
-              <a:t>，能组成多少个互不相同且无重复数字的三位数？各是多少</a:t>
-            </a:r>
-            <a:r>
-              <a:rPr lang="zh-CN" altLang="en-US" dirty="0" smtClean="0"/>
-              <a:t>？</a:t>
+              <a:t>，能组成多少个互不相同且无重复数字的三位数？各是多少？</a:t>
             </a:r>
             <a:endParaRPr lang="en-US" altLang="zh-CN" dirty="0" smtClean="0"/>
           </a:p>
@@ -25411,11 +25409,7 @@
             <a:pPr lvl="1"/>
             <a:r>
               <a:rPr lang="zh-CN" altLang="en-US" dirty="0" smtClean="0"/>
-              <a:t>输入某年某月某日，判断这一天是这一年的第几天</a:t>
-            </a:r>
-            <a:r>
-              <a:rPr lang="zh-CN" altLang="en-US" dirty="0" smtClean="0"/>
-              <a:t>？</a:t>
+              <a:t>输入某年某月某日，判断这一天是这一年的第几天？</a:t>
             </a:r>
             <a:endParaRPr lang="en-US" altLang="zh-CN" dirty="0" smtClean="0"/>
           </a:p>
@@ -25458,6 +25452,13 @@
   <p:clrMapOvr>
     <a:masterClrMapping/>
   </p:clrMapOvr>
+  <p:timing>
+    <p:tnLst>
+      <p:par>
+        <p:cTn id="1" dur="indefinite" restart="never" nodeType="tmRoot"/>
+      </p:par>
+    </p:tnLst>
+  </p:timing>
 </p:sld>
 </file>
 
@@ -25520,7 +25521,7 @@
             </a:r>
             <a:r>
               <a:rPr lang="en-US" altLang="zh-CN" dirty="0" smtClean="0"/>
-              <a:t>3,</a:t>
+              <a:t>4,</a:t>
             </a:r>
             <a:r>
               <a:rPr lang="zh-CN" altLang="en-US" dirty="0" smtClean="0"/>
@@ -25540,11 +25541,7 @@
             </a:r>
             <a:r>
               <a:rPr lang="zh-CN" altLang="en-US" dirty="0" smtClean="0"/>
-              <a:t>乘法口诀表</a:t>
-            </a:r>
-            <a:r>
-              <a:rPr lang="zh-CN" altLang="en-US" dirty="0" smtClean="0"/>
-              <a:t>。</a:t>
+              <a:t>乘法口诀表。</a:t>
             </a:r>
             <a:endParaRPr lang="en-US" altLang="zh-CN" dirty="0" smtClean="0"/>
           </a:p>
@@ -25555,7 +25552,7 @@
             </a:r>
             <a:r>
               <a:rPr lang="en-US" altLang="zh-CN" dirty="0" smtClean="0"/>
-              <a:t>4,</a:t>
+              <a:t>5,</a:t>
             </a:r>
             <a:r>
               <a:rPr lang="zh-CN" altLang="en-US" dirty="0" smtClean="0"/>
@@ -25575,11 +25572,7 @@
             </a:r>
             <a:r>
               <a:rPr lang="zh-CN" altLang="en-US" dirty="0" smtClean="0"/>
-              <a:t>个月起每个月都生一对兔子，小兔子长到第三个月后每个月又生一对兔子，假如兔子都不死，问每个月的兔子总数为多少</a:t>
-            </a:r>
-            <a:r>
-              <a:rPr lang="zh-CN" altLang="en-US" dirty="0" smtClean="0"/>
-              <a:t>？</a:t>
+              <a:t>个月起每个月都生一对兔子，小兔子长到第三个月后每个月又生一对兔子，假如兔子都不死，问每个月的兔子总数为多少？</a:t>
             </a:r>
             <a:endParaRPr lang="en-US" altLang="zh-CN" dirty="0" smtClean="0"/>
           </a:p>
@@ -25590,7 +25583,7 @@
             </a:r>
             <a:r>
               <a:rPr lang="en-US" altLang="zh-CN" dirty="0" smtClean="0"/>
-              <a:t>5,</a:t>
+              <a:t>6,</a:t>
             </a:r>
             <a:r>
               <a:rPr lang="zh-CN" altLang="en-US" dirty="0" smtClean="0"/>
@@ -25621,6 +25614,13 @@
   <p:clrMapOvr>
     <a:masterClrMapping/>
   </p:clrMapOvr>
+  <p:timing>
+    <p:tnLst>
+      <p:par>
+        <p:cTn id="1" dur="indefinite" restart="never" nodeType="tmRoot"/>
+      </p:par>
+    </p:tnLst>
+  </p:timing>
 </p:sld>
 </file>
 
@@ -25656,14 +25656,9 @@
           <a:bodyPr/>
           <a:lstStyle/>
           <a:p>
-            <a:pPr algn="l"/>
-            <a:r>
-              <a:rPr lang="en-US" altLang="zh-CN" dirty="0" smtClean="0"/>
-              <a:t>23.6 </a:t>
-            </a:r>
-            <a:r>
-              <a:rPr lang="zh-CN" altLang="en-US" dirty="0" smtClean="0"/>
-              <a:t>回顾</a:t>
+            <a:r>
+              <a:rPr lang="en-US" altLang="zh-CN" smtClean="0"/>
+              <a:t>26</a:t>
             </a:r>
             <a:endParaRPr lang="zh-CN" altLang="en-US" dirty="0"/>
           </a:p>
@@ -25681,86 +25676,10 @@
         </p:nvSpPr>
         <p:spPr/>
         <p:txBody>
-          <a:bodyPr>
-            <a:normAutofit fontScale="92500" lnSpcReduction="10000"/>
-          </a:bodyPr>
-          <a:lstStyle/>
-          <a:p>
-            <a:r>
-              <a:rPr lang="zh-CN" altLang="en-US" dirty="0" smtClean="0"/>
-              <a:t>有很多很多别的主题需要研究，还有很多资源可以帮助你在不同的编程领域尤其是</a:t>
-            </a:r>
-            <a:r>
-              <a:rPr lang="en-US" altLang="zh-CN" dirty="0" smtClean="0"/>
-              <a:t>Python </a:t>
-            </a:r>
-            <a:r>
-              <a:rPr lang="zh-CN" altLang="en-US" dirty="0" smtClean="0"/>
-              <a:t>编程领域中更为深入。</a:t>
-            </a:r>
-            <a:endParaRPr lang="en-US" altLang="zh-CN" dirty="0" smtClean="0"/>
-          </a:p>
-          <a:p>
-            <a:r>
-              <a:rPr lang="zh-CN" altLang="en-US" dirty="0" smtClean="0"/>
-              <a:t>利用</a:t>
-            </a:r>
-            <a:r>
-              <a:rPr lang="en-US" altLang="zh-CN" dirty="0" smtClean="0"/>
-              <a:t>Python </a:t>
-            </a:r>
-            <a:r>
-              <a:rPr lang="zh-CN" altLang="en-US" dirty="0" smtClean="0"/>
-              <a:t>可以做很多事，但如果你需要做一些特定的事情，可能需要其他的语言，比如</a:t>
-            </a:r>
-            <a:r>
-              <a:rPr lang="en-US" altLang="zh-CN" dirty="0" smtClean="0"/>
-              <a:t>C</a:t>
-            </a:r>
-            <a:r>
-              <a:rPr lang="zh-CN" altLang="en-US" dirty="0" smtClean="0"/>
-              <a:t>、</a:t>
-            </a:r>
-            <a:r>
-              <a:rPr lang="en-US" altLang="zh-CN" dirty="0" smtClean="0"/>
-              <a:t>C++</a:t>
-            </a:r>
-            <a:r>
-              <a:rPr lang="zh-CN" altLang="en-US" dirty="0" smtClean="0"/>
-              <a:t>、</a:t>
-            </a:r>
-            <a:r>
-              <a:rPr lang="en-US" altLang="zh-CN" dirty="0" smtClean="0"/>
-              <a:t>Java</a:t>
-            </a:r>
-            <a:r>
-              <a:rPr lang="zh-CN" altLang="en-US" dirty="0" smtClean="0"/>
-              <a:t>、</a:t>
-            </a:r>
-            <a:r>
-              <a:rPr lang="en-US" altLang="zh-CN" dirty="0" smtClean="0"/>
-              <a:t>JavaScript</a:t>
-            </a:r>
-            <a:r>
-              <a:rPr lang="zh-CN" altLang="en-US" dirty="0" smtClean="0"/>
-              <a:t>（和</a:t>
-            </a:r>
-            <a:r>
-              <a:rPr lang="en-US" altLang="zh-CN" dirty="0" smtClean="0"/>
-              <a:t>Java </a:t>
-            </a:r>
-            <a:r>
-              <a:rPr lang="zh-CN" altLang="en-US" dirty="0" smtClean="0"/>
-              <a:t>不同）或者别的什么语言。</a:t>
-            </a:r>
-            <a:endParaRPr lang="en-US" altLang="zh-CN" dirty="0" smtClean="0"/>
-          </a:p>
-          <a:p>
-            <a:r>
-              <a:rPr lang="zh-CN" altLang="en-US" dirty="0" smtClean="0"/>
-              <a:t>不管怎样，享受编程的快乐吧！不断学习、探索和试验。你对编程了解得越多，就会发觉它越有意思！</a:t>
-            </a:r>
-            <a:endParaRPr lang="zh-CN" altLang="en-US" dirty="0"/>
+          <a:bodyPr/>
+          <a:lstStyle/>
+          <a:p>
+            <a:endParaRPr lang="zh-CN" altLang="en-US"/>
           </a:p>
         </p:txBody>
       </p:sp>
@@ -25769,13 +25688,6 @@
   <p:clrMapOvr>
     <a:masterClrMapping/>
   </p:clrMapOvr>
-  <p:timing>
-    <p:tnLst>
-      <p:par>
-        <p:cTn id="1" dur="indefinite" restart="never" nodeType="tmRoot"/>
-      </p:par>
-    </p:tnLst>
-  </p:timing>
 </p:sld>
 </file>
 
